--- a/Presentations_Epreuves.pptx
+++ b/Presentations_Epreuves.pptx
@@ -6,8 +6,9 @@
   </p:sldMasterIdLst>
   <p:sldIdLst>
     <p:sldId id="256" r:id="rId2"/>
-    <p:sldId id="257" r:id="rId3"/>
-    <p:sldId id="258" r:id="rId4"/>
+    <p:sldId id="259" r:id="rId3"/>
+    <p:sldId id="257" r:id="rId4"/>
+    <p:sldId id="258" r:id="rId5"/>
   </p:sldIdLst>
   <p:sldSz cx="6858000" cy="9906000" type="A4"/>
   <p:notesSz cx="6858000" cy="9144000"/>
@@ -14372,7 +14373,7 @@
               <a:rPr lang="fr-FR" sz="1600" b="1" dirty="0">
                 <a:latin typeface="Arial Nova" panose="020B0504020202020204" pitchFamily="34" charset="0"/>
               </a:rPr>
-              <a:t>Concours Centrale Supelec</a:t>
+              <a:t>Concours Centrale Supelec – TP SII </a:t>
             </a:r>
           </a:p>
         </p:txBody>
@@ -14480,13 +14481,13 @@
           <p:nvPr>
             <p:extLst>
               <p:ext uri="{D42A27DB-BD31-4B8C-83A1-F6EECF244321}">
-                <p14:modId xmlns:p14="http://schemas.microsoft.com/office/powerpoint/2010/main" val="3161899079"/>
+                <p14:modId xmlns:p14="http://schemas.microsoft.com/office/powerpoint/2010/main" val="1805183340"/>
               </p:ext>
             </p:extLst>
           </p:nvPr>
         </p:nvGraphicFramePr>
         <p:xfrm>
-          <a:off x="0" y="2357875"/>
+          <a:off x="0" y="1629739"/>
           <a:ext cx="6858000" cy="2191427"/>
         </p:xfrm>
         <a:graphic>
@@ -14968,7 +14969,9 @@
           </a:lstStyle>
           <a:p>
             <a:r>
-              <a:rPr lang="fr-FR" dirty="0"/>
+              <a:rPr lang="fr-FR" sz="1100" dirty="0">
+                <a:latin typeface="Arial Nova" panose="020B0504020202020204" pitchFamily="34" charset="0"/>
+              </a:rPr>
               <a:t>4 heures</a:t>
             </a:r>
           </a:p>
@@ -17327,7 +17330,7 @@
         </p:nvSpPr>
         <p:spPr>
           <a:xfrm>
-            <a:off x="598170" y="2256999"/>
+            <a:off x="598170" y="1528863"/>
             <a:ext cx="1427480" cy="333541"/>
           </a:xfrm>
           <a:prstGeom prst="accentCallout2">
@@ -17418,7 +17421,7 @@
         </p:nvSpPr>
         <p:spPr>
           <a:xfrm>
-            <a:off x="1029700" y="3957613"/>
+            <a:off x="1029700" y="3229477"/>
             <a:ext cx="252000" cy="252000"/>
           </a:xfrm>
           <a:prstGeom prst="ellipse">
@@ -17467,7 +17470,7 @@
         </p:nvSpPr>
         <p:spPr>
           <a:xfrm>
-            <a:off x="2451100" y="2725585"/>
+            <a:off x="2451100" y="1997449"/>
             <a:ext cx="252000" cy="252000"/>
           </a:xfrm>
           <a:prstGeom prst="ellipse">
@@ -17516,7 +17519,7 @@
         </p:nvSpPr>
         <p:spPr>
           <a:xfrm>
-            <a:off x="5322300" y="2688800"/>
+            <a:off x="5322300" y="1960664"/>
             <a:ext cx="252000" cy="252000"/>
           </a:xfrm>
           <a:prstGeom prst="ellipse">
@@ -17565,7 +17568,7 @@
         </p:nvSpPr>
         <p:spPr>
           <a:xfrm>
-            <a:off x="6606000" y="3919892"/>
+            <a:off x="6606000" y="3191756"/>
             <a:ext cx="252000" cy="252000"/>
           </a:xfrm>
           <a:prstGeom prst="ellipse">
@@ -17614,7 +17617,7 @@
         </p:nvSpPr>
         <p:spPr>
           <a:xfrm>
-            <a:off x="2238780" y="4467182"/>
+            <a:off x="2238780" y="3739046"/>
             <a:ext cx="1533120" cy="400893"/>
           </a:xfrm>
           <a:prstGeom prst="accentCallout2">
@@ -17685,7 +17688,7 @@
         </p:nvSpPr>
         <p:spPr>
           <a:xfrm>
-            <a:off x="6295640" y="4564542"/>
+            <a:off x="5198880" y="3771220"/>
             <a:ext cx="1533120" cy="400893"/>
           </a:xfrm>
           <a:prstGeom prst="accentCallout2">
@@ -17694,8 +17697,8 @@
               <a:gd name="adj2" fmla="val -8333"/>
               <a:gd name="adj3" fmla="val 18750"/>
               <a:gd name="adj4" fmla="val -16667"/>
-              <a:gd name="adj5" fmla="val -144392"/>
-              <a:gd name="adj6" fmla="val -29394"/>
+              <a:gd name="adj5" fmla="val -167624"/>
+              <a:gd name="adj6" fmla="val 30801"/>
             </a:avLst>
           </a:prstGeom>
         </p:spPr>
@@ -17766,6 +17769,549 @@
           </a:p>
         </p:txBody>
       </p:sp>
+      <p:sp>
+        <p:nvSpPr>
+          <p:cNvPr id="2" name="Flèche : double flèche horizontale 1">
+            <a:extLst>
+              <a:ext uri="{FF2B5EF4-FFF2-40B4-BE49-F238E27FC236}">
+                <a16:creationId xmlns:a16="http://schemas.microsoft.com/office/drawing/2014/main" id="{2A65A527-B205-5B50-C8FF-087C10425C3B}"/>
+              </a:ext>
+            </a:extLst>
+          </p:cNvPr>
+          <p:cNvSpPr/>
+          <p:nvPr/>
+        </p:nvSpPr>
+        <p:spPr>
+          <a:xfrm>
+            <a:off x="0" y="4316862"/>
+            <a:ext cx="5418666" cy="366731"/>
+          </a:xfrm>
+          <a:prstGeom prst="leftRightArrow">
+            <a:avLst/>
+          </a:prstGeom>
+        </p:spPr>
+        <p:style>
+          <a:lnRef idx="3">
+            <a:schemeClr val="lt1"/>
+          </a:lnRef>
+          <a:fillRef idx="1">
+            <a:schemeClr val="accent4"/>
+          </a:fillRef>
+          <a:effectRef idx="1">
+            <a:schemeClr val="accent4"/>
+          </a:effectRef>
+          <a:fontRef idx="minor">
+            <a:schemeClr val="lt1"/>
+          </a:fontRef>
+        </p:style>
+        <p:txBody>
+          <a:bodyPr rtlCol="0" anchor="ctr"/>
+          <a:lstStyle/>
+          <a:p>
+            <a:pPr algn="ctr"/>
+            <a:r>
+              <a:rPr lang="fr-FR" sz="1100" dirty="0">
+                <a:latin typeface="Arial Nova" panose="020B0504020202020204" pitchFamily="34" charset="0"/>
+              </a:rPr>
+              <a:t>Examinateur 1</a:t>
+            </a:r>
+          </a:p>
+        </p:txBody>
+      </p:sp>
+      <p:sp>
+        <p:nvSpPr>
+          <p:cNvPr id="3" name="Flèche : double flèche horizontale 2">
+            <a:extLst>
+              <a:ext uri="{FF2B5EF4-FFF2-40B4-BE49-F238E27FC236}">
+                <a16:creationId xmlns:a16="http://schemas.microsoft.com/office/drawing/2014/main" id="{F7481924-2173-F51C-20B3-9B031993C159}"/>
+              </a:ext>
+            </a:extLst>
+          </p:cNvPr>
+          <p:cNvSpPr/>
+          <p:nvPr/>
+        </p:nvSpPr>
+        <p:spPr>
+          <a:xfrm>
+            <a:off x="5418666" y="4324482"/>
+            <a:ext cx="1439333" cy="366731"/>
+          </a:xfrm>
+          <a:prstGeom prst="leftRightArrow">
+            <a:avLst/>
+          </a:prstGeom>
+        </p:spPr>
+        <p:style>
+          <a:lnRef idx="3">
+            <a:schemeClr val="lt1"/>
+          </a:lnRef>
+          <a:fillRef idx="1">
+            <a:schemeClr val="accent4"/>
+          </a:fillRef>
+          <a:effectRef idx="1">
+            <a:schemeClr val="accent4"/>
+          </a:effectRef>
+          <a:fontRef idx="minor">
+            <a:schemeClr val="lt1"/>
+          </a:fontRef>
+        </p:style>
+        <p:txBody>
+          <a:bodyPr rtlCol="0" anchor="ctr"/>
+          <a:lstStyle/>
+          <a:p>
+            <a:pPr algn="ctr"/>
+            <a:r>
+              <a:rPr lang="fr-FR" sz="1100" dirty="0">
+                <a:latin typeface="Arial Nova" panose="020B0504020202020204" pitchFamily="34" charset="0"/>
+              </a:rPr>
+              <a:t>Examinateur 2</a:t>
+            </a:r>
+          </a:p>
+        </p:txBody>
+      </p:sp>
+      <p:sp>
+        <p:nvSpPr>
+          <p:cNvPr id="5" name="Flèche : double flèche horizontale 4">
+            <a:extLst>
+              <a:ext uri="{FF2B5EF4-FFF2-40B4-BE49-F238E27FC236}">
+                <a16:creationId xmlns:a16="http://schemas.microsoft.com/office/drawing/2014/main" id="{0C0ED3DE-7958-CE58-F330-3269F1071FCB}"/>
+              </a:ext>
+            </a:extLst>
+          </p:cNvPr>
+          <p:cNvSpPr/>
+          <p:nvPr/>
+        </p:nvSpPr>
+        <p:spPr>
+          <a:xfrm>
+            <a:off x="0" y="4790201"/>
+            <a:ext cx="6858000" cy="658461"/>
+          </a:xfrm>
+          <a:prstGeom prst="leftRightArrow">
+            <a:avLst>
+              <a:gd name="adj1" fmla="val 50000"/>
+              <a:gd name="adj2" fmla="val 28141"/>
+            </a:avLst>
+          </a:prstGeom>
+          <a:ln w="19050"/>
+        </p:spPr>
+        <p:style>
+          <a:lnRef idx="2">
+            <a:schemeClr val="accent4"/>
+          </a:lnRef>
+          <a:fillRef idx="1">
+            <a:schemeClr val="lt1"/>
+          </a:fillRef>
+          <a:effectRef idx="0">
+            <a:schemeClr val="accent4"/>
+          </a:effectRef>
+          <a:fontRef idx="minor">
+            <a:schemeClr val="dk1"/>
+          </a:fontRef>
+        </p:style>
+        <p:txBody>
+          <a:bodyPr rtlCol="0" anchor="ctr"/>
+          <a:lstStyle/>
+          <a:p>
+            <a:pPr algn="ctr"/>
+            <a:r>
+              <a:rPr lang="fr-FR" sz="1000" dirty="0">
+                <a:latin typeface="Arial Nova" panose="020B0504020202020204" pitchFamily="34" charset="0"/>
+              </a:rPr>
+              <a:t>Conservation sur Power Point ou Libre Office de courbes. </a:t>
+            </a:r>
+          </a:p>
+          <a:p>
+            <a:pPr algn="ctr"/>
+            <a:r>
+              <a:rPr lang="fr-FR" sz="1000" dirty="0">
+                <a:latin typeface="Arial Nova" panose="020B0504020202020204" pitchFamily="34" charset="0"/>
+              </a:rPr>
+              <a:t>Penser à stocker les conditions des essais conservés</a:t>
+            </a:r>
+          </a:p>
+        </p:txBody>
+      </p:sp>
+      <p:sp>
+        <p:nvSpPr>
+          <p:cNvPr id="18" name="Rectangle 17">
+            <a:extLst>
+              <a:ext uri="{FF2B5EF4-FFF2-40B4-BE49-F238E27FC236}">
+                <a16:creationId xmlns:a16="http://schemas.microsoft.com/office/drawing/2014/main" id="{9D773CC0-AF0A-124D-05EF-FB9B82891AB9}"/>
+              </a:ext>
+            </a:extLst>
+          </p:cNvPr>
+          <p:cNvSpPr/>
+          <p:nvPr/>
+        </p:nvSpPr>
+        <p:spPr>
+          <a:xfrm>
+            <a:off x="186267" y="6377046"/>
+            <a:ext cx="1811866" cy="1046914"/>
+          </a:xfrm>
+          <a:prstGeom prst="rect">
+            <a:avLst/>
+          </a:prstGeom>
+        </p:spPr>
+        <p:style>
+          <a:lnRef idx="2">
+            <a:schemeClr val="accent1"/>
+          </a:lnRef>
+          <a:fillRef idx="1">
+            <a:schemeClr val="lt1"/>
+          </a:fillRef>
+          <a:effectRef idx="0">
+            <a:schemeClr val="accent1"/>
+          </a:effectRef>
+          <a:fontRef idx="minor">
+            <a:schemeClr val="dk1"/>
+          </a:fontRef>
+        </p:style>
+        <p:txBody>
+          <a:bodyPr rtlCol="0" anchor="ctr"/>
+          <a:lstStyle/>
+          <a:p>
+            <a:r>
+              <a:rPr lang="fr-FR" sz="1000" b="1" dirty="0"/>
+              <a:t>Communication</a:t>
+            </a:r>
+            <a:r>
+              <a:rPr lang="fr-FR" sz="1000" dirty="0"/>
+              <a:t> </a:t>
+            </a:r>
+          </a:p>
+          <a:p>
+            <a:pPr marL="93663" indent="-93663">
+              <a:buFont typeface="Arial" panose="020B0604020202020204" pitchFamily="34" charset="0"/>
+              <a:buChar char="•"/>
+            </a:pPr>
+            <a:r>
+              <a:rPr lang="fr-FR" sz="1000" dirty="0"/>
+              <a:t>25% de la note</a:t>
+            </a:r>
+          </a:p>
+          <a:p>
+            <a:pPr marL="93663" indent="-93663">
+              <a:buFont typeface="Arial" panose="020B0604020202020204" pitchFamily="34" charset="0"/>
+              <a:buChar char="•"/>
+            </a:pPr>
+            <a:r>
+              <a:rPr lang="fr-FR" sz="1000" dirty="0"/>
+              <a:t>Clarté des explications</a:t>
+            </a:r>
+          </a:p>
+          <a:p>
+            <a:pPr marL="93663" indent="-93663">
+              <a:buFont typeface="Arial" panose="020B0604020202020204" pitchFamily="34" charset="0"/>
+              <a:buChar char="•"/>
+            </a:pPr>
+            <a:r>
+              <a:rPr lang="fr-FR" sz="1000" dirty="0"/>
+              <a:t>Précision des explications</a:t>
+            </a:r>
+          </a:p>
+          <a:p>
+            <a:pPr marL="93663" indent="-93663">
+              <a:buFont typeface="Arial" panose="020B0604020202020204" pitchFamily="34" charset="0"/>
+              <a:buChar char="•"/>
+            </a:pPr>
+            <a:r>
+              <a:rPr lang="fr-FR" sz="1000" dirty="0"/>
+              <a:t>Choix du vocabulaire</a:t>
+            </a:r>
+          </a:p>
+          <a:p>
+            <a:pPr marL="93663" indent="-93663">
+              <a:buFont typeface="Arial" panose="020B0604020202020204" pitchFamily="34" charset="0"/>
+              <a:buChar char="•"/>
+            </a:pPr>
+            <a:r>
+              <a:rPr lang="fr-FR" sz="1000" dirty="0"/>
+              <a:t>Capacité de synthèse</a:t>
+            </a:r>
+          </a:p>
+        </p:txBody>
+      </p:sp>
+      <p:sp>
+        <p:nvSpPr>
+          <p:cNvPr id="21" name="ZoneTexte 20">
+            <a:extLst>
+              <a:ext uri="{FF2B5EF4-FFF2-40B4-BE49-F238E27FC236}">
+                <a16:creationId xmlns:a16="http://schemas.microsoft.com/office/drawing/2014/main" id="{B1457898-3440-65EF-8C1C-197629D28F3A}"/>
+              </a:ext>
+            </a:extLst>
+          </p:cNvPr>
+          <p:cNvSpPr txBox="1"/>
+          <p:nvPr/>
+        </p:nvSpPr>
+        <p:spPr>
+          <a:xfrm>
+            <a:off x="0" y="7532942"/>
+            <a:ext cx="1454150" cy="276999"/>
+          </a:xfrm>
+          <a:prstGeom prst="rect">
+            <a:avLst/>
+          </a:prstGeom>
+          <a:noFill/>
+        </p:spPr>
+        <p:txBody>
+          <a:bodyPr wrap="square" rtlCol="0">
+            <a:spAutoFit/>
+          </a:bodyPr>
+          <a:lstStyle/>
+          <a:p>
+            <a:r>
+              <a:rPr lang="fr-FR" sz="1200" b="1" dirty="0">
+                <a:latin typeface="Arial Nova" panose="020B0504020202020204" pitchFamily="34" charset="0"/>
+              </a:rPr>
+              <a:t>Logiciels</a:t>
+            </a:r>
+          </a:p>
+        </p:txBody>
+      </p:sp>
+      <p:sp>
+        <p:nvSpPr>
+          <p:cNvPr id="27" name="ZoneTexte 26">
+            <a:extLst>
+              <a:ext uri="{FF2B5EF4-FFF2-40B4-BE49-F238E27FC236}">
+                <a16:creationId xmlns:a16="http://schemas.microsoft.com/office/drawing/2014/main" id="{AFCD28B7-DF0E-B77C-7FBB-91C1D1CA430D}"/>
+              </a:ext>
+            </a:extLst>
+          </p:cNvPr>
+          <p:cNvSpPr txBox="1"/>
+          <p:nvPr/>
+        </p:nvSpPr>
+        <p:spPr>
+          <a:xfrm>
+            <a:off x="1029700" y="7592779"/>
+            <a:ext cx="720726" cy="157324"/>
+          </a:xfrm>
+          <a:prstGeom prst="rect">
+            <a:avLst/>
+          </a:prstGeom>
+          <a:solidFill>
+            <a:schemeClr val="accent1"/>
+          </a:solidFill>
+          <a:ln>
+            <a:noFill/>
+          </a:ln>
+        </p:spPr>
+        <p:style>
+          <a:lnRef idx="2">
+            <a:schemeClr val="accent6">
+              <a:shade val="50000"/>
+            </a:schemeClr>
+          </a:lnRef>
+          <a:fillRef idx="1">
+            <a:schemeClr val="accent6"/>
+          </a:fillRef>
+          <a:effectRef idx="0">
+            <a:schemeClr val="accent6"/>
+          </a:effectRef>
+          <a:fontRef idx="minor">
+            <a:schemeClr val="lt1"/>
+          </a:fontRef>
+        </p:style>
+        <p:txBody>
+          <a:bodyPr lIns="0" tIns="0" rIns="0" bIns="0" rtlCol="0" anchor="ctr"/>
+          <a:lstStyle>
+            <a:defPPr>
+              <a:defRPr lang="en-US"/>
+            </a:defPPr>
+            <a:lvl1pPr algn="ctr">
+              <a:defRPr sz="1200" b="1">
+                <a:solidFill>
+                  <a:schemeClr val="lt1"/>
+                </a:solidFill>
+              </a:defRPr>
+            </a:lvl1pPr>
+            <a:lvl2pPr>
+              <a:defRPr>
+                <a:solidFill>
+                  <a:schemeClr val="lt1"/>
+                </a:solidFill>
+              </a:defRPr>
+            </a:lvl2pPr>
+            <a:lvl3pPr>
+              <a:defRPr>
+                <a:solidFill>
+                  <a:schemeClr val="lt1"/>
+                </a:solidFill>
+              </a:defRPr>
+            </a:lvl3pPr>
+            <a:lvl4pPr>
+              <a:defRPr>
+                <a:solidFill>
+                  <a:schemeClr val="lt1"/>
+                </a:solidFill>
+              </a:defRPr>
+            </a:lvl4pPr>
+            <a:lvl5pPr>
+              <a:defRPr>
+                <a:solidFill>
+                  <a:schemeClr val="lt1"/>
+                </a:solidFill>
+              </a:defRPr>
+            </a:lvl5pPr>
+            <a:lvl6pPr>
+              <a:defRPr>
+                <a:solidFill>
+                  <a:schemeClr val="lt1"/>
+                </a:solidFill>
+              </a:defRPr>
+            </a:lvl6pPr>
+            <a:lvl7pPr>
+              <a:defRPr>
+                <a:solidFill>
+                  <a:schemeClr val="lt1"/>
+                </a:solidFill>
+              </a:defRPr>
+            </a:lvl7pPr>
+            <a:lvl8pPr>
+              <a:defRPr>
+                <a:solidFill>
+                  <a:schemeClr val="lt1"/>
+                </a:solidFill>
+              </a:defRPr>
+            </a:lvl8pPr>
+            <a:lvl9pPr>
+              <a:defRPr>
+                <a:solidFill>
+                  <a:schemeClr val="lt1"/>
+                </a:solidFill>
+              </a:defRPr>
+            </a:lvl9pPr>
+          </a:lstStyle>
+          <a:p>
+            <a:r>
+              <a:rPr lang="fr-FR" sz="900" b="0" dirty="0">
+                <a:latin typeface="Arial Nova" panose="020B0504020202020204" pitchFamily="34" charset="0"/>
+              </a:rPr>
+              <a:t>Python</a:t>
+            </a:r>
+          </a:p>
+        </p:txBody>
+      </p:sp>
+      <p:sp>
+        <p:nvSpPr>
+          <p:cNvPr id="28" name="ZoneTexte 27">
+            <a:extLst>
+              <a:ext uri="{FF2B5EF4-FFF2-40B4-BE49-F238E27FC236}">
+                <a16:creationId xmlns:a16="http://schemas.microsoft.com/office/drawing/2014/main" id="{F76094D1-AAEF-B806-3981-9D0003D36251}"/>
+              </a:ext>
+            </a:extLst>
+          </p:cNvPr>
+          <p:cNvSpPr txBox="1"/>
+          <p:nvPr/>
+        </p:nvSpPr>
+        <p:spPr>
+          <a:xfrm>
+            <a:off x="1856374" y="7592779"/>
+            <a:ext cx="720726" cy="157324"/>
+          </a:xfrm>
+          <a:prstGeom prst="rect">
+            <a:avLst/>
+          </a:prstGeom>
+          <a:solidFill>
+            <a:schemeClr val="accent1"/>
+          </a:solidFill>
+          <a:ln>
+            <a:noFill/>
+          </a:ln>
+        </p:spPr>
+        <p:style>
+          <a:lnRef idx="2">
+            <a:schemeClr val="accent6">
+              <a:shade val="50000"/>
+            </a:schemeClr>
+          </a:lnRef>
+          <a:fillRef idx="1">
+            <a:schemeClr val="accent6"/>
+          </a:fillRef>
+          <a:effectRef idx="0">
+            <a:schemeClr val="accent6"/>
+          </a:effectRef>
+          <a:fontRef idx="minor">
+            <a:schemeClr val="lt1"/>
+          </a:fontRef>
+        </p:style>
+        <p:txBody>
+          <a:bodyPr lIns="0" tIns="0" rIns="0" bIns="0" rtlCol="0" anchor="ctr"/>
+          <a:lstStyle>
+            <a:defPPr>
+              <a:defRPr lang="en-US"/>
+            </a:defPPr>
+            <a:lvl1pPr algn="ctr">
+              <a:defRPr sz="1200" b="1">
+                <a:solidFill>
+                  <a:schemeClr val="lt1"/>
+                </a:solidFill>
+              </a:defRPr>
+            </a:lvl1pPr>
+            <a:lvl2pPr>
+              <a:defRPr>
+                <a:solidFill>
+                  <a:schemeClr val="lt1"/>
+                </a:solidFill>
+              </a:defRPr>
+            </a:lvl2pPr>
+            <a:lvl3pPr>
+              <a:defRPr>
+                <a:solidFill>
+                  <a:schemeClr val="lt1"/>
+                </a:solidFill>
+              </a:defRPr>
+            </a:lvl3pPr>
+            <a:lvl4pPr>
+              <a:defRPr>
+                <a:solidFill>
+                  <a:schemeClr val="lt1"/>
+                </a:solidFill>
+              </a:defRPr>
+            </a:lvl4pPr>
+            <a:lvl5pPr>
+              <a:defRPr>
+                <a:solidFill>
+                  <a:schemeClr val="lt1"/>
+                </a:solidFill>
+              </a:defRPr>
+            </a:lvl5pPr>
+            <a:lvl6pPr>
+              <a:defRPr>
+                <a:solidFill>
+                  <a:schemeClr val="lt1"/>
+                </a:solidFill>
+              </a:defRPr>
+            </a:lvl6pPr>
+            <a:lvl7pPr>
+              <a:defRPr>
+                <a:solidFill>
+                  <a:schemeClr val="lt1"/>
+                </a:solidFill>
+              </a:defRPr>
+            </a:lvl7pPr>
+            <a:lvl8pPr>
+              <a:defRPr>
+                <a:solidFill>
+                  <a:schemeClr val="lt1"/>
+                </a:solidFill>
+              </a:defRPr>
+            </a:lvl8pPr>
+            <a:lvl9pPr>
+              <a:defRPr>
+                <a:solidFill>
+                  <a:schemeClr val="lt1"/>
+                </a:solidFill>
+              </a:defRPr>
+            </a:lvl9pPr>
+          </a:lstStyle>
+          <a:p>
+            <a:r>
+              <a:rPr lang="fr-FR" sz="900" b="0" dirty="0">
+                <a:latin typeface="Arial Nova" panose="020B0504020202020204" pitchFamily="34" charset="0"/>
+              </a:rPr>
+              <a:t>Scilab</a:t>
+            </a:r>
+          </a:p>
+        </p:txBody>
+      </p:sp>
     </p:spTree>
     <p:extLst>
       <p:ext uri="{BB962C8B-B14F-4D97-AF65-F5344CB8AC3E}">
@@ -17780,6 +18326,314 @@
 </file>
 
 <file path=ppt/slides/slide2.xml><?xml version="1.0" encoding="utf-8"?>
+<p:sld xmlns:a="http://schemas.openxmlformats.org/drawingml/2006/main" xmlns:r="http://schemas.openxmlformats.org/officeDocument/2006/relationships" xmlns:p="http://schemas.openxmlformats.org/presentationml/2006/main">
+  <p:cSld>
+    <p:spTree>
+      <p:nvGrpSpPr>
+        <p:cNvPr id="1" name=""/>
+        <p:cNvGrpSpPr/>
+        <p:nvPr/>
+      </p:nvGrpSpPr>
+      <p:grpSpPr>
+        <a:xfrm>
+          <a:off x="0" y="0"/>
+          <a:ext cx="0" cy="0"/>
+          <a:chOff x="0" y="0"/>
+          <a:chExt cx="0" cy="0"/>
+        </a:xfrm>
+      </p:grpSpPr>
+      <p:sp>
+        <p:nvSpPr>
+          <p:cNvPr id="4" name="ZoneTexte 3">
+            <a:extLst>
+              <a:ext uri="{FF2B5EF4-FFF2-40B4-BE49-F238E27FC236}">
+                <a16:creationId xmlns:a16="http://schemas.microsoft.com/office/drawing/2014/main" id="{FFBA4433-80DD-2F99-7BCD-60FCA346D293}"/>
+              </a:ext>
+            </a:extLst>
+          </p:cNvPr>
+          <p:cNvSpPr txBox="1"/>
+          <p:nvPr/>
+        </p:nvSpPr>
+        <p:spPr>
+          <a:xfrm>
+            <a:off x="0" y="228600"/>
+            <a:ext cx="6858000" cy="338554"/>
+          </a:xfrm>
+          <a:prstGeom prst="rect">
+            <a:avLst/>
+          </a:prstGeom>
+          <a:noFill/>
+        </p:spPr>
+        <p:txBody>
+          <a:bodyPr wrap="square" rtlCol="0">
+            <a:spAutoFit/>
+          </a:bodyPr>
+          <a:lstStyle/>
+          <a:p>
+            <a:pPr algn="ctr"/>
+            <a:r>
+              <a:rPr lang="fr-FR" sz="1600" b="1" dirty="0">
+                <a:latin typeface="Arial Nova" panose="020B0504020202020204" pitchFamily="34" charset="0"/>
+              </a:rPr>
+              <a:t>Quelques conseils</a:t>
+            </a:r>
+          </a:p>
+        </p:txBody>
+      </p:sp>
+      <p:cxnSp>
+        <p:nvCxnSpPr>
+          <p:cNvPr id="6" name="Connecteur droit 5">
+            <a:extLst>
+              <a:ext uri="{FF2B5EF4-FFF2-40B4-BE49-F238E27FC236}">
+                <a16:creationId xmlns:a16="http://schemas.microsoft.com/office/drawing/2014/main" id="{4AFA8A74-591C-0373-4B68-9B2052B574F7}"/>
+              </a:ext>
+            </a:extLst>
+          </p:cNvPr>
+          <p:cNvCxnSpPr>
+            <a:cxnSpLocks/>
+          </p:cNvCxnSpPr>
+          <p:nvPr/>
+        </p:nvCxnSpPr>
+        <p:spPr>
+          <a:xfrm>
+            <a:off x="0" y="228600"/>
+            <a:ext cx="6858000" cy="0"/>
+          </a:xfrm>
+          <a:prstGeom prst="line">
+            <a:avLst/>
+          </a:prstGeom>
+          <a:ln w="19050">
+            <a:solidFill>
+              <a:schemeClr val="tx2">
+                <a:lumMod val="50000"/>
+              </a:schemeClr>
+            </a:solidFill>
+          </a:ln>
+        </p:spPr>
+        <p:style>
+          <a:lnRef idx="1">
+            <a:schemeClr val="accent1"/>
+          </a:lnRef>
+          <a:fillRef idx="0">
+            <a:schemeClr val="accent1"/>
+          </a:fillRef>
+          <a:effectRef idx="0">
+            <a:schemeClr val="accent1"/>
+          </a:effectRef>
+          <a:fontRef idx="minor">
+            <a:schemeClr val="tx1"/>
+          </a:fontRef>
+        </p:style>
+      </p:cxnSp>
+      <p:cxnSp>
+        <p:nvCxnSpPr>
+          <p:cNvPr id="7" name="Connecteur droit 6">
+            <a:extLst>
+              <a:ext uri="{FF2B5EF4-FFF2-40B4-BE49-F238E27FC236}">
+                <a16:creationId xmlns:a16="http://schemas.microsoft.com/office/drawing/2014/main" id="{E0244E97-E46A-E01A-32CF-295153AAA031}"/>
+              </a:ext>
+            </a:extLst>
+          </p:cNvPr>
+          <p:cNvCxnSpPr>
+            <a:cxnSpLocks/>
+          </p:cNvCxnSpPr>
+          <p:nvPr/>
+        </p:nvCxnSpPr>
+        <p:spPr>
+          <a:xfrm>
+            <a:off x="0" y="586204"/>
+            <a:ext cx="6858000" cy="0"/>
+          </a:xfrm>
+          <a:prstGeom prst="line">
+            <a:avLst/>
+          </a:prstGeom>
+          <a:ln w="19050">
+            <a:solidFill>
+              <a:schemeClr val="tx2">
+                <a:lumMod val="50000"/>
+              </a:schemeClr>
+            </a:solidFill>
+          </a:ln>
+        </p:spPr>
+        <p:style>
+          <a:lnRef idx="1">
+            <a:schemeClr val="accent1"/>
+          </a:lnRef>
+          <a:fillRef idx="0">
+            <a:schemeClr val="accent1"/>
+          </a:fillRef>
+          <a:effectRef idx="0">
+            <a:schemeClr val="accent1"/>
+          </a:effectRef>
+          <a:fontRef idx="minor">
+            <a:schemeClr val="tx1"/>
+          </a:fontRef>
+        </p:style>
+      </p:cxnSp>
+      <p:sp>
+        <p:nvSpPr>
+          <p:cNvPr id="12" name="ZoneTexte 11">
+            <a:extLst>
+              <a:ext uri="{FF2B5EF4-FFF2-40B4-BE49-F238E27FC236}">
+                <a16:creationId xmlns:a16="http://schemas.microsoft.com/office/drawing/2014/main" id="{FF2C14D2-3546-BE14-04AB-D86B9952E6CE}"/>
+              </a:ext>
+            </a:extLst>
+          </p:cNvPr>
+          <p:cNvSpPr txBox="1"/>
+          <p:nvPr/>
+        </p:nvSpPr>
+        <p:spPr>
+          <a:xfrm>
+            <a:off x="0" y="605255"/>
+            <a:ext cx="1454150" cy="276999"/>
+          </a:xfrm>
+          <a:prstGeom prst="rect">
+            <a:avLst/>
+          </a:prstGeom>
+          <a:noFill/>
+        </p:spPr>
+        <p:txBody>
+          <a:bodyPr wrap="square" rtlCol="0">
+            <a:spAutoFit/>
+          </a:bodyPr>
+          <a:lstStyle/>
+          <a:p>
+            <a:r>
+              <a:rPr lang="fr-FR" sz="1200" b="1" dirty="0">
+                <a:latin typeface="Arial Nova" panose="020B0504020202020204" pitchFamily="34" charset="0"/>
+              </a:rPr>
+              <a:t>Systèmes 2022</a:t>
+            </a:r>
+          </a:p>
+        </p:txBody>
+      </p:sp>
+      <p:sp>
+        <p:nvSpPr>
+          <p:cNvPr id="13" name="ZoneTexte 12">
+            <a:extLst>
+              <a:ext uri="{FF2B5EF4-FFF2-40B4-BE49-F238E27FC236}">
+                <a16:creationId xmlns:a16="http://schemas.microsoft.com/office/drawing/2014/main" id="{94C44AFD-54C7-BCCC-4D8E-B26BA7771E9F}"/>
+              </a:ext>
+            </a:extLst>
+          </p:cNvPr>
+          <p:cNvSpPr txBox="1"/>
+          <p:nvPr/>
+        </p:nvSpPr>
+        <p:spPr>
+          <a:xfrm>
+            <a:off x="0" y="1028009"/>
+            <a:ext cx="6858000" cy="1446550"/>
+          </a:xfrm>
+          <a:prstGeom prst="rect">
+            <a:avLst/>
+          </a:prstGeom>
+          <a:noFill/>
+        </p:spPr>
+        <p:txBody>
+          <a:bodyPr wrap="square" rtlCol="0">
+            <a:spAutoFit/>
+          </a:bodyPr>
+          <a:lstStyle/>
+          <a:p>
+            <a:pPr marL="285750" indent="-285750">
+              <a:buClr>
+                <a:schemeClr val="accent1"/>
+              </a:buClr>
+              <a:buFont typeface="Wingdings" panose="05000000000000000000" pitchFamily="2" charset="2"/>
+              <a:buChar char="§"/>
+            </a:pPr>
+            <a:r>
+              <a:rPr lang="fr-FR" sz="1100" dirty="0">
+                <a:latin typeface="Arial Nova" panose="020B0504020202020204" pitchFamily="34" charset="0"/>
+              </a:rPr>
+              <a:t>Même si ce n’est pas explicitement demander, penser à donner le contexte d’utilisation du système ainsi que sa fonction principale avant de commencer la résolution des activités proposées. </a:t>
+            </a:r>
+          </a:p>
+          <a:p>
+            <a:pPr marL="285750" indent="-285750">
+              <a:buClr>
+                <a:schemeClr val="accent1"/>
+              </a:buClr>
+              <a:buFont typeface="Wingdings" panose="05000000000000000000" pitchFamily="2" charset="2"/>
+              <a:buChar char="§"/>
+            </a:pPr>
+            <a:r>
+              <a:rPr lang="fr-FR" sz="1100" dirty="0">
+                <a:latin typeface="Arial Nova" panose="020B0504020202020204" pitchFamily="34" charset="0"/>
+              </a:rPr>
+              <a:t>Vous êtes le maître votre oral. Penser à donner les réponses à toutes les questions traitées. Si vous avez traité une question sans en rendre compte à l’examinateur, vous ne serez pas évalué sur cette question.</a:t>
+            </a:r>
+          </a:p>
+          <a:p>
+            <a:pPr marL="285750" indent="-285750">
+              <a:buClr>
+                <a:schemeClr val="accent1"/>
+              </a:buClr>
+              <a:buFont typeface="Wingdings" panose="05000000000000000000" pitchFamily="2" charset="2"/>
+              <a:buChar char="§"/>
+            </a:pPr>
+            <a:r>
+              <a:rPr lang="fr-FR" sz="1100" dirty="0">
+                <a:latin typeface="Arial Nova" panose="020B0504020202020204" pitchFamily="34" charset="0"/>
+              </a:rPr>
+              <a:t>Penser à préciser les hypothèses, les méthodes, les théorèmes utilisés. </a:t>
+            </a:r>
+          </a:p>
+          <a:p>
+            <a:pPr marL="285750" indent="-285750">
+              <a:buClr>
+                <a:schemeClr val="accent1"/>
+              </a:buClr>
+              <a:buFont typeface="Wingdings" panose="05000000000000000000" pitchFamily="2" charset="2"/>
+              <a:buChar char="§"/>
+            </a:pPr>
+            <a:r>
+              <a:rPr lang="fr-FR" sz="1100" dirty="0">
+                <a:latin typeface="Arial Nova" panose="020B0504020202020204" pitchFamily="34" charset="0"/>
+              </a:rPr>
+              <a:t>Utiliser des schémas propre et précis pour appuyer votre discours.</a:t>
+            </a:r>
+          </a:p>
+          <a:p>
+            <a:pPr marL="285750" indent="-285750">
+              <a:buClr>
+                <a:schemeClr val="accent1"/>
+              </a:buClr>
+              <a:buFont typeface="Wingdings" panose="05000000000000000000" pitchFamily="2" charset="2"/>
+              <a:buChar char="§"/>
+            </a:pPr>
+            <a:r>
+              <a:rPr lang="fr-FR" sz="1100" dirty="0">
+                <a:latin typeface="Arial Nova" panose="020B0504020202020204" pitchFamily="34" charset="0"/>
+              </a:rPr>
+              <a:t>Consulter le cahier des charges fournis pour savoir les critères à évaluer et les niveaux </a:t>
+            </a:r>
+            <a:r>
+              <a:rPr lang="fr-FR" sz="1100">
+                <a:latin typeface="Arial Nova" panose="020B0504020202020204" pitchFamily="34" charset="0"/>
+              </a:rPr>
+              <a:t>des exigences.</a:t>
+            </a:r>
+            <a:endParaRPr lang="fr-FR" sz="1100" dirty="0">
+              <a:latin typeface="Arial Nova" panose="020B0504020202020204" pitchFamily="34" charset="0"/>
+            </a:endParaRPr>
+          </a:p>
+        </p:txBody>
+      </p:sp>
+    </p:spTree>
+    <p:extLst>
+      <p:ext uri="{BB962C8B-B14F-4D97-AF65-F5344CB8AC3E}">
+        <p14:creationId xmlns:p14="http://schemas.microsoft.com/office/powerpoint/2010/main" val="3776534302"/>
+      </p:ext>
+    </p:extLst>
+  </p:cSld>
+  <p:clrMapOvr>
+    <a:masterClrMapping/>
+  </p:clrMapOvr>
+</p:sld>
+</file>
+
+<file path=ppt/slides/slide3.xml><?xml version="1.0" encoding="utf-8"?>
 <p:sld xmlns:a="http://schemas.openxmlformats.org/drawingml/2006/main" xmlns:r="http://schemas.openxmlformats.org/officeDocument/2006/relationships" xmlns:p="http://schemas.openxmlformats.org/presentationml/2006/main">
   <p:cSld>
     <p:spTree>
@@ -18378,7 +19232,7 @@
 </p:sld>
 </file>
 
-<file path=ppt/slides/slide3.xml><?xml version="1.0" encoding="utf-8"?>
+<file path=ppt/slides/slide4.xml><?xml version="1.0" encoding="utf-8"?>
 <p:sld xmlns:a="http://schemas.openxmlformats.org/drawingml/2006/main" xmlns:r="http://schemas.openxmlformats.org/officeDocument/2006/relationships" xmlns:p="http://schemas.openxmlformats.org/presentationml/2006/main">
   <p:cSld>
     <p:spTree>

--- a/Presentations_Epreuves.pptx
+++ b/Presentations_Epreuves.pptx
@@ -6,9 +6,10 @@
   </p:sldMasterIdLst>
   <p:sldIdLst>
     <p:sldId id="256" r:id="rId2"/>
-    <p:sldId id="259" r:id="rId3"/>
-    <p:sldId id="257" r:id="rId4"/>
-    <p:sldId id="258" r:id="rId5"/>
+    <p:sldId id="260" r:id="rId3"/>
+    <p:sldId id="259" r:id="rId4"/>
+    <p:sldId id="257" r:id="rId5"/>
+    <p:sldId id="258" r:id="rId6"/>
   </p:sldIdLst>
   <p:sldSz cx="6858000" cy="9906000" type="A4"/>
   <p:notesSz cx="6858000" cy="9144000"/>
@@ -2367,7 +2368,1461 @@
 </dgm:colorsDef>
 </file>
 
+<file path=ppt/diagrams/colors4.xml><?xml version="1.0" encoding="utf-8"?>
+<dgm:colorsDef xmlns:dgm="http://schemas.openxmlformats.org/drawingml/2006/diagram" xmlns:a="http://schemas.openxmlformats.org/drawingml/2006/main" uniqueId="urn:microsoft.com/office/officeart/2005/8/colors/accent1_2">
+  <dgm:title val=""/>
+  <dgm:desc val=""/>
+  <dgm:catLst>
+    <dgm:cat type="accent1" pri="11200"/>
+  </dgm:catLst>
+  <dgm:styleLbl name="node0">
+    <dgm:fillClrLst meth="repeat">
+      <a:schemeClr val="accent1"/>
+    </dgm:fillClrLst>
+    <dgm:linClrLst meth="repeat">
+      <a:schemeClr val="lt1"/>
+    </dgm:linClrLst>
+    <dgm:effectClrLst/>
+    <dgm:txLinClrLst/>
+    <dgm:txFillClrLst/>
+    <dgm:txEffectClrLst/>
+  </dgm:styleLbl>
+  <dgm:styleLbl name="alignNode1">
+    <dgm:fillClrLst meth="repeat">
+      <a:schemeClr val="accent1"/>
+    </dgm:fillClrLst>
+    <dgm:linClrLst meth="repeat">
+      <a:schemeClr val="accent1"/>
+    </dgm:linClrLst>
+    <dgm:effectClrLst/>
+    <dgm:txLinClrLst/>
+    <dgm:txFillClrLst/>
+    <dgm:txEffectClrLst/>
+  </dgm:styleLbl>
+  <dgm:styleLbl name="node1">
+    <dgm:fillClrLst meth="repeat">
+      <a:schemeClr val="accent1"/>
+    </dgm:fillClrLst>
+    <dgm:linClrLst meth="repeat">
+      <a:schemeClr val="lt1"/>
+    </dgm:linClrLst>
+    <dgm:effectClrLst/>
+    <dgm:txLinClrLst/>
+    <dgm:txFillClrLst/>
+    <dgm:txEffectClrLst/>
+  </dgm:styleLbl>
+  <dgm:styleLbl name="lnNode1">
+    <dgm:fillClrLst meth="repeat">
+      <a:schemeClr val="accent1"/>
+    </dgm:fillClrLst>
+    <dgm:linClrLst meth="repeat">
+      <a:schemeClr val="lt1"/>
+    </dgm:linClrLst>
+    <dgm:effectClrLst/>
+    <dgm:txLinClrLst/>
+    <dgm:txFillClrLst/>
+    <dgm:txEffectClrLst/>
+  </dgm:styleLbl>
+  <dgm:styleLbl name="vennNode1">
+    <dgm:fillClrLst meth="repeat">
+      <a:schemeClr val="accent1">
+        <a:alpha val="50000"/>
+      </a:schemeClr>
+    </dgm:fillClrLst>
+    <dgm:linClrLst meth="repeat">
+      <a:schemeClr val="lt1"/>
+    </dgm:linClrLst>
+    <dgm:effectClrLst/>
+    <dgm:txLinClrLst/>
+    <dgm:txFillClrLst/>
+    <dgm:txEffectClrLst/>
+  </dgm:styleLbl>
+  <dgm:styleLbl name="node2">
+    <dgm:fillClrLst meth="repeat">
+      <a:schemeClr val="accent1"/>
+    </dgm:fillClrLst>
+    <dgm:linClrLst meth="repeat">
+      <a:schemeClr val="lt1"/>
+    </dgm:linClrLst>
+    <dgm:effectClrLst/>
+    <dgm:txLinClrLst/>
+    <dgm:txFillClrLst/>
+    <dgm:txEffectClrLst/>
+  </dgm:styleLbl>
+  <dgm:styleLbl name="node3">
+    <dgm:fillClrLst meth="repeat">
+      <a:schemeClr val="accent1"/>
+    </dgm:fillClrLst>
+    <dgm:linClrLst meth="repeat">
+      <a:schemeClr val="lt1"/>
+    </dgm:linClrLst>
+    <dgm:effectClrLst/>
+    <dgm:txLinClrLst/>
+    <dgm:txFillClrLst/>
+    <dgm:txEffectClrLst/>
+  </dgm:styleLbl>
+  <dgm:styleLbl name="node4">
+    <dgm:fillClrLst meth="repeat">
+      <a:schemeClr val="accent1"/>
+    </dgm:fillClrLst>
+    <dgm:linClrLst meth="repeat">
+      <a:schemeClr val="lt1"/>
+    </dgm:linClrLst>
+    <dgm:effectClrLst/>
+    <dgm:txLinClrLst/>
+    <dgm:txFillClrLst/>
+    <dgm:txEffectClrLst/>
+  </dgm:styleLbl>
+  <dgm:styleLbl name="fgImgPlace1">
+    <dgm:fillClrLst meth="repeat">
+      <a:schemeClr val="accent1">
+        <a:tint val="50000"/>
+      </a:schemeClr>
+    </dgm:fillClrLst>
+    <dgm:linClrLst meth="repeat">
+      <a:schemeClr val="lt1"/>
+    </dgm:linClrLst>
+    <dgm:effectClrLst/>
+    <dgm:txLinClrLst/>
+    <dgm:txFillClrLst meth="repeat">
+      <a:schemeClr val="lt1"/>
+    </dgm:txFillClrLst>
+    <dgm:txEffectClrLst/>
+  </dgm:styleLbl>
+  <dgm:styleLbl name="alignImgPlace1">
+    <dgm:fillClrLst meth="repeat">
+      <a:schemeClr val="accent1">
+        <a:tint val="50000"/>
+      </a:schemeClr>
+    </dgm:fillClrLst>
+    <dgm:linClrLst meth="repeat">
+      <a:schemeClr val="lt1"/>
+    </dgm:linClrLst>
+    <dgm:effectClrLst/>
+    <dgm:txLinClrLst/>
+    <dgm:txFillClrLst meth="repeat">
+      <a:schemeClr val="lt1"/>
+    </dgm:txFillClrLst>
+    <dgm:txEffectClrLst/>
+  </dgm:styleLbl>
+  <dgm:styleLbl name="bgImgPlace1">
+    <dgm:fillClrLst meth="repeat">
+      <a:schemeClr val="accent1">
+        <a:tint val="50000"/>
+      </a:schemeClr>
+    </dgm:fillClrLst>
+    <dgm:linClrLst meth="repeat">
+      <a:schemeClr val="lt1"/>
+    </dgm:linClrLst>
+    <dgm:effectClrLst/>
+    <dgm:txLinClrLst/>
+    <dgm:txFillClrLst meth="repeat">
+      <a:schemeClr val="lt1"/>
+    </dgm:txFillClrLst>
+    <dgm:txEffectClrLst/>
+  </dgm:styleLbl>
+  <dgm:styleLbl name="sibTrans2D1">
+    <dgm:fillClrLst meth="repeat">
+      <a:schemeClr val="accent1">
+        <a:tint val="60000"/>
+      </a:schemeClr>
+    </dgm:fillClrLst>
+    <dgm:linClrLst meth="repeat">
+      <a:schemeClr val="accent1">
+        <a:tint val="60000"/>
+      </a:schemeClr>
+    </dgm:linClrLst>
+    <dgm:effectClrLst/>
+    <dgm:txLinClrLst/>
+    <dgm:txFillClrLst/>
+    <dgm:txEffectClrLst/>
+  </dgm:styleLbl>
+  <dgm:styleLbl name="fgSibTrans2D1">
+    <dgm:fillClrLst meth="repeat">
+      <a:schemeClr val="accent1">
+        <a:tint val="60000"/>
+      </a:schemeClr>
+    </dgm:fillClrLst>
+    <dgm:linClrLst meth="repeat">
+      <a:schemeClr val="accent1">
+        <a:tint val="60000"/>
+      </a:schemeClr>
+    </dgm:linClrLst>
+    <dgm:effectClrLst/>
+    <dgm:txLinClrLst/>
+    <dgm:txFillClrLst/>
+    <dgm:txEffectClrLst/>
+  </dgm:styleLbl>
+  <dgm:styleLbl name="bgSibTrans2D1">
+    <dgm:fillClrLst meth="repeat">
+      <a:schemeClr val="accent1">
+        <a:tint val="60000"/>
+      </a:schemeClr>
+    </dgm:fillClrLst>
+    <dgm:linClrLst meth="repeat">
+      <a:schemeClr val="accent1">
+        <a:tint val="60000"/>
+      </a:schemeClr>
+    </dgm:linClrLst>
+    <dgm:effectClrLst/>
+    <dgm:txLinClrLst/>
+    <dgm:txFillClrLst/>
+    <dgm:txEffectClrLst/>
+  </dgm:styleLbl>
+  <dgm:styleLbl name="sibTrans1D1">
+    <dgm:fillClrLst meth="repeat">
+      <a:schemeClr val="accent1"/>
+    </dgm:fillClrLst>
+    <dgm:linClrLst meth="repeat">
+      <a:schemeClr val="accent1"/>
+    </dgm:linClrLst>
+    <dgm:effectClrLst/>
+    <dgm:txLinClrLst/>
+    <dgm:txFillClrLst meth="repeat">
+      <a:schemeClr val="tx1"/>
+    </dgm:txFillClrLst>
+    <dgm:txEffectClrLst/>
+  </dgm:styleLbl>
+  <dgm:styleLbl name="callout">
+    <dgm:fillClrLst meth="repeat">
+      <a:schemeClr val="accent1"/>
+    </dgm:fillClrLst>
+    <dgm:linClrLst meth="repeat">
+      <a:schemeClr val="accent1">
+        <a:tint val="50000"/>
+      </a:schemeClr>
+    </dgm:linClrLst>
+    <dgm:effectClrLst/>
+    <dgm:txLinClrLst/>
+    <dgm:txFillClrLst meth="repeat">
+      <a:schemeClr val="tx1"/>
+    </dgm:txFillClrLst>
+    <dgm:txEffectClrLst/>
+  </dgm:styleLbl>
+  <dgm:styleLbl name="asst0">
+    <dgm:fillClrLst meth="repeat">
+      <a:schemeClr val="accent1"/>
+    </dgm:fillClrLst>
+    <dgm:linClrLst meth="repeat">
+      <a:schemeClr val="lt1"/>
+    </dgm:linClrLst>
+    <dgm:effectClrLst/>
+    <dgm:txLinClrLst/>
+    <dgm:txFillClrLst/>
+    <dgm:txEffectClrLst/>
+  </dgm:styleLbl>
+  <dgm:styleLbl name="asst1">
+    <dgm:fillClrLst meth="repeat">
+      <a:schemeClr val="accent1"/>
+    </dgm:fillClrLst>
+    <dgm:linClrLst meth="repeat">
+      <a:schemeClr val="lt1"/>
+    </dgm:linClrLst>
+    <dgm:effectClrLst/>
+    <dgm:txLinClrLst/>
+    <dgm:txFillClrLst/>
+    <dgm:txEffectClrLst/>
+  </dgm:styleLbl>
+  <dgm:styleLbl name="asst2">
+    <dgm:fillClrLst meth="repeat">
+      <a:schemeClr val="accent1"/>
+    </dgm:fillClrLst>
+    <dgm:linClrLst meth="repeat">
+      <a:schemeClr val="lt1"/>
+    </dgm:linClrLst>
+    <dgm:effectClrLst/>
+    <dgm:txLinClrLst/>
+    <dgm:txFillClrLst/>
+    <dgm:txEffectClrLst/>
+  </dgm:styleLbl>
+  <dgm:styleLbl name="asst3">
+    <dgm:fillClrLst meth="repeat">
+      <a:schemeClr val="accent1"/>
+    </dgm:fillClrLst>
+    <dgm:linClrLst meth="repeat">
+      <a:schemeClr val="lt1"/>
+    </dgm:linClrLst>
+    <dgm:effectClrLst/>
+    <dgm:txLinClrLst/>
+    <dgm:txFillClrLst/>
+    <dgm:txEffectClrLst/>
+  </dgm:styleLbl>
+  <dgm:styleLbl name="asst4">
+    <dgm:fillClrLst meth="repeat">
+      <a:schemeClr val="accent1"/>
+    </dgm:fillClrLst>
+    <dgm:linClrLst meth="repeat">
+      <a:schemeClr val="lt1"/>
+    </dgm:linClrLst>
+    <dgm:effectClrLst/>
+    <dgm:txLinClrLst/>
+    <dgm:txFillClrLst/>
+    <dgm:txEffectClrLst/>
+  </dgm:styleLbl>
+  <dgm:styleLbl name="parChTrans2D1">
+    <dgm:fillClrLst meth="repeat">
+      <a:schemeClr val="accent1">
+        <a:tint val="60000"/>
+      </a:schemeClr>
+    </dgm:fillClrLst>
+    <dgm:linClrLst meth="repeat">
+      <a:schemeClr val="accent1">
+        <a:tint val="60000"/>
+      </a:schemeClr>
+    </dgm:linClrLst>
+    <dgm:effectClrLst/>
+    <dgm:txLinClrLst/>
+    <dgm:txFillClrLst meth="repeat">
+      <a:schemeClr val="lt1"/>
+    </dgm:txFillClrLst>
+    <dgm:txEffectClrLst/>
+  </dgm:styleLbl>
+  <dgm:styleLbl name="parChTrans2D2">
+    <dgm:fillClrLst meth="repeat">
+      <a:schemeClr val="accent1"/>
+    </dgm:fillClrLst>
+    <dgm:linClrLst meth="repeat">
+      <a:schemeClr val="accent1"/>
+    </dgm:linClrLst>
+    <dgm:effectClrLst/>
+    <dgm:txLinClrLst/>
+    <dgm:txFillClrLst meth="repeat">
+      <a:schemeClr val="lt1"/>
+    </dgm:txFillClrLst>
+    <dgm:txEffectClrLst/>
+  </dgm:styleLbl>
+  <dgm:styleLbl name="parChTrans2D3">
+    <dgm:fillClrLst meth="repeat">
+      <a:schemeClr val="accent1"/>
+    </dgm:fillClrLst>
+    <dgm:linClrLst meth="repeat">
+      <a:schemeClr val="accent1"/>
+    </dgm:linClrLst>
+    <dgm:effectClrLst/>
+    <dgm:txLinClrLst/>
+    <dgm:txFillClrLst meth="repeat">
+      <a:schemeClr val="lt1"/>
+    </dgm:txFillClrLst>
+    <dgm:txEffectClrLst/>
+  </dgm:styleLbl>
+  <dgm:styleLbl name="parChTrans2D4">
+    <dgm:fillClrLst meth="repeat">
+      <a:schemeClr val="accent1"/>
+    </dgm:fillClrLst>
+    <dgm:linClrLst meth="repeat">
+      <a:schemeClr val="accent1"/>
+    </dgm:linClrLst>
+    <dgm:effectClrLst/>
+    <dgm:txLinClrLst/>
+    <dgm:txFillClrLst meth="repeat">
+      <a:schemeClr val="lt1"/>
+    </dgm:txFillClrLst>
+    <dgm:txEffectClrLst/>
+  </dgm:styleLbl>
+  <dgm:styleLbl name="parChTrans1D1">
+    <dgm:fillClrLst meth="repeat">
+      <a:schemeClr val="accent1"/>
+    </dgm:fillClrLst>
+    <dgm:linClrLst meth="repeat">
+      <a:schemeClr val="accent1">
+        <a:shade val="60000"/>
+      </a:schemeClr>
+    </dgm:linClrLst>
+    <dgm:effectClrLst/>
+    <dgm:txLinClrLst/>
+    <dgm:txFillClrLst meth="repeat">
+      <a:schemeClr val="tx1"/>
+    </dgm:txFillClrLst>
+    <dgm:txEffectClrLst/>
+  </dgm:styleLbl>
+  <dgm:styleLbl name="parChTrans1D2">
+    <dgm:fillClrLst meth="repeat">
+      <a:schemeClr val="accent1"/>
+    </dgm:fillClrLst>
+    <dgm:linClrLst meth="repeat">
+      <a:schemeClr val="accent1">
+        <a:shade val="60000"/>
+      </a:schemeClr>
+    </dgm:linClrLst>
+    <dgm:effectClrLst/>
+    <dgm:txLinClrLst/>
+    <dgm:txFillClrLst meth="repeat">
+      <a:schemeClr val="tx1"/>
+    </dgm:txFillClrLst>
+    <dgm:txEffectClrLst/>
+  </dgm:styleLbl>
+  <dgm:styleLbl name="parChTrans1D3">
+    <dgm:fillClrLst meth="repeat">
+      <a:schemeClr val="accent1"/>
+    </dgm:fillClrLst>
+    <dgm:linClrLst meth="repeat">
+      <a:schemeClr val="accent1">
+        <a:shade val="80000"/>
+      </a:schemeClr>
+    </dgm:linClrLst>
+    <dgm:effectClrLst/>
+    <dgm:txLinClrLst/>
+    <dgm:txFillClrLst meth="repeat">
+      <a:schemeClr val="tx1"/>
+    </dgm:txFillClrLst>
+    <dgm:txEffectClrLst/>
+  </dgm:styleLbl>
+  <dgm:styleLbl name="parChTrans1D4">
+    <dgm:fillClrLst meth="repeat">
+      <a:schemeClr val="accent1"/>
+    </dgm:fillClrLst>
+    <dgm:linClrLst meth="repeat">
+      <a:schemeClr val="accent1">
+        <a:shade val="80000"/>
+      </a:schemeClr>
+    </dgm:linClrLst>
+    <dgm:effectClrLst/>
+    <dgm:txLinClrLst/>
+    <dgm:txFillClrLst meth="repeat">
+      <a:schemeClr val="tx1"/>
+    </dgm:txFillClrLst>
+    <dgm:txEffectClrLst/>
+  </dgm:styleLbl>
+  <dgm:styleLbl name="fgAcc1">
+    <dgm:fillClrLst meth="repeat">
+      <a:schemeClr val="lt1">
+        <a:alpha val="90000"/>
+      </a:schemeClr>
+    </dgm:fillClrLst>
+    <dgm:linClrLst meth="repeat">
+      <a:schemeClr val="accent1"/>
+    </dgm:linClrLst>
+    <dgm:effectClrLst/>
+    <dgm:txLinClrLst/>
+    <dgm:txFillClrLst meth="repeat">
+      <a:schemeClr val="dk1"/>
+    </dgm:txFillClrLst>
+    <dgm:txEffectClrLst/>
+  </dgm:styleLbl>
+  <dgm:styleLbl name="conFgAcc1">
+    <dgm:fillClrLst meth="repeat">
+      <a:schemeClr val="lt1">
+        <a:alpha val="90000"/>
+      </a:schemeClr>
+    </dgm:fillClrLst>
+    <dgm:linClrLst meth="repeat">
+      <a:schemeClr val="accent1"/>
+    </dgm:linClrLst>
+    <dgm:effectClrLst/>
+    <dgm:txLinClrLst/>
+    <dgm:txFillClrLst meth="repeat">
+      <a:schemeClr val="dk1"/>
+    </dgm:txFillClrLst>
+    <dgm:txEffectClrLst/>
+  </dgm:styleLbl>
+  <dgm:styleLbl name="alignAcc1">
+    <dgm:fillClrLst meth="repeat">
+      <a:schemeClr val="lt1">
+        <a:alpha val="90000"/>
+      </a:schemeClr>
+    </dgm:fillClrLst>
+    <dgm:linClrLst meth="repeat">
+      <a:schemeClr val="accent1"/>
+    </dgm:linClrLst>
+    <dgm:effectClrLst/>
+    <dgm:txLinClrLst/>
+    <dgm:txFillClrLst meth="repeat">
+      <a:schemeClr val="dk1"/>
+    </dgm:txFillClrLst>
+    <dgm:txEffectClrLst/>
+  </dgm:styleLbl>
+  <dgm:styleLbl name="trAlignAcc1">
+    <dgm:fillClrLst meth="repeat">
+      <a:schemeClr val="lt1">
+        <a:alpha val="40000"/>
+      </a:schemeClr>
+    </dgm:fillClrLst>
+    <dgm:linClrLst meth="repeat">
+      <a:schemeClr val="accent1"/>
+    </dgm:linClrLst>
+    <dgm:effectClrLst/>
+    <dgm:txLinClrLst/>
+    <dgm:txFillClrLst meth="repeat">
+      <a:schemeClr val="dk1"/>
+    </dgm:txFillClrLst>
+    <dgm:txEffectClrLst/>
+  </dgm:styleLbl>
+  <dgm:styleLbl name="bgAcc1">
+    <dgm:fillClrLst meth="repeat">
+      <a:schemeClr val="lt1">
+        <a:alpha val="90000"/>
+      </a:schemeClr>
+    </dgm:fillClrLst>
+    <dgm:linClrLst meth="repeat">
+      <a:schemeClr val="accent1"/>
+    </dgm:linClrLst>
+    <dgm:effectClrLst/>
+    <dgm:txLinClrLst/>
+    <dgm:txFillClrLst meth="repeat">
+      <a:schemeClr val="dk1"/>
+    </dgm:txFillClrLst>
+    <dgm:txEffectClrLst/>
+  </dgm:styleLbl>
+  <dgm:styleLbl name="solidFgAcc1">
+    <dgm:fillClrLst meth="repeat">
+      <a:schemeClr val="lt1"/>
+    </dgm:fillClrLst>
+    <dgm:linClrLst meth="repeat">
+      <a:schemeClr val="accent1"/>
+    </dgm:linClrLst>
+    <dgm:effectClrLst/>
+    <dgm:txLinClrLst/>
+    <dgm:txFillClrLst meth="repeat">
+      <a:schemeClr val="dk1"/>
+    </dgm:txFillClrLst>
+    <dgm:txEffectClrLst/>
+  </dgm:styleLbl>
+  <dgm:styleLbl name="solidAlignAcc1">
+    <dgm:fillClrLst meth="repeat">
+      <a:schemeClr val="lt1"/>
+    </dgm:fillClrLst>
+    <dgm:linClrLst meth="repeat">
+      <a:schemeClr val="accent1"/>
+    </dgm:linClrLst>
+    <dgm:effectClrLst/>
+    <dgm:txLinClrLst/>
+    <dgm:txFillClrLst meth="repeat">
+      <a:schemeClr val="dk1"/>
+    </dgm:txFillClrLst>
+    <dgm:txEffectClrLst/>
+  </dgm:styleLbl>
+  <dgm:styleLbl name="solidBgAcc1">
+    <dgm:fillClrLst meth="repeat">
+      <a:schemeClr val="lt1"/>
+    </dgm:fillClrLst>
+    <dgm:linClrLst meth="repeat">
+      <a:schemeClr val="accent1"/>
+    </dgm:linClrLst>
+    <dgm:effectClrLst/>
+    <dgm:txLinClrLst/>
+    <dgm:txFillClrLst meth="repeat">
+      <a:schemeClr val="dk1"/>
+    </dgm:txFillClrLst>
+    <dgm:txEffectClrLst/>
+  </dgm:styleLbl>
+  <dgm:styleLbl name="fgAccFollowNode1">
+    <dgm:fillClrLst meth="repeat">
+      <a:schemeClr val="accent1">
+        <a:alpha val="90000"/>
+        <a:tint val="40000"/>
+      </a:schemeClr>
+    </dgm:fillClrLst>
+    <dgm:linClrLst meth="repeat">
+      <a:schemeClr val="accent1">
+        <a:alpha val="90000"/>
+        <a:tint val="40000"/>
+      </a:schemeClr>
+    </dgm:linClrLst>
+    <dgm:effectClrLst/>
+    <dgm:txLinClrLst/>
+    <dgm:txFillClrLst meth="repeat">
+      <a:schemeClr val="dk1"/>
+    </dgm:txFillClrLst>
+    <dgm:txEffectClrLst/>
+  </dgm:styleLbl>
+  <dgm:styleLbl name="alignAccFollowNode1">
+    <dgm:fillClrLst meth="repeat">
+      <a:schemeClr val="accent1">
+        <a:alpha val="90000"/>
+        <a:tint val="40000"/>
+      </a:schemeClr>
+    </dgm:fillClrLst>
+    <dgm:linClrLst meth="repeat">
+      <a:schemeClr val="accent1">
+        <a:alpha val="90000"/>
+        <a:tint val="40000"/>
+      </a:schemeClr>
+    </dgm:linClrLst>
+    <dgm:effectClrLst/>
+    <dgm:txLinClrLst/>
+    <dgm:txFillClrLst meth="repeat">
+      <a:schemeClr val="dk1"/>
+    </dgm:txFillClrLst>
+    <dgm:txEffectClrLst/>
+  </dgm:styleLbl>
+  <dgm:styleLbl name="bgAccFollowNode1">
+    <dgm:fillClrLst meth="repeat">
+      <a:schemeClr val="accent1">
+        <a:alpha val="90000"/>
+        <a:tint val="40000"/>
+      </a:schemeClr>
+    </dgm:fillClrLst>
+    <dgm:linClrLst meth="repeat">
+      <a:schemeClr val="accent1">
+        <a:alpha val="90000"/>
+        <a:tint val="40000"/>
+      </a:schemeClr>
+    </dgm:linClrLst>
+    <dgm:effectClrLst/>
+    <dgm:txLinClrLst/>
+    <dgm:txFillClrLst meth="repeat">
+      <a:schemeClr val="dk1"/>
+    </dgm:txFillClrLst>
+    <dgm:txEffectClrLst/>
+  </dgm:styleLbl>
+  <dgm:styleLbl name="fgAcc0">
+    <dgm:fillClrLst meth="repeat">
+      <a:schemeClr val="lt1">
+        <a:alpha val="90000"/>
+      </a:schemeClr>
+    </dgm:fillClrLst>
+    <dgm:linClrLst meth="repeat">
+      <a:schemeClr val="accent1"/>
+    </dgm:linClrLst>
+    <dgm:effectClrLst/>
+    <dgm:txLinClrLst/>
+    <dgm:txFillClrLst meth="repeat">
+      <a:schemeClr val="dk1"/>
+    </dgm:txFillClrLst>
+    <dgm:txEffectClrLst/>
+  </dgm:styleLbl>
+  <dgm:styleLbl name="fgAcc2">
+    <dgm:fillClrLst meth="repeat">
+      <a:schemeClr val="lt1">
+        <a:alpha val="90000"/>
+      </a:schemeClr>
+    </dgm:fillClrLst>
+    <dgm:linClrLst meth="repeat">
+      <a:schemeClr val="accent1"/>
+    </dgm:linClrLst>
+    <dgm:effectClrLst/>
+    <dgm:txLinClrLst/>
+    <dgm:txFillClrLst meth="repeat">
+      <a:schemeClr val="dk1"/>
+    </dgm:txFillClrLst>
+    <dgm:txEffectClrLst/>
+  </dgm:styleLbl>
+  <dgm:styleLbl name="fgAcc3">
+    <dgm:fillClrLst meth="repeat">
+      <a:schemeClr val="lt1">
+        <a:alpha val="90000"/>
+      </a:schemeClr>
+    </dgm:fillClrLst>
+    <dgm:linClrLst meth="repeat">
+      <a:schemeClr val="accent1"/>
+    </dgm:linClrLst>
+    <dgm:effectClrLst/>
+    <dgm:txLinClrLst/>
+    <dgm:txFillClrLst meth="repeat">
+      <a:schemeClr val="dk1"/>
+    </dgm:txFillClrLst>
+    <dgm:txEffectClrLst/>
+  </dgm:styleLbl>
+  <dgm:styleLbl name="fgAcc4">
+    <dgm:fillClrLst meth="repeat">
+      <a:schemeClr val="lt1">
+        <a:alpha val="90000"/>
+      </a:schemeClr>
+    </dgm:fillClrLst>
+    <dgm:linClrLst meth="repeat">
+      <a:schemeClr val="accent1"/>
+    </dgm:linClrLst>
+    <dgm:effectClrLst/>
+    <dgm:txLinClrLst/>
+    <dgm:txFillClrLst meth="repeat">
+      <a:schemeClr val="dk1"/>
+    </dgm:txFillClrLst>
+    <dgm:txEffectClrLst/>
+  </dgm:styleLbl>
+  <dgm:styleLbl name="bgShp">
+    <dgm:fillClrLst meth="repeat">
+      <a:schemeClr val="accent1">
+        <a:tint val="40000"/>
+      </a:schemeClr>
+    </dgm:fillClrLst>
+    <dgm:linClrLst meth="repeat">
+      <a:schemeClr val="accent1"/>
+    </dgm:linClrLst>
+    <dgm:effectClrLst/>
+    <dgm:txLinClrLst/>
+    <dgm:txFillClrLst meth="repeat">
+      <a:schemeClr val="dk1"/>
+    </dgm:txFillClrLst>
+    <dgm:txEffectClrLst/>
+  </dgm:styleLbl>
+  <dgm:styleLbl name="dkBgShp">
+    <dgm:fillClrLst meth="repeat">
+      <a:schemeClr val="accent1">
+        <a:shade val="80000"/>
+      </a:schemeClr>
+    </dgm:fillClrLst>
+    <dgm:linClrLst meth="repeat">
+      <a:schemeClr val="accent1"/>
+    </dgm:linClrLst>
+    <dgm:effectClrLst/>
+    <dgm:txLinClrLst/>
+    <dgm:txFillClrLst meth="repeat">
+      <a:schemeClr val="lt1"/>
+    </dgm:txFillClrLst>
+    <dgm:txEffectClrLst/>
+  </dgm:styleLbl>
+  <dgm:styleLbl name="trBgShp">
+    <dgm:fillClrLst meth="repeat">
+      <a:schemeClr val="accent1">
+        <a:tint val="50000"/>
+        <a:alpha val="40000"/>
+      </a:schemeClr>
+    </dgm:fillClrLst>
+    <dgm:linClrLst meth="repeat">
+      <a:schemeClr val="accent1"/>
+    </dgm:linClrLst>
+    <dgm:effectClrLst/>
+    <dgm:txLinClrLst/>
+    <dgm:txFillClrLst meth="repeat">
+      <a:schemeClr val="lt1"/>
+    </dgm:txFillClrLst>
+    <dgm:txEffectClrLst/>
+  </dgm:styleLbl>
+  <dgm:styleLbl name="fgShp">
+    <dgm:fillClrLst meth="repeat">
+      <a:schemeClr val="accent1">
+        <a:tint val="60000"/>
+      </a:schemeClr>
+    </dgm:fillClrLst>
+    <dgm:linClrLst meth="repeat">
+      <a:schemeClr val="lt1"/>
+    </dgm:linClrLst>
+    <dgm:effectClrLst/>
+    <dgm:txLinClrLst/>
+    <dgm:txFillClrLst meth="repeat">
+      <a:schemeClr val="dk1"/>
+    </dgm:txFillClrLst>
+    <dgm:txEffectClrLst/>
+  </dgm:styleLbl>
+  <dgm:styleLbl name="revTx">
+    <dgm:fillClrLst meth="repeat">
+      <a:schemeClr val="lt1">
+        <a:alpha val="0"/>
+      </a:schemeClr>
+    </dgm:fillClrLst>
+    <dgm:linClrLst meth="repeat">
+      <a:schemeClr val="dk1">
+        <a:alpha val="0"/>
+      </a:schemeClr>
+    </dgm:linClrLst>
+    <dgm:effectClrLst/>
+    <dgm:txLinClrLst/>
+    <dgm:txFillClrLst meth="repeat">
+      <a:schemeClr val="tx1"/>
+    </dgm:txFillClrLst>
+    <dgm:txEffectClrLst/>
+  </dgm:styleLbl>
+</dgm:colorsDef>
+</file>
+
 <file path=ppt/diagrams/data1.xml><?xml version="1.0" encoding="utf-8"?>
+<dgm:dataModel xmlns:dgm="http://schemas.openxmlformats.org/drawingml/2006/diagram" xmlns:a="http://schemas.openxmlformats.org/drawingml/2006/main">
+  <dgm:ptLst>
+    <dgm:pt modelId="{4BBBBA37-00AE-490F-BA4E-E9A756C4A0D7}" type="doc">
+      <dgm:prSet loTypeId="urn:microsoft.com/office/officeart/2005/8/layout/hProcess4" loCatId="process" qsTypeId="urn:microsoft.com/office/officeart/2005/8/quickstyle/simple1" qsCatId="simple" csTypeId="urn:microsoft.com/office/officeart/2005/8/colors/accent1_2" csCatId="accent1" phldr="1"/>
+      <dgm:spPr/>
+      <dgm:t>
+        <a:bodyPr/>
+        <a:lstStyle/>
+        <a:p>
+          <a:endParaRPr lang="fr-FR"/>
+        </a:p>
+      </dgm:t>
+    </dgm:pt>
+    <dgm:pt modelId="{C0BBB20E-A547-490C-BFC3-F69C30C2BB85}">
+      <dgm:prSet phldrT="[Texte]"/>
+      <dgm:spPr/>
+      <dgm:t>
+        <a:bodyPr/>
+        <a:lstStyle/>
+        <a:p>
+          <a:r>
+            <a:rPr lang="fr-FR" dirty="0"/>
+            <a:t>Pôle 1</a:t>
+          </a:r>
+        </a:p>
+        <a:p>
+          <a:r>
+            <a:rPr lang="fr-FR" dirty="0"/>
+            <a:t>Découverte du système</a:t>
+          </a:r>
+        </a:p>
+      </dgm:t>
+    </dgm:pt>
+    <dgm:pt modelId="{830D836F-DF80-4E41-AF3F-21CC3E8E4EF2}" type="parTrans" cxnId="{C5973D72-FB08-4B00-8516-F806514B4438}">
+      <dgm:prSet/>
+      <dgm:spPr/>
+      <dgm:t>
+        <a:bodyPr/>
+        <a:lstStyle/>
+        <a:p>
+          <a:endParaRPr lang="fr-FR"/>
+        </a:p>
+      </dgm:t>
+    </dgm:pt>
+    <dgm:pt modelId="{DD1C8274-3095-435A-B7E9-C86DA96BDE64}" type="sibTrans" cxnId="{C5973D72-FB08-4B00-8516-F806514B4438}">
+      <dgm:prSet/>
+      <dgm:spPr/>
+      <dgm:t>
+        <a:bodyPr/>
+        <a:lstStyle/>
+        <a:p>
+          <a:endParaRPr lang="fr-FR"/>
+        </a:p>
+      </dgm:t>
+    </dgm:pt>
+    <dgm:pt modelId="{C742B16C-6774-4654-A307-2517E5970ED9}">
+      <dgm:prSet phldrT="[Texte]" custT="1"/>
+      <dgm:spPr/>
+      <dgm:t>
+        <a:bodyPr/>
+        <a:lstStyle/>
+        <a:p>
+          <a:r>
+            <a:rPr lang="fr-FR" sz="600" dirty="0"/>
+            <a:t>S’approprier et analyser un système</a:t>
+          </a:r>
+        </a:p>
+      </dgm:t>
+    </dgm:pt>
+    <dgm:pt modelId="{3F79200C-09D6-4579-940A-9925FCF29974}" type="parTrans" cxnId="{002EAD7A-751D-4A0E-8B80-3ED2E8BF0317}">
+      <dgm:prSet/>
+      <dgm:spPr/>
+      <dgm:t>
+        <a:bodyPr/>
+        <a:lstStyle/>
+        <a:p>
+          <a:endParaRPr lang="fr-FR"/>
+        </a:p>
+      </dgm:t>
+    </dgm:pt>
+    <dgm:pt modelId="{DB0BD340-6AE9-43AB-8228-82AD980D89BF}" type="sibTrans" cxnId="{002EAD7A-751D-4A0E-8B80-3ED2E8BF0317}">
+      <dgm:prSet/>
+      <dgm:spPr/>
+      <dgm:t>
+        <a:bodyPr/>
+        <a:lstStyle/>
+        <a:p>
+          <a:endParaRPr lang="fr-FR"/>
+        </a:p>
+      </dgm:t>
+    </dgm:pt>
+    <dgm:pt modelId="{20F7D581-9EB2-498F-BE28-9D62195EAF83}">
+      <dgm:prSet phldrT="[Texte]"/>
+      <dgm:spPr/>
+      <dgm:t>
+        <a:bodyPr/>
+        <a:lstStyle/>
+        <a:p>
+          <a:r>
+            <a:rPr lang="fr-FR" dirty="0"/>
+            <a:t>Pôle 2</a:t>
+          </a:r>
+        </a:p>
+      </dgm:t>
+    </dgm:pt>
+    <dgm:pt modelId="{E0FBE512-C1C4-4067-A1DE-34C9E33E9EB4}" type="parTrans" cxnId="{1497608C-9EBF-4045-B5D2-B57D8503FD29}">
+      <dgm:prSet/>
+      <dgm:spPr/>
+      <dgm:t>
+        <a:bodyPr/>
+        <a:lstStyle/>
+        <a:p>
+          <a:endParaRPr lang="fr-FR"/>
+        </a:p>
+      </dgm:t>
+    </dgm:pt>
+    <dgm:pt modelId="{FCF39507-87BB-42FC-936E-7CB9C907446D}" type="sibTrans" cxnId="{1497608C-9EBF-4045-B5D2-B57D8503FD29}">
+      <dgm:prSet/>
+      <dgm:spPr/>
+      <dgm:t>
+        <a:bodyPr/>
+        <a:lstStyle/>
+        <a:p>
+          <a:endParaRPr lang="fr-FR"/>
+        </a:p>
+      </dgm:t>
+    </dgm:pt>
+    <dgm:pt modelId="{B5920376-0133-44CD-BB1B-6F53C130D637}">
+      <dgm:prSet phldrT="[Texte]"/>
+      <dgm:spPr/>
+      <dgm:t>
+        <a:bodyPr/>
+        <a:lstStyle/>
+        <a:p>
+          <a:endParaRPr lang="fr-FR" dirty="0"/>
+        </a:p>
+      </dgm:t>
+    </dgm:pt>
+    <dgm:pt modelId="{E82A70DF-B649-4129-9355-DBF8312CF18F}" type="parTrans" cxnId="{A743B165-EFB3-4A2B-9188-6DFA8B2E60AB}">
+      <dgm:prSet/>
+      <dgm:spPr/>
+      <dgm:t>
+        <a:bodyPr/>
+        <a:lstStyle/>
+        <a:p>
+          <a:endParaRPr lang="fr-FR"/>
+        </a:p>
+      </dgm:t>
+    </dgm:pt>
+    <dgm:pt modelId="{73A56BD2-43C1-4062-A5A5-84091B9A63CC}" type="sibTrans" cxnId="{A743B165-EFB3-4A2B-9188-6DFA8B2E60AB}">
+      <dgm:prSet/>
+      <dgm:spPr/>
+      <dgm:t>
+        <a:bodyPr/>
+        <a:lstStyle/>
+        <a:p>
+          <a:endParaRPr lang="fr-FR"/>
+        </a:p>
+      </dgm:t>
+    </dgm:pt>
+    <dgm:pt modelId="{928451A7-076A-4725-BC57-E98970B55362}">
+      <dgm:prSet phldrT="[Texte]"/>
+      <dgm:spPr/>
+      <dgm:t>
+        <a:bodyPr/>
+        <a:lstStyle/>
+        <a:p>
+          <a:r>
+            <a:rPr lang="fr-FR" dirty="0"/>
+            <a:t>Pôle 3</a:t>
+          </a:r>
+        </a:p>
+      </dgm:t>
+    </dgm:pt>
+    <dgm:pt modelId="{605DBBC2-A198-4676-A0C6-4546B7A91B68}" type="parTrans" cxnId="{1A2CD6BD-4FB6-4C65-A31E-7C659272F5FF}">
+      <dgm:prSet/>
+      <dgm:spPr/>
+      <dgm:t>
+        <a:bodyPr/>
+        <a:lstStyle/>
+        <a:p>
+          <a:endParaRPr lang="fr-FR"/>
+        </a:p>
+      </dgm:t>
+    </dgm:pt>
+    <dgm:pt modelId="{75637A16-730E-4452-8190-67FB3226C504}" type="sibTrans" cxnId="{1A2CD6BD-4FB6-4C65-A31E-7C659272F5FF}">
+      <dgm:prSet/>
+      <dgm:spPr/>
+      <dgm:t>
+        <a:bodyPr/>
+        <a:lstStyle/>
+        <a:p>
+          <a:endParaRPr lang="fr-FR"/>
+        </a:p>
+      </dgm:t>
+    </dgm:pt>
+    <dgm:pt modelId="{11F904A3-BE7E-4610-85FF-791DB76C5662}">
+      <dgm:prSet phldrT="[Texte]"/>
+      <dgm:spPr/>
+      <dgm:t>
+        <a:bodyPr/>
+        <a:lstStyle/>
+        <a:p>
+          <a:endParaRPr lang="fr-FR" dirty="0"/>
+        </a:p>
+      </dgm:t>
+    </dgm:pt>
+    <dgm:pt modelId="{03E9A0DC-5904-496A-AAF6-356D4EB9E2C7}" type="parTrans" cxnId="{21EEA131-555A-4801-A607-FBD385939B0A}">
+      <dgm:prSet/>
+      <dgm:spPr/>
+      <dgm:t>
+        <a:bodyPr/>
+        <a:lstStyle/>
+        <a:p>
+          <a:endParaRPr lang="fr-FR"/>
+        </a:p>
+      </dgm:t>
+    </dgm:pt>
+    <dgm:pt modelId="{AA783ABE-4698-4A43-ACFE-2F0CA6278420}" type="sibTrans" cxnId="{21EEA131-555A-4801-A607-FBD385939B0A}">
+      <dgm:prSet/>
+      <dgm:spPr/>
+      <dgm:t>
+        <a:bodyPr/>
+        <a:lstStyle/>
+        <a:p>
+          <a:endParaRPr lang="fr-FR"/>
+        </a:p>
+      </dgm:t>
+    </dgm:pt>
+    <dgm:pt modelId="{9D94179C-60CB-44C9-8000-C638CC90FBCC}">
+      <dgm:prSet phldrT="[Texte]"/>
+      <dgm:spPr/>
+      <dgm:t>
+        <a:bodyPr/>
+        <a:lstStyle/>
+        <a:p>
+          <a:r>
+            <a:rPr lang="fr-FR" dirty="0"/>
+            <a:t>Pôle 4</a:t>
+          </a:r>
+        </a:p>
+      </dgm:t>
+    </dgm:pt>
+    <dgm:pt modelId="{FA25C7AC-CD09-4865-B0C2-AE65C69B976D}" type="parTrans" cxnId="{ECFDC616-8CDF-4EA1-BB1D-FA2DF950B96F}">
+      <dgm:prSet/>
+      <dgm:spPr/>
+      <dgm:t>
+        <a:bodyPr/>
+        <a:lstStyle/>
+        <a:p>
+          <a:endParaRPr lang="fr-FR"/>
+        </a:p>
+      </dgm:t>
+    </dgm:pt>
+    <dgm:pt modelId="{B690B119-AA95-4863-ACB5-0212ED679AB4}" type="sibTrans" cxnId="{ECFDC616-8CDF-4EA1-BB1D-FA2DF950B96F}">
+      <dgm:prSet/>
+      <dgm:spPr/>
+      <dgm:t>
+        <a:bodyPr/>
+        <a:lstStyle/>
+        <a:p>
+          <a:endParaRPr lang="fr-FR"/>
+        </a:p>
+      </dgm:t>
+    </dgm:pt>
+    <dgm:pt modelId="{72D19D3A-74EA-46C0-A7EF-6D3CB88BB6E7}">
+      <dgm:prSet phldrT="[Texte]"/>
+      <dgm:spPr/>
+      <dgm:t>
+        <a:bodyPr/>
+        <a:lstStyle/>
+        <a:p>
+          <a:r>
+            <a:rPr lang="fr-FR" dirty="0"/>
+            <a:t>Pôle 5</a:t>
+          </a:r>
+        </a:p>
+      </dgm:t>
+    </dgm:pt>
+    <dgm:pt modelId="{15EE5103-8F38-442F-9D49-C6051408C59D}" type="parTrans" cxnId="{7897605B-DE9F-4E05-9C51-68DB082DFD61}">
+      <dgm:prSet/>
+      <dgm:spPr/>
+      <dgm:t>
+        <a:bodyPr/>
+        <a:lstStyle/>
+        <a:p>
+          <a:endParaRPr lang="fr-FR"/>
+        </a:p>
+      </dgm:t>
+    </dgm:pt>
+    <dgm:pt modelId="{16A5E339-9EC9-4A04-A091-62D697819434}" type="sibTrans" cxnId="{7897605B-DE9F-4E05-9C51-68DB082DFD61}">
+      <dgm:prSet/>
+      <dgm:spPr/>
+      <dgm:t>
+        <a:bodyPr/>
+        <a:lstStyle/>
+        <a:p>
+          <a:endParaRPr lang="fr-FR"/>
+        </a:p>
+      </dgm:t>
+    </dgm:pt>
+    <dgm:pt modelId="{F9F5AE11-AF97-4245-99B1-53B38E0C3108}">
+      <dgm:prSet phldrT="[Texte]"/>
+      <dgm:spPr/>
+      <dgm:t>
+        <a:bodyPr/>
+        <a:lstStyle/>
+        <a:p>
+          <a:endParaRPr lang="fr-FR" dirty="0"/>
+        </a:p>
+      </dgm:t>
+    </dgm:pt>
+    <dgm:pt modelId="{0DC9D828-A9AB-4F2A-83AE-CB35FC67EA91}" type="parTrans" cxnId="{839B22B2-CAF0-4A50-BE07-9D40E91536D6}">
+      <dgm:prSet/>
+      <dgm:spPr/>
+      <dgm:t>
+        <a:bodyPr/>
+        <a:lstStyle/>
+        <a:p>
+          <a:endParaRPr lang="fr-FR"/>
+        </a:p>
+      </dgm:t>
+    </dgm:pt>
+    <dgm:pt modelId="{9498F83F-2569-4E78-864A-AF5A10617D12}" type="sibTrans" cxnId="{839B22B2-CAF0-4A50-BE07-9D40E91536D6}">
+      <dgm:prSet/>
+      <dgm:spPr/>
+      <dgm:t>
+        <a:bodyPr/>
+        <a:lstStyle/>
+        <a:p>
+          <a:endParaRPr lang="fr-FR"/>
+        </a:p>
+      </dgm:t>
+    </dgm:pt>
+    <dgm:pt modelId="{7CFCEB31-C53B-4076-9E89-71BB7C5206BB}">
+      <dgm:prSet phldrT="[Texte]"/>
+      <dgm:spPr/>
+      <dgm:t>
+        <a:bodyPr/>
+        <a:lstStyle/>
+        <a:p>
+          <a:endParaRPr lang="fr-FR" dirty="0"/>
+        </a:p>
+      </dgm:t>
+    </dgm:pt>
+    <dgm:pt modelId="{BCAA30FB-3036-4175-919A-7AC87A5DFA25}" type="parTrans" cxnId="{F470FB77-2A68-4E93-A413-B72BC643C21C}">
+      <dgm:prSet/>
+      <dgm:spPr/>
+      <dgm:t>
+        <a:bodyPr/>
+        <a:lstStyle/>
+        <a:p>
+          <a:endParaRPr lang="fr-FR"/>
+        </a:p>
+      </dgm:t>
+    </dgm:pt>
+    <dgm:pt modelId="{E2E05416-EBA5-4CD9-8AA3-29C25936A1EA}" type="sibTrans" cxnId="{F470FB77-2A68-4E93-A413-B72BC643C21C}">
+      <dgm:prSet/>
+      <dgm:spPr/>
+      <dgm:t>
+        <a:bodyPr/>
+        <a:lstStyle/>
+        <a:p>
+          <a:endParaRPr lang="fr-FR"/>
+        </a:p>
+      </dgm:t>
+    </dgm:pt>
+    <dgm:pt modelId="{0D4AF47E-FDAB-4C77-957D-7D203EA2A551}">
+      <dgm:prSet phldrT="[Texte]"/>
+      <dgm:spPr/>
+      <dgm:t>
+        <a:bodyPr/>
+        <a:lstStyle/>
+        <a:p>
+          <a:endParaRPr lang="fr-FR" dirty="0"/>
+        </a:p>
+      </dgm:t>
+    </dgm:pt>
+    <dgm:pt modelId="{9CD69A6E-A2A3-461E-8653-B8D27DA8FB7C}" type="parTrans" cxnId="{D17B6FC1-D9C2-4F35-8136-869ADDE06035}">
+      <dgm:prSet/>
+      <dgm:spPr/>
+      <dgm:t>
+        <a:bodyPr/>
+        <a:lstStyle/>
+        <a:p>
+          <a:endParaRPr lang="fr-FR"/>
+        </a:p>
+      </dgm:t>
+    </dgm:pt>
+    <dgm:pt modelId="{0D727C4D-D6A3-41E4-AAA6-A4FD3C72ECE6}" type="sibTrans" cxnId="{D17B6FC1-D9C2-4F35-8136-869ADDE06035}">
+      <dgm:prSet/>
+      <dgm:spPr/>
+      <dgm:t>
+        <a:bodyPr/>
+        <a:lstStyle/>
+        <a:p>
+          <a:endParaRPr lang="fr-FR"/>
+        </a:p>
+      </dgm:t>
+    </dgm:pt>
+    <dgm:pt modelId="{7ABD661D-07C5-4739-AE45-6E1036C01B22}" type="pres">
+      <dgm:prSet presAssocID="{4BBBBA37-00AE-490F-BA4E-E9A756C4A0D7}" presName="Name0" presStyleCnt="0">
+        <dgm:presLayoutVars>
+          <dgm:dir/>
+          <dgm:animLvl val="lvl"/>
+          <dgm:resizeHandles val="exact"/>
+        </dgm:presLayoutVars>
+      </dgm:prSet>
+      <dgm:spPr/>
+    </dgm:pt>
+    <dgm:pt modelId="{75F32423-9911-408A-B8A9-5D1154B5D7BF}" type="pres">
+      <dgm:prSet presAssocID="{4BBBBA37-00AE-490F-BA4E-E9A756C4A0D7}" presName="tSp" presStyleCnt="0"/>
+      <dgm:spPr/>
+    </dgm:pt>
+    <dgm:pt modelId="{D241EEF2-5E0C-4DE4-A18D-25619EBD7B6F}" type="pres">
+      <dgm:prSet presAssocID="{4BBBBA37-00AE-490F-BA4E-E9A756C4A0D7}" presName="bSp" presStyleCnt="0"/>
+      <dgm:spPr/>
+    </dgm:pt>
+    <dgm:pt modelId="{FC4CC419-9620-4012-97C5-A28BFD476CA1}" type="pres">
+      <dgm:prSet presAssocID="{4BBBBA37-00AE-490F-BA4E-E9A756C4A0D7}" presName="process" presStyleCnt="0"/>
+      <dgm:spPr/>
+    </dgm:pt>
+    <dgm:pt modelId="{7E698234-6681-4186-AE63-A7A941F59494}" type="pres">
+      <dgm:prSet presAssocID="{C0BBB20E-A547-490C-BFC3-F69C30C2BB85}" presName="composite1" presStyleCnt="0"/>
+      <dgm:spPr/>
+    </dgm:pt>
+    <dgm:pt modelId="{395996B4-199C-4092-AE43-1490EDAA85FB}" type="pres">
+      <dgm:prSet presAssocID="{C0BBB20E-A547-490C-BFC3-F69C30C2BB85}" presName="dummyNode1" presStyleLbl="node1" presStyleIdx="0" presStyleCnt="5"/>
+      <dgm:spPr/>
+    </dgm:pt>
+    <dgm:pt modelId="{8901E0F4-0A59-4693-BCC0-AD691D9FB870}" type="pres">
+      <dgm:prSet presAssocID="{C0BBB20E-A547-490C-BFC3-F69C30C2BB85}" presName="childNode1" presStyleLbl="bgAcc1" presStyleIdx="0" presStyleCnt="5">
+        <dgm:presLayoutVars>
+          <dgm:bulletEnabled val="1"/>
+        </dgm:presLayoutVars>
+      </dgm:prSet>
+      <dgm:spPr/>
+    </dgm:pt>
+    <dgm:pt modelId="{0CDE4C4E-2C62-4126-8CEE-77D153383F3B}" type="pres">
+      <dgm:prSet presAssocID="{C0BBB20E-A547-490C-BFC3-F69C30C2BB85}" presName="childNode1tx" presStyleLbl="bgAcc1" presStyleIdx="0" presStyleCnt="5">
+        <dgm:presLayoutVars>
+          <dgm:bulletEnabled val="1"/>
+        </dgm:presLayoutVars>
+      </dgm:prSet>
+      <dgm:spPr/>
+    </dgm:pt>
+    <dgm:pt modelId="{AB2A0A4B-2E62-43F5-874D-A858B18AD7BD}" type="pres">
+      <dgm:prSet presAssocID="{C0BBB20E-A547-490C-BFC3-F69C30C2BB85}" presName="parentNode1" presStyleLbl="node1" presStyleIdx="0" presStyleCnt="5">
+        <dgm:presLayoutVars>
+          <dgm:chMax val="1"/>
+          <dgm:bulletEnabled val="1"/>
+        </dgm:presLayoutVars>
+      </dgm:prSet>
+      <dgm:spPr/>
+    </dgm:pt>
+    <dgm:pt modelId="{36C63541-11CA-440A-96C0-F62A9C797175}" type="pres">
+      <dgm:prSet presAssocID="{C0BBB20E-A547-490C-BFC3-F69C30C2BB85}" presName="connSite1" presStyleCnt="0"/>
+      <dgm:spPr/>
+    </dgm:pt>
+    <dgm:pt modelId="{943CED33-B477-41B6-8333-C0E815B32CCD}" type="pres">
+      <dgm:prSet presAssocID="{DD1C8274-3095-435A-B7E9-C86DA96BDE64}" presName="Name9" presStyleLbl="sibTrans2D1" presStyleIdx="0" presStyleCnt="4"/>
+      <dgm:spPr/>
+    </dgm:pt>
+    <dgm:pt modelId="{DAE054FC-E8A5-4F66-B3DE-0F065A517B2B}" type="pres">
+      <dgm:prSet presAssocID="{20F7D581-9EB2-498F-BE28-9D62195EAF83}" presName="composite2" presStyleCnt="0"/>
+      <dgm:spPr/>
+    </dgm:pt>
+    <dgm:pt modelId="{1F85FCD6-6513-4C8D-B4DE-0CBEE2AA7681}" type="pres">
+      <dgm:prSet presAssocID="{20F7D581-9EB2-498F-BE28-9D62195EAF83}" presName="dummyNode2" presStyleLbl="node1" presStyleIdx="0" presStyleCnt="5"/>
+      <dgm:spPr/>
+    </dgm:pt>
+    <dgm:pt modelId="{B8A19F94-18F6-4D00-B053-8BF08839189F}" type="pres">
+      <dgm:prSet presAssocID="{20F7D581-9EB2-498F-BE28-9D62195EAF83}" presName="childNode2" presStyleLbl="bgAcc1" presStyleIdx="1" presStyleCnt="5">
+        <dgm:presLayoutVars>
+          <dgm:bulletEnabled val="1"/>
+        </dgm:presLayoutVars>
+      </dgm:prSet>
+      <dgm:spPr/>
+    </dgm:pt>
+    <dgm:pt modelId="{BCCD055F-C4D8-4E1B-AEB8-AC963578358F}" type="pres">
+      <dgm:prSet presAssocID="{20F7D581-9EB2-498F-BE28-9D62195EAF83}" presName="childNode2tx" presStyleLbl="bgAcc1" presStyleIdx="1" presStyleCnt="5">
+        <dgm:presLayoutVars>
+          <dgm:bulletEnabled val="1"/>
+        </dgm:presLayoutVars>
+      </dgm:prSet>
+      <dgm:spPr/>
+    </dgm:pt>
+    <dgm:pt modelId="{71BAD410-3299-44D0-A85A-DC3B57193168}" type="pres">
+      <dgm:prSet presAssocID="{20F7D581-9EB2-498F-BE28-9D62195EAF83}" presName="parentNode2" presStyleLbl="node1" presStyleIdx="1" presStyleCnt="5">
+        <dgm:presLayoutVars>
+          <dgm:chMax val="0"/>
+          <dgm:bulletEnabled val="1"/>
+        </dgm:presLayoutVars>
+      </dgm:prSet>
+      <dgm:spPr/>
+    </dgm:pt>
+    <dgm:pt modelId="{89ADB8B3-B871-45E3-A9C2-130268780D69}" type="pres">
+      <dgm:prSet presAssocID="{20F7D581-9EB2-498F-BE28-9D62195EAF83}" presName="connSite2" presStyleCnt="0"/>
+      <dgm:spPr/>
+    </dgm:pt>
+    <dgm:pt modelId="{DC8BE73A-4F5A-421C-B33E-9320120B824C}" type="pres">
+      <dgm:prSet presAssocID="{FCF39507-87BB-42FC-936E-7CB9C907446D}" presName="Name18" presStyleLbl="sibTrans2D1" presStyleIdx="1" presStyleCnt="4"/>
+      <dgm:spPr/>
+    </dgm:pt>
+    <dgm:pt modelId="{0643EB6C-F47F-4843-A806-EFCE9852E787}" type="pres">
+      <dgm:prSet presAssocID="{928451A7-076A-4725-BC57-E98970B55362}" presName="composite1" presStyleCnt="0"/>
+      <dgm:spPr/>
+    </dgm:pt>
+    <dgm:pt modelId="{DAAB7BA4-2998-41B0-9E03-1630EC903E3B}" type="pres">
+      <dgm:prSet presAssocID="{928451A7-076A-4725-BC57-E98970B55362}" presName="dummyNode1" presStyleLbl="node1" presStyleIdx="1" presStyleCnt="5"/>
+      <dgm:spPr/>
+    </dgm:pt>
+    <dgm:pt modelId="{9131C415-ABC8-494A-BB4C-4189E2623C96}" type="pres">
+      <dgm:prSet presAssocID="{928451A7-076A-4725-BC57-E98970B55362}" presName="childNode1" presStyleLbl="bgAcc1" presStyleIdx="2" presStyleCnt="5">
+        <dgm:presLayoutVars>
+          <dgm:bulletEnabled val="1"/>
+        </dgm:presLayoutVars>
+      </dgm:prSet>
+      <dgm:spPr/>
+    </dgm:pt>
+    <dgm:pt modelId="{3B26D6A5-9D56-445C-B171-536ACA002E6A}" type="pres">
+      <dgm:prSet presAssocID="{928451A7-076A-4725-BC57-E98970B55362}" presName="childNode1tx" presStyleLbl="bgAcc1" presStyleIdx="2" presStyleCnt="5">
+        <dgm:presLayoutVars>
+          <dgm:bulletEnabled val="1"/>
+        </dgm:presLayoutVars>
+      </dgm:prSet>
+      <dgm:spPr/>
+    </dgm:pt>
+    <dgm:pt modelId="{40A8A41C-CF7A-4E88-8EA7-EAA6AFD512F6}" type="pres">
+      <dgm:prSet presAssocID="{928451A7-076A-4725-BC57-E98970B55362}" presName="parentNode1" presStyleLbl="node1" presStyleIdx="2" presStyleCnt="5">
+        <dgm:presLayoutVars>
+          <dgm:chMax val="1"/>
+          <dgm:bulletEnabled val="1"/>
+        </dgm:presLayoutVars>
+      </dgm:prSet>
+      <dgm:spPr/>
+    </dgm:pt>
+    <dgm:pt modelId="{B473B88E-BDED-4B84-8518-6F2718D65E59}" type="pres">
+      <dgm:prSet presAssocID="{928451A7-076A-4725-BC57-E98970B55362}" presName="connSite1" presStyleCnt="0"/>
+      <dgm:spPr/>
+    </dgm:pt>
+    <dgm:pt modelId="{4D946BF7-5318-4B1E-AEBF-4A3CA2E290DB}" type="pres">
+      <dgm:prSet presAssocID="{75637A16-730E-4452-8190-67FB3226C504}" presName="Name9" presStyleLbl="sibTrans2D1" presStyleIdx="2" presStyleCnt="4"/>
+      <dgm:spPr/>
+    </dgm:pt>
+    <dgm:pt modelId="{979512FD-18FE-4B5C-9D65-0C9D20754DDD}" type="pres">
+      <dgm:prSet presAssocID="{9D94179C-60CB-44C9-8000-C638CC90FBCC}" presName="composite2" presStyleCnt="0"/>
+      <dgm:spPr/>
+    </dgm:pt>
+    <dgm:pt modelId="{4A6F4801-649C-401A-88A5-26ECEFD9E87E}" type="pres">
+      <dgm:prSet presAssocID="{9D94179C-60CB-44C9-8000-C638CC90FBCC}" presName="dummyNode2" presStyleLbl="node1" presStyleIdx="2" presStyleCnt="5"/>
+      <dgm:spPr/>
+    </dgm:pt>
+    <dgm:pt modelId="{F0C2F068-CF38-425A-B33E-3FD76DFE06E5}" type="pres">
+      <dgm:prSet presAssocID="{9D94179C-60CB-44C9-8000-C638CC90FBCC}" presName="childNode2" presStyleLbl="bgAcc1" presStyleIdx="3" presStyleCnt="5">
+        <dgm:presLayoutVars>
+          <dgm:bulletEnabled val="1"/>
+        </dgm:presLayoutVars>
+      </dgm:prSet>
+      <dgm:spPr/>
+    </dgm:pt>
+    <dgm:pt modelId="{0CEB224C-27D6-4E1E-B3D5-07A168A17481}" type="pres">
+      <dgm:prSet presAssocID="{9D94179C-60CB-44C9-8000-C638CC90FBCC}" presName="childNode2tx" presStyleLbl="bgAcc1" presStyleIdx="3" presStyleCnt="5">
+        <dgm:presLayoutVars>
+          <dgm:bulletEnabled val="1"/>
+        </dgm:presLayoutVars>
+      </dgm:prSet>
+      <dgm:spPr/>
+    </dgm:pt>
+    <dgm:pt modelId="{085190A6-FE74-486B-99A6-C2C9C6FC2B6B}" type="pres">
+      <dgm:prSet presAssocID="{9D94179C-60CB-44C9-8000-C638CC90FBCC}" presName="parentNode2" presStyleLbl="node1" presStyleIdx="3" presStyleCnt="5">
+        <dgm:presLayoutVars>
+          <dgm:chMax val="0"/>
+          <dgm:bulletEnabled val="1"/>
+        </dgm:presLayoutVars>
+      </dgm:prSet>
+      <dgm:spPr/>
+    </dgm:pt>
+    <dgm:pt modelId="{6B793E1C-464B-41BF-BF58-D75084E9B5F0}" type="pres">
+      <dgm:prSet presAssocID="{9D94179C-60CB-44C9-8000-C638CC90FBCC}" presName="connSite2" presStyleCnt="0"/>
+      <dgm:spPr/>
+    </dgm:pt>
+    <dgm:pt modelId="{E2AA8120-67F5-4F08-808C-C2FFDEEF3762}" type="pres">
+      <dgm:prSet presAssocID="{B690B119-AA95-4863-ACB5-0212ED679AB4}" presName="Name18" presStyleLbl="sibTrans2D1" presStyleIdx="3" presStyleCnt="4"/>
+      <dgm:spPr/>
+    </dgm:pt>
+    <dgm:pt modelId="{264659D7-04C8-42D4-B98D-4E2EE7C455D6}" type="pres">
+      <dgm:prSet presAssocID="{72D19D3A-74EA-46C0-A7EF-6D3CB88BB6E7}" presName="composite1" presStyleCnt="0"/>
+      <dgm:spPr/>
+    </dgm:pt>
+    <dgm:pt modelId="{18501380-F4C5-4409-AFED-4EFA9BC2661B}" type="pres">
+      <dgm:prSet presAssocID="{72D19D3A-74EA-46C0-A7EF-6D3CB88BB6E7}" presName="dummyNode1" presStyleLbl="node1" presStyleIdx="3" presStyleCnt="5"/>
+      <dgm:spPr/>
+    </dgm:pt>
+    <dgm:pt modelId="{9026B45C-ADFA-45DE-A14B-1C67CDA49329}" type="pres">
+      <dgm:prSet presAssocID="{72D19D3A-74EA-46C0-A7EF-6D3CB88BB6E7}" presName="childNode1" presStyleLbl="bgAcc1" presStyleIdx="4" presStyleCnt="5">
+        <dgm:presLayoutVars>
+          <dgm:bulletEnabled val="1"/>
+        </dgm:presLayoutVars>
+      </dgm:prSet>
+      <dgm:spPr/>
+    </dgm:pt>
+    <dgm:pt modelId="{BCC1B419-4A07-48CE-9943-567C3025AA4B}" type="pres">
+      <dgm:prSet presAssocID="{72D19D3A-74EA-46C0-A7EF-6D3CB88BB6E7}" presName="childNode1tx" presStyleLbl="bgAcc1" presStyleIdx="4" presStyleCnt="5">
+        <dgm:presLayoutVars>
+          <dgm:bulletEnabled val="1"/>
+        </dgm:presLayoutVars>
+      </dgm:prSet>
+      <dgm:spPr/>
+    </dgm:pt>
+    <dgm:pt modelId="{1A803EBB-B33B-43CC-8CF8-F6DFA7F74C9F}" type="pres">
+      <dgm:prSet presAssocID="{72D19D3A-74EA-46C0-A7EF-6D3CB88BB6E7}" presName="parentNode1" presStyleLbl="node1" presStyleIdx="4" presStyleCnt="5">
+        <dgm:presLayoutVars>
+          <dgm:chMax val="1"/>
+          <dgm:bulletEnabled val="1"/>
+        </dgm:presLayoutVars>
+      </dgm:prSet>
+      <dgm:spPr/>
+    </dgm:pt>
+    <dgm:pt modelId="{D6AC3102-16E7-4603-A29F-989E079D7077}" type="pres">
+      <dgm:prSet presAssocID="{72D19D3A-74EA-46C0-A7EF-6D3CB88BB6E7}" presName="connSite1" presStyleCnt="0"/>
+      <dgm:spPr/>
+    </dgm:pt>
+  </dgm:ptLst>
+  <dgm:cxnLst>
+    <dgm:cxn modelId="{3228E000-8C8D-4FC1-BE09-2CB2D43274CF}" type="presOf" srcId="{20F7D581-9EB2-498F-BE28-9D62195EAF83}" destId="{71BAD410-3299-44D0-A85A-DC3B57193168}" srcOrd="0" destOrd="0" presId="urn:microsoft.com/office/officeart/2005/8/layout/hProcess4"/>
+    <dgm:cxn modelId="{E260010D-46B0-46C2-93B1-54EE897A6300}" type="presOf" srcId="{FCF39507-87BB-42FC-936E-7CB9C907446D}" destId="{DC8BE73A-4F5A-421C-B33E-9320120B824C}" srcOrd="0" destOrd="0" presId="urn:microsoft.com/office/officeart/2005/8/layout/hProcess4"/>
+    <dgm:cxn modelId="{745C2710-AEC2-4077-8999-F61D41E0B39E}" type="presOf" srcId="{C0BBB20E-A547-490C-BFC3-F69C30C2BB85}" destId="{AB2A0A4B-2E62-43F5-874D-A858B18AD7BD}" srcOrd="0" destOrd="0" presId="urn:microsoft.com/office/officeart/2005/8/layout/hProcess4"/>
+    <dgm:cxn modelId="{ECFDC616-8CDF-4EA1-BB1D-FA2DF950B96F}" srcId="{4BBBBA37-00AE-490F-BA4E-E9A756C4A0D7}" destId="{9D94179C-60CB-44C9-8000-C638CC90FBCC}" srcOrd="3" destOrd="0" parTransId="{FA25C7AC-CD09-4865-B0C2-AE65C69B976D}" sibTransId="{B690B119-AA95-4863-ACB5-0212ED679AB4}"/>
+    <dgm:cxn modelId="{70FCD421-2521-424F-B9BC-061AF450C2F8}" type="presOf" srcId="{C742B16C-6774-4654-A307-2517E5970ED9}" destId="{0CDE4C4E-2C62-4126-8CEE-77D153383F3B}" srcOrd="1" destOrd="0" presId="urn:microsoft.com/office/officeart/2005/8/layout/hProcess4"/>
+    <dgm:cxn modelId="{21EEA131-555A-4801-A607-FBD385939B0A}" srcId="{928451A7-076A-4725-BC57-E98970B55362}" destId="{11F904A3-BE7E-4610-85FF-791DB76C5662}" srcOrd="0" destOrd="0" parTransId="{03E9A0DC-5904-496A-AAF6-356D4EB9E2C7}" sibTransId="{AA783ABE-4698-4A43-ACFE-2F0CA6278420}"/>
+    <dgm:cxn modelId="{94B4AD35-07BC-4BD5-BA48-4DA3352B804F}" type="presOf" srcId="{7CFCEB31-C53B-4076-9E89-71BB7C5206BB}" destId="{0CEB224C-27D6-4E1E-B3D5-07A168A17481}" srcOrd="1" destOrd="0" presId="urn:microsoft.com/office/officeart/2005/8/layout/hProcess4"/>
+    <dgm:cxn modelId="{FBF9C739-9412-4585-8F14-F4D92428BCA3}" type="presOf" srcId="{B5920376-0133-44CD-BB1B-6F53C130D637}" destId="{B8A19F94-18F6-4D00-B053-8BF08839189F}" srcOrd="0" destOrd="0" presId="urn:microsoft.com/office/officeart/2005/8/layout/hProcess4"/>
+    <dgm:cxn modelId="{864C703B-D3FC-4566-883E-42340E00BE6D}" type="presOf" srcId="{928451A7-076A-4725-BC57-E98970B55362}" destId="{40A8A41C-CF7A-4E88-8EA7-EAA6AFD512F6}" srcOrd="0" destOrd="0" presId="urn:microsoft.com/office/officeart/2005/8/layout/hProcess4"/>
+    <dgm:cxn modelId="{DCA5503C-9910-48D2-9A1B-1E06CC883971}" type="presOf" srcId="{F9F5AE11-AF97-4245-99B1-53B38E0C3108}" destId="{BCCD055F-C4D8-4E1B-AEB8-AC963578358F}" srcOrd="1" destOrd="1" presId="urn:microsoft.com/office/officeart/2005/8/layout/hProcess4"/>
+    <dgm:cxn modelId="{7897605B-DE9F-4E05-9C51-68DB082DFD61}" srcId="{4BBBBA37-00AE-490F-BA4E-E9A756C4A0D7}" destId="{72D19D3A-74EA-46C0-A7EF-6D3CB88BB6E7}" srcOrd="4" destOrd="0" parTransId="{15EE5103-8F38-442F-9D49-C6051408C59D}" sibTransId="{16A5E339-9EC9-4A04-A091-62D697819434}"/>
+    <dgm:cxn modelId="{F1B6015C-A40C-4B07-ADFF-FCCBDEF8A703}" type="presOf" srcId="{0D4AF47E-FDAB-4C77-957D-7D203EA2A551}" destId="{BCC1B419-4A07-48CE-9943-567C3025AA4B}" srcOrd="1" destOrd="0" presId="urn:microsoft.com/office/officeart/2005/8/layout/hProcess4"/>
+    <dgm:cxn modelId="{BE340D61-28A6-4E10-B4BD-309F83AE9FD8}" type="presOf" srcId="{DD1C8274-3095-435A-B7E9-C86DA96BDE64}" destId="{943CED33-B477-41B6-8333-C0E815B32CCD}" srcOrd="0" destOrd="0" presId="urn:microsoft.com/office/officeart/2005/8/layout/hProcess4"/>
+    <dgm:cxn modelId="{A743B165-EFB3-4A2B-9188-6DFA8B2E60AB}" srcId="{20F7D581-9EB2-498F-BE28-9D62195EAF83}" destId="{B5920376-0133-44CD-BB1B-6F53C130D637}" srcOrd="0" destOrd="0" parTransId="{E82A70DF-B649-4129-9355-DBF8312CF18F}" sibTransId="{73A56BD2-43C1-4062-A5A5-84091B9A63CC}"/>
+    <dgm:cxn modelId="{E683F570-DC2B-4326-9DA0-584336C8C6D6}" type="presOf" srcId="{B5920376-0133-44CD-BB1B-6F53C130D637}" destId="{BCCD055F-C4D8-4E1B-AEB8-AC963578358F}" srcOrd="1" destOrd="0" presId="urn:microsoft.com/office/officeart/2005/8/layout/hProcess4"/>
+    <dgm:cxn modelId="{C5973D72-FB08-4B00-8516-F806514B4438}" srcId="{4BBBBA37-00AE-490F-BA4E-E9A756C4A0D7}" destId="{C0BBB20E-A547-490C-BFC3-F69C30C2BB85}" srcOrd="0" destOrd="0" parTransId="{830D836F-DF80-4E41-AF3F-21CC3E8E4EF2}" sibTransId="{DD1C8274-3095-435A-B7E9-C86DA96BDE64}"/>
+    <dgm:cxn modelId="{F470FB77-2A68-4E93-A413-B72BC643C21C}" srcId="{9D94179C-60CB-44C9-8000-C638CC90FBCC}" destId="{7CFCEB31-C53B-4076-9E89-71BB7C5206BB}" srcOrd="0" destOrd="0" parTransId="{BCAA30FB-3036-4175-919A-7AC87A5DFA25}" sibTransId="{E2E05416-EBA5-4CD9-8AA3-29C25936A1EA}"/>
+    <dgm:cxn modelId="{002EAD7A-751D-4A0E-8B80-3ED2E8BF0317}" srcId="{C0BBB20E-A547-490C-BFC3-F69C30C2BB85}" destId="{C742B16C-6774-4654-A307-2517E5970ED9}" srcOrd="0" destOrd="0" parTransId="{3F79200C-09D6-4579-940A-9925FCF29974}" sibTransId="{DB0BD340-6AE9-43AB-8228-82AD980D89BF}"/>
+    <dgm:cxn modelId="{555C2B7C-EBBB-4015-9A21-9AA3BA353080}" type="presOf" srcId="{4BBBBA37-00AE-490F-BA4E-E9A756C4A0D7}" destId="{7ABD661D-07C5-4739-AE45-6E1036C01B22}" srcOrd="0" destOrd="0" presId="urn:microsoft.com/office/officeart/2005/8/layout/hProcess4"/>
+    <dgm:cxn modelId="{A2DFE587-0EFA-4CCA-B87B-94DA33352EB2}" type="presOf" srcId="{F9F5AE11-AF97-4245-99B1-53B38E0C3108}" destId="{B8A19F94-18F6-4D00-B053-8BF08839189F}" srcOrd="0" destOrd="1" presId="urn:microsoft.com/office/officeart/2005/8/layout/hProcess4"/>
+    <dgm:cxn modelId="{1497608C-9EBF-4045-B5D2-B57D8503FD29}" srcId="{4BBBBA37-00AE-490F-BA4E-E9A756C4A0D7}" destId="{20F7D581-9EB2-498F-BE28-9D62195EAF83}" srcOrd="1" destOrd="0" parTransId="{E0FBE512-C1C4-4067-A1DE-34C9E33E9EB4}" sibTransId="{FCF39507-87BB-42FC-936E-7CB9C907446D}"/>
+    <dgm:cxn modelId="{13921B92-0D4F-4CF2-B922-D250CB9F7C6D}" type="presOf" srcId="{72D19D3A-74EA-46C0-A7EF-6D3CB88BB6E7}" destId="{1A803EBB-B33B-43CC-8CF8-F6DFA7F74C9F}" srcOrd="0" destOrd="0" presId="urn:microsoft.com/office/officeart/2005/8/layout/hProcess4"/>
+    <dgm:cxn modelId="{AFFF7C9B-0E77-4342-BDDF-B74DE7FEA928}" type="presOf" srcId="{C742B16C-6774-4654-A307-2517E5970ED9}" destId="{8901E0F4-0A59-4693-BCC0-AD691D9FB870}" srcOrd="0" destOrd="0" presId="urn:microsoft.com/office/officeart/2005/8/layout/hProcess4"/>
+    <dgm:cxn modelId="{838DFA9C-65AB-4608-A291-FF7157BB4A5F}" type="presOf" srcId="{11F904A3-BE7E-4610-85FF-791DB76C5662}" destId="{9131C415-ABC8-494A-BB4C-4189E2623C96}" srcOrd="0" destOrd="0" presId="urn:microsoft.com/office/officeart/2005/8/layout/hProcess4"/>
+    <dgm:cxn modelId="{A03A19A9-D08A-496E-94FC-7C1E2041B816}" type="presOf" srcId="{B690B119-AA95-4863-ACB5-0212ED679AB4}" destId="{E2AA8120-67F5-4F08-808C-C2FFDEEF3762}" srcOrd="0" destOrd="0" presId="urn:microsoft.com/office/officeart/2005/8/layout/hProcess4"/>
+    <dgm:cxn modelId="{839B22B2-CAF0-4A50-BE07-9D40E91536D6}" srcId="{20F7D581-9EB2-498F-BE28-9D62195EAF83}" destId="{F9F5AE11-AF97-4245-99B1-53B38E0C3108}" srcOrd="1" destOrd="0" parTransId="{0DC9D828-A9AB-4F2A-83AE-CB35FC67EA91}" sibTransId="{9498F83F-2569-4E78-864A-AF5A10617D12}"/>
+    <dgm:cxn modelId="{80D23CBD-CE2E-4319-87F9-C044F105CF34}" type="presOf" srcId="{75637A16-730E-4452-8190-67FB3226C504}" destId="{4D946BF7-5318-4B1E-AEBF-4A3CA2E290DB}" srcOrd="0" destOrd="0" presId="urn:microsoft.com/office/officeart/2005/8/layout/hProcess4"/>
+    <dgm:cxn modelId="{1A2CD6BD-4FB6-4C65-A31E-7C659272F5FF}" srcId="{4BBBBA37-00AE-490F-BA4E-E9A756C4A0D7}" destId="{928451A7-076A-4725-BC57-E98970B55362}" srcOrd="2" destOrd="0" parTransId="{605DBBC2-A198-4676-A0C6-4546B7A91B68}" sibTransId="{75637A16-730E-4452-8190-67FB3226C504}"/>
+    <dgm:cxn modelId="{265C04BF-DF6E-4114-8745-FF72DB8EAE85}" type="presOf" srcId="{0D4AF47E-FDAB-4C77-957D-7D203EA2A551}" destId="{9026B45C-ADFA-45DE-A14B-1C67CDA49329}" srcOrd="0" destOrd="0" presId="urn:microsoft.com/office/officeart/2005/8/layout/hProcess4"/>
+    <dgm:cxn modelId="{D17B6FC1-D9C2-4F35-8136-869ADDE06035}" srcId="{72D19D3A-74EA-46C0-A7EF-6D3CB88BB6E7}" destId="{0D4AF47E-FDAB-4C77-957D-7D203EA2A551}" srcOrd="0" destOrd="0" parTransId="{9CD69A6E-A2A3-461E-8653-B8D27DA8FB7C}" sibTransId="{0D727C4D-D6A3-41E4-AAA6-A4FD3C72ECE6}"/>
+    <dgm:cxn modelId="{F43A3FC7-6C79-41B4-B507-B5377A47A8F2}" type="presOf" srcId="{9D94179C-60CB-44C9-8000-C638CC90FBCC}" destId="{085190A6-FE74-486B-99A6-C2C9C6FC2B6B}" srcOrd="0" destOrd="0" presId="urn:microsoft.com/office/officeart/2005/8/layout/hProcess4"/>
+    <dgm:cxn modelId="{AE3814E9-6976-4CC2-90CB-4D505E6271E7}" type="presOf" srcId="{11F904A3-BE7E-4610-85FF-791DB76C5662}" destId="{3B26D6A5-9D56-445C-B171-536ACA002E6A}" srcOrd="1" destOrd="0" presId="urn:microsoft.com/office/officeart/2005/8/layout/hProcess4"/>
+    <dgm:cxn modelId="{C97277EB-6F23-4658-9BD4-F8C8D1CBABDB}" type="presOf" srcId="{7CFCEB31-C53B-4076-9E89-71BB7C5206BB}" destId="{F0C2F068-CF38-425A-B33E-3FD76DFE06E5}" srcOrd="0" destOrd="0" presId="urn:microsoft.com/office/officeart/2005/8/layout/hProcess4"/>
+    <dgm:cxn modelId="{CF123FA8-86E9-4509-A8B2-836C24730797}" type="presParOf" srcId="{7ABD661D-07C5-4739-AE45-6E1036C01B22}" destId="{75F32423-9911-408A-B8A9-5D1154B5D7BF}" srcOrd="0" destOrd="0" presId="urn:microsoft.com/office/officeart/2005/8/layout/hProcess4"/>
+    <dgm:cxn modelId="{8850E79F-00B9-4C54-9215-3D15B08153DD}" type="presParOf" srcId="{7ABD661D-07C5-4739-AE45-6E1036C01B22}" destId="{D241EEF2-5E0C-4DE4-A18D-25619EBD7B6F}" srcOrd="1" destOrd="0" presId="urn:microsoft.com/office/officeart/2005/8/layout/hProcess4"/>
+    <dgm:cxn modelId="{1226809C-B779-4841-B727-3E10E011B6CB}" type="presParOf" srcId="{7ABD661D-07C5-4739-AE45-6E1036C01B22}" destId="{FC4CC419-9620-4012-97C5-A28BFD476CA1}" srcOrd="2" destOrd="0" presId="urn:microsoft.com/office/officeart/2005/8/layout/hProcess4"/>
+    <dgm:cxn modelId="{35D286D9-13FF-4EE7-8142-7037A6311041}" type="presParOf" srcId="{FC4CC419-9620-4012-97C5-A28BFD476CA1}" destId="{7E698234-6681-4186-AE63-A7A941F59494}" srcOrd="0" destOrd="0" presId="urn:microsoft.com/office/officeart/2005/8/layout/hProcess4"/>
+    <dgm:cxn modelId="{4EABA230-41E5-4ADD-9711-1883FA55BB41}" type="presParOf" srcId="{7E698234-6681-4186-AE63-A7A941F59494}" destId="{395996B4-199C-4092-AE43-1490EDAA85FB}" srcOrd="0" destOrd="0" presId="urn:microsoft.com/office/officeart/2005/8/layout/hProcess4"/>
+    <dgm:cxn modelId="{51E49F9A-DC0D-4CAA-8E03-B0D1B12BB11B}" type="presParOf" srcId="{7E698234-6681-4186-AE63-A7A941F59494}" destId="{8901E0F4-0A59-4693-BCC0-AD691D9FB870}" srcOrd="1" destOrd="0" presId="urn:microsoft.com/office/officeart/2005/8/layout/hProcess4"/>
+    <dgm:cxn modelId="{192B2020-9929-4251-B6CF-2456C472304A}" type="presParOf" srcId="{7E698234-6681-4186-AE63-A7A941F59494}" destId="{0CDE4C4E-2C62-4126-8CEE-77D153383F3B}" srcOrd="2" destOrd="0" presId="urn:microsoft.com/office/officeart/2005/8/layout/hProcess4"/>
+    <dgm:cxn modelId="{CDF4961E-FABF-4AF6-9EB5-A90B8DD2717A}" type="presParOf" srcId="{7E698234-6681-4186-AE63-A7A941F59494}" destId="{AB2A0A4B-2E62-43F5-874D-A858B18AD7BD}" srcOrd="3" destOrd="0" presId="urn:microsoft.com/office/officeart/2005/8/layout/hProcess4"/>
+    <dgm:cxn modelId="{3381310D-F107-407E-9916-00306DD08FE6}" type="presParOf" srcId="{7E698234-6681-4186-AE63-A7A941F59494}" destId="{36C63541-11CA-440A-96C0-F62A9C797175}" srcOrd="4" destOrd="0" presId="urn:microsoft.com/office/officeart/2005/8/layout/hProcess4"/>
+    <dgm:cxn modelId="{AFBAF5BE-3BB0-4EE9-B583-C2F35EF0E6C0}" type="presParOf" srcId="{FC4CC419-9620-4012-97C5-A28BFD476CA1}" destId="{943CED33-B477-41B6-8333-C0E815B32CCD}" srcOrd="1" destOrd="0" presId="urn:microsoft.com/office/officeart/2005/8/layout/hProcess4"/>
+    <dgm:cxn modelId="{A7F4F8EA-563A-4ABD-BE4C-1BA3E2F08F7F}" type="presParOf" srcId="{FC4CC419-9620-4012-97C5-A28BFD476CA1}" destId="{DAE054FC-E8A5-4F66-B3DE-0F065A517B2B}" srcOrd="2" destOrd="0" presId="urn:microsoft.com/office/officeart/2005/8/layout/hProcess4"/>
+    <dgm:cxn modelId="{63B68EA2-6856-4BE2-B933-33F12EA4E16D}" type="presParOf" srcId="{DAE054FC-E8A5-4F66-B3DE-0F065A517B2B}" destId="{1F85FCD6-6513-4C8D-B4DE-0CBEE2AA7681}" srcOrd="0" destOrd="0" presId="urn:microsoft.com/office/officeart/2005/8/layout/hProcess4"/>
+    <dgm:cxn modelId="{A25D7FFE-1F0F-45E0-A761-B202218EC06A}" type="presParOf" srcId="{DAE054FC-E8A5-4F66-B3DE-0F065A517B2B}" destId="{B8A19F94-18F6-4D00-B053-8BF08839189F}" srcOrd="1" destOrd="0" presId="urn:microsoft.com/office/officeart/2005/8/layout/hProcess4"/>
+    <dgm:cxn modelId="{39BA5598-DD97-4ED7-B3EB-3D1B84AA48A7}" type="presParOf" srcId="{DAE054FC-E8A5-4F66-B3DE-0F065A517B2B}" destId="{BCCD055F-C4D8-4E1B-AEB8-AC963578358F}" srcOrd="2" destOrd="0" presId="urn:microsoft.com/office/officeart/2005/8/layout/hProcess4"/>
+    <dgm:cxn modelId="{27A75CDC-2050-488F-B2BA-D14A6F65EA7A}" type="presParOf" srcId="{DAE054FC-E8A5-4F66-B3DE-0F065A517B2B}" destId="{71BAD410-3299-44D0-A85A-DC3B57193168}" srcOrd="3" destOrd="0" presId="urn:microsoft.com/office/officeart/2005/8/layout/hProcess4"/>
+    <dgm:cxn modelId="{027B179D-1DAA-4D24-B186-CFA721974E41}" type="presParOf" srcId="{DAE054FC-E8A5-4F66-B3DE-0F065A517B2B}" destId="{89ADB8B3-B871-45E3-A9C2-130268780D69}" srcOrd="4" destOrd="0" presId="urn:microsoft.com/office/officeart/2005/8/layout/hProcess4"/>
+    <dgm:cxn modelId="{B3F36E0A-AA44-4D01-8388-9AD2DE0C3538}" type="presParOf" srcId="{FC4CC419-9620-4012-97C5-A28BFD476CA1}" destId="{DC8BE73A-4F5A-421C-B33E-9320120B824C}" srcOrd="3" destOrd="0" presId="urn:microsoft.com/office/officeart/2005/8/layout/hProcess4"/>
+    <dgm:cxn modelId="{AFA86870-B517-4EFC-B3A9-8C92C8985E3D}" type="presParOf" srcId="{FC4CC419-9620-4012-97C5-A28BFD476CA1}" destId="{0643EB6C-F47F-4843-A806-EFCE9852E787}" srcOrd="4" destOrd="0" presId="urn:microsoft.com/office/officeart/2005/8/layout/hProcess4"/>
+    <dgm:cxn modelId="{81543A9B-5622-42C2-9B8C-3DDA814F71E1}" type="presParOf" srcId="{0643EB6C-F47F-4843-A806-EFCE9852E787}" destId="{DAAB7BA4-2998-41B0-9E03-1630EC903E3B}" srcOrd="0" destOrd="0" presId="urn:microsoft.com/office/officeart/2005/8/layout/hProcess4"/>
+    <dgm:cxn modelId="{4313C808-71D8-4980-9DB5-84474369386A}" type="presParOf" srcId="{0643EB6C-F47F-4843-A806-EFCE9852E787}" destId="{9131C415-ABC8-494A-BB4C-4189E2623C96}" srcOrd="1" destOrd="0" presId="urn:microsoft.com/office/officeart/2005/8/layout/hProcess4"/>
+    <dgm:cxn modelId="{60CABEDB-32CD-445E-9D4D-24217384E9E6}" type="presParOf" srcId="{0643EB6C-F47F-4843-A806-EFCE9852E787}" destId="{3B26D6A5-9D56-445C-B171-536ACA002E6A}" srcOrd="2" destOrd="0" presId="urn:microsoft.com/office/officeart/2005/8/layout/hProcess4"/>
+    <dgm:cxn modelId="{FE023BBB-7C07-48A4-B9AB-0286771BAF00}" type="presParOf" srcId="{0643EB6C-F47F-4843-A806-EFCE9852E787}" destId="{40A8A41C-CF7A-4E88-8EA7-EAA6AFD512F6}" srcOrd="3" destOrd="0" presId="urn:microsoft.com/office/officeart/2005/8/layout/hProcess4"/>
+    <dgm:cxn modelId="{FC40F9FD-B21B-429C-92BC-B1986CBAE7CC}" type="presParOf" srcId="{0643EB6C-F47F-4843-A806-EFCE9852E787}" destId="{B473B88E-BDED-4B84-8518-6F2718D65E59}" srcOrd="4" destOrd="0" presId="urn:microsoft.com/office/officeart/2005/8/layout/hProcess4"/>
+    <dgm:cxn modelId="{AE14ADA0-0F32-4083-95D2-C49575DC5F50}" type="presParOf" srcId="{FC4CC419-9620-4012-97C5-A28BFD476CA1}" destId="{4D946BF7-5318-4B1E-AEBF-4A3CA2E290DB}" srcOrd="5" destOrd="0" presId="urn:microsoft.com/office/officeart/2005/8/layout/hProcess4"/>
+    <dgm:cxn modelId="{DDF524C8-4871-4D7E-A7F3-FC1A10656D81}" type="presParOf" srcId="{FC4CC419-9620-4012-97C5-A28BFD476CA1}" destId="{979512FD-18FE-4B5C-9D65-0C9D20754DDD}" srcOrd="6" destOrd="0" presId="urn:microsoft.com/office/officeart/2005/8/layout/hProcess4"/>
+    <dgm:cxn modelId="{BDAF2498-DC29-4949-935E-18FA7CDB0DD3}" type="presParOf" srcId="{979512FD-18FE-4B5C-9D65-0C9D20754DDD}" destId="{4A6F4801-649C-401A-88A5-26ECEFD9E87E}" srcOrd="0" destOrd="0" presId="urn:microsoft.com/office/officeart/2005/8/layout/hProcess4"/>
+    <dgm:cxn modelId="{1A75A538-2470-4D37-8B7A-24B6757E93A2}" type="presParOf" srcId="{979512FD-18FE-4B5C-9D65-0C9D20754DDD}" destId="{F0C2F068-CF38-425A-B33E-3FD76DFE06E5}" srcOrd="1" destOrd="0" presId="urn:microsoft.com/office/officeart/2005/8/layout/hProcess4"/>
+    <dgm:cxn modelId="{6CFDEFA9-FF7C-40B2-8CF3-8EDB3F2C060B}" type="presParOf" srcId="{979512FD-18FE-4B5C-9D65-0C9D20754DDD}" destId="{0CEB224C-27D6-4E1E-B3D5-07A168A17481}" srcOrd="2" destOrd="0" presId="urn:microsoft.com/office/officeart/2005/8/layout/hProcess4"/>
+    <dgm:cxn modelId="{B5BC4101-D702-4006-A25B-C1B5F3B113D3}" type="presParOf" srcId="{979512FD-18FE-4B5C-9D65-0C9D20754DDD}" destId="{085190A6-FE74-486B-99A6-C2C9C6FC2B6B}" srcOrd="3" destOrd="0" presId="urn:microsoft.com/office/officeart/2005/8/layout/hProcess4"/>
+    <dgm:cxn modelId="{145E2032-C71D-414F-986D-4A99F91D2105}" type="presParOf" srcId="{979512FD-18FE-4B5C-9D65-0C9D20754DDD}" destId="{6B793E1C-464B-41BF-BF58-D75084E9B5F0}" srcOrd="4" destOrd="0" presId="urn:microsoft.com/office/officeart/2005/8/layout/hProcess4"/>
+    <dgm:cxn modelId="{EB7ACC51-FCC6-41BA-978B-99AD170AF154}" type="presParOf" srcId="{FC4CC419-9620-4012-97C5-A28BFD476CA1}" destId="{E2AA8120-67F5-4F08-808C-C2FFDEEF3762}" srcOrd="7" destOrd="0" presId="urn:microsoft.com/office/officeart/2005/8/layout/hProcess4"/>
+    <dgm:cxn modelId="{B72EA3E0-6AE9-489B-AA10-245A8DCE2DAA}" type="presParOf" srcId="{FC4CC419-9620-4012-97C5-A28BFD476CA1}" destId="{264659D7-04C8-42D4-B98D-4E2EE7C455D6}" srcOrd="8" destOrd="0" presId="urn:microsoft.com/office/officeart/2005/8/layout/hProcess4"/>
+    <dgm:cxn modelId="{DE1A72A3-AF3E-4886-86CC-F2323E6337D4}" type="presParOf" srcId="{264659D7-04C8-42D4-B98D-4E2EE7C455D6}" destId="{18501380-F4C5-4409-AFED-4EFA9BC2661B}" srcOrd="0" destOrd="0" presId="urn:microsoft.com/office/officeart/2005/8/layout/hProcess4"/>
+    <dgm:cxn modelId="{EE51F62C-19E6-4DBF-81CD-F1E74093B78B}" type="presParOf" srcId="{264659D7-04C8-42D4-B98D-4E2EE7C455D6}" destId="{9026B45C-ADFA-45DE-A14B-1C67CDA49329}" srcOrd="1" destOrd="0" presId="urn:microsoft.com/office/officeart/2005/8/layout/hProcess4"/>
+    <dgm:cxn modelId="{51B8E7E8-6D56-43CE-BADA-3C7127B11D0E}" type="presParOf" srcId="{264659D7-04C8-42D4-B98D-4E2EE7C455D6}" destId="{BCC1B419-4A07-48CE-9943-567C3025AA4B}" srcOrd="2" destOrd="0" presId="urn:microsoft.com/office/officeart/2005/8/layout/hProcess4"/>
+    <dgm:cxn modelId="{633A29F7-0DF1-41B4-99BB-5E7B1E71E468}" type="presParOf" srcId="{264659D7-04C8-42D4-B98D-4E2EE7C455D6}" destId="{1A803EBB-B33B-43CC-8CF8-F6DFA7F74C9F}" srcOrd="3" destOrd="0" presId="urn:microsoft.com/office/officeart/2005/8/layout/hProcess4"/>
+    <dgm:cxn modelId="{B6F49982-2CDC-446B-A229-212BBBD3E2A0}" type="presParOf" srcId="{264659D7-04C8-42D4-B98D-4E2EE7C455D6}" destId="{D6AC3102-16E7-4603-A29F-989E079D7077}" srcOrd="4" destOrd="0" presId="urn:microsoft.com/office/officeart/2005/8/layout/hProcess4"/>
+  </dgm:cxnLst>
+  <dgm:bg/>
+  <dgm:whole/>
+  <dgm:extLst>
+    <a:ext uri="http://schemas.microsoft.com/office/drawing/2008/diagram">
+      <dsp:dataModelExt xmlns:dsp="http://schemas.microsoft.com/office/drawing/2008/diagram" relId="rId6" minVer="http://schemas.openxmlformats.org/drawingml/2006/diagram"/>
+    </a:ext>
+  </dgm:extLst>
+</dgm:dataModel>
+</file>
+
+<file path=ppt/diagrams/data2.xml><?xml version="1.0" encoding="utf-8"?>
 <dgm:dataModel xmlns:dgm="http://schemas.openxmlformats.org/drawingml/2006/diagram" xmlns:a="http://schemas.openxmlformats.org/drawingml/2006/main">
   <dgm:ptLst>
     <dgm:pt modelId="{4BBBBA37-00AE-490F-BA4E-E9A756C4A0D7}" type="doc">
@@ -3353,7 +4808,7 @@
 </dgm:dataModel>
 </file>
 
-<file path=ppt/diagrams/data2.xml><?xml version="1.0" encoding="utf-8"?>
+<file path=ppt/diagrams/data3.xml><?xml version="1.0" encoding="utf-8"?>
 <dgm:dataModel xmlns:dgm="http://schemas.openxmlformats.org/drawingml/2006/diagram" xmlns:a="http://schemas.openxmlformats.org/drawingml/2006/main">
   <dgm:ptLst>
     <dgm:pt modelId="{4BBBBA37-00AE-490F-BA4E-E9A756C4A0D7}" type="doc">
@@ -3868,7 +5323,7 @@
 </dgm:dataModel>
 </file>
 
-<file path=ppt/diagrams/data3.xml><?xml version="1.0" encoding="utf-8"?>
+<file path=ppt/diagrams/data4.xml><?xml version="1.0" encoding="utf-8"?>
 <dgm:dataModel xmlns:dgm="http://schemas.openxmlformats.org/drawingml/2006/diagram" xmlns:a="http://schemas.openxmlformats.org/drawingml/2006/main">
   <dgm:ptLst>
     <dgm:pt modelId="{4BBBBA37-00AE-490F-BA4E-E9A756C4A0D7}" type="doc">
@@ -4384,6 +5839,1026 @@
 </file>
 
 <file path=ppt/diagrams/drawing1.xml><?xml version="1.0" encoding="utf-8"?>
+<dsp:drawing xmlns:dgm="http://schemas.openxmlformats.org/drawingml/2006/diagram" xmlns:dsp="http://schemas.microsoft.com/office/drawing/2008/diagram" xmlns:a="http://schemas.openxmlformats.org/drawingml/2006/main">
+  <dsp:spTree>
+    <dsp:nvGrpSpPr>
+      <dsp:cNvPr id="0" name=""/>
+      <dsp:cNvGrpSpPr/>
+    </dsp:nvGrpSpPr>
+    <dsp:grpSpPr/>
+    <dsp:sp modelId="{8901E0F4-0A59-4693-BCC0-AD691D9FB870}">
+      <dsp:nvSpPr>
+        <dsp:cNvPr id="0" name=""/>
+        <dsp:cNvSpPr/>
+      </dsp:nvSpPr>
+      <dsp:spPr>
+        <a:xfrm>
+          <a:off x="102818" y="407997"/>
+          <a:ext cx="950537" cy="783994"/>
+        </a:xfrm>
+        <a:prstGeom prst="roundRect">
+          <a:avLst>
+            <a:gd name="adj" fmla="val 10000"/>
+          </a:avLst>
+        </a:prstGeom>
+        <a:solidFill>
+          <a:schemeClr val="lt1">
+            <a:alpha val="90000"/>
+            <a:hueOff val="0"/>
+            <a:satOff val="0"/>
+            <a:lumOff val="0"/>
+            <a:alphaOff val="0"/>
+          </a:schemeClr>
+        </a:solidFill>
+        <a:ln w="12700" cap="flat" cmpd="sng" algn="ctr">
+          <a:solidFill>
+            <a:schemeClr val="accent1">
+              <a:hueOff val="0"/>
+              <a:satOff val="0"/>
+              <a:lumOff val="0"/>
+              <a:alphaOff val="0"/>
+            </a:schemeClr>
+          </a:solidFill>
+          <a:prstDash val="solid"/>
+          <a:miter lim="800000"/>
+        </a:ln>
+        <a:effectLst/>
+      </dsp:spPr>
+      <dsp:style>
+        <a:lnRef idx="2">
+          <a:scrgbClr r="0" g="0" b="0"/>
+        </a:lnRef>
+        <a:fillRef idx="1">
+          <a:scrgbClr r="0" g="0" b="0"/>
+        </a:fillRef>
+        <a:effectRef idx="0">
+          <a:scrgbClr r="0" g="0" b="0"/>
+        </a:effectRef>
+        <a:fontRef idx="minor"/>
+      </dsp:style>
+      <dsp:txBody>
+        <a:bodyPr spcFirstLastPara="0" vert="horz" wrap="square" lIns="123825" tIns="123825" rIns="123825" bIns="123825" numCol="1" spcCol="1270" anchor="t" anchorCtr="0">
+          <a:noAutofit/>
+        </a:bodyPr>
+        <a:lstStyle/>
+        <a:p>
+          <a:pPr marL="57150" lvl="1" indent="-57150" algn="l" defTabSz="266700">
+            <a:lnSpc>
+              <a:spcPct val="90000"/>
+            </a:lnSpc>
+            <a:spcBef>
+              <a:spcPct val="0"/>
+            </a:spcBef>
+            <a:spcAft>
+              <a:spcPct val="15000"/>
+            </a:spcAft>
+            <a:buChar char="•"/>
+          </a:pPr>
+          <a:r>
+            <a:rPr lang="fr-FR" sz="600" kern="1200" dirty="0"/>
+            <a:t>S’approprier et analyser un système</a:t>
+          </a:r>
+        </a:p>
+      </dsp:txBody>
+      <dsp:txXfrm>
+        <a:off x="120860" y="426039"/>
+        <a:ext cx="914453" cy="579911"/>
+      </dsp:txXfrm>
+    </dsp:sp>
+    <dsp:sp modelId="{943CED33-B477-41B6-8333-C0E815B32CCD}">
+      <dsp:nvSpPr>
+        <dsp:cNvPr id="0" name=""/>
+        <dsp:cNvSpPr/>
+      </dsp:nvSpPr>
+      <dsp:spPr>
+        <a:xfrm>
+          <a:off x="580899" y="393247"/>
+          <a:ext cx="1345901" cy="1345901"/>
+        </a:xfrm>
+        <a:prstGeom prst="leftCircularArrow">
+          <a:avLst>
+            <a:gd name="adj1" fmla="val 5350"/>
+            <a:gd name="adj2" fmla="val 694664"/>
+            <a:gd name="adj3" fmla="val 2470174"/>
+            <a:gd name="adj4" fmla="val 9024489"/>
+            <a:gd name="adj5" fmla="val 6242"/>
+          </a:avLst>
+        </a:prstGeom>
+        <a:solidFill>
+          <a:schemeClr val="accent1">
+            <a:tint val="60000"/>
+            <a:hueOff val="0"/>
+            <a:satOff val="0"/>
+            <a:lumOff val="0"/>
+            <a:alphaOff val="0"/>
+          </a:schemeClr>
+        </a:solidFill>
+        <a:ln>
+          <a:noFill/>
+        </a:ln>
+        <a:effectLst/>
+      </dsp:spPr>
+      <dsp:style>
+        <a:lnRef idx="0">
+          <a:scrgbClr r="0" g="0" b="0"/>
+        </a:lnRef>
+        <a:fillRef idx="1">
+          <a:scrgbClr r="0" g="0" b="0"/>
+        </a:fillRef>
+        <a:effectRef idx="0">
+          <a:scrgbClr r="0" g="0" b="0"/>
+        </a:effectRef>
+        <a:fontRef idx="minor">
+          <a:schemeClr val="lt1"/>
+        </a:fontRef>
+      </dsp:style>
+    </dsp:sp>
+    <dsp:sp modelId="{AB2A0A4B-2E62-43F5-874D-A858B18AD7BD}">
+      <dsp:nvSpPr>
+        <dsp:cNvPr id="0" name=""/>
+        <dsp:cNvSpPr/>
+      </dsp:nvSpPr>
+      <dsp:spPr>
+        <a:xfrm>
+          <a:off x="314048" y="1023992"/>
+          <a:ext cx="844922" cy="335997"/>
+        </a:xfrm>
+        <a:prstGeom prst="roundRect">
+          <a:avLst>
+            <a:gd name="adj" fmla="val 10000"/>
+          </a:avLst>
+        </a:prstGeom>
+        <a:solidFill>
+          <a:schemeClr val="accent1">
+            <a:hueOff val="0"/>
+            <a:satOff val="0"/>
+            <a:lumOff val="0"/>
+            <a:alphaOff val="0"/>
+          </a:schemeClr>
+        </a:solidFill>
+        <a:ln w="12700" cap="flat" cmpd="sng" algn="ctr">
+          <a:solidFill>
+            <a:schemeClr val="lt1">
+              <a:hueOff val="0"/>
+              <a:satOff val="0"/>
+              <a:lumOff val="0"/>
+              <a:alphaOff val="0"/>
+            </a:schemeClr>
+          </a:solidFill>
+          <a:prstDash val="solid"/>
+          <a:miter lim="800000"/>
+        </a:ln>
+        <a:effectLst/>
+      </dsp:spPr>
+      <dsp:style>
+        <a:lnRef idx="2">
+          <a:scrgbClr r="0" g="0" b="0"/>
+        </a:lnRef>
+        <a:fillRef idx="1">
+          <a:scrgbClr r="0" g="0" b="0"/>
+        </a:fillRef>
+        <a:effectRef idx="0">
+          <a:scrgbClr r="0" g="0" b="0"/>
+        </a:effectRef>
+        <a:fontRef idx="minor">
+          <a:schemeClr val="lt1"/>
+        </a:fontRef>
+      </dsp:style>
+      <dsp:txBody>
+        <a:bodyPr spcFirstLastPara="0" vert="horz" wrap="square" lIns="11430" tIns="7620" rIns="11430" bIns="7620" numCol="1" spcCol="1270" anchor="ctr" anchorCtr="0">
+          <a:noAutofit/>
+        </a:bodyPr>
+        <a:lstStyle/>
+        <a:p>
+          <a:pPr marL="0" lvl="0" indent="0" algn="ctr" defTabSz="266700">
+            <a:lnSpc>
+              <a:spcPct val="90000"/>
+            </a:lnSpc>
+            <a:spcBef>
+              <a:spcPct val="0"/>
+            </a:spcBef>
+            <a:spcAft>
+              <a:spcPct val="35000"/>
+            </a:spcAft>
+            <a:buNone/>
+          </a:pPr>
+          <a:r>
+            <a:rPr lang="fr-FR" sz="600" kern="1200" dirty="0"/>
+            <a:t>Pôle 1</a:t>
+          </a:r>
+        </a:p>
+        <a:p>
+          <a:pPr marL="0" lvl="0" indent="0" algn="ctr" defTabSz="266700">
+            <a:lnSpc>
+              <a:spcPct val="90000"/>
+            </a:lnSpc>
+            <a:spcBef>
+              <a:spcPct val="0"/>
+            </a:spcBef>
+            <a:spcAft>
+              <a:spcPct val="35000"/>
+            </a:spcAft>
+            <a:buNone/>
+          </a:pPr>
+          <a:r>
+            <a:rPr lang="fr-FR" sz="600" kern="1200" dirty="0"/>
+            <a:t>Découverte du système</a:t>
+          </a:r>
+        </a:p>
+      </dsp:txBody>
+      <dsp:txXfrm>
+        <a:off x="323889" y="1033833"/>
+        <a:ext cx="825240" cy="316315"/>
+      </dsp:txXfrm>
+    </dsp:sp>
+    <dsp:sp modelId="{B8A19F94-18F6-4D00-B053-8BF08839189F}">
+      <dsp:nvSpPr>
+        <dsp:cNvPr id="0" name=""/>
+        <dsp:cNvSpPr/>
+      </dsp:nvSpPr>
+      <dsp:spPr>
+        <a:xfrm>
+          <a:off x="1501870" y="407997"/>
+          <a:ext cx="950537" cy="783994"/>
+        </a:xfrm>
+        <a:prstGeom prst="roundRect">
+          <a:avLst>
+            <a:gd name="adj" fmla="val 10000"/>
+          </a:avLst>
+        </a:prstGeom>
+        <a:solidFill>
+          <a:schemeClr val="lt1">
+            <a:alpha val="90000"/>
+            <a:hueOff val="0"/>
+            <a:satOff val="0"/>
+            <a:lumOff val="0"/>
+            <a:alphaOff val="0"/>
+          </a:schemeClr>
+        </a:solidFill>
+        <a:ln w="12700" cap="flat" cmpd="sng" algn="ctr">
+          <a:solidFill>
+            <a:schemeClr val="accent1">
+              <a:hueOff val="0"/>
+              <a:satOff val="0"/>
+              <a:lumOff val="0"/>
+              <a:alphaOff val="0"/>
+            </a:schemeClr>
+          </a:solidFill>
+          <a:prstDash val="solid"/>
+          <a:miter lim="800000"/>
+        </a:ln>
+        <a:effectLst/>
+      </dsp:spPr>
+      <dsp:style>
+        <a:lnRef idx="2">
+          <a:scrgbClr r="0" g="0" b="0"/>
+        </a:lnRef>
+        <a:fillRef idx="1">
+          <a:scrgbClr r="0" g="0" b="0"/>
+        </a:fillRef>
+        <a:effectRef idx="0">
+          <a:scrgbClr r="0" g="0" b="0"/>
+        </a:effectRef>
+        <a:fontRef idx="minor"/>
+      </dsp:style>
+      <dsp:txBody>
+        <a:bodyPr spcFirstLastPara="0" vert="horz" wrap="square" lIns="32385" tIns="32385" rIns="32385" bIns="32385" numCol="1" spcCol="1270" anchor="t" anchorCtr="0">
+          <a:noAutofit/>
+        </a:bodyPr>
+        <a:lstStyle/>
+        <a:p>
+          <a:pPr marL="171450" lvl="1" indent="-171450" algn="l" defTabSz="755650">
+            <a:lnSpc>
+              <a:spcPct val="90000"/>
+            </a:lnSpc>
+            <a:spcBef>
+              <a:spcPct val="0"/>
+            </a:spcBef>
+            <a:spcAft>
+              <a:spcPct val="15000"/>
+            </a:spcAft>
+            <a:buChar char="•"/>
+          </a:pPr>
+          <a:endParaRPr lang="fr-FR" sz="1700" kern="1200" dirty="0"/>
+        </a:p>
+        <a:p>
+          <a:pPr marL="171450" lvl="1" indent="-171450" algn="l" defTabSz="755650">
+            <a:lnSpc>
+              <a:spcPct val="90000"/>
+            </a:lnSpc>
+            <a:spcBef>
+              <a:spcPct val="0"/>
+            </a:spcBef>
+            <a:spcAft>
+              <a:spcPct val="15000"/>
+            </a:spcAft>
+            <a:buChar char="•"/>
+          </a:pPr>
+          <a:endParaRPr lang="fr-FR" sz="1700" kern="1200" dirty="0"/>
+        </a:p>
+      </dsp:txBody>
+      <dsp:txXfrm>
+        <a:off x="1519912" y="594038"/>
+        <a:ext cx="914453" cy="579911"/>
+      </dsp:txXfrm>
+    </dsp:sp>
+    <dsp:sp modelId="{DC8BE73A-4F5A-421C-B33E-9320120B824C}">
+      <dsp:nvSpPr>
+        <dsp:cNvPr id="0" name=""/>
+        <dsp:cNvSpPr/>
+      </dsp:nvSpPr>
+      <dsp:spPr>
+        <a:xfrm>
+          <a:off x="1972030" y="-169899"/>
+          <a:ext cx="1467359" cy="1467359"/>
+        </a:xfrm>
+        <a:prstGeom prst="circularArrow">
+          <a:avLst>
+            <a:gd name="adj1" fmla="val 4907"/>
+            <a:gd name="adj2" fmla="val 630133"/>
+            <a:gd name="adj3" fmla="val 19194356"/>
+            <a:gd name="adj4" fmla="val 12575511"/>
+            <a:gd name="adj5" fmla="val 5725"/>
+          </a:avLst>
+        </a:prstGeom>
+        <a:solidFill>
+          <a:schemeClr val="accent1">
+            <a:tint val="60000"/>
+            <a:hueOff val="0"/>
+            <a:satOff val="0"/>
+            <a:lumOff val="0"/>
+            <a:alphaOff val="0"/>
+          </a:schemeClr>
+        </a:solidFill>
+        <a:ln>
+          <a:noFill/>
+        </a:ln>
+        <a:effectLst/>
+      </dsp:spPr>
+      <dsp:style>
+        <a:lnRef idx="0">
+          <a:scrgbClr r="0" g="0" b="0"/>
+        </a:lnRef>
+        <a:fillRef idx="1">
+          <a:scrgbClr r="0" g="0" b="0"/>
+        </a:fillRef>
+        <a:effectRef idx="0">
+          <a:scrgbClr r="0" g="0" b="0"/>
+        </a:effectRef>
+        <a:fontRef idx="minor">
+          <a:schemeClr val="lt1"/>
+        </a:fontRef>
+      </dsp:style>
+    </dsp:sp>
+    <dsp:sp modelId="{71BAD410-3299-44D0-A85A-DC3B57193168}">
+      <dsp:nvSpPr>
+        <dsp:cNvPr id="0" name=""/>
+        <dsp:cNvSpPr/>
+      </dsp:nvSpPr>
+      <dsp:spPr>
+        <a:xfrm>
+          <a:off x="1713101" y="239998"/>
+          <a:ext cx="844922" cy="335997"/>
+        </a:xfrm>
+        <a:prstGeom prst="roundRect">
+          <a:avLst>
+            <a:gd name="adj" fmla="val 10000"/>
+          </a:avLst>
+        </a:prstGeom>
+        <a:solidFill>
+          <a:schemeClr val="accent1">
+            <a:hueOff val="0"/>
+            <a:satOff val="0"/>
+            <a:lumOff val="0"/>
+            <a:alphaOff val="0"/>
+          </a:schemeClr>
+        </a:solidFill>
+        <a:ln w="12700" cap="flat" cmpd="sng" algn="ctr">
+          <a:solidFill>
+            <a:schemeClr val="lt1">
+              <a:hueOff val="0"/>
+              <a:satOff val="0"/>
+              <a:lumOff val="0"/>
+              <a:alphaOff val="0"/>
+            </a:schemeClr>
+          </a:solidFill>
+          <a:prstDash val="solid"/>
+          <a:miter lim="800000"/>
+        </a:ln>
+        <a:effectLst/>
+      </dsp:spPr>
+      <dsp:style>
+        <a:lnRef idx="2">
+          <a:scrgbClr r="0" g="0" b="0"/>
+        </a:lnRef>
+        <a:fillRef idx="1">
+          <a:scrgbClr r="0" g="0" b="0"/>
+        </a:fillRef>
+        <a:effectRef idx="0">
+          <a:scrgbClr r="0" g="0" b="0"/>
+        </a:effectRef>
+        <a:fontRef idx="minor">
+          <a:schemeClr val="lt1"/>
+        </a:fontRef>
+      </dsp:style>
+      <dsp:txBody>
+        <a:bodyPr spcFirstLastPara="0" vert="horz" wrap="square" lIns="11430" tIns="7620" rIns="11430" bIns="7620" numCol="1" spcCol="1270" anchor="ctr" anchorCtr="0">
+          <a:noAutofit/>
+        </a:bodyPr>
+        <a:lstStyle/>
+        <a:p>
+          <a:pPr marL="0" lvl="0" indent="0" algn="ctr" defTabSz="266700">
+            <a:lnSpc>
+              <a:spcPct val="90000"/>
+            </a:lnSpc>
+            <a:spcBef>
+              <a:spcPct val="0"/>
+            </a:spcBef>
+            <a:spcAft>
+              <a:spcPct val="35000"/>
+            </a:spcAft>
+            <a:buNone/>
+          </a:pPr>
+          <a:r>
+            <a:rPr lang="fr-FR" sz="600" kern="1200" dirty="0"/>
+            <a:t>Pôle 2</a:t>
+          </a:r>
+        </a:p>
+      </dsp:txBody>
+      <dsp:txXfrm>
+        <a:off x="1722942" y="249839"/>
+        <a:ext cx="825240" cy="316315"/>
+      </dsp:txXfrm>
+    </dsp:sp>
+    <dsp:sp modelId="{9131C415-ABC8-494A-BB4C-4189E2623C96}">
+      <dsp:nvSpPr>
+        <dsp:cNvPr id="0" name=""/>
+        <dsp:cNvSpPr/>
+      </dsp:nvSpPr>
+      <dsp:spPr>
+        <a:xfrm>
+          <a:off x="2900923" y="407997"/>
+          <a:ext cx="950537" cy="783994"/>
+        </a:xfrm>
+        <a:prstGeom prst="roundRect">
+          <a:avLst>
+            <a:gd name="adj" fmla="val 10000"/>
+          </a:avLst>
+        </a:prstGeom>
+        <a:solidFill>
+          <a:schemeClr val="lt1">
+            <a:alpha val="90000"/>
+            <a:hueOff val="0"/>
+            <a:satOff val="0"/>
+            <a:lumOff val="0"/>
+            <a:alphaOff val="0"/>
+          </a:schemeClr>
+        </a:solidFill>
+        <a:ln w="12700" cap="flat" cmpd="sng" algn="ctr">
+          <a:solidFill>
+            <a:schemeClr val="accent1">
+              <a:hueOff val="0"/>
+              <a:satOff val="0"/>
+              <a:lumOff val="0"/>
+              <a:alphaOff val="0"/>
+            </a:schemeClr>
+          </a:solidFill>
+          <a:prstDash val="solid"/>
+          <a:miter lim="800000"/>
+        </a:ln>
+        <a:effectLst/>
+      </dsp:spPr>
+      <dsp:style>
+        <a:lnRef idx="2">
+          <a:scrgbClr r="0" g="0" b="0"/>
+        </a:lnRef>
+        <a:fillRef idx="1">
+          <a:scrgbClr r="0" g="0" b="0"/>
+        </a:fillRef>
+        <a:effectRef idx="0">
+          <a:scrgbClr r="0" g="0" b="0"/>
+        </a:effectRef>
+        <a:fontRef idx="minor"/>
+      </dsp:style>
+      <dsp:txBody>
+        <a:bodyPr spcFirstLastPara="0" vert="horz" wrap="square" lIns="32385" tIns="32385" rIns="32385" bIns="32385" numCol="1" spcCol="1270" anchor="t" anchorCtr="0">
+          <a:noAutofit/>
+        </a:bodyPr>
+        <a:lstStyle/>
+        <a:p>
+          <a:pPr marL="171450" lvl="1" indent="-171450" algn="l" defTabSz="755650">
+            <a:lnSpc>
+              <a:spcPct val="90000"/>
+            </a:lnSpc>
+            <a:spcBef>
+              <a:spcPct val="0"/>
+            </a:spcBef>
+            <a:spcAft>
+              <a:spcPct val="15000"/>
+            </a:spcAft>
+            <a:buChar char="•"/>
+          </a:pPr>
+          <a:endParaRPr lang="fr-FR" sz="1700" kern="1200" dirty="0"/>
+        </a:p>
+      </dsp:txBody>
+      <dsp:txXfrm>
+        <a:off x="2918965" y="426039"/>
+        <a:ext cx="914453" cy="579911"/>
+      </dsp:txXfrm>
+    </dsp:sp>
+    <dsp:sp modelId="{4D946BF7-5318-4B1E-AEBF-4A3CA2E290DB}">
+      <dsp:nvSpPr>
+        <dsp:cNvPr id="0" name=""/>
+        <dsp:cNvSpPr/>
+      </dsp:nvSpPr>
+      <dsp:spPr>
+        <a:xfrm>
+          <a:off x="3379004" y="393247"/>
+          <a:ext cx="1345901" cy="1345901"/>
+        </a:xfrm>
+        <a:prstGeom prst="leftCircularArrow">
+          <a:avLst>
+            <a:gd name="adj1" fmla="val 5350"/>
+            <a:gd name="adj2" fmla="val 694664"/>
+            <a:gd name="adj3" fmla="val 2470174"/>
+            <a:gd name="adj4" fmla="val 9024489"/>
+            <a:gd name="adj5" fmla="val 6242"/>
+          </a:avLst>
+        </a:prstGeom>
+        <a:solidFill>
+          <a:schemeClr val="accent1">
+            <a:tint val="60000"/>
+            <a:hueOff val="0"/>
+            <a:satOff val="0"/>
+            <a:lumOff val="0"/>
+            <a:alphaOff val="0"/>
+          </a:schemeClr>
+        </a:solidFill>
+        <a:ln>
+          <a:noFill/>
+        </a:ln>
+        <a:effectLst/>
+      </dsp:spPr>
+      <dsp:style>
+        <a:lnRef idx="0">
+          <a:scrgbClr r="0" g="0" b="0"/>
+        </a:lnRef>
+        <a:fillRef idx="1">
+          <a:scrgbClr r="0" g="0" b="0"/>
+        </a:fillRef>
+        <a:effectRef idx="0">
+          <a:scrgbClr r="0" g="0" b="0"/>
+        </a:effectRef>
+        <a:fontRef idx="minor">
+          <a:schemeClr val="lt1"/>
+        </a:fontRef>
+      </dsp:style>
+    </dsp:sp>
+    <dsp:sp modelId="{40A8A41C-CF7A-4E88-8EA7-EAA6AFD512F6}">
+      <dsp:nvSpPr>
+        <dsp:cNvPr id="0" name=""/>
+        <dsp:cNvSpPr/>
+      </dsp:nvSpPr>
+      <dsp:spPr>
+        <a:xfrm>
+          <a:off x="3112154" y="1023992"/>
+          <a:ext cx="844922" cy="335997"/>
+        </a:xfrm>
+        <a:prstGeom prst="roundRect">
+          <a:avLst>
+            <a:gd name="adj" fmla="val 10000"/>
+          </a:avLst>
+        </a:prstGeom>
+        <a:solidFill>
+          <a:schemeClr val="accent1">
+            <a:hueOff val="0"/>
+            <a:satOff val="0"/>
+            <a:lumOff val="0"/>
+            <a:alphaOff val="0"/>
+          </a:schemeClr>
+        </a:solidFill>
+        <a:ln w="12700" cap="flat" cmpd="sng" algn="ctr">
+          <a:solidFill>
+            <a:schemeClr val="lt1">
+              <a:hueOff val="0"/>
+              <a:satOff val="0"/>
+              <a:lumOff val="0"/>
+              <a:alphaOff val="0"/>
+            </a:schemeClr>
+          </a:solidFill>
+          <a:prstDash val="solid"/>
+          <a:miter lim="800000"/>
+        </a:ln>
+        <a:effectLst/>
+      </dsp:spPr>
+      <dsp:style>
+        <a:lnRef idx="2">
+          <a:scrgbClr r="0" g="0" b="0"/>
+        </a:lnRef>
+        <a:fillRef idx="1">
+          <a:scrgbClr r="0" g="0" b="0"/>
+        </a:fillRef>
+        <a:effectRef idx="0">
+          <a:scrgbClr r="0" g="0" b="0"/>
+        </a:effectRef>
+        <a:fontRef idx="minor">
+          <a:schemeClr val="lt1"/>
+        </a:fontRef>
+      </dsp:style>
+      <dsp:txBody>
+        <a:bodyPr spcFirstLastPara="0" vert="horz" wrap="square" lIns="11430" tIns="7620" rIns="11430" bIns="7620" numCol="1" spcCol="1270" anchor="ctr" anchorCtr="0">
+          <a:noAutofit/>
+        </a:bodyPr>
+        <a:lstStyle/>
+        <a:p>
+          <a:pPr marL="0" lvl="0" indent="0" algn="ctr" defTabSz="266700">
+            <a:lnSpc>
+              <a:spcPct val="90000"/>
+            </a:lnSpc>
+            <a:spcBef>
+              <a:spcPct val="0"/>
+            </a:spcBef>
+            <a:spcAft>
+              <a:spcPct val="35000"/>
+            </a:spcAft>
+            <a:buNone/>
+          </a:pPr>
+          <a:r>
+            <a:rPr lang="fr-FR" sz="600" kern="1200" dirty="0"/>
+            <a:t>Pôle 3</a:t>
+          </a:r>
+        </a:p>
+      </dsp:txBody>
+      <dsp:txXfrm>
+        <a:off x="3121995" y="1033833"/>
+        <a:ext cx="825240" cy="316315"/>
+      </dsp:txXfrm>
+    </dsp:sp>
+    <dsp:sp modelId="{F0C2F068-CF38-425A-B33E-3FD76DFE06E5}">
+      <dsp:nvSpPr>
+        <dsp:cNvPr id="0" name=""/>
+        <dsp:cNvSpPr/>
+      </dsp:nvSpPr>
+      <dsp:spPr>
+        <a:xfrm>
+          <a:off x="4299976" y="407997"/>
+          <a:ext cx="950537" cy="783994"/>
+        </a:xfrm>
+        <a:prstGeom prst="roundRect">
+          <a:avLst>
+            <a:gd name="adj" fmla="val 10000"/>
+          </a:avLst>
+        </a:prstGeom>
+        <a:solidFill>
+          <a:schemeClr val="lt1">
+            <a:alpha val="90000"/>
+            <a:hueOff val="0"/>
+            <a:satOff val="0"/>
+            <a:lumOff val="0"/>
+            <a:alphaOff val="0"/>
+          </a:schemeClr>
+        </a:solidFill>
+        <a:ln w="12700" cap="flat" cmpd="sng" algn="ctr">
+          <a:solidFill>
+            <a:schemeClr val="accent1">
+              <a:hueOff val="0"/>
+              <a:satOff val="0"/>
+              <a:lumOff val="0"/>
+              <a:alphaOff val="0"/>
+            </a:schemeClr>
+          </a:solidFill>
+          <a:prstDash val="solid"/>
+          <a:miter lim="800000"/>
+        </a:ln>
+        <a:effectLst/>
+      </dsp:spPr>
+      <dsp:style>
+        <a:lnRef idx="2">
+          <a:scrgbClr r="0" g="0" b="0"/>
+        </a:lnRef>
+        <a:fillRef idx="1">
+          <a:scrgbClr r="0" g="0" b="0"/>
+        </a:fillRef>
+        <a:effectRef idx="0">
+          <a:scrgbClr r="0" g="0" b="0"/>
+        </a:effectRef>
+        <a:fontRef idx="minor"/>
+      </dsp:style>
+      <dsp:txBody>
+        <a:bodyPr spcFirstLastPara="0" vert="horz" wrap="square" lIns="32385" tIns="32385" rIns="32385" bIns="32385" numCol="1" spcCol="1270" anchor="t" anchorCtr="0">
+          <a:noAutofit/>
+        </a:bodyPr>
+        <a:lstStyle/>
+        <a:p>
+          <a:pPr marL="171450" lvl="1" indent="-171450" algn="l" defTabSz="755650">
+            <a:lnSpc>
+              <a:spcPct val="90000"/>
+            </a:lnSpc>
+            <a:spcBef>
+              <a:spcPct val="0"/>
+            </a:spcBef>
+            <a:spcAft>
+              <a:spcPct val="15000"/>
+            </a:spcAft>
+            <a:buChar char="•"/>
+          </a:pPr>
+          <a:endParaRPr lang="fr-FR" sz="1700" kern="1200" dirty="0"/>
+        </a:p>
+      </dsp:txBody>
+      <dsp:txXfrm>
+        <a:off x="4318018" y="594038"/>
+        <a:ext cx="914453" cy="579911"/>
+      </dsp:txXfrm>
+    </dsp:sp>
+    <dsp:sp modelId="{E2AA8120-67F5-4F08-808C-C2FFDEEF3762}">
+      <dsp:nvSpPr>
+        <dsp:cNvPr id="0" name=""/>
+        <dsp:cNvSpPr/>
+      </dsp:nvSpPr>
+      <dsp:spPr>
+        <a:xfrm>
+          <a:off x="4770136" y="-169899"/>
+          <a:ext cx="1467359" cy="1467359"/>
+        </a:xfrm>
+        <a:prstGeom prst="circularArrow">
+          <a:avLst>
+            <a:gd name="adj1" fmla="val 4907"/>
+            <a:gd name="adj2" fmla="val 630133"/>
+            <a:gd name="adj3" fmla="val 19194356"/>
+            <a:gd name="adj4" fmla="val 12575511"/>
+            <a:gd name="adj5" fmla="val 5725"/>
+          </a:avLst>
+        </a:prstGeom>
+        <a:solidFill>
+          <a:schemeClr val="accent1">
+            <a:tint val="60000"/>
+            <a:hueOff val="0"/>
+            <a:satOff val="0"/>
+            <a:lumOff val="0"/>
+            <a:alphaOff val="0"/>
+          </a:schemeClr>
+        </a:solidFill>
+        <a:ln>
+          <a:noFill/>
+        </a:ln>
+        <a:effectLst/>
+      </dsp:spPr>
+      <dsp:style>
+        <a:lnRef idx="0">
+          <a:scrgbClr r="0" g="0" b="0"/>
+        </a:lnRef>
+        <a:fillRef idx="1">
+          <a:scrgbClr r="0" g="0" b="0"/>
+        </a:fillRef>
+        <a:effectRef idx="0">
+          <a:scrgbClr r="0" g="0" b="0"/>
+        </a:effectRef>
+        <a:fontRef idx="minor">
+          <a:schemeClr val="lt1"/>
+        </a:fontRef>
+      </dsp:style>
+    </dsp:sp>
+    <dsp:sp modelId="{085190A6-FE74-486B-99A6-C2C9C6FC2B6B}">
+      <dsp:nvSpPr>
+        <dsp:cNvPr id="0" name=""/>
+        <dsp:cNvSpPr/>
+      </dsp:nvSpPr>
+      <dsp:spPr>
+        <a:xfrm>
+          <a:off x="4511206" y="239998"/>
+          <a:ext cx="844922" cy="335997"/>
+        </a:xfrm>
+        <a:prstGeom prst="roundRect">
+          <a:avLst>
+            <a:gd name="adj" fmla="val 10000"/>
+          </a:avLst>
+        </a:prstGeom>
+        <a:solidFill>
+          <a:schemeClr val="accent1">
+            <a:hueOff val="0"/>
+            <a:satOff val="0"/>
+            <a:lumOff val="0"/>
+            <a:alphaOff val="0"/>
+          </a:schemeClr>
+        </a:solidFill>
+        <a:ln w="12700" cap="flat" cmpd="sng" algn="ctr">
+          <a:solidFill>
+            <a:schemeClr val="lt1">
+              <a:hueOff val="0"/>
+              <a:satOff val="0"/>
+              <a:lumOff val="0"/>
+              <a:alphaOff val="0"/>
+            </a:schemeClr>
+          </a:solidFill>
+          <a:prstDash val="solid"/>
+          <a:miter lim="800000"/>
+        </a:ln>
+        <a:effectLst/>
+      </dsp:spPr>
+      <dsp:style>
+        <a:lnRef idx="2">
+          <a:scrgbClr r="0" g="0" b="0"/>
+        </a:lnRef>
+        <a:fillRef idx="1">
+          <a:scrgbClr r="0" g="0" b="0"/>
+        </a:fillRef>
+        <a:effectRef idx="0">
+          <a:scrgbClr r="0" g="0" b="0"/>
+        </a:effectRef>
+        <a:fontRef idx="minor">
+          <a:schemeClr val="lt1"/>
+        </a:fontRef>
+      </dsp:style>
+      <dsp:txBody>
+        <a:bodyPr spcFirstLastPara="0" vert="horz" wrap="square" lIns="11430" tIns="7620" rIns="11430" bIns="7620" numCol="1" spcCol="1270" anchor="ctr" anchorCtr="0">
+          <a:noAutofit/>
+        </a:bodyPr>
+        <a:lstStyle/>
+        <a:p>
+          <a:pPr marL="0" lvl="0" indent="0" algn="ctr" defTabSz="266700">
+            <a:lnSpc>
+              <a:spcPct val="90000"/>
+            </a:lnSpc>
+            <a:spcBef>
+              <a:spcPct val="0"/>
+            </a:spcBef>
+            <a:spcAft>
+              <a:spcPct val="35000"/>
+            </a:spcAft>
+            <a:buNone/>
+          </a:pPr>
+          <a:r>
+            <a:rPr lang="fr-FR" sz="600" kern="1200" dirty="0"/>
+            <a:t>Pôle 4</a:t>
+          </a:r>
+        </a:p>
+      </dsp:txBody>
+      <dsp:txXfrm>
+        <a:off x="4521047" y="249839"/>
+        <a:ext cx="825240" cy="316315"/>
+      </dsp:txXfrm>
+    </dsp:sp>
+    <dsp:sp modelId="{9026B45C-ADFA-45DE-A14B-1C67CDA49329}">
+      <dsp:nvSpPr>
+        <dsp:cNvPr id="0" name=""/>
+        <dsp:cNvSpPr/>
+      </dsp:nvSpPr>
+      <dsp:spPr>
+        <a:xfrm>
+          <a:off x="5699029" y="407997"/>
+          <a:ext cx="950537" cy="783994"/>
+        </a:xfrm>
+        <a:prstGeom prst="roundRect">
+          <a:avLst>
+            <a:gd name="adj" fmla="val 10000"/>
+          </a:avLst>
+        </a:prstGeom>
+        <a:solidFill>
+          <a:schemeClr val="lt1">
+            <a:alpha val="90000"/>
+            <a:hueOff val="0"/>
+            <a:satOff val="0"/>
+            <a:lumOff val="0"/>
+            <a:alphaOff val="0"/>
+          </a:schemeClr>
+        </a:solidFill>
+        <a:ln w="12700" cap="flat" cmpd="sng" algn="ctr">
+          <a:solidFill>
+            <a:schemeClr val="accent1">
+              <a:hueOff val="0"/>
+              <a:satOff val="0"/>
+              <a:lumOff val="0"/>
+              <a:alphaOff val="0"/>
+            </a:schemeClr>
+          </a:solidFill>
+          <a:prstDash val="solid"/>
+          <a:miter lim="800000"/>
+        </a:ln>
+        <a:effectLst/>
+      </dsp:spPr>
+      <dsp:style>
+        <a:lnRef idx="2">
+          <a:scrgbClr r="0" g="0" b="0"/>
+        </a:lnRef>
+        <a:fillRef idx="1">
+          <a:scrgbClr r="0" g="0" b="0"/>
+        </a:fillRef>
+        <a:effectRef idx="0">
+          <a:scrgbClr r="0" g="0" b="0"/>
+        </a:effectRef>
+        <a:fontRef idx="minor"/>
+      </dsp:style>
+      <dsp:txBody>
+        <a:bodyPr spcFirstLastPara="0" vert="horz" wrap="square" lIns="32385" tIns="32385" rIns="32385" bIns="32385" numCol="1" spcCol="1270" anchor="t" anchorCtr="0">
+          <a:noAutofit/>
+        </a:bodyPr>
+        <a:lstStyle/>
+        <a:p>
+          <a:pPr marL="171450" lvl="1" indent="-171450" algn="l" defTabSz="755650">
+            <a:lnSpc>
+              <a:spcPct val="90000"/>
+            </a:lnSpc>
+            <a:spcBef>
+              <a:spcPct val="0"/>
+            </a:spcBef>
+            <a:spcAft>
+              <a:spcPct val="15000"/>
+            </a:spcAft>
+            <a:buChar char="•"/>
+          </a:pPr>
+          <a:endParaRPr lang="fr-FR" sz="1700" kern="1200" dirty="0"/>
+        </a:p>
+      </dsp:txBody>
+      <dsp:txXfrm>
+        <a:off x="5717071" y="426039"/>
+        <a:ext cx="914453" cy="579911"/>
+      </dsp:txXfrm>
+    </dsp:sp>
+    <dsp:sp modelId="{1A803EBB-B33B-43CC-8CF8-F6DFA7F74C9F}">
+      <dsp:nvSpPr>
+        <dsp:cNvPr id="0" name=""/>
+        <dsp:cNvSpPr/>
+      </dsp:nvSpPr>
+      <dsp:spPr>
+        <a:xfrm>
+          <a:off x="5910259" y="1023992"/>
+          <a:ext cx="844922" cy="335997"/>
+        </a:xfrm>
+        <a:prstGeom prst="roundRect">
+          <a:avLst>
+            <a:gd name="adj" fmla="val 10000"/>
+          </a:avLst>
+        </a:prstGeom>
+        <a:solidFill>
+          <a:schemeClr val="accent1">
+            <a:hueOff val="0"/>
+            <a:satOff val="0"/>
+            <a:lumOff val="0"/>
+            <a:alphaOff val="0"/>
+          </a:schemeClr>
+        </a:solidFill>
+        <a:ln w="12700" cap="flat" cmpd="sng" algn="ctr">
+          <a:solidFill>
+            <a:schemeClr val="lt1">
+              <a:hueOff val="0"/>
+              <a:satOff val="0"/>
+              <a:lumOff val="0"/>
+              <a:alphaOff val="0"/>
+            </a:schemeClr>
+          </a:solidFill>
+          <a:prstDash val="solid"/>
+          <a:miter lim="800000"/>
+        </a:ln>
+        <a:effectLst/>
+      </dsp:spPr>
+      <dsp:style>
+        <a:lnRef idx="2">
+          <a:scrgbClr r="0" g="0" b="0"/>
+        </a:lnRef>
+        <a:fillRef idx="1">
+          <a:scrgbClr r="0" g="0" b="0"/>
+        </a:fillRef>
+        <a:effectRef idx="0">
+          <a:scrgbClr r="0" g="0" b="0"/>
+        </a:effectRef>
+        <a:fontRef idx="minor">
+          <a:schemeClr val="lt1"/>
+        </a:fontRef>
+      </dsp:style>
+      <dsp:txBody>
+        <a:bodyPr spcFirstLastPara="0" vert="horz" wrap="square" lIns="11430" tIns="7620" rIns="11430" bIns="7620" numCol="1" spcCol="1270" anchor="ctr" anchorCtr="0">
+          <a:noAutofit/>
+        </a:bodyPr>
+        <a:lstStyle/>
+        <a:p>
+          <a:pPr marL="0" lvl="0" indent="0" algn="ctr" defTabSz="266700">
+            <a:lnSpc>
+              <a:spcPct val="90000"/>
+            </a:lnSpc>
+            <a:spcBef>
+              <a:spcPct val="0"/>
+            </a:spcBef>
+            <a:spcAft>
+              <a:spcPct val="35000"/>
+            </a:spcAft>
+            <a:buNone/>
+          </a:pPr>
+          <a:r>
+            <a:rPr lang="fr-FR" sz="600" kern="1200" dirty="0"/>
+            <a:t>Pôle 5</a:t>
+          </a:r>
+        </a:p>
+      </dsp:txBody>
+      <dsp:txXfrm>
+        <a:off x="5920100" y="1033833"/>
+        <a:ext cx="825240" cy="316315"/>
+      </dsp:txXfrm>
+    </dsp:sp>
+  </dsp:spTree>
+</dsp:drawing>
+</file>
+
+<file path=ppt/diagrams/drawing2.xml><?xml version="1.0" encoding="utf-8"?>
 <dsp:drawing xmlns:dgm="http://schemas.openxmlformats.org/drawingml/2006/diagram" xmlns:dsp="http://schemas.microsoft.com/office/drawing/2008/diagram" xmlns:a="http://schemas.openxmlformats.org/drawingml/2006/main">
   <dsp:spTree>
     <dsp:nvGrpSpPr>
@@ -5523,7 +7998,7 @@
 </dsp:drawing>
 </file>
 
-<file path=ppt/diagrams/drawing2.xml><?xml version="1.0" encoding="utf-8"?>
+<file path=ppt/diagrams/drawing3.xml><?xml version="1.0" encoding="utf-8"?>
 <dsp:drawing xmlns:dgm="http://schemas.openxmlformats.org/drawingml/2006/diagram" xmlns:dsp="http://schemas.microsoft.com/office/drawing/2008/diagram" xmlns:a="http://schemas.openxmlformats.org/drawingml/2006/main">
   <dsp:spTree>
     <dsp:nvGrpSpPr>
@@ -6135,7 +8610,7 @@
 </dsp:drawing>
 </file>
 
-<file path=ppt/diagrams/drawing3.xml><?xml version="1.0" encoding="utf-8"?>
+<file path=ppt/diagrams/drawing4.xml><?xml version="1.0" encoding="utf-8"?>
 <dsp:drawing xmlns:dgm="http://schemas.openxmlformats.org/drawingml/2006/diagram" xmlns:dsp="http://schemas.microsoft.com/office/drawing/2008/diagram" xmlns:a="http://schemas.openxmlformats.org/drawingml/2006/main">
   <dsp:spTree>
     <dsp:nvGrpSpPr>
@@ -8379,6 +10854,550 @@
 </dgm:layoutDef>
 </file>
 
+<file path=ppt/diagrams/layout4.xml><?xml version="1.0" encoding="utf-8"?>
+<dgm:layoutDef xmlns:dgm="http://schemas.openxmlformats.org/drawingml/2006/diagram" xmlns:a="http://schemas.openxmlformats.org/drawingml/2006/main" uniqueId="urn:microsoft.com/office/officeart/2005/8/layout/hProcess4">
+  <dgm:title val=""/>
+  <dgm:desc val=""/>
+  <dgm:catLst>
+    <dgm:cat type="process" pri="4000"/>
+  </dgm:catLst>
+  <dgm:sampData>
+    <dgm:dataModel>
+      <dgm:ptLst>
+        <dgm:pt modelId="0" type="doc"/>
+        <dgm:pt modelId="1">
+          <dgm:prSet phldr="1"/>
+        </dgm:pt>
+        <dgm:pt modelId="11">
+          <dgm:prSet phldr="1"/>
+        </dgm:pt>
+        <dgm:pt modelId="12">
+          <dgm:prSet phldr="1"/>
+        </dgm:pt>
+        <dgm:pt modelId="2">
+          <dgm:prSet phldr="1"/>
+        </dgm:pt>
+        <dgm:pt modelId="21">
+          <dgm:prSet phldr="1"/>
+        </dgm:pt>
+        <dgm:pt modelId="22">
+          <dgm:prSet phldr="1"/>
+        </dgm:pt>
+        <dgm:pt modelId="3">
+          <dgm:prSet phldr="1"/>
+        </dgm:pt>
+        <dgm:pt modelId="31">
+          <dgm:prSet phldr="1"/>
+        </dgm:pt>
+        <dgm:pt modelId="32">
+          <dgm:prSet phldr="1"/>
+        </dgm:pt>
+      </dgm:ptLst>
+      <dgm:cxnLst>
+        <dgm:cxn modelId="4" srcId="0" destId="1" srcOrd="0" destOrd="0"/>
+        <dgm:cxn modelId="5" srcId="0" destId="2" srcOrd="1" destOrd="0"/>
+        <dgm:cxn modelId="6" srcId="0" destId="3" srcOrd="2" destOrd="0"/>
+        <dgm:cxn modelId="13" srcId="1" destId="11" srcOrd="0" destOrd="0"/>
+        <dgm:cxn modelId="14" srcId="1" destId="12" srcOrd="1" destOrd="0"/>
+        <dgm:cxn modelId="23" srcId="2" destId="21" srcOrd="0" destOrd="0"/>
+        <dgm:cxn modelId="24" srcId="2" destId="22" srcOrd="1" destOrd="0"/>
+        <dgm:cxn modelId="33" srcId="3" destId="31" srcOrd="0" destOrd="0"/>
+        <dgm:cxn modelId="34" srcId="3" destId="32" srcOrd="1" destOrd="0"/>
+      </dgm:cxnLst>
+      <dgm:bg/>
+      <dgm:whole/>
+    </dgm:dataModel>
+  </dgm:sampData>
+  <dgm:styleData>
+    <dgm:dataModel>
+      <dgm:ptLst>
+        <dgm:pt modelId="0" type="doc"/>
+        <dgm:pt modelId="1"/>
+        <dgm:pt modelId="11"/>
+        <dgm:pt modelId="2"/>
+        <dgm:pt modelId="21"/>
+      </dgm:ptLst>
+      <dgm:cxnLst>
+        <dgm:cxn modelId="4" srcId="0" destId="1" srcOrd="0" destOrd="0"/>
+        <dgm:cxn modelId="5" srcId="0" destId="2" srcOrd="1" destOrd="0"/>
+        <dgm:cxn modelId="13" srcId="1" destId="11" srcOrd="0" destOrd="0"/>
+        <dgm:cxn modelId="23" srcId="2" destId="21" srcOrd="0" destOrd="0"/>
+      </dgm:cxnLst>
+      <dgm:bg/>
+      <dgm:whole/>
+    </dgm:dataModel>
+  </dgm:styleData>
+  <dgm:clrData>
+    <dgm:dataModel>
+      <dgm:ptLst>
+        <dgm:pt modelId="0" type="doc"/>
+        <dgm:pt modelId="1"/>
+        <dgm:pt modelId="11"/>
+        <dgm:pt modelId="2"/>
+        <dgm:pt modelId="21"/>
+        <dgm:pt modelId="3"/>
+        <dgm:pt modelId="31"/>
+        <dgm:pt modelId="4"/>
+        <dgm:pt modelId="41"/>
+      </dgm:ptLst>
+      <dgm:cxnLst>
+        <dgm:cxn modelId="5" srcId="0" destId="1" srcOrd="0" destOrd="0"/>
+        <dgm:cxn modelId="6" srcId="0" destId="2" srcOrd="1" destOrd="0"/>
+        <dgm:cxn modelId="7" srcId="0" destId="3" srcOrd="2" destOrd="0"/>
+        <dgm:cxn modelId="8" srcId="0" destId="4" srcOrd="3" destOrd="0"/>
+        <dgm:cxn modelId="13" srcId="1" destId="11" srcOrd="0" destOrd="0"/>
+        <dgm:cxn modelId="23" srcId="2" destId="21" srcOrd="0" destOrd="0"/>
+        <dgm:cxn modelId="33" srcId="3" destId="31" srcOrd="0" destOrd="0"/>
+        <dgm:cxn modelId="43" srcId="4" destId="41" srcOrd="0" destOrd="0"/>
+      </dgm:cxnLst>
+      <dgm:bg/>
+      <dgm:whole/>
+    </dgm:dataModel>
+  </dgm:clrData>
+  <dgm:layoutNode name="Name0">
+    <dgm:varLst>
+      <dgm:dir/>
+      <dgm:animLvl val="lvl"/>
+      <dgm:resizeHandles val="exact"/>
+    </dgm:varLst>
+    <dgm:alg type="composite"/>
+    <dgm:shape xmlns:r="http://schemas.openxmlformats.org/officeDocument/2006/relationships" r:blip="">
+      <dgm:adjLst/>
+    </dgm:shape>
+    <dgm:presOf/>
+    <dgm:constrLst>
+      <dgm:constr type="w" for="ch" forName="tSp" refType="w"/>
+      <dgm:constr type="h" for="ch" forName="tSp" refType="h" fact="0.15"/>
+      <dgm:constr type="l" for="ch" forName="tSp"/>
+      <dgm:constr type="t" for="ch" forName="tSp"/>
+      <dgm:constr type="w" for="ch" forName="bSp" refType="w"/>
+      <dgm:constr type="h" for="ch" forName="bSp" refType="h" fact="0.15"/>
+      <dgm:constr type="l" for="ch" forName="bSp"/>
+      <dgm:constr type="t" for="ch" forName="bSp" refType="h" fact="0.85"/>
+      <dgm:constr type="w" for="ch" forName="process" refType="w"/>
+      <dgm:constr type="h" for="ch" forName="process" refType="h" fact="0.7"/>
+      <dgm:constr type="l" for="ch" forName="process"/>
+      <dgm:constr type="t" for="ch" forName="process" refType="h" fact="0.15"/>
+    </dgm:constrLst>
+    <dgm:ruleLst/>
+    <dgm:layoutNode name="tSp">
+      <dgm:alg type="sp"/>
+      <dgm:shape xmlns:r="http://schemas.openxmlformats.org/officeDocument/2006/relationships" r:blip="">
+        <dgm:adjLst/>
+      </dgm:shape>
+      <dgm:presOf/>
+      <dgm:constrLst/>
+      <dgm:ruleLst/>
+    </dgm:layoutNode>
+    <dgm:layoutNode name="bSp">
+      <dgm:alg type="sp"/>
+      <dgm:shape xmlns:r="http://schemas.openxmlformats.org/officeDocument/2006/relationships" r:blip="">
+        <dgm:adjLst/>
+      </dgm:shape>
+      <dgm:presOf/>
+      <dgm:constrLst/>
+      <dgm:ruleLst/>
+    </dgm:layoutNode>
+    <dgm:layoutNode name="process">
+      <dgm:choose name="Name1">
+        <dgm:if name="Name2" func="var" arg="dir" op="equ" val="norm">
+          <dgm:alg type="lin">
+            <dgm:param type="linDir" val="fromL"/>
+          </dgm:alg>
+        </dgm:if>
+        <dgm:else name="Name3">
+          <dgm:alg type="lin">
+            <dgm:param type="linDir" val="fromR"/>
+          </dgm:alg>
+        </dgm:else>
+      </dgm:choose>
+      <dgm:shape xmlns:r="http://schemas.openxmlformats.org/officeDocument/2006/relationships" r:blip="">
+        <dgm:adjLst/>
+      </dgm:shape>
+      <dgm:presOf/>
+      <dgm:constrLst>
+        <dgm:constr type="w" for="ch" forName="composite1" refType="w"/>
+        <dgm:constr type="w" for="ch" forName="composite2" refType="w" refFor="ch" refForName="composite1" op="equ"/>
+        <dgm:constr type="h" for="ch" forName="composite1" refType="h"/>
+        <dgm:constr type="h" for="ch" forName="composite2" refType="h" refFor="ch" refForName="composite1" op="equ"/>
+        <dgm:constr type="primFontSz" for="des" forName="parentNode1" val="65"/>
+        <dgm:constr type="primFontSz" for="des" forName="parentNode2" refType="primFontSz" refFor="des" refForName="parentNode1" op="equ"/>
+        <dgm:constr type="secFontSz" for="des" forName="childNode1tx" val="65"/>
+        <dgm:constr type="secFontSz" for="des" forName="childNode2tx" refType="secFontSz" refFor="des" refForName="childNode1tx" op="equ"/>
+        <dgm:constr type="w" for="des" ptType="sibTrans" refType="w" refFor="ch" refForName="composite1" op="equ" fact="0.05"/>
+      </dgm:constrLst>
+      <dgm:ruleLst/>
+      <dgm:forEach name="Name4" axis="ch" ptType="node" step="2">
+        <dgm:layoutNode name="composite1">
+          <dgm:alg type="composite">
+            <dgm:param type="ar" val="0.943"/>
+          </dgm:alg>
+          <dgm:shape xmlns:r="http://schemas.openxmlformats.org/officeDocument/2006/relationships" r:blip="">
+            <dgm:adjLst/>
+          </dgm:shape>
+          <dgm:presOf/>
+          <dgm:choose name="Name5">
+            <dgm:if name="Name6" func="var" arg="dir" op="equ" val="norm">
+              <dgm:constrLst>
+                <dgm:constr type="h" refType="w" fact="1.06"/>
+                <dgm:constr type="w" for="ch" forName="dummyNode1" refType="w"/>
+                <dgm:constr type="h" for="ch" forName="dummyNode1" refType="h"/>
+                <dgm:constr type="t" for="ch" forName="dummyNode1"/>
+                <dgm:constr type="l" for="ch" forName="dummyNode1"/>
+                <dgm:constr type="w" for="ch" forName="childNode1" refType="w" fact="0.9"/>
+                <dgm:constr type="h" for="ch" forName="childNode1" refType="h" fact="0.7"/>
+                <dgm:constr type="t" for="ch" forName="childNode1" refType="h" fact="0.15"/>
+                <dgm:constr type="l" for="ch" forName="childNode1"/>
+                <dgm:constr type="w" for="ch" forName="childNode1tx" refType="w" fact="0.9"/>
+                <dgm:constr type="h" for="ch" forName="childNode1tx" refType="h" fact="0.55"/>
+                <dgm:constr type="t" for="ch" forName="childNode1tx" refType="h" fact="0.15"/>
+                <dgm:constr type="l" for="ch" forName="childNode1tx"/>
+                <dgm:constr type="w" for="ch" forName="parentNode1" refType="w" fact="0.8"/>
+                <dgm:constr type="h" for="ch" forName="parentNode1" refType="h" fact="0.3"/>
+                <dgm:constr type="t" for="ch" forName="parentNode1" refType="h" fact="0.7"/>
+                <dgm:constr type="l" for="ch" forName="parentNode1" refType="w" fact="0.2"/>
+                <dgm:constr type="w" for="ch" forName="connSite1" refType="w" fact="0.01"/>
+                <dgm:constr type="h" for="ch" forName="connSite1" refType="h" fact="0.01"/>
+                <dgm:constr type="t" for="ch" forName="connSite1"/>
+                <dgm:constr type="l" for="ch" forName="connSite1" refType="w" fact="0.35"/>
+              </dgm:constrLst>
+            </dgm:if>
+            <dgm:else name="Name7">
+              <dgm:constrLst>
+                <dgm:constr type="h" refType="w" fact="1.06"/>
+                <dgm:constr type="w" for="ch" forName="dummyNode1" refType="w"/>
+                <dgm:constr type="h" for="ch" forName="dummyNode1" refType="h"/>
+                <dgm:constr type="t" for="ch" forName="dummyNode1"/>
+                <dgm:constr type="l" for="ch" forName="dummyNode1"/>
+                <dgm:constr type="w" for="ch" forName="childNode1" refType="w" fact="0.9"/>
+                <dgm:constr type="h" for="ch" forName="childNode1" refType="h" fact="0.7"/>
+                <dgm:constr type="t" for="ch" forName="childNode1" refType="h" fact="0.15"/>
+                <dgm:constr type="l" for="ch" forName="childNode1" refType="w" fact="0.1"/>
+                <dgm:constr type="w" for="ch" forName="childNode1tx" refType="w" fact="0.9"/>
+                <dgm:constr type="h" for="ch" forName="childNode1tx" refType="h" fact="0.55"/>
+                <dgm:constr type="t" for="ch" forName="childNode1tx" refType="h" fact="0.15"/>
+                <dgm:constr type="l" for="ch" forName="childNode1tx" refType="w" fact="0.1"/>
+                <dgm:constr type="w" for="ch" forName="parentNode1" refType="w" fact="0.8"/>
+                <dgm:constr type="h" for="ch" forName="parentNode1" refType="h" fact="0.3"/>
+                <dgm:constr type="t" for="ch" forName="parentNode1" refType="h" fact="0.7"/>
+                <dgm:constr type="l" for="ch" forName="parentNode1"/>
+                <dgm:constr type="w" for="ch" forName="connSite1" refType="w" fact="0.01"/>
+                <dgm:constr type="h" for="ch" forName="connSite1" refType="h" fact="0.01"/>
+                <dgm:constr type="t" for="ch" forName="connSite1"/>
+                <dgm:constr type="l" for="ch" forName="connSite1" refType="w" fact="0.65"/>
+              </dgm:constrLst>
+            </dgm:else>
+          </dgm:choose>
+          <dgm:ruleLst/>
+          <dgm:layoutNode name="dummyNode1">
+            <dgm:alg type="sp"/>
+            <dgm:shape xmlns:r="http://schemas.openxmlformats.org/officeDocument/2006/relationships" type="rect" r:blip="" hideGeom="1">
+              <dgm:adjLst/>
+            </dgm:shape>
+            <dgm:presOf/>
+            <dgm:constrLst/>
+            <dgm:ruleLst/>
+          </dgm:layoutNode>
+          <dgm:layoutNode name="childNode1" styleLbl="bgAcc1">
+            <dgm:varLst>
+              <dgm:bulletEnabled val="1"/>
+            </dgm:varLst>
+            <dgm:alg type="sp"/>
+            <dgm:shape xmlns:r="http://schemas.openxmlformats.org/officeDocument/2006/relationships" type="roundRect" r:blip="">
+              <dgm:adjLst>
+                <dgm:adj idx="1" val="0.1"/>
+              </dgm:adjLst>
+            </dgm:shape>
+            <dgm:presOf axis="des" ptType="node"/>
+            <dgm:constrLst/>
+            <dgm:ruleLst/>
+          </dgm:layoutNode>
+          <dgm:layoutNode name="childNode1tx" styleLbl="bgAcc1">
+            <dgm:varLst>
+              <dgm:bulletEnabled val="1"/>
+            </dgm:varLst>
+            <dgm:alg type="tx">
+              <dgm:param type="stBulletLvl" val="1"/>
+            </dgm:alg>
+            <dgm:shape xmlns:r="http://schemas.openxmlformats.org/officeDocument/2006/relationships" type="roundRect" r:blip="" hideGeom="1">
+              <dgm:adjLst>
+                <dgm:adj idx="1" val="0.1"/>
+              </dgm:adjLst>
+            </dgm:shape>
+            <dgm:presOf axis="des" ptType="node"/>
+            <dgm:constrLst>
+              <dgm:constr type="secFontSz" val="65"/>
+              <dgm:constr type="primFontSz" refType="secFontSz"/>
+              <dgm:constr type="tMarg" refType="secFontSz" fact="0.15"/>
+              <dgm:constr type="bMarg" refType="secFontSz" fact="0.15"/>
+              <dgm:constr type="lMarg" refType="secFontSz" fact="0.15"/>
+              <dgm:constr type="rMarg" refType="secFontSz" fact="0.15"/>
+            </dgm:constrLst>
+            <dgm:ruleLst>
+              <dgm:rule type="secFontSz" val="5" fact="NaN" max="NaN"/>
+            </dgm:ruleLst>
+          </dgm:layoutNode>
+          <dgm:layoutNode name="parentNode1" styleLbl="node1">
+            <dgm:varLst>
+              <dgm:chMax val="1"/>
+              <dgm:bulletEnabled val="1"/>
+            </dgm:varLst>
+            <dgm:alg type="tx"/>
+            <dgm:shape xmlns:r="http://schemas.openxmlformats.org/officeDocument/2006/relationships" type="roundRect" r:blip="">
+              <dgm:adjLst>
+                <dgm:adj idx="1" val="0.1"/>
+              </dgm:adjLst>
+            </dgm:shape>
+            <dgm:presOf axis="self"/>
+            <dgm:constrLst>
+              <dgm:constr type="tMarg" refType="primFontSz" fact="0.1"/>
+              <dgm:constr type="bMarg" refType="primFontSz" fact="0.1"/>
+              <dgm:constr type="lMarg" refType="primFontSz" fact="0.15"/>
+              <dgm:constr type="rMarg" refType="primFontSz" fact="0.15"/>
+            </dgm:constrLst>
+            <dgm:ruleLst>
+              <dgm:rule type="primFontSz" val="5" fact="NaN" max="NaN"/>
+            </dgm:ruleLst>
+          </dgm:layoutNode>
+          <dgm:layoutNode name="connSite1" moveWith="childNode1">
+            <dgm:alg type="sp"/>
+            <dgm:shape xmlns:r="http://schemas.openxmlformats.org/officeDocument/2006/relationships" r:blip="">
+              <dgm:adjLst/>
+            </dgm:shape>
+            <dgm:presOf/>
+            <dgm:constrLst/>
+            <dgm:ruleLst/>
+          </dgm:layoutNode>
+        </dgm:layoutNode>
+        <dgm:forEach name="Name8" axis="followSib" ptType="sibTrans" cnt="1">
+          <dgm:layoutNode name="Name9">
+            <dgm:alg type="conn">
+              <dgm:param type="connRout" val="curve"/>
+              <dgm:param type="srcNode" val="parentNode1"/>
+              <dgm:param type="dstNode" val="connSite2"/>
+              <dgm:param type="begPts" val="bCtr"/>
+              <dgm:param type="endPts" val="bCtr"/>
+            </dgm:alg>
+            <dgm:shape xmlns:r="http://schemas.openxmlformats.org/officeDocument/2006/relationships" type="conn" r:blip="" zOrderOff="-2">
+              <dgm:adjLst/>
+            </dgm:shape>
+            <dgm:presOf axis="self"/>
+            <dgm:choose name="Name10">
+              <dgm:if name="Name11" func="var" arg="dir" op="equ" val="norm">
+                <dgm:constrLst>
+                  <dgm:constr type="h" refType="w" fact="0.35"/>
+                  <dgm:constr type="wArH" refType="h"/>
+                  <dgm:constr type="hArH" refType="h"/>
+                  <dgm:constr type="connDist"/>
+                  <dgm:constr type="diam" refType="connDist" fact="-1.15"/>
+                  <dgm:constr type="begPad"/>
+                  <dgm:constr type="endPad"/>
+                </dgm:constrLst>
+              </dgm:if>
+              <dgm:else name="Name12">
+                <dgm:constrLst>
+                  <dgm:constr type="h" refType="w" fact="0.35"/>
+                  <dgm:constr type="wArH" refType="h"/>
+                  <dgm:constr type="hArH" refType="h"/>
+                  <dgm:constr type="connDist"/>
+                  <dgm:constr type="diam" refType="connDist" fact="1.15"/>
+                  <dgm:constr type="begPad"/>
+                  <dgm:constr type="endPad"/>
+                </dgm:constrLst>
+              </dgm:else>
+            </dgm:choose>
+            <dgm:ruleLst/>
+          </dgm:layoutNode>
+        </dgm:forEach>
+        <dgm:forEach name="Name13" axis="followSib" ptType="node" cnt="1">
+          <dgm:layoutNode name="composite2">
+            <dgm:alg type="composite">
+              <dgm:param type="ar" val="0.943"/>
+            </dgm:alg>
+            <dgm:shape xmlns:r="http://schemas.openxmlformats.org/officeDocument/2006/relationships" r:blip="">
+              <dgm:adjLst/>
+            </dgm:shape>
+            <dgm:presOf/>
+            <dgm:choose name="Name14">
+              <dgm:if name="Name15" func="var" arg="dir" op="equ" val="norm">
+                <dgm:constrLst>
+                  <dgm:constr type="h" refType="w" fact="1.06"/>
+                  <dgm:constr type="w" for="ch" forName="dummyNode2" refType="w"/>
+                  <dgm:constr type="h" for="ch" forName="dummyNode2" refType="h"/>
+                  <dgm:constr type="t" for="ch" forName="dummyNode2"/>
+                  <dgm:constr type="l" for="ch" forName="dummyNode2"/>
+                  <dgm:constr type="w" for="ch" forName="childNode2" refType="w" fact="0.9"/>
+                  <dgm:constr type="h" for="ch" forName="childNode2" refType="h" fact="0.7"/>
+                  <dgm:constr type="t" for="ch" forName="childNode2" refType="h" fact="0.15"/>
+                  <dgm:constr type="l" for="ch" forName="childNode2"/>
+                  <dgm:constr type="w" for="ch" forName="childNode2tx" refType="w" fact="0.9"/>
+                  <dgm:constr type="h" for="ch" forName="childNode2tx" refType="h" fact="0.55"/>
+                  <dgm:constr type="t" for="ch" forName="childNode2tx" refType="h" fact="0.3"/>
+                  <dgm:constr type="l" for="ch" forName="childNode2tx"/>
+                  <dgm:constr type="w" for="ch" forName="parentNode2" refType="w" fact="0.8"/>
+                  <dgm:constr type="h" for="ch" forName="parentNode2" refType="h" fact="0.3"/>
+                  <dgm:constr type="t" for="ch" forName="parentNode2"/>
+                  <dgm:constr type="l" for="ch" forName="parentNode2" refType="w" fact="0.2"/>
+                  <dgm:constr type="w" for="ch" forName="connSite2" refType="w" fact="0.01"/>
+                  <dgm:constr type="h" for="ch" forName="connSite2" refType="h" fact="0.01"/>
+                  <dgm:constr type="t" for="ch" forName="connSite2" refType="h" fact="0.99"/>
+                  <dgm:constr type="l" for="ch" forName="connSite2" refType="w" fact="0.25"/>
+                </dgm:constrLst>
+              </dgm:if>
+              <dgm:else name="Name16">
+                <dgm:constrLst>
+                  <dgm:constr type="h" refType="w" fact="1.06"/>
+                  <dgm:constr type="w" for="ch" forName="dummyNode2" refType="w"/>
+                  <dgm:constr type="h" for="ch" forName="dummyNode2" refType="h"/>
+                  <dgm:constr type="t" for="ch" forName="dummyNode2"/>
+                  <dgm:constr type="l" for="ch" forName="dummyNode2"/>
+                  <dgm:constr type="w" for="ch" forName="childNode2" refType="w" fact="0.9"/>
+                  <dgm:constr type="h" for="ch" forName="childNode2" refType="h" fact="0.7"/>
+                  <dgm:constr type="t" for="ch" forName="childNode2" refType="h" fact="0.15"/>
+                  <dgm:constr type="l" for="ch" forName="childNode2" refType="w" fact="0.1"/>
+                  <dgm:constr type="w" for="ch" forName="childNode2tx" refType="w" fact="0.9"/>
+                  <dgm:constr type="h" for="ch" forName="childNode2tx" refType="h" fact="0.55"/>
+                  <dgm:constr type="t" for="ch" forName="childNode2tx" refType="h" fact="0.3"/>
+                  <dgm:constr type="l" for="ch" forName="childNode2tx" refType="w" fact="0.1"/>
+                  <dgm:constr type="w" for="ch" forName="parentNode2" refType="w" fact="0.8"/>
+                  <dgm:constr type="h" for="ch" forName="parentNode2" refType="h" fact="0.3"/>
+                  <dgm:constr type="t" for="ch" forName="parentNode2"/>
+                  <dgm:constr type="l" for="ch" forName="parentNode2"/>
+                  <dgm:constr type="w" for="ch" forName="connSite2" refType="w" fact="0.01"/>
+                  <dgm:constr type="h" for="ch" forName="connSite2" refType="h" fact="0.01"/>
+                  <dgm:constr type="t" for="ch" forName="connSite2" refType="h" fact="0.99"/>
+                  <dgm:constr type="l" for="ch" forName="connSite2" refType="w" fact="0.85"/>
+                </dgm:constrLst>
+              </dgm:else>
+            </dgm:choose>
+            <dgm:ruleLst/>
+            <dgm:layoutNode name="dummyNode2">
+              <dgm:alg type="sp"/>
+              <dgm:shape xmlns:r="http://schemas.openxmlformats.org/officeDocument/2006/relationships" type="rect" r:blip="" hideGeom="1">
+                <dgm:adjLst/>
+              </dgm:shape>
+              <dgm:presOf/>
+              <dgm:constrLst/>
+              <dgm:ruleLst/>
+            </dgm:layoutNode>
+            <dgm:layoutNode name="childNode2" styleLbl="bgAcc1">
+              <dgm:varLst>
+                <dgm:bulletEnabled val="1"/>
+              </dgm:varLst>
+              <dgm:alg type="sp"/>
+              <dgm:shape xmlns:r="http://schemas.openxmlformats.org/officeDocument/2006/relationships" type="roundRect" r:blip="">
+                <dgm:adjLst>
+                  <dgm:adj idx="1" val="0.1"/>
+                </dgm:adjLst>
+              </dgm:shape>
+              <dgm:presOf axis="des" ptType="node"/>
+              <dgm:constrLst/>
+              <dgm:ruleLst/>
+            </dgm:layoutNode>
+            <dgm:layoutNode name="childNode2tx" styleLbl="bgAcc1">
+              <dgm:varLst>
+                <dgm:bulletEnabled val="1"/>
+              </dgm:varLst>
+              <dgm:alg type="tx">
+                <dgm:param type="stBulletLvl" val="1"/>
+              </dgm:alg>
+              <dgm:shape xmlns:r="http://schemas.openxmlformats.org/officeDocument/2006/relationships" type="roundRect" r:blip="" hideGeom="1">
+                <dgm:adjLst>
+                  <dgm:adj idx="1" val="0.1"/>
+                </dgm:adjLst>
+              </dgm:shape>
+              <dgm:presOf axis="des" ptType="node"/>
+              <dgm:constrLst>
+                <dgm:constr type="secFontSz" val="65"/>
+                <dgm:constr type="primFontSz" refType="secFontSz"/>
+                <dgm:constr type="tMarg" refType="secFontSz" fact="0.15"/>
+                <dgm:constr type="bMarg" refType="secFontSz" fact="0.15"/>
+                <dgm:constr type="lMarg" refType="secFontSz" fact="0.15"/>
+                <dgm:constr type="rMarg" refType="secFontSz" fact="0.15"/>
+              </dgm:constrLst>
+              <dgm:ruleLst>
+                <dgm:rule type="secFontSz" val="5" fact="NaN" max="NaN"/>
+              </dgm:ruleLst>
+            </dgm:layoutNode>
+            <dgm:layoutNode name="parentNode2" styleLbl="node1">
+              <dgm:varLst>
+                <dgm:chMax val="0"/>
+                <dgm:bulletEnabled val="1"/>
+              </dgm:varLst>
+              <dgm:alg type="tx"/>
+              <dgm:shape xmlns:r="http://schemas.openxmlformats.org/officeDocument/2006/relationships" type="roundRect" r:blip="">
+                <dgm:adjLst>
+                  <dgm:adj idx="1" val="0.1"/>
+                </dgm:adjLst>
+              </dgm:shape>
+              <dgm:presOf axis="self"/>
+              <dgm:constrLst>
+                <dgm:constr type="tMarg" refType="primFontSz" fact="0.1"/>
+                <dgm:constr type="bMarg" refType="primFontSz" fact="0.1"/>
+                <dgm:constr type="lMarg" refType="primFontSz" fact="0.15"/>
+                <dgm:constr type="rMarg" refType="primFontSz" fact="0.15"/>
+              </dgm:constrLst>
+              <dgm:ruleLst>
+                <dgm:rule type="primFontSz" val="5" fact="NaN" max="NaN"/>
+              </dgm:ruleLst>
+            </dgm:layoutNode>
+            <dgm:layoutNode name="connSite2" moveWith="childNode2">
+              <dgm:alg type="sp"/>
+              <dgm:shape xmlns:r="http://schemas.openxmlformats.org/officeDocument/2006/relationships" r:blip="">
+                <dgm:adjLst/>
+              </dgm:shape>
+              <dgm:presOf/>
+              <dgm:constrLst/>
+              <dgm:ruleLst/>
+            </dgm:layoutNode>
+          </dgm:layoutNode>
+          <dgm:forEach name="Name17" axis="followSib" ptType="sibTrans" cnt="1">
+            <dgm:layoutNode name="Name18">
+              <dgm:alg type="conn">
+                <dgm:param type="connRout" val="curve"/>
+                <dgm:param type="srcNode" val="parentNode2"/>
+                <dgm:param type="dstNode" val="connSite1"/>
+                <dgm:param type="begPts" val="tCtr"/>
+                <dgm:param type="endPts" val="tCtr"/>
+              </dgm:alg>
+              <dgm:shape xmlns:r="http://schemas.openxmlformats.org/officeDocument/2006/relationships" type="conn" r:blip="" zOrderOff="-2">
+                <dgm:adjLst/>
+              </dgm:shape>
+              <dgm:presOf axis="self"/>
+              <dgm:choose name="Name19">
+                <dgm:if name="Name20" func="var" arg="dir" op="equ" val="norm">
+                  <dgm:constrLst>
+                    <dgm:constr type="h" refType="w" fact="0.35"/>
+                    <dgm:constr type="wArH" refType="h"/>
+                    <dgm:constr type="hArH" refType="h"/>
+                    <dgm:constr type="connDist"/>
+                    <dgm:constr type="diam" refType="connDist" fact="1.15"/>
+                    <dgm:constr type="begPad"/>
+                    <dgm:constr type="endPad"/>
+                  </dgm:constrLst>
+                </dgm:if>
+                <dgm:else name="Name21">
+                  <dgm:constrLst>
+                    <dgm:constr type="h" refType="w" fact="0.35"/>
+                    <dgm:constr type="wArH" refType="h"/>
+                    <dgm:constr type="hArH" refType="h"/>
+                    <dgm:constr type="connDist"/>
+                    <dgm:constr type="diam" refType="connDist" fact="-1.15"/>
+                    <dgm:constr type="begPad"/>
+                    <dgm:constr type="endPad"/>
+                  </dgm:constrLst>
+                </dgm:else>
+              </dgm:choose>
+              <dgm:ruleLst/>
+            </dgm:layoutNode>
+          </dgm:forEach>
+        </dgm:forEach>
+      </dgm:forEach>
+    </dgm:layoutNode>
+  </dgm:layoutNode>
+</dgm:layoutDef>
+</file>
+
 <file path=ppt/diagrams/quickStyle1.xml><?xml version="1.0" encoding="utf-8"?>
 <dgm:styleDef xmlns:dgm="http://schemas.openxmlformats.org/drawingml/2006/diagram" xmlns:a="http://schemas.openxmlformats.org/drawingml/2006/main" uniqueId="urn:microsoft.com/office/officeart/2005/8/quickstyle/simple1">
   <dgm:title val=""/>
@@ -10448,6 +13467,1040 @@
 </file>
 
 <file path=ppt/diagrams/quickStyle3.xml><?xml version="1.0" encoding="utf-8"?>
+<dgm:styleDef xmlns:dgm="http://schemas.openxmlformats.org/drawingml/2006/diagram" xmlns:a="http://schemas.openxmlformats.org/drawingml/2006/main" uniqueId="urn:microsoft.com/office/officeart/2005/8/quickstyle/simple1">
+  <dgm:title val=""/>
+  <dgm:desc val=""/>
+  <dgm:catLst>
+    <dgm:cat type="simple" pri="10100"/>
+  </dgm:catLst>
+  <dgm:scene3d>
+    <a:camera prst="orthographicFront"/>
+    <a:lightRig rig="threePt" dir="t"/>
+  </dgm:scene3d>
+  <dgm:styleLbl name="node0">
+    <dgm:scene3d>
+      <a:camera prst="orthographicFront"/>
+      <a:lightRig rig="threePt" dir="t"/>
+    </dgm:scene3d>
+    <dgm:sp3d/>
+    <dgm:txPr/>
+    <dgm:style>
+      <a:lnRef idx="2">
+        <a:scrgbClr r="0" g="0" b="0"/>
+      </a:lnRef>
+      <a:fillRef idx="1">
+        <a:scrgbClr r="0" g="0" b="0"/>
+      </a:fillRef>
+      <a:effectRef idx="0">
+        <a:scrgbClr r="0" g="0" b="0"/>
+      </a:effectRef>
+      <a:fontRef idx="minor">
+        <a:schemeClr val="lt1"/>
+      </a:fontRef>
+    </dgm:style>
+  </dgm:styleLbl>
+  <dgm:styleLbl name="lnNode1">
+    <dgm:scene3d>
+      <a:camera prst="orthographicFront"/>
+      <a:lightRig rig="threePt" dir="t"/>
+    </dgm:scene3d>
+    <dgm:sp3d/>
+    <dgm:txPr/>
+    <dgm:style>
+      <a:lnRef idx="2">
+        <a:scrgbClr r="0" g="0" b="0"/>
+      </a:lnRef>
+      <a:fillRef idx="1">
+        <a:scrgbClr r="0" g="0" b="0"/>
+      </a:fillRef>
+      <a:effectRef idx="0">
+        <a:scrgbClr r="0" g="0" b="0"/>
+      </a:effectRef>
+      <a:fontRef idx="minor">
+        <a:schemeClr val="lt1"/>
+      </a:fontRef>
+    </dgm:style>
+  </dgm:styleLbl>
+  <dgm:styleLbl name="vennNode1">
+    <dgm:scene3d>
+      <a:camera prst="orthographicFront"/>
+      <a:lightRig rig="threePt" dir="t"/>
+    </dgm:scene3d>
+    <dgm:sp3d/>
+    <dgm:txPr/>
+    <dgm:style>
+      <a:lnRef idx="2">
+        <a:scrgbClr r="0" g="0" b="0"/>
+      </a:lnRef>
+      <a:fillRef idx="1">
+        <a:scrgbClr r="0" g="0" b="0"/>
+      </a:fillRef>
+      <a:effectRef idx="0">
+        <a:scrgbClr r="0" g="0" b="0"/>
+      </a:effectRef>
+      <a:fontRef idx="minor">
+        <a:schemeClr val="tx1"/>
+      </a:fontRef>
+    </dgm:style>
+  </dgm:styleLbl>
+  <dgm:styleLbl name="alignNode1">
+    <dgm:scene3d>
+      <a:camera prst="orthographicFront"/>
+      <a:lightRig rig="threePt" dir="t"/>
+    </dgm:scene3d>
+    <dgm:sp3d/>
+    <dgm:txPr/>
+    <dgm:style>
+      <a:lnRef idx="2">
+        <a:scrgbClr r="0" g="0" b="0"/>
+      </a:lnRef>
+      <a:fillRef idx="1">
+        <a:scrgbClr r="0" g="0" b="0"/>
+      </a:fillRef>
+      <a:effectRef idx="0">
+        <a:scrgbClr r="0" g="0" b="0"/>
+      </a:effectRef>
+      <a:fontRef idx="minor">
+        <a:schemeClr val="lt1"/>
+      </a:fontRef>
+    </dgm:style>
+  </dgm:styleLbl>
+  <dgm:styleLbl name="node1">
+    <dgm:scene3d>
+      <a:camera prst="orthographicFront"/>
+      <a:lightRig rig="threePt" dir="t"/>
+    </dgm:scene3d>
+    <dgm:sp3d/>
+    <dgm:txPr/>
+    <dgm:style>
+      <a:lnRef idx="2">
+        <a:scrgbClr r="0" g="0" b="0"/>
+      </a:lnRef>
+      <a:fillRef idx="1">
+        <a:scrgbClr r="0" g="0" b="0"/>
+      </a:fillRef>
+      <a:effectRef idx="0">
+        <a:scrgbClr r="0" g="0" b="0"/>
+      </a:effectRef>
+      <a:fontRef idx="minor">
+        <a:schemeClr val="lt1"/>
+      </a:fontRef>
+    </dgm:style>
+  </dgm:styleLbl>
+  <dgm:styleLbl name="node2">
+    <dgm:scene3d>
+      <a:camera prst="orthographicFront"/>
+      <a:lightRig rig="threePt" dir="t"/>
+    </dgm:scene3d>
+    <dgm:sp3d/>
+    <dgm:txPr/>
+    <dgm:style>
+      <a:lnRef idx="2">
+        <a:scrgbClr r="0" g="0" b="0"/>
+      </a:lnRef>
+      <a:fillRef idx="1">
+        <a:scrgbClr r="0" g="0" b="0"/>
+      </a:fillRef>
+      <a:effectRef idx="0">
+        <a:scrgbClr r="0" g="0" b="0"/>
+      </a:effectRef>
+      <a:fontRef idx="minor">
+        <a:schemeClr val="lt1"/>
+      </a:fontRef>
+    </dgm:style>
+  </dgm:styleLbl>
+  <dgm:styleLbl name="node3">
+    <dgm:scene3d>
+      <a:camera prst="orthographicFront"/>
+      <a:lightRig rig="threePt" dir="t"/>
+    </dgm:scene3d>
+    <dgm:sp3d/>
+    <dgm:txPr/>
+    <dgm:style>
+      <a:lnRef idx="2">
+        <a:scrgbClr r="0" g="0" b="0"/>
+      </a:lnRef>
+      <a:fillRef idx="1">
+        <a:scrgbClr r="0" g="0" b="0"/>
+      </a:fillRef>
+      <a:effectRef idx="0">
+        <a:scrgbClr r="0" g="0" b="0"/>
+      </a:effectRef>
+      <a:fontRef idx="minor">
+        <a:schemeClr val="lt1"/>
+      </a:fontRef>
+    </dgm:style>
+  </dgm:styleLbl>
+  <dgm:styleLbl name="node4">
+    <dgm:scene3d>
+      <a:camera prst="orthographicFront"/>
+      <a:lightRig rig="threePt" dir="t"/>
+    </dgm:scene3d>
+    <dgm:sp3d/>
+    <dgm:txPr/>
+    <dgm:style>
+      <a:lnRef idx="2">
+        <a:scrgbClr r="0" g="0" b="0"/>
+      </a:lnRef>
+      <a:fillRef idx="1">
+        <a:scrgbClr r="0" g="0" b="0"/>
+      </a:fillRef>
+      <a:effectRef idx="0">
+        <a:scrgbClr r="0" g="0" b="0"/>
+      </a:effectRef>
+      <a:fontRef idx="minor">
+        <a:schemeClr val="lt1"/>
+      </a:fontRef>
+    </dgm:style>
+  </dgm:styleLbl>
+  <dgm:styleLbl name="fgImgPlace1">
+    <dgm:scene3d>
+      <a:camera prst="orthographicFront"/>
+      <a:lightRig rig="threePt" dir="t"/>
+    </dgm:scene3d>
+    <dgm:sp3d/>
+    <dgm:txPr/>
+    <dgm:style>
+      <a:lnRef idx="2">
+        <a:scrgbClr r="0" g="0" b="0"/>
+      </a:lnRef>
+      <a:fillRef idx="1">
+        <a:scrgbClr r="0" g="0" b="0"/>
+      </a:fillRef>
+      <a:effectRef idx="0">
+        <a:scrgbClr r="0" g="0" b="0"/>
+      </a:effectRef>
+      <a:fontRef idx="minor"/>
+    </dgm:style>
+  </dgm:styleLbl>
+  <dgm:styleLbl name="alignImgPlace1">
+    <dgm:scene3d>
+      <a:camera prst="orthographicFront"/>
+      <a:lightRig rig="threePt" dir="t"/>
+    </dgm:scene3d>
+    <dgm:sp3d/>
+    <dgm:txPr/>
+    <dgm:style>
+      <a:lnRef idx="2">
+        <a:scrgbClr r="0" g="0" b="0"/>
+      </a:lnRef>
+      <a:fillRef idx="1">
+        <a:scrgbClr r="0" g="0" b="0"/>
+      </a:fillRef>
+      <a:effectRef idx="0">
+        <a:scrgbClr r="0" g="0" b="0"/>
+      </a:effectRef>
+      <a:fontRef idx="minor"/>
+    </dgm:style>
+  </dgm:styleLbl>
+  <dgm:styleLbl name="bgImgPlace1">
+    <dgm:scene3d>
+      <a:camera prst="orthographicFront"/>
+      <a:lightRig rig="threePt" dir="t"/>
+    </dgm:scene3d>
+    <dgm:sp3d/>
+    <dgm:txPr/>
+    <dgm:style>
+      <a:lnRef idx="2">
+        <a:scrgbClr r="0" g="0" b="0"/>
+      </a:lnRef>
+      <a:fillRef idx="1">
+        <a:scrgbClr r="0" g="0" b="0"/>
+      </a:fillRef>
+      <a:effectRef idx="0">
+        <a:scrgbClr r="0" g="0" b="0"/>
+      </a:effectRef>
+      <a:fontRef idx="minor"/>
+    </dgm:style>
+  </dgm:styleLbl>
+  <dgm:styleLbl name="sibTrans2D1">
+    <dgm:scene3d>
+      <a:camera prst="orthographicFront"/>
+      <a:lightRig rig="threePt" dir="t"/>
+    </dgm:scene3d>
+    <dgm:sp3d/>
+    <dgm:txPr/>
+    <dgm:style>
+      <a:lnRef idx="0">
+        <a:scrgbClr r="0" g="0" b="0"/>
+      </a:lnRef>
+      <a:fillRef idx="1">
+        <a:scrgbClr r="0" g="0" b="0"/>
+      </a:fillRef>
+      <a:effectRef idx="0">
+        <a:scrgbClr r="0" g="0" b="0"/>
+      </a:effectRef>
+      <a:fontRef idx="minor">
+        <a:schemeClr val="lt1"/>
+      </a:fontRef>
+    </dgm:style>
+  </dgm:styleLbl>
+  <dgm:styleLbl name="fgSibTrans2D1">
+    <dgm:scene3d>
+      <a:camera prst="orthographicFront"/>
+      <a:lightRig rig="threePt" dir="t"/>
+    </dgm:scene3d>
+    <dgm:sp3d/>
+    <dgm:txPr/>
+    <dgm:style>
+      <a:lnRef idx="0">
+        <a:scrgbClr r="0" g="0" b="0"/>
+      </a:lnRef>
+      <a:fillRef idx="1">
+        <a:scrgbClr r="0" g="0" b="0"/>
+      </a:fillRef>
+      <a:effectRef idx="0">
+        <a:scrgbClr r="0" g="0" b="0"/>
+      </a:effectRef>
+      <a:fontRef idx="minor">
+        <a:schemeClr val="lt1"/>
+      </a:fontRef>
+    </dgm:style>
+  </dgm:styleLbl>
+  <dgm:styleLbl name="bgSibTrans2D1">
+    <dgm:scene3d>
+      <a:camera prst="orthographicFront"/>
+      <a:lightRig rig="threePt" dir="t"/>
+    </dgm:scene3d>
+    <dgm:sp3d/>
+    <dgm:txPr/>
+    <dgm:style>
+      <a:lnRef idx="0">
+        <a:scrgbClr r="0" g="0" b="0"/>
+      </a:lnRef>
+      <a:fillRef idx="1">
+        <a:scrgbClr r="0" g="0" b="0"/>
+      </a:fillRef>
+      <a:effectRef idx="0">
+        <a:scrgbClr r="0" g="0" b="0"/>
+      </a:effectRef>
+      <a:fontRef idx="minor">
+        <a:schemeClr val="lt1"/>
+      </a:fontRef>
+    </dgm:style>
+  </dgm:styleLbl>
+  <dgm:styleLbl name="sibTrans1D1">
+    <dgm:scene3d>
+      <a:camera prst="orthographicFront"/>
+      <a:lightRig rig="threePt" dir="t"/>
+    </dgm:scene3d>
+    <dgm:sp3d/>
+    <dgm:txPr/>
+    <dgm:style>
+      <a:lnRef idx="1">
+        <a:scrgbClr r="0" g="0" b="0"/>
+      </a:lnRef>
+      <a:fillRef idx="0">
+        <a:scrgbClr r="0" g="0" b="0"/>
+      </a:fillRef>
+      <a:effectRef idx="0">
+        <a:scrgbClr r="0" g="0" b="0"/>
+      </a:effectRef>
+      <a:fontRef idx="minor"/>
+    </dgm:style>
+  </dgm:styleLbl>
+  <dgm:styleLbl name="callout">
+    <dgm:scene3d>
+      <a:camera prst="orthographicFront"/>
+      <a:lightRig rig="threePt" dir="t"/>
+    </dgm:scene3d>
+    <dgm:sp3d/>
+    <dgm:txPr/>
+    <dgm:style>
+      <a:lnRef idx="2">
+        <a:scrgbClr r="0" g="0" b="0"/>
+      </a:lnRef>
+      <a:fillRef idx="1">
+        <a:scrgbClr r="0" g="0" b="0"/>
+      </a:fillRef>
+      <a:effectRef idx="0">
+        <a:scrgbClr r="0" g="0" b="0"/>
+      </a:effectRef>
+      <a:fontRef idx="minor"/>
+    </dgm:style>
+  </dgm:styleLbl>
+  <dgm:styleLbl name="asst0">
+    <dgm:scene3d>
+      <a:camera prst="orthographicFront"/>
+      <a:lightRig rig="threePt" dir="t"/>
+    </dgm:scene3d>
+    <dgm:sp3d/>
+    <dgm:txPr/>
+    <dgm:style>
+      <a:lnRef idx="2">
+        <a:scrgbClr r="0" g="0" b="0"/>
+      </a:lnRef>
+      <a:fillRef idx="1">
+        <a:scrgbClr r="0" g="0" b="0"/>
+      </a:fillRef>
+      <a:effectRef idx="0">
+        <a:scrgbClr r="0" g="0" b="0"/>
+      </a:effectRef>
+      <a:fontRef idx="minor">
+        <a:schemeClr val="lt1"/>
+      </a:fontRef>
+    </dgm:style>
+  </dgm:styleLbl>
+  <dgm:styleLbl name="asst1">
+    <dgm:scene3d>
+      <a:camera prst="orthographicFront"/>
+      <a:lightRig rig="threePt" dir="t"/>
+    </dgm:scene3d>
+    <dgm:sp3d/>
+    <dgm:txPr/>
+    <dgm:style>
+      <a:lnRef idx="2">
+        <a:scrgbClr r="0" g="0" b="0"/>
+      </a:lnRef>
+      <a:fillRef idx="1">
+        <a:scrgbClr r="0" g="0" b="0"/>
+      </a:fillRef>
+      <a:effectRef idx="0">
+        <a:scrgbClr r="0" g="0" b="0"/>
+      </a:effectRef>
+      <a:fontRef idx="minor">
+        <a:schemeClr val="lt1"/>
+      </a:fontRef>
+    </dgm:style>
+  </dgm:styleLbl>
+  <dgm:styleLbl name="asst2">
+    <dgm:scene3d>
+      <a:camera prst="orthographicFront"/>
+      <a:lightRig rig="threePt" dir="t"/>
+    </dgm:scene3d>
+    <dgm:sp3d/>
+    <dgm:txPr/>
+    <dgm:style>
+      <a:lnRef idx="2">
+        <a:scrgbClr r="0" g="0" b="0"/>
+      </a:lnRef>
+      <a:fillRef idx="1">
+        <a:scrgbClr r="0" g="0" b="0"/>
+      </a:fillRef>
+      <a:effectRef idx="0">
+        <a:scrgbClr r="0" g="0" b="0"/>
+      </a:effectRef>
+      <a:fontRef idx="minor">
+        <a:schemeClr val="lt1"/>
+      </a:fontRef>
+    </dgm:style>
+  </dgm:styleLbl>
+  <dgm:styleLbl name="asst3">
+    <dgm:scene3d>
+      <a:camera prst="orthographicFront"/>
+      <a:lightRig rig="threePt" dir="t"/>
+    </dgm:scene3d>
+    <dgm:sp3d/>
+    <dgm:txPr/>
+    <dgm:style>
+      <a:lnRef idx="2">
+        <a:scrgbClr r="0" g="0" b="0"/>
+      </a:lnRef>
+      <a:fillRef idx="1">
+        <a:scrgbClr r="0" g="0" b="0"/>
+      </a:fillRef>
+      <a:effectRef idx="0">
+        <a:scrgbClr r="0" g="0" b="0"/>
+      </a:effectRef>
+      <a:fontRef idx="minor">
+        <a:schemeClr val="lt1"/>
+      </a:fontRef>
+    </dgm:style>
+  </dgm:styleLbl>
+  <dgm:styleLbl name="asst4">
+    <dgm:scene3d>
+      <a:camera prst="orthographicFront"/>
+      <a:lightRig rig="threePt" dir="t"/>
+    </dgm:scene3d>
+    <dgm:sp3d/>
+    <dgm:txPr/>
+    <dgm:style>
+      <a:lnRef idx="2">
+        <a:scrgbClr r="0" g="0" b="0"/>
+      </a:lnRef>
+      <a:fillRef idx="1">
+        <a:scrgbClr r="0" g="0" b="0"/>
+      </a:fillRef>
+      <a:effectRef idx="0">
+        <a:scrgbClr r="0" g="0" b="0"/>
+      </a:effectRef>
+      <a:fontRef idx="minor">
+        <a:schemeClr val="lt1"/>
+      </a:fontRef>
+    </dgm:style>
+  </dgm:styleLbl>
+  <dgm:styleLbl name="parChTrans2D1">
+    <dgm:scene3d>
+      <a:camera prst="orthographicFront"/>
+      <a:lightRig rig="threePt" dir="t"/>
+    </dgm:scene3d>
+    <dgm:sp3d/>
+    <dgm:txPr/>
+    <dgm:style>
+      <a:lnRef idx="2">
+        <a:scrgbClr r="0" g="0" b="0"/>
+      </a:lnRef>
+      <a:fillRef idx="1">
+        <a:scrgbClr r="0" g="0" b="0"/>
+      </a:fillRef>
+      <a:effectRef idx="0">
+        <a:scrgbClr r="0" g="0" b="0"/>
+      </a:effectRef>
+      <a:fontRef idx="minor">
+        <a:schemeClr val="lt1"/>
+      </a:fontRef>
+    </dgm:style>
+  </dgm:styleLbl>
+  <dgm:styleLbl name="parChTrans2D2">
+    <dgm:scene3d>
+      <a:camera prst="orthographicFront"/>
+      <a:lightRig rig="threePt" dir="t"/>
+    </dgm:scene3d>
+    <dgm:sp3d/>
+    <dgm:txPr/>
+    <dgm:style>
+      <a:lnRef idx="2">
+        <a:scrgbClr r="0" g="0" b="0"/>
+      </a:lnRef>
+      <a:fillRef idx="1">
+        <a:scrgbClr r="0" g="0" b="0"/>
+      </a:fillRef>
+      <a:effectRef idx="0">
+        <a:scrgbClr r="0" g="0" b="0"/>
+      </a:effectRef>
+      <a:fontRef idx="minor">
+        <a:schemeClr val="lt1"/>
+      </a:fontRef>
+    </dgm:style>
+  </dgm:styleLbl>
+  <dgm:styleLbl name="parChTrans2D3">
+    <dgm:scene3d>
+      <a:camera prst="orthographicFront"/>
+      <a:lightRig rig="threePt" dir="t"/>
+    </dgm:scene3d>
+    <dgm:sp3d/>
+    <dgm:txPr/>
+    <dgm:style>
+      <a:lnRef idx="2">
+        <a:scrgbClr r="0" g="0" b="0"/>
+      </a:lnRef>
+      <a:fillRef idx="1">
+        <a:scrgbClr r="0" g="0" b="0"/>
+      </a:fillRef>
+      <a:effectRef idx="0">
+        <a:scrgbClr r="0" g="0" b="0"/>
+      </a:effectRef>
+      <a:fontRef idx="minor">
+        <a:schemeClr val="lt1"/>
+      </a:fontRef>
+    </dgm:style>
+  </dgm:styleLbl>
+  <dgm:styleLbl name="parChTrans2D4">
+    <dgm:scene3d>
+      <a:camera prst="orthographicFront"/>
+      <a:lightRig rig="threePt" dir="t"/>
+    </dgm:scene3d>
+    <dgm:sp3d/>
+    <dgm:txPr/>
+    <dgm:style>
+      <a:lnRef idx="2">
+        <a:scrgbClr r="0" g="0" b="0"/>
+      </a:lnRef>
+      <a:fillRef idx="1">
+        <a:scrgbClr r="0" g="0" b="0"/>
+      </a:fillRef>
+      <a:effectRef idx="0">
+        <a:scrgbClr r="0" g="0" b="0"/>
+      </a:effectRef>
+      <a:fontRef idx="minor">
+        <a:schemeClr val="lt1"/>
+      </a:fontRef>
+    </dgm:style>
+  </dgm:styleLbl>
+  <dgm:styleLbl name="parChTrans1D1">
+    <dgm:scene3d>
+      <a:camera prst="orthographicFront"/>
+      <a:lightRig rig="threePt" dir="t"/>
+    </dgm:scene3d>
+    <dgm:sp3d/>
+    <dgm:txPr/>
+    <dgm:style>
+      <a:lnRef idx="2">
+        <a:scrgbClr r="0" g="0" b="0"/>
+      </a:lnRef>
+      <a:fillRef idx="0">
+        <a:scrgbClr r="0" g="0" b="0"/>
+      </a:fillRef>
+      <a:effectRef idx="0">
+        <a:scrgbClr r="0" g="0" b="0"/>
+      </a:effectRef>
+      <a:fontRef idx="minor"/>
+    </dgm:style>
+  </dgm:styleLbl>
+  <dgm:styleLbl name="parChTrans1D2">
+    <dgm:scene3d>
+      <a:camera prst="orthographicFront"/>
+      <a:lightRig rig="threePt" dir="t"/>
+    </dgm:scene3d>
+    <dgm:sp3d/>
+    <dgm:txPr/>
+    <dgm:style>
+      <a:lnRef idx="2">
+        <a:scrgbClr r="0" g="0" b="0"/>
+      </a:lnRef>
+      <a:fillRef idx="0">
+        <a:scrgbClr r="0" g="0" b="0"/>
+      </a:fillRef>
+      <a:effectRef idx="0">
+        <a:scrgbClr r="0" g="0" b="0"/>
+      </a:effectRef>
+      <a:fontRef idx="minor"/>
+    </dgm:style>
+  </dgm:styleLbl>
+  <dgm:styleLbl name="parChTrans1D3">
+    <dgm:scene3d>
+      <a:camera prst="orthographicFront"/>
+      <a:lightRig rig="threePt" dir="t"/>
+    </dgm:scene3d>
+    <dgm:sp3d/>
+    <dgm:txPr/>
+    <dgm:style>
+      <a:lnRef idx="2">
+        <a:scrgbClr r="0" g="0" b="0"/>
+      </a:lnRef>
+      <a:fillRef idx="0">
+        <a:scrgbClr r="0" g="0" b="0"/>
+      </a:fillRef>
+      <a:effectRef idx="0">
+        <a:scrgbClr r="0" g="0" b="0"/>
+      </a:effectRef>
+      <a:fontRef idx="minor"/>
+    </dgm:style>
+  </dgm:styleLbl>
+  <dgm:styleLbl name="parChTrans1D4">
+    <dgm:scene3d>
+      <a:camera prst="orthographicFront"/>
+      <a:lightRig rig="threePt" dir="t"/>
+    </dgm:scene3d>
+    <dgm:sp3d/>
+    <dgm:txPr/>
+    <dgm:style>
+      <a:lnRef idx="2">
+        <a:scrgbClr r="0" g="0" b="0"/>
+      </a:lnRef>
+      <a:fillRef idx="0">
+        <a:scrgbClr r="0" g="0" b="0"/>
+      </a:fillRef>
+      <a:effectRef idx="0">
+        <a:scrgbClr r="0" g="0" b="0"/>
+      </a:effectRef>
+      <a:fontRef idx="minor"/>
+    </dgm:style>
+  </dgm:styleLbl>
+  <dgm:styleLbl name="fgAcc1">
+    <dgm:scene3d>
+      <a:camera prst="orthographicFront"/>
+      <a:lightRig rig="threePt" dir="t"/>
+    </dgm:scene3d>
+    <dgm:sp3d/>
+    <dgm:txPr/>
+    <dgm:style>
+      <a:lnRef idx="2">
+        <a:scrgbClr r="0" g="0" b="0"/>
+      </a:lnRef>
+      <a:fillRef idx="1">
+        <a:scrgbClr r="0" g="0" b="0"/>
+      </a:fillRef>
+      <a:effectRef idx="0">
+        <a:scrgbClr r="0" g="0" b="0"/>
+      </a:effectRef>
+      <a:fontRef idx="minor"/>
+    </dgm:style>
+  </dgm:styleLbl>
+  <dgm:styleLbl name="conFgAcc1">
+    <dgm:scene3d>
+      <a:camera prst="orthographicFront"/>
+      <a:lightRig rig="threePt" dir="t"/>
+    </dgm:scene3d>
+    <dgm:sp3d/>
+    <dgm:txPr/>
+    <dgm:style>
+      <a:lnRef idx="2">
+        <a:scrgbClr r="0" g="0" b="0"/>
+      </a:lnRef>
+      <a:fillRef idx="1">
+        <a:scrgbClr r="0" g="0" b="0"/>
+      </a:fillRef>
+      <a:effectRef idx="0">
+        <a:scrgbClr r="0" g="0" b="0"/>
+      </a:effectRef>
+      <a:fontRef idx="minor"/>
+    </dgm:style>
+  </dgm:styleLbl>
+  <dgm:styleLbl name="alignAcc1">
+    <dgm:scene3d>
+      <a:camera prst="orthographicFront"/>
+      <a:lightRig rig="threePt" dir="t"/>
+    </dgm:scene3d>
+    <dgm:sp3d/>
+    <dgm:txPr/>
+    <dgm:style>
+      <a:lnRef idx="2">
+        <a:scrgbClr r="0" g="0" b="0"/>
+      </a:lnRef>
+      <a:fillRef idx="1">
+        <a:scrgbClr r="0" g="0" b="0"/>
+      </a:fillRef>
+      <a:effectRef idx="0">
+        <a:scrgbClr r="0" g="0" b="0"/>
+      </a:effectRef>
+      <a:fontRef idx="minor"/>
+    </dgm:style>
+  </dgm:styleLbl>
+  <dgm:styleLbl name="trAlignAcc1">
+    <dgm:scene3d>
+      <a:camera prst="orthographicFront"/>
+      <a:lightRig rig="threePt" dir="t"/>
+    </dgm:scene3d>
+    <dgm:sp3d/>
+    <dgm:txPr/>
+    <dgm:style>
+      <a:lnRef idx="1">
+        <a:scrgbClr r="0" g="0" b="0"/>
+      </a:lnRef>
+      <a:fillRef idx="1">
+        <a:scrgbClr r="0" g="0" b="0"/>
+      </a:fillRef>
+      <a:effectRef idx="0">
+        <a:scrgbClr r="0" g="0" b="0"/>
+      </a:effectRef>
+      <a:fontRef idx="minor"/>
+    </dgm:style>
+  </dgm:styleLbl>
+  <dgm:styleLbl name="bgAcc1">
+    <dgm:scene3d>
+      <a:camera prst="orthographicFront"/>
+      <a:lightRig rig="threePt" dir="t"/>
+    </dgm:scene3d>
+    <dgm:sp3d/>
+    <dgm:txPr/>
+    <dgm:style>
+      <a:lnRef idx="2">
+        <a:scrgbClr r="0" g="0" b="0"/>
+      </a:lnRef>
+      <a:fillRef idx="1">
+        <a:scrgbClr r="0" g="0" b="0"/>
+      </a:fillRef>
+      <a:effectRef idx="0">
+        <a:scrgbClr r="0" g="0" b="0"/>
+      </a:effectRef>
+      <a:fontRef idx="minor"/>
+    </dgm:style>
+  </dgm:styleLbl>
+  <dgm:styleLbl name="solidFgAcc1">
+    <dgm:scene3d>
+      <a:camera prst="orthographicFront"/>
+      <a:lightRig rig="threePt" dir="t"/>
+    </dgm:scene3d>
+    <dgm:sp3d/>
+    <dgm:txPr/>
+    <dgm:style>
+      <a:lnRef idx="2">
+        <a:scrgbClr r="0" g="0" b="0"/>
+      </a:lnRef>
+      <a:fillRef idx="1">
+        <a:scrgbClr r="0" g="0" b="0"/>
+      </a:fillRef>
+      <a:effectRef idx="0">
+        <a:scrgbClr r="0" g="0" b="0"/>
+      </a:effectRef>
+      <a:fontRef idx="minor"/>
+    </dgm:style>
+  </dgm:styleLbl>
+  <dgm:styleLbl name="solidAlignAcc1">
+    <dgm:scene3d>
+      <a:camera prst="orthographicFront"/>
+      <a:lightRig rig="threePt" dir="t"/>
+    </dgm:scene3d>
+    <dgm:sp3d/>
+    <dgm:txPr/>
+    <dgm:style>
+      <a:lnRef idx="2">
+        <a:scrgbClr r="0" g="0" b="0"/>
+      </a:lnRef>
+      <a:fillRef idx="1">
+        <a:scrgbClr r="0" g="0" b="0"/>
+      </a:fillRef>
+      <a:effectRef idx="0">
+        <a:scrgbClr r="0" g="0" b="0"/>
+      </a:effectRef>
+      <a:fontRef idx="minor"/>
+    </dgm:style>
+  </dgm:styleLbl>
+  <dgm:styleLbl name="solidBgAcc1">
+    <dgm:scene3d>
+      <a:camera prst="orthographicFront"/>
+      <a:lightRig rig="threePt" dir="t"/>
+    </dgm:scene3d>
+    <dgm:sp3d/>
+    <dgm:txPr/>
+    <dgm:style>
+      <a:lnRef idx="2">
+        <a:scrgbClr r="0" g="0" b="0"/>
+      </a:lnRef>
+      <a:fillRef idx="1">
+        <a:scrgbClr r="0" g="0" b="0"/>
+      </a:fillRef>
+      <a:effectRef idx="0">
+        <a:scrgbClr r="0" g="0" b="0"/>
+      </a:effectRef>
+      <a:fontRef idx="minor"/>
+    </dgm:style>
+  </dgm:styleLbl>
+  <dgm:styleLbl name="fgAccFollowNode1">
+    <dgm:scene3d>
+      <a:camera prst="orthographicFront"/>
+      <a:lightRig rig="threePt" dir="t"/>
+    </dgm:scene3d>
+    <dgm:sp3d/>
+    <dgm:txPr/>
+    <dgm:style>
+      <a:lnRef idx="2">
+        <a:scrgbClr r="0" g="0" b="0"/>
+      </a:lnRef>
+      <a:fillRef idx="1">
+        <a:scrgbClr r="0" g="0" b="0"/>
+      </a:fillRef>
+      <a:effectRef idx="0">
+        <a:scrgbClr r="0" g="0" b="0"/>
+      </a:effectRef>
+      <a:fontRef idx="minor"/>
+    </dgm:style>
+  </dgm:styleLbl>
+  <dgm:styleLbl name="alignAccFollowNode1">
+    <dgm:scene3d>
+      <a:camera prst="orthographicFront"/>
+      <a:lightRig rig="threePt" dir="t"/>
+    </dgm:scene3d>
+    <dgm:sp3d/>
+    <dgm:txPr/>
+    <dgm:style>
+      <a:lnRef idx="2">
+        <a:scrgbClr r="0" g="0" b="0"/>
+      </a:lnRef>
+      <a:fillRef idx="1">
+        <a:scrgbClr r="0" g="0" b="0"/>
+      </a:fillRef>
+      <a:effectRef idx="0">
+        <a:scrgbClr r="0" g="0" b="0"/>
+      </a:effectRef>
+      <a:fontRef idx="minor"/>
+    </dgm:style>
+  </dgm:styleLbl>
+  <dgm:styleLbl name="bgAccFollowNode1">
+    <dgm:scene3d>
+      <a:camera prst="orthographicFront"/>
+      <a:lightRig rig="threePt" dir="t"/>
+    </dgm:scene3d>
+    <dgm:sp3d/>
+    <dgm:txPr/>
+    <dgm:style>
+      <a:lnRef idx="2">
+        <a:scrgbClr r="0" g="0" b="0"/>
+      </a:lnRef>
+      <a:fillRef idx="1">
+        <a:scrgbClr r="0" g="0" b="0"/>
+      </a:fillRef>
+      <a:effectRef idx="0">
+        <a:scrgbClr r="0" g="0" b="0"/>
+      </a:effectRef>
+      <a:fontRef idx="minor"/>
+    </dgm:style>
+  </dgm:styleLbl>
+  <dgm:styleLbl name="fgAcc0">
+    <dgm:scene3d>
+      <a:camera prst="orthographicFront"/>
+      <a:lightRig rig="threePt" dir="t"/>
+    </dgm:scene3d>
+    <dgm:sp3d/>
+    <dgm:txPr/>
+    <dgm:style>
+      <a:lnRef idx="2">
+        <a:scrgbClr r="0" g="0" b="0"/>
+      </a:lnRef>
+      <a:fillRef idx="1">
+        <a:scrgbClr r="0" g="0" b="0"/>
+      </a:fillRef>
+      <a:effectRef idx="0">
+        <a:scrgbClr r="0" g="0" b="0"/>
+      </a:effectRef>
+      <a:fontRef idx="minor"/>
+    </dgm:style>
+  </dgm:styleLbl>
+  <dgm:styleLbl name="fgAcc2">
+    <dgm:scene3d>
+      <a:camera prst="orthographicFront"/>
+      <a:lightRig rig="threePt" dir="t"/>
+    </dgm:scene3d>
+    <dgm:sp3d/>
+    <dgm:txPr/>
+    <dgm:style>
+      <a:lnRef idx="2">
+        <a:scrgbClr r="0" g="0" b="0"/>
+      </a:lnRef>
+      <a:fillRef idx="1">
+        <a:scrgbClr r="0" g="0" b="0"/>
+      </a:fillRef>
+      <a:effectRef idx="0">
+        <a:scrgbClr r="0" g="0" b="0"/>
+      </a:effectRef>
+      <a:fontRef idx="minor"/>
+    </dgm:style>
+  </dgm:styleLbl>
+  <dgm:styleLbl name="fgAcc3">
+    <dgm:scene3d>
+      <a:camera prst="orthographicFront"/>
+      <a:lightRig rig="threePt" dir="t"/>
+    </dgm:scene3d>
+    <dgm:sp3d/>
+    <dgm:txPr/>
+    <dgm:style>
+      <a:lnRef idx="2">
+        <a:scrgbClr r="0" g="0" b="0"/>
+      </a:lnRef>
+      <a:fillRef idx="1">
+        <a:scrgbClr r="0" g="0" b="0"/>
+      </a:fillRef>
+      <a:effectRef idx="0">
+        <a:scrgbClr r="0" g="0" b="0"/>
+      </a:effectRef>
+      <a:fontRef idx="minor"/>
+    </dgm:style>
+  </dgm:styleLbl>
+  <dgm:styleLbl name="fgAcc4">
+    <dgm:scene3d>
+      <a:camera prst="orthographicFront"/>
+      <a:lightRig rig="threePt" dir="t"/>
+    </dgm:scene3d>
+    <dgm:sp3d/>
+    <dgm:txPr/>
+    <dgm:style>
+      <a:lnRef idx="2">
+        <a:scrgbClr r="0" g="0" b="0"/>
+      </a:lnRef>
+      <a:fillRef idx="1">
+        <a:scrgbClr r="0" g="0" b="0"/>
+      </a:fillRef>
+      <a:effectRef idx="0">
+        <a:scrgbClr r="0" g="0" b="0"/>
+      </a:effectRef>
+      <a:fontRef idx="minor"/>
+    </dgm:style>
+  </dgm:styleLbl>
+  <dgm:styleLbl name="bgShp">
+    <dgm:scene3d>
+      <a:camera prst="orthographicFront"/>
+      <a:lightRig rig="threePt" dir="t"/>
+    </dgm:scene3d>
+    <dgm:sp3d/>
+    <dgm:txPr/>
+    <dgm:style>
+      <a:lnRef idx="0">
+        <a:scrgbClr r="0" g="0" b="0"/>
+      </a:lnRef>
+      <a:fillRef idx="1">
+        <a:scrgbClr r="0" g="0" b="0"/>
+      </a:fillRef>
+      <a:effectRef idx="0">
+        <a:scrgbClr r="0" g="0" b="0"/>
+      </a:effectRef>
+      <a:fontRef idx="minor"/>
+    </dgm:style>
+  </dgm:styleLbl>
+  <dgm:styleLbl name="dkBgShp">
+    <dgm:scene3d>
+      <a:camera prst="orthographicFront"/>
+      <a:lightRig rig="threePt" dir="t"/>
+    </dgm:scene3d>
+    <dgm:sp3d/>
+    <dgm:txPr/>
+    <dgm:style>
+      <a:lnRef idx="0">
+        <a:scrgbClr r="0" g="0" b="0"/>
+      </a:lnRef>
+      <a:fillRef idx="1">
+        <a:scrgbClr r="0" g="0" b="0"/>
+      </a:fillRef>
+      <a:effectRef idx="0">
+        <a:scrgbClr r="0" g="0" b="0"/>
+      </a:effectRef>
+      <a:fontRef idx="minor"/>
+    </dgm:style>
+  </dgm:styleLbl>
+  <dgm:styleLbl name="trBgShp">
+    <dgm:scene3d>
+      <a:camera prst="orthographicFront"/>
+      <a:lightRig rig="threePt" dir="t"/>
+    </dgm:scene3d>
+    <dgm:sp3d/>
+    <dgm:txPr/>
+    <dgm:style>
+      <a:lnRef idx="0">
+        <a:scrgbClr r="0" g="0" b="0"/>
+      </a:lnRef>
+      <a:fillRef idx="1">
+        <a:scrgbClr r="0" g="0" b="0"/>
+      </a:fillRef>
+      <a:effectRef idx="0">
+        <a:scrgbClr r="0" g="0" b="0"/>
+      </a:effectRef>
+      <a:fontRef idx="minor"/>
+    </dgm:style>
+  </dgm:styleLbl>
+  <dgm:styleLbl name="fgShp">
+    <dgm:scene3d>
+      <a:camera prst="orthographicFront"/>
+      <a:lightRig rig="threePt" dir="t"/>
+    </dgm:scene3d>
+    <dgm:sp3d/>
+    <dgm:txPr/>
+    <dgm:style>
+      <a:lnRef idx="2">
+        <a:scrgbClr r="0" g="0" b="0"/>
+      </a:lnRef>
+      <a:fillRef idx="1">
+        <a:scrgbClr r="0" g="0" b="0"/>
+      </a:fillRef>
+      <a:effectRef idx="0">
+        <a:scrgbClr r="0" g="0" b="0"/>
+      </a:effectRef>
+      <a:fontRef idx="minor"/>
+    </dgm:style>
+  </dgm:styleLbl>
+  <dgm:styleLbl name="revTx">
+    <dgm:scene3d>
+      <a:camera prst="orthographicFront"/>
+      <a:lightRig rig="threePt" dir="t"/>
+    </dgm:scene3d>
+    <dgm:sp3d/>
+    <dgm:txPr/>
+    <dgm:style>
+      <a:lnRef idx="0">
+        <a:scrgbClr r="0" g="0" b="0"/>
+      </a:lnRef>
+      <a:fillRef idx="0">
+        <a:scrgbClr r="0" g="0" b="0"/>
+      </a:fillRef>
+      <a:effectRef idx="0">
+        <a:scrgbClr r="0" g="0" b="0"/>
+      </a:effectRef>
+      <a:fontRef idx="minor"/>
+    </dgm:style>
+  </dgm:styleLbl>
+</dgm:styleDef>
+</file>
+
+<file path=ppt/diagrams/quickStyle4.xml><?xml version="1.0" encoding="utf-8"?>
 <dgm:styleDef xmlns:dgm="http://schemas.openxmlformats.org/drawingml/2006/diagram" xmlns:a="http://schemas.openxmlformats.org/drawingml/2006/main" uniqueId="urn:microsoft.com/office/officeart/2005/8/quickstyle/simple1">
   <dgm:title val=""/>
   <dgm:desc val=""/>
@@ -11612,7 +15665,7 @@
           <a:p>
             <a:fld id="{3B93ECCE-5391-441B-9FF0-3A0DC0698398}" type="datetimeFigureOut">
               <a:rPr lang="fr-FR" smtClean="0"/>
-              <a:t>14/04/2023</a:t>
+              <a:t>15/04/2023</a:t>
             </a:fld>
             <a:endParaRPr lang="fr-FR"/>
           </a:p>
@@ -11782,7 +15835,7 @@
           <a:p>
             <a:fld id="{3B93ECCE-5391-441B-9FF0-3A0DC0698398}" type="datetimeFigureOut">
               <a:rPr lang="fr-FR" smtClean="0"/>
-              <a:t>14/04/2023</a:t>
+              <a:t>15/04/2023</a:t>
             </a:fld>
             <a:endParaRPr lang="fr-FR"/>
           </a:p>
@@ -11962,7 +16015,7 @@
           <a:p>
             <a:fld id="{3B93ECCE-5391-441B-9FF0-3A0DC0698398}" type="datetimeFigureOut">
               <a:rPr lang="fr-FR" smtClean="0"/>
-              <a:t>14/04/2023</a:t>
+              <a:t>15/04/2023</a:t>
             </a:fld>
             <a:endParaRPr lang="fr-FR"/>
           </a:p>
@@ -12132,7 +16185,7 @@
           <a:p>
             <a:fld id="{3B93ECCE-5391-441B-9FF0-3A0DC0698398}" type="datetimeFigureOut">
               <a:rPr lang="fr-FR" smtClean="0"/>
-              <a:t>14/04/2023</a:t>
+              <a:t>15/04/2023</a:t>
             </a:fld>
             <a:endParaRPr lang="fr-FR"/>
           </a:p>
@@ -12376,7 +16429,7 @@
           <a:p>
             <a:fld id="{3B93ECCE-5391-441B-9FF0-3A0DC0698398}" type="datetimeFigureOut">
               <a:rPr lang="fr-FR" smtClean="0"/>
-              <a:t>14/04/2023</a:t>
+              <a:t>15/04/2023</a:t>
             </a:fld>
             <a:endParaRPr lang="fr-FR"/>
           </a:p>
@@ -12608,7 +16661,7 @@
           <a:p>
             <a:fld id="{3B93ECCE-5391-441B-9FF0-3A0DC0698398}" type="datetimeFigureOut">
               <a:rPr lang="fr-FR" smtClean="0"/>
-              <a:t>14/04/2023</a:t>
+              <a:t>15/04/2023</a:t>
             </a:fld>
             <a:endParaRPr lang="fr-FR"/>
           </a:p>
@@ -12975,7 +17028,7 @@
           <a:p>
             <a:fld id="{3B93ECCE-5391-441B-9FF0-3A0DC0698398}" type="datetimeFigureOut">
               <a:rPr lang="fr-FR" smtClean="0"/>
-              <a:t>14/04/2023</a:t>
+              <a:t>15/04/2023</a:t>
             </a:fld>
             <a:endParaRPr lang="fr-FR"/>
           </a:p>
@@ -13093,7 +17146,7 @@
           <a:p>
             <a:fld id="{3B93ECCE-5391-441B-9FF0-3A0DC0698398}" type="datetimeFigureOut">
               <a:rPr lang="fr-FR" smtClean="0"/>
-              <a:t>14/04/2023</a:t>
+              <a:t>15/04/2023</a:t>
             </a:fld>
             <a:endParaRPr lang="fr-FR"/>
           </a:p>
@@ -13188,7 +17241,7 @@
           <a:p>
             <a:fld id="{3B93ECCE-5391-441B-9FF0-3A0DC0698398}" type="datetimeFigureOut">
               <a:rPr lang="fr-FR" smtClean="0"/>
-              <a:t>14/04/2023</a:t>
+              <a:t>15/04/2023</a:t>
             </a:fld>
             <a:endParaRPr lang="fr-FR"/>
           </a:p>
@@ -13465,7 +17518,7 @@
           <a:p>
             <a:fld id="{3B93ECCE-5391-441B-9FF0-3A0DC0698398}" type="datetimeFigureOut">
               <a:rPr lang="fr-FR" smtClean="0"/>
-              <a:t>14/04/2023</a:t>
+              <a:t>15/04/2023</a:t>
             </a:fld>
             <a:endParaRPr lang="fr-FR"/>
           </a:p>
@@ -13722,7 +17775,7 @@
           <a:p>
             <a:fld id="{3B93ECCE-5391-441B-9FF0-3A0DC0698398}" type="datetimeFigureOut">
               <a:rPr lang="fr-FR" smtClean="0"/>
-              <a:t>14/04/2023</a:t>
+              <a:t>15/04/2023</a:t>
             </a:fld>
             <a:endParaRPr lang="fr-FR"/>
           </a:p>
@@ -13935,7 +17988,7 @@
           <a:p>
             <a:fld id="{3B93ECCE-5391-441B-9FF0-3A0DC0698398}" type="datetimeFigureOut">
               <a:rPr lang="fr-FR" smtClean="0"/>
-              <a:t>14/04/2023</a:t>
+              <a:t>15/04/2023</a:t>
             </a:fld>
             <a:endParaRPr lang="fr-FR"/>
           </a:p>
@@ -14373,7 +18426,7 @@
               <a:rPr lang="fr-FR" sz="1600" b="1" dirty="0">
                 <a:latin typeface="Arial Nova" panose="020B0504020202020204" pitchFamily="34" charset="0"/>
               </a:rPr>
-              <a:t>Concours Centrale Supelec – TP SII </a:t>
+              <a:t>Concours Commun Mines Ponts – Epreuve Mixte</a:t>
             </a:r>
           </a:p>
         </p:txBody>
@@ -14481,10 +18534,1819 @@
           <p:nvPr>
             <p:extLst>
               <p:ext uri="{D42A27DB-BD31-4B8C-83A1-F6EECF244321}">
-                <p14:modId xmlns:p14="http://schemas.microsoft.com/office/powerpoint/2010/main" val="1805183340"/>
+                <p14:modId xmlns:p14="http://schemas.microsoft.com/office/powerpoint/2010/main" val="2473482443"/>
               </p:ext>
             </p:extLst>
           </p:nvPr>
+        </p:nvGraphicFramePr>
+        <p:xfrm>
+          <a:off x="0" y="1731339"/>
+          <a:ext cx="6858000" cy="1599989"/>
+        </p:xfrm>
+        <a:graphic>
+          <a:graphicData uri="http://schemas.openxmlformats.org/drawingml/2006/diagram">
+            <dgm:relIds xmlns:dgm="http://schemas.openxmlformats.org/drawingml/2006/diagram" xmlns:r="http://schemas.openxmlformats.org/officeDocument/2006/relationships" r:dm="rId2" r:lo="rId3" r:qs="rId4" r:cs="rId5"/>
+          </a:graphicData>
+        </a:graphic>
+      </p:graphicFrame>
+      <p:grpSp>
+        <p:nvGrpSpPr>
+          <p:cNvPr id="11" name="Groupe 10">
+            <a:extLst>
+              <a:ext uri="{FF2B5EF4-FFF2-40B4-BE49-F238E27FC236}">
+                <a16:creationId xmlns:a16="http://schemas.microsoft.com/office/drawing/2014/main" id="{87D71073-5BE5-D0AF-A0EF-D9E225BFDA81}"/>
+              </a:ext>
+            </a:extLst>
+          </p:cNvPr>
+          <p:cNvGrpSpPr/>
+          <p:nvPr/>
+        </p:nvGrpSpPr>
+        <p:grpSpPr>
+          <a:xfrm>
+            <a:off x="57150" y="623702"/>
+            <a:ext cx="2774950" cy="393700"/>
+            <a:chOff x="4057650" y="643355"/>
+            <a:chExt cx="2774950" cy="393700"/>
+          </a:xfrm>
+        </p:grpSpPr>
+        <p:sp>
+          <p:nvSpPr>
+            <p:cNvPr id="9" name="Ellipse 8">
+              <a:extLst>
+                <a:ext uri="{FF2B5EF4-FFF2-40B4-BE49-F238E27FC236}">
+                  <a16:creationId xmlns:a16="http://schemas.microsoft.com/office/drawing/2014/main" id="{E260EFAE-DE3D-351B-25EC-D7A4EC4DE67E}"/>
+                </a:ext>
+              </a:extLst>
+            </p:cNvPr>
+            <p:cNvSpPr/>
+            <p:nvPr/>
+          </p:nvSpPr>
+          <p:spPr>
+            <a:xfrm>
+              <a:off x="6438900" y="643355"/>
+              <a:ext cx="393700" cy="393700"/>
+            </a:xfrm>
+            <a:prstGeom prst="ellipse">
+              <a:avLst/>
+            </a:prstGeom>
+          </p:spPr>
+          <p:style>
+            <a:lnRef idx="2">
+              <a:schemeClr val="accent6">
+                <a:shade val="50000"/>
+              </a:schemeClr>
+            </a:lnRef>
+            <a:fillRef idx="1">
+              <a:schemeClr val="accent6"/>
+            </a:fillRef>
+            <a:effectRef idx="0">
+              <a:schemeClr val="accent6"/>
+            </a:effectRef>
+            <a:fontRef idx="minor">
+              <a:schemeClr val="lt1"/>
+            </a:fontRef>
+          </p:style>
+          <p:txBody>
+            <a:bodyPr lIns="0" tIns="0" rIns="0" bIns="0" rtlCol="0" anchor="ctr"/>
+            <a:lstStyle/>
+            <a:p>
+              <a:pPr algn="ctr"/>
+              <a:r>
+                <a:rPr lang="fr-FR" sz="1200" b="1" dirty="0"/>
+                <a:t>14%</a:t>
+              </a:r>
+            </a:p>
+          </p:txBody>
+        </p:sp>
+        <p:sp>
+          <p:nvSpPr>
+            <p:cNvPr id="10" name="ZoneTexte 9">
+              <a:extLst>
+                <a:ext uri="{FF2B5EF4-FFF2-40B4-BE49-F238E27FC236}">
+                  <a16:creationId xmlns:a16="http://schemas.microsoft.com/office/drawing/2014/main" id="{AA085217-9F9A-27B9-86EF-F6B61BE03A48}"/>
+                </a:ext>
+              </a:extLst>
+            </p:cNvPr>
+            <p:cNvSpPr txBox="1"/>
+            <p:nvPr/>
+          </p:nvSpPr>
+          <p:spPr>
+            <a:xfrm>
+              <a:off x="4057650" y="701706"/>
+              <a:ext cx="2381250" cy="276999"/>
+            </a:xfrm>
+            <a:prstGeom prst="rect">
+              <a:avLst/>
+            </a:prstGeom>
+            <a:noFill/>
+          </p:spPr>
+          <p:txBody>
+            <a:bodyPr wrap="square" rtlCol="0">
+              <a:spAutoFit/>
+            </a:bodyPr>
+            <a:lstStyle/>
+            <a:p>
+              <a:pPr algn="r"/>
+              <a:r>
+                <a:rPr lang="fr-FR" sz="1200" dirty="0">
+                  <a:latin typeface="Arial Nova" panose="020B0504020202020204" pitchFamily="34" charset="0"/>
+                </a:rPr>
+                <a:t>Concours Commun Mines Ponts</a:t>
+              </a:r>
+            </a:p>
+          </p:txBody>
+        </p:sp>
+      </p:grpSp>
+      <p:sp>
+        <p:nvSpPr>
+          <p:cNvPr id="19" name="ZoneTexte 18">
+            <a:extLst>
+              <a:ext uri="{FF2B5EF4-FFF2-40B4-BE49-F238E27FC236}">
+                <a16:creationId xmlns:a16="http://schemas.microsoft.com/office/drawing/2014/main" id="{048F28F2-5B63-B237-71CC-7CAF7B4BE852}"/>
+              </a:ext>
+            </a:extLst>
+          </p:cNvPr>
+          <p:cNvSpPr txBox="1"/>
+          <p:nvPr/>
+        </p:nvSpPr>
+        <p:spPr>
+          <a:xfrm>
+            <a:off x="0" y="1096123"/>
+            <a:ext cx="1620520" cy="276999"/>
+          </a:xfrm>
+          <a:prstGeom prst="rect">
+            <a:avLst/>
+          </a:prstGeom>
+          <a:noFill/>
+        </p:spPr>
+        <p:txBody>
+          <a:bodyPr wrap="square" rtlCol="0">
+            <a:spAutoFit/>
+          </a:bodyPr>
+          <a:lstStyle/>
+          <a:p>
+            <a:r>
+              <a:rPr lang="fr-FR" sz="1200" dirty="0">
+                <a:latin typeface="Arial Nova" panose="020B0504020202020204" pitchFamily="34" charset="0"/>
+              </a:rPr>
+              <a:t>Durée de l’épreuve</a:t>
+            </a:r>
+          </a:p>
+        </p:txBody>
+      </p:sp>
+      <p:sp>
+        <p:nvSpPr>
+          <p:cNvPr id="20" name="ZoneTexte 19">
+            <a:extLst>
+              <a:ext uri="{FF2B5EF4-FFF2-40B4-BE49-F238E27FC236}">
+                <a16:creationId xmlns:a16="http://schemas.microsoft.com/office/drawing/2014/main" id="{A67E6B5C-47FE-4A5F-0108-EA68C824F03F}"/>
+              </a:ext>
+            </a:extLst>
+          </p:cNvPr>
+          <p:cNvSpPr txBox="1"/>
+          <p:nvPr/>
+        </p:nvSpPr>
+        <p:spPr>
+          <a:xfrm>
+            <a:off x="1893569" y="1141041"/>
+            <a:ext cx="782955" cy="187161"/>
+          </a:xfrm>
+          <a:prstGeom prst="rect">
+            <a:avLst/>
+          </a:prstGeom>
+          <a:ln>
+            <a:noFill/>
+          </a:ln>
+        </p:spPr>
+        <p:style>
+          <a:lnRef idx="2">
+            <a:schemeClr val="accent6">
+              <a:shade val="50000"/>
+            </a:schemeClr>
+          </a:lnRef>
+          <a:fillRef idx="1">
+            <a:schemeClr val="accent6"/>
+          </a:fillRef>
+          <a:effectRef idx="0">
+            <a:schemeClr val="accent6"/>
+          </a:effectRef>
+          <a:fontRef idx="minor">
+            <a:schemeClr val="lt1"/>
+          </a:fontRef>
+        </p:style>
+        <p:txBody>
+          <a:bodyPr lIns="0" tIns="0" rIns="0" bIns="0" rtlCol="0" anchor="ctr"/>
+          <a:lstStyle>
+            <a:defPPr>
+              <a:defRPr lang="en-US"/>
+            </a:defPPr>
+            <a:lvl1pPr algn="ctr">
+              <a:defRPr sz="1200" b="1">
+                <a:solidFill>
+                  <a:schemeClr val="lt1"/>
+                </a:solidFill>
+              </a:defRPr>
+            </a:lvl1pPr>
+            <a:lvl2pPr>
+              <a:defRPr>
+                <a:solidFill>
+                  <a:schemeClr val="lt1"/>
+                </a:solidFill>
+              </a:defRPr>
+            </a:lvl2pPr>
+            <a:lvl3pPr>
+              <a:defRPr>
+                <a:solidFill>
+                  <a:schemeClr val="lt1"/>
+                </a:solidFill>
+              </a:defRPr>
+            </a:lvl3pPr>
+            <a:lvl4pPr>
+              <a:defRPr>
+                <a:solidFill>
+                  <a:schemeClr val="lt1"/>
+                </a:solidFill>
+              </a:defRPr>
+            </a:lvl4pPr>
+            <a:lvl5pPr>
+              <a:defRPr>
+                <a:solidFill>
+                  <a:schemeClr val="lt1"/>
+                </a:solidFill>
+              </a:defRPr>
+            </a:lvl5pPr>
+            <a:lvl6pPr>
+              <a:defRPr>
+                <a:solidFill>
+                  <a:schemeClr val="lt1"/>
+                </a:solidFill>
+              </a:defRPr>
+            </a:lvl6pPr>
+            <a:lvl7pPr>
+              <a:defRPr>
+                <a:solidFill>
+                  <a:schemeClr val="lt1"/>
+                </a:solidFill>
+              </a:defRPr>
+            </a:lvl7pPr>
+            <a:lvl8pPr>
+              <a:defRPr>
+                <a:solidFill>
+                  <a:schemeClr val="lt1"/>
+                </a:solidFill>
+              </a:defRPr>
+            </a:lvl8pPr>
+            <a:lvl9pPr>
+              <a:defRPr>
+                <a:solidFill>
+                  <a:schemeClr val="lt1"/>
+                </a:solidFill>
+              </a:defRPr>
+            </a:lvl9pPr>
+          </a:lstStyle>
+          <a:p>
+            <a:r>
+              <a:rPr lang="fr-FR" sz="1000" dirty="0">
+                <a:latin typeface="Arial Nova" panose="020B0504020202020204" pitchFamily="34" charset="0"/>
+              </a:rPr>
+              <a:t>3 heures 30</a:t>
+            </a:r>
+          </a:p>
+        </p:txBody>
+      </p:sp>
+      <p:sp>
+        <p:nvSpPr>
+          <p:cNvPr id="22" name="ZoneTexte 21">
+            <a:extLst>
+              <a:ext uri="{FF2B5EF4-FFF2-40B4-BE49-F238E27FC236}">
+                <a16:creationId xmlns:a16="http://schemas.microsoft.com/office/drawing/2014/main" id="{CA43BA7E-3FCA-6043-33C1-D9795BF5B788}"/>
+              </a:ext>
+            </a:extLst>
+          </p:cNvPr>
+          <p:cNvSpPr txBox="1"/>
+          <p:nvPr/>
+        </p:nvSpPr>
+        <p:spPr>
+          <a:xfrm>
+            <a:off x="0" y="9715957"/>
+            <a:ext cx="6858000" cy="184666"/>
+          </a:xfrm>
+          <a:prstGeom prst="rect">
+            <a:avLst/>
+          </a:prstGeom>
+          <a:noFill/>
+        </p:spPr>
+        <p:txBody>
+          <a:bodyPr wrap="square">
+            <a:spAutoFit/>
+          </a:bodyPr>
+          <a:lstStyle/>
+          <a:p>
+            <a:pPr algn="ctr"/>
+            <a:r>
+              <a:rPr lang="fr-FR" sz="600" dirty="0">
+                <a:solidFill>
+                  <a:schemeClr val="tx2"/>
+                </a:solidFill>
+                <a:hlinkClick r:id="rId7"/>
+              </a:rPr>
+              <a:t>https://www.concoursminesponts.fr/resources/Reglement-2023.pdf</a:t>
+            </a:r>
+            <a:r>
+              <a:rPr lang="fr-FR" sz="600" dirty="0">
+                <a:solidFill>
+                  <a:schemeClr val="tx2"/>
+                </a:solidFill>
+              </a:rPr>
+              <a:t> – https://www.concoursminesponts.fr/resources/Rapport-Final-Oral-2022.pdf</a:t>
+            </a:r>
+          </a:p>
+        </p:txBody>
+      </p:sp>
+      <p:grpSp>
+        <p:nvGrpSpPr>
+          <p:cNvPr id="52" name="Groupe 51">
+            <a:extLst>
+              <a:ext uri="{FF2B5EF4-FFF2-40B4-BE49-F238E27FC236}">
+                <a16:creationId xmlns:a16="http://schemas.microsoft.com/office/drawing/2014/main" id="{0676C83B-B8F6-CDAA-ACD4-DE5C71E35C18}"/>
+              </a:ext>
+            </a:extLst>
+          </p:cNvPr>
+          <p:cNvGrpSpPr/>
+          <p:nvPr/>
+        </p:nvGrpSpPr>
+        <p:grpSpPr>
+          <a:xfrm>
+            <a:off x="-1" y="8519906"/>
+            <a:ext cx="4935673" cy="1004849"/>
+            <a:chOff x="-1" y="4766046"/>
+            <a:chExt cx="4935673" cy="1004849"/>
+          </a:xfrm>
+        </p:grpSpPr>
+        <p:sp>
+          <p:nvSpPr>
+            <p:cNvPr id="23" name="ZoneTexte 22">
+              <a:extLst>
+                <a:ext uri="{FF2B5EF4-FFF2-40B4-BE49-F238E27FC236}">
+                  <a16:creationId xmlns:a16="http://schemas.microsoft.com/office/drawing/2014/main" id="{9035D1E1-8464-3FC2-4BDE-7912F1B42F4A}"/>
+                </a:ext>
+              </a:extLst>
+            </p:cNvPr>
+            <p:cNvSpPr txBox="1"/>
+            <p:nvPr/>
+          </p:nvSpPr>
+          <p:spPr>
+            <a:xfrm>
+              <a:off x="-1" y="4766046"/>
+              <a:ext cx="3715353" cy="276999"/>
+            </a:xfrm>
+            <a:prstGeom prst="rect">
+              <a:avLst/>
+            </a:prstGeom>
+            <a:noFill/>
+          </p:spPr>
+          <p:txBody>
+            <a:bodyPr wrap="square" rtlCol="0">
+              <a:spAutoFit/>
+            </a:bodyPr>
+            <a:lstStyle/>
+            <a:p>
+              <a:r>
+                <a:rPr lang="fr-FR" sz="1200" b="1" dirty="0">
+                  <a:latin typeface="Arial Nova" panose="020B0504020202020204" pitchFamily="34" charset="0"/>
+                </a:rPr>
+                <a:t>Systèmes 2021 – Témoignage promo 2021</a:t>
+              </a:r>
+            </a:p>
+          </p:txBody>
+        </p:sp>
+        <p:sp>
+          <p:nvSpPr>
+            <p:cNvPr id="24" name="ZoneTexte 23">
+              <a:extLst>
+                <a:ext uri="{FF2B5EF4-FFF2-40B4-BE49-F238E27FC236}">
+                  <a16:creationId xmlns:a16="http://schemas.microsoft.com/office/drawing/2014/main" id="{87BA1BFC-B964-946E-9ED3-B419DB170A34}"/>
+                </a:ext>
+              </a:extLst>
+            </p:cNvPr>
+            <p:cNvSpPr txBox="1"/>
+            <p:nvPr/>
+          </p:nvSpPr>
+          <p:spPr>
+            <a:xfrm>
+              <a:off x="0" y="5001454"/>
+              <a:ext cx="3321050" cy="769441"/>
+            </a:xfrm>
+            <a:prstGeom prst="rect">
+              <a:avLst/>
+            </a:prstGeom>
+            <a:noFill/>
+          </p:spPr>
+          <p:txBody>
+            <a:bodyPr wrap="square" rtlCol="0">
+              <a:spAutoFit/>
+            </a:bodyPr>
+            <a:lstStyle/>
+            <a:p>
+              <a:pPr marL="285750" indent="-285750">
+                <a:buClr>
+                  <a:schemeClr val="accent1"/>
+                </a:buClr>
+                <a:buFont typeface="Wingdings" panose="05000000000000000000" pitchFamily="2" charset="2"/>
+                <a:buChar char="§"/>
+              </a:pPr>
+              <a:r>
+                <a:rPr lang="fr-FR" sz="1100" dirty="0">
+                  <a:latin typeface="Arial Nova" panose="020B0504020202020204" pitchFamily="34" charset="0"/>
+                </a:rPr>
+                <a:t>Imprimante 3D</a:t>
+              </a:r>
+            </a:p>
+            <a:p>
+              <a:pPr marL="285750" indent="-285750">
+                <a:buClr>
+                  <a:schemeClr val="accent1"/>
+                </a:buClr>
+                <a:buFont typeface="Wingdings" panose="05000000000000000000" pitchFamily="2" charset="2"/>
+                <a:buChar char="§"/>
+              </a:pPr>
+              <a:r>
+                <a:rPr lang="fr-FR" sz="1100" dirty="0">
+                  <a:latin typeface="Arial Nova" panose="020B0504020202020204" pitchFamily="34" charset="0"/>
+                </a:rPr>
+                <a:t>Cordeuse de raquette</a:t>
+              </a:r>
+            </a:p>
+            <a:p>
+              <a:pPr marL="285750" indent="-285750">
+                <a:buClr>
+                  <a:schemeClr val="accent1"/>
+                </a:buClr>
+                <a:buFont typeface="Wingdings" panose="05000000000000000000" pitchFamily="2" charset="2"/>
+                <a:buChar char="§"/>
+              </a:pPr>
+              <a:r>
+                <a:rPr lang="fr-FR" sz="1100" dirty="0">
+                  <a:latin typeface="Arial Nova" panose="020B0504020202020204" pitchFamily="34" charset="0"/>
+                </a:rPr>
+                <a:t>Pilote hydraulique de bateau</a:t>
+              </a:r>
+            </a:p>
+            <a:p>
+              <a:pPr marL="285750" indent="-285750">
+                <a:buClr>
+                  <a:schemeClr val="accent1"/>
+                </a:buClr>
+                <a:buFont typeface="Wingdings" panose="05000000000000000000" pitchFamily="2" charset="2"/>
+                <a:buChar char="§"/>
+              </a:pPr>
+              <a:r>
+                <a:rPr lang="fr-FR" sz="1100" dirty="0" err="1">
+                  <a:latin typeface="Arial Nova" panose="020B0504020202020204" pitchFamily="34" charset="0"/>
+                </a:rPr>
+                <a:t>Geeros</a:t>
+              </a:r>
+              <a:endParaRPr lang="fr-FR" sz="1100" dirty="0">
+                <a:latin typeface="Arial Nova" panose="020B0504020202020204" pitchFamily="34" charset="0"/>
+              </a:endParaRPr>
+            </a:p>
+          </p:txBody>
+        </p:sp>
+        <p:sp>
+          <p:nvSpPr>
+            <p:cNvPr id="26" name="ZoneTexte 25">
+              <a:extLst>
+                <a:ext uri="{FF2B5EF4-FFF2-40B4-BE49-F238E27FC236}">
+                  <a16:creationId xmlns:a16="http://schemas.microsoft.com/office/drawing/2014/main" id="{94B747C0-AF84-C63A-55A7-B820F84508CF}"/>
+                </a:ext>
+              </a:extLst>
+            </p:cNvPr>
+            <p:cNvSpPr txBox="1"/>
+            <p:nvPr/>
+          </p:nvSpPr>
+          <p:spPr>
+            <a:xfrm>
+              <a:off x="2654299" y="5047104"/>
+              <a:ext cx="720726" cy="157324"/>
+            </a:xfrm>
+            <a:prstGeom prst="rect">
+              <a:avLst/>
+            </a:prstGeom>
+            <a:solidFill>
+              <a:schemeClr val="accent1"/>
+            </a:solidFill>
+            <a:ln>
+              <a:noFill/>
+            </a:ln>
+          </p:spPr>
+          <p:style>
+            <a:lnRef idx="2">
+              <a:schemeClr val="accent6">
+                <a:shade val="50000"/>
+              </a:schemeClr>
+            </a:lnRef>
+            <a:fillRef idx="1">
+              <a:schemeClr val="accent6"/>
+            </a:fillRef>
+            <a:effectRef idx="0">
+              <a:schemeClr val="accent6"/>
+            </a:effectRef>
+            <a:fontRef idx="minor">
+              <a:schemeClr val="lt1"/>
+            </a:fontRef>
+          </p:style>
+          <p:txBody>
+            <a:bodyPr lIns="0" tIns="0" rIns="0" bIns="0" rtlCol="0" anchor="ctr"/>
+            <a:lstStyle>
+              <a:defPPr>
+                <a:defRPr lang="en-US"/>
+              </a:defPPr>
+              <a:lvl1pPr algn="ctr">
+                <a:defRPr sz="1200" b="1">
+                  <a:solidFill>
+                    <a:schemeClr val="lt1"/>
+                  </a:solidFill>
+                </a:defRPr>
+              </a:lvl1pPr>
+              <a:lvl2pPr>
+                <a:defRPr>
+                  <a:solidFill>
+                    <a:schemeClr val="lt1"/>
+                  </a:solidFill>
+                </a:defRPr>
+              </a:lvl2pPr>
+              <a:lvl3pPr>
+                <a:defRPr>
+                  <a:solidFill>
+                    <a:schemeClr val="lt1"/>
+                  </a:solidFill>
+                </a:defRPr>
+              </a:lvl3pPr>
+              <a:lvl4pPr>
+                <a:defRPr>
+                  <a:solidFill>
+                    <a:schemeClr val="lt1"/>
+                  </a:solidFill>
+                </a:defRPr>
+              </a:lvl4pPr>
+              <a:lvl5pPr>
+                <a:defRPr>
+                  <a:solidFill>
+                    <a:schemeClr val="lt1"/>
+                  </a:solidFill>
+                </a:defRPr>
+              </a:lvl5pPr>
+              <a:lvl6pPr>
+                <a:defRPr>
+                  <a:solidFill>
+                    <a:schemeClr val="lt1"/>
+                  </a:solidFill>
+                </a:defRPr>
+              </a:lvl6pPr>
+              <a:lvl7pPr>
+                <a:defRPr>
+                  <a:solidFill>
+                    <a:schemeClr val="lt1"/>
+                  </a:solidFill>
+                </a:defRPr>
+              </a:lvl7pPr>
+              <a:lvl8pPr>
+                <a:defRPr>
+                  <a:solidFill>
+                    <a:schemeClr val="lt1"/>
+                  </a:solidFill>
+                </a:defRPr>
+              </a:lvl8pPr>
+              <a:lvl9pPr>
+                <a:defRPr>
+                  <a:solidFill>
+                    <a:schemeClr val="lt1"/>
+                  </a:solidFill>
+                </a:defRPr>
+              </a:lvl9pPr>
+            </a:lstStyle>
+            <a:p>
+              <a:r>
+                <a:rPr lang="fr-FR" sz="900" b="0" dirty="0">
+                  <a:latin typeface="Arial Nova" panose="020B0504020202020204" pitchFamily="34" charset="0"/>
+                </a:rPr>
+                <a:t>I3D</a:t>
+              </a:r>
+            </a:p>
+          </p:txBody>
+        </p:sp>
+        <p:sp>
+          <p:nvSpPr>
+            <p:cNvPr id="29" name="ZoneTexte 28">
+              <a:extLst>
+                <a:ext uri="{FF2B5EF4-FFF2-40B4-BE49-F238E27FC236}">
+                  <a16:creationId xmlns:a16="http://schemas.microsoft.com/office/drawing/2014/main" id="{B5DDE250-A298-9A3B-D818-E3F2969BEAEC}"/>
+                </a:ext>
+              </a:extLst>
+            </p:cNvPr>
+            <p:cNvSpPr txBox="1"/>
+            <p:nvPr/>
+          </p:nvSpPr>
+          <p:spPr>
+            <a:xfrm>
+              <a:off x="2654300" y="5236178"/>
+              <a:ext cx="720725" cy="152726"/>
+            </a:xfrm>
+            <a:prstGeom prst="rect">
+              <a:avLst/>
+            </a:prstGeom>
+            <a:solidFill>
+              <a:schemeClr val="accent1"/>
+            </a:solidFill>
+            <a:ln>
+              <a:noFill/>
+            </a:ln>
+          </p:spPr>
+          <p:style>
+            <a:lnRef idx="2">
+              <a:schemeClr val="accent6">
+                <a:shade val="50000"/>
+              </a:schemeClr>
+            </a:lnRef>
+            <a:fillRef idx="1">
+              <a:schemeClr val="accent6"/>
+            </a:fillRef>
+            <a:effectRef idx="0">
+              <a:schemeClr val="accent6"/>
+            </a:effectRef>
+            <a:fontRef idx="minor">
+              <a:schemeClr val="lt1"/>
+            </a:fontRef>
+          </p:style>
+          <p:txBody>
+            <a:bodyPr lIns="0" tIns="0" rIns="0" bIns="0" rtlCol="0" anchor="ctr"/>
+            <a:lstStyle>
+              <a:defPPr>
+                <a:defRPr lang="en-US"/>
+              </a:defPPr>
+              <a:lvl1pPr algn="ctr">
+                <a:defRPr sz="1200" b="1">
+                  <a:solidFill>
+                    <a:schemeClr val="lt1"/>
+                  </a:solidFill>
+                </a:defRPr>
+              </a:lvl1pPr>
+              <a:lvl2pPr>
+                <a:defRPr>
+                  <a:solidFill>
+                    <a:schemeClr val="lt1"/>
+                  </a:solidFill>
+                </a:defRPr>
+              </a:lvl2pPr>
+              <a:lvl3pPr>
+                <a:defRPr>
+                  <a:solidFill>
+                    <a:schemeClr val="lt1"/>
+                  </a:solidFill>
+                </a:defRPr>
+              </a:lvl3pPr>
+              <a:lvl4pPr>
+                <a:defRPr>
+                  <a:solidFill>
+                    <a:schemeClr val="lt1"/>
+                  </a:solidFill>
+                </a:defRPr>
+              </a:lvl4pPr>
+              <a:lvl5pPr>
+                <a:defRPr>
+                  <a:solidFill>
+                    <a:schemeClr val="lt1"/>
+                  </a:solidFill>
+                </a:defRPr>
+              </a:lvl5pPr>
+              <a:lvl6pPr>
+                <a:defRPr>
+                  <a:solidFill>
+                    <a:schemeClr val="lt1"/>
+                  </a:solidFill>
+                </a:defRPr>
+              </a:lvl6pPr>
+              <a:lvl7pPr>
+                <a:defRPr>
+                  <a:solidFill>
+                    <a:schemeClr val="lt1"/>
+                  </a:solidFill>
+                </a:defRPr>
+              </a:lvl7pPr>
+              <a:lvl8pPr>
+                <a:defRPr>
+                  <a:solidFill>
+                    <a:schemeClr val="lt1"/>
+                  </a:solidFill>
+                </a:defRPr>
+              </a:lvl8pPr>
+              <a:lvl9pPr>
+                <a:defRPr>
+                  <a:solidFill>
+                    <a:schemeClr val="lt1"/>
+                  </a:solidFill>
+                </a:defRPr>
+              </a:lvl9pPr>
+            </a:lstStyle>
+            <a:p>
+              <a:r>
+                <a:rPr lang="fr-FR" sz="900" b="0" dirty="0">
+                  <a:latin typeface="Arial Nova" panose="020B0504020202020204" pitchFamily="34" charset="0"/>
+                </a:rPr>
+                <a:t>Cordeuse</a:t>
+              </a:r>
+            </a:p>
+          </p:txBody>
+        </p:sp>
+        <p:sp>
+          <p:nvSpPr>
+            <p:cNvPr id="30" name="ZoneTexte 29">
+              <a:extLst>
+                <a:ext uri="{FF2B5EF4-FFF2-40B4-BE49-F238E27FC236}">
+                  <a16:creationId xmlns:a16="http://schemas.microsoft.com/office/drawing/2014/main" id="{38431243-04F5-E905-868A-D5963D94D821}"/>
+                </a:ext>
+              </a:extLst>
+            </p:cNvPr>
+            <p:cNvSpPr txBox="1"/>
+            <p:nvPr/>
+          </p:nvSpPr>
+          <p:spPr>
+            <a:xfrm>
+              <a:off x="2654300" y="5421099"/>
+              <a:ext cx="720725" cy="152726"/>
+            </a:xfrm>
+            <a:prstGeom prst="rect">
+              <a:avLst/>
+            </a:prstGeom>
+            <a:solidFill>
+              <a:schemeClr val="accent1"/>
+            </a:solidFill>
+            <a:ln>
+              <a:noFill/>
+            </a:ln>
+          </p:spPr>
+          <p:style>
+            <a:lnRef idx="2">
+              <a:schemeClr val="accent6">
+                <a:shade val="50000"/>
+              </a:schemeClr>
+            </a:lnRef>
+            <a:fillRef idx="1">
+              <a:schemeClr val="accent6"/>
+            </a:fillRef>
+            <a:effectRef idx="0">
+              <a:schemeClr val="accent6"/>
+            </a:effectRef>
+            <a:fontRef idx="minor">
+              <a:schemeClr val="lt1"/>
+            </a:fontRef>
+          </p:style>
+          <p:txBody>
+            <a:bodyPr lIns="0" tIns="0" rIns="0" bIns="0" rtlCol="0" anchor="ctr"/>
+            <a:lstStyle>
+              <a:defPPr>
+                <a:defRPr lang="en-US"/>
+              </a:defPPr>
+              <a:lvl1pPr algn="ctr">
+                <a:defRPr sz="1200" b="1">
+                  <a:solidFill>
+                    <a:schemeClr val="lt1"/>
+                  </a:solidFill>
+                </a:defRPr>
+              </a:lvl1pPr>
+              <a:lvl2pPr>
+                <a:defRPr>
+                  <a:solidFill>
+                    <a:schemeClr val="lt1"/>
+                  </a:solidFill>
+                </a:defRPr>
+              </a:lvl2pPr>
+              <a:lvl3pPr>
+                <a:defRPr>
+                  <a:solidFill>
+                    <a:schemeClr val="lt1"/>
+                  </a:solidFill>
+                </a:defRPr>
+              </a:lvl3pPr>
+              <a:lvl4pPr>
+                <a:defRPr>
+                  <a:solidFill>
+                    <a:schemeClr val="lt1"/>
+                  </a:solidFill>
+                </a:defRPr>
+              </a:lvl4pPr>
+              <a:lvl5pPr>
+                <a:defRPr>
+                  <a:solidFill>
+                    <a:schemeClr val="lt1"/>
+                  </a:solidFill>
+                </a:defRPr>
+              </a:lvl5pPr>
+              <a:lvl6pPr>
+                <a:defRPr>
+                  <a:solidFill>
+                    <a:schemeClr val="lt1"/>
+                  </a:solidFill>
+                </a:defRPr>
+              </a:lvl6pPr>
+              <a:lvl7pPr>
+                <a:defRPr>
+                  <a:solidFill>
+                    <a:schemeClr val="lt1"/>
+                  </a:solidFill>
+                </a:defRPr>
+              </a:lvl7pPr>
+              <a:lvl8pPr>
+                <a:defRPr>
+                  <a:solidFill>
+                    <a:schemeClr val="lt1"/>
+                  </a:solidFill>
+                </a:defRPr>
+              </a:lvl8pPr>
+              <a:lvl9pPr>
+                <a:defRPr>
+                  <a:solidFill>
+                    <a:schemeClr val="lt1"/>
+                  </a:solidFill>
+                </a:defRPr>
+              </a:lvl9pPr>
+            </a:lstStyle>
+            <a:p>
+              <a:r>
+                <a:rPr lang="fr-FR" sz="900" b="0" dirty="0">
+                  <a:latin typeface="Arial Nova" panose="020B0504020202020204" pitchFamily="34" charset="0"/>
+                </a:rPr>
+                <a:t>Bras Beta</a:t>
+              </a:r>
+            </a:p>
+          </p:txBody>
+        </p:sp>
+        <p:sp>
+          <p:nvSpPr>
+            <p:cNvPr id="43" name="ZoneTexte 42">
+              <a:extLst>
+                <a:ext uri="{FF2B5EF4-FFF2-40B4-BE49-F238E27FC236}">
+                  <a16:creationId xmlns:a16="http://schemas.microsoft.com/office/drawing/2014/main" id="{F3E9768F-5D3B-567A-1466-5A1F11EF9BF4}"/>
+                </a:ext>
+              </a:extLst>
+            </p:cNvPr>
+            <p:cNvSpPr txBox="1"/>
+            <p:nvPr/>
+          </p:nvSpPr>
+          <p:spPr>
+            <a:xfrm>
+              <a:off x="2654300" y="5609145"/>
+              <a:ext cx="720725" cy="152726"/>
+            </a:xfrm>
+            <a:prstGeom prst="rect">
+              <a:avLst/>
+            </a:prstGeom>
+            <a:solidFill>
+              <a:schemeClr val="accent1"/>
+            </a:solidFill>
+            <a:ln>
+              <a:noFill/>
+            </a:ln>
+          </p:spPr>
+          <p:style>
+            <a:lnRef idx="2">
+              <a:schemeClr val="accent6">
+                <a:shade val="50000"/>
+              </a:schemeClr>
+            </a:lnRef>
+            <a:fillRef idx="1">
+              <a:schemeClr val="accent6"/>
+            </a:fillRef>
+            <a:effectRef idx="0">
+              <a:schemeClr val="accent6"/>
+            </a:effectRef>
+            <a:fontRef idx="minor">
+              <a:schemeClr val="lt1"/>
+            </a:fontRef>
+          </p:style>
+          <p:txBody>
+            <a:bodyPr lIns="0" tIns="0" rIns="0" bIns="0" rtlCol="0" anchor="ctr"/>
+            <a:lstStyle>
+              <a:defPPr>
+                <a:defRPr lang="en-US"/>
+              </a:defPPr>
+              <a:lvl1pPr algn="ctr">
+                <a:defRPr sz="1200" b="1">
+                  <a:solidFill>
+                    <a:schemeClr val="lt1"/>
+                  </a:solidFill>
+                </a:defRPr>
+              </a:lvl1pPr>
+              <a:lvl2pPr>
+                <a:defRPr>
+                  <a:solidFill>
+                    <a:schemeClr val="lt1"/>
+                  </a:solidFill>
+                </a:defRPr>
+              </a:lvl2pPr>
+              <a:lvl3pPr>
+                <a:defRPr>
+                  <a:solidFill>
+                    <a:schemeClr val="lt1"/>
+                  </a:solidFill>
+                </a:defRPr>
+              </a:lvl3pPr>
+              <a:lvl4pPr>
+                <a:defRPr>
+                  <a:solidFill>
+                    <a:schemeClr val="lt1"/>
+                  </a:solidFill>
+                </a:defRPr>
+              </a:lvl4pPr>
+              <a:lvl5pPr>
+                <a:defRPr>
+                  <a:solidFill>
+                    <a:schemeClr val="lt1"/>
+                  </a:solidFill>
+                </a:defRPr>
+              </a:lvl5pPr>
+              <a:lvl6pPr>
+                <a:defRPr>
+                  <a:solidFill>
+                    <a:schemeClr val="lt1"/>
+                  </a:solidFill>
+                </a:defRPr>
+              </a:lvl6pPr>
+              <a:lvl7pPr>
+                <a:defRPr>
+                  <a:solidFill>
+                    <a:schemeClr val="lt1"/>
+                  </a:solidFill>
+                </a:defRPr>
+              </a:lvl7pPr>
+              <a:lvl8pPr>
+                <a:defRPr>
+                  <a:solidFill>
+                    <a:schemeClr val="lt1"/>
+                  </a:solidFill>
+                </a:defRPr>
+              </a:lvl8pPr>
+              <a:lvl9pPr>
+                <a:defRPr>
+                  <a:solidFill>
+                    <a:schemeClr val="lt1"/>
+                  </a:solidFill>
+                </a:defRPr>
+              </a:lvl9pPr>
+            </a:lstStyle>
+            <a:p>
+              <a:r>
+                <a:rPr lang="fr-FR" sz="900" b="0" dirty="0" err="1">
+                  <a:latin typeface="Arial Nova" panose="020B0504020202020204" pitchFamily="34" charset="0"/>
+                </a:rPr>
+                <a:t>Geeros</a:t>
+              </a:r>
+              <a:endParaRPr lang="fr-FR" sz="900" b="0" dirty="0">
+                <a:latin typeface="Arial Nova" panose="020B0504020202020204" pitchFamily="34" charset="0"/>
+              </a:endParaRPr>
+            </a:p>
+          </p:txBody>
+        </p:sp>
+        <p:sp>
+          <p:nvSpPr>
+            <p:cNvPr id="44" name="ZoneTexte 43">
+              <a:extLst>
+                <a:ext uri="{FF2B5EF4-FFF2-40B4-BE49-F238E27FC236}">
+                  <a16:creationId xmlns:a16="http://schemas.microsoft.com/office/drawing/2014/main" id="{957A7333-42F4-DF7D-CCD9-218740E7F19B}"/>
+                </a:ext>
+              </a:extLst>
+            </p:cNvPr>
+            <p:cNvSpPr txBox="1"/>
+            <p:nvPr/>
+          </p:nvSpPr>
+          <p:spPr>
+            <a:xfrm>
+              <a:off x="4214946" y="5015225"/>
+              <a:ext cx="720726" cy="157324"/>
+            </a:xfrm>
+            <a:prstGeom prst="rect">
+              <a:avLst/>
+            </a:prstGeom>
+            <a:solidFill>
+              <a:schemeClr val="accent1"/>
+            </a:solidFill>
+            <a:ln>
+              <a:noFill/>
+            </a:ln>
+          </p:spPr>
+          <p:style>
+            <a:lnRef idx="2">
+              <a:schemeClr val="accent6">
+                <a:shade val="50000"/>
+              </a:schemeClr>
+            </a:lnRef>
+            <a:fillRef idx="1">
+              <a:schemeClr val="accent6"/>
+            </a:fillRef>
+            <a:effectRef idx="0">
+              <a:schemeClr val="accent6"/>
+            </a:effectRef>
+            <a:fontRef idx="minor">
+              <a:schemeClr val="lt1"/>
+            </a:fontRef>
+          </p:style>
+          <p:txBody>
+            <a:bodyPr lIns="0" tIns="0" rIns="0" bIns="0" rtlCol="0" anchor="ctr"/>
+            <a:lstStyle>
+              <a:defPPr>
+                <a:defRPr lang="en-US"/>
+              </a:defPPr>
+              <a:lvl1pPr algn="ctr">
+                <a:defRPr sz="1200" b="1">
+                  <a:solidFill>
+                    <a:schemeClr val="lt1"/>
+                  </a:solidFill>
+                </a:defRPr>
+              </a:lvl1pPr>
+              <a:lvl2pPr>
+                <a:defRPr>
+                  <a:solidFill>
+                    <a:schemeClr val="lt1"/>
+                  </a:solidFill>
+                </a:defRPr>
+              </a:lvl2pPr>
+              <a:lvl3pPr>
+                <a:defRPr>
+                  <a:solidFill>
+                    <a:schemeClr val="lt1"/>
+                  </a:solidFill>
+                </a:defRPr>
+              </a:lvl3pPr>
+              <a:lvl4pPr>
+                <a:defRPr>
+                  <a:solidFill>
+                    <a:schemeClr val="lt1"/>
+                  </a:solidFill>
+                </a:defRPr>
+              </a:lvl4pPr>
+              <a:lvl5pPr>
+                <a:defRPr>
+                  <a:solidFill>
+                    <a:schemeClr val="lt1"/>
+                  </a:solidFill>
+                </a:defRPr>
+              </a:lvl5pPr>
+              <a:lvl6pPr>
+                <a:defRPr>
+                  <a:solidFill>
+                    <a:schemeClr val="lt1"/>
+                  </a:solidFill>
+                </a:defRPr>
+              </a:lvl6pPr>
+              <a:lvl7pPr>
+                <a:defRPr>
+                  <a:solidFill>
+                    <a:schemeClr val="lt1"/>
+                  </a:solidFill>
+                </a:defRPr>
+              </a:lvl7pPr>
+              <a:lvl8pPr>
+                <a:defRPr>
+                  <a:solidFill>
+                    <a:schemeClr val="lt1"/>
+                  </a:solidFill>
+                </a:defRPr>
+              </a:lvl8pPr>
+              <a:lvl9pPr>
+                <a:defRPr>
+                  <a:solidFill>
+                    <a:schemeClr val="lt1"/>
+                  </a:solidFill>
+                </a:defRPr>
+              </a:lvl9pPr>
+            </a:lstStyle>
+            <a:p>
+              <a:r>
+                <a:rPr lang="fr-FR" sz="900" b="0" dirty="0">
+                  <a:latin typeface="Arial Nova" panose="020B0504020202020204" pitchFamily="34" charset="0"/>
+                </a:rPr>
+                <a:t>Scilab</a:t>
+              </a:r>
+            </a:p>
+          </p:txBody>
+        </p:sp>
+      </p:grpSp>
+      <p:cxnSp>
+        <p:nvCxnSpPr>
+          <p:cNvPr id="53" name="Connecteur droit 52">
+            <a:extLst>
+              <a:ext uri="{FF2B5EF4-FFF2-40B4-BE49-F238E27FC236}">
+                <a16:creationId xmlns:a16="http://schemas.microsoft.com/office/drawing/2014/main" id="{D050B700-8B72-C5A7-7077-2356A240D084}"/>
+              </a:ext>
+            </a:extLst>
+          </p:cNvPr>
+          <p:cNvCxnSpPr>
+            <a:cxnSpLocks/>
+          </p:cNvCxnSpPr>
+          <p:nvPr/>
+        </p:nvCxnSpPr>
+        <p:spPr>
+          <a:xfrm>
+            <a:off x="0" y="9700716"/>
+            <a:ext cx="6858000" cy="0"/>
+          </a:xfrm>
+          <a:prstGeom prst="line">
+            <a:avLst/>
+          </a:prstGeom>
+          <a:ln w="9525">
+            <a:solidFill>
+              <a:schemeClr val="tx2">
+                <a:lumMod val="50000"/>
+              </a:schemeClr>
+            </a:solidFill>
+          </a:ln>
+        </p:spPr>
+        <p:style>
+          <a:lnRef idx="1">
+            <a:schemeClr val="accent1"/>
+          </a:lnRef>
+          <a:fillRef idx="0">
+            <a:schemeClr val="accent1"/>
+          </a:fillRef>
+          <a:effectRef idx="0">
+            <a:schemeClr val="accent1"/>
+          </a:effectRef>
+          <a:fontRef idx="minor">
+            <a:schemeClr val="tx1"/>
+          </a:fontRef>
+        </p:style>
+      </p:cxnSp>
+      <p:sp>
+        <p:nvSpPr>
+          <p:cNvPr id="2" name="Flèche : double flèche horizontale 1">
+            <a:extLst>
+              <a:ext uri="{FF2B5EF4-FFF2-40B4-BE49-F238E27FC236}">
+                <a16:creationId xmlns:a16="http://schemas.microsoft.com/office/drawing/2014/main" id="{2A65A527-B205-5B50-C8FF-087C10425C3B}"/>
+              </a:ext>
+            </a:extLst>
+          </p:cNvPr>
+          <p:cNvSpPr/>
+          <p:nvPr/>
+        </p:nvSpPr>
+        <p:spPr>
+          <a:xfrm>
+            <a:off x="0" y="3580924"/>
+            <a:ext cx="6858000" cy="609837"/>
+          </a:xfrm>
+          <a:prstGeom prst="leftRightArrow">
+            <a:avLst/>
+          </a:prstGeom>
+        </p:spPr>
+        <p:style>
+          <a:lnRef idx="3">
+            <a:schemeClr val="lt1"/>
+          </a:lnRef>
+          <a:fillRef idx="1">
+            <a:schemeClr val="accent4"/>
+          </a:fillRef>
+          <a:effectRef idx="1">
+            <a:schemeClr val="accent4"/>
+          </a:effectRef>
+          <a:fontRef idx="minor">
+            <a:schemeClr val="lt1"/>
+          </a:fontRef>
+        </p:style>
+        <p:txBody>
+          <a:bodyPr rtlCol="0" anchor="ctr"/>
+          <a:lstStyle/>
+          <a:p>
+            <a:pPr algn="ctr"/>
+            <a:r>
+              <a:rPr lang="fr-FR" sz="1100" dirty="0">
+                <a:latin typeface="Arial Nova" panose="020B0504020202020204" pitchFamily="34" charset="0"/>
+              </a:rPr>
+              <a:t>Echanges avec examinateurs</a:t>
+            </a:r>
+          </a:p>
+        </p:txBody>
+      </p:sp>
+      <p:sp>
+        <p:nvSpPr>
+          <p:cNvPr id="5" name="Flèche : double flèche horizontale 4">
+            <a:extLst>
+              <a:ext uri="{FF2B5EF4-FFF2-40B4-BE49-F238E27FC236}">
+                <a16:creationId xmlns:a16="http://schemas.microsoft.com/office/drawing/2014/main" id="{0C0ED3DE-7958-CE58-F330-3269F1071FCB}"/>
+              </a:ext>
+            </a:extLst>
+          </p:cNvPr>
+          <p:cNvSpPr/>
+          <p:nvPr/>
+        </p:nvSpPr>
+        <p:spPr>
+          <a:xfrm>
+            <a:off x="0" y="4206001"/>
+            <a:ext cx="6858000" cy="658461"/>
+          </a:xfrm>
+          <a:prstGeom prst="leftRightArrow">
+            <a:avLst>
+              <a:gd name="adj1" fmla="val 50000"/>
+              <a:gd name="adj2" fmla="val 28141"/>
+            </a:avLst>
+          </a:prstGeom>
+          <a:ln w="19050"/>
+        </p:spPr>
+        <p:style>
+          <a:lnRef idx="2">
+            <a:schemeClr val="accent4"/>
+          </a:lnRef>
+          <a:fillRef idx="1">
+            <a:schemeClr val="lt1"/>
+          </a:fillRef>
+          <a:effectRef idx="0">
+            <a:schemeClr val="accent4"/>
+          </a:effectRef>
+          <a:fontRef idx="minor">
+            <a:schemeClr val="dk1"/>
+          </a:fontRef>
+        </p:style>
+        <p:txBody>
+          <a:bodyPr rtlCol="0" anchor="ctr"/>
+          <a:lstStyle/>
+          <a:p>
+            <a:pPr algn="ctr"/>
+            <a:r>
+              <a:rPr lang="fr-FR" sz="1000" dirty="0">
+                <a:latin typeface="Arial Nova" panose="020B0504020202020204" pitchFamily="34" charset="0"/>
+              </a:rPr>
+              <a:t>Réalisation d’un compte – rendu</a:t>
+            </a:r>
+          </a:p>
+          <a:p>
+            <a:pPr algn="ctr"/>
+            <a:r>
+              <a:rPr lang="fr-FR" sz="1000" dirty="0">
+                <a:latin typeface="Arial Nova" panose="020B0504020202020204" pitchFamily="34" charset="0"/>
+              </a:rPr>
+              <a:t>Impression de courbes possibles</a:t>
+            </a:r>
+          </a:p>
+        </p:txBody>
+      </p:sp>
+      <p:sp>
+        <p:nvSpPr>
+          <p:cNvPr id="21" name="ZoneTexte 20">
+            <a:extLst>
+              <a:ext uri="{FF2B5EF4-FFF2-40B4-BE49-F238E27FC236}">
+                <a16:creationId xmlns:a16="http://schemas.microsoft.com/office/drawing/2014/main" id="{B1457898-3440-65EF-8C1C-197629D28F3A}"/>
+              </a:ext>
+            </a:extLst>
+          </p:cNvPr>
+          <p:cNvSpPr txBox="1"/>
+          <p:nvPr/>
+        </p:nvSpPr>
+        <p:spPr>
+          <a:xfrm>
+            <a:off x="3428731" y="8542810"/>
+            <a:ext cx="1454150" cy="276999"/>
+          </a:xfrm>
+          <a:prstGeom prst="rect">
+            <a:avLst/>
+          </a:prstGeom>
+          <a:noFill/>
+        </p:spPr>
+        <p:txBody>
+          <a:bodyPr wrap="square" rtlCol="0">
+            <a:spAutoFit/>
+          </a:bodyPr>
+          <a:lstStyle/>
+          <a:p>
+            <a:r>
+              <a:rPr lang="fr-FR" sz="1200" b="1" dirty="0">
+                <a:latin typeface="Arial Nova" panose="020B0504020202020204" pitchFamily="34" charset="0"/>
+              </a:rPr>
+              <a:t>Logiciels</a:t>
+            </a:r>
+          </a:p>
+        </p:txBody>
+      </p:sp>
+      <p:sp>
+        <p:nvSpPr>
+          <p:cNvPr id="36" name="ZoneTexte 35">
+            <a:extLst>
+              <a:ext uri="{FF2B5EF4-FFF2-40B4-BE49-F238E27FC236}">
+                <a16:creationId xmlns:a16="http://schemas.microsoft.com/office/drawing/2014/main" id="{607007F1-87BE-777A-2249-0F127FA24C37}"/>
+              </a:ext>
+            </a:extLst>
+          </p:cNvPr>
+          <p:cNvSpPr txBox="1"/>
+          <p:nvPr/>
+        </p:nvSpPr>
+        <p:spPr>
+          <a:xfrm>
+            <a:off x="3428731" y="1093698"/>
+            <a:ext cx="1620520" cy="276999"/>
+          </a:xfrm>
+          <a:prstGeom prst="rect">
+            <a:avLst/>
+          </a:prstGeom>
+          <a:noFill/>
+        </p:spPr>
+        <p:txBody>
+          <a:bodyPr wrap="square" rtlCol="0">
+            <a:spAutoFit/>
+          </a:bodyPr>
+          <a:lstStyle/>
+          <a:p>
+            <a:r>
+              <a:rPr lang="fr-FR" sz="1200" dirty="0">
+                <a:latin typeface="Arial Nova" panose="020B0504020202020204" pitchFamily="34" charset="0"/>
+              </a:rPr>
+              <a:t>Lieu de passage</a:t>
+            </a:r>
+          </a:p>
+        </p:txBody>
+      </p:sp>
+      <p:sp>
+        <p:nvSpPr>
+          <p:cNvPr id="41" name="ZoneTexte 40">
+            <a:extLst>
+              <a:ext uri="{FF2B5EF4-FFF2-40B4-BE49-F238E27FC236}">
+                <a16:creationId xmlns:a16="http://schemas.microsoft.com/office/drawing/2014/main" id="{A981B14C-7E8C-D830-B410-D31B127CF58F}"/>
+              </a:ext>
+            </a:extLst>
+          </p:cNvPr>
+          <p:cNvSpPr txBox="1"/>
+          <p:nvPr/>
+        </p:nvSpPr>
+        <p:spPr>
+          <a:xfrm>
+            <a:off x="5322300" y="1138616"/>
+            <a:ext cx="1409700" cy="187161"/>
+          </a:xfrm>
+          <a:prstGeom prst="rect">
+            <a:avLst/>
+          </a:prstGeom>
+          <a:ln>
+            <a:noFill/>
+          </a:ln>
+        </p:spPr>
+        <p:style>
+          <a:lnRef idx="2">
+            <a:schemeClr val="accent6">
+              <a:shade val="50000"/>
+            </a:schemeClr>
+          </a:lnRef>
+          <a:fillRef idx="1">
+            <a:schemeClr val="accent6"/>
+          </a:fillRef>
+          <a:effectRef idx="0">
+            <a:schemeClr val="accent6"/>
+          </a:effectRef>
+          <a:fontRef idx="minor">
+            <a:schemeClr val="lt1"/>
+          </a:fontRef>
+        </p:style>
+        <p:txBody>
+          <a:bodyPr lIns="0" tIns="0" rIns="0" bIns="0" rtlCol="0" anchor="ctr"/>
+          <a:lstStyle>
+            <a:defPPr>
+              <a:defRPr lang="en-US"/>
+            </a:defPPr>
+            <a:lvl1pPr algn="ctr">
+              <a:defRPr sz="1200" b="1">
+                <a:solidFill>
+                  <a:schemeClr val="lt1"/>
+                </a:solidFill>
+              </a:defRPr>
+            </a:lvl1pPr>
+            <a:lvl2pPr>
+              <a:defRPr>
+                <a:solidFill>
+                  <a:schemeClr val="lt1"/>
+                </a:solidFill>
+              </a:defRPr>
+            </a:lvl2pPr>
+            <a:lvl3pPr>
+              <a:defRPr>
+                <a:solidFill>
+                  <a:schemeClr val="lt1"/>
+                </a:solidFill>
+              </a:defRPr>
+            </a:lvl3pPr>
+            <a:lvl4pPr>
+              <a:defRPr>
+                <a:solidFill>
+                  <a:schemeClr val="lt1"/>
+                </a:solidFill>
+              </a:defRPr>
+            </a:lvl4pPr>
+            <a:lvl5pPr>
+              <a:defRPr>
+                <a:solidFill>
+                  <a:schemeClr val="lt1"/>
+                </a:solidFill>
+              </a:defRPr>
+            </a:lvl5pPr>
+            <a:lvl6pPr>
+              <a:defRPr>
+                <a:solidFill>
+                  <a:schemeClr val="lt1"/>
+                </a:solidFill>
+              </a:defRPr>
+            </a:lvl6pPr>
+            <a:lvl7pPr>
+              <a:defRPr>
+                <a:solidFill>
+                  <a:schemeClr val="lt1"/>
+                </a:solidFill>
+              </a:defRPr>
+            </a:lvl7pPr>
+            <a:lvl8pPr>
+              <a:defRPr>
+                <a:solidFill>
+                  <a:schemeClr val="lt1"/>
+                </a:solidFill>
+              </a:defRPr>
+            </a:lvl8pPr>
+            <a:lvl9pPr>
+              <a:defRPr>
+                <a:solidFill>
+                  <a:schemeClr val="lt1"/>
+                </a:solidFill>
+              </a:defRPr>
+            </a:lvl9pPr>
+          </a:lstStyle>
+          <a:p>
+            <a:r>
+              <a:rPr lang="fr-FR" sz="1000" dirty="0">
+                <a:latin typeface="Arial Nova" panose="020B0504020202020204" pitchFamily="34" charset="0"/>
+              </a:rPr>
+              <a:t>Mines Paris (PARIS)</a:t>
+            </a:r>
+          </a:p>
+        </p:txBody>
+      </p:sp>
+      <p:sp>
+        <p:nvSpPr>
+          <p:cNvPr id="42" name="ZoneTexte 41">
+            <a:extLst>
+              <a:ext uri="{FF2B5EF4-FFF2-40B4-BE49-F238E27FC236}">
+                <a16:creationId xmlns:a16="http://schemas.microsoft.com/office/drawing/2014/main" id="{87ECBA77-B053-215B-BA8F-A44D6C0975F2}"/>
+              </a:ext>
+            </a:extLst>
+          </p:cNvPr>
+          <p:cNvSpPr txBox="1"/>
+          <p:nvPr/>
+        </p:nvSpPr>
+        <p:spPr>
+          <a:xfrm>
+            <a:off x="3429000" y="685118"/>
+            <a:ext cx="2292619" cy="276999"/>
+          </a:xfrm>
+          <a:prstGeom prst="rect">
+            <a:avLst/>
+          </a:prstGeom>
+          <a:noFill/>
+        </p:spPr>
+        <p:txBody>
+          <a:bodyPr wrap="square" rtlCol="0">
+            <a:spAutoFit/>
+          </a:bodyPr>
+          <a:lstStyle/>
+          <a:p>
+            <a:r>
+              <a:rPr lang="fr-FR" sz="1200" dirty="0">
+                <a:latin typeface="Arial Nova" panose="020B0504020202020204" pitchFamily="34" charset="0"/>
+              </a:rPr>
+              <a:t>Tirage au sort Physique ou SII</a:t>
+            </a:r>
+          </a:p>
+        </p:txBody>
+      </p:sp>
+      <p:sp>
+        <p:nvSpPr>
+          <p:cNvPr id="45" name="Rectangle 44">
+            <a:extLst>
+              <a:ext uri="{FF2B5EF4-FFF2-40B4-BE49-F238E27FC236}">
+                <a16:creationId xmlns:a16="http://schemas.microsoft.com/office/drawing/2014/main" id="{6B728416-EDD8-959B-9C15-B4BBC21E82AB}"/>
+              </a:ext>
+            </a:extLst>
+          </p:cNvPr>
+          <p:cNvSpPr/>
+          <p:nvPr/>
+        </p:nvSpPr>
+        <p:spPr>
+          <a:xfrm>
+            <a:off x="-1" y="4953000"/>
+            <a:ext cx="3429002" cy="653890"/>
+          </a:xfrm>
+          <a:prstGeom prst="rect">
+            <a:avLst/>
+          </a:prstGeom>
+        </p:spPr>
+        <p:style>
+          <a:lnRef idx="2">
+            <a:schemeClr val="accent1"/>
+          </a:lnRef>
+          <a:fillRef idx="1">
+            <a:schemeClr val="lt1"/>
+          </a:fillRef>
+          <a:effectRef idx="0">
+            <a:schemeClr val="accent1"/>
+          </a:effectRef>
+          <a:fontRef idx="minor">
+            <a:schemeClr val="dk1"/>
+          </a:fontRef>
+        </p:style>
+        <p:txBody>
+          <a:bodyPr lIns="90000" tIns="0" rIns="0" bIns="0" rtlCol="0" anchor="t" anchorCtr="0"/>
+          <a:lstStyle/>
+          <a:p>
+            <a:r>
+              <a:rPr lang="fr-FR" sz="1000" b="1" dirty="0"/>
+              <a:t>Pôle</a:t>
+            </a:r>
+            <a:r>
+              <a:rPr lang="fr-FR" sz="1000" dirty="0"/>
+              <a:t> </a:t>
+            </a:r>
+          </a:p>
+          <a:p>
+            <a:pPr marL="93663" indent="-93663">
+              <a:buFont typeface="Arial" panose="020B0604020202020204" pitchFamily="34" charset="0"/>
+              <a:buChar char="•"/>
+            </a:pPr>
+            <a:r>
+              <a:rPr lang="fr-FR" sz="1000" dirty="0"/>
+              <a:t>Ils sont plus ou moins indépendants.</a:t>
+            </a:r>
+          </a:p>
+          <a:p>
+            <a:pPr marL="93663" indent="-93663">
+              <a:buFont typeface="Arial" panose="020B0604020202020204" pitchFamily="34" charset="0"/>
+              <a:buChar char="•"/>
+            </a:pPr>
+            <a:r>
+              <a:rPr lang="fr-FR" sz="1000" dirty="0"/>
+              <a:t>Mise en place d’un protocole expérimental.</a:t>
+            </a:r>
+          </a:p>
+          <a:p>
+            <a:pPr marL="93663" indent="-93663">
+              <a:buFont typeface="Arial" panose="020B0604020202020204" pitchFamily="34" charset="0"/>
+              <a:buChar char="•"/>
+            </a:pPr>
+            <a:r>
+              <a:rPr lang="fr-FR" sz="1000" dirty="0"/>
+              <a:t>Choix de réglages.</a:t>
+            </a:r>
+          </a:p>
+        </p:txBody>
+      </p:sp>
+      <p:sp>
+        <p:nvSpPr>
+          <p:cNvPr id="46" name="Rectangle 45">
+            <a:extLst>
+              <a:ext uri="{FF2B5EF4-FFF2-40B4-BE49-F238E27FC236}">
+                <a16:creationId xmlns:a16="http://schemas.microsoft.com/office/drawing/2014/main" id="{2330D3E9-89D7-C3E9-A4BF-F58C384EC621}"/>
+              </a:ext>
+            </a:extLst>
+          </p:cNvPr>
+          <p:cNvSpPr/>
+          <p:nvPr/>
+        </p:nvSpPr>
+        <p:spPr>
+          <a:xfrm>
+            <a:off x="3428731" y="4953000"/>
+            <a:ext cx="3429002" cy="653890"/>
+          </a:xfrm>
+          <a:prstGeom prst="rect">
+            <a:avLst/>
+          </a:prstGeom>
+        </p:spPr>
+        <p:style>
+          <a:lnRef idx="2">
+            <a:schemeClr val="accent1"/>
+          </a:lnRef>
+          <a:fillRef idx="1">
+            <a:schemeClr val="lt1"/>
+          </a:fillRef>
+          <a:effectRef idx="0">
+            <a:schemeClr val="accent1"/>
+          </a:effectRef>
+          <a:fontRef idx="minor">
+            <a:schemeClr val="dk1"/>
+          </a:fontRef>
+        </p:style>
+        <p:txBody>
+          <a:bodyPr lIns="90000" tIns="0" rIns="0" bIns="0" rtlCol="0" anchor="t" anchorCtr="0"/>
+          <a:lstStyle/>
+          <a:p>
+            <a:r>
+              <a:rPr lang="fr-FR" sz="1000" dirty="0"/>
+              <a:t>  </a:t>
+            </a:r>
+          </a:p>
+          <a:p>
+            <a:pPr marL="93663" indent="-93663">
+              <a:buFont typeface="Arial" panose="020B0604020202020204" pitchFamily="34" charset="0"/>
+              <a:buChar char="•"/>
+            </a:pPr>
+            <a:r>
+              <a:rPr lang="fr-FR" sz="1000" dirty="0"/>
+              <a:t>Conservation d’hypothèses.</a:t>
+            </a:r>
+          </a:p>
+          <a:p>
+            <a:pPr marL="93663" indent="-93663">
+              <a:buFont typeface="Arial" panose="020B0604020202020204" pitchFamily="34" charset="0"/>
+              <a:buChar char="•"/>
+            </a:pPr>
+            <a:r>
+              <a:rPr lang="fr-FR" sz="1000" dirty="0"/>
+              <a:t>Analyse des écarts CDCF </a:t>
+            </a:r>
+            <a:r>
+              <a:rPr lang="fr-FR" sz="1000" dirty="0">
+                <a:sym typeface="Wingdings" panose="05000000000000000000" pitchFamily="2" charset="2"/>
+              </a:rPr>
+              <a:t> Modèle  Réel</a:t>
+            </a:r>
+            <a:endParaRPr lang="fr-FR" sz="1000" dirty="0"/>
+          </a:p>
+          <a:p>
+            <a:pPr marL="93663" indent="-93663">
+              <a:buFont typeface="Arial" panose="020B0604020202020204" pitchFamily="34" charset="0"/>
+              <a:buChar char="•"/>
+            </a:pPr>
+            <a:endParaRPr lang="fr-FR" sz="1000" dirty="0"/>
+          </a:p>
+        </p:txBody>
+      </p:sp>
+    </p:spTree>
+    <p:extLst>
+      <p:ext uri="{BB962C8B-B14F-4D97-AF65-F5344CB8AC3E}">
+        <p14:creationId xmlns:p14="http://schemas.microsoft.com/office/powerpoint/2010/main" val="1400087052"/>
+      </p:ext>
+    </p:extLst>
+  </p:cSld>
+  <p:clrMapOvr>
+    <a:masterClrMapping/>
+  </p:clrMapOvr>
+</p:sld>
+</file>
+
+<file path=ppt/slides/slide2.xml><?xml version="1.0" encoding="utf-8"?>
+<p:sld xmlns:a="http://schemas.openxmlformats.org/drawingml/2006/main" xmlns:r="http://schemas.openxmlformats.org/officeDocument/2006/relationships" xmlns:p="http://schemas.openxmlformats.org/presentationml/2006/main">
+  <p:cSld>
+    <p:spTree>
+      <p:nvGrpSpPr>
+        <p:cNvPr id="1" name=""/>
+        <p:cNvGrpSpPr/>
+        <p:nvPr/>
+      </p:nvGrpSpPr>
+      <p:grpSpPr>
+        <a:xfrm>
+          <a:off x="0" y="0"/>
+          <a:ext cx="0" cy="0"/>
+          <a:chOff x="0" y="0"/>
+          <a:chExt cx="0" cy="0"/>
+        </a:xfrm>
+      </p:grpSpPr>
+      <p:sp>
+        <p:nvSpPr>
+          <p:cNvPr id="4" name="ZoneTexte 3">
+            <a:extLst>
+              <a:ext uri="{FF2B5EF4-FFF2-40B4-BE49-F238E27FC236}">
+                <a16:creationId xmlns:a16="http://schemas.microsoft.com/office/drawing/2014/main" id="{FFBA4433-80DD-2F99-7BCD-60FCA346D293}"/>
+              </a:ext>
+            </a:extLst>
+          </p:cNvPr>
+          <p:cNvSpPr txBox="1"/>
+          <p:nvPr/>
+        </p:nvSpPr>
+        <p:spPr>
+          <a:xfrm>
+            <a:off x="0" y="228600"/>
+            <a:ext cx="6858000" cy="338554"/>
+          </a:xfrm>
+          <a:prstGeom prst="rect">
+            <a:avLst/>
+          </a:prstGeom>
+          <a:noFill/>
+        </p:spPr>
+        <p:txBody>
+          <a:bodyPr wrap="square" rtlCol="0">
+            <a:spAutoFit/>
+          </a:bodyPr>
+          <a:lstStyle/>
+          <a:p>
+            <a:pPr algn="ctr"/>
+            <a:r>
+              <a:rPr lang="fr-FR" sz="1600" b="1" dirty="0">
+                <a:latin typeface="Arial Nova" panose="020B0504020202020204" pitchFamily="34" charset="0"/>
+              </a:rPr>
+              <a:t>Concours Centrale Supelec – TP SII </a:t>
+            </a:r>
+          </a:p>
+        </p:txBody>
+      </p:sp>
+      <p:cxnSp>
+        <p:nvCxnSpPr>
+          <p:cNvPr id="6" name="Connecteur droit 5">
+            <a:extLst>
+              <a:ext uri="{FF2B5EF4-FFF2-40B4-BE49-F238E27FC236}">
+                <a16:creationId xmlns:a16="http://schemas.microsoft.com/office/drawing/2014/main" id="{4AFA8A74-591C-0373-4B68-9B2052B574F7}"/>
+              </a:ext>
+            </a:extLst>
+          </p:cNvPr>
+          <p:cNvCxnSpPr>
+            <a:cxnSpLocks/>
+          </p:cNvCxnSpPr>
+          <p:nvPr/>
+        </p:nvCxnSpPr>
+        <p:spPr>
+          <a:xfrm>
+            <a:off x="0" y="228600"/>
+            <a:ext cx="6858000" cy="0"/>
+          </a:xfrm>
+          <a:prstGeom prst="line">
+            <a:avLst/>
+          </a:prstGeom>
+          <a:ln w="19050">
+            <a:solidFill>
+              <a:schemeClr val="tx2">
+                <a:lumMod val="50000"/>
+              </a:schemeClr>
+            </a:solidFill>
+          </a:ln>
+        </p:spPr>
+        <p:style>
+          <a:lnRef idx="1">
+            <a:schemeClr val="accent1"/>
+          </a:lnRef>
+          <a:fillRef idx="0">
+            <a:schemeClr val="accent1"/>
+          </a:fillRef>
+          <a:effectRef idx="0">
+            <a:schemeClr val="accent1"/>
+          </a:effectRef>
+          <a:fontRef idx="minor">
+            <a:schemeClr val="tx1"/>
+          </a:fontRef>
+        </p:style>
+      </p:cxnSp>
+      <p:cxnSp>
+        <p:nvCxnSpPr>
+          <p:cNvPr id="7" name="Connecteur droit 6">
+            <a:extLst>
+              <a:ext uri="{FF2B5EF4-FFF2-40B4-BE49-F238E27FC236}">
+                <a16:creationId xmlns:a16="http://schemas.microsoft.com/office/drawing/2014/main" id="{E0244E97-E46A-E01A-32CF-295153AAA031}"/>
+              </a:ext>
+            </a:extLst>
+          </p:cNvPr>
+          <p:cNvCxnSpPr>
+            <a:cxnSpLocks/>
+          </p:cNvCxnSpPr>
+          <p:nvPr/>
+        </p:nvCxnSpPr>
+        <p:spPr>
+          <a:xfrm>
+            <a:off x="0" y="586204"/>
+            <a:ext cx="6858000" cy="0"/>
+          </a:xfrm>
+          <a:prstGeom prst="line">
+            <a:avLst/>
+          </a:prstGeom>
+          <a:ln w="19050">
+            <a:solidFill>
+              <a:schemeClr val="tx2">
+                <a:lumMod val="50000"/>
+              </a:schemeClr>
+            </a:solidFill>
+          </a:ln>
+        </p:spPr>
+        <p:style>
+          <a:lnRef idx="1">
+            <a:schemeClr val="accent1"/>
+          </a:lnRef>
+          <a:fillRef idx="0">
+            <a:schemeClr val="accent1"/>
+          </a:fillRef>
+          <a:effectRef idx="0">
+            <a:schemeClr val="accent1"/>
+          </a:effectRef>
+          <a:fontRef idx="minor">
+            <a:schemeClr val="tx1"/>
+          </a:fontRef>
+        </p:style>
+      </p:cxnSp>
+      <p:graphicFrame>
+        <p:nvGraphicFramePr>
+          <p:cNvPr id="8" name="Diagramme 7">
+            <a:extLst>
+              <a:ext uri="{FF2B5EF4-FFF2-40B4-BE49-F238E27FC236}">
+                <a16:creationId xmlns:a16="http://schemas.microsoft.com/office/drawing/2014/main" id="{BA8234FD-E8E8-A08C-7699-94337FE5B496}"/>
+              </a:ext>
+            </a:extLst>
+          </p:cNvPr>
+          <p:cNvGraphicFramePr/>
+          <p:nvPr/>
         </p:nvGraphicFramePr>
         <p:xfrm>
           <a:off x="0" y="1629739"/>
@@ -14969,7 +20831,7 @@
           </a:lstStyle>
           <a:p>
             <a:r>
-              <a:rPr lang="fr-FR" sz="1100" dirty="0">
+              <a:rPr lang="fr-FR" sz="1000" dirty="0">
                 <a:latin typeface="Arial Nova" panose="020B0504020202020204" pitchFamily="34" charset="0"/>
               </a:rPr>
               <a:t>4 heures</a:t>
@@ -18312,10 +24174,217 @@
           </a:p>
         </p:txBody>
       </p:sp>
+      <p:sp>
+        <p:nvSpPr>
+          <p:cNvPr id="36" name="ZoneTexte 35">
+            <a:extLst>
+              <a:ext uri="{FF2B5EF4-FFF2-40B4-BE49-F238E27FC236}">
+                <a16:creationId xmlns:a16="http://schemas.microsoft.com/office/drawing/2014/main" id="{6F7DAB98-FB88-C06A-392C-7B6EDA45AB84}"/>
+              </a:ext>
+            </a:extLst>
+          </p:cNvPr>
+          <p:cNvSpPr txBox="1"/>
+          <p:nvPr/>
+        </p:nvSpPr>
+        <p:spPr>
+          <a:xfrm>
+            <a:off x="3429000" y="1103078"/>
+            <a:ext cx="1620520" cy="276999"/>
+          </a:xfrm>
+          <a:prstGeom prst="rect">
+            <a:avLst/>
+          </a:prstGeom>
+          <a:noFill/>
+        </p:spPr>
+        <p:txBody>
+          <a:bodyPr wrap="square" rtlCol="0">
+            <a:spAutoFit/>
+          </a:bodyPr>
+          <a:lstStyle/>
+          <a:p>
+            <a:r>
+              <a:rPr lang="fr-FR" sz="1200" dirty="0">
+                <a:latin typeface="Arial Nova" panose="020B0504020202020204" pitchFamily="34" charset="0"/>
+              </a:rPr>
+              <a:t>Lieu de passage </a:t>
+            </a:r>
+          </a:p>
+        </p:txBody>
+      </p:sp>
+      <p:sp>
+        <p:nvSpPr>
+          <p:cNvPr id="41" name="ZoneTexte 40">
+            <a:extLst>
+              <a:ext uri="{FF2B5EF4-FFF2-40B4-BE49-F238E27FC236}">
+                <a16:creationId xmlns:a16="http://schemas.microsoft.com/office/drawing/2014/main" id="{9208D06A-36D4-7961-D1DF-0B4A458A2AC5}"/>
+              </a:ext>
+            </a:extLst>
+          </p:cNvPr>
+          <p:cNvSpPr txBox="1"/>
+          <p:nvPr/>
+        </p:nvSpPr>
+        <p:spPr>
+          <a:xfrm>
+            <a:off x="5322570" y="1147996"/>
+            <a:ext cx="657860" cy="187161"/>
+          </a:xfrm>
+          <a:prstGeom prst="rect">
+            <a:avLst/>
+          </a:prstGeom>
+          <a:ln>
+            <a:noFill/>
+          </a:ln>
+        </p:spPr>
+        <p:style>
+          <a:lnRef idx="2">
+            <a:schemeClr val="accent6">
+              <a:shade val="50000"/>
+            </a:schemeClr>
+          </a:lnRef>
+          <a:fillRef idx="1">
+            <a:schemeClr val="accent6"/>
+          </a:fillRef>
+          <a:effectRef idx="0">
+            <a:schemeClr val="accent6"/>
+          </a:effectRef>
+          <a:fontRef idx="minor">
+            <a:schemeClr val="lt1"/>
+          </a:fontRef>
+        </p:style>
+        <p:txBody>
+          <a:bodyPr lIns="0" tIns="0" rIns="0" bIns="0" rtlCol="0" anchor="ctr"/>
+          <a:lstStyle>
+            <a:defPPr>
+              <a:defRPr lang="en-US"/>
+            </a:defPPr>
+            <a:lvl1pPr algn="ctr">
+              <a:defRPr sz="1200" b="1">
+                <a:solidFill>
+                  <a:schemeClr val="lt1"/>
+                </a:solidFill>
+              </a:defRPr>
+            </a:lvl1pPr>
+            <a:lvl2pPr>
+              <a:defRPr>
+                <a:solidFill>
+                  <a:schemeClr val="lt1"/>
+                </a:solidFill>
+              </a:defRPr>
+            </a:lvl2pPr>
+            <a:lvl3pPr>
+              <a:defRPr>
+                <a:solidFill>
+                  <a:schemeClr val="lt1"/>
+                </a:solidFill>
+              </a:defRPr>
+            </a:lvl3pPr>
+            <a:lvl4pPr>
+              <a:defRPr>
+                <a:solidFill>
+                  <a:schemeClr val="lt1"/>
+                </a:solidFill>
+              </a:defRPr>
+            </a:lvl4pPr>
+            <a:lvl5pPr>
+              <a:defRPr>
+                <a:solidFill>
+                  <a:schemeClr val="lt1"/>
+                </a:solidFill>
+              </a:defRPr>
+            </a:lvl5pPr>
+            <a:lvl6pPr>
+              <a:defRPr>
+                <a:solidFill>
+                  <a:schemeClr val="lt1"/>
+                </a:solidFill>
+              </a:defRPr>
+            </a:lvl6pPr>
+            <a:lvl7pPr>
+              <a:defRPr>
+                <a:solidFill>
+                  <a:schemeClr val="lt1"/>
+                </a:solidFill>
+              </a:defRPr>
+            </a:lvl7pPr>
+            <a:lvl8pPr>
+              <a:defRPr>
+                <a:solidFill>
+                  <a:schemeClr val="lt1"/>
+                </a:solidFill>
+              </a:defRPr>
+            </a:lvl8pPr>
+            <a:lvl9pPr>
+              <a:defRPr>
+                <a:solidFill>
+                  <a:schemeClr val="lt1"/>
+                </a:solidFill>
+              </a:defRPr>
+            </a:lvl9pPr>
+          </a:lstStyle>
+          <a:p>
+            <a:r>
+              <a:rPr lang="fr-FR" sz="1000" dirty="0" err="1">
+                <a:latin typeface="Arial Nova" panose="020B0504020202020204" pitchFamily="34" charset="0"/>
+              </a:rPr>
+              <a:t>xxxx</a:t>
+            </a:r>
+            <a:endParaRPr lang="fr-FR" sz="1000" dirty="0">
+              <a:latin typeface="Arial Nova" panose="020B0504020202020204" pitchFamily="34" charset="0"/>
+            </a:endParaRPr>
+          </a:p>
+        </p:txBody>
+      </p:sp>
+      <p:pic>
+        <p:nvPicPr>
+          <p:cNvPr id="1026" name="Picture 2" descr="Logo du concours Centrale-Supélec">
+            <a:extLst>
+              <a:ext uri="{FF2B5EF4-FFF2-40B4-BE49-F238E27FC236}">
+                <a16:creationId xmlns:a16="http://schemas.microsoft.com/office/drawing/2014/main" id="{813FA2F9-634B-682E-C3B7-A59BC69F9961}"/>
+              </a:ext>
+            </a:extLst>
+          </p:cNvPr>
+          <p:cNvPicPr>
+            <a:picLocks noChangeAspect="1" noChangeArrowheads="1"/>
+          </p:cNvPicPr>
+          <p:nvPr/>
+        </p:nvPicPr>
+        <p:blipFill>
+          <a:blip r:embed="rId9">
+            <a:extLst>
+              <a:ext uri="{28A0092B-C50C-407E-A947-70E740481C1C}">
+                <a14:useLocalDpi xmlns:a14="http://schemas.microsoft.com/office/drawing/2010/main" val="0"/>
+              </a:ext>
+            </a:extLst>
+          </a:blip>
+          <a:srcRect/>
+          <a:stretch>
+            <a:fillRect/>
+          </a:stretch>
+        </p:blipFill>
+        <p:spPr bwMode="auto">
+          <a:xfrm>
+            <a:off x="5842000" y="-4007"/>
+            <a:ext cx="1009650" cy="716852"/>
+          </a:xfrm>
+          <a:prstGeom prst="rect">
+            <a:avLst/>
+          </a:prstGeom>
+          <a:noFill/>
+          <a:extLst>
+            <a:ext uri="{909E8E84-426E-40DD-AFC4-6F175D3DCCD1}">
+              <a14:hiddenFill xmlns:a14="http://schemas.microsoft.com/office/drawing/2010/main">
+                <a:solidFill>
+                  <a:srgbClr val="FFFFFF"/>
+                </a:solidFill>
+              </a14:hiddenFill>
+            </a:ext>
+          </a:extLst>
+        </p:spPr>
+      </p:pic>
     </p:spTree>
     <p:extLst>
       <p:ext uri="{BB962C8B-B14F-4D97-AF65-F5344CB8AC3E}">
-        <p14:creationId xmlns:p14="http://schemas.microsoft.com/office/powerpoint/2010/main" val="1400087052"/>
+        <p14:creationId xmlns:p14="http://schemas.microsoft.com/office/powerpoint/2010/main" val="930963669"/>
       </p:ext>
     </p:extLst>
   </p:cSld>
@@ -18325,7 +24394,7 @@
 </p:sld>
 </file>
 
-<file path=ppt/slides/slide2.xml><?xml version="1.0" encoding="utf-8"?>
+<file path=ppt/slides/slide3.xml><?xml version="1.0" encoding="utf-8"?>
 <p:sld xmlns:a="http://schemas.openxmlformats.org/drawingml/2006/main" xmlns:r="http://schemas.openxmlformats.org/officeDocument/2006/relationships" xmlns:p="http://schemas.openxmlformats.org/presentationml/2006/main">
   <p:cSld>
     <p:spTree>
@@ -18484,8 +24553,8 @@
         </p:nvSpPr>
         <p:spPr>
           <a:xfrm>
-            <a:off x="0" y="605255"/>
-            <a:ext cx="1454150" cy="276999"/>
+            <a:off x="-1" y="605255"/>
+            <a:ext cx="1862667" cy="276999"/>
           </a:xfrm>
           <a:prstGeom prst="rect">
             <a:avLst/>
@@ -18502,7 +24571,7 @@
               <a:rPr lang="fr-FR" sz="1200" b="1" dirty="0">
                 <a:latin typeface="Arial Nova" panose="020B0504020202020204" pitchFamily="34" charset="0"/>
               </a:rPr>
-              <a:t>Systèmes 2022</a:t>
+              <a:t>Conseils généraux</a:t>
             </a:r>
           </a:p>
         </p:txBody>
@@ -18522,7 +24591,7 @@
         <p:spPr>
           <a:xfrm>
             <a:off x="0" y="1028009"/>
-            <a:ext cx="6858000" cy="1446550"/>
+            <a:ext cx="6858000" cy="1785104"/>
           </a:xfrm>
           <a:prstGeom prst="rect">
             <a:avLst/>
@@ -18606,14 +24675,185 @@
               <a:rPr lang="fr-FR" sz="1100" dirty="0">
                 <a:latin typeface="Arial Nova" panose="020B0504020202020204" pitchFamily="34" charset="0"/>
               </a:rPr>
-              <a:t>Consulter le cahier des charges fournis pour savoir les critères à évaluer et les niveaux </a:t>
+              <a:t>Consulter le cahier des charges fournis pour savoir les critères à évaluer et les niveaux des exigences.</a:t>
+            </a:r>
+          </a:p>
+          <a:p>
+            <a:pPr marL="285750" indent="-285750">
+              <a:buClr>
+                <a:schemeClr val="accent1"/>
+              </a:buClr>
+              <a:buFont typeface="Wingdings" panose="05000000000000000000" pitchFamily="2" charset="2"/>
+              <a:buChar char="§"/>
+            </a:pPr>
+            <a:endParaRPr lang="fr-FR" sz="1100" dirty="0">
+              <a:latin typeface="Arial Nova" panose="020B0504020202020204" pitchFamily="34" charset="0"/>
+            </a:endParaRPr>
+          </a:p>
+          <a:p>
+            <a:pPr marL="285750" indent="-285750">
+              <a:buClr>
+                <a:schemeClr val="accent1"/>
+              </a:buClr>
+              <a:buFont typeface="Wingdings" panose="05000000000000000000" pitchFamily="2" charset="2"/>
+              <a:buChar char="§"/>
+            </a:pPr>
+            <a:r>
+              <a:rPr lang="fr-FR" sz="1100" dirty="0">
+                <a:latin typeface="Arial Nova" panose="020B0504020202020204" pitchFamily="34" charset="0"/>
+              </a:rPr>
+              <a:t>Savoir passer d’un tableau de valeurs à une courbe</a:t>
+            </a:r>
+          </a:p>
+        </p:txBody>
+      </p:sp>
+      <p:sp>
+        <p:nvSpPr>
+          <p:cNvPr id="2" name="ZoneTexte 1">
+            <a:extLst>
+              <a:ext uri="{FF2B5EF4-FFF2-40B4-BE49-F238E27FC236}">
+                <a16:creationId xmlns:a16="http://schemas.microsoft.com/office/drawing/2014/main" id="{1A7D5326-C3A8-0B03-F8F1-893030F75C4E}"/>
+              </a:ext>
+            </a:extLst>
+          </p:cNvPr>
+          <p:cNvSpPr txBox="1"/>
+          <p:nvPr/>
+        </p:nvSpPr>
+        <p:spPr>
+          <a:xfrm>
+            <a:off x="0" y="3473626"/>
+            <a:ext cx="6858000" cy="1277273"/>
+          </a:xfrm>
+          <a:prstGeom prst="rect">
+            <a:avLst/>
+          </a:prstGeom>
+          <a:noFill/>
+        </p:spPr>
+        <p:txBody>
+          <a:bodyPr wrap="square" rtlCol="0">
+            <a:spAutoFit/>
+          </a:bodyPr>
+          <a:lstStyle/>
+          <a:p>
+            <a:pPr marL="285750" indent="-285750">
+              <a:buClr>
+                <a:schemeClr val="accent1"/>
+              </a:buClr>
+              <a:buFont typeface="Wingdings" panose="05000000000000000000" pitchFamily="2" charset="2"/>
+              <a:buChar char="§"/>
+            </a:pPr>
+            <a:r>
+              <a:rPr lang="fr-FR" sz="1100" dirty="0">
+                <a:latin typeface="Arial Nova" panose="020B0504020202020204" pitchFamily="34" charset="0"/>
+              </a:rPr>
+              <a:t>Maîtriser les constituants de la chaîne de puissance ( = chaine d’énergie, = chaine fonctionnelle)</a:t>
+            </a:r>
+          </a:p>
+          <a:p>
+            <a:pPr marL="285750" indent="-285750">
+              <a:buClr>
+                <a:schemeClr val="accent1"/>
+              </a:buClr>
+              <a:buFont typeface="Wingdings" panose="05000000000000000000" pitchFamily="2" charset="2"/>
+              <a:buChar char="§"/>
+            </a:pPr>
+            <a:r>
+              <a:rPr lang="fr-FR" sz="1100" dirty="0">
+                <a:latin typeface="Arial Nova" panose="020B0504020202020204" pitchFamily="34" charset="0"/>
+              </a:rPr>
+              <a:t>Regarder le système </a:t>
             </a:r>
             <a:r>
-              <a:rPr lang="fr-FR" sz="1100">
+              <a:rPr lang="fr-FR" sz="1100" dirty="0">
                 <a:latin typeface="Arial Nova" panose="020B0504020202020204" pitchFamily="34" charset="0"/>
+                <a:sym typeface="Wingdings" panose="05000000000000000000" pitchFamily="2" charset="2"/>
               </a:rPr>
-              <a:t>des exigences.</a:t>
+              <a:t></a:t>
             </a:r>
+          </a:p>
+          <a:p>
+            <a:pPr marL="285750" indent="-285750">
+              <a:buClr>
+                <a:schemeClr val="accent1"/>
+              </a:buClr>
+              <a:buFont typeface="Wingdings" panose="05000000000000000000" pitchFamily="2" charset="2"/>
+              <a:buChar char="§"/>
+            </a:pPr>
+            <a:r>
+              <a:rPr lang="fr-FR" sz="1100" dirty="0">
+                <a:latin typeface="Arial Nova" panose="020B0504020202020204" pitchFamily="34" charset="0"/>
+                <a:sym typeface="Wingdings" panose="05000000000000000000" pitchFamily="2" charset="2"/>
+              </a:rPr>
+              <a:t>Annoter les courbes.</a:t>
+            </a:r>
+          </a:p>
+          <a:p>
+            <a:pPr marL="285750" indent="-285750">
+              <a:buClr>
+                <a:schemeClr val="accent1"/>
+              </a:buClr>
+              <a:buFont typeface="Wingdings" panose="05000000000000000000" pitchFamily="2" charset="2"/>
+              <a:buChar char="§"/>
+            </a:pPr>
+            <a:r>
+              <a:rPr lang="fr-FR" sz="1100" dirty="0">
+                <a:latin typeface="Arial Nova" panose="020B0504020202020204" pitchFamily="34" charset="0"/>
+                <a:sym typeface="Wingdings" panose="05000000000000000000" pitchFamily="2" charset="2"/>
+              </a:rPr>
+              <a:t>Réaliser des comparaisons </a:t>
+            </a:r>
+            <a:r>
+              <a:rPr lang="fr-FR" sz="1100" b="1" dirty="0">
+                <a:latin typeface="Arial Nova" panose="020B0504020202020204" pitchFamily="34" charset="0"/>
+                <a:sym typeface="Wingdings" panose="05000000000000000000" pitchFamily="2" charset="2"/>
+              </a:rPr>
+              <a:t>chiffrées</a:t>
+            </a:r>
+            <a:r>
+              <a:rPr lang="fr-FR" sz="1100" dirty="0">
+                <a:latin typeface="Arial Nova" panose="020B0504020202020204" pitchFamily="34" charset="0"/>
+                <a:sym typeface="Wingdings" panose="05000000000000000000" pitchFamily="2" charset="2"/>
+              </a:rPr>
+              <a:t>. </a:t>
+            </a:r>
+          </a:p>
+          <a:p>
+            <a:pPr marL="285750" indent="-285750">
+              <a:buClr>
+                <a:schemeClr val="accent1"/>
+              </a:buClr>
+              <a:buFont typeface="Wingdings" panose="05000000000000000000" pitchFamily="2" charset="2"/>
+              <a:buChar char="§"/>
+            </a:pPr>
+            <a:r>
+              <a:rPr lang="fr-FR" sz="1100" dirty="0">
+                <a:latin typeface="Arial Nova" panose="020B0504020202020204" pitchFamily="34" charset="0"/>
+                <a:sym typeface="Wingdings" panose="05000000000000000000" pitchFamily="2" charset="2"/>
+              </a:rPr>
+              <a:t>S’interroger lorsque les écarts sont trop grands.</a:t>
+            </a:r>
+          </a:p>
+          <a:p>
+            <a:pPr marL="285750" indent="-285750">
+              <a:buClr>
+                <a:schemeClr val="accent1"/>
+              </a:buClr>
+              <a:buFont typeface="Wingdings" panose="05000000000000000000" pitchFamily="2" charset="2"/>
+              <a:buChar char="§"/>
+            </a:pPr>
+            <a:endParaRPr lang="fr-FR" sz="1100" dirty="0">
+              <a:latin typeface="Arial Nova" panose="020B0504020202020204" pitchFamily="34" charset="0"/>
+              <a:sym typeface="Wingdings" panose="05000000000000000000" pitchFamily="2" charset="2"/>
+            </a:endParaRPr>
+          </a:p>
+          <a:p>
+            <a:pPr marL="285750" indent="-285750">
+              <a:buClr>
+                <a:schemeClr val="accent1"/>
+              </a:buClr>
+              <a:buFont typeface="Wingdings" panose="05000000000000000000" pitchFamily="2" charset="2"/>
+              <a:buChar char="§"/>
+            </a:pPr>
             <a:endParaRPr lang="fr-FR" sz="1100" dirty="0">
               <a:latin typeface="Arial Nova" panose="020B0504020202020204" pitchFamily="34" charset="0"/>
             </a:endParaRPr>
@@ -18633,7 +24873,7 @@
 </p:sld>
 </file>
 
-<file path=ppt/slides/slide3.xml><?xml version="1.0" encoding="utf-8"?>
+<file path=ppt/slides/slide4.xml><?xml version="1.0" encoding="utf-8"?>
 <p:sld xmlns:a="http://schemas.openxmlformats.org/drawingml/2006/main" xmlns:r="http://schemas.openxmlformats.org/officeDocument/2006/relationships" xmlns:p="http://schemas.openxmlformats.org/presentationml/2006/main">
   <p:cSld>
     <p:spTree>
@@ -19053,7 +25293,9 @@
           </a:lstStyle>
           <a:p>
             <a:r>
-              <a:rPr lang="fr-FR" dirty="0"/>
+              <a:rPr lang="fr-FR" sz="900" dirty="0">
+                <a:latin typeface="Arial Nova" panose="020B0504020202020204" pitchFamily="34" charset="0"/>
+              </a:rPr>
               <a:t>45 min</a:t>
             </a:r>
           </a:p>
@@ -19079,16 +25321,20 @@
           <a:prstGeom prst="rect">
             <a:avLst/>
           </a:prstGeom>
-          <a:ln/>
+          <a:ln>
+            <a:noFill/>
+          </a:ln>
         </p:spPr>
         <p:style>
-          <a:lnRef idx="3">
-            <a:schemeClr val="lt1"/>
+          <a:lnRef idx="2">
+            <a:schemeClr val="accent6">
+              <a:shade val="50000"/>
+            </a:schemeClr>
           </a:lnRef>
           <a:fillRef idx="1">
             <a:schemeClr val="accent6"/>
           </a:fillRef>
-          <a:effectRef idx="1">
+          <a:effectRef idx="0">
             <a:schemeClr val="accent6"/>
           </a:effectRef>
           <a:fontRef idx="minor">
@@ -19102,10 +25348,8 @@
               <a:defRPr lang="en-US"/>
             </a:defPPr>
             <a:lvl1pPr algn="ctr">
-              <a:defRPr sz="1200" b="1">
-                <a:solidFill>
-                  <a:schemeClr val="lt1"/>
-                </a:solidFill>
+              <a:defRPr sz="1000" b="1">
+                <a:latin typeface="Arial Nova" panose="020B0504020202020204" pitchFamily="34" charset="0"/>
               </a:defRPr>
             </a:lvl1pPr>
             <a:lvl2pPr>
@@ -19219,6 +25463,176 @@
           </a:p>
         </p:txBody>
       </p:sp>
+      <p:sp>
+        <p:nvSpPr>
+          <p:cNvPr id="12" name="ZoneTexte 11">
+            <a:extLst>
+              <a:ext uri="{FF2B5EF4-FFF2-40B4-BE49-F238E27FC236}">
+                <a16:creationId xmlns:a16="http://schemas.microsoft.com/office/drawing/2014/main" id="{D71FA616-E22F-066D-2DD8-FEE84AA13FD0}"/>
+              </a:ext>
+            </a:extLst>
+          </p:cNvPr>
+          <p:cNvSpPr txBox="1"/>
+          <p:nvPr/>
+        </p:nvSpPr>
+        <p:spPr>
+          <a:xfrm>
+            <a:off x="0" y="9715957"/>
+            <a:ext cx="6858000" cy="184666"/>
+          </a:xfrm>
+          <a:prstGeom prst="rect">
+            <a:avLst/>
+          </a:prstGeom>
+          <a:noFill/>
+        </p:spPr>
+        <p:txBody>
+          <a:bodyPr wrap="square">
+            <a:spAutoFit/>
+          </a:bodyPr>
+          <a:lstStyle/>
+          <a:p>
+            <a:pPr algn="ctr"/>
+            <a:r>
+              <a:rPr lang="fr-FR" sz="600" dirty="0">
+                <a:solidFill>
+                  <a:schemeClr val="tx2"/>
+                </a:solidFill>
+                <a:hlinkClick r:id="rId7">
+                  <a:extLst>
+                    <a:ext uri="{A12FA001-AC4F-418D-AE19-62706E023703}">
+                      <ahyp:hlinkClr xmlns:ahyp="http://schemas.microsoft.com/office/drawing/2018/hyperlinkcolor" val="tx"/>
+                    </a:ext>
+                  </a:extLst>
+                </a:hlinkClick>
+              </a:rPr>
+              <a:t>https://www.concours-centrale-supelec.fr/CentraleSupelec/Notices/CCS-2023-PSI.pdf</a:t>
+            </a:r>
+            <a:r>
+              <a:rPr lang="fr-FR" sz="600" dirty="0">
+                <a:solidFill>
+                  <a:schemeClr val="tx2"/>
+                </a:solidFill>
+              </a:rPr>
+              <a:t> – </a:t>
+            </a:r>
+            <a:r>
+              <a:rPr lang="fr-FR" sz="600" dirty="0">
+                <a:solidFill>
+                  <a:schemeClr val="tx2"/>
+                </a:solidFill>
+                <a:hlinkClick r:id="rId8">
+                  <a:extLst>
+                    <a:ext uri="{A12FA001-AC4F-418D-AE19-62706E023703}">
+                      <ahyp:hlinkClr xmlns:ahyp="http://schemas.microsoft.com/office/drawing/2018/hyperlinkcolor" val="tx"/>
+                    </a:ext>
+                  </a:extLst>
+                </a:hlinkClick>
+              </a:rPr>
+              <a:t>https://www.concours-centrale-supelec.fr/CentraleSupelec/2022/PSI/rapCS2022PSI.pdf</a:t>
+            </a:r>
+            <a:r>
+              <a:rPr lang="fr-FR" sz="600" dirty="0">
+                <a:solidFill>
+                  <a:schemeClr val="tx2"/>
+                </a:solidFill>
+              </a:rPr>
+              <a:t> </a:t>
+            </a:r>
+          </a:p>
+        </p:txBody>
+      </p:sp>
+      <p:cxnSp>
+        <p:nvCxnSpPr>
+          <p:cNvPr id="13" name="Connecteur droit 12">
+            <a:extLst>
+              <a:ext uri="{FF2B5EF4-FFF2-40B4-BE49-F238E27FC236}">
+                <a16:creationId xmlns:a16="http://schemas.microsoft.com/office/drawing/2014/main" id="{23CC6C4C-BD41-D1A6-D370-0292B52CAA13}"/>
+              </a:ext>
+            </a:extLst>
+          </p:cNvPr>
+          <p:cNvCxnSpPr>
+            <a:cxnSpLocks/>
+          </p:cNvCxnSpPr>
+          <p:nvPr/>
+        </p:nvCxnSpPr>
+        <p:spPr>
+          <a:xfrm>
+            <a:off x="0" y="9700716"/>
+            <a:ext cx="6858000" cy="0"/>
+          </a:xfrm>
+          <a:prstGeom prst="line">
+            <a:avLst/>
+          </a:prstGeom>
+          <a:ln w="9525">
+            <a:solidFill>
+              <a:schemeClr val="tx2">
+                <a:lumMod val="50000"/>
+              </a:schemeClr>
+            </a:solidFill>
+          </a:ln>
+        </p:spPr>
+        <p:style>
+          <a:lnRef idx="1">
+            <a:schemeClr val="accent1"/>
+          </a:lnRef>
+          <a:fillRef idx="0">
+            <a:schemeClr val="accent1"/>
+          </a:fillRef>
+          <a:effectRef idx="0">
+            <a:schemeClr val="accent1"/>
+          </a:effectRef>
+          <a:fontRef idx="minor">
+            <a:schemeClr val="tx1"/>
+          </a:fontRef>
+        </p:style>
+      </p:cxnSp>
+      <p:pic>
+        <p:nvPicPr>
+          <p:cNvPr id="14" name="Picture 2" descr="Logo du concours Centrale-Supélec">
+            <a:extLst>
+              <a:ext uri="{FF2B5EF4-FFF2-40B4-BE49-F238E27FC236}">
+                <a16:creationId xmlns:a16="http://schemas.microsoft.com/office/drawing/2014/main" id="{BF993304-073E-6729-6EFA-8136F2B26CB4}"/>
+              </a:ext>
+            </a:extLst>
+          </p:cNvPr>
+          <p:cNvPicPr>
+            <a:picLocks noChangeAspect="1" noChangeArrowheads="1"/>
+          </p:cNvPicPr>
+          <p:nvPr/>
+        </p:nvPicPr>
+        <p:blipFill>
+          <a:blip r:embed="rId9">
+            <a:extLst>
+              <a:ext uri="{28A0092B-C50C-407E-A947-70E740481C1C}">
+                <a14:useLocalDpi xmlns:a14="http://schemas.microsoft.com/office/drawing/2010/main" val="0"/>
+              </a:ext>
+            </a:extLst>
+          </a:blip>
+          <a:srcRect/>
+          <a:stretch>
+            <a:fillRect/>
+          </a:stretch>
+        </p:blipFill>
+        <p:spPr bwMode="auto">
+          <a:xfrm>
+            <a:off x="5842000" y="-4007"/>
+            <a:ext cx="1009650" cy="716852"/>
+          </a:xfrm>
+          <a:prstGeom prst="rect">
+            <a:avLst/>
+          </a:prstGeom>
+          <a:noFill/>
+          <a:extLst>
+            <a:ext uri="{909E8E84-426E-40DD-AFC4-6F175D3DCCD1}">
+              <a14:hiddenFill xmlns:a14="http://schemas.microsoft.com/office/drawing/2010/main">
+                <a:solidFill>
+                  <a:srgbClr val="FFFFFF"/>
+                </a:solidFill>
+              </a14:hiddenFill>
+            </a:ext>
+          </a:extLst>
+        </p:spPr>
+      </p:pic>
     </p:spTree>
     <p:extLst>
       <p:ext uri="{BB962C8B-B14F-4D97-AF65-F5344CB8AC3E}">
@@ -19232,7 +25646,7 @@
 </p:sld>
 </file>
 
-<file path=ppt/slides/slide4.xml><?xml version="1.0" encoding="utf-8"?>
+<file path=ppt/slides/slide5.xml><?xml version="1.0" encoding="utf-8"?>
 <p:sld xmlns:a="http://schemas.openxmlformats.org/drawingml/2006/main" xmlns:r="http://schemas.openxmlformats.org/officeDocument/2006/relationships" xmlns:p="http://schemas.openxmlformats.org/presentationml/2006/main">
   <p:cSld>
     <p:spTree>
@@ -19651,8 +26065,10 @@
           </a:lstStyle>
           <a:p>
             <a:r>
-              <a:rPr lang="fr-FR" dirty="0"/>
-              <a:t>xx</a:t>
+              <a:rPr lang="fr-FR" sz="1000" dirty="0">
+                <a:latin typeface="Arial Nova" panose="020B0504020202020204" pitchFamily="34" charset="0"/>
+              </a:rPr>
+              <a:t>30 min</a:t>
             </a:r>
           </a:p>
         </p:txBody>
@@ -19765,8 +26181,10 @@
           </a:lstStyle>
           <a:p>
             <a:r>
-              <a:rPr lang="fr-FR" dirty="0"/>
-              <a:t>xx</a:t>
+              <a:rPr lang="fr-FR" sz="1000" dirty="0">
+                <a:latin typeface="Arial Nova" panose="020B0504020202020204" pitchFamily="34" charset="0"/>
+              </a:rPr>
+              <a:t>30 min</a:t>
             </a:r>
           </a:p>
         </p:txBody>
@@ -19817,6 +26235,176 @@
           </a:p>
         </p:txBody>
       </p:sp>
+      <p:sp>
+        <p:nvSpPr>
+          <p:cNvPr id="12" name="ZoneTexte 11">
+            <a:extLst>
+              <a:ext uri="{FF2B5EF4-FFF2-40B4-BE49-F238E27FC236}">
+                <a16:creationId xmlns:a16="http://schemas.microsoft.com/office/drawing/2014/main" id="{FA099D31-43BA-BA4C-2F02-7B634846BEC0}"/>
+              </a:ext>
+            </a:extLst>
+          </p:cNvPr>
+          <p:cNvSpPr txBox="1"/>
+          <p:nvPr/>
+        </p:nvSpPr>
+        <p:spPr>
+          <a:xfrm>
+            <a:off x="0" y="9715957"/>
+            <a:ext cx="6858000" cy="184666"/>
+          </a:xfrm>
+          <a:prstGeom prst="rect">
+            <a:avLst/>
+          </a:prstGeom>
+          <a:noFill/>
+        </p:spPr>
+        <p:txBody>
+          <a:bodyPr wrap="square">
+            <a:spAutoFit/>
+          </a:bodyPr>
+          <a:lstStyle/>
+          <a:p>
+            <a:pPr algn="ctr"/>
+            <a:r>
+              <a:rPr lang="fr-FR" sz="600" dirty="0">
+                <a:solidFill>
+                  <a:schemeClr val="tx2"/>
+                </a:solidFill>
+                <a:hlinkClick r:id="rId7">
+                  <a:extLst>
+                    <a:ext uri="{A12FA001-AC4F-418D-AE19-62706E023703}">
+                      <ahyp:hlinkClr xmlns:ahyp="http://schemas.microsoft.com/office/drawing/2018/hyperlinkcolor" val="tx"/>
+                    </a:ext>
+                  </a:extLst>
+                </a:hlinkClick>
+              </a:rPr>
+              <a:t>https://www.concours-centrale-supelec.fr/CentraleSupelec/Notices/CCS-2023-PSI.pdf</a:t>
+            </a:r>
+            <a:r>
+              <a:rPr lang="fr-FR" sz="600" dirty="0">
+                <a:solidFill>
+                  <a:schemeClr val="tx2"/>
+                </a:solidFill>
+              </a:rPr>
+              <a:t> – </a:t>
+            </a:r>
+            <a:r>
+              <a:rPr lang="fr-FR" sz="600" dirty="0">
+                <a:solidFill>
+                  <a:schemeClr val="tx2"/>
+                </a:solidFill>
+                <a:hlinkClick r:id="rId8">
+                  <a:extLst>
+                    <a:ext uri="{A12FA001-AC4F-418D-AE19-62706E023703}">
+                      <ahyp:hlinkClr xmlns:ahyp="http://schemas.microsoft.com/office/drawing/2018/hyperlinkcolor" val="tx"/>
+                    </a:ext>
+                  </a:extLst>
+                </a:hlinkClick>
+              </a:rPr>
+              <a:t>https://www.concours-centrale-supelec.fr/CentraleSupelec/2022/PSI/rapCS2022PSI.pdf</a:t>
+            </a:r>
+            <a:r>
+              <a:rPr lang="fr-FR" sz="600" dirty="0">
+                <a:solidFill>
+                  <a:schemeClr val="tx2"/>
+                </a:solidFill>
+              </a:rPr>
+              <a:t> </a:t>
+            </a:r>
+          </a:p>
+        </p:txBody>
+      </p:sp>
+      <p:cxnSp>
+        <p:nvCxnSpPr>
+          <p:cNvPr id="13" name="Connecteur droit 12">
+            <a:extLst>
+              <a:ext uri="{FF2B5EF4-FFF2-40B4-BE49-F238E27FC236}">
+                <a16:creationId xmlns:a16="http://schemas.microsoft.com/office/drawing/2014/main" id="{76F84534-167F-7D4F-7B84-F3E2F17C4DE1}"/>
+              </a:ext>
+            </a:extLst>
+          </p:cNvPr>
+          <p:cNvCxnSpPr>
+            <a:cxnSpLocks/>
+          </p:cNvCxnSpPr>
+          <p:nvPr/>
+        </p:nvCxnSpPr>
+        <p:spPr>
+          <a:xfrm>
+            <a:off x="0" y="9700716"/>
+            <a:ext cx="6858000" cy="0"/>
+          </a:xfrm>
+          <a:prstGeom prst="line">
+            <a:avLst/>
+          </a:prstGeom>
+          <a:ln w="9525">
+            <a:solidFill>
+              <a:schemeClr val="tx2">
+                <a:lumMod val="50000"/>
+              </a:schemeClr>
+            </a:solidFill>
+          </a:ln>
+        </p:spPr>
+        <p:style>
+          <a:lnRef idx="1">
+            <a:schemeClr val="accent1"/>
+          </a:lnRef>
+          <a:fillRef idx="0">
+            <a:schemeClr val="accent1"/>
+          </a:fillRef>
+          <a:effectRef idx="0">
+            <a:schemeClr val="accent1"/>
+          </a:effectRef>
+          <a:fontRef idx="minor">
+            <a:schemeClr val="tx1"/>
+          </a:fontRef>
+        </p:style>
+      </p:cxnSp>
+      <p:pic>
+        <p:nvPicPr>
+          <p:cNvPr id="14" name="Picture 2" descr="Logo du concours Centrale-Supélec">
+            <a:extLst>
+              <a:ext uri="{FF2B5EF4-FFF2-40B4-BE49-F238E27FC236}">
+                <a16:creationId xmlns:a16="http://schemas.microsoft.com/office/drawing/2014/main" id="{168A0556-6A56-3DCC-2E82-69504E009064}"/>
+              </a:ext>
+            </a:extLst>
+          </p:cNvPr>
+          <p:cNvPicPr>
+            <a:picLocks noChangeAspect="1" noChangeArrowheads="1"/>
+          </p:cNvPicPr>
+          <p:nvPr/>
+        </p:nvPicPr>
+        <p:blipFill>
+          <a:blip r:embed="rId9">
+            <a:extLst>
+              <a:ext uri="{28A0092B-C50C-407E-A947-70E740481C1C}">
+                <a14:useLocalDpi xmlns:a14="http://schemas.microsoft.com/office/drawing/2010/main" val="0"/>
+              </a:ext>
+            </a:extLst>
+          </a:blip>
+          <a:srcRect/>
+          <a:stretch>
+            <a:fillRect/>
+          </a:stretch>
+        </p:blipFill>
+        <p:spPr bwMode="auto">
+          <a:xfrm>
+            <a:off x="5842000" y="-4007"/>
+            <a:ext cx="1009650" cy="716852"/>
+          </a:xfrm>
+          <a:prstGeom prst="rect">
+            <a:avLst/>
+          </a:prstGeom>
+          <a:noFill/>
+          <a:extLst>
+            <a:ext uri="{909E8E84-426E-40DD-AFC4-6F175D3DCCD1}">
+              <a14:hiddenFill xmlns:a14="http://schemas.microsoft.com/office/drawing/2010/main">
+                <a:solidFill>
+                  <a:srgbClr val="FFFFFF"/>
+                </a:solidFill>
+              </a14:hiddenFill>
+            </a:ext>
+          </a:extLst>
+        </p:spPr>
+      </p:pic>
     </p:spTree>
     <p:extLst>
       <p:ext uri="{BB962C8B-B14F-4D97-AF65-F5344CB8AC3E}">

--- a/Presentations_Epreuves.pptx
+++ b/Presentations_Epreuves.pptx
@@ -4812,7 +4812,7 @@
 <dgm:dataModel xmlns:dgm="http://schemas.openxmlformats.org/drawingml/2006/diagram" xmlns:a="http://schemas.openxmlformats.org/drawingml/2006/main">
   <dgm:ptLst>
     <dgm:pt modelId="{4BBBBA37-00AE-490F-BA4E-E9A756C4A0D7}" type="doc">
-      <dgm:prSet loTypeId="urn:microsoft.com/office/officeart/2005/8/layout/hProcess4" loCatId="process" qsTypeId="urn:microsoft.com/office/officeart/2005/8/quickstyle/simple1" qsCatId="simple" csTypeId="urn:microsoft.com/office/officeart/2005/8/colors/accent1_2" csCatId="accent1" phldr="0"/>
+      <dgm:prSet loTypeId="urn:microsoft.com/office/officeart/2005/8/layout/hProcess4" loCatId="process" qsTypeId="urn:microsoft.com/office/officeart/2005/8/quickstyle/simple1" qsCatId="simple" csTypeId="urn:microsoft.com/office/officeart/2005/8/colors/accent1_2" csCatId="accent1" phldr="1"/>
       <dgm:spPr/>
       <dgm:t>
         <a:bodyPr/>
@@ -4823,7 +4823,21 @@
       </dgm:t>
     </dgm:pt>
     <dgm:pt modelId="{C0BBB20E-A547-490C-BFC3-F69C30C2BB85}">
-      <dgm:prSet phldrT="[Texte]" phldr="1"/>
+      <dgm:prSet phldrT="[Texte]"/>
+      <dgm:spPr/>
+      <dgm:t>
+        <a:bodyPr/>
+        <a:lstStyle/>
+        <a:p>
+          <a:r>
+            <a:rPr lang="fr-FR" dirty="0"/>
+            <a:t>Préparation</a:t>
+          </a:r>
+        </a:p>
+      </dgm:t>
+    </dgm:pt>
+    <dgm:pt modelId="{830D836F-DF80-4E41-AF3F-21CC3E8E4EF2}" type="parTrans" cxnId="{C5973D72-FB08-4B00-8516-F806514B4438}">
+      <dgm:prSet/>
       <dgm:spPr/>
       <dgm:t>
         <a:bodyPr/>
@@ -4833,7 +4847,7 @@
         </a:p>
       </dgm:t>
     </dgm:pt>
-    <dgm:pt modelId="{830D836F-DF80-4E41-AF3F-21CC3E8E4EF2}" type="parTrans" cxnId="{C5973D72-FB08-4B00-8516-F806514B4438}">
+    <dgm:pt modelId="{DD1C8274-3095-435A-B7E9-C86DA96BDE64}" type="sibTrans" cxnId="{C5973D72-FB08-4B00-8516-F806514B4438}">
       <dgm:prSet/>
       <dgm:spPr/>
       <dgm:t>
@@ -4844,8 +4858,8 @@
         </a:p>
       </dgm:t>
     </dgm:pt>
-    <dgm:pt modelId="{DD1C8274-3095-435A-B7E9-C86DA96BDE64}" type="sibTrans" cxnId="{C5973D72-FB08-4B00-8516-F806514B4438}">
-      <dgm:prSet/>
+    <dgm:pt modelId="{C742B16C-6774-4654-A307-2517E5970ED9}">
+      <dgm:prSet phldrT="[Texte]" phldr="1"/>
       <dgm:spPr/>
       <dgm:t>
         <a:bodyPr/>
@@ -4855,8 +4869,8 @@
         </a:p>
       </dgm:t>
     </dgm:pt>
-    <dgm:pt modelId="{C742B16C-6774-4654-A307-2517E5970ED9}">
-      <dgm:prSet phldrT="[Texte]" phldr="1"/>
+    <dgm:pt modelId="{3F79200C-09D6-4579-940A-9925FCF29974}" type="parTrans" cxnId="{002EAD7A-751D-4A0E-8B80-3ED2E8BF0317}">
+      <dgm:prSet/>
       <dgm:spPr/>
       <dgm:t>
         <a:bodyPr/>
@@ -4866,7 +4880,7 @@
         </a:p>
       </dgm:t>
     </dgm:pt>
-    <dgm:pt modelId="{3F79200C-09D6-4579-940A-9925FCF29974}" type="parTrans" cxnId="{002EAD7A-751D-4A0E-8B80-3ED2E8BF0317}">
+    <dgm:pt modelId="{DB0BD340-6AE9-43AB-8228-82AD980D89BF}" type="sibTrans" cxnId="{002EAD7A-751D-4A0E-8B80-3ED2E8BF0317}">
       <dgm:prSet/>
       <dgm:spPr/>
       <dgm:t>
@@ -4877,8 +4891,8 @@
         </a:p>
       </dgm:t>
     </dgm:pt>
-    <dgm:pt modelId="{DB0BD340-6AE9-43AB-8228-82AD980D89BF}" type="sibTrans" cxnId="{002EAD7A-751D-4A0E-8B80-3ED2E8BF0317}">
-      <dgm:prSet/>
+    <dgm:pt modelId="{F13B1487-2412-4E08-99C9-67C2BCBDEA4A}">
+      <dgm:prSet phldrT="[Texte]" phldr="1"/>
       <dgm:spPr/>
       <dgm:t>
         <a:bodyPr/>
@@ -4888,8 +4902,8 @@
         </a:p>
       </dgm:t>
     </dgm:pt>
-    <dgm:pt modelId="{F13B1487-2412-4E08-99C9-67C2BCBDEA4A}">
-      <dgm:prSet phldrT="[Texte]" phldr="1"/>
+    <dgm:pt modelId="{D2C1CF47-F1CF-41FD-863C-436CAB276BF5}" type="parTrans" cxnId="{C8B22B49-CC6C-4CC7-B1A3-9980D2423C47}">
+      <dgm:prSet/>
       <dgm:spPr/>
       <dgm:t>
         <a:bodyPr/>
@@ -4899,7 +4913,7 @@
         </a:p>
       </dgm:t>
     </dgm:pt>
-    <dgm:pt modelId="{D2C1CF47-F1CF-41FD-863C-436CAB276BF5}" type="parTrans" cxnId="{C8B22B49-CC6C-4CC7-B1A3-9980D2423C47}">
+    <dgm:pt modelId="{0DA945F7-3BBA-45C9-BADE-9D9D10D8009B}" type="sibTrans" cxnId="{C8B22B49-CC6C-4CC7-B1A3-9980D2423C47}">
       <dgm:prSet/>
       <dgm:spPr/>
       <dgm:t>
@@ -4910,7 +4924,21 @@
         </a:p>
       </dgm:t>
     </dgm:pt>
-    <dgm:pt modelId="{0DA945F7-3BBA-45C9-BADE-9D9D10D8009B}" type="sibTrans" cxnId="{C8B22B49-CC6C-4CC7-B1A3-9980D2423C47}">
+    <dgm:pt modelId="{20F7D581-9EB2-498F-BE28-9D62195EAF83}">
+      <dgm:prSet phldrT="[Texte]"/>
+      <dgm:spPr/>
+      <dgm:t>
+        <a:bodyPr/>
+        <a:lstStyle/>
+        <a:p>
+          <a:r>
+            <a:rPr lang="fr-FR" dirty="0"/>
+            <a:t>Introduction</a:t>
+          </a:r>
+        </a:p>
+      </dgm:t>
+    </dgm:pt>
+    <dgm:pt modelId="{E0FBE512-C1C4-4067-A1DE-34C9E33E9EB4}" type="parTrans" cxnId="{1497608C-9EBF-4045-B5D2-B57D8503FD29}">
       <dgm:prSet/>
       <dgm:spPr/>
       <dgm:t>
@@ -4921,8 +4949,8 @@
         </a:p>
       </dgm:t>
     </dgm:pt>
-    <dgm:pt modelId="{20F7D581-9EB2-498F-BE28-9D62195EAF83}">
-      <dgm:prSet phldrT="[Texte]" phldr="1"/>
+    <dgm:pt modelId="{FCF39507-87BB-42FC-936E-7CB9C907446D}" type="sibTrans" cxnId="{1497608C-9EBF-4045-B5D2-B57D8503FD29}">
+      <dgm:prSet/>
       <dgm:spPr/>
       <dgm:t>
         <a:bodyPr/>
@@ -4932,8 +4960,8 @@
         </a:p>
       </dgm:t>
     </dgm:pt>
-    <dgm:pt modelId="{E0FBE512-C1C4-4067-A1DE-34C9E33E9EB4}" type="parTrans" cxnId="{1497608C-9EBF-4045-B5D2-B57D8503FD29}">
-      <dgm:prSet/>
+    <dgm:pt modelId="{B5920376-0133-44CD-BB1B-6F53C130D637}">
+      <dgm:prSet phldrT="[Texte]" phldr="1"/>
       <dgm:spPr/>
       <dgm:t>
         <a:bodyPr/>
@@ -4943,7 +4971,7 @@
         </a:p>
       </dgm:t>
     </dgm:pt>
-    <dgm:pt modelId="{FCF39507-87BB-42FC-936E-7CB9C907446D}" type="sibTrans" cxnId="{1497608C-9EBF-4045-B5D2-B57D8503FD29}">
+    <dgm:pt modelId="{E82A70DF-B649-4129-9355-DBF8312CF18F}" type="parTrans" cxnId="{A743B165-EFB3-4A2B-9188-6DFA8B2E60AB}">
       <dgm:prSet/>
       <dgm:spPr/>
       <dgm:t>
@@ -4954,8 +4982,8 @@
         </a:p>
       </dgm:t>
     </dgm:pt>
-    <dgm:pt modelId="{B5920376-0133-44CD-BB1B-6F53C130D637}">
-      <dgm:prSet phldrT="[Texte]" phldr="1"/>
+    <dgm:pt modelId="{73A56BD2-43C1-4062-A5A5-84091B9A63CC}" type="sibTrans" cxnId="{A743B165-EFB3-4A2B-9188-6DFA8B2E60AB}">
+      <dgm:prSet/>
       <dgm:spPr/>
       <dgm:t>
         <a:bodyPr/>
@@ -4965,8 +4993,8 @@
         </a:p>
       </dgm:t>
     </dgm:pt>
-    <dgm:pt modelId="{E82A70DF-B649-4129-9355-DBF8312CF18F}" type="parTrans" cxnId="{A743B165-EFB3-4A2B-9188-6DFA8B2E60AB}">
-      <dgm:prSet/>
+    <dgm:pt modelId="{148DC79C-4EEA-43CF-BADE-659389EC8CCC}">
+      <dgm:prSet phldrT="[Texte]" phldr="1"/>
       <dgm:spPr/>
       <dgm:t>
         <a:bodyPr/>
@@ -4976,7 +5004,7 @@
         </a:p>
       </dgm:t>
     </dgm:pt>
-    <dgm:pt modelId="{73A56BD2-43C1-4062-A5A5-84091B9A63CC}" type="sibTrans" cxnId="{A743B165-EFB3-4A2B-9188-6DFA8B2E60AB}">
+    <dgm:pt modelId="{93F49CA4-65A7-42FD-8AC9-5CBA10152A5A}" type="parTrans" cxnId="{89E90838-B3EB-4AAA-8D15-4D187ADDBC24}">
       <dgm:prSet/>
       <dgm:spPr/>
       <dgm:t>
@@ -4987,8 +5015,8 @@
         </a:p>
       </dgm:t>
     </dgm:pt>
-    <dgm:pt modelId="{148DC79C-4EEA-43CF-BADE-659389EC8CCC}">
-      <dgm:prSet phldrT="[Texte]" phldr="1"/>
+    <dgm:pt modelId="{987AB886-30FC-4929-AFA2-85A0536B5275}" type="sibTrans" cxnId="{89E90838-B3EB-4AAA-8D15-4D187ADDBC24}">
+      <dgm:prSet/>
       <dgm:spPr/>
       <dgm:t>
         <a:bodyPr/>
@@ -4998,36 +5026,17 @@
         </a:p>
       </dgm:t>
     </dgm:pt>
-    <dgm:pt modelId="{93F49CA4-65A7-42FD-8AC9-5CBA10152A5A}" type="parTrans" cxnId="{89E90838-B3EB-4AAA-8D15-4D187ADDBC24}">
-      <dgm:prSet/>
+    <dgm:pt modelId="{928451A7-076A-4725-BC57-E98970B55362}">
+      <dgm:prSet phldrT="[Texte]"/>
       <dgm:spPr/>
       <dgm:t>
         <a:bodyPr/>
         <a:lstStyle/>
         <a:p>
-          <a:endParaRPr lang="fr-FR"/>
-        </a:p>
-      </dgm:t>
-    </dgm:pt>
-    <dgm:pt modelId="{987AB886-30FC-4929-AFA2-85A0536B5275}" type="sibTrans" cxnId="{89E90838-B3EB-4AAA-8D15-4D187ADDBC24}">
-      <dgm:prSet/>
-      <dgm:spPr/>
-      <dgm:t>
-        <a:bodyPr/>
-        <a:lstStyle/>
-        <a:p>
-          <a:endParaRPr lang="fr-FR"/>
-        </a:p>
-      </dgm:t>
-    </dgm:pt>
-    <dgm:pt modelId="{928451A7-076A-4725-BC57-E98970B55362}">
-      <dgm:prSet phldrT="[Texte]" phldr="1"/>
-      <dgm:spPr/>
-      <dgm:t>
-        <a:bodyPr/>
-        <a:lstStyle/>
-        <a:p>
-          <a:endParaRPr lang="fr-FR"/>
+          <a:r>
+            <a:rPr lang="fr-FR" dirty="0"/>
+            <a:t>Présentation </a:t>
+          </a:r>
         </a:p>
       </dgm:t>
     </dgm:pt>
@@ -5327,7 +5336,7 @@
 <dgm:dataModel xmlns:dgm="http://schemas.openxmlformats.org/drawingml/2006/diagram" xmlns:a="http://schemas.openxmlformats.org/drawingml/2006/main">
   <dgm:ptLst>
     <dgm:pt modelId="{4BBBBA37-00AE-490F-BA4E-E9A756C4A0D7}" type="doc">
-      <dgm:prSet loTypeId="urn:microsoft.com/office/officeart/2005/8/layout/hProcess4" loCatId="process" qsTypeId="urn:microsoft.com/office/officeart/2005/8/quickstyle/simple1" qsCatId="simple" csTypeId="urn:microsoft.com/office/officeart/2005/8/colors/accent1_2" csCatId="accent1" phldr="0"/>
+      <dgm:prSet loTypeId="urn:microsoft.com/office/officeart/2005/8/layout/hProcess4" loCatId="process" qsTypeId="urn:microsoft.com/office/officeart/2005/8/quickstyle/simple1" qsCatId="simple" csTypeId="urn:microsoft.com/office/officeart/2005/8/colors/accent1_2" csCatId="accent1" phldr="1"/>
       <dgm:spPr/>
       <dgm:t>
         <a:bodyPr/>
@@ -5338,7 +5347,21 @@
       </dgm:t>
     </dgm:pt>
     <dgm:pt modelId="{C0BBB20E-A547-490C-BFC3-F69C30C2BB85}">
-      <dgm:prSet phldrT="[Texte]" phldr="1"/>
+      <dgm:prSet phldrT="[Texte]" custT="1"/>
+      <dgm:spPr/>
+      <dgm:t>
+        <a:bodyPr/>
+        <a:lstStyle/>
+        <a:p>
+          <a:r>
+            <a:rPr lang="fr-FR" sz="1400" dirty="0"/>
+            <a:t>Préparation</a:t>
+          </a:r>
+        </a:p>
+      </dgm:t>
+    </dgm:pt>
+    <dgm:pt modelId="{830D836F-DF80-4E41-AF3F-21CC3E8E4EF2}" type="parTrans" cxnId="{C5973D72-FB08-4B00-8516-F806514B4438}">
+      <dgm:prSet/>
       <dgm:spPr/>
       <dgm:t>
         <a:bodyPr/>
@@ -5348,7 +5371,7 @@
         </a:p>
       </dgm:t>
     </dgm:pt>
-    <dgm:pt modelId="{830D836F-DF80-4E41-AF3F-21CC3E8E4EF2}" type="parTrans" cxnId="{C5973D72-FB08-4B00-8516-F806514B4438}">
+    <dgm:pt modelId="{DD1C8274-3095-435A-B7E9-C86DA96BDE64}" type="sibTrans" cxnId="{C5973D72-FB08-4B00-8516-F806514B4438}">
       <dgm:prSet/>
       <dgm:spPr/>
       <dgm:t>
@@ -5359,7 +5382,21 @@
         </a:p>
       </dgm:t>
     </dgm:pt>
-    <dgm:pt modelId="{DD1C8274-3095-435A-B7E9-C86DA96BDE64}" type="sibTrans" cxnId="{C5973D72-FB08-4B00-8516-F806514B4438}">
+    <dgm:pt modelId="{C742B16C-6774-4654-A307-2517E5970ED9}">
+      <dgm:prSet phldrT="[Texte]"/>
+      <dgm:spPr/>
+      <dgm:t>
+        <a:bodyPr/>
+        <a:lstStyle/>
+        <a:p>
+          <a:r>
+            <a:rPr lang="fr-FR" dirty="0"/>
+            <a:t>Epreuve qui porterait sur un support de TP (Sans support !)</a:t>
+          </a:r>
+        </a:p>
+      </dgm:t>
+    </dgm:pt>
+    <dgm:pt modelId="{3F79200C-09D6-4579-940A-9925FCF29974}" type="parTrans" cxnId="{002EAD7A-751D-4A0E-8B80-3ED2E8BF0317}">
       <dgm:prSet/>
       <dgm:spPr/>
       <dgm:t>
@@ -5370,8 +5407,8 @@
         </a:p>
       </dgm:t>
     </dgm:pt>
-    <dgm:pt modelId="{C742B16C-6774-4654-A307-2517E5970ED9}">
-      <dgm:prSet phldrT="[Texte]" phldr="1"/>
+    <dgm:pt modelId="{DB0BD340-6AE9-43AB-8228-82AD980D89BF}" type="sibTrans" cxnId="{002EAD7A-751D-4A0E-8B80-3ED2E8BF0317}">
+      <dgm:prSet/>
       <dgm:spPr/>
       <dgm:t>
         <a:bodyPr/>
@@ -5381,7 +5418,21 @@
         </a:p>
       </dgm:t>
     </dgm:pt>
-    <dgm:pt modelId="{3F79200C-09D6-4579-940A-9925FCF29974}" type="parTrans" cxnId="{002EAD7A-751D-4A0E-8B80-3ED2E8BF0317}">
+    <dgm:pt modelId="{20F7D581-9EB2-498F-BE28-9D62195EAF83}">
+      <dgm:prSet phldrT="[Texte]" custT="1"/>
+      <dgm:spPr/>
+      <dgm:t>
+        <a:bodyPr/>
+        <a:lstStyle/>
+        <a:p>
+          <a:r>
+            <a:rPr lang="fr-FR" sz="1400" dirty="0"/>
+            <a:t>Introduction</a:t>
+          </a:r>
+        </a:p>
+      </dgm:t>
+    </dgm:pt>
+    <dgm:pt modelId="{E0FBE512-C1C4-4067-A1DE-34C9E33E9EB4}" type="parTrans" cxnId="{1497608C-9EBF-4045-B5D2-B57D8503FD29}">
       <dgm:prSet/>
       <dgm:spPr/>
       <dgm:t>
@@ -5392,7 +5443,7 @@
         </a:p>
       </dgm:t>
     </dgm:pt>
-    <dgm:pt modelId="{DB0BD340-6AE9-43AB-8228-82AD980D89BF}" type="sibTrans" cxnId="{002EAD7A-751D-4A0E-8B80-3ED2E8BF0317}">
+    <dgm:pt modelId="{FCF39507-87BB-42FC-936E-7CB9C907446D}" type="sibTrans" cxnId="{1497608C-9EBF-4045-B5D2-B57D8503FD29}">
       <dgm:prSet/>
       <dgm:spPr/>
       <dgm:t>
@@ -5403,8 +5454,22 @@
         </a:p>
       </dgm:t>
     </dgm:pt>
-    <dgm:pt modelId="{F13B1487-2412-4E08-99C9-67C2BCBDEA4A}">
-      <dgm:prSet phldrT="[Texte]" phldr="1"/>
+    <dgm:pt modelId="{B5920376-0133-44CD-BB1B-6F53C130D637}">
+      <dgm:prSet phldrT="[Texte]"/>
+      <dgm:spPr/>
+      <dgm:t>
+        <a:bodyPr/>
+        <a:lstStyle/>
+        <a:p>
+          <a:r>
+            <a:rPr lang="fr-FR" dirty="0"/>
+            <a:t>Contexte du système</a:t>
+          </a:r>
+        </a:p>
+      </dgm:t>
+    </dgm:pt>
+    <dgm:pt modelId="{E82A70DF-B649-4129-9355-DBF8312CF18F}" type="parTrans" cxnId="{A743B165-EFB3-4A2B-9188-6DFA8B2E60AB}">
+      <dgm:prSet/>
       <dgm:spPr/>
       <dgm:t>
         <a:bodyPr/>
@@ -5414,7 +5479,7 @@
         </a:p>
       </dgm:t>
     </dgm:pt>
-    <dgm:pt modelId="{D2C1CF47-F1CF-41FD-863C-436CAB276BF5}" type="parTrans" cxnId="{C8B22B49-CC6C-4CC7-B1A3-9980D2423C47}">
+    <dgm:pt modelId="{73A56BD2-43C1-4062-A5A5-84091B9A63CC}" type="sibTrans" cxnId="{A743B165-EFB3-4A2B-9188-6DFA8B2E60AB}">
       <dgm:prSet/>
       <dgm:spPr/>
       <dgm:t>
@@ -5425,7 +5490,21 @@
         </a:p>
       </dgm:t>
     </dgm:pt>
-    <dgm:pt modelId="{0DA945F7-3BBA-45C9-BADE-9D9D10D8009B}" type="sibTrans" cxnId="{C8B22B49-CC6C-4CC7-B1A3-9980D2423C47}">
+    <dgm:pt modelId="{148DC79C-4EEA-43CF-BADE-659389EC8CCC}">
+      <dgm:prSet phldrT="[Texte]"/>
+      <dgm:spPr/>
+      <dgm:t>
+        <a:bodyPr/>
+        <a:lstStyle/>
+        <a:p>
+          <a:r>
+            <a:rPr lang="fr-FR" dirty="0"/>
+            <a:t>Fonction principale</a:t>
+          </a:r>
+        </a:p>
+      </dgm:t>
+    </dgm:pt>
+    <dgm:pt modelId="{93F49CA4-65A7-42FD-8AC9-5CBA10152A5A}" type="parTrans" cxnId="{89E90838-B3EB-4AAA-8D15-4D187ADDBC24}">
       <dgm:prSet/>
       <dgm:spPr/>
       <dgm:t>
@@ -5436,8 +5515,8 @@
         </a:p>
       </dgm:t>
     </dgm:pt>
-    <dgm:pt modelId="{20F7D581-9EB2-498F-BE28-9D62195EAF83}">
-      <dgm:prSet phldrT="[Texte]" phldr="1"/>
+    <dgm:pt modelId="{987AB886-30FC-4929-AFA2-85A0536B5275}" type="sibTrans" cxnId="{89E90838-B3EB-4AAA-8D15-4D187ADDBC24}">
+      <dgm:prSet/>
       <dgm:spPr/>
       <dgm:t>
         <a:bodyPr/>
@@ -5447,7 +5526,21 @@
         </a:p>
       </dgm:t>
     </dgm:pt>
-    <dgm:pt modelId="{E0FBE512-C1C4-4067-A1DE-34C9E33E9EB4}" type="parTrans" cxnId="{1497608C-9EBF-4045-B5D2-B57D8503FD29}">
+    <dgm:pt modelId="{928451A7-076A-4725-BC57-E98970B55362}">
+      <dgm:prSet phldrT="[Texte]" custT="1"/>
+      <dgm:spPr/>
+      <dgm:t>
+        <a:bodyPr/>
+        <a:lstStyle/>
+        <a:p>
+          <a:r>
+            <a:rPr lang="fr-FR" sz="1400"/>
+            <a:t>Présentation </a:t>
+          </a:r>
+        </a:p>
+      </dgm:t>
+    </dgm:pt>
+    <dgm:pt modelId="{605DBBC2-A198-4676-A0C6-4546B7A91B68}" type="parTrans" cxnId="{1A2CD6BD-4FB6-4C65-A31E-7C659272F5FF}">
       <dgm:prSet/>
       <dgm:spPr/>
       <dgm:t>
@@ -5458,7 +5551,7 @@
         </a:p>
       </dgm:t>
     </dgm:pt>
-    <dgm:pt modelId="{FCF39507-87BB-42FC-936E-7CB9C907446D}" type="sibTrans" cxnId="{1497608C-9EBF-4045-B5D2-B57D8503FD29}">
+    <dgm:pt modelId="{75637A16-730E-4452-8190-67FB3226C504}" type="sibTrans" cxnId="{1A2CD6BD-4FB6-4C65-A31E-7C659272F5FF}">
       <dgm:prSet/>
       <dgm:spPr/>
       <dgm:t>
@@ -5469,8 +5562,22 @@
         </a:p>
       </dgm:t>
     </dgm:pt>
-    <dgm:pt modelId="{B5920376-0133-44CD-BB1B-6F53C130D637}">
-      <dgm:prSet phldrT="[Texte]" phldr="1"/>
+    <dgm:pt modelId="{11F904A3-BE7E-4610-85FF-791DB76C5662}">
+      <dgm:prSet phldrT="[Texte]"/>
+      <dgm:spPr/>
+      <dgm:t>
+        <a:bodyPr/>
+        <a:lstStyle/>
+        <a:p>
+          <a:r>
+            <a:rPr lang="fr-FR" dirty="0"/>
+            <a:t>Modèle de connaissance</a:t>
+          </a:r>
+        </a:p>
+      </dgm:t>
+    </dgm:pt>
+    <dgm:pt modelId="{03E9A0DC-5904-496A-AAF6-356D4EB9E2C7}" type="parTrans" cxnId="{21EEA131-555A-4801-A607-FBD385939B0A}">
+      <dgm:prSet/>
       <dgm:spPr/>
       <dgm:t>
         <a:bodyPr/>
@@ -5480,7 +5587,7 @@
         </a:p>
       </dgm:t>
     </dgm:pt>
-    <dgm:pt modelId="{E82A70DF-B649-4129-9355-DBF8312CF18F}" type="parTrans" cxnId="{A743B165-EFB3-4A2B-9188-6DFA8B2E60AB}">
+    <dgm:pt modelId="{AA783ABE-4698-4A43-ACFE-2F0CA6278420}" type="sibTrans" cxnId="{21EEA131-555A-4801-A607-FBD385939B0A}">
       <dgm:prSet/>
       <dgm:spPr/>
       <dgm:t>
@@ -5491,7 +5598,21 @@
         </a:p>
       </dgm:t>
     </dgm:pt>
-    <dgm:pt modelId="{73A56BD2-43C1-4062-A5A5-84091B9A63CC}" type="sibTrans" cxnId="{A743B165-EFB3-4A2B-9188-6DFA8B2E60AB}">
+    <dgm:pt modelId="{8DAB84D0-1232-4525-835D-427DF83AEF9C}">
+      <dgm:prSet phldrT="[Texte]"/>
+      <dgm:spPr/>
+      <dgm:t>
+        <a:bodyPr/>
+        <a:lstStyle/>
+        <a:p>
+          <a:r>
+            <a:rPr lang="fr-FR" dirty="0"/>
+            <a:t>Expérimenter (proposer des protocoles expérimentaux, analyse des résultats)</a:t>
+          </a:r>
+        </a:p>
+      </dgm:t>
+    </dgm:pt>
+    <dgm:pt modelId="{66223C22-9641-4203-8CF8-F17D221D4CC1}" type="parTrans" cxnId="{DB37CD2A-171A-4EDF-AE2B-5E79EBACFD5B}">
       <dgm:prSet/>
       <dgm:spPr/>
       <dgm:t>
@@ -5502,8 +5623,8 @@
         </a:p>
       </dgm:t>
     </dgm:pt>
-    <dgm:pt modelId="{148DC79C-4EEA-43CF-BADE-659389EC8CCC}">
-      <dgm:prSet phldrT="[Texte]" phldr="1"/>
+    <dgm:pt modelId="{46C6073C-0DC6-4E2E-AF22-F533CD0D8D76}" type="sibTrans" cxnId="{DB37CD2A-171A-4EDF-AE2B-5E79EBACFD5B}">
+      <dgm:prSet/>
       <dgm:spPr/>
       <dgm:t>
         <a:bodyPr/>
@@ -5513,7 +5634,21 @@
         </a:p>
       </dgm:t>
     </dgm:pt>
-    <dgm:pt modelId="{93F49CA4-65A7-42FD-8AC9-5CBA10152A5A}" type="parTrans" cxnId="{89E90838-B3EB-4AAA-8D15-4D187ADDBC24}">
+    <dgm:pt modelId="{AEB247FD-6D58-4408-8770-0452FCED6303}">
+      <dgm:prSet phldrT="[Texte]"/>
+      <dgm:spPr/>
+      <dgm:t>
+        <a:bodyPr/>
+        <a:lstStyle/>
+        <a:p>
+          <a:r>
+            <a:rPr lang="fr-FR" dirty="0"/>
+            <a:t>Préparation en loge</a:t>
+          </a:r>
+        </a:p>
+      </dgm:t>
+    </dgm:pt>
+    <dgm:pt modelId="{89E3FD14-03B2-4832-8923-0DD87E75F033}" type="parTrans" cxnId="{DF3E27AC-9EC7-42C1-8261-77B5D8C07EFD}">
       <dgm:prSet/>
       <dgm:spPr/>
       <dgm:t>
@@ -5524,7 +5659,7 @@
         </a:p>
       </dgm:t>
     </dgm:pt>
-    <dgm:pt modelId="{987AB886-30FC-4929-AFA2-85A0536B5275}" type="sibTrans" cxnId="{89E90838-B3EB-4AAA-8D15-4D187ADDBC24}">
+    <dgm:pt modelId="{13ECDF23-8262-4788-A630-8CE5ECF86CAB}" type="sibTrans" cxnId="{DF3E27AC-9EC7-42C1-8261-77B5D8C07EFD}">
       <dgm:prSet/>
       <dgm:spPr/>
       <dgm:t>
@@ -5535,8 +5670,22 @@
         </a:p>
       </dgm:t>
     </dgm:pt>
-    <dgm:pt modelId="{928451A7-076A-4725-BC57-E98970B55362}">
-      <dgm:prSet phldrT="[Texte]" phldr="1"/>
+    <dgm:pt modelId="{346F9207-926A-4CE5-BAF7-6C23B211C114}">
+      <dgm:prSet phldrT="[Texte]"/>
+      <dgm:spPr/>
+      <dgm:t>
+        <a:bodyPr/>
+        <a:lstStyle/>
+        <a:p>
+          <a:r>
+            <a:rPr lang="fr-FR" dirty="0"/>
+            <a:t>Chaine de puissance</a:t>
+          </a:r>
+        </a:p>
+      </dgm:t>
+    </dgm:pt>
+    <dgm:pt modelId="{52F81A13-55B5-4418-BFA4-E20AA1BFBD56}" type="parTrans" cxnId="{6CE95EFC-1785-4095-B46C-25755792008A}">
+      <dgm:prSet/>
       <dgm:spPr/>
       <dgm:t>
         <a:bodyPr/>
@@ -5546,7 +5695,7 @@
         </a:p>
       </dgm:t>
     </dgm:pt>
-    <dgm:pt modelId="{605DBBC2-A198-4676-A0C6-4546B7A91B68}" type="parTrans" cxnId="{1A2CD6BD-4FB6-4C65-A31E-7C659272F5FF}">
+    <dgm:pt modelId="{83D741F7-7241-440A-A365-D29CEE2F3D5C}" type="sibTrans" cxnId="{6CE95EFC-1785-4095-B46C-25755792008A}">
       <dgm:prSet/>
       <dgm:spPr/>
       <dgm:t>
@@ -5557,7 +5706,21 @@
         </a:p>
       </dgm:t>
     </dgm:pt>
-    <dgm:pt modelId="{75637A16-730E-4452-8190-67FB3226C504}" type="sibTrans" cxnId="{1A2CD6BD-4FB6-4C65-A31E-7C659272F5FF}">
+    <dgm:pt modelId="{8B1CE8EB-7CA0-4313-B82B-C36A7BCFDBA5}">
+      <dgm:prSet phldrT="[Texte]"/>
+      <dgm:spPr/>
+      <dgm:t>
+        <a:bodyPr/>
+        <a:lstStyle/>
+        <a:p>
+          <a:r>
+            <a:rPr lang="fr-FR" dirty="0"/>
+            <a:t>Modèle de comportement</a:t>
+          </a:r>
+        </a:p>
+      </dgm:t>
+    </dgm:pt>
+    <dgm:pt modelId="{454A3619-D629-4946-ACA0-13CDA67EC3C8}" type="parTrans" cxnId="{EBC422D0-6B48-45C7-BA12-1D35FC881AA7}">
       <dgm:prSet/>
       <dgm:spPr/>
       <dgm:t>
@@ -5568,62 +5731,7 @@
         </a:p>
       </dgm:t>
     </dgm:pt>
-    <dgm:pt modelId="{11F904A3-BE7E-4610-85FF-791DB76C5662}">
-      <dgm:prSet phldrT="[Texte]" phldr="1"/>
-      <dgm:spPr/>
-      <dgm:t>
-        <a:bodyPr/>
-        <a:lstStyle/>
-        <a:p>
-          <a:endParaRPr lang="fr-FR"/>
-        </a:p>
-      </dgm:t>
-    </dgm:pt>
-    <dgm:pt modelId="{03E9A0DC-5904-496A-AAF6-356D4EB9E2C7}" type="parTrans" cxnId="{21EEA131-555A-4801-A607-FBD385939B0A}">
-      <dgm:prSet/>
-      <dgm:spPr/>
-      <dgm:t>
-        <a:bodyPr/>
-        <a:lstStyle/>
-        <a:p>
-          <a:endParaRPr lang="fr-FR"/>
-        </a:p>
-      </dgm:t>
-    </dgm:pt>
-    <dgm:pt modelId="{AA783ABE-4698-4A43-ACFE-2F0CA6278420}" type="sibTrans" cxnId="{21EEA131-555A-4801-A607-FBD385939B0A}">
-      <dgm:prSet/>
-      <dgm:spPr/>
-      <dgm:t>
-        <a:bodyPr/>
-        <a:lstStyle/>
-        <a:p>
-          <a:endParaRPr lang="fr-FR"/>
-        </a:p>
-      </dgm:t>
-    </dgm:pt>
-    <dgm:pt modelId="{8DAB84D0-1232-4525-835D-427DF83AEF9C}">
-      <dgm:prSet phldrT="[Texte]" phldr="1"/>
-      <dgm:spPr/>
-      <dgm:t>
-        <a:bodyPr/>
-        <a:lstStyle/>
-        <a:p>
-          <a:endParaRPr lang="fr-FR"/>
-        </a:p>
-      </dgm:t>
-    </dgm:pt>
-    <dgm:pt modelId="{66223C22-9641-4203-8CF8-F17D221D4CC1}" type="parTrans" cxnId="{DB37CD2A-171A-4EDF-AE2B-5E79EBACFD5B}">
-      <dgm:prSet/>
-      <dgm:spPr/>
-      <dgm:t>
-        <a:bodyPr/>
-        <a:lstStyle/>
-        <a:p>
-          <a:endParaRPr lang="fr-FR"/>
-        </a:p>
-      </dgm:t>
-    </dgm:pt>
-    <dgm:pt modelId="{46C6073C-0DC6-4E2E-AF22-F533CD0D8D76}" type="sibTrans" cxnId="{DB37CD2A-171A-4EDF-AE2B-5E79EBACFD5B}">
+    <dgm:pt modelId="{E9BDABAC-C5CC-489A-B470-ECB5D9E4FFBA}" type="sibTrans" cxnId="{EBC422D0-6B48-45C7-BA12-1D35FC881AA7}">
       <dgm:prSet/>
       <dgm:spPr/>
       <dgm:t>
@@ -5681,7 +5789,7 @@
       <dgm:spPr/>
     </dgm:pt>
     <dgm:pt modelId="{AB2A0A4B-2E62-43F5-874D-A858B18AD7BD}" type="pres">
-      <dgm:prSet presAssocID="{C0BBB20E-A547-490C-BFC3-F69C30C2BB85}" presName="parentNode1" presStyleLbl="node1" presStyleIdx="0" presStyleCnt="3">
+      <dgm:prSet presAssocID="{C0BBB20E-A547-490C-BFC3-F69C30C2BB85}" presName="parentNode1" presStyleLbl="node1" presStyleIdx="0" presStyleCnt="3" custScaleX="76849" custScaleY="54238">
         <dgm:presLayoutVars>
           <dgm:chMax val="1"/>
           <dgm:bulletEnabled val="1"/>
@@ -5722,7 +5830,7 @@
       <dgm:spPr/>
     </dgm:pt>
     <dgm:pt modelId="{71BAD410-3299-44D0-A85A-DC3B57193168}" type="pres">
-      <dgm:prSet presAssocID="{20F7D581-9EB2-498F-BE28-9D62195EAF83}" presName="parentNode2" presStyleLbl="node1" presStyleIdx="1" presStyleCnt="3">
+      <dgm:prSet presAssocID="{20F7D581-9EB2-498F-BE28-9D62195EAF83}" presName="parentNode2" presStyleLbl="node1" presStyleIdx="1" presStyleCnt="3" custScaleX="76849" custScaleY="54238">
         <dgm:presLayoutVars>
           <dgm:chMax val="0"/>
           <dgm:bulletEnabled val="1"/>
@@ -5763,7 +5871,7 @@
       <dgm:spPr/>
     </dgm:pt>
     <dgm:pt modelId="{40A8A41C-CF7A-4E88-8EA7-EAA6AFD512F6}" type="pres">
-      <dgm:prSet presAssocID="{928451A7-076A-4725-BC57-E98970B55362}" presName="parentNode1" presStyleLbl="node1" presStyleIdx="2" presStyleCnt="3">
+      <dgm:prSet presAssocID="{928451A7-076A-4725-BC57-E98970B55362}" presName="parentNode1" presStyleLbl="node1" presStyleIdx="2" presStyleCnt="3" custScaleX="76849" custScaleY="54238">
         <dgm:presLayoutVars>
           <dgm:chMax val="1"/>
           <dgm:bulletEnabled val="1"/>
@@ -5780,30 +5888,36 @@
     <dgm:cxn modelId="{3228E000-8C8D-4FC1-BE09-2CB2D43274CF}" type="presOf" srcId="{20F7D581-9EB2-498F-BE28-9D62195EAF83}" destId="{71BAD410-3299-44D0-A85A-DC3B57193168}" srcOrd="0" destOrd="0" presId="urn:microsoft.com/office/officeart/2005/8/layout/hProcess4"/>
     <dgm:cxn modelId="{E260010D-46B0-46C2-93B1-54EE897A6300}" type="presOf" srcId="{FCF39507-87BB-42FC-936E-7CB9C907446D}" destId="{DC8BE73A-4F5A-421C-B33E-9320120B824C}" srcOrd="0" destOrd="0" presId="urn:microsoft.com/office/officeart/2005/8/layout/hProcess4"/>
     <dgm:cxn modelId="{745C2710-AEC2-4077-8999-F61D41E0B39E}" type="presOf" srcId="{C0BBB20E-A547-490C-BFC3-F69C30C2BB85}" destId="{AB2A0A4B-2E62-43F5-874D-A858B18AD7BD}" srcOrd="0" destOrd="0" presId="urn:microsoft.com/office/officeart/2005/8/layout/hProcess4"/>
-    <dgm:cxn modelId="{70FCD421-2521-424F-B9BC-061AF450C2F8}" type="presOf" srcId="{C742B16C-6774-4654-A307-2517E5970ED9}" destId="{0CDE4C4E-2C62-4126-8CEE-77D153383F3B}" srcOrd="1" destOrd="0" presId="urn:microsoft.com/office/officeart/2005/8/layout/hProcess4"/>
-    <dgm:cxn modelId="{DB37CD2A-171A-4EDF-AE2B-5E79EBACFD5B}" srcId="{928451A7-076A-4725-BC57-E98970B55362}" destId="{8DAB84D0-1232-4525-835D-427DF83AEF9C}" srcOrd="1" destOrd="0" parTransId="{66223C22-9641-4203-8CF8-F17D221D4CC1}" sibTransId="{46C6073C-0DC6-4E2E-AF22-F533CD0D8D76}"/>
+    <dgm:cxn modelId="{70FCD421-2521-424F-B9BC-061AF450C2F8}" type="presOf" srcId="{C742B16C-6774-4654-A307-2517E5970ED9}" destId="{0CDE4C4E-2C62-4126-8CEE-77D153383F3B}" srcOrd="1" destOrd="1" presId="urn:microsoft.com/office/officeart/2005/8/layout/hProcess4"/>
+    <dgm:cxn modelId="{0BC19424-EC70-4439-B064-2AB2452E9A8A}" type="presOf" srcId="{AEB247FD-6D58-4408-8770-0452FCED6303}" destId="{8901E0F4-0A59-4693-BCC0-AD691D9FB870}" srcOrd="0" destOrd="0" presId="urn:microsoft.com/office/officeart/2005/8/layout/hProcess4"/>
+    <dgm:cxn modelId="{DB37CD2A-171A-4EDF-AE2B-5E79EBACFD5B}" srcId="{928451A7-076A-4725-BC57-E98970B55362}" destId="{8DAB84D0-1232-4525-835D-427DF83AEF9C}" srcOrd="2" destOrd="0" parTransId="{66223C22-9641-4203-8CF8-F17D221D4CC1}" sibTransId="{46C6073C-0DC6-4E2E-AF22-F533CD0D8D76}"/>
     <dgm:cxn modelId="{21EEA131-555A-4801-A607-FBD385939B0A}" srcId="{928451A7-076A-4725-BC57-E98970B55362}" destId="{11F904A3-BE7E-4610-85FF-791DB76C5662}" srcOrd="0" destOrd="0" parTransId="{03E9A0DC-5904-496A-AAF6-356D4EB9E2C7}" sibTransId="{AA783ABE-4698-4A43-ACFE-2F0CA6278420}"/>
     <dgm:cxn modelId="{89E90838-B3EB-4AAA-8D15-4D187ADDBC24}" srcId="{20F7D581-9EB2-498F-BE28-9D62195EAF83}" destId="{148DC79C-4EEA-43CF-BADE-659389EC8CCC}" srcOrd="1" destOrd="0" parTransId="{93F49CA4-65A7-42FD-8AC9-5CBA10152A5A}" sibTransId="{987AB886-30FC-4929-AFA2-85A0536B5275}"/>
     <dgm:cxn modelId="{FBF9C739-9412-4585-8F14-F4D92428BCA3}" type="presOf" srcId="{B5920376-0133-44CD-BB1B-6F53C130D637}" destId="{B8A19F94-18F6-4D00-B053-8BF08839189F}" srcOrd="0" destOrd="0" presId="urn:microsoft.com/office/officeart/2005/8/layout/hProcess4"/>
     <dgm:cxn modelId="{864C703B-D3FC-4566-883E-42340E00BE6D}" type="presOf" srcId="{928451A7-076A-4725-BC57-E98970B55362}" destId="{40A8A41C-CF7A-4E88-8EA7-EAA6AFD512F6}" srcOrd="0" destOrd="0" presId="urn:microsoft.com/office/officeart/2005/8/layout/hProcess4"/>
     <dgm:cxn modelId="{A5BE503C-E8E6-47E1-B911-A7E285B72E93}" type="presOf" srcId="{148DC79C-4EEA-43CF-BADE-659389EC8CCC}" destId="{B8A19F94-18F6-4D00-B053-8BF08839189F}" srcOrd="0" destOrd="1" presId="urn:microsoft.com/office/officeart/2005/8/layout/hProcess4"/>
+    <dgm:cxn modelId="{54E2835E-295E-4457-8401-C47701F7A488}" type="presOf" srcId="{346F9207-926A-4CE5-BAF7-6C23B211C114}" destId="{B8A19F94-18F6-4D00-B053-8BF08839189F}" srcOrd="0" destOrd="2" presId="urn:microsoft.com/office/officeart/2005/8/layout/hProcess4"/>
     <dgm:cxn modelId="{BE340D61-28A6-4E10-B4BD-309F83AE9FD8}" type="presOf" srcId="{DD1C8274-3095-435A-B7E9-C86DA96BDE64}" destId="{943CED33-B477-41B6-8333-C0E815B32CCD}" srcOrd="0" destOrd="0" presId="urn:microsoft.com/office/officeart/2005/8/layout/hProcess4"/>
-    <dgm:cxn modelId="{0ACA2444-26E0-4640-8CC7-AB33AA1DAD47}" type="presOf" srcId="{F13B1487-2412-4E08-99C9-67C2BCBDEA4A}" destId="{0CDE4C4E-2C62-4126-8CEE-77D153383F3B}" srcOrd="1" destOrd="1" presId="urn:microsoft.com/office/officeart/2005/8/layout/hProcess4"/>
     <dgm:cxn modelId="{A743B165-EFB3-4A2B-9188-6DFA8B2E60AB}" srcId="{20F7D581-9EB2-498F-BE28-9D62195EAF83}" destId="{B5920376-0133-44CD-BB1B-6F53C130D637}" srcOrd="0" destOrd="0" parTransId="{E82A70DF-B649-4129-9355-DBF8312CF18F}" sibTransId="{73A56BD2-43C1-4062-A5A5-84091B9A63CC}"/>
-    <dgm:cxn modelId="{C8B22B49-CC6C-4CC7-B1A3-9980D2423C47}" srcId="{C0BBB20E-A547-490C-BFC3-F69C30C2BB85}" destId="{F13B1487-2412-4E08-99C9-67C2BCBDEA4A}" srcOrd="1" destOrd="0" parTransId="{D2C1CF47-F1CF-41FD-863C-436CAB276BF5}" sibTransId="{0DA945F7-3BBA-45C9-BADE-9D9D10D8009B}"/>
-    <dgm:cxn modelId="{A4A6564B-C371-4F9F-B066-1639325111C0}" type="presOf" srcId="{F13B1487-2412-4E08-99C9-67C2BCBDEA4A}" destId="{8901E0F4-0A59-4693-BCC0-AD691D9FB870}" srcOrd="0" destOrd="1" presId="urn:microsoft.com/office/officeart/2005/8/layout/hProcess4"/>
     <dgm:cxn modelId="{E683F570-DC2B-4326-9DA0-584336C8C6D6}" type="presOf" srcId="{B5920376-0133-44CD-BB1B-6F53C130D637}" destId="{BCCD055F-C4D8-4E1B-AEB8-AC963578358F}" srcOrd="1" destOrd="0" presId="urn:microsoft.com/office/officeart/2005/8/layout/hProcess4"/>
     <dgm:cxn modelId="{C5973D72-FB08-4B00-8516-F806514B4438}" srcId="{4BBBBA37-00AE-490F-BA4E-E9A756C4A0D7}" destId="{C0BBB20E-A547-490C-BFC3-F69C30C2BB85}" srcOrd="0" destOrd="0" parTransId="{830D836F-DF80-4E41-AF3F-21CC3E8E4EF2}" sibTransId="{DD1C8274-3095-435A-B7E9-C86DA96BDE64}"/>
-    <dgm:cxn modelId="{002EAD7A-751D-4A0E-8B80-3ED2E8BF0317}" srcId="{C0BBB20E-A547-490C-BFC3-F69C30C2BB85}" destId="{C742B16C-6774-4654-A307-2517E5970ED9}" srcOrd="0" destOrd="0" parTransId="{3F79200C-09D6-4579-940A-9925FCF29974}" sibTransId="{DB0BD340-6AE9-43AB-8228-82AD980D89BF}"/>
+    <dgm:cxn modelId="{002EAD7A-751D-4A0E-8B80-3ED2E8BF0317}" srcId="{C0BBB20E-A547-490C-BFC3-F69C30C2BB85}" destId="{C742B16C-6774-4654-A307-2517E5970ED9}" srcOrd="1" destOrd="0" parTransId="{3F79200C-09D6-4579-940A-9925FCF29974}" sibTransId="{DB0BD340-6AE9-43AB-8228-82AD980D89BF}"/>
     <dgm:cxn modelId="{555C2B7C-EBBB-4015-9A21-9AA3BA353080}" type="presOf" srcId="{4BBBBA37-00AE-490F-BA4E-E9A756C4A0D7}" destId="{7ABD661D-07C5-4739-AE45-6E1036C01B22}" srcOrd="0" destOrd="0" presId="urn:microsoft.com/office/officeart/2005/8/layout/hProcess4"/>
+    <dgm:cxn modelId="{419C9C8A-B936-4CB0-8C14-ACFFFA0989FC}" type="presOf" srcId="{8B1CE8EB-7CA0-4313-B82B-C36A7BCFDBA5}" destId="{9131C415-ABC8-494A-BB4C-4189E2623C96}" srcOrd="0" destOrd="1" presId="urn:microsoft.com/office/officeart/2005/8/layout/hProcess4"/>
     <dgm:cxn modelId="{1497608C-9EBF-4045-B5D2-B57D8503FD29}" srcId="{4BBBBA37-00AE-490F-BA4E-E9A756C4A0D7}" destId="{20F7D581-9EB2-498F-BE28-9D62195EAF83}" srcOrd="1" destOrd="0" parTransId="{E0FBE512-C1C4-4067-A1DE-34C9E33E9EB4}" sibTransId="{FCF39507-87BB-42FC-936E-7CB9C907446D}"/>
-    <dgm:cxn modelId="{658C8A97-82E5-4674-8ED0-64BFCCDCBEC3}" type="presOf" srcId="{8DAB84D0-1232-4525-835D-427DF83AEF9C}" destId="{3B26D6A5-9D56-445C-B171-536ACA002E6A}" srcOrd="1" destOrd="1" presId="urn:microsoft.com/office/officeart/2005/8/layout/hProcess4"/>
-    <dgm:cxn modelId="{AFFF7C9B-0E77-4342-BDDF-B74DE7FEA928}" type="presOf" srcId="{C742B16C-6774-4654-A307-2517E5970ED9}" destId="{8901E0F4-0A59-4693-BCC0-AD691D9FB870}" srcOrd="0" destOrd="0" presId="urn:microsoft.com/office/officeart/2005/8/layout/hProcess4"/>
+    <dgm:cxn modelId="{6DF80592-36AC-4508-8724-FC002CDE077F}" type="presOf" srcId="{8B1CE8EB-7CA0-4313-B82B-C36A7BCFDBA5}" destId="{3B26D6A5-9D56-445C-B171-536ACA002E6A}" srcOrd="1" destOrd="1" presId="urn:microsoft.com/office/officeart/2005/8/layout/hProcess4"/>
+    <dgm:cxn modelId="{658C8A97-82E5-4674-8ED0-64BFCCDCBEC3}" type="presOf" srcId="{8DAB84D0-1232-4525-835D-427DF83AEF9C}" destId="{3B26D6A5-9D56-445C-B171-536ACA002E6A}" srcOrd="1" destOrd="2" presId="urn:microsoft.com/office/officeart/2005/8/layout/hProcess4"/>
+    <dgm:cxn modelId="{AFFF7C9B-0E77-4342-BDDF-B74DE7FEA928}" type="presOf" srcId="{C742B16C-6774-4654-A307-2517E5970ED9}" destId="{8901E0F4-0A59-4693-BCC0-AD691D9FB870}" srcOrd="0" destOrd="1" presId="urn:microsoft.com/office/officeart/2005/8/layout/hProcess4"/>
     <dgm:cxn modelId="{838DFA9C-65AB-4608-A291-FF7157BB4A5F}" type="presOf" srcId="{11F904A3-BE7E-4610-85FF-791DB76C5662}" destId="{9131C415-ABC8-494A-BB4C-4189E2623C96}" srcOrd="0" destOrd="0" presId="urn:microsoft.com/office/officeart/2005/8/layout/hProcess4"/>
+    <dgm:cxn modelId="{DF3E27AC-9EC7-42C1-8261-77B5D8C07EFD}" srcId="{C0BBB20E-A547-490C-BFC3-F69C30C2BB85}" destId="{AEB247FD-6D58-4408-8770-0452FCED6303}" srcOrd="0" destOrd="0" parTransId="{89E3FD14-03B2-4832-8923-0DD87E75F033}" sibTransId="{13ECDF23-8262-4788-A630-8CE5ECF86CAB}"/>
     <dgm:cxn modelId="{1A2CD6BD-4FB6-4C65-A31E-7C659272F5FF}" srcId="{4BBBBA37-00AE-490F-BA4E-E9A756C4A0D7}" destId="{928451A7-076A-4725-BC57-E98970B55362}" srcOrd="2" destOrd="0" parTransId="{605DBBC2-A198-4676-A0C6-4546B7A91B68}" sibTransId="{75637A16-730E-4452-8190-67FB3226C504}"/>
-    <dgm:cxn modelId="{C9483CCC-F04E-41A4-BC9B-839EAF8C71E4}" type="presOf" srcId="{8DAB84D0-1232-4525-835D-427DF83AEF9C}" destId="{9131C415-ABC8-494A-BB4C-4189E2623C96}" srcOrd="0" destOrd="1" presId="urn:microsoft.com/office/officeart/2005/8/layout/hProcess4"/>
+    <dgm:cxn modelId="{C9483CCC-F04E-41A4-BC9B-839EAF8C71E4}" type="presOf" srcId="{8DAB84D0-1232-4525-835D-427DF83AEF9C}" destId="{9131C415-ABC8-494A-BB4C-4189E2623C96}" srcOrd="0" destOrd="2" presId="urn:microsoft.com/office/officeart/2005/8/layout/hProcess4"/>
+    <dgm:cxn modelId="{EBC422D0-6B48-45C7-BA12-1D35FC881AA7}" srcId="{928451A7-076A-4725-BC57-E98970B55362}" destId="{8B1CE8EB-7CA0-4313-B82B-C36A7BCFDBA5}" srcOrd="1" destOrd="0" parTransId="{454A3619-D629-4946-ACA0-13CDA67EC3C8}" sibTransId="{E9BDABAC-C5CC-489A-B470-ECB5D9E4FFBA}"/>
+    <dgm:cxn modelId="{74A79FE0-DCD0-43C0-915E-56C8A39D20C7}" type="presOf" srcId="{AEB247FD-6D58-4408-8770-0452FCED6303}" destId="{0CDE4C4E-2C62-4126-8CEE-77D153383F3B}" srcOrd="1" destOrd="0" presId="urn:microsoft.com/office/officeart/2005/8/layout/hProcess4"/>
+    <dgm:cxn modelId="{966C64E5-611A-47C4-905E-CC17AF588A1F}" type="presOf" srcId="{346F9207-926A-4CE5-BAF7-6C23B211C114}" destId="{BCCD055F-C4D8-4E1B-AEB8-AC963578358F}" srcOrd="1" destOrd="2" presId="urn:microsoft.com/office/officeart/2005/8/layout/hProcess4"/>
     <dgm:cxn modelId="{AE3814E9-6976-4CC2-90CB-4D505E6271E7}" type="presOf" srcId="{11F904A3-BE7E-4610-85FF-791DB76C5662}" destId="{3B26D6A5-9D56-445C-B171-536ACA002E6A}" srcOrd="1" destOrd="0" presId="urn:microsoft.com/office/officeart/2005/8/layout/hProcess4"/>
     <dgm:cxn modelId="{28055EEB-0D05-4E1C-9C09-229002861ED9}" type="presOf" srcId="{148DC79C-4EEA-43CF-BADE-659389EC8CCC}" destId="{BCCD055F-C4D8-4E1B-AEB8-AC963578358F}" srcOrd="1" destOrd="1" presId="urn:microsoft.com/office/officeart/2005/8/layout/hProcess4"/>
+    <dgm:cxn modelId="{6CE95EFC-1785-4095-B46C-25755792008A}" srcId="{20F7D581-9EB2-498F-BE28-9D62195EAF83}" destId="{346F9207-926A-4CE5-BAF7-6C23B211C114}" srcOrd="2" destOrd="0" parTransId="{52F81A13-55B5-4418-BFA4-E20AA1BFBD56}" sibTransId="{83D741F7-7241-440A-A365-D29CEE2F3D5C}"/>
     <dgm:cxn modelId="{CF123FA8-86E9-4509-A8B2-836C24730797}" type="presParOf" srcId="{7ABD661D-07C5-4739-AE45-6E1036C01B22}" destId="{75F32423-9911-408A-B8A9-5D1154B5D7BF}" srcOrd="0" destOrd="0" presId="urn:microsoft.com/office/officeart/2005/8/layout/hProcess4"/>
     <dgm:cxn modelId="{8850E79F-00B9-4C54-9215-3D15B08153DD}" type="presParOf" srcId="{7ABD661D-07C5-4739-AE45-6E1036C01B22}" destId="{D241EEF2-5E0C-4DE4-A18D-25619EBD7B6F}" srcOrd="1" destOrd="0" presId="urn:microsoft.com/office/officeart/2005/8/layout/hProcess4"/>
     <dgm:cxn modelId="{1226809C-B779-4841-B727-3E10E011B6CB}" type="presParOf" srcId="{7ABD661D-07C5-4739-AE45-6E1036C01B22}" destId="{FC4CC419-9620-4012-97C5-A28BFD476CA1}" srcOrd="2" destOrd="0" presId="urn:microsoft.com/office/officeart/2005/8/layout/hProcess4"/>
@@ -5832,7 +5946,7 @@
   <dgm:whole/>
   <dgm:extLst>
     <a:ext uri="http://schemas.microsoft.com/office/drawing/2008/diagram">
-      <dsp:dataModelExt xmlns:dsp="http://schemas.microsoft.com/office/drawing/2008/diagram" relId="rId6" minVer="http://schemas.openxmlformats.org/drawingml/2006/diagram"/>
+      <dsp:dataModelExt xmlns:dsp="http://schemas.microsoft.com/office/drawing/2008/diagram" relId="rId9" minVer="http://schemas.openxmlformats.org/drawingml/2006/diagram"/>
     </a:ext>
   </dgm:extLst>
 </dgm:dataModel>
@@ -8197,12 +8311,12 @@
         </a:fontRef>
       </dsp:style>
       <dsp:txBody>
-        <a:bodyPr spcFirstLastPara="0" vert="horz" wrap="square" lIns="47625" tIns="31750" rIns="47625" bIns="31750" numCol="1" spcCol="1270" anchor="ctr" anchorCtr="0">
+        <a:bodyPr spcFirstLastPara="0" vert="horz" wrap="square" lIns="28575" tIns="19050" rIns="28575" bIns="19050" numCol="1" spcCol="1270" anchor="ctr" anchorCtr="0">
           <a:noAutofit/>
         </a:bodyPr>
         <a:lstStyle/>
         <a:p>
-          <a:pPr marL="0" lvl="0" indent="0" algn="ctr" defTabSz="1111250">
+          <a:pPr marL="0" lvl="0" indent="0" algn="ctr" defTabSz="666750">
             <a:lnSpc>
               <a:spcPct val="90000"/>
             </a:lnSpc>
@@ -8214,7 +8328,10 @@
             </a:spcAft>
             <a:buNone/>
           </a:pPr>
-          <a:endParaRPr lang="fr-FR" sz="2500" kern="1200"/>
+          <a:r>
+            <a:rPr lang="fr-FR" sz="1500" kern="1200" dirty="0"/>
+            <a:t>Préparation</a:t>
+          </a:r>
         </a:p>
       </dsp:txBody>
       <dsp:txXfrm>
@@ -8413,12 +8530,12 @@
         </a:fontRef>
       </dsp:style>
       <dsp:txBody>
-        <a:bodyPr spcFirstLastPara="0" vert="horz" wrap="square" lIns="47625" tIns="31750" rIns="47625" bIns="31750" numCol="1" spcCol="1270" anchor="ctr" anchorCtr="0">
+        <a:bodyPr spcFirstLastPara="0" vert="horz" wrap="square" lIns="28575" tIns="19050" rIns="28575" bIns="19050" numCol="1" spcCol="1270" anchor="ctr" anchorCtr="0">
           <a:noAutofit/>
         </a:bodyPr>
         <a:lstStyle/>
         <a:p>
-          <a:pPr marL="0" lvl="0" indent="0" algn="ctr" defTabSz="1111250">
+          <a:pPr marL="0" lvl="0" indent="0" algn="ctr" defTabSz="666750">
             <a:lnSpc>
               <a:spcPct val="90000"/>
             </a:lnSpc>
@@ -8430,7 +8547,10 @@
             </a:spcAft>
             <a:buNone/>
           </a:pPr>
-          <a:endParaRPr lang="fr-FR" sz="2500" kern="1200"/>
+          <a:r>
+            <a:rPr lang="fr-FR" sz="1500" kern="1200" dirty="0"/>
+            <a:t>Introduction</a:t>
+          </a:r>
         </a:p>
       </dsp:txBody>
       <dsp:txXfrm>
@@ -8581,12 +8701,12 @@
         </a:fontRef>
       </dsp:style>
       <dsp:txBody>
-        <a:bodyPr spcFirstLastPara="0" vert="horz" wrap="square" lIns="47625" tIns="31750" rIns="47625" bIns="31750" numCol="1" spcCol="1270" anchor="ctr" anchorCtr="0">
+        <a:bodyPr spcFirstLastPara="0" vert="horz" wrap="square" lIns="28575" tIns="19050" rIns="28575" bIns="19050" numCol="1" spcCol="1270" anchor="ctr" anchorCtr="0">
           <a:noAutofit/>
         </a:bodyPr>
         <a:lstStyle/>
         <a:p>
-          <a:pPr marL="0" lvl="0" indent="0" algn="ctr" defTabSz="1111250">
+          <a:pPr marL="0" lvl="0" indent="0" algn="ctr" defTabSz="666750">
             <a:lnSpc>
               <a:spcPct val="90000"/>
             </a:lnSpc>
@@ -8598,7 +8718,10 @@
             </a:spcAft>
             <a:buNone/>
           </a:pPr>
-          <a:endParaRPr lang="fr-FR" sz="2500" kern="1200"/>
+          <a:r>
+            <a:rPr lang="fr-FR" sz="1500" kern="1200" dirty="0"/>
+            <a:t>Présentation </a:t>
+          </a:r>
         </a:p>
       </dsp:txBody>
       <dsp:txXfrm>
@@ -8625,8 +8748,8 @@
       </dsp:nvSpPr>
       <dsp:spPr>
         <a:xfrm>
-          <a:off x="79" y="998205"/>
-          <a:ext cx="1274977" cy="1051589"/>
+          <a:off x="268530" y="725627"/>
+          <a:ext cx="1690541" cy="1394343"/>
         </a:xfrm>
         <a:prstGeom prst="roundRect">
           <a:avLst>
@@ -8669,12 +8792,12 @@
         <a:fontRef idx="minor"/>
       </dsp:style>
       <dsp:txBody>
-        <a:bodyPr spcFirstLastPara="0" vert="horz" wrap="square" lIns="41910" tIns="41910" rIns="41910" bIns="41910" numCol="1" spcCol="1270" anchor="t" anchorCtr="0">
+        <a:bodyPr spcFirstLastPara="0" vert="horz" wrap="square" lIns="20955" tIns="20955" rIns="20955" bIns="20955" numCol="1" spcCol="1270" anchor="t" anchorCtr="0">
           <a:noAutofit/>
         </a:bodyPr>
         <a:lstStyle/>
         <a:p>
-          <a:pPr marL="228600" lvl="1" indent="-228600" algn="l" defTabSz="977900">
+          <a:pPr marL="57150" lvl="1" indent="-57150" algn="l" defTabSz="488950">
             <a:lnSpc>
               <a:spcPct val="90000"/>
             </a:lnSpc>
@@ -8686,10 +8809,13 @@
             </a:spcAft>
             <a:buChar char="•"/>
           </a:pPr>
-          <a:endParaRPr lang="fr-FR" sz="2200" kern="1200"/>
+          <a:r>
+            <a:rPr lang="fr-FR" sz="1100" kern="1200" dirty="0"/>
+            <a:t>Préparation en loge</a:t>
+          </a:r>
         </a:p>
         <a:p>
-          <a:pPr marL="228600" lvl="1" indent="-228600" algn="l" defTabSz="977900">
+          <a:pPr marL="57150" lvl="1" indent="-57150" algn="l" defTabSz="488950">
             <a:lnSpc>
               <a:spcPct val="90000"/>
             </a:lnSpc>
@@ -8701,12 +8827,15 @@
             </a:spcAft>
             <a:buChar char="•"/>
           </a:pPr>
-          <a:endParaRPr lang="fr-FR" sz="2200" kern="1200"/>
+          <a:r>
+            <a:rPr lang="fr-FR" sz="1100" kern="1200" dirty="0"/>
+            <a:t>Epreuve qui porterait sur un support de TP (Sans support !)</a:t>
+          </a:r>
         </a:p>
       </dsp:txBody>
       <dsp:txXfrm>
-        <a:off x="24279" y="1022405"/>
-        <a:ext cx="1226577" cy="777849"/>
+        <a:off x="300618" y="757715"/>
+        <a:ext cx="1626365" cy="1031379"/>
       </dsp:txXfrm>
     </dsp:sp>
     <dsp:sp modelId="{943CED33-B477-41B6-8333-C0E815B32CCD}">
@@ -8716,16 +8845,16 @@
       </dsp:nvSpPr>
       <dsp:spPr>
         <a:xfrm>
-          <a:off x="731782" y="1303248"/>
-          <a:ext cx="1325422" cy="1325422"/>
+          <a:off x="1234969" y="917647"/>
+          <a:ext cx="1972064" cy="1972064"/>
         </a:xfrm>
         <a:prstGeom prst="leftCircularArrow">
           <a:avLst>
-            <a:gd name="adj1" fmla="val 2550"/>
-            <a:gd name="adj2" fmla="val 309429"/>
-            <a:gd name="adj3" fmla="val 2084940"/>
-            <a:gd name="adj4" fmla="val 9024489"/>
-            <a:gd name="adj5" fmla="val 2975"/>
+            <a:gd name="adj1" fmla="val 3651"/>
+            <a:gd name="adj2" fmla="val 454705"/>
+            <a:gd name="adj3" fmla="val 2528244"/>
+            <a:gd name="adj4" fmla="val 9322517"/>
+            <a:gd name="adj5" fmla="val 4260"/>
           </a:avLst>
         </a:prstGeom>
         <a:solidFill>
@@ -8764,8 +8893,8 @@
       </dsp:nvSpPr>
       <dsp:spPr>
         <a:xfrm>
-          <a:off x="283408" y="1824454"/>
-          <a:ext cx="1133313" cy="450681"/>
+          <a:off x="818151" y="1957914"/>
+          <a:ext cx="1154812" cy="324113"/>
         </a:xfrm>
         <a:prstGeom prst="roundRect">
           <a:avLst>
@@ -8809,12 +8938,12 @@
         </a:fontRef>
       </dsp:style>
       <dsp:txBody>
-        <a:bodyPr spcFirstLastPara="0" vert="horz" wrap="square" lIns="47625" tIns="31750" rIns="47625" bIns="31750" numCol="1" spcCol="1270" anchor="ctr" anchorCtr="0">
+        <a:bodyPr spcFirstLastPara="0" vert="horz" wrap="square" lIns="26670" tIns="17780" rIns="26670" bIns="17780" numCol="1" spcCol="1270" anchor="ctr" anchorCtr="0">
           <a:noAutofit/>
         </a:bodyPr>
         <a:lstStyle/>
         <a:p>
-          <a:pPr marL="0" lvl="0" indent="0" algn="ctr" defTabSz="1111250">
+          <a:pPr marL="0" lvl="0" indent="0" algn="ctr" defTabSz="622300">
             <a:lnSpc>
               <a:spcPct val="90000"/>
             </a:lnSpc>
@@ -8826,12 +8955,15 @@
             </a:spcAft>
             <a:buNone/>
           </a:pPr>
-          <a:endParaRPr lang="fr-FR" sz="2500" kern="1200"/>
+          <a:r>
+            <a:rPr lang="fr-FR" sz="1400" kern="1200" dirty="0"/>
+            <a:t>Préparation</a:t>
+          </a:r>
         </a:p>
       </dsp:txBody>
       <dsp:txXfrm>
-        <a:off x="296608" y="1837654"/>
-        <a:ext cx="1106913" cy="424281"/>
+        <a:off x="827644" y="1967407"/>
+        <a:ext cx="1135826" cy="305127"/>
       </dsp:txXfrm>
     </dsp:sp>
     <dsp:sp modelId="{B8A19F94-18F6-4D00-B053-8BF08839189F}">
@@ -8841,8 +8973,8 @@
       </dsp:nvSpPr>
       <dsp:spPr>
         <a:xfrm>
-          <a:off x="1577679" y="998205"/>
-          <a:ext cx="1274977" cy="1051589"/>
+          <a:off x="2489810" y="725627"/>
+          <a:ext cx="1690541" cy="1394343"/>
         </a:xfrm>
         <a:prstGeom prst="roundRect">
           <a:avLst>
@@ -8885,12 +9017,12 @@
         <a:fontRef idx="minor"/>
       </dsp:style>
       <dsp:txBody>
-        <a:bodyPr spcFirstLastPara="0" vert="horz" wrap="square" lIns="41910" tIns="41910" rIns="41910" bIns="41910" numCol="1" spcCol="1270" anchor="t" anchorCtr="0">
+        <a:bodyPr spcFirstLastPara="0" vert="horz" wrap="square" lIns="20955" tIns="20955" rIns="20955" bIns="20955" numCol="1" spcCol="1270" anchor="t" anchorCtr="0">
           <a:noAutofit/>
         </a:bodyPr>
         <a:lstStyle/>
         <a:p>
-          <a:pPr marL="228600" lvl="1" indent="-228600" algn="l" defTabSz="977900">
+          <a:pPr marL="57150" lvl="1" indent="-57150" algn="l" defTabSz="488950">
             <a:lnSpc>
               <a:spcPct val="90000"/>
             </a:lnSpc>
@@ -8902,10 +9034,13 @@
             </a:spcAft>
             <a:buChar char="•"/>
           </a:pPr>
-          <a:endParaRPr lang="fr-FR" sz="2200" kern="1200"/>
+          <a:r>
+            <a:rPr lang="fr-FR" sz="1100" kern="1200" dirty="0"/>
+            <a:t>Contexte du système</a:t>
+          </a:r>
         </a:p>
         <a:p>
-          <a:pPr marL="228600" lvl="1" indent="-228600" algn="l" defTabSz="977900">
+          <a:pPr marL="57150" lvl="1" indent="-57150" algn="l" defTabSz="488950">
             <a:lnSpc>
               <a:spcPct val="90000"/>
             </a:lnSpc>
@@ -8917,12 +9052,33 @@
             </a:spcAft>
             <a:buChar char="•"/>
           </a:pPr>
-          <a:endParaRPr lang="fr-FR" sz="2200" kern="1200"/>
+          <a:r>
+            <a:rPr lang="fr-FR" sz="1100" kern="1200" dirty="0"/>
+            <a:t>Fonction principale</a:t>
+          </a:r>
+        </a:p>
+        <a:p>
+          <a:pPr marL="57150" lvl="1" indent="-57150" algn="l" defTabSz="488950">
+            <a:lnSpc>
+              <a:spcPct val="90000"/>
+            </a:lnSpc>
+            <a:spcBef>
+              <a:spcPct val="0"/>
+            </a:spcBef>
+            <a:spcAft>
+              <a:spcPct val="15000"/>
+            </a:spcAft>
+            <a:buChar char="•"/>
+          </a:pPr>
+          <a:r>
+            <a:rPr lang="fr-FR" sz="1100" kern="1200" dirty="0"/>
+            <a:t>Chaine de puissance</a:t>
+          </a:r>
         </a:p>
       </dsp:txBody>
       <dsp:txXfrm>
-        <a:off x="1601879" y="1247745"/>
-        <a:ext cx="1226577" cy="777849"/>
+        <a:off x="2521898" y="1056503"/>
+        <a:ext cx="1626365" cy="1031379"/>
       </dsp:txXfrm>
     </dsp:sp>
     <dsp:sp modelId="{DC8BE73A-4F5A-421C-B33E-9320120B824C}">
@@ -8932,16 +9088,16 @@
       </dsp:nvSpPr>
       <dsp:spPr>
         <a:xfrm>
-          <a:off x="2298757" y="378097"/>
-          <a:ext cx="1488336" cy="1488336"/>
+          <a:off x="3442524" y="-98421"/>
+          <a:ext cx="2187352" cy="2187352"/>
         </a:xfrm>
         <a:prstGeom prst="circularArrow">
           <a:avLst>
-            <a:gd name="adj1" fmla="val 2271"/>
-            <a:gd name="adj2" fmla="val 273786"/>
-            <a:gd name="adj3" fmla="val 19550703"/>
-            <a:gd name="adj4" fmla="val 12575511"/>
-            <a:gd name="adj5" fmla="val 2650"/>
+            <a:gd name="adj1" fmla="val 3292"/>
+            <a:gd name="adj2" fmla="val 406454"/>
+            <a:gd name="adj3" fmla="val 19151661"/>
+            <a:gd name="adj4" fmla="val 12309136"/>
+            <a:gd name="adj5" fmla="val 3841"/>
           </a:avLst>
         </a:prstGeom>
         <a:solidFill>
@@ -8980,8 +9136,8 @@
       </dsp:nvSpPr>
       <dsp:spPr>
         <a:xfrm>
-          <a:off x="1861007" y="772864"/>
-          <a:ext cx="1133313" cy="450681"/>
+          <a:off x="3039431" y="563571"/>
+          <a:ext cx="1154812" cy="324113"/>
         </a:xfrm>
         <a:prstGeom prst="roundRect">
           <a:avLst>
@@ -9025,12 +9181,12 @@
         </a:fontRef>
       </dsp:style>
       <dsp:txBody>
-        <a:bodyPr spcFirstLastPara="0" vert="horz" wrap="square" lIns="47625" tIns="31750" rIns="47625" bIns="31750" numCol="1" spcCol="1270" anchor="ctr" anchorCtr="0">
+        <a:bodyPr spcFirstLastPara="0" vert="horz" wrap="square" lIns="26670" tIns="17780" rIns="26670" bIns="17780" numCol="1" spcCol="1270" anchor="ctr" anchorCtr="0">
           <a:noAutofit/>
         </a:bodyPr>
         <a:lstStyle/>
         <a:p>
-          <a:pPr marL="0" lvl="0" indent="0" algn="ctr" defTabSz="1111250">
+          <a:pPr marL="0" lvl="0" indent="0" algn="ctr" defTabSz="622300">
             <a:lnSpc>
               <a:spcPct val="90000"/>
             </a:lnSpc>
@@ -9042,12 +9198,15 @@
             </a:spcAft>
             <a:buNone/>
           </a:pPr>
-          <a:endParaRPr lang="fr-FR" sz="2500" kern="1200"/>
+          <a:r>
+            <a:rPr lang="fr-FR" sz="1400" kern="1200" dirty="0"/>
+            <a:t>Introduction</a:t>
+          </a:r>
         </a:p>
       </dsp:txBody>
       <dsp:txXfrm>
-        <a:off x="1874207" y="786064"/>
-        <a:ext cx="1106913" cy="424281"/>
+        <a:off x="3048924" y="573064"/>
+        <a:ext cx="1135826" cy="305127"/>
       </dsp:txXfrm>
     </dsp:sp>
     <dsp:sp modelId="{9131C415-ABC8-494A-BB4C-4189E2623C96}">
@@ -9057,8 +9216,8 @@
       </dsp:nvSpPr>
       <dsp:spPr>
         <a:xfrm>
-          <a:off x="3155278" y="998205"/>
-          <a:ext cx="1274977" cy="1051589"/>
+          <a:off x="4711089" y="725627"/>
+          <a:ext cx="1690541" cy="1394343"/>
         </a:xfrm>
         <a:prstGeom prst="roundRect">
           <a:avLst>
@@ -9101,12 +9260,12 @@
         <a:fontRef idx="minor"/>
       </dsp:style>
       <dsp:txBody>
-        <a:bodyPr spcFirstLastPara="0" vert="horz" wrap="square" lIns="41910" tIns="41910" rIns="41910" bIns="41910" numCol="1" spcCol="1270" anchor="t" anchorCtr="0">
+        <a:bodyPr spcFirstLastPara="0" vert="horz" wrap="square" lIns="20955" tIns="20955" rIns="20955" bIns="20955" numCol="1" spcCol="1270" anchor="t" anchorCtr="0">
           <a:noAutofit/>
         </a:bodyPr>
         <a:lstStyle/>
         <a:p>
-          <a:pPr marL="228600" lvl="1" indent="-228600" algn="l" defTabSz="977900">
+          <a:pPr marL="57150" lvl="1" indent="-57150" algn="l" defTabSz="488950">
             <a:lnSpc>
               <a:spcPct val="90000"/>
             </a:lnSpc>
@@ -9118,10 +9277,13 @@
             </a:spcAft>
             <a:buChar char="•"/>
           </a:pPr>
-          <a:endParaRPr lang="fr-FR" sz="2200" kern="1200"/>
+          <a:r>
+            <a:rPr lang="fr-FR" sz="1100" kern="1200" dirty="0"/>
+            <a:t>Modèle de connaissance</a:t>
+          </a:r>
         </a:p>
         <a:p>
-          <a:pPr marL="228600" lvl="1" indent="-228600" algn="l" defTabSz="977900">
+          <a:pPr marL="57150" lvl="1" indent="-57150" algn="l" defTabSz="488950">
             <a:lnSpc>
               <a:spcPct val="90000"/>
             </a:lnSpc>
@@ -9133,12 +9295,33 @@
             </a:spcAft>
             <a:buChar char="•"/>
           </a:pPr>
-          <a:endParaRPr lang="fr-FR" sz="2200" kern="1200"/>
+          <a:r>
+            <a:rPr lang="fr-FR" sz="1100" kern="1200" dirty="0"/>
+            <a:t>Modèle de comportement</a:t>
+          </a:r>
+        </a:p>
+        <a:p>
+          <a:pPr marL="57150" lvl="1" indent="-57150" algn="l" defTabSz="488950">
+            <a:lnSpc>
+              <a:spcPct val="90000"/>
+            </a:lnSpc>
+            <a:spcBef>
+              <a:spcPct val="0"/>
+            </a:spcBef>
+            <a:spcAft>
+              <a:spcPct val="15000"/>
+            </a:spcAft>
+            <a:buChar char="•"/>
+          </a:pPr>
+          <a:r>
+            <a:rPr lang="fr-FR" sz="1100" kern="1200" dirty="0"/>
+            <a:t>Expérimenter (proposer des protocoles expérimentaux, analyse des résultats)</a:t>
+          </a:r>
         </a:p>
       </dsp:txBody>
       <dsp:txXfrm>
-        <a:off x="3179478" y="1022405"/>
-        <a:ext cx="1226577" cy="777849"/>
+        <a:off x="4743177" y="757715"/>
+        <a:ext cx="1626365" cy="1031379"/>
       </dsp:txXfrm>
     </dsp:sp>
     <dsp:sp modelId="{40A8A41C-CF7A-4E88-8EA7-EAA6AFD512F6}">
@@ -9148,8 +9331,8 @@
       </dsp:nvSpPr>
       <dsp:spPr>
         <a:xfrm>
-          <a:off x="3438606" y="1824454"/>
-          <a:ext cx="1133313" cy="450681"/>
+          <a:off x="5260711" y="1957914"/>
+          <a:ext cx="1154812" cy="324113"/>
         </a:xfrm>
         <a:prstGeom prst="roundRect">
           <a:avLst>
@@ -9193,12 +9376,12 @@
         </a:fontRef>
       </dsp:style>
       <dsp:txBody>
-        <a:bodyPr spcFirstLastPara="0" vert="horz" wrap="square" lIns="47625" tIns="31750" rIns="47625" bIns="31750" numCol="1" spcCol="1270" anchor="ctr" anchorCtr="0">
+        <a:bodyPr spcFirstLastPara="0" vert="horz" wrap="square" lIns="26670" tIns="17780" rIns="26670" bIns="17780" numCol="1" spcCol="1270" anchor="ctr" anchorCtr="0">
           <a:noAutofit/>
         </a:bodyPr>
         <a:lstStyle/>
         <a:p>
-          <a:pPr marL="0" lvl="0" indent="0" algn="ctr" defTabSz="1111250">
+          <a:pPr marL="0" lvl="0" indent="0" algn="ctr" defTabSz="622300">
             <a:lnSpc>
               <a:spcPct val="90000"/>
             </a:lnSpc>
@@ -9210,12 +9393,15 @@
             </a:spcAft>
             <a:buNone/>
           </a:pPr>
-          <a:endParaRPr lang="fr-FR" sz="2500" kern="1200"/>
+          <a:r>
+            <a:rPr lang="fr-FR" sz="1400" kern="1200"/>
+            <a:t>Présentation </a:t>
+          </a:r>
         </a:p>
       </dsp:txBody>
       <dsp:txXfrm>
-        <a:off x="3451806" y="1837654"/>
-        <a:ext cx="1106913" cy="424281"/>
+        <a:off x="5270204" y="1967407"/>
+        <a:ext cx="1135826" cy="305127"/>
       </dsp:txXfrm>
     </dsp:sp>
   </dsp:spTree>
@@ -20178,6 +20364,53 @@
           </a:p>
         </p:txBody>
       </p:sp>
+      <p:pic>
+        <p:nvPicPr>
+          <p:cNvPr id="1026" name="Picture 2">
+            <a:extLst>
+              <a:ext uri="{FF2B5EF4-FFF2-40B4-BE49-F238E27FC236}">
+                <a16:creationId xmlns:a16="http://schemas.microsoft.com/office/drawing/2014/main" id="{AE159A9D-0A90-64E1-7BD5-A3F054F1F432}"/>
+              </a:ext>
+            </a:extLst>
+          </p:cNvPr>
+          <p:cNvPicPr>
+            <a:picLocks noChangeAspect="1" noChangeArrowheads="1"/>
+          </p:cNvPicPr>
+          <p:nvPr/>
+        </p:nvPicPr>
+        <p:blipFill>
+          <a:blip r:embed="rId8">
+            <a:extLst>
+              <a:ext uri="{28A0092B-C50C-407E-A947-70E740481C1C}">
+                <a14:useLocalDpi xmlns:a14="http://schemas.microsoft.com/office/drawing/2010/main" val="0"/>
+              </a:ext>
+            </a:extLst>
+          </a:blip>
+          <a:srcRect/>
+          <a:stretch>
+            <a:fillRect/>
+          </a:stretch>
+        </p:blipFill>
+        <p:spPr bwMode="auto">
+          <a:xfrm>
+            <a:off x="6231467" y="12552"/>
+            <a:ext cx="626533" cy="758597"/>
+          </a:xfrm>
+          <a:prstGeom prst="rect">
+            <a:avLst/>
+          </a:prstGeom>
+          <a:noFill/>
+          <a:extLst>
+            <a:ext uri="{909E8E84-426E-40DD-AFC4-6F175D3DCCD1}">
+              <a14:hiddenFill xmlns:a14="http://schemas.microsoft.com/office/drawing/2010/main">
+                <a:solidFill>
+                  <a:srgbClr val="FFFFFF"/>
+                </a:solidFill>
+              </a14:hiddenFill>
+            </a:ext>
+          </a:extLst>
+        </p:spPr>
+      </p:pic>
     </p:spTree>
     <p:extLst>
       <p:ext uri="{BB962C8B-B14F-4D97-AF65-F5344CB8AC3E}">
@@ -25028,7 +25261,13 @@
             </a:extLst>
           </p:cNvPr>
           <p:cNvGraphicFramePr/>
-          <p:nvPr/>
+          <p:nvPr>
+            <p:extLst>
+              <p:ext uri="{D42A27DB-BD31-4B8C-83A1-F6EECF244321}">
+                <p14:modId xmlns:p14="http://schemas.microsoft.com/office/powerpoint/2010/main" val="778458221"/>
+              </p:ext>
+            </p:extLst>
+          </p:nvPr>
         </p:nvGraphicFramePr>
         <p:xfrm>
           <a:off x="1143000" y="3429000"/>
@@ -25696,7 +25935,7 @@
               <a:rPr lang="fr-FR" sz="1600" b="1" dirty="0">
                 <a:latin typeface="Arial Nova" panose="020B0504020202020204" pitchFamily="34" charset="0"/>
               </a:rPr>
-              <a:t>Ecole Navale</a:t>
+              <a:t>Ecole Navale – SII </a:t>
             </a:r>
           </a:p>
         </p:txBody>
@@ -25791,28 +26030,6 @@
           </a:fontRef>
         </p:style>
       </p:cxnSp>
-      <p:graphicFrame>
-        <p:nvGraphicFramePr>
-          <p:cNvPr id="8" name="Diagramme 7">
-            <a:extLst>
-              <a:ext uri="{FF2B5EF4-FFF2-40B4-BE49-F238E27FC236}">
-                <a16:creationId xmlns:a16="http://schemas.microsoft.com/office/drawing/2014/main" id="{BA8234FD-E8E8-A08C-7699-94337FE5B496}"/>
-              </a:ext>
-            </a:extLst>
-          </p:cNvPr>
-          <p:cNvGraphicFramePr/>
-          <p:nvPr/>
-        </p:nvGraphicFramePr>
-        <p:xfrm>
-          <a:off x="1143000" y="3429000"/>
-          <a:ext cx="4572000" cy="3048000"/>
-        </p:xfrm>
-        <a:graphic>
-          <a:graphicData uri="http://schemas.openxmlformats.org/drawingml/2006/diagram">
-            <dgm:relIds xmlns:dgm="http://schemas.openxmlformats.org/drawingml/2006/diagram" xmlns:r="http://schemas.openxmlformats.org/officeDocument/2006/relationships" r:dm="rId2" r:lo="rId3" r:qs="rId4" r:cs="rId5"/>
-          </a:graphicData>
-        </a:graphic>
-      </p:graphicFrame>
       <p:grpSp>
         <p:nvGrpSpPr>
           <p:cNvPr id="11" name="Groupe 10">
@@ -25914,7 +26131,7 @@
                 <a:rPr lang="fr-FR" sz="1200" dirty="0">
                   <a:latin typeface="Arial Nova" panose="020B0504020202020204" pitchFamily="34" charset="0"/>
                 </a:rPr>
-                <a:t>Epreuve PSI (?)</a:t>
+                <a:t>Epreuve PSI </a:t>
               </a:r>
             </a:p>
           </p:txBody>
@@ -26269,7 +26486,7 @@
                 <a:solidFill>
                   <a:schemeClr val="tx2"/>
                 </a:solidFill>
-                <a:hlinkClick r:id="rId7">
+                <a:hlinkClick r:id="rId2">
                   <a:extLst>
                     <a:ext uri="{A12FA001-AC4F-418D-AE19-62706E023703}">
                       <ahyp:hlinkClr xmlns:ahyp="http://schemas.microsoft.com/office/drawing/2018/hyperlinkcolor" val="tx"/>
@@ -26292,7 +26509,7 @@
                 <a:solidFill>
                   <a:schemeClr val="tx2"/>
                 </a:solidFill>
-                <a:hlinkClick r:id="rId8">
+                <a:hlinkClick r:id="rId3">
                   <a:extLst>
                     <a:ext uri="{A12FA001-AC4F-418D-AE19-62706E023703}">
                       <ahyp:hlinkClr xmlns:ahyp="http://schemas.microsoft.com/office/drawing/2018/hyperlinkcolor" val="tx"/>
@@ -26373,7 +26590,7 @@
           <p:nvPr/>
         </p:nvPicPr>
         <p:blipFill>
-          <a:blip r:embed="rId9">
+          <a:blip r:embed="rId4">
             <a:extLst>
               <a:ext uri="{28A0092B-C50C-407E-A947-70E740481C1C}">
                 <a14:useLocalDpi xmlns:a14="http://schemas.microsoft.com/office/drawing/2010/main" val="0"/>
@@ -26403,6 +26620,366 @@
               </a14:hiddenFill>
             </a:ext>
           </a:extLst>
+        </p:spPr>
+      </p:pic>
+      <p:graphicFrame>
+        <p:nvGraphicFramePr>
+          <p:cNvPr id="15" name="Diagramme 14">
+            <a:extLst>
+              <a:ext uri="{FF2B5EF4-FFF2-40B4-BE49-F238E27FC236}">
+                <a16:creationId xmlns:a16="http://schemas.microsoft.com/office/drawing/2014/main" id="{9FC85E4C-A210-DB2E-52EA-388AA084D461}"/>
+              </a:ext>
+            </a:extLst>
+          </p:cNvPr>
+          <p:cNvGraphicFramePr/>
+          <p:nvPr>
+            <p:extLst>
+              <p:ext uri="{D42A27DB-BD31-4B8C-83A1-F6EECF244321}">
+                <p14:modId xmlns:p14="http://schemas.microsoft.com/office/powerpoint/2010/main" val="2372394763"/>
+              </p:ext>
+            </p:extLst>
+          </p:nvPr>
+        </p:nvGraphicFramePr>
+        <p:xfrm>
+          <a:off x="0" y="1750293"/>
+          <a:ext cx="6858000" cy="2845599"/>
+        </p:xfrm>
+        <a:graphic>
+          <a:graphicData uri="http://schemas.openxmlformats.org/drawingml/2006/diagram">
+            <dgm:relIds xmlns:dgm="http://schemas.openxmlformats.org/drawingml/2006/diagram" xmlns:r="http://schemas.openxmlformats.org/officeDocument/2006/relationships" r:dm="rId5" r:lo="rId6" r:qs="rId7" r:cs="rId8"/>
+          </a:graphicData>
+        </a:graphic>
+      </p:graphicFrame>
+      <p:sp>
+        <p:nvSpPr>
+          <p:cNvPr id="16" name="Ellipse 15">
+            <a:extLst>
+              <a:ext uri="{FF2B5EF4-FFF2-40B4-BE49-F238E27FC236}">
+                <a16:creationId xmlns:a16="http://schemas.microsoft.com/office/drawing/2014/main" id="{53E30797-C891-C335-F13A-63AAD003DFC7}"/>
+              </a:ext>
+            </a:extLst>
+          </p:cNvPr>
+          <p:cNvSpPr/>
+          <p:nvPr/>
+        </p:nvSpPr>
+        <p:spPr>
+          <a:xfrm>
+            <a:off x="1767570" y="4246757"/>
+            <a:ext cx="252000" cy="252000"/>
+          </a:xfrm>
+          <a:prstGeom prst="ellipse">
+            <a:avLst/>
+          </a:prstGeom>
+        </p:spPr>
+        <p:style>
+          <a:lnRef idx="2">
+            <a:schemeClr val="accent6">
+              <a:shade val="50000"/>
+            </a:schemeClr>
+          </a:lnRef>
+          <a:fillRef idx="1">
+            <a:schemeClr val="accent6"/>
+          </a:fillRef>
+          <a:effectRef idx="0">
+            <a:schemeClr val="accent6"/>
+          </a:effectRef>
+          <a:fontRef idx="minor">
+            <a:schemeClr val="lt1"/>
+          </a:fontRef>
+        </p:style>
+        <p:txBody>
+          <a:bodyPr lIns="0" tIns="0" rIns="0" bIns="0" rtlCol="0" anchor="ctr"/>
+          <a:lstStyle/>
+          <a:p>
+            <a:pPr algn="ctr"/>
+            <a:r>
+              <a:rPr lang="fr-FR" sz="900" b="1" dirty="0"/>
+              <a:t>30’</a:t>
+            </a:r>
+          </a:p>
+        </p:txBody>
+      </p:sp>
+      <p:sp>
+        <p:nvSpPr>
+          <p:cNvPr id="17" name="Ellipse 16">
+            <a:extLst>
+              <a:ext uri="{FF2B5EF4-FFF2-40B4-BE49-F238E27FC236}">
+                <a16:creationId xmlns:a16="http://schemas.microsoft.com/office/drawing/2014/main" id="{FA832A25-7B21-BCAB-E8DE-832D67E7AB11}"/>
+              </a:ext>
+            </a:extLst>
+          </p:cNvPr>
+          <p:cNvSpPr/>
+          <p:nvPr/>
+        </p:nvSpPr>
+        <p:spPr>
+          <a:xfrm>
+            <a:off x="3177000" y="3594950"/>
+            <a:ext cx="252000" cy="252000"/>
+          </a:xfrm>
+          <a:prstGeom prst="ellipse">
+            <a:avLst/>
+          </a:prstGeom>
+        </p:spPr>
+        <p:style>
+          <a:lnRef idx="2">
+            <a:schemeClr val="accent6">
+              <a:shade val="50000"/>
+            </a:schemeClr>
+          </a:lnRef>
+          <a:fillRef idx="1">
+            <a:schemeClr val="accent6"/>
+          </a:fillRef>
+          <a:effectRef idx="0">
+            <a:schemeClr val="accent6"/>
+          </a:effectRef>
+          <a:fontRef idx="minor">
+            <a:schemeClr val="lt1"/>
+          </a:fontRef>
+        </p:style>
+        <p:txBody>
+          <a:bodyPr lIns="0" tIns="0" rIns="0" bIns="0" rtlCol="0" anchor="ctr"/>
+          <a:lstStyle/>
+          <a:p>
+            <a:pPr algn="ctr"/>
+            <a:r>
+              <a:rPr lang="fr-FR" sz="900" b="1" dirty="0"/>
+              <a:t>5’</a:t>
+            </a:r>
+          </a:p>
+        </p:txBody>
+      </p:sp>
+      <p:sp>
+        <p:nvSpPr>
+          <p:cNvPr id="19" name="Ellipse 18">
+            <a:extLst>
+              <a:ext uri="{FF2B5EF4-FFF2-40B4-BE49-F238E27FC236}">
+                <a16:creationId xmlns:a16="http://schemas.microsoft.com/office/drawing/2014/main" id="{B996B0EC-6BC3-DB33-B22D-BD571FB0AD32}"/>
+              </a:ext>
+            </a:extLst>
+          </p:cNvPr>
+          <p:cNvSpPr/>
+          <p:nvPr/>
+        </p:nvSpPr>
+        <p:spPr>
+          <a:xfrm>
+            <a:off x="6094825" y="4102442"/>
+            <a:ext cx="252000" cy="252000"/>
+          </a:xfrm>
+          <a:prstGeom prst="ellipse">
+            <a:avLst/>
+          </a:prstGeom>
+        </p:spPr>
+        <p:style>
+          <a:lnRef idx="2">
+            <a:schemeClr val="accent6">
+              <a:shade val="50000"/>
+            </a:schemeClr>
+          </a:lnRef>
+          <a:fillRef idx="1">
+            <a:schemeClr val="accent6"/>
+          </a:fillRef>
+          <a:effectRef idx="0">
+            <a:schemeClr val="accent6"/>
+          </a:effectRef>
+          <a:fontRef idx="minor">
+            <a:schemeClr val="lt1"/>
+          </a:fontRef>
+        </p:style>
+        <p:txBody>
+          <a:bodyPr lIns="0" tIns="0" rIns="0" bIns="0" rtlCol="0" anchor="ctr"/>
+          <a:lstStyle/>
+          <a:p>
+            <a:pPr algn="ctr"/>
+            <a:r>
+              <a:rPr lang="fr-FR" sz="900" b="1" dirty="0"/>
+              <a:t>25’</a:t>
+            </a:r>
+          </a:p>
+        </p:txBody>
+      </p:sp>
+      <p:sp>
+        <p:nvSpPr>
+          <p:cNvPr id="20" name="Rectangle : carré corné 19">
+            <a:extLst>
+              <a:ext uri="{FF2B5EF4-FFF2-40B4-BE49-F238E27FC236}">
+                <a16:creationId xmlns:a16="http://schemas.microsoft.com/office/drawing/2014/main" id="{EBA24935-70E0-BFED-B014-3B6C8C412DED}"/>
+              </a:ext>
+            </a:extLst>
+          </p:cNvPr>
+          <p:cNvSpPr/>
+          <p:nvPr/>
+        </p:nvSpPr>
+        <p:spPr>
+          <a:xfrm>
+            <a:off x="138179" y="4953000"/>
+            <a:ext cx="1129705" cy="738030"/>
+          </a:xfrm>
+          <a:prstGeom prst="foldedCorner">
+            <a:avLst/>
+          </a:prstGeom>
+        </p:spPr>
+        <p:style>
+          <a:lnRef idx="2">
+            <a:schemeClr val="accent4"/>
+          </a:lnRef>
+          <a:fillRef idx="1">
+            <a:schemeClr val="lt1"/>
+          </a:fillRef>
+          <a:effectRef idx="0">
+            <a:schemeClr val="accent4"/>
+          </a:effectRef>
+          <a:fontRef idx="minor">
+            <a:schemeClr val="dk1"/>
+          </a:fontRef>
+        </p:style>
+        <p:txBody>
+          <a:bodyPr rtlCol="0" anchor="ctr"/>
+          <a:lstStyle/>
+          <a:p>
+            <a:pPr algn="ctr"/>
+            <a:r>
+              <a:rPr lang="fr-FR" sz="1400" dirty="0"/>
+              <a:t>Documents</a:t>
+            </a:r>
+          </a:p>
+        </p:txBody>
+      </p:sp>
+      <p:sp>
+        <p:nvSpPr>
+          <p:cNvPr id="21" name="Rectangle : carré corné 20">
+            <a:extLst>
+              <a:ext uri="{FF2B5EF4-FFF2-40B4-BE49-F238E27FC236}">
+                <a16:creationId xmlns:a16="http://schemas.microsoft.com/office/drawing/2014/main" id="{5935E866-C150-2D13-D1B6-CECC2305D8D8}"/>
+              </a:ext>
+            </a:extLst>
+          </p:cNvPr>
+          <p:cNvSpPr/>
+          <p:nvPr/>
+        </p:nvSpPr>
+        <p:spPr>
+          <a:xfrm>
+            <a:off x="1530417" y="4953000"/>
+            <a:ext cx="1240723" cy="738030"/>
+          </a:xfrm>
+          <a:prstGeom prst="foldedCorner">
+            <a:avLst/>
+          </a:prstGeom>
+        </p:spPr>
+        <p:style>
+          <a:lnRef idx="2">
+            <a:schemeClr val="accent4"/>
+          </a:lnRef>
+          <a:fillRef idx="1">
+            <a:schemeClr val="lt1"/>
+          </a:fillRef>
+          <a:effectRef idx="0">
+            <a:schemeClr val="accent4"/>
+          </a:effectRef>
+          <a:fontRef idx="minor">
+            <a:schemeClr val="dk1"/>
+          </a:fontRef>
+        </p:style>
+        <p:txBody>
+          <a:bodyPr rtlCol="0" anchor="ctr"/>
+          <a:lstStyle/>
+          <a:p>
+            <a:pPr algn="ctr"/>
+            <a:r>
+              <a:rPr lang="fr-FR" sz="1400" dirty="0"/>
+              <a:t>« Brouillons »</a:t>
+            </a:r>
+          </a:p>
+        </p:txBody>
+      </p:sp>
+      <p:pic>
+        <p:nvPicPr>
+          <p:cNvPr id="2052" name="Picture 4" descr="Epson ELPDC13 - Vidéo-visualiseur numérique">
+            <a:extLst>
+              <a:ext uri="{FF2B5EF4-FFF2-40B4-BE49-F238E27FC236}">
+                <a16:creationId xmlns:a16="http://schemas.microsoft.com/office/drawing/2014/main" id="{CF61BF52-CBD5-ECB0-57FC-4691696AB820}"/>
+              </a:ext>
+            </a:extLst>
+          </p:cNvPr>
+          <p:cNvPicPr>
+            <a:picLocks noChangeAspect="1" noChangeArrowheads="1"/>
+          </p:cNvPicPr>
+          <p:nvPr/>
+        </p:nvPicPr>
+        <p:blipFill>
+          <a:blip r:embed="rId10">
+            <a:extLst>
+              <a:ext uri="{BEBA8EAE-BF5A-486C-A8C5-ECC9F3942E4B}">
+                <a14:imgProps xmlns:a14="http://schemas.microsoft.com/office/drawing/2010/main">
+                  <a14:imgLayer r:embed="rId11">
+                    <a14:imgEffect>
+                      <a14:backgroundRemoval t="8167" b="91500" l="10000" r="90000">
+                        <a14:foregroundMark x1="24875" y1="14833" x2="38875" y2="11167"/>
+                        <a14:foregroundMark x1="38875" y1="11167" x2="45000" y2="8333"/>
+                        <a14:foregroundMark x1="65250" y1="81333" x2="76625" y2="87833"/>
+                        <a14:foregroundMark x1="72000" y1="91500" x2="72000" y2="91500"/>
+                      </a14:backgroundRemoval>
+                    </a14:imgEffect>
+                  </a14:imgLayer>
+                </a14:imgProps>
+              </a:ext>
+              <a:ext uri="{28A0092B-C50C-407E-A947-70E740481C1C}">
+                <a14:useLocalDpi xmlns:a14="http://schemas.microsoft.com/office/drawing/2010/main" val="0"/>
+              </a:ext>
+            </a:extLst>
+          </a:blip>
+          <a:srcRect/>
+          <a:stretch>
+            <a:fillRect/>
+          </a:stretch>
+        </p:blipFill>
+        <p:spPr bwMode="auto">
+          <a:xfrm>
+            <a:off x="5402584" y="4414980"/>
+            <a:ext cx="1289555" cy="967166"/>
+          </a:xfrm>
+          <a:prstGeom prst="rect">
+            <a:avLst/>
+          </a:prstGeom>
+          <a:noFill/>
+          <a:extLst>
+            <a:ext uri="{909E8E84-426E-40DD-AFC4-6F175D3DCCD1}">
+              <a14:hiddenFill xmlns:a14="http://schemas.microsoft.com/office/drawing/2010/main">
+                <a:solidFill>
+                  <a:srgbClr val="FFFFFF"/>
+                </a:solidFill>
+              </a14:hiddenFill>
+            </a:ext>
+          </a:extLst>
+        </p:spPr>
+      </p:pic>
+      <p:pic>
+        <p:nvPicPr>
+          <p:cNvPr id="23" name="Image 22">
+            <a:extLst>
+              <a:ext uri="{FF2B5EF4-FFF2-40B4-BE49-F238E27FC236}">
+                <a16:creationId xmlns:a16="http://schemas.microsoft.com/office/drawing/2014/main" id="{D47B9126-A99A-53CE-085F-7A2423BEBD70}"/>
+              </a:ext>
+            </a:extLst>
+          </p:cNvPr>
+          <p:cNvPicPr>
+            <a:picLocks noChangeAspect="1"/>
+          </p:cNvPicPr>
+          <p:nvPr/>
+        </p:nvPicPr>
+        <p:blipFill>
+          <a:blip r:embed="rId12"/>
+          <a:stretch>
+            <a:fillRect/>
+          </a:stretch>
+        </p:blipFill>
+        <p:spPr>
+          <a:xfrm>
+            <a:off x="4782480" y="4724854"/>
+            <a:ext cx="908486" cy="908486"/>
+          </a:xfrm>
+          <a:prstGeom prst="rect">
+            <a:avLst/>
+          </a:prstGeom>
         </p:spPr>
       </p:pic>
     </p:spTree>

--- a/Presentations_Epreuves.pptx
+++ b/Presentations_Epreuves.pptx
@@ -10,6 +10,7 @@
     <p:sldId id="259" r:id="rId4"/>
     <p:sldId id="257" r:id="rId5"/>
     <p:sldId id="258" r:id="rId6"/>
+    <p:sldId id="261" r:id="rId7"/>
   </p:sldIdLst>
   <p:sldSz cx="6858000" cy="9906000" type="A4"/>
   <p:notesSz cx="6858000" cy="9144000"/>
@@ -2369,6 +2370,753 @@
 </file>
 
 <file path=ppt/diagrams/colors4.xml><?xml version="1.0" encoding="utf-8"?>
+<dgm:colorsDef xmlns:dgm="http://schemas.openxmlformats.org/drawingml/2006/diagram" xmlns:a="http://schemas.openxmlformats.org/drawingml/2006/main" uniqueId="urn:microsoft.com/office/officeart/2005/8/colors/accent1_2">
+  <dgm:title val=""/>
+  <dgm:desc val=""/>
+  <dgm:catLst>
+    <dgm:cat type="accent1" pri="11200"/>
+  </dgm:catLst>
+  <dgm:styleLbl name="node0">
+    <dgm:fillClrLst meth="repeat">
+      <a:schemeClr val="accent1"/>
+    </dgm:fillClrLst>
+    <dgm:linClrLst meth="repeat">
+      <a:schemeClr val="lt1"/>
+    </dgm:linClrLst>
+    <dgm:effectClrLst/>
+    <dgm:txLinClrLst/>
+    <dgm:txFillClrLst/>
+    <dgm:txEffectClrLst/>
+  </dgm:styleLbl>
+  <dgm:styleLbl name="alignNode1">
+    <dgm:fillClrLst meth="repeat">
+      <a:schemeClr val="accent1"/>
+    </dgm:fillClrLst>
+    <dgm:linClrLst meth="repeat">
+      <a:schemeClr val="accent1"/>
+    </dgm:linClrLst>
+    <dgm:effectClrLst/>
+    <dgm:txLinClrLst/>
+    <dgm:txFillClrLst/>
+    <dgm:txEffectClrLst/>
+  </dgm:styleLbl>
+  <dgm:styleLbl name="node1">
+    <dgm:fillClrLst meth="repeat">
+      <a:schemeClr val="accent1"/>
+    </dgm:fillClrLst>
+    <dgm:linClrLst meth="repeat">
+      <a:schemeClr val="lt1"/>
+    </dgm:linClrLst>
+    <dgm:effectClrLst/>
+    <dgm:txLinClrLst/>
+    <dgm:txFillClrLst/>
+    <dgm:txEffectClrLst/>
+  </dgm:styleLbl>
+  <dgm:styleLbl name="lnNode1">
+    <dgm:fillClrLst meth="repeat">
+      <a:schemeClr val="accent1"/>
+    </dgm:fillClrLst>
+    <dgm:linClrLst meth="repeat">
+      <a:schemeClr val="lt1"/>
+    </dgm:linClrLst>
+    <dgm:effectClrLst/>
+    <dgm:txLinClrLst/>
+    <dgm:txFillClrLst/>
+    <dgm:txEffectClrLst/>
+  </dgm:styleLbl>
+  <dgm:styleLbl name="vennNode1">
+    <dgm:fillClrLst meth="repeat">
+      <a:schemeClr val="accent1">
+        <a:alpha val="50000"/>
+      </a:schemeClr>
+    </dgm:fillClrLst>
+    <dgm:linClrLst meth="repeat">
+      <a:schemeClr val="lt1"/>
+    </dgm:linClrLst>
+    <dgm:effectClrLst/>
+    <dgm:txLinClrLst/>
+    <dgm:txFillClrLst/>
+    <dgm:txEffectClrLst/>
+  </dgm:styleLbl>
+  <dgm:styleLbl name="node2">
+    <dgm:fillClrLst meth="repeat">
+      <a:schemeClr val="accent1"/>
+    </dgm:fillClrLst>
+    <dgm:linClrLst meth="repeat">
+      <a:schemeClr val="lt1"/>
+    </dgm:linClrLst>
+    <dgm:effectClrLst/>
+    <dgm:txLinClrLst/>
+    <dgm:txFillClrLst/>
+    <dgm:txEffectClrLst/>
+  </dgm:styleLbl>
+  <dgm:styleLbl name="node3">
+    <dgm:fillClrLst meth="repeat">
+      <a:schemeClr val="accent1"/>
+    </dgm:fillClrLst>
+    <dgm:linClrLst meth="repeat">
+      <a:schemeClr val="lt1"/>
+    </dgm:linClrLst>
+    <dgm:effectClrLst/>
+    <dgm:txLinClrLst/>
+    <dgm:txFillClrLst/>
+    <dgm:txEffectClrLst/>
+  </dgm:styleLbl>
+  <dgm:styleLbl name="node4">
+    <dgm:fillClrLst meth="repeat">
+      <a:schemeClr val="accent1"/>
+    </dgm:fillClrLst>
+    <dgm:linClrLst meth="repeat">
+      <a:schemeClr val="lt1"/>
+    </dgm:linClrLst>
+    <dgm:effectClrLst/>
+    <dgm:txLinClrLst/>
+    <dgm:txFillClrLst/>
+    <dgm:txEffectClrLst/>
+  </dgm:styleLbl>
+  <dgm:styleLbl name="fgImgPlace1">
+    <dgm:fillClrLst meth="repeat">
+      <a:schemeClr val="accent1">
+        <a:tint val="50000"/>
+      </a:schemeClr>
+    </dgm:fillClrLst>
+    <dgm:linClrLst meth="repeat">
+      <a:schemeClr val="lt1"/>
+    </dgm:linClrLst>
+    <dgm:effectClrLst/>
+    <dgm:txLinClrLst/>
+    <dgm:txFillClrLst meth="repeat">
+      <a:schemeClr val="lt1"/>
+    </dgm:txFillClrLst>
+    <dgm:txEffectClrLst/>
+  </dgm:styleLbl>
+  <dgm:styleLbl name="alignImgPlace1">
+    <dgm:fillClrLst meth="repeat">
+      <a:schemeClr val="accent1">
+        <a:tint val="50000"/>
+      </a:schemeClr>
+    </dgm:fillClrLst>
+    <dgm:linClrLst meth="repeat">
+      <a:schemeClr val="lt1"/>
+    </dgm:linClrLst>
+    <dgm:effectClrLst/>
+    <dgm:txLinClrLst/>
+    <dgm:txFillClrLst meth="repeat">
+      <a:schemeClr val="lt1"/>
+    </dgm:txFillClrLst>
+    <dgm:txEffectClrLst/>
+  </dgm:styleLbl>
+  <dgm:styleLbl name="bgImgPlace1">
+    <dgm:fillClrLst meth="repeat">
+      <a:schemeClr val="accent1">
+        <a:tint val="50000"/>
+      </a:schemeClr>
+    </dgm:fillClrLst>
+    <dgm:linClrLst meth="repeat">
+      <a:schemeClr val="lt1"/>
+    </dgm:linClrLst>
+    <dgm:effectClrLst/>
+    <dgm:txLinClrLst/>
+    <dgm:txFillClrLst meth="repeat">
+      <a:schemeClr val="lt1"/>
+    </dgm:txFillClrLst>
+    <dgm:txEffectClrLst/>
+  </dgm:styleLbl>
+  <dgm:styleLbl name="sibTrans2D1">
+    <dgm:fillClrLst meth="repeat">
+      <a:schemeClr val="accent1">
+        <a:tint val="60000"/>
+      </a:schemeClr>
+    </dgm:fillClrLst>
+    <dgm:linClrLst meth="repeat">
+      <a:schemeClr val="accent1">
+        <a:tint val="60000"/>
+      </a:schemeClr>
+    </dgm:linClrLst>
+    <dgm:effectClrLst/>
+    <dgm:txLinClrLst/>
+    <dgm:txFillClrLst/>
+    <dgm:txEffectClrLst/>
+  </dgm:styleLbl>
+  <dgm:styleLbl name="fgSibTrans2D1">
+    <dgm:fillClrLst meth="repeat">
+      <a:schemeClr val="accent1">
+        <a:tint val="60000"/>
+      </a:schemeClr>
+    </dgm:fillClrLst>
+    <dgm:linClrLst meth="repeat">
+      <a:schemeClr val="accent1">
+        <a:tint val="60000"/>
+      </a:schemeClr>
+    </dgm:linClrLst>
+    <dgm:effectClrLst/>
+    <dgm:txLinClrLst/>
+    <dgm:txFillClrLst/>
+    <dgm:txEffectClrLst/>
+  </dgm:styleLbl>
+  <dgm:styleLbl name="bgSibTrans2D1">
+    <dgm:fillClrLst meth="repeat">
+      <a:schemeClr val="accent1">
+        <a:tint val="60000"/>
+      </a:schemeClr>
+    </dgm:fillClrLst>
+    <dgm:linClrLst meth="repeat">
+      <a:schemeClr val="accent1">
+        <a:tint val="60000"/>
+      </a:schemeClr>
+    </dgm:linClrLst>
+    <dgm:effectClrLst/>
+    <dgm:txLinClrLst/>
+    <dgm:txFillClrLst/>
+    <dgm:txEffectClrLst/>
+  </dgm:styleLbl>
+  <dgm:styleLbl name="sibTrans1D1">
+    <dgm:fillClrLst meth="repeat">
+      <a:schemeClr val="accent1"/>
+    </dgm:fillClrLst>
+    <dgm:linClrLst meth="repeat">
+      <a:schemeClr val="accent1"/>
+    </dgm:linClrLst>
+    <dgm:effectClrLst/>
+    <dgm:txLinClrLst/>
+    <dgm:txFillClrLst meth="repeat">
+      <a:schemeClr val="tx1"/>
+    </dgm:txFillClrLst>
+    <dgm:txEffectClrLst/>
+  </dgm:styleLbl>
+  <dgm:styleLbl name="callout">
+    <dgm:fillClrLst meth="repeat">
+      <a:schemeClr val="accent1"/>
+    </dgm:fillClrLst>
+    <dgm:linClrLst meth="repeat">
+      <a:schemeClr val="accent1">
+        <a:tint val="50000"/>
+      </a:schemeClr>
+    </dgm:linClrLst>
+    <dgm:effectClrLst/>
+    <dgm:txLinClrLst/>
+    <dgm:txFillClrLst meth="repeat">
+      <a:schemeClr val="tx1"/>
+    </dgm:txFillClrLst>
+    <dgm:txEffectClrLst/>
+  </dgm:styleLbl>
+  <dgm:styleLbl name="asst0">
+    <dgm:fillClrLst meth="repeat">
+      <a:schemeClr val="accent1"/>
+    </dgm:fillClrLst>
+    <dgm:linClrLst meth="repeat">
+      <a:schemeClr val="lt1"/>
+    </dgm:linClrLst>
+    <dgm:effectClrLst/>
+    <dgm:txLinClrLst/>
+    <dgm:txFillClrLst/>
+    <dgm:txEffectClrLst/>
+  </dgm:styleLbl>
+  <dgm:styleLbl name="asst1">
+    <dgm:fillClrLst meth="repeat">
+      <a:schemeClr val="accent1"/>
+    </dgm:fillClrLst>
+    <dgm:linClrLst meth="repeat">
+      <a:schemeClr val="lt1"/>
+    </dgm:linClrLst>
+    <dgm:effectClrLst/>
+    <dgm:txLinClrLst/>
+    <dgm:txFillClrLst/>
+    <dgm:txEffectClrLst/>
+  </dgm:styleLbl>
+  <dgm:styleLbl name="asst2">
+    <dgm:fillClrLst meth="repeat">
+      <a:schemeClr val="accent1"/>
+    </dgm:fillClrLst>
+    <dgm:linClrLst meth="repeat">
+      <a:schemeClr val="lt1"/>
+    </dgm:linClrLst>
+    <dgm:effectClrLst/>
+    <dgm:txLinClrLst/>
+    <dgm:txFillClrLst/>
+    <dgm:txEffectClrLst/>
+  </dgm:styleLbl>
+  <dgm:styleLbl name="asst3">
+    <dgm:fillClrLst meth="repeat">
+      <a:schemeClr val="accent1"/>
+    </dgm:fillClrLst>
+    <dgm:linClrLst meth="repeat">
+      <a:schemeClr val="lt1"/>
+    </dgm:linClrLst>
+    <dgm:effectClrLst/>
+    <dgm:txLinClrLst/>
+    <dgm:txFillClrLst/>
+    <dgm:txEffectClrLst/>
+  </dgm:styleLbl>
+  <dgm:styleLbl name="asst4">
+    <dgm:fillClrLst meth="repeat">
+      <a:schemeClr val="accent1"/>
+    </dgm:fillClrLst>
+    <dgm:linClrLst meth="repeat">
+      <a:schemeClr val="lt1"/>
+    </dgm:linClrLst>
+    <dgm:effectClrLst/>
+    <dgm:txLinClrLst/>
+    <dgm:txFillClrLst/>
+    <dgm:txEffectClrLst/>
+  </dgm:styleLbl>
+  <dgm:styleLbl name="parChTrans2D1">
+    <dgm:fillClrLst meth="repeat">
+      <a:schemeClr val="accent1">
+        <a:tint val="60000"/>
+      </a:schemeClr>
+    </dgm:fillClrLst>
+    <dgm:linClrLst meth="repeat">
+      <a:schemeClr val="accent1">
+        <a:tint val="60000"/>
+      </a:schemeClr>
+    </dgm:linClrLst>
+    <dgm:effectClrLst/>
+    <dgm:txLinClrLst/>
+    <dgm:txFillClrLst meth="repeat">
+      <a:schemeClr val="lt1"/>
+    </dgm:txFillClrLst>
+    <dgm:txEffectClrLst/>
+  </dgm:styleLbl>
+  <dgm:styleLbl name="parChTrans2D2">
+    <dgm:fillClrLst meth="repeat">
+      <a:schemeClr val="accent1"/>
+    </dgm:fillClrLst>
+    <dgm:linClrLst meth="repeat">
+      <a:schemeClr val="accent1"/>
+    </dgm:linClrLst>
+    <dgm:effectClrLst/>
+    <dgm:txLinClrLst/>
+    <dgm:txFillClrLst meth="repeat">
+      <a:schemeClr val="lt1"/>
+    </dgm:txFillClrLst>
+    <dgm:txEffectClrLst/>
+  </dgm:styleLbl>
+  <dgm:styleLbl name="parChTrans2D3">
+    <dgm:fillClrLst meth="repeat">
+      <a:schemeClr val="accent1"/>
+    </dgm:fillClrLst>
+    <dgm:linClrLst meth="repeat">
+      <a:schemeClr val="accent1"/>
+    </dgm:linClrLst>
+    <dgm:effectClrLst/>
+    <dgm:txLinClrLst/>
+    <dgm:txFillClrLst meth="repeat">
+      <a:schemeClr val="lt1"/>
+    </dgm:txFillClrLst>
+    <dgm:txEffectClrLst/>
+  </dgm:styleLbl>
+  <dgm:styleLbl name="parChTrans2D4">
+    <dgm:fillClrLst meth="repeat">
+      <a:schemeClr val="accent1"/>
+    </dgm:fillClrLst>
+    <dgm:linClrLst meth="repeat">
+      <a:schemeClr val="accent1"/>
+    </dgm:linClrLst>
+    <dgm:effectClrLst/>
+    <dgm:txLinClrLst/>
+    <dgm:txFillClrLst meth="repeat">
+      <a:schemeClr val="lt1"/>
+    </dgm:txFillClrLst>
+    <dgm:txEffectClrLst/>
+  </dgm:styleLbl>
+  <dgm:styleLbl name="parChTrans1D1">
+    <dgm:fillClrLst meth="repeat">
+      <a:schemeClr val="accent1"/>
+    </dgm:fillClrLst>
+    <dgm:linClrLst meth="repeat">
+      <a:schemeClr val="accent1">
+        <a:shade val="60000"/>
+      </a:schemeClr>
+    </dgm:linClrLst>
+    <dgm:effectClrLst/>
+    <dgm:txLinClrLst/>
+    <dgm:txFillClrLst meth="repeat">
+      <a:schemeClr val="tx1"/>
+    </dgm:txFillClrLst>
+    <dgm:txEffectClrLst/>
+  </dgm:styleLbl>
+  <dgm:styleLbl name="parChTrans1D2">
+    <dgm:fillClrLst meth="repeat">
+      <a:schemeClr val="accent1"/>
+    </dgm:fillClrLst>
+    <dgm:linClrLst meth="repeat">
+      <a:schemeClr val="accent1">
+        <a:shade val="60000"/>
+      </a:schemeClr>
+    </dgm:linClrLst>
+    <dgm:effectClrLst/>
+    <dgm:txLinClrLst/>
+    <dgm:txFillClrLst meth="repeat">
+      <a:schemeClr val="tx1"/>
+    </dgm:txFillClrLst>
+    <dgm:txEffectClrLst/>
+  </dgm:styleLbl>
+  <dgm:styleLbl name="parChTrans1D3">
+    <dgm:fillClrLst meth="repeat">
+      <a:schemeClr val="accent1"/>
+    </dgm:fillClrLst>
+    <dgm:linClrLst meth="repeat">
+      <a:schemeClr val="accent1">
+        <a:shade val="80000"/>
+      </a:schemeClr>
+    </dgm:linClrLst>
+    <dgm:effectClrLst/>
+    <dgm:txLinClrLst/>
+    <dgm:txFillClrLst meth="repeat">
+      <a:schemeClr val="tx1"/>
+    </dgm:txFillClrLst>
+    <dgm:txEffectClrLst/>
+  </dgm:styleLbl>
+  <dgm:styleLbl name="parChTrans1D4">
+    <dgm:fillClrLst meth="repeat">
+      <a:schemeClr val="accent1"/>
+    </dgm:fillClrLst>
+    <dgm:linClrLst meth="repeat">
+      <a:schemeClr val="accent1">
+        <a:shade val="80000"/>
+      </a:schemeClr>
+    </dgm:linClrLst>
+    <dgm:effectClrLst/>
+    <dgm:txLinClrLst/>
+    <dgm:txFillClrLst meth="repeat">
+      <a:schemeClr val="tx1"/>
+    </dgm:txFillClrLst>
+    <dgm:txEffectClrLst/>
+  </dgm:styleLbl>
+  <dgm:styleLbl name="fgAcc1">
+    <dgm:fillClrLst meth="repeat">
+      <a:schemeClr val="lt1">
+        <a:alpha val="90000"/>
+      </a:schemeClr>
+    </dgm:fillClrLst>
+    <dgm:linClrLst meth="repeat">
+      <a:schemeClr val="accent1"/>
+    </dgm:linClrLst>
+    <dgm:effectClrLst/>
+    <dgm:txLinClrLst/>
+    <dgm:txFillClrLst meth="repeat">
+      <a:schemeClr val="dk1"/>
+    </dgm:txFillClrLst>
+    <dgm:txEffectClrLst/>
+  </dgm:styleLbl>
+  <dgm:styleLbl name="conFgAcc1">
+    <dgm:fillClrLst meth="repeat">
+      <a:schemeClr val="lt1">
+        <a:alpha val="90000"/>
+      </a:schemeClr>
+    </dgm:fillClrLst>
+    <dgm:linClrLst meth="repeat">
+      <a:schemeClr val="accent1"/>
+    </dgm:linClrLst>
+    <dgm:effectClrLst/>
+    <dgm:txLinClrLst/>
+    <dgm:txFillClrLst meth="repeat">
+      <a:schemeClr val="dk1"/>
+    </dgm:txFillClrLst>
+    <dgm:txEffectClrLst/>
+  </dgm:styleLbl>
+  <dgm:styleLbl name="alignAcc1">
+    <dgm:fillClrLst meth="repeat">
+      <a:schemeClr val="lt1">
+        <a:alpha val="90000"/>
+      </a:schemeClr>
+    </dgm:fillClrLst>
+    <dgm:linClrLst meth="repeat">
+      <a:schemeClr val="accent1"/>
+    </dgm:linClrLst>
+    <dgm:effectClrLst/>
+    <dgm:txLinClrLst/>
+    <dgm:txFillClrLst meth="repeat">
+      <a:schemeClr val="dk1"/>
+    </dgm:txFillClrLst>
+    <dgm:txEffectClrLst/>
+  </dgm:styleLbl>
+  <dgm:styleLbl name="trAlignAcc1">
+    <dgm:fillClrLst meth="repeat">
+      <a:schemeClr val="lt1">
+        <a:alpha val="40000"/>
+      </a:schemeClr>
+    </dgm:fillClrLst>
+    <dgm:linClrLst meth="repeat">
+      <a:schemeClr val="accent1"/>
+    </dgm:linClrLst>
+    <dgm:effectClrLst/>
+    <dgm:txLinClrLst/>
+    <dgm:txFillClrLst meth="repeat">
+      <a:schemeClr val="dk1"/>
+    </dgm:txFillClrLst>
+    <dgm:txEffectClrLst/>
+  </dgm:styleLbl>
+  <dgm:styleLbl name="bgAcc1">
+    <dgm:fillClrLst meth="repeat">
+      <a:schemeClr val="lt1">
+        <a:alpha val="90000"/>
+      </a:schemeClr>
+    </dgm:fillClrLst>
+    <dgm:linClrLst meth="repeat">
+      <a:schemeClr val="accent1"/>
+    </dgm:linClrLst>
+    <dgm:effectClrLst/>
+    <dgm:txLinClrLst/>
+    <dgm:txFillClrLst meth="repeat">
+      <a:schemeClr val="dk1"/>
+    </dgm:txFillClrLst>
+    <dgm:txEffectClrLst/>
+  </dgm:styleLbl>
+  <dgm:styleLbl name="solidFgAcc1">
+    <dgm:fillClrLst meth="repeat">
+      <a:schemeClr val="lt1"/>
+    </dgm:fillClrLst>
+    <dgm:linClrLst meth="repeat">
+      <a:schemeClr val="accent1"/>
+    </dgm:linClrLst>
+    <dgm:effectClrLst/>
+    <dgm:txLinClrLst/>
+    <dgm:txFillClrLst meth="repeat">
+      <a:schemeClr val="dk1"/>
+    </dgm:txFillClrLst>
+    <dgm:txEffectClrLst/>
+  </dgm:styleLbl>
+  <dgm:styleLbl name="solidAlignAcc1">
+    <dgm:fillClrLst meth="repeat">
+      <a:schemeClr val="lt1"/>
+    </dgm:fillClrLst>
+    <dgm:linClrLst meth="repeat">
+      <a:schemeClr val="accent1"/>
+    </dgm:linClrLst>
+    <dgm:effectClrLst/>
+    <dgm:txLinClrLst/>
+    <dgm:txFillClrLst meth="repeat">
+      <a:schemeClr val="dk1"/>
+    </dgm:txFillClrLst>
+    <dgm:txEffectClrLst/>
+  </dgm:styleLbl>
+  <dgm:styleLbl name="solidBgAcc1">
+    <dgm:fillClrLst meth="repeat">
+      <a:schemeClr val="lt1"/>
+    </dgm:fillClrLst>
+    <dgm:linClrLst meth="repeat">
+      <a:schemeClr val="accent1"/>
+    </dgm:linClrLst>
+    <dgm:effectClrLst/>
+    <dgm:txLinClrLst/>
+    <dgm:txFillClrLst meth="repeat">
+      <a:schemeClr val="dk1"/>
+    </dgm:txFillClrLst>
+    <dgm:txEffectClrLst/>
+  </dgm:styleLbl>
+  <dgm:styleLbl name="fgAccFollowNode1">
+    <dgm:fillClrLst meth="repeat">
+      <a:schemeClr val="accent1">
+        <a:alpha val="90000"/>
+        <a:tint val="40000"/>
+      </a:schemeClr>
+    </dgm:fillClrLst>
+    <dgm:linClrLst meth="repeat">
+      <a:schemeClr val="accent1">
+        <a:alpha val="90000"/>
+        <a:tint val="40000"/>
+      </a:schemeClr>
+    </dgm:linClrLst>
+    <dgm:effectClrLst/>
+    <dgm:txLinClrLst/>
+    <dgm:txFillClrLst meth="repeat">
+      <a:schemeClr val="dk1"/>
+    </dgm:txFillClrLst>
+    <dgm:txEffectClrLst/>
+  </dgm:styleLbl>
+  <dgm:styleLbl name="alignAccFollowNode1">
+    <dgm:fillClrLst meth="repeat">
+      <a:schemeClr val="accent1">
+        <a:alpha val="90000"/>
+        <a:tint val="40000"/>
+      </a:schemeClr>
+    </dgm:fillClrLst>
+    <dgm:linClrLst meth="repeat">
+      <a:schemeClr val="accent1">
+        <a:alpha val="90000"/>
+        <a:tint val="40000"/>
+      </a:schemeClr>
+    </dgm:linClrLst>
+    <dgm:effectClrLst/>
+    <dgm:txLinClrLst/>
+    <dgm:txFillClrLst meth="repeat">
+      <a:schemeClr val="dk1"/>
+    </dgm:txFillClrLst>
+    <dgm:txEffectClrLst/>
+  </dgm:styleLbl>
+  <dgm:styleLbl name="bgAccFollowNode1">
+    <dgm:fillClrLst meth="repeat">
+      <a:schemeClr val="accent1">
+        <a:alpha val="90000"/>
+        <a:tint val="40000"/>
+      </a:schemeClr>
+    </dgm:fillClrLst>
+    <dgm:linClrLst meth="repeat">
+      <a:schemeClr val="accent1">
+        <a:alpha val="90000"/>
+        <a:tint val="40000"/>
+      </a:schemeClr>
+    </dgm:linClrLst>
+    <dgm:effectClrLst/>
+    <dgm:txLinClrLst/>
+    <dgm:txFillClrLst meth="repeat">
+      <a:schemeClr val="dk1"/>
+    </dgm:txFillClrLst>
+    <dgm:txEffectClrLst/>
+  </dgm:styleLbl>
+  <dgm:styleLbl name="fgAcc0">
+    <dgm:fillClrLst meth="repeat">
+      <a:schemeClr val="lt1">
+        <a:alpha val="90000"/>
+      </a:schemeClr>
+    </dgm:fillClrLst>
+    <dgm:linClrLst meth="repeat">
+      <a:schemeClr val="accent1"/>
+    </dgm:linClrLst>
+    <dgm:effectClrLst/>
+    <dgm:txLinClrLst/>
+    <dgm:txFillClrLst meth="repeat">
+      <a:schemeClr val="dk1"/>
+    </dgm:txFillClrLst>
+    <dgm:txEffectClrLst/>
+  </dgm:styleLbl>
+  <dgm:styleLbl name="fgAcc2">
+    <dgm:fillClrLst meth="repeat">
+      <a:schemeClr val="lt1">
+        <a:alpha val="90000"/>
+      </a:schemeClr>
+    </dgm:fillClrLst>
+    <dgm:linClrLst meth="repeat">
+      <a:schemeClr val="accent1"/>
+    </dgm:linClrLst>
+    <dgm:effectClrLst/>
+    <dgm:txLinClrLst/>
+    <dgm:txFillClrLst meth="repeat">
+      <a:schemeClr val="dk1"/>
+    </dgm:txFillClrLst>
+    <dgm:txEffectClrLst/>
+  </dgm:styleLbl>
+  <dgm:styleLbl name="fgAcc3">
+    <dgm:fillClrLst meth="repeat">
+      <a:schemeClr val="lt1">
+        <a:alpha val="90000"/>
+      </a:schemeClr>
+    </dgm:fillClrLst>
+    <dgm:linClrLst meth="repeat">
+      <a:schemeClr val="accent1"/>
+    </dgm:linClrLst>
+    <dgm:effectClrLst/>
+    <dgm:txLinClrLst/>
+    <dgm:txFillClrLst meth="repeat">
+      <a:schemeClr val="dk1"/>
+    </dgm:txFillClrLst>
+    <dgm:txEffectClrLst/>
+  </dgm:styleLbl>
+  <dgm:styleLbl name="fgAcc4">
+    <dgm:fillClrLst meth="repeat">
+      <a:schemeClr val="lt1">
+        <a:alpha val="90000"/>
+      </a:schemeClr>
+    </dgm:fillClrLst>
+    <dgm:linClrLst meth="repeat">
+      <a:schemeClr val="accent1"/>
+    </dgm:linClrLst>
+    <dgm:effectClrLst/>
+    <dgm:txLinClrLst/>
+    <dgm:txFillClrLst meth="repeat">
+      <a:schemeClr val="dk1"/>
+    </dgm:txFillClrLst>
+    <dgm:txEffectClrLst/>
+  </dgm:styleLbl>
+  <dgm:styleLbl name="bgShp">
+    <dgm:fillClrLst meth="repeat">
+      <a:schemeClr val="accent1">
+        <a:tint val="40000"/>
+      </a:schemeClr>
+    </dgm:fillClrLst>
+    <dgm:linClrLst meth="repeat">
+      <a:schemeClr val="accent1"/>
+    </dgm:linClrLst>
+    <dgm:effectClrLst/>
+    <dgm:txLinClrLst/>
+    <dgm:txFillClrLst meth="repeat">
+      <a:schemeClr val="dk1"/>
+    </dgm:txFillClrLst>
+    <dgm:txEffectClrLst/>
+  </dgm:styleLbl>
+  <dgm:styleLbl name="dkBgShp">
+    <dgm:fillClrLst meth="repeat">
+      <a:schemeClr val="accent1">
+        <a:shade val="80000"/>
+      </a:schemeClr>
+    </dgm:fillClrLst>
+    <dgm:linClrLst meth="repeat">
+      <a:schemeClr val="accent1"/>
+    </dgm:linClrLst>
+    <dgm:effectClrLst/>
+    <dgm:txLinClrLst/>
+    <dgm:txFillClrLst meth="repeat">
+      <a:schemeClr val="lt1"/>
+    </dgm:txFillClrLst>
+    <dgm:txEffectClrLst/>
+  </dgm:styleLbl>
+  <dgm:styleLbl name="trBgShp">
+    <dgm:fillClrLst meth="repeat">
+      <a:schemeClr val="accent1">
+        <a:tint val="50000"/>
+        <a:alpha val="40000"/>
+      </a:schemeClr>
+    </dgm:fillClrLst>
+    <dgm:linClrLst meth="repeat">
+      <a:schemeClr val="accent1"/>
+    </dgm:linClrLst>
+    <dgm:effectClrLst/>
+    <dgm:txLinClrLst/>
+    <dgm:txFillClrLst meth="repeat">
+      <a:schemeClr val="lt1"/>
+    </dgm:txFillClrLst>
+    <dgm:txEffectClrLst/>
+  </dgm:styleLbl>
+  <dgm:styleLbl name="fgShp">
+    <dgm:fillClrLst meth="repeat">
+      <a:schemeClr val="accent1">
+        <a:tint val="60000"/>
+      </a:schemeClr>
+    </dgm:fillClrLst>
+    <dgm:linClrLst meth="repeat">
+      <a:schemeClr val="lt1"/>
+    </dgm:linClrLst>
+    <dgm:effectClrLst/>
+    <dgm:txLinClrLst/>
+    <dgm:txFillClrLst meth="repeat">
+      <a:schemeClr val="dk1"/>
+    </dgm:txFillClrLst>
+    <dgm:txEffectClrLst/>
+  </dgm:styleLbl>
+  <dgm:styleLbl name="revTx">
+    <dgm:fillClrLst meth="repeat">
+      <a:schemeClr val="lt1">
+        <a:alpha val="0"/>
+      </a:schemeClr>
+    </dgm:fillClrLst>
+    <dgm:linClrLst meth="repeat">
+      <a:schemeClr val="dk1">
+        <a:alpha val="0"/>
+      </a:schemeClr>
+    </dgm:linClrLst>
+    <dgm:effectClrLst/>
+    <dgm:txLinClrLst/>
+    <dgm:txFillClrLst meth="repeat">
+      <a:schemeClr val="tx1"/>
+    </dgm:txFillClrLst>
+    <dgm:txEffectClrLst/>
+  </dgm:styleLbl>
+</dgm:colorsDef>
+</file>
+
+<file path=ppt/diagrams/colors5.xml><?xml version="1.0" encoding="utf-8"?>
 <dgm:colorsDef xmlns:dgm="http://schemas.openxmlformats.org/drawingml/2006/diagram" xmlns:a="http://schemas.openxmlformats.org/drawingml/2006/main" uniqueId="urn:microsoft.com/office/officeart/2005/8/colors/accent1_2">
   <dgm:title val=""/>
   <dgm:desc val=""/>
@@ -5947,6 +6695,299 @@
   <dgm:extLst>
     <a:ext uri="http://schemas.microsoft.com/office/drawing/2008/diagram">
       <dsp:dataModelExt xmlns:dsp="http://schemas.microsoft.com/office/drawing/2008/diagram" relId="rId9" minVer="http://schemas.openxmlformats.org/drawingml/2006/diagram"/>
+    </a:ext>
+  </dgm:extLst>
+</dgm:dataModel>
+</file>
+
+<file path=ppt/diagrams/data5.xml><?xml version="1.0" encoding="utf-8"?>
+<dgm:dataModel xmlns:dgm="http://schemas.openxmlformats.org/drawingml/2006/diagram" xmlns:a="http://schemas.openxmlformats.org/drawingml/2006/main">
+  <dgm:ptLst>
+    <dgm:pt modelId="{4BBBBA37-00AE-490F-BA4E-E9A756C4A0D7}" type="doc">
+      <dgm:prSet loTypeId="urn:microsoft.com/office/officeart/2005/8/layout/hProcess4" loCatId="process" qsTypeId="urn:microsoft.com/office/officeart/2005/8/quickstyle/simple1" qsCatId="simple" csTypeId="urn:microsoft.com/office/officeart/2005/8/colors/accent1_2" csCatId="accent1" phldr="1"/>
+      <dgm:spPr/>
+      <dgm:t>
+        <a:bodyPr/>
+        <a:lstStyle/>
+        <a:p>
+          <a:endParaRPr lang="fr-FR"/>
+        </a:p>
+      </dgm:t>
+    </dgm:pt>
+    <dgm:pt modelId="{C0BBB20E-A547-490C-BFC3-F69C30C2BB85}">
+      <dgm:prSet phldrT="[Texte]" custT="1"/>
+      <dgm:spPr/>
+      <dgm:t>
+        <a:bodyPr/>
+        <a:lstStyle/>
+        <a:p>
+          <a:r>
+            <a:rPr lang="fr-FR" sz="1400" dirty="0"/>
+            <a:t>Préparation</a:t>
+          </a:r>
+        </a:p>
+      </dgm:t>
+    </dgm:pt>
+    <dgm:pt modelId="{830D836F-DF80-4E41-AF3F-21CC3E8E4EF2}" type="parTrans" cxnId="{C5973D72-FB08-4B00-8516-F806514B4438}">
+      <dgm:prSet/>
+      <dgm:spPr/>
+      <dgm:t>
+        <a:bodyPr/>
+        <a:lstStyle/>
+        <a:p>
+          <a:endParaRPr lang="fr-FR"/>
+        </a:p>
+      </dgm:t>
+    </dgm:pt>
+    <dgm:pt modelId="{DD1C8274-3095-435A-B7E9-C86DA96BDE64}" type="sibTrans" cxnId="{C5973D72-FB08-4B00-8516-F806514B4438}">
+      <dgm:prSet/>
+      <dgm:spPr/>
+      <dgm:t>
+        <a:bodyPr/>
+        <a:lstStyle/>
+        <a:p>
+          <a:endParaRPr lang="fr-FR"/>
+        </a:p>
+      </dgm:t>
+    </dgm:pt>
+    <dgm:pt modelId="{20F7D581-9EB2-498F-BE28-9D62195EAF83}">
+      <dgm:prSet phldrT="[Texte]" custT="1"/>
+      <dgm:spPr/>
+      <dgm:t>
+        <a:bodyPr/>
+        <a:lstStyle/>
+        <a:p>
+          <a:r>
+            <a:rPr lang="fr-FR" sz="1400" dirty="0"/>
+            <a:t>Introduction</a:t>
+          </a:r>
+        </a:p>
+      </dgm:t>
+    </dgm:pt>
+    <dgm:pt modelId="{E0FBE512-C1C4-4067-A1DE-34C9E33E9EB4}" type="parTrans" cxnId="{1497608C-9EBF-4045-B5D2-B57D8503FD29}">
+      <dgm:prSet/>
+      <dgm:spPr/>
+      <dgm:t>
+        <a:bodyPr/>
+        <a:lstStyle/>
+        <a:p>
+          <a:endParaRPr lang="fr-FR"/>
+        </a:p>
+      </dgm:t>
+    </dgm:pt>
+    <dgm:pt modelId="{FCF39507-87BB-42FC-936E-7CB9C907446D}" type="sibTrans" cxnId="{1497608C-9EBF-4045-B5D2-B57D8503FD29}">
+      <dgm:prSet/>
+      <dgm:spPr/>
+      <dgm:t>
+        <a:bodyPr/>
+        <a:lstStyle/>
+        <a:p>
+          <a:endParaRPr lang="fr-FR"/>
+        </a:p>
+      </dgm:t>
+    </dgm:pt>
+    <dgm:pt modelId="{B5920376-0133-44CD-BB1B-6F53C130D637}">
+      <dgm:prSet phldrT="[Texte]"/>
+      <dgm:spPr/>
+      <dgm:t>
+        <a:bodyPr/>
+        <a:lstStyle/>
+        <a:p>
+          <a:endParaRPr lang="fr-FR" dirty="0"/>
+        </a:p>
+      </dgm:t>
+    </dgm:pt>
+    <dgm:pt modelId="{E82A70DF-B649-4129-9355-DBF8312CF18F}" type="parTrans" cxnId="{A743B165-EFB3-4A2B-9188-6DFA8B2E60AB}">
+      <dgm:prSet/>
+      <dgm:spPr/>
+      <dgm:t>
+        <a:bodyPr/>
+        <a:lstStyle/>
+        <a:p>
+          <a:endParaRPr lang="fr-FR"/>
+        </a:p>
+      </dgm:t>
+    </dgm:pt>
+    <dgm:pt modelId="{73A56BD2-43C1-4062-A5A5-84091B9A63CC}" type="sibTrans" cxnId="{A743B165-EFB3-4A2B-9188-6DFA8B2E60AB}">
+      <dgm:prSet/>
+      <dgm:spPr/>
+      <dgm:t>
+        <a:bodyPr/>
+        <a:lstStyle/>
+        <a:p>
+          <a:endParaRPr lang="fr-FR"/>
+        </a:p>
+      </dgm:t>
+    </dgm:pt>
+    <dgm:pt modelId="{AEB247FD-6D58-4408-8770-0452FCED6303}">
+      <dgm:prSet phldrT="[Texte]"/>
+      <dgm:spPr/>
+      <dgm:t>
+        <a:bodyPr/>
+        <a:lstStyle/>
+        <a:p>
+          <a:endParaRPr lang="fr-FR" dirty="0"/>
+        </a:p>
+      </dgm:t>
+    </dgm:pt>
+    <dgm:pt modelId="{89E3FD14-03B2-4832-8923-0DD87E75F033}" type="parTrans" cxnId="{DF3E27AC-9EC7-42C1-8261-77B5D8C07EFD}">
+      <dgm:prSet/>
+      <dgm:spPr/>
+      <dgm:t>
+        <a:bodyPr/>
+        <a:lstStyle/>
+        <a:p>
+          <a:endParaRPr lang="fr-FR"/>
+        </a:p>
+      </dgm:t>
+    </dgm:pt>
+    <dgm:pt modelId="{13ECDF23-8262-4788-A630-8CE5ECF86CAB}" type="sibTrans" cxnId="{DF3E27AC-9EC7-42C1-8261-77B5D8C07EFD}">
+      <dgm:prSet/>
+      <dgm:spPr/>
+      <dgm:t>
+        <a:bodyPr/>
+        <a:lstStyle/>
+        <a:p>
+          <a:endParaRPr lang="fr-FR"/>
+        </a:p>
+      </dgm:t>
+    </dgm:pt>
+    <dgm:pt modelId="{7ABD661D-07C5-4739-AE45-6E1036C01B22}" type="pres">
+      <dgm:prSet presAssocID="{4BBBBA37-00AE-490F-BA4E-E9A756C4A0D7}" presName="Name0" presStyleCnt="0">
+        <dgm:presLayoutVars>
+          <dgm:dir/>
+          <dgm:animLvl val="lvl"/>
+          <dgm:resizeHandles val="exact"/>
+        </dgm:presLayoutVars>
+      </dgm:prSet>
+      <dgm:spPr/>
+    </dgm:pt>
+    <dgm:pt modelId="{75F32423-9911-408A-B8A9-5D1154B5D7BF}" type="pres">
+      <dgm:prSet presAssocID="{4BBBBA37-00AE-490F-BA4E-E9A756C4A0D7}" presName="tSp" presStyleCnt="0"/>
+      <dgm:spPr/>
+    </dgm:pt>
+    <dgm:pt modelId="{D241EEF2-5E0C-4DE4-A18D-25619EBD7B6F}" type="pres">
+      <dgm:prSet presAssocID="{4BBBBA37-00AE-490F-BA4E-E9A756C4A0D7}" presName="bSp" presStyleCnt="0"/>
+      <dgm:spPr/>
+    </dgm:pt>
+    <dgm:pt modelId="{FC4CC419-9620-4012-97C5-A28BFD476CA1}" type="pres">
+      <dgm:prSet presAssocID="{4BBBBA37-00AE-490F-BA4E-E9A756C4A0D7}" presName="process" presStyleCnt="0"/>
+      <dgm:spPr/>
+    </dgm:pt>
+    <dgm:pt modelId="{7E698234-6681-4186-AE63-A7A941F59494}" type="pres">
+      <dgm:prSet presAssocID="{C0BBB20E-A547-490C-BFC3-F69C30C2BB85}" presName="composite1" presStyleCnt="0"/>
+      <dgm:spPr/>
+    </dgm:pt>
+    <dgm:pt modelId="{395996B4-199C-4092-AE43-1490EDAA85FB}" type="pres">
+      <dgm:prSet presAssocID="{C0BBB20E-A547-490C-BFC3-F69C30C2BB85}" presName="dummyNode1" presStyleLbl="node1" presStyleIdx="0" presStyleCnt="2"/>
+      <dgm:spPr/>
+    </dgm:pt>
+    <dgm:pt modelId="{8901E0F4-0A59-4693-BCC0-AD691D9FB870}" type="pres">
+      <dgm:prSet presAssocID="{C0BBB20E-A547-490C-BFC3-F69C30C2BB85}" presName="childNode1" presStyleLbl="bgAcc1" presStyleIdx="0" presStyleCnt="2" custScaleX="153983">
+        <dgm:presLayoutVars>
+          <dgm:bulletEnabled val="1"/>
+        </dgm:presLayoutVars>
+      </dgm:prSet>
+      <dgm:spPr/>
+    </dgm:pt>
+    <dgm:pt modelId="{0CDE4C4E-2C62-4126-8CEE-77D153383F3B}" type="pres">
+      <dgm:prSet presAssocID="{C0BBB20E-A547-490C-BFC3-F69C30C2BB85}" presName="childNode1tx" presStyleLbl="bgAcc1" presStyleIdx="0" presStyleCnt="2">
+        <dgm:presLayoutVars>
+          <dgm:bulletEnabled val="1"/>
+        </dgm:presLayoutVars>
+      </dgm:prSet>
+      <dgm:spPr/>
+    </dgm:pt>
+    <dgm:pt modelId="{AB2A0A4B-2E62-43F5-874D-A858B18AD7BD}" type="pres">
+      <dgm:prSet presAssocID="{C0BBB20E-A547-490C-BFC3-F69C30C2BB85}" presName="parentNode1" presStyleLbl="node1" presStyleIdx="0" presStyleCnt="2" custScaleX="76849" custScaleY="54238">
+        <dgm:presLayoutVars>
+          <dgm:chMax val="1"/>
+          <dgm:bulletEnabled val="1"/>
+        </dgm:presLayoutVars>
+      </dgm:prSet>
+      <dgm:spPr/>
+    </dgm:pt>
+    <dgm:pt modelId="{36C63541-11CA-440A-96C0-F62A9C797175}" type="pres">
+      <dgm:prSet presAssocID="{C0BBB20E-A547-490C-BFC3-F69C30C2BB85}" presName="connSite1" presStyleCnt="0"/>
+      <dgm:spPr/>
+    </dgm:pt>
+    <dgm:pt modelId="{943CED33-B477-41B6-8333-C0E815B32CCD}" type="pres">
+      <dgm:prSet presAssocID="{DD1C8274-3095-435A-B7E9-C86DA96BDE64}" presName="Name9" presStyleLbl="sibTrans2D1" presStyleIdx="0" presStyleCnt="1"/>
+      <dgm:spPr/>
+    </dgm:pt>
+    <dgm:pt modelId="{DAE054FC-E8A5-4F66-B3DE-0F065A517B2B}" type="pres">
+      <dgm:prSet presAssocID="{20F7D581-9EB2-498F-BE28-9D62195EAF83}" presName="composite2" presStyleCnt="0"/>
+      <dgm:spPr/>
+    </dgm:pt>
+    <dgm:pt modelId="{1F85FCD6-6513-4C8D-B4DE-0CBEE2AA7681}" type="pres">
+      <dgm:prSet presAssocID="{20F7D581-9EB2-498F-BE28-9D62195EAF83}" presName="dummyNode2" presStyleLbl="node1" presStyleIdx="0" presStyleCnt="2"/>
+      <dgm:spPr/>
+    </dgm:pt>
+    <dgm:pt modelId="{B8A19F94-18F6-4D00-B053-8BF08839189F}" type="pres">
+      <dgm:prSet presAssocID="{20F7D581-9EB2-498F-BE28-9D62195EAF83}" presName="childNode2" presStyleLbl="bgAcc1" presStyleIdx="1" presStyleCnt="2" custScaleX="163155">
+        <dgm:presLayoutVars>
+          <dgm:bulletEnabled val="1"/>
+        </dgm:presLayoutVars>
+      </dgm:prSet>
+      <dgm:spPr/>
+    </dgm:pt>
+    <dgm:pt modelId="{BCCD055F-C4D8-4E1B-AEB8-AC963578358F}" type="pres">
+      <dgm:prSet presAssocID="{20F7D581-9EB2-498F-BE28-9D62195EAF83}" presName="childNode2tx" presStyleLbl="bgAcc1" presStyleIdx="1" presStyleCnt="2">
+        <dgm:presLayoutVars>
+          <dgm:bulletEnabled val="1"/>
+        </dgm:presLayoutVars>
+      </dgm:prSet>
+      <dgm:spPr/>
+    </dgm:pt>
+    <dgm:pt modelId="{71BAD410-3299-44D0-A85A-DC3B57193168}" type="pres">
+      <dgm:prSet presAssocID="{20F7D581-9EB2-498F-BE28-9D62195EAF83}" presName="parentNode2" presStyleLbl="node1" presStyleIdx="1" presStyleCnt="2" custScaleX="76849" custScaleY="54238">
+        <dgm:presLayoutVars>
+          <dgm:chMax val="0"/>
+          <dgm:bulletEnabled val="1"/>
+        </dgm:presLayoutVars>
+      </dgm:prSet>
+      <dgm:spPr/>
+    </dgm:pt>
+    <dgm:pt modelId="{89ADB8B3-B871-45E3-A9C2-130268780D69}" type="pres">
+      <dgm:prSet presAssocID="{20F7D581-9EB2-498F-BE28-9D62195EAF83}" presName="connSite2" presStyleCnt="0"/>
+      <dgm:spPr/>
+    </dgm:pt>
+  </dgm:ptLst>
+  <dgm:cxnLst>
+    <dgm:cxn modelId="{3228E000-8C8D-4FC1-BE09-2CB2D43274CF}" type="presOf" srcId="{20F7D581-9EB2-498F-BE28-9D62195EAF83}" destId="{71BAD410-3299-44D0-A85A-DC3B57193168}" srcOrd="0" destOrd="0" presId="urn:microsoft.com/office/officeart/2005/8/layout/hProcess4"/>
+    <dgm:cxn modelId="{745C2710-AEC2-4077-8999-F61D41E0B39E}" type="presOf" srcId="{C0BBB20E-A547-490C-BFC3-F69C30C2BB85}" destId="{AB2A0A4B-2E62-43F5-874D-A858B18AD7BD}" srcOrd="0" destOrd="0" presId="urn:microsoft.com/office/officeart/2005/8/layout/hProcess4"/>
+    <dgm:cxn modelId="{0BC19424-EC70-4439-B064-2AB2452E9A8A}" type="presOf" srcId="{AEB247FD-6D58-4408-8770-0452FCED6303}" destId="{8901E0F4-0A59-4693-BCC0-AD691D9FB870}" srcOrd="0" destOrd="0" presId="urn:microsoft.com/office/officeart/2005/8/layout/hProcess4"/>
+    <dgm:cxn modelId="{FBF9C739-9412-4585-8F14-F4D92428BCA3}" type="presOf" srcId="{B5920376-0133-44CD-BB1B-6F53C130D637}" destId="{B8A19F94-18F6-4D00-B053-8BF08839189F}" srcOrd="0" destOrd="0" presId="urn:microsoft.com/office/officeart/2005/8/layout/hProcess4"/>
+    <dgm:cxn modelId="{BE340D61-28A6-4E10-B4BD-309F83AE9FD8}" type="presOf" srcId="{DD1C8274-3095-435A-B7E9-C86DA96BDE64}" destId="{943CED33-B477-41B6-8333-C0E815B32CCD}" srcOrd="0" destOrd="0" presId="urn:microsoft.com/office/officeart/2005/8/layout/hProcess4"/>
+    <dgm:cxn modelId="{A743B165-EFB3-4A2B-9188-6DFA8B2E60AB}" srcId="{20F7D581-9EB2-498F-BE28-9D62195EAF83}" destId="{B5920376-0133-44CD-BB1B-6F53C130D637}" srcOrd="0" destOrd="0" parTransId="{E82A70DF-B649-4129-9355-DBF8312CF18F}" sibTransId="{73A56BD2-43C1-4062-A5A5-84091B9A63CC}"/>
+    <dgm:cxn modelId="{E683F570-DC2B-4326-9DA0-584336C8C6D6}" type="presOf" srcId="{B5920376-0133-44CD-BB1B-6F53C130D637}" destId="{BCCD055F-C4D8-4E1B-AEB8-AC963578358F}" srcOrd="1" destOrd="0" presId="urn:microsoft.com/office/officeart/2005/8/layout/hProcess4"/>
+    <dgm:cxn modelId="{C5973D72-FB08-4B00-8516-F806514B4438}" srcId="{4BBBBA37-00AE-490F-BA4E-E9A756C4A0D7}" destId="{C0BBB20E-A547-490C-BFC3-F69C30C2BB85}" srcOrd="0" destOrd="0" parTransId="{830D836F-DF80-4E41-AF3F-21CC3E8E4EF2}" sibTransId="{DD1C8274-3095-435A-B7E9-C86DA96BDE64}"/>
+    <dgm:cxn modelId="{555C2B7C-EBBB-4015-9A21-9AA3BA353080}" type="presOf" srcId="{4BBBBA37-00AE-490F-BA4E-E9A756C4A0D7}" destId="{7ABD661D-07C5-4739-AE45-6E1036C01B22}" srcOrd="0" destOrd="0" presId="urn:microsoft.com/office/officeart/2005/8/layout/hProcess4"/>
+    <dgm:cxn modelId="{1497608C-9EBF-4045-B5D2-B57D8503FD29}" srcId="{4BBBBA37-00AE-490F-BA4E-E9A756C4A0D7}" destId="{20F7D581-9EB2-498F-BE28-9D62195EAF83}" srcOrd="1" destOrd="0" parTransId="{E0FBE512-C1C4-4067-A1DE-34C9E33E9EB4}" sibTransId="{FCF39507-87BB-42FC-936E-7CB9C907446D}"/>
+    <dgm:cxn modelId="{DF3E27AC-9EC7-42C1-8261-77B5D8C07EFD}" srcId="{C0BBB20E-A547-490C-BFC3-F69C30C2BB85}" destId="{AEB247FD-6D58-4408-8770-0452FCED6303}" srcOrd="0" destOrd="0" parTransId="{89E3FD14-03B2-4832-8923-0DD87E75F033}" sibTransId="{13ECDF23-8262-4788-A630-8CE5ECF86CAB}"/>
+    <dgm:cxn modelId="{74A79FE0-DCD0-43C0-915E-56C8A39D20C7}" type="presOf" srcId="{AEB247FD-6D58-4408-8770-0452FCED6303}" destId="{0CDE4C4E-2C62-4126-8CEE-77D153383F3B}" srcOrd="1" destOrd="0" presId="urn:microsoft.com/office/officeart/2005/8/layout/hProcess4"/>
+    <dgm:cxn modelId="{CF123FA8-86E9-4509-A8B2-836C24730797}" type="presParOf" srcId="{7ABD661D-07C5-4739-AE45-6E1036C01B22}" destId="{75F32423-9911-408A-B8A9-5D1154B5D7BF}" srcOrd="0" destOrd="0" presId="urn:microsoft.com/office/officeart/2005/8/layout/hProcess4"/>
+    <dgm:cxn modelId="{8850E79F-00B9-4C54-9215-3D15B08153DD}" type="presParOf" srcId="{7ABD661D-07C5-4739-AE45-6E1036C01B22}" destId="{D241EEF2-5E0C-4DE4-A18D-25619EBD7B6F}" srcOrd="1" destOrd="0" presId="urn:microsoft.com/office/officeart/2005/8/layout/hProcess4"/>
+    <dgm:cxn modelId="{1226809C-B779-4841-B727-3E10E011B6CB}" type="presParOf" srcId="{7ABD661D-07C5-4739-AE45-6E1036C01B22}" destId="{FC4CC419-9620-4012-97C5-A28BFD476CA1}" srcOrd="2" destOrd="0" presId="urn:microsoft.com/office/officeart/2005/8/layout/hProcess4"/>
+    <dgm:cxn modelId="{35D286D9-13FF-4EE7-8142-7037A6311041}" type="presParOf" srcId="{FC4CC419-9620-4012-97C5-A28BFD476CA1}" destId="{7E698234-6681-4186-AE63-A7A941F59494}" srcOrd="0" destOrd="0" presId="urn:microsoft.com/office/officeart/2005/8/layout/hProcess4"/>
+    <dgm:cxn modelId="{4EABA230-41E5-4ADD-9711-1883FA55BB41}" type="presParOf" srcId="{7E698234-6681-4186-AE63-A7A941F59494}" destId="{395996B4-199C-4092-AE43-1490EDAA85FB}" srcOrd="0" destOrd="0" presId="urn:microsoft.com/office/officeart/2005/8/layout/hProcess4"/>
+    <dgm:cxn modelId="{51E49F9A-DC0D-4CAA-8E03-B0D1B12BB11B}" type="presParOf" srcId="{7E698234-6681-4186-AE63-A7A941F59494}" destId="{8901E0F4-0A59-4693-BCC0-AD691D9FB870}" srcOrd="1" destOrd="0" presId="urn:microsoft.com/office/officeart/2005/8/layout/hProcess4"/>
+    <dgm:cxn modelId="{192B2020-9929-4251-B6CF-2456C472304A}" type="presParOf" srcId="{7E698234-6681-4186-AE63-A7A941F59494}" destId="{0CDE4C4E-2C62-4126-8CEE-77D153383F3B}" srcOrd="2" destOrd="0" presId="urn:microsoft.com/office/officeart/2005/8/layout/hProcess4"/>
+    <dgm:cxn modelId="{CDF4961E-FABF-4AF6-9EB5-A90B8DD2717A}" type="presParOf" srcId="{7E698234-6681-4186-AE63-A7A941F59494}" destId="{AB2A0A4B-2E62-43F5-874D-A858B18AD7BD}" srcOrd="3" destOrd="0" presId="urn:microsoft.com/office/officeart/2005/8/layout/hProcess4"/>
+    <dgm:cxn modelId="{3381310D-F107-407E-9916-00306DD08FE6}" type="presParOf" srcId="{7E698234-6681-4186-AE63-A7A941F59494}" destId="{36C63541-11CA-440A-96C0-F62A9C797175}" srcOrd="4" destOrd="0" presId="urn:microsoft.com/office/officeart/2005/8/layout/hProcess4"/>
+    <dgm:cxn modelId="{AFBAF5BE-3BB0-4EE9-B583-C2F35EF0E6C0}" type="presParOf" srcId="{FC4CC419-9620-4012-97C5-A28BFD476CA1}" destId="{943CED33-B477-41B6-8333-C0E815B32CCD}" srcOrd="1" destOrd="0" presId="urn:microsoft.com/office/officeart/2005/8/layout/hProcess4"/>
+    <dgm:cxn modelId="{A7F4F8EA-563A-4ABD-BE4C-1BA3E2F08F7F}" type="presParOf" srcId="{FC4CC419-9620-4012-97C5-A28BFD476CA1}" destId="{DAE054FC-E8A5-4F66-B3DE-0F065A517B2B}" srcOrd="2" destOrd="0" presId="urn:microsoft.com/office/officeart/2005/8/layout/hProcess4"/>
+    <dgm:cxn modelId="{63B68EA2-6856-4BE2-B933-33F12EA4E16D}" type="presParOf" srcId="{DAE054FC-E8A5-4F66-B3DE-0F065A517B2B}" destId="{1F85FCD6-6513-4C8D-B4DE-0CBEE2AA7681}" srcOrd="0" destOrd="0" presId="urn:microsoft.com/office/officeart/2005/8/layout/hProcess4"/>
+    <dgm:cxn modelId="{A25D7FFE-1F0F-45E0-A761-B202218EC06A}" type="presParOf" srcId="{DAE054FC-E8A5-4F66-B3DE-0F065A517B2B}" destId="{B8A19F94-18F6-4D00-B053-8BF08839189F}" srcOrd="1" destOrd="0" presId="urn:microsoft.com/office/officeart/2005/8/layout/hProcess4"/>
+    <dgm:cxn modelId="{39BA5598-DD97-4ED7-B3EB-3D1B84AA48A7}" type="presParOf" srcId="{DAE054FC-E8A5-4F66-B3DE-0F065A517B2B}" destId="{BCCD055F-C4D8-4E1B-AEB8-AC963578358F}" srcOrd="2" destOrd="0" presId="urn:microsoft.com/office/officeart/2005/8/layout/hProcess4"/>
+    <dgm:cxn modelId="{27A75CDC-2050-488F-B2BA-D14A6F65EA7A}" type="presParOf" srcId="{DAE054FC-E8A5-4F66-B3DE-0F065A517B2B}" destId="{71BAD410-3299-44D0-A85A-DC3B57193168}" srcOrd="3" destOrd="0" presId="urn:microsoft.com/office/officeart/2005/8/layout/hProcess4"/>
+    <dgm:cxn modelId="{027B179D-1DAA-4D24-B186-CFA721974E41}" type="presParOf" srcId="{DAE054FC-E8A5-4F66-B3DE-0F065A517B2B}" destId="{89ADB8B3-B871-45E3-A9C2-130268780D69}" srcOrd="4" destOrd="0" presId="urn:microsoft.com/office/officeart/2005/8/layout/hProcess4"/>
+  </dgm:cxnLst>
+  <dgm:bg/>
+  <dgm:whole/>
+  <dgm:extLst>
+    <a:ext uri="http://schemas.microsoft.com/office/drawing/2008/diagram">
+      <dsp:dataModelExt xmlns:dsp="http://schemas.microsoft.com/office/drawing/2008/diagram" relId="rId6" minVer="http://schemas.openxmlformats.org/drawingml/2006/diagram"/>
     </a:ext>
   </dgm:extLst>
 </dgm:dataModel>
@@ -9408,6 +10449,378 @@
 </dsp:drawing>
 </file>
 
+<file path=ppt/diagrams/drawing5.xml><?xml version="1.0" encoding="utf-8"?>
+<dsp:drawing xmlns:dgm="http://schemas.openxmlformats.org/drawingml/2006/diagram" xmlns:dsp="http://schemas.microsoft.com/office/drawing/2008/diagram" xmlns:a="http://schemas.openxmlformats.org/drawingml/2006/main">
+  <dsp:spTree>
+    <dsp:nvGrpSpPr>
+      <dsp:cNvPr id="0" name=""/>
+      <dsp:cNvGrpSpPr/>
+    </dsp:nvGrpSpPr>
+    <dsp:grpSpPr/>
+    <dsp:sp modelId="{8901E0F4-0A59-4693-BCC0-AD691D9FB870}">
+      <dsp:nvSpPr>
+        <dsp:cNvPr id="0" name=""/>
+        <dsp:cNvSpPr/>
+      </dsp:nvSpPr>
+      <dsp:spPr>
+        <a:xfrm>
+          <a:off x="576874" y="725627"/>
+          <a:ext cx="2603147" cy="1394343"/>
+        </a:xfrm>
+        <a:prstGeom prst="roundRect">
+          <a:avLst>
+            <a:gd name="adj" fmla="val 10000"/>
+          </a:avLst>
+        </a:prstGeom>
+        <a:solidFill>
+          <a:schemeClr val="lt1">
+            <a:alpha val="90000"/>
+            <a:hueOff val="0"/>
+            <a:satOff val="0"/>
+            <a:lumOff val="0"/>
+            <a:alphaOff val="0"/>
+          </a:schemeClr>
+        </a:solidFill>
+        <a:ln w="12700" cap="flat" cmpd="sng" algn="ctr">
+          <a:solidFill>
+            <a:schemeClr val="accent1">
+              <a:hueOff val="0"/>
+              <a:satOff val="0"/>
+              <a:lumOff val="0"/>
+              <a:alphaOff val="0"/>
+            </a:schemeClr>
+          </a:solidFill>
+          <a:prstDash val="solid"/>
+          <a:miter lim="800000"/>
+        </a:ln>
+        <a:effectLst/>
+      </dsp:spPr>
+      <dsp:style>
+        <a:lnRef idx="2">
+          <a:scrgbClr r="0" g="0" b="0"/>
+        </a:lnRef>
+        <a:fillRef idx="1">
+          <a:scrgbClr r="0" g="0" b="0"/>
+        </a:fillRef>
+        <a:effectRef idx="0">
+          <a:scrgbClr r="0" g="0" b="0"/>
+        </a:effectRef>
+        <a:fontRef idx="minor"/>
+      </dsp:style>
+      <dsp:txBody>
+        <a:bodyPr spcFirstLastPara="0" vert="horz" wrap="square" lIns="110490" tIns="110490" rIns="110490" bIns="110490" numCol="1" spcCol="1270" anchor="t" anchorCtr="0">
+          <a:noAutofit/>
+        </a:bodyPr>
+        <a:lstStyle/>
+        <a:p>
+          <a:pPr marL="285750" lvl="1" indent="-285750" algn="l" defTabSz="2578100">
+            <a:lnSpc>
+              <a:spcPct val="90000"/>
+            </a:lnSpc>
+            <a:spcBef>
+              <a:spcPct val="0"/>
+            </a:spcBef>
+            <a:spcAft>
+              <a:spcPct val="15000"/>
+            </a:spcAft>
+            <a:buChar char="•"/>
+          </a:pPr>
+          <a:endParaRPr lang="fr-FR" sz="5800" kern="1200" dirty="0"/>
+        </a:p>
+      </dsp:txBody>
+      <dsp:txXfrm>
+        <a:off x="608962" y="757715"/>
+        <a:ext cx="2538971" cy="1031379"/>
+      </dsp:txXfrm>
+    </dsp:sp>
+    <dsp:sp modelId="{943CED33-B477-41B6-8333-C0E815B32CCD}">
+      <dsp:nvSpPr>
+        <dsp:cNvPr id="0" name=""/>
+        <dsp:cNvSpPr/>
+      </dsp:nvSpPr>
+      <dsp:spPr>
+        <a:xfrm>
+          <a:off x="1940593" y="229668"/>
+          <a:ext cx="2892405" cy="2892405"/>
+        </a:xfrm>
+        <a:prstGeom prst="leftCircularArrow">
+          <a:avLst>
+            <a:gd name="adj1" fmla="val 2490"/>
+            <a:gd name="adj2" fmla="val 301649"/>
+            <a:gd name="adj3" fmla="val 2274812"/>
+            <a:gd name="adj4" fmla="val 9222141"/>
+            <a:gd name="adj5" fmla="val 2905"/>
+          </a:avLst>
+        </a:prstGeom>
+        <a:solidFill>
+          <a:schemeClr val="accent1">
+            <a:tint val="60000"/>
+            <a:hueOff val="0"/>
+            <a:satOff val="0"/>
+            <a:lumOff val="0"/>
+            <a:alphaOff val="0"/>
+          </a:schemeClr>
+        </a:solidFill>
+        <a:ln>
+          <a:noFill/>
+        </a:ln>
+        <a:effectLst/>
+      </dsp:spPr>
+      <dsp:style>
+        <a:lnRef idx="0">
+          <a:scrgbClr r="0" g="0" b="0"/>
+        </a:lnRef>
+        <a:fillRef idx="1">
+          <a:scrgbClr r="0" g="0" b="0"/>
+        </a:fillRef>
+        <a:effectRef idx="0">
+          <a:scrgbClr r="0" g="0" b="0"/>
+        </a:effectRef>
+        <a:fontRef idx="minor">
+          <a:schemeClr val="lt1"/>
+        </a:fontRef>
+      </dsp:style>
+    </dsp:sp>
+    <dsp:sp modelId="{AB2A0A4B-2E62-43F5-874D-A858B18AD7BD}">
+      <dsp:nvSpPr>
+        <dsp:cNvPr id="0" name=""/>
+        <dsp:cNvSpPr/>
+      </dsp:nvSpPr>
+      <dsp:spPr>
+        <a:xfrm>
+          <a:off x="1582798" y="1957914"/>
+          <a:ext cx="1154812" cy="324113"/>
+        </a:xfrm>
+        <a:prstGeom prst="roundRect">
+          <a:avLst>
+            <a:gd name="adj" fmla="val 10000"/>
+          </a:avLst>
+        </a:prstGeom>
+        <a:solidFill>
+          <a:schemeClr val="accent1">
+            <a:hueOff val="0"/>
+            <a:satOff val="0"/>
+            <a:lumOff val="0"/>
+            <a:alphaOff val="0"/>
+          </a:schemeClr>
+        </a:solidFill>
+        <a:ln w="12700" cap="flat" cmpd="sng" algn="ctr">
+          <a:solidFill>
+            <a:schemeClr val="lt1">
+              <a:hueOff val="0"/>
+              <a:satOff val="0"/>
+              <a:lumOff val="0"/>
+              <a:alphaOff val="0"/>
+            </a:schemeClr>
+          </a:solidFill>
+          <a:prstDash val="solid"/>
+          <a:miter lim="800000"/>
+        </a:ln>
+        <a:effectLst/>
+      </dsp:spPr>
+      <dsp:style>
+        <a:lnRef idx="2">
+          <a:scrgbClr r="0" g="0" b="0"/>
+        </a:lnRef>
+        <a:fillRef idx="1">
+          <a:scrgbClr r="0" g="0" b="0"/>
+        </a:fillRef>
+        <a:effectRef idx="0">
+          <a:scrgbClr r="0" g="0" b="0"/>
+        </a:effectRef>
+        <a:fontRef idx="minor">
+          <a:schemeClr val="lt1"/>
+        </a:fontRef>
+      </dsp:style>
+      <dsp:txBody>
+        <a:bodyPr spcFirstLastPara="0" vert="horz" wrap="square" lIns="26670" tIns="17780" rIns="26670" bIns="17780" numCol="1" spcCol="1270" anchor="ctr" anchorCtr="0">
+          <a:noAutofit/>
+        </a:bodyPr>
+        <a:lstStyle/>
+        <a:p>
+          <a:pPr marL="0" lvl="0" indent="0" algn="ctr" defTabSz="622300">
+            <a:lnSpc>
+              <a:spcPct val="90000"/>
+            </a:lnSpc>
+            <a:spcBef>
+              <a:spcPct val="0"/>
+            </a:spcBef>
+            <a:spcAft>
+              <a:spcPct val="35000"/>
+            </a:spcAft>
+            <a:buNone/>
+          </a:pPr>
+          <a:r>
+            <a:rPr lang="fr-FR" sz="1400" kern="1200" dirty="0"/>
+            <a:t>Préparation</a:t>
+          </a:r>
+        </a:p>
+      </dsp:txBody>
+      <dsp:txXfrm>
+        <a:off x="1592291" y="1967407"/>
+        <a:ext cx="1135826" cy="305127"/>
+      </dsp:txXfrm>
+    </dsp:sp>
+    <dsp:sp modelId="{B8A19F94-18F6-4D00-B053-8BF08839189F}">
+      <dsp:nvSpPr>
+        <dsp:cNvPr id="0" name=""/>
+        <dsp:cNvSpPr/>
+      </dsp:nvSpPr>
+      <dsp:spPr>
+        <a:xfrm>
+          <a:off x="3522921" y="725627"/>
+          <a:ext cx="2758203" cy="1394343"/>
+        </a:xfrm>
+        <a:prstGeom prst="roundRect">
+          <a:avLst>
+            <a:gd name="adj" fmla="val 10000"/>
+          </a:avLst>
+        </a:prstGeom>
+        <a:solidFill>
+          <a:schemeClr val="lt1">
+            <a:alpha val="90000"/>
+            <a:hueOff val="0"/>
+            <a:satOff val="0"/>
+            <a:lumOff val="0"/>
+            <a:alphaOff val="0"/>
+          </a:schemeClr>
+        </a:solidFill>
+        <a:ln w="12700" cap="flat" cmpd="sng" algn="ctr">
+          <a:solidFill>
+            <a:schemeClr val="accent1">
+              <a:hueOff val="0"/>
+              <a:satOff val="0"/>
+              <a:lumOff val="0"/>
+              <a:alphaOff val="0"/>
+            </a:schemeClr>
+          </a:solidFill>
+          <a:prstDash val="solid"/>
+          <a:miter lim="800000"/>
+        </a:ln>
+        <a:effectLst/>
+      </dsp:spPr>
+      <dsp:style>
+        <a:lnRef idx="2">
+          <a:scrgbClr r="0" g="0" b="0"/>
+        </a:lnRef>
+        <a:fillRef idx="1">
+          <a:scrgbClr r="0" g="0" b="0"/>
+        </a:fillRef>
+        <a:effectRef idx="0">
+          <a:scrgbClr r="0" g="0" b="0"/>
+        </a:effectRef>
+        <a:fontRef idx="minor"/>
+      </dsp:style>
+      <dsp:txBody>
+        <a:bodyPr spcFirstLastPara="0" vert="horz" wrap="square" lIns="110490" tIns="110490" rIns="110490" bIns="110490" numCol="1" spcCol="1270" anchor="t" anchorCtr="0">
+          <a:noAutofit/>
+        </a:bodyPr>
+        <a:lstStyle/>
+        <a:p>
+          <a:pPr marL="285750" lvl="1" indent="-285750" algn="l" defTabSz="2578100">
+            <a:lnSpc>
+              <a:spcPct val="90000"/>
+            </a:lnSpc>
+            <a:spcBef>
+              <a:spcPct val="0"/>
+            </a:spcBef>
+            <a:spcAft>
+              <a:spcPct val="15000"/>
+            </a:spcAft>
+            <a:buChar char="•"/>
+          </a:pPr>
+          <a:endParaRPr lang="fr-FR" sz="5800" kern="1200" dirty="0"/>
+        </a:p>
+      </dsp:txBody>
+      <dsp:txXfrm>
+        <a:off x="3555009" y="1056503"/>
+        <a:ext cx="2694027" cy="1031379"/>
+      </dsp:txXfrm>
+    </dsp:sp>
+    <dsp:sp modelId="{71BAD410-3299-44D0-A85A-DC3B57193168}">
+      <dsp:nvSpPr>
+        <dsp:cNvPr id="0" name=""/>
+        <dsp:cNvSpPr/>
+      </dsp:nvSpPr>
+      <dsp:spPr>
+        <a:xfrm>
+          <a:off x="4606374" y="563571"/>
+          <a:ext cx="1154812" cy="324113"/>
+        </a:xfrm>
+        <a:prstGeom prst="roundRect">
+          <a:avLst>
+            <a:gd name="adj" fmla="val 10000"/>
+          </a:avLst>
+        </a:prstGeom>
+        <a:solidFill>
+          <a:schemeClr val="accent1">
+            <a:hueOff val="0"/>
+            <a:satOff val="0"/>
+            <a:lumOff val="0"/>
+            <a:alphaOff val="0"/>
+          </a:schemeClr>
+        </a:solidFill>
+        <a:ln w="12700" cap="flat" cmpd="sng" algn="ctr">
+          <a:solidFill>
+            <a:schemeClr val="lt1">
+              <a:hueOff val="0"/>
+              <a:satOff val="0"/>
+              <a:lumOff val="0"/>
+              <a:alphaOff val="0"/>
+            </a:schemeClr>
+          </a:solidFill>
+          <a:prstDash val="solid"/>
+          <a:miter lim="800000"/>
+        </a:ln>
+        <a:effectLst/>
+      </dsp:spPr>
+      <dsp:style>
+        <a:lnRef idx="2">
+          <a:scrgbClr r="0" g="0" b="0"/>
+        </a:lnRef>
+        <a:fillRef idx="1">
+          <a:scrgbClr r="0" g="0" b="0"/>
+        </a:fillRef>
+        <a:effectRef idx="0">
+          <a:scrgbClr r="0" g="0" b="0"/>
+        </a:effectRef>
+        <a:fontRef idx="minor">
+          <a:schemeClr val="lt1"/>
+        </a:fontRef>
+      </dsp:style>
+      <dsp:txBody>
+        <a:bodyPr spcFirstLastPara="0" vert="horz" wrap="square" lIns="26670" tIns="17780" rIns="26670" bIns="17780" numCol="1" spcCol="1270" anchor="ctr" anchorCtr="0">
+          <a:noAutofit/>
+        </a:bodyPr>
+        <a:lstStyle/>
+        <a:p>
+          <a:pPr marL="0" lvl="0" indent="0" algn="ctr" defTabSz="622300">
+            <a:lnSpc>
+              <a:spcPct val="90000"/>
+            </a:lnSpc>
+            <a:spcBef>
+              <a:spcPct val="0"/>
+            </a:spcBef>
+            <a:spcAft>
+              <a:spcPct val="35000"/>
+            </a:spcAft>
+            <a:buNone/>
+          </a:pPr>
+          <a:r>
+            <a:rPr lang="fr-FR" sz="1400" kern="1200" dirty="0"/>
+            <a:t>Introduction</a:t>
+          </a:r>
+        </a:p>
+      </dsp:txBody>
+      <dsp:txXfrm>
+        <a:off x="4615867" y="573064"/>
+        <a:ext cx="1135826" cy="305127"/>
+      </dsp:txXfrm>
+    </dsp:sp>
+  </dsp:spTree>
+</dsp:drawing>
+</file>
+
 <file path=ppt/diagrams/layout1.xml><?xml version="1.0" encoding="utf-8"?>
 <dgm:layoutDef xmlns:dgm="http://schemas.openxmlformats.org/drawingml/2006/diagram" xmlns:a="http://schemas.openxmlformats.org/drawingml/2006/main" uniqueId="urn:microsoft.com/office/officeart/2005/8/layout/hProcess4">
   <dgm:title val=""/>
@@ -11584,6 +12997,550 @@
 </dgm:layoutDef>
 </file>
 
+<file path=ppt/diagrams/layout5.xml><?xml version="1.0" encoding="utf-8"?>
+<dgm:layoutDef xmlns:dgm="http://schemas.openxmlformats.org/drawingml/2006/diagram" xmlns:a="http://schemas.openxmlformats.org/drawingml/2006/main" uniqueId="urn:microsoft.com/office/officeart/2005/8/layout/hProcess4">
+  <dgm:title val=""/>
+  <dgm:desc val=""/>
+  <dgm:catLst>
+    <dgm:cat type="process" pri="4000"/>
+  </dgm:catLst>
+  <dgm:sampData>
+    <dgm:dataModel>
+      <dgm:ptLst>
+        <dgm:pt modelId="0" type="doc"/>
+        <dgm:pt modelId="1">
+          <dgm:prSet phldr="1"/>
+        </dgm:pt>
+        <dgm:pt modelId="11">
+          <dgm:prSet phldr="1"/>
+        </dgm:pt>
+        <dgm:pt modelId="12">
+          <dgm:prSet phldr="1"/>
+        </dgm:pt>
+        <dgm:pt modelId="2">
+          <dgm:prSet phldr="1"/>
+        </dgm:pt>
+        <dgm:pt modelId="21">
+          <dgm:prSet phldr="1"/>
+        </dgm:pt>
+        <dgm:pt modelId="22">
+          <dgm:prSet phldr="1"/>
+        </dgm:pt>
+        <dgm:pt modelId="3">
+          <dgm:prSet phldr="1"/>
+        </dgm:pt>
+        <dgm:pt modelId="31">
+          <dgm:prSet phldr="1"/>
+        </dgm:pt>
+        <dgm:pt modelId="32">
+          <dgm:prSet phldr="1"/>
+        </dgm:pt>
+      </dgm:ptLst>
+      <dgm:cxnLst>
+        <dgm:cxn modelId="4" srcId="0" destId="1" srcOrd="0" destOrd="0"/>
+        <dgm:cxn modelId="5" srcId="0" destId="2" srcOrd="1" destOrd="0"/>
+        <dgm:cxn modelId="6" srcId="0" destId="3" srcOrd="2" destOrd="0"/>
+        <dgm:cxn modelId="13" srcId="1" destId="11" srcOrd="0" destOrd="0"/>
+        <dgm:cxn modelId="14" srcId="1" destId="12" srcOrd="1" destOrd="0"/>
+        <dgm:cxn modelId="23" srcId="2" destId="21" srcOrd="0" destOrd="0"/>
+        <dgm:cxn modelId="24" srcId="2" destId="22" srcOrd="1" destOrd="0"/>
+        <dgm:cxn modelId="33" srcId="3" destId="31" srcOrd="0" destOrd="0"/>
+        <dgm:cxn modelId="34" srcId="3" destId="32" srcOrd="1" destOrd="0"/>
+      </dgm:cxnLst>
+      <dgm:bg/>
+      <dgm:whole/>
+    </dgm:dataModel>
+  </dgm:sampData>
+  <dgm:styleData>
+    <dgm:dataModel>
+      <dgm:ptLst>
+        <dgm:pt modelId="0" type="doc"/>
+        <dgm:pt modelId="1"/>
+        <dgm:pt modelId="11"/>
+        <dgm:pt modelId="2"/>
+        <dgm:pt modelId="21"/>
+      </dgm:ptLst>
+      <dgm:cxnLst>
+        <dgm:cxn modelId="4" srcId="0" destId="1" srcOrd="0" destOrd="0"/>
+        <dgm:cxn modelId="5" srcId="0" destId="2" srcOrd="1" destOrd="0"/>
+        <dgm:cxn modelId="13" srcId="1" destId="11" srcOrd="0" destOrd="0"/>
+        <dgm:cxn modelId="23" srcId="2" destId="21" srcOrd="0" destOrd="0"/>
+      </dgm:cxnLst>
+      <dgm:bg/>
+      <dgm:whole/>
+    </dgm:dataModel>
+  </dgm:styleData>
+  <dgm:clrData>
+    <dgm:dataModel>
+      <dgm:ptLst>
+        <dgm:pt modelId="0" type="doc"/>
+        <dgm:pt modelId="1"/>
+        <dgm:pt modelId="11"/>
+        <dgm:pt modelId="2"/>
+        <dgm:pt modelId="21"/>
+        <dgm:pt modelId="3"/>
+        <dgm:pt modelId="31"/>
+        <dgm:pt modelId="4"/>
+        <dgm:pt modelId="41"/>
+      </dgm:ptLst>
+      <dgm:cxnLst>
+        <dgm:cxn modelId="5" srcId="0" destId="1" srcOrd="0" destOrd="0"/>
+        <dgm:cxn modelId="6" srcId="0" destId="2" srcOrd="1" destOrd="0"/>
+        <dgm:cxn modelId="7" srcId="0" destId="3" srcOrd="2" destOrd="0"/>
+        <dgm:cxn modelId="8" srcId="0" destId="4" srcOrd="3" destOrd="0"/>
+        <dgm:cxn modelId="13" srcId="1" destId="11" srcOrd="0" destOrd="0"/>
+        <dgm:cxn modelId="23" srcId="2" destId="21" srcOrd="0" destOrd="0"/>
+        <dgm:cxn modelId="33" srcId="3" destId="31" srcOrd="0" destOrd="0"/>
+        <dgm:cxn modelId="43" srcId="4" destId="41" srcOrd="0" destOrd="0"/>
+      </dgm:cxnLst>
+      <dgm:bg/>
+      <dgm:whole/>
+    </dgm:dataModel>
+  </dgm:clrData>
+  <dgm:layoutNode name="Name0">
+    <dgm:varLst>
+      <dgm:dir/>
+      <dgm:animLvl val="lvl"/>
+      <dgm:resizeHandles val="exact"/>
+    </dgm:varLst>
+    <dgm:alg type="composite"/>
+    <dgm:shape xmlns:r="http://schemas.openxmlformats.org/officeDocument/2006/relationships" r:blip="">
+      <dgm:adjLst/>
+    </dgm:shape>
+    <dgm:presOf/>
+    <dgm:constrLst>
+      <dgm:constr type="w" for="ch" forName="tSp" refType="w"/>
+      <dgm:constr type="h" for="ch" forName="tSp" refType="h" fact="0.15"/>
+      <dgm:constr type="l" for="ch" forName="tSp"/>
+      <dgm:constr type="t" for="ch" forName="tSp"/>
+      <dgm:constr type="w" for="ch" forName="bSp" refType="w"/>
+      <dgm:constr type="h" for="ch" forName="bSp" refType="h" fact="0.15"/>
+      <dgm:constr type="l" for="ch" forName="bSp"/>
+      <dgm:constr type="t" for="ch" forName="bSp" refType="h" fact="0.85"/>
+      <dgm:constr type="w" for="ch" forName="process" refType="w"/>
+      <dgm:constr type="h" for="ch" forName="process" refType="h" fact="0.7"/>
+      <dgm:constr type="l" for="ch" forName="process"/>
+      <dgm:constr type="t" for="ch" forName="process" refType="h" fact="0.15"/>
+    </dgm:constrLst>
+    <dgm:ruleLst/>
+    <dgm:layoutNode name="tSp">
+      <dgm:alg type="sp"/>
+      <dgm:shape xmlns:r="http://schemas.openxmlformats.org/officeDocument/2006/relationships" r:blip="">
+        <dgm:adjLst/>
+      </dgm:shape>
+      <dgm:presOf/>
+      <dgm:constrLst/>
+      <dgm:ruleLst/>
+    </dgm:layoutNode>
+    <dgm:layoutNode name="bSp">
+      <dgm:alg type="sp"/>
+      <dgm:shape xmlns:r="http://schemas.openxmlformats.org/officeDocument/2006/relationships" r:blip="">
+        <dgm:adjLst/>
+      </dgm:shape>
+      <dgm:presOf/>
+      <dgm:constrLst/>
+      <dgm:ruleLst/>
+    </dgm:layoutNode>
+    <dgm:layoutNode name="process">
+      <dgm:choose name="Name1">
+        <dgm:if name="Name2" func="var" arg="dir" op="equ" val="norm">
+          <dgm:alg type="lin">
+            <dgm:param type="linDir" val="fromL"/>
+          </dgm:alg>
+        </dgm:if>
+        <dgm:else name="Name3">
+          <dgm:alg type="lin">
+            <dgm:param type="linDir" val="fromR"/>
+          </dgm:alg>
+        </dgm:else>
+      </dgm:choose>
+      <dgm:shape xmlns:r="http://schemas.openxmlformats.org/officeDocument/2006/relationships" r:blip="">
+        <dgm:adjLst/>
+      </dgm:shape>
+      <dgm:presOf/>
+      <dgm:constrLst>
+        <dgm:constr type="w" for="ch" forName="composite1" refType="w"/>
+        <dgm:constr type="w" for="ch" forName="composite2" refType="w" refFor="ch" refForName="composite1" op="equ"/>
+        <dgm:constr type="h" for="ch" forName="composite1" refType="h"/>
+        <dgm:constr type="h" for="ch" forName="composite2" refType="h" refFor="ch" refForName="composite1" op="equ"/>
+        <dgm:constr type="primFontSz" for="des" forName="parentNode1" val="65"/>
+        <dgm:constr type="primFontSz" for="des" forName="parentNode2" refType="primFontSz" refFor="des" refForName="parentNode1" op="equ"/>
+        <dgm:constr type="secFontSz" for="des" forName="childNode1tx" val="65"/>
+        <dgm:constr type="secFontSz" for="des" forName="childNode2tx" refType="secFontSz" refFor="des" refForName="childNode1tx" op="equ"/>
+        <dgm:constr type="w" for="des" ptType="sibTrans" refType="w" refFor="ch" refForName="composite1" op="equ" fact="0.05"/>
+      </dgm:constrLst>
+      <dgm:ruleLst/>
+      <dgm:forEach name="Name4" axis="ch" ptType="node" step="2">
+        <dgm:layoutNode name="composite1">
+          <dgm:alg type="composite">
+            <dgm:param type="ar" val="0.943"/>
+          </dgm:alg>
+          <dgm:shape xmlns:r="http://schemas.openxmlformats.org/officeDocument/2006/relationships" r:blip="">
+            <dgm:adjLst/>
+          </dgm:shape>
+          <dgm:presOf/>
+          <dgm:choose name="Name5">
+            <dgm:if name="Name6" func="var" arg="dir" op="equ" val="norm">
+              <dgm:constrLst>
+                <dgm:constr type="h" refType="w" fact="1.06"/>
+                <dgm:constr type="w" for="ch" forName="dummyNode1" refType="w"/>
+                <dgm:constr type="h" for="ch" forName="dummyNode1" refType="h"/>
+                <dgm:constr type="t" for="ch" forName="dummyNode1"/>
+                <dgm:constr type="l" for="ch" forName="dummyNode1"/>
+                <dgm:constr type="w" for="ch" forName="childNode1" refType="w" fact="0.9"/>
+                <dgm:constr type="h" for="ch" forName="childNode1" refType="h" fact="0.7"/>
+                <dgm:constr type="t" for="ch" forName="childNode1" refType="h" fact="0.15"/>
+                <dgm:constr type="l" for="ch" forName="childNode1"/>
+                <dgm:constr type="w" for="ch" forName="childNode1tx" refType="w" fact="0.9"/>
+                <dgm:constr type="h" for="ch" forName="childNode1tx" refType="h" fact="0.55"/>
+                <dgm:constr type="t" for="ch" forName="childNode1tx" refType="h" fact="0.15"/>
+                <dgm:constr type="l" for="ch" forName="childNode1tx"/>
+                <dgm:constr type="w" for="ch" forName="parentNode1" refType="w" fact="0.8"/>
+                <dgm:constr type="h" for="ch" forName="parentNode1" refType="h" fact="0.3"/>
+                <dgm:constr type="t" for="ch" forName="parentNode1" refType="h" fact="0.7"/>
+                <dgm:constr type="l" for="ch" forName="parentNode1" refType="w" fact="0.2"/>
+                <dgm:constr type="w" for="ch" forName="connSite1" refType="w" fact="0.01"/>
+                <dgm:constr type="h" for="ch" forName="connSite1" refType="h" fact="0.01"/>
+                <dgm:constr type="t" for="ch" forName="connSite1"/>
+                <dgm:constr type="l" for="ch" forName="connSite1" refType="w" fact="0.35"/>
+              </dgm:constrLst>
+            </dgm:if>
+            <dgm:else name="Name7">
+              <dgm:constrLst>
+                <dgm:constr type="h" refType="w" fact="1.06"/>
+                <dgm:constr type="w" for="ch" forName="dummyNode1" refType="w"/>
+                <dgm:constr type="h" for="ch" forName="dummyNode1" refType="h"/>
+                <dgm:constr type="t" for="ch" forName="dummyNode1"/>
+                <dgm:constr type="l" for="ch" forName="dummyNode1"/>
+                <dgm:constr type="w" for="ch" forName="childNode1" refType="w" fact="0.9"/>
+                <dgm:constr type="h" for="ch" forName="childNode1" refType="h" fact="0.7"/>
+                <dgm:constr type="t" for="ch" forName="childNode1" refType="h" fact="0.15"/>
+                <dgm:constr type="l" for="ch" forName="childNode1" refType="w" fact="0.1"/>
+                <dgm:constr type="w" for="ch" forName="childNode1tx" refType="w" fact="0.9"/>
+                <dgm:constr type="h" for="ch" forName="childNode1tx" refType="h" fact="0.55"/>
+                <dgm:constr type="t" for="ch" forName="childNode1tx" refType="h" fact="0.15"/>
+                <dgm:constr type="l" for="ch" forName="childNode1tx" refType="w" fact="0.1"/>
+                <dgm:constr type="w" for="ch" forName="parentNode1" refType="w" fact="0.8"/>
+                <dgm:constr type="h" for="ch" forName="parentNode1" refType="h" fact="0.3"/>
+                <dgm:constr type="t" for="ch" forName="parentNode1" refType="h" fact="0.7"/>
+                <dgm:constr type="l" for="ch" forName="parentNode1"/>
+                <dgm:constr type="w" for="ch" forName="connSite1" refType="w" fact="0.01"/>
+                <dgm:constr type="h" for="ch" forName="connSite1" refType="h" fact="0.01"/>
+                <dgm:constr type="t" for="ch" forName="connSite1"/>
+                <dgm:constr type="l" for="ch" forName="connSite1" refType="w" fact="0.65"/>
+              </dgm:constrLst>
+            </dgm:else>
+          </dgm:choose>
+          <dgm:ruleLst/>
+          <dgm:layoutNode name="dummyNode1">
+            <dgm:alg type="sp"/>
+            <dgm:shape xmlns:r="http://schemas.openxmlformats.org/officeDocument/2006/relationships" type="rect" r:blip="" hideGeom="1">
+              <dgm:adjLst/>
+            </dgm:shape>
+            <dgm:presOf/>
+            <dgm:constrLst/>
+            <dgm:ruleLst/>
+          </dgm:layoutNode>
+          <dgm:layoutNode name="childNode1" styleLbl="bgAcc1">
+            <dgm:varLst>
+              <dgm:bulletEnabled val="1"/>
+            </dgm:varLst>
+            <dgm:alg type="sp"/>
+            <dgm:shape xmlns:r="http://schemas.openxmlformats.org/officeDocument/2006/relationships" type="roundRect" r:blip="">
+              <dgm:adjLst>
+                <dgm:adj idx="1" val="0.1"/>
+              </dgm:adjLst>
+            </dgm:shape>
+            <dgm:presOf axis="des" ptType="node"/>
+            <dgm:constrLst/>
+            <dgm:ruleLst/>
+          </dgm:layoutNode>
+          <dgm:layoutNode name="childNode1tx" styleLbl="bgAcc1">
+            <dgm:varLst>
+              <dgm:bulletEnabled val="1"/>
+            </dgm:varLst>
+            <dgm:alg type="tx">
+              <dgm:param type="stBulletLvl" val="1"/>
+            </dgm:alg>
+            <dgm:shape xmlns:r="http://schemas.openxmlformats.org/officeDocument/2006/relationships" type="roundRect" r:blip="" hideGeom="1">
+              <dgm:adjLst>
+                <dgm:adj idx="1" val="0.1"/>
+              </dgm:adjLst>
+            </dgm:shape>
+            <dgm:presOf axis="des" ptType="node"/>
+            <dgm:constrLst>
+              <dgm:constr type="secFontSz" val="65"/>
+              <dgm:constr type="primFontSz" refType="secFontSz"/>
+              <dgm:constr type="tMarg" refType="secFontSz" fact="0.15"/>
+              <dgm:constr type="bMarg" refType="secFontSz" fact="0.15"/>
+              <dgm:constr type="lMarg" refType="secFontSz" fact="0.15"/>
+              <dgm:constr type="rMarg" refType="secFontSz" fact="0.15"/>
+            </dgm:constrLst>
+            <dgm:ruleLst>
+              <dgm:rule type="secFontSz" val="5" fact="NaN" max="NaN"/>
+            </dgm:ruleLst>
+          </dgm:layoutNode>
+          <dgm:layoutNode name="parentNode1" styleLbl="node1">
+            <dgm:varLst>
+              <dgm:chMax val="1"/>
+              <dgm:bulletEnabled val="1"/>
+            </dgm:varLst>
+            <dgm:alg type="tx"/>
+            <dgm:shape xmlns:r="http://schemas.openxmlformats.org/officeDocument/2006/relationships" type="roundRect" r:blip="">
+              <dgm:adjLst>
+                <dgm:adj idx="1" val="0.1"/>
+              </dgm:adjLst>
+            </dgm:shape>
+            <dgm:presOf axis="self"/>
+            <dgm:constrLst>
+              <dgm:constr type="tMarg" refType="primFontSz" fact="0.1"/>
+              <dgm:constr type="bMarg" refType="primFontSz" fact="0.1"/>
+              <dgm:constr type="lMarg" refType="primFontSz" fact="0.15"/>
+              <dgm:constr type="rMarg" refType="primFontSz" fact="0.15"/>
+            </dgm:constrLst>
+            <dgm:ruleLst>
+              <dgm:rule type="primFontSz" val="5" fact="NaN" max="NaN"/>
+            </dgm:ruleLst>
+          </dgm:layoutNode>
+          <dgm:layoutNode name="connSite1" moveWith="childNode1">
+            <dgm:alg type="sp"/>
+            <dgm:shape xmlns:r="http://schemas.openxmlformats.org/officeDocument/2006/relationships" r:blip="">
+              <dgm:adjLst/>
+            </dgm:shape>
+            <dgm:presOf/>
+            <dgm:constrLst/>
+            <dgm:ruleLst/>
+          </dgm:layoutNode>
+        </dgm:layoutNode>
+        <dgm:forEach name="Name8" axis="followSib" ptType="sibTrans" cnt="1">
+          <dgm:layoutNode name="Name9">
+            <dgm:alg type="conn">
+              <dgm:param type="connRout" val="curve"/>
+              <dgm:param type="srcNode" val="parentNode1"/>
+              <dgm:param type="dstNode" val="connSite2"/>
+              <dgm:param type="begPts" val="bCtr"/>
+              <dgm:param type="endPts" val="bCtr"/>
+            </dgm:alg>
+            <dgm:shape xmlns:r="http://schemas.openxmlformats.org/officeDocument/2006/relationships" type="conn" r:blip="" zOrderOff="-2">
+              <dgm:adjLst/>
+            </dgm:shape>
+            <dgm:presOf axis="self"/>
+            <dgm:choose name="Name10">
+              <dgm:if name="Name11" func="var" arg="dir" op="equ" val="norm">
+                <dgm:constrLst>
+                  <dgm:constr type="h" refType="w" fact="0.35"/>
+                  <dgm:constr type="wArH" refType="h"/>
+                  <dgm:constr type="hArH" refType="h"/>
+                  <dgm:constr type="connDist"/>
+                  <dgm:constr type="diam" refType="connDist" fact="-1.15"/>
+                  <dgm:constr type="begPad"/>
+                  <dgm:constr type="endPad"/>
+                </dgm:constrLst>
+              </dgm:if>
+              <dgm:else name="Name12">
+                <dgm:constrLst>
+                  <dgm:constr type="h" refType="w" fact="0.35"/>
+                  <dgm:constr type="wArH" refType="h"/>
+                  <dgm:constr type="hArH" refType="h"/>
+                  <dgm:constr type="connDist"/>
+                  <dgm:constr type="diam" refType="connDist" fact="1.15"/>
+                  <dgm:constr type="begPad"/>
+                  <dgm:constr type="endPad"/>
+                </dgm:constrLst>
+              </dgm:else>
+            </dgm:choose>
+            <dgm:ruleLst/>
+          </dgm:layoutNode>
+        </dgm:forEach>
+        <dgm:forEach name="Name13" axis="followSib" ptType="node" cnt="1">
+          <dgm:layoutNode name="composite2">
+            <dgm:alg type="composite">
+              <dgm:param type="ar" val="0.943"/>
+            </dgm:alg>
+            <dgm:shape xmlns:r="http://schemas.openxmlformats.org/officeDocument/2006/relationships" r:blip="">
+              <dgm:adjLst/>
+            </dgm:shape>
+            <dgm:presOf/>
+            <dgm:choose name="Name14">
+              <dgm:if name="Name15" func="var" arg="dir" op="equ" val="norm">
+                <dgm:constrLst>
+                  <dgm:constr type="h" refType="w" fact="1.06"/>
+                  <dgm:constr type="w" for="ch" forName="dummyNode2" refType="w"/>
+                  <dgm:constr type="h" for="ch" forName="dummyNode2" refType="h"/>
+                  <dgm:constr type="t" for="ch" forName="dummyNode2"/>
+                  <dgm:constr type="l" for="ch" forName="dummyNode2"/>
+                  <dgm:constr type="w" for="ch" forName="childNode2" refType="w" fact="0.9"/>
+                  <dgm:constr type="h" for="ch" forName="childNode2" refType="h" fact="0.7"/>
+                  <dgm:constr type="t" for="ch" forName="childNode2" refType="h" fact="0.15"/>
+                  <dgm:constr type="l" for="ch" forName="childNode2"/>
+                  <dgm:constr type="w" for="ch" forName="childNode2tx" refType="w" fact="0.9"/>
+                  <dgm:constr type="h" for="ch" forName="childNode2tx" refType="h" fact="0.55"/>
+                  <dgm:constr type="t" for="ch" forName="childNode2tx" refType="h" fact="0.3"/>
+                  <dgm:constr type="l" for="ch" forName="childNode2tx"/>
+                  <dgm:constr type="w" for="ch" forName="parentNode2" refType="w" fact="0.8"/>
+                  <dgm:constr type="h" for="ch" forName="parentNode2" refType="h" fact="0.3"/>
+                  <dgm:constr type="t" for="ch" forName="parentNode2"/>
+                  <dgm:constr type="l" for="ch" forName="parentNode2" refType="w" fact="0.2"/>
+                  <dgm:constr type="w" for="ch" forName="connSite2" refType="w" fact="0.01"/>
+                  <dgm:constr type="h" for="ch" forName="connSite2" refType="h" fact="0.01"/>
+                  <dgm:constr type="t" for="ch" forName="connSite2" refType="h" fact="0.99"/>
+                  <dgm:constr type="l" for="ch" forName="connSite2" refType="w" fact="0.25"/>
+                </dgm:constrLst>
+              </dgm:if>
+              <dgm:else name="Name16">
+                <dgm:constrLst>
+                  <dgm:constr type="h" refType="w" fact="1.06"/>
+                  <dgm:constr type="w" for="ch" forName="dummyNode2" refType="w"/>
+                  <dgm:constr type="h" for="ch" forName="dummyNode2" refType="h"/>
+                  <dgm:constr type="t" for="ch" forName="dummyNode2"/>
+                  <dgm:constr type="l" for="ch" forName="dummyNode2"/>
+                  <dgm:constr type="w" for="ch" forName="childNode2" refType="w" fact="0.9"/>
+                  <dgm:constr type="h" for="ch" forName="childNode2" refType="h" fact="0.7"/>
+                  <dgm:constr type="t" for="ch" forName="childNode2" refType="h" fact="0.15"/>
+                  <dgm:constr type="l" for="ch" forName="childNode2" refType="w" fact="0.1"/>
+                  <dgm:constr type="w" for="ch" forName="childNode2tx" refType="w" fact="0.9"/>
+                  <dgm:constr type="h" for="ch" forName="childNode2tx" refType="h" fact="0.55"/>
+                  <dgm:constr type="t" for="ch" forName="childNode2tx" refType="h" fact="0.3"/>
+                  <dgm:constr type="l" for="ch" forName="childNode2tx" refType="w" fact="0.1"/>
+                  <dgm:constr type="w" for="ch" forName="parentNode2" refType="w" fact="0.8"/>
+                  <dgm:constr type="h" for="ch" forName="parentNode2" refType="h" fact="0.3"/>
+                  <dgm:constr type="t" for="ch" forName="parentNode2"/>
+                  <dgm:constr type="l" for="ch" forName="parentNode2"/>
+                  <dgm:constr type="w" for="ch" forName="connSite2" refType="w" fact="0.01"/>
+                  <dgm:constr type="h" for="ch" forName="connSite2" refType="h" fact="0.01"/>
+                  <dgm:constr type="t" for="ch" forName="connSite2" refType="h" fact="0.99"/>
+                  <dgm:constr type="l" for="ch" forName="connSite2" refType="w" fact="0.85"/>
+                </dgm:constrLst>
+              </dgm:else>
+            </dgm:choose>
+            <dgm:ruleLst/>
+            <dgm:layoutNode name="dummyNode2">
+              <dgm:alg type="sp"/>
+              <dgm:shape xmlns:r="http://schemas.openxmlformats.org/officeDocument/2006/relationships" type="rect" r:blip="" hideGeom="1">
+                <dgm:adjLst/>
+              </dgm:shape>
+              <dgm:presOf/>
+              <dgm:constrLst/>
+              <dgm:ruleLst/>
+            </dgm:layoutNode>
+            <dgm:layoutNode name="childNode2" styleLbl="bgAcc1">
+              <dgm:varLst>
+                <dgm:bulletEnabled val="1"/>
+              </dgm:varLst>
+              <dgm:alg type="sp"/>
+              <dgm:shape xmlns:r="http://schemas.openxmlformats.org/officeDocument/2006/relationships" type="roundRect" r:blip="">
+                <dgm:adjLst>
+                  <dgm:adj idx="1" val="0.1"/>
+                </dgm:adjLst>
+              </dgm:shape>
+              <dgm:presOf axis="des" ptType="node"/>
+              <dgm:constrLst/>
+              <dgm:ruleLst/>
+            </dgm:layoutNode>
+            <dgm:layoutNode name="childNode2tx" styleLbl="bgAcc1">
+              <dgm:varLst>
+                <dgm:bulletEnabled val="1"/>
+              </dgm:varLst>
+              <dgm:alg type="tx">
+                <dgm:param type="stBulletLvl" val="1"/>
+              </dgm:alg>
+              <dgm:shape xmlns:r="http://schemas.openxmlformats.org/officeDocument/2006/relationships" type="roundRect" r:blip="" hideGeom="1">
+                <dgm:adjLst>
+                  <dgm:adj idx="1" val="0.1"/>
+                </dgm:adjLst>
+              </dgm:shape>
+              <dgm:presOf axis="des" ptType="node"/>
+              <dgm:constrLst>
+                <dgm:constr type="secFontSz" val="65"/>
+                <dgm:constr type="primFontSz" refType="secFontSz"/>
+                <dgm:constr type="tMarg" refType="secFontSz" fact="0.15"/>
+                <dgm:constr type="bMarg" refType="secFontSz" fact="0.15"/>
+                <dgm:constr type="lMarg" refType="secFontSz" fact="0.15"/>
+                <dgm:constr type="rMarg" refType="secFontSz" fact="0.15"/>
+              </dgm:constrLst>
+              <dgm:ruleLst>
+                <dgm:rule type="secFontSz" val="5" fact="NaN" max="NaN"/>
+              </dgm:ruleLst>
+            </dgm:layoutNode>
+            <dgm:layoutNode name="parentNode2" styleLbl="node1">
+              <dgm:varLst>
+                <dgm:chMax val="0"/>
+                <dgm:bulletEnabled val="1"/>
+              </dgm:varLst>
+              <dgm:alg type="tx"/>
+              <dgm:shape xmlns:r="http://schemas.openxmlformats.org/officeDocument/2006/relationships" type="roundRect" r:blip="">
+                <dgm:adjLst>
+                  <dgm:adj idx="1" val="0.1"/>
+                </dgm:adjLst>
+              </dgm:shape>
+              <dgm:presOf axis="self"/>
+              <dgm:constrLst>
+                <dgm:constr type="tMarg" refType="primFontSz" fact="0.1"/>
+                <dgm:constr type="bMarg" refType="primFontSz" fact="0.1"/>
+                <dgm:constr type="lMarg" refType="primFontSz" fact="0.15"/>
+                <dgm:constr type="rMarg" refType="primFontSz" fact="0.15"/>
+              </dgm:constrLst>
+              <dgm:ruleLst>
+                <dgm:rule type="primFontSz" val="5" fact="NaN" max="NaN"/>
+              </dgm:ruleLst>
+            </dgm:layoutNode>
+            <dgm:layoutNode name="connSite2" moveWith="childNode2">
+              <dgm:alg type="sp"/>
+              <dgm:shape xmlns:r="http://schemas.openxmlformats.org/officeDocument/2006/relationships" r:blip="">
+                <dgm:adjLst/>
+              </dgm:shape>
+              <dgm:presOf/>
+              <dgm:constrLst/>
+              <dgm:ruleLst/>
+            </dgm:layoutNode>
+          </dgm:layoutNode>
+          <dgm:forEach name="Name17" axis="followSib" ptType="sibTrans" cnt="1">
+            <dgm:layoutNode name="Name18">
+              <dgm:alg type="conn">
+                <dgm:param type="connRout" val="curve"/>
+                <dgm:param type="srcNode" val="parentNode2"/>
+                <dgm:param type="dstNode" val="connSite1"/>
+                <dgm:param type="begPts" val="tCtr"/>
+                <dgm:param type="endPts" val="tCtr"/>
+              </dgm:alg>
+              <dgm:shape xmlns:r="http://schemas.openxmlformats.org/officeDocument/2006/relationships" type="conn" r:blip="" zOrderOff="-2">
+                <dgm:adjLst/>
+              </dgm:shape>
+              <dgm:presOf axis="self"/>
+              <dgm:choose name="Name19">
+                <dgm:if name="Name20" func="var" arg="dir" op="equ" val="norm">
+                  <dgm:constrLst>
+                    <dgm:constr type="h" refType="w" fact="0.35"/>
+                    <dgm:constr type="wArH" refType="h"/>
+                    <dgm:constr type="hArH" refType="h"/>
+                    <dgm:constr type="connDist"/>
+                    <dgm:constr type="diam" refType="connDist" fact="1.15"/>
+                    <dgm:constr type="begPad"/>
+                    <dgm:constr type="endPad"/>
+                  </dgm:constrLst>
+                </dgm:if>
+                <dgm:else name="Name21">
+                  <dgm:constrLst>
+                    <dgm:constr type="h" refType="w" fact="0.35"/>
+                    <dgm:constr type="wArH" refType="h"/>
+                    <dgm:constr type="hArH" refType="h"/>
+                    <dgm:constr type="connDist"/>
+                    <dgm:constr type="diam" refType="connDist" fact="-1.15"/>
+                    <dgm:constr type="begPad"/>
+                    <dgm:constr type="endPad"/>
+                  </dgm:constrLst>
+                </dgm:else>
+              </dgm:choose>
+              <dgm:ruleLst/>
+            </dgm:layoutNode>
+          </dgm:forEach>
+        </dgm:forEach>
+      </dgm:forEach>
+    </dgm:layoutNode>
+  </dgm:layoutNode>
+</dgm:layoutDef>
+</file>
+
 <file path=ppt/diagrams/quickStyle1.xml><?xml version="1.0" encoding="utf-8"?>
 <dgm:styleDef xmlns:dgm="http://schemas.openxmlformats.org/drawingml/2006/diagram" xmlns:a="http://schemas.openxmlformats.org/drawingml/2006/main" uniqueId="urn:microsoft.com/office/officeart/2005/8/quickstyle/simple1">
   <dgm:title val=""/>
@@ -14687,6 +16644,1040 @@
 </file>
 
 <file path=ppt/diagrams/quickStyle4.xml><?xml version="1.0" encoding="utf-8"?>
+<dgm:styleDef xmlns:dgm="http://schemas.openxmlformats.org/drawingml/2006/diagram" xmlns:a="http://schemas.openxmlformats.org/drawingml/2006/main" uniqueId="urn:microsoft.com/office/officeart/2005/8/quickstyle/simple1">
+  <dgm:title val=""/>
+  <dgm:desc val=""/>
+  <dgm:catLst>
+    <dgm:cat type="simple" pri="10100"/>
+  </dgm:catLst>
+  <dgm:scene3d>
+    <a:camera prst="orthographicFront"/>
+    <a:lightRig rig="threePt" dir="t"/>
+  </dgm:scene3d>
+  <dgm:styleLbl name="node0">
+    <dgm:scene3d>
+      <a:camera prst="orthographicFront"/>
+      <a:lightRig rig="threePt" dir="t"/>
+    </dgm:scene3d>
+    <dgm:sp3d/>
+    <dgm:txPr/>
+    <dgm:style>
+      <a:lnRef idx="2">
+        <a:scrgbClr r="0" g="0" b="0"/>
+      </a:lnRef>
+      <a:fillRef idx="1">
+        <a:scrgbClr r="0" g="0" b="0"/>
+      </a:fillRef>
+      <a:effectRef idx="0">
+        <a:scrgbClr r="0" g="0" b="0"/>
+      </a:effectRef>
+      <a:fontRef idx="minor">
+        <a:schemeClr val="lt1"/>
+      </a:fontRef>
+    </dgm:style>
+  </dgm:styleLbl>
+  <dgm:styleLbl name="lnNode1">
+    <dgm:scene3d>
+      <a:camera prst="orthographicFront"/>
+      <a:lightRig rig="threePt" dir="t"/>
+    </dgm:scene3d>
+    <dgm:sp3d/>
+    <dgm:txPr/>
+    <dgm:style>
+      <a:lnRef idx="2">
+        <a:scrgbClr r="0" g="0" b="0"/>
+      </a:lnRef>
+      <a:fillRef idx="1">
+        <a:scrgbClr r="0" g="0" b="0"/>
+      </a:fillRef>
+      <a:effectRef idx="0">
+        <a:scrgbClr r="0" g="0" b="0"/>
+      </a:effectRef>
+      <a:fontRef idx="minor">
+        <a:schemeClr val="lt1"/>
+      </a:fontRef>
+    </dgm:style>
+  </dgm:styleLbl>
+  <dgm:styleLbl name="vennNode1">
+    <dgm:scene3d>
+      <a:camera prst="orthographicFront"/>
+      <a:lightRig rig="threePt" dir="t"/>
+    </dgm:scene3d>
+    <dgm:sp3d/>
+    <dgm:txPr/>
+    <dgm:style>
+      <a:lnRef idx="2">
+        <a:scrgbClr r="0" g="0" b="0"/>
+      </a:lnRef>
+      <a:fillRef idx="1">
+        <a:scrgbClr r="0" g="0" b="0"/>
+      </a:fillRef>
+      <a:effectRef idx="0">
+        <a:scrgbClr r="0" g="0" b="0"/>
+      </a:effectRef>
+      <a:fontRef idx="minor">
+        <a:schemeClr val="tx1"/>
+      </a:fontRef>
+    </dgm:style>
+  </dgm:styleLbl>
+  <dgm:styleLbl name="alignNode1">
+    <dgm:scene3d>
+      <a:camera prst="orthographicFront"/>
+      <a:lightRig rig="threePt" dir="t"/>
+    </dgm:scene3d>
+    <dgm:sp3d/>
+    <dgm:txPr/>
+    <dgm:style>
+      <a:lnRef idx="2">
+        <a:scrgbClr r="0" g="0" b="0"/>
+      </a:lnRef>
+      <a:fillRef idx="1">
+        <a:scrgbClr r="0" g="0" b="0"/>
+      </a:fillRef>
+      <a:effectRef idx="0">
+        <a:scrgbClr r="0" g="0" b="0"/>
+      </a:effectRef>
+      <a:fontRef idx="minor">
+        <a:schemeClr val="lt1"/>
+      </a:fontRef>
+    </dgm:style>
+  </dgm:styleLbl>
+  <dgm:styleLbl name="node1">
+    <dgm:scene3d>
+      <a:camera prst="orthographicFront"/>
+      <a:lightRig rig="threePt" dir="t"/>
+    </dgm:scene3d>
+    <dgm:sp3d/>
+    <dgm:txPr/>
+    <dgm:style>
+      <a:lnRef idx="2">
+        <a:scrgbClr r="0" g="0" b="0"/>
+      </a:lnRef>
+      <a:fillRef idx="1">
+        <a:scrgbClr r="0" g="0" b="0"/>
+      </a:fillRef>
+      <a:effectRef idx="0">
+        <a:scrgbClr r="0" g="0" b="0"/>
+      </a:effectRef>
+      <a:fontRef idx="minor">
+        <a:schemeClr val="lt1"/>
+      </a:fontRef>
+    </dgm:style>
+  </dgm:styleLbl>
+  <dgm:styleLbl name="node2">
+    <dgm:scene3d>
+      <a:camera prst="orthographicFront"/>
+      <a:lightRig rig="threePt" dir="t"/>
+    </dgm:scene3d>
+    <dgm:sp3d/>
+    <dgm:txPr/>
+    <dgm:style>
+      <a:lnRef idx="2">
+        <a:scrgbClr r="0" g="0" b="0"/>
+      </a:lnRef>
+      <a:fillRef idx="1">
+        <a:scrgbClr r="0" g="0" b="0"/>
+      </a:fillRef>
+      <a:effectRef idx="0">
+        <a:scrgbClr r="0" g="0" b="0"/>
+      </a:effectRef>
+      <a:fontRef idx="minor">
+        <a:schemeClr val="lt1"/>
+      </a:fontRef>
+    </dgm:style>
+  </dgm:styleLbl>
+  <dgm:styleLbl name="node3">
+    <dgm:scene3d>
+      <a:camera prst="orthographicFront"/>
+      <a:lightRig rig="threePt" dir="t"/>
+    </dgm:scene3d>
+    <dgm:sp3d/>
+    <dgm:txPr/>
+    <dgm:style>
+      <a:lnRef idx="2">
+        <a:scrgbClr r="0" g="0" b="0"/>
+      </a:lnRef>
+      <a:fillRef idx="1">
+        <a:scrgbClr r="0" g="0" b="0"/>
+      </a:fillRef>
+      <a:effectRef idx="0">
+        <a:scrgbClr r="0" g="0" b="0"/>
+      </a:effectRef>
+      <a:fontRef idx="minor">
+        <a:schemeClr val="lt1"/>
+      </a:fontRef>
+    </dgm:style>
+  </dgm:styleLbl>
+  <dgm:styleLbl name="node4">
+    <dgm:scene3d>
+      <a:camera prst="orthographicFront"/>
+      <a:lightRig rig="threePt" dir="t"/>
+    </dgm:scene3d>
+    <dgm:sp3d/>
+    <dgm:txPr/>
+    <dgm:style>
+      <a:lnRef idx="2">
+        <a:scrgbClr r="0" g="0" b="0"/>
+      </a:lnRef>
+      <a:fillRef idx="1">
+        <a:scrgbClr r="0" g="0" b="0"/>
+      </a:fillRef>
+      <a:effectRef idx="0">
+        <a:scrgbClr r="0" g="0" b="0"/>
+      </a:effectRef>
+      <a:fontRef idx="minor">
+        <a:schemeClr val="lt1"/>
+      </a:fontRef>
+    </dgm:style>
+  </dgm:styleLbl>
+  <dgm:styleLbl name="fgImgPlace1">
+    <dgm:scene3d>
+      <a:camera prst="orthographicFront"/>
+      <a:lightRig rig="threePt" dir="t"/>
+    </dgm:scene3d>
+    <dgm:sp3d/>
+    <dgm:txPr/>
+    <dgm:style>
+      <a:lnRef idx="2">
+        <a:scrgbClr r="0" g="0" b="0"/>
+      </a:lnRef>
+      <a:fillRef idx="1">
+        <a:scrgbClr r="0" g="0" b="0"/>
+      </a:fillRef>
+      <a:effectRef idx="0">
+        <a:scrgbClr r="0" g="0" b="0"/>
+      </a:effectRef>
+      <a:fontRef idx="minor"/>
+    </dgm:style>
+  </dgm:styleLbl>
+  <dgm:styleLbl name="alignImgPlace1">
+    <dgm:scene3d>
+      <a:camera prst="orthographicFront"/>
+      <a:lightRig rig="threePt" dir="t"/>
+    </dgm:scene3d>
+    <dgm:sp3d/>
+    <dgm:txPr/>
+    <dgm:style>
+      <a:lnRef idx="2">
+        <a:scrgbClr r="0" g="0" b="0"/>
+      </a:lnRef>
+      <a:fillRef idx="1">
+        <a:scrgbClr r="0" g="0" b="0"/>
+      </a:fillRef>
+      <a:effectRef idx="0">
+        <a:scrgbClr r="0" g="0" b="0"/>
+      </a:effectRef>
+      <a:fontRef idx="minor"/>
+    </dgm:style>
+  </dgm:styleLbl>
+  <dgm:styleLbl name="bgImgPlace1">
+    <dgm:scene3d>
+      <a:camera prst="orthographicFront"/>
+      <a:lightRig rig="threePt" dir="t"/>
+    </dgm:scene3d>
+    <dgm:sp3d/>
+    <dgm:txPr/>
+    <dgm:style>
+      <a:lnRef idx="2">
+        <a:scrgbClr r="0" g="0" b="0"/>
+      </a:lnRef>
+      <a:fillRef idx="1">
+        <a:scrgbClr r="0" g="0" b="0"/>
+      </a:fillRef>
+      <a:effectRef idx="0">
+        <a:scrgbClr r="0" g="0" b="0"/>
+      </a:effectRef>
+      <a:fontRef idx="minor"/>
+    </dgm:style>
+  </dgm:styleLbl>
+  <dgm:styleLbl name="sibTrans2D1">
+    <dgm:scene3d>
+      <a:camera prst="orthographicFront"/>
+      <a:lightRig rig="threePt" dir="t"/>
+    </dgm:scene3d>
+    <dgm:sp3d/>
+    <dgm:txPr/>
+    <dgm:style>
+      <a:lnRef idx="0">
+        <a:scrgbClr r="0" g="0" b="0"/>
+      </a:lnRef>
+      <a:fillRef idx="1">
+        <a:scrgbClr r="0" g="0" b="0"/>
+      </a:fillRef>
+      <a:effectRef idx="0">
+        <a:scrgbClr r="0" g="0" b="0"/>
+      </a:effectRef>
+      <a:fontRef idx="minor">
+        <a:schemeClr val="lt1"/>
+      </a:fontRef>
+    </dgm:style>
+  </dgm:styleLbl>
+  <dgm:styleLbl name="fgSibTrans2D1">
+    <dgm:scene3d>
+      <a:camera prst="orthographicFront"/>
+      <a:lightRig rig="threePt" dir="t"/>
+    </dgm:scene3d>
+    <dgm:sp3d/>
+    <dgm:txPr/>
+    <dgm:style>
+      <a:lnRef idx="0">
+        <a:scrgbClr r="0" g="0" b="0"/>
+      </a:lnRef>
+      <a:fillRef idx="1">
+        <a:scrgbClr r="0" g="0" b="0"/>
+      </a:fillRef>
+      <a:effectRef idx="0">
+        <a:scrgbClr r="0" g="0" b="0"/>
+      </a:effectRef>
+      <a:fontRef idx="minor">
+        <a:schemeClr val="lt1"/>
+      </a:fontRef>
+    </dgm:style>
+  </dgm:styleLbl>
+  <dgm:styleLbl name="bgSibTrans2D1">
+    <dgm:scene3d>
+      <a:camera prst="orthographicFront"/>
+      <a:lightRig rig="threePt" dir="t"/>
+    </dgm:scene3d>
+    <dgm:sp3d/>
+    <dgm:txPr/>
+    <dgm:style>
+      <a:lnRef idx="0">
+        <a:scrgbClr r="0" g="0" b="0"/>
+      </a:lnRef>
+      <a:fillRef idx="1">
+        <a:scrgbClr r="0" g="0" b="0"/>
+      </a:fillRef>
+      <a:effectRef idx="0">
+        <a:scrgbClr r="0" g="0" b="0"/>
+      </a:effectRef>
+      <a:fontRef idx="minor">
+        <a:schemeClr val="lt1"/>
+      </a:fontRef>
+    </dgm:style>
+  </dgm:styleLbl>
+  <dgm:styleLbl name="sibTrans1D1">
+    <dgm:scene3d>
+      <a:camera prst="orthographicFront"/>
+      <a:lightRig rig="threePt" dir="t"/>
+    </dgm:scene3d>
+    <dgm:sp3d/>
+    <dgm:txPr/>
+    <dgm:style>
+      <a:lnRef idx="1">
+        <a:scrgbClr r="0" g="0" b="0"/>
+      </a:lnRef>
+      <a:fillRef idx="0">
+        <a:scrgbClr r="0" g="0" b="0"/>
+      </a:fillRef>
+      <a:effectRef idx="0">
+        <a:scrgbClr r="0" g="0" b="0"/>
+      </a:effectRef>
+      <a:fontRef idx="minor"/>
+    </dgm:style>
+  </dgm:styleLbl>
+  <dgm:styleLbl name="callout">
+    <dgm:scene3d>
+      <a:camera prst="orthographicFront"/>
+      <a:lightRig rig="threePt" dir="t"/>
+    </dgm:scene3d>
+    <dgm:sp3d/>
+    <dgm:txPr/>
+    <dgm:style>
+      <a:lnRef idx="2">
+        <a:scrgbClr r="0" g="0" b="0"/>
+      </a:lnRef>
+      <a:fillRef idx="1">
+        <a:scrgbClr r="0" g="0" b="0"/>
+      </a:fillRef>
+      <a:effectRef idx="0">
+        <a:scrgbClr r="0" g="0" b="0"/>
+      </a:effectRef>
+      <a:fontRef idx="minor"/>
+    </dgm:style>
+  </dgm:styleLbl>
+  <dgm:styleLbl name="asst0">
+    <dgm:scene3d>
+      <a:camera prst="orthographicFront"/>
+      <a:lightRig rig="threePt" dir="t"/>
+    </dgm:scene3d>
+    <dgm:sp3d/>
+    <dgm:txPr/>
+    <dgm:style>
+      <a:lnRef idx="2">
+        <a:scrgbClr r="0" g="0" b="0"/>
+      </a:lnRef>
+      <a:fillRef idx="1">
+        <a:scrgbClr r="0" g="0" b="0"/>
+      </a:fillRef>
+      <a:effectRef idx="0">
+        <a:scrgbClr r="0" g="0" b="0"/>
+      </a:effectRef>
+      <a:fontRef idx="minor">
+        <a:schemeClr val="lt1"/>
+      </a:fontRef>
+    </dgm:style>
+  </dgm:styleLbl>
+  <dgm:styleLbl name="asst1">
+    <dgm:scene3d>
+      <a:camera prst="orthographicFront"/>
+      <a:lightRig rig="threePt" dir="t"/>
+    </dgm:scene3d>
+    <dgm:sp3d/>
+    <dgm:txPr/>
+    <dgm:style>
+      <a:lnRef idx="2">
+        <a:scrgbClr r="0" g="0" b="0"/>
+      </a:lnRef>
+      <a:fillRef idx="1">
+        <a:scrgbClr r="0" g="0" b="0"/>
+      </a:fillRef>
+      <a:effectRef idx="0">
+        <a:scrgbClr r="0" g="0" b="0"/>
+      </a:effectRef>
+      <a:fontRef idx="minor">
+        <a:schemeClr val="lt1"/>
+      </a:fontRef>
+    </dgm:style>
+  </dgm:styleLbl>
+  <dgm:styleLbl name="asst2">
+    <dgm:scene3d>
+      <a:camera prst="orthographicFront"/>
+      <a:lightRig rig="threePt" dir="t"/>
+    </dgm:scene3d>
+    <dgm:sp3d/>
+    <dgm:txPr/>
+    <dgm:style>
+      <a:lnRef idx="2">
+        <a:scrgbClr r="0" g="0" b="0"/>
+      </a:lnRef>
+      <a:fillRef idx="1">
+        <a:scrgbClr r="0" g="0" b="0"/>
+      </a:fillRef>
+      <a:effectRef idx="0">
+        <a:scrgbClr r="0" g="0" b="0"/>
+      </a:effectRef>
+      <a:fontRef idx="minor">
+        <a:schemeClr val="lt1"/>
+      </a:fontRef>
+    </dgm:style>
+  </dgm:styleLbl>
+  <dgm:styleLbl name="asst3">
+    <dgm:scene3d>
+      <a:camera prst="orthographicFront"/>
+      <a:lightRig rig="threePt" dir="t"/>
+    </dgm:scene3d>
+    <dgm:sp3d/>
+    <dgm:txPr/>
+    <dgm:style>
+      <a:lnRef idx="2">
+        <a:scrgbClr r="0" g="0" b="0"/>
+      </a:lnRef>
+      <a:fillRef idx="1">
+        <a:scrgbClr r="0" g="0" b="0"/>
+      </a:fillRef>
+      <a:effectRef idx="0">
+        <a:scrgbClr r="0" g="0" b="0"/>
+      </a:effectRef>
+      <a:fontRef idx="minor">
+        <a:schemeClr val="lt1"/>
+      </a:fontRef>
+    </dgm:style>
+  </dgm:styleLbl>
+  <dgm:styleLbl name="asst4">
+    <dgm:scene3d>
+      <a:camera prst="orthographicFront"/>
+      <a:lightRig rig="threePt" dir="t"/>
+    </dgm:scene3d>
+    <dgm:sp3d/>
+    <dgm:txPr/>
+    <dgm:style>
+      <a:lnRef idx="2">
+        <a:scrgbClr r="0" g="0" b="0"/>
+      </a:lnRef>
+      <a:fillRef idx="1">
+        <a:scrgbClr r="0" g="0" b="0"/>
+      </a:fillRef>
+      <a:effectRef idx="0">
+        <a:scrgbClr r="0" g="0" b="0"/>
+      </a:effectRef>
+      <a:fontRef idx="minor">
+        <a:schemeClr val="lt1"/>
+      </a:fontRef>
+    </dgm:style>
+  </dgm:styleLbl>
+  <dgm:styleLbl name="parChTrans2D1">
+    <dgm:scene3d>
+      <a:camera prst="orthographicFront"/>
+      <a:lightRig rig="threePt" dir="t"/>
+    </dgm:scene3d>
+    <dgm:sp3d/>
+    <dgm:txPr/>
+    <dgm:style>
+      <a:lnRef idx="2">
+        <a:scrgbClr r="0" g="0" b="0"/>
+      </a:lnRef>
+      <a:fillRef idx="1">
+        <a:scrgbClr r="0" g="0" b="0"/>
+      </a:fillRef>
+      <a:effectRef idx="0">
+        <a:scrgbClr r="0" g="0" b="0"/>
+      </a:effectRef>
+      <a:fontRef idx="minor">
+        <a:schemeClr val="lt1"/>
+      </a:fontRef>
+    </dgm:style>
+  </dgm:styleLbl>
+  <dgm:styleLbl name="parChTrans2D2">
+    <dgm:scene3d>
+      <a:camera prst="orthographicFront"/>
+      <a:lightRig rig="threePt" dir="t"/>
+    </dgm:scene3d>
+    <dgm:sp3d/>
+    <dgm:txPr/>
+    <dgm:style>
+      <a:lnRef idx="2">
+        <a:scrgbClr r="0" g="0" b="0"/>
+      </a:lnRef>
+      <a:fillRef idx="1">
+        <a:scrgbClr r="0" g="0" b="0"/>
+      </a:fillRef>
+      <a:effectRef idx="0">
+        <a:scrgbClr r="0" g="0" b="0"/>
+      </a:effectRef>
+      <a:fontRef idx="minor">
+        <a:schemeClr val="lt1"/>
+      </a:fontRef>
+    </dgm:style>
+  </dgm:styleLbl>
+  <dgm:styleLbl name="parChTrans2D3">
+    <dgm:scene3d>
+      <a:camera prst="orthographicFront"/>
+      <a:lightRig rig="threePt" dir="t"/>
+    </dgm:scene3d>
+    <dgm:sp3d/>
+    <dgm:txPr/>
+    <dgm:style>
+      <a:lnRef idx="2">
+        <a:scrgbClr r="0" g="0" b="0"/>
+      </a:lnRef>
+      <a:fillRef idx="1">
+        <a:scrgbClr r="0" g="0" b="0"/>
+      </a:fillRef>
+      <a:effectRef idx="0">
+        <a:scrgbClr r="0" g="0" b="0"/>
+      </a:effectRef>
+      <a:fontRef idx="minor">
+        <a:schemeClr val="lt1"/>
+      </a:fontRef>
+    </dgm:style>
+  </dgm:styleLbl>
+  <dgm:styleLbl name="parChTrans2D4">
+    <dgm:scene3d>
+      <a:camera prst="orthographicFront"/>
+      <a:lightRig rig="threePt" dir="t"/>
+    </dgm:scene3d>
+    <dgm:sp3d/>
+    <dgm:txPr/>
+    <dgm:style>
+      <a:lnRef idx="2">
+        <a:scrgbClr r="0" g="0" b="0"/>
+      </a:lnRef>
+      <a:fillRef idx="1">
+        <a:scrgbClr r="0" g="0" b="0"/>
+      </a:fillRef>
+      <a:effectRef idx="0">
+        <a:scrgbClr r="0" g="0" b="0"/>
+      </a:effectRef>
+      <a:fontRef idx="minor">
+        <a:schemeClr val="lt1"/>
+      </a:fontRef>
+    </dgm:style>
+  </dgm:styleLbl>
+  <dgm:styleLbl name="parChTrans1D1">
+    <dgm:scene3d>
+      <a:camera prst="orthographicFront"/>
+      <a:lightRig rig="threePt" dir="t"/>
+    </dgm:scene3d>
+    <dgm:sp3d/>
+    <dgm:txPr/>
+    <dgm:style>
+      <a:lnRef idx="2">
+        <a:scrgbClr r="0" g="0" b="0"/>
+      </a:lnRef>
+      <a:fillRef idx="0">
+        <a:scrgbClr r="0" g="0" b="0"/>
+      </a:fillRef>
+      <a:effectRef idx="0">
+        <a:scrgbClr r="0" g="0" b="0"/>
+      </a:effectRef>
+      <a:fontRef idx="minor"/>
+    </dgm:style>
+  </dgm:styleLbl>
+  <dgm:styleLbl name="parChTrans1D2">
+    <dgm:scene3d>
+      <a:camera prst="orthographicFront"/>
+      <a:lightRig rig="threePt" dir="t"/>
+    </dgm:scene3d>
+    <dgm:sp3d/>
+    <dgm:txPr/>
+    <dgm:style>
+      <a:lnRef idx="2">
+        <a:scrgbClr r="0" g="0" b="0"/>
+      </a:lnRef>
+      <a:fillRef idx="0">
+        <a:scrgbClr r="0" g="0" b="0"/>
+      </a:fillRef>
+      <a:effectRef idx="0">
+        <a:scrgbClr r="0" g="0" b="0"/>
+      </a:effectRef>
+      <a:fontRef idx="minor"/>
+    </dgm:style>
+  </dgm:styleLbl>
+  <dgm:styleLbl name="parChTrans1D3">
+    <dgm:scene3d>
+      <a:camera prst="orthographicFront"/>
+      <a:lightRig rig="threePt" dir="t"/>
+    </dgm:scene3d>
+    <dgm:sp3d/>
+    <dgm:txPr/>
+    <dgm:style>
+      <a:lnRef idx="2">
+        <a:scrgbClr r="0" g="0" b="0"/>
+      </a:lnRef>
+      <a:fillRef idx="0">
+        <a:scrgbClr r="0" g="0" b="0"/>
+      </a:fillRef>
+      <a:effectRef idx="0">
+        <a:scrgbClr r="0" g="0" b="0"/>
+      </a:effectRef>
+      <a:fontRef idx="minor"/>
+    </dgm:style>
+  </dgm:styleLbl>
+  <dgm:styleLbl name="parChTrans1D4">
+    <dgm:scene3d>
+      <a:camera prst="orthographicFront"/>
+      <a:lightRig rig="threePt" dir="t"/>
+    </dgm:scene3d>
+    <dgm:sp3d/>
+    <dgm:txPr/>
+    <dgm:style>
+      <a:lnRef idx="2">
+        <a:scrgbClr r="0" g="0" b="0"/>
+      </a:lnRef>
+      <a:fillRef idx="0">
+        <a:scrgbClr r="0" g="0" b="0"/>
+      </a:fillRef>
+      <a:effectRef idx="0">
+        <a:scrgbClr r="0" g="0" b="0"/>
+      </a:effectRef>
+      <a:fontRef idx="minor"/>
+    </dgm:style>
+  </dgm:styleLbl>
+  <dgm:styleLbl name="fgAcc1">
+    <dgm:scene3d>
+      <a:camera prst="orthographicFront"/>
+      <a:lightRig rig="threePt" dir="t"/>
+    </dgm:scene3d>
+    <dgm:sp3d/>
+    <dgm:txPr/>
+    <dgm:style>
+      <a:lnRef idx="2">
+        <a:scrgbClr r="0" g="0" b="0"/>
+      </a:lnRef>
+      <a:fillRef idx="1">
+        <a:scrgbClr r="0" g="0" b="0"/>
+      </a:fillRef>
+      <a:effectRef idx="0">
+        <a:scrgbClr r="0" g="0" b="0"/>
+      </a:effectRef>
+      <a:fontRef idx="minor"/>
+    </dgm:style>
+  </dgm:styleLbl>
+  <dgm:styleLbl name="conFgAcc1">
+    <dgm:scene3d>
+      <a:camera prst="orthographicFront"/>
+      <a:lightRig rig="threePt" dir="t"/>
+    </dgm:scene3d>
+    <dgm:sp3d/>
+    <dgm:txPr/>
+    <dgm:style>
+      <a:lnRef idx="2">
+        <a:scrgbClr r="0" g="0" b="0"/>
+      </a:lnRef>
+      <a:fillRef idx="1">
+        <a:scrgbClr r="0" g="0" b="0"/>
+      </a:fillRef>
+      <a:effectRef idx="0">
+        <a:scrgbClr r="0" g="0" b="0"/>
+      </a:effectRef>
+      <a:fontRef idx="minor"/>
+    </dgm:style>
+  </dgm:styleLbl>
+  <dgm:styleLbl name="alignAcc1">
+    <dgm:scene3d>
+      <a:camera prst="orthographicFront"/>
+      <a:lightRig rig="threePt" dir="t"/>
+    </dgm:scene3d>
+    <dgm:sp3d/>
+    <dgm:txPr/>
+    <dgm:style>
+      <a:lnRef idx="2">
+        <a:scrgbClr r="0" g="0" b="0"/>
+      </a:lnRef>
+      <a:fillRef idx="1">
+        <a:scrgbClr r="0" g="0" b="0"/>
+      </a:fillRef>
+      <a:effectRef idx="0">
+        <a:scrgbClr r="0" g="0" b="0"/>
+      </a:effectRef>
+      <a:fontRef idx="minor"/>
+    </dgm:style>
+  </dgm:styleLbl>
+  <dgm:styleLbl name="trAlignAcc1">
+    <dgm:scene3d>
+      <a:camera prst="orthographicFront"/>
+      <a:lightRig rig="threePt" dir="t"/>
+    </dgm:scene3d>
+    <dgm:sp3d/>
+    <dgm:txPr/>
+    <dgm:style>
+      <a:lnRef idx="1">
+        <a:scrgbClr r="0" g="0" b="0"/>
+      </a:lnRef>
+      <a:fillRef idx="1">
+        <a:scrgbClr r="0" g="0" b="0"/>
+      </a:fillRef>
+      <a:effectRef idx="0">
+        <a:scrgbClr r="0" g="0" b="0"/>
+      </a:effectRef>
+      <a:fontRef idx="minor"/>
+    </dgm:style>
+  </dgm:styleLbl>
+  <dgm:styleLbl name="bgAcc1">
+    <dgm:scene3d>
+      <a:camera prst="orthographicFront"/>
+      <a:lightRig rig="threePt" dir="t"/>
+    </dgm:scene3d>
+    <dgm:sp3d/>
+    <dgm:txPr/>
+    <dgm:style>
+      <a:lnRef idx="2">
+        <a:scrgbClr r="0" g="0" b="0"/>
+      </a:lnRef>
+      <a:fillRef idx="1">
+        <a:scrgbClr r="0" g="0" b="0"/>
+      </a:fillRef>
+      <a:effectRef idx="0">
+        <a:scrgbClr r="0" g="0" b="0"/>
+      </a:effectRef>
+      <a:fontRef idx="minor"/>
+    </dgm:style>
+  </dgm:styleLbl>
+  <dgm:styleLbl name="solidFgAcc1">
+    <dgm:scene3d>
+      <a:camera prst="orthographicFront"/>
+      <a:lightRig rig="threePt" dir="t"/>
+    </dgm:scene3d>
+    <dgm:sp3d/>
+    <dgm:txPr/>
+    <dgm:style>
+      <a:lnRef idx="2">
+        <a:scrgbClr r="0" g="0" b="0"/>
+      </a:lnRef>
+      <a:fillRef idx="1">
+        <a:scrgbClr r="0" g="0" b="0"/>
+      </a:fillRef>
+      <a:effectRef idx="0">
+        <a:scrgbClr r="0" g="0" b="0"/>
+      </a:effectRef>
+      <a:fontRef idx="minor"/>
+    </dgm:style>
+  </dgm:styleLbl>
+  <dgm:styleLbl name="solidAlignAcc1">
+    <dgm:scene3d>
+      <a:camera prst="orthographicFront"/>
+      <a:lightRig rig="threePt" dir="t"/>
+    </dgm:scene3d>
+    <dgm:sp3d/>
+    <dgm:txPr/>
+    <dgm:style>
+      <a:lnRef idx="2">
+        <a:scrgbClr r="0" g="0" b="0"/>
+      </a:lnRef>
+      <a:fillRef idx="1">
+        <a:scrgbClr r="0" g="0" b="0"/>
+      </a:fillRef>
+      <a:effectRef idx="0">
+        <a:scrgbClr r="0" g="0" b="0"/>
+      </a:effectRef>
+      <a:fontRef idx="minor"/>
+    </dgm:style>
+  </dgm:styleLbl>
+  <dgm:styleLbl name="solidBgAcc1">
+    <dgm:scene3d>
+      <a:camera prst="orthographicFront"/>
+      <a:lightRig rig="threePt" dir="t"/>
+    </dgm:scene3d>
+    <dgm:sp3d/>
+    <dgm:txPr/>
+    <dgm:style>
+      <a:lnRef idx="2">
+        <a:scrgbClr r="0" g="0" b="0"/>
+      </a:lnRef>
+      <a:fillRef idx="1">
+        <a:scrgbClr r="0" g="0" b="0"/>
+      </a:fillRef>
+      <a:effectRef idx="0">
+        <a:scrgbClr r="0" g="0" b="0"/>
+      </a:effectRef>
+      <a:fontRef idx="minor"/>
+    </dgm:style>
+  </dgm:styleLbl>
+  <dgm:styleLbl name="fgAccFollowNode1">
+    <dgm:scene3d>
+      <a:camera prst="orthographicFront"/>
+      <a:lightRig rig="threePt" dir="t"/>
+    </dgm:scene3d>
+    <dgm:sp3d/>
+    <dgm:txPr/>
+    <dgm:style>
+      <a:lnRef idx="2">
+        <a:scrgbClr r="0" g="0" b="0"/>
+      </a:lnRef>
+      <a:fillRef idx="1">
+        <a:scrgbClr r="0" g="0" b="0"/>
+      </a:fillRef>
+      <a:effectRef idx="0">
+        <a:scrgbClr r="0" g="0" b="0"/>
+      </a:effectRef>
+      <a:fontRef idx="minor"/>
+    </dgm:style>
+  </dgm:styleLbl>
+  <dgm:styleLbl name="alignAccFollowNode1">
+    <dgm:scene3d>
+      <a:camera prst="orthographicFront"/>
+      <a:lightRig rig="threePt" dir="t"/>
+    </dgm:scene3d>
+    <dgm:sp3d/>
+    <dgm:txPr/>
+    <dgm:style>
+      <a:lnRef idx="2">
+        <a:scrgbClr r="0" g="0" b="0"/>
+      </a:lnRef>
+      <a:fillRef idx="1">
+        <a:scrgbClr r="0" g="0" b="0"/>
+      </a:fillRef>
+      <a:effectRef idx="0">
+        <a:scrgbClr r="0" g="0" b="0"/>
+      </a:effectRef>
+      <a:fontRef idx="minor"/>
+    </dgm:style>
+  </dgm:styleLbl>
+  <dgm:styleLbl name="bgAccFollowNode1">
+    <dgm:scene3d>
+      <a:camera prst="orthographicFront"/>
+      <a:lightRig rig="threePt" dir="t"/>
+    </dgm:scene3d>
+    <dgm:sp3d/>
+    <dgm:txPr/>
+    <dgm:style>
+      <a:lnRef idx="2">
+        <a:scrgbClr r="0" g="0" b="0"/>
+      </a:lnRef>
+      <a:fillRef idx="1">
+        <a:scrgbClr r="0" g="0" b="0"/>
+      </a:fillRef>
+      <a:effectRef idx="0">
+        <a:scrgbClr r="0" g="0" b="0"/>
+      </a:effectRef>
+      <a:fontRef idx="minor"/>
+    </dgm:style>
+  </dgm:styleLbl>
+  <dgm:styleLbl name="fgAcc0">
+    <dgm:scene3d>
+      <a:camera prst="orthographicFront"/>
+      <a:lightRig rig="threePt" dir="t"/>
+    </dgm:scene3d>
+    <dgm:sp3d/>
+    <dgm:txPr/>
+    <dgm:style>
+      <a:lnRef idx="2">
+        <a:scrgbClr r="0" g="0" b="0"/>
+      </a:lnRef>
+      <a:fillRef idx="1">
+        <a:scrgbClr r="0" g="0" b="0"/>
+      </a:fillRef>
+      <a:effectRef idx="0">
+        <a:scrgbClr r="0" g="0" b="0"/>
+      </a:effectRef>
+      <a:fontRef idx="minor"/>
+    </dgm:style>
+  </dgm:styleLbl>
+  <dgm:styleLbl name="fgAcc2">
+    <dgm:scene3d>
+      <a:camera prst="orthographicFront"/>
+      <a:lightRig rig="threePt" dir="t"/>
+    </dgm:scene3d>
+    <dgm:sp3d/>
+    <dgm:txPr/>
+    <dgm:style>
+      <a:lnRef idx="2">
+        <a:scrgbClr r="0" g="0" b="0"/>
+      </a:lnRef>
+      <a:fillRef idx="1">
+        <a:scrgbClr r="0" g="0" b="0"/>
+      </a:fillRef>
+      <a:effectRef idx="0">
+        <a:scrgbClr r="0" g="0" b="0"/>
+      </a:effectRef>
+      <a:fontRef idx="minor"/>
+    </dgm:style>
+  </dgm:styleLbl>
+  <dgm:styleLbl name="fgAcc3">
+    <dgm:scene3d>
+      <a:camera prst="orthographicFront"/>
+      <a:lightRig rig="threePt" dir="t"/>
+    </dgm:scene3d>
+    <dgm:sp3d/>
+    <dgm:txPr/>
+    <dgm:style>
+      <a:lnRef idx="2">
+        <a:scrgbClr r="0" g="0" b="0"/>
+      </a:lnRef>
+      <a:fillRef idx="1">
+        <a:scrgbClr r="0" g="0" b="0"/>
+      </a:fillRef>
+      <a:effectRef idx="0">
+        <a:scrgbClr r="0" g="0" b="0"/>
+      </a:effectRef>
+      <a:fontRef idx="minor"/>
+    </dgm:style>
+  </dgm:styleLbl>
+  <dgm:styleLbl name="fgAcc4">
+    <dgm:scene3d>
+      <a:camera prst="orthographicFront"/>
+      <a:lightRig rig="threePt" dir="t"/>
+    </dgm:scene3d>
+    <dgm:sp3d/>
+    <dgm:txPr/>
+    <dgm:style>
+      <a:lnRef idx="2">
+        <a:scrgbClr r="0" g="0" b="0"/>
+      </a:lnRef>
+      <a:fillRef idx="1">
+        <a:scrgbClr r="0" g="0" b="0"/>
+      </a:fillRef>
+      <a:effectRef idx="0">
+        <a:scrgbClr r="0" g="0" b="0"/>
+      </a:effectRef>
+      <a:fontRef idx="minor"/>
+    </dgm:style>
+  </dgm:styleLbl>
+  <dgm:styleLbl name="bgShp">
+    <dgm:scene3d>
+      <a:camera prst="orthographicFront"/>
+      <a:lightRig rig="threePt" dir="t"/>
+    </dgm:scene3d>
+    <dgm:sp3d/>
+    <dgm:txPr/>
+    <dgm:style>
+      <a:lnRef idx="0">
+        <a:scrgbClr r="0" g="0" b="0"/>
+      </a:lnRef>
+      <a:fillRef idx="1">
+        <a:scrgbClr r="0" g="0" b="0"/>
+      </a:fillRef>
+      <a:effectRef idx="0">
+        <a:scrgbClr r="0" g="0" b="0"/>
+      </a:effectRef>
+      <a:fontRef idx="minor"/>
+    </dgm:style>
+  </dgm:styleLbl>
+  <dgm:styleLbl name="dkBgShp">
+    <dgm:scene3d>
+      <a:camera prst="orthographicFront"/>
+      <a:lightRig rig="threePt" dir="t"/>
+    </dgm:scene3d>
+    <dgm:sp3d/>
+    <dgm:txPr/>
+    <dgm:style>
+      <a:lnRef idx="0">
+        <a:scrgbClr r="0" g="0" b="0"/>
+      </a:lnRef>
+      <a:fillRef idx="1">
+        <a:scrgbClr r="0" g="0" b="0"/>
+      </a:fillRef>
+      <a:effectRef idx="0">
+        <a:scrgbClr r="0" g="0" b="0"/>
+      </a:effectRef>
+      <a:fontRef idx="minor"/>
+    </dgm:style>
+  </dgm:styleLbl>
+  <dgm:styleLbl name="trBgShp">
+    <dgm:scene3d>
+      <a:camera prst="orthographicFront"/>
+      <a:lightRig rig="threePt" dir="t"/>
+    </dgm:scene3d>
+    <dgm:sp3d/>
+    <dgm:txPr/>
+    <dgm:style>
+      <a:lnRef idx="0">
+        <a:scrgbClr r="0" g="0" b="0"/>
+      </a:lnRef>
+      <a:fillRef idx="1">
+        <a:scrgbClr r="0" g="0" b="0"/>
+      </a:fillRef>
+      <a:effectRef idx="0">
+        <a:scrgbClr r="0" g="0" b="0"/>
+      </a:effectRef>
+      <a:fontRef idx="minor"/>
+    </dgm:style>
+  </dgm:styleLbl>
+  <dgm:styleLbl name="fgShp">
+    <dgm:scene3d>
+      <a:camera prst="orthographicFront"/>
+      <a:lightRig rig="threePt" dir="t"/>
+    </dgm:scene3d>
+    <dgm:sp3d/>
+    <dgm:txPr/>
+    <dgm:style>
+      <a:lnRef idx="2">
+        <a:scrgbClr r="0" g="0" b="0"/>
+      </a:lnRef>
+      <a:fillRef idx="1">
+        <a:scrgbClr r="0" g="0" b="0"/>
+      </a:fillRef>
+      <a:effectRef idx="0">
+        <a:scrgbClr r="0" g="0" b="0"/>
+      </a:effectRef>
+      <a:fontRef idx="minor"/>
+    </dgm:style>
+  </dgm:styleLbl>
+  <dgm:styleLbl name="revTx">
+    <dgm:scene3d>
+      <a:camera prst="orthographicFront"/>
+      <a:lightRig rig="threePt" dir="t"/>
+    </dgm:scene3d>
+    <dgm:sp3d/>
+    <dgm:txPr/>
+    <dgm:style>
+      <a:lnRef idx="0">
+        <a:scrgbClr r="0" g="0" b="0"/>
+      </a:lnRef>
+      <a:fillRef idx="0">
+        <a:scrgbClr r="0" g="0" b="0"/>
+      </a:fillRef>
+      <a:effectRef idx="0">
+        <a:scrgbClr r="0" g="0" b="0"/>
+      </a:effectRef>
+      <a:fontRef idx="minor"/>
+    </dgm:style>
+  </dgm:styleLbl>
+</dgm:styleDef>
+</file>
+
+<file path=ppt/diagrams/quickStyle5.xml><?xml version="1.0" encoding="utf-8"?>
 <dgm:styleDef xmlns:dgm="http://schemas.openxmlformats.org/drawingml/2006/diagram" xmlns:a="http://schemas.openxmlformats.org/drawingml/2006/main" uniqueId="urn:microsoft.com/office/officeart/2005/8/quickstyle/simple1">
   <dgm:title val=""/>
   <dgm:desc val=""/>
@@ -15851,7 +18842,7 @@
           <a:p>
             <a:fld id="{3B93ECCE-5391-441B-9FF0-3A0DC0698398}" type="datetimeFigureOut">
               <a:rPr lang="fr-FR" smtClean="0"/>
-              <a:t>15/04/2023</a:t>
+              <a:t>25/04/2023</a:t>
             </a:fld>
             <a:endParaRPr lang="fr-FR"/>
           </a:p>
@@ -16021,7 +19012,7 @@
           <a:p>
             <a:fld id="{3B93ECCE-5391-441B-9FF0-3A0DC0698398}" type="datetimeFigureOut">
               <a:rPr lang="fr-FR" smtClean="0"/>
-              <a:t>15/04/2023</a:t>
+              <a:t>25/04/2023</a:t>
             </a:fld>
             <a:endParaRPr lang="fr-FR"/>
           </a:p>
@@ -16201,7 +19192,7 @@
           <a:p>
             <a:fld id="{3B93ECCE-5391-441B-9FF0-3A0DC0698398}" type="datetimeFigureOut">
               <a:rPr lang="fr-FR" smtClean="0"/>
-              <a:t>15/04/2023</a:t>
+              <a:t>25/04/2023</a:t>
             </a:fld>
             <a:endParaRPr lang="fr-FR"/>
           </a:p>
@@ -16371,7 +19362,7 @@
           <a:p>
             <a:fld id="{3B93ECCE-5391-441B-9FF0-3A0DC0698398}" type="datetimeFigureOut">
               <a:rPr lang="fr-FR" smtClean="0"/>
-              <a:t>15/04/2023</a:t>
+              <a:t>25/04/2023</a:t>
             </a:fld>
             <a:endParaRPr lang="fr-FR"/>
           </a:p>
@@ -16615,7 +19606,7 @@
           <a:p>
             <a:fld id="{3B93ECCE-5391-441B-9FF0-3A0DC0698398}" type="datetimeFigureOut">
               <a:rPr lang="fr-FR" smtClean="0"/>
-              <a:t>15/04/2023</a:t>
+              <a:t>25/04/2023</a:t>
             </a:fld>
             <a:endParaRPr lang="fr-FR"/>
           </a:p>
@@ -16847,7 +19838,7 @@
           <a:p>
             <a:fld id="{3B93ECCE-5391-441B-9FF0-3A0DC0698398}" type="datetimeFigureOut">
               <a:rPr lang="fr-FR" smtClean="0"/>
-              <a:t>15/04/2023</a:t>
+              <a:t>25/04/2023</a:t>
             </a:fld>
             <a:endParaRPr lang="fr-FR"/>
           </a:p>
@@ -17214,7 +20205,7 @@
           <a:p>
             <a:fld id="{3B93ECCE-5391-441B-9FF0-3A0DC0698398}" type="datetimeFigureOut">
               <a:rPr lang="fr-FR" smtClean="0"/>
-              <a:t>15/04/2023</a:t>
+              <a:t>25/04/2023</a:t>
             </a:fld>
             <a:endParaRPr lang="fr-FR"/>
           </a:p>
@@ -17332,7 +20323,7 @@
           <a:p>
             <a:fld id="{3B93ECCE-5391-441B-9FF0-3A0DC0698398}" type="datetimeFigureOut">
               <a:rPr lang="fr-FR" smtClean="0"/>
-              <a:t>15/04/2023</a:t>
+              <a:t>25/04/2023</a:t>
             </a:fld>
             <a:endParaRPr lang="fr-FR"/>
           </a:p>
@@ -17427,7 +20418,7 @@
           <a:p>
             <a:fld id="{3B93ECCE-5391-441B-9FF0-3A0DC0698398}" type="datetimeFigureOut">
               <a:rPr lang="fr-FR" smtClean="0"/>
-              <a:t>15/04/2023</a:t>
+              <a:t>25/04/2023</a:t>
             </a:fld>
             <a:endParaRPr lang="fr-FR"/>
           </a:p>
@@ -17704,7 +20695,7 @@
           <a:p>
             <a:fld id="{3B93ECCE-5391-441B-9FF0-3A0DC0698398}" type="datetimeFigureOut">
               <a:rPr lang="fr-FR" smtClean="0"/>
-              <a:t>15/04/2023</a:t>
+              <a:t>25/04/2023</a:t>
             </a:fld>
             <a:endParaRPr lang="fr-FR"/>
           </a:p>
@@ -17961,7 +20952,7 @@
           <a:p>
             <a:fld id="{3B93ECCE-5391-441B-9FF0-3A0DC0698398}" type="datetimeFigureOut">
               <a:rPr lang="fr-FR" smtClean="0"/>
-              <a:t>15/04/2023</a:t>
+              <a:t>25/04/2023</a:t>
             </a:fld>
             <a:endParaRPr lang="fr-FR"/>
           </a:p>
@@ -18174,7 +21165,7 @@
           <a:p>
             <a:fld id="{3B93ECCE-5391-441B-9FF0-3A0DC0698398}" type="datetimeFigureOut">
               <a:rPr lang="fr-FR" smtClean="0"/>
-              <a:t>15/04/2023</a:t>
+              <a:t>25/04/2023</a:t>
             </a:fld>
             <a:endParaRPr lang="fr-FR"/>
           </a:p>
@@ -25956,8 +28947,8 @@
         </p:nvCxnSpPr>
         <p:spPr>
           <a:xfrm>
-            <a:off x="0" y="228600"/>
-            <a:ext cx="6858000" cy="0"/>
+            <a:off x="2222500" y="228600"/>
+            <a:ext cx="4635500" cy="0"/>
           </a:xfrm>
           <a:prstGeom prst="line">
             <a:avLst/>
@@ -26001,8 +28992,8 @@
         </p:nvCxnSpPr>
         <p:spPr>
           <a:xfrm>
-            <a:off x="0" y="586204"/>
-            <a:ext cx="6858000" cy="0"/>
+            <a:off x="2206922" y="586204"/>
+            <a:ext cx="4651078" cy="0"/>
           </a:xfrm>
           <a:prstGeom prst="line">
             <a:avLst/>
@@ -26982,10 +29973,1212 @@
           </a:prstGeom>
         </p:spPr>
       </p:pic>
+      <p:pic>
+        <p:nvPicPr>
+          <p:cNvPr id="22" name="Image 21">
+            <a:extLst>
+              <a:ext uri="{FF2B5EF4-FFF2-40B4-BE49-F238E27FC236}">
+                <a16:creationId xmlns:a16="http://schemas.microsoft.com/office/drawing/2014/main" id="{E8A5A3D4-56F7-DB0D-13EA-D44C290975AE}"/>
+              </a:ext>
+            </a:extLst>
+          </p:cNvPr>
+          <p:cNvPicPr>
+            <a:picLocks noChangeAspect="1"/>
+          </p:cNvPicPr>
+          <p:nvPr/>
+        </p:nvPicPr>
+        <p:blipFill>
+          <a:blip r:embed="rId13"/>
+          <a:stretch>
+            <a:fillRect/>
+          </a:stretch>
+        </p:blipFill>
+        <p:spPr>
+          <a:xfrm>
+            <a:off x="0" y="139985"/>
+            <a:ext cx="2206922" cy="572860"/>
+          </a:xfrm>
+          <a:prstGeom prst="rect">
+            <a:avLst/>
+          </a:prstGeom>
+        </p:spPr>
+      </p:pic>
     </p:spTree>
     <p:extLst>
       <p:ext uri="{BB962C8B-B14F-4D97-AF65-F5344CB8AC3E}">
         <p14:creationId xmlns:p14="http://schemas.microsoft.com/office/powerpoint/2010/main" val="3372721827"/>
+      </p:ext>
+    </p:extLst>
+  </p:cSld>
+  <p:clrMapOvr>
+    <a:masterClrMapping/>
+  </p:clrMapOvr>
+</p:sld>
+</file>
+
+<file path=ppt/slides/slide6.xml><?xml version="1.0" encoding="utf-8"?>
+<p:sld xmlns:a="http://schemas.openxmlformats.org/drawingml/2006/main" xmlns:r="http://schemas.openxmlformats.org/officeDocument/2006/relationships" xmlns:p="http://schemas.openxmlformats.org/presentationml/2006/main">
+  <p:cSld>
+    <p:spTree>
+      <p:nvGrpSpPr>
+        <p:cNvPr id="1" name=""/>
+        <p:cNvGrpSpPr/>
+        <p:nvPr/>
+      </p:nvGrpSpPr>
+      <p:grpSpPr>
+        <a:xfrm>
+          <a:off x="0" y="0"/>
+          <a:ext cx="0" cy="0"/>
+          <a:chOff x="0" y="0"/>
+          <a:chExt cx="0" cy="0"/>
+        </a:xfrm>
+      </p:grpSpPr>
+      <p:graphicFrame>
+        <p:nvGraphicFramePr>
+          <p:cNvPr id="33" name="Diagramme 32">
+            <a:extLst>
+              <a:ext uri="{FF2B5EF4-FFF2-40B4-BE49-F238E27FC236}">
+                <a16:creationId xmlns:a16="http://schemas.microsoft.com/office/drawing/2014/main" id="{6F2755AE-9964-2D4C-8781-B9851C7626E3}"/>
+              </a:ext>
+            </a:extLst>
+          </p:cNvPr>
+          <p:cNvGraphicFramePr/>
+          <p:nvPr>
+            <p:extLst>
+              <p:ext uri="{D42A27DB-BD31-4B8C-83A1-F6EECF244321}">
+                <p14:modId xmlns:p14="http://schemas.microsoft.com/office/powerpoint/2010/main" val="460678555"/>
+              </p:ext>
+            </p:extLst>
+          </p:nvPr>
+        </p:nvGraphicFramePr>
+        <p:xfrm>
+          <a:off x="0" y="2915306"/>
+          <a:ext cx="6858000" cy="2845599"/>
+        </p:xfrm>
+        <a:graphic>
+          <a:graphicData uri="http://schemas.openxmlformats.org/drawingml/2006/diagram">
+            <dgm:relIds xmlns:dgm="http://schemas.openxmlformats.org/drawingml/2006/diagram" xmlns:r="http://schemas.openxmlformats.org/officeDocument/2006/relationships" r:dm="rId2" r:lo="rId3" r:qs="rId4" r:cs="rId5"/>
+          </a:graphicData>
+        </a:graphic>
+      </p:graphicFrame>
+      <p:sp>
+        <p:nvSpPr>
+          <p:cNvPr id="4" name="ZoneTexte 3">
+            <a:extLst>
+              <a:ext uri="{FF2B5EF4-FFF2-40B4-BE49-F238E27FC236}">
+                <a16:creationId xmlns:a16="http://schemas.microsoft.com/office/drawing/2014/main" id="{FFBA4433-80DD-2F99-7BCD-60FCA346D293}"/>
+              </a:ext>
+            </a:extLst>
+          </p:cNvPr>
+          <p:cNvSpPr txBox="1"/>
+          <p:nvPr/>
+        </p:nvSpPr>
+        <p:spPr>
+          <a:xfrm>
+            <a:off x="0" y="228600"/>
+            <a:ext cx="6858000" cy="338554"/>
+          </a:xfrm>
+          <a:prstGeom prst="rect">
+            <a:avLst/>
+          </a:prstGeom>
+          <a:noFill/>
+        </p:spPr>
+        <p:txBody>
+          <a:bodyPr wrap="square" rtlCol="0">
+            <a:spAutoFit/>
+          </a:bodyPr>
+          <a:lstStyle/>
+          <a:p>
+            <a:pPr algn="ctr"/>
+            <a:r>
+              <a:rPr lang="fr-FR" sz="1600" b="1" dirty="0">
+                <a:latin typeface="Arial Nova" panose="020B0504020202020204" pitchFamily="34" charset="0"/>
+              </a:rPr>
+              <a:t>Concours Mines – Telecom </a:t>
+            </a:r>
+          </a:p>
+        </p:txBody>
+      </p:sp>
+      <p:cxnSp>
+        <p:nvCxnSpPr>
+          <p:cNvPr id="6" name="Connecteur droit 5">
+            <a:extLst>
+              <a:ext uri="{FF2B5EF4-FFF2-40B4-BE49-F238E27FC236}">
+                <a16:creationId xmlns:a16="http://schemas.microsoft.com/office/drawing/2014/main" id="{4AFA8A74-591C-0373-4B68-9B2052B574F7}"/>
+              </a:ext>
+            </a:extLst>
+          </p:cNvPr>
+          <p:cNvCxnSpPr>
+            <a:cxnSpLocks/>
+          </p:cNvCxnSpPr>
+          <p:nvPr/>
+        </p:nvCxnSpPr>
+        <p:spPr>
+          <a:xfrm>
+            <a:off x="6350" y="228600"/>
+            <a:ext cx="6851650" cy="0"/>
+          </a:xfrm>
+          <a:prstGeom prst="line">
+            <a:avLst/>
+          </a:prstGeom>
+          <a:ln w="19050">
+            <a:solidFill>
+              <a:schemeClr val="tx2">
+                <a:lumMod val="50000"/>
+              </a:schemeClr>
+            </a:solidFill>
+          </a:ln>
+        </p:spPr>
+        <p:style>
+          <a:lnRef idx="1">
+            <a:schemeClr val="accent1"/>
+          </a:lnRef>
+          <a:fillRef idx="0">
+            <a:schemeClr val="accent1"/>
+          </a:fillRef>
+          <a:effectRef idx="0">
+            <a:schemeClr val="accent1"/>
+          </a:effectRef>
+          <a:fontRef idx="minor">
+            <a:schemeClr val="tx1"/>
+          </a:fontRef>
+        </p:style>
+      </p:cxnSp>
+      <p:cxnSp>
+        <p:nvCxnSpPr>
+          <p:cNvPr id="7" name="Connecteur droit 6">
+            <a:extLst>
+              <a:ext uri="{FF2B5EF4-FFF2-40B4-BE49-F238E27FC236}">
+                <a16:creationId xmlns:a16="http://schemas.microsoft.com/office/drawing/2014/main" id="{E0244E97-E46A-E01A-32CF-295153AAA031}"/>
+              </a:ext>
+            </a:extLst>
+          </p:cNvPr>
+          <p:cNvCxnSpPr>
+            <a:cxnSpLocks/>
+          </p:cNvCxnSpPr>
+          <p:nvPr/>
+        </p:nvCxnSpPr>
+        <p:spPr>
+          <a:xfrm>
+            <a:off x="6350" y="586204"/>
+            <a:ext cx="6851650" cy="0"/>
+          </a:xfrm>
+          <a:prstGeom prst="line">
+            <a:avLst/>
+          </a:prstGeom>
+          <a:ln w="19050">
+            <a:solidFill>
+              <a:schemeClr val="tx2">
+                <a:lumMod val="50000"/>
+              </a:schemeClr>
+            </a:solidFill>
+          </a:ln>
+        </p:spPr>
+        <p:style>
+          <a:lnRef idx="1">
+            <a:schemeClr val="accent1"/>
+          </a:lnRef>
+          <a:fillRef idx="0">
+            <a:schemeClr val="accent1"/>
+          </a:fillRef>
+          <a:effectRef idx="0">
+            <a:schemeClr val="accent1"/>
+          </a:effectRef>
+          <a:fontRef idx="minor">
+            <a:schemeClr val="tx1"/>
+          </a:fontRef>
+        </p:style>
+      </p:cxnSp>
+      <p:grpSp>
+        <p:nvGrpSpPr>
+          <p:cNvPr id="11" name="Groupe 10">
+            <a:extLst>
+              <a:ext uri="{FF2B5EF4-FFF2-40B4-BE49-F238E27FC236}">
+                <a16:creationId xmlns:a16="http://schemas.microsoft.com/office/drawing/2014/main" id="{87D71073-5BE5-D0AF-A0EF-D9E225BFDA81}"/>
+              </a:ext>
+            </a:extLst>
+          </p:cNvPr>
+          <p:cNvGrpSpPr/>
+          <p:nvPr/>
+        </p:nvGrpSpPr>
+        <p:grpSpPr>
+          <a:xfrm>
+            <a:off x="0" y="718952"/>
+            <a:ext cx="1661584" cy="393700"/>
+            <a:chOff x="5272616" y="643355"/>
+            <a:chExt cx="1661584" cy="393700"/>
+          </a:xfrm>
+        </p:grpSpPr>
+        <p:sp>
+          <p:nvSpPr>
+            <p:cNvPr id="9" name="Ellipse 8">
+              <a:extLst>
+                <a:ext uri="{FF2B5EF4-FFF2-40B4-BE49-F238E27FC236}">
+                  <a16:creationId xmlns:a16="http://schemas.microsoft.com/office/drawing/2014/main" id="{E260EFAE-DE3D-351B-25EC-D7A4EC4DE67E}"/>
+                </a:ext>
+              </a:extLst>
+            </p:cNvPr>
+            <p:cNvSpPr/>
+            <p:nvPr/>
+          </p:nvSpPr>
+          <p:spPr>
+            <a:xfrm>
+              <a:off x="6540500" y="643355"/>
+              <a:ext cx="393700" cy="393700"/>
+            </a:xfrm>
+            <a:prstGeom prst="ellipse">
+              <a:avLst/>
+            </a:prstGeom>
+          </p:spPr>
+          <p:style>
+            <a:lnRef idx="2">
+              <a:schemeClr val="accent6">
+                <a:shade val="50000"/>
+              </a:schemeClr>
+            </a:lnRef>
+            <a:fillRef idx="1">
+              <a:schemeClr val="accent6"/>
+            </a:fillRef>
+            <a:effectRef idx="0">
+              <a:schemeClr val="accent6"/>
+            </a:effectRef>
+            <a:fontRef idx="minor">
+              <a:schemeClr val="lt1"/>
+            </a:fontRef>
+          </p:style>
+          <p:txBody>
+            <a:bodyPr lIns="0" tIns="0" rIns="0" bIns="0" rtlCol="0" anchor="ctr"/>
+            <a:lstStyle/>
+            <a:p>
+              <a:pPr algn="ctr"/>
+              <a:r>
+                <a:rPr lang="fr-FR" sz="1200" b="1" dirty="0"/>
+                <a:t>26%</a:t>
+              </a:r>
+            </a:p>
+          </p:txBody>
+        </p:sp>
+        <p:sp>
+          <p:nvSpPr>
+            <p:cNvPr id="10" name="ZoneTexte 9">
+              <a:extLst>
+                <a:ext uri="{FF2B5EF4-FFF2-40B4-BE49-F238E27FC236}">
+                  <a16:creationId xmlns:a16="http://schemas.microsoft.com/office/drawing/2014/main" id="{AA085217-9F9A-27B9-86EF-F6B61BE03A48}"/>
+                </a:ext>
+              </a:extLst>
+            </p:cNvPr>
+            <p:cNvSpPr txBox="1"/>
+            <p:nvPr/>
+          </p:nvSpPr>
+          <p:spPr>
+            <a:xfrm>
+              <a:off x="5272616" y="701705"/>
+              <a:ext cx="1276350" cy="276999"/>
+            </a:xfrm>
+            <a:prstGeom prst="rect">
+              <a:avLst/>
+            </a:prstGeom>
+            <a:noFill/>
+          </p:spPr>
+          <p:txBody>
+            <a:bodyPr wrap="square" rtlCol="0">
+              <a:spAutoFit/>
+            </a:bodyPr>
+            <a:lstStyle/>
+            <a:p>
+              <a:r>
+                <a:rPr lang="fr-FR" sz="1200" dirty="0">
+                  <a:latin typeface="Arial Nova" panose="020B0504020202020204" pitchFamily="34" charset="0"/>
+                </a:rPr>
+                <a:t>Epreuve PSI </a:t>
+              </a:r>
+            </a:p>
+          </p:txBody>
+        </p:sp>
+      </p:grpSp>
+      <p:sp>
+        <p:nvSpPr>
+          <p:cNvPr id="2" name="ZoneTexte 1">
+            <a:extLst>
+              <a:ext uri="{FF2B5EF4-FFF2-40B4-BE49-F238E27FC236}">
+                <a16:creationId xmlns:a16="http://schemas.microsoft.com/office/drawing/2014/main" id="{F069FAB1-109C-A243-A789-916EB395C075}"/>
+              </a:ext>
+            </a:extLst>
+          </p:cNvPr>
+          <p:cNvSpPr txBox="1"/>
+          <p:nvPr/>
+        </p:nvSpPr>
+        <p:spPr>
+          <a:xfrm>
+            <a:off x="0" y="1096123"/>
+            <a:ext cx="1620520" cy="276999"/>
+          </a:xfrm>
+          <a:prstGeom prst="rect">
+            <a:avLst/>
+          </a:prstGeom>
+          <a:noFill/>
+        </p:spPr>
+        <p:txBody>
+          <a:bodyPr wrap="square" rtlCol="0">
+            <a:spAutoFit/>
+          </a:bodyPr>
+          <a:lstStyle/>
+          <a:p>
+            <a:r>
+              <a:rPr lang="fr-FR" sz="1200" dirty="0">
+                <a:latin typeface="Arial Nova" panose="020B0504020202020204" pitchFamily="34" charset="0"/>
+              </a:rPr>
+              <a:t>Durée de l’épreuve</a:t>
+            </a:r>
+          </a:p>
+        </p:txBody>
+      </p:sp>
+      <p:sp>
+        <p:nvSpPr>
+          <p:cNvPr id="3" name="ZoneTexte 2">
+            <a:extLst>
+              <a:ext uri="{FF2B5EF4-FFF2-40B4-BE49-F238E27FC236}">
+                <a16:creationId xmlns:a16="http://schemas.microsoft.com/office/drawing/2014/main" id="{46D7DDE8-784A-6517-CF71-FFBD7A6AB39E}"/>
+              </a:ext>
+            </a:extLst>
+          </p:cNvPr>
+          <p:cNvSpPr txBox="1"/>
+          <p:nvPr/>
+        </p:nvSpPr>
+        <p:spPr>
+          <a:xfrm>
+            <a:off x="1893570" y="1141041"/>
+            <a:ext cx="657860" cy="187161"/>
+          </a:xfrm>
+          <a:prstGeom prst="rect">
+            <a:avLst/>
+          </a:prstGeom>
+          <a:ln/>
+        </p:spPr>
+        <p:style>
+          <a:lnRef idx="3">
+            <a:schemeClr val="lt1"/>
+          </a:lnRef>
+          <a:fillRef idx="1">
+            <a:schemeClr val="accent1"/>
+          </a:fillRef>
+          <a:effectRef idx="1">
+            <a:schemeClr val="accent1"/>
+          </a:effectRef>
+          <a:fontRef idx="minor">
+            <a:schemeClr val="lt1"/>
+          </a:fontRef>
+        </p:style>
+        <p:txBody>
+          <a:bodyPr lIns="0" tIns="0" rIns="0" bIns="0" rtlCol="0" anchor="ctr"/>
+          <a:lstStyle>
+            <a:defPPr>
+              <a:defRPr lang="en-US"/>
+            </a:defPPr>
+            <a:lvl1pPr algn="ctr">
+              <a:defRPr sz="1200" b="1">
+                <a:solidFill>
+                  <a:schemeClr val="lt1"/>
+                </a:solidFill>
+              </a:defRPr>
+            </a:lvl1pPr>
+            <a:lvl2pPr>
+              <a:defRPr>
+                <a:solidFill>
+                  <a:schemeClr val="lt1"/>
+                </a:solidFill>
+              </a:defRPr>
+            </a:lvl2pPr>
+            <a:lvl3pPr>
+              <a:defRPr>
+                <a:solidFill>
+                  <a:schemeClr val="lt1"/>
+                </a:solidFill>
+              </a:defRPr>
+            </a:lvl3pPr>
+            <a:lvl4pPr>
+              <a:defRPr>
+                <a:solidFill>
+                  <a:schemeClr val="lt1"/>
+                </a:solidFill>
+              </a:defRPr>
+            </a:lvl4pPr>
+            <a:lvl5pPr>
+              <a:defRPr>
+                <a:solidFill>
+                  <a:schemeClr val="lt1"/>
+                </a:solidFill>
+              </a:defRPr>
+            </a:lvl5pPr>
+            <a:lvl6pPr>
+              <a:defRPr>
+                <a:solidFill>
+                  <a:schemeClr val="lt1"/>
+                </a:solidFill>
+              </a:defRPr>
+            </a:lvl6pPr>
+            <a:lvl7pPr>
+              <a:defRPr>
+                <a:solidFill>
+                  <a:schemeClr val="lt1"/>
+                </a:solidFill>
+              </a:defRPr>
+            </a:lvl7pPr>
+            <a:lvl8pPr>
+              <a:defRPr>
+                <a:solidFill>
+                  <a:schemeClr val="lt1"/>
+                </a:solidFill>
+              </a:defRPr>
+            </a:lvl8pPr>
+            <a:lvl9pPr>
+              <a:defRPr>
+                <a:solidFill>
+                  <a:schemeClr val="lt1"/>
+                </a:solidFill>
+              </a:defRPr>
+            </a:lvl9pPr>
+          </a:lstStyle>
+          <a:p>
+            <a:r>
+              <a:rPr lang="fr-FR" sz="1000" dirty="0">
+                <a:latin typeface="Arial Nova" panose="020B0504020202020204" pitchFamily="34" charset="0"/>
+              </a:rPr>
+              <a:t>10 min</a:t>
+            </a:r>
+          </a:p>
+        </p:txBody>
+      </p:sp>
+      <p:sp>
+        <p:nvSpPr>
+          <p:cNvPr id="5" name="ZoneTexte 4">
+            <a:extLst>
+              <a:ext uri="{FF2B5EF4-FFF2-40B4-BE49-F238E27FC236}">
+                <a16:creationId xmlns:a16="http://schemas.microsoft.com/office/drawing/2014/main" id="{9E614980-1997-DC17-BE05-2402ACDC1F72}"/>
+              </a:ext>
+            </a:extLst>
+          </p:cNvPr>
+          <p:cNvSpPr txBox="1"/>
+          <p:nvPr/>
+        </p:nvSpPr>
+        <p:spPr>
+          <a:xfrm>
+            <a:off x="2771140" y="1141041"/>
+            <a:ext cx="657860" cy="187161"/>
+          </a:xfrm>
+          <a:prstGeom prst="rect">
+            <a:avLst/>
+          </a:prstGeom>
+          <a:ln/>
+        </p:spPr>
+        <p:style>
+          <a:lnRef idx="3">
+            <a:schemeClr val="lt1"/>
+          </a:lnRef>
+          <a:fillRef idx="1">
+            <a:schemeClr val="accent6"/>
+          </a:fillRef>
+          <a:effectRef idx="1">
+            <a:schemeClr val="accent6"/>
+          </a:effectRef>
+          <a:fontRef idx="minor">
+            <a:schemeClr val="lt1"/>
+          </a:fontRef>
+        </p:style>
+        <p:txBody>
+          <a:bodyPr lIns="0" tIns="0" rIns="0" bIns="0" rtlCol="0" anchor="ctr"/>
+          <a:lstStyle>
+            <a:defPPr>
+              <a:defRPr lang="en-US"/>
+            </a:defPPr>
+            <a:lvl1pPr algn="ctr">
+              <a:defRPr sz="1200" b="1">
+                <a:solidFill>
+                  <a:schemeClr val="lt1"/>
+                </a:solidFill>
+              </a:defRPr>
+            </a:lvl1pPr>
+            <a:lvl2pPr>
+              <a:defRPr>
+                <a:solidFill>
+                  <a:schemeClr val="lt1"/>
+                </a:solidFill>
+              </a:defRPr>
+            </a:lvl2pPr>
+            <a:lvl3pPr>
+              <a:defRPr>
+                <a:solidFill>
+                  <a:schemeClr val="lt1"/>
+                </a:solidFill>
+              </a:defRPr>
+            </a:lvl3pPr>
+            <a:lvl4pPr>
+              <a:defRPr>
+                <a:solidFill>
+                  <a:schemeClr val="lt1"/>
+                </a:solidFill>
+              </a:defRPr>
+            </a:lvl4pPr>
+            <a:lvl5pPr>
+              <a:defRPr>
+                <a:solidFill>
+                  <a:schemeClr val="lt1"/>
+                </a:solidFill>
+              </a:defRPr>
+            </a:lvl5pPr>
+            <a:lvl6pPr>
+              <a:defRPr>
+                <a:solidFill>
+                  <a:schemeClr val="lt1"/>
+                </a:solidFill>
+              </a:defRPr>
+            </a:lvl6pPr>
+            <a:lvl7pPr>
+              <a:defRPr>
+                <a:solidFill>
+                  <a:schemeClr val="lt1"/>
+                </a:solidFill>
+              </a:defRPr>
+            </a:lvl7pPr>
+            <a:lvl8pPr>
+              <a:defRPr>
+                <a:solidFill>
+                  <a:schemeClr val="lt1"/>
+                </a:solidFill>
+              </a:defRPr>
+            </a:lvl8pPr>
+            <a:lvl9pPr>
+              <a:defRPr>
+                <a:solidFill>
+                  <a:schemeClr val="lt1"/>
+                </a:solidFill>
+              </a:defRPr>
+            </a:lvl9pPr>
+          </a:lstStyle>
+          <a:p>
+            <a:r>
+              <a:rPr lang="fr-FR" sz="1000" dirty="0">
+                <a:latin typeface="Arial Nova" panose="020B0504020202020204" pitchFamily="34" charset="0"/>
+              </a:rPr>
+              <a:t>30 min</a:t>
+            </a:r>
+          </a:p>
+        </p:txBody>
+      </p:sp>
+      <p:sp>
+        <p:nvSpPr>
+          <p:cNvPr id="18" name="Croix 17">
+            <a:extLst>
+              <a:ext uri="{FF2B5EF4-FFF2-40B4-BE49-F238E27FC236}">
+                <a16:creationId xmlns:a16="http://schemas.microsoft.com/office/drawing/2014/main" id="{6499E904-94FD-5904-1D07-BE6881FFE338}"/>
+              </a:ext>
+            </a:extLst>
+          </p:cNvPr>
+          <p:cNvSpPr/>
+          <p:nvPr/>
+        </p:nvSpPr>
+        <p:spPr>
+          <a:xfrm>
+            <a:off x="2602865" y="1176201"/>
+            <a:ext cx="116840" cy="116840"/>
+          </a:xfrm>
+          <a:prstGeom prst="plus">
+            <a:avLst>
+              <a:gd name="adj" fmla="val 33152"/>
+            </a:avLst>
+          </a:prstGeom>
+        </p:spPr>
+        <p:style>
+          <a:lnRef idx="3">
+            <a:schemeClr val="lt1"/>
+          </a:lnRef>
+          <a:fillRef idx="1">
+            <a:schemeClr val="accent4"/>
+          </a:fillRef>
+          <a:effectRef idx="1">
+            <a:schemeClr val="accent4"/>
+          </a:effectRef>
+          <a:fontRef idx="minor">
+            <a:schemeClr val="lt1"/>
+          </a:fontRef>
+        </p:style>
+        <p:txBody>
+          <a:bodyPr rtlCol="0" anchor="ctr"/>
+          <a:lstStyle/>
+          <a:p>
+            <a:pPr algn="ctr"/>
+            <a:endParaRPr lang="fr-FR"/>
+          </a:p>
+        </p:txBody>
+      </p:sp>
+      <p:sp>
+        <p:nvSpPr>
+          <p:cNvPr id="12" name="ZoneTexte 11">
+            <a:extLst>
+              <a:ext uri="{FF2B5EF4-FFF2-40B4-BE49-F238E27FC236}">
+                <a16:creationId xmlns:a16="http://schemas.microsoft.com/office/drawing/2014/main" id="{FA099D31-43BA-BA4C-2F02-7B634846BEC0}"/>
+              </a:ext>
+            </a:extLst>
+          </p:cNvPr>
+          <p:cNvSpPr txBox="1"/>
+          <p:nvPr/>
+        </p:nvSpPr>
+        <p:spPr>
+          <a:xfrm>
+            <a:off x="0" y="9715957"/>
+            <a:ext cx="6858000" cy="184666"/>
+          </a:xfrm>
+          <a:prstGeom prst="rect">
+            <a:avLst/>
+          </a:prstGeom>
+          <a:noFill/>
+        </p:spPr>
+        <p:txBody>
+          <a:bodyPr wrap="square">
+            <a:spAutoFit/>
+          </a:bodyPr>
+          <a:lstStyle/>
+          <a:p>
+            <a:pPr algn="ctr"/>
+            <a:r>
+              <a:rPr lang="fr-FR" sz="600" dirty="0">
+                <a:solidFill>
+                  <a:schemeClr val="tx2"/>
+                </a:solidFill>
+              </a:rPr>
+              <a:t>https://fr.calameo.com/read/0053254306d030a9f5655 – https://www.calameo.com/read/00532543062095f0c63f8 </a:t>
+            </a:r>
+          </a:p>
+        </p:txBody>
+      </p:sp>
+      <p:cxnSp>
+        <p:nvCxnSpPr>
+          <p:cNvPr id="13" name="Connecteur droit 12">
+            <a:extLst>
+              <a:ext uri="{FF2B5EF4-FFF2-40B4-BE49-F238E27FC236}">
+                <a16:creationId xmlns:a16="http://schemas.microsoft.com/office/drawing/2014/main" id="{76F84534-167F-7D4F-7B84-F3E2F17C4DE1}"/>
+              </a:ext>
+            </a:extLst>
+          </p:cNvPr>
+          <p:cNvCxnSpPr>
+            <a:cxnSpLocks/>
+          </p:cNvCxnSpPr>
+          <p:nvPr/>
+        </p:nvCxnSpPr>
+        <p:spPr>
+          <a:xfrm>
+            <a:off x="0" y="9700716"/>
+            <a:ext cx="6858000" cy="0"/>
+          </a:xfrm>
+          <a:prstGeom prst="line">
+            <a:avLst/>
+          </a:prstGeom>
+          <a:ln w="9525">
+            <a:solidFill>
+              <a:schemeClr val="tx2">
+                <a:lumMod val="50000"/>
+              </a:schemeClr>
+            </a:solidFill>
+          </a:ln>
+        </p:spPr>
+        <p:style>
+          <a:lnRef idx="1">
+            <a:schemeClr val="accent1"/>
+          </a:lnRef>
+          <a:fillRef idx="0">
+            <a:schemeClr val="accent1"/>
+          </a:fillRef>
+          <a:effectRef idx="0">
+            <a:schemeClr val="accent1"/>
+          </a:effectRef>
+          <a:fontRef idx="minor">
+            <a:schemeClr val="tx1"/>
+          </a:fontRef>
+        </p:style>
+      </p:cxnSp>
+      <p:sp>
+        <p:nvSpPr>
+          <p:cNvPr id="16" name="Ellipse 15">
+            <a:extLst>
+              <a:ext uri="{FF2B5EF4-FFF2-40B4-BE49-F238E27FC236}">
+                <a16:creationId xmlns:a16="http://schemas.microsoft.com/office/drawing/2014/main" id="{53E30797-C891-C335-F13A-63AAD003DFC7}"/>
+              </a:ext>
+            </a:extLst>
+          </p:cNvPr>
+          <p:cNvSpPr/>
+          <p:nvPr/>
+        </p:nvSpPr>
+        <p:spPr>
+          <a:xfrm>
+            <a:off x="1368520" y="3399977"/>
+            <a:ext cx="252000" cy="252000"/>
+          </a:xfrm>
+          <a:prstGeom prst="ellipse">
+            <a:avLst/>
+          </a:prstGeom>
+        </p:spPr>
+        <p:style>
+          <a:lnRef idx="2">
+            <a:schemeClr val="accent6">
+              <a:shade val="50000"/>
+            </a:schemeClr>
+          </a:lnRef>
+          <a:fillRef idx="1">
+            <a:schemeClr val="accent6"/>
+          </a:fillRef>
+          <a:effectRef idx="0">
+            <a:schemeClr val="accent6"/>
+          </a:effectRef>
+          <a:fontRef idx="minor">
+            <a:schemeClr val="lt1"/>
+          </a:fontRef>
+        </p:style>
+        <p:txBody>
+          <a:bodyPr lIns="0" tIns="0" rIns="0" bIns="0" rtlCol="0" anchor="ctr"/>
+          <a:lstStyle/>
+          <a:p>
+            <a:pPr algn="ctr"/>
+            <a:r>
+              <a:rPr lang="fr-FR" sz="900" b="1" dirty="0"/>
+              <a:t>10’</a:t>
+            </a:r>
+          </a:p>
+        </p:txBody>
+      </p:sp>
+      <p:sp>
+        <p:nvSpPr>
+          <p:cNvPr id="19" name="Ellipse 18">
+            <a:extLst>
+              <a:ext uri="{FF2B5EF4-FFF2-40B4-BE49-F238E27FC236}">
+                <a16:creationId xmlns:a16="http://schemas.microsoft.com/office/drawing/2014/main" id="{B996B0EC-6BC3-DB33-B22D-BD571FB0AD32}"/>
+              </a:ext>
+            </a:extLst>
+          </p:cNvPr>
+          <p:cNvSpPr/>
+          <p:nvPr/>
+        </p:nvSpPr>
+        <p:spPr>
+          <a:xfrm>
+            <a:off x="6094825" y="4102442"/>
+            <a:ext cx="252000" cy="252000"/>
+          </a:xfrm>
+          <a:prstGeom prst="ellipse">
+            <a:avLst/>
+          </a:prstGeom>
+        </p:spPr>
+        <p:style>
+          <a:lnRef idx="2">
+            <a:schemeClr val="accent6">
+              <a:shade val="50000"/>
+            </a:schemeClr>
+          </a:lnRef>
+          <a:fillRef idx="1">
+            <a:schemeClr val="accent6"/>
+          </a:fillRef>
+          <a:effectRef idx="0">
+            <a:schemeClr val="accent6"/>
+          </a:effectRef>
+          <a:fontRef idx="minor">
+            <a:schemeClr val="lt1"/>
+          </a:fontRef>
+        </p:style>
+        <p:txBody>
+          <a:bodyPr lIns="0" tIns="0" rIns="0" bIns="0" rtlCol="0" anchor="ctr"/>
+          <a:lstStyle/>
+          <a:p>
+            <a:pPr algn="ctr"/>
+            <a:r>
+              <a:rPr lang="fr-FR" sz="900" b="1" dirty="0"/>
+              <a:t>25’</a:t>
+            </a:r>
+          </a:p>
+        </p:txBody>
+      </p:sp>
+      <p:pic>
+        <p:nvPicPr>
+          <p:cNvPr id="23" name="Image 22">
+            <a:extLst>
+              <a:ext uri="{FF2B5EF4-FFF2-40B4-BE49-F238E27FC236}">
+                <a16:creationId xmlns:a16="http://schemas.microsoft.com/office/drawing/2014/main" id="{D47B9126-A99A-53CE-085F-7A2423BEBD70}"/>
+              </a:ext>
+            </a:extLst>
+          </p:cNvPr>
+          <p:cNvPicPr>
+            <a:picLocks noChangeAspect="1"/>
+          </p:cNvPicPr>
+          <p:nvPr/>
+        </p:nvPicPr>
+        <p:blipFill>
+          <a:blip r:embed="rId7"/>
+          <a:stretch>
+            <a:fillRect/>
+          </a:stretch>
+        </p:blipFill>
+        <p:spPr>
+          <a:xfrm>
+            <a:off x="5783652" y="4789502"/>
+            <a:ext cx="908486" cy="908486"/>
+          </a:xfrm>
+          <a:prstGeom prst="rect">
+            <a:avLst/>
+          </a:prstGeom>
+        </p:spPr>
+      </p:pic>
+      <p:pic>
+        <p:nvPicPr>
+          <p:cNvPr id="1026" name="Picture 2">
+            <a:extLst>
+              <a:ext uri="{FF2B5EF4-FFF2-40B4-BE49-F238E27FC236}">
+                <a16:creationId xmlns:a16="http://schemas.microsoft.com/office/drawing/2014/main" id="{31A135E1-7BBE-9928-AE43-9391029E7BE6}"/>
+              </a:ext>
+            </a:extLst>
+          </p:cNvPr>
+          <p:cNvPicPr>
+            <a:picLocks noChangeAspect="1" noChangeArrowheads="1"/>
+          </p:cNvPicPr>
+          <p:nvPr/>
+        </p:nvPicPr>
+        <p:blipFill>
+          <a:blip r:embed="rId8">
+            <a:extLst>
+              <a:ext uri="{28A0092B-C50C-407E-A947-70E740481C1C}">
+                <a14:useLocalDpi xmlns:a14="http://schemas.microsoft.com/office/drawing/2010/main" val="0"/>
+              </a:ext>
+            </a:extLst>
+          </a:blip>
+          <a:srcRect/>
+          <a:stretch>
+            <a:fillRect/>
+          </a:stretch>
+        </p:blipFill>
+        <p:spPr bwMode="auto">
+          <a:xfrm>
+            <a:off x="5236723" y="23368"/>
+            <a:ext cx="1611720" cy="695584"/>
+          </a:xfrm>
+          <a:prstGeom prst="rect">
+            <a:avLst/>
+          </a:prstGeom>
+          <a:noFill/>
+          <a:extLst>
+            <a:ext uri="{909E8E84-426E-40DD-AFC4-6F175D3DCCD1}">
+              <a14:hiddenFill xmlns:a14="http://schemas.microsoft.com/office/drawing/2010/main">
+                <a:solidFill>
+                  <a:srgbClr val="FFFFFF"/>
+                </a:solidFill>
+              </a14:hiddenFill>
+            </a:ext>
+          </a:extLst>
+        </p:spPr>
+      </p:pic>
+      <p:sp>
+        <p:nvSpPr>
+          <p:cNvPr id="32" name="ZoneTexte 31">
+            <a:extLst>
+              <a:ext uri="{FF2B5EF4-FFF2-40B4-BE49-F238E27FC236}">
+                <a16:creationId xmlns:a16="http://schemas.microsoft.com/office/drawing/2014/main" id="{BF8C253E-CEAC-2FA8-DE9C-ED4656F590FC}"/>
+              </a:ext>
+            </a:extLst>
+          </p:cNvPr>
+          <p:cNvSpPr txBox="1"/>
+          <p:nvPr/>
+        </p:nvSpPr>
+        <p:spPr>
+          <a:xfrm>
+            <a:off x="168697" y="1460155"/>
+            <a:ext cx="6523441" cy="2031325"/>
+          </a:xfrm>
+          <a:prstGeom prst="rect">
+            <a:avLst/>
+          </a:prstGeom>
+          <a:noFill/>
+        </p:spPr>
+        <p:txBody>
+          <a:bodyPr wrap="square">
+            <a:spAutoFit/>
+          </a:bodyPr>
+          <a:lstStyle/>
+          <a:p>
+            <a:pPr algn="l"/>
+            <a:r>
+              <a:rPr lang="fr-FR" sz="1050" dirty="0"/>
+              <a:t>L’épreuve de SI consiste en l’étude d’un système complexe, elle permet d’aborder deux thèmes du programme de la filière du candidat. Elle est précédée d’un temps d’appropriation. Au cours de cette épreuve, le jury souhaite évaluer un champ de compétences plus large que celles évaluées à l’écrit, et ce pour chaque candidat.</a:t>
+            </a:r>
+          </a:p>
+          <a:p>
+            <a:pPr algn="l"/>
+            <a:endParaRPr lang="fr-FR" sz="1050" dirty="0"/>
+          </a:p>
+          <a:p>
+            <a:pPr algn="l"/>
+            <a:r>
+              <a:rPr lang="fr-FR" sz="1050" dirty="0"/>
+              <a:t>Ainsi le candidat sera amené à : </a:t>
+            </a:r>
+          </a:p>
+          <a:p>
+            <a:pPr marL="171450" indent="-171450" algn="l">
+              <a:buSzPct val="70000"/>
+              <a:buFont typeface="Wingdings" panose="05000000000000000000" pitchFamily="2" charset="2"/>
+              <a:buChar char="q"/>
+            </a:pPr>
+            <a:r>
+              <a:rPr lang="fr-FR" sz="1050" dirty="0"/>
+              <a:t>S’approprier et analyser la problématique du sujet ; </a:t>
+            </a:r>
+          </a:p>
+          <a:p>
+            <a:pPr marL="171450" indent="-171450" algn="l">
+              <a:buSzPct val="70000"/>
+              <a:buFont typeface="Wingdings" panose="05000000000000000000" pitchFamily="2" charset="2"/>
+              <a:buChar char="q"/>
+            </a:pPr>
+            <a:r>
+              <a:rPr lang="fr-FR" sz="1050" dirty="0"/>
+              <a:t>Faire preuve d’autonomie afin d’établir un modèle, un paramétrage, une stratégie de résolution ; </a:t>
+            </a:r>
+          </a:p>
+          <a:p>
+            <a:pPr marL="171450" indent="-171450" algn="l">
+              <a:buSzPct val="70000"/>
+              <a:buFont typeface="Wingdings" panose="05000000000000000000" pitchFamily="2" charset="2"/>
+              <a:buChar char="q"/>
+            </a:pPr>
+            <a:r>
+              <a:rPr lang="fr-FR" sz="1050" dirty="0"/>
+              <a:t>Structurer sa réponse, faire preuve de rigueur, choisir les outils et connaissances de cours appropriées ; </a:t>
+            </a:r>
+          </a:p>
+          <a:p>
+            <a:pPr marL="171450" indent="-171450" algn="l">
+              <a:buSzPct val="70000"/>
+              <a:buFont typeface="Wingdings" panose="05000000000000000000" pitchFamily="2" charset="2"/>
+              <a:buChar char="q"/>
+            </a:pPr>
+            <a:r>
+              <a:rPr lang="fr-FR" sz="1050" dirty="0"/>
+              <a:t>Exploiter les résultats issus d’une simulation numérique ou d’une expérimentation ; </a:t>
+            </a:r>
+          </a:p>
+          <a:p>
+            <a:pPr marL="171450" indent="-171450" algn="l">
+              <a:buSzPct val="70000"/>
+              <a:buFont typeface="Wingdings" panose="05000000000000000000" pitchFamily="2" charset="2"/>
+              <a:buChar char="q"/>
+            </a:pPr>
+            <a:r>
+              <a:rPr lang="fr-FR" sz="1050" dirty="0"/>
+              <a:t>Dialoguer avec le jury et argumenter ses choix ; </a:t>
+            </a:r>
+          </a:p>
+          <a:p>
+            <a:pPr marL="171450" indent="-171450" algn="l">
+              <a:buSzPct val="70000"/>
+              <a:buFont typeface="Wingdings" panose="05000000000000000000" pitchFamily="2" charset="2"/>
+              <a:buChar char="q"/>
+            </a:pPr>
+            <a:r>
+              <a:rPr lang="fr-FR" sz="1050" dirty="0"/>
+              <a:t>Formuler des conclusions ; </a:t>
+            </a:r>
+          </a:p>
+          <a:p>
+            <a:pPr marL="171450" indent="-171450" algn="l">
+              <a:buSzPct val="70000"/>
+              <a:buFont typeface="Wingdings" panose="05000000000000000000" pitchFamily="2" charset="2"/>
+              <a:buChar char="q"/>
+            </a:pPr>
+            <a:r>
+              <a:rPr lang="fr-FR" sz="1050" dirty="0"/>
+              <a:t>Faire preuve de dynamisme, de clarté et précision dans la communication orale.</a:t>
+            </a:r>
+            <a:endParaRPr lang="fr-FR" sz="1050" b="0" i="0" dirty="0">
+              <a:effectLst/>
+            </a:endParaRPr>
+          </a:p>
+        </p:txBody>
+      </p:sp>
+      <p:sp>
+        <p:nvSpPr>
+          <p:cNvPr id="36" name="ZoneTexte 35">
+            <a:extLst>
+              <a:ext uri="{FF2B5EF4-FFF2-40B4-BE49-F238E27FC236}">
+                <a16:creationId xmlns:a16="http://schemas.microsoft.com/office/drawing/2014/main" id="{4AF2C5B0-CAB8-3FC1-C1FE-54505265F58B}"/>
+              </a:ext>
+            </a:extLst>
+          </p:cNvPr>
+          <p:cNvSpPr txBox="1"/>
+          <p:nvPr/>
+        </p:nvSpPr>
+        <p:spPr>
+          <a:xfrm>
+            <a:off x="168697" y="5911482"/>
+            <a:ext cx="6671279" cy="3139321"/>
+          </a:xfrm>
+          <a:prstGeom prst="rect">
+            <a:avLst/>
+          </a:prstGeom>
+          <a:noFill/>
+        </p:spPr>
+        <p:txBody>
+          <a:bodyPr wrap="square">
+            <a:spAutoFit/>
+          </a:bodyPr>
+          <a:lstStyle/>
+          <a:p>
+            <a:r>
+              <a:rPr lang="fr-FR" sz="1100" dirty="0"/>
+              <a:t>Le jury apprécie </a:t>
+            </a:r>
+          </a:p>
+          <a:p>
+            <a:pPr marL="171450" indent="-171450">
+              <a:buFont typeface="Wingdings" panose="05000000000000000000" pitchFamily="2" charset="2"/>
+              <a:buChar char="§"/>
+            </a:pPr>
+            <a:r>
+              <a:rPr lang="fr-FR" sz="1100" dirty="0"/>
+              <a:t>Une présentation rapide de la problématique et de la démarche permettant de la résoudre. </a:t>
+            </a:r>
+          </a:p>
+          <a:p>
+            <a:pPr marL="171450" indent="-171450">
+              <a:buFont typeface="Wingdings" panose="05000000000000000000" pitchFamily="2" charset="2"/>
+              <a:buChar char="§"/>
+            </a:pPr>
+            <a:r>
+              <a:rPr lang="fr-FR" sz="1100" dirty="0"/>
+              <a:t>D’être capable d’identifier les capteurs, les </a:t>
+            </a:r>
+            <a:r>
+              <a:rPr lang="fr-FR" sz="1100" dirty="0" err="1"/>
+              <a:t>pré-actionneurs</a:t>
+            </a:r>
+            <a:r>
+              <a:rPr lang="fr-FR" sz="1100" dirty="0"/>
+              <a:t>, les actionneurs et les transmetteurs. </a:t>
+            </a:r>
+          </a:p>
+          <a:p>
+            <a:pPr marL="171450" indent="-171450">
+              <a:buFont typeface="Wingdings" panose="05000000000000000000" pitchFamily="2" charset="2"/>
+              <a:buChar char="§"/>
+            </a:pPr>
+            <a:r>
+              <a:rPr lang="fr-FR" sz="1100" dirty="0"/>
+              <a:t>Un regard critique sur les ordres de grandeur des résultats obtenus dans le contexte du système étudié et sur l’homogénéité des données manipulées. </a:t>
+            </a:r>
+          </a:p>
+          <a:p>
+            <a:pPr marL="171450" indent="-171450">
+              <a:buFont typeface="Wingdings" panose="05000000000000000000" pitchFamily="2" charset="2"/>
+              <a:buChar char="§"/>
+            </a:pPr>
+            <a:r>
+              <a:rPr lang="fr-FR" sz="1100" dirty="0"/>
+              <a:t>La réactivité face aux interventions de l’examinateur. </a:t>
+            </a:r>
+          </a:p>
+          <a:p>
+            <a:pPr marL="171450" indent="-171450">
+              <a:buFont typeface="Wingdings" panose="05000000000000000000" pitchFamily="2" charset="2"/>
+              <a:buChar char="§"/>
+            </a:pPr>
+            <a:r>
+              <a:rPr lang="fr-FR" sz="1100" dirty="0"/>
+              <a:t>Les présentations dynamiques avec une qualité d’expression orale. </a:t>
+            </a:r>
+          </a:p>
+          <a:p>
+            <a:r>
+              <a:rPr lang="fr-FR" sz="1100" dirty="0"/>
+              <a:t>Le jury déplore</a:t>
+            </a:r>
+          </a:p>
+          <a:p>
+            <a:pPr marL="171450" indent="-171450">
+              <a:buFont typeface="Wingdings" panose="05000000000000000000" pitchFamily="2" charset="2"/>
+              <a:buChar char="§"/>
+            </a:pPr>
+            <a:r>
+              <a:rPr lang="fr-FR" sz="1100" dirty="0"/>
+              <a:t>Un manque de rigueur dans la modélisation</a:t>
+            </a:r>
+            <a:r>
+              <a:rPr lang="fr-FR" sz="1100"/>
+              <a:t>. Utiliser </a:t>
+            </a:r>
+            <a:r>
+              <a:rPr lang="fr-FR" sz="1100" dirty="0"/>
+              <a:t>des outils graphiques (graphe de liaisons ou schéma cinématique) peut bien souvent aider les candidats. </a:t>
+            </a:r>
+          </a:p>
+          <a:p>
+            <a:pPr marL="171450" indent="-171450">
+              <a:buFont typeface="Wingdings" panose="05000000000000000000" pitchFamily="2" charset="2"/>
+              <a:buChar char="§"/>
+            </a:pPr>
+            <a:r>
+              <a:rPr lang="fr-FR" sz="1100" dirty="0"/>
+              <a:t>Un manque de maîtrise des méthodes de résolution, en particulier dans les problèmes faisant intervenir les actions mécaniques : </a:t>
+            </a:r>
+          </a:p>
+          <a:p>
+            <a:pPr marL="628650" lvl="1" indent="-171450">
+              <a:buFont typeface="Wingdings" panose="05000000000000000000" pitchFamily="2" charset="2"/>
+              <a:buChar char="§"/>
+            </a:pPr>
+            <a:r>
+              <a:rPr lang="fr-FR" sz="1100" dirty="0"/>
+              <a:t>Trop souvent, aucun système n’est isolé, ou le choix d’isolement est surprenant ; </a:t>
+            </a:r>
+          </a:p>
+          <a:p>
+            <a:pPr marL="628650" lvl="1" indent="-171450">
+              <a:buFont typeface="Wingdings" panose="05000000000000000000" pitchFamily="2" charset="2"/>
+              <a:buChar char="§"/>
+            </a:pPr>
+            <a:r>
+              <a:rPr lang="fr-FR" sz="1100" dirty="0"/>
+              <a:t>Le choix des théorèmes utilisés est souvent maladroit. – </a:t>
+            </a:r>
+          </a:p>
+          <a:p>
+            <a:pPr marL="171450" indent="-171450">
+              <a:buFont typeface="Wingdings" panose="05000000000000000000" pitchFamily="2" charset="2"/>
+              <a:buChar char="§"/>
+            </a:pPr>
+            <a:r>
+              <a:rPr lang="fr-FR" sz="1100" dirty="0"/>
+              <a:t>Un manque de connaissances dans certains domaines, ainsi les candidats confondent trop souvent : </a:t>
+            </a:r>
+          </a:p>
+          <a:p>
+            <a:pPr marL="628650" lvl="1" indent="-171450">
+              <a:buFont typeface="Wingdings" panose="05000000000000000000" pitchFamily="2" charset="2"/>
+              <a:buChar char="§"/>
+            </a:pPr>
+            <a:r>
+              <a:rPr lang="fr-FR" sz="1100" dirty="0"/>
+              <a:t>Rapport de réduction et rendement.</a:t>
+            </a:r>
+          </a:p>
+          <a:p>
+            <a:pPr marL="628650" lvl="1" indent="-171450">
+              <a:buFont typeface="Wingdings" panose="05000000000000000000" pitchFamily="2" charset="2"/>
+              <a:buChar char="§"/>
+            </a:pPr>
+            <a:r>
+              <a:rPr lang="fr-FR" sz="1100" dirty="0"/>
+              <a:t>FTBO et FTBF pour l’évaluation de la stabilité et des erreurs. Les candidats sont alors en difficulté pour mener une démarche de réglage d’un correcteur. </a:t>
+            </a:r>
+          </a:p>
+        </p:txBody>
+      </p:sp>
+    </p:spTree>
+    <p:extLst>
+      <p:ext uri="{BB962C8B-B14F-4D97-AF65-F5344CB8AC3E}">
+        <p14:creationId xmlns:p14="http://schemas.microsoft.com/office/powerpoint/2010/main" val="2934629746"/>
       </p:ext>
     </p:extLst>
   </p:cSld>

--- a/Presentations_Epreuves.pptx
+++ b/Presentations_Epreuves.pptx
@@ -13,7 +13,7 @@
     <p:sldId id="261" r:id="rId7"/>
   </p:sldIdLst>
   <p:sldSz cx="6858000" cy="9906000" type="A4"/>
-  <p:notesSz cx="6858000" cy="9144000"/>
+  <p:notesSz cx="6797675" cy="9926638"/>
   <p:defaultTextStyle>
     <a:defPPr>
       <a:defRPr lang="en-US"/>
@@ -3878,20 +3878,24 @@
       </dgm:t>
     </dgm:pt>
     <dgm:pt modelId="{C0BBB20E-A547-490C-BFC3-F69C30C2BB85}">
-      <dgm:prSet phldrT="[Texte]"/>
+      <dgm:prSet phldrT="[Texte]" custT="1"/>
       <dgm:spPr/>
       <dgm:t>
         <a:bodyPr/>
         <a:lstStyle/>
         <a:p>
           <a:r>
-            <a:rPr lang="fr-FR" dirty="0"/>
+            <a:rPr lang="fr-FR" sz="700" dirty="0">
+              <a:latin typeface="Arial Nova" panose="020B0504020202020204"/>
+            </a:rPr>
             <a:t>Pôle 1</a:t>
           </a:r>
         </a:p>
         <a:p>
           <a:r>
-            <a:rPr lang="fr-FR" dirty="0"/>
+            <a:rPr lang="fr-FR" sz="700" dirty="0">
+              <a:latin typeface="Arial Nova" panose="020B0504020202020204"/>
+            </a:rPr>
             <a:t>Découverte du système</a:t>
           </a:r>
         </a:p>
@@ -3904,7 +3908,9 @@
         <a:bodyPr/>
         <a:lstStyle/>
         <a:p>
-          <a:endParaRPr lang="fr-FR"/>
+          <a:endParaRPr lang="fr-FR" sz="2000">
+            <a:latin typeface="Arial Nova" panose="020B0504020202020204"/>
+          </a:endParaRPr>
         </a:p>
       </dgm:t>
     </dgm:pt>
@@ -3915,7 +3921,9 @@
         <a:bodyPr/>
         <a:lstStyle/>
         <a:p>
-          <a:endParaRPr lang="fr-FR"/>
+          <a:endParaRPr lang="fr-FR" sz="2000">
+            <a:latin typeface="Arial Nova" panose="020B0504020202020204"/>
+          </a:endParaRPr>
         </a:p>
       </dgm:t>
     </dgm:pt>
@@ -3927,7 +3935,9 @@
         <a:lstStyle/>
         <a:p>
           <a:r>
-            <a:rPr lang="fr-FR" sz="600" dirty="0"/>
+            <a:rPr lang="fr-FR" sz="700" dirty="0">
+              <a:latin typeface="Arial Nova" panose="020B0504020202020204"/>
+            </a:rPr>
             <a:t>S’approprier et analyser un système</a:t>
           </a:r>
         </a:p>
@@ -3940,7 +3950,9 @@
         <a:bodyPr/>
         <a:lstStyle/>
         <a:p>
-          <a:endParaRPr lang="fr-FR"/>
+          <a:endParaRPr lang="fr-FR" sz="2000">
+            <a:latin typeface="Arial Nova" panose="020B0504020202020204"/>
+          </a:endParaRPr>
         </a:p>
       </dgm:t>
     </dgm:pt>
@@ -3951,19 +3963,23 @@
         <a:bodyPr/>
         <a:lstStyle/>
         <a:p>
-          <a:endParaRPr lang="fr-FR"/>
+          <a:endParaRPr lang="fr-FR" sz="2000">
+            <a:latin typeface="Arial Nova" panose="020B0504020202020204"/>
+          </a:endParaRPr>
         </a:p>
       </dgm:t>
     </dgm:pt>
     <dgm:pt modelId="{20F7D581-9EB2-498F-BE28-9D62195EAF83}">
-      <dgm:prSet phldrT="[Texte]"/>
+      <dgm:prSet phldrT="[Texte]" custT="1"/>
       <dgm:spPr/>
       <dgm:t>
         <a:bodyPr/>
         <a:lstStyle/>
         <a:p>
           <a:r>
-            <a:rPr lang="fr-FR" dirty="0"/>
+            <a:rPr lang="fr-FR" sz="700" dirty="0">
+              <a:latin typeface="Arial Nova" panose="020B0504020202020204"/>
+            </a:rPr>
             <a:t>Pôle 2</a:t>
           </a:r>
         </a:p>
@@ -3976,7 +3992,9 @@
         <a:bodyPr/>
         <a:lstStyle/>
         <a:p>
-          <a:endParaRPr lang="fr-FR"/>
+          <a:endParaRPr lang="fr-FR" sz="2000">
+            <a:latin typeface="Arial Nova" panose="020B0504020202020204"/>
+          </a:endParaRPr>
         </a:p>
       </dgm:t>
     </dgm:pt>
@@ -3987,18 +4005,22 @@
         <a:bodyPr/>
         <a:lstStyle/>
         <a:p>
-          <a:endParaRPr lang="fr-FR"/>
+          <a:endParaRPr lang="fr-FR" sz="2000">
+            <a:latin typeface="Arial Nova" panose="020B0504020202020204"/>
+          </a:endParaRPr>
         </a:p>
       </dgm:t>
     </dgm:pt>
     <dgm:pt modelId="{B5920376-0133-44CD-BB1B-6F53C130D637}">
-      <dgm:prSet phldrT="[Texte]"/>
+      <dgm:prSet phldrT="[Texte]" custT="1"/>
       <dgm:spPr/>
       <dgm:t>
         <a:bodyPr/>
         <a:lstStyle/>
         <a:p>
-          <a:endParaRPr lang="fr-FR" dirty="0"/>
+          <a:endParaRPr lang="fr-FR" sz="2000" dirty="0">
+            <a:latin typeface="Arial Nova" panose="020B0504020202020204"/>
+          </a:endParaRPr>
         </a:p>
       </dgm:t>
     </dgm:pt>
@@ -4009,7 +4031,9 @@
         <a:bodyPr/>
         <a:lstStyle/>
         <a:p>
-          <a:endParaRPr lang="fr-FR"/>
+          <a:endParaRPr lang="fr-FR" sz="2000">
+            <a:latin typeface="Arial Nova" panose="020B0504020202020204"/>
+          </a:endParaRPr>
         </a:p>
       </dgm:t>
     </dgm:pt>
@@ -4020,19 +4044,23 @@
         <a:bodyPr/>
         <a:lstStyle/>
         <a:p>
-          <a:endParaRPr lang="fr-FR"/>
+          <a:endParaRPr lang="fr-FR" sz="2000">
+            <a:latin typeface="Arial Nova" panose="020B0504020202020204"/>
+          </a:endParaRPr>
         </a:p>
       </dgm:t>
     </dgm:pt>
     <dgm:pt modelId="{928451A7-076A-4725-BC57-E98970B55362}">
-      <dgm:prSet phldrT="[Texte]"/>
+      <dgm:prSet phldrT="[Texte]" custT="1"/>
       <dgm:spPr/>
       <dgm:t>
         <a:bodyPr/>
         <a:lstStyle/>
         <a:p>
           <a:r>
-            <a:rPr lang="fr-FR" dirty="0"/>
+            <a:rPr lang="fr-FR" sz="700" dirty="0">
+              <a:latin typeface="Arial Nova" panose="020B0504020202020204"/>
+            </a:rPr>
             <a:t>Pôle 3</a:t>
           </a:r>
         </a:p>
@@ -4045,7 +4073,9 @@
         <a:bodyPr/>
         <a:lstStyle/>
         <a:p>
-          <a:endParaRPr lang="fr-FR"/>
+          <a:endParaRPr lang="fr-FR" sz="2000">
+            <a:latin typeface="Arial Nova" panose="020B0504020202020204"/>
+          </a:endParaRPr>
         </a:p>
       </dgm:t>
     </dgm:pt>
@@ -4056,18 +4086,22 @@
         <a:bodyPr/>
         <a:lstStyle/>
         <a:p>
-          <a:endParaRPr lang="fr-FR"/>
+          <a:endParaRPr lang="fr-FR" sz="2000">
+            <a:latin typeface="Arial Nova" panose="020B0504020202020204"/>
+          </a:endParaRPr>
         </a:p>
       </dgm:t>
     </dgm:pt>
     <dgm:pt modelId="{11F904A3-BE7E-4610-85FF-791DB76C5662}">
-      <dgm:prSet phldrT="[Texte]"/>
+      <dgm:prSet phldrT="[Texte]" custT="1"/>
       <dgm:spPr/>
       <dgm:t>
         <a:bodyPr/>
         <a:lstStyle/>
         <a:p>
-          <a:endParaRPr lang="fr-FR" dirty="0"/>
+          <a:endParaRPr lang="fr-FR" sz="2000" dirty="0">
+            <a:latin typeface="Arial Nova" panose="020B0504020202020204"/>
+          </a:endParaRPr>
         </a:p>
       </dgm:t>
     </dgm:pt>
@@ -4078,7 +4112,9 @@
         <a:bodyPr/>
         <a:lstStyle/>
         <a:p>
-          <a:endParaRPr lang="fr-FR"/>
+          <a:endParaRPr lang="fr-FR" sz="2000">
+            <a:latin typeface="Arial Nova" panose="020B0504020202020204"/>
+          </a:endParaRPr>
         </a:p>
       </dgm:t>
     </dgm:pt>
@@ -4089,19 +4125,23 @@
         <a:bodyPr/>
         <a:lstStyle/>
         <a:p>
-          <a:endParaRPr lang="fr-FR"/>
+          <a:endParaRPr lang="fr-FR" sz="2000">
+            <a:latin typeface="Arial Nova" panose="020B0504020202020204"/>
+          </a:endParaRPr>
         </a:p>
       </dgm:t>
     </dgm:pt>
     <dgm:pt modelId="{9D94179C-60CB-44C9-8000-C638CC90FBCC}">
-      <dgm:prSet phldrT="[Texte]"/>
+      <dgm:prSet phldrT="[Texte]" custT="1"/>
       <dgm:spPr/>
       <dgm:t>
         <a:bodyPr/>
         <a:lstStyle/>
         <a:p>
           <a:r>
-            <a:rPr lang="fr-FR" dirty="0"/>
+            <a:rPr lang="fr-FR" sz="700" dirty="0">
+              <a:latin typeface="Arial Nova" panose="020B0504020202020204"/>
+            </a:rPr>
             <a:t>Pôle 4</a:t>
           </a:r>
         </a:p>
@@ -4114,7 +4154,9 @@
         <a:bodyPr/>
         <a:lstStyle/>
         <a:p>
-          <a:endParaRPr lang="fr-FR"/>
+          <a:endParaRPr lang="fr-FR" sz="2000">
+            <a:latin typeface="Arial Nova" panose="020B0504020202020204"/>
+          </a:endParaRPr>
         </a:p>
       </dgm:t>
     </dgm:pt>
@@ -4125,19 +4167,23 @@
         <a:bodyPr/>
         <a:lstStyle/>
         <a:p>
-          <a:endParaRPr lang="fr-FR"/>
+          <a:endParaRPr lang="fr-FR" sz="2000">
+            <a:latin typeface="Arial Nova" panose="020B0504020202020204"/>
+          </a:endParaRPr>
         </a:p>
       </dgm:t>
     </dgm:pt>
     <dgm:pt modelId="{72D19D3A-74EA-46C0-A7EF-6D3CB88BB6E7}">
-      <dgm:prSet phldrT="[Texte]"/>
+      <dgm:prSet phldrT="[Texte]" custT="1"/>
       <dgm:spPr/>
       <dgm:t>
         <a:bodyPr/>
         <a:lstStyle/>
         <a:p>
           <a:r>
-            <a:rPr lang="fr-FR" dirty="0"/>
+            <a:rPr lang="fr-FR" sz="700" dirty="0">
+              <a:latin typeface="Arial Nova" panose="020B0504020202020204"/>
+            </a:rPr>
             <a:t>Pôle 5</a:t>
           </a:r>
         </a:p>
@@ -4150,7 +4196,9 @@
         <a:bodyPr/>
         <a:lstStyle/>
         <a:p>
-          <a:endParaRPr lang="fr-FR"/>
+          <a:endParaRPr lang="fr-FR" sz="2000">
+            <a:latin typeface="Arial Nova" panose="020B0504020202020204"/>
+          </a:endParaRPr>
         </a:p>
       </dgm:t>
     </dgm:pt>
@@ -4161,18 +4209,22 @@
         <a:bodyPr/>
         <a:lstStyle/>
         <a:p>
-          <a:endParaRPr lang="fr-FR"/>
+          <a:endParaRPr lang="fr-FR" sz="2000">
+            <a:latin typeface="Arial Nova" panose="020B0504020202020204"/>
+          </a:endParaRPr>
         </a:p>
       </dgm:t>
     </dgm:pt>
     <dgm:pt modelId="{F9F5AE11-AF97-4245-99B1-53B38E0C3108}">
-      <dgm:prSet phldrT="[Texte]"/>
+      <dgm:prSet phldrT="[Texte]" custT="1"/>
       <dgm:spPr/>
       <dgm:t>
         <a:bodyPr/>
         <a:lstStyle/>
         <a:p>
-          <a:endParaRPr lang="fr-FR" dirty="0"/>
+          <a:endParaRPr lang="fr-FR" sz="2000" dirty="0">
+            <a:latin typeface="Arial Nova" panose="020B0504020202020204"/>
+          </a:endParaRPr>
         </a:p>
       </dgm:t>
     </dgm:pt>
@@ -4183,7 +4235,9 @@
         <a:bodyPr/>
         <a:lstStyle/>
         <a:p>
-          <a:endParaRPr lang="fr-FR"/>
+          <a:endParaRPr lang="fr-FR" sz="2000">
+            <a:latin typeface="Arial Nova" panose="020B0504020202020204"/>
+          </a:endParaRPr>
         </a:p>
       </dgm:t>
     </dgm:pt>
@@ -4194,18 +4248,22 @@
         <a:bodyPr/>
         <a:lstStyle/>
         <a:p>
-          <a:endParaRPr lang="fr-FR"/>
+          <a:endParaRPr lang="fr-FR" sz="2000">
+            <a:latin typeface="Arial Nova" panose="020B0504020202020204"/>
+          </a:endParaRPr>
         </a:p>
       </dgm:t>
     </dgm:pt>
     <dgm:pt modelId="{7CFCEB31-C53B-4076-9E89-71BB7C5206BB}">
-      <dgm:prSet phldrT="[Texte]"/>
+      <dgm:prSet phldrT="[Texte]" custT="1"/>
       <dgm:spPr/>
       <dgm:t>
         <a:bodyPr/>
         <a:lstStyle/>
         <a:p>
-          <a:endParaRPr lang="fr-FR" dirty="0"/>
+          <a:endParaRPr lang="fr-FR" sz="2000" dirty="0">
+            <a:latin typeface="Arial Nova" panose="020B0504020202020204"/>
+          </a:endParaRPr>
         </a:p>
       </dgm:t>
     </dgm:pt>
@@ -4216,7 +4274,9 @@
         <a:bodyPr/>
         <a:lstStyle/>
         <a:p>
-          <a:endParaRPr lang="fr-FR"/>
+          <a:endParaRPr lang="fr-FR" sz="2000">
+            <a:latin typeface="Arial Nova" panose="020B0504020202020204"/>
+          </a:endParaRPr>
         </a:p>
       </dgm:t>
     </dgm:pt>
@@ -4227,18 +4287,22 @@
         <a:bodyPr/>
         <a:lstStyle/>
         <a:p>
-          <a:endParaRPr lang="fr-FR"/>
+          <a:endParaRPr lang="fr-FR" sz="2000">
+            <a:latin typeface="Arial Nova" panose="020B0504020202020204"/>
+          </a:endParaRPr>
         </a:p>
       </dgm:t>
     </dgm:pt>
     <dgm:pt modelId="{0D4AF47E-FDAB-4C77-957D-7D203EA2A551}">
-      <dgm:prSet phldrT="[Texte]"/>
+      <dgm:prSet phldrT="[Texte]" custT="1"/>
       <dgm:spPr/>
       <dgm:t>
         <a:bodyPr/>
         <a:lstStyle/>
         <a:p>
-          <a:endParaRPr lang="fr-FR" dirty="0"/>
+          <a:endParaRPr lang="fr-FR" sz="2000" dirty="0">
+            <a:latin typeface="Arial Nova" panose="020B0504020202020204"/>
+          </a:endParaRPr>
         </a:p>
       </dgm:t>
     </dgm:pt>
@@ -4249,7 +4313,9 @@
         <a:bodyPr/>
         <a:lstStyle/>
         <a:p>
-          <a:endParaRPr lang="fr-FR"/>
+          <a:endParaRPr lang="fr-FR" sz="2000">
+            <a:latin typeface="Arial Nova" panose="020B0504020202020204"/>
+          </a:endParaRPr>
         </a:p>
       </dgm:t>
     </dgm:pt>
@@ -4260,7 +4326,9 @@
         <a:bodyPr/>
         <a:lstStyle/>
         <a:p>
-          <a:endParaRPr lang="fr-FR"/>
+          <a:endParaRPr lang="fr-FR" sz="2000">
+            <a:latin typeface="Arial Nova" panose="020B0504020202020204"/>
+          </a:endParaRPr>
         </a:p>
       </dgm:t>
     </dgm:pt>
@@ -4273,6 +4341,13 @@
         </dgm:presLayoutVars>
       </dgm:prSet>
       <dgm:spPr/>
+      <dgm:t>
+        <a:bodyPr/>
+        <a:lstStyle/>
+        <a:p>
+          <a:endParaRPr lang="fr-FR"/>
+        </a:p>
+      </dgm:t>
     </dgm:pt>
     <dgm:pt modelId="{75F32423-9911-408A-B8A9-5D1154B5D7BF}" type="pres">
       <dgm:prSet presAssocID="{4BBBBA37-00AE-490F-BA4E-E9A756C4A0D7}" presName="tSp" presStyleCnt="0"/>
@@ -4301,6 +4376,13 @@
         </dgm:presLayoutVars>
       </dgm:prSet>
       <dgm:spPr/>
+      <dgm:t>
+        <a:bodyPr/>
+        <a:lstStyle/>
+        <a:p>
+          <a:endParaRPr lang="fr-FR"/>
+        </a:p>
+      </dgm:t>
     </dgm:pt>
     <dgm:pt modelId="{0CDE4C4E-2C62-4126-8CEE-77D153383F3B}" type="pres">
       <dgm:prSet presAssocID="{C0BBB20E-A547-490C-BFC3-F69C30C2BB85}" presName="childNode1tx" presStyleLbl="bgAcc1" presStyleIdx="0" presStyleCnt="5">
@@ -4309,6 +4391,13 @@
         </dgm:presLayoutVars>
       </dgm:prSet>
       <dgm:spPr/>
+      <dgm:t>
+        <a:bodyPr/>
+        <a:lstStyle/>
+        <a:p>
+          <a:endParaRPr lang="fr-FR"/>
+        </a:p>
+      </dgm:t>
     </dgm:pt>
     <dgm:pt modelId="{AB2A0A4B-2E62-43F5-874D-A858B18AD7BD}" type="pres">
       <dgm:prSet presAssocID="{C0BBB20E-A547-490C-BFC3-F69C30C2BB85}" presName="parentNode1" presStyleLbl="node1" presStyleIdx="0" presStyleCnt="5">
@@ -4318,6 +4407,13 @@
         </dgm:presLayoutVars>
       </dgm:prSet>
       <dgm:spPr/>
+      <dgm:t>
+        <a:bodyPr/>
+        <a:lstStyle/>
+        <a:p>
+          <a:endParaRPr lang="fr-FR"/>
+        </a:p>
+      </dgm:t>
     </dgm:pt>
     <dgm:pt modelId="{36C63541-11CA-440A-96C0-F62A9C797175}" type="pres">
       <dgm:prSet presAssocID="{C0BBB20E-A547-490C-BFC3-F69C30C2BB85}" presName="connSite1" presStyleCnt="0"/>
@@ -4326,6 +4422,13 @@
     <dgm:pt modelId="{943CED33-B477-41B6-8333-C0E815B32CCD}" type="pres">
       <dgm:prSet presAssocID="{DD1C8274-3095-435A-B7E9-C86DA96BDE64}" presName="Name9" presStyleLbl="sibTrans2D1" presStyleIdx="0" presStyleCnt="4"/>
       <dgm:spPr/>
+      <dgm:t>
+        <a:bodyPr/>
+        <a:lstStyle/>
+        <a:p>
+          <a:endParaRPr lang="fr-FR"/>
+        </a:p>
+      </dgm:t>
     </dgm:pt>
     <dgm:pt modelId="{DAE054FC-E8A5-4F66-B3DE-0F065A517B2B}" type="pres">
       <dgm:prSet presAssocID="{20F7D581-9EB2-498F-BE28-9D62195EAF83}" presName="composite2" presStyleCnt="0"/>
@@ -4342,6 +4445,13 @@
         </dgm:presLayoutVars>
       </dgm:prSet>
       <dgm:spPr/>
+      <dgm:t>
+        <a:bodyPr/>
+        <a:lstStyle/>
+        <a:p>
+          <a:endParaRPr lang="fr-FR"/>
+        </a:p>
+      </dgm:t>
     </dgm:pt>
     <dgm:pt modelId="{BCCD055F-C4D8-4E1B-AEB8-AC963578358F}" type="pres">
       <dgm:prSet presAssocID="{20F7D581-9EB2-498F-BE28-9D62195EAF83}" presName="childNode2tx" presStyleLbl="bgAcc1" presStyleIdx="1" presStyleCnt="5">
@@ -4350,6 +4460,13 @@
         </dgm:presLayoutVars>
       </dgm:prSet>
       <dgm:spPr/>
+      <dgm:t>
+        <a:bodyPr/>
+        <a:lstStyle/>
+        <a:p>
+          <a:endParaRPr lang="fr-FR"/>
+        </a:p>
+      </dgm:t>
     </dgm:pt>
     <dgm:pt modelId="{71BAD410-3299-44D0-A85A-DC3B57193168}" type="pres">
       <dgm:prSet presAssocID="{20F7D581-9EB2-498F-BE28-9D62195EAF83}" presName="parentNode2" presStyleLbl="node1" presStyleIdx="1" presStyleCnt="5">
@@ -4359,6 +4476,13 @@
         </dgm:presLayoutVars>
       </dgm:prSet>
       <dgm:spPr/>
+      <dgm:t>
+        <a:bodyPr/>
+        <a:lstStyle/>
+        <a:p>
+          <a:endParaRPr lang="fr-FR"/>
+        </a:p>
+      </dgm:t>
     </dgm:pt>
     <dgm:pt modelId="{89ADB8B3-B871-45E3-A9C2-130268780D69}" type="pres">
       <dgm:prSet presAssocID="{20F7D581-9EB2-498F-BE28-9D62195EAF83}" presName="connSite2" presStyleCnt="0"/>
@@ -4367,6 +4491,13 @@
     <dgm:pt modelId="{DC8BE73A-4F5A-421C-B33E-9320120B824C}" type="pres">
       <dgm:prSet presAssocID="{FCF39507-87BB-42FC-936E-7CB9C907446D}" presName="Name18" presStyleLbl="sibTrans2D1" presStyleIdx="1" presStyleCnt="4"/>
       <dgm:spPr/>
+      <dgm:t>
+        <a:bodyPr/>
+        <a:lstStyle/>
+        <a:p>
+          <a:endParaRPr lang="fr-FR"/>
+        </a:p>
+      </dgm:t>
     </dgm:pt>
     <dgm:pt modelId="{0643EB6C-F47F-4843-A806-EFCE9852E787}" type="pres">
       <dgm:prSet presAssocID="{928451A7-076A-4725-BC57-E98970B55362}" presName="composite1" presStyleCnt="0"/>
@@ -4383,6 +4514,13 @@
         </dgm:presLayoutVars>
       </dgm:prSet>
       <dgm:spPr/>
+      <dgm:t>
+        <a:bodyPr/>
+        <a:lstStyle/>
+        <a:p>
+          <a:endParaRPr lang="fr-FR"/>
+        </a:p>
+      </dgm:t>
     </dgm:pt>
     <dgm:pt modelId="{3B26D6A5-9D56-445C-B171-536ACA002E6A}" type="pres">
       <dgm:prSet presAssocID="{928451A7-076A-4725-BC57-E98970B55362}" presName="childNode1tx" presStyleLbl="bgAcc1" presStyleIdx="2" presStyleCnt="5">
@@ -4391,6 +4529,13 @@
         </dgm:presLayoutVars>
       </dgm:prSet>
       <dgm:spPr/>
+      <dgm:t>
+        <a:bodyPr/>
+        <a:lstStyle/>
+        <a:p>
+          <a:endParaRPr lang="fr-FR"/>
+        </a:p>
+      </dgm:t>
     </dgm:pt>
     <dgm:pt modelId="{40A8A41C-CF7A-4E88-8EA7-EAA6AFD512F6}" type="pres">
       <dgm:prSet presAssocID="{928451A7-076A-4725-BC57-E98970B55362}" presName="parentNode1" presStyleLbl="node1" presStyleIdx="2" presStyleCnt="5">
@@ -4400,6 +4545,13 @@
         </dgm:presLayoutVars>
       </dgm:prSet>
       <dgm:spPr/>
+      <dgm:t>
+        <a:bodyPr/>
+        <a:lstStyle/>
+        <a:p>
+          <a:endParaRPr lang="fr-FR"/>
+        </a:p>
+      </dgm:t>
     </dgm:pt>
     <dgm:pt modelId="{B473B88E-BDED-4B84-8518-6F2718D65E59}" type="pres">
       <dgm:prSet presAssocID="{928451A7-076A-4725-BC57-E98970B55362}" presName="connSite1" presStyleCnt="0"/>
@@ -4408,6 +4560,13 @@
     <dgm:pt modelId="{4D946BF7-5318-4B1E-AEBF-4A3CA2E290DB}" type="pres">
       <dgm:prSet presAssocID="{75637A16-730E-4452-8190-67FB3226C504}" presName="Name9" presStyleLbl="sibTrans2D1" presStyleIdx="2" presStyleCnt="4"/>
       <dgm:spPr/>
+      <dgm:t>
+        <a:bodyPr/>
+        <a:lstStyle/>
+        <a:p>
+          <a:endParaRPr lang="fr-FR"/>
+        </a:p>
+      </dgm:t>
     </dgm:pt>
     <dgm:pt modelId="{979512FD-18FE-4B5C-9D65-0C9D20754DDD}" type="pres">
       <dgm:prSet presAssocID="{9D94179C-60CB-44C9-8000-C638CC90FBCC}" presName="composite2" presStyleCnt="0"/>
@@ -4424,6 +4583,13 @@
         </dgm:presLayoutVars>
       </dgm:prSet>
       <dgm:spPr/>
+      <dgm:t>
+        <a:bodyPr/>
+        <a:lstStyle/>
+        <a:p>
+          <a:endParaRPr lang="fr-FR"/>
+        </a:p>
+      </dgm:t>
     </dgm:pt>
     <dgm:pt modelId="{0CEB224C-27D6-4E1E-B3D5-07A168A17481}" type="pres">
       <dgm:prSet presAssocID="{9D94179C-60CB-44C9-8000-C638CC90FBCC}" presName="childNode2tx" presStyleLbl="bgAcc1" presStyleIdx="3" presStyleCnt="5">
@@ -4432,6 +4598,13 @@
         </dgm:presLayoutVars>
       </dgm:prSet>
       <dgm:spPr/>
+      <dgm:t>
+        <a:bodyPr/>
+        <a:lstStyle/>
+        <a:p>
+          <a:endParaRPr lang="fr-FR"/>
+        </a:p>
+      </dgm:t>
     </dgm:pt>
     <dgm:pt modelId="{085190A6-FE74-486B-99A6-C2C9C6FC2B6B}" type="pres">
       <dgm:prSet presAssocID="{9D94179C-60CB-44C9-8000-C638CC90FBCC}" presName="parentNode2" presStyleLbl="node1" presStyleIdx="3" presStyleCnt="5">
@@ -4441,6 +4614,13 @@
         </dgm:presLayoutVars>
       </dgm:prSet>
       <dgm:spPr/>
+      <dgm:t>
+        <a:bodyPr/>
+        <a:lstStyle/>
+        <a:p>
+          <a:endParaRPr lang="fr-FR"/>
+        </a:p>
+      </dgm:t>
     </dgm:pt>
     <dgm:pt modelId="{6B793E1C-464B-41BF-BF58-D75084E9B5F0}" type="pres">
       <dgm:prSet presAssocID="{9D94179C-60CB-44C9-8000-C638CC90FBCC}" presName="connSite2" presStyleCnt="0"/>
@@ -4449,6 +4629,13 @@
     <dgm:pt modelId="{E2AA8120-67F5-4F08-808C-C2FFDEEF3762}" type="pres">
       <dgm:prSet presAssocID="{B690B119-AA95-4863-ACB5-0212ED679AB4}" presName="Name18" presStyleLbl="sibTrans2D1" presStyleIdx="3" presStyleCnt="4"/>
       <dgm:spPr/>
+      <dgm:t>
+        <a:bodyPr/>
+        <a:lstStyle/>
+        <a:p>
+          <a:endParaRPr lang="fr-FR"/>
+        </a:p>
+      </dgm:t>
     </dgm:pt>
     <dgm:pt modelId="{264659D7-04C8-42D4-B98D-4E2EE7C455D6}" type="pres">
       <dgm:prSet presAssocID="{72D19D3A-74EA-46C0-A7EF-6D3CB88BB6E7}" presName="composite1" presStyleCnt="0"/>
@@ -4465,6 +4652,13 @@
         </dgm:presLayoutVars>
       </dgm:prSet>
       <dgm:spPr/>
+      <dgm:t>
+        <a:bodyPr/>
+        <a:lstStyle/>
+        <a:p>
+          <a:endParaRPr lang="fr-FR"/>
+        </a:p>
+      </dgm:t>
     </dgm:pt>
     <dgm:pt modelId="{BCC1B419-4A07-48CE-9943-567C3025AA4B}" type="pres">
       <dgm:prSet presAssocID="{72D19D3A-74EA-46C0-A7EF-6D3CB88BB6E7}" presName="childNode1tx" presStyleLbl="bgAcc1" presStyleIdx="4" presStyleCnt="5">
@@ -4473,6 +4667,13 @@
         </dgm:presLayoutVars>
       </dgm:prSet>
       <dgm:spPr/>
+      <dgm:t>
+        <a:bodyPr/>
+        <a:lstStyle/>
+        <a:p>
+          <a:endParaRPr lang="fr-FR"/>
+        </a:p>
+      </dgm:t>
     </dgm:pt>
     <dgm:pt modelId="{1A803EBB-B33B-43CC-8CF8-F6DFA7F74C9F}" type="pres">
       <dgm:prSet presAssocID="{72D19D3A-74EA-46C0-A7EF-6D3CB88BB6E7}" presName="parentNode1" presStyleLbl="node1" presStyleIdx="4" presStyleCnt="5">
@@ -4482,6 +4683,13 @@
         </dgm:presLayoutVars>
       </dgm:prSet>
       <dgm:spPr/>
+      <dgm:t>
+        <a:bodyPr/>
+        <a:lstStyle/>
+        <a:p>
+          <a:endParaRPr lang="fr-FR"/>
+        </a:p>
+      </dgm:t>
     </dgm:pt>
     <dgm:pt modelId="{D6AC3102-16E7-4603-A29F-989E079D7077}" type="pres">
       <dgm:prSet presAssocID="{72D19D3A-74EA-46C0-A7EF-6D3CB88BB6E7}" presName="connSite1" presStyleCnt="0"/>
@@ -4489,39 +4697,39 @@
     </dgm:pt>
   </dgm:ptLst>
   <dgm:cxnLst>
+    <dgm:cxn modelId="{70FCD421-2521-424F-B9BC-061AF450C2F8}" type="presOf" srcId="{C742B16C-6774-4654-A307-2517E5970ED9}" destId="{0CDE4C4E-2C62-4126-8CEE-77D153383F3B}" srcOrd="1" destOrd="0" presId="urn:microsoft.com/office/officeart/2005/8/layout/hProcess4"/>
+    <dgm:cxn modelId="{AFFF7C9B-0E77-4342-BDDF-B74DE7FEA928}" type="presOf" srcId="{C742B16C-6774-4654-A307-2517E5970ED9}" destId="{8901E0F4-0A59-4693-BCC0-AD691D9FB870}" srcOrd="0" destOrd="0" presId="urn:microsoft.com/office/officeart/2005/8/layout/hProcess4"/>
+    <dgm:cxn modelId="{94B4AD35-07BC-4BD5-BA48-4DA3352B804F}" type="presOf" srcId="{7CFCEB31-C53B-4076-9E89-71BB7C5206BB}" destId="{0CEB224C-27D6-4E1E-B3D5-07A168A17481}" srcOrd="1" destOrd="0" presId="urn:microsoft.com/office/officeart/2005/8/layout/hProcess4"/>
+    <dgm:cxn modelId="{265C04BF-DF6E-4114-8745-FF72DB8EAE85}" type="presOf" srcId="{0D4AF47E-FDAB-4C77-957D-7D203EA2A551}" destId="{9026B45C-ADFA-45DE-A14B-1C67CDA49329}" srcOrd="0" destOrd="0" presId="urn:microsoft.com/office/officeart/2005/8/layout/hProcess4"/>
+    <dgm:cxn modelId="{13921B92-0D4F-4CF2-B922-D250CB9F7C6D}" type="presOf" srcId="{72D19D3A-74EA-46C0-A7EF-6D3CB88BB6E7}" destId="{1A803EBB-B33B-43CC-8CF8-F6DFA7F74C9F}" srcOrd="0" destOrd="0" presId="urn:microsoft.com/office/officeart/2005/8/layout/hProcess4"/>
+    <dgm:cxn modelId="{555C2B7C-EBBB-4015-9A21-9AA3BA353080}" type="presOf" srcId="{4BBBBA37-00AE-490F-BA4E-E9A756C4A0D7}" destId="{7ABD661D-07C5-4739-AE45-6E1036C01B22}" srcOrd="0" destOrd="0" presId="urn:microsoft.com/office/officeart/2005/8/layout/hProcess4"/>
     <dgm:cxn modelId="{3228E000-8C8D-4FC1-BE09-2CB2D43274CF}" type="presOf" srcId="{20F7D581-9EB2-498F-BE28-9D62195EAF83}" destId="{71BAD410-3299-44D0-A85A-DC3B57193168}" srcOrd="0" destOrd="0" presId="urn:microsoft.com/office/officeart/2005/8/layout/hProcess4"/>
+    <dgm:cxn modelId="{21EEA131-555A-4801-A607-FBD385939B0A}" srcId="{928451A7-076A-4725-BC57-E98970B55362}" destId="{11F904A3-BE7E-4610-85FF-791DB76C5662}" srcOrd="0" destOrd="0" parTransId="{03E9A0DC-5904-496A-AAF6-356D4EB9E2C7}" sibTransId="{AA783ABE-4698-4A43-ACFE-2F0CA6278420}"/>
+    <dgm:cxn modelId="{864C703B-D3FC-4566-883E-42340E00BE6D}" type="presOf" srcId="{928451A7-076A-4725-BC57-E98970B55362}" destId="{40A8A41C-CF7A-4E88-8EA7-EAA6AFD512F6}" srcOrd="0" destOrd="0" presId="urn:microsoft.com/office/officeart/2005/8/layout/hProcess4"/>
+    <dgm:cxn modelId="{A2DFE587-0EFA-4CCA-B87B-94DA33352EB2}" type="presOf" srcId="{F9F5AE11-AF97-4245-99B1-53B38E0C3108}" destId="{B8A19F94-18F6-4D00-B053-8BF08839189F}" srcOrd="0" destOrd="1" presId="urn:microsoft.com/office/officeart/2005/8/layout/hProcess4"/>
+    <dgm:cxn modelId="{1A2CD6BD-4FB6-4C65-A31E-7C659272F5FF}" srcId="{4BBBBA37-00AE-490F-BA4E-E9A756C4A0D7}" destId="{928451A7-076A-4725-BC57-E98970B55362}" srcOrd="2" destOrd="0" parTransId="{605DBBC2-A198-4676-A0C6-4546B7A91B68}" sibTransId="{75637A16-730E-4452-8190-67FB3226C504}"/>
+    <dgm:cxn modelId="{E683F570-DC2B-4326-9DA0-584336C8C6D6}" type="presOf" srcId="{B5920376-0133-44CD-BB1B-6F53C130D637}" destId="{BCCD055F-C4D8-4E1B-AEB8-AC963578358F}" srcOrd="1" destOrd="0" presId="urn:microsoft.com/office/officeart/2005/8/layout/hProcess4"/>
+    <dgm:cxn modelId="{C97277EB-6F23-4658-9BD4-F8C8D1CBABDB}" type="presOf" srcId="{7CFCEB31-C53B-4076-9E89-71BB7C5206BB}" destId="{F0C2F068-CF38-425A-B33E-3FD76DFE06E5}" srcOrd="0" destOrd="0" presId="urn:microsoft.com/office/officeart/2005/8/layout/hProcess4"/>
+    <dgm:cxn modelId="{002EAD7A-751D-4A0E-8B80-3ED2E8BF0317}" srcId="{C0BBB20E-A547-490C-BFC3-F69C30C2BB85}" destId="{C742B16C-6774-4654-A307-2517E5970ED9}" srcOrd="0" destOrd="0" parTransId="{3F79200C-09D6-4579-940A-9925FCF29974}" sibTransId="{DB0BD340-6AE9-43AB-8228-82AD980D89BF}"/>
+    <dgm:cxn modelId="{80D23CBD-CE2E-4319-87F9-C044F105CF34}" type="presOf" srcId="{75637A16-730E-4452-8190-67FB3226C504}" destId="{4D946BF7-5318-4B1E-AEBF-4A3CA2E290DB}" srcOrd="0" destOrd="0" presId="urn:microsoft.com/office/officeart/2005/8/layout/hProcess4"/>
     <dgm:cxn modelId="{E260010D-46B0-46C2-93B1-54EE897A6300}" type="presOf" srcId="{FCF39507-87BB-42FC-936E-7CB9C907446D}" destId="{DC8BE73A-4F5A-421C-B33E-9320120B824C}" srcOrd="0" destOrd="0" presId="urn:microsoft.com/office/officeart/2005/8/layout/hProcess4"/>
+    <dgm:cxn modelId="{F1B6015C-A40C-4B07-ADFF-FCCBDEF8A703}" type="presOf" srcId="{0D4AF47E-FDAB-4C77-957D-7D203EA2A551}" destId="{BCC1B419-4A07-48CE-9943-567C3025AA4B}" srcOrd="1" destOrd="0" presId="urn:microsoft.com/office/officeart/2005/8/layout/hProcess4"/>
     <dgm:cxn modelId="{745C2710-AEC2-4077-8999-F61D41E0B39E}" type="presOf" srcId="{C0BBB20E-A547-490C-BFC3-F69C30C2BB85}" destId="{AB2A0A4B-2E62-43F5-874D-A858B18AD7BD}" srcOrd="0" destOrd="0" presId="urn:microsoft.com/office/officeart/2005/8/layout/hProcess4"/>
+    <dgm:cxn modelId="{838DFA9C-65AB-4608-A291-FF7157BB4A5F}" type="presOf" srcId="{11F904A3-BE7E-4610-85FF-791DB76C5662}" destId="{9131C415-ABC8-494A-BB4C-4189E2623C96}" srcOrd="0" destOrd="0" presId="urn:microsoft.com/office/officeart/2005/8/layout/hProcess4"/>
+    <dgm:cxn modelId="{BE340D61-28A6-4E10-B4BD-309F83AE9FD8}" type="presOf" srcId="{DD1C8274-3095-435A-B7E9-C86DA96BDE64}" destId="{943CED33-B477-41B6-8333-C0E815B32CCD}" srcOrd="0" destOrd="0" presId="urn:microsoft.com/office/officeart/2005/8/layout/hProcess4"/>
+    <dgm:cxn modelId="{839B22B2-CAF0-4A50-BE07-9D40E91536D6}" srcId="{20F7D581-9EB2-498F-BE28-9D62195EAF83}" destId="{F9F5AE11-AF97-4245-99B1-53B38E0C3108}" srcOrd="1" destOrd="0" parTransId="{0DC9D828-A9AB-4F2A-83AE-CB35FC67EA91}" sibTransId="{9498F83F-2569-4E78-864A-AF5A10617D12}"/>
+    <dgm:cxn modelId="{A03A19A9-D08A-496E-94FC-7C1E2041B816}" type="presOf" srcId="{B690B119-AA95-4863-ACB5-0212ED679AB4}" destId="{E2AA8120-67F5-4F08-808C-C2FFDEEF3762}" srcOrd="0" destOrd="0" presId="urn:microsoft.com/office/officeart/2005/8/layout/hProcess4"/>
     <dgm:cxn modelId="{ECFDC616-8CDF-4EA1-BB1D-FA2DF950B96F}" srcId="{4BBBBA37-00AE-490F-BA4E-E9A756C4A0D7}" destId="{9D94179C-60CB-44C9-8000-C638CC90FBCC}" srcOrd="3" destOrd="0" parTransId="{FA25C7AC-CD09-4865-B0C2-AE65C69B976D}" sibTransId="{B690B119-AA95-4863-ACB5-0212ED679AB4}"/>
-    <dgm:cxn modelId="{70FCD421-2521-424F-B9BC-061AF450C2F8}" type="presOf" srcId="{C742B16C-6774-4654-A307-2517E5970ED9}" destId="{0CDE4C4E-2C62-4126-8CEE-77D153383F3B}" srcOrd="1" destOrd="0" presId="urn:microsoft.com/office/officeart/2005/8/layout/hProcess4"/>
-    <dgm:cxn modelId="{21EEA131-555A-4801-A607-FBD385939B0A}" srcId="{928451A7-076A-4725-BC57-E98970B55362}" destId="{11F904A3-BE7E-4610-85FF-791DB76C5662}" srcOrd="0" destOrd="0" parTransId="{03E9A0DC-5904-496A-AAF6-356D4EB9E2C7}" sibTransId="{AA783ABE-4698-4A43-ACFE-2F0CA6278420}"/>
-    <dgm:cxn modelId="{94B4AD35-07BC-4BD5-BA48-4DA3352B804F}" type="presOf" srcId="{7CFCEB31-C53B-4076-9E89-71BB7C5206BB}" destId="{0CEB224C-27D6-4E1E-B3D5-07A168A17481}" srcOrd="1" destOrd="0" presId="urn:microsoft.com/office/officeart/2005/8/layout/hProcess4"/>
+    <dgm:cxn modelId="{F43A3FC7-6C79-41B4-B507-B5377A47A8F2}" type="presOf" srcId="{9D94179C-60CB-44C9-8000-C638CC90FBCC}" destId="{085190A6-FE74-486B-99A6-C2C9C6FC2B6B}" srcOrd="0" destOrd="0" presId="urn:microsoft.com/office/officeart/2005/8/layout/hProcess4"/>
+    <dgm:cxn modelId="{F470FB77-2A68-4E93-A413-B72BC643C21C}" srcId="{9D94179C-60CB-44C9-8000-C638CC90FBCC}" destId="{7CFCEB31-C53B-4076-9E89-71BB7C5206BB}" srcOrd="0" destOrd="0" parTransId="{BCAA30FB-3036-4175-919A-7AC87A5DFA25}" sibTransId="{E2E05416-EBA5-4CD9-8AA3-29C25936A1EA}"/>
+    <dgm:cxn modelId="{1497608C-9EBF-4045-B5D2-B57D8503FD29}" srcId="{4BBBBA37-00AE-490F-BA4E-E9A756C4A0D7}" destId="{20F7D581-9EB2-498F-BE28-9D62195EAF83}" srcOrd="1" destOrd="0" parTransId="{E0FBE512-C1C4-4067-A1DE-34C9E33E9EB4}" sibTransId="{FCF39507-87BB-42FC-936E-7CB9C907446D}"/>
+    <dgm:cxn modelId="{7897605B-DE9F-4E05-9C51-68DB082DFD61}" srcId="{4BBBBA37-00AE-490F-BA4E-E9A756C4A0D7}" destId="{72D19D3A-74EA-46C0-A7EF-6D3CB88BB6E7}" srcOrd="4" destOrd="0" parTransId="{15EE5103-8F38-442F-9D49-C6051408C59D}" sibTransId="{16A5E339-9EC9-4A04-A091-62D697819434}"/>
+    <dgm:cxn modelId="{C5973D72-FB08-4B00-8516-F806514B4438}" srcId="{4BBBBA37-00AE-490F-BA4E-E9A756C4A0D7}" destId="{C0BBB20E-A547-490C-BFC3-F69C30C2BB85}" srcOrd="0" destOrd="0" parTransId="{830D836F-DF80-4E41-AF3F-21CC3E8E4EF2}" sibTransId="{DD1C8274-3095-435A-B7E9-C86DA96BDE64}"/>
+    <dgm:cxn modelId="{A743B165-EFB3-4A2B-9188-6DFA8B2E60AB}" srcId="{20F7D581-9EB2-498F-BE28-9D62195EAF83}" destId="{B5920376-0133-44CD-BB1B-6F53C130D637}" srcOrd="0" destOrd="0" parTransId="{E82A70DF-B649-4129-9355-DBF8312CF18F}" sibTransId="{73A56BD2-43C1-4062-A5A5-84091B9A63CC}"/>
+    <dgm:cxn modelId="{D17B6FC1-D9C2-4F35-8136-869ADDE06035}" srcId="{72D19D3A-74EA-46C0-A7EF-6D3CB88BB6E7}" destId="{0D4AF47E-FDAB-4C77-957D-7D203EA2A551}" srcOrd="0" destOrd="0" parTransId="{9CD69A6E-A2A3-461E-8653-B8D27DA8FB7C}" sibTransId="{0D727C4D-D6A3-41E4-AAA6-A4FD3C72ECE6}"/>
     <dgm:cxn modelId="{FBF9C739-9412-4585-8F14-F4D92428BCA3}" type="presOf" srcId="{B5920376-0133-44CD-BB1B-6F53C130D637}" destId="{B8A19F94-18F6-4D00-B053-8BF08839189F}" srcOrd="0" destOrd="0" presId="urn:microsoft.com/office/officeart/2005/8/layout/hProcess4"/>
-    <dgm:cxn modelId="{864C703B-D3FC-4566-883E-42340E00BE6D}" type="presOf" srcId="{928451A7-076A-4725-BC57-E98970B55362}" destId="{40A8A41C-CF7A-4E88-8EA7-EAA6AFD512F6}" srcOrd="0" destOrd="0" presId="urn:microsoft.com/office/officeart/2005/8/layout/hProcess4"/>
+    <dgm:cxn modelId="{AE3814E9-6976-4CC2-90CB-4D505E6271E7}" type="presOf" srcId="{11F904A3-BE7E-4610-85FF-791DB76C5662}" destId="{3B26D6A5-9D56-445C-B171-536ACA002E6A}" srcOrd="1" destOrd="0" presId="urn:microsoft.com/office/officeart/2005/8/layout/hProcess4"/>
     <dgm:cxn modelId="{DCA5503C-9910-48D2-9A1B-1E06CC883971}" type="presOf" srcId="{F9F5AE11-AF97-4245-99B1-53B38E0C3108}" destId="{BCCD055F-C4D8-4E1B-AEB8-AC963578358F}" srcOrd="1" destOrd="1" presId="urn:microsoft.com/office/officeart/2005/8/layout/hProcess4"/>
-    <dgm:cxn modelId="{7897605B-DE9F-4E05-9C51-68DB082DFD61}" srcId="{4BBBBA37-00AE-490F-BA4E-E9A756C4A0D7}" destId="{72D19D3A-74EA-46C0-A7EF-6D3CB88BB6E7}" srcOrd="4" destOrd="0" parTransId="{15EE5103-8F38-442F-9D49-C6051408C59D}" sibTransId="{16A5E339-9EC9-4A04-A091-62D697819434}"/>
-    <dgm:cxn modelId="{F1B6015C-A40C-4B07-ADFF-FCCBDEF8A703}" type="presOf" srcId="{0D4AF47E-FDAB-4C77-957D-7D203EA2A551}" destId="{BCC1B419-4A07-48CE-9943-567C3025AA4B}" srcOrd="1" destOrd="0" presId="urn:microsoft.com/office/officeart/2005/8/layout/hProcess4"/>
-    <dgm:cxn modelId="{BE340D61-28A6-4E10-B4BD-309F83AE9FD8}" type="presOf" srcId="{DD1C8274-3095-435A-B7E9-C86DA96BDE64}" destId="{943CED33-B477-41B6-8333-C0E815B32CCD}" srcOrd="0" destOrd="0" presId="urn:microsoft.com/office/officeart/2005/8/layout/hProcess4"/>
-    <dgm:cxn modelId="{A743B165-EFB3-4A2B-9188-6DFA8B2E60AB}" srcId="{20F7D581-9EB2-498F-BE28-9D62195EAF83}" destId="{B5920376-0133-44CD-BB1B-6F53C130D637}" srcOrd="0" destOrd="0" parTransId="{E82A70DF-B649-4129-9355-DBF8312CF18F}" sibTransId="{73A56BD2-43C1-4062-A5A5-84091B9A63CC}"/>
-    <dgm:cxn modelId="{E683F570-DC2B-4326-9DA0-584336C8C6D6}" type="presOf" srcId="{B5920376-0133-44CD-BB1B-6F53C130D637}" destId="{BCCD055F-C4D8-4E1B-AEB8-AC963578358F}" srcOrd="1" destOrd="0" presId="urn:microsoft.com/office/officeart/2005/8/layout/hProcess4"/>
-    <dgm:cxn modelId="{C5973D72-FB08-4B00-8516-F806514B4438}" srcId="{4BBBBA37-00AE-490F-BA4E-E9A756C4A0D7}" destId="{C0BBB20E-A547-490C-BFC3-F69C30C2BB85}" srcOrd="0" destOrd="0" parTransId="{830D836F-DF80-4E41-AF3F-21CC3E8E4EF2}" sibTransId="{DD1C8274-3095-435A-B7E9-C86DA96BDE64}"/>
-    <dgm:cxn modelId="{F470FB77-2A68-4E93-A413-B72BC643C21C}" srcId="{9D94179C-60CB-44C9-8000-C638CC90FBCC}" destId="{7CFCEB31-C53B-4076-9E89-71BB7C5206BB}" srcOrd="0" destOrd="0" parTransId="{BCAA30FB-3036-4175-919A-7AC87A5DFA25}" sibTransId="{E2E05416-EBA5-4CD9-8AA3-29C25936A1EA}"/>
-    <dgm:cxn modelId="{002EAD7A-751D-4A0E-8B80-3ED2E8BF0317}" srcId="{C0BBB20E-A547-490C-BFC3-F69C30C2BB85}" destId="{C742B16C-6774-4654-A307-2517E5970ED9}" srcOrd="0" destOrd="0" parTransId="{3F79200C-09D6-4579-940A-9925FCF29974}" sibTransId="{DB0BD340-6AE9-43AB-8228-82AD980D89BF}"/>
-    <dgm:cxn modelId="{555C2B7C-EBBB-4015-9A21-9AA3BA353080}" type="presOf" srcId="{4BBBBA37-00AE-490F-BA4E-E9A756C4A0D7}" destId="{7ABD661D-07C5-4739-AE45-6E1036C01B22}" srcOrd="0" destOrd="0" presId="urn:microsoft.com/office/officeart/2005/8/layout/hProcess4"/>
-    <dgm:cxn modelId="{A2DFE587-0EFA-4CCA-B87B-94DA33352EB2}" type="presOf" srcId="{F9F5AE11-AF97-4245-99B1-53B38E0C3108}" destId="{B8A19F94-18F6-4D00-B053-8BF08839189F}" srcOrd="0" destOrd="1" presId="urn:microsoft.com/office/officeart/2005/8/layout/hProcess4"/>
-    <dgm:cxn modelId="{1497608C-9EBF-4045-B5D2-B57D8503FD29}" srcId="{4BBBBA37-00AE-490F-BA4E-E9A756C4A0D7}" destId="{20F7D581-9EB2-498F-BE28-9D62195EAF83}" srcOrd="1" destOrd="0" parTransId="{E0FBE512-C1C4-4067-A1DE-34C9E33E9EB4}" sibTransId="{FCF39507-87BB-42FC-936E-7CB9C907446D}"/>
-    <dgm:cxn modelId="{13921B92-0D4F-4CF2-B922-D250CB9F7C6D}" type="presOf" srcId="{72D19D3A-74EA-46C0-A7EF-6D3CB88BB6E7}" destId="{1A803EBB-B33B-43CC-8CF8-F6DFA7F74C9F}" srcOrd="0" destOrd="0" presId="urn:microsoft.com/office/officeart/2005/8/layout/hProcess4"/>
-    <dgm:cxn modelId="{AFFF7C9B-0E77-4342-BDDF-B74DE7FEA928}" type="presOf" srcId="{C742B16C-6774-4654-A307-2517E5970ED9}" destId="{8901E0F4-0A59-4693-BCC0-AD691D9FB870}" srcOrd="0" destOrd="0" presId="urn:microsoft.com/office/officeart/2005/8/layout/hProcess4"/>
-    <dgm:cxn modelId="{838DFA9C-65AB-4608-A291-FF7157BB4A5F}" type="presOf" srcId="{11F904A3-BE7E-4610-85FF-791DB76C5662}" destId="{9131C415-ABC8-494A-BB4C-4189E2623C96}" srcOrd="0" destOrd="0" presId="urn:microsoft.com/office/officeart/2005/8/layout/hProcess4"/>
-    <dgm:cxn modelId="{A03A19A9-D08A-496E-94FC-7C1E2041B816}" type="presOf" srcId="{B690B119-AA95-4863-ACB5-0212ED679AB4}" destId="{E2AA8120-67F5-4F08-808C-C2FFDEEF3762}" srcOrd="0" destOrd="0" presId="urn:microsoft.com/office/officeart/2005/8/layout/hProcess4"/>
-    <dgm:cxn modelId="{839B22B2-CAF0-4A50-BE07-9D40E91536D6}" srcId="{20F7D581-9EB2-498F-BE28-9D62195EAF83}" destId="{F9F5AE11-AF97-4245-99B1-53B38E0C3108}" srcOrd="1" destOrd="0" parTransId="{0DC9D828-A9AB-4F2A-83AE-CB35FC67EA91}" sibTransId="{9498F83F-2569-4E78-864A-AF5A10617D12}"/>
-    <dgm:cxn modelId="{80D23CBD-CE2E-4319-87F9-C044F105CF34}" type="presOf" srcId="{75637A16-730E-4452-8190-67FB3226C504}" destId="{4D946BF7-5318-4B1E-AEBF-4A3CA2E290DB}" srcOrd="0" destOrd="0" presId="urn:microsoft.com/office/officeart/2005/8/layout/hProcess4"/>
-    <dgm:cxn modelId="{1A2CD6BD-4FB6-4C65-A31E-7C659272F5FF}" srcId="{4BBBBA37-00AE-490F-BA4E-E9A756C4A0D7}" destId="{928451A7-076A-4725-BC57-E98970B55362}" srcOrd="2" destOrd="0" parTransId="{605DBBC2-A198-4676-A0C6-4546B7A91B68}" sibTransId="{75637A16-730E-4452-8190-67FB3226C504}"/>
-    <dgm:cxn modelId="{265C04BF-DF6E-4114-8745-FF72DB8EAE85}" type="presOf" srcId="{0D4AF47E-FDAB-4C77-957D-7D203EA2A551}" destId="{9026B45C-ADFA-45DE-A14B-1C67CDA49329}" srcOrd="0" destOrd="0" presId="urn:microsoft.com/office/officeart/2005/8/layout/hProcess4"/>
-    <dgm:cxn modelId="{D17B6FC1-D9C2-4F35-8136-869ADDE06035}" srcId="{72D19D3A-74EA-46C0-A7EF-6D3CB88BB6E7}" destId="{0D4AF47E-FDAB-4C77-957D-7D203EA2A551}" srcOrd="0" destOrd="0" parTransId="{9CD69A6E-A2A3-461E-8653-B8D27DA8FB7C}" sibTransId="{0D727C4D-D6A3-41E4-AAA6-A4FD3C72ECE6}"/>
-    <dgm:cxn modelId="{F43A3FC7-6C79-41B4-B507-B5377A47A8F2}" type="presOf" srcId="{9D94179C-60CB-44C9-8000-C638CC90FBCC}" destId="{085190A6-FE74-486B-99A6-C2C9C6FC2B6B}" srcOrd="0" destOrd="0" presId="urn:microsoft.com/office/officeart/2005/8/layout/hProcess4"/>
-    <dgm:cxn modelId="{AE3814E9-6976-4CC2-90CB-4D505E6271E7}" type="presOf" srcId="{11F904A3-BE7E-4610-85FF-791DB76C5662}" destId="{3B26D6A5-9D56-445C-B171-536ACA002E6A}" srcOrd="1" destOrd="0" presId="urn:microsoft.com/office/officeart/2005/8/layout/hProcess4"/>
-    <dgm:cxn modelId="{C97277EB-6F23-4658-9BD4-F8C8D1CBABDB}" type="presOf" srcId="{7CFCEB31-C53B-4076-9E89-71BB7C5206BB}" destId="{F0C2F068-CF38-425A-B33E-3FD76DFE06E5}" srcOrd="0" destOrd="0" presId="urn:microsoft.com/office/officeart/2005/8/layout/hProcess4"/>
     <dgm:cxn modelId="{CF123FA8-86E9-4509-A8B2-836C24730797}" type="presParOf" srcId="{7ABD661D-07C5-4739-AE45-6E1036C01B22}" destId="{75F32423-9911-408A-B8A9-5D1154B5D7BF}" srcOrd="0" destOrd="0" presId="urn:microsoft.com/office/officeart/2005/8/layout/hProcess4"/>
     <dgm:cxn modelId="{8850E79F-00B9-4C54-9215-3D15B08153DD}" type="presParOf" srcId="{7ABD661D-07C5-4739-AE45-6E1036C01B22}" destId="{D241EEF2-5E0C-4DE4-A18D-25619EBD7B6F}" srcOrd="1" destOrd="0" presId="urn:microsoft.com/office/officeart/2005/8/layout/hProcess4"/>
     <dgm:cxn modelId="{1226809C-B779-4841-B727-3E10E011B6CB}" type="presParOf" srcId="{7ABD661D-07C5-4739-AE45-6E1036C01B22}" destId="{FC4CC419-9620-4012-97C5-A28BFD476CA1}" srcOrd="2" destOrd="0" presId="urn:microsoft.com/office/officeart/2005/8/layout/hProcess4"/>
@@ -5202,7 +5410,11 @@
         <a:p>
           <a:r>
             <a:rPr lang="fr-FR" dirty="0"/>
-            <a:t>Présentation (3 minutes)</a:t>
+            <a:t>Présentation </a:t>
+          </a:r>
+          <a:r>
+            <a:rPr lang="fr-FR" b="1" dirty="0"/>
+            <a:t>(3 minutes)</a:t>
           </a:r>
         </a:p>
       </dgm:t>
@@ -5238,6 +5450,13 @@
         </dgm:presLayoutVars>
       </dgm:prSet>
       <dgm:spPr/>
+      <dgm:t>
+        <a:bodyPr/>
+        <a:lstStyle/>
+        <a:p>
+          <a:endParaRPr lang="fr-FR"/>
+        </a:p>
+      </dgm:t>
     </dgm:pt>
     <dgm:pt modelId="{75F32423-9911-408A-B8A9-5D1154B5D7BF}" type="pres">
       <dgm:prSet presAssocID="{4BBBBA37-00AE-490F-BA4E-E9A756C4A0D7}" presName="tSp" presStyleCnt="0"/>
@@ -5266,6 +5485,13 @@
         </dgm:presLayoutVars>
       </dgm:prSet>
       <dgm:spPr/>
+      <dgm:t>
+        <a:bodyPr/>
+        <a:lstStyle/>
+        <a:p>
+          <a:endParaRPr lang="fr-FR"/>
+        </a:p>
+      </dgm:t>
     </dgm:pt>
     <dgm:pt modelId="{0CDE4C4E-2C62-4126-8CEE-77D153383F3B}" type="pres">
       <dgm:prSet presAssocID="{C0BBB20E-A547-490C-BFC3-F69C30C2BB85}" presName="childNode1tx" presStyleLbl="bgAcc1" presStyleIdx="0" presStyleCnt="5">
@@ -5274,6 +5500,13 @@
         </dgm:presLayoutVars>
       </dgm:prSet>
       <dgm:spPr/>
+      <dgm:t>
+        <a:bodyPr/>
+        <a:lstStyle/>
+        <a:p>
+          <a:endParaRPr lang="fr-FR"/>
+        </a:p>
+      </dgm:t>
     </dgm:pt>
     <dgm:pt modelId="{AB2A0A4B-2E62-43F5-874D-A858B18AD7BD}" type="pres">
       <dgm:prSet presAssocID="{C0BBB20E-A547-490C-BFC3-F69C30C2BB85}" presName="parentNode1" presStyleLbl="node1" presStyleIdx="0" presStyleCnt="5">
@@ -5283,6 +5516,13 @@
         </dgm:presLayoutVars>
       </dgm:prSet>
       <dgm:spPr/>
+      <dgm:t>
+        <a:bodyPr/>
+        <a:lstStyle/>
+        <a:p>
+          <a:endParaRPr lang="fr-FR"/>
+        </a:p>
+      </dgm:t>
     </dgm:pt>
     <dgm:pt modelId="{36C63541-11CA-440A-96C0-F62A9C797175}" type="pres">
       <dgm:prSet presAssocID="{C0BBB20E-A547-490C-BFC3-F69C30C2BB85}" presName="connSite1" presStyleCnt="0"/>
@@ -5291,6 +5531,13 @@
     <dgm:pt modelId="{943CED33-B477-41B6-8333-C0E815B32CCD}" type="pres">
       <dgm:prSet presAssocID="{DD1C8274-3095-435A-B7E9-C86DA96BDE64}" presName="Name9" presStyleLbl="sibTrans2D1" presStyleIdx="0" presStyleCnt="4"/>
       <dgm:spPr/>
+      <dgm:t>
+        <a:bodyPr/>
+        <a:lstStyle/>
+        <a:p>
+          <a:endParaRPr lang="fr-FR"/>
+        </a:p>
+      </dgm:t>
     </dgm:pt>
     <dgm:pt modelId="{DAE054FC-E8A5-4F66-B3DE-0F065A517B2B}" type="pres">
       <dgm:prSet presAssocID="{20F7D581-9EB2-498F-BE28-9D62195EAF83}" presName="composite2" presStyleCnt="0"/>
@@ -5307,6 +5554,13 @@
         </dgm:presLayoutVars>
       </dgm:prSet>
       <dgm:spPr/>
+      <dgm:t>
+        <a:bodyPr/>
+        <a:lstStyle/>
+        <a:p>
+          <a:endParaRPr lang="fr-FR"/>
+        </a:p>
+      </dgm:t>
     </dgm:pt>
     <dgm:pt modelId="{BCCD055F-C4D8-4E1B-AEB8-AC963578358F}" type="pres">
       <dgm:prSet presAssocID="{20F7D581-9EB2-498F-BE28-9D62195EAF83}" presName="childNode2tx" presStyleLbl="bgAcc1" presStyleIdx="1" presStyleCnt="5">
@@ -5315,6 +5569,13 @@
         </dgm:presLayoutVars>
       </dgm:prSet>
       <dgm:spPr/>
+      <dgm:t>
+        <a:bodyPr/>
+        <a:lstStyle/>
+        <a:p>
+          <a:endParaRPr lang="fr-FR"/>
+        </a:p>
+      </dgm:t>
     </dgm:pt>
     <dgm:pt modelId="{71BAD410-3299-44D0-A85A-DC3B57193168}" type="pres">
       <dgm:prSet presAssocID="{20F7D581-9EB2-498F-BE28-9D62195EAF83}" presName="parentNode2" presStyleLbl="node1" presStyleIdx="1" presStyleCnt="5">
@@ -5324,6 +5585,13 @@
         </dgm:presLayoutVars>
       </dgm:prSet>
       <dgm:spPr/>
+      <dgm:t>
+        <a:bodyPr/>
+        <a:lstStyle/>
+        <a:p>
+          <a:endParaRPr lang="fr-FR"/>
+        </a:p>
+      </dgm:t>
     </dgm:pt>
     <dgm:pt modelId="{89ADB8B3-B871-45E3-A9C2-130268780D69}" type="pres">
       <dgm:prSet presAssocID="{20F7D581-9EB2-498F-BE28-9D62195EAF83}" presName="connSite2" presStyleCnt="0"/>
@@ -5332,6 +5600,13 @@
     <dgm:pt modelId="{DC8BE73A-4F5A-421C-B33E-9320120B824C}" type="pres">
       <dgm:prSet presAssocID="{FCF39507-87BB-42FC-936E-7CB9C907446D}" presName="Name18" presStyleLbl="sibTrans2D1" presStyleIdx="1" presStyleCnt="4"/>
       <dgm:spPr/>
+      <dgm:t>
+        <a:bodyPr/>
+        <a:lstStyle/>
+        <a:p>
+          <a:endParaRPr lang="fr-FR"/>
+        </a:p>
+      </dgm:t>
     </dgm:pt>
     <dgm:pt modelId="{0643EB6C-F47F-4843-A806-EFCE9852E787}" type="pres">
       <dgm:prSet presAssocID="{928451A7-076A-4725-BC57-E98970B55362}" presName="composite1" presStyleCnt="0"/>
@@ -5348,6 +5623,13 @@
         </dgm:presLayoutVars>
       </dgm:prSet>
       <dgm:spPr/>
+      <dgm:t>
+        <a:bodyPr/>
+        <a:lstStyle/>
+        <a:p>
+          <a:endParaRPr lang="fr-FR"/>
+        </a:p>
+      </dgm:t>
     </dgm:pt>
     <dgm:pt modelId="{3B26D6A5-9D56-445C-B171-536ACA002E6A}" type="pres">
       <dgm:prSet presAssocID="{928451A7-076A-4725-BC57-E98970B55362}" presName="childNode1tx" presStyleLbl="bgAcc1" presStyleIdx="2" presStyleCnt="5">
@@ -5356,6 +5638,13 @@
         </dgm:presLayoutVars>
       </dgm:prSet>
       <dgm:spPr/>
+      <dgm:t>
+        <a:bodyPr/>
+        <a:lstStyle/>
+        <a:p>
+          <a:endParaRPr lang="fr-FR"/>
+        </a:p>
+      </dgm:t>
     </dgm:pt>
     <dgm:pt modelId="{40A8A41C-CF7A-4E88-8EA7-EAA6AFD512F6}" type="pres">
       <dgm:prSet presAssocID="{928451A7-076A-4725-BC57-E98970B55362}" presName="parentNode1" presStyleLbl="node1" presStyleIdx="2" presStyleCnt="5">
@@ -5365,6 +5654,13 @@
         </dgm:presLayoutVars>
       </dgm:prSet>
       <dgm:spPr/>
+      <dgm:t>
+        <a:bodyPr/>
+        <a:lstStyle/>
+        <a:p>
+          <a:endParaRPr lang="fr-FR"/>
+        </a:p>
+      </dgm:t>
     </dgm:pt>
     <dgm:pt modelId="{B473B88E-BDED-4B84-8518-6F2718D65E59}" type="pres">
       <dgm:prSet presAssocID="{928451A7-076A-4725-BC57-E98970B55362}" presName="connSite1" presStyleCnt="0"/>
@@ -5373,6 +5669,13 @@
     <dgm:pt modelId="{4D946BF7-5318-4B1E-AEBF-4A3CA2E290DB}" type="pres">
       <dgm:prSet presAssocID="{75637A16-730E-4452-8190-67FB3226C504}" presName="Name9" presStyleLbl="sibTrans2D1" presStyleIdx="2" presStyleCnt="4"/>
       <dgm:spPr/>
+      <dgm:t>
+        <a:bodyPr/>
+        <a:lstStyle/>
+        <a:p>
+          <a:endParaRPr lang="fr-FR"/>
+        </a:p>
+      </dgm:t>
     </dgm:pt>
     <dgm:pt modelId="{979512FD-18FE-4B5C-9D65-0C9D20754DDD}" type="pres">
       <dgm:prSet presAssocID="{9D94179C-60CB-44C9-8000-C638CC90FBCC}" presName="composite2" presStyleCnt="0"/>
@@ -5389,6 +5692,13 @@
         </dgm:presLayoutVars>
       </dgm:prSet>
       <dgm:spPr/>
+      <dgm:t>
+        <a:bodyPr/>
+        <a:lstStyle/>
+        <a:p>
+          <a:endParaRPr lang="fr-FR"/>
+        </a:p>
+      </dgm:t>
     </dgm:pt>
     <dgm:pt modelId="{0CEB224C-27D6-4E1E-B3D5-07A168A17481}" type="pres">
       <dgm:prSet presAssocID="{9D94179C-60CB-44C9-8000-C638CC90FBCC}" presName="childNode2tx" presStyleLbl="bgAcc1" presStyleIdx="3" presStyleCnt="5">
@@ -5397,6 +5707,13 @@
         </dgm:presLayoutVars>
       </dgm:prSet>
       <dgm:spPr/>
+      <dgm:t>
+        <a:bodyPr/>
+        <a:lstStyle/>
+        <a:p>
+          <a:endParaRPr lang="fr-FR"/>
+        </a:p>
+      </dgm:t>
     </dgm:pt>
     <dgm:pt modelId="{085190A6-FE74-486B-99A6-C2C9C6FC2B6B}" type="pres">
       <dgm:prSet presAssocID="{9D94179C-60CB-44C9-8000-C638CC90FBCC}" presName="parentNode2" presStyleLbl="node1" presStyleIdx="3" presStyleCnt="5">
@@ -5406,6 +5723,13 @@
         </dgm:presLayoutVars>
       </dgm:prSet>
       <dgm:spPr/>
+      <dgm:t>
+        <a:bodyPr/>
+        <a:lstStyle/>
+        <a:p>
+          <a:endParaRPr lang="fr-FR"/>
+        </a:p>
+      </dgm:t>
     </dgm:pt>
     <dgm:pt modelId="{6B793E1C-464B-41BF-BF58-D75084E9B5F0}" type="pres">
       <dgm:prSet presAssocID="{9D94179C-60CB-44C9-8000-C638CC90FBCC}" presName="connSite2" presStyleCnt="0"/>
@@ -5414,6 +5738,13 @@
     <dgm:pt modelId="{E2AA8120-67F5-4F08-808C-C2FFDEEF3762}" type="pres">
       <dgm:prSet presAssocID="{B690B119-AA95-4863-ACB5-0212ED679AB4}" presName="Name18" presStyleLbl="sibTrans2D1" presStyleIdx="3" presStyleCnt="4"/>
       <dgm:spPr/>
+      <dgm:t>
+        <a:bodyPr/>
+        <a:lstStyle/>
+        <a:p>
+          <a:endParaRPr lang="fr-FR"/>
+        </a:p>
+      </dgm:t>
     </dgm:pt>
     <dgm:pt modelId="{264659D7-04C8-42D4-B98D-4E2EE7C455D6}" type="pres">
       <dgm:prSet presAssocID="{72D19D3A-74EA-46C0-A7EF-6D3CB88BB6E7}" presName="composite1" presStyleCnt="0"/>
@@ -5430,6 +5761,13 @@
         </dgm:presLayoutVars>
       </dgm:prSet>
       <dgm:spPr/>
+      <dgm:t>
+        <a:bodyPr/>
+        <a:lstStyle/>
+        <a:p>
+          <a:endParaRPr lang="fr-FR"/>
+        </a:p>
+      </dgm:t>
     </dgm:pt>
     <dgm:pt modelId="{BCC1B419-4A07-48CE-9943-567C3025AA4B}" type="pres">
       <dgm:prSet presAssocID="{72D19D3A-74EA-46C0-A7EF-6D3CB88BB6E7}" presName="childNode1tx" presStyleLbl="bgAcc1" presStyleIdx="4" presStyleCnt="5">
@@ -5438,6 +5776,13 @@
         </dgm:presLayoutVars>
       </dgm:prSet>
       <dgm:spPr/>
+      <dgm:t>
+        <a:bodyPr/>
+        <a:lstStyle/>
+        <a:p>
+          <a:endParaRPr lang="fr-FR"/>
+        </a:p>
+      </dgm:t>
     </dgm:pt>
     <dgm:pt modelId="{1A803EBB-B33B-43CC-8CF8-F6DFA7F74C9F}" type="pres">
       <dgm:prSet presAssocID="{72D19D3A-74EA-46C0-A7EF-6D3CB88BB6E7}" presName="parentNode1" presStyleLbl="node1" presStyleIdx="4" presStyleCnt="5">
@@ -5447,6 +5792,13 @@
         </dgm:presLayoutVars>
       </dgm:prSet>
       <dgm:spPr/>
+      <dgm:t>
+        <a:bodyPr/>
+        <a:lstStyle/>
+        <a:p>
+          <a:endParaRPr lang="fr-FR"/>
+        </a:p>
+      </dgm:t>
     </dgm:pt>
     <dgm:pt modelId="{D6AC3102-16E7-4603-A29F-989E079D7077}" type="pres">
       <dgm:prSet presAssocID="{72D19D3A-74EA-46C0-A7EF-6D3CB88BB6E7}" presName="connSite1" presStyleCnt="0"/>
@@ -5454,60 +5806,60 @@
     </dgm:pt>
   </dgm:ptLst>
   <dgm:cxnLst>
-    <dgm:cxn modelId="{3228E000-8C8D-4FC1-BE09-2CB2D43274CF}" type="presOf" srcId="{20F7D581-9EB2-498F-BE28-9D62195EAF83}" destId="{71BAD410-3299-44D0-A85A-DC3B57193168}" srcOrd="0" destOrd="0" presId="urn:microsoft.com/office/officeart/2005/8/layout/hProcess4"/>
+    <dgm:cxn modelId="{AFFF7C9B-0E77-4342-BDDF-B74DE7FEA928}" type="presOf" srcId="{C742B16C-6774-4654-A307-2517E5970ED9}" destId="{8901E0F4-0A59-4693-BCC0-AD691D9FB870}" srcOrd="0" destOrd="0" presId="urn:microsoft.com/office/officeart/2005/8/layout/hProcess4"/>
+    <dgm:cxn modelId="{80D23CBD-CE2E-4319-87F9-C044F105CF34}" type="presOf" srcId="{75637A16-730E-4452-8190-67FB3226C504}" destId="{4D946BF7-5318-4B1E-AEBF-4A3CA2E290DB}" srcOrd="0" destOrd="0" presId="urn:microsoft.com/office/officeart/2005/8/layout/hProcess4"/>
+    <dgm:cxn modelId="{70FCD421-2521-424F-B9BC-061AF450C2F8}" type="presOf" srcId="{C742B16C-6774-4654-A307-2517E5970ED9}" destId="{0CDE4C4E-2C62-4126-8CEE-77D153383F3B}" srcOrd="1" destOrd="0" presId="urn:microsoft.com/office/officeart/2005/8/layout/hProcess4"/>
+    <dgm:cxn modelId="{0ACA2444-26E0-4640-8CC7-AB33AA1DAD47}" type="presOf" srcId="{F13B1487-2412-4E08-99C9-67C2BCBDEA4A}" destId="{0CDE4C4E-2C62-4126-8CEE-77D153383F3B}" srcOrd="1" destOrd="2" presId="urn:microsoft.com/office/officeart/2005/8/layout/hProcess4"/>
+    <dgm:cxn modelId="{D17B6FC1-D9C2-4F35-8136-869ADDE06035}" srcId="{72D19D3A-74EA-46C0-A7EF-6D3CB88BB6E7}" destId="{0D4AF47E-FDAB-4C77-957D-7D203EA2A551}" srcOrd="0" destOrd="0" parTransId="{9CD69A6E-A2A3-461E-8653-B8D27DA8FB7C}" sibTransId="{0D727C4D-D6A3-41E4-AAA6-A4FD3C72ECE6}"/>
+    <dgm:cxn modelId="{8CB1F4BA-D601-4E13-A50B-3A70EAC68341}" type="presOf" srcId="{D9322475-296B-4DB3-B8CB-A37D16B0CCC5}" destId="{9026B45C-ADFA-45DE-A14B-1C67CDA49329}" srcOrd="0" destOrd="1" presId="urn:microsoft.com/office/officeart/2005/8/layout/hProcess4"/>
     <dgm:cxn modelId="{E260010D-46B0-46C2-93B1-54EE897A6300}" type="presOf" srcId="{FCF39507-87BB-42FC-936E-7CB9C907446D}" destId="{DC8BE73A-4F5A-421C-B33E-9320120B824C}" srcOrd="0" destOrd="0" presId="urn:microsoft.com/office/officeart/2005/8/layout/hProcess4"/>
-    <dgm:cxn modelId="{745C2710-AEC2-4077-8999-F61D41E0B39E}" type="presOf" srcId="{C0BBB20E-A547-490C-BFC3-F69C30C2BB85}" destId="{AB2A0A4B-2E62-43F5-874D-A858B18AD7BD}" srcOrd="0" destOrd="0" presId="urn:microsoft.com/office/officeart/2005/8/layout/hProcess4"/>
-    <dgm:cxn modelId="{ECFDC616-8CDF-4EA1-BB1D-FA2DF950B96F}" srcId="{4BBBBA37-00AE-490F-BA4E-E9A756C4A0D7}" destId="{9D94179C-60CB-44C9-8000-C638CC90FBCC}" srcOrd="3" destOrd="0" parTransId="{FA25C7AC-CD09-4865-B0C2-AE65C69B976D}" sibTransId="{B690B119-AA95-4863-ACB5-0212ED679AB4}"/>
-    <dgm:cxn modelId="{70FCD421-2521-424F-B9BC-061AF450C2F8}" type="presOf" srcId="{C742B16C-6774-4654-A307-2517E5970ED9}" destId="{0CDE4C4E-2C62-4126-8CEE-77D153383F3B}" srcOrd="1" destOrd="0" presId="urn:microsoft.com/office/officeart/2005/8/layout/hProcess4"/>
-    <dgm:cxn modelId="{DB37CD2A-171A-4EDF-AE2B-5E79EBACFD5B}" srcId="{928451A7-076A-4725-BC57-E98970B55362}" destId="{8DAB84D0-1232-4525-835D-427DF83AEF9C}" srcOrd="2" destOrd="0" parTransId="{66223C22-9641-4203-8CF8-F17D221D4CC1}" sibTransId="{46C6073C-0DC6-4E2E-AF22-F533CD0D8D76}"/>
-    <dgm:cxn modelId="{21EEA131-555A-4801-A607-FBD385939B0A}" srcId="{928451A7-076A-4725-BC57-E98970B55362}" destId="{11F904A3-BE7E-4610-85FF-791DB76C5662}" srcOrd="0" destOrd="0" parTransId="{03E9A0DC-5904-496A-AAF6-356D4EB9E2C7}" sibTransId="{AA783ABE-4698-4A43-ACFE-2F0CA6278420}"/>
+    <dgm:cxn modelId="{C9483CCC-F04E-41A4-BC9B-839EAF8C71E4}" type="presOf" srcId="{8DAB84D0-1232-4525-835D-427DF83AEF9C}" destId="{9131C415-ABC8-494A-BB4C-4189E2623C96}" srcOrd="0" destOrd="2" presId="urn:microsoft.com/office/officeart/2005/8/layout/hProcess4"/>
+    <dgm:cxn modelId="{F43A3FC7-6C79-41B4-B507-B5377A47A8F2}" type="presOf" srcId="{9D94179C-60CB-44C9-8000-C638CC90FBCC}" destId="{085190A6-FE74-486B-99A6-C2C9C6FC2B6B}" srcOrd="0" destOrd="0" presId="urn:microsoft.com/office/officeart/2005/8/layout/hProcess4"/>
+    <dgm:cxn modelId="{A2DFE587-0EFA-4CCA-B87B-94DA33352EB2}" type="presOf" srcId="{F9F5AE11-AF97-4245-99B1-53B38E0C3108}" destId="{B8A19F94-18F6-4D00-B053-8BF08839189F}" srcOrd="0" destOrd="2" presId="urn:microsoft.com/office/officeart/2005/8/layout/hProcess4"/>
+    <dgm:cxn modelId="{A5BE503C-E8E6-47E1-B911-A7E285B72E93}" type="presOf" srcId="{148DC79C-4EEA-43CF-BADE-659389EC8CCC}" destId="{B8A19F94-18F6-4D00-B053-8BF08839189F}" srcOrd="0" destOrd="1" presId="urn:microsoft.com/office/officeart/2005/8/layout/hProcess4"/>
+    <dgm:cxn modelId="{658C8A97-82E5-4674-8ED0-64BFCCDCBEC3}" type="presOf" srcId="{8DAB84D0-1232-4525-835D-427DF83AEF9C}" destId="{3B26D6A5-9D56-445C-B171-536ACA002E6A}" srcOrd="1" destOrd="2" presId="urn:microsoft.com/office/officeart/2005/8/layout/hProcess4"/>
+    <dgm:cxn modelId="{839B22B2-CAF0-4A50-BE07-9D40E91536D6}" srcId="{20F7D581-9EB2-498F-BE28-9D62195EAF83}" destId="{F9F5AE11-AF97-4245-99B1-53B38E0C3108}" srcOrd="2" destOrd="0" parTransId="{0DC9D828-A9AB-4F2A-83AE-CB35FC67EA91}" sibTransId="{9498F83F-2569-4E78-864A-AF5A10617D12}"/>
+    <dgm:cxn modelId="{89E90838-B3EB-4AAA-8D15-4D187ADDBC24}" srcId="{20F7D581-9EB2-498F-BE28-9D62195EAF83}" destId="{148DC79C-4EEA-43CF-BADE-659389EC8CCC}" srcOrd="1" destOrd="0" parTransId="{93F49CA4-65A7-42FD-8AC9-5CBA10152A5A}" sibTransId="{987AB886-30FC-4929-AFA2-85A0536B5275}"/>
+    <dgm:cxn modelId="{7897605B-DE9F-4E05-9C51-68DB082DFD61}" srcId="{4BBBBA37-00AE-490F-BA4E-E9A756C4A0D7}" destId="{72D19D3A-74EA-46C0-A7EF-6D3CB88BB6E7}" srcOrd="4" destOrd="0" parTransId="{15EE5103-8F38-442F-9D49-C6051408C59D}" sibTransId="{16A5E339-9EC9-4A04-A091-62D697819434}"/>
+    <dgm:cxn modelId="{C8B22B49-CC6C-4CC7-B1A3-9980D2423C47}" srcId="{C0BBB20E-A547-490C-BFC3-F69C30C2BB85}" destId="{F13B1487-2412-4E08-99C9-67C2BCBDEA4A}" srcOrd="2" destOrd="0" parTransId="{D2C1CF47-F1CF-41FD-863C-436CAB276BF5}" sibTransId="{0DA945F7-3BBA-45C9-BADE-9D9D10D8009B}"/>
+    <dgm:cxn modelId="{A03A19A9-D08A-496E-94FC-7C1E2041B816}" type="presOf" srcId="{B690B119-AA95-4863-ACB5-0212ED679AB4}" destId="{E2AA8120-67F5-4F08-808C-C2FFDEEF3762}" srcOrd="0" destOrd="0" presId="urn:microsoft.com/office/officeart/2005/8/layout/hProcess4"/>
+    <dgm:cxn modelId="{002EAD7A-751D-4A0E-8B80-3ED2E8BF0317}" srcId="{C0BBB20E-A547-490C-BFC3-F69C30C2BB85}" destId="{C742B16C-6774-4654-A307-2517E5970ED9}" srcOrd="0" destOrd="0" parTransId="{3F79200C-09D6-4579-940A-9925FCF29974}" sibTransId="{DB0BD340-6AE9-43AB-8228-82AD980D89BF}"/>
+    <dgm:cxn modelId="{C5973D72-FB08-4B00-8516-F806514B4438}" srcId="{4BBBBA37-00AE-490F-BA4E-E9A756C4A0D7}" destId="{C0BBB20E-A547-490C-BFC3-F69C30C2BB85}" srcOrd="0" destOrd="0" parTransId="{830D836F-DF80-4E41-AF3F-21CC3E8E4EF2}" sibTransId="{DD1C8274-3095-435A-B7E9-C86DA96BDE64}"/>
+    <dgm:cxn modelId="{F470FB77-2A68-4E93-A413-B72BC643C21C}" srcId="{9D94179C-60CB-44C9-8000-C638CC90FBCC}" destId="{7CFCEB31-C53B-4076-9E89-71BB7C5206BB}" srcOrd="0" destOrd="0" parTransId="{BCAA30FB-3036-4175-919A-7AC87A5DFA25}" sibTransId="{E2E05416-EBA5-4CD9-8AA3-29C25936A1EA}"/>
+    <dgm:cxn modelId="{BE340D61-28A6-4E10-B4BD-309F83AE9FD8}" type="presOf" srcId="{DD1C8274-3095-435A-B7E9-C86DA96BDE64}" destId="{943CED33-B477-41B6-8333-C0E815B32CCD}" srcOrd="0" destOrd="0" presId="urn:microsoft.com/office/officeart/2005/8/layout/hProcess4"/>
+    <dgm:cxn modelId="{E683F570-DC2B-4326-9DA0-584336C8C6D6}" type="presOf" srcId="{B5920376-0133-44CD-BB1B-6F53C130D637}" destId="{BCCD055F-C4D8-4E1B-AEB8-AC963578358F}" srcOrd="1" destOrd="0" presId="urn:microsoft.com/office/officeart/2005/8/layout/hProcess4"/>
+    <dgm:cxn modelId="{D2AF2756-91EA-4946-BD2F-56B8BD2544F9}" type="presOf" srcId="{FE9C8349-5541-4A07-AD12-86C062C0E230}" destId="{3B26D6A5-9D56-445C-B171-536ACA002E6A}" srcOrd="1" destOrd="1" presId="urn:microsoft.com/office/officeart/2005/8/layout/hProcess4"/>
+    <dgm:cxn modelId="{6C1568E0-2E3D-445E-8201-5D1B60F0118D}" type="presOf" srcId="{8B357BF4-9F6B-41DA-AC00-06C721727CC4}" destId="{0CEB224C-27D6-4E1E-B3D5-07A168A17481}" srcOrd="1" destOrd="1" presId="urn:microsoft.com/office/officeart/2005/8/layout/hProcess4"/>
+    <dgm:cxn modelId="{864C703B-D3FC-4566-883E-42340E00BE6D}" type="presOf" srcId="{928451A7-076A-4725-BC57-E98970B55362}" destId="{40A8A41C-CF7A-4E88-8EA7-EAA6AFD512F6}" srcOrd="0" destOrd="0" presId="urn:microsoft.com/office/officeart/2005/8/layout/hProcess4"/>
+    <dgm:cxn modelId="{A4A6564B-C371-4F9F-B066-1639325111C0}" type="presOf" srcId="{F13B1487-2412-4E08-99C9-67C2BCBDEA4A}" destId="{8901E0F4-0A59-4693-BCC0-AD691D9FB870}" srcOrd="0" destOrd="2" presId="urn:microsoft.com/office/officeart/2005/8/layout/hProcess4"/>
     <dgm:cxn modelId="{E482A634-3C45-439E-A37A-3BB451581B53}" srcId="{928451A7-076A-4725-BC57-E98970B55362}" destId="{FE9C8349-5541-4A07-AD12-86C062C0E230}" srcOrd="1" destOrd="0" parTransId="{D86E542B-235B-4FEB-8647-F7C8AADC72DD}" sibTransId="{C43EF2FA-EE72-4138-B119-3A8414090AEA}"/>
-    <dgm:cxn modelId="{94B4AD35-07BC-4BD5-BA48-4DA3352B804F}" type="presOf" srcId="{7CFCEB31-C53B-4076-9E89-71BB7C5206BB}" destId="{0CEB224C-27D6-4E1E-B3D5-07A168A17481}" srcOrd="1" destOrd="0" presId="urn:microsoft.com/office/officeart/2005/8/layout/hProcess4"/>
-    <dgm:cxn modelId="{89E90838-B3EB-4AAA-8D15-4D187ADDBC24}" srcId="{20F7D581-9EB2-498F-BE28-9D62195EAF83}" destId="{148DC79C-4EEA-43CF-BADE-659389EC8CCC}" srcOrd="1" destOrd="0" parTransId="{93F49CA4-65A7-42FD-8AC9-5CBA10152A5A}" sibTransId="{987AB886-30FC-4929-AFA2-85A0536B5275}"/>
-    <dgm:cxn modelId="{FBF9C739-9412-4585-8F14-F4D92428BCA3}" type="presOf" srcId="{B5920376-0133-44CD-BB1B-6F53C130D637}" destId="{B8A19F94-18F6-4D00-B053-8BF08839189F}" srcOrd="0" destOrd="0" presId="urn:microsoft.com/office/officeart/2005/8/layout/hProcess4"/>
-    <dgm:cxn modelId="{864C703B-D3FC-4566-883E-42340E00BE6D}" type="presOf" srcId="{928451A7-076A-4725-BC57-E98970B55362}" destId="{40A8A41C-CF7A-4E88-8EA7-EAA6AFD512F6}" srcOrd="0" destOrd="0" presId="urn:microsoft.com/office/officeart/2005/8/layout/hProcess4"/>
+    <dgm:cxn modelId="{21B1ED67-366C-4183-8AF4-00523A5B1174}" type="presOf" srcId="{FE9C8349-5541-4A07-AD12-86C062C0E230}" destId="{9131C415-ABC8-494A-BB4C-4189E2623C96}" srcOrd="0" destOrd="1" presId="urn:microsoft.com/office/officeart/2005/8/layout/hProcess4"/>
+    <dgm:cxn modelId="{1497608C-9EBF-4045-B5D2-B57D8503FD29}" srcId="{4BBBBA37-00AE-490F-BA4E-E9A756C4A0D7}" destId="{20F7D581-9EB2-498F-BE28-9D62195EAF83}" srcOrd="1" destOrd="0" parTransId="{E0FBE512-C1C4-4067-A1DE-34C9E33E9EB4}" sibTransId="{FCF39507-87BB-42FC-936E-7CB9C907446D}"/>
     <dgm:cxn modelId="{DCA5503C-9910-48D2-9A1B-1E06CC883971}" type="presOf" srcId="{F9F5AE11-AF97-4245-99B1-53B38E0C3108}" destId="{BCCD055F-C4D8-4E1B-AEB8-AC963578358F}" srcOrd="1" destOrd="2" presId="urn:microsoft.com/office/officeart/2005/8/layout/hProcess4"/>
-    <dgm:cxn modelId="{A5BE503C-E8E6-47E1-B911-A7E285B72E93}" type="presOf" srcId="{148DC79C-4EEA-43CF-BADE-659389EC8CCC}" destId="{B8A19F94-18F6-4D00-B053-8BF08839189F}" srcOrd="0" destOrd="1" presId="urn:microsoft.com/office/officeart/2005/8/layout/hProcess4"/>
-    <dgm:cxn modelId="{7897605B-DE9F-4E05-9C51-68DB082DFD61}" srcId="{4BBBBA37-00AE-490F-BA4E-E9A756C4A0D7}" destId="{72D19D3A-74EA-46C0-A7EF-6D3CB88BB6E7}" srcOrd="4" destOrd="0" parTransId="{15EE5103-8F38-442F-9D49-C6051408C59D}" sibTransId="{16A5E339-9EC9-4A04-A091-62D697819434}"/>
-    <dgm:cxn modelId="{F1B6015C-A40C-4B07-ADFF-FCCBDEF8A703}" type="presOf" srcId="{0D4AF47E-FDAB-4C77-957D-7D203EA2A551}" destId="{BCC1B419-4A07-48CE-9943-567C3025AA4B}" srcOrd="1" destOrd="0" presId="urn:microsoft.com/office/officeart/2005/8/layout/hProcess4"/>
-    <dgm:cxn modelId="{BE340D61-28A6-4E10-B4BD-309F83AE9FD8}" type="presOf" srcId="{DD1C8274-3095-435A-B7E9-C86DA96BDE64}" destId="{943CED33-B477-41B6-8333-C0E815B32CCD}" srcOrd="0" destOrd="0" presId="urn:microsoft.com/office/officeart/2005/8/layout/hProcess4"/>
-    <dgm:cxn modelId="{0ACA2444-26E0-4640-8CC7-AB33AA1DAD47}" type="presOf" srcId="{F13B1487-2412-4E08-99C9-67C2BCBDEA4A}" destId="{0CDE4C4E-2C62-4126-8CEE-77D153383F3B}" srcOrd="1" destOrd="2" presId="urn:microsoft.com/office/officeart/2005/8/layout/hProcess4"/>
-    <dgm:cxn modelId="{A743B165-EFB3-4A2B-9188-6DFA8B2E60AB}" srcId="{20F7D581-9EB2-498F-BE28-9D62195EAF83}" destId="{B5920376-0133-44CD-BB1B-6F53C130D637}" srcOrd="0" destOrd="0" parTransId="{E82A70DF-B649-4129-9355-DBF8312CF18F}" sibTransId="{73A56BD2-43C1-4062-A5A5-84091B9A63CC}"/>
-    <dgm:cxn modelId="{21B1ED67-366C-4183-8AF4-00523A5B1174}" type="presOf" srcId="{FE9C8349-5541-4A07-AD12-86C062C0E230}" destId="{9131C415-ABC8-494A-BB4C-4189E2623C96}" srcOrd="0" destOrd="1" presId="urn:microsoft.com/office/officeart/2005/8/layout/hProcess4"/>
-    <dgm:cxn modelId="{C8B22B49-CC6C-4CC7-B1A3-9980D2423C47}" srcId="{C0BBB20E-A547-490C-BFC3-F69C30C2BB85}" destId="{F13B1487-2412-4E08-99C9-67C2BCBDEA4A}" srcOrd="2" destOrd="0" parTransId="{D2C1CF47-F1CF-41FD-863C-436CAB276BF5}" sibTransId="{0DA945F7-3BBA-45C9-BADE-9D9D10D8009B}"/>
-    <dgm:cxn modelId="{A4A6564B-C371-4F9F-B066-1639325111C0}" type="presOf" srcId="{F13B1487-2412-4E08-99C9-67C2BCBDEA4A}" destId="{8901E0F4-0A59-4693-BCC0-AD691D9FB870}" srcOrd="0" destOrd="2" presId="urn:microsoft.com/office/officeart/2005/8/layout/hProcess4"/>
-    <dgm:cxn modelId="{E89FE86D-E9A0-4F12-A590-68AB9F146FB2}" type="presOf" srcId="{D9322475-296B-4DB3-B8CB-A37D16B0CCC5}" destId="{BCC1B419-4A07-48CE-9943-567C3025AA4B}" srcOrd="1" destOrd="1" presId="urn:microsoft.com/office/officeart/2005/8/layout/hProcess4"/>
-    <dgm:cxn modelId="{E683F570-DC2B-4326-9DA0-584336C8C6D6}" type="presOf" srcId="{B5920376-0133-44CD-BB1B-6F53C130D637}" destId="{BCCD055F-C4D8-4E1B-AEB8-AC963578358F}" srcOrd="1" destOrd="0" presId="urn:microsoft.com/office/officeart/2005/8/layout/hProcess4"/>
-    <dgm:cxn modelId="{C5973D72-FB08-4B00-8516-F806514B4438}" srcId="{4BBBBA37-00AE-490F-BA4E-E9A756C4A0D7}" destId="{C0BBB20E-A547-490C-BFC3-F69C30C2BB85}" srcOrd="0" destOrd="0" parTransId="{830D836F-DF80-4E41-AF3F-21CC3E8E4EF2}" sibTransId="{DD1C8274-3095-435A-B7E9-C86DA96BDE64}"/>
-    <dgm:cxn modelId="{4837E752-3F23-4D39-B139-676E4BD7D655}" srcId="{C0BBB20E-A547-490C-BFC3-F69C30C2BB85}" destId="{A8413DF9-56B9-4C60-B3CC-C6279AA9DB31}" srcOrd="1" destOrd="0" parTransId="{BFBB27DB-4F08-40E3-A64D-E6DBEFBF4140}" sibTransId="{1140EB32-5F55-4501-AE6F-0BEE35CC03BC}"/>
     <dgm:cxn modelId="{78AA7A53-A1F0-47E6-9B77-B202EA49C9D4}" type="presOf" srcId="{8B357BF4-9F6B-41DA-AC00-06C721727CC4}" destId="{F0C2F068-CF38-425A-B33E-3FD76DFE06E5}" srcOrd="0" destOrd="1" presId="urn:microsoft.com/office/officeart/2005/8/layout/hProcess4"/>
     <dgm:cxn modelId="{D0949473-B194-4546-8E86-808091D73F76}" srcId="{72D19D3A-74EA-46C0-A7EF-6D3CB88BB6E7}" destId="{D9322475-296B-4DB3-B8CB-A37D16B0CCC5}" srcOrd="1" destOrd="0" parTransId="{36777342-3451-4820-A2D9-690CFCC4EAFA}" sibTransId="{119C61CF-A5C0-4ED8-B600-C9AFDEC1C9D8}"/>
-    <dgm:cxn modelId="{D2AF2756-91EA-4946-BD2F-56B8BD2544F9}" type="presOf" srcId="{FE9C8349-5541-4A07-AD12-86C062C0E230}" destId="{3B26D6A5-9D56-445C-B171-536ACA002E6A}" srcOrd="1" destOrd="1" presId="urn:microsoft.com/office/officeart/2005/8/layout/hProcess4"/>
-    <dgm:cxn modelId="{F470FB77-2A68-4E93-A413-B72BC643C21C}" srcId="{9D94179C-60CB-44C9-8000-C638CC90FBCC}" destId="{7CFCEB31-C53B-4076-9E89-71BB7C5206BB}" srcOrd="0" destOrd="0" parTransId="{BCAA30FB-3036-4175-919A-7AC87A5DFA25}" sibTransId="{E2E05416-EBA5-4CD9-8AA3-29C25936A1EA}"/>
-    <dgm:cxn modelId="{002EAD7A-751D-4A0E-8B80-3ED2E8BF0317}" srcId="{C0BBB20E-A547-490C-BFC3-F69C30C2BB85}" destId="{C742B16C-6774-4654-A307-2517E5970ED9}" srcOrd="0" destOrd="0" parTransId="{3F79200C-09D6-4579-940A-9925FCF29974}" sibTransId="{DB0BD340-6AE9-43AB-8228-82AD980D89BF}"/>
+    <dgm:cxn modelId="{DB37CD2A-171A-4EDF-AE2B-5E79EBACFD5B}" srcId="{928451A7-076A-4725-BC57-E98970B55362}" destId="{8DAB84D0-1232-4525-835D-427DF83AEF9C}" srcOrd="2" destOrd="0" parTransId="{66223C22-9641-4203-8CF8-F17D221D4CC1}" sibTransId="{46C6073C-0DC6-4E2E-AF22-F533CD0D8D76}"/>
+    <dgm:cxn modelId="{A743B165-EFB3-4A2B-9188-6DFA8B2E60AB}" srcId="{20F7D581-9EB2-498F-BE28-9D62195EAF83}" destId="{B5920376-0133-44CD-BB1B-6F53C130D637}" srcOrd="0" destOrd="0" parTransId="{E82A70DF-B649-4129-9355-DBF8312CF18F}" sibTransId="{73A56BD2-43C1-4062-A5A5-84091B9A63CC}"/>
+    <dgm:cxn modelId="{E7F51A95-644E-4CCD-B975-7FB3FBC3D14D}" srcId="{9D94179C-60CB-44C9-8000-C638CC90FBCC}" destId="{8B357BF4-9F6B-41DA-AC00-06C721727CC4}" srcOrd="1" destOrd="0" parTransId="{8049E6DB-7235-46A3-9A01-D9B8825D7FBE}" sibTransId="{2FE3F632-0420-4B99-82E5-A7F74116C1F1}"/>
+    <dgm:cxn modelId="{265C04BF-DF6E-4114-8745-FF72DB8EAE85}" type="presOf" srcId="{0D4AF47E-FDAB-4C77-957D-7D203EA2A551}" destId="{9026B45C-ADFA-45DE-A14B-1C67CDA49329}" srcOrd="0" destOrd="0" presId="urn:microsoft.com/office/officeart/2005/8/layout/hProcess4"/>
     <dgm:cxn modelId="{555C2B7C-EBBB-4015-9A21-9AA3BA353080}" type="presOf" srcId="{4BBBBA37-00AE-490F-BA4E-E9A756C4A0D7}" destId="{7ABD661D-07C5-4739-AE45-6E1036C01B22}" srcOrd="0" destOrd="0" presId="urn:microsoft.com/office/officeart/2005/8/layout/hProcess4"/>
-    <dgm:cxn modelId="{A2DFE587-0EFA-4CCA-B87B-94DA33352EB2}" type="presOf" srcId="{F9F5AE11-AF97-4245-99B1-53B38E0C3108}" destId="{B8A19F94-18F6-4D00-B053-8BF08839189F}" srcOrd="0" destOrd="2" presId="urn:microsoft.com/office/officeart/2005/8/layout/hProcess4"/>
-    <dgm:cxn modelId="{1497608C-9EBF-4045-B5D2-B57D8503FD29}" srcId="{4BBBBA37-00AE-490F-BA4E-E9A756C4A0D7}" destId="{20F7D581-9EB2-498F-BE28-9D62195EAF83}" srcOrd="1" destOrd="0" parTransId="{E0FBE512-C1C4-4067-A1DE-34C9E33E9EB4}" sibTransId="{FCF39507-87BB-42FC-936E-7CB9C907446D}"/>
+    <dgm:cxn modelId="{9FB5A393-4204-4957-8862-370D233FA313}" type="presOf" srcId="{A8413DF9-56B9-4C60-B3CC-C6279AA9DB31}" destId="{0CDE4C4E-2C62-4126-8CEE-77D153383F3B}" srcOrd="1" destOrd="1" presId="urn:microsoft.com/office/officeart/2005/8/layout/hProcess4"/>
     <dgm:cxn modelId="{13921B92-0D4F-4CF2-B922-D250CB9F7C6D}" type="presOf" srcId="{72D19D3A-74EA-46C0-A7EF-6D3CB88BB6E7}" destId="{1A803EBB-B33B-43CC-8CF8-F6DFA7F74C9F}" srcOrd="0" destOrd="0" presId="urn:microsoft.com/office/officeart/2005/8/layout/hProcess4"/>
-    <dgm:cxn modelId="{9FB5A393-4204-4957-8862-370D233FA313}" type="presOf" srcId="{A8413DF9-56B9-4C60-B3CC-C6279AA9DB31}" destId="{0CDE4C4E-2C62-4126-8CEE-77D153383F3B}" srcOrd="1" destOrd="1" presId="urn:microsoft.com/office/officeart/2005/8/layout/hProcess4"/>
-    <dgm:cxn modelId="{E7F51A95-644E-4CCD-B975-7FB3FBC3D14D}" srcId="{9D94179C-60CB-44C9-8000-C638CC90FBCC}" destId="{8B357BF4-9F6B-41DA-AC00-06C721727CC4}" srcOrd="1" destOrd="0" parTransId="{8049E6DB-7235-46A3-9A01-D9B8825D7FBE}" sibTransId="{2FE3F632-0420-4B99-82E5-A7F74116C1F1}"/>
-    <dgm:cxn modelId="{658C8A97-82E5-4674-8ED0-64BFCCDCBEC3}" type="presOf" srcId="{8DAB84D0-1232-4525-835D-427DF83AEF9C}" destId="{3B26D6A5-9D56-445C-B171-536ACA002E6A}" srcOrd="1" destOrd="2" presId="urn:microsoft.com/office/officeart/2005/8/layout/hProcess4"/>
-    <dgm:cxn modelId="{AFFF7C9B-0E77-4342-BDDF-B74DE7FEA928}" type="presOf" srcId="{C742B16C-6774-4654-A307-2517E5970ED9}" destId="{8901E0F4-0A59-4693-BCC0-AD691D9FB870}" srcOrd="0" destOrd="0" presId="urn:microsoft.com/office/officeart/2005/8/layout/hProcess4"/>
+    <dgm:cxn modelId="{94B4AD35-07BC-4BD5-BA48-4DA3352B804F}" type="presOf" srcId="{7CFCEB31-C53B-4076-9E89-71BB7C5206BB}" destId="{0CEB224C-27D6-4E1E-B3D5-07A168A17481}" srcOrd="1" destOrd="0" presId="urn:microsoft.com/office/officeart/2005/8/layout/hProcess4"/>
+    <dgm:cxn modelId="{E89FE86D-E9A0-4F12-A590-68AB9F146FB2}" type="presOf" srcId="{D9322475-296B-4DB3-B8CB-A37D16B0CCC5}" destId="{BCC1B419-4A07-48CE-9943-567C3025AA4B}" srcOrd="1" destOrd="1" presId="urn:microsoft.com/office/officeart/2005/8/layout/hProcess4"/>
+    <dgm:cxn modelId="{4837E752-3F23-4D39-B139-676E4BD7D655}" srcId="{C0BBB20E-A547-490C-BFC3-F69C30C2BB85}" destId="{A8413DF9-56B9-4C60-B3CC-C6279AA9DB31}" srcOrd="1" destOrd="0" parTransId="{BFBB27DB-4F08-40E3-A64D-E6DBEFBF4140}" sibTransId="{1140EB32-5F55-4501-AE6F-0BEE35CC03BC}"/>
+    <dgm:cxn modelId="{AE3814E9-6976-4CC2-90CB-4D505E6271E7}" type="presOf" srcId="{11F904A3-BE7E-4610-85FF-791DB76C5662}" destId="{3B26D6A5-9D56-445C-B171-536ACA002E6A}" srcOrd="1" destOrd="0" presId="urn:microsoft.com/office/officeart/2005/8/layout/hProcess4"/>
+    <dgm:cxn modelId="{95D060BD-EC9A-4CE2-A678-C20ADD6CE489}" type="presOf" srcId="{A8413DF9-56B9-4C60-B3CC-C6279AA9DB31}" destId="{8901E0F4-0A59-4693-BCC0-AD691D9FB870}" srcOrd="0" destOrd="1" presId="urn:microsoft.com/office/officeart/2005/8/layout/hProcess4"/>
+    <dgm:cxn modelId="{F1B6015C-A40C-4B07-ADFF-FCCBDEF8A703}" type="presOf" srcId="{0D4AF47E-FDAB-4C77-957D-7D203EA2A551}" destId="{BCC1B419-4A07-48CE-9943-567C3025AA4B}" srcOrd="1" destOrd="0" presId="urn:microsoft.com/office/officeart/2005/8/layout/hProcess4"/>
+    <dgm:cxn modelId="{1A2CD6BD-4FB6-4C65-A31E-7C659272F5FF}" srcId="{4BBBBA37-00AE-490F-BA4E-E9A756C4A0D7}" destId="{928451A7-076A-4725-BC57-E98970B55362}" srcOrd="2" destOrd="0" parTransId="{605DBBC2-A198-4676-A0C6-4546B7A91B68}" sibTransId="{75637A16-730E-4452-8190-67FB3226C504}"/>
+    <dgm:cxn modelId="{745C2710-AEC2-4077-8999-F61D41E0B39E}" type="presOf" srcId="{C0BBB20E-A547-490C-BFC3-F69C30C2BB85}" destId="{AB2A0A4B-2E62-43F5-874D-A858B18AD7BD}" srcOrd="0" destOrd="0" presId="urn:microsoft.com/office/officeart/2005/8/layout/hProcess4"/>
+    <dgm:cxn modelId="{FBF9C739-9412-4585-8F14-F4D92428BCA3}" type="presOf" srcId="{B5920376-0133-44CD-BB1B-6F53C130D637}" destId="{B8A19F94-18F6-4D00-B053-8BF08839189F}" srcOrd="0" destOrd="0" presId="urn:microsoft.com/office/officeart/2005/8/layout/hProcess4"/>
+    <dgm:cxn modelId="{21EEA131-555A-4801-A607-FBD385939B0A}" srcId="{928451A7-076A-4725-BC57-E98970B55362}" destId="{11F904A3-BE7E-4610-85FF-791DB76C5662}" srcOrd="0" destOrd="0" parTransId="{03E9A0DC-5904-496A-AAF6-356D4EB9E2C7}" sibTransId="{AA783ABE-4698-4A43-ACFE-2F0CA6278420}"/>
+    <dgm:cxn modelId="{3228E000-8C8D-4FC1-BE09-2CB2D43274CF}" type="presOf" srcId="{20F7D581-9EB2-498F-BE28-9D62195EAF83}" destId="{71BAD410-3299-44D0-A85A-DC3B57193168}" srcOrd="0" destOrd="0" presId="urn:microsoft.com/office/officeart/2005/8/layout/hProcess4"/>
+    <dgm:cxn modelId="{ECFDC616-8CDF-4EA1-BB1D-FA2DF950B96F}" srcId="{4BBBBA37-00AE-490F-BA4E-E9A756C4A0D7}" destId="{9D94179C-60CB-44C9-8000-C638CC90FBCC}" srcOrd="3" destOrd="0" parTransId="{FA25C7AC-CD09-4865-B0C2-AE65C69B976D}" sibTransId="{B690B119-AA95-4863-ACB5-0212ED679AB4}"/>
+    <dgm:cxn modelId="{C97277EB-6F23-4658-9BD4-F8C8D1CBABDB}" type="presOf" srcId="{7CFCEB31-C53B-4076-9E89-71BB7C5206BB}" destId="{F0C2F068-CF38-425A-B33E-3FD76DFE06E5}" srcOrd="0" destOrd="0" presId="urn:microsoft.com/office/officeart/2005/8/layout/hProcess4"/>
+    <dgm:cxn modelId="{28055EEB-0D05-4E1C-9C09-229002861ED9}" type="presOf" srcId="{148DC79C-4EEA-43CF-BADE-659389EC8CCC}" destId="{BCCD055F-C4D8-4E1B-AEB8-AC963578358F}" srcOrd="1" destOrd="1" presId="urn:microsoft.com/office/officeart/2005/8/layout/hProcess4"/>
     <dgm:cxn modelId="{838DFA9C-65AB-4608-A291-FF7157BB4A5F}" type="presOf" srcId="{11F904A3-BE7E-4610-85FF-791DB76C5662}" destId="{9131C415-ABC8-494A-BB4C-4189E2623C96}" srcOrd="0" destOrd="0" presId="urn:microsoft.com/office/officeart/2005/8/layout/hProcess4"/>
-    <dgm:cxn modelId="{A03A19A9-D08A-496E-94FC-7C1E2041B816}" type="presOf" srcId="{B690B119-AA95-4863-ACB5-0212ED679AB4}" destId="{E2AA8120-67F5-4F08-808C-C2FFDEEF3762}" srcOrd="0" destOrd="0" presId="urn:microsoft.com/office/officeart/2005/8/layout/hProcess4"/>
-    <dgm:cxn modelId="{839B22B2-CAF0-4A50-BE07-9D40E91536D6}" srcId="{20F7D581-9EB2-498F-BE28-9D62195EAF83}" destId="{F9F5AE11-AF97-4245-99B1-53B38E0C3108}" srcOrd="2" destOrd="0" parTransId="{0DC9D828-A9AB-4F2A-83AE-CB35FC67EA91}" sibTransId="{9498F83F-2569-4E78-864A-AF5A10617D12}"/>
-    <dgm:cxn modelId="{8CB1F4BA-D601-4E13-A50B-3A70EAC68341}" type="presOf" srcId="{D9322475-296B-4DB3-B8CB-A37D16B0CCC5}" destId="{9026B45C-ADFA-45DE-A14B-1C67CDA49329}" srcOrd="0" destOrd="1" presId="urn:microsoft.com/office/officeart/2005/8/layout/hProcess4"/>
-    <dgm:cxn modelId="{80D23CBD-CE2E-4319-87F9-C044F105CF34}" type="presOf" srcId="{75637A16-730E-4452-8190-67FB3226C504}" destId="{4D946BF7-5318-4B1E-AEBF-4A3CA2E290DB}" srcOrd="0" destOrd="0" presId="urn:microsoft.com/office/officeart/2005/8/layout/hProcess4"/>
-    <dgm:cxn modelId="{95D060BD-EC9A-4CE2-A678-C20ADD6CE489}" type="presOf" srcId="{A8413DF9-56B9-4C60-B3CC-C6279AA9DB31}" destId="{8901E0F4-0A59-4693-BCC0-AD691D9FB870}" srcOrd="0" destOrd="1" presId="urn:microsoft.com/office/officeart/2005/8/layout/hProcess4"/>
-    <dgm:cxn modelId="{1A2CD6BD-4FB6-4C65-A31E-7C659272F5FF}" srcId="{4BBBBA37-00AE-490F-BA4E-E9A756C4A0D7}" destId="{928451A7-076A-4725-BC57-E98970B55362}" srcOrd="2" destOrd="0" parTransId="{605DBBC2-A198-4676-A0C6-4546B7A91B68}" sibTransId="{75637A16-730E-4452-8190-67FB3226C504}"/>
-    <dgm:cxn modelId="{265C04BF-DF6E-4114-8745-FF72DB8EAE85}" type="presOf" srcId="{0D4AF47E-FDAB-4C77-957D-7D203EA2A551}" destId="{9026B45C-ADFA-45DE-A14B-1C67CDA49329}" srcOrd="0" destOrd="0" presId="urn:microsoft.com/office/officeart/2005/8/layout/hProcess4"/>
-    <dgm:cxn modelId="{D17B6FC1-D9C2-4F35-8136-869ADDE06035}" srcId="{72D19D3A-74EA-46C0-A7EF-6D3CB88BB6E7}" destId="{0D4AF47E-FDAB-4C77-957D-7D203EA2A551}" srcOrd="0" destOrd="0" parTransId="{9CD69A6E-A2A3-461E-8653-B8D27DA8FB7C}" sibTransId="{0D727C4D-D6A3-41E4-AAA6-A4FD3C72ECE6}"/>
-    <dgm:cxn modelId="{F43A3FC7-6C79-41B4-B507-B5377A47A8F2}" type="presOf" srcId="{9D94179C-60CB-44C9-8000-C638CC90FBCC}" destId="{085190A6-FE74-486B-99A6-C2C9C6FC2B6B}" srcOrd="0" destOrd="0" presId="urn:microsoft.com/office/officeart/2005/8/layout/hProcess4"/>
-    <dgm:cxn modelId="{C9483CCC-F04E-41A4-BC9B-839EAF8C71E4}" type="presOf" srcId="{8DAB84D0-1232-4525-835D-427DF83AEF9C}" destId="{9131C415-ABC8-494A-BB4C-4189E2623C96}" srcOrd="0" destOrd="2" presId="urn:microsoft.com/office/officeart/2005/8/layout/hProcess4"/>
-    <dgm:cxn modelId="{6C1568E0-2E3D-445E-8201-5D1B60F0118D}" type="presOf" srcId="{8B357BF4-9F6B-41DA-AC00-06C721727CC4}" destId="{0CEB224C-27D6-4E1E-B3D5-07A168A17481}" srcOrd="1" destOrd="1" presId="urn:microsoft.com/office/officeart/2005/8/layout/hProcess4"/>
-    <dgm:cxn modelId="{AE3814E9-6976-4CC2-90CB-4D505E6271E7}" type="presOf" srcId="{11F904A3-BE7E-4610-85FF-791DB76C5662}" destId="{3B26D6A5-9D56-445C-B171-536ACA002E6A}" srcOrd="1" destOrd="0" presId="urn:microsoft.com/office/officeart/2005/8/layout/hProcess4"/>
-    <dgm:cxn modelId="{28055EEB-0D05-4E1C-9C09-229002861ED9}" type="presOf" srcId="{148DC79C-4EEA-43CF-BADE-659389EC8CCC}" destId="{BCCD055F-C4D8-4E1B-AEB8-AC963578358F}" srcOrd="1" destOrd="1" presId="urn:microsoft.com/office/officeart/2005/8/layout/hProcess4"/>
-    <dgm:cxn modelId="{C97277EB-6F23-4658-9BD4-F8C8D1CBABDB}" type="presOf" srcId="{7CFCEB31-C53B-4076-9E89-71BB7C5206BB}" destId="{F0C2F068-CF38-425A-B33E-3FD76DFE06E5}" srcOrd="0" destOrd="0" presId="urn:microsoft.com/office/officeart/2005/8/layout/hProcess4"/>
     <dgm:cxn modelId="{CF123FA8-86E9-4509-A8B2-836C24730797}" type="presParOf" srcId="{7ABD661D-07C5-4739-AE45-6E1036C01B22}" destId="{75F32423-9911-408A-B8A9-5D1154B5D7BF}" srcOrd="0" destOrd="0" presId="urn:microsoft.com/office/officeart/2005/8/layout/hProcess4"/>
     <dgm:cxn modelId="{8850E79F-00B9-4C54-9215-3D15B08153DD}" type="presParOf" srcId="{7ABD661D-07C5-4739-AE45-6E1036C01B22}" destId="{D241EEF2-5E0C-4DE4-A18D-25619EBD7B6F}" srcOrd="1" destOrd="0" presId="urn:microsoft.com/office/officeart/2005/8/layout/hProcess4"/>
     <dgm:cxn modelId="{1226809C-B779-4841-B727-3E10E011B6CB}" type="presParOf" srcId="{7ABD661D-07C5-4739-AE45-6E1036C01B22}" destId="{FC4CC419-9620-4012-97C5-A28BFD476CA1}" srcOrd="2" destOrd="0" presId="urn:microsoft.com/office/officeart/2005/8/layout/hProcess4"/>
@@ -5885,6 +6237,13 @@
         </dgm:presLayoutVars>
       </dgm:prSet>
       <dgm:spPr/>
+      <dgm:t>
+        <a:bodyPr/>
+        <a:lstStyle/>
+        <a:p>
+          <a:endParaRPr lang="fr-FR"/>
+        </a:p>
+      </dgm:t>
     </dgm:pt>
     <dgm:pt modelId="{75F32423-9911-408A-B8A9-5D1154B5D7BF}" type="pres">
       <dgm:prSet presAssocID="{4BBBBA37-00AE-490F-BA4E-E9A756C4A0D7}" presName="tSp" presStyleCnt="0"/>
@@ -5913,6 +6272,13 @@
         </dgm:presLayoutVars>
       </dgm:prSet>
       <dgm:spPr/>
+      <dgm:t>
+        <a:bodyPr/>
+        <a:lstStyle/>
+        <a:p>
+          <a:endParaRPr lang="fr-FR"/>
+        </a:p>
+      </dgm:t>
     </dgm:pt>
     <dgm:pt modelId="{0CDE4C4E-2C62-4126-8CEE-77D153383F3B}" type="pres">
       <dgm:prSet presAssocID="{C0BBB20E-A547-490C-BFC3-F69C30C2BB85}" presName="childNode1tx" presStyleLbl="bgAcc1" presStyleIdx="0" presStyleCnt="3">
@@ -5921,6 +6287,13 @@
         </dgm:presLayoutVars>
       </dgm:prSet>
       <dgm:spPr/>
+      <dgm:t>
+        <a:bodyPr/>
+        <a:lstStyle/>
+        <a:p>
+          <a:endParaRPr lang="fr-FR"/>
+        </a:p>
+      </dgm:t>
     </dgm:pt>
     <dgm:pt modelId="{AB2A0A4B-2E62-43F5-874D-A858B18AD7BD}" type="pres">
       <dgm:prSet presAssocID="{C0BBB20E-A547-490C-BFC3-F69C30C2BB85}" presName="parentNode1" presStyleLbl="node1" presStyleIdx="0" presStyleCnt="3">
@@ -5930,6 +6303,13 @@
         </dgm:presLayoutVars>
       </dgm:prSet>
       <dgm:spPr/>
+      <dgm:t>
+        <a:bodyPr/>
+        <a:lstStyle/>
+        <a:p>
+          <a:endParaRPr lang="fr-FR"/>
+        </a:p>
+      </dgm:t>
     </dgm:pt>
     <dgm:pt modelId="{36C63541-11CA-440A-96C0-F62A9C797175}" type="pres">
       <dgm:prSet presAssocID="{C0BBB20E-A547-490C-BFC3-F69C30C2BB85}" presName="connSite1" presStyleCnt="0"/>
@@ -5938,6 +6318,13 @@
     <dgm:pt modelId="{943CED33-B477-41B6-8333-C0E815B32CCD}" type="pres">
       <dgm:prSet presAssocID="{DD1C8274-3095-435A-B7E9-C86DA96BDE64}" presName="Name9" presStyleLbl="sibTrans2D1" presStyleIdx="0" presStyleCnt="2"/>
       <dgm:spPr/>
+      <dgm:t>
+        <a:bodyPr/>
+        <a:lstStyle/>
+        <a:p>
+          <a:endParaRPr lang="fr-FR"/>
+        </a:p>
+      </dgm:t>
     </dgm:pt>
     <dgm:pt modelId="{DAE054FC-E8A5-4F66-B3DE-0F065A517B2B}" type="pres">
       <dgm:prSet presAssocID="{20F7D581-9EB2-498F-BE28-9D62195EAF83}" presName="composite2" presStyleCnt="0"/>
@@ -5954,6 +6341,13 @@
         </dgm:presLayoutVars>
       </dgm:prSet>
       <dgm:spPr/>
+      <dgm:t>
+        <a:bodyPr/>
+        <a:lstStyle/>
+        <a:p>
+          <a:endParaRPr lang="fr-FR"/>
+        </a:p>
+      </dgm:t>
     </dgm:pt>
     <dgm:pt modelId="{BCCD055F-C4D8-4E1B-AEB8-AC963578358F}" type="pres">
       <dgm:prSet presAssocID="{20F7D581-9EB2-498F-BE28-9D62195EAF83}" presName="childNode2tx" presStyleLbl="bgAcc1" presStyleIdx="1" presStyleCnt="3">
@@ -5962,6 +6356,13 @@
         </dgm:presLayoutVars>
       </dgm:prSet>
       <dgm:spPr/>
+      <dgm:t>
+        <a:bodyPr/>
+        <a:lstStyle/>
+        <a:p>
+          <a:endParaRPr lang="fr-FR"/>
+        </a:p>
+      </dgm:t>
     </dgm:pt>
     <dgm:pt modelId="{71BAD410-3299-44D0-A85A-DC3B57193168}" type="pres">
       <dgm:prSet presAssocID="{20F7D581-9EB2-498F-BE28-9D62195EAF83}" presName="parentNode2" presStyleLbl="node1" presStyleIdx="1" presStyleCnt="3">
@@ -5971,6 +6372,13 @@
         </dgm:presLayoutVars>
       </dgm:prSet>
       <dgm:spPr/>
+      <dgm:t>
+        <a:bodyPr/>
+        <a:lstStyle/>
+        <a:p>
+          <a:endParaRPr lang="fr-FR"/>
+        </a:p>
+      </dgm:t>
     </dgm:pt>
     <dgm:pt modelId="{89ADB8B3-B871-45E3-A9C2-130268780D69}" type="pres">
       <dgm:prSet presAssocID="{20F7D581-9EB2-498F-BE28-9D62195EAF83}" presName="connSite2" presStyleCnt="0"/>
@@ -5979,6 +6387,13 @@
     <dgm:pt modelId="{DC8BE73A-4F5A-421C-B33E-9320120B824C}" type="pres">
       <dgm:prSet presAssocID="{FCF39507-87BB-42FC-936E-7CB9C907446D}" presName="Name18" presStyleLbl="sibTrans2D1" presStyleIdx="1" presStyleCnt="2"/>
       <dgm:spPr/>
+      <dgm:t>
+        <a:bodyPr/>
+        <a:lstStyle/>
+        <a:p>
+          <a:endParaRPr lang="fr-FR"/>
+        </a:p>
+      </dgm:t>
     </dgm:pt>
     <dgm:pt modelId="{0643EB6C-F47F-4843-A806-EFCE9852E787}" type="pres">
       <dgm:prSet presAssocID="{928451A7-076A-4725-BC57-E98970B55362}" presName="composite1" presStyleCnt="0"/>
@@ -5995,6 +6410,13 @@
         </dgm:presLayoutVars>
       </dgm:prSet>
       <dgm:spPr/>
+      <dgm:t>
+        <a:bodyPr/>
+        <a:lstStyle/>
+        <a:p>
+          <a:endParaRPr lang="fr-FR"/>
+        </a:p>
+      </dgm:t>
     </dgm:pt>
     <dgm:pt modelId="{3B26D6A5-9D56-445C-B171-536ACA002E6A}" type="pres">
       <dgm:prSet presAssocID="{928451A7-076A-4725-BC57-E98970B55362}" presName="childNode1tx" presStyleLbl="bgAcc1" presStyleIdx="2" presStyleCnt="3">
@@ -6003,6 +6425,13 @@
         </dgm:presLayoutVars>
       </dgm:prSet>
       <dgm:spPr/>
+      <dgm:t>
+        <a:bodyPr/>
+        <a:lstStyle/>
+        <a:p>
+          <a:endParaRPr lang="fr-FR"/>
+        </a:p>
+      </dgm:t>
     </dgm:pt>
     <dgm:pt modelId="{40A8A41C-CF7A-4E88-8EA7-EAA6AFD512F6}" type="pres">
       <dgm:prSet presAssocID="{928451A7-076A-4725-BC57-E98970B55362}" presName="parentNode1" presStyleLbl="node1" presStyleIdx="2" presStyleCnt="3">
@@ -6012,6 +6441,13 @@
         </dgm:presLayoutVars>
       </dgm:prSet>
       <dgm:spPr/>
+      <dgm:t>
+        <a:bodyPr/>
+        <a:lstStyle/>
+        <a:p>
+          <a:endParaRPr lang="fr-FR"/>
+        </a:p>
+      </dgm:t>
     </dgm:pt>
     <dgm:pt modelId="{B473B88E-BDED-4B84-8518-6F2718D65E59}" type="pres">
       <dgm:prSet presAssocID="{928451A7-076A-4725-BC57-E98970B55362}" presName="connSite1" presStyleCnt="0"/>
@@ -6019,33 +6455,33 @@
     </dgm:pt>
   </dgm:ptLst>
   <dgm:cxnLst>
+    <dgm:cxn modelId="{70FCD421-2521-424F-B9BC-061AF450C2F8}" type="presOf" srcId="{C742B16C-6774-4654-A307-2517E5970ED9}" destId="{0CDE4C4E-2C62-4126-8CEE-77D153383F3B}" srcOrd="1" destOrd="0" presId="urn:microsoft.com/office/officeart/2005/8/layout/hProcess4"/>
+    <dgm:cxn modelId="{AFFF7C9B-0E77-4342-BDDF-B74DE7FEA928}" type="presOf" srcId="{C742B16C-6774-4654-A307-2517E5970ED9}" destId="{8901E0F4-0A59-4693-BCC0-AD691D9FB870}" srcOrd="0" destOrd="0" presId="urn:microsoft.com/office/officeart/2005/8/layout/hProcess4"/>
+    <dgm:cxn modelId="{555C2B7C-EBBB-4015-9A21-9AA3BA353080}" type="presOf" srcId="{4BBBBA37-00AE-490F-BA4E-E9A756C4A0D7}" destId="{7ABD661D-07C5-4739-AE45-6E1036C01B22}" srcOrd="0" destOrd="0" presId="urn:microsoft.com/office/officeart/2005/8/layout/hProcess4"/>
+    <dgm:cxn modelId="{A5BE503C-E8E6-47E1-B911-A7E285B72E93}" type="presOf" srcId="{148DC79C-4EEA-43CF-BADE-659389EC8CCC}" destId="{B8A19F94-18F6-4D00-B053-8BF08839189F}" srcOrd="0" destOrd="1" presId="urn:microsoft.com/office/officeart/2005/8/layout/hProcess4"/>
+    <dgm:cxn modelId="{28055EEB-0D05-4E1C-9C09-229002861ED9}" type="presOf" srcId="{148DC79C-4EEA-43CF-BADE-659389EC8CCC}" destId="{BCCD055F-C4D8-4E1B-AEB8-AC963578358F}" srcOrd="1" destOrd="1" presId="urn:microsoft.com/office/officeart/2005/8/layout/hProcess4"/>
+    <dgm:cxn modelId="{A4A6564B-C371-4F9F-B066-1639325111C0}" type="presOf" srcId="{F13B1487-2412-4E08-99C9-67C2BCBDEA4A}" destId="{8901E0F4-0A59-4693-BCC0-AD691D9FB870}" srcOrd="0" destOrd="1" presId="urn:microsoft.com/office/officeart/2005/8/layout/hProcess4"/>
+    <dgm:cxn modelId="{658C8A97-82E5-4674-8ED0-64BFCCDCBEC3}" type="presOf" srcId="{8DAB84D0-1232-4525-835D-427DF83AEF9C}" destId="{3B26D6A5-9D56-445C-B171-536ACA002E6A}" srcOrd="1" destOrd="1" presId="urn:microsoft.com/office/officeart/2005/8/layout/hProcess4"/>
     <dgm:cxn modelId="{3228E000-8C8D-4FC1-BE09-2CB2D43274CF}" type="presOf" srcId="{20F7D581-9EB2-498F-BE28-9D62195EAF83}" destId="{71BAD410-3299-44D0-A85A-DC3B57193168}" srcOrd="0" destOrd="0" presId="urn:microsoft.com/office/officeart/2005/8/layout/hProcess4"/>
+    <dgm:cxn modelId="{21EEA131-555A-4801-A607-FBD385939B0A}" srcId="{928451A7-076A-4725-BC57-E98970B55362}" destId="{11F904A3-BE7E-4610-85FF-791DB76C5662}" srcOrd="0" destOrd="0" parTransId="{03E9A0DC-5904-496A-AAF6-356D4EB9E2C7}" sibTransId="{AA783ABE-4698-4A43-ACFE-2F0CA6278420}"/>
+    <dgm:cxn modelId="{864C703B-D3FC-4566-883E-42340E00BE6D}" type="presOf" srcId="{928451A7-076A-4725-BC57-E98970B55362}" destId="{40A8A41C-CF7A-4E88-8EA7-EAA6AFD512F6}" srcOrd="0" destOrd="0" presId="urn:microsoft.com/office/officeart/2005/8/layout/hProcess4"/>
+    <dgm:cxn modelId="{1A2CD6BD-4FB6-4C65-A31E-7C659272F5FF}" srcId="{4BBBBA37-00AE-490F-BA4E-E9A756C4A0D7}" destId="{928451A7-076A-4725-BC57-E98970B55362}" srcOrd="2" destOrd="0" parTransId="{605DBBC2-A198-4676-A0C6-4546B7A91B68}" sibTransId="{75637A16-730E-4452-8190-67FB3226C504}"/>
+    <dgm:cxn modelId="{E683F570-DC2B-4326-9DA0-584336C8C6D6}" type="presOf" srcId="{B5920376-0133-44CD-BB1B-6F53C130D637}" destId="{BCCD055F-C4D8-4E1B-AEB8-AC963578358F}" srcOrd="1" destOrd="0" presId="urn:microsoft.com/office/officeart/2005/8/layout/hProcess4"/>
+    <dgm:cxn modelId="{89E90838-B3EB-4AAA-8D15-4D187ADDBC24}" srcId="{20F7D581-9EB2-498F-BE28-9D62195EAF83}" destId="{148DC79C-4EEA-43CF-BADE-659389EC8CCC}" srcOrd="1" destOrd="0" parTransId="{93F49CA4-65A7-42FD-8AC9-5CBA10152A5A}" sibTransId="{987AB886-30FC-4929-AFA2-85A0536B5275}"/>
+    <dgm:cxn modelId="{002EAD7A-751D-4A0E-8B80-3ED2E8BF0317}" srcId="{C0BBB20E-A547-490C-BFC3-F69C30C2BB85}" destId="{C742B16C-6774-4654-A307-2517E5970ED9}" srcOrd="0" destOrd="0" parTransId="{3F79200C-09D6-4579-940A-9925FCF29974}" sibTransId="{DB0BD340-6AE9-43AB-8228-82AD980D89BF}"/>
+    <dgm:cxn modelId="{C9483CCC-F04E-41A4-BC9B-839EAF8C71E4}" type="presOf" srcId="{8DAB84D0-1232-4525-835D-427DF83AEF9C}" destId="{9131C415-ABC8-494A-BB4C-4189E2623C96}" srcOrd="0" destOrd="1" presId="urn:microsoft.com/office/officeart/2005/8/layout/hProcess4"/>
     <dgm:cxn modelId="{E260010D-46B0-46C2-93B1-54EE897A6300}" type="presOf" srcId="{FCF39507-87BB-42FC-936E-7CB9C907446D}" destId="{DC8BE73A-4F5A-421C-B33E-9320120B824C}" srcOrd="0" destOrd="0" presId="urn:microsoft.com/office/officeart/2005/8/layout/hProcess4"/>
+    <dgm:cxn modelId="{0ACA2444-26E0-4640-8CC7-AB33AA1DAD47}" type="presOf" srcId="{F13B1487-2412-4E08-99C9-67C2BCBDEA4A}" destId="{0CDE4C4E-2C62-4126-8CEE-77D153383F3B}" srcOrd="1" destOrd="1" presId="urn:microsoft.com/office/officeart/2005/8/layout/hProcess4"/>
     <dgm:cxn modelId="{745C2710-AEC2-4077-8999-F61D41E0B39E}" type="presOf" srcId="{C0BBB20E-A547-490C-BFC3-F69C30C2BB85}" destId="{AB2A0A4B-2E62-43F5-874D-A858B18AD7BD}" srcOrd="0" destOrd="0" presId="urn:microsoft.com/office/officeart/2005/8/layout/hProcess4"/>
-    <dgm:cxn modelId="{70FCD421-2521-424F-B9BC-061AF450C2F8}" type="presOf" srcId="{C742B16C-6774-4654-A307-2517E5970ED9}" destId="{0CDE4C4E-2C62-4126-8CEE-77D153383F3B}" srcOrd="1" destOrd="0" presId="urn:microsoft.com/office/officeart/2005/8/layout/hProcess4"/>
+    <dgm:cxn modelId="{838DFA9C-65AB-4608-A291-FF7157BB4A5F}" type="presOf" srcId="{11F904A3-BE7E-4610-85FF-791DB76C5662}" destId="{9131C415-ABC8-494A-BB4C-4189E2623C96}" srcOrd="0" destOrd="0" presId="urn:microsoft.com/office/officeart/2005/8/layout/hProcess4"/>
+    <dgm:cxn modelId="{BE340D61-28A6-4E10-B4BD-309F83AE9FD8}" type="presOf" srcId="{DD1C8274-3095-435A-B7E9-C86DA96BDE64}" destId="{943CED33-B477-41B6-8333-C0E815B32CCD}" srcOrd="0" destOrd="0" presId="urn:microsoft.com/office/officeart/2005/8/layout/hProcess4"/>
+    <dgm:cxn modelId="{1497608C-9EBF-4045-B5D2-B57D8503FD29}" srcId="{4BBBBA37-00AE-490F-BA4E-E9A756C4A0D7}" destId="{20F7D581-9EB2-498F-BE28-9D62195EAF83}" srcOrd="1" destOrd="0" parTransId="{E0FBE512-C1C4-4067-A1DE-34C9E33E9EB4}" sibTransId="{FCF39507-87BB-42FC-936E-7CB9C907446D}"/>
+    <dgm:cxn modelId="{C5973D72-FB08-4B00-8516-F806514B4438}" srcId="{4BBBBA37-00AE-490F-BA4E-E9A756C4A0D7}" destId="{C0BBB20E-A547-490C-BFC3-F69C30C2BB85}" srcOrd="0" destOrd="0" parTransId="{830D836F-DF80-4E41-AF3F-21CC3E8E4EF2}" sibTransId="{DD1C8274-3095-435A-B7E9-C86DA96BDE64}"/>
+    <dgm:cxn modelId="{A743B165-EFB3-4A2B-9188-6DFA8B2E60AB}" srcId="{20F7D581-9EB2-498F-BE28-9D62195EAF83}" destId="{B5920376-0133-44CD-BB1B-6F53C130D637}" srcOrd="0" destOrd="0" parTransId="{E82A70DF-B649-4129-9355-DBF8312CF18F}" sibTransId="{73A56BD2-43C1-4062-A5A5-84091B9A63CC}"/>
+    <dgm:cxn modelId="{FBF9C739-9412-4585-8F14-F4D92428BCA3}" type="presOf" srcId="{B5920376-0133-44CD-BB1B-6F53C130D637}" destId="{B8A19F94-18F6-4D00-B053-8BF08839189F}" srcOrd="0" destOrd="0" presId="urn:microsoft.com/office/officeart/2005/8/layout/hProcess4"/>
+    <dgm:cxn modelId="{AE3814E9-6976-4CC2-90CB-4D505E6271E7}" type="presOf" srcId="{11F904A3-BE7E-4610-85FF-791DB76C5662}" destId="{3B26D6A5-9D56-445C-B171-536ACA002E6A}" srcOrd="1" destOrd="0" presId="urn:microsoft.com/office/officeart/2005/8/layout/hProcess4"/>
+    <dgm:cxn modelId="{C8B22B49-CC6C-4CC7-B1A3-9980D2423C47}" srcId="{C0BBB20E-A547-490C-BFC3-F69C30C2BB85}" destId="{F13B1487-2412-4E08-99C9-67C2BCBDEA4A}" srcOrd="1" destOrd="0" parTransId="{D2C1CF47-F1CF-41FD-863C-436CAB276BF5}" sibTransId="{0DA945F7-3BBA-45C9-BADE-9D9D10D8009B}"/>
     <dgm:cxn modelId="{DB37CD2A-171A-4EDF-AE2B-5E79EBACFD5B}" srcId="{928451A7-076A-4725-BC57-E98970B55362}" destId="{8DAB84D0-1232-4525-835D-427DF83AEF9C}" srcOrd="1" destOrd="0" parTransId="{66223C22-9641-4203-8CF8-F17D221D4CC1}" sibTransId="{46C6073C-0DC6-4E2E-AF22-F533CD0D8D76}"/>
-    <dgm:cxn modelId="{21EEA131-555A-4801-A607-FBD385939B0A}" srcId="{928451A7-076A-4725-BC57-E98970B55362}" destId="{11F904A3-BE7E-4610-85FF-791DB76C5662}" srcOrd="0" destOrd="0" parTransId="{03E9A0DC-5904-496A-AAF6-356D4EB9E2C7}" sibTransId="{AA783ABE-4698-4A43-ACFE-2F0CA6278420}"/>
-    <dgm:cxn modelId="{89E90838-B3EB-4AAA-8D15-4D187ADDBC24}" srcId="{20F7D581-9EB2-498F-BE28-9D62195EAF83}" destId="{148DC79C-4EEA-43CF-BADE-659389EC8CCC}" srcOrd="1" destOrd="0" parTransId="{93F49CA4-65A7-42FD-8AC9-5CBA10152A5A}" sibTransId="{987AB886-30FC-4929-AFA2-85A0536B5275}"/>
-    <dgm:cxn modelId="{FBF9C739-9412-4585-8F14-F4D92428BCA3}" type="presOf" srcId="{B5920376-0133-44CD-BB1B-6F53C130D637}" destId="{B8A19F94-18F6-4D00-B053-8BF08839189F}" srcOrd="0" destOrd="0" presId="urn:microsoft.com/office/officeart/2005/8/layout/hProcess4"/>
-    <dgm:cxn modelId="{864C703B-D3FC-4566-883E-42340E00BE6D}" type="presOf" srcId="{928451A7-076A-4725-BC57-E98970B55362}" destId="{40A8A41C-CF7A-4E88-8EA7-EAA6AFD512F6}" srcOrd="0" destOrd="0" presId="urn:microsoft.com/office/officeart/2005/8/layout/hProcess4"/>
-    <dgm:cxn modelId="{A5BE503C-E8E6-47E1-B911-A7E285B72E93}" type="presOf" srcId="{148DC79C-4EEA-43CF-BADE-659389EC8CCC}" destId="{B8A19F94-18F6-4D00-B053-8BF08839189F}" srcOrd="0" destOrd="1" presId="urn:microsoft.com/office/officeart/2005/8/layout/hProcess4"/>
-    <dgm:cxn modelId="{BE340D61-28A6-4E10-B4BD-309F83AE9FD8}" type="presOf" srcId="{DD1C8274-3095-435A-B7E9-C86DA96BDE64}" destId="{943CED33-B477-41B6-8333-C0E815B32CCD}" srcOrd="0" destOrd="0" presId="urn:microsoft.com/office/officeart/2005/8/layout/hProcess4"/>
-    <dgm:cxn modelId="{0ACA2444-26E0-4640-8CC7-AB33AA1DAD47}" type="presOf" srcId="{F13B1487-2412-4E08-99C9-67C2BCBDEA4A}" destId="{0CDE4C4E-2C62-4126-8CEE-77D153383F3B}" srcOrd="1" destOrd="1" presId="urn:microsoft.com/office/officeart/2005/8/layout/hProcess4"/>
-    <dgm:cxn modelId="{A743B165-EFB3-4A2B-9188-6DFA8B2E60AB}" srcId="{20F7D581-9EB2-498F-BE28-9D62195EAF83}" destId="{B5920376-0133-44CD-BB1B-6F53C130D637}" srcOrd="0" destOrd="0" parTransId="{E82A70DF-B649-4129-9355-DBF8312CF18F}" sibTransId="{73A56BD2-43C1-4062-A5A5-84091B9A63CC}"/>
-    <dgm:cxn modelId="{C8B22B49-CC6C-4CC7-B1A3-9980D2423C47}" srcId="{C0BBB20E-A547-490C-BFC3-F69C30C2BB85}" destId="{F13B1487-2412-4E08-99C9-67C2BCBDEA4A}" srcOrd="1" destOrd="0" parTransId="{D2C1CF47-F1CF-41FD-863C-436CAB276BF5}" sibTransId="{0DA945F7-3BBA-45C9-BADE-9D9D10D8009B}"/>
-    <dgm:cxn modelId="{A4A6564B-C371-4F9F-B066-1639325111C0}" type="presOf" srcId="{F13B1487-2412-4E08-99C9-67C2BCBDEA4A}" destId="{8901E0F4-0A59-4693-BCC0-AD691D9FB870}" srcOrd="0" destOrd="1" presId="urn:microsoft.com/office/officeart/2005/8/layout/hProcess4"/>
-    <dgm:cxn modelId="{E683F570-DC2B-4326-9DA0-584336C8C6D6}" type="presOf" srcId="{B5920376-0133-44CD-BB1B-6F53C130D637}" destId="{BCCD055F-C4D8-4E1B-AEB8-AC963578358F}" srcOrd="1" destOrd="0" presId="urn:microsoft.com/office/officeart/2005/8/layout/hProcess4"/>
-    <dgm:cxn modelId="{C5973D72-FB08-4B00-8516-F806514B4438}" srcId="{4BBBBA37-00AE-490F-BA4E-E9A756C4A0D7}" destId="{C0BBB20E-A547-490C-BFC3-F69C30C2BB85}" srcOrd="0" destOrd="0" parTransId="{830D836F-DF80-4E41-AF3F-21CC3E8E4EF2}" sibTransId="{DD1C8274-3095-435A-B7E9-C86DA96BDE64}"/>
-    <dgm:cxn modelId="{002EAD7A-751D-4A0E-8B80-3ED2E8BF0317}" srcId="{C0BBB20E-A547-490C-BFC3-F69C30C2BB85}" destId="{C742B16C-6774-4654-A307-2517E5970ED9}" srcOrd="0" destOrd="0" parTransId="{3F79200C-09D6-4579-940A-9925FCF29974}" sibTransId="{DB0BD340-6AE9-43AB-8228-82AD980D89BF}"/>
-    <dgm:cxn modelId="{555C2B7C-EBBB-4015-9A21-9AA3BA353080}" type="presOf" srcId="{4BBBBA37-00AE-490F-BA4E-E9A756C4A0D7}" destId="{7ABD661D-07C5-4739-AE45-6E1036C01B22}" srcOrd="0" destOrd="0" presId="urn:microsoft.com/office/officeart/2005/8/layout/hProcess4"/>
-    <dgm:cxn modelId="{1497608C-9EBF-4045-B5D2-B57D8503FD29}" srcId="{4BBBBA37-00AE-490F-BA4E-E9A756C4A0D7}" destId="{20F7D581-9EB2-498F-BE28-9D62195EAF83}" srcOrd="1" destOrd="0" parTransId="{E0FBE512-C1C4-4067-A1DE-34C9E33E9EB4}" sibTransId="{FCF39507-87BB-42FC-936E-7CB9C907446D}"/>
-    <dgm:cxn modelId="{658C8A97-82E5-4674-8ED0-64BFCCDCBEC3}" type="presOf" srcId="{8DAB84D0-1232-4525-835D-427DF83AEF9C}" destId="{3B26D6A5-9D56-445C-B171-536ACA002E6A}" srcOrd="1" destOrd="1" presId="urn:microsoft.com/office/officeart/2005/8/layout/hProcess4"/>
-    <dgm:cxn modelId="{AFFF7C9B-0E77-4342-BDDF-B74DE7FEA928}" type="presOf" srcId="{C742B16C-6774-4654-A307-2517E5970ED9}" destId="{8901E0F4-0A59-4693-BCC0-AD691D9FB870}" srcOrd="0" destOrd="0" presId="urn:microsoft.com/office/officeart/2005/8/layout/hProcess4"/>
-    <dgm:cxn modelId="{838DFA9C-65AB-4608-A291-FF7157BB4A5F}" type="presOf" srcId="{11F904A3-BE7E-4610-85FF-791DB76C5662}" destId="{9131C415-ABC8-494A-BB4C-4189E2623C96}" srcOrd="0" destOrd="0" presId="urn:microsoft.com/office/officeart/2005/8/layout/hProcess4"/>
-    <dgm:cxn modelId="{1A2CD6BD-4FB6-4C65-A31E-7C659272F5FF}" srcId="{4BBBBA37-00AE-490F-BA4E-E9A756C4A0D7}" destId="{928451A7-076A-4725-BC57-E98970B55362}" srcOrd="2" destOrd="0" parTransId="{605DBBC2-A198-4676-A0C6-4546B7A91B68}" sibTransId="{75637A16-730E-4452-8190-67FB3226C504}"/>
-    <dgm:cxn modelId="{C9483CCC-F04E-41A4-BC9B-839EAF8C71E4}" type="presOf" srcId="{8DAB84D0-1232-4525-835D-427DF83AEF9C}" destId="{9131C415-ABC8-494A-BB4C-4189E2623C96}" srcOrd="0" destOrd="1" presId="urn:microsoft.com/office/officeart/2005/8/layout/hProcess4"/>
-    <dgm:cxn modelId="{AE3814E9-6976-4CC2-90CB-4D505E6271E7}" type="presOf" srcId="{11F904A3-BE7E-4610-85FF-791DB76C5662}" destId="{3B26D6A5-9D56-445C-B171-536ACA002E6A}" srcOrd="1" destOrd="0" presId="urn:microsoft.com/office/officeart/2005/8/layout/hProcess4"/>
-    <dgm:cxn modelId="{28055EEB-0D05-4E1C-9C09-229002861ED9}" type="presOf" srcId="{148DC79C-4EEA-43CF-BADE-659389EC8CCC}" destId="{BCCD055F-C4D8-4E1B-AEB8-AC963578358F}" srcOrd="1" destOrd="1" presId="urn:microsoft.com/office/officeart/2005/8/layout/hProcess4"/>
     <dgm:cxn modelId="{CF123FA8-86E9-4509-A8B2-836C24730797}" type="presParOf" srcId="{7ABD661D-07C5-4739-AE45-6E1036C01B22}" destId="{75F32423-9911-408A-B8A9-5D1154B5D7BF}" srcOrd="0" destOrd="0" presId="urn:microsoft.com/office/officeart/2005/8/layout/hProcess4"/>
     <dgm:cxn modelId="{8850E79F-00B9-4C54-9215-3D15B08153DD}" type="presParOf" srcId="{7ABD661D-07C5-4739-AE45-6E1036C01B22}" destId="{D241EEF2-5E0C-4DE4-A18D-25619EBD7B6F}" srcOrd="1" destOrd="0" presId="urn:microsoft.com/office/officeart/2005/8/layout/hProcess4"/>
     <dgm:cxn modelId="{1226809C-B779-4841-B727-3E10E011B6CB}" type="presParOf" srcId="{7ABD661D-07C5-4739-AE45-6E1036C01B22}" destId="{FC4CC419-9620-4012-97C5-A28BFD476CA1}" srcOrd="2" destOrd="0" presId="urn:microsoft.com/office/officeart/2005/8/layout/hProcess4"/>
@@ -6499,6 +6935,13 @@
         </dgm:presLayoutVars>
       </dgm:prSet>
       <dgm:spPr/>
+      <dgm:t>
+        <a:bodyPr/>
+        <a:lstStyle/>
+        <a:p>
+          <a:endParaRPr lang="fr-FR"/>
+        </a:p>
+      </dgm:t>
     </dgm:pt>
     <dgm:pt modelId="{75F32423-9911-408A-B8A9-5D1154B5D7BF}" type="pres">
       <dgm:prSet presAssocID="{4BBBBA37-00AE-490F-BA4E-E9A756C4A0D7}" presName="tSp" presStyleCnt="0"/>
@@ -6527,6 +6970,13 @@
         </dgm:presLayoutVars>
       </dgm:prSet>
       <dgm:spPr/>
+      <dgm:t>
+        <a:bodyPr/>
+        <a:lstStyle/>
+        <a:p>
+          <a:endParaRPr lang="fr-FR"/>
+        </a:p>
+      </dgm:t>
     </dgm:pt>
     <dgm:pt modelId="{0CDE4C4E-2C62-4126-8CEE-77D153383F3B}" type="pres">
       <dgm:prSet presAssocID="{C0BBB20E-A547-490C-BFC3-F69C30C2BB85}" presName="childNode1tx" presStyleLbl="bgAcc1" presStyleIdx="0" presStyleCnt="3">
@@ -6535,6 +6985,13 @@
         </dgm:presLayoutVars>
       </dgm:prSet>
       <dgm:spPr/>
+      <dgm:t>
+        <a:bodyPr/>
+        <a:lstStyle/>
+        <a:p>
+          <a:endParaRPr lang="fr-FR"/>
+        </a:p>
+      </dgm:t>
     </dgm:pt>
     <dgm:pt modelId="{AB2A0A4B-2E62-43F5-874D-A858B18AD7BD}" type="pres">
       <dgm:prSet presAssocID="{C0BBB20E-A547-490C-BFC3-F69C30C2BB85}" presName="parentNode1" presStyleLbl="node1" presStyleIdx="0" presStyleCnt="3" custScaleX="76849" custScaleY="54238">
@@ -6544,6 +7001,13 @@
         </dgm:presLayoutVars>
       </dgm:prSet>
       <dgm:spPr/>
+      <dgm:t>
+        <a:bodyPr/>
+        <a:lstStyle/>
+        <a:p>
+          <a:endParaRPr lang="fr-FR"/>
+        </a:p>
+      </dgm:t>
     </dgm:pt>
     <dgm:pt modelId="{36C63541-11CA-440A-96C0-F62A9C797175}" type="pres">
       <dgm:prSet presAssocID="{C0BBB20E-A547-490C-BFC3-F69C30C2BB85}" presName="connSite1" presStyleCnt="0"/>
@@ -6552,6 +7016,13 @@
     <dgm:pt modelId="{943CED33-B477-41B6-8333-C0E815B32CCD}" type="pres">
       <dgm:prSet presAssocID="{DD1C8274-3095-435A-B7E9-C86DA96BDE64}" presName="Name9" presStyleLbl="sibTrans2D1" presStyleIdx="0" presStyleCnt="2"/>
       <dgm:spPr/>
+      <dgm:t>
+        <a:bodyPr/>
+        <a:lstStyle/>
+        <a:p>
+          <a:endParaRPr lang="fr-FR"/>
+        </a:p>
+      </dgm:t>
     </dgm:pt>
     <dgm:pt modelId="{DAE054FC-E8A5-4F66-B3DE-0F065A517B2B}" type="pres">
       <dgm:prSet presAssocID="{20F7D581-9EB2-498F-BE28-9D62195EAF83}" presName="composite2" presStyleCnt="0"/>
@@ -6568,6 +7039,13 @@
         </dgm:presLayoutVars>
       </dgm:prSet>
       <dgm:spPr/>
+      <dgm:t>
+        <a:bodyPr/>
+        <a:lstStyle/>
+        <a:p>
+          <a:endParaRPr lang="fr-FR"/>
+        </a:p>
+      </dgm:t>
     </dgm:pt>
     <dgm:pt modelId="{BCCD055F-C4D8-4E1B-AEB8-AC963578358F}" type="pres">
       <dgm:prSet presAssocID="{20F7D581-9EB2-498F-BE28-9D62195EAF83}" presName="childNode2tx" presStyleLbl="bgAcc1" presStyleIdx="1" presStyleCnt="3">
@@ -6576,6 +7054,13 @@
         </dgm:presLayoutVars>
       </dgm:prSet>
       <dgm:spPr/>
+      <dgm:t>
+        <a:bodyPr/>
+        <a:lstStyle/>
+        <a:p>
+          <a:endParaRPr lang="fr-FR"/>
+        </a:p>
+      </dgm:t>
     </dgm:pt>
     <dgm:pt modelId="{71BAD410-3299-44D0-A85A-DC3B57193168}" type="pres">
       <dgm:prSet presAssocID="{20F7D581-9EB2-498F-BE28-9D62195EAF83}" presName="parentNode2" presStyleLbl="node1" presStyleIdx="1" presStyleCnt="3" custScaleX="76849" custScaleY="54238">
@@ -6585,6 +7070,13 @@
         </dgm:presLayoutVars>
       </dgm:prSet>
       <dgm:spPr/>
+      <dgm:t>
+        <a:bodyPr/>
+        <a:lstStyle/>
+        <a:p>
+          <a:endParaRPr lang="fr-FR"/>
+        </a:p>
+      </dgm:t>
     </dgm:pt>
     <dgm:pt modelId="{89ADB8B3-B871-45E3-A9C2-130268780D69}" type="pres">
       <dgm:prSet presAssocID="{20F7D581-9EB2-498F-BE28-9D62195EAF83}" presName="connSite2" presStyleCnt="0"/>
@@ -6593,6 +7085,13 @@
     <dgm:pt modelId="{DC8BE73A-4F5A-421C-B33E-9320120B824C}" type="pres">
       <dgm:prSet presAssocID="{FCF39507-87BB-42FC-936E-7CB9C907446D}" presName="Name18" presStyleLbl="sibTrans2D1" presStyleIdx="1" presStyleCnt="2"/>
       <dgm:spPr/>
+      <dgm:t>
+        <a:bodyPr/>
+        <a:lstStyle/>
+        <a:p>
+          <a:endParaRPr lang="fr-FR"/>
+        </a:p>
+      </dgm:t>
     </dgm:pt>
     <dgm:pt modelId="{0643EB6C-F47F-4843-A806-EFCE9852E787}" type="pres">
       <dgm:prSet presAssocID="{928451A7-076A-4725-BC57-E98970B55362}" presName="composite1" presStyleCnt="0"/>
@@ -6609,6 +7108,13 @@
         </dgm:presLayoutVars>
       </dgm:prSet>
       <dgm:spPr/>
+      <dgm:t>
+        <a:bodyPr/>
+        <a:lstStyle/>
+        <a:p>
+          <a:endParaRPr lang="fr-FR"/>
+        </a:p>
+      </dgm:t>
     </dgm:pt>
     <dgm:pt modelId="{3B26D6A5-9D56-445C-B171-536ACA002E6A}" type="pres">
       <dgm:prSet presAssocID="{928451A7-076A-4725-BC57-E98970B55362}" presName="childNode1tx" presStyleLbl="bgAcc1" presStyleIdx="2" presStyleCnt="3">
@@ -6617,6 +7123,13 @@
         </dgm:presLayoutVars>
       </dgm:prSet>
       <dgm:spPr/>
+      <dgm:t>
+        <a:bodyPr/>
+        <a:lstStyle/>
+        <a:p>
+          <a:endParaRPr lang="fr-FR"/>
+        </a:p>
+      </dgm:t>
     </dgm:pt>
     <dgm:pt modelId="{40A8A41C-CF7A-4E88-8EA7-EAA6AFD512F6}" type="pres">
       <dgm:prSet presAssocID="{928451A7-076A-4725-BC57-E98970B55362}" presName="parentNode1" presStyleLbl="node1" presStyleIdx="2" presStyleCnt="3" custScaleX="76849" custScaleY="54238">
@@ -6626,6 +7139,13 @@
         </dgm:presLayoutVars>
       </dgm:prSet>
       <dgm:spPr/>
+      <dgm:t>
+        <a:bodyPr/>
+        <a:lstStyle/>
+        <a:p>
+          <a:endParaRPr lang="fr-FR"/>
+        </a:p>
+      </dgm:t>
     </dgm:pt>
     <dgm:pt modelId="{B473B88E-BDED-4B84-8518-6F2718D65E59}" type="pres">
       <dgm:prSet presAssocID="{928451A7-076A-4725-BC57-E98970B55362}" presName="connSite1" presStyleCnt="0"/>
@@ -6633,39 +7153,39 @@
     </dgm:pt>
   </dgm:ptLst>
   <dgm:cxnLst>
+    <dgm:cxn modelId="{70FCD421-2521-424F-B9BC-061AF450C2F8}" type="presOf" srcId="{C742B16C-6774-4654-A307-2517E5970ED9}" destId="{0CDE4C4E-2C62-4126-8CEE-77D153383F3B}" srcOrd="1" destOrd="1" presId="urn:microsoft.com/office/officeart/2005/8/layout/hProcess4"/>
+    <dgm:cxn modelId="{AFFF7C9B-0E77-4342-BDDF-B74DE7FEA928}" type="presOf" srcId="{C742B16C-6774-4654-A307-2517E5970ED9}" destId="{8901E0F4-0A59-4693-BCC0-AD691D9FB870}" srcOrd="0" destOrd="1" presId="urn:microsoft.com/office/officeart/2005/8/layout/hProcess4"/>
+    <dgm:cxn modelId="{419C9C8A-B936-4CB0-8C14-ACFFFA0989FC}" type="presOf" srcId="{8B1CE8EB-7CA0-4313-B82B-C36A7BCFDBA5}" destId="{9131C415-ABC8-494A-BB4C-4189E2623C96}" srcOrd="0" destOrd="1" presId="urn:microsoft.com/office/officeart/2005/8/layout/hProcess4"/>
+    <dgm:cxn modelId="{A5BE503C-E8E6-47E1-B911-A7E285B72E93}" type="presOf" srcId="{148DC79C-4EEA-43CF-BADE-659389EC8CCC}" destId="{B8A19F94-18F6-4D00-B053-8BF08839189F}" srcOrd="0" destOrd="1" presId="urn:microsoft.com/office/officeart/2005/8/layout/hProcess4"/>
+    <dgm:cxn modelId="{555C2B7C-EBBB-4015-9A21-9AA3BA353080}" type="presOf" srcId="{4BBBBA37-00AE-490F-BA4E-E9A756C4A0D7}" destId="{7ABD661D-07C5-4739-AE45-6E1036C01B22}" srcOrd="0" destOrd="0" presId="urn:microsoft.com/office/officeart/2005/8/layout/hProcess4"/>
+    <dgm:cxn modelId="{28055EEB-0D05-4E1C-9C09-229002861ED9}" type="presOf" srcId="{148DC79C-4EEA-43CF-BADE-659389EC8CCC}" destId="{BCCD055F-C4D8-4E1B-AEB8-AC963578358F}" srcOrd="1" destOrd="1" presId="urn:microsoft.com/office/officeart/2005/8/layout/hProcess4"/>
+    <dgm:cxn modelId="{658C8A97-82E5-4674-8ED0-64BFCCDCBEC3}" type="presOf" srcId="{8DAB84D0-1232-4525-835D-427DF83AEF9C}" destId="{3B26D6A5-9D56-445C-B171-536ACA002E6A}" srcOrd="1" destOrd="2" presId="urn:microsoft.com/office/officeart/2005/8/layout/hProcess4"/>
     <dgm:cxn modelId="{3228E000-8C8D-4FC1-BE09-2CB2D43274CF}" type="presOf" srcId="{20F7D581-9EB2-498F-BE28-9D62195EAF83}" destId="{71BAD410-3299-44D0-A85A-DC3B57193168}" srcOrd="0" destOrd="0" presId="urn:microsoft.com/office/officeart/2005/8/layout/hProcess4"/>
+    <dgm:cxn modelId="{21EEA131-555A-4801-A607-FBD385939B0A}" srcId="{928451A7-076A-4725-BC57-E98970B55362}" destId="{11F904A3-BE7E-4610-85FF-791DB76C5662}" srcOrd="0" destOrd="0" parTransId="{03E9A0DC-5904-496A-AAF6-356D4EB9E2C7}" sibTransId="{AA783ABE-4698-4A43-ACFE-2F0CA6278420}"/>
+    <dgm:cxn modelId="{74A79FE0-DCD0-43C0-915E-56C8A39D20C7}" type="presOf" srcId="{AEB247FD-6D58-4408-8770-0452FCED6303}" destId="{0CDE4C4E-2C62-4126-8CEE-77D153383F3B}" srcOrd="1" destOrd="0" presId="urn:microsoft.com/office/officeart/2005/8/layout/hProcess4"/>
+    <dgm:cxn modelId="{0BC19424-EC70-4439-B064-2AB2452E9A8A}" type="presOf" srcId="{AEB247FD-6D58-4408-8770-0452FCED6303}" destId="{8901E0F4-0A59-4693-BCC0-AD691D9FB870}" srcOrd="0" destOrd="0" presId="urn:microsoft.com/office/officeart/2005/8/layout/hProcess4"/>
+    <dgm:cxn modelId="{864C703B-D3FC-4566-883E-42340E00BE6D}" type="presOf" srcId="{928451A7-076A-4725-BC57-E98970B55362}" destId="{40A8A41C-CF7A-4E88-8EA7-EAA6AFD512F6}" srcOrd="0" destOrd="0" presId="urn:microsoft.com/office/officeart/2005/8/layout/hProcess4"/>
+    <dgm:cxn modelId="{1A2CD6BD-4FB6-4C65-A31E-7C659272F5FF}" srcId="{4BBBBA37-00AE-490F-BA4E-E9A756C4A0D7}" destId="{928451A7-076A-4725-BC57-E98970B55362}" srcOrd="2" destOrd="0" parTransId="{605DBBC2-A198-4676-A0C6-4546B7A91B68}" sibTransId="{75637A16-730E-4452-8190-67FB3226C504}"/>
+    <dgm:cxn modelId="{E683F570-DC2B-4326-9DA0-584336C8C6D6}" type="presOf" srcId="{B5920376-0133-44CD-BB1B-6F53C130D637}" destId="{BCCD055F-C4D8-4E1B-AEB8-AC963578358F}" srcOrd="1" destOrd="0" presId="urn:microsoft.com/office/officeart/2005/8/layout/hProcess4"/>
+    <dgm:cxn modelId="{89E90838-B3EB-4AAA-8D15-4D187ADDBC24}" srcId="{20F7D581-9EB2-498F-BE28-9D62195EAF83}" destId="{148DC79C-4EEA-43CF-BADE-659389EC8CCC}" srcOrd="1" destOrd="0" parTransId="{93F49CA4-65A7-42FD-8AC9-5CBA10152A5A}" sibTransId="{987AB886-30FC-4929-AFA2-85A0536B5275}"/>
+    <dgm:cxn modelId="{002EAD7A-751D-4A0E-8B80-3ED2E8BF0317}" srcId="{C0BBB20E-A547-490C-BFC3-F69C30C2BB85}" destId="{C742B16C-6774-4654-A307-2517E5970ED9}" srcOrd="1" destOrd="0" parTransId="{3F79200C-09D6-4579-940A-9925FCF29974}" sibTransId="{DB0BD340-6AE9-43AB-8228-82AD980D89BF}"/>
+    <dgm:cxn modelId="{C9483CCC-F04E-41A4-BC9B-839EAF8C71E4}" type="presOf" srcId="{8DAB84D0-1232-4525-835D-427DF83AEF9C}" destId="{9131C415-ABC8-494A-BB4C-4189E2623C96}" srcOrd="0" destOrd="2" presId="urn:microsoft.com/office/officeart/2005/8/layout/hProcess4"/>
     <dgm:cxn modelId="{E260010D-46B0-46C2-93B1-54EE897A6300}" type="presOf" srcId="{FCF39507-87BB-42FC-936E-7CB9C907446D}" destId="{DC8BE73A-4F5A-421C-B33E-9320120B824C}" srcOrd="0" destOrd="0" presId="urn:microsoft.com/office/officeart/2005/8/layout/hProcess4"/>
     <dgm:cxn modelId="{745C2710-AEC2-4077-8999-F61D41E0B39E}" type="presOf" srcId="{C0BBB20E-A547-490C-BFC3-F69C30C2BB85}" destId="{AB2A0A4B-2E62-43F5-874D-A858B18AD7BD}" srcOrd="0" destOrd="0" presId="urn:microsoft.com/office/officeart/2005/8/layout/hProcess4"/>
-    <dgm:cxn modelId="{70FCD421-2521-424F-B9BC-061AF450C2F8}" type="presOf" srcId="{C742B16C-6774-4654-A307-2517E5970ED9}" destId="{0CDE4C4E-2C62-4126-8CEE-77D153383F3B}" srcOrd="1" destOrd="1" presId="urn:microsoft.com/office/officeart/2005/8/layout/hProcess4"/>
-    <dgm:cxn modelId="{0BC19424-EC70-4439-B064-2AB2452E9A8A}" type="presOf" srcId="{AEB247FD-6D58-4408-8770-0452FCED6303}" destId="{8901E0F4-0A59-4693-BCC0-AD691D9FB870}" srcOrd="0" destOrd="0" presId="urn:microsoft.com/office/officeart/2005/8/layout/hProcess4"/>
-    <dgm:cxn modelId="{DB37CD2A-171A-4EDF-AE2B-5E79EBACFD5B}" srcId="{928451A7-076A-4725-BC57-E98970B55362}" destId="{8DAB84D0-1232-4525-835D-427DF83AEF9C}" srcOrd="2" destOrd="0" parTransId="{66223C22-9641-4203-8CF8-F17D221D4CC1}" sibTransId="{46C6073C-0DC6-4E2E-AF22-F533CD0D8D76}"/>
-    <dgm:cxn modelId="{21EEA131-555A-4801-A607-FBD385939B0A}" srcId="{928451A7-076A-4725-BC57-E98970B55362}" destId="{11F904A3-BE7E-4610-85FF-791DB76C5662}" srcOrd="0" destOrd="0" parTransId="{03E9A0DC-5904-496A-AAF6-356D4EB9E2C7}" sibTransId="{AA783ABE-4698-4A43-ACFE-2F0CA6278420}"/>
-    <dgm:cxn modelId="{89E90838-B3EB-4AAA-8D15-4D187ADDBC24}" srcId="{20F7D581-9EB2-498F-BE28-9D62195EAF83}" destId="{148DC79C-4EEA-43CF-BADE-659389EC8CCC}" srcOrd="1" destOrd="0" parTransId="{93F49CA4-65A7-42FD-8AC9-5CBA10152A5A}" sibTransId="{987AB886-30FC-4929-AFA2-85A0536B5275}"/>
+    <dgm:cxn modelId="{6CE95EFC-1785-4095-B46C-25755792008A}" srcId="{20F7D581-9EB2-498F-BE28-9D62195EAF83}" destId="{346F9207-926A-4CE5-BAF7-6C23B211C114}" srcOrd="2" destOrd="0" parTransId="{52F81A13-55B5-4418-BFA4-E20AA1BFBD56}" sibTransId="{83D741F7-7241-440A-A365-D29CEE2F3D5C}"/>
+    <dgm:cxn modelId="{838DFA9C-65AB-4608-A291-FF7157BB4A5F}" type="presOf" srcId="{11F904A3-BE7E-4610-85FF-791DB76C5662}" destId="{9131C415-ABC8-494A-BB4C-4189E2623C96}" srcOrd="0" destOrd="0" presId="urn:microsoft.com/office/officeart/2005/8/layout/hProcess4"/>
+    <dgm:cxn modelId="{6DF80592-36AC-4508-8724-FC002CDE077F}" type="presOf" srcId="{8B1CE8EB-7CA0-4313-B82B-C36A7BCFDBA5}" destId="{3B26D6A5-9D56-445C-B171-536ACA002E6A}" srcOrd="1" destOrd="1" presId="urn:microsoft.com/office/officeart/2005/8/layout/hProcess4"/>
+    <dgm:cxn modelId="{BE340D61-28A6-4E10-B4BD-309F83AE9FD8}" type="presOf" srcId="{DD1C8274-3095-435A-B7E9-C86DA96BDE64}" destId="{943CED33-B477-41B6-8333-C0E815B32CCD}" srcOrd="0" destOrd="0" presId="urn:microsoft.com/office/officeart/2005/8/layout/hProcess4"/>
+    <dgm:cxn modelId="{EBC422D0-6B48-45C7-BA12-1D35FC881AA7}" srcId="{928451A7-076A-4725-BC57-E98970B55362}" destId="{8B1CE8EB-7CA0-4313-B82B-C36A7BCFDBA5}" srcOrd="1" destOrd="0" parTransId="{454A3619-D629-4946-ACA0-13CDA67EC3C8}" sibTransId="{E9BDABAC-C5CC-489A-B470-ECB5D9E4FFBA}"/>
+    <dgm:cxn modelId="{1497608C-9EBF-4045-B5D2-B57D8503FD29}" srcId="{4BBBBA37-00AE-490F-BA4E-E9A756C4A0D7}" destId="{20F7D581-9EB2-498F-BE28-9D62195EAF83}" srcOrd="1" destOrd="0" parTransId="{E0FBE512-C1C4-4067-A1DE-34C9E33E9EB4}" sibTransId="{FCF39507-87BB-42FC-936E-7CB9C907446D}"/>
+    <dgm:cxn modelId="{54E2835E-295E-4457-8401-C47701F7A488}" type="presOf" srcId="{346F9207-926A-4CE5-BAF7-6C23B211C114}" destId="{B8A19F94-18F6-4D00-B053-8BF08839189F}" srcOrd="0" destOrd="2" presId="urn:microsoft.com/office/officeart/2005/8/layout/hProcess4"/>
+    <dgm:cxn modelId="{DF3E27AC-9EC7-42C1-8261-77B5D8C07EFD}" srcId="{C0BBB20E-A547-490C-BFC3-F69C30C2BB85}" destId="{AEB247FD-6D58-4408-8770-0452FCED6303}" srcOrd="0" destOrd="0" parTransId="{89E3FD14-03B2-4832-8923-0DD87E75F033}" sibTransId="{13ECDF23-8262-4788-A630-8CE5ECF86CAB}"/>
+    <dgm:cxn modelId="{C5973D72-FB08-4B00-8516-F806514B4438}" srcId="{4BBBBA37-00AE-490F-BA4E-E9A756C4A0D7}" destId="{C0BBB20E-A547-490C-BFC3-F69C30C2BB85}" srcOrd="0" destOrd="0" parTransId="{830D836F-DF80-4E41-AF3F-21CC3E8E4EF2}" sibTransId="{DD1C8274-3095-435A-B7E9-C86DA96BDE64}"/>
+    <dgm:cxn modelId="{A743B165-EFB3-4A2B-9188-6DFA8B2E60AB}" srcId="{20F7D581-9EB2-498F-BE28-9D62195EAF83}" destId="{B5920376-0133-44CD-BB1B-6F53C130D637}" srcOrd="0" destOrd="0" parTransId="{E82A70DF-B649-4129-9355-DBF8312CF18F}" sibTransId="{73A56BD2-43C1-4062-A5A5-84091B9A63CC}"/>
     <dgm:cxn modelId="{FBF9C739-9412-4585-8F14-F4D92428BCA3}" type="presOf" srcId="{B5920376-0133-44CD-BB1B-6F53C130D637}" destId="{B8A19F94-18F6-4D00-B053-8BF08839189F}" srcOrd="0" destOrd="0" presId="urn:microsoft.com/office/officeart/2005/8/layout/hProcess4"/>
-    <dgm:cxn modelId="{864C703B-D3FC-4566-883E-42340E00BE6D}" type="presOf" srcId="{928451A7-076A-4725-BC57-E98970B55362}" destId="{40A8A41C-CF7A-4E88-8EA7-EAA6AFD512F6}" srcOrd="0" destOrd="0" presId="urn:microsoft.com/office/officeart/2005/8/layout/hProcess4"/>
-    <dgm:cxn modelId="{A5BE503C-E8E6-47E1-B911-A7E285B72E93}" type="presOf" srcId="{148DC79C-4EEA-43CF-BADE-659389EC8CCC}" destId="{B8A19F94-18F6-4D00-B053-8BF08839189F}" srcOrd="0" destOrd="1" presId="urn:microsoft.com/office/officeart/2005/8/layout/hProcess4"/>
-    <dgm:cxn modelId="{54E2835E-295E-4457-8401-C47701F7A488}" type="presOf" srcId="{346F9207-926A-4CE5-BAF7-6C23B211C114}" destId="{B8A19F94-18F6-4D00-B053-8BF08839189F}" srcOrd="0" destOrd="2" presId="urn:microsoft.com/office/officeart/2005/8/layout/hProcess4"/>
-    <dgm:cxn modelId="{BE340D61-28A6-4E10-B4BD-309F83AE9FD8}" type="presOf" srcId="{DD1C8274-3095-435A-B7E9-C86DA96BDE64}" destId="{943CED33-B477-41B6-8333-C0E815B32CCD}" srcOrd="0" destOrd="0" presId="urn:microsoft.com/office/officeart/2005/8/layout/hProcess4"/>
-    <dgm:cxn modelId="{A743B165-EFB3-4A2B-9188-6DFA8B2E60AB}" srcId="{20F7D581-9EB2-498F-BE28-9D62195EAF83}" destId="{B5920376-0133-44CD-BB1B-6F53C130D637}" srcOrd="0" destOrd="0" parTransId="{E82A70DF-B649-4129-9355-DBF8312CF18F}" sibTransId="{73A56BD2-43C1-4062-A5A5-84091B9A63CC}"/>
-    <dgm:cxn modelId="{E683F570-DC2B-4326-9DA0-584336C8C6D6}" type="presOf" srcId="{B5920376-0133-44CD-BB1B-6F53C130D637}" destId="{BCCD055F-C4D8-4E1B-AEB8-AC963578358F}" srcOrd="1" destOrd="0" presId="urn:microsoft.com/office/officeart/2005/8/layout/hProcess4"/>
-    <dgm:cxn modelId="{C5973D72-FB08-4B00-8516-F806514B4438}" srcId="{4BBBBA37-00AE-490F-BA4E-E9A756C4A0D7}" destId="{C0BBB20E-A547-490C-BFC3-F69C30C2BB85}" srcOrd="0" destOrd="0" parTransId="{830D836F-DF80-4E41-AF3F-21CC3E8E4EF2}" sibTransId="{DD1C8274-3095-435A-B7E9-C86DA96BDE64}"/>
-    <dgm:cxn modelId="{002EAD7A-751D-4A0E-8B80-3ED2E8BF0317}" srcId="{C0BBB20E-A547-490C-BFC3-F69C30C2BB85}" destId="{C742B16C-6774-4654-A307-2517E5970ED9}" srcOrd="1" destOrd="0" parTransId="{3F79200C-09D6-4579-940A-9925FCF29974}" sibTransId="{DB0BD340-6AE9-43AB-8228-82AD980D89BF}"/>
-    <dgm:cxn modelId="{555C2B7C-EBBB-4015-9A21-9AA3BA353080}" type="presOf" srcId="{4BBBBA37-00AE-490F-BA4E-E9A756C4A0D7}" destId="{7ABD661D-07C5-4739-AE45-6E1036C01B22}" srcOrd="0" destOrd="0" presId="urn:microsoft.com/office/officeart/2005/8/layout/hProcess4"/>
-    <dgm:cxn modelId="{419C9C8A-B936-4CB0-8C14-ACFFFA0989FC}" type="presOf" srcId="{8B1CE8EB-7CA0-4313-B82B-C36A7BCFDBA5}" destId="{9131C415-ABC8-494A-BB4C-4189E2623C96}" srcOrd="0" destOrd="1" presId="urn:microsoft.com/office/officeart/2005/8/layout/hProcess4"/>
-    <dgm:cxn modelId="{1497608C-9EBF-4045-B5D2-B57D8503FD29}" srcId="{4BBBBA37-00AE-490F-BA4E-E9A756C4A0D7}" destId="{20F7D581-9EB2-498F-BE28-9D62195EAF83}" srcOrd="1" destOrd="0" parTransId="{E0FBE512-C1C4-4067-A1DE-34C9E33E9EB4}" sibTransId="{FCF39507-87BB-42FC-936E-7CB9C907446D}"/>
-    <dgm:cxn modelId="{6DF80592-36AC-4508-8724-FC002CDE077F}" type="presOf" srcId="{8B1CE8EB-7CA0-4313-B82B-C36A7BCFDBA5}" destId="{3B26D6A5-9D56-445C-B171-536ACA002E6A}" srcOrd="1" destOrd="1" presId="urn:microsoft.com/office/officeart/2005/8/layout/hProcess4"/>
-    <dgm:cxn modelId="{658C8A97-82E5-4674-8ED0-64BFCCDCBEC3}" type="presOf" srcId="{8DAB84D0-1232-4525-835D-427DF83AEF9C}" destId="{3B26D6A5-9D56-445C-B171-536ACA002E6A}" srcOrd="1" destOrd="2" presId="urn:microsoft.com/office/officeart/2005/8/layout/hProcess4"/>
-    <dgm:cxn modelId="{AFFF7C9B-0E77-4342-BDDF-B74DE7FEA928}" type="presOf" srcId="{C742B16C-6774-4654-A307-2517E5970ED9}" destId="{8901E0F4-0A59-4693-BCC0-AD691D9FB870}" srcOrd="0" destOrd="1" presId="urn:microsoft.com/office/officeart/2005/8/layout/hProcess4"/>
-    <dgm:cxn modelId="{838DFA9C-65AB-4608-A291-FF7157BB4A5F}" type="presOf" srcId="{11F904A3-BE7E-4610-85FF-791DB76C5662}" destId="{9131C415-ABC8-494A-BB4C-4189E2623C96}" srcOrd="0" destOrd="0" presId="urn:microsoft.com/office/officeart/2005/8/layout/hProcess4"/>
-    <dgm:cxn modelId="{DF3E27AC-9EC7-42C1-8261-77B5D8C07EFD}" srcId="{C0BBB20E-A547-490C-BFC3-F69C30C2BB85}" destId="{AEB247FD-6D58-4408-8770-0452FCED6303}" srcOrd="0" destOrd="0" parTransId="{89E3FD14-03B2-4832-8923-0DD87E75F033}" sibTransId="{13ECDF23-8262-4788-A630-8CE5ECF86CAB}"/>
-    <dgm:cxn modelId="{1A2CD6BD-4FB6-4C65-A31E-7C659272F5FF}" srcId="{4BBBBA37-00AE-490F-BA4E-E9A756C4A0D7}" destId="{928451A7-076A-4725-BC57-E98970B55362}" srcOrd="2" destOrd="0" parTransId="{605DBBC2-A198-4676-A0C6-4546B7A91B68}" sibTransId="{75637A16-730E-4452-8190-67FB3226C504}"/>
-    <dgm:cxn modelId="{C9483CCC-F04E-41A4-BC9B-839EAF8C71E4}" type="presOf" srcId="{8DAB84D0-1232-4525-835D-427DF83AEF9C}" destId="{9131C415-ABC8-494A-BB4C-4189E2623C96}" srcOrd="0" destOrd="2" presId="urn:microsoft.com/office/officeart/2005/8/layout/hProcess4"/>
-    <dgm:cxn modelId="{EBC422D0-6B48-45C7-BA12-1D35FC881AA7}" srcId="{928451A7-076A-4725-BC57-E98970B55362}" destId="{8B1CE8EB-7CA0-4313-B82B-C36A7BCFDBA5}" srcOrd="1" destOrd="0" parTransId="{454A3619-D629-4946-ACA0-13CDA67EC3C8}" sibTransId="{E9BDABAC-C5CC-489A-B470-ECB5D9E4FFBA}"/>
-    <dgm:cxn modelId="{74A79FE0-DCD0-43C0-915E-56C8A39D20C7}" type="presOf" srcId="{AEB247FD-6D58-4408-8770-0452FCED6303}" destId="{0CDE4C4E-2C62-4126-8CEE-77D153383F3B}" srcOrd="1" destOrd="0" presId="urn:microsoft.com/office/officeart/2005/8/layout/hProcess4"/>
     <dgm:cxn modelId="{966C64E5-611A-47C4-905E-CC17AF588A1F}" type="presOf" srcId="{346F9207-926A-4CE5-BAF7-6C23B211C114}" destId="{BCCD055F-C4D8-4E1B-AEB8-AC963578358F}" srcOrd="1" destOrd="2" presId="urn:microsoft.com/office/officeart/2005/8/layout/hProcess4"/>
     <dgm:cxn modelId="{AE3814E9-6976-4CC2-90CB-4D505E6271E7}" type="presOf" srcId="{11F904A3-BE7E-4610-85FF-791DB76C5662}" destId="{3B26D6A5-9D56-445C-B171-536ACA002E6A}" srcOrd="1" destOrd="0" presId="urn:microsoft.com/office/officeart/2005/8/layout/hProcess4"/>
-    <dgm:cxn modelId="{28055EEB-0D05-4E1C-9C09-229002861ED9}" type="presOf" srcId="{148DC79C-4EEA-43CF-BADE-659389EC8CCC}" destId="{BCCD055F-C4D8-4E1B-AEB8-AC963578358F}" srcOrd="1" destOrd="1" presId="urn:microsoft.com/office/officeart/2005/8/layout/hProcess4"/>
-    <dgm:cxn modelId="{6CE95EFC-1785-4095-B46C-25755792008A}" srcId="{20F7D581-9EB2-498F-BE28-9D62195EAF83}" destId="{346F9207-926A-4CE5-BAF7-6C23B211C114}" srcOrd="2" destOrd="0" parTransId="{52F81A13-55B5-4418-BFA4-E20AA1BFBD56}" sibTransId="{83D741F7-7241-440A-A365-D29CEE2F3D5C}"/>
+    <dgm:cxn modelId="{DB37CD2A-171A-4EDF-AE2B-5E79EBACFD5B}" srcId="{928451A7-076A-4725-BC57-E98970B55362}" destId="{8DAB84D0-1232-4525-835D-427DF83AEF9C}" srcOrd="2" destOrd="0" parTransId="{66223C22-9641-4203-8CF8-F17D221D4CC1}" sibTransId="{46C6073C-0DC6-4E2E-AF22-F533CD0D8D76}"/>
     <dgm:cxn modelId="{CF123FA8-86E9-4509-A8B2-836C24730797}" type="presParOf" srcId="{7ABD661D-07C5-4739-AE45-6E1036C01B22}" destId="{75F32423-9911-408A-B8A9-5D1154B5D7BF}" srcOrd="0" destOrd="0" presId="urn:microsoft.com/office/officeart/2005/8/layout/hProcess4"/>
     <dgm:cxn modelId="{8850E79F-00B9-4C54-9215-3D15B08153DD}" type="presParOf" srcId="{7ABD661D-07C5-4739-AE45-6E1036C01B22}" destId="{D241EEF2-5E0C-4DE4-A18D-25619EBD7B6F}" srcOrd="1" destOrd="0" presId="urn:microsoft.com/office/officeart/2005/8/layout/hProcess4"/>
     <dgm:cxn modelId="{1226809C-B779-4841-B727-3E10E011B6CB}" type="presParOf" srcId="{7ABD661D-07C5-4739-AE45-6E1036C01B22}" destId="{FC4CC419-9620-4012-97C5-A28BFD476CA1}" srcOrd="2" destOrd="0" presId="urn:microsoft.com/office/officeart/2005/8/layout/hProcess4"/>
@@ -6861,6 +7381,13 @@
         </dgm:presLayoutVars>
       </dgm:prSet>
       <dgm:spPr/>
+      <dgm:t>
+        <a:bodyPr/>
+        <a:lstStyle/>
+        <a:p>
+          <a:endParaRPr lang="fr-FR"/>
+        </a:p>
+      </dgm:t>
     </dgm:pt>
     <dgm:pt modelId="{75F32423-9911-408A-B8A9-5D1154B5D7BF}" type="pres">
       <dgm:prSet presAssocID="{4BBBBA37-00AE-490F-BA4E-E9A756C4A0D7}" presName="tSp" presStyleCnt="0"/>
@@ -6889,6 +7416,13 @@
         </dgm:presLayoutVars>
       </dgm:prSet>
       <dgm:spPr/>
+      <dgm:t>
+        <a:bodyPr/>
+        <a:lstStyle/>
+        <a:p>
+          <a:endParaRPr lang="fr-FR"/>
+        </a:p>
+      </dgm:t>
     </dgm:pt>
     <dgm:pt modelId="{0CDE4C4E-2C62-4126-8CEE-77D153383F3B}" type="pres">
       <dgm:prSet presAssocID="{C0BBB20E-A547-490C-BFC3-F69C30C2BB85}" presName="childNode1tx" presStyleLbl="bgAcc1" presStyleIdx="0" presStyleCnt="2">
@@ -6897,6 +7431,13 @@
         </dgm:presLayoutVars>
       </dgm:prSet>
       <dgm:spPr/>
+      <dgm:t>
+        <a:bodyPr/>
+        <a:lstStyle/>
+        <a:p>
+          <a:endParaRPr lang="fr-FR"/>
+        </a:p>
+      </dgm:t>
     </dgm:pt>
     <dgm:pt modelId="{AB2A0A4B-2E62-43F5-874D-A858B18AD7BD}" type="pres">
       <dgm:prSet presAssocID="{C0BBB20E-A547-490C-BFC3-F69C30C2BB85}" presName="parentNode1" presStyleLbl="node1" presStyleIdx="0" presStyleCnt="2" custScaleX="76849" custScaleY="54238">
@@ -6906,6 +7447,13 @@
         </dgm:presLayoutVars>
       </dgm:prSet>
       <dgm:spPr/>
+      <dgm:t>
+        <a:bodyPr/>
+        <a:lstStyle/>
+        <a:p>
+          <a:endParaRPr lang="fr-FR"/>
+        </a:p>
+      </dgm:t>
     </dgm:pt>
     <dgm:pt modelId="{36C63541-11CA-440A-96C0-F62A9C797175}" type="pres">
       <dgm:prSet presAssocID="{C0BBB20E-A547-490C-BFC3-F69C30C2BB85}" presName="connSite1" presStyleCnt="0"/>
@@ -6914,6 +7462,13 @@
     <dgm:pt modelId="{943CED33-B477-41B6-8333-C0E815B32CCD}" type="pres">
       <dgm:prSet presAssocID="{DD1C8274-3095-435A-B7E9-C86DA96BDE64}" presName="Name9" presStyleLbl="sibTrans2D1" presStyleIdx="0" presStyleCnt="1"/>
       <dgm:spPr/>
+      <dgm:t>
+        <a:bodyPr/>
+        <a:lstStyle/>
+        <a:p>
+          <a:endParaRPr lang="fr-FR"/>
+        </a:p>
+      </dgm:t>
     </dgm:pt>
     <dgm:pt modelId="{DAE054FC-E8A5-4F66-B3DE-0F065A517B2B}" type="pres">
       <dgm:prSet presAssocID="{20F7D581-9EB2-498F-BE28-9D62195EAF83}" presName="composite2" presStyleCnt="0"/>
@@ -6930,6 +7485,13 @@
         </dgm:presLayoutVars>
       </dgm:prSet>
       <dgm:spPr/>
+      <dgm:t>
+        <a:bodyPr/>
+        <a:lstStyle/>
+        <a:p>
+          <a:endParaRPr lang="fr-FR"/>
+        </a:p>
+      </dgm:t>
     </dgm:pt>
     <dgm:pt modelId="{BCCD055F-C4D8-4E1B-AEB8-AC963578358F}" type="pres">
       <dgm:prSet presAssocID="{20F7D581-9EB2-498F-BE28-9D62195EAF83}" presName="childNode2tx" presStyleLbl="bgAcc1" presStyleIdx="1" presStyleCnt="2">
@@ -6938,6 +7500,13 @@
         </dgm:presLayoutVars>
       </dgm:prSet>
       <dgm:spPr/>
+      <dgm:t>
+        <a:bodyPr/>
+        <a:lstStyle/>
+        <a:p>
+          <a:endParaRPr lang="fr-FR"/>
+        </a:p>
+      </dgm:t>
     </dgm:pt>
     <dgm:pt modelId="{71BAD410-3299-44D0-A85A-DC3B57193168}" type="pres">
       <dgm:prSet presAssocID="{20F7D581-9EB2-498F-BE28-9D62195EAF83}" presName="parentNode2" presStyleLbl="node1" presStyleIdx="1" presStyleCnt="2" custScaleX="76849" custScaleY="54238">
@@ -6947,6 +7516,13 @@
         </dgm:presLayoutVars>
       </dgm:prSet>
       <dgm:spPr/>
+      <dgm:t>
+        <a:bodyPr/>
+        <a:lstStyle/>
+        <a:p>
+          <a:endParaRPr lang="fr-FR"/>
+        </a:p>
+      </dgm:t>
     </dgm:pt>
     <dgm:pt modelId="{89ADB8B3-B871-45E3-A9C2-130268780D69}" type="pres">
       <dgm:prSet presAssocID="{20F7D581-9EB2-498F-BE28-9D62195EAF83}" presName="connSite2" presStyleCnt="0"/>
@@ -6955,17 +7531,17 @@
   </dgm:ptLst>
   <dgm:cxnLst>
     <dgm:cxn modelId="{3228E000-8C8D-4FC1-BE09-2CB2D43274CF}" type="presOf" srcId="{20F7D581-9EB2-498F-BE28-9D62195EAF83}" destId="{71BAD410-3299-44D0-A85A-DC3B57193168}" srcOrd="0" destOrd="0" presId="urn:microsoft.com/office/officeart/2005/8/layout/hProcess4"/>
+    <dgm:cxn modelId="{1497608C-9EBF-4045-B5D2-B57D8503FD29}" srcId="{4BBBBA37-00AE-490F-BA4E-E9A756C4A0D7}" destId="{20F7D581-9EB2-498F-BE28-9D62195EAF83}" srcOrd="1" destOrd="0" parTransId="{E0FBE512-C1C4-4067-A1DE-34C9E33E9EB4}" sibTransId="{FCF39507-87BB-42FC-936E-7CB9C907446D}"/>
+    <dgm:cxn modelId="{BE340D61-28A6-4E10-B4BD-309F83AE9FD8}" type="presOf" srcId="{DD1C8274-3095-435A-B7E9-C86DA96BDE64}" destId="{943CED33-B477-41B6-8333-C0E815B32CCD}" srcOrd="0" destOrd="0" presId="urn:microsoft.com/office/officeart/2005/8/layout/hProcess4"/>
+    <dgm:cxn modelId="{C5973D72-FB08-4B00-8516-F806514B4438}" srcId="{4BBBBA37-00AE-490F-BA4E-E9A756C4A0D7}" destId="{C0BBB20E-A547-490C-BFC3-F69C30C2BB85}" srcOrd="0" destOrd="0" parTransId="{830D836F-DF80-4E41-AF3F-21CC3E8E4EF2}" sibTransId="{DD1C8274-3095-435A-B7E9-C86DA96BDE64}"/>
+    <dgm:cxn modelId="{A743B165-EFB3-4A2B-9188-6DFA8B2E60AB}" srcId="{20F7D581-9EB2-498F-BE28-9D62195EAF83}" destId="{B5920376-0133-44CD-BB1B-6F53C130D637}" srcOrd="0" destOrd="0" parTransId="{E82A70DF-B649-4129-9355-DBF8312CF18F}" sibTransId="{73A56BD2-43C1-4062-A5A5-84091B9A63CC}"/>
+    <dgm:cxn modelId="{DF3E27AC-9EC7-42C1-8261-77B5D8C07EFD}" srcId="{C0BBB20E-A547-490C-BFC3-F69C30C2BB85}" destId="{AEB247FD-6D58-4408-8770-0452FCED6303}" srcOrd="0" destOrd="0" parTransId="{89E3FD14-03B2-4832-8923-0DD87E75F033}" sibTransId="{13ECDF23-8262-4788-A630-8CE5ECF86CAB}"/>
     <dgm:cxn modelId="{745C2710-AEC2-4077-8999-F61D41E0B39E}" type="presOf" srcId="{C0BBB20E-A547-490C-BFC3-F69C30C2BB85}" destId="{AB2A0A4B-2E62-43F5-874D-A858B18AD7BD}" srcOrd="0" destOrd="0" presId="urn:microsoft.com/office/officeart/2005/8/layout/hProcess4"/>
+    <dgm:cxn modelId="{FBF9C739-9412-4585-8F14-F4D92428BCA3}" type="presOf" srcId="{B5920376-0133-44CD-BB1B-6F53C130D637}" destId="{B8A19F94-18F6-4D00-B053-8BF08839189F}" srcOrd="0" destOrd="0" presId="urn:microsoft.com/office/officeart/2005/8/layout/hProcess4"/>
+    <dgm:cxn modelId="{E683F570-DC2B-4326-9DA0-584336C8C6D6}" type="presOf" srcId="{B5920376-0133-44CD-BB1B-6F53C130D637}" destId="{BCCD055F-C4D8-4E1B-AEB8-AC963578358F}" srcOrd="1" destOrd="0" presId="urn:microsoft.com/office/officeart/2005/8/layout/hProcess4"/>
+    <dgm:cxn modelId="{555C2B7C-EBBB-4015-9A21-9AA3BA353080}" type="presOf" srcId="{4BBBBA37-00AE-490F-BA4E-E9A756C4A0D7}" destId="{7ABD661D-07C5-4739-AE45-6E1036C01B22}" srcOrd="0" destOrd="0" presId="urn:microsoft.com/office/officeart/2005/8/layout/hProcess4"/>
+    <dgm:cxn modelId="{74A79FE0-DCD0-43C0-915E-56C8A39D20C7}" type="presOf" srcId="{AEB247FD-6D58-4408-8770-0452FCED6303}" destId="{0CDE4C4E-2C62-4126-8CEE-77D153383F3B}" srcOrd="1" destOrd="0" presId="urn:microsoft.com/office/officeart/2005/8/layout/hProcess4"/>
     <dgm:cxn modelId="{0BC19424-EC70-4439-B064-2AB2452E9A8A}" type="presOf" srcId="{AEB247FD-6D58-4408-8770-0452FCED6303}" destId="{8901E0F4-0A59-4693-BCC0-AD691D9FB870}" srcOrd="0" destOrd="0" presId="urn:microsoft.com/office/officeart/2005/8/layout/hProcess4"/>
-    <dgm:cxn modelId="{FBF9C739-9412-4585-8F14-F4D92428BCA3}" type="presOf" srcId="{B5920376-0133-44CD-BB1B-6F53C130D637}" destId="{B8A19F94-18F6-4D00-B053-8BF08839189F}" srcOrd="0" destOrd="0" presId="urn:microsoft.com/office/officeart/2005/8/layout/hProcess4"/>
-    <dgm:cxn modelId="{BE340D61-28A6-4E10-B4BD-309F83AE9FD8}" type="presOf" srcId="{DD1C8274-3095-435A-B7E9-C86DA96BDE64}" destId="{943CED33-B477-41B6-8333-C0E815B32CCD}" srcOrd="0" destOrd="0" presId="urn:microsoft.com/office/officeart/2005/8/layout/hProcess4"/>
-    <dgm:cxn modelId="{A743B165-EFB3-4A2B-9188-6DFA8B2E60AB}" srcId="{20F7D581-9EB2-498F-BE28-9D62195EAF83}" destId="{B5920376-0133-44CD-BB1B-6F53C130D637}" srcOrd="0" destOrd="0" parTransId="{E82A70DF-B649-4129-9355-DBF8312CF18F}" sibTransId="{73A56BD2-43C1-4062-A5A5-84091B9A63CC}"/>
-    <dgm:cxn modelId="{E683F570-DC2B-4326-9DA0-584336C8C6D6}" type="presOf" srcId="{B5920376-0133-44CD-BB1B-6F53C130D637}" destId="{BCCD055F-C4D8-4E1B-AEB8-AC963578358F}" srcOrd="1" destOrd="0" presId="urn:microsoft.com/office/officeart/2005/8/layout/hProcess4"/>
-    <dgm:cxn modelId="{C5973D72-FB08-4B00-8516-F806514B4438}" srcId="{4BBBBA37-00AE-490F-BA4E-E9A756C4A0D7}" destId="{C0BBB20E-A547-490C-BFC3-F69C30C2BB85}" srcOrd="0" destOrd="0" parTransId="{830D836F-DF80-4E41-AF3F-21CC3E8E4EF2}" sibTransId="{DD1C8274-3095-435A-B7E9-C86DA96BDE64}"/>
-    <dgm:cxn modelId="{555C2B7C-EBBB-4015-9A21-9AA3BA353080}" type="presOf" srcId="{4BBBBA37-00AE-490F-BA4E-E9A756C4A0D7}" destId="{7ABD661D-07C5-4739-AE45-6E1036C01B22}" srcOrd="0" destOrd="0" presId="urn:microsoft.com/office/officeart/2005/8/layout/hProcess4"/>
-    <dgm:cxn modelId="{1497608C-9EBF-4045-B5D2-B57D8503FD29}" srcId="{4BBBBA37-00AE-490F-BA4E-E9A756C4A0D7}" destId="{20F7D581-9EB2-498F-BE28-9D62195EAF83}" srcOrd="1" destOrd="0" parTransId="{E0FBE512-C1C4-4067-A1DE-34C9E33E9EB4}" sibTransId="{FCF39507-87BB-42FC-936E-7CB9C907446D}"/>
-    <dgm:cxn modelId="{DF3E27AC-9EC7-42C1-8261-77B5D8C07EFD}" srcId="{C0BBB20E-A547-490C-BFC3-F69C30C2BB85}" destId="{AEB247FD-6D58-4408-8770-0452FCED6303}" srcOrd="0" destOrd="0" parTransId="{89E3FD14-03B2-4832-8923-0DD87E75F033}" sibTransId="{13ECDF23-8262-4788-A630-8CE5ECF86CAB}"/>
-    <dgm:cxn modelId="{74A79FE0-DCD0-43C0-915E-56C8A39D20C7}" type="presOf" srcId="{AEB247FD-6D58-4408-8770-0452FCED6303}" destId="{0CDE4C4E-2C62-4126-8CEE-77D153383F3B}" srcOrd="1" destOrd="0" presId="urn:microsoft.com/office/officeart/2005/8/layout/hProcess4"/>
     <dgm:cxn modelId="{CF123FA8-86E9-4509-A8B2-836C24730797}" type="presParOf" srcId="{7ABD661D-07C5-4739-AE45-6E1036C01B22}" destId="{75F32423-9911-408A-B8A9-5D1154B5D7BF}" srcOrd="0" destOrd="0" presId="urn:microsoft.com/office/officeart/2005/8/layout/hProcess4"/>
     <dgm:cxn modelId="{8850E79F-00B9-4C54-9215-3D15B08153DD}" type="presParOf" srcId="{7ABD661D-07C5-4739-AE45-6E1036C01B22}" destId="{D241EEF2-5E0C-4DE4-A18D-25619EBD7B6F}" srcOrd="1" destOrd="0" presId="urn:microsoft.com/office/officeart/2005/8/layout/hProcess4"/>
     <dgm:cxn modelId="{1226809C-B779-4841-B727-3E10E011B6CB}" type="presParOf" srcId="{7ABD661D-07C5-4739-AE45-6E1036C01B22}" destId="{FC4CC419-9620-4012-97C5-A28BFD476CA1}" srcOrd="2" destOrd="0" presId="urn:microsoft.com/office/officeart/2005/8/layout/hProcess4"/>
@@ -7057,7 +7633,7 @@
         </a:bodyPr>
         <a:lstStyle/>
         <a:p>
-          <a:pPr marL="57150" lvl="1" indent="-57150" algn="l" defTabSz="266700">
+          <a:pPr marL="57150" lvl="1" indent="-57150" algn="l" defTabSz="311150">
             <a:lnSpc>
               <a:spcPct val="90000"/>
             </a:lnSpc>
@@ -7067,10 +7643,12 @@
             <a:spcAft>
               <a:spcPct val="15000"/>
             </a:spcAft>
-            <a:buChar char="•"/>
+            <a:buChar char="••"/>
           </a:pPr>
           <a:r>
-            <a:rPr lang="fr-FR" sz="600" kern="1200" dirty="0"/>
+            <a:rPr lang="fr-FR" sz="700" kern="1200" dirty="0">
+              <a:latin typeface="Arial Nova" panose="020B0504020202020204"/>
+            </a:rPr>
             <a:t>S’approprier et analyser un système</a:t>
           </a:r>
         </a:p>
@@ -7180,12 +7758,12 @@
         </a:fontRef>
       </dsp:style>
       <dsp:txBody>
-        <a:bodyPr spcFirstLastPara="0" vert="horz" wrap="square" lIns="11430" tIns="7620" rIns="11430" bIns="7620" numCol="1" spcCol="1270" anchor="ctr" anchorCtr="0">
+        <a:bodyPr spcFirstLastPara="0" vert="horz" wrap="square" lIns="13335" tIns="8890" rIns="13335" bIns="8890" numCol="1" spcCol="1270" anchor="ctr" anchorCtr="0">
           <a:noAutofit/>
         </a:bodyPr>
         <a:lstStyle/>
         <a:p>
-          <a:pPr marL="0" lvl="0" indent="0" algn="ctr" defTabSz="266700">
+          <a:pPr lvl="0" algn="ctr" defTabSz="311150">
             <a:lnSpc>
               <a:spcPct val="90000"/>
             </a:lnSpc>
@@ -7195,15 +7773,16 @@
             <a:spcAft>
               <a:spcPct val="35000"/>
             </a:spcAft>
-            <a:buNone/>
           </a:pPr>
           <a:r>
-            <a:rPr lang="fr-FR" sz="600" kern="1200" dirty="0"/>
+            <a:rPr lang="fr-FR" sz="700" kern="1200" dirty="0">
+              <a:latin typeface="Arial Nova" panose="020B0504020202020204"/>
+            </a:rPr>
             <a:t>Pôle 1</a:t>
           </a:r>
         </a:p>
         <a:p>
-          <a:pPr marL="0" lvl="0" indent="0" algn="ctr" defTabSz="266700">
+          <a:pPr lvl="0" algn="ctr" defTabSz="311150">
             <a:lnSpc>
               <a:spcPct val="90000"/>
             </a:lnSpc>
@@ -7213,10 +7792,11 @@
             <a:spcAft>
               <a:spcPct val="35000"/>
             </a:spcAft>
-            <a:buNone/>
           </a:pPr>
           <a:r>
-            <a:rPr lang="fr-FR" sz="600" kern="1200" dirty="0"/>
+            <a:rPr lang="fr-FR" sz="700" kern="1200" dirty="0">
+              <a:latin typeface="Arial Nova" panose="020B0504020202020204"/>
+            </a:rPr>
             <a:t>Découverte du système</a:t>
           </a:r>
         </a:p>
@@ -7277,12 +7857,12 @@
         <a:fontRef idx="minor"/>
       </dsp:style>
       <dsp:txBody>
-        <a:bodyPr spcFirstLastPara="0" vert="horz" wrap="square" lIns="32385" tIns="32385" rIns="32385" bIns="32385" numCol="1" spcCol="1270" anchor="t" anchorCtr="0">
+        <a:bodyPr spcFirstLastPara="0" vert="horz" wrap="square" lIns="123825" tIns="123825" rIns="123825" bIns="123825" numCol="1" spcCol="1270" anchor="t" anchorCtr="0">
           <a:noAutofit/>
         </a:bodyPr>
         <a:lstStyle/>
         <a:p>
-          <a:pPr marL="171450" lvl="1" indent="-171450" algn="l" defTabSz="755650">
+          <a:pPr marL="228600" lvl="1" indent="-228600" algn="l" defTabSz="889000">
             <a:lnSpc>
               <a:spcPct val="90000"/>
             </a:lnSpc>
@@ -7292,12 +7872,14 @@
             <a:spcAft>
               <a:spcPct val="15000"/>
             </a:spcAft>
-            <a:buChar char="•"/>
+            <a:buChar char="••"/>
           </a:pPr>
-          <a:endParaRPr lang="fr-FR" sz="1700" kern="1200" dirty="0"/>
+          <a:endParaRPr lang="fr-FR" sz="2000" kern="1200" dirty="0">
+            <a:latin typeface="Arial Nova" panose="020B0504020202020204"/>
+          </a:endParaRPr>
         </a:p>
         <a:p>
-          <a:pPr marL="171450" lvl="1" indent="-171450" algn="l" defTabSz="755650">
+          <a:pPr marL="228600" lvl="1" indent="-228600" algn="l" defTabSz="889000">
             <a:lnSpc>
               <a:spcPct val="90000"/>
             </a:lnSpc>
@@ -7307,9 +7889,11 @@
             <a:spcAft>
               <a:spcPct val="15000"/>
             </a:spcAft>
-            <a:buChar char="•"/>
+            <a:buChar char="••"/>
           </a:pPr>
-          <a:endParaRPr lang="fr-FR" sz="1700" kern="1200" dirty="0"/>
+          <a:endParaRPr lang="fr-FR" sz="2000" kern="1200" dirty="0">
+            <a:latin typeface="Arial Nova" panose="020B0504020202020204"/>
+          </a:endParaRPr>
         </a:p>
       </dsp:txBody>
       <dsp:txXfrm>
@@ -7417,12 +8001,12 @@
         </a:fontRef>
       </dsp:style>
       <dsp:txBody>
-        <a:bodyPr spcFirstLastPara="0" vert="horz" wrap="square" lIns="11430" tIns="7620" rIns="11430" bIns="7620" numCol="1" spcCol="1270" anchor="ctr" anchorCtr="0">
+        <a:bodyPr spcFirstLastPara="0" vert="horz" wrap="square" lIns="13335" tIns="8890" rIns="13335" bIns="8890" numCol="1" spcCol="1270" anchor="ctr" anchorCtr="0">
           <a:noAutofit/>
         </a:bodyPr>
         <a:lstStyle/>
         <a:p>
-          <a:pPr marL="0" lvl="0" indent="0" algn="ctr" defTabSz="266700">
+          <a:pPr lvl="0" algn="ctr" defTabSz="311150">
             <a:lnSpc>
               <a:spcPct val="90000"/>
             </a:lnSpc>
@@ -7432,10 +8016,11 @@
             <a:spcAft>
               <a:spcPct val="35000"/>
             </a:spcAft>
-            <a:buNone/>
           </a:pPr>
           <a:r>
-            <a:rPr lang="fr-FR" sz="600" kern="1200" dirty="0"/>
+            <a:rPr lang="fr-FR" sz="700" kern="1200" dirty="0">
+              <a:latin typeface="Arial Nova" panose="020B0504020202020204"/>
+            </a:rPr>
             <a:t>Pôle 2</a:t>
           </a:r>
         </a:p>
@@ -7496,12 +8081,12 @@
         <a:fontRef idx="minor"/>
       </dsp:style>
       <dsp:txBody>
-        <a:bodyPr spcFirstLastPara="0" vert="horz" wrap="square" lIns="32385" tIns="32385" rIns="32385" bIns="32385" numCol="1" spcCol="1270" anchor="t" anchorCtr="0">
+        <a:bodyPr spcFirstLastPara="0" vert="horz" wrap="square" lIns="123825" tIns="123825" rIns="123825" bIns="123825" numCol="1" spcCol="1270" anchor="t" anchorCtr="0">
           <a:noAutofit/>
         </a:bodyPr>
         <a:lstStyle/>
         <a:p>
-          <a:pPr marL="171450" lvl="1" indent="-171450" algn="l" defTabSz="755650">
+          <a:pPr marL="228600" lvl="1" indent="-228600" algn="l" defTabSz="889000">
             <a:lnSpc>
               <a:spcPct val="90000"/>
             </a:lnSpc>
@@ -7511,9 +8096,11 @@
             <a:spcAft>
               <a:spcPct val="15000"/>
             </a:spcAft>
-            <a:buChar char="•"/>
+            <a:buChar char="••"/>
           </a:pPr>
-          <a:endParaRPr lang="fr-FR" sz="1700" kern="1200" dirty="0"/>
+          <a:endParaRPr lang="fr-FR" sz="2000" kern="1200" dirty="0">
+            <a:latin typeface="Arial Nova" panose="020B0504020202020204"/>
+          </a:endParaRPr>
         </a:p>
       </dsp:txBody>
       <dsp:txXfrm>
@@ -7621,12 +8208,12 @@
         </a:fontRef>
       </dsp:style>
       <dsp:txBody>
-        <a:bodyPr spcFirstLastPara="0" vert="horz" wrap="square" lIns="11430" tIns="7620" rIns="11430" bIns="7620" numCol="1" spcCol="1270" anchor="ctr" anchorCtr="0">
+        <a:bodyPr spcFirstLastPara="0" vert="horz" wrap="square" lIns="13335" tIns="8890" rIns="13335" bIns="8890" numCol="1" spcCol="1270" anchor="ctr" anchorCtr="0">
           <a:noAutofit/>
         </a:bodyPr>
         <a:lstStyle/>
         <a:p>
-          <a:pPr marL="0" lvl="0" indent="0" algn="ctr" defTabSz="266700">
+          <a:pPr lvl="0" algn="ctr" defTabSz="311150">
             <a:lnSpc>
               <a:spcPct val="90000"/>
             </a:lnSpc>
@@ -7636,10 +8223,11 @@
             <a:spcAft>
               <a:spcPct val="35000"/>
             </a:spcAft>
-            <a:buNone/>
           </a:pPr>
           <a:r>
-            <a:rPr lang="fr-FR" sz="600" kern="1200" dirty="0"/>
+            <a:rPr lang="fr-FR" sz="700" kern="1200" dirty="0">
+              <a:latin typeface="Arial Nova" panose="020B0504020202020204"/>
+            </a:rPr>
             <a:t>Pôle 3</a:t>
           </a:r>
         </a:p>
@@ -7700,12 +8288,12 @@
         <a:fontRef idx="minor"/>
       </dsp:style>
       <dsp:txBody>
-        <a:bodyPr spcFirstLastPara="0" vert="horz" wrap="square" lIns="32385" tIns="32385" rIns="32385" bIns="32385" numCol="1" spcCol="1270" anchor="t" anchorCtr="0">
+        <a:bodyPr spcFirstLastPara="0" vert="horz" wrap="square" lIns="123825" tIns="123825" rIns="123825" bIns="123825" numCol="1" spcCol="1270" anchor="t" anchorCtr="0">
           <a:noAutofit/>
         </a:bodyPr>
         <a:lstStyle/>
         <a:p>
-          <a:pPr marL="171450" lvl="1" indent="-171450" algn="l" defTabSz="755650">
+          <a:pPr marL="228600" lvl="1" indent="-228600" algn="l" defTabSz="889000">
             <a:lnSpc>
               <a:spcPct val="90000"/>
             </a:lnSpc>
@@ -7715,9 +8303,11 @@
             <a:spcAft>
               <a:spcPct val="15000"/>
             </a:spcAft>
-            <a:buChar char="•"/>
+            <a:buChar char="••"/>
           </a:pPr>
-          <a:endParaRPr lang="fr-FR" sz="1700" kern="1200" dirty="0"/>
+          <a:endParaRPr lang="fr-FR" sz="2000" kern="1200" dirty="0">
+            <a:latin typeface="Arial Nova" panose="020B0504020202020204"/>
+          </a:endParaRPr>
         </a:p>
       </dsp:txBody>
       <dsp:txXfrm>
@@ -7825,12 +8415,12 @@
         </a:fontRef>
       </dsp:style>
       <dsp:txBody>
-        <a:bodyPr spcFirstLastPara="0" vert="horz" wrap="square" lIns="11430" tIns="7620" rIns="11430" bIns="7620" numCol="1" spcCol="1270" anchor="ctr" anchorCtr="0">
+        <a:bodyPr spcFirstLastPara="0" vert="horz" wrap="square" lIns="13335" tIns="8890" rIns="13335" bIns="8890" numCol="1" spcCol="1270" anchor="ctr" anchorCtr="0">
           <a:noAutofit/>
         </a:bodyPr>
         <a:lstStyle/>
         <a:p>
-          <a:pPr marL="0" lvl="0" indent="0" algn="ctr" defTabSz="266700">
+          <a:pPr lvl="0" algn="ctr" defTabSz="311150">
             <a:lnSpc>
               <a:spcPct val="90000"/>
             </a:lnSpc>
@@ -7840,10 +8430,11 @@
             <a:spcAft>
               <a:spcPct val="35000"/>
             </a:spcAft>
-            <a:buNone/>
           </a:pPr>
           <a:r>
-            <a:rPr lang="fr-FR" sz="600" kern="1200" dirty="0"/>
+            <a:rPr lang="fr-FR" sz="700" kern="1200" dirty="0">
+              <a:latin typeface="Arial Nova" panose="020B0504020202020204"/>
+            </a:rPr>
             <a:t>Pôle 4</a:t>
           </a:r>
         </a:p>
@@ -7904,12 +8495,12 @@
         <a:fontRef idx="minor"/>
       </dsp:style>
       <dsp:txBody>
-        <a:bodyPr spcFirstLastPara="0" vert="horz" wrap="square" lIns="32385" tIns="32385" rIns="32385" bIns="32385" numCol="1" spcCol="1270" anchor="t" anchorCtr="0">
+        <a:bodyPr spcFirstLastPara="0" vert="horz" wrap="square" lIns="123825" tIns="123825" rIns="123825" bIns="123825" numCol="1" spcCol="1270" anchor="t" anchorCtr="0">
           <a:noAutofit/>
         </a:bodyPr>
         <a:lstStyle/>
         <a:p>
-          <a:pPr marL="171450" lvl="1" indent="-171450" algn="l" defTabSz="755650">
+          <a:pPr marL="228600" lvl="1" indent="-228600" algn="l" defTabSz="889000">
             <a:lnSpc>
               <a:spcPct val="90000"/>
             </a:lnSpc>
@@ -7919,9 +8510,11 @@
             <a:spcAft>
               <a:spcPct val="15000"/>
             </a:spcAft>
-            <a:buChar char="•"/>
+            <a:buChar char="••"/>
           </a:pPr>
-          <a:endParaRPr lang="fr-FR" sz="1700" kern="1200" dirty="0"/>
+          <a:endParaRPr lang="fr-FR" sz="2000" kern="1200" dirty="0">
+            <a:latin typeface="Arial Nova" panose="020B0504020202020204"/>
+          </a:endParaRPr>
         </a:p>
       </dsp:txBody>
       <dsp:txXfrm>
@@ -7981,12 +8574,12 @@
         </a:fontRef>
       </dsp:style>
       <dsp:txBody>
-        <a:bodyPr spcFirstLastPara="0" vert="horz" wrap="square" lIns="11430" tIns="7620" rIns="11430" bIns="7620" numCol="1" spcCol="1270" anchor="ctr" anchorCtr="0">
+        <a:bodyPr spcFirstLastPara="0" vert="horz" wrap="square" lIns="13335" tIns="8890" rIns="13335" bIns="8890" numCol="1" spcCol="1270" anchor="ctr" anchorCtr="0">
           <a:noAutofit/>
         </a:bodyPr>
         <a:lstStyle/>
         <a:p>
-          <a:pPr marL="0" lvl="0" indent="0" algn="ctr" defTabSz="266700">
+          <a:pPr lvl="0" algn="ctr" defTabSz="311150">
             <a:lnSpc>
               <a:spcPct val="90000"/>
             </a:lnSpc>
@@ -7996,10 +8589,11 @@
             <a:spcAft>
               <a:spcPct val="35000"/>
             </a:spcAft>
-            <a:buNone/>
           </a:pPr>
           <a:r>
-            <a:rPr lang="fr-FR" sz="600" kern="1200" dirty="0"/>
+            <a:rPr lang="fr-FR" sz="700" kern="1200" dirty="0">
+              <a:latin typeface="Arial Nova" panose="020B0504020202020204"/>
+            </a:rPr>
             <a:t>Pôle 5</a:t>
           </a:r>
         </a:p>
@@ -8028,8 +8622,8 @@
       </dsp:nvSpPr>
       <dsp:spPr>
         <a:xfrm>
-          <a:off x="682" y="667871"/>
-          <a:ext cx="1037455" cy="855683"/>
+          <a:off x="2078" y="678802"/>
+          <a:ext cx="998384" cy="823458"/>
         </a:xfrm>
         <a:prstGeom prst="roundRect">
           <a:avLst>
@@ -8087,7 +8681,7 @@
             <a:spcAft>
               <a:spcPct val="15000"/>
             </a:spcAft>
-            <a:buChar char="•"/>
+            <a:buChar char="••"/>
           </a:pPr>
           <a:r>
             <a:rPr lang="fr-FR" sz="600" kern="1200" dirty="0"/>
@@ -8105,7 +8699,7 @@
             <a:spcAft>
               <a:spcPct val="15000"/>
             </a:spcAft>
-            <a:buChar char="•"/>
+            <a:buChar char="••"/>
           </a:pPr>
           <a:r>
             <a:rPr lang="fr-FR" sz="600" kern="1200" dirty="0"/>
@@ -8123,7 +8717,7 @@
             <a:spcAft>
               <a:spcPct val="15000"/>
             </a:spcAft>
-            <a:buChar char="•"/>
+            <a:buChar char="••"/>
           </a:pPr>
           <a:r>
             <a:rPr lang="fr-FR" sz="600" kern="1200" dirty="0"/>
@@ -8132,8 +8726,8 @@
         </a:p>
       </dsp:txBody>
       <dsp:txXfrm>
-        <a:off x="20374" y="687563"/>
-        <a:ext cx="998071" cy="632938"/>
+        <a:off x="21028" y="697752"/>
+        <a:ext cx="960484" cy="609102"/>
       </dsp:txXfrm>
     </dsp:sp>
     <dsp:sp modelId="{943CED33-B477-41B6-8333-C0E815B32CCD}">
@@ -8143,16 +8737,16 @@
       </dsp:nvSpPr>
       <dsp:spPr>
         <a:xfrm>
-          <a:off x="553033" y="761511"/>
-          <a:ext cx="1306856" cy="1306856"/>
+          <a:off x="536700" y="779950"/>
+          <a:ext cx="1241338" cy="1241338"/>
         </a:xfrm>
         <a:prstGeom prst="leftCircularArrow">
           <a:avLst>
-            <a:gd name="adj1" fmla="val 4391"/>
-            <a:gd name="adj2" fmla="val 556663"/>
-            <a:gd name="adj3" fmla="val 2332174"/>
+            <a:gd name="adj1" fmla="val 4277"/>
+            <a:gd name="adj2" fmla="val 540679"/>
+            <a:gd name="adj3" fmla="val 2316190"/>
             <a:gd name="adj4" fmla="val 9024489"/>
-            <a:gd name="adj5" fmla="val 5123"/>
+            <a:gd name="adj5" fmla="val 4989"/>
           </a:avLst>
         </a:prstGeom>
         <a:solidFill>
@@ -8191,8 +8785,8 @@
       </dsp:nvSpPr>
       <dsp:spPr>
         <a:xfrm>
-          <a:off x="231228" y="1340194"/>
-          <a:ext cx="922182" cy="366721"/>
+          <a:off x="223941" y="1325805"/>
+          <a:ext cx="887452" cy="352910"/>
         </a:xfrm>
         <a:prstGeom prst="roundRect">
           <a:avLst>
@@ -8241,7 +8835,7 @@
         </a:bodyPr>
         <a:lstStyle/>
         <a:p>
-          <a:pPr marL="0" lvl="0" indent="0" algn="ctr" defTabSz="311150">
+          <a:pPr lvl="0" algn="ctr" defTabSz="311150">
             <a:lnSpc>
               <a:spcPct val="90000"/>
             </a:lnSpc>
@@ -8251,7 +8845,6 @@
             <a:spcAft>
               <a:spcPct val="35000"/>
             </a:spcAft>
-            <a:buNone/>
           </a:pPr>
           <a:r>
             <a:rPr lang="fr-FR" sz="700" kern="1200" dirty="0"/>
@@ -8260,8 +8853,8 @@
         </a:p>
       </dsp:txBody>
       <dsp:txXfrm>
-        <a:off x="241969" y="1350935"/>
-        <a:ext cx="900700" cy="345239"/>
+        <a:off x="234277" y="1336141"/>
+        <a:ext cx="866780" cy="332238"/>
       </dsp:txXfrm>
     </dsp:sp>
     <dsp:sp modelId="{B8A19F94-18F6-4D00-B053-8BF08839189F}">
@@ -8271,8 +8864,8 @@
       </dsp:nvSpPr>
       <dsp:spPr>
         <a:xfrm>
-          <a:off x="1426659" y="667871"/>
-          <a:ext cx="1037455" cy="855683"/>
+          <a:off x="1364195" y="678802"/>
+          <a:ext cx="998384" cy="823458"/>
         </a:xfrm>
         <a:prstGeom prst="roundRect">
           <a:avLst>
@@ -8330,7 +8923,7 @@
             <a:spcAft>
               <a:spcPct val="15000"/>
             </a:spcAft>
-            <a:buChar char="•"/>
+            <a:buChar char="••"/>
           </a:pPr>
           <a:r>
             <a:rPr lang="fr-FR" sz="600" kern="1200" dirty="0"/>
@@ -8348,7 +8941,7 @@
             <a:spcAft>
               <a:spcPct val="15000"/>
             </a:spcAft>
-            <a:buChar char="•"/>
+            <a:buChar char="••"/>
           </a:pPr>
           <a:r>
             <a:rPr lang="fr-FR" sz="600" kern="1200" dirty="0"/>
@@ -8366,14 +8959,14 @@
             <a:spcAft>
               <a:spcPct val="15000"/>
             </a:spcAft>
-            <a:buChar char="•"/>
+            <a:buChar char="••"/>
           </a:pPr>
           <a:endParaRPr lang="fr-FR" sz="600" kern="1200" dirty="0"/>
         </a:p>
       </dsp:txBody>
       <dsp:txXfrm>
-        <a:off x="1446351" y="870924"/>
-        <a:ext cx="998071" cy="632938"/>
+        <a:off x="1383145" y="874208"/>
+        <a:ext cx="960484" cy="609102"/>
       </dsp:txXfrm>
     </dsp:sp>
     <dsp:sp modelId="{DC8BE73A-4F5A-421C-B33E-9320120B824C}">
@@ -8383,16 +8976,16 @@
       </dsp:nvSpPr>
       <dsp:spPr>
         <a:xfrm>
-          <a:off x="1970365" y="89508"/>
-          <a:ext cx="1439420" cy="1439420"/>
+          <a:off x="1890497" y="127488"/>
+          <a:ext cx="1368909" cy="1368909"/>
         </a:xfrm>
         <a:prstGeom prst="circularArrow">
           <a:avLst>
-            <a:gd name="adj1" fmla="val 3986"/>
-            <a:gd name="adj2" fmla="val 500446"/>
-            <a:gd name="adj3" fmla="val 19324043"/>
+            <a:gd name="adj1" fmla="val 3878"/>
+            <a:gd name="adj2" fmla="val 485573"/>
+            <a:gd name="adj3" fmla="val 19338916"/>
             <a:gd name="adj4" fmla="val 12575511"/>
-            <a:gd name="adj5" fmla="val 4651"/>
+            <a:gd name="adj5" fmla="val 4525"/>
           </a:avLst>
         </a:prstGeom>
         <a:solidFill>
@@ -8431,8 +9024,8 @@
       </dsp:nvSpPr>
       <dsp:spPr>
         <a:xfrm>
-          <a:off x="1657204" y="484510"/>
-          <a:ext cx="922182" cy="366721"/>
+          <a:off x="1586058" y="502347"/>
+          <a:ext cx="887452" cy="352910"/>
         </a:xfrm>
         <a:prstGeom prst="roundRect">
           <a:avLst>
@@ -8481,7 +9074,7 @@
         </a:bodyPr>
         <a:lstStyle/>
         <a:p>
-          <a:pPr marL="0" lvl="0" indent="0" algn="ctr" defTabSz="311150">
+          <a:pPr lvl="0" algn="ctr" defTabSz="311150">
             <a:lnSpc>
               <a:spcPct val="90000"/>
             </a:lnSpc>
@@ -8491,7 +9084,6 @@
             <a:spcAft>
               <a:spcPct val="35000"/>
             </a:spcAft>
-            <a:buNone/>
           </a:pPr>
           <a:r>
             <a:rPr lang="fr-FR" sz="700" kern="1200" dirty="0"/>
@@ -8500,8 +9092,8 @@
         </a:p>
       </dsp:txBody>
       <dsp:txXfrm>
-        <a:off x="1667945" y="495251"/>
-        <a:ext cx="900700" cy="345239"/>
+        <a:off x="1596394" y="512683"/>
+        <a:ext cx="866780" cy="332238"/>
       </dsp:txXfrm>
     </dsp:sp>
     <dsp:sp modelId="{9131C415-ABC8-494A-BB4C-4189E2623C96}">
@@ -8511,8 +9103,8 @@
       </dsp:nvSpPr>
       <dsp:spPr>
         <a:xfrm>
-          <a:off x="2852635" y="667871"/>
-          <a:ext cx="1037455" cy="855683"/>
+          <a:off x="2726312" y="678802"/>
+          <a:ext cx="998384" cy="823458"/>
         </a:xfrm>
         <a:prstGeom prst="roundRect">
           <a:avLst>
@@ -8570,7 +9162,7 @@
             <a:spcAft>
               <a:spcPct val="15000"/>
             </a:spcAft>
-            <a:buChar char="•"/>
+            <a:buChar char="••"/>
           </a:pPr>
           <a:r>
             <a:rPr lang="fr-FR" sz="600" kern="1200" dirty="0"/>
@@ -8588,7 +9180,7 @@
             <a:spcAft>
               <a:spcPct val="15000"/>
             </a:spcAft>
-            <a:buChar char="•"/>
+            <a:buChar char="••"/>
           </a:pPr>
           <a:r>
             <a:rPr lang="fr-FR" sz="600" kern="1200" dirty="0"/>
@@ -8606,7 +9198,7 @@
             <a:spcAft>
               <a:spcPct val="15000"/>
             </a:spcAft>
-            <a:buChar char="•"/>
+            <a:buChar char="••"/>
           </a:pPr>
           <a:r>
             <a:rPr lang="fr-FR" sz="600" kern="1200" dirty="0"/>
@@ -8615,8 +9207,8 @@
         </a:p>
       </dsp:txBody>
       <dsp:txXfrm>
-        <a:off x="2872327" y="687563"/>
-        <a:ext cx="998071" cy="632938"/>
+        <a:off x="2745262" y="697752"/>
+        <a:ext cx="960484" cy="609102"/>
       </dsp:txXfrm>
     </dsp:sp>
     <dsp:sp modelId="{4D946BF7-5318-4B1E-AEBF-4A3CA2E290DB}">
@@ -8626,16 +9218,16 @@
       </dsp:nvSpPr>
       <dsp:spPr>
         <a:xfrm>
-          <a:off x="3404987" y="761511"/>
-          <a:ext cx="1306856" cy="1306856"/>
+          <a:off x="3260934" y="779950"/>
+          <a:ext cx="1241338" cy="1241338"/>
         </a:xfrm>
         <a:prstGeom prst="leftCircularArrow">
           <a:avLst>
-            <a:gd name="adj1" fmla="val 4391"/>
-            <a:gd name="adj2" fmla="val 556663"/>
-            <a:gd name="adj3" fmla="val 2332174"/>
+            <a:gd name="adj1" fmla="val 4277"/>
+            <a:gd name="adj2" fmla="val 540679"/>
+            <a:gd name="adj3" fmla="val 2316190"/>
             <a:gd name="adj4" fmla="val 9024489"/>
-            <a:gd name="adj5" fmla="val 5123"/>
+            <a:gd name="adj5" fmla="val 4989"/>
           </a:avLst>
         </a:prstGeom>
         <a:solidFill>
@@ -8674,8 +9266,8 @@
       </dsp:nvSpPr>
       <dsp:spPr>
         <a:xfrm>
-          <a:off x="3083181" y="1340194"/>
-          <a:ext cx="922182" cy="366721"/>
+          <a:off x="2948175" y="1325805"/>
+          <a:ext cx="887452" cy="352910"/>
         </a:xfrm>
         <a:prstGeom prst="roundRect">
           <a:avLst>
@@ -8724,7 +9316,7 @@
         </a:bodyPr>
         <a:lstStyle/>
         <a:p>
-          <a:pPr marL="0" lvl="0" indent="0" algn="ctr" defTabSz="311150">
+          <a:pPr lvl="0" algn="ctr" defTabSz="311150">
             <a:lnSpc>
               <a:spcPct val="90000"/>
             </a:lnSpc>
@@ -8734,7 +9326,6 @@
             <a:spcAft>
               <a:spcPct val="35000"/>
             </a:spcAft>
-            <a:buNone/>
           </a:pPr>
           <a:r>
             <a:rPr lang="fr-FR" sz="700" kern="1200" dirty="0"/>
@@ -8743,8 +9334,8 @@
         </a:p>
       </dsp:txBody>
       <dsp:txXfrm>
-        <a:off x="3093922" y="1350935"/>
-        <a:ext cx="900700" cy="345239"/>
+        <a:off x="2958511" y="1336141"/>
+        <a:ext cx="866780" cy="332238"/>
       </dsp:txXfrm>
     </dsp:sp>
     <dsp:sp modelId="{F0C2F068-CF38-425A-B33E-3FD76DFE06E5}">
@@ -8754,8 +9345,8 @@
       </dsp:nvSpPr>
       <dsp:spPr>
         <a:xfrm>
-          <a:off x="4278612" y="667871"/>
-          <a:ext cx="1037455" cy="855683"/>
+          <a:off x="4088429" y="678802"/>
+          <a:ext cx="998384" cy="823458"/>
         </a:xfrm>
         <a:prstGeom prst="roundRect">
           <a:avLst>
@@ -8813,7 +9404,7 @@
             <a:spcAft>
               <a:spcPct val="15000"/>
             </a:spcAft>
-            <a:buChar char="•"/>
+            <a:buChar char="••"/>
           </a:pPr>
           <a:r>
             <a:rPr lang="fr-FR" sz="600" kern="1200" dirty="0"/>
@@ -8831,7 +9422,7 @@
             <a:spcAft>
               <a:spcPct val="15000"/>
             </a:spcAft>
-            <a:buChar char="•"/>
+            <a:buChar char="••"/>
           </a:pPr>
           <a:r>
             <a:rPr lang="fr-FR" sz="600" kern="1200" dirty="0"/>
@@ -8840,8 +9431,8 @@
         </a:p>
       </dsp:txBody>
       <dsp:txXfrm>
-        <a:off x="4298304" y="870924"/>
-        <a:ext cx="998071" cy="632938"/>
+        <a:off x="4107379" y="874208"/>
+        <a:ext cx="960484" cy="609102"/>
       </dsp:txXfrm>
     </dsp:sp>
     <dsp:sp modelId="{E2AA8120-67F5-4F08-808C-C2FFDEEF3762}">
@@ -8851,16 +9442,16 @@
       </dsp:nvSpPr>
       <dsp:spPr>
         <a:xfrm>
-          <a:off x="4822318" y="89508"/>
-          <a:ext cx="1439420" cy="1439420"/>
+          <a:off x="4614731" y="127488"/>
+          <a:ext cx="1368909" cy="1368909"/>
         </a:xfrm>
         <a:prstGeom prst="circularArrow">
           <a:avLst>
-            <a:gd name="adj1" fmla="val 3986"/>
-            <a:gd name="adj2" fmla="val 500446"/>
-            <a:gd name="adj3" fmla="val 19324043"/>
+            <a:gd name="adj1" fmla="val 3878"/>
+            <a:gd name="adj2" fmla="val 485573"/>
+            <a:gd name="adj3" fmla="val 19338916"/>
             <a:gd name="adj4" fmla="val 12575511"/>
-            <a:gd name="adj5" fmla="val 4651"/>
+            <a:gd name="adj5" fmla="val 4525"/>
           </a:avLst>
         </a:prstGeom>
         <a:solidFill>
@@ -8899,8 +9490,8 @@
       </dsp:nvSpPr>
       <dsp:spPr>
         <a:xfrm>
-          <a:off x="4509158" y="484510"/>
-          <a:ext cx="922182" cy="366721"/>
+          <a:off x="4310292" y="502347"/>
+          <a:ext cx="887452" cy="352910"/>
         </a:xfrm>
         <a:prstGeom prst="roundRect">
           <a:avLst>
@@ -8949,7 +9540,7 @@
         </a:bodyPr>
         <a:lstStyle/>
         <a:p>
-          <a:pPr marL="0" lvl="0" indent="0" algn="ctr" defTabSz="311150">
+          <a:pPr lvl="0" algn="ctr" defTabSz="311150">
             <a:lnSpc>
               <a:spcPct val="90000"/>
             </a:lnSpc>
@@ -8959,7 +9550,6 @@
             <a:spcAft>
               <a:spcPct val="35000"/>
             </a:spcAft>
-            <a:buNone/>
           </a:pPr>
           <a:r>
             <a:rPr lang="fr-FR" sz="700" kern="1200" dirty="0"/>
@@ -8968,8 +9558,8 @@
         </a:p>
       </dsp:txBody>
       <dsp:txXfrm>
-        <a:off x="4519899" y="495251"/>
-        <a:ext cx="900700" cy="345239"/>
+        <a:off x="4320628" y="512683"/>
+        <a:ext cx="866780" cy="332238"/>
       </dsp:txXfrm>
     </dsp:sp>
     <dsp:sp modelId="{9026B45C-ADFA-45DE-A14B-1C67CDA49329}">
@@ -8979,8 +9569,8 @@
       </dsp:nvSpPr>
       <dsp:spPr>
         <a:xfrm>
-          <a:off x="5704589" y="667871"/>
-          <a:ext cx="1037455" cy="855683"/>
+          <a:off x="5450546" y="678802"/>
+          <a:ext cx="998384" cy="823458"/>
         </a:xfrm>
         <a:prstGeom prst="roundRect">
           <a:avLst>
@@ -9038,7 +9628,7 @@
             <a:spcAft>
               <a:spcPct val="15000"/>
             </a:spcAft>
-            <a:buChar char="•"/>
+            <a:buChar char="••"/>
           </a:pPr>
           <a:r>
             <a:rPr lang="fr-FR" sz="600" kern="1200" dirty="0"/>
@@ -9056,17 +9646,21 @@
             <a:spcAft>
               <a:spcPct val="15000"/>
             </a:spcAft>
-            <a:buChar char="•"/>
+            <a:buChar char="••"/>
           </a:pPr>
           <a:r>
             <a:rPr lang="fr-FR" sz="600" kern="1200" dirty="0"/>
-            <a:t>Présentation (3 minutes)</a:t>
+            <a:t>Présentation </a:t>
+          </a:r>
+          <a:r>
+            <a:rPr lang="fr-FR" sz="600" b="1" kern="1200" dirty="0"/>
+            <a:t>(3 minutes)</a:t>
           </a:r>
         </a:p>
       </dsp:txBody>
       <dsp:txXfrm>
-        <a:off x="5724281" y="687563"/>
-        <a:ext cx="998071" cy="632938"/>
+        <a:off x="5469496" y="697752"/>
+        <a:ext cx="960484" cy="609102"/>
       </dsp:txXfrm>
     </dsp:sp>
     <dsp:sp modelId="{1A803EBB-B33B-43CC-8CF8-F6DFA7F74C9F}">
@@ -9076,8 +9670,8 @@
       </dsp:nvSpPr>
       <dsp:spPr>
         <a:xfrm>
-          <a:off x="5935134" y="1340194"/>
-          <a:ext cx="922182" cy="366721"/>
+          <a:off x="5672409" y="1325805"/>
+          <a:ext cx="887452" cy="352910"/>
         </a:xfrm>
         <a:prstGeom prst="roundRect">
           <a:avLst>
@@ -9126,7 +9720,7 @@
         </a:bodyPr>
         <a:lstStyle/>
         <a:p>
-          <a:pPr marL="0" lvl="0" indent="0" algn="ctr" defTabSz="311150">
+          <a:pPr lvl="0" algn="ctr" defTabSz="311150">
             <a:lnSpc>
               <a:spcPct val="90000"/>
             </a:lnSpc>
@@ -9136,7 +9730,6 @@
             <a:spcAft>
               <a:spcPct val="35000"/>
             </a:spcAft>
-            <a:buNone/>
           </a:pPr>
           <a:r>
             <a:rPr lang="fr-FR" sz="700" kern="1200" dirty="0"/>
@@ -9145,8 +9738,8 @@
         </a:p>
       </dsp:txBody>
       <dsp:txXfrm>
-        <a:off x="5945875" y="1350935"/>
-        <a:ext cx="900700" cy="345239"/>
+        <a:off x="5682745" y="1336141"/>
+        <a:ext cx="866780" cy="332238"/>
       </dsp:txXfrm>
     </dsp:sp>
   </dsp:spTree>
@@ -9227,7 +9820,7 @@
             <a:spcAft>
               <a:spcPct val="15000"/>
             </a:spcAft>
-            <a:buChar char="•"/>
+            <a:buChar char="••"/>
           </a:pPr>
           <a:endParaRPr lang="fr-FR" sz="2200" kern="1200"/>
         </a:p>
@@ -9242,7 +9835,7 @@
             <a:spcAft>
               <a:spcPct val="15000"/>
             </a:spcAft>
-            <a:buChar char="•"/>
+            <a:buChar char="••"/>
           </a:pPr>
           <a:endParaRPr lang="fr-FR" sz="2200" kern="1200"/>
         </a:p>
@@ -9357,7 +9950,7 @@
         </a:bodyPr>
         <a:lstStyle/>
         <a:p>
-          <a:pPr marL="0" lvl="0" indent="0" algn="ctr" defTabSz="666750">
+          <a:pPr lvl="0" algn="ctr" defTabSz="666750">
             <a:lnSpc>
               <a:spcPct val="90000"/>
             </a:lnSpc>
@@ -9367,7 +9960,6 @@
             <a:spcAft>
               <a:spcPct val="35000"/>
             </a:spcAft>
-            <a:buNone/>
           </a:pPr>
           <a:r>
             <a:rPr lang="fr-FR" sz="1500" kern="1200" dirty="0"/>
@@ -9446,7 +10038,7 @@
             <a:spcAft>
               <a:spcPct val="15000"/>
             </a:spcAft>
-            <a:buChar char="•"/>
+            <a:buChar char="••"/>
           </a:pPr>
           <a:endParaRPr lang="fr-FR" sz="2200" kern="1200"/>
         </a:p>
@@ -9461,7 +10053,7 @@
             <a:spcAft>
               <a:spcPct val="15000"/>
             </a:spcAft>
-            <a:buChar char="•"/>
+            <a:buChar char="••"/>
           </a:pPr>
           <a:endParaRPr lang="fr-FR" sz="2200" kern="1200"/>
         </a:p>
@@ -9576,7 +10168,7 @@
         </a:bodyPr>
         <a:lstStyle/>
         <a:p>
-          <a:pPr marL="0" lvl="0" indent="0" algn="ctr" defTabSz="666750">
+          <a:pPr lvl="0" algn="ctr" defTabSz="666750">
             <a:lnSpc>
               <a:spcPct val="90000"/>
             </a:lnSpc>
@@ -9586,7 +10178,6 @@
             <a:spcAft>
               <a:spcPct val="35000"/>
             </a:spcAft>
-            <a:buNone/>
           </a:pPr>
           <a:r>
             <a:rPr lang="fr-FR" sz="1500" kern="1200" dirty="0"/>
@@ -9665,7 +10256,7 @@
             <a:spcAft>
               <a:spcPct val="15000"/>
             </a:spcAft>
-            <a:buChar char="•"/>
+            <a:buChar char="••"/>
           </a:pPr>
           <a:endParaRPr lang="fr-FR" sz="2200" kern="1200"/>
         </a:p>
@@ -9680,7 +10271,7 @@
             <a:spcAft>
               <a:spcPct val="15000"/>
             </a:spcAft>
-            <a:buChar char="•"/>
+            <a:buChar char="••"/>
           </a:pPr>
           <a:endParaRPr lang="fr-FR" sz="2200" kern="1200"/>
         </a:p>
@@ -9747,7 +10338,7 @@
         </a:bodyPr>
         <a:lstStyle/>
         <a:p>
-          <a:pPr marL="0" lvl="0" indent="0" algn="ctr" defTabSz="666750">
+          <a:pPr lvl="0" algn="ctr" defTabSz="666750">
             <a:lnSpc>
               <a:spcPct val="90000"/>
             </a:lnSpc>
@@ -9757,7 +10348,6 @@
             <a:spcAft>
               <a:spcPct val="35000"/>
             </a:spcAft>
-            <a:buNone/>
           </a:pPr>
           <a:r>
             <a:rPr lang="fr-FR" sz="1500" kern="1200" dirty="0"/>
@@ -9848,7 +10438,7 @@
             <a:spcAft>
               <a:spcPct val="15000"/>
             </a:spcAft>
-            <a:buChar char="•"/>
+            <a:buChar char="••"/>
           </a:pPr>
           <a:r>
             <a:rPr lang="fr-FR" sz="1100" kern="1200" dirty="0"/>
@@ -9866,7 +10456,7 @@
             <a:spcAft>
               <a:spcPct val="15000"/>
             </a:spcAft>
-            <a:buChar char="•"/>
+            <a:buChar char="••"/>
           </a:pPr>
           <a:r>
             <a:rPr lang="fr-FR" sz="1100" kern="1200" dirty="0"/>
@@ -9984,7 +10574,7 @@
         </a:bodyPr>
         <a:lstStyle/>
         <a:p>
-          <a:pPr marL="0" lvl="0" indent="0" algn="ctr" defTabSz="622300">
+          <a:pPr lvl="0" algn="ctr" defTabSz="622300">
             <a:lnSpc>
               <a:spcPct val="90000"/>
             </a:lnSpc>
@@ -9994,7 +10584,6 @@
             <a:spcAft>
               <a:spcPct val="35000"/>
             </a:spcAft>
-            <a:buNone/>
           </a:pPr>
           <a:r>
             <a:rPr lang="fr-FR" sz="1400" kern="1200" dirty="0"/>
@@ -10073,7 +10662,7 @@
             <a:spcAft>
               <a:spcPct val="15000"/>
             </a:spcAft>
-            <a:buChar char="•"/>
+            <a:buChar char="••"/>
           </a:pPr>
           <a:r>
             <a:rPr lang="fr-FR" sz="1100" kern="1200" dirty="0"/>
@@ -10091,7 +10680,7 @@
             <a:spcAft>
               <a:spcPct val="15000"/>
             </a:spcAft>
-            <a:buChar char="•"/>
+            <a:buChar char="••"/>
           </a:pPr>
           <a:r>
             <a:rPr lang="fr-FR" sz="1100" kern="1200" dirty="0"/>
@@ -10109,7 +10698,7 @@
             <a:spcAft>
               <a:spcPct val="15000"/>
             </a:spcAft>
-            <a:buChar char="•"/>
+            <a:buChar char="••"/>
           </a:pPr>
           <a:r>
             <a:rPr lang="fr-FR" sz="1100" kern="1200" dirty="0"/>
@@ -10227,7 +10816,7 @@
         </a:bodyPr>
         <a:lstStyle/>
         <a:p>
-          <a:pPr marL="0" lvl="0" indent="0" algn="ctr" defTabSz="622300">
+          <a:pPr lvl="0" algn="ctr" defTabSz="622300">
             <a:lnSpc>
               <a:spcPct val="90000"/>
             </a:lnSpc>
@@ -10237,7 +10826,6 @@
             <a:spcAft>
               <a:spcPct val="35000"/>
             </a:spcAft>
-            <a:buNone/>
           </a:pPr>
           <a:r>
             <a:rPr lang="fr-FR" sz="1400" kern="1200" dirty="0"/>
@@ -10316,7 +10904,7 @@
             <a:spcAft>
               <a:spcPct val="15000"/>
             </a:spcAft>
-            <a:buChar char="•"/>
+            <a:buChar char="••"/>
           </a:pPr>
           <a:r>
             <a:rPr lang="fr-FR" sz="1100" kern="1200" dirty="0"/>
@@ -10334,7 +10922,7 @@
             <a:spcAft>
               <a:spcPct val="15000"/>
             </a:spcAft>
-            <a:buChar char="•"/>
+            <a:buChar char="••"/>
           </a:pPr>
           <a:r>
             <a:rPr lang="fr-FR" sz="1100" kern="1200" dirty="0"/>
@@ -10352,7 +10940,7 @@
             <a:spcAft>
               <a:spcPct val="15000"/>
             </a:spcAft>
-            <a:buChar char="•"/>
+            <a:buChar char="••"/>
           </a:pPr>
           <a:r>
             <a:rPr lang="fr-FR" sz="1100" kern="1200" dirty="0"/>
@@ -10422,7 +11010,7 @@
         </a:bodyPr>
         <a:lstStyle/>
         <a:p>
-          <a:pPr marL="0" lvl="0" indent="0" algn="ctr" defTabSz="622300">
+          <a:pPr lvl="0" algn="ctr" defTabSz="622300">
             <a:lnSpc>
               <a:spcPct val="90000"/>
             </a:lnSpc>
@@ -10432,7 +11020,6 @@
             <a:spcAft>
               <a:spcPct val="35000"/>
             </a:spcAft>
-            <a:buNone/>
           </a:pPr>
           <a:r>
             <a:rPr lang="fr-FR" sz="1400" kern="1200"/>
@@ -10523,7 +11110,7 @@
             <a:spcAft>
               <a:spcPct val="15000"/>
             </a:spcAft>
-            <a:buChar char="•"/>
+            <a:buChar char="••"/>
           </a:pPr>
           <a:endParaRPr lang="fr-FR" sz="5800" kern="1200" dirty="0"/>
         </a:p>
@@ -10638,7 +11225,7 @@
         </a:bodyPr>
         <a:lstStyle/>
         <a:p>
-          <a:pPr marL="0" lvl="0" indent="0" algn="ctr" defTabSz="622300">
+          <a:pPr lvl="0" algn="ctr" defTabSz="622300">
             <a:lnSpc>
               <a:spcPct val="90000"/>
             </a:lnSpc>
@@ -10648,7 +11235,6 @@
             <a:spcAft>
               <a:spcPct val="35000"/>
             </a:spcAft>
-            <a:buNone/>
           </a:pPr>
           <a:r>
             <a:rPr lang="fr-FR" sz="1400" kern="1200" dirty="0"/>
@@ -10727,7 +11313,7 @@
             <a:spcAft>
               <a:spcPct val="15000"/>
             </a:spcAft>
-            <a:buChar char="•"/>
+            <a:buChar char="••"/>
           </a:pPr>
           <a:endParaRPr lang="fr-FR" sz="5800" kern="1200" dirty="0"/>
         </a:p>
@@ -10794,7 +11380,7 @@
         </a:bodyPr>
         <a:lstStyle/>
         <a:p>
-          <a:pPr marL="0" lvl="0" indent="0" algn="ctr" defTabSz="622300">
+          <a:pPr lvl="0" algn="ctr" defTabSz="622300">
             <a:lnSpc>
               <a:spcPct val="90000"/>
             </a:lnSpc>
@@ -10804,7 +11390,6 @@
             <a:spcAft>
               <a:spcPct val="35000"/>
             </a:spcAft>
-            <a:buNone/>
           </a:pPr>
           <a:r>
             <a:rPr lang="fr-FR" sz="1400" kern="1200" dirty="0"/>
@@ -18842,7 +19427,7 @@
           <a:p>
             <a:fld id="{3B93ECCE-5391-441B-9FF0-3A0DC0698398}" type="datetimeFigureOut">
               <a:rPr lang="fr-FR" smtClean="0"/>
-              <a:t>25/04/2023</a:t>
+              <a:t>26/04/2023</a:t>
             </a:fld>
             <a:endParaRPr lang="fr-FR"/>
           </a:p>
@@ -19012,7 +19597,7 @@
           <a:p>
             <a:fld id="{3B93ECCE-5391-441B-9FF0-3A0DC0698398}" type="datetimeFigureOut">
               <a:rPr lang="fr-FR" smtClean="0"/>
-              <a:t>25/04/2023</a:t>
+              <a:t>26/04/2023</a:t>
             </a:fld>
             <a:endParaRPr lang="fr-FR"/>
           </a:p>
@@ -19192,7 +19777,7 @@
           <a:p>
             <a:fld id="{3B93ECCE-5391-441B-9FF0-3A0DC0698398}" type="datetimeFigureOut">
               <a:rPr lang="fr-FR" smtClean="0"/>
-              <a:t>25/04/2023</a:t>
+              <a:t>26/04/2023</a:t>
             </a:fld>
             <a:endParaRPr lang="fr-FR"/>
           </a:p>
@@ -19362,7 +19947,7 @@
           <a:p>
             <a:fld id="{3B93ECCE-5391-441B-9FF0-3A0DC0698398}" type="datetimeFigureOut">
               <a:rPr lang="fr-FR" smtClean="0"/>
-              <a:t>25/04/2023</a:t>
+              <a:t>26/04/2023</a:t>
             </a:fld>
             <a:endParaRPr lang="fr-FR"/>
           </a:p>
@@ -19606,7 +20191,7 @@
           <a:p>
             <a:fld id="{3B93ECCE-5391-441B-9FF0-3A0DC0698398}" type="datetimeFigureOut">
               <a:rPr lang="fr-FR" smtClean="0"/>
-              <a:t>25/04/2023</a:t>
+              <a:t>26/04/2023</a:t>
             </a:fld>
             <a:endParaRPr lang="fr-FR"/>
           </a:p>
@@ -19838,7 +20423,7 @@
           <a:p>
             <a:fld id="{3B93ECCE-5391-441B-9FF0-3A0DC0698398}" type="datetimeFigureOut">
               <a:rPr lang="fr-FR" smtClean="0"/>
-              <a:t>25/04/2023</a:t>
+              <a:t>26/04/2023</a:t>
             </a:fld>
             <a:endParaRPr lang="fr-FR"/>
           </a:p>
@@ -20205,7 +20790,7 @@
           <a:p>
             <a:fld id="{3B93ECCE-5391-441B-9FF0-3A0DC0698398}" type="datetimeFigureOut">
               <a:rPr lang="fr-FR" smtClean="0"/>
-              <a:t>25/04/2023</a:t>
+              <a:t>26/04/2023</a:t>
             </a:fld>
             <a:endParaRPr lang="fr-FR"/>
           </a:p>
@@ -20323,7 +20908,7 @@
           <a:p>
             <a:fld id="{3B93ECCE-5391-441B-9FF0-3A0DC0698398}" type="datetimeFigureOut">
               <a:rPr lang="fr-FR" smtClean="0"/>
-              <a:t>25/04/2023</a:t>
+              <a:t>26/04/2023</a:t>
             </a:fld>
             <a:endParaRPr lang="fr-FR"/>
           </a:p>
@@ -20418,7 +21003,7 @@
           <a:p>
             <a:fld id="{3B93ECCE-5391-441B-9FF0-3A0DC0698398}" type="datetimeFigureOut">
               <a:rPr lang="fr-FR" smtClean="0"/>
-              <a:t>25/04/2023</a:t>
+              <a:t>26/04/2023</a:t>
             </a:fld>
             <a:endParaRPr lang="fr-FR"/>
           </a:p>
@@ -20695,7 +21280,7 @@
           <a:p>
             <a:fld id="{3B93ECCE-5391-441B-9FF0-3A0DC0698398}" type="datetimeFigureOut">
               <a:rPr lang="fr-FR" smtClean="0"/>
-              <a:t>25/04/2023</a:t>
+              <a:t>26/04/2023</a:t>
             </a:fld>
             <a:endParaRPr lang="fr-FR"/>
           </a:p>
@@ -20952,7 +21537,7 @@
           <a:p>
             <a:fld id="{3B93ECCE-5391-441B-9FF0-3A0DC0698398}" type="datetimeFigureOut">
               <a:rPr lang="fr-FR" smtClean="0"/>
-              <a:t>25/04/2023</a:t>
+              <a:t>26/04/2023</a:t>
             </a:fld>
             <a:endParaRPr lang="fr-FR"/>
           </a:p>
@@ -21165,7 +21750,7 @@
           <a:p>
             <a:fld id="{3B93ECCE-5391-441B-9FF0-3A0DC0698398}" type="datetimeFigureOut">
               <a:rPr lang="fr-FR" smtClean="0"/>
-              <a:t>25/04/2023</a:t>
+              <a:t>26/04/2023</a:t>
             </a:fld>
             <a:endParaRPr lang="fr-FR"/>
           </a:p>
@@ -21711,13 +22296,13 @@
           <p:nvPr>
             <p:extLst>
               <p:ext uri="{D42A27DB-BD31-4B8C-83A1-F6EECF244321}">
-                <p14:modId xmlns:p14="http://schemas.microsoft.com/office/powerpoint/2010/main" val="2473482443"/>
+                <p14:modId xmlns:p14="http://schemas.microsoft.com/office/powerpoint/2010/main" val="1884095177"/>
               </p:ext>
             </p:extLst>
           </p:nvPr>
         </p:nvGraphicFramePr>
         <p:xfrm>
-          <a:off x="0" y="1731339"/>
+          <a:off x="0" y="2488266"/>
           <a:ext cx="6858000" cy="1599989"/>
         </p:xfrm>
         <a:graphic>
@@ -21740,10 +22325,10 @@
         </p:nvGrpSpPr>
         <p:grpSpPr>
           <a:xfrm>
-            <a:off x="57150" y="623702"/>
-            <a:ext cx="2774950" cy="393700"/>
-            <a:chOff x="4057650" y="643355"/>
-            <a:chExt cx="2774950" cy="393700"/>
+            <a:off x="-20365" y="623702"/>
+            <a:ext cx="2852465" cy="393700"/>
+            <a:chOff x="3980135" y="643355"/>
+            <a:chExt cx="2852465" cy="393700"/>
           </a:xfrm>
         </p:grpSpPr>
         <p:sp>
@@ -21809,7 +22394,7 @@
           </p:nvSpPr>
           <p:spPr>
             <a:xfrm>
-              <a:off x="4057650" y="701706"/>
+              <a:off x="3980135" y="701705"/>
               <a:ext cx="2381250" cy="276999"/>
             </a:xfrm>
             <a:prstGeom prst="rect">
@@ -22040,774 +22625,6 @@
           </a:p>
         </p:txBody>
       </p:sp>
-      <p:grpSp>
-        <p:nvGrpSpPr>
-          <p:cNvPr id="52" name="Groupe 51">
-            <a:extLst>
-              <a:ext uri="{FF2B5EF4-FFF2-40B4-BE49-F238E27FC236}">
-                <a16:creationId xmlns:a16="http://schemas.microsoft.com/office/drawing/2014/main" id="{0676C83B-B8F6-CDAA-ACD4-DE5C71E35C18}"/>
-              </a:ext>
-            </a:extLst>
-          </p:cNvPr>
-          <p:cNvGrpSpPr/>
-          <p:nvPr/>
-        </p:nvGrpSpPr>
-        <p:grpSpPr>
-          <a:xfrm>
-            <a:off x="-1" y="8519906"/>
-            <a:ext cx="4935673" cy="1004849"/>
-            <a:chOff x="-1" y="4766046"/>
-            <a:chExt cx="4935673" cy="1004849"/>
-          </a:xfrm>
-        </p:grpSpPr>
-        <p:sp>
-          <p:nvSpPr>
-            <p:cNvPr id="23" name="ZoneTexte 22">
-              <a:extLst>
-                <a:ext uri="{FF2B5EF4-FFF2-40B4-BE49-F238E27FC236}">
-                  <a16:creationId xmlns:a16="http://schemas.microsoft.com/office/drawing/2014/main" id="{9035D1E1-8464-3FC2-4BDE-7912F1B42F4A}"/>
-                </a:ext>
-              </a:extLst>
-            </p:cNvPr>
-            <p:cNvSpPr txBox="1"/>
-            <p:nvPr/>
-          </p:nvSpPr>
-          <p:spPr>
-            <a:xfrm>
-              <a:off x="-1" y="4766046"/>
-              <a:ext cx="3715353" cy="276999"/>
-            </a:xfrm>
-            <a:prstGeom prst="rect">
-              <a:avLst/>
-            </a:prstGeom>
-            <a:noFill/>
-          </p:spPr>
-          <p:txBody>
-            <a:bodyPr wrap="square" rtlCol="0">
-              <a:spAutoFit/>
-            </a:bodyPr>
-            <a:lstStyle/>
-            <a:p>
-              <a:r>
-                <a:rPr lang="fr-FR" sz="1200" b="1" dirty="0">
-                  <a:latin typeface="Arial Nova" panose="020B0504020202020204" pitchFamily="34" charset="0"/>
-                </a:rPr>
-                <a:t>Systèmes 2021 – Témoignage promo 2021</a:t>
-              </a:r>
-            </a:p>
-          </p:txBody>
-        </p:sp>
-        <p:sp>
-          <p:nvSpPr>
-            <p:cNvPr id="24" name="ZoneTexte 23">
-              <a:extLst>
-                <a:ext uri="{FF2B5EF4-FFF2-40B4-BE49-F238E27FC236}">
-                  <a16:creationId xmlns:a16="http://schemas.microsoft.com/office/drawing/2014/main" id="{87BA1BFC-B964-946E-9ED3-B419DB170A34}"/>
-                </a:ext>
-              </a:extLst>
-            </p:cNvPr>
-            <p:cNvSpPr txBox="1"/>
-            <p:nvPr/>
-          </p:nvSpPr>
-          <p:spPr>
-            <a:xfrm>
-              <a:off x="0" y="5001454"/>
-              <a:ext cx="3321050" cy="769441"/>
-            </a:xfrm>
-            <a:prstGeom prst="rect">
-              <a:avLst/>
-            </a:prstGeom>
-            <a:noFill/>
-          </p:spPr>
-          <p:txBody>
-            <a:bodyPr wrap="square" rtlCol="0">
-              <a:spAutoFit/>
-            </a:bodyPr>
-            <a:lstStyle/>
-            <a:p>
-              <a:pPr marL="285750" indent="-285750">
-                <a:buClr>
-                  <a:schemeClr val="accent1"/>
-                </a:buClr>
-                <a:buFont typeface="Wingdings" panose="05000000000000000000" pitchFamily="2" charset="2"/>
-                <a:buChar char="§"/>
-              </a:pPr>
-              <a:r>
-                <a:rPr lang="fr-FR" sz="1100" dirty="0">
-                  <a:latin typeface="Arial Nova" panose="020B0504020202020204" pitchFamily="34" charset="0"/>
-                </a:rPr>
-                <a:t>Imprimante 3D</a:t>
-              </a:r>
-            </a:p>
-            <a:p>
-              <a:pPr marL="285750" indent="-285750">
-                <a:buClr>
-                  <a:schemeClr val="accent1"/>
-                </a:buClr>
-                <a:buFont typeface="Wingdings" panose="05000000000000000000" pitchFamily="2" charset="2"/>
-                <a:buChar char="§"/>
-              </a:pPr>
-              <a:r>
-                <a:rPr lang="fr-FR" sz="1100" dirty="0">
-                  <a:latin typeface="Arial Nova" panose="020B0504020202020204" pitchFamily="34" charset="0"/>
-                </a:rPr>
-                <a:t>Cordeuse de raquette</a:t>
-              </a:r>
-            </a:p>
-            <a:p>
-              <a:pPr marL="285750" indent="-285750">
-                <a:buClr>
-                  <a:schemeClr val="accent1"/>
-                </a:buClr>
-                <a:buFont typeface="Wingdings" panose="05000000000000000000" pitchFamily="2" charset="2"/>
-                <a:buChar char="§"/>
-              </a:pPr>
-              <a:r>
-                <a:rPr lang="fr-FR" sz="1100" dirty="0">
-                  <a:latin typeface="Arial Nova" panose="020B0504020202020204" pitchFamily="34" charset="0"/>
-                </a:rPr>
-                <a:t>Pilote hydraulique de bateau</a:t>
-              </a:r>
-            </a:p>
-            <a:p>
-              <a:pPr marL="285750" indent="-285750">
-                <a:buClr>
-                  <a:schemeClr val="accent1"/>
-                </a:buClr>
-                <a:buFont typeface="Wingdings" panose="05000000000000000000" pitchFamily="2" charset="2"/>
-                <a:buChar char="§"/>
-              </a:pPr>
-              <a:r>
-                <a:rPr lang="fr-FR" sz="1100" dirty="0" err="1">
-                  <a:latin typeface="Arial Nova" panose="020B0504020202020204" pitchFamily="34" charset="0"/>
-                </a:rPr>
-                <a:t>Geeros</a:t>
-              </a:r>
-              <a:endParaRPr lang="fr-FR" sz="1100" dirty="0">
-                <a:latin typeface="Arial Nova" panose="020B0504020202020204" pitchFamily="34" charset="0"/>
-              </a:endParaRPr>
-            </a:p>
-          </p:txBody>
-        </p:sp>
-        <p:sp>
-          <p:nvSpPr>
-            <p:cNvPr id="26" name="ZoneTexte 25">
-              <a:extLst>
-                <a:ext uri="{FF2B5EF4-FFF2-40B4-BE49-F238E27FC236}">
-                  <a16:creationId xmlns:a16="http://schemas.microsoft.com/office/drawing/2014/main" id="{94B747C0-AF84-C63A-55A7-B820F84508CF}"/>
-                </a:ext>
-              </a:extLst>
-            </p:cNvPr>
-            <p:cNvSpPr txBox="1"/>
-            <p:nvPr/>
-          </p:nvSpPr>
-          <p:spPr>
-            <a:xfrm>
-              <a:off x="2654299" y="5047104"/>
-              <a:ext cx="720726" cy="157324"/>
-            </a:xfrm>
-            <a:prstGeom prst="rect">
-              <a:avLst/>
-            </a:prstGeom>
-            <a:solidFill>
-              <a:schemeClr val="accent1"/>
-            </a:solidFill>
-            <a:ln>
-              <a:noFill/>
-            </a:ln>
-          </p:spPr>
-          <p:style>
-            <a:lnRef idx="2">
-              <a:schemeClr val="accent6">
-                <a:shade val="50000"/>
-              </a:schemeClr>
-            </a:lnRef>
-            <a:fillRef idx="1">
-              <a:schemeClr val="accent6"/>
-            </a:fillRef>
-            <a:effectRef idx="0">
-              <a:schemeClr val="accent6"/>
-            </a:effectRef>
-            <a:fontRef idx="minor">
-              <a:schemeClr val="lt1"/>
-            </a:fontRef>
-          </p:style>
-          <p:txBody>
-            <a:bodyPr lIns="0" tIns="0" rIns="0" bIns="0" rtlCol="0" anchor="ctr"/>
-            <a:lstStyle>
-              <a:defPPr>
-                <a:defRPr lang="en-US"/>
-              </a:defPPr>
-              <a:lvl1pPr algn="ctr">
-                <a:defRPr sz="1200" b="1">
-                  <a:solidFill>
-                    <a:schemeClr val="lt1"/>
-                  </a:solidFill>
-                </a:defRPr>
-              </a:lvl1pPr>
-              <a:lvl2pPr>
-                <a:defRPr>
-                  <a:solidFill>
-                    <a:schemeClr val="lt1"/>
-                  </a:solidFill>
-                </a:defRPr>
-              </a:lvl2pPr>
-              <a:lvl3pPr>
-                <a:defRPr>
-                  <a:solidFill>
-                    <a:schemeClr val="lt1"/>
-                  </a:solidFill>
-                </a:defRPr>
-              </a:lvl3pPr>
-              <a:lvl4pPr>
-                <a:defRPr>
-                  <a:solidFill>
-                    <a:schemeClr val="lt1"/>
-                  </a:solidFill>
-                </a:defRPr>
-              </a:lvl4pPr>
-              <a:lvl5pPr>
-                <a:defRPr>
-                  <a:solidFill>
-                    <a:schemeClr val="lt1"/>
-                  </a:solidFill>
-                </a:defRPr>
-              </a:lvl5pPr>
-              <a:lvl6pPr>
-                <a:defRPr>
-                  <a:solidFill>
-                    <a:schemeClr val="lt1"/>
-                  </a:solidFill>
-                </a:defRPr>
-              </a:lvl6pPr>
-              <a:lvl7pPr>
-                <a:defRPr>
-                  <a:solidFill>
-                    <a:schemeClr val="lt1"/>
-                  </a:solidFill>
-                </a:defRPr>
-              </a:lvl7pPr>
-              <a:lvl8pPr>
-                <a:defRPr>
-                  <a:solidFill>
-                    <a:schemeClr val="lt1"/>
-                  </a:solidFill>
-                </a:defRPr>
-              </a:lvl8pPr>
-              <a:lvl9pPr>
-                <a:defRPr>
-                  <a:solidFill>
-                    <a:schemeClr val="lt1"/>
-                  </a:solidFill>
-                </a:defRPr>
-              </a:lvl9pPr>
-            </a:lstStyle>
-            <a:p>
-              <a:r>
-                <a:rPr lang="fr-FR" sz="900" b="0" dirty="0">
-                  <a:latin typeface="Arial Nova" panose="020B0504020202020204" pitchFamily="34" charset="0"/>
-                </a:rPr>
-                <a:t>I3D</a:t>
-              </a:r>
-            </a:p>
-          </p:txBody>
-        </p:sp>
-        <p:sp>
-          <p:nvSpPr>
-            <p:cNvPr id="29" name="ZoneTexte 28">
-              <a:extLst>
-                <a:ext uri="{FF2B5EF4-FFF2-40B4-BE49-F238E27FC236}">
-                  <a16:creationId xmlns:a16="http://schemas.microsoft.com/office/drawing/2014/main" id="{B5DDE250-A298-9A3B-D818-E3F2969BEAEC}"/>
-                </a:ext>
-              </a:extLst>
-            </p:cNvPr>
-            <p:cNvSpPr txBox="1"/>
-            <p:nvPr/>
-          </p:nvSpPr>
-          <p:spPr>
-            <a:xfrm>
-              <a:off x="2654300" y="5236178"/>
-              <a:ext cx="720725" cy="152726"/>
-            </a:xfrm>
-            <a:prstGeom prst="rect">
-              <a:avLst/>
-            </a:prstGeom>
-            <a:solidFill>
-              <a:schemeClr val="accent1"/>
-            </a:solidFill>
-            <a:ln>
-              <a:noFill/>
-            </a:ln>
-          </p:spPr>
-          <p:style>
-            <a:lnRef idx="2">
-              <a:schemeClr val="accent6">
-                <a:shade val="50000"/>
-              </a:schemeClr>
-            </a:lnRef>
-            <a:fillRef idx="1">
-              <a:schemeClr val="accent6"/>
-            </a:fillRef>
-            <a:effectRef idx="0">
-              <a:schemeClr val="accent6"/>
-            </a:effectRef>
-            <a:fontRef idx="minor">
-              <a:schemeClr val="lt1"/>
-            </a:fontRef>
-          </p:style>
-          <p:txBody>
-            <a:bodyPr lIns="0" tIns="0" rIns="0" bIns="0" rtlCol="0" anchor="ctr"/>
-            <a:lstStyle>
-              <a:defPPr>
-                <a:defRPr lang="en-US"/>
-              </a:defPPr>
-              <a:lvl1pPr algn="ctr">
-                <a:defRPr sz="1200" b="1">
-                  <a:solidFill>
-                    <a:schemeClr val="lt1"/>
-                  </a:solidFill>
-                </a:defRPr>
-              </a:lvl1pPr>
-              <a:lvl2pPr>
-                <a:defRPr>
-                  <a:solidFill>
-                    <a:schemeClr val="lt1"/>
-                  </a:solidFill>
-                </a:defRPr>
-              </a:lvl2pPr>
-              <a:lvl3pPr>
-                <a:defRPr>
-                  <a:solidFill>
-                    <a:schemeClr val="lt1"/>
-                  </a:solidFill>
-                </a:defRPr>
-              </a:lvl3pPr>
-              <a:lvl4pPr>
-                <a:defRPr>
-                  <a:solidFill>
-                    <a:schemeClr val="lt1"/>
-                  </a:solidFill>
-                </a:defRPr>
-              </a:lvl4pPr>
-              <a:lvl5pPr>
-                <a:defRPr>
-                  <a:solidFill>
-                    <a:schemeClr val="lt1"/>
-                  </a:solidFill>
-                </a:defRPr>
-              </a:lvl5pPr>
-              <a:lvl6pPr>
-                <a:defRPr>
-                  <a:solidFill>
-                    <a:schemeClr val="lt1"/>
-                  </a:solidFill>
-                </a:defRPr>
-              </a:lvl6pPr>
-              <a:lvl7pPr>
-                <a:defRPr>
-                  <a:solidFill>
-                    <a:schemeClr val="lt1"/>
-                  </a:solidFill>
-                </a:defRPr>
-              </a:lvl7pPr>
-              <a:lvl8pPr>
-                <a:defRPr>
-                  <a:solidFill>
-                    <a:schemeClr val="lt1"/>
-                  </a:solidFill>
-                </a:defRPr>
-              </a:lvl8pPr>
-              <a:lvl9pPr>
-                <a:defRPr>
-                  <a:solidFill>
-                    <a:schemeClr val="lt1"/>
-                  </a:solidFill>
-                </a:defRPr>
-              </a:lvl9pPr>
-            </a:lstStyle>
-            <a:p>
-              <a:r>
-                <a:rPr lang="fr-FR" sz="900" b="0" dirty="0">
-                  <a:latin typeface="Arial Nova" panose="020B0504020202020204" pitchFamily="34" charset="0"/>
-                </a:rPr>
-                <a:t>Cordeuse</a:t>
-              </a:r>
-            </a:p>
-          </p:txBody>
-        </p:sp>
-        <p:sp>
-          <p:nvSpPr>
-            <p:cNvPr id="30" name="ZoneTexte 29">
-              <a:extLst>
-                <a:ext uri="{FF2B5EF4-FFF2-40B4-BE49-F238E27FC236}">
-                  <a16:creationId xmlns:a16="http://schemas.microsoft.com/office/drawing/2014/main" id="{38431243-04F5-E905-868A-D5963D94D821}"/>
-                </a:ext>
-              </a:extLst>
-            </p:cNvPr>
-            <p:cNvSpPr txBox="1"/>
-            <p:nvPr/>
-          </p:nvSpPr>
-          <p:spPr>
-            <a:xfrm>
-              <a:off x="2654300" y="5421099"/>
-              <a:ext cx="720725" cy="152726"/>
-            </a:xfrm>
-            <a:prstGeom prst="rect">
-              <a:avLst/>
-            </a:prstGeom>
-            <a:solidFill>
-              <a:schemeClr val="accent1"/>
-            </a:solidFill>
-            <a:ln>
-              <a:noFill/>
-            </a:ln>
-          </p:spPr>
-          <p:style>
-            <a:lnRef idx="2">
-              <a:schemeClr val="accent6">
-                <a:shade val="50000"/>
-              </a:schemeClr>
-            </a:lnRef>
-            <a:fillRef idx="1">
-              <a:schemeClr val="accent6"/>
-            </a:fillRef>
-            <a:effectRef idx="0">
-              <a:schemeClr val="accent6"/>
-            </a:effectRef>
-            <a:fontRef idx="minor">
-              <a:schemeClr val="lt1"/>
-            </a:fontRef>
-          </p:style>
-          <p:txBody>
-            <a:bodyPr lIns="0" tIns="0" rIns="0" bIns="0" rtlCol="0" anchor="ctr"/>
-            <a:lstStyle>
-              <a:defPPr>
-                <a:defRPr lang="en-US"/>
-              </a:defPPr>
-              <a:lvl1pPr algn="ctr">
-                <a:defRPr sz="1200" b="1">
-                  <a:solidFill>
-                    <a:schemeClr val="lt1"/>
-                  </a:solidFill>
-                </a:defRPr>
-              </a:lvl1pPr>
-              <a:lvl2pPr>
-                <a:defRPr>
-                  <a:solidFill>
-                    <a:schemeClr val="lt1"/>
-                  </a:solidFill>
-                </a:defRPr>
-              </a:lvl2pPr>
-              <a:lvl3pPr>
-                <a:defRPr>
-                  <a:solidFill>
-                    <a:schemeClr val="lt1"/>
-                  </a:solidFill>
-                </a:defRPr>
-              </a:lvl3pPr>
-              <a:lvl4pPr>
-                <a:defRPr>
-                  <a:solidFill>
-                    <a:schemeClr val="lt1"/>
-                  </a:solidFill>
-                </a:defRPr>
-              </a:lvl4pPr>
-              <a:lvl5pPr>
-                <a:defRPr>
-                  <a:solidFill>
-                    <a:schemeClr val="lt1"/>
-                  </a:solidFill>
-                </a:defRPr>
-              </a:lvl5pPr>
-              <a:lvl6pPr>
-                <a:defRPr>
-                  <a:solidFill>
-                    <a:schemeClr val="lt1"/>
-                  </a:solidFill>
-                </a:defRPr>
-              </a:lvl6pPr>
-              <a:lvl7pPr>
-                <a:defRPr>
-                  <a:solidFill>
-                    <a:schemeClr val="lt1"/>
-                  </a:solidFill>
-                </a:defRPr>
-              </a:lvl7pPr>
-              <a:lvl8pPr>
-                <a:defRPr>
-                  <a:solidFill>
-                    <a:schemeClr val="lt1"/>
-                  </a:solidFill>
-                </a:defRPr>
-              </a:lvl8pPr>
-              <a:lvl9pPr>
-                <a:defRPr>
-                  <a:solidFill>
-                    <a:schemeClr val="lt1"/>
-                  </a:solidFill>
-                </a:defRPr>
-              </a:lvl9pPr>
-            </a:lstStyle>
-            <a:p>
-              <a:r>
-                <a:rPr lang="fr-FR" sz="900" b="0" dirty="0">
-                  <a:latin typeface="Arial Nova" panose="020B0504020202020204" pitchFamily="34" charset="0"/>
-                </a:rPr>
-                <a:t>Bras Beta</a:t>
-              </a:r>
-            </a:p>
-          </p:txBody>
-        </p:sp>
-        <p:sp>
-          <p:nvSpPr>
-            <p:cNvPr id="43" name="ZoneTexte 42">
-              <a:extLst>
-                <a:ext uri="{FF2B5EF4-FFF2-40B4-BE49-F238E27FC236}">
-                  <a16:creationId xmlns:a16="http://schemas.microsoft.com/office/drawing/2014/main" id="{F3E9768F-5D3B-567A-1466-5A1F11EF9BF4}"/>
-                </a:ext>
-              </a:extLst>
-            </p:cNvPr>
-            <p:cNvSpPr txBox="1"/>
-            <p:nvPr/>
-          </p:nvSpPr>
-          <p:spPr>
-            <a:xfrm>
-              <a:off x="2654300" y="5609145"/>
-              <a:ext cx="720725" cy="152726"/>
-            </a:xfrm>
-            <a:prstGeom prst="rect">
-              <a:avLst/>
-            </a:prstGeom>
-            <a:solidFill>
-              <a:schemeClr val="accent1"/>
-            </a:solidFill>
-            <a:ln>
-              <a:noFill/>
-            </a:ln>
-          </p:spPr>
-          <p:style>
-            <a:lnRef idx="2">
-              <a:schemeClr val="accent6">
-                <a:shade val="50000"/>
-              </a:schemeClr>
-            </a:lnRef>
-            <a:fillRef idx="1">
-              <a:schemeClr val="accent6"/>
-            </a:fillRef>
-            <a:effectRef idx="0">
-              <a:schemeClr val="accent6"/>
-            </a:effectRef>
-            <a:fontRef idx="minor">
-              <a:schemeClr val="lt1"/>
-            </a:fontRef>
-          </p:style>
-          <p:txBody>
-            <a:bodyPr lIns="0" tIns="0" rIns="0" bIns="0" rtlCol="0" anchor="ctr"/>
-            <a:lstStyle>
-              <a:defPPr>
-                <a:defRPr lang="en-US"/>
-              </a:defPPr>
-              <a:lvl1pPr algn="ctr">
-                <a:defRPr sz="1200" b="1">
-                  <a:solidFill>
-                    <a:schemeClr val="lt1"/>
-                  </a:solidFill>
-                </a:defRPr>
-              </a:lvl1pPr>
-              <a:lvl2pPr>
-                <a:defRPr>
-                  <a:solidFill>
-                    <a:schemeClr val="lt1"/>
-                  </a:solidFill>
-                </a:defRPr>
-              </a:lvl2pPr>
-              <a:lvl3pPr>
-                <a:defRPr>
-                  <a:solidFill>
-                    <a:schemeClr val="lt1"/>
-                  </a:solidFill>
-                </a:defRPr>
-              </a:lvl3pPr>
-              <a:lvl4pPr>
-                <a:defRPr>
-                  <a:solidFill>
-                    <a:schemeClr val="lt1"/>
-                  </a:solidFill>
-                </a:defRPr>
-              </a:lvl4pPr>
-              <a:lvl5pPr>
-                <a:defRPr>
-                  <a:solidFill>
-                    <a:schemeClr val="lt1"/>
-                  </a:solidFill>
-                </a:defRPr>
-              </a:lvl5pPr>
-              <a:lvl6pPr>
-                <a:defRPr>
-                  <a:solidFill>
-                    <a:schemeClr val="lt1"/>
-                  </a:solidFill>
-                </a:defRPr>
-              </a:lvl6pPr>
-              <a:lvl7pPr>
-                <a:defRPr>
-                  <a:solidFill>
-                    <a:schemeClr val="lt1"/>
-                  </a:solidFill>
-                </a:defRPr>
-              </a:lvl7pPr>
-              <a:lvl8pPr>
-                <a:defRPr>
-                  <a:solidFill>
-                    <a:schemeClr val="lt1"/>
-                  </a:solidFill>
-                </a:defRPr>
-              </a:lvl8pPr>
-              <a:lvl9pPr>
-                <a:defRPr>
-                  <a:solidFill>
-                    <a:schemeClr val="lt1"/>
-                  </a:solidFill>
-                </a:defRPr>
-              </a:lvl9pPr>
-            </a:lstStyle>
-            <a:p>
-              <a:r>
-                <a:rPr lang="fr-FR" sz="900" b="0" dirty="0" err="1">
-                  <a:latin typeface="Arial Nova" panose="020B0504020202020204" pitchFamily="34" charset="0"/>
-                </a:rPr>
-                <a:t>Geeros</a:t>
-              </a:r>
-              <a:endParaRPr lang="fr-FR" sz="900" b="0" dirty="0">
-                <a:latin typeface="Arial Nova" panose="020B0504020202020204" pitchFamily="34" charset="0"/>
-              </a:endParaRPr>
-            </a:p>
-          </p:txBody>
-        </p:sp>
-        <p:sp>
-          <p:nvSpPr>
-            <p:cNvPr id="44" name="ZoneTexte 43">
-              <a:extLst>
-                <a:ext uri="{FF2B5EF4-FFF2-40B4-BE49-F238E27FC236}">
-                  <a16:creationId xmlns:a16="http://schemas.microsoft.com/office/drawing/2014/main" id="{957A7333-42F4-DF7D-CCD9-218740E7F19B}"/>
-                </a:ext>
-              </a:extLst>
-            </p:cNvPr>
-            <p:cNvSpPr txBox="1"/>
-            <p:nvPr/>
-          </p:nvSpPr>
-          <p:spPr>
-            <a:xfrm>
-              <a:off x="4214946" y="5015225"/>
-              <a:ext cx="720726" cy="157324"/>
-            </a:xfrm>
-            <a:prstGeom prst="rect">
-              <a:avLst/>
-            </a:prstGeom>
-            <a:solidFill>
-              <a:schemeClr val="accent1"/>
-            </a:solidFill>
-            <a:ln>
-              <a:noFill/>
-            </a:ln>
-          </p:spPr>
-          <p:style>
-            <a:lnRef idx="2">
-              <a:schemeClr val="accent6">
-                <a:shade val="50000"/>
-              </a:schemeClr>
-            </a:lnRef>
-            <a:fillRef idx="1">
-              <a:schemeClr val="accent6"/>
-            </a:fillRef>
-            <a:effectRef idx="0">
-              <a:schemeClr val="accent6"/>
-            </a:effectRef>
-            <a:fontRef idx="minor">
-              <a:schemeClr val="lt1"/>
-            </a:fontRef>
-          </p:style>
-          <p:txBody>
-            <a:bodyPr lIns="0" tIns="0" rIns="0" bIns="0" rtlCol="0" anchor="ctr"/>
-            <a:lstStyle>
-              <a:defPPr>
-                <a:defRPr lang="en-US"/>
-              </a:defPPr>
-              <a:lvl1pPr algn="ctr">
-                <a:defRPr sz="1200" b="1">
-                  <a:solidFill>
-                    <a:schemeClr val="lt1"/>
-                  </a:solidFill>
-                </a:defRPr>
-              </a:lvl1pPr>
-              <a:lvl2pPr>
-                <a:defRPr>
-                  <a:solidFill>
-                    <a:schemeClr val="lt1"/>
-                  </a:solidFill>
-                </a:defRPr>
-              </a:lvl2pPr>
-              <a:lvl3pPr>
-                <a:defRPr>
-                  <a:solidFill>
-                    <a:schemeClr val="lt1"/>
-                  </a:solidFill>
-                </a:defRPr>
-              </a:lvl3pPr>
-              <a:lvl4pPr>
-                <a:defRPr>
-                  <a:solidFill>
-                    <a:schemeClr val="lt1"/>
-                  </a:solidFill>
-                </a:defRPr>
-              </a:lvl4pPr>
-              <a:lvl5pPr>
-                <a:defRPr>
-                  <a:solidFill>
-                    <a:schemeClr val="lt1"/>
-                  </a:solidFill>
-                </a:defRPr>
-              </a:lvl5pPr>
-              <a:lvl6pPr>
-                <a:defRPr>
-                  <a:solidFill>
-                    <a:schemeClr val="lt1"/>
-                  </a:solidFill>
-                </a:defRPr>
-              </a:lvl6pPr>
-              <a:lvl7pPr>
-                <a:defRPr>
-                  <a:solidFill>
-                    <a:schemeClr val="lt1"/>
-                  </a:solidFill>
-                </a:defRPr>
-              </a:lvl7pPr>
-              <a:lvl8pPr>
-                <a:defRPr>
-                  <a:solidFill>
-                    <a:schemeClr val="lt1"/>
-                  </a:solidFill>
-                </a:defRPr>
-              </a:lvl8pPr>
-              <a:lvl9pPr>
-                <a:defRPr>
-                  <a:solidFill>
-                    <a:schemeClr val="lt1"/>
-                  </a:solidFill>
-                </a:defRPr>
-              </a:lvl9pPr>
-            </a:lstStyle>
-            <a:p>
-              <a:r>
-                <a:rPr lang="fr-FR" sz="900" b="0" dirty="0">
-                  <a:latin typeface="Arial Nova" panose="020B0504020202020204" pitchFamily="34" charset="0"/>
-                </a:rPr>
-                <a:t>Scilab</a:t>
-              </a:r>
-            </a:p>
-          </p:txBody>
-        </p:sp>
-      </p:grpSp>
       <p:cxnSp>
         <p:nvCxnSpPr>
           <p:cNvPr id="53" name="Connecteur droit 52">
@@ -22867,7 +22684,7 @@
         </p:nvSpPr>
         <p:spPr>
           <a:xfrm>
-            <a:off x="0" y="3580924"/>
+            <a:off x="0" y="4127117"/>
             <a:ext cx="6858000" cy="609837"/>
           </a:xfrm>
           <a:prstGeom prst="leftRightArrow">
@@ -22897,8 +22714,17 @@
               <a:rPr lang="fr-FR" sz="1100" dirty="0">
                 <a:latin typeface="Arial Nova" panose="020B0504020202020204" pitchFamily="34" charset="0"/>
               </a:rPr>
-              <a:t>Echanges avec examinateurs</a:t>
+              <a:t>Echanges avec </a:t>
             </a:r>
+            <a:r>
+              <a:rPr lang="fr-FR" sz="1100" dirty="0" smtClean="0">
+                <a:latin typeface="Arial Nova" panose="020B0504020202020204" pitchFamily="34" charset="0"/>
+              </a:rPr>
+              <a:t>1 à 2 examinateurs</a:t>
+            </a:r>
+            <a:endParaRPr lang="fr-FR" sz="1100" dirty="0">
+              <a:latin typeface="Arial Nova" panose="020B0504020202020204" pitchFamily="34" charset="0"/>
+            </a:endParaRPr>
           </a:p>
         </p:txBody>
       </p:sp>
@@ -22916,7 +22742,7 @@
         </p:nvSpPr>
         <p:spPr>
           <a:xfrm>
-            <a:off x="0" y="4206001"/>
+            <a:off x="0" y="4645187"/>
             <a:ext cx="6858000" cy="658461"/>
           </a:xfrm>
           <a:prstGeom prst="leftRightArrow">
@@ -22947,7 +22773,7 @@
           <a:p>
             <a:pPr algn="ctr"/>
             <a:r>
-              <a:rPr lang="fr-FR" sz="1000" dirty="0">
+              <a:rPr lang="fr-FR" sz="1000" b="1" dirty="0">
                 <a:latin typeface="Arial Nova" panose="020B0504020202020204" pitchFamily="34" charset="0"/>
               </a:rPr>
               <a:t>Réalisation d’un compte – rendu</a:t>
@@ -22960,43 +22786,6 @@
                 <a:latin typeface="Arial Nova" panose="020B0504020202020204" pitchFamily="34" charset="0"/>
               </a:rPr>
               <a:t>Impression de courbes possibles</a:t>
-            </a:r>
-          </a:p>
-        </p:txBody>
-      </p:sp>
-      <p:sp>
-        <p:nvSpPr>
-          <p:cNvPr id="21" name="ZoneTexte 20">
-            <a:extLst>
-              <a:ext uri="{FF2B5EF4-FFF2-40B4-BE49-F238E27FC236}">
-                <a16:creationId xmlns:a16="http://schemas.microsoft.com/office/drawing/2014/main" id="{B1457898-3440-65EF-8C1C-197629D28F3A}"/>
-              </a:ext>
-            </a:extLst>
-          </p:cNvPr>
-          <p:cNvSpPr txBox="1"/>
-          <p:nvPr/>
-        </p:nvSpPr>
-        <p:spPr>
-          <a:xfrm>
-            <a:off x="3428731" y="8542810"/>
-            <a:ext cx="1454150" cy="276999"/>
-          </a:xfrm>
-          <a:prstGeom prst="rect">
-            <a:avLst/>
-          </a:prstGeom>
-          <a:noFill/>
-        </p:spPr>
-        <p:txBody>
-          <a:bodyPr wrap="square" rtlCol="0">
-            <a:spAutoFit/>
-          </a:bodyPr>
-          <a:lstStyle/>
-          <a:p>
-            <a:r>
-              <a:rPr lang="fr-FR" sz="1200" b="1" dirty="0">
-                <a:latin typeface="Arial Nova" panose="020B0504020202020204" pitchFamily="34" charset="0"/>
-              </a:rPr>
-              <a:t>Logiciels</a:t>
             </a:r>
           </a:p>
         </p:txBody>
@@ -23190,7 +22979,25 @@
               <a:rPr lang="fr-FR" sz="1200" dirty="0">
                 <a:latin typeface="Arial Nova" panose="020B0504020202020204" pitchFamily="34" charset="0"/>
               </a:rPr>
-              <a:t>Tirage au sort Physique ou SII</a:t>
+              <a:t>Tirage au sort </a:t>
+            </a:r>
+            <a:r>
+              <a:rPr lang="fr-FR" sz="1200" b="1" dirty="0">
+                <a:latin typeface="Arial Nova" panose="020B0504020202020204" pitchFamily="34" charset="0"/>
+              </a:rPr>
+              <a:t>Physique</a:t>
+            </a:r>
+            <a:r>
+              <a:rPr lang="fr-FR" sz="1200" dirty="0">
+                <a:latin typeface="Arial Nova" panose="020B0504020202020204" pitchFamily="34" charset="0"/>
+              </a:rPr>
+              <a:t> ou </a:t>
+            </a:r>
+            <a:r>
+              <a:rPr lang="fr-FR" sz="1200" b="1" dirty="0">
+                <a:latin typeface="Arial Nova" panose="020B0504020202020204" pitchFamily="34" charset="0"/>
+              </a:rPr>
+              <a:t>SII</a:t>
             </a:r>
           </a:p>
         </p:txBody>
@@ -23209,12 +23016,15 @@
         </p:nvSpPr>
         <p:spPr>
           <a:xfrm>
-            <a:off x="-1" y="4953000"/>
-            <a:ext cx="3429002" cy="653890"/>
+            <a:off x="-2" y="5282162"/>
+            <a:ext cx="6858001" cy="658461"/>
           </a:xfrm>
           <a:prstGeom prst="rect">
             <a:avLst/>
           </a:prstGeom>
+          <a:ln>
+            <a:noFill/>
+          </a:ln>
         </p:spPr>
         <p:style>
           <a:lnRef idx="2">
@@ -23231,127 +23041,128 @@
           </a:fontRef>
         </p:style>
         <p:txBody>
-          <a:bodyPr lIns="90000" tIns="0" rIns="0" bIns="0" rtlCol="0" anchor="t" anchorCtr="0"/>
+          <a:bodyPr lIns="90000" tIns="0" rIns="0" bIns="0" numCol="2" rtlCol="0" anchor="t" anchorCtr="0"/>
           <a:lstStyle/>
           <a:p>
+            <a:pPr>
+              <a:buClr>
+                <a:schemeClr val="accent1"/>
+              </a:buClr>
+            </a:pPr>
             <a:r>
-              <a:rPr lang="fr-FR" sz="1000" b="1" dirty="0"/>
-              <a:t>Pôle</a:t>
-            </a:r>
-            <a:r>
-              <a:rPr lang="fr-FR" sz="1000" dirty="0"/>
-              <a:t> </a:t>
+              <a:rPr lang="fr-FR" sz="1100" dirty="0" smtClean="0">
+                <a:latin typeface="Arial Nova" panose="020B0504020202020204" pitchFamily="34" charset="0"/>
+              </a:rPr>
+              <a:t>Un pôle constitue un ensemble de questions reliées par une problématique commune.</a:t>
             </a:r>
           </a:p>
           <a:p>
-            <a:pPr marL="93663" indent="-93663">
-              <a:buFont typeface="Arial" panose="020B0604020202020204" pitchFamily="34" charset="0"/>
-              <a:buChar char="•"/>
+            <a:pPr marL="285750" indent="-285750">
+              <a:buClr>
+                <a:schemeClr val="accent1"/>
+              </a:buClr>
+              <a:buFont typeface="Wingdings" panose="05000000000000000000" pitchFamily="2" charset="2"/>
+              <a:buChar char="§"/>
             </a:pPr>
             <a:r>
-              <a:rPr lang="fr-FR" sz="1000" dirty="0"/>
-              <a:t>Ils sont plus ou moins indépendants.</a:t>
+              <a:rPr lang="fr-FR" sz="1100" dirty="0" smtClean="0">
+                <a:latin typeface="Arial Nova" panose="020B0504020202020204" pitchFamily="34" charset="0"/>
+              </a:rPr>
+              <a:t>Pôles plus ou moins indépendants</a:t>
             </a:r>
           </a:p>
           <a:p>
-            <a:pPr marL="93663" indent="-93663">
-              <a:buFont typeface="Arial" panose="020B0604020202020204" pitchFamily="34" charset="0"/>
-              <a:buChar char="•"/>
+            <a:pPr marL="285750" indent="-285750">
+              <a:buClr>
+                <a:schemeClr val="accent1"/>
+              </a:buClr>
+              <a:buFont typeface="Wingdings" panose="05000000000000000000" pitchFamily="2" charset="2"/>
+              <a:buChar char="§"/>
             </a:pPr>
             <a:r>
-              <a:rPr lang="fr-FR" sz="1000" dirty="0"/>
-              <a:t>Mise en place d’un protocole expérimental.</a:t>
+              <a:rPr lang="fr-FR" sz="1100" dirty="0" smtClean="0">
+                <a:latin typeface="Arial Nova" panose="020B0504020202020204" pitchFamily="34" charset="0"/>
+              </a:rPr>
+              <a:t>Mise en pace d’un protocole expérimental</a:t>
+            </a:r>
+            <a:endParaRPr lang="fr-FR" sz="1100" dirty="0">
+              <a:latin typeface="Arial Nova" panose="020B0504020202020204" pitchFamily="34" charset="0"/>
+            </a:endParaRPr>
+          </a:p>
+          <a:p>
+            <a:pPr marL="285750" indent="-285750">
+              <a:buClr>
+                <a:schemeClr val="accent1"/>
+              </a:buClr>
+              <a:buFont typeface="Wingdings" panose="05000000000000000000" pitchFamily="2" charset="2"/>
+              <a:buChar char="§"/>
+            </a:pPr>
+            <a:r>
+              <a:rPr lang="fr-FR" sz="1100" dirty="0" smtClean="0">
+                <a:latin typeface="Arial Nova" panose="020B0504020202020204" pitchFamily="34" charset="0"/>
+              </a:rPr>
+              <a:t>Choix de réglages</a:t>
+            </a:r>
+            <a:endParaRPr lang="fr-FR" sz="1100" dirty="0">
+              <a:latin typeface="Arial Nova" panose="020B0504020202020204" pitchFamily="34" charset="0"/>
+            </a:endParaRPr>
+          </a:p>
+          <a:p>
+            <a:pPr marL="285750" indent="-285750">
+              <a:buClr>
+                <a:schemeClr val="accent1"/>
+              </a:buClr>
+              <a:buFont typeface="Wingdings" panose="05000000000000000000" pitchFamily="2" charset="2"/>
+              <a:buChar char="§"/>
+            </a:pPr>
+            <a:r>
+              <a:rPr lang="fr-FR" sz="1100" dirty="0" smtClean="0">
+                <a:latin typeface="Arial Nova" panose="020B0504020202020204" pitchFamily="34" charset="0"/>
+              </a:rPr>
+              <a:t>Conservation d’hypothèses</a:t>
             </a:r>
           </a:p>
           <a:p>
-            <a:pPr marL="93663" indent="-93663">
-              <a:buFont typeface="Arial" panose="020B0604020202020204" pitchFamily="34" charset="0"/>
-              <a:buChar char="•"/>
+            <a:pPr marL="285750" indent="-285750">
+              <a:buClr>
+                <a:schemeClr val="accent1"/>
+              </a:buClr>
+              <a:buFont typeface="Wingdings" panose="05000000000000000000" pitchFamily="2" charset="2"/>
+              <a:buChar char="§"/>
             </a:pPr>
             <a:r>
-              <a:rPr lang="fr-FR" sz="1000" dirty="0"/>
-              <a:t>Choix de réglages.</a:t>
-            </a:r>
-          </a:p>
-        </p:txBody>
-      </p:sp>
-      <p:sp>
-        <p:nvSpPr>
-          <p:cNvPr id="46" name="Rectangle 45">
-            <a:extLst>
-              <a:ext uri="{FF2B5EF4-FFF2-40B4-BE49-F238E27FC236}">
-                <a16:creationId xmlns:a16="http://schemas.microsoft.com/office/drawing/2014/main" id="{2330D3E9-89D7-C3E9-A4BF-F58C384EC621}"/>
-              </a:ext>
-            </a:extLst>
-          </p:cNvPr>
-          <p:cNvSpPr/>
-          <p:nvPr/>
-        </p:nvSpPr>
-        <p:spPr>
-          <a:xfrm>
-            <a:off x="3428731" y="4953000"/>
-            <a:ext cx="3429002" cy="653890"/>
-          </a:xfrm>
-          <a:prstGeom prst="rect">
-            <a:avLst/>
-          </a:prstGeom>
-        </p:spPr>
-        <p:style>
-          <a:lnRef idx="2">
-            <a:schemeClr val="accent1"/>
-          </a:lnRef>
-          <a:fillRef idx="1">
-            <a:schemeClr val="lt1"/>
-          </a:fillRef>
-          <a:effectRef idx="0">
-            <a:schemeClr val="accent1"/>
-          </a:effectRef>
-          <a:fontRef idx="minor">
-            <a:schemeClr val="dk1"/>
-          </a:fontRef>
-        </p:style>
-        <p:txBody>
-          <a:bodyPr lIns="90000" tIns="0" rIns="0" bIns="0" rtlCol="0" anchor="t" anchorCtr="0"/>
-          <a:lstStyle/>
-          <a:p>
-            <a:r>
-              <a:rPr lang="fr-FR" sz="1000" dirty="0"/>
-              <a:t>  </a:t>
-            </a:r>
-          </a:p>
-          <a:p>
-            <a:pPr marL="93663" indent="-93663">
-              <a:buFont typeface="Arial" panose="020B0604020202020204" pitchFamily="34" charset="0"/>
-              <a:buChar char="•"/>
-            </a:pPr>
-            <a:r>
-              <a:rPr lang="fr-FR" sz="1000" dirty="0"/>
-              <a:t>Conservation d’hypothèses.</a:t>
-            </a:r>
-          </a:p>
-          <a:p>
-            <a:pPr marL="93663" indent="-93663">
-              <a:buFont typeface="Arial" panose="020B0604020202020204" pitchFamily="34" charset="0"/>
-              <a:buChar char="•"/>
-            </a:pPr>
-            <a:r>
-              <a:rPr lang="fr-FR" sz="1000" dirty="0"/>
+              <a:rPr lang="fr-FR" sz="1100" dirty="0" smtClean="0">
+                <a:latin typeface="Arial Nova" panose="020B0504020202020204" pitchFamily="34" charset="0"/>
+              </a:rPr>
               <a:t>Analyse des écarts CDCF </a:t>
             </a:r>
             <a:r>
-              <a:rPr lang="fr-FR" sz="1000" dirty="0">
+              <a:rPr lang="fr-FR" sz="1100" dirty="0" smtClean="0">
                 <a:sym typeface="Wingdings" panose="05000000000000000000" pitchFamily="2" charset="2"/>
               </a:rPr>
-              <a:t> Modèle  Réel</a:t>
+              <a:t> </a:t>
             </a:r>
-            <a:endParaRPr lang="fr-FR" sz="1000" dirty="0"/>
-          </a:p>
-          <a:p>
-            <a:pPr marL="93663" indent="-93663">
-              <a:buFont typeface="Arial" panose="020B0604020202020204" pitchFamily="34" charset="0"/>
-              <a:buChar char="•"/>
-            </a:pPr>
-            <a:endParaRPr lang="fr-FR" sz="1000" dirty="0"/>
+            <a:r>
+              <a:rPr lang="fr-FR" sz="1100" dirty="0" smtClean="0">
+                <a:latin typeface="Arial Nova" panose="020B0504020202020204" pitchFamily="34" charset="0"/>
+              </a:rPr>
+              <a:t>Modèle </a:t>
+            </a:r>
+            <a:r>
+              <a:rPr lang="fr-FR" sz="1100" dirty="0">
+                <a:sym typeface="Wingdings" panose="05000000000000000000" pitchFamily="2" charset="2"/>
+              </a:rPr>
+              <a:t></a:t>
+            </a:r>
+            <a:r>
+              <a:rPr lang="fr-FR" sz="1100" dirty="0" smtClean="0">
+                <a:latin typeface="Arial Nova" panose="020B0504020202020204" pitchFamily="34" charset="0"/>
+              </a:rPr>
+              <a:t> Réel</a:t>
+            </a:r>
+            <a:endParaRPr lang="fr-FR" sz="1100" dirty="0">
+              <a:latin typeface="Arial Nova" panose="020B0504020202020204" pitchFamily="34" charset="0"/>
+            </a:endParaRPr>
           </a:p>
         </p:txBody>
       </p:sp>
@@ -23402,6 +23213,1519 @@
           </a:extLst>
         </p:spPr>
       </p:pic>
+      <p:grpSp>
+        <p:nvGrpSpPr>
+          <p:cNvPr id="16" name="Groupe 15"/>
+          <p:cNvGrpSpPr/>
+          <p:nvPr/>
+        </p:nvGrpSpPr>
+        <p:grpSpPr>
+          <a:xfrm>
+            <a:off x="462159" y="1491277"/>
+            <a:ext cx="6341597" cy="769441"/>
+            <a:chOff x="462159" y="1491277"/>
+            <a:chExt cx="6341597" cy="769441"/>
+          </a:xfrm>
+        </p:grpSpPr>
+        <p:pic>
+          <p:nvPicPr>
+            <p:cNvPr id="3" name="Image 2"/>
+            <p:cNvPicPr>
+              <a:picLocks noChangeAspect="1"/>
+            </p:cNvPicPr>
+            <p:nvPr/>
+          </p:nvPicPr>
+          <p:blipFill>
+            <a:blip r:embed="rId9" cstate="hqprint">
+              <a:extLst>
+                <a:ext uri="{28A0092B-C50C-407E-A947-70E740481C1C}">
+                  <a14:useLocalDpi xmlns:a14="http://schemas.microsoft.com/office/drawing/2010/main" val="0"/>
+                </a:ext>
+              </a:extLst>
+            </a:blip>
+            <a:stretch>
+              <a:fillRect/>
+            </a:stretch>
+          </p:blipFill>
+          <p:spPr>
+            <a:xfrm>
+              <a:off x="462159" y="1510194"/>
+              <a:ext cx="720000" cy="720000"/>
+            </a:xfrm>
+            <a:prstGeom prst="rect">
+              <a:avLst/>
+            </a:prstGeom>
+          </p:spPr>
+        </p:pic>
+        <p:pic>
+          <p:nvPicPr>
+            <p:cNvPr id="12" name="Image 11"/>
+            <p:cNvPicPr>
+              <a:picLocks noChangeAspect="1"/>
+            </p:cNvPicPr>
+            <p:nvPr/>
+          </p:nvPicPr>
+          <p:blipFill>
+            <a:blip r:embed="rId10" cstate="hqprint">
+              <a:extLst>
+                <a:ext uri="{28A0092B-C50C-407E-A947-70E740481C1C}">
+                  <a14:useLocalDpi xmlns:a14="http://schemas.microsoft.com/office/drawing/2010/main" val="0"/>
+                </a:ext>
+              </a:extLst>
+            </a:blip>
+            <a:stretch>
+              <a:fillRect/>
+            </a:stretch>
+          </p:blipFill>
+          <p:spPr>
+            <a:xfrm>
+              <a:off x="1573397" y="1512013"/>
+              <a:ext cx="720000" cy="720000"/>
+            </a:xfrm>
+            <a:prstGeom prst="rect">
+              <a:avLst/>
+            </a:prstGeom>
+          </p:spPr>
+        </p:pic>
+        <p:pic>
+          <p:nvPicPr>
+            <p:cNvPr id="13" name="Image 12"/>
+            <p:cNvPicPr>
+              <a:picLocks noChangeAspect="1"/>
+            </p:cNvPicPr>
+            <p:nvPr/>
+          </p:nvPicPr>
+          <p:blipFill>
+            <a:blip r:embed="rId11" cstate="hqprint">
+              <a:extLst>
+                <a:ext uri="{28A0092B-C50C-407E-A947-70E740481C1C}">
+                  <a14:useLocalDpi xmlns:a14="http://schemas.microsoft.com/office/drawing/2010/main" val="0"/>
+                </a:ext>
+              </a:extLst>
+            </a:blip>
+            <a:stretch>
+              <a:fillRect/>
+            </a:stretch>
+          </p:blipFill>
+          <p:spPr>
+            <a:xfrm>
+              <a:off x="2696534" y="1512544"/>
+              <a:ext cx="720000" cy="720000"/>
+            </a:xfrm>
+            <a:prstGeom prst="rect">
+              <a:avLst/>
+            </a:prstGeom>
+          </p:spPr>
+        </p:pic>
+        <p:sp>
+          <p:nvSpPr>
+            <p:cNvPr id="33" name="ZoneTexte 32">
+              <a:extLst>
+                <a:ext uri="{FF2B5EF4-FFF2-40B4-BE49-F238E27FC236}">
+                  <a16:creationId xmlns:a16="http://schemas.microsoft.com/office/drawing/2014/main" id="{87BA1BFC-B964-946E-9ED3-B419DB170A34}"/>
+                </a:ext>
+              </a:extLst>
+            </p:cNvPr>
+            <p:cNvSpPr txBox="1"/>
+            <p:nvPr/>
+          </p:nvSpPr>
+          <p:spPr>
+            <a:xfrm>
+              <a:off x="4647155" y="1491277"/>
+              <a:ext cx="2156601" cy="769441"/>
+            </a:xfrm>
+            <a:prstGeom prst="rect">
+              <a:avLst/>
+            </a:prstGeom>
+            <a:noFill/>
+          </p:spPr>
+          <p:txBody>
+            <a:bodyPr wrap="square" rtlCol="0">
+              <a:spAutoFit/>
+            </a:bodyPr>
+            <a:lstStyle/>
+            <a:p>
+              <a:pPr marL="285750" indent="-285750">
+                <a:buClr>
+                  <a:schemeClr val="accent1"/>
+                </a:buClr>
+                <a:buFont typeface="Wingdings" panose="05000000000000000000" pitchFamily="2" charset="2"/>
+                <a:buChar char="§"/>
+              </a:pPr>
+              <a:r>
+                <a:rPr lang="fr-FR" sz="1100" dirty="0" smtClean="0">
+                  <a:latin typeface="Arial Nova" panose="020B0504020202020204" pitchFamily="34" charset="0"/>
+                </a:rPr>
+                <a:t>Logiciels de bureautique</a:t>
+              </a:r>
+            </a:p>
+            <a:p>
+              <a:pPr marL="285750" indent="-285750">
+                <a:buClr>
+                  <a:schemeClr val="accent1"/>
+                </a:buClr>
+                <a:buFont typeface="Wingdings" panose="05000000000000000000" pitchFamily="2" charset="2"/>
+                <a:buChar char="§"/>
+              </a:pPr>
+              <a:r>
+                <a:rPr lang="fr-FR" sz="1100" dirty="0" smtClean="0">
+                  <a:latin typeface="Arial Nova" panose="020B0504020202020204" pitchFamily="34" charset="0"/>
+                </a:rPr>
+                <a:t>Tableurs</a:t>
+              </a:r>
+            </a:p>
+            <a:p>
+              <a:pPr marL="285750" indent="-285750">
+                <a:buClr>
+                  <a:schemeClr val="accent1"/>
+                </a:buClr>
+                <a:buFont typeface="Wingdings" panose="05000000000000000000" pitchFamily="2" charset="2"/>
+                <a:buChar char="§"/>
+              </a:pPr>
+              <a:r>
+                <a:rPr lang="fr-FR" sz="1100" dirty="0" smtClean="0">
+                  <a:latin typeface="Arial Nova" panose="020B0504020202020204" pitchFamily="34" charset="0"/>
+                </a:rPr>
+                <a:t>Simulation </a:t>
+              </a:r>
+            </a:p>
+            <a:p>
+              <a:pPr marL="285750" indent="-285750">
+                <a:buClr>
+                  <a:schemeClr val="accent1"/>
+                </a:buClr>
+                <a:buFont typeface="Wingdings" panose="05000000000000000000" pitchFamily="2" charset="2"/>
+                <a:buChar char="§"/>
+              </a:pPr>
+              <a:r>
+                <a:rPr lang="fr-FR" sz="1100" dirty="0" smtClean="0">
+                  <a:latin typeface="Arial Nova" panose="020B0504020202020204" pitchFamily="34" charset="0"/>
+                </a:rPr>
+                <a:t>Programmation</a:t>
+              </a:r>
+              <a:endParaRPr lang="fr-FR" sz="1100" dirty="0">
+                <a:latin typeface="Arial Nova" panose="020B0504020202020204" pitchFamily="34" charset="0"/>
+              </a:endParaRPr>
+            </a:p>
+          </p:txBody>
+        </p:sp>
+        <p:pic>
+          <p:nvPicPr>
+            <p:cNvPr id="14" name="Image 13"/>
+            <p:cNvPicPr>
+              <a:picLocks noChangeAspect="1"/>
+            </p:cNvPicPr>
+            <p:nvPr/>
+          </p:nvPicPr>
+          <p:blipFill>
+            <a:blip r:embed="rId12" cstate="hqprint">
+              <a:extLst>
+                <a:ext uri="{28A0092B-C50C-407E-A947-70E740481C1C}">
+                  <a14:useLocalDpi xmlns:a14="http://schemas.microsoft.com/office/drawing/2010/main" val="0"/>
+                </a:ext>
+              </a:extLst>
+            </a:blip>
+            <a:stretch>
+              <a:fillRect/>
+            </a:stretch>
+          </p:blipFill>
+          <p:spPr>
+            <a:xfrm>
+              <a:off x="3694873" y="1512544"/>
+              <a:ext cx="720000" cy="720000"/>
+            </a:xfrm>
+            <a:prstGeom prst="rect">
+              <a:avLst/>
+            </a:prstGeom>
+          </p:spPr>
+        </p:pic>
+        <p:pic>
+          <p:nvPicPr>
+            <p:cNvPr id="15" name="Image 14"/>
+            <p:cNvPicPr>
+              <a:picLocks noChangeAspect="1"/>
+            </p:cNvPicPr>
+            <p:nvPr/>
+          </p:nvPicPr>
+          <p:blipFill>
+            <a:blip r:embed="rId13" cstate="hqprint">
+              <a:extLst>
+                <a:ext uri="{28A0092B-C50C-407E-A947-70E740481C1C}">
+                  <a14:useLocalDpi xmlns:a14="http://schemas.microsoft.com/office/drawing/2010/main" val="0"/>
+                </a:ext>
+              </a:extLst>
+            </a:blip>
+            <a:stretch>
+              <a:fillRect/>
+            </a:stretch>
+          </p:blipFill>
+          <p:spPr>
+            <a:xfrm>
+              <a:off x="2193860" y="1641876"/>
+              <a:ext cx="288000" cy="288000"/>
+            </a:xfrm>
+            <a:prstGeom prst="rect">
+              <a:avLst/>
+            </a:prstGeom>
+          </p:spPr>
+        </p:pic>
+      </p:grpSp>
+      <p:sp>
+        <p:nvSpPr>
+          <p:cNvPr id="37" name="Rectangle 36">
+            <a:extLst>
+              <a:ext uri="{FF2B5EF4-FFF2-40B4-BE49-F238E27FC236}">
+                <a16:creationId xmlns:a16="http://schemas.microsoft.com/office/drawing/2014/main" id="{6B728416-EDD8-959B-9C15-B4BBC21E82AB}"/>
+              </a:ext>
+            </a:extLst>
+          </p:cNvPr>
+          <p:cNvSpPr/>
+          <p:nvPr/>
+        </p:nvSpPr>
+        <p:spPr>
+          <a:xfrm>
+            <a:off x="0" y="6333273"/>
+            <a:ext cx="6858002" cy="2001427"/>
+          </a:xfrm>
+          <a:prstGeom prst="rect">
+            <a:avLst/>
+          </a:prstGeom>
+          <a:ln>
+            <a:noFill/>
+          </a:ln>
+        </p:spPr>
+        <p:style>
+          <a:lnRef idx="2">
+            <a:schemeClr val="accent1"/>
+          </a:lnRef>
+          <a:fillRef idx="1">
+            <a:schemeClr val="lt1"/>
+          </a:fillRef>
+          <a:effectRef idx="0">
+            <a:schemeClr val="accent1"/>
+          </a:effectRef>
+          <a:fontRef idx="minor">
+            <a:schemeClr val="dk1"/>
+          </a:fontRef>
+        </p:style>
+        <p:txBody>
+          <a:bodyPr lIns="90000" tIns="0" rIns="0" bIns="0" numCol="2" rtlCol="0" anchor="t" anchorCtr="0"/>
+          <a:lstStyle/>
+          <a:p>
+            <a:pPr>
+              <a:buClr>
+                <a:schemeClr val="accent1"/>
+              </a:buClr>
+            </a:pPr>
+            <a:r>
+              <a:rPr lang="fr-FR" sz="1100" b="1" dirty="0" smtClean="0">
+                <a:latin typeface="Arial Nova" panose="020B0504020202020204" pitchFamily="34" charset="0"/>
+              </a:rPr>
+              <a:t>Découverte système</a:t>
+            </a:r>
+          </a:p>
+          <a:p>
+            <a:pPr marL="285750" indent="-285750">
+              <a:buClr>
+                <a:schemeClr val="accent1"/>
+              </a:buClr>
+              <a:buFont typeface="Wingdings" panose="05000000000000000000" pitchFamily="2" charset="2"/>
+              <a:buChar char="§"/>
+            </a:pPr>
+            <a:r>
+              <a:rPr lang="fr-FR" sz="1100" dirty="0" smtClean="0">
+                <a:latin typeface="Arial Nova" panose="020B0504020202020204" pitchFamily="34" charset="0"/>
+              </a:rPr>
+              <a:t>Maîtriser la lecture de diagrammes </a:t>
+            </a:r>
+            <a:r>
+              <a:rPr lang="fr-FR" sz="1100" dirty="0" err="1" smtClean="0">
+                <a:latin typeface="Arial Nova" panose="020B0504020202020204" pitchFamily="34" charset="0"/>
+              </a:rPr>
+              <a:t>SysML</a:t>
+            </a:r>
+            <a:endParaRPr lang="fr-FR" sz="1100" dirty="0" smtClean="0">
+              <a:latin typeface="Arial Nova" panose="020B0504020202020204" pitchFamily="34" charset="0"/>
+            </a:endParaRPr>
+          </a:p>
+          <a:p>
+            <a:pPr marL="285750" indent="-285750">
+              <a:buClr>
+                <a:schemeClr val="accent1"/>
+              </a:buClr>
+              <a:buFont typeface="Wingdings" panose="05000000000000000000" pitchFamily="2" charset="2"/>
+              <a:buChar char="§"/>
+            </a:pPr>
+            <a:r>
+              <a:rPr lang="fr-FR" sz="1100" dirty="0" smtClean="0">
+                <a:latin typeface="Arial Nova" panose="020B0504020202020204" pitchFamily="34" charset="0"/>
+              </a:rPr>
+              <a:t>Maîtriser la chaîne fonctionnelle</a:t>
+            </a:r>
+          </a:p>
+          <a:p>
+            <a:pPr marL="285750" indent="-285750">
+              <a:buClr>
+                <a:schemeClr val="accent1"/>
+              </a:buClr>
+              <a:buFont typeface="Wingdings" panose="05000000000000000000" pitchFamily="2" charset="2"/>
+              <a:buChar char="§"/>
+            </a:pPr>
+            <a:r>
+              <a:rPr lang="fr-FR" sz="1100" dirty="0" smtClean="0">
+                <a:latin typeface="Arial Nova" panose="020B0504020202020204" pitchFamily="34" charset="0"/>
+              </a:rPr>
+              <a:t>Connaissance des composants technologiques</a:t>
+            </a:r>
+          </a:p>
+          <a:p>
+            <a:pPr marL="285750" indent="-285750">
+              <a:buClr>
+                <a:schemeClr val="accent1"/>
+              </a:buClr>
+              <a:buFont typeface="Wingdings" panose="05000000000000000000" pitchFamily="2" charset="2"/>
+              <a:buChar char="§"/>
+            </a:pPr>
+            <a:endParaRPr lang="fr-FR" sz="1100" dirty="0" smtClean="0">
+              <a:latin typeface="Arial Nova" panose="020B0504020202020204" pitchFamily="34" charset="0"/>
+            </a:endParaRPr>
+          </a:p>
+          <a:p>
+            <a:pPr>
+              <a:buClr>
+                <a:schemeClr val="accent1"/>
+              </a:buClr>
+            </a:pPr>
+            <a:r>
+              <a:rPr lang="fr-FR" sz="1100" b="1" dirty="0" smtClean="0">
+                <a:latin typeface="Arial Nova" panose="020B0504020202020204" pitchFamily="34" charset="0"/>
+              </a:rPr>
+              <a:t>Approche expérimentale : </a:t>
+            </a:r>
+          </a:p>
+          <a:p>
+            <a:pPr marL="285750" indent="-285750">
+              <a:buClr>
+                <a:schemeClr val="accent1"/>
+              </a:buClr>
+              <a:buFont typeface="Wingdings" panose="05000000000000000000" pitchFamily="2" charset="2"/>
+              <a:buChar char="§"/>
+            </a:pPr>
+            <a:r>
+              <a:rPr lang="fr-FR" sz="1100" dirty="0" smtClean="0">
+                <a:latin typeface="Arial Nova" panose="020B0504020202020204" pitchFamily="34" charset="0"/>
+              </a:rPr>
+              <a:t>Le système n’est pas la pour la déco !</a:t>
+            </a:r>
+          </a:p>
+          <a:p>
+            <a:pPr marL="285750" indent="-285750">
+              <a:buClr>
+                <a:schemeClr val="accent1"/>
+              </a:buClr>
+              <a:buFont typeface="Wingdings" panose="05000000000000000000" pitchFamily="2" charset="2"/>
+              <a:buChar char="§"/>
+            </a:pPr>
+            <a:r>
+              <a:rPr lang="fr-FR" sz="1100" dirty="0" smtClean="0">
+                <a:latin typeface="Arial Nova" panose="020B0504020202020204" pitchFamily="34" charset="0"/>
+              </a:rPr>
+              <a:t>Manipulation de tableur pour afficher une courbe</a:t>
+            </a:r>
+          </a:p>
+          <a:p>
+            <a:pPr marL="285750" indent="-285750">
+              <a:buClr>
+                <a:schemeClr val="accent1"/>
+              </a:buClr>
+              <a:buFont typeface="Wingdings" panose="05000000000000000000" pitchFamily="2" charset="2"/>
+              <a:buChar char="§"/>
+            </a:pPr>
+            <a:r>
+              <a:rPr lang="fr-FR" sz="1100" dirty="0" smtClean="0">
+                <a:latin typeface="Arial Nova" panose="020B0504020202020204" pitchFamily="34" charset="0"/>
+              </a:rPr>
+              <a:t>Habillage des courbes imprimées (titres, valeurs remarquables etc.)</a:t>
+            </a:r>
+          </a:p>
+          <a:p>
+            <a:pPr marL="285750" indent="-285750">
+              <a:buClr>
+                <a:schemeClr val="accent1"/>
+              </a:buClr>
+              <a:buFont typeface="Wingdings" panose="05000000000000000000" pitchFamily="2" charset="2"/>
+              <a:buChar char="§"/>
+            </a:pPr>
+            <a:r>
+              <a:rPr lang="fr-FR" sz="1100" dirty="0" smtClean="0">
+                <a:latin typeface="Arial Nova" panose="020B0504020202020204" pitchFamily="34" charset="0"/>
+              </a:rPr>
+              <a:t>Confrontation </a:t>
+            </a:r>
+            <a:r>
+              <a:rPr lang="fr-FR" sz="1100" dirty="0">
+                <a:latin typeface="Arial Nova" panose="020B0504020202020204" pitchFamily="34" charset="0"/>
+              </a:rPr>
+              <a:t>CDCF </a:t>
+            </a:r>
+            <a:r>
+              <a:rPr lang="fr-FR" sz="1100" dirty="0">
+                <a:sym typeface="Wingdings" panose="05000000000000000000" pitchFamily="2" charset="2"/>
+              </a:rPr>
+              <a:t> </a:t>
+            </a:r>
+            <a:r>
+              <a:rPr lang="fr-FR" sz="1100" dirty="0">
+                <a:latin typeface="Arial Nova" panose="020B0504020202020204" pitchFamily="34" charset="0"/>
+              </a:rPr>
+              <a:t>Modèle </a:t>
+            </a:r>
+            <a:r>
+              <a:rPr lang="fr-FR" sz="1100" dirty="0">
+                <a:sym typeface="Wingdings" panose="05000000000000000000" pitchFamily="2" charset="2"/>
+              </a:rPr>
+              <a:t></a:t>
+            </a:r>
+            <a:r>
+              <a:rPr lang="fr-FR" sz="1100" dirty="0">
+                <a:latin typeface="Arial Nova" panose="020B0504020202020204" pitchFamily="34" charset="0"/>
+              </a:rPr>
+              <a:t> </a:t>
+            </a:r>
+            <a:r>
+              <a:rPr lang="fr-FR" sz="1100" dirty="0" smtClean="0">
+                <a:latin typeface="Arial Nova" panose="020B0504020202020204" pitchFamily="34" charset="0"/>
+              </a:rPr>
+              <a:t>Réel</a:t>
+            </a:r>
+          </a:p>
+          <a:p>
+            <a:pPr>
+              <a:buClr>
+                <a:schemeClr val="accent1"/>
+              </a:buClr>
+            </a:pPr>
+            <a:r>
+              <a:rPr lang="fr-FR" sz="1100" b="1" dirty="0" smtClean="0">
+                <a:latin typeface="Arial Nova" panose="020B0504020202020204" pitchFamily="34" charset="0"/>
+              </a:rPr>
+              <a:t>Approche disciplinaire : </a:t>
+            </a:r>
+          </a:p>
+          <a:p>
+            <a:pPr marL="285750" indent="-285750">
+              <a:buClr>
+                <a:schemeClr val="accent1"/>
+              </a:buClr>
+              <a:buFont typeface="Wingdings" panose="05000000000000000000" pitchFamily="2" charset="2"/>
+              <a:buChar char="§"/>
+            </a:pPr>
+            <a:r>
+              <a:rPr lang="fr-FR" sz="1100" dirty="0" smtClean="0">
+                <a:latin typeface="Arial Nova" panose="020B0504020202020204" pitchFamily="34" charset="0"/>
+              </a:rPr>
+              <a:t>S’appliquer sur les schémas</a:t>
+            </a:r>
+          </a:p>
+          <a:p>
+            <a:pPr marL="285750" indent="-285750">
+              <a:buClr>
+                <a:schemeClr val="accent1"/>
+              </a:buClr>
+              <a:buFont typeface="Wingdings" panose="05000000000000000000" pitchFamily="2" charset="2"/>
+              <a:buChar char="§"/>
+            </a:pPr>
+            <a:r>
+              <a:rPr lang="fr-FR" sz="1100" dirty="0" smtClean="0">
+                <a:latin typeface="Arial Nova" panose="020B0504020202020204" pitchFamily="34" charset="0"/>
+              </a:rPr>
+              <a:t>Mettre en place les repères</a:t>
+            </a:r>
+          </a:p>
+          <a:p>
+            <a:pPr marL="285750" indent="-285750">
+              <a:buClr>
+                <a:schemeClr val="accent1"/>
+              </a:buClr>
+              <a:buFont typeface="Wingdings" panose="05000000000000000000" pitchFamily="2" charset="2"/>
+              <a:buChar char="§"/>
+            </a:pPr>
+            <a:r>
+              <a:rPr lang="fr-FR" sz="1100" dirty="0" smtClean="0">
+                <a:latin typeface="Arial Nova" panose="020B0504020202020204" pitchFamily="34" charset="0"/>
+              </a:rPr>
+              <a:t>Notations rigoureuses (vecteurs, torseurs, puissances etc.)</a:t>
+            </a:r>
+          </a:p>
+          <a:p>
+            <a:pPr>
+              <a:buClr>
+                <a:schemeClr val="accent1"/>
+              </a:buClr>
+            </a:pPr>
+            <a:endParaRPr lang="fr-FR" sz="1100" dirty="0">
+              <a:latin typeface="Arial Nova" panose="020B0504020202020204" pitchFamily="34" charset="0"/>
+            </a:endParaRPr>
+          </a:p>
+        </p:txBody>
+      </p:sp>
+      <p:grpSp>
+        <p:nvGrpSpPr>
+          <p:cNvPr id="17" name="Groupe 16"/>
+          <p:cNvGrpSpPr/>
+          <p:nvPr/>
+        </p:nvGrpSpPr>
+        <p:grpSpPr>
+          <a:xfrm>
+            <a:off x="-1" y="8519906"/>
+            <a:ext cx="6803756" cy="1004849"/>
+            <a:chOff x="-1" y="8519906"/>
+            <a:chExt cx="6803756" cy="1004849"/>
+          </a:xfrm>
+        </p:grpSpPr>
+        <p:sp>
+          <p:nvSpPr>
+            <p:cNvPr id="23" name="ZoneTexte 22">
+              <a:extLst>
+                <a:ext uri="{FF2B5EF4-FFF2-40B4-BE49-F238E27FC236}">
+                  <a16:creationId xmlns:a16="http://schemas.microsoft.com/office/drawing/2014/main" id="{9035D1E1-8464-3FC2-4BDE-7912F1B42F4A}"/>
+                </a:ext>
+              </a:extLst>
+            </p:cNvPr>
+            <p:cNvSpPr txBox="1"/>
+            <p:nvPr/>
+          </p:nvSpPr>
+          <p:spPr>
+            <a:xfrm>
+              <a:off x="-1" y="8519906"/>
+              <a:ext cx="3715353" cy="276999"/>
+            </a:xfrm>
+            <a:prstGeom prst="rect">
+              <a:avLst/>
+            </a:prstGeom>
+            <a:noFill/>
+          </p:spPr>
+          <p:txBody>
+            <a:bodyPr wrap="square" rtlCol="0">
+              <a:spAutoFit/>
+            </a:bodyPr>
+            <a:lstStyle/>
+            <a:p>
+              <a:r>
+                <a:rPr lang="fr-FR" sz="1200" b="1" dirty="0">
+                  <a:latin typeface="Arial Nova" panose="020B0504020202020204" pitchFamily="34" charset="0"/>
+                </a:rPr>
+                <a:t>Systèmes </a:t>
+              </a:r>
+              <a:r>
+                <a:rPr lang="fr-FR" sz="1200" b="1" dirty="0" smtClean="0">
+                  <a:latin typeface="Arial Nova" panose="020B0504020202020204" pitchFamily="34" charset="0"/>
+                </a:rPr>
+                <a:t>: Témoignages </a:t>
+              </a:r>
+              <a:r>
+                <a:rPr lang="fr-FR" sz="1200" b="1" dirty="0">
+                  <a:latin typeface="Arial Nova" panose="020B0504020202020204" pitchFamily="34" charset="0"/>
+                </a:rPr>
+                <a:t>promo </a:t>
+              </a:r>
+              <a:r>
+                <a:rPr lang="fr-FR" sz="1200" b="1" dirty="0" smtClean="0">
+                  <a:latin typeface="Arial Nova" panose="020B0504020202020204" pitchFamily="34" charset="0"/>
+                </a:rPr>
+                <a:t>2022</a:t>
+              </a:r>
+              <a:endParaRPr lang="fr-FR" sz="1200" b="1" dirty="0">
+                <a:latin typeface="Arial Nova" panose="020B0504020202020204" pitchFamily="34" charset="0"/>
+              </a:endParaRPr>
+            </a:p>
+          </p:txBody>
+        </p:sp>
+        <p:sp>
+          <p:nvSpPr>
+            <p:cNvPr id="24" name="ZoneTexte 23">
+              <a:extLst>
+                <a:ext uri="{FF2B5EF4-FFF2-40B4-BE49-F238E27FC236}">
+                  <a16:creationId xmlns:a16="http://schemas.microsoft.com/office/drawing/2014/main" id="{87BA1BFC-B964-946E-9ED3-B419DB170A34}"/>
+                </a:ext>
+              </a:extLst>
+            </p:cNvPr>
+            <p:cNvSpPr txBox="1"/>
+            <p:nvPr/>
+          </p:nvSpPr>
+          <p:spPr>
+            <a:xfrm>
+              <a:off x="0" y="8755314"/>
+              <a:ext cx="3321050" cy="769441"/>
+            </a:xfrm>
+            <a:prstGeom prst="rect">
+              <a:avLst/>
+            </a:prstGeom>
+            <a:noFill/>
+          </p:spPr>
+          <p:txBody>
+            <a:bodyPr wrap="square" rtlCol="0">
+              <a:spAutoFit/>
+            </a:bodyPr>
+            <a:lstStyle/>
+            <a:p>
+              <a:pPr marL="285750" indent="-285750">
+                <a:buClr>
+                  <a:schemeClr val="accent1"/>
+                </a:buClr>
+                <a:buFont typeface="Wingdings" panose="05000000000000000000" pitchFamily="2" charset="2"/>
+                <a:buChar char="§"/>
+              </a:pPr>
+              <a:r>
+                <a:rPr lang="fr-FR" sz="1100" dirty="0">
+                  <a:latin typeface="Arial Nova" panose="020B0504020202020204" pitchFamily="34" charset="0"/>
+                </a:rPr>
+                <a:t>Imprimante 3D</a:t>
+              </a:r>
+            </a:p>
+            <a:p>
+              <a:pPr marL="285750" indent="-285750">
+                <a:buClr>
+                  <a:schemeClr val="accent1"/>
+                </a:buClr>
+                <a:buFont typeface="Wingdings" panose="05000000000000000000" pitchFamily="2" charset="2"/>
+                <a:buChar char="§"/>
+              </a:pPr>
+              <a:r>
+                <a:rPr lang="fr-FR" sz="1100" dirty="0">
+                  <a:latin typeface="Arial Nova" panose="020B0504020202020204" pitchFamily="34" charset="0"/>
+                </a:rPr>
+                <a:t>Cordeuse de raquette</a:t>
+              </a:r>
+            </a:p>
+            <a:p>
+              <a:pPr marL="285750" indent="-285750">
+                <a:buClr>
+                  <a:schemeClr val="accent1"/>
+                </a:buClr>
+                <a:buFont typeface="Wingdings" panose="05000000000000000000" pitchFamily="2" charset="2"/>
+                <a:buChar char="§"/>
+              </a:pPr>
+              <a:r>
+                <a:rPr lang="fr-FR" sz="1100" dirty="0" err="1" smtClean="0">
+                  <a:latin typeface="Arial Nova" panose="020B0504020202020204" pitchFamily="34" charset="0"/>
+                </a:rPr>
+                <a:t>Pliote</a:t>
+              </a:r>
+              <a:r>
+                <a:rPr lang="fr-FR" sz="1100" dirty="0" smtClean="0">
+                  <a:latin typeface="Arial Nova" panose="020B0504020202020204" pitchFamily="34" charset="0"/>
+                </a:rPr>
+                <a:t> </a:t>
+              </a:r>
+              <a:r>
+                <a:rPr lang="fr-FR" sz="1100" dirty="0">
+                  <a:latin typeface="Arial Nova" panose="020B0504020202020204" pitchFamily="34" charset="0"/>
+                </a:rPr>
+                <a:t>hydraulique de bateau</a:t>
+              </a:r>
+            </a:p>
+            <a:p>
+              <a:pPr marL="285750" indent="-285750">
+                <a:buClr>
+                  <a:schemeClr val="accent1"/>
+                </a:buClr>
+                <a:buFont typeface="Wingdings" panose="05000000000000000000" pitchFamily="2" charset="2"/>
+                <a:buChar char="§"/>
+              </a:pPr>
+              <a:r>
+                <a:rPr lang="fr-FR" sz="1100" dirty="0" err="1">
+                  <a:latin typeface="Arial Nova" panose="020B0504020202020204" pitchFamily="34" charset="0"/>
+                </a:rPr>
+                <a:t>Geeros</a:t>
+              </a:r>
+              <a:endParaRPr lang="fr-FR" sz="1100" dirty="0">
+                <a:latin typeface="Arial Nova" panose="020B0504020202020204" pitchFamily="34" charset="0"/>
+              </a:endParaRPr>
+            </a:p>
+          </p:txBody>
+        </p:sp>
+        <p:sp>
+          <p:nvSpPr>
+            <p:cNvPr id="26" name="ZoneTexte 25">
+              <a:extLst>
+                <a:ext uri="{FF2B5EF4-FFF2-40B4-BE49-F238E27FC236}">
+                  <a16:creationId xmlns:a16="http://schemas.microsoft.com/office/drawing/2014/main" id="{94B747C0-AF84-C63A-55A7-B820F84508CF}"/>
+                </a:ext>
+              </a:extLst>
+            </p:cNvPr>
+            <p:cNvSpPr txBox="1"/>
+            <p:nvPr/>
+          </p:nvSpPr>
+          <p:spPr>
+            <a:xfrm>
+              <a:off x="2654299" y="8800964"/>
+              <a:ext cx="720726" cy="157324"/>
+            </a:xfrm>
+            <a:prstGeom prst="rect">
+              <a:avLst/>
+            </a:prstGeom>
+            <a:solidFill>
+              <a:schemeClr val="accent1"/>
+            </a:solidFill>
+            <a:ln>
+              <a:noFill/>
+            </a:ln>
+          </p:spPr>
+          <p:style>
+            <a:lnRef idx="2">
+              <a:schemeClr val="accent6">
+                <a:shade val="50000"/>
+              </a:schemeClr>
+            </a:lnRef>
+            <a:fillRef idx="1">
+              <a:schemeClr val="accent6"/>
+            </a:fillRef>
+            <a:effectRef idx="0">
+              <a:schemeClr val="accent6"/>
+            </a:effectRef>
+            <a:fontRef idx="minor">
+              <a:schemeClr val="lt1"/>
+            </a:fontRef>
+          </p:style>
+          <p:txBody>
+            <a:bodyPr lIns="0" tIns="0" rIns="0" bIns="0" rtlCol="0" anchor="ctr"/>
+            <a:lstStyle>
+              <a:defPPr>
+                <a:defRPr lang="en-US"/>
+              </a:defPPr>
+              <a:lvl1pPr algn="ctr">
+                <a:defRPr sz="1200" b="1">
+                  <a:solidFill>
+                    <a:schemeClr val="lt1"/>
+                  </a:solidFill>
+                </a:defRPr>
+              </a:lvl1pPr>
+              <a:lvl2pPr>
+                <a:defRPr>
+                  <a:solidFill>
+                    <a:schemeClr val="lt1"/>
+                  </a:solidFill>
+                </a:defRPr>
+              </a:lvl2pPr>
+              <a:lvl3pPr>
+                <a:defRPr>
+                  <a:solidFill>
+                    <a:schemeClr val="lt1"/>
+                  </a:solidFill>
+                </a:defRPr>
+              </a:lvl3pPr>
+              <a:lvl4pPr>
+                <a:defRPr>
+                  <a:solidFill>
+                    <a:schemeClr val="lt1"/>
+                  </a:solidFill>
+                </a:defRPr>
+              </a:lvl4pPr>
+              <a:lvl5pPr>
+                <a:defRPr>
+                  <a:solidFill>
+                    <a:schemeClr val="lt1"/>
+                  </a:solidFill>
+                </a:defRPr>
+              </a:lvl5pPr>
+              <a:lvl6pPr>
+                <a:defRPr>
+                  <a:solidFill>
+                    <a:schemeClr val="lt1"/>
+                  </a:solidFill>
+                </a:defRPr>
+              </a:lvl6pPr>
+              <a:lvl7pPr>
+                <a:defRPr>
+                  <a:solidFill>
+                    <a:schemeClr val="lt1"/>
+                  </a:solidFill>
+                </a:defRPr>
+              </a:lvl7pPr>
+              <a:lvl8pPr>
+                <a:defRPr>
+                  <a:solidFill>
+                    <a:schemeClr val="lt1"/>
+                  </a:solidFill>
+                </a:defRPr>
+              </a:lvl8pPr>
+              <a:lvl9pPr>
+                <a:defRPr>
+                  <a:solidFill>
+                    <a:schemeClr val="lt1"/>
+                  </a:solidFill>
+                </a:defRPr>
+              </a:lvl9pPr>
+            </a:lstStyle>
+            <a:p>
+              <a:r>
+                <a:rPr lang="fr-FR" sz="900" b="0" dirty="0">
+                  <a:latin typeface="Arial Nova" panose="020B0504020202020204" pitchFamily="34" charset="0"/>
+                </a:rPr>
+                <a:t>I3D</a:t>
+              </a:r>
+            </a:p>
+          </p:txBody>
+        </p:sp>
+        <p:sp>
+          <p:nvSpPr>
+            <p:cNvPr id="29" name="ZoneTexte 28">
+              <a:extLst>
+                <a:ext uri="{FF2B5EF4-FFF2-40B4-BE49-F238E27FC236}">
+                  <a16:creationId xmlns:a16="http://schemas.microsoft.com/office/drawing/2014/main" id="{B5DDE250-A298-9A3B-D818-E3F2969BEAEC}"/>
+                </a:ext>
+              </a:extLst>
+            </p:cNvPr>
+            <p:cNvSpPr txBox="1"/>
+            <p:nvPr/>
+          </p:nvSpPr>
+          <p:spPr>
+            <a:xfrm>
+              <a:off x="2654300" y="8990038"/>
+              <a:ext cx="720725" cy="152726"/>
+            </a:xfrm>
+            <a:prstGeom prst="rect">
+              <a:avLst/>
+            </a:prstGeom>
+            <a:solidFill>
+              <a:schemeClr val="accent1"/>
+            </a:solidFill>
+            <a:ln>
+              <a:noFill/>
+            </a:ln>
+          </p:spPr>
+          <p:style>
+            <a:lnRef idx="2">
+              <a:schemeClr val="accent6">
+                <a:shade val="50000"/>
+              </a:schemeClr>
+            </a:lnRef>
+            <a:fillRef idx="1">
+              <a:schemeClr val="accent6"/>
+            </a:fillRef>
+            <a:effectRef idx="0">
+              <a:schemeClr val="accent6"/>
+            </a:effectRef>
+            <a:fontRef idx="minor">
+              <a:schemeClr val="lt1"/>
+            </a:fontRef>
+          </p:style>
+          <p:txBody>
+            <a:bodyPr lIns="0" tIns="0" rIns="0" bIns="0" rtlCol="0" anchor="ctr"/>
+            <a:lstStyle>
+              <a:defPPr>
+                <a:defRPr lang="en-US"/>
+              </a:defPPr>
+              <a:lvl1pPr algn="ctr">
+                <a:defRPr sz="1200" b="1">
+                  <a:solidFill>
+                    <a:schemeClr val="lt1"/>
+                  </a:solidFill>
+                </a:defRPr>
+              </a:lvl1pPr>
+              <a:lvl2pPr>
+                <a:defRPr>
+                  <a:solidFill>
+                    <a:schemeClr val="lt1"/>
+                  </a:solidFill>
+                </a:defRPr>
+              </a:lvl2pPr>
+              <a:lvl3pPr>
+                <a:defRPr>
+                  <a:solidFill>
+                    <a:schemeClr val="lt1"/>
+                  </a:solidFill>
+                </a:defRPr>
+              </a:lvl3pPr>
+              <a:lvl4pPr>
+                <a:defRPr>
+                  <a:solidFill>
+                    <a:schemeClr val="lt1"/>
+                  </a:solidFill>
+                </a:defRPr>
+              </a:lvl4pPr>
+              <a:lvl5pPr>
+                <a:defRPr>
+                  <a:solidFill>
+                    <a:schemeClr val="lt1"/>
+                  </a:solidFill>
+                </a:defRPr>
+              </a:lvl5pPr>
+              <a:lvl6pPr>
+                <a:defRPr>
+                  <a:solidFill>
+                    <a:schemeClr val="lt1"/>
+                  </a:solidFill>
+                </a:defRPr>
+              </a:lvl6pPr>
+              <a:lvl7pPr>
+                <a:defRPr>
+                  <a:solidFill>
+                    <a:schemeClr val="lt1"/>
+                  </a:solidFill>
+                </a:defRPr>
+              </a:lvl7pPr>
+              <a:lvl8pPr>
+                <a:defRPr>
+                  <a:solidFill>
+                    <a:schemeClr val="lt1"/>
+                  </a:solidFill>
+                </a:defRPr>
+              </a:lvl8pPr>
+              <a:lvl9pPr>
+                <a:defRPr>
+                  <a:solidFill>
+                    <a:schemeClr val="lt1"/>
+                  </a:solidFill>
+                </a:defRPr>
+              </a:lvl9pPr>
+            </a:lstStyle>
+            <a:p>
+              <a:r>
+                <a:rPr lang="fr-FR" sz="900" b="0" dirty="0">
+                  <a:latin typeface="Arial Nova" panose="020B0504020202020204" pitchFamily="34" charset="0"/>
+                </a:rPr>
+                <a:t>Cordeuse</a:t>
+              </a:r>
+            </a:p>
+          </p:txBody>
+        </p:sp>
+        <p:sp>
+          <p:nvSpPr>
+            <p:cNvPr id="30" name="ZoneTexte 29">
+              <a:extLst>
+                <a:ext uri="{FF2B5EF4-FFF2-40B4-BE49-F238E27FC236}">
+                  <a16:creationId xmlns:a16="http://schemas.microsoft.com/office/drawing/2014/main" id="{38431243-04F5-E905-868A-D5963D94D821}"/>
+                </a:ext>
+              </a:extLst>
+            </p:cNvPr>
+            <p:cNvSpPr txBox="1"/>
+            <p:nvPr/>
+          </p:nvSpPr>
+          <p:spPr>
+            <a:xfrm>
+              <a:off x="2654300" y="9174959"/>
+              <a:ext cx="720725" cy="152726"/>
+            </a:xfrm>
+            <a:prstGeom prst="rect">
+              <a:avLst/>
+            </a:prstGeom>
+            <a:solidFill>
+              <a:schemeClr val="accent1"/>
+            </a:solidFill>
+            <a:ln>
+              <a:noFill/>
+            </a:ln>
+          </p:spPr>
+          <p:style>
+            <a:lnRef idx="2">
+              <a:schemeClr val="accent6">
+                <a:shade val="50000"/>
+              </a:schemeClr>
+            </a:lnRef>
+            <a:fillRef idx="1">
+              <a:schemeClr val="accent6"/>
+            </a:fillRef>
+            <a:effectRef idx="0">
+              <a:schemeClr val="accent6"/>
+            </a:effectRef>
+            <a:fontRef idx="minor">
+              <a:schemeClr val="lt1"/>
+            </a:fontRef>
+          </p:style>
+          <p:txBody>
+            <a:bodyPr lIns="0" tIns="0" rIns="0" bIns="0" rtlCol="0" anchor="ctr"/>
+            <a:lstStyle>
+              <a:defPPr>
+                <a:defRPr lang="en-US"/>
+              </a:defPPr>
+              <a:lvl1pPr algn="ctr">
+                <a:defRPr sz="1200" b="1">
+                  <a:solidFill>
+                    <a:schemeClr val="lt1"/>
+                  </a:solidFill>
+                </a:defRPr>
+              </a:lvl1pPr>
+              <a:lvl2pPr>
+                <a:defRPr>
+                  <a:solidFill>
+                    <a:schemeClr val="lt1"/>
+                  </a:solidFill>
+                </a:defRPr>
+              </a:lvl2pPr>
+              <a:lvl3pPr>
+                <a:defRPr>
+                  <a:solidFill>
+                    <a:schemeClr val="lt1"/>
+                  </a:solidFill>
+                </a:defRPr>
+              </a:lvl3pPr>
+              <a:lvl4pPr>
+                <a:defRPr>
+                  <a:solidFill>
+                    <a:schemeClr val="lt1"/>
+                  </a:solidFill>
+                </a:defRPr>
+              </a:lvl4pPr>
+              <a:lvl5pPr>
+                <a:defRPr>
+                  <a:solidFill>
+                    <a:schemeClr val="lt1"/>
+                  </a:solidFill>
+                </a:defRPr>
+              </a:lvl5pPr>
+              <a:lvl6pPr>
+                <a:defRPr>
+                  <a:solidFill>
+                    <a:schemeClr val="lt1"/>
+                  </a:solidFill>
+                </a:defRPr>
+              </a:lvl6pPr>
+              <a:lvl7pPr>
+                <a:defRPr>
+                  <a:solidFill>
+                    <a:schemeClr val="lt1"/>
+                  </a:solidFill>
+                </a:defRPr>
+              </a:lvl7pPr>
+              <a:lvl8pPr>
+                <a:defRPr>
+                  <a:solidFill>
+                    <a:schemeClr val="lt1"/>
+                  </a:solidFill>
+                </a:defRPr>
+              </a:lvl8pPr>
+              <a:lvl9pPr>
+                <a:defRPr>
+                  <a:solidFill>
+                    <a:schemeClr val="lt1"/>
+                  </a:solidFill>
+                </a:defRPr>
+              </a:lvl9pPr>
+            </a:lstStyle>
+            <a:p>
+              <a:r>
+                <a:rPr lang="fr-FR" sz="900" b="0" dirty="0">
+                  <a:latin typeface="Arial Nova" panose="020B0504020202020204" pitchFamily="34" charset="0"/>
+                </a:rPr>
+                <a:t>Bras Beta</a:t>
+              </a:r>
+            </a:p>
+          </p:txBody>
+        </p:sp>
+        <p:sp>
+          <p:nvSpPr>
+            <p:cNvPr id="43" name="ZoneTexte 42">
+              <a:extLst>
+                <a:ext uri="{FF2B5EF4-FFF2-40B4-BE49-F238E27FC236}">
+                  <a16:creationId xmlns:a16="http://schemas.microsoft.com/office/drawing/2014/main" id="{F3E9768F-5D3B-567A-1466-5A1F11EF9BF4}"/>
+                </a:ext>
+              </a:extLst>
+            </p:cNvPr>
+            <p:cNvSpPr txBox="1"/>
+            <p:nvPr/>
+          </p:nvSpPr>
+          <p:spPr>
+            <a:xfrm>
+              <a:off x="2654300" y="9363005"/>
+              <a:ext cx="720725" cy="152726"/>
+            </a:xfrm>
+            <a:prstGeom prst="rect">
+              <a:avLst/>
+            </a:prstGeom>
+            <a:solidFill>
+              <a:schemeClr val="accent1"/>
+            </a:solidFill>
+            <a:ln>
+              <a:noFill/>
+            </a:ln>
+          </p:spPr>
+          <p:style>
+            <a:lnRef idx="2">
+              <a:schemeClr val="accent6">
+                <a:shade val="50000"/>
+              </a:schemeClr>
+            </a:lnRef>
+            <a:fillRef idx="1">
+              <a:schemeClr val="accent6"/>
+            </a:fillRef>
+            <a:effectRef idx="0">
+              <a:schemeClr val="accent6"/>
+            </a:effectRef>
+            <a:fontRef idx="minor">
+              <a:schemeClr val="lt1"/>
+            </a:fontRef>
+          </p:style>
+          <p:txBody>
+            <a:bodyPr lIns="0" tIns="0" rIns="0" bIns="0" rtlCol="0" anchor="ctr"/>
+            <a:lstStyle>
+              <a:defPPr>
+                <a:defRPr lang="en-US"/>
+              </a:defPPr>
+              <a:lvl1pPr algn="ctr">
+                <a:defRPr sz="1200" b="1">
+                  <a:solidFill>
+                    <a:schemeClr val="lt1"/>
+                  </a:solidFill>
+                </a:defRPr>
+              </a:lvl1pPr>
+              <a:lvl2pPr>
+                <a:defRPr>
+                  <a:solidFill>
+                    <a:schemeClr val="lt1"/>
+                  </a:solidFill>
+                </a:defRPr>
+              </a:lvl2pPr>
+              <a:lvl3pPr>
+                <a:defRPr>
+                  <a:solidFill>
+                    <a:schemeClr val="lt1"/>
+                  </a:solidFill>
+                </a:defRPr>
+              </a:lvl3pPr>
+              <a:lvl4pPr>
+                <a:defRPr>
+                  <a:solidFill>
+                    <a:schemeClr val="lt1"/>
+                  </a:solidFill>
+                </a:defRPr>
+              </a:lvl4pPr>
+              <a:lvl5pPr>
+                <a:defRPr>
+                  <a:solidFill>
+                    <a:schemeClr val="lt1"/>
+                  </a:solidFill>
+                </a:defRPr>
+              </a:lvl5pPr>
+              <a:lvl6pPr>
+                <a:defRPr>
+                  <a:solidFill>
+                    <a:schemeClr val="lt1"/>
+                  </a:solidFill>
+                </a:defRPr>
+              </a:lvl6pPr>
+              <a:lvl7pPr>
+                <a:defRPr>
+                  <a:solidFill>
+                    <a:schemeClr val="lt1"/>
+                  </a:solidFill>
+                </a:defRPr>
+              </a:lvl7pPr>
+              <a:lvl8pPr>
+                <a:defRPr>
+                  <a:solidFill>
+                    <a:schemeClr val="lt1"/>
+                  </a:solidFill>
+                </a:defRPr>
+              </a:lvl8pPr>
+              <a:lvl9pPr>
+                <a:defRPr>
+                  <a:solidFill>
+                    <a:schemeClr val="lt1"/>
+                  </a:solidFill>
+                </a:defRPr>
+              </a:lvl9pPr>
+            </a:lstStyle>
+            <a:p>
+              <a:r>
+                <a:rPr lang="fr-FR" sz="900" b="0" dirty="0" err="1">
+                  <a:latin typeface="Arial Nova" panose="020B0504020202020204" pitchFamily="34" charset="0"/>
+                </a:rPr>
+                <a:t>Geeros</a:t>
+              </a:r>
+              <a:endParaRPr lang="fr-FR" sz="900" b="0" dirty="0">
+                <a:latin typeface="Arial Nova" panose="020B0504020202020204" pitchFamily="34" charset="0"/>
+              </a:endParaRPr>
+            </a:p>
+          </p:txBody>
+        </p:sp>
+        <p:sp>
+          <p:nvSpPr>
+            <p:cNvPr id="21" name="ZoneTexte 20">
+              <a:extLst>
+                <a:ext uri="{FF2B5EF4-FFF2-40B4-BE49-F238E27FC236}">
+                  <a16:creationId xmlns:a16="http://schemas.microsoft.com/office/drawing/2014/main" id="{B1457898-3440-65EF-8C1C-197629D28F3A}"/>
+                </a:ext>
+              </a:extLst>
+            </p:cNvPr>
+            <p:cNvSpPr txBox="1"/>
+            <p:nvPr/>
+          </p:nvSpPr>
+          <p:spPr>
+            <a:xfrm>
+              <a:off x="3428730" y="8523331"/>
+              <a:ext cx="3375025" cy="276999"/>
+            </a:xfrm>
+            <a:prstGeom prst="rect">
+              <a:avLst/>
+            </a:prstGeom>
+            <a:noFill/>
+          </p:spPr>
+          <p:txBody>
+            <a:bodyPr wrap="square" rtlCol="0">
+              <a:spAutoFit/>
+            </a:bodyPr>
+            <a:lstStyle/>
+            <a:p>
+              <a:r>
+                <a:rPr lang="fr-FR" sz="1200" b="1" dirty="0">
+                  <a:latin typeface="Arial Nova" panose="020B0504020202020204" pitchFamily="34" charset="0"/>
+                </a:rPr>
+                <a:t>Logiciels  : Témoignages promo 2022</a:t>
+              </a:r>
+              <a:endParaRPr lang="fr-FR" sz="1200" b="1" dirty="0">
+                <a:latin typeface="Arial Nova" panose="020B0504020202020204" pitchFamily="34" charset="0"/>
+              </a:endParaRPr>
+            </a:p>
+          </p:txBody>
+        </p:sp>
+        <p:sp>
+          <p:nvSpPr>
+            <p:cNvPr id="38" name="ZoneTexte 37">
+              <a:extLst>
+                <a:ext uri="{FF2B5EF4-FFF2-40B4-BE49-F238E27FC236}">
+                  <a16:creationId xmlns:a16="http://schemas.microsoft.com/office/drawing/2014/main" id="{957A7333-42F4-DF7D-CCD9-218740E7F19B}"/>
+                </a:ext>
+              </a:extLst>
+            </p:cNvPr>
+            <p:cNvSpPr txBox="1"/>
+            <p:nvPr/>
+          </p:nvSpPr>
+          <p:spPr>
+            <a:xfrm>
+              <a:off x="4214946" y="8769085"/>
+              <a:ext cx="720726" cy="157324"/>
+            </a:xfrm>
+            <a:prstGeom prst="rect">
+              <a:avLst/>
+            </a:prstGeom>
+            <a:solidFill>
+              <a:schemeClr val="accent1"/>
+            </a:solidFill>
+            <a:ln>
+              <a:noFill/>
+            </a:ln>
+          </p:spPr>
+          <p:style>
+            <a:lnRef idx="2">
+              <a:schemeClr val="accent6">
+                <a:shade val="50000"/>
+              </a:schemeClr>
+            </a:lnRef>
+            <a:fillRef idx="1">
+              <a:schemeClr val="accent6"/>
+            </a:fillRef>
+            <a:effectRef idx="0">
+              <a:schemeClr val="accent6"/>
+            </a:effectRef>
+            <a:fontRef idx="minor">
+              <a:schemeClr val="lt1"/>
+            </a:fontRef>
+          </p:style>
+          <p:txBody>
+            <a:bodyPr lIns="0" tIns="0" rIns="0" bIns="0" rtlCol="0" anchor="ctr"/>
+            <a:lstStyle>
+              <a:defPPr>
+                <a:defRPr lang="en-US"/>
+              </a:defPPr>
+              <a:lvl1pPr algn="ctr">
+                <a:defRPr sz="1200" b="1">
+                  <a:solidFill>
+                    <a:schemeClr val="lt1"/>
+                  </a:solidFill>
+                </a:defRPr>
+              </a:lvl1pPr>
+              <a:lvl2pPr>
+                <a:defRPr>
+                  <a:solidFill>
+                    <a:schemeClr val="lt1"/>
+                  </a:solidFill>
+                </a:defRPr>
+              </a:lvl2pPr>
+              <a:lvl3pPr>
+                <a:defRPr>
+                  <a:solidFill>
+                    <a:schemeClr val="lt1"/>
+                  </a:solidFill>
+                </a:defRPr>
+              </a:lvl3pPr>
+              <a:lvl4pPr>
+                <a:defRPr>
+                  <a:solidFill>
+                    <a:schemeClr val="lt1"/>
+                  </a:solidFill>
+                </a:defRPr>
+              </a:lvl4pPr>
+              <a:lvl5pPr>
+                <a:defRPr>
+                  <a:solidFill>
+                    <a:schemeClr val="lt1"/>
+                  </a:solidFill>
+                </a:defRPr>
+              </a:lvl5pPr>
+              <a:lvl6pPr>
+                <a:defRPr>
+                  <a:solidFill>
+                    <a:schemeClr val="lt1"/>
+                  </a:solidFill>
+                </a:defRPr>
+              </a:lvl6pPr>
+              <a:lvl7pPr>
+                <a:defRPr>
+                  <a:solidFill>
+                    <a:schemeClr val="lt1"/>
+                  </a:solidFill>
+                </a:defRPr>
+              </a:lvl7pPr>
+              <a:lvl8pPr>
+                <a:defRPr>
+                  <a:solidFill>
+                    <a:schemeClr val="lt1"/>
+                  </a:solidFill>
+                </a:defRPr>
+              </a:lvl8pPr>
+              <a:lvl9pPr>
+                <a:defRPr>
+                  <a:solidFill>
+                    <a:schemeClr val="lt1"/>
+                  </a:solidFill>
+                </a:defRPr>
+              </a:lvl9pPr>
+            </a:lstStyle>
+            <a:p>
+              <a:r>
+                <a:rPr lang="fr-FR" sz="900" b="0" dirty="0">
+                  <a:latin typeface="Arial Nova" panose="020B0504020202020204" pitchFamily="34" charset="0"/>
+                </a:rPr>
+                <a:t>Scilab</a:t>
+              </a:r>
+            </a:p>
+          </p:txBody>
+        </p:sp>
+      </p:grpSp>
+      <p:sp>
+        <p:nvSpPr>
+          <p:cNvPr id="40" name="Rectangle 39">
+            <a:extLst>
+              <a:ext uri="{FF2B5EF4-FFF2-40B4-BE49-F238E27FC236}">
+                <a16:creationId xmlns:a16="http://schemas.microsoft.com/office/drawing/2014/main" id="{9D773CC0-AF0A-124D-05EF-FB9B82891AB9}"/>
+              </a:ext>
+            </a:extLst>
+          </p:cNvPr>
+          <p:cNvSpPr/>
+          <p:nvPr/>
+        </p:nvSpPr>
+        <p:spPr>
+          <a:xfrm>
+            <a:off x="3594100" y="7344629"/>
+            <a:ext cx="3137900" cy="1046914"/>
+          </a:xfrm>
+          <a:prstGeom prst="rect">
+            <a:avLst/>
+          </a:prstGeom>
+        </p:spPr>
+        <p:style>
+          <a:lnRef idx="2">
+            <a:schemeClr val="accent1"/>
+          </a:lnRef>
+          <a:fillRef idx="1">
+            <a:schemeClr val="lt1"/>
+          </a:fillRef>
+          <a:effectRef idx="0">
+            <a:schemeClr val="accent1"/>
+          </a:effectRef>
+          <a:fontRef idx="minor">
+            <a:schemeClr val="dk1"/>
+          </a:fontRef>
+        </p:style>
+        <p:txBody>
+          <a:bodyPr rtlCol="0" anchor="ctr"/>
+          <a:lstStyle/>
+          <a:p>
+            <a:pPr>
+              <a:buClr>
+                <a:schemeClr val="accent1"/>
+              </a:buClr>
+            </a:pPr>
+            <a:r>
+              <a:rPr lang="fr-FR" sz="1050" b="1" dirty="0" smtClean="0">
+                <a:latin typeface="Arial Nova" panose="020B0504020202020204" pitchFamily="34" charset="0"/>
+              </a:rPr>
+              <a:t>Evaluation</a:t>
+            </a:r>
+            <a:endParaRPr lang="fr-FR" sz="1050" b="1" dirty="0">
+              <a:latin typeface="Arial Nova" panose="020B0504020202020204" pitchFamily="34" charset="0"/>
+            </a:endParaRPr>
+          </a:p>
+          <a:p>
+            <a:pPr marL="285750" indent="-285750">
+              <a:buClr>
+                <a:schemeClr val="accent1"/>
+              </a:buClr>
+              <a:buFont typeface="Wingdings" panose="05000000000000000000" pitchFamily="2" charset="2"/>
+              <a:buChar char="§"/>
+            </a:pPr>
+            <a:r>
+              <a:rPr lang="fr-FR" sz="1050" dirty="0" smtClean="0">
+                <a:latin typeface="Arial Nova" panose="020B0504020202020204" pitchFamily="34" charset="0"/>
+              </a:rPr>
+              <a:t>Délibération collégiale</a:t>
+            </a:r>
+          </a:p>
+          <a:p>
+            <a:pPr marL="285750" indent="-285750">
+              <a:buClr>
+                <a:schemeClr val="accent1"/>
+              </a:buClr>
+              <a:buFont typeface="Wingdings" panose="05000000000000000000" pitchFamily="2" charset="2"/>
+              <a:buChar char="§"/>
+            </a:pPr>
+            <a:r>
+              <a:rPr lang="fr-FR" sz="1050" dirty="0" smtClean="0">
+                <a:latin typeface="Arial Nova" panose="020B0504020202020204" pitchFamily="34" charset="0"/>
+              </a:rPr>
+              <a:t>Rigueur, progression, réactivité, pertinence</a:t>
+            </a:r>
+            <a:endParaRPr lang="fr-FR" sz="1050" dirty="0">
+              <a:latin typeface="Arial Nova" panose="020B0504020202020204" pitchFamily="34" charset="0"/>
+            </a:endParaRPr>
+          </a:p>
+          <a:p>
+            <a:pPr marL="285750" indent="-285750">
+              <a:buClr>
+                <a:schemeClr val="accent1"/>
+              </a:buClr>
+              <a:buFont typeface="Wingdings" panose="05000000000000000000" pitchFamily="2" charset="2"/>
+              <a:buChar char="§"/>
+            </a:pPr>
+            <a:r>
+              <a:rPr lang="fr-FR" sz="1050" dirty="0" smtClean="0">
+                <a:latin typeface="Arial Nova" panose="020B0504020202020204" pitchFamily="34" charset="0"/>
+              </a:rPr>
+              <a:t>Ce n’est pas une course aux pôles</a:t>
+            </a:r>
+          </a:p>
+          <a:p>
+            <a:pPr marL="285750" indent="-285750">
+              <a:buClr>
+                <a:schemeClr val="accent1"/>
+              </a:buClr>
+              <a:buFont typeface="Wingdings" panose="05000000000000000000" pitchFamily="2" charset="2"/>
+              <a:buChar char="§"/>
+            </a:pPr>
+            <a:r>
+              <a:rPr lang="fr-FR" sz="1050" dirty="0" smtClean="0">
+                <a:latin typeface="Arial Nova" panose="020B0504020202020204" pitchFamily="34" charset="0"/>
+              </a:rPr>
+              <a:t>Compte-rendu synthétique </a:t>
+            </a:r>
+            <a:endParaRPr lang="fr-FR" sz="1050" dirty="0">
+              <a:latin typeface="Arial Nova" panose="020B0504020202020204" pitchFamily="34" charset="0"/>
+            </a:endParaRPr>
+          </a:p>
+        </p:txBody>
+      </p:sp>
     </p:spTree>
     <p:extLst>
       <p:ext uri="{BB962C8B-B14F-4D97-AF65-F5344CB8AC3E}">
@@ -23432,6 +24756,298 @@
           <a:chExt cx="0" cy="0"/>
         </a:xfrm>
       </p:grpSpPr>
+      <p:sp>
+        <p:nvSpPr>
+          <p:cNvPr id="69" name="Rectangle 68">
+            <a:extLst>
+              <a:ext uri="{FF2B5EF4-FFF2-40B4-BE49-F238E27FC236}">
+                <a16:creationId xmlns:a16="http://schemas.microsoft.com/office/drawing/2014/main" id="{6B728416-EDD8-959B-9C15-B4BBC21E82AB}"/>
+              </a:ext>
+            </a:extLst>
+          </p:cNvPr>
+          <p:cNvSpPr/>
+          <p:nvPr/>
+        </p:nvSpPr>
+        <p:spPr>
+          <a:xfrm>
+            <a:off x="67378" y="5685214"/>
+            <a:ext cx="6858002" cy="2001427"/>
+          </a:xfrm>
+          <a:prstGeom prst="rect">
+            <a:avLst/>
+          </a:prstGeom>
+          <a:noFill/>
+          <a:ln>
+            <a:noFill/>
+          </a:ln>
+        </p:spPr>
+        <p:style>
+          <a:lnRef idx="2">
+            <a:schemeClr val="accent1"/>
+          </a:lnRef>
+          <a:fillRef idx="1">
+            <a:schemeClr val="lt1"/>
+          </a:fillRef>
+          <a:effectRef idx="0">
+            <a:schemeClr val="accent1"/>
+          </a:effectRef>
+          <a:fontRef idx="minor">
+            <a:schemeClr val="dk1"/>
+          </a:fontRef>
+        </p:style>
+        <p:txBody>
+          <a:bodyPr lIns="90000" tIns="0" rIns="0" bIns="0" numCol="2" rtlCol="0" anchor="t" anchorCtr="0"/>
+          <a:lstStyle/>
+          <a:p>
+            <a:pPr>
+              <a:buClr>
+                <a:schemeClr val="accent1"/>
+              </a:buClr>
+            </a:pPr>
+            <a:r>
+              <a:rPr lang="fr-FR" sz="1100" b="1" dirty="0" smtClean="0">
+                <a:latin typeface="Arial Nova" panose="020B0504020202020204" pitchFamily="34" charset="0"/>
+              </a:rPr>
+              <a:t>Appropriation du sujet</a:t>
+            </a:r>
+          </a:p>
+          <a:p>
+            <a:pPr marL="285750" indent="-285750">
+              <a:buClr>
+                <a:schemeClr val="accent1"/>
+              </a:buClr>
+              <a:buFont typeface="Wingdings" panose="05000000000000000000" pitchFamily="2" charset="2"/>
+              <a:buChar char="§"/>
+            </a:pPr>
+            <a:r>
+              <a:rPr lang="fr-FR" sz="1100" dirty="0" smtClean="0">
+                <a:latin typeface="Arial Nova" panose="020B0504020202020204" pitchFamily="34" charset="0"/>
+              </a:rPr>
+              <a:t>Lire précisément les sujets et prendre connaissance de la documentation technique</a:t>
+            </a:r>
+          </a:p>
+          <a:p>
+            <a:pPr marL="285750" indent="-285750">
+              <a:buClr>
+                <a:schemeClr val="accent1"/>
+              </a:buClr>
+              <a:buFont typeface="Wingdings" panose="05000000000000000000" pitchFamily="2" charset="2"/>
+              <a:buChar char="§"/>
+            </a:pPr>
+            <a:r>
+              <a:rPr lang="fr-FR" sz="1100" dirty="0" smtClean="0">
+                <a:latin typeface="Arial Nova" panose="020B0504020202020204" pitchFamily="34" charset="0"/>
+              </a:rPr>
+              <a:t>Pas d’excès de précipitation, trop souvent pénalisante</a:t>
+            </a:r>
+          </a:p>
+          <a:p>
+            <a:pPr marL="285750" indent="-285750">
+              <a:buClr>
+                <a:schemeClr val="accent1"/>
+              </a:buClr>
+              <a:buFont typeface="Wingdings" panose="05000000000000000000" pitchFamily="2" charset="2"/>
+              <a:buChar char="§"/>
+            </a:pPr>
+            <a:r>
+              <a:rPr lang="fr-FR" sz="1100" dirty="0" smtClean="0">
+                <a:latin typeface="Arial Nova" panose="020B0504020202020204" pitchFamily="34" charset="0"/>
+              </a:rPr>
+              <a:t>Ne pas oublier de resituer oralement les résultats (sans quoi il ne seront pas évalués=)</a:t>
+            </a:r>
+          </a:p>
+          <a:p>
+            <a:pPr>
+              <a:buClr>
+                <a:schemeClr val="accent1"/>
+              </a:buClr>
+            </a:pPr>
+            <a:r>
+              <a:rPr lang="fr-FR" sz="1100" b="1" dirty="0" smtClean="0">
+                <a:latin typeface="Arial Nova" panose="020B0504020202020204" pitchFamily="34" charset="0"/>
+              </a:rPr>
+              <a:t>Première partie</a:t>
+            </a:r>
+          </a:p>
+          <a:p>
+            <a:pPr marL="285750" indent="-285750">
+              <a:buClr>
+                <a:schemeClr val="accent1"/>
+              </a:buClr>
+              <a:buFont typeface="Wingdings" panose="05000000000000000000" pitchFamily="2" charset="2"/>
+              <a:buChar char="§"/>
+            </a:pPr>
+            <a:r>
+              <a:rPr lang="fr-FR" sz="1100" dirty="0" smtClean="0">
+                <a:latin typeface="Arial Nova" panose="020B0504020202020204" pitchFamily="34" charset="0"/>
+              </a:rPr>
+              <a:t>Présenter en deux phrases le système et la problématique avant de commencer.</a:t>
+            </a:r>
+          </a:p>
+          <a:p>
+            <a:pPr marL="285750" indent="-285750">
+              <a:buClr>
+                <a:schemeClr val="accent1"/>
+              </a:buClr>
+              <a:buFont typeface="Wingdings" panose="05000000000000000000" pitchFamily="2" charset="2"/>
+              <a:buChar char="§"/>
+            </a:pPr>
+            <a:r>
+              <a:rPr lang="fr-FR" sz="1100" dirty="0" smtClean="0">
+                <a:latin typeface="Arial Nova" panose="020B0504020202020204" pitchFamily="34" charset="0"/>
+              </a:rPr>
+              <a:t>Etre concis et synthétique. </a:t>
+            </a:r>
+          </a:p>
+          <a:p>
+            <a:pPr marL="285750" indent="-285750">
+              <a:buClr>
+                <a:schemeClr val="accent1"/>
+              </a:buClr>
+              <a:buFont typeface="Wingdings" panose="05000000000000000000" pitchFamily="2" charset="2"/>
+              <a:buChar char="§"/>
+            </a:pPr>
+            <a:r>
+              <a:rPr lang="fr-FR" sz="1100" dirty="0" smtClean="0">
+                <a:latin typeface="Arial Nova" panose="020B0504020202020204" pitchFamily="34" charset="0"/>
+              </a:rPr>
+              <a:t>Faire des schémas</a:t>
+            </a:r>
+          </a:p>
+          <a:p>
+            <a:pPr marL="285750" indent="-285750">
+              <a:buClr>
+                <a:schemeClr val="accent1"/>
+              </a:buClr>
+              <a:buFont typeface="Wingdings" panose="05000000000000000000" pitchFamily="2" charset="2"/>
+              <a:buChar char="§"/>
+            </a:pPr>
+            <a:r>
+              <a:rPr lang="fr-FR" sz="1100" dirty="0" smtClean="0">
+                <a:latin typeface="Arial Nova" panose="020B0504020202020204" pitchFamily="34" charset="0"/>
+              </a:rPr>
+              <a:t>Consulter le cahier des charges. </a:t>
+            </a:r>
+          </a:p>
+          <a:p>
+            <a:pPr>
+              <a:buClr>
+                <a:schemeClr val="accent1"/>
+              </a:buClr>
+            </a:pPr>
+            <a:r>
+              <a:rPr lang="fr-FR" sz="1100" dirty="0" smtClean="0">
+                <a:latin typeface="Arial Nova" panose="020B0504020202020204" pitchFamily="34" charset="0"/>
+              </a:rPr>
+              <a:t>Partie en autonomie </a:t>
+            </a:r>
+          </a:p>
+          <a:p>
+            <a:pPr marL="285750" indent="-285750">
+              <a:buClr>
+                <a:schemeClr val="accent1"/>
+              </a:buClr>
+              <a:buFont typeface="Wingdings" panose="05000000000000000000" pitchFamily="2" charset="2"/>
+              <a:buChar char="§"/>
+            </a:pPr>
+            <a:r>
+              <a:rPr lang="fr-FR" sz="1100" dirty="0" smtClean="0">
+                <a:latin typeface="Arial Nova" panose="020B0504020202020204" pitchFamily="34" charset="0"/>
+              </a:rPr>
+              <a:t>Justifier la démarche</a:t>
+            </a:r>
+          </a:p>
+          <a:p>
+            <a:pPr>
+              <a:buClr>
+                <a:schemeClr val="accent1"/>
+              </a:buClr>
+            </a:pPr>
+            <a:r>
+              <a:rPr lang="fr-FR" sz="1100" dirty="0" smtClean="0">
+                <a:latin typeface="Arial Nova" panose="020B0504020202020204" pitchFamily="34" charset="0"/>
+              </a:rPr>
+              <a:t>Analyse</a:t>
+            </a:r>
+          </a:p>
+          <a:p>
+            <a:pPr marL="285750" indent="-285750">
+              <a:buClr>
+                <a:schemeClr val="accent1"/>
+              </a:buClr>
+              <a:buFont typeface="Wingdings" panose="05000000000000000000" pitchFamily="2" charset="2"/>
+              <a:buChar char="§"/>
+            </a:pPr>
+            <a:r>
+              <a:rPr lang="fr-FR" sz="1100" dirty="0" smtClean="0">
+                <a:latin typeface="Arial Nova" panose="020B0504020202020204" pitchFamily="34" charset="0"/>
+              </a:rPr>
+              <a:t>Attention à confronter les valeurs numériques </a:t>
+            </a:r>
+            <a:r>
+              <a:rPr lang="fr-FR" sz="1100" dirty="0">
+                <a:latin typeface="Arial Nova" panose="020B0504020202020204" pitchFamily="34" charset="0"/>
+              </a:rPr>
+              <a:t>écarts CDCF </a:t>
+            </a:r>
+            <a:r>
+              <a:rPr lang="fr-FR" sz="1100" dirty="0">
+                <a:sym typeface="Wingdings" panose="05000000000000000000" pitchFamily="2" charset="2"/>
+              </a:rPr>
+              <a:t> </a:t>
+            </a:r>
+            <a:r>
+              <a:rPr lang="fr-FR" sz="1100" dirty="0">
+                <a:latin typeface="Arial Nova" panose="020B0504020202020204" pitchFamily="34" charset="0"/>
+              </a:rPr>
+              <a:t>Modèle </a:t>
+            </a:r>
+            <a:r>
+              <a:rPr lang="fr-FR" sz="1100" dirty="0">
+                <a:sym typeface="Wingdings" panose="05000000000000000000" pitchFamily="2" charset="2"/>
+              </a:rPr>
+              <a:t></a:t>
+            </a:r>
+            <a:r>
+              <a:rPr lang="fr-FR" sz="1100" dirty="0">
+                <a:latin typeface="Arial Nova" panose="020B0504020202020204" pitchFamily="34" charset="0"/>
+              </a:rPr>
+              <a:t> Réel</a:t>
+            </a:r>
+            <a:r>
+              <a:rPr lang="fr-FR" sz="1100" dirty="0" smtClean="0">
+                <a:latin typeface="Arial Nova" panose="020B0504020202020204" pitchFamily="34" charset="0"/>
+              </a:rPr>
+              <a:t> </a:t>
+            </a:r>
+          </a:p>
+          <a:p>
+            <a:pPr marL="285750" indent="-285750">
+              <a:buClr>
+                <a:schemeClr val="accent1"/>
+              </a:buClr>
+              <a:buFont typeface="Wingdings" panose="05000000000000000000" pitchFamily="2" charset="2"/>
+              <a:buChar char="§"/>
+            </a:pPr>
+            <a:r>
+              <a:rPr lang="fr-FR" sz="1100" dirty="0" smtClean="0">
+                <a:latin typeface="Arial Nova" panose="020B0504020202020204" pitchFamily="34" charset="0"/>
+              </a:rPr>
+              <a:t>Attention aux ordres de grandeur et aux unités</a:t>
+            </a:r>
+          </a:p>
+          <a:p>
+            <a:pPr>
+              <a:buClr>
+                <a:schemeClr val="accent1"/>
+              </a:buClr>
+            </a:pPr>
+            <a:endParaRPr lang="fr-FR" sz="1100" dirty="0">
+              <a:latin typeface="Arial Nova" panose="020B0504020202020204" pitchFamily="34" charset="0"/>
+            </a:endParaRPr>
+          </a:p>
+        </p:txBody>
+      </p:sp>
       <p:sp>
         <p:nvSpPr>
           <p:cNvPr id="4" name="ZoneTexte 3">
@@ -23570,11 +25186,17 @@
             </a:extLst>
           </p:cNvPr>
           <p:cNvGraphicFramePr/>
-          <p:nvPr/>
+          <p:nvPr>
+            <p:extLst>
+              <p:ext uri="{D42A27DB-BD31-4B8C-83A1-F6EECF244321}">
+                <p14:modId xmlns:p14="http://schemas.microsoft.com/office/powerpoint/2010/main" val="1324335048"/>
+              </p:ext>
+            </p:extLst>
+          </p:nvPr>
         </p:nvGraphicFramePr>
         <p:xfrm>
-          <a:off x="0" y="1629739"/>
-          <a:ext cx="6858000" cy="2191427"/>
+          <a:off x="170058" y="2503702"/>
+          <a:ext cx="6561941" cy="2181064"/>
         </p:xfrm>
         <a:graphic>
           <a:graphicData uri="http://schemas.openxmlformats.org/drawingml/2006/diagram">
@@ -23596,7 +25218,7 @@
         </p:nvGrpSpPr>
         <p:grpSpPr>
           <a:xfrm>
-            <a:off x="-260350" y="655452"/>
+            <a:off x="-420004" y="611910"/>
             <a:ext cx="2679700" cy="393700"/>
             <a:chOff x="4152900" y="643355"/>
             <a:chExt cx="2679700" cy="393700"/>
@@ -23645,7 +25267,7 @@
             <a:p>
               <a:pPr algn="ctr"/>
               <a:r>
-                <a:rPr lang="fr-FR" sz="1200" b="1" dirty="0"/>
+                <a:rPr lang="fr-FR" sz="1100" b="1" dirty="0"/>
                 <a:t>12%</a:t>
               </a:r>
             </a:p>
@@ -23666,7 +25288,7 @@
           <p:spPr>
             <a:xfrm>
               <a:off x="4152900" y="701706"/>
-              <a:ext cx="2286000" cy="276999"/>
+              <a:ext cx="2286000" cy="261610"/>
             </a:xfrm>
             <a:prstGeom prst="rect">
               <a:avLst/>
@@ -23681,7 +25303,7 @@
             <a:p>
               <a:pPr algn="r"/>
               <a:r>
-                <a:rPr lang="fr-FR" sz="1200" dirty="0">
+                <a:rPr lang="fr-FR" sz="1100" dirty="0">
                   <a:latin typeface="Arial Nova" panose="020B0504020202020204" pitchFamily="34" charset="0"/>
                 </a:rPr>
                 <a:t>Concours Centrale Supelec</a:t>
@@ -23704,7 +25326,7 @@
         </p:nvGrpSpPr>
         <p:grpSpPr>
           <a:xfrm>
-            <a:off x="2419350" y="655452"/>
+            <a:off x="2332264" y="611909"/>
             <a:ext cx="1625600" cy="393700"/>
             <a:chOff x="5207000" y="643355"/>
             <a:chExt cx="1625600" cy="393700"/>
@@ -23774,7 +25396,7 @@
           <p:spPr>
             <a:xfrm>
               <a:off x="5207000" y="701706"/>
-              <a:ext cx="1231900" cy="276999"/>
+              <a:ext cx="1231900" cy="261610"/>
             </a:xfrm>
             <a:prstGeom prst="rect">
               <a:avLst/>
@@ -23789,7 +25411,7 @@
             <a:p>
               <a:pPr algn="r"/>
               <a:r>
-                <a:rPr lang="fr-FR" sz="1200" dirty="0">
+                <a:rPr lang="fr-FR" sz="1100" dirty="0">
                   <a:latin typeface="Arial Nova" panose="020B0504020202020204" pitchFamily="34" charset="0"/>
                 </a:rPr>
                 <a:t>Arts &amp; Métiers</a:t>
@@ -23812,10 +25434,10 @@
         </p:nvGrpSpPr>
         <p:grpSpPr>
           <a:xfrm>
-            <a:off x="4152900" y="655452"/>
-            <a:ext cx="965200" cy="393700"/>
+            <a:off x="4152904" y="655452"/>
+            <a:ext cx="1088409" cy="396000"/>
             <a:chOff x="5867400" y="643355"/>
-            <a:chExt cx="965200" cy="393700"/>
+            <a:chExt cx="898351" cy="396000"/>
           </a:xfrm>
         </p:grpSpPr>
         <p:sp>
@@ -23833,7 +25455,7 @@
           <p:spPr>
             <a:xfrm>
               <a:off x="6438900" y="643355"/>
-              <a:ext cx="393700" cy="393700"/>
+              <a:ext cx="326851" cy="396000"/>
             </a:xfrm>
             <a:prstGeom prst="ellipse">
               <a:avLst/>
@@ -23882,7 +25504,7 @@
           <p:spPr>
             <a:xfrm>
               <a:off x="5867400" y="701706"/>
-              <a:ext cx="571500" cy="276999"/>
+              <a:ext cx="571500" cy="261610"/>
             </a:xfrm>
             <a:prstGeom prst="rect">
               <a:avLst/>
@@ -23897,7 +25519,7 @@
             <a:p>
               <a:pPr algn="r"/>
               <a:r>
-                <a:rPr lang="fr-FR" sz="1200" dirty="0">
+                <a:rPr lang="fr-FR" sz="1100" dirty="0">
                   <a:latin typeface="Arial Nova" panose="020B0504020202020204" pitchFamily="34" charset="0"/>
                 </a:rPr>
                 <a:t>ESTP</a:t>
@@ -23921,7 +25543,7 @@
         <p:spPr>
           <a:xfrm>
             <a:off x="0" y="1096123"/>
-            <a:ext cx="1620520" cy="276999"/>
+            <a:ext cx="1620520" cy="261610"/>
           </a:xfrm>
           <a:prstGeom prst="rect">
             <a:avLst/>
@@ -23935,7 +25557,7 @@
           <a:lstStyle/>
           <a:p>
             <a:r>
-              <a:rPr lang="fr-FR" sz="1200" dirty="0">
+              <a:rPr lang="fr-FR" sz="1100" dirty="0">
                 <a:latin typeface="Arial Nova" panose="020B0504020202020204" pitchFamily="34" charset="0"/>
               </a:rPr>
               <a:t>Durée de l’épreuve</a:t>
@@ -23957,7 +25579,7 @@
         </p:nvSpPr>
         <p:spPr>
           <a:xfrm>
-            <a:off x="1893570" y="1141041"/>
+            <a:off x="1716830" y="1127286"/>
             <a:ext cx="657860" cy="187161"/>
           </a:xfrm>
           <a:prstGeom prst="rect">
@@ -24100,7 +25722,7 @@
                 <a:hlinkClick r:id="rId7">
                   <a:extLst>
                     <a:ext uri="{A12FA001-AC4F-418D-AE19-62706E023703}">
-                      <ahyp:hlinkClr xmlns:ahyp="http://schemas.microsoft.com/office/drawing/2018/hyperlinkcolor" val="tx"/>
+                      <ahyp:hlinkClr xmlns:ahyp="http://schemas.microsoft.com/office/drawing/2018/hyperlinkcolor" xmlns="" val="tx"/>
                     </a:ext>
                   </a:extLst>
                 </a:hlinkClick>
@@ -24123,7 +25745,7 @@
                 <a:hlinkClick r:id="rId8">
                   <a:extLst>
                     <a:ext uri="{A12FA001-AC4F-418D-AE19-62706E023703}">
-                      <ahyp:hlinkClr xmlns:ahyp="http://schemas.microsoft.com/office/drawing/2018/hyperlinkcolor" val="tx"/>
+                      <ahyp:hlinkClr xmlns:ahyp="http://schemas.microsoft.com/office/drawing/2018/hyperlinkcolor" xmlns="" val="tx"/>
                     </a:ext>
                   </a:extLst>
                 </a:hlinkClick>
@@ -26416,7 +28038,7 @@
         </p:nvSpPr>
         <p:spPr>
           <a:xfrm>
-            <a:off x="598170" y="1528863"/>
+            <a:off x="1036686" y="2406925"/>
             <a:ext cx="1427480" cy="333541"/>
           </a:xfrm>
           <a:prstGeom prst="accentCallout2">
@@ -26507,7 +28129,7 @@
         </p:nvSpPr>
         <p:spPr>
           <a:xfrm>
-            <a:off x="1029700" y="3229477"/>
+            <a:off x="104382" y="4078991"/>
             <a:ext cx="252000" cy="252000"/>
           </a:xfrm>
           <a:prstGeom prst="ellipse">
@@ -26556,7 +28178,7 @@
         </p:nvSpPr>
         <p:spPr>
           <a:xfrm>
-            <a:off x="2451100" y="1997449"/>
+            <a:off x="2402298" y="3851411"/>
             <a:ext cx="252000" cy="252000"/>
           </a:xfrm>
           <a:prstGeom prst="ellipse">
@@ -26605,7 +28227,7 @@
         </p:nvSpPr>
         <p:spPr>
           <a:xfrm>
-            <a:off x="5322300" y="1960664"/>
+            <a:off x="5322300" y="3383064"/>
             <a:ext cx="252000" cy="252000"/>
           </a:xfrm>
           <a:prstGeom prst="ellipse">
@@ -26654,7 +28276,7 @@
         </p:nvSpPr>
         <p:spPr>
           <a:xfrm>
-            <a:off x="6606000" y="3191756"/>
+            <a:off x="6545675" y="4053759"/>
             <a:ext cx="252000" cy="252000"/>
           </a:xfrm>
           <a:prstGeom prst="ellipse">
@@ -26703,7 +28325,7 @@
         </p:nvSpPr>
         <p:spPr>
           <a:xfrm>
-            <a:off x="2238780" y="3739046"/>
+            <a:off x="2189760" y="4283873"/>
             <a:ext cx="1533120" cy="400893"/>
           </a:xfrm>
           <a:prstGeom prst="accentCallout2">
@@ -26712,10 +28334,11 @@
               <a:gd name="adj2" fmla="val -8333"/>
               <a:gd name="adj3" fmla="val 18750"/>
               <a:gd name="adj4" fmla="val -16667"/>
-              <a:gd name="adj5" fmla="val -144392"/>
-              <a:gd name="adj6" fmla="val -29394"/>
+              <a:gd name="adj5" fmla="val -65194"/>
+              <a:gd name="adj6" fmla="val -21939"/>
             </a:avLst>
           </a:prstGeom>
+          <a:noFill/>
         </p:spPr>
         <p:style>
           <a:lnRef idx="2">
@@ -26774,17 +28397,17 @@
         </p:nvSpPr>
         <p:spPr>
           <a:xfrm>
-            <a:off x="5198880" y="3771220"/>
+            <a:off x="5198879" y="1751934"/>
             <a:ext cx="1533120" cy="400893"/>
           </a:xfrm>
           <a:prstGeom prst="accentCallout2">
             <a:avLst>
               <a:gd name="adj1" fmla="val 18750"/>
               <a:gd name="adj2" fmla="val -8333"/>
-              <a:gd name="adj3" fmla="val 18750"/>
-              <a:gd name="adj4" fmla="val -16667"/>
-              <a:gd name="adj5" fmla="val -167624"/>
-              <a:gd name="adj6" fmla="val 30801"/>
+              <a:gd name="adj3" fmla="val 101116"/>
+              <a:gd name="adj4" fmla="val -23294"/>
+              <a:gd name="adj5" fmla="val 345580"/>
+              <a:gd name="adj6" fmla="val 38257"/>
             </a:avLst>
           </a:prstGeom>
         </p:spPr>
@@ -26869,7 +28492,7 @@
         </p:nvSpPr>
         <p:spPr>
           <a:xfrm>
-            <a:off x="0" y="4316862"/>
+            <a:off x="0" y="4647062"/>
             <a:ext cx="5418666" cy="366731"/>
           </a:xfrm>
           <a:prstGeom prst="leftRightArrow">
@@ -26899,8 +28522,17 @@
               <a:rPr lang="fr-FR" sz="1100" dirty="0">
                 <a:latin typeface="Arial Nova" panose="020B0504020202020204" pitchFamily="34" charset="0"/>
               </a:rPr>
-              <a:t>Examinateur 1</a:t>
+              <a:t>Examinateur </a:t>
             </a:r>
+            <a:r>
+              <a:rPr lang="fr-FR" sz="1100" dirty="0" smtClean="0">
+                <a:latin typeface="Arial Nova" panose="020B0504020202020204" pitchFamily="34" charset="0"/>
+              </a:rPr>
+              <a:t>1 – 3h50</a:t>
+            </a:r>
+            <a:endParaRPr lang="fr-FR" sz="1100" dirty="0">
+              <a:latin typeface="Arial Nova" panose="020B0504020202020204" pitchFamily="34" charset="0"/>
+            </a:endParaRPr>
           </a:p>
         </p:txBody>
       </p:sp>
@@ -26918,7 +28550,7 @@
         </p:nvSpPr>
         <p:spPr>
           <a:xfrm>
-            <a:off x="5418666" y="4324482"/>
+            <a:off x="5418666" y="4654682"/>
             <a:ext cx="1439333" cy="366731"/>
           </a:xfrm>
           <a:prstGeom prst="leftRightArrow">
@@ -26967,7 +28599,7 @@
         </p:nvSpPr>
         <p:spPr>
           <a:xfrm>
-            <a:off x="0" y="4790201"/>
+            <a:off x="0" y="5031501"/>
             <a:ext cx="6858000" cy="658461"/>
           </a:xfrm>
           <a:prstGeom prst="leftRightArrow">
@@ -27029,8 +28661,8 @@
         </p:nvSpPr>
         <p:spPr>
           <a:xfrm>
-            <a:off x="186267" y="6377046"/>
-            <a:ext cx="1811866" cy="1046914"/>
+            <a:off x="3564164" y="7130928"/>
+            <a:ext cx="3167835" cy="720699"/>
           </a:xfrm>
           <a:prstGeom prst="rect">
             <a:avLst/>
@@ -27051,7 +28683,7 @@
           </a:fontRef>
         </p:style>
         <p:txBody>
-          <a:bodyPr rtlCol="0" anchor="ctr"/>
+          <a:bodyPr numCol="2" rtlCol="0" anchor="ctr"/>
           <a:lstStyle/>
           <a:p>
             <a:r>
@@ -27098,9 +28730,20 @@
               <a:buFont typeface="Arial" panose="020B0604020202020204" pitchFamily="34" charset="0"/>
               <a:buChar char="•"/>
             </a:pPr>
+            <a:endParaRPr lang="fr-FR" sz="1000" dirty="0" smtClean="0"/>
+          </a:p>
+          <a:p>
+            <a:pPr marL="93663" indent="-93663">
+              <a:buFont typeface="Arial" panose="020B0604020202020204" pitchFamily="34" charset="0"/>
+              <a:buChar char="•"/>
+            </a:pPr>
+            <a:r>
+              <a:rPr lang="fr-FR" sz="1000" dirty="0" smtClean="0"/>
+              <a:t>Choix </a:t>
+            </a:r>
             <a:r>
               <a:rPr lang="fr-FR" sz="1000" dirty="0"/>
-              <a:t>Choix du vocabulaire</a:t>
+              <a:t>du vocabulaire</a:t>
             </a:r>
           </a:p>
           <a:p>
@@ -27413,7 +29056,7 @@
         <p:spPr>
           <a:xfrm>
             <a:off x="3429000" y="1103078"/>
-            <a:ext cx="1620520" cy="276999"/>
+            <a:ext cx="1620520" cy="261610"/>
           </a:xfrm>
           <a:prstGeom prst="rect">
             <a:avLst/>
@@ -27427,7 +29070,7 @@
           <a:lstStyle/>
           <a:p>
             <a:r>
-              <a:rPr lang="fr-FR" sz="1200" dirty="0">
+              <a:rPr lang="fr-FR" sz="1100" dirty="0">
                 <a:latin typeface="Arial Nova" panose="020B0504020202020204" pitchFamily="34" charset="0"/>
               </a:rPr>
               <a:t>Lieu de passage </a:t>
@@ -27449,7 +29092,7 @@
         </p:nvSpPr>
         <p:spPr>
           <a:xfrm>
-            <a:off x="5322570" y="1147996"/>
+            <a:off x="5043312" y="1133347"/>
             <a:ext cx="657860" cy="187161"/>
           </a:xfrm>
           <a:prstGeom prst="rect">
@@ -27605,6 +29248,337 @@
           </a:extLst>
         </p:spPr>
       </p:pic>
+      <p:grpSp>
+        <p:nvGrpSpPr>
+          <p:cNvPr id="61" name="Groupe 60"/>
+          <p:cNvGrpSpPr/>
+          <p:nvPr/>
+        </p:nvGrpSpPr>
+        <p:grpSpPr>
+          <a:xfrm>
+            <a:off x="170059" y="1503723"/>
+            <a:ext cx="4537972" cy="769441"/>
+            <a:chOff x="462159" y="1465623"/>
+            <a:chExt cx="4537972" cy="769441"/>
+          </a:xfrm>
+        </p:grpSpPr>
+        <p:pic>
+          <p:nvPicPr>
+            <p:cNvPr id="62" name="Image 61"/>
+            <p:cNvPicPr>
+              <a:picLocks noChangeAspect="1"/>
+            </p:cNvPicPr>
+            <p:nvPr/>
+          </p:nvPicPr>
+          <p:blipFill>
+            <a:blip r:embed="rId10" cstate="hqprint">
+              <a:extLst>
+                <a:ext uri="{28A0092B-C50C-407E-A947-70E740481C1C}">
+                  <a14:useLocalDpi xmlns:a14="http://schemas.microsoft.com/office/drawing/2010/main" val="0"/>
+                </a:ext>
+              </a:extLst>
+            </a:blip>
+            <a:stretch>
+              <a:fillRect/>
+            </a:stretch>
+          </p:blipFill>
+          <p:spPr>
+            <a:xfrm>
+              <a:off x="462159" y="1510194"/>
+              <a:ext cx="720000" cy="720000"/>
+            </a:xfrm>
+            <a:prstGeom prst="rect">
+              <a:avLst/>
+            </a:prstGeom>
+          </p:spPr>
+        </p:pic>
+        <p:pic>
+          <p:nvPicPr>
+            <p:cNvPr id="63" name="Image 62"/>
+            <p:cNvPicPr>
+              <a:picLocks noChangeAspect="1"/>
+            </p:cNvPicPr>
+            <p:nvPr/>
+          </p:nvPicPr>
+          <p:blipFill>
+            <a:blip r:embed="rId11" cstate="hqprint">
+              <a:extLst>
+                <a:ext uri="{28A0092B-C50C-407E-A947-70E740481C1C}">
+                  <a14:useLocalDpi xmlns:a14="http://schemas.microsoft.com/office/drawing/2010/main" val="0"/>
+                </a:ext>
+              </a:extLst>
+            </a:blip>
+            <a:stretch>
+              <a:fillRect/>
+            </a:stretch>
+          </p:blipFill>
+          <p:spPr>
+            <a:xfrm>
+              <a:off x="1573397" y="1512013"/>
+              <a:ext cx="720000" cy="720000"/>
+            </a:xfrm>
+            <a:prstGeom prst="rect">
+              <a:avLst/>
+            </a:prstGeom>
+          </p:spPr>
+        </p:pic>
+        <p:sp>
+          <p:nvSpPr>
+            <p:cNvPr id="65" name="ZoneTexte 64">
+              <a:extLst>
+                <a:ext uri="{FF2B5EF4-FFF2-40B4-BE49-F238E27FC236}">
+                  <a16:creationId xmlns:a16="http://schemas.microsoft.com/office/drawing/2014/main" id="{87BA1BFC-B964-946E-9ED3-B419DB170A34}"/>
+                </a:ext>
+              </a:extLst>
+            </p:cNvPr>
+            <p:cNvSpPr txBox="1"/>
+            <p:nvPr/>
+          </p:nvSpPr>
+          <p:spPr>
+            <a:xfrm>
+              <a:off x="2843530" y="1465623"/>
+              <a:ext cx="2156601" cy="769441"/>
+            </a:xfrm>
+            <a:prstGeom prst="rect">
+              <a:avLst/>
+            </a:prstGeom>
+            <a:noFill/>
+          </p:spPr>
+          <p:txBody>
+            <a:bodyPr wrap="square" rtlCol="0">
+              <a:spAutoFit/>
+            </a:bodyPr>
+            <a:lstStyle/>
+            <a:p>
+              <a:pPr marL="285750" indent="-285750">
+                <a:buClr>
+                  <a:schemeClr val="accent1"/>
+                </a:buClr>
+                <a:buFont typeface="Wingdings" panose="05000000000000000000" pitchFamily="2" charset="2"/>
+                <a:buChar char="§"/>
+              </a:pPr>
+              <a:r>
+                <a:rPr lang="fr-FR" sz="1100" dirty="0" smtClean="0">
+                  <a:latin typeface="Arial Nova" panose="020B0504020202020204" pitchFamily="34" charset="0"/>
+                </a:rPr>
+                <a:t>Logiciels de bureautique</a:t>
+              </a:r>
+            </a:p>
+            <a:p>
+              <a:pPr marL="285750" indent="-285750">
+                <a:buClr>
+                  <a:schemeClr val="accent1"/>
+                </a:buClr>
+                <a:buFont typeface="Wingdings" panose="05000000000000000000" pitchFamily="2" charset="2"/>
+                <a:buChar char="§"/>
+              </a:pPr>
+              <a:r>
+                <a:rPr lang="fr-FR" sz="1100" dirty="0" smtClean="0">
+                  <a:latin typeface="Arial Nova" panose="020B0504020202020204" pitchFamily="34" charset="0"/>
+                </a:rPr>
+                <a:t>Tableurs</a:t>
+              </a:r>
+            </a:p>
+            <a:p>
+              <a:pPr marL="285750" indent="-285750">
+                <a:buClr>
+                  <a:schemeClr val="accent1"/>
+                </a:buClr>
+                <a:buFont typeface="Wingdings" panose="05000000000000000000" pitchFamily="2" charset="2"/>
+                <a:buChar char="§"/>
+              </a:pPr>
+              <a:r>
+                <a:rPr lang="fr-FR" sz="1100" dirty="0" smtClean="0">
+                  <a:latin typeface="Arial Nova" panose="020B0504020202020204" pitchFamily="34" charset="0"/>
+                </a:rPr>
+                <a:t>Simulation </a:t>
+              </a:r>
+            </a:p>
+            <a:p>
+              <a:pPr marL="285750" indent="-285750">
+                <a:buClr>
+                  <a:schemeClr val="accent1"/>
+                </a:buClr>
+                <a:buFont typeface="Wingdings" panose="05000000000000000000" pitchFamily="2" charset="2"/>
+                <a:buChar char="§"/>
+              </a:pPr>
+              <a:r>
+                <a:rPr lang="fr-FR" sz="1100" dirty="0" smtClean="0">
+                  <a:latin typeface="Arial Nova" panose="020B0504020202020204" pitchFamily="34" charset="0"/>
+                </a:rPr>
+                <a:t>Programmation</a:t>
+              </a:r>
+              <a:endParaRPr lang="fr-FR" sz="1100" dirty="0">
+                <a:latin typeface="Arial Nova" panose="020B0504020202020204" pitchFamily="34" charset="0"/>
+              </a:endParaRPr>
+            </a:p>
+          </p:txBody>
+        </p:sp>
+        <p:pic>
+          <p:nvPicPr>
+            <p:cNvPr id="67" name="Image 66"/>
+            <p:cNvPicPr>
+              <a:picLocks noChangeAspect="1"/>
+            </p:cNvPicPr>
+            <p:nvPr/>
+          </p:nvPicPr>
+          <p:blipFill>
+            <a:blip r:embed="rId12" cstate="hqprint">
+              <a:extLst>
+                <a:ext uri="{28A0092B-C50C-407E-A947-70E740481C1C}">
+                  <a14:useLocalDpi xmlns:a14="http://schemas.microsoft.com/office/drawing/2010/main" val="0"/>
+                </a:ext>
+              </a:extLst>
+            </a:blip>
+            <a:stretch>
+              <a:fillRect/>
+            </a:stretch>
+          </p:blipFill>
+          <p:spPr>
+            <a:xfrm>
+              <a:off x="2193860" y="1641876"/>
+              <a:ext cx="288000" cy="288000"/>
+            </a:xfrm>
+            <a:prstGeom prst="rect">
+              <a:avLst/>
+            </a:prstGeom>
+          </p:spPr>
+        </p:pic>
+      </p:grpSp>
+      <p:sp>
+        <p:nvSpPr>
+          <p:cNvPr id="68" name="Ellipse 67">
+            <a:extLst>
+              <a:ext uri="{FF2B5EF4-FFF2-40B4-BE49-F238E27FC236}">
+                <a16:creationId xmlns:a16="http://schemas.microsoft.com/office/drawing/2014/main" id="{DB983FAC-EED7-2BB4-7F56-D7BDB9008303}"/>
+              </a:ext>
+            </a:extLst>
+          </p:cNvPr>
+          <p:cNvSpPr/>
+          <p:nvPr/>
+        </p:nvSpPr>
+        <p:spPr>
+          <a:xfrm>
+            <a:off x="6012332" y="4458521"/>
+            <a:ext cx="252000" cy="252000"/>
+          </a:xfrm>
+          <a:prstGeom prst="ellipse">
+            <a:avLst/>
+          </a:prstGeom>
+        </p:spPr>
+        <p:style>
+          <a:lnRef idx="2">
+            <a:schemeClr val="accent6">
+              <a:shade val="50000"/>
+            </a:schemeClr>
+          </a:lnRef>
+          <a:fillRef idx="1">
+            <a:schemeClr val="accent6"/>
+          </a:fillRef>
+          <a:effectRef idx="0">
+            <a:schemeClr val="accent6"/>
+          </a:effectRef>
+          <a:fontRef idx="minor">
+            <a:schemeClr val="lt1"/>
+          </a:fontRef>
+        </p:style>
+        <p:txBody>
+          <a:bodyPr lIns="0" tIns="0" rIns="0" bIns="0" rtlCol="0" anchor="ctr"/>
+          <a:lstStyle/>
+          <a:p>
+            <a:pPr algn="ctr"/>
+            <a:r>
+              <a:rPr lang="fr-FR" sz="900" b="1" dirty="0"/>
+              <a:t>10’</a:t>
+            </a:r>
+          </a:p>
+        </p:txBody>
+      </p:sp>
+      <p:sp>
+        <p:nvSpPr>
+          <p:cNvPr id="42" name="Pensées 41"/>
+          <p:cNvSpPr/>
+          <p:nvPr/>
+        </p:nvSpPr>
+        <p:spPr>
+          <a:xfrm>
+            <a:off x="3219451" y="2304913"/>
+            <a:ext cx="1625858" cy="697271"/>
+          </a:xfrm>
+          <a:prstGeom prst="cloudCallout">
+            <a:avLst>
+              <a:gd name="adj1" fmla="val -12157"/>
+              <a:gd name="adj2" fmla="val 41777"/>
+            </a:avLst>
+          </a:prstGeom>
+        </p:spPr>
+        <p:style>
+          <a:lnRef idx="2">
+            <a:schemeClr val="accent6"/>
+          </a:lnRef>
+          <a:fillRef idx="1">
+            <a:schemeClr val="lt1"/>
+          </a:fillRef>
+          <a:effectRef idx="0">
+            <a:schemeClr val="accent6"/>
+          </a:effectRef>
+          <a:fontRef idx="minor">
+            <a:schemeClr val="dk1"/>
+          </a:fontRef>
+        </p:style>
+        <p:txBody>
+          <a:bodyPr lIns="0" tIns="0" rIns="0" bIns="0" rtlCol="0" anchor="ctr"/>
+          <a:lstStyle/>
+          <a:p>
+            <a:pPr marL="266700" indent="-95250"/>
+            <a:r>
+              <a:rPr lang="fr-FR" sz="800" dirty="0" smtClean="0">
+                <a:latin typeface="Arial Nova" panose="020B0504020202020204"/>
+              </a:rPr>
+              <a:t>Présentation </a:t>
+            </a:r>
+          </a:p>
+          <a:p>
+            <a:pPr marL="266700" indent="-95250">
+              <a:buFont typeface="+mj-lt"/>
+              <a:buAutoNum type="arabicPeriod"/>
+            </a:pPr>
+            <a:r>
+              <a:rPr lang="fr-FR" sz="800" dirty="0" smtClean="0">
+                <a:latin typeface="Arial Nova" panose="020B0504020202020204"/>
+              </a:rPr>
+              <a:t>Problématique</a:t>
+            </a:r>
+          </a:p>
+          <a:p>
+            <a:pPr marL="266700" indent="-95250">
+              <a:buFont typeface="+mj-lt"/>
+              <a:buAutoNum type="arabicPeriod"/>
+            </a:pPr>
+            <a:r>
+              <a:rPr lang="fr-FR" sz="800" dirty="0" smtClean="0">
+                <a:latin typeface="Arial Nova" panose="020B0504020202020204"/>
+              </a:rPr>
+              <a:t>Démarche</a:t>
+            </a:r>
+          </a:p>
+          <a:p>
+            <a:pPr marL="266700" indent="-95250">
+              <a:buFont typeface="+mj-lt"/>
+              <a:buAutoNum type="arabicPeriod"/>
+            </a:pPr>
+            <a:r>
+              <a:rPr lang="fr-FR" sz="800" dirty="0" smtClean="0">
+                <a:latin typeface="Arial Nova" panose="020B0504020202020204"/>
+              </a:rPr>
+              <a:t>Conclusion</a:t>
+            </a:r>
+            <a:endParaRPr lang="fr-FR" sz="800" dirty="0">
+              <a:latin typeface="Arial Nova" panose="020B0504020202020204"/>
+            </a:endParaRPr>
+          </a:p>
+        </p:txBody>
+      </p:sp>
     </p:spTree>
     <p:extLst>
       <p:ext uri="{BB962C8B-B14F-4D97-AF65-F5344CB8AC3E}">
@@ -28730,7 +30704,7 @@
                 <a:hlinkClick r:id="rId7">
                   <a:extLst>
                     <a:ext uri="{A12FA001-AC4F-418D-AE19-62706E023703}">
-                      <ahyp:hlinkClr xmlns:ahyp="http://schemas.microsoft.com/office/drawing/2018/hyperlinkcolor" val="tx"/>
+                      <ahyp:hlinkClr xmlns:ahyp="http://schemas.microsoft.com/office/drawing/2018/hyperlinkcolor" xmlns="" val="tx"/>
                     </a:ext>
                   </a:extLst>
                 </a:hlinkClick>
@@ -28753,7 +30727,7 @@
                 <a:hlinkClick r:id="rId8">
                   <a:extLst>
                     <a:ext uri="{A12FA001-AC4F-418D-AE19-62706E023703}">
-                      <ahyp:hlinkClr xmlns:ahyp="http://schemas.microsoft.com/office/drawing/2018/hyperlinkcolor" val="tx"/>
+                      <ahyp:hlinkClr xmlns:ahyp="http://schemas.microsoft.com/office/drawing/2018/hyperlinkcolor" xmlns="" val="tx"/>
                     </a:ext>
                   </a:extLst>
                 </a:hlinkClick>
@@ -29480,7 +31454,7 @@
                 <a:hlinkClick r:id="rId2">
                   <a:extLst>
                     <a:ext uri="{A12FA001-AC4F-418D-AE19-62706E023703}">
-                      <ahyp:hlinkClr xmlns:ahyp="http://schemas.microsoft.com/office/drawing/2018/hyperlinkcolor" val="tx"/>
+                      <ahyp:hlinkClr xmlns:ahyp="http://schemas.microsoft.com/office/drawing/2018/hyperlinkcolor" xmlns="" val="tx"/>
                     </a:ext>
                   </a:extLst>
                 </a:hlinkClick>
@@ -29503,7 +31477,7 @@
                 <a:hlinkClick r:id="rId3">
                   <a:extLst>
                     <a:ext uri="{A12FA001-AC4F-418D-AE19-62706E023703}">
-                      <ahyp:hlinkClr xmlns:ahyp="http://schemas.microsoft.com/office/drawing/2018/hyperlinkcolor" val="tx"/>
+                      <ahyp:hlinkClr xmlns:ahyp="http://schemas.microsoft.com/office/drawing/2018/hyperlinkcolor" xmlns="" val="tx"/>
                     </a:ext>
                   </a:extLst>
                 </a:hlinkClick>
@@ -29897,7 +31871,7 @@
           <p:nvPr/>
         </p:nvPicPr>
         <p:blipFill>
-          <a:blip r:embed="rId10">
+          <a:blip r:embed="rId10" cstate="hqprint">
             <a:extLst>
               <a:ext uri="{BEBA8EAE-BF5A-486C-A8C5-ECC9F3942E4B}">
                 <a14:imgProps xmlns:a14="http://schemas.microsoft.com/office/drawing/2010/main">

--- a/Presentations_Epreuves.pptx
+++ b/Presentations_Epreuves.pptx
@@ -8,10 +8,11 @@
     <p:sldId id="262" r:id="rId2"/>
     <p:sldId id="260" r:id="rId3"/>
     <p:sldId id="256" r:id="rId4"/>
-    <p:sldId id="261" r:id="rId5"/>
-    <p:sldId id="258" r:id="rId6"/>
-    <p:sldId id="259" r:id="rId7"/>
-    <p:sldId id="257" r:id="rId8"/>
+    <p:sldId id="263" r:id="rId5"/>
+    <p:sldId id="261" r:id="rId6"/>
+    <p:sldId id="258" r:id="rId7"/>
+    <p:sldId id="259" r:id="rId8"/>
+    <p:sldId id="257" r:id="rId9"/>
   </p:sldIdLst>
   <p:sldSz cx="7559675" cy="10691813"/>
   <p:notesSz cx="6797675" cy="9926638"/>
@@ -4611,6 +4612,753 @@
 </dgm:colorsDef>
 </file>
 
+<file path=ppt/diagrams/colors7.xml><?xml version="1.0" encoding="utf-8"?>
+<dgm:colorsDef xmlns:dgm="http://schemas.openxmlformats.org/drawingml/2006/diagram" xmlns:a="http://schemas.openxmlformats.org/drawingml/2006/main" uniqueId="urn:microsoft.com/office/officeart/2005/8/colors/accent1_2">
+  <dgm:title val=""/>
+  <dgm:desc val=""/>
+  <dgm:catLst>
+    <dgm:cat type="accent1" pri="11200"/>
+  </dgm:catLst>
+  <dgm:styleLbl name="node0">
+    <dgm:fillClrLst meth="repeat">
+      <a:schemeClr val="accent1"/>
+    </dgm:fillClrLst>
+    <dgm:linClrLst meth="repeat">
+      <a:schemeClr val="lt1"/>
+    </dgm:linClrLst>
+    <dgm:effectClrLst/>
+    <dgm:txLinClrLst/>
+    <dgm:txFillClrLst/>
+    <dgm:txEffectClrLst/>
+  </dgm:styleLbl>
+  <dgm:styleLbl name="alignNode1">
+    <dgm:fillClrLst meth="repeat">
+      <a:schemeClr val="accent1"/>
+    </dgm:fillClrLst>
+    <dgm:linClrLst meth="repeat">
+      <a:schemeClr val="accent1"/>
+    </dgm:linClrLst>
+    <dgm:effectClrLst/>
+    <dgm:txLinClrLst/>
+    <dgm:txFillClrLst/>
+    <dgm:txEffectClrLst/>
+  </dgm:styleLbl>
+  <dgm:styleLbl name="node1">
+    <dgm:fillClrLst meth="repeat">
+      <a:schemeClr val="accent1"/>
+    </dgm:fillClrLst>
+    <dgm:linClrLst meth="repeat">
+      <a:schemeClr val="lt1"/>
+    </dgm:linClrLst>
+    <dgm:effectClrLst/>
+    <dgm:txLinClrLst/>
+    <dgm:txFillClrLst/>
+    <dgm:txEffectClrLst/>
+  </dgm:styleLbl>
+  <dgm:styleLbl name="lnNode1">
+    <dgm:fillClrLst meth="repeat">
+      <a:schemeClr val="accent1"/>
+    </dgm:fillClrLst>
+    <dgm:linClrLst meth="repeat">
+      <a:schemeClr val="lt1"/>
+    </dgm:linClrLst>
+    <dgm:effectClrLst/>
+    <dgm:txLinClrLst/>
+    <dgm:txFillClrLst/>
+    <dgm:txEffectClrLst/>
+  </dgm:styleLbl>
+  <dgm:styleLbl name="vennNode1">
+    <dgm:fillClrLst meth="repeat">
+      <a:schemeClr val="accent1">
+        <a:alpha val="50000"/>
+      </a:schemeClr>
+    </dgm:fillClrLst>
+    <dgm:linClrLst meth="repeat">
+      <a:schemeClr val="lt1"/>
+    </dgm:linClrLst>
+    <dgm:effectClrLst/>
+    <dgm:txLinClrLst/>
+    <dgm:txFillClrLst/>
+    <dgm:txEffectClrLst/>
+  </dgm:styleLbl>
+  <dgm:styleLbl name="node2">
+    <dgm:fillClrLst meth="repeat">
+      <a:schemeClr val="accent1"/>
+    </dgm:fillClrLst>
+    <dgm:linClrLst meth="repeat">
+      <a:schemeClr val="lt1"/>
+    </dgm:linClrLst>
+    <dgm:effectClrLst/>
+    <dgm:txLinClrLst/>
+    <dgm:txFillClrLst/>
+    <dgm:txEffectClrLst/>
+  </dgm:styleLbl>
+  <dgm:styleLbl name="node3">
+    <dgm:fillClrLst meth="repeat">
+      <a:schemeClr val="accent1"/>
+    </dgm:fillClrLst>
+    <dgm:linClrLst meth="repeat">
+      <a:schemeClr val="lt1"/>
+    </dgm:linClrLst>
+    <dgm:effectClrLst/>
+    <dgm:txLinClrLst/>
+    <dgm:txFillClrLst/>
+    <dgm:txEffectClrLst/>
+  </dgm:styleLbl>
+  <dgm:styleLbl name="node4">
+    <dgm:fillClrLst meth="repeat">
+      <a:schemeClr val="accent1"/>
+    </dgm:fillClrLst>
+    <dgm:linClrLst meth="repeat">
+      <a:schemeClr val="lt1"/>
+    </dgm:linClrLst>
+    <dgm:effectClrLst/>
+    <dgm:txLinClrLst/>
+    <dgm:txFillClrLst/>
+    <dgm:txEffectClrLst/>
+  </dgm:styleLbl>
+  <dgm:styleLbl name="fgImgPlace1">
+    <dgm:fillClrLst meth="repeat">
+      <a:schemeClr val="accent1">
+        <a:tint val="50000"/>
+      </a:schemeClr>
+    </dgm:fillClrLst>
+    <dgm:linClrLst meth="repeat">
+      <a:schemeClr val="lt1"/>
+    </dgm:linClrLst>
+    <dgm:effectClrLst/>
+    <dgm:txLinClrLst/>
+    <dgm:txFillClrLst meth="repeat">
+      <a:schemeClr val="lt1"/>
+    </dgm:txFillClrLst>
+    <dgm:txEffectClrLst/>
+  </dgm:styleLbl>
+  <dgm:styleLbl name="alignImgPlace1">
+    <dgm:fillClrLst meth="repeat">
+      <a:schemeClr val="accent1">
+        <a:tint val="50000"/>
+      </a:schemeClr>
+    </dgm:fillClrLst>
+    <dgm:linClrLst meth="repeat">
+      <a:schemeClr val="lt1"/>
+    </dgm:linClrLst>
+    <dgm:effectClrLst/>
+    <dgm:txLinClrLst/>
+    <dgm:txFillClrLst meth="repeat">
+      <a:schemeClr val="lt1"/>
+    </dgm:txFillClrLst>
+    <dgm:txEffectClrLst/>
+  </dgm:styleLbl>
+  <dgm:styleLbl name="bgImgPlace1">
+    <dgm:fillClrLst meth="repeat">
+      <a:schemeClr val="accent1">
+        <a:tint val="50000"/>
+      </a:schemeClr>
+    </dgm:fillClrLst>
+    <dgm:linClrLst meth="repeat">
+      <a:schemeClr val="lt1"/>
+    </dgm:linClrLst>
+    <dgm:effectClrLst/>
+    <dgm:txLinClrLst/>
+    <dgm:txFillClrLst meth="repeat">
+      <a:schemeClr val="lt1"/>
+    </dgm:txFillClrLst>
+    <dgm:txEffectClrLst/>
+  </dgm:styleLbl>
+  <dgm:styleLbl name="sibTrans2D1">
+    <dgm:fillClrLst meth="repeat">
+      <a:schemeClr val="accent1">
+        <a:tint val="60000"/>
+      </a:schemeClr>
+    </dgm:fillClrLst>
+    <dgm:linClrLst meth="repeat">
+      <a:schemeClr val="accent1">
+        <a:tint val="60000"/>
+      </a:schemeClr>
+    </dgm:linClrLst>
+    <dgm:effectClrLst/>
+    <dgm:txLinClrLst/>
+    <dgm:txFillClrLst/>
+    <dgm:txEffectClrLst/>
+  </dgm:styleLbl>
+  <dgm:styleLbl name="fgSibTrans2D1">
+    <dgm:fillClrLst meth="repeat">
+      <a:schemeClr val="accent1">
+        <a:tint val="60000"/>
+      </a:schemeClr>
+    </dgm:fillClrLst>
+    <dgm:linClrLst meth="repeat">
+      <a:schemeClr val="accent1">
+        <a:tint val="60000"/>
+      </a:schemeClr>
+    </dgm:linClrLst>
+    <dgm:effectClrLst/>
+    <dgm:txLinClrLst/>
+    <dgm:txFillClrLst/>
+    <dgm:txEffectClrLst/>
+  </dgm:styleLbl>
+  <dgm:styleLbl name="bgSibTrans2D1">
+    <dgm:fillClrLst meth="repeat">
+      <a:schemeClr val="accent1">
+        <a:tint val="60000"/>
+      </a:schemeClr>
+    </dgm:fillClrLst>
+    <dgm:linClrLst meth="repeat">
+      <a:schemeClr val="accent1">
+        <a:tint val="60000"/>
+      </a:schemeClr>
+    </dgm:linClrLst>
+    <dgm:effectClrLst/>
+    <dgm:txLinClrLst/>
+    <dgm:txFillClrLst/>
+    <dgm:txEffectClrLst/>
+  </dgm:styleLbl>
+  <dgm:styleLbl name="sibTrans1D1">
+    <dgm:fillClrLst meth="repeat">
+      <a:schemeClr val="accent1"/>
+    </dgm:fillClrLst>
+    <dgm:linClrLst meth="repeat">
+      <a:schemeClr val="accent1"/>
+    </dgm:linClrLst>
+    <dgm:effectClrLst/>
+    <dgm:txLinClrLst/>
+    <dgm:txFillClrLst meth="repeat">
+      <a:schemeClr val="tx1"/>
+    </dgm:txFillClrLst>
+    <dgm:txEffectClrLst/>
+  </dgm:styleLbl>
+  <dgm:styleLbl name="callout">
+    <dgm:fillClrLst meth="repeat">
+      <a:schemeClr val="accent1"/>
+    </dgm:fillClrLst>
+    <dgm:linClrLst meth="repeat">
+      <a:schemeClr val="accent1">
+        <a:tint val="50000"/>
+      </a:schemeClr>
+    </dgm:linClrLst>
+    <dgm:effectClrLst/>
+    <dgm:txLinClrLst/>
+    <dgm:txFillClrLst meth="repeat">
+      <a:schemeClr val="tx1"/>
+    </dgm:txFillClrLst>
+    <dgm:txEffectClrLst/>
+  </dgm:styleLbl>
+  <dgm:styleLbl name="asst0">
+    <dgm:fillClrLst meth="repeat">
+      <a:schemeClr val="accent1"/>
+    </dgm:fillClrLst>
+    <dgm:linClrLst meth="repeat">
+      <a:schemeClr val="lt1"/>
+    </dgm:linClrLst>
+    <dgm:effectClrLst/>
+    <dgm:txLinClrLst/>
+    <dgm:txFillClrLst/>
+    <dgm:txEffectClrLst/>
+  </dgm:styleLbl>
+  <dgm:styleLbl name="asst1">
+    <dgm:fillClrLst meth="repeat">
+      <a:schemeClr val="accent1"/>
+    </dgm:fillClrLst>
+    <dgm:linClrLst meth="repeat">
+      <a:schemeClr val="lt1"/>
+    </dgm:linClrLst>
+    <dgm:effectClrLst/>
+    <dgm:txLinClrLst/>
+    <dgm:txFillClrLst/>
+    <dgm:txEffectClrLst/>
+  </dgm:styleLbl>
+  <dgm:styleLbl name="asst2">
+    <dgm:fillClrLst meth="repeat">
+      <a:schemeClr val="accent1"/>
+    </dgm:fillClrLst>
+    <dgm:linClrLst meth="repeat">
+      <a:schemeClr val="lt1"/>
+    </dgm:linClrLst>
+    <dgm:effectClrLst/>
+    <dgm:txLinClrLst/>
+    <dgm:txFillClrLst/>
+    <dgm:txEffectClrLst/>
+  </dgm:styleLbl>
+  <dgm:styleLbl name="asst3">
+    <dgm:fillClrLst meth="repeat">
+      <a:schemeClr val="accent1"/>
+    </dgm:fillClrLst>
+    <dgm:linClrLst meth="repeat">
+      <a:schemeClr val="lt1"/>
+    </dgm:linClrLst>
+    <dgm:effectClrLst/>
+    <dgm:txLinClrLst/>
+    <dgm:txFillClrLst/>
+    <dgm:txEffectClrLst/>
+  </dgm:styleLbl>
+  <dgm:styleLbl name="asst4">
+    <dgm:fillClrLst meth="repeat">
+      <a:schemeClr val="accent1"/>
+    </dgm:fillClrLst>
+    <dgm:linClrLst meth="repeat">
+      <a:schemeClr val="lt1"/>
+    </dgm:linClrLst>
+    <dgm:effectClrLst/>
+    <dgm:txLinClrLst/>
+    <dgm:txFillClrLst/>
+    <dgm:txEffectClrLst/>
+  </dgm:styleLbl>
+  <dgm:styleLbl name="parChTrans2D1">
+    <dgm:fillClrLst meth="repeat">
+      <a:schemeClr val="accent1">
+        <a:tint val="60000"/>
+      </a:schemeClr>
+    </dgm:fillClrLst>
+    <dgm:linClrLst meth="repeat">
+      <a:schemeClr val="accent1">
+        <a:tint val="60000"/>
+      </a:schemeClr>
+    </dgm:linClrLst>
+    <dgm:effectClrLst/>
+    <dgm:txLinClrLst/>
+    <dgm:txFillClrLst meth="repeat">
+      <a:schemeClr val="lt1"/>
+    </dgm:txFillClrLst>
+    <dgm:txEffectClrLst/>
+  </dgm:styleLbl>
+  <dgm:styleLbl name="parChTrans2D2">
+    <dgm:fillClrLst meth="repeat">
+      <a:schemeClr val="accent1"/>
+    </dgm:fillClrLst>
+    <dgm:linClrLst meth="repeat">
+      <a:schemeClr val="accent1"/>
+    </dgm:linClrLst>
+    <dgm:effectClrLst/>
+    <dgm:txLinClrLst/>
+    <dgm:txFillClrLst meth="repeat">
+      <a:schemeClr val="lt1"/>
+    </dgm:txFillClrLst>
+    <dgm:txEffectClrLst/>
+  </dgm:styleLbl>
+  <dgm:styleLbl name="parChTrans2D3">
+    <dgm:fillClrLst meth="repeat">
+      <a:schemeClr val="accent1"/>
+    </dgm:fillClrLst>
+    <dgm:linClrLst meth="repeat">
+      <a:schemeClr val="accent1"/>
+    </dgm:linClrLst>
+    <dgm:effectClrLst/>
+    <dgm:txLinClrLst/>
+    <dgm:txFillClrLst meth="repeat">
+      <a:schemeClr val="lt1"/>
+    </dgm:txFillClrLst>
+    <dgm:txEffectClrLst/>
+  </dgm:styleLbl>
+  <dgm:styleLbl name="parChTrans2D4">
+    <dgm:fillClrLst meth="repeat">
+      <a:schemeClr val="accent1"/>
+    </dgm:fillClrLst>
+    <dgm:linClrLst meth="repeat">
+      <a:schemeClr val="accent1"/>
+    </dgm:linClrLst>
+    <dgm:effectClrLst/>
+    <dgm:txLinClrLst/>
+    <dgm:txFillClrLst meth="repeat">
+      <a:schemeClr val="lt1"/>
+    </dgm:txFillClrLst>
+    <dgm:txEffectClrLst/>
+  </dgm:styleLbl>
+  <dgm:styleLbl name="parChTrans1D1">
+    <dgm:fillClrLst meth="repeat">
+      <a:schemeClr val="accent1"/>
+    </dgm:fillClrLst>
+    <dgm:linClrLst meth="repeat">
+      <a:schemeClr val="accent1">
+        <a:shade val="60000"/>
+      </a:schemeClr>
+    </dgm:linClrLst>
+    <dgm:effectClrLst/>
+    <dgm:txLinClrLst/>
+    <dgm:txFillClrLst meth="repeat">
+      <a:schemeClr val="tx1"/>
+    </dgm:txFillClrLst>
+    <dgm:txEffectClrLst/>
+  </dgm:styleLbl>
+  <dgm:styleLbl name="parChTrans1D2">
+    <dgm:fillClrLst meth="repeat">
+      <a:schemeClr val="accent1"/>
+    </dgm:fillClrLst>
+    <dgm:linClrLst meth="repeat">
+      <a:schemeClr val="accent1">
+        <a:shade val="60000"/>
+      </a:schemeClr>
+    </dgm:linClrLst>
+    <dgm:effectClrLst/>
+    <dgm:txLinClrLst/>
+    <dgm:txFillClrLst meth="repeat">
+      <a:schemeClr val="tx1"/>
+    </dgm:txFillClrLst>
+    <dgm:txEffectClrLst/>
+  </dgm:styleLbl>
+  <dgm:styleLbl name="parChTrans1D3">
+    <dgm:fillClrLst meth="repeat">
+      <a:schemeClr val="accent1"/>
+    </dgm:fillClrLst>
+    <dgm:linClrLst meth="repeat">
+      <a:schemeClr val="accent1">
+        <a:shade val="80000"/>
+      </a:schemeClr>
+    </dgm:linClrLst>
+    <dgm:effectClrLst/>
+    <dgm:txLinClrLst/>
+    <dgm:txFillClrLst meth="repeat">
+      <a:schemeClr val="tx1"/>
+    </dgm:txFillClrLst>
+    <dgm:txEffectClrLst/>
+  </dgm:styleLbl>
+  <dgm:styleLbl name="parChTrans1D4">
+    <dgm:fillClrLst meth="repeat">
+      <a:schemeClr val="accent1"/>
+    </dgm:fillClrLst>
+    <dgm:linClrLst meth="repeat">
+      <a:schemeClr val="accent1">
+        <a:shade val="80000"/>
+      </a:schemeClr>
+    </dgm:linClrLst>
+    <dgm:effectClrLst/>
+    <dgm:txLinClrLst/>
+    <dgm:txFillClrLst meth="repeat">
+      <a:schemeClr val="tx1"/>
+    </dgm:txFillClrLst>
+    <dgm:txEffectClrLst/>
+  </dgm:styleLbl>
+  <dgm:styleLbl name="fgAcc1">
+    <dgm:fillClrLst meth="repeat">
+      <a:schemeClr val="lt1">
+        <a:alpha val="90000"/>
+      </a:schemeClr>
+    </dgm:fillClrLst>
+    <dgm:linClrLst meth="repeat">
+      <a:schemeClr val="accent1"/>
+    </dgm:linClrLst>
+    <dgm:effectClrLst/>
+    <dgm:txLinClrLst/>
+    <dgm:txFillClrLst meth="repeat">
+      <a:schemeClr val="dk1"/>
+    </dgm:txFillClrLst>
+    <dgm:txEffectClrLst/>
+  </dgm:styleLbl>
+  <dgm:styleLbl name="conFgAcc1">
+    <dgm:fillClrLst meth="repeat">
+      <a:schemeClr val="lt1">
+        <a:alpha val="90000"/>
+      </a:schemeClr>
+    </dgm:fillClrLst>
+    <dgm:linClrLst meth="repeat">
+      <a:schemeClr val="accent1"/>
+    </dgm:linClrLst>
+    <dgm:effectClrLst/>
+    <dgm:txLinClrLst/>
+    <dgm:txFillClrLst meth="repeat">
+      <a:schemeClr val="dk1"/>
+    </dgm:txFillClrLst>
+    <dgm:txEffectClrLst/>
+  </dgm:styleLbl>
+  <dgm:styleLbl name="alignAcc1">
+    <dgm:fillClrLst meth="repeat">
+      <a:schemeClr val="lt1">
+        <a:alpha val="90000"/>
+      </a:schemeClr>
+    </dgm:fillClrLst>
+    <dgm:linClrLst meth="repeat">
+      <a:schemeClr val="accent1"/>
+    </dgm:linClrLst>
+    <dgm:effectClrLst/>
+    <dgm:txLinClrLst/>
+    <dgm:txFillClrLst meth="repeat">
+      <a:schemeClr val="dk1"/>
+    </dgm:txFillClrLst>
+    <dgm:txEffectClrLst/>
+  </dgm:styleLbl>
+  <dgm:styleLbl name="trAlignAcc1">
+    <dgm:fillClrLst meth="repeat">
+      <a:schemeClr val="lt1">
+        <a:alpha val="40000"/>
+      </a:schemeClr>
+    </dgm:fillClrLst>
+    <dgm:linClrLst meth="repeat">
+      <a:schemeClr val="accent1"/>
+    </dgm:linClrLst>
+    <dgm:effectClrLst/>
+    <dgm:txLinClrLst/>
+    <dgm:txFillClrLst meth="repeat">
+      <a:schemeClr val="dk1"/>
+    </dgm:txFillClrLst>
+    <dgm:txEffectClrLst/>
+  </dgm:styleLbl>
+  <dgm:styleLbl name="bgAcc1">
+    <dgm:fillClrLst meth="repeat">
+      <a:schemeClr val="lt1">
+        <a:alpha val="90000"/>
+      </a:schemeClr>
+    </dgm:fillClrLst>
+    <dgm:linClrLst meth="repeat">
+      <a:schemeClr val="accent1"/>
+    </dgm:linClrLst>
+    <dgm:effectClrLst/>
+    <dgm:txLinClrLst/>
+    <dgm:txFillClrLst meth="repeat">
+      <a:schemeClr val="dk1"/>
+    </dgm:txFillClrLst>
+    <dgm:txEffectClrLst/>
+  </dgm:styleLbl>
+  <dgm:styleLbl name="solidFgAcc1">
+    <dgm:fillClrLst meth="repeat">
+      <a:schemeClr val="lt1"/>
+    </dgm:fillClrLst>
+    <dgm:linClrLst meth="repeat">
+      <a:schemeClr val="accent1"/>
+    </dgm:linClrLst>
+    <dgm:effectClrLst/>
+    <dgm:txLinClrLst/>
+    <dgm:txFillClrLst meth="repeat">
+      <a:schemeClr val="dk1"/>
+    </dgm:txFillClrLst>
+    <dgm:txEffectClrLst/>
+  </dgm:styleLbl>
+  <dgm:styleLbl name="solidAlignAcc1">
+    <dgm:fillClrLst meth="repeat">
+      <a:schemeClr val="lt1"/>
+    </dgm:fillClrLst>
+    <dgm:linClrLst meth="repeat">
+      <a:schemeClr val="accent1"/>
+    </dgm:linClrLst>
+    <dgm:effectClrLst/>
+    <dgm:txLinClrLst/>
+    <dgm:txFillClrLst meth="repeat">
+      <a:schemeClr val="dk1"/>
+    </dgm:txFillClrLst>
+    <dgm:txEffectClrLst/>
+  </dgm:styleLbl>
+  <dgm:styleLbl name="solidBgAcc1">
+    <dgm:fillClrLst meth="repeat">
+      <a:schemeClr val="lt1"/>
+    </dgm:fillClrLst>
+    <dgm:linClrLst meth="repeat">
+      <a:schemeClr val="accent1"/>
+    </dgm:linClrLst>
+    <dgm:effectClrLst/>
+    <dgm:txLinClrLst/>
+    <dgm:txFillClrLst meth="repeat">
+      <a:schemeClr val="dk1"/>
+    </dgm:txFillClrLst>
+    <dgm:txEffectClrLst/>
+  </dgm:styleLbl>
+  <dgm:styleLbl name="fgAccFollowNode1">
+    <dgm:fillClrLst meth="repeat">
+      <a:schemeClr val="accent1">
+        <a:alpha val="90000"/>
+        <a:tint val="40000"/>
+      </a:schemeClr>
+    </dgm:fillClrLst>
+    <dgm:linClrLst meth="repeat">
+      <a:schemeClr val="accent1">
+        <a:alpha val="90000"/>
+        <a:tint val="40000"/>
+      </a:schemeClr>
+    </dgm:linClrLst>
+    <dgm:effectClrLst/>
+    <dgm:txLinClrLst/>
+    <dgm:txFillClrLst meth="repeat">
+      <a:schemeClr val="dk1"/>
+    </dgm:txFillClrLst>
+    <dgm:txEffectClrLst/>
+  </dgm:styleLbl>
+  <dgm:styleLbl name="alignAccFollowNode1">
+    <dgm:fillClrLst meth="repeat">
+      <a:schemeClr val="accent1">
+        <a:alpha val="90000"/>
+        <a:tint val="40000"/>
+      </a:schemeClr>
+    </dgm:fillClrLst>
+    <dgm:linClrLst meth="repeat">
+      <a:schemeClr val="accent1">
+        <a:alpha val="90000"/>
+        <a:tint val="40000"/>
+      </a:schemeClr>
+    </dgm:linClrLst>
+    <dgm:effectClrLst/>
+    <dgm:txLinClrLst/>
+    <dgm:txFillClrLst meth="repeat">
+      <a:schemeClr val="dk1"/>
+    </dgm:txFillClrLst>
+    <dgm:txEffectClrLst/>
+  </dgm:styleLbl>
+  <dgm:styleLbl name="bgAccFollowNode1">
+    <dgm:fillClrLst meth="repeat">
+      <a:schemeClr val="accent1">
+        <a:alpha val="90000"/>
+        <a:tint val="40000"/>
+      </a:schemeClr>
+    </dgm:fillClrLst>
+    <dgm:linClrLst meth="repeat">
+      <a:schemeClr val="accent1">
+        <a:alpha val="90000"/>
+        <a:tint val="40000"/>
+      </a:schemeClr>
+    </dgm:linClrLst>
+    <dgm:effectClrLst/>
+    <dgm:txLinClrLst/>
+    <dgm:txFillClrLst meth="repeat">
+      <a:schemeClr val="dk1"/>
+    </dgm:txFillClrLst>
+    <dgm:txEffectClrLst/>
+  </dgm:styleLbl>
+  <dgm:styleLbl name="fgAcc0">
+    <dgm:fillClrLst meth="repeat">
+      <a:schemeClr val="lt1">
+        <a:alpha val="90000"/>
+      </a:schemeClr>
+    </dgm:fillClrLst>
+    <dgm:linClrLst meth="repeat">
+      <a:schemeClr val="accent1"/>
+    </dgm:linClrLst>
+    <dgm:effectClrLst/>
+    <dgm:txLinClrLst/>
+    <dgm:txFillClrLst meth="repeat">
+      <a:schemeClr val="dk1"/>
+    </dgm:txFillClrLst>
+    <dgm:txEffectClrLst/>
+  </dgm:styleLbl>
+  <dgm:styleLbl name="fgAcc2">
+    <dgm:fillClrLst meth="repeat">
+      <a:schemeClr val="lt1">
+        <a:alpha val="90000"/>
+      </a:schemeClr>
+    </dgm:fillClrLst>
+    <dgm:linClrLst meth="repeat">
+      <a:schemeClr val="accent1"/>
+    </dgm:linClrLst>
+    <dgm:effectClrLst/>
+    <dgm:txLinClrLst/>
+    <dgm:txFillClrLst meth="repeat">
+      <a:schemeClr val="dk1"/>
+    </dgm:txFillClrLst>
+    <dgm:txEffectClrLst/>
+  </dgm:styleLbl>
+  <dgm:styleLbl name="fgAcc3">
+    <dgm:fillClrLst meth="repeat">
+      <a:schemeClr val="lt1">
+        <a:alpha val="90000"/>
+      </a:schemeClr>
+    </dgm:fillClrLst>
+    <dgm:linClrLst meth="repeat">
+      <a:schemeClr val="accent1"/>
+    </dgm:linClrLst>
+    <dgm:effectClrLst/>
+    <dgm:txLinClrLst/>
+    <dgm:txFillClrLst meth="repeat">
+      <a:schemeClr val="dk1"/>
+    </dgm:txFillClrLst>
+    <dgm:txEffectClrLst/>
+  </dgm:styleLbl>
+  <dgm:styleLbl name="fgAcc4">
+    <dgm:fillClrLst meth="repeat">
+      <a:schemeClr val="lt1">
+        <a:alpha val="90000"/>
+      </a:schemeClr>
+    </dgm:fillClrLst>
+    <dgm:linClrLst meth="repeat">
+      <a:schemeClr val="accent1"/>
+    </dgm:linClrLst>
+    <dgm:effectClrLst/>
+    <dgm:txLinClrLst/>
+    <dgm:txFillClrLst meth="repeat">
+      <a:schemeClr val="dk1"/>
+    </dgm:txFillClrLst>
+    <dgm:txEffectClrLst/>
+  </dgm:styleLbl>
+  <dgm:styleLbl name="bgShp">
+    <dgm:fillClrLst meth="repeat">
+      <a:schemeClr val="accent1">
+        <a:tint val="40000"/>
+      </a:schemeClr>
+    </dgm:fillClrLst>
+    <dgm:linClrLst meth="repeat">
+      <a:schemeClr val="accent1"/>
+    </dgm:linClrLst>
+    <dgm:effectClrLst/>
+    <dgm:txLinClrLst/>
+    <dgm:txFillClrLst meth="repeat">
+      <a:schemeClr val="dk1"/>
+    </dgm:txFillClrLst>
+    <dgm:txEffectClrLst/>
+  </dgm:styleLbl>
+  <dgm:styleLbl name="dkBgShp">
+    <dgm:fillClrLst meth="repeat">
+      <a:schemeClr val="accent1">
+        <a:shade val="80000"/>
+      </a:schemeClr>
+    </dgm:fillClrLst>
+    <dgm:linClrLst meth="repeat">
+      <a:schemeClr val="accent1"/>
+    </dgm:linClrLst>
+    <dgm:effectClrLst/>
+    <dgm:txLinClrLst/>
+    <dgm:txFillClrLst meth="repeat">
+      <a:schemeClr val="lt1"/>
+    </dgm:txFillClrLst>
+    <dgm:txEffectClrLst/>
+  </dgm:styleLbl>
+  <dgm:styleLbl name="trBgShp">
+    <dgm:fillClrLst meth="repeat">
+      <a:schemeClr val="accent1">
+        <a:tint val="50000"/>
+        <a:alpha val="40000"/>
+      </a:schemeClr>
+    </dgm:fillClrLst>
+    <dgm:linClrLst meth="repeat">
+      <a:schemeClr val="accent1"/>
+    </dgm:linClrLst>
+    <dgm:effectClrLst/>
+    <dgm:txLinClrLst/>
+    <dgm:txFillClrLst meth="repeat">
+      <a:schemeClr val="lt1"/>
+    </dgm:txFillClrLst>
+    <dgm:txEffectClrLst/>
+  </dgm:styleLbl>
+  <dgm:styleLbl name="fgShp">
+    <dgm:fillClrLst meth="repeat">
+      <a:schemeClr val="accent1">
+        <a:tint val="60000"/>
+      </a:schemeClr>
+    </dgm:fillClrLst>
+    <dgm:linClrLst meth="repeat">
+      <a:schemeClr val="lt1"/>
+    </dgm:linClrLst>
+    <dgm:effectClrLst/>
+    <dgm:txLinClrLst/>
+    <dgm:txFillClrLst meth="repeat">
+      <a:schemeClr val="dk1"/>
+    </dgm:txFillClrLst>
+    <dgm:txEffectClrLst/>
+  </dgm:styleLbl>
+  <dgm:styleLbl name="revTx">
+    <dgm:fillClrLst meth="repeat">
+      <a:schemeClr val="lt1">
+        <a:alpha val="0"/>
+      </a:schemeClr>
+    </dgm:fillClrLst>
+    <dgm:linClrLst meth="repeat">
+      <a:schemeClr val="dk1">
+        <a:alpha val="0"/>
+      </a:schemeClr>
+    </dgm:linClrLst>
+    <dgm:effectClrLst/>
+    <dgm:txLinClrLst/>
+    <dgm:txFillClrLst meth="repeat">
+      <a:schemeClr val="tx1"/>
+    </dgm:txFillClrLst>
+    <dgm:txEffectClrLst/>
+  </dgm:styleLbl>
+</dgm:colorsDef>
+</file>
+
 <file path=ppt/diagrams/data1.xml><?xml version="1.0" encoding="utf-8"?>
 <dgm:dataModel xmlns:dgm="http://schemas.openxmlformats.org/drawingml/2006/diagram" xmlns:a="http://schemas.openxmlformats.org/drawingml/2006/main">
   <dgm:ptLst>
@@ -4633,14 +5381,11 @@
         <a:lstStyle/>
         <a:p>
           <a:r>
-            <a:rPr lang="fr-FR" sz="700" dirty="0" smtClean="0">
+            <a:rPr lang="fr-FR" sz="700" dirty="0">
               <a:latin typeface="Arial Nova" panose="020B0504020202020204"/>
             </a:rPr>
             <a:t>Activité 1</a:t>
           </a:r>
-          <a:endParaRPr lang="fr-FR" sz="700" dirty="0">
-            <a:latin typeface="Arial Nova" panose="020B0504020202020204"/>
-          </a:endParaRPr>
         </a:p>
       </dgm:t>
     </dgm:pt>
@@ -4720,16 +5465,10 @@
         <a:lstStyle/>
         <a:p>
           <a:r>
-            <a:rPr lang="fr-FR" sz="700" dirty="0" smtClean="0">
-              <a:latin typeface="Arial Nova" panose="020B0504020202020204"/>
-            </a:rPr>
-            <a:t>Activité </a:t>
-          </a:r>
-          <a:r>
             <a:rPr lang="fr-FR" sz="700" dirty="0">
               <a:latin typeface="Arial Nova" panose="020B0504020202020204"/>
             </a:rPr>
-            <a:t>2</a:t>
+            <a:t>Activité 2</a:t>
           </a:r>
         </a:p>
       </dgm:t>
@@ -4807,16 +5546,10 @@
         <a:lstStyle/>
         <a:p>
           <a:r>
-            <a:rPr lang="fr-FR" sz="700" dirty="0" smtClean="0">
-              <a:latin typeface="Arial Nova" panose="020B0504020202020204"/>
-            </a:rPr>
-            <a:t>Activité </a:t>
-          </a:r>
-          <a:r>
             <a:rPr lang="fr-FR" sz="700" dirty="0">
               <a:latin typeface="Arial Nova" panose="020B0504020202020204"/>
             </a:rPr>
-            <a:t>3</a:t>
+            <a:t>Activité 3</a:t>
           </a:r>
         </a:p>
       </dgm:t>
@@ -4894,14 +5627,11 @@
         <a:lstStyle/>
         <a:p>
           <a:r>
-            <a:rPr lang="fr-FR" sz="700" dirty="0" smtClean="0">
+            <a:rPr lang="fr-FR" sz="700" dirty="0">
               <a:latin typeface="Arial Nova" panose="020B0504020202020204"/>
             </a:rPr>
             <a:t>Activité n</a:t>
           </a:r>
-          <a:endParaRPr lang="fr-FR" sz="700" dirty="0">
-            <a:latin typeface="Arial Nova" panose="020B0504020202020204"/>
-          </a:endParaRPr>
         </a:p>
       </dgm:t>
     </dgm:pt>
@@ -4939,14 +5669,11 @@
         <a:lstStyle/>
         <a:p>
           <a:r>
-            <a:rPr lang="fr-FR" sz="700" dirty="0" smtClean="0">
+            <a:rPr lang="fr-FR" sz="700" dirty="0">
               <a:latin typeface="Arial Nova" panose="020B0504020202020204"/>
             </a:rPr>
             <a:t>Conclusion</a:t>
           </a:r>
-          <a:endParaRPr lang="fr-FR" sz="700" dirty="0">
-            <a:latin typeface="Arial Nova" panose="020B0504020202020204"/>
-          </a:endParaRPr>
         </a:p>
       </dgm:t>
     </dgm:pt>
@@ -5062,14 +5789,11 @@
         <a:lstStyle/>
         <a:p>
           <a:r>
-            <a:rPr lang="fr-FR" sz="1200" dirty="0" smtClean="0">
+            <a:rPr lang="fr-FR" sz="1200" dirty="0">
               <a:latin typeface="Arial Nova" panose="020B0504020202020204"/>
             </a:rPr>
             <a:t>POSTER</a:t>
           </a:r>
-          <a:endParaRPr lang="fr-FR" sz="1200" dirty="0">
-            <a:latin typeface="Arial Nova" panose="020B0504020202020204"/>
-          </a:endParaRPr>
         </a:p>
       </dgm:t>
     </dgm:pt>
@@ -5108,13 +5832,6 @@
         </dgm:presLayoutVars>
       </dgm:prSet>
       <dgm:spPr/>
-      <dgm:t>
-        <a:bodyPr/>
-        <a:lstStyle/>
-        <a:p>
-          <a:endParaRPr lang="fr-FR"/>
-        </a:p>
-      </dgm:t>
     </dgm:pt>
     <dgm:pt modelId="{75F32423-9911-408A-B8A9-5D1154B5D7BF}" type="pres">
       <dgm:prSet presAssocID="{4BBBBA37-00AE-490F-BA4E-E9A756C4A0D7}" presName="tSp" presStyleCnt="0"/>
@@ -5143,13 +5860,6 @@
         </dgm:presLayoutVars>
       </dgm:prSet>
       <dgm:spPr/>
-      <dgm:t>
-        <a:bodyPr/>
-        <a:lstStyle/>
-        <a:p>
-          <a:endParaRPr lang="fr-FR"/>
-        </a:p>
-      </dgm:t>
     </dgm:pt>
     <dgm:pt modelId="{0CDE4C4E-2C62-4126-8CEE-77D153383F3B}" type="pres">
       <dgm:prSet presAssocID="{C0BBB20E-A547-490C-BFC3-F69C30C2BB85}" presName="childNode1tx" presStyleLbl="bgAcc1" presStyleIdx="0" presStyleCnt="5">
@@ -5158,13 +5868,6 @@
         </dgm:presLayoutVars>
       </dgm:prSet>
       <dgm:spPr/>
-      <dgm:t>
-        <a:bodyPr/>
-        <a:lstStyle/>
-        <a:p>
-          <a:endParaRPr lang="fr-FR"/>
-        </a:p>
-      </dgm:t>
     </dgm:pt>
     <dgm:pt modelId="{AB2A0A4B-2E62-43F5-874D-A858B18AD7BD}" type="pres">
       <dgm:prSet presAssocID="{C0BBB20E-A547-490C-BFC3-F69C30C2BB85}" presName="parentNode1" presStyleLbl="node1" presStyleIdx="0" presStyleCnt="5">
@@ -5174,13 +5877,6 @@
         </dgm:presLayoutVars>
       </dgm:prSet>
       <dgm:spPr/>
-      <dgm:t>
-        <a:bodyPr/>
-        <a:lstStyle/>
-        <a:p>
-          <a:endParaRPr lang="fr-FR"/>
-        </a:p>
-      </dgm:t>
     </dgm:pt>
     <dgm:pt modelId="{36C63541-11CA-440A-96C0-F62A9C797175}" type="pres">
       <dgm:prSet presAssocID="{C0BBB20E-A547-490C-BFC3-F69C30C2BB85}" presName="connSite1" presStyleCnt="0"/>
@@ -5189,13 +5885,6 @@
     <dgm:pt modelId="{943CED33-B477-41B6-8333-C0E815B32CCD}" type="pres">
       <dgm:prSet presAssocID="{DD1C8274-3095-435A-B7E9-C86DA96BDE64}" presName="Name9" presStyleLbl="sibTrans2D1" presStyleIdx="0" presStyleCnt="4"/>
       <dgm:spPr/>
-      <dgm:t>
-        <a:bodyPr/>
-        <a:lstStyle/>
-        <a:p>
-          <a:endParaRPr lang="fr-FR"/>
-        </a:p>
-      </dgm:t>
     </dgm:pt>
     <dgm:pt modelId="{DAE054FC-E8A5-4F66-B3DE-0F065A517B2B}" type="pres">
       <dgm:prSet presAssocID="{20F7D581-9EB2-498F-BE28-9D62195EAF83}" presName="composite2" presStyleCnt="0"/>
@@ -5212,13 +5901,6 @@
         </dgm:presLayoutVars>
       </dgm:prSet>
       <dgm:spPr/>
-      <dgm:t>
-        <a:bodyPr/>
-        <a:lstStyle/>
-        <a:p>
-          <a:endParaRPr lang="fr-FR"/>
-        </a:p>
-      </dgm:t>
     </dgm:pt>
     <dgm:pt modelId="{BCCD055F-C4D8-4E1B-AEB8-AC963578358F}" type="pres">
       <dgm:prSet presAssocID="{20F7D581-9EB2-498F-BE28-9D62195EAF83}" presName="childNode2tx" presStyleLbl="bgAcc1" presStyleIdx="1" presStyleCnt="5">
@@ -5227,13 +5909,6 @@
         </dgm:presLayoutVars>
       </dgm:prSet>
       <dgm:spPr/>
-      <dgm:t>
-        <a:bodyPr/>
-        <a:lstStyle/>
-        <a:p>
-          <a:endParaRPr lang="fr-FR"/>
-        </a:p>
-      </dgm:t>
     </dgm:pt>
     <dgm:pt modelId="{71BAD410-3299-44D0-A85A-DC3B57193168}" type="pres">
       <dgm:prSet presAssocID="{20F7D581-9EB2-498F-BE28-9D62195EAF83}" presName="parentNode2" presStyleLbl="node1" presStyleIdx="1" presStyleCnt="5">
@@ -5243,13 +5918,6 @@
         </dgm:presLayoutVars>
       </dgm:prSet>
       <dgm:spPr/>
-      <dgm:t>
-        <a:bodyPr/>
-        <a:lstStyle/>
-        <a:p>
-          <a:endParaRPr lang="fr-FR"/>
-        </a:p>
-      </dgm:t>
     </dgm:pt>
     <dgm:pt modelId="{89ADB8B3-B871-45E3-A9C2-130268780D69}" type="pres">
       <dgm:prSet presAssocID="{20F7D581-9EB2-498F-BE28-9D62195EAF83}" presName="connSite2" presStyleCnt="0"/>
@@ -5258,13 +5926,6 @@
     <dgm:pt modelId="{DC8BE73A-4F5A-421C-B33E-9320120B824C}" type="pres">
       <dgm:prSet presAssocID="{FCF39507-87BB-42FC-936E-7CB9C907446D}" presName="Name18" presStyleLbl="sibTrans2D1" presStyleIdx="1" presStyleCnt="4"/>
       <dgm:spPr/>
-      <dgm:t>
-        <a:bodyPr/>
-        <a:lstStyle/>
-        <a:p>
-          <a:endParaRPr lang="fr-FR"/>
-        </a:p>
-      </dgm:t>
     </dgm:pt>
     <dgm:pt modelId="{0643EB6C-F47F-4843-A806-EFCE9852E787}" type="pres">
       <dgm:prSet presAssocID="{928451A7-076A-4725-BC57-E98970B55362}" presName="composite1" presStyleCnt="0"/>
@@ -5281,13 +5942,6 @@
         </dgm:presLayoutVars>
       </dgm:prSet>
       <dgm:spPr/>
-      <dgm:t>
-        <a:bodyPr/>
-        <a:lstStyle/>
-        <a:p>
-          <a:endParaRPr lang="fr-FR"/>
-        </a:p>
-      </dgm:t>
     </dgm:pt>
     <dgm:pt modelId="{3B26D6A5-9D56-445C-B171-536ACA002E6A}" type="pres">
       <dgm:prSet presAssocID="{928451A7-076A-4725-BC57-E98970B55362}" presName="childNode1tx" presStyleLbl="bgAcc1" presStyleIdx="2" presStyleCnt="5">
@@ -5296,13 +5950,6 @@
         </dgm:presLayoutVars>
       </dgm:prSet>
       <dgm:spPr/>
-      <dgm:t>
-        <a:bodyPr/>
-        <a:lstStyle/>
-        <a:p>
-          <a:endParaRPr lang="fr-FR"/>
-        </a:p>
-      </dgm:t>
     </dgm:pt>
     <dgm:pt modelId="{40A8A41C-CF7A-4E88-8EA7-EAA6AFD512F6}" type="pres">
       <dgm:prSet presAssocID="{928451A7-076A-4725-BC57-E98970B55362}" presName="parentNode1" presStyleLbl="node1" presStyleIdx="2" presStyleCnt="5">
@@ -5312,13 +5959,6 @@
         </dgm:presLayoutVars>
       </dgm:prSet>
       <dgm:spPr/>
-      <dgm:t>
-        <a:bodyPr/>
-        <a:lstStyle/>
-        <a:p>
-          <a:endParaRPr lang="fr-FR"/>
-        </a:p>
-      </dgm:t>
     </dgm:pt>
     <dgm:pt modelId="{B473B88E-BDED-4B84-8518-6F2718D65E59}" type="pres">
       <dgm:prSet presAssocID="{928451A7-076A-4725-BC57-E98970B55362}" presName="connSite1" presStyleCnt="0"/>
@@ -5327,13 +5967,6 @@
     <dgm:pt modelId="{4D946BF7-5318-4B1E-AEBF-4A3CA2E290DB}" type="pres">
       <dgm:prSet presAssocID="{75637A16-730E-4452-8190-67FB3226C504}" presName="Name9" presStyleLbl="sibTrans2D1" presStyleIdx="2" presStyleCnt="4"/>
       <dgm:spPr/>
-      <dgm:t>
-        <a:bodyPr/>
-        <a:lstStyle/>
-        <a:p>
-          <a:endParaRPr lang="fr-FR"/>
-        </a:p>
-      </dgm:t>
     </dgm:pt>
     <dgm:pt modelId="{979512FD-18FE-4B5C-9D65-0C9D20754DDD}" type="pres">
       <dgm:prSet presAssocID="{9D94179C-60CB-44C9-8000-C638CC90FBCC}" presName="composite2" presStyleCnt="0"/>
@@ -5350,13 +5983,6 @@
         </dgm:presLayoutVars>
       </dgm:prSet>
       <dgm:spPr/>
-      <dgm:t>
-        <a:bodyPr/>
-        <a:lstStyle/>
-        <a:p>
-          <a:endParaRPr lang="fr-FR"/>
-        </a:p>
-      </dgm:t>
     </dgm:pt>
     <dgm:pt modelId="{0CEB224C-27D6-4E1E-B3D5-07A168A17481}" type="pres">
       <dgm:prSet presAssocID="{9D94179C-60CB-44C9-8000-C638CC90FBCC}" presName="childNode2tx" presStyleLbl="bgAcc1" presStyleIdx="3" presStyleCnt="5">
@@ -5365,13 +5991,6 @@
         </dgm:presLayoutVars>
       </dgm:prSet>
       <dgm:spPr/>
-      <dgm:t>
-        <a:bodyPr/>
-        <a:lstStyle/>
-        <a:p>
-          <a:endParaRPr lang="fr-FR"/>
-        </a:p>
-      </dgm:t>
     </dgm:pt>
     <dgm:pt modelId="{085190A6-FE74-486B-99A6-C2C9C6FC2B6B}" type="pres">
       <dgm:prSet presAssocID="{9D94179C-60CB-44C9-8000-C638CC90FBCC}" presName="parentNode2" presStyleLbl="node1" presStyleIdx="3" presStyleCnt="5">
@@ -5381,13 +6000,6 @@
         </dgm:presLayoutVars>
       </dgm:prSet>
       <dgm:spPr/>
-      <dgm:t>
-        <a:bodyPr/>
-        <a:lstStyle/>
-        <a:p>
-          <a:endParaRPr lang="fr-FR"/>
-        </a:p>
-      </dgm:t>
     </dgm:pt>
     <dgm:pt modelId="{6B793E1C-464B-41BF-BF58-D75084E9B5F0}" type="pres">
       <dgm:prSet presAssocID="{9D94179C-60CB-44C9-8000-C638CC90FBCC}" presName="connSite2" presStyleCnt="0"/>
@@ -5396,13 +6008,6 @@
     <dgm:pt modelId="{E2AA8120-67F5-4F08-808C-C2FFDEEF3762}" type="pres">
       <dgm:prSet presAssocID="{B690B119-AA95-4863-ACB5-0212ED679AB4}" presName="Name18" presStyleLbl="sibTrans2D1" presStyleIdx="3" presStyleCnt="4"/>
       <dgm:spPr/>
-      <dgm:t>
-        <a:bodyPr/>
-        <a:lstStyle/>
-        <a:p>
-          <a:endParaRPr lang="fr-FR"/>
-        </a:p>
-      </dgm:t>
     </dgm:pt>
     <dgm:pt modelId="{264659D7-04C8-42D4-B98D-4E2EE7C455D6}" type="pres">
       <dgm:prSet presAssocID="{72D19D3A-74EA-46C0-A7EF-6D3CB88BB6E7}" presName="composite1" presStyleCnt="0"/>
@@ -5419,13 +6024,6 @@
         </dgm:presLayoutVars>
       </dgm:prSet>
       <dgm:spPr/>
-      <dgm:t>
-        <a:bodyPr/>
-        <a:lstStyle/>
-        <a:p>
-          <a:endParaRPr lang="fr-FR"/>
-        </a:p>
-      </dgm:t>
     </dgm:pt>
     <dgm:pt modelId="{BCC1B419-4A07-48CE-9943-567C3025AA4B}" type="pres">
       <dgm:prSet presAssocID="{72D19D3A-74EA-46C0-A7EF-6D3CB88BB6E7}" presName="childNode1tx" presStyleLbl="bgAcc1" presStyleIdx="4" presStyleCnt="5">
@@ -5434,13 +6032,6 @@
         </dgm:presLayoutVars>
       </dgm:prSet>
       <dgm:spPr/>
-      <dgm:t>
-        <a:bodyPr/>
-        <a:lstStyle/>
-        <a:p>
-          <a:endParaRPr lang="fr-FR"/>
-        </a:p>
-      </dgm:t>
     </dgm:pt>
     <dgm:pt modelId="{1A803EBB-B33B-43CC-8CF8-F6DFA7F74C9F}" type="pres">
       <dgm:prSet presAssocID="{72D19D3A-74EA-46C0-A7EF-6D3CB88BB6E7}" presName="parentNode1" presStyleLbl="node1" presStyleIdx="4" presStyleCnt="5">
@@ -5450,13 +6041,6 @@
         </dgm:presLayoutVars>
       </dgm:prSet>
       <dgm:spPr/>
-      <dgm:t>
-        <a:bodyPr/>
-        <a:lstStyle/>
-        <a:p>
-          <a:endParaRPr lang="fr-FR"/>
-        </a:p>
-      </dgm:t>
     </dgm:pt>
     <dgm:pt modelId="{D6AC3102-16E7-4603-A29F-989E079D7077}" type="pres">
       <dgm:prSet presAssocID="{72D19D3A-74EA-46C0-A7EF-6D3CB88BB6E7}" presName="connSite1" presStyleCnt="0"/>
@@ -5464,39 +6048,39 @@
     </dgm:pt>
   </dgm:ptLst>
   <dgm:cxnLst>
+    <dgm:cxn modelId="{3228E000-8C8D-4FC1-BE09-2CB2D43274CF}" type="presOf" srcId="{20F7D581-9EB2-498F-BE28-9D62195EAF83}" destId="{71BAD410-3299-44D0-A85A-DC3B57193168}" srcOrd="0" destOrd="0" presId="urn:microsoft.com/office/officeart/2005/8/layout/hProcess4"/>
+    <dgm:cxn modelId="{E260010D-46B0-46C2-93B1-54EE897A6300}" type="presOf" srcId="{FCF39507-87BB-42FC-936E-7CB9C907446D}" destId="{DC8BE73A-4F5A-421C-B33E-9320120B824C}" srcOrd="0" destOrd="0" presId="urn:microsoft.com/office/officeart/2005/8/layout/hProcess4"/>
+    <dgm:cxn modelId="{745C2710-AEC2-4077-8999-F61D41E0B39E}" type="presOf" srcId="{C0BBB20E-A547-490C-BFC3-F69C30C2BB85}" destId="{AB2A0A4B-2E62-43F5-874D-A858B18AD7BD}" srcOrd="0" destOrd="0" presId="urn:microsoft.com/office/officeart/2005/8/layout/hProcess4"/>
+    <dgm:cxn modelId="{ECFDC616-8CDF-4EA1-BB1D-FA2DF950B96F}" srcId="{4BBBBA37-00AE-490F-BA4E-E9A756C4A0D7}" destId="{9D94179C-60CB-44C9-8000-C638CC90FBCC}" srcOrd="3" destOrd="0" parTransId="{FA25C7AC-CD09-4865-B0C2-AE65C69B976D}" sibTransId="{B690B119-AA95-4863-ACB5-0212ED679AB4}"/>
     <dgm:cxn modelId="{70FCD421-2521-424F-B9BC-061AF450C2F8}" type="presOf" srcId="{C742B16C-6774-4654-A307-2517E5970ED9}" destId="{0CDE4C4E-2C62-4126-8CEE-77D153383F3B}" srcOrd="1" destOrd="0" presId="urn:microsoft.com/office/officeart/2005/8/layout/hProcess4"/>
+    <dgm:cxn modelId="{21EEA131-555A-4801-A607-FBD385939B0A}" srcId="{928451A7-076A-4725-BC57-E98970B55362}" destId="{11F904A3-BE7E-4610-85FF-791DB76C5662}" srcOrd="0" destOrd="0" parTransId="{03E9A0DC-5904-496A-AAF6-356D4EB9E2C7}" sibTransId="{AA783ABE-4698-4A43-ACFE-2F0CA6278420}"/>
+    <dgm:cxn modelId="{94B4AD35-07BC-4BD5-BA48-4DA3352B804F}" type="presOf" srcId="{7CFCEB31-C53B-4076-9E89-71BB7C5206BB}" destId="{0CEB224C-27D6-4E1E-B3D5-07A168A17481}" srcOrd="1" destOrd="0" presId="urn:microsoft.com/office/officeart/2005/8/layout/hProcess4"/>
+    <dgm:cxn modelId="{FBF9C739-9412-4585-8F14-F4D92428BCA3}" type="presOf" srcId="{B5920376-0133-44CD-BB1B-6F53C130D637}" destId="{B8A19F94-18F6-4D00-B053-8BF08839189F}" srcOrd="0" destOrd="0" presId="urn:microsoft.com/office/officeart/2005/8/layout/hProcess4"/>
+    <dgm:cxn modelId="{864C703B-D3FC-4566-883E-42340E00BE6D}" type="presOf" srcId="{928451A7-076A-4725-BC57-E98970B55362}" destId="{40A8A41C-CF7A-4E88-8EA7-EAA6AFD512F6}" srcOrd="0" destOrd="0" presId="urn:microsoft.com/office/officeart/2005/8/layout/hProcess4"/>
+    <dgm:cxn modelId="{DCA5503C-9910-48D2-9A1B-1E06CC883971}" type="presOf" srcId="{F9F5AE11-AF97-4245-99B1-53B38E0C3108}" destId="{BCCD055F-C4D8-4E1B-AEB8-AC963578358F}" srcOrd="1" destOrd="1" presId="urn:microsoft.com/office/officeart/2005/8/layout/hProcess4"/>
+    <dgm:cxn modelId="{7897605B-DE9F-4E05-9C51-68DB082DFD61}" srcId="{4BBBBA37-00AE-490F-BA4E-E9A756C4A0D7}" destId="{72D19D3A-74EA-46C0-A7EF-6D3CB88BB6E7}" srcOrd="4" destOrd="0" parTransId="{15EE5103-8F38-442F-9D49-C6051408C59D}" sibTransId="{16A5E339-9EC9-4A04-A091-62D697819434}"/>
+    <dgm:cxn modelId="{F1B6015C-A40C-4B07-ADFF-FCCBDEF8A703}" type="presOf" srcId="{0D4AF47E-FDAB-4C77-957D-7D203EA2A551}" destId="{BCC1B419-4A07-48CE-9943-567C3025AA4B}" srcOrd="1" destOrd="0" presId="urn:microsoft.com/office/officeart/2005/8/layout/hProcess4"/>
+    <dgm:cxn modelId="{BE340D61-28A6-4E10-B4BD-309F83AE9FD8}" type="presOf" srcId="{DD1C8274-3095-435A-B7E9-C86DA96BDE64}" destId="{943CED33-B477-41B6-8333-C0E815B32CCD}" srcOrd="0" destOrd="0" presId="urn:microsoft.com/office/officeart/2005/8/layout/hProcess4"/>
+    <dgm:cxn modelId="{A743B165-EFB3-4A2B-9188-6DFA8B2E60AB}" srcId="{20F7D581-9EB2-498F-BE28-9D62195EAF83}" destId="{B5920376-0133-44CD-BB1B-6F53C130D637}" srcOrd="0" destOrd="0" parTransId="{E82A70DF-B649-4129-9355-DBF8312CF18F}" sibTransId="{73A56BD2-43C1-4062-A5A5-84091B9A63CC}"/>
+    <dgm:cxn modelId="{E683F570-DC2B-4326-9DA0-584336C8C6D6}" type="presOf" srcId="{B5920376-0133-44CD-BB1B-6F53C130D637}" destId="{BCCD055F-C4D8-4E1B-AEB8-AC963578358F}" srcOrd="1" destOrd="0" presId="urn:microsoft.com/office/officeart/2005/8/layout/hProcess4"/>
+    <dgm:cxn modelId="{C5973D72-FB08-4B00-8516-F806514B4438}" srcId="{4BBBBA37-00AE-490F-BA4E-E9A756C4A0D7}" destId="{C0BBB20E-A547-490C-BFC3-F69C30C2BB85}" srcOrd="0" destOrd="0" parTransId="{830D836F-DF80-4E41-AF3F-21CC3E8E4EF2}" sibTransId="{DD1C8274-3095-435A-B7E9-C86DA96BDE64}"/>
+    <dgm:cxn modelId="{F470FB77-2A68-4E93-A413-B72BC643C21C}" srcId="{9D94179C-60CB-44C9-8000-C638CC90FBCC}" destId="{7CFCEB31-C53B-4076-9E89-71BB7C5206BB}" srcOrd="0" destOrd="0" parTransId="{BCAA30FB-3036-4175-919A-7AC87A5DFA25}" sibTransId="{E2E05416-EBA5-4CD9-8AA3-29C25936A1EA}"/>
+    <dgm:cxn modelId="{002EAD7A-751D-4A0E-8B80-3ED2E8BF0317}" srcId="{C0BBB20E-A547-490C-BFC3-F69C30C2BB85}" destId="{C742B16C-6774-4654-A307-2517E5970ED9}" srcOrd="0" destOrd="0" parTransId="{3F79200C-09D6-4579-940A-9925FCF29974}" sibTransId="{DB0BD340-6AE9-43AB-8228-82AD980D89BF}"/>
+    <dgm:cxn modelId="{555C2B7C-EBBB-4015-9A21-9AA3BA353080}" type="presOf" srcId="{4BBBBA37-00AE-490F-BA4E-E9A756C4A0D7}" destId="{7ABD661D-07C5-4739-AE45-6E1036C01B22}" srcOrd="0" destOrd="0" presId="urn:microsoft.com/office/officeart/2005/8/layout/hProcess4"/>
+    <dgm:cxn modelId="{A2DFE587-0EFA-4CCA-B87B-94DA33352EB2}" type="presOf" srcId="{F9F5AE11-AF97-4245-99B1-53B38E0C3108}" destId="{B8A19F94-18F6-4D00-B053-8BF08839189F}" srcOrd="0" destOrd="1" presId="urn:microsoft.com/office/officeart/2005/8/layout/hProcess4"/>
+    <dgm:cxn modelId="{1497608C-9EBF-4045-B5D2-B57D8503FD29}" srcId="{4BBBBA37-00AE-490F-BA4E-E9A756C4A0D7}" destId="{20F7D581-9EB2-498F-BE28-9D62195EAF83}" srcOrd="1" destOrd="0" parTransId="{E0FBE512-C1C4-4067-A1DE-34C9E33E9EB4}" sibTransId="{FCF39507-87BB-42FC-936E-7CB9C907446D}"/>
+    <dgm:cxn modelId="{13921B92-0D4F-4CF2-B922-D250CB9F7C6D}" type="presOf" srcId="{72D19D3A-74EA-46C0-A7EF-6D3CB88BB6E7}" destId="{1A803EBB-B33B-43CC-8CF8-F6DFA7F74C9F}" srcOrd="0" destOrd="0" presId="urn:microsoft.com/office/officeart/2005/8/layout/hProcess4"/>
     <dgm:cxn modelId="{AFFF7C9B-0E77-4342-BDDF-B74DE7FEA928}" type="presOf" srcId="{C742B16C-6774-4654-A307-2517E5970ED9}" destId="{8901E0F4-0A59-4693-BCC0-AD691D9FB870}" srcOrd="0" destOrd="0" presId="urn:microsoft.com/office/officeart/2005/8/layout/hProcess4"/>
-    <dgm:cxn modelId="{94B4AD35-07BC-4BD5-BA48-4DA3352B804F}" type="presOf" srcId="{7CFCEB31-C53B-4076-9E89-71BB7C5206BB}" destId="{0CEB224C-27D6-4E1E-B3D5-07A168A17481}" srcOrd="1" destOrd="0" presId="urn:microsoft.com/office/officeart/2005/8/layout/hProcess4"/>
+    <dgm:cxn modelId="{838DFA9C-65AB-4608-A291-FF7157BB4A5F}" type="presOf" srcId="{11F904A3-BE7E-4610-85FF-791DB76C5662}" destId="{9131C415-ABC8-494A-BB4C-4189E2623C96}" srcOrd="0" destOrd="0" presId="urn:microsoft.com/office/officeart/2005/8/layout/hProcess4"/>
+    <dgm:cxn modelId="{A03A19A9-D08A-496E-94FC-7C1E2041B816}" type="presOf" srcId="{B690B119-AA95-4863-ACB5-0212ED679AB4}" destId="{E2AA8120-67F5-4F08-808C-C2FFDEEF3762}" srcOrd="0" destOrd="0" presId="urn:microsoft.com/office/officeart/2005/8/layout/hProcess4"/>
+    <dgm:cxn modelId="{839B22B2-CAF0-4A50-BE07-9D40E91536D6}" srcId="{20F7D581-9EB2-498F-BE28-9D62195EAF83}" destId="{F9F5AE11-AF97-4245-99B1-53B38E0C3108}" srcOrd="1" destOrd="0" parTransId="{0DC9D828-A9AB-4F2A-83AE-CB35FC67EA91}" sibTransId="{9498F83F-2569-4E78-864A-AF5A10617D12}"/>
+    <dgm:cxn modelId="{80D23CBD-CE2E-4319-87F9-C044F105CF34}" type="presOf" srcId="{75637A16-730E-4452-8190-67FB3226C504}" destId="{4D946BF7-5318-4B1E-AEBF-4A3CA2E290DB}" srcOrd="0" destOrd="0" presId="urn:microsoft.com/office/officeart/2005/8/layout/hProcess4"/>
+    <dgm:cxn modelId="{1A2CD6BD-4FB6-4C65-A31E-7C659272F5FF}" srcId="{4BBBBA37-00AE-490F-BA4E-E9A756C4A0D7}" destId="{928451A7-076A-4725-BC57-E98970B55362}" srcOrd="2" destOrd="0" parTransId="{605DBBC2-A198-4676-A0C6-4546B7A91B68}" sibTransId="{75637A16-730E-4452-8190-67FB3226C504}"/>
     <dgm:cxn modelId="{265C04BF-DF6E-4114-8745-FF72DB8EAE85}" type="presOf" srcId="{0D4AF47E-FDAB-4C77-957D-7D203EA2A551}" destId="{9026B45C-ADFA-45DE-A14B-1C67CDA49329}" srcOrd="0" destOrd="0" presId="urn:microsoft.com/office/officeart/2005/8/layout/hProcess4"/>
-    <dgm:cxn modelId="{13921B92-0D4F-4CF2-B922-D250CB9F7C6D}" type="presOf" srcId="{72D19D3A-74EA-46C0-A7EF-6D3CB88BB6E7}" destId="{1A803EBB-B33B-43CC-8CF8-F6DFA7F74C9F}" srcOrd="0" destOrd="0" presId="urn:microsoft.com/office/officeart/2005/8/layout/hProcess4"/>
-    <dgm:cxn modelId="{555C2B7C-EBBB-4015-9A21-9AA3BA353080}" type="presOf" srcId="{4BBBBA37-00AE-490F-BA4E-E9A756C4A0D7}" destId="{7ABD661D-07C5-4739-AE45-6E1036C01B22}" srcOrd="0" destOrd="0" presId="urn:microsoft.com/office/officeart/2005/8/layout/hProcess4"/>
-    <dgm:cxn modelId="{3228E000-8C8D-4FC1-BE09-2CB2D43274CF}" type="presOf" srcId="{20F7D581-9EB2-498F-BE28-9D62195EAF83}" destId="{71BAD410-3299-44D0-A85A-DC3B57193168}" srcOrd="0" destOrd="0" presId="urn:microsoft.com/office/officeart/2005/8/layout/hProcess4"/>
-    <dgm:cxn modelId="{21EEA131-555A-4801-A607-FBD385939B0A}" srcId="{928451A7-076A-4725-BC57-E98970B55362}" destId="{11F904A3-BE7E-4610-85FF-791DB76C5662}" srcOrd="0" destOrd="0" parTransId="{03E9A0DC-5904-496A-AAF6-356D4EB9E2C7}" sibTransId="{AA783ABE-4698-4A43-ACFE-2F0CA6278420}"/>
-    <dgm:cxn modelId="{864C703B-D3FC-4566-883E-42340E00BE6D}" type="presOf" srcId="{928451A7-076A-4725-BC57-E98970B55362}" destId="{40A8A41C-CF7A-4E88-8EA7-EAA6AFD512F6}" srcOrd="0" destOrd="0" presId="urn:microsoft.com/office/officeart/2005/8/layout/hProcess4"/>
-    <dgm:cxn modelId="{A2DFE587-0EFA-4CCA-B87B-94DA33352EB2}" type="presOf" srcId="{F9F5AE11-AF97-4245-99B1-53B38E0C3108}" destId="{B8A19F94-18F6-4D00-B053-8BF08839189F}" srcOrd="0" destOrd="1" presId="urn:microsoft.com/office/officeart/2005/8/layout/hProcess4"/>
-    <dgm:cxn modelId="{1A2CD6BD-4FB6-4C65-A31E-7C659272F5FF}" srcId="{4BBBBA37-00AE-490F-BA4E-E9A756C4A0D7}" destId="{928451A7-076A-4725-BC57-E98970B55362}" srcOrd="2" destOrd="0" parTransId="{605DBBC2-A198-4676-A0C6-4546B7A91B68}" sibTransId="{75637A16-730E-4452-8190-67FB3226C504}"/>
-    <dgm:cxn modelId="{E683F570-DC2B-4326-9DA0-584336C8C6D6}" type="presOf" srcId="{B5920376-0133-44CD-BB1B-6F53C130D637}" destId="{BCCD055F-C4D8-4E1B-AEB8-AC963578358F}" srcOrd="1" destOrd="0" presId="urn:microsoft.com/office/officeart/2005/8/layout/hProcess4"/>
+    <dgm:cxn modelId="{D17B6FC1-D9C2-4F35-8136-869ADDE06035}" srcId="{72D19D3A-74EA-46C0-A7EF-6D3CB88BB6E7}" destId="{0D4AF47E-FDAB-4C77-957D-7D203EA2A551}" srcOrd="0" destOrd="0" parTransId="{9CD69A6E-A2A3-461E-8653-B8D27DA8FB7C}" sibTransId="{0D727C4D-D6A3-41E4-AAA6-A4FD3C72ECE6}"/>
+    <dgm:cxn modelId="{F43A3FC7-6C79-41B4-B507-B5377A47A8F2}" type="presOf" srcId="{9D94179C-60CB-44C9-8000-C638CC90FBCC}" destId="{085190A6-FE74-486B-99A6-C2C9C6FC2B6B}" srcOrd="0" destOrd="0" presId="urn:microsoft.com/office/officeart/2005/8/layout/hProcess4"/>
+    <dgm:cxn modelId="{AE3814E9-6976-4CC2-90CB-4D505E6271E7}" type="presOf" srcId="{11F904A3-BE7E-4610-85FF-791DB76C5662}" destId="{3B26D6A5-9D56-445C-B171-536ACA002E6A}" srcOrd="1" destOrd="0" presId="urn:microsoft.com/office/officeart/2005/8/layout/hProcess4"/>
     <dgm:cxn modelId="{C97277EB-6F23-4658-9BD4-F8C8D1CBABDB}" type="presOf" srcId="{7CFCEB31-C53B-4076-9E89-71BB7C5206BB}" destId="{F0C2F068-CF38-425A-B33E-3FD76DFE06E5}" srcOrd="0" destOrd="0" presId="urn:microsoft.com/office/officeart/2005/8/layout/hProcess4"/>
-    <dgm:cxn modelId="{002EAD7A-751D-4A0E-8B80-3ED2E8BF0317}" srcId="{C0BBB20E-A547-490C-BFC3-F69C30C2BB85}" destId="{C742B16C-6774-4654-A307-2517E5970ED9}" srcOrd="0" destOrd="0" parTransId="{3F79200C-09D6-4579-940A-9925FCF29974}" sibTransId="{DB0BD340-6AE9-43AB-8228-82AD980D89BF}"/>
-    <dgm:cxn modelId="{80D23CBD-CE2E-4319-87F9-C044F105CF34}" type="presOf" srcId="{75637A16-730E-4452-8190-67FB3226C504}" destId="{4D946BF7-5318-4B1E-AEBF-4A3CA2E290DB}" srcOrd="0" destOrd="0" presId="urn:microsoft.com/office/officeart/2005/8/layout/hProcess4"/>
-    <dgm:cxn modelId="{E260010D-46B0-46C2-93B1-54EE897A6300}" type="presOf" srcId="{FCF39507-87BB-42FC-936E-7CB9C907446D}" destId="{DC8BE73A-4F5A-421C-B33E-9320120B824C}" srcOrd="0" destOrd="0" presId="urn:microsoft.com/office/officeart/2005/8/layout/hProcess4"/>
-    <dgm:cxn modelId="{F1B6015C-A40C-4B07-ADFF-FCCBDEF8A703}" type="presOf" srcId="{0D4AF47E-FDAB-4C77-957D-7D203EA2A551}" destId="{BCC1B419-4A07-48CE-9943-567C3025AA4B}" srcOrd="1" destOrd="0" presId="urn:microsoft.com/office/officeart/2005/8/layout/hProcess4"/>
-    <dgm:cxn modelId="{745C2710-AEC2-4077-8999-F61D41E0B39E}" type="presOf" srcId="{C0BBB20E-A547-490C-BFC3-F69C30C2BB85}" destId="{AB2A0A4B-2E62-43F5-874D-A858B18AD7BD}" srcOrd="0" destOrd="0" presId="urn:microsoft.com/office/officeart/2005/8/layout/hProcess4"/>
-    <dgm:cxn modelId="{838DFA9C-65AB-4608-A291-FF7157BB4A5F}" type="presOf" srcId="{11F904A3-BE7E-4610-85FF-791DB76C5662}" destId="{9131C415-ABC8-494A-BB4C-4189E2623C96}" srcOrd="0" destOrd="0" presId="urn:microsoft.com/office/officeart/2005/8/layout/hProcess4"/>
-    <dgm:cxn modelId="{BE340D61-28A6-4E10-B4BD-309F83AE9FD8}" type="presOf" srcId="{DD1C8274-3095-435A-B7E9-C86DA96BDE64}" destId="{943CED33-B477-41B6-8333-C0E815B32CCD}" srcOrd="0" destOrd="0" presId="urn:microsoft.com/office/officeart/2005/8/layout/hProcess4"/>
-    <dgm:cxn modelId="{839B22B2-CAF0-4A50-BE07-9D40E91536D6}" srcId="{20F7D581-9EB2-498F-BE28-9D62195EAF83}" destId="{F9F5AE11-AF97-4245-99B1-53B38E0C3108}" srcOrd="1" destOrd="0" parTransId="{0DC9D828-A9AB-4F2A-83AE-CB35FC67EA91}" sibTransId="{9498F83F-2569-4E78-864A-AF5A10617D12}"/>
-    <dgm:cxn modelId="{A03A19A9-D08A-496E-94FC-7C1E2041B816}" type="presOf" srcId="{B690B119-AA95-4863-ACB5-0212ED679AB4}" destId="{E2AA8120-67F5-4F08-808C-C2FFDEEF3762}" srcOrd="0" destOrd="0" presId="urn:microsoft.com/office/officeart/2005/8/layout/hProcess4"/>
-    <dgm:cxn modelId="{ECFDC616-8CDF-4EA1-BB1D-FA2DF950B96F}" srcId="{4BBBBA37-00AE-490F-BA4E-E9A756C4A0D7}" destId="{9D94179C-60CB-44C9-8000-C638CC90FBCC}" srcOrd="3" destOrd="0" parTransId="{FA25C7AC-CD09-4865-B0C2-AE65C69B976D}" sibTransId="{B690B119-AA95-4863-ACB5-0212ED679AB4}"/>
-    <dgm:cxn modelId="{F43A3FC7-6C79-41B4-B507-B5377A47A8F2}" type="presOf" srcId="{9D94179C-60CB-44C9-8000-C638CC90FBCC}" destId="{085190A6-FE74-486B-99A6-C2C9C6FC2B6B}" srcOrd="0" destOrd="0" presId="urn:microsoft.com/office/officeart/2005/8/layout/hProcess4"/>
-    <dgm:cxn modelId="{F470FB77-2A68-4E93-A413-B72BC643C21C}" srcId="{9D94179C-60CB-44C9-8000-C638CC90FBCC}" destId="{7CFCEB31-C53B-4076-9E89-71BB7C5206BB}" srcOrd="0" destOrd="0" parTransId="{BCAA30FB-3036-4175-919A-7AC87A5DFA25}" sibTransId="{E2E05416-EBA5-4CD9-8AA3-29C25936A1EA}"/>
-    <dgm:cxn modelId="{1497608C-9EBF-4045-B5D2-B57D8503FD29}" srcId="{4BBBBA37-00AE-490F-BA4E-E9A756C4A0D7}" destId="{20F7D581-9EB2-498F-BE28-9D62195EAF83}" srcOrd="1" destOrd="0" parTransId="{E0FBE512-C1C4-4067-A1DE-34C9E33E9EB4}" sibTransId="{FCF39507-87BB-42FC-936E-7CB9C907446D}"/>
-    <dgm:cxn modelId="{7897605B-DE9F-4E05-9C51-68DB082DFD61}" srcId="{4BBBBA37-00AE-490F-BA4E-E9A756C4A0D7}" destId="{72D19D3A-74EA-46C0-A7EF-6D3CB88BB6E7}" srcOrd="4" destOrd="0" parTransId="{15EE5103-8F38-442F-9D49-C6051408C59D}" sibTransId="{16A5E339-9EC9-4A04-A091-62D697819434}"/>
-    <dgm:cxn modelId="{C5973D72-FB08-4B00-8516-F806514B4438}" srcId="{4BBBBA37-00AE-490F-BA4E-E9A756C4A0D7}" destId="{C0BBB20E-A547-490C-BFC3-F69C30C2BB85}" srcOrd="0" destOrd="0" parTransId="{830D836F-DF80-4E41-AF3F-21CC3E8E4EF2}" sibTransId="{DD1C8274-3095-435A-B7E9-C86DA96BDE64}"/>
-    <dgm:cxn modelId="{A743B165-EFB3-4A2B-9188-6DFA8B2E60AB}" srcId="{20F7D581-9EB2-498F-BE28-9D62195EAF83}" destId="{B5920376-0133-44CD-BB1B-6F53C130D637}" srcOrd="0" destOrd="0" parTransId="{E82A70DF-B649-4129-9355-DBF8312CF18F}" sibTransId="{73A56BD2-43C1-4062-A5A5-84091B9A63CC}"/>
-    <dgm:cxn modelId="{D17B6FC1-D9C2-4F35-8136-869ADDE06035}" srcId="{72D19D3A-74EA-46C0-A7EF-6D3CB88BB6E7}" destId="{0D4AF47E-FDAB-4C77-957D-7D203EA2A551}" srcOrd="0" destOrd="0" parTransId="{9CD69A6E-A2A3-461E-8653-B8D27DA8FB7C}" sibTransId="{0D727C4D-D6A3-41E4-AAA6-A4FD3C72ECE6}"/>
-    <dgm:cxn modelId="{FBF9C739-9412-4585-8F14-F4D92428BCA3}" type="presOf" srcId="{B5920376-0133-44CD-BB1B-6F53C130D637}" destId="{B8A19F94-18F6-4D00-B053-8BF08839189F}" srcOrd="0" destOrd="0" presId="urn:microsoft.com/office/officeart/2005/8/layout/hProcess4"/>
-    <dgm:cxn modelId="{AE3814E9-6976-4CC2-90CB-4D505E6271E7}" type="presOf" srcId="{11F904A3-BE7E-4610-85FF-791DB76C5662}" destId="{3B26D6A5-9D56-445C-B171-536ACA002E6A}" srcOrd="1" destOrd="0" presId="urn:microsoft.com/office/officeart/2005/8/layout/hProcess4"/>
-    <dgm:cxn modelId="{DCA5503C-9910-48D2-9A1B-1E06CC883971}" type="presOf" srcId="{F9F5AE11-AF97-4245-99B1-53B38E0C3108}" destId="{BCCD055F-C4D8-4E1B-AEB8-AC963578358F}" srcOrd="1" destOrd="1" presId="urn:microsoft.com/office/officeart/2005/8/layout/hProcess4"/>
     <dgm:cxn modelId="{CF123FA8-86E9-4509-A8B2-836C24730797}" type="presParOf" srcId="{7ABD661D-07C5-4739-AE45-6E1036C01B22}" destId="{75F32423-9911-408A-B8A9-5D1154B5D7BF}" srcOrd="0" destOrd="0" presId="urn:microsoft.com/office/officeart/2005/8/layout/hProcess4"/>
     <dgm:cxn modelId="{8850E79F-00B9-4C54-9215-3D15B08153DD}" type="presParOf" srcId="{7ABD661D-07C5-4739-AE45-6E1036C01B22}" destId="{D241EEF2-5E0C-4DE4-A18D-25619EBD7B6F}" srcOrd="1" destOrd="0" presId="urn:microsoft.com/office/officeart/2005/8/layout/hProcess4"/>
     <dgm:cxn modelId="{1226809C-B779-4841-B727-3E10E011B6CB}" type="presParOf" srcId="{7ABD661D-07C5-4739-AE45-6E1036C01B22}" destId="{FC4CC419-9620-4012-97C5-A28BFD476CA1}" srcOrd="2" destOrd="0" presId="urn:microsoft.com/office/officeart/2005/8/layout/hProcess4"/>
@@ -6217,13 +6801,6 @@
         </dgm:presLayoutVars>
       </dgm:prSet>
       <dgm:spPr/>
-      <dgm:t>
-        <a:bodyPr/>
-        <a:lstStyle/>
-        <a:p>
-          <a:endParaRPr lang="fr-FR"/>
-        </a:p>
-      </dgm:t>
     </dgm:pt>
     <dgm:pt modelId="{75F32423-9911-408A-B8A9-5D1154B5D7BF}" type="pres">
       <dgm:prSet presAssocID="{4BBBBA37-00AE-490F-BA4E-E9A756C4A0D7}" presName="tSp" presStyleCnt="0"/>
@@ -6252,13 +6829,6 @@
         </dgm:presLayoutVars>
       </dgm:prSet>
       <dgm:spPr/>
-      <dgm:t>
-        <a:bodyPr/>
-        <a:lstStyle/>
-        <a:p>
-          <a:endParaRPr lang="fr-FR"/>
-        </a:p>
-      </dgm:t>
     </dgm:pt>
     <dgm:pt modelId="{0CDE4C4E-2C62-4126-8CEE-77D153383F3B}" type="pres">
       <dgm:prSet presAssocID="{C0BBB20E-A547-490C-BFC3-F69C30C2BB85}" presName="childNode1tx" presStyleLbl="bgAcc1" presStyleIdx="0" presStyleCnt="5">
@@ -6267,13 +6837,6 @@
         </dgm:presLayoutVars>
       </dgm:prSet>
       <dgm:spPr/>
-      <dgm:t>
-        <a:bodyPr/>
-        <a:lstStyle/>
-        <a:p>
-          <a:endParaRPr lang="fr-FR"/>
-        </a:p>
-      </dgm:t>
     </dgm:pt>
     <dgm:pt modelId="{AB2A0A4B-2E62-43F5-874D-A858B18AD7BD}" type="pres">
       <dgm:prSet presAssocID="{C0BBB20E-A547-490C-BFC3-F69C30C2BB85}" presName="parentNode1" presStyleLbl="node1" presStyleIdx="0" presStyleCnt="5">
@@ -6283,13 +6846,6 @@
         </dgm:presLayoutVars>
       </dgm:prSet>
       <dgm:spPr/>
-      <dgm:t>
-        <a:bodyPr/>
-        <a:lstStyle/>
-        <a:p>
-          <a:endParaRPr lang="fr-FR"/>
-        </a:p>
-      </dgm:t>
     </dgm:pt>
     <dgm:pt modelId="{36C63541-11CA-440A-96C0-F62A9C797175}" type="pres">
       <dgm:prSet presAssocID="{C0BBB20E-A547-490C-BFC3-F69C30C2BB85}" presName="connSite1" presStyleCnt="0"/>
@@ -6298,13 +6854,6 @@
     <dgm:pt modelId="{943CED33-B477-41B6-8333-C0E815B32CCD}" type="pres">
       <dgm:prSet presAssocID="{DD1C8274-3095-435A-B7E9-C86DA96BDE64}" presName="Name9" presStyleLbl="sibTrans2D1" presStyleIdx="0" presStyleCnt="4"/>
       <dgm:spPr/>
-      <dgm:t>
-        <a:bodyPr/>
-        <a:lstStyle/>
-        <a:p>
-          <a:endParaRPr lang="fr-FR"/>
-        </a:p>
-      </dgm:t>
     </dgm:pt>
     <dgm:pt modelId="{DAE054FC-E8A5-4F66-B3DE-0F065A517B2B}" type="pres">
       <dgm:prSet presAssocID="{20F7D581-9EB2-498F-BE28-9D62195EAF83}" presName="composite2" presStyleCnt="0"/>
@@ -6321,13 +6870,6 @@
         </dgm:presLayoutVars>
       </dgm:prSet>
       <dgm:spPr/>
-      <dgm:t>
-        <a:bodyPr/>
-        <a:lstStyle/>
-        <a:p>
-          <a:endParaRPr lang="fr-FR"/>
-        </a:p>
-      </dgm:t>
     </dgm:pt>
     <dgm:pt modelId="{BCCD055F-C4D8-4E1B-AEB8-AC963578358F}" type="pres">
       <dgm:prSet presAssocID="{20F7D581-9EB2-498F-BE28-9D62195EAF83}" presName="childNode2tx" presStyleLbl="bgAcc1" presStyleIdx="1" presStyleCnt="5">
@@ -6336,13 +6878,6 @@
         </dgm:presLayoutVars>
       </dgm:prSet>
       <dgm:spPr/>
-      <dgm:t>
-        <a:bodyPr/>
-        <a:lstStyle/>
-        <a:p>
-          <a:endParaRPr lang="fr-FR"/>
-        </a:p>
-      </dgm:t>
     </dgm:pt>
     <dgm:pt modelId="{71BAD410-3299-44D0-A85A-DC3B57193168}" type="pres">
       <dgm:prSet presAssocID="{20F7D581-9EB2-498F-BE28-9D62195EAF83}" presName="parentNode2" presStyleLbl="node1" presStyleIdx="1" presStyleCnt="5">
@@ -6352,13 +6887,6 @@
         </dgm:presLayoutVars>
       </dgm:prSet>
       <dgm:spPr/>
-      <dgm:t>
-        <a:bodyPr/>
-        <a:lstStyle/>
-        <a:p>
-          <a:endParaRPr lang="fr-FR"/>
-        </a:p>
-      </dgm:t>
     </dgm:pt>
     <dgm:pt modelId="{89ADB8B3-B871-45E3-A9C2-130268780D69}" type="pres">
       <dgm:prSet presAssocID="{20F7D581-9EB2-498F-BE28-9D62195EAF83}" presName="connSite2" presStyleCnt="0"/>
@@ -6367,13 +6895,6 @@
     <dgm:pt modelId="{DC8BE73A-4F5A-421C-B33E-9320120B824C}" type="pres">
       <dgm:prSet presAssocID="{FCF39507-87BB-42FC-936E-7CB9C907446D}" presName="Name18" presStyleLbl="sibTrans2D1" presStyleIdx="1" presStyleCnt="4"/>
       <dgm:spPr/>
-      <dgm:t>
-        <a:bodyPr/>
-        <a:lstStyle/>
-        <a:p>
-          <a:endParaRPr lang="fr-FR"/>
-        </a:p>
-      </dgm:t>
     </dgm:pt>
     <dgm:pt modelId="{0643EB6C-F47F-4843-A806-EFCE9852E787}" type="pres">
       <dgm:prSet presAssocID="{928451A7-076A-4725-BC57-E98970B55362}" presName="composite1" presStyleCnt="0"/>
@@ -6390,13 +6911,6 @@
         </dgm:presLayoutVars>
       </dgm:prSet>
       <dgm:spPr/>
-      <dgm:t>
-        <a:bodyPr/>
-        <a:lstStyle/>
-        <a:p>
-          <a:endParaRPr lang="fr-FR"/>
-        </a:p>
-      </dgm:t>
     </dgm:pt>
     <dgm:pt modelId="{3B26D6A5-9D56-445C-B171-536ACA002E6A}" type="pres">
       <dgm:prSet presAssocID="{928451A7-076A-4725-BC57-E98970B55362}" presName="childNode1tx" presStyleLbl="bgAcc1" presStyleIdx="2" presStyleCnt="5">
@@ -6405,13 +6919,6 @@
         </dgm:presLayoutVars>
       </dgm:prSet>
       <dgm:spPr/>
-      <dgm:t>
-        <a:bodyPr/>
-        <a:lstStyle/>
-        <a:p>
-          <a:endParaRPr lang="fr-FR"/>
-        </a:p>
-      </dgm:t>
     </dgm:pt>
     <dgm:pt modelId="{40A8A41C-CF7A-4E88-8EA7-EAA6AFD512F6}" type="pres">
       <dgm:prSet presAssocID="{928451A7-076A-4725-BC57-E98970B55362}" presName="parentNode1" presStyleLbl="node1" presStyleIdx="2" presStyleCnt="5">
@@ -6421,13 +6928,6 @@
         </dgm:presLayoutVars>
       </dgm:prSet>
       <dgm:spPr/>
-      <dgm:t>
-        <a:bodyPr/>
-        <a:lstStyle/>
-        <a:p>
-          <a:endParaRPr lang="fr-FR"/>
-        </a:p>
-      </dgm:t>
     </dgm:pt>
     <dgm:pt modelId="{B473B88E-BDED-4B84-8518-6F2718D65E59}" type="pres">
       <dgm:prSet presAssocID="{928451A7-076A-4725-BC57-E98970B55362}" presName="connSite1" presStyleCnt="0"/>
@@ -6436,13 +6936,6 @@
     <dgm:pt modelId="{4D946BF7-5318-4B1E-AEBF-4A3CA2E290DB}" type="pres">
       <dgm:prSet presAssocID="{75637A16-730E-4452-8190-67FB3226C504}" presName="Name9" presStyleLbl="sibTrans2D1" presStyleIdx="2" presStyleCnt="4"/>
       <dgm:spPr/>
-      <dgm:t>
-        <a:bodyPr/>
-        <a:lstStyle/>
-        <a:p>
-          <a:endParaRPr lang="fr-FR"/>
-        </a:p>
-      </dgm:t>
     </dgm:pt>
     <dgm:pt modelId="{979512FD-18FE-4B5C-9D65-0C9D20754DDD}" type="pres">
       <dgm:prSet presAssocID="{9D94179C-60CB-44C9-8000-C638CC90FBCC}" presName="composite2" presStyleCnt="0"/>
@@ -6459,13 +6952,6 @@
         </dgm:presLayoutVars>
       </dgm:prSet>
       <dgm:spPr/>
-      <dgm:t>
-        <a:bodyPr/>
-        <a:lstStyle/>
-        <a:p>
-          <a:endParaRPr lang="fr-FR"/>
-        </a:p>
-      </dgm:t>
     </dgm:pt>
     <dgm:pt modelId="{0CEB224C-27D6-4E1E-B3D5-07A168A17481}" type="pres">
       <dgm:prSet presAssocID="{9D94179C-60CB-44C9-8000-C638CC90FBCC}" presName="childNode2tx" presStyleLbl="bgAcc1" presStyleIdx="3" presStyleCnt="5">
@@ -6474,13 +6960,6 @@
         </dgm:presLayoutVars>
       </dgm:prSet>
       <dgm:spPr/>
-      <dgm:t>
-        <a:bodyPr/>
-        <a:lstStyle/>
-        <a:p>
-          <a:endParaRPr lang="fr-FR"/>
-        </a:p>
-      </dgm:t>
     </dgm:pt>
     <dgm:pt modelId="{085190A6-FE74-486B-99A6-C2C9C6FC2B6B}" type="pres">
       <dgm:prSet presAssocID="{9D94179C-60CB-44C9-8000-C638CC90FBCC}" presName="parentNode2" presStyleLbl="node1" presStyleIdx="3" presStyleCnt="5">
@@ -6490,13 +6969,6 @@
         </dgm:presLayoutVars>
       </dgm:prSet>
       <dgm:spPr/>
-      <dgm:t>
-        <a:bodyPr/>
-        <a:lstStyle/>
-        <a:p>
-          <a:endParaRPr lang="fr-FR"/>
-        </a:p>
-      </dgm:t>
     </dgm:pt>
     <dgm:pt modelId="{6B793E1C-464B-41BF-BF58-D75084E9B5F0}" type="pres">
       <dgm:prSet presAssocID="{9D94179C-60CB-44C9-8000-C638CC90FBCC}" presName="connSite2" presStyleCnt="0"/>
@@ -6505,13 +6977,6 @@
     <dgm:pt modelId="{E2AA8120-67F5-4F08-808C-C2FFDEEF3762}" type="pres">
       <dgm:prSet presAssocID="{B690B119-AA95-4863-ACB5-0212ED679AB4}" presName="Name18" presStyleLbl="sibTrans2D1" presStyleIdx="3" presStyleCnt="4"/>
       <dgm:spPr/>
-      <dgm:t>
-        <a:bodyPr/>
-        <a:lstStyle/>
-        <a:p>
-          <a:endParaRPr lang="fr-FR"/>
-        </a:p>
-      </dgm:t>
     </dgm:pt>
     <dgm:pt modelId="{264659D7-04C8-42D4-B98D-4E2EE7C455D6}" type="pres">
       <dgm:prSet presAssocID="{72D19D3A-74EA-46C0-A7EF-6D3CB88BB6E7}" presName="composite1" presStyleCnt="0"/>
@@ -6528,13 +6993,6 @@
         </dgm:presLayoutVars>
       </dgm:prSet>
       <dgm:spPr/>
-      <dgm:t>
-        <a:bodyPr/>
-        <a:lstStyle/>
-        <a:p>
-          <a:endParaRPr lang="fr-FR"/>
-        </a:p>
-      </dgm:t>
     </dgm:pt>
     <dgm:pt modelId="{BCC1B419-4A07-48CE-9943-567C3025AA4B}" type="pres">
       <dgm:prSet presAssocID="{72D19D3A-74EA-46C0-A7EF-6D3CB88BB6E7}" presName="childNode1tx" presStyleLbl="bgAcc1" presStyleIdx="4" presStyleCnt="5">
@@ -6543,13 +7001,6 @@
         </dgm:presLayoutVars>
       </dgm:prSet>
       <dgm:spPr/>
-      <dgm:t>
-        <a:bodyPr/>
-        <a:lstStyle/>
-        <a:p>
-          <a:endParaRPr lang="fr-FR"/>
-        </a:p>
-      </dgm:t>
     </dgm:pt>
     <dgm:pt modelId="{1A803EBB-B33B-43CC-8CF8-F6DFA7F74C9F}" type="pres">
       <dgm:prSet presAssocID="{72D19D3A-74EA-46C0-A7EF-6D3CB88BB6E7}" presName="parentNode1" presStyleLbl="node1" presStyleIdx="4" presStyleCnt="5">
@@ -6559,13 +7010,6 @@
         </dgm:presLayoutVars>
       </dgm:prSet>
       <dgm:spPr/>
-      <dgm:t>
-        <a:bodyPr/>
-        <a:lstStyle/>
-        <a:p>
-          <a:endParaRPr lang="fr-FR"/>
-        </a:p>
-      </dgm:t>
     </dgm:pt>
     <dgm:pt modelId="{D6AC3102-16E7-4603-A29F-989E079D7077}" type="pres">
       <dgm:prSet presAssocID="{72D19D3A-74EA-46C0-A7EF-6D3CB88BB6E7}" presName="connSite1" presStyleCnt="0"/>
@@ -6573,60 +7017,60 @@
     </dgm:pt>
   </dgm:ptLst>
   <dgm:cxnLst>
-    <dgm:cxn modelId="{AFFF7C9B-0E77-4342-BDDF-B74DE7FEA928}" type="presOf" srcId="{C742B16C-6774-4654-A307-2517E5970ED9}" destId="{8901E0F4-0A59-4693-BCC0-AD691D9FB870}" srcOrd="0" destOrd="0" presId="urn:microsoft.com/office/officeart/2005/8/layout/hProcess4"/>
-    <dgm:cxn modelId="{80D23CBD-CE2E-4319-87F9-C044F105CF34}" type="presOf" srcId="{75637A16-730E-4452-8190-67FB3226C504}" destId="{4D946BF7-5318-4B1E-AEBF-4A3CA2E290DB}" srcOrd="0" destOrd="0" presId="urn:microsoft.com/office/officeart/2005/8/layout/hProcess4"/>
+    <dgm:cxn modelId="{3228E000-8C8D-4FC1-BE09-2CB2D43274CF}" type="presOf" srcId="{20F7D581-9EB2-498F-BE28-9D62195EAF83}" destId="{71BAD410-3299-44D0-A85A-DC3B57193168}" srcOrd="0" destOrd="0" presId="urn:microsoft.com/office/officeart/2005/8/layout/hProcess4"/>
+    <dgm:cxn modelId="{E260010D-46B0-46C2-93B1-54EE897A6300}" type="presOf" srcId="{FCF39507-87BB-42FC-936E-7CB9C907446D}" destId="{DC8BE73A-4F5A-421C-B33E-9320120B824C}" srcOrd="0" destOrd="0" presId="urn:microsoft.com/office/officeart/2005/8/layout/hProcess4"/>
+    <dgm:cxn modelId="{745C2710-AEC2-4077-8999-F61D41E0B39E}" type="presOf" srcId="{C0BBB20E-A547-490C-BFC3-F69C30C2BB85}" destId="{AB2A0A4B-2E62-43F5-874D-A858B18AD7BD}" srcOrd="0" destOrd="0" presId="urn:microsoft.com/office/officeart/2005/8/layout/hProcess4"/>
+    <dgm:cxn modelId="{ECFDC616-8CDF-4EA1-BB1D-FA2DF950B96F}" srcId="{4BBBBA37-00AE-490F-BA4E-E9A756C4A0D7}" destId="{9D94179C-60CB-44C9-8000-C638CC90FBCC}" srcOrd="3" destOrd="0" parTransId="{FA25C7AC-CD09-4865-B0C2-AE65C69B976D}" sibTransId="{B690B119-AA95-4863-ACB5-0212ED679AB4}"/>
     <dgm:cxn modelId="{70FCD421-2521-424F-B9BC-061AF450C2F8}" type="presOf" srcId="{C742B16C-6774-4654-A307-2517E5970ED9}" destId="{0CDE4C4E-2C62-4126-8CEE-77D153383F3B}" srcOrd="1" destOrd="0" presId="urn:microsoft.com/office/officeart/2005/8/layout/hProcess4"/>
+    <dgm:cxn modelId="{DB37CD2A-171A-4EDF-AE2B-5E79EBACFD5B}" srcId="{928451A7-076A-4725-BC57-E98970B55362}" destId="{8DAB84D0-1232-4525-835D-427DF83AEF9C}" srcOrd="2" destOrd="0" parTransId="{66223C22-9641-4203-8CF8-F17D221D4CC1}" sibTransId="{46C6073C-0DC6-4E2E-AF22-F533CD0D8D76}"/>
+    <dgm:cxn modelId="{21EEA131-555A-4801-A607-FBD385939B0A}" srcId="{928451A7-076A-4725-BC57-E98970B55362}" destId="{11F904A3-BE7E-4610-85FF-791DB76C5662}" srcOrd="0" destOrd="0" parTransId="{03E9A0DC-5904-496A-AAF6-356D4EB9E2C7}" sibTransId="{AA783ABE-4698-4A43-ACFE-2F0CA6278420}"/>
+    <dgm:cxn modelId="{E482A634-3C45-439E-A37A-3BB451581B53}" srcId="{928451A7-076A-4725-BC57-E98970B55362}" destId="{FE9C8349-5541-4A07-AD12-86C062C0E230}" srcOrd="1" destOrd="0" parTransId="{D86E542B-235B-4FEB-8647-F7C8AADC72DD}" sibTransId="{C43EF2FA-EE72-4138-B119-3A8414090AEA}"/>
+    <dgm:cxn modelId="{94B4AD35-07BC-4BD5-BA48-4DA3352B804F}" type="presOf" srcId="{7CFCEB31-C53B-4076-9E89-71BB7C5206BB}" destId="{0CEB224C-27D6-4E1E-B3D5-07A168A17481}" srcOrd="1" destOrd="0" presId="urn:microsoft.com/office/officeart/2005/8/layout/hProcess4"/>
+    <dgm:cxn modelId="{89E90838-B3EB-4AAA-8D15-4D187ADDBC24}" srcId="{20F7D581-9EB2-498F-BE28-9D62195EAF83}" destId="{148DC79C-4EEA-43CF-BADE-659389EC8CCC}" srcOrd="1" destOrd="0" parTransId="{93F49CA4-65A7-42FD-8AC9-5CBA10152A5A}" sibTransId="{987AB886-30FC-4929-AFA2-85A0536B5275}"/>
+    <dgm:cxn modelId="{FBF9C739-9412-4585-8F14-F4D92428BCA3}" type="presOf" srcId="{B5920376-0133-44CD-BB1B-6F53C130D637}" destId="{B8A19F94-18F6-4D00-B053-8BF08839189F}" srcOrd="0" destOrd="0" presId="urn:microsoft.com/office/officeart/2005/8/layout/hProcess4"/>
+    <dgm:cxn modelId="{864C703B-D3FC-4566-883E-42340E00BE6D}" type="presOf" srcId="{928451A7-076A-4725-BC57-E98970B55362}" destId="{40A8A41C-CF7A-4E88-8EA7-EAA6AFD512F6}" srcOrd="0" destOrd="0" presId="urn:microsoft.com/office/officeart/2005/8/layout/hProcess4"/>
+    <dgm:cxn modelId="{DCA5503C-9910-48D2-9A1B-1E06CC883971}" type="presOf" srcId="{F9F5AE11-AF97-4245-99B1-53B38E0C3108}" destId="{BCCD055F-C4D8-4E1B-AEB8-AC963578358F}" srcOrd="1" destOrd="2" presId="urn:microsoft.com/office/officeart/2005/8/layout/hProcess4"/>
+    <dgm:cxn modelId="{A5BE503C-E8E6-47E1-B911-A7E285B72E93}" type="presOf" srcId="{148DC79C-4EEA-43CF-BADE-659389EC8CCC}" destId="{B8A19F94-18F6-4D00-B053-8BF08839189F}" srcOrd="0" destOrd="1" presId="urn:microsoft.com/office/officeart/2005/8/layout/hProcess4"/>
+    <dgm:cxn modelId="{7897605B-DE9F-4E05-9C51-68DB082DFD61}" srcId="{4BBBBA37-00AE-490F-BA4E-E9A756C4A0D7}" destId="{72D19D3A-74EA-46C0-A7EF-6D3CB88BB6E7}" srcOrd="4" destOrd="0" parTransId="{15EE5103-8F38-442F-9D49-C6051408C59D}" sibTransId="{16A5E339-9EC9-4A04-A091-62D697819434}"/>
+    <dgm:cxn modelId="{F1B6015C-A40C-4B07-ADFF-FCCBDEF8A703}" type="presOf" srcId="{0D4AF47E-FDAB-4C77-957D-7D203EA2A551}" destId="{BCC1B419-4A07-48CE-9943-567C3025AA4B}" srcOrd="1" destOrd="0" presId="urn:microsoft.com/office/officeart/2005/8/layout/hProcess4"/>
+    <dgm:cxn modelId="{BE340D61-28A6-4E10-B4BD-309F83AE9FD8}" type="presOf" srcId="{DD1C8274-3095-435A-B7E9-C86DA96BDE64}" destId="{943CED33-B477-41B6-8333-C0E815B32CCD}" srcOrd="0" destOrd="0" presId="urn:microsoft.com/office/officeart/2005/8/layout/hProcess4"/>
     <dgm:cxn modelId="{0ACA2444-26E0-4640-8CC7-AB33AA1DAD47}" type="presOf" srcId="{F13B1487-2412-4E08-99C9-67C2BCBDEA4A}" destId="{0CDE4C4E-2C62-4126-8CEE-77D153383F3B}" srcOrd="1" destOrd="2" presId="urn:microsoft.com/office/officeart/2005/8/layout/hProcess4"/>
-    <dgm:cxn modelId="{D17B6FC1-D9C2-4F35-8136-869ADDE06035}" srcId="{72D19D3A-74EA-46C0-A7EF-6D3CB88BB6E7}" destId="{0D4AF47E-FDAB-4C77-957D-7D203EA2A551}" srcOrd="0" destOrd="0" parTransId="{9CD69A6E-A2A3-461E-8653-B8D27DA8FB7C}" sibTransId="{0D727C4D-D6A3-41E4-AAA6-A4FD3C72ECE6}"/>
-    <dgm:cxn modelId="{8CB1F4BA-D601-4E13-A50B-3A70EAC68341}" type="presOf" srcId="{D9322475-296B-4DB3-B8CB-A37D16B0CCC5}" destId="{9026B45C-ADFA-45DE-A14B-1C67CDA49329}" srcOrd="0" destOrd="1" presId="urn:microsoft.com/office/officeart/2005/8/layout/hProcess4"/>
-    <dgm:cxn modelId="{E260010D-46B0-46C2-93B1-54EE897A6300}" type="presOf" srcId="{FCF39507-87BB-42FC-936E-7CB9C907446D}" destId="{DC8BE73A-4F5A-421C-B33E-9320120B824C}" srcOrd="0" destOrd="0" presId="urn:microsoft.com/office/officeart/2005/8/layout/hProcess4"/>
-    <dgm:cxn modelId="{C9483CCC-F04E-41A4-BC9B-839EAF8C71E4}" type="presOf" srcId="{8DAB84D0-1232-4525-835D-427DF83AEF9C}" destId="{9131C415-ABC8-494A-BB4C-4189E2623C96}" srcOrd="0" destOrd="2" presId="urn:microsoft.com/office/officeart/2005/8/layout/hProcess4"/>
-    <dgm:cxn modelId="{F43A3FC7-6C79-41B4-B507-B5377A47A8F2}" type="presOf" srcId="{9D94179C-60CB-44C9-8000-C638CC90FBCC}" destId="{085190A6-FE74-486B-99A6-C2C9C6FC2B6B}" srcOrd="0" destOrd="0" presId="urn:microsoft.com/office/officeart/2005/8/layout/hProcess4"/>
-    <dgm:cxn modelId="{A2DFE587-0EFA-4CCA-B87B-94DA33352EB2}" type="presOf" srcId="{F9F5AE11-AF97-4245-99B1-53B38E0C3108}" destId="{B8A19F94-18F6-4D00-B053-8BF08839189F}" srcOrd="0" destOrd="2" presId="urn:microsoft.com/office/officeart/2005/8/layout/hProcess4"/>
-    <dgm:cxn modelId="{A5BE503C-E8E6-47E1-B911-A7E285B72E93}" type="presOf" srcId="{148DC79C-4EEA-43CF-BADE-659389EC8CCC}" destId="{B8A19F94-18F6-4D00-B053-8BF08839189F}" srcOrd="0" destOrd="1" presId="urn:microsoft.com/office/officeart/2005/8/layout/hProcess4"/>
-    <dgm:cxn modelId="{658C8A97-82E5-4674-8ED0-64BFCCDCBEC3}" type="presOf" srcId="{8DAB84D0-1232-4525-835D-427DF83AEF9C}" destId="{3B26D6A5-9D56-445C-B171-536ACA002E6A}" srcOrd="1" destOrd="2" presId="urn:microsoft.com/office/officeart/2005/8/layout/hProcess4"/>
-    <dgm:cxn modelId="{839B22B2-CAF0-4A50-BE07-9D40E91536D6}" srcId="{20F7D581-9EB2-498F-BE28-9D62195EAF83}" destId="{F9F5AE11-AF97-4245-99B1-53B38E0C3108}" srcOrd="2" destOrd="0" parTransId="{0DC9D828-A9AB-4F2A-83AE-CB35FC67EA91}" sibTransId="{9498F83F-2569-4E78-864A-AF5A10617D12}"/>
-    <dgm:cxn modelId="{89E90838-B3EB-4AAA-8D15-4D187ADDBC24}" srcId="{20F7D581-9EB2-498F-BE28-9D62195EAF83}" destId="{148DC79C-4EEA-43CF-BADE-659389EC8CCC}" srcOrd="1" destOrd="0" parTransId="{93F49CA4-65A7-42FD-8AC9-5CBA10152A5A}" sibTransId="{987AB886-30FC-4929-AFA2-85A0536B5275}"/>
-    <dgm:cxn modelId="{7897605B-DE9F-4E05-9C51-68DB082DFD61}" srcId="{4BBBBA37-00AE-490F-BA4E-E9A756C4A0D7}" destId="{72D19D3A-74EA-46C0-A7EF-6D3CB88BB6E7}" srcOrd="4" destOrd="0" parTransId="{15EE5103-8F38-442F-9D49-C6051408C59D}" sibTransId="{16A5E339-9EC9-4A04-A091-62D697819434}"/>
+    <dgm:cxn modelId="{A743B165-EFB3-4A2B-9188-6DFA8B2E60AB}" srcId="{20F7D581-9EB2-498F-BE28-9D62195EAF83}" destId="{B5920376-0133-44CD-BB1B-6F53C130D637}" srcOrd="0" destOrd="0" parTransId="{E82A70DF-B649-4129-9355-DBF8312CF18F}" sibTransId="{73A56BD2-43C1-4062-A5A5-84091B9A63CC}"/>
+    <dgm:cxn modelId="{21B1ED67-366C-4183-8AF4-00523A5B1174}" type="presOf" srcId="{FE9C8349-5541-4A07-AD12-86C062C0E230}" destId="{9131C415-ABC8-494A-BB4C-4189E2623C96}" srcOrd="0" destOrd="1" presId="urn:microsoft.com/office/officeart/2005/8/layout/hProcess4"/>
     <dgm:cxn modelId="{C8B22B49-CC6C-4CC7-B1A3-9980D2423C47}" srcId="{C0BBB20E-A547-490C-BFC3-F69C30C2BB85}" destId="{F13B1487-2412-4E08-99C9-67C2BCBDEA4A}" srcOrd="2" destOrd="0" parTransId="{D2C1CF47-F1CF-41FD-863C-436CAB276BF5}" sibTransId="{0DA945F7-3BBA-45C9-BADE-9D9D10D8009B}"/>
-    <dgm:cxn modelId="{A03A19A9-D08A-496E-94FC-7C1E2041B816}" type="presOf" srcId="{B690B119-AA95-4863-ACB5-0212ED679AB4}" destId="{E2AA8120-67F5-4F08-808C-C2FFDEEF3762}" srcOrd="0" destOrd="0" presId="urn:microsoft.com/office/officeart/2005/8/layout/hProcess4"/>
-    <dgm:cxn modelId="{002EAD7A-751D-4A0E-8B80-3ED2E8BF0317}" srcId="{C0BBB20E-A547-490C-BFC3-F69C30C2BB85}" destId="{C742B16C-6774-4654-A307-2517E5970ED9}" srcOrd="0" destOrd="0" parTransId="{3F79200C-09D6-4579-940A-9925FCF29974}" sibTransId="{DB0BD340-6AE9-43AB-8228-82AD980D89BF}"/>
+    <dgm:cxn modelId="{A4A6564B-C371-4F9F-B066-1639325111C0}" type="presOf" srcId="{F13B1487-2412-4E08-99C9-67C2BCBDEA4A}" destId="{8901E0F4-0A59-4693-BCC0-AD691D9FB870}" srcOrd="0" destOrd="2" presId="urn:microsoft.com/office/officeart/2005/8/layout/hProcess4"/>
+    <dgm:cxn modelId="{E89FE86D-E9A0-4F12-A590-68AB9F146FB2}" type="presOf" srcId="{D9322475-296B-4DB3-B8CB-A37D16B0CCC5}" destId="{BCC1B419-4A07-48CE-9943-567C3025AA4B}" srcOrd="1" destOrd="1" presId="urn:microsoft.com/office/officeart/2005/8/layout/hProcess4"/>
+    <dgm:cxn modelId="{E683F570-DC2B-4326-9DA0-584336C8C6D6}" type="presOf" srcId="{B5920376-0133-44CD-BB1B-6F53C130D637}" destId="{BCCD055F-C4D8-4E1B-AEB8-AC963578358F}" srcOrd="1" destOrd="0" presId="urn:microsoft.com/office/officeart/2005/8/layout/hProcess4"/>
     <dgm:cxn modelId="{C5973D72-FB08-4B00-8516-F806514B4438}" srcId="{4BBBBA37-00AE-490F-BA4E-E9A756C4A0D7}" destId="{C0BBB20E-A547-490C-BFC3-F69C30C2BB85}" srcOrd="0" destOrd="0" parTransId="{830D836F-DF80-4E41-AF3F-21CC3E8E4EF2}" sibTransId="{DD1C8274-3095-435A-B7E9-C86DA96BDE64}"/>
-    <dgm:cxn modelId="{F470FB77-2A68-4E93-A413-B72BC643C21C}" srcId="{9D94179C-60CB-44C9-8000-C638CC90FBCC}" destId="{7CFCEB31-C53B-4076-9E89-71BB7C5206BB}" srcOrd="0" destOrd="0" parTransId="{BCAA30FB-3036-4175-919A-7AC87A5DFA25}" sibTransId="{E2E05416-EBA5-4CD9-8AA3-29C25936A1EA}"/>
-    <dgm:cxn modelId="{BE340D61-28A6-4E10-B4BD-309F83AE9FD8}" type="presOf" srcId="{DD1C8274-3095-435A-B7E9-C86DA96BDE64}" destId="{943CED33-B477-41B6-8333-C0E815B32CCD}" srcOrd="0" destOrd="0" presId="urn:microsoft.com/office/officeart/2005/8/layout/hProcess4"/>
-    <dgm:cxn modelId="{E683F570-DC2B-4326-9DA0-584336C8C6D6}" type="presOf" srcId="{B5920376-0133-44CD-BB1B-6F53C130D637}" destId="{BCCD055F-C4D8-4E1B-AEB8-AC963578358F}" srcOrd="1" destOrd="0" presId="urn:microsoft.com/office/officeart/2005/8/layout/hProcess4"/>
-    <dgm:cxn modelId="{D2AF2756-91EA-4946-BD2F-56B8BD2544F9}" type="presOf" srcId="{FE9C8349-5541-4A07-AD12-86C062C0E230}" destId="{3B26D6A5-9D56-445C-B171-536ACA002E6A}" srcOrd="1" destOrd="1" presId="urn:microsoft.com/office/officeart/2005/8/layout/hProcess4"/>
-    <dgm:cxn modelId="{6C1568E0-2E3D-445E-8201-5D1B60F0118D}" type="presOf" srcId="{8B357BF4-9F6B-41DA-AC00-06C721727CC4}" destId="{0CEB224C-27D6-4E1E-B3D5-07A168A17481}" srcOrd="1" destOrd="1" presId="urn:microsoft.com/office/officeart/2005/8/layout/hProcess4"/>
-    <dgm:cxn modelId="{864C703B-D3FC-4566-883E-42340E00BE6D}" type="presOf" srcId="{928451A7-076A-4725-BC57-E98970B55362}" destId="{40A8A41C-CF7A-4E88-8EA7-EAA6AFD512F6}" srcOrd="0" destOrd="0" presId="urn:microsoft.com/office/officeart/2005/8/layout/hProcess4"/>
-    <dgm:cxn modelId="{A4A6564B-C371-4F9F-B066-1639325111C0}" type="presOf" srcId="{F13B1487-2412-4E08-99C9-67C2BCBDEA4A}" destId="{8901E0F4-0A59-4693-BCC0-AD691D9FB870}" srcOrd="0" destOrd="2" presId="urn:microsoft.com/office/officeart/2005/8/layout/hProcess4"/>
-    <dgm:cxn modelId="{E482A634-3C45-439E-A37A-3BB451581B53}" srcId="{928451A7-076A-4725-BC57-E98970B55362}" destId="{FE9C8349-5541-4A07-AD12-86C062C0E230}" srcOrd="1" destOrd="0" parTransId="{D86E542B-235B-4FEB-8647-F7C8AADC72DD}" sibTransId="{C43EF2FA-EE72-4138-B119-3A8414090AEA}"/>
-    <dgm:cxn modelId="{21B1ED67-366C-4183-8AF4-00523A5B1174}" type="presOf" srcId="{FE9C8349-5541-4A07-AD12-86C062C0E230}" destId="{9131C415-ABC8-494A-BB4C-4189E2623C96}" srcOrd="0" destOrd="1" presId="urn:microsoft.com/office/officeart/2005/8/layout/hProcess4"/>
-    <dgm:cxn modelId="{1497608C-9EBF-4045-B5D2-B57D8503FD29}" srcId="{4BBBBA37-00AE-490F-BA4E-E9A756C4A0D7}" destId="{20F7D581-9EB2-498F-BE28-9D62195EAF83}" srcOrd="1" destOrd="0" parTransId="{E0FBE512-C1C4-4067-A1DE-34C9E33E9EB4}" sibTransId="{FCF39507-87BB-42FC-936E-7CB9C907446D}"/>
-    <dgm:cxn modelId="{DCA5503C-9910-48D2-9A1B-1E06CC883971}" type="presOf" srcId="{F9F5AE11-AF97-4245-99B1-53B38E0C3108}" destId="{BCCD055F-C4D8-4E1B-AEB8-AC963578358F}" srcOrd="1" destOrd="2" presId="urn:microsoft.com/office/officeart/2005/8/layout/hProcess4"/>
+    <dgm:cxn modelId="{4837E752-3F23-4D39-B139-676E4BD7D655}" srcId="{C0BBB20E-A547-490C-BFC3-F69C30C2BB85}" destId="{A8413DF9-56B9-4C60-B3CC-C6279AA9DB31}" srcOrd="1" destOrd="0" parTransId="{BFBB27DB-4F08-40E3-A64D-E6DBEFBF4140}" sibTransId="{1140EB32-5F55-4501-AE6F-0BEE35CC03BC}"/>
     <dgm:cxn modelId="{78AA7A53-A1F0-47E6-9B77-B202EA49C9D4}" type="presOf" srcId="{8B357BF4-9F6B-41DA-AC00-06C721727CC4}" destId="{F0C2F068-CF38-425A-B33E-3FD76DFE06E5}" srcOrd="0" destOrd="1" presId="urn:microsoft.com/office/officeart/2005/8/layout/hProcess4"/>
     <dgm:cxn modelId="{D0949473-B194-4546-8E86-808091D73F76}" srcId="{72D19D3A-74EA-46C0-A7EF-6D3CB88BB6E7}" destId="{D9322475-296B-4DB3-B8CB-A37D16B0CCC5}" srcOrd="1" destOrd="0" parTransId="{36777342-3451-4820-A2D9-690CFCC4EAFA}" sibTransId="{119C61CF-A5C0-4ED8-B600-C9AFDEC1C9D8}"/>
-    <dgm:cxn modelId="{DB37CD2A-171A-4EDF-AE2B-5E79EBACFD5B}" srcId="{928451A7-076A-4725-BC57-E98970B55362}" destId="{8DAB84D0-1232-4525-835D-427DF83AEF9C}" srcOrd="2" destOrd="0" parTransId="{66223C22-9641-4203-8CF8-F17D221D4CC1}" sibTransId="{46C6073C-0DC6-4E2E-AF22-F533CD0D8D76}"/>
-    <dgm:cxn modelId="{A743B165-EFB3-4A2B-9188-6DFA8B2E60AB}" srcId="{20F7D581-9EB2-498F-BE28-9D62195EAF83}" destId="{B5920376-0133-44CD-BB1B-6F53C130D637}" srcOrd="0" destOrd="0" parTransId="{E82A70DF-B649-4129-9355-DBF8312CF18F}" sibTransId="{73A56BD2-43C1-4062-A5A5-84091B9A63CC}"/>
+    <dgm:cxn modelId="{D2AF2756-91EA-4946-BD2F-56B8BD2544F9}" type="presOf" srcId="{FE9C8349-5541-4A07-AD12-86C062C0E230}" destId="{3B26D6A5-9D56-445C-B171-536ACA002E6A}" srcOrd="1" destOrd="1" presId="urn:microsoft.com/office/officeart/2005/8/layout/hProcess4"/>
+    <dgm:cxn modelId="{F470FB77-2A68-4E93-A413-B72BC643C21C}" srcId="{9D94179C-60CB-44C9-8000-C638CC90FBCC}" destId="{7CFCEB31-C53B-4076-9E89-71BB7C5206BB}" srcOrd="0" destOrd="0" parTransId="{BCAA30FB-3036-4175-919A-7AC87A5DFA25}" sibTransId="{E2E05416-EBA5-4CD9-8AA3-29C25936A1EA}"/>
+    <dgm:cxn modelId="{002EAD7A-751D-4A0E-8B80-3ED2E8BF0317}" srcId="{C0BBB20E-A547-490C-BFC3-F69C30C2BB85}" destId="{C742B16C-6774-4654-A307-2517E5970ED9}" srcOrd="0" destOrd="0" parTransId="{3F79200C-09D6-4579-940A-9925FCF29974}" sibTransId="{DB0BD340-6AE9-43AB-8228-82AD980D89BF}"/>
+    <dgm:cxn modelId="{555C2B7C-EBBB-4015-9A21-9AA3BA353080}" type="presOf" srcId="{4BBBBA37-00AE-490F-BA4E-E9A756C4A0D7}" destId="{7ABD661D-07C5-4739-AE45-6E1036C01B22}" srcOrd="0" destOrd="0" presId="urn:microsoft.com/office/officeart/2005/8/layout/hProcess4"/>
+    <dgm:cxn modelId="{A2DFE587-0EFA-4CCA-B87B-94DA33352EB2}" type="presOf" srcId="{F9F5AE11-AF97-4245-99B1-53B38E0C3108}" destId="{B8A19F94-18F6-4D00-B053-8BF08839189F}" srcOrd="0" destOrd="2" presId="urn:microsoft.com/office/officeart/2005/8/layout/hProcess4"/>
+    <dgm:cxn modelId="{1497608C-9EBF-4045-B5D2-B57D8503FD29}" srcId="{4BBBBA37-00AE-490F-BA4E-E9A756C4A0D7}" destId="{20F7D581-9EB2-498F-BE28-9D62195EAF83}" srcOrd="1" destOrd="0" parTransId="{E0FBE512-C1C4-4067-A1DE-34C9E33E9EB4}" sibTransId="{FCF39507-87BB-42FC-936E-7CB9C907446D}"/>
+    <dgm:cxn modelId="{13921B92-0D4F-4CF2-B922-D250CB9F7C6D}" type="presOf" srcId="{72D19D3A-74EA-46C0-A7EF-6D3CB88BB6E7}" destId="{1A803EBB-B33B-43CC-8CF8-F6DFA7F74C9F}" srcOrd="0" destOrd="0" presId="urn:microsoft.com/office/officeart/2005/8/layout/hProcess4"/>
+    <dgm:cxn modelId="{9FB5A393-4204-4957-8862-370D233FA313}" type="presOf" srcId="{A8413DF9-56B9-4C60-B3CC-C6279AA9DB31}" destId="{0CDE4C4E-2C62-4126-8CEE-77D153383F3B}" srcOrd="1" destOrd="1" presId="urn:microsoft.com/office/officeart/2005/8/layout/hProcess4"/>
     <dgm:cxn modelId="{E7F51A95-644E-4CCD-B975-7FB3FBC3D14D}" srcId="{9D94179C-60CB-44C9-8000-C638CC90FBCC}" destId="{8B357BF4-9F6B-41DA-AC00-06C721727CC4}" srcOrd="1" destOrd="0" parTransId="{8049E6DB-7235-46A3-9A01-D9B8825D7FBE}" sibTransId="{2FE3F632-0420-4B99-82E5-A7F74116C1F1}"/>
+    <dgm:cxn modelId="{658C8A97-82E5-4674-8ED0-64BFCCDCBEC3}" type="presOf" srcId="{8DAB84D0-1232-4525-835D-427DF83AEF9C}" destId="{3B26D6A5-9D56-445C-B171-536ACA002E6A}" srcOrd="1" destOrd="2" presId="urn:microsoft.com/office/officeart/2005/8/layout/hProcess4"/>
+    <dgm:cxn modelId="{AFFF7C9B-0E77-4342-BDDF-B74DE7FEA928}" type="presOf" srcId="{C742B16C-6774-4654-A307-2517E5970ED9}" destId="{8901E0F4-0A59-4693-BCC0-AD691D9FB870}" srcOrd="0" destOrd="0" presId="urn:microsoft.com/office/officeart/2005/8/layout/hProcess4"/>
+    <dgm:cxn modelId="{838DFA9C-65AB-4608-A291-FF7157BB4A5F}" type="presOf" srcId="{11F904A3-BE7E-4610-85FF-791DB76C5662}" destId="{9131C415-ABC8-494A-BB4C-4189E2623C96}" srcOrd="0" destOrd="0" presId="urn:microsoft.com/office/officeart/2005/8/layout/hProcess4"/>
+    <dgm:cxn modelId="{A03A19A9-D08A-496E-94FC-7C1E2041B816}" type="presOf" srcId="{B690B119-AA95-4863-ACB5-0212ED679AB4}" destId="{E2AA8120-67F5-4F08-808C-C2FFDEEF3762}" srcOrd="0" destOrd="0" presId="urn:microsoft.com/office/officeart/2005/8/layout/hProcess4"/>
+    <dgm:cxn modelId="{839B22B2-CAF0-4A50-BE07-9D40E91536D6}" srcId="{20F7D581-9EB2-498F-BE28-9D62195EAF83}" destId="{F9F5AE11-AF97-4245-99B1-53B38E0C3108}" srcOrd="2" destOrd="0" parTransId="{0DC9D828-A9AB-4F2A-83AE-CB35FC67EA91}" sibTransId="{9498F83F-2569-4E78-864A-AF5A10617D12}"/>
+    <dgm:cxn modelId="{8CB1F4BA-D601-4E13-A50B-3A70EAC68341}" type="presOf" srcId="{D9322475-296B-4DB3-B8CB-A37D16B0CCC5}" destId="{9026B45C-ADFA-45DE-A14B-1C67CDA49329}" srcOrd="0" destOrd="1" presId="urn:microsoft.com/office/officeart/2005/8/layout/hProcess4"/>
+    <dgm:cxn modelId="{80D23CBD-CE2E-4319-87F9-C044F105CF34}" type="presOf" srcId="{75637A16-730E-4452-8190-67FB3226C504}" destId="{4D946BF7-5318-4B1E-AEBF-4A3CA2E290DB}" srcOrd="0" destOrd="0" presId="urn:microsoft.com/office/officeart/2005/8/layout/hProcess4"/>
+    <dgm:cxn modelId="{95D060BD-EC9A-4CE2-A678-C20ADD6CE489}" type="presOf" srcId="{A8413DF9-56B9-4C60-B3CC-C6279AA9DB31}" destId="{8901E0F4-0A59-4693-BCC0-AD691D9FB870}" srcOrd="0" destOrd="1" presId="urn:microsoft.com/office/officeart/2005/8/layout/hProcess4"/>
+    <dgm:cxn modelId="{1A2CD6BD-4FB6-4C65-A31E-7C659272F5FF}" srcId="{4BBBBA37-00AE-490F-BA4E-E9A756C4A0D7}" destId="{928451A7-076A-4725-BC57-E98970B55362}" srcOrd="2" destOrd="0" parTransId="{605DBBC2-A198-4676-A0C6-4546B7A91B68}" sibTransId="{75637A16-730E-4452-8190-67FB3226C504}"/>
     <dgm:cxn modelId="{265C04BF-DF6E-4114-8745-FF72DB8EAE85}" type="presOf" srcId="{0D4AF47E-FDAB-4C77-957D-7D203EA2A551}" destId="{9026B45C-ADFA-45DE-A14B-1C67CDA49329}" srcOrd="0" destOrd="0" presId="urn:microsoft.com/office/officeart/2005/8/layout/hProcess4"/>
-    <dgm:cxn modelId="{555C2B7C-EBBB-4015-9A21-9AA3BA353080}" type="presOf" srcId="{4BBBBA37-00AE-490F-BA4E-E9A756C4A0D7}" destId="{7ABD661D-07C5-4739-AE45-6E1036C01B22}" srcOrd="0" destOrd="0" presId="urn:microsoft.com/office/officeart/2005/8/layout/hProcess4"/>
-    <dgm:cxn modelId="{9FB5A393-4204-4957-8862-370D233FA313}" type="presOf" srcId="{A8413DF9-56B9-4C60-B3CC-C6279AA9DB31}" destId="{0CDE4C4E-2C62-4126-8CEE-77D153383F3B}" srcOrd="1" destOrd="1" presId="urn:microsoft.com/office/officeart/2005/8/layout/hProcess4"/>
-    <dgm:cxn modelId="{13921B92-0D4F-4CF2-B922-D250CB9F7C6D}" type="presOf" srcId="{72D19D3A-74EA-46C0-A7EF-6D3CB88BB6E7}" destId="{1A803EBB-B33B-43CC-8CF8-F6DFA7F74C9F}" srcOrd="0" destOrd="0" presId="urn:microsoft.com/office/officeart/2005/8/layout/hProcess4"/>
-    <dgm:cxn modelId="{94B4AD35-07BC-4BD5-BA48-4DA3352B804F}" type="presOf" srcId="{7CFCEB31-C53B-4076-9E89-71BB7C5206BB}" destId="{0CEB224C-27D6-4E1E-B3D5-07A168A17481}" srcOrd="1" destOrd="0" presId="urn:microsoft.com/office/officeart/2005/8/layout/hProcess4"/>
-    <dgm:cxn modelId="{E89FE86D-E9A0-4F12-A590-68AB9F146FB2}" type="presOf" srcId="{D9322475-296B-4DB3-B8CB-A37D16B0CCC5}" destId="{BCC1B419-4A07-48CE-9943-567C3025AA4B}" srcOrd="1" destOrd="1" presId="urn:microsoft.com/office/officeart/2005/8/layout/hProcess4"/>
-    <dgm:cxn modelId="{4837E752-3F23-4D39-B139-676E4BD7D655}" srcId="{C0BBB20E-A547-490C-BFC3-F69C30C2BB85}" destId="{A8413DF9-56B9-4C60-B3CC-C6279AA9DB31}" srcOrd="1" destOrd="0" parTransId="{BFBB27DB-4F08-40E3-A64D-E6DBEFBF4140}" sibTransId="{1140EB32-5F55-4501-AE6F-0BEE35CC03BC}"/>
+    <dgm:cxn modelId="{D17B6FC1-D9C2-4F35-8136-869ADDE06035}" srcId="{72D19D3A-74EA-46C0-A7EF-6D3CB88BB6E7}" destId="{0D4AF47E-FDAB-4C77-957D-7D203EA2A551}" srcOrd="0" destOrd="0" parTransId="{9CD69A6E-A2A3-461E-8653-B8D27DA8FB7C}" sibTransId="{0D727C4D-D6A3-41E4-AAA6-A4FD3C72ECE6}"/>
+    <dgm:cxn modelId="{F43A3FC7-6C79-41B4-B507-B5377A47A8F2}" type="presOf" srcId="{9D94179C-60CB-44C9-8000-C638CC90FBCC}" destId="{085190A6-FE74-486B-99A6-C2C9C6FC2B6B}" srcOrd="0" destOrd="0" presId="urn:microsoft.com/office/officeart/2005/8/layout/hProcess4"/>
+    <dgm:cxn modelId="{C9483CCC-F04E-41A4-BC9B-839EAF8C71E4}" type="presOf" srcId="{8DAB84D0-1232-4525-835D-427DF83AEF9C}" destId="{9131C415-ABC8-494A-BB4C-4189E2623C96}" srcOrd="0" destOrd="2" presId="urn:microsoft.com/office/officeart/2005/8/layout/hProcess4"/>
+    <dgm:cxn modelId="{6C1568E0-2E3D-445E-8201-5D1B60F0118D}" type="presOf" srcId="{8B357BF4-9F6B-41DA-AC00-06C721727CC4}" destId="{0CEB224C-27D6-4E1E-B3D5-07A168A17481}" srcOrd="1" destOrd="1" presId="urn:microsoft.com/office/officeart/2005/8/layout/hProcess4"/>
     <dgm:cxn modelId="{AE3814E9-6976-4CC2-90CB-4D505E6271E7}" type="presOf" srcId="{11F904A3-BE7E-4610-85FF-791DB76C5662}" destId="{3B26D6A5-9D56-445C-B171-536ACA002E6A}" srcOrd="1" destOrd="0" presId="urn:microsoft.com/office/officeart/2005/8/layout/hProcess4"/>
-    <dgm:cxn modelId="{95D060BD-EC9A-4CE2-A678-C20ADD6CE489}" type="presOf" srcId="{A8413DF9-56B9-4C60-B3CC-C6279AA9DB31}" destId="{8901E0F4-0A59-4693-BCC0-AD691D9FB870}" srcOrd="0" destOrd="1" presId="urn:microsoft.com/office/officeart/2005/8/layout/hProcess4"/>
-    <dgm:cxn modelId="{F1B6015C-A40C-4B07-ADFF-FCCBDEF8A703}" type="presOf" srcId="{0D4AF47E-FDAB-4C77-957D-7D203EA2A551}" destId="{BCC1B419-4A07-48CE-9943-567C3025AA4B}" srcOrd="1" destOrd="0" presId="urn:microsoft.com/office/officeart/2005/8/layout/hProcess4"/>
-    <dgm:cxn modelId="{1A2CD6BD-4FB6-4C65-A31E-7C659272F5FF}" srcId="{4BBBBA37-00AE-490F-BA4E-E9A756C4A0D7}" destId="{928451A7-076A-4725-BC57-E98970B55362}" srcOrd="2" destOrd="0" parTransId="{605DBBC2-A198-4676-A0C6-4546B7A91B68}" sibTransId="{75637A16-730E-4452-8190-67FB3226C504}"/>
-    <dgm:cxn modelId="{745C2710-AEC2-4077-8999-F61D41E0B39E}" type="presOf" srcId="{C0BBB20E-A547-490C-BFC3-F69C30C2BB85}" destId="{AB2A0A4B-2E62-43F5-874D-A858B18AD7BD}" srcOrd="0" destOrd="0" presId="urn:microsoft.com/office/officeart/2005/8/layout/hProcess4"/>
-    <dgm:cxn modelId="{FBF9C739-9412-4585-8F14-F4D92428BCA3}" type="presOf" srcId="{B5920376-0133-44CD-BB1B-6F53C130D637}" destId="{B8A19F94-18F6-4D00-B053-8BF08839189F}" srcOrd="0" destOrd="0" presId="urn:microsoft.com/office/officeart/2005/8/layout/hProcess4"/>
-    <dgm:cxn modelId="{21EEA131-555A-4801-A607-FBD385939B0A}" srcId="{928451A7-076A-4725-BC57-E98970B55362}" destId="{11F904A3-BE7E-4610-85FF-791DB76C5662}" srcOrd="0" destOrd="0" parTransId="{03E9A0DC-5904-496A-AAF6-356D4EB9E2C7}" sibTransId="{AA783ABE-4698-4A43-ACFE-2F0CA6278420}"/>
-    <dgm:cxn modelId="{3228E000-8C8D-4FC1-BE09-2CB2D43274CF}" type="presOf" srcId="{20F7D581-9EB2-498F-BE28-9D62195EAF83}" destId="{71BAD410-3299-44D0-A85A-DC3B57193168}" srcOrd="0" destOrd="0" presId="urn:microsoft.com/office/officeart/2005/8/layout/hProcess4"/>
-    <dgm:cxn modelId="{ECFDC616-8CDF-4EA1-BB1D-FA2DF950B96F}" srcId="{4BBBBA37-00AE-490F-BA4E-E9A756C4A0D7}" destId="{9D94179C-60CB-44C9-8000-C638CC90FBCC}" srcOrd="3" destOrd="0" parTransId="{FA25C7AC-CD09-4865-B0C2-AE65C69B976D}" sibTransId="{B690B119-AA95-4863-ACB5-0212ED679AB4}"/>
+    <dgm:cxn modelId="{28055EEB-0D05-4E1C-9C09-229002861ED9}" type="presOf" srcId="{148DC79C-4EEA-43CF-BADE-659389EC8CCC}" destId="{BCCD055F-C4D8-4E1B-AEB8-AC963578358F}" srcOrd="1" destOrd="1" presId="urn:microsoft.com/office/officeart/2005/8/layout/hProcess4"/>
     <dgm:cxn modelId="{C97277EB-6F23-4658-9BD4-F8C8D1CBABDB}" type="presOf" srcId="{7CFCEB31-C53B-4076-9E89-71BB7C5206BB}" destId="{F0C2F068-CF38-425A-B33E-3FD76DFE06E5}" srcOrd="0" destOrd="0" presId="urn:microsoft.com/office/officeart/2005/8/layout/hProcess4"/>
-    <dgm:cxn modelId="{28055EEB-0D05-4E1C-9C09-229002861ED9}" type="presOf" srcId="{148DC79C-4EEA-43CF-BADE-659389EC8CCC}" destId="{BCCD055F-C4D8-4E1B-AEB8-AC963578358F}" srcOrd="1" destOrd="1" presId="urn:microsoft.com/office/officeart/2005/8/layout/hProcess4"/>
-    <dgm:cxn modelId="{838DFA9C-65AB-4608-A291-FF7157BB4A5F}" type="presOf" srcId="{11F904A3-BE7E-4610-85FF-791DB76C5662}" destId="{9131C415-ABC8-494A-BB4C-4189E2623C96}" srcOrd="0" destOrd="0" presId="urn:microsoft.com/office/officeart/2005/8/layout/hProcess4"/>
     <dgm:cxn modelId="{CF123FA8-86E9-4509-A8B2-836C24730797}" type="presParOf" srcId="{7ABD661D-07C5-4739-AE45-6E1036C01B22}" destId="{75F32423-9911-408A-B8A9-5D1154B5D7BF}" srcOrd="0" destOrd="0" presId="urn:microsoft.com/office/officeart/2005/8/layout/hProcess4"/>
     <dgm:cxn modelId="{8850E79F-00B9-4C54-9215-3D15B08153DD}" type="presParOf" srcId="{7ABD661D-07C5-4739-AE45-6E1036C01B22}" destId="{D241EEF2-5E0C-4DE4-A18D-25619EBD7B6F}" srcOrd="1" destOrd="0" presId="urn:microsoft.com/office/officeart/2005/8/layout/hProcess4"/>
     <dgm:cxn modelId="{1226809C-B779-4841-B727-3E10E011B6CB}" type="presParOf" srcId="{7ABD661D-07C5-4739-AE45-6E1036C01B22}" destId="{FC4CC419-9620-4012-97C5-A28BFD476CA1}" srcOrd="2" destOrd="0" presId="urn:microsoft.com/office/officeart/2005/8/layout/hProcess4"/>
@@ -7153,13 +7597,6 @@
         </dgm:presLayoutVars>
       </dgm:prSet>
       <dgm:spPr/>
-      <dgm:t>
-        <a:bodyPr/>
-        <a:lstStyle/>
-        <a:p>
-          <a:endParaRPr lang="fr-FR"/>
-        </a:p>
-      </dgm:t>
     </dgm:pt>
     <dgm:pt modelId="{75F32423-9911-408A-B8A9-5D1154B5D7BF}" type="pres">
       <dgm:prSet presAssocID="{4BBBBA37-00AE-490F-BA4E-E9A756C4A0D7}" presName="tSp" presStyleCnt="0"/>
@@ -7188,13 +7625,6 @@
         </dgm:presLayoutVars>
       </dgm:prSet>
       <dgm:spPr/>
-      <dgm:t>
-        <a:bodyPr/>
-        <a:lstStyle/>
-        <a:p>
-          <a:endParaRPr lang="fr-FR"/>
-        </a:p>
-      </dgm:t>
     </dgm:pt>
     <dgm:pt modelId="{0CDE4C4E-2C62-4126-8CEE-77D153383F3B}" type="pres">
       <dgm:prSet presAssocID="{C0BBB20E-A547-490C-BFC3-F69C30C2BB85}" presName="childNode1tx" presStyleLbl="bgAcc1" presStyleIdx="0" presStyleCnt="5">
@@ -7203,13 +7633,6 @@
         </dgm:presLayoutVars>
       </dgm:prSet>
       <dgm:spPr/>
-      <dgm:t>
-        <a:bodyPr/>
-        <a:lstStyle/>
-        <a:p>
-          <a:endParaRPr lang="fr-FR"/>
-        </a:p>
-      </dgm:t>
     </dgm:pt>
     <dgm:pt modelId="{AB2A0A4B-2E62-43F5-874D-A858B18AD7BD}" type="pres">
       <dgm:prSet presAssocID="{C0BBB20E-A547-490C-BFC3-F69C30C2BB85}" presName="parentNode1" presStyleLbl="node1" presStyleIdx="0" presStyleCnt="5">
@@ -7219,13 +7642,6 @@
         </dgm:presLayoutVars>
       </dgm:prSet>
       <dgm:spPr/>
-      <dgm:t>
-        <a:bodyPr/>
-        <a:lstStyle/>
-        <a:p>
-          <a:endParaRPr lang="fr-FR"/>
-        </a:p>
-      </dgm:t>
     </dgm:pt>
     <dgm:pt modelId="{36C63541-11CA-440A-96C0-F62A9C797175}" type="pres">
       <dgm:prSet presAssocID="{C0BBB20E-A547-490C-BFC3-F69C30C2BB85}" presName="connSite1" presStyleCnt="0"/>
@@ -7234,13 +7650,6 @@
     <dgm:pt modelId="{943CED33-B477-41B6-8333-C0E815B32CCD}" type="pres">
       <dgm:prSet presAssocID="{DD1C8274-3095-435A-B7E9-C86DA96BDE64}" presName="Name9" presStyleLbl="sibTrans2D1" presStyleIdx="0" presStyleCnt="4"/>
       <dgm:spPr/>
-      <dgm:t>
-        <a:bodyPr/>
-        <a:lstStyle/>
-        <a:p>
-          <a:endParaRPr lang="fr-FR"/>
-        </a:p>
-      </dgm:t>
     </dgm:pt>
     <dgm:pt modelId="{DAE054FC-E8A5-4F66-B3DE-0F065A517B2B}" type="pres">
       <dgm:prSet presAssocID="{20F7D581-9EB2-498F-BE28-9D62195EAF83}" presName="composite2" presStyleCnt="0"/>
@@ -7257,13 +7666,6 @@
         </dgm:presLayoutVars>
       </dgm:prSet>
       <dgm:spPr/>
-      <dgm:t>
-        <a:bodyPr/>
-        <a:lstStyle/>
-        <a:p>
-          <a:endParaRPr lang="fr-FR"/>
-        </a:p>
-      </dgm:t>
     </dgm:pt>
     <dgm:pt modelId="{BCCD055F-C4D8-4E1B-AEB8-AC963578358F}" type="pres">
       <dgm:prSet presAssocID="{20F7D581-9EB2-498F-BE28-9D62195EAF83}" presName="childNode2tx" presStyleLbl="bgAcc1" presStyleIdx="1" presStyleCnt="5">
@@ -7272,13 +7674,6 @@
         </dgm:presLayoutVars>
       </dgm:prSet>
       <dgm:spPr/>
-      <dgm:t>
-        <a:bodyPr/>
-        <a:lstStyle/>
-        <a:p>
-          <a:endParaRPr lang="fr-FR"/>
-        </a:p>
-      </dgm:t>
     </dgm:pt>
     <dgm:pt modelId="{71BAD410-3299-44D0-A85A-DC3B57193168}" type="pres">
       <dgm:prSet presAssocID="{20F7D581-9EB2-498F-BE28-9D62195EAF83}" presName="parentNode2" presStyleLbl="node1" presStyleIdx="1" presStyleCnt="5">
@@ -7288,13 +7683,6 @@
         </dgm:presLayoutVars>
       </dgm:prSet>
       <dgm:spPr/>
-      <dgm:t>
-        <a:bodyPr/>
-        <a:lstStyle/>
-        <a:p>
-          <a:endParaRPr lang="fr-FR"/>
-        </a:p>
-      </dgm:t>
     </dgm:pt>
     <dgm:pt modelId="{89ADB8B3-B871-45E3-A9C2-130268780D69}" type="pres">
       <dgm:prSet presAssocID="{20F7D581-9EB2-498F-BE28-9D62195EAF83}" presName="connSite2" presStyleCnt="0"/>
@@ -7303,13 +7691,6 @@
     <dgm:pt modelId="{DC8BE73A-4F5A-421C-B33E-9320120B824C}" type="pres">
       <dgm:prSet presAssocID="{FCF39507-87BB-42FC-936E-7CB9C907446D}" presName="Name18" presStyleLbl="sibTrans2D1" presStyleIdx="1" presStyleCnt="4"/>
       <dgm:spPr/>
-      <dgm:t>
-        <a:bodyPr/>
-        <a:lstStyle/>
-        <a:p>
-          <a:endParaRPr lang="fr-FR"/>
-        </a:p>
-      </dgm:t>
     </dgm:pt>
     <dgm:pt modelId="{0643EB6C-F47F-4843-A806-EFCE9852E787}" type="pres">
       <dgm:prSet presAssocID="{928451A7-076A-4725-BC57-E98970B55362}" presName="composite1" presStyleCnt="0"/>
@@ -7326,13 +7707,6 @@
         </dgm:presLayoutVars>
       </dgm:prSet>
       <dgm:spPr/>
-      <dgm:t>
-        <a:bodyPr/>
-        <a:lstStyle/>
-        <a:p>
-          <a:endParaRPr lang="fr-FR"/>
-        </a:p>
-      </dgm:t>
     </dgm:pt>
     <dgm:pt modelId="{3B26D6A5-9D56-445C-B171-536ACA002E6A}" type="pres">
       <dgm:prSet presAssocID="{928451A7-076A-4725-BC57-E98970B55362}" presName="childNode1tx" presStyleLbl="bgAcc1" presStyleIdx="2" presStyleCnt="5">
@@ -7341,13 +7715,6 @@
         </dgm:presLayoutVars>
       </dgm:prSet>
       <dgm:spPr/>
-      <dgm:t>
-        <a:bodyPr/>
-        <a:lstStyle/>
-        <a:p>
-          <a:endParaRPr lang="fr-FR"/>
-        </a:p>
-      </dgm:t>
     </dgm:pt>
     <dgm:pt modelId="{40A8A41C-CF7A-4E88-8EA7-EAA6AFD512F6}" type="pres">
       <dgm:prSet presAssocID="{928451A7-076A-4725-BC57-E98970B55362}" presName="parentNode1" presStyleLbl="node1" presStyleIdx="2" presStyleCnt="5">
@@ -7357,13 +7724,6 @@
         </dgm:presLayoutVars>
       </dgm:prSet>
       <dgm:spPr/>
-      <dgm:t>
-        <a:bodyPr/>
-        <a:lstStyle/>
-        <a:p>
-          <a:endParaRPr lang="fr-FR"/>
-        </a:p>
-      </dgm:t>
     </dgm:pt>
     <dgm:pt modelId="{B473B88E-BDED-4B84-8518-6F2718D65E59}" type="pres">
       <dgm:prSet presAssocID="{928451A7-076A-4725-BC57-E98970B55362}" presName="connSite1" presStyleCnt="0"/>
@@ -7372,13 +7732,6 @@
     <dgm:pt modelId="{4D946BF7-5318-4B1E-AEBF-4A3CA2E290DB}" type="pres">
       <dgm:prSet presAssocID="{75637A16-730E-4452-8190-67FB3226C504}" presName="Name9" presStyleLbl="sibTrans2D1" presStyleIdx="2" presStyleCnt="4"/>
       <dgm:spPr/>
-      <dgm:t>
-        <a:bodyPr/>
-        <a:lstStyle/>
-        <a:p>
-          <a:endParaRPr lang="fr-FR"/>
-        </a:p>
-      </dgm:t>
     </dgm:pt>
     <dgm:pt modelId="{979512FD-18FE-4B5C-9D65-0C9D20754DDD}" type="pres">
       <dgm:prSet presAssocID="{9D94179C-60CB-44C9-8000-C638CC90FBCC}" presName="composite2" presStyleCnt="0"/>
@@ -7395,13 +7748,6 @@
         </dgm:presLayoutVars>
       </dgm:prSet>
       <dgm:spPr/>
-      <dgm:t>
-        <a:bodyPr/>
-        <a:lstStyle/>
-        <a:p>
-          <a:endParaRPr lang="fr-FR"/>
-        </a:p>
-      </dgm:t>
     </dgm:pt>
     <dgm:pt modelId="{0CEB224C-27D6-4E1E-B3D5-07A168A17481}" type="pres">
       <dgm:prSet presAssocID="{9D94179C-60CB-44C9-8000-C638CC90FBCC}" presName="childNode2tx" presStyleLbl="bgAcc1" presStyleIdx="3" presStyleCnt="5">
@@ -7410,13 +7756,6 @@
         </dgm:presLayoutVars>
       </dgm:prSet>
       <dgm:spPr/>
-      <dgm:t>
-        <a:bodyPr/>
-        <a:lstStyle/>
-        <a:p>
-          <a:endParaRPr lang="fr-FR"/>
-        </a:p>
-      </dgm:t>
     </dgm:pt>
     <dgm:pt modelId="{085190A6-FE74-486B-99A6-C2C9C6FC2B6B}" type="pres">
       <dgm:prSet presAssocID="{9D94179C-60CB-44C9-8000-C638CC90FBCC}" presName="parentNode2" presStyleLbl="node1" presStyleIdx="3" presStyleCnt="5">
@@ -7426,13 +7765,6 @@
         </dgm:presLayoutVars>
       </dgm:prSet>
       <dgm:spPr/>
-      <dgm:t>
-        <a:bodyPr/>
-        <a:lstStyle/>
-        <a:p>
-          <a:endParaRPr lang="fr-FR"/>
-        </a:p>
-      </dgm:t>
     </dgm:pt>
     <dgm:pt modelId="{6B793E1C-464B-41BF-BF58-D75084E9B5F0}" type="pres">
       <dgm:prSet presAssocID="{9D94179C-60CB-44C9-8000-C638CC90FBCC}" presName="connSite2" presStyleCnt="0"/>
@@ -7441,13 +7773,6 @@
     <dgm:pt modelId="{E2AA8120-67F5-4F08-808C-C2FFDEEF3762}" type="pres">
       <dgm:prSet presAssocID="{B690B119-AA95-4863-ACB5-0212ED679AB4}" presName="Name18" presStyleLbl="sibTrans2D1" presStyleIdx="3" presStyleCnt="4"/>
       <dgm:spPr/>
-      <dgm:t>
-        <a:bodyPr/>
-        <a:lstStyle/>
-        <a:p>
-          <a:endParaRPr lang="fr-FR"/>
-        </a:p>
-      </dgm:t>
     </dgm:pt>
     <dgm:pt modelId="{264659D7-04C8-42D4-B98D-4E2EE7C455D6}" type="pres">
       <dgm:prSet presAssocID="{72D19D3A-74EA-46C0-A7EF-6D3CB88BB6E7}" presName="composite1" presStyleCnt="0"/>
@@ -7464,13 +7789,6 @@
         </dgm:presLayoutVars>
       </dgm:prSet>
       <dgm:spPr/>
-      <dgm:t>
-        <a:bodyPr/>
-        <a:lstStyle/>
-        <a:p>
-          <a:endParaRPr lang="fr-FR"/>
-        </a:p>
-      </dgm:t>
     </dgm:pt>
     <dgm:pt modelId="{BCC1B419-4A07-48CE-9943-567C3025AA4B}" type="pres">
       <dgm:prSet presAssocID="{72D19D3A-74EA-46C0-A7EF-6D3CB88BB6E7}" presName="childNode1tx" presStyleLbl="bgAcc1" presStyleIdx="4" presStyleCnt="5">
@@ -7479,13 +7797,6 @@
         </dgm:presLayoutVars>
       </dgm:prSet>
       <dgm:spPr/>
-      <dgm:t>
-        <a:bodyPr/>
-        <a:lstStyle/>
-        <a:p>
-          <a:endParaRPr lang="fr-FR"/>
-        </a:p>
-      </dgm:t>
     </dgm:pt>
     <dgm:pt modelId="{1A803EBB-B33B-43CC-8CF8-F6DFA7F74C9F}" type="pres">
       <dgm:prSet presAssocID="{72D19D3A-74EA-46C0-A7EF-6D3CB88BB6E7}" presName="parentNode1" presStyleLbl="node1" presStyleIdx="4" presStyleCnt="5">
@@ -7495,13 +7806,6 @@
         </dgm:presLayoutVars>
       </dgm:prSet>
       <dgm:spPr/>
-      <dgm:t>
-        <a:bodyPr/>
-        <a:lstStyle/>
-        <a:p>
-          <a:endParaRPr lang="fr-FR"/>
-        </a:p>
-      </dgm:t>
     </dgm:pt>
     <dgm:pt modelId="{D6AC3102-16E7-4603-A29F-989E079D7077}" type="pres">
       <dgm:prSet presAssocID="{72D19D3A-74EA-46C0-A7EF-6D3CB88BB6E7}" presName="connSite1" presStyleCnt="0"/>
@@ -7509,39 +7813,39 @@
     </dgm:pt>
   </dgm:ptLst>
   <dgm:cxnLst>
+    <dgm:cxn modelId="{3228E000-8C8D-4FC1-BE09-2CB2D43274CF}" type="presOf" srcId="{20F7D581-9EB2-498F-BE28-9D62195EAF83}" destId="{71BAD410-3299-44D0-A85A-DC3B57193168}" srcOrd="0" destOrd="0" presId="urn:microsoft.com/office/officeart/2005/8/layout/hProcess4"/>
+    <dgm:cxn modelId="{E260010D-46B0-46C2-93B1-54EE897A6300}" type="presOf" srcId="{FCF39507-87BB-42FC-936E-7CB9C907446D}" destId="{DC8BE73A-4F5A-421C-B33E-9320120B824C}" srcOrd="0" destOrd="0" presId="urn:microsoft.com/office/officeart/2005/8/layout/hProcess4"/>
+    <dgm:cxn modelId="{745C2710-AEC2-4077-8999-F61D41E0B39E}" type="presOf" srcId="{C0BBB20E-A547-490C-BFC3-F69C30C2BB85}" destId="{AB2A0A4B-2E62-43F5-874D-A858B18AD7BD}" srcOrd="0" destOrd="0" presId="urn:microsoft.com/office/officeart/2005/8/layout/hProcess4"/>
+    <dgm:cxn modelId="{ECFDC616-8CDF-4EA1-BB1D-FA2DF950B96F}" srcId="{4BBBBA37-00AE-490F-BA4E-E9A756C4A0D7}" destId="{9D94179C-60CB-44C9-8000-C638CC90FBCC}" srcOrd="3" destOrd="0" parTransId="{FA25C7AC-CD09-4865-B0C2-AE65C69B976D}" sibTransId="{B690B119-AA95-4863-ACB5-0212ED679AB4}"/>
     <dgm:cxn modelId="{70FCD421-2521-424F-B9BC-061AF450C2F8}" type="presOf" srcId="{C742B16C-6774-4654-A307-2517E5970ED9}" destId="{0CDE4C4E-2C62-4126-8CEE-77D153383F3B}" srcOrd="1" destOrd="0" presId="urn:microsoft.com/office/officeart/2005/8/layout/hProcess4"/>
+    <dgm:cxn modelId="{21EEA131-555A-4801-A607-FBD385939B0A}" srcId="{928451A7-076A-4725-BC57-E98970B55362}" destId="{11F904A3-BE7E-4610-85FF-791DB76C5662}" srcOrd="0" destOrd="0" parTransId="{03E9A0DC-5904-496A-AAF6-356D4EB9E2C7}" sibTransId="{AA783ABE-4698-4A43-ACFE-2F0CA6278420}"/>
+    <dgm:cxn modelId="{94B4AD35-07BC-4BD5-BA48-4DA3352B804F}" type="presOf" srcId="{7CFCEB31-C53B-4076-9E89-71BB7C5206BB}" destId="{0CEB224C-27D6-4E1E-B3D5-07A168A17481}" srcOrd="1" destOrd="0" presId="urn:microsoft.com/office/officeart/2005/8/layout/hProcess4"/>
+    <dgm:cxn modelId="{FBF9C739-9412-4585-8F14-F4D92428BCA3}" type="presOf" srcId="{B5920376-0133-44CD-BB1B-6F53C130D637}" destId="{B8A19F94-18F6-4D00-B053-8BF08839189F}" srcOrd="0" destOrd="0" presId="urn:microsoft.com/office/officeart/2005/8/layout/hProcess4"/>
+    <dgm:cxn modelId="{864C703B-D3FC-4566-883E-42340E00BE6D}" type="presOf" srcId="{928451A7-076A-4725-BC57-E98970B55362}" destId="{40A8A41C-CF7A-4E88-8EA7-EAA6AFD512F6}" srcOrd="0" destOrd="0" presId="urn:microsoft.com/office/officeart/2005/8/layout/hProcess4"/>
+    <dgm:cxn modelId="{DCA5503C-9910-48D2-9A1B-1E06CC883971}" type="presOf" srcId="{F9F5AE11-AF97-4245-99B1-53B38E0C3108}" destId="{BCCD055F-C4D8-4E1B-AEB8-AC963578358F}" srcOrd="1" destOrd="1" presId="urn:microsoft.com/office/officeart/2005/8/layout/hProcess4"/>
+    <dgm:cxn modelId="{7897605B-DE9F-4E05-9C51-68DB082DFD61}" srcId="{4BBBBA37-00AE-490F-BA4E-E9A756C4A0D7}" destId="{72D19D3A-74EA-46C0-A7EF-6D3CB88BB6E7}" srcOrd="4" destOrd="0" parTransId="{15EE5103-8F38-442F-9D49-C6051408C59D}" sibTransId="{16A5E339-9EC9-4A04-A091-62D697819434}"/>
+    <dgm:cxn modelId="{F1B6015C-A40C-4B07-ADFF-FCCBDEF8A703}" type="presOf" srcId="{0D4AF47E-FDAB-4C77-957D-7D203EA2A551}" destId="{BCC1B419-4A07-48CE-9943-567C3025AA4B}" srcOrd="1" destOrd="0" presId="urn:microsoft.com/office/officeart/2005/8/layout/hProcess4"/>
+    <dgm:cxn modelId="{BE340D61-28A6-4E10-B4BD-309F83AE9FD8}" type="presOf" srcId="{DD1C8274-3095-435A-B7E9-C86DA96BDE64}" destId="{943CED33-B477-41B6-8333-C0E815B32CCD}" srcOrd="0" destOrd="0" presId="urn:microsoft.com/office/officeart/2005/8/layout/hProcess4"/>
+    <dgm:cxn modelId="{A743B165-EFB3-4A2B-9188-6DFA8B2E60AB}" srcId="{20F7D581-9EB2-498F-BE28-9D62195EAF83}" destId="{B5920376-0133-44CD-BB1B-6F53C130D637}" srcOrd="0" destOrd="0" parTransId="{E82A70DF-B649-4129-9355-DBF8312CF18F}" sibTransId="{73A56BD2-43C1-4062-A5A5-84091B9A63CC}"/>
+    <dgm:cxn modelId="{E683F570-DC2B-4326-9DA0-584336C8C6D6}" type="presOf" srcId="{B5920376-0133-44CD-BB1B-6F53C130D637}" destId="{BCCD055F-C4D8-4E1B-AEB8-AC963578358F}" srcOrd="1" destOrd="0" presId="urn:microsoft.com/office/officeart/2005/8/layout/hProcess4"/>
+    <dgm:cxn modelId="{C5973D72-FB08-4B00-8516-F806514B4438}" srcId="{4BBBBA37-00AE-490F-BA4E-E9A756C4A0D7}" destId="{C0BBB20E-A547-490C-BFC3-F69C30C2BB85}" srcOrd="0" destOrd="0" parTransId="{830D836F-DF80-4E41-AF3F-21CC3E8E4EF2}" sibTransId="{DD1C8274-3095-435A-B7E9-C86DA96BDE64}"/>
+    <dgm:cxn modelId="{F470FB77-2A68-4E93-A413-B72BC643C21C}" srcId="{9D94179C-60CB-44C9-8000-C638CC90FBCC}" destId="{7CFCEB31-C53B-4076-9E89-71BB7C5206BB}" srcOrd="0" destOrd="0" parTransId="{BCAA30FB-3036-4175-919A-7AC87A5DFA25}" sibTransId="{E2E05416-EBA5-4CD9-8AA3-29C25936A1EA}"/>
+    <dgm:cxn modelId="{002EAD7A-751D-4A0E-8B80-3ED2E8BF0317}" srcId="{C0BBB20E-A547-490C-BFC3-F69C30C2BB85}" destId="{C742B16C-6774-4654-A307-2517E5970ED9}" srcOrd="0" destOrd="0" parTransId="{3F79200C-09D6-4579-940A-9925FCF29974}" sibTransId="{DB0BD340-6AE9-43AB-8228-82AD980D89BF}"/>
+    <dgm:cxn modelId="{555C2B7C-EBBB-4015-9A21-9AA3BA353080}" type="presOf" srcId="{4BBBBA37-00AE-490F-BA4E-E9A756C4A0D7}" destId="{7ABD661D-07C5-4739-AE45-6E1036C01B22}" srcOrd="0" destOrd="0" presId="urn:microsoft.com/office/officeart/2005/8/layout/hProcess4"/>
+    <dgm:cxn modelId="{A2DFE587-0EFA-4CCA-B87B-94DA33352EB2}" type="presOf" srcId="{F9F5AE11-AF97-4245-99B1-53B38E0C3108}" destId="{B8A19F94-18F6-4D00-B053-8BF08839189F}" srcOrd="0" destOrd="1" presId="urn:microsoft.com/office/officeart/2005/8/layout/hProcess4"/>
+    <dgm:cxn modelId="{1497608C-9EBF-4045-B5D2-B57D8503FD29}" srcId="{4BBBBA37-00AE-490F-BA4E-E9A756C4A0D7}" destId="{20F7D581-9EB2-498F-BE28-9D62195EAF83}" srcOrd="1" destOrd="0" parTransId="{E0FBE512-C1C4-4067-A1DE-34C9E33E9EB4}" sibTransId="{FCF39507-87BB-42FC-936E-7CB9C907446D}"/>
+    <dgm:cxn modelId="{13921B92-0D4F-4CF2-B922-D250CB9F7C6D}" type="presOf" srcId="{72D19D3A-74EA-46C0-A7EF-6D3CB88BB6E7}" destId="{1A803EBB-B33B-43CC-8CF8-F6DFA7F74C9F}" srcOrd="0" destOrd="0" presId="urn:microsoft.com/office/officeart/2005/8/layout/hProcess4"/>
     <dgm:cxn modelId="{AFFF7C9B-0E77-4342-BDDF-B74DE7FEA928}" type="presOf" srcId="{C742B16C-6774-4654-A307-2517E5970ED9}" destId="{8901E0F4-0A59-4693-BCC0-AD691D9FB870}" srcOrd="0" destOrd="0" presId="urn:microsoft.com/office/officeart/2005/8/layout/hProcess4"/>
-    <dgm:cxn modelId="{94B4AD35-07BC-4BD5-BA48-4DA3352B804F}" type="presOf" srcId="{7CFCEB31-C53B-4076-9E89-71BB7C5206BB}" destId="{0CEB224C-27D6-4E1E-B3D5-07A168A17481}" srcOrd="1" destOrd="0" presId="urn:microsoft.com/office/officeart/2005/8/layout/hProcess4"/>
+    <dgm:cxn modelId="{838DFA9C-65AB-4608-A291-FF7157BB4A5F}" type="presOf" srcId="{11F904A3-BE7E-4610-85FF-791DB76C5662}" destId="{9131C415-ABC8-494A-BB4C-4189E2623C96}" srcOrd="0" destOrd="0" presId="urn:microsoft.com/office/officeart/2005/8/layout/hProcess4"/>
+    <dgm:cxn modelId="{A03A19A9-D08A-496E-94FC-7C1E2041B816}" type="presOf" srcId="{B690B119-AA95-4863-ACB5-0212ED679AB4}" destId="{E2AA8120-67F5-4F08-808C-C2FFDEEF3762}" srcOrd="0" destOrd="0" presId="urn:microsoft.com/office/officeart/2005/8/layout/hProcess4"/>
+    <dgm:cxn modelId="{839B22B2-CAF0-4A50-BE07-9D40E91536D6}" srcId="{20F7D581-9EB2-498F-BE28-9D62195EAF83}" destId="{F9F5AE11-AF97-4245-99B1-53B38E0C3108}" srcOrd="1" destOrd="0" parTransId="{0DC9D828-A9AB-4F2A-83AE-CB35FC67EA91}" sibTransId="{9498F83F-2569-4E78-864A-AF5A10617D12}"/>
+    <dgm:cxn modelId="{80D23CBD-CE2E-4319-87F9-C044F105CF34}" type="presOf" srcId="{75637A16-730E-4452-8190-67FB3226C504}" destId="{4D946BF7-5318-4B1E-AEBF-4A3CA2E290DB}" srcOrd="0" destOrd="0" presId="urn:microsoft.com/office/officeart/2005/8/layout/hProcess4"/>
+    <dgm:cxn modelId="{1A2CD6BD-4FB6-4C65-A31E-7C659272F5FF}" srcId="{4BBBBA37-00AE-490F-BA4E-E9A756C4A0D7}" destId="{928451A7-076A-4725-BC57-E98970B55362}" srcOrd="2" destOrd="0" parTransId="{605DBBC2-A198-4676-A0C6-4546B7A91B68}" sibTransId="{75637A16-730E-4452-8190-67FB3226C504}"/>
     <dgm:cxn modelId="{265C04BF-DF6E-4114-8745-FF72DB8EAE85}" type="presOf" srcId="{0D4AF47E-FDAB-4C77-957D-7D203EA2A551}" destId="{9026B45C-ADFA-45DE-A14B-1C67CDA49329}" srcOrd="0" destOrd="0" presId="urn:microsoft.com/office/officeart/2005/8/layout/hProcess4"/>
-    <dgm:cxn modelId="{13921B92-0D4F-4CF2-B922-D250CB9F7C6D}" type="presOf" srcId="{72D19D3A-74EA-46C0-A7EF-6D3CB88BB6E7}" destId="{1A803EBB-B33B-43CC-8CF8-F6DFA7F74C9F}" srcOrd="0" destOrd="0" presId="urn:microsoft.com/office/officeart/2005/8/layout/hProcess4"/>
-    <dgm:cxn modelId="{555C2B7C-EBBB-4015-9A21-9AA3BA353080}" type="presOf" srcId="{4BBBBA37-00AE-490F-BA4E-E9A756C4A0D7}" destId="{7ABD661D-07C5-4739-AE45-6E1036C01B22}" srcOrd="0" destOrd="0" presId="urn:microsoft.com/office/officeart/2005/8/layout/hProcess4"/>
-    <dgm:cxn modelId="{3228E000-8C8D-4FC1-BE09-2CB2D43274CF}" type="presOf" srcId="{20F7D581-9EB2-498F-BE28-9D62195EAF83}" destId="{71BAD410-3299-44D0-A85A-DC3B57193168}" srcOrd="0" destOrd="0" presId="urn:microsoft.com/office/officeart/2005/8/layout/hProcess4"/>
-    <dgm:cxn modelId="{21EEA131-555A-4801-A607-FBD385939B0A}" srcId="{928451A7-076A-4725-BC57-E98970B55362}" destId="{11F904A3-BE7E-4610-85FF-791DB76C5662}" srcOrd="0" destOrd="0" parTransId="{03E9A0DC-5904-496A-AAF6-356D4EB9E2C7}" sibTransId="{AA783ABE-4698-4A43-ACFE-2F0CA6278420}"/>
-    <dgm:cxn modelId="{864C703B-D3FC-4566-883E-42340E00BE6D}" type="presOf" srcId="{928451A7-076A-4725-BC57-E98970B55362}" destId="{40A8A41C-CF7A-4E88-8EA7-EAA6AFD512F6}" srcOrd="0" destOrd="0" presId="urn:microsoft.com/office/officeart/2005/8/layout/hProcess4"/>
-    <dgm:cxn modelId="{A2DFE587-0EFA-4CCA-B87B-94DA33352EB2}" type="presOf" srcId="{F9F5AE11-AF97-4245-99B1-53B38E0C3108}" destId="{B8A19F94-18F6-4D00-B053-8BF08839189F}" srcOrd="0" destOrd="1" presId="urn:microsoft.com/office/officeart/2005/8/layout/hProcess4"/>
-    <dgm:cxn modelId="{1A2CD6BD-4FB6-4C65-A31E-7C659272F5FF}" srcId="{4BBBBA37-00AE-490F-BA4E-E9A756C4A0D7}" destId="{928451A7-076A-4725-BC57-E98970B55362}" srcOrd="2" destOrd="0" parTransId="{605DBBC2-A198-4676-A0C6-4546B7A91B68}" sibTransId="{75637A16-730E-4452-8190-67FB3226C504}"/>
-    <dgm:cxn modelId="{E683F570-DC2B-4326-9DA0-584336C8C6D6}" type="presOf" srcId="{B5920376-0133-44CD-BB1B-6F53C130D637}" destId="{BCCD055F-C4D8-4E1B-AEB8-AC963578358F}" srcOrd="1" destOrd="0" presId="urn:microsoft.com/office/officeart/2005/8/layout/hProcess4"/>
+    <dgm:cxn modelId="{D17B6FC1-D9C2-4F35-8136-869ADDE06035}" srcId="{72D19D3A-74EA-46C0-A7EF-6D3CB88BB6E7}" destId="{0D4AF47E-FDAB-4C77-957D-7D203EA2A551}" srcOrd="0" destOrd="0" parTransId="{9CD69A6E-A2A3-461E-8653-B8D27DA8FB7C}" sibTransId="{0D727C4D-D6A3-41E4-AAA6-A4FD3C72ECE6}"/>
+    <dgm:cxn modelId="{F43A3FC7-6C79-41B4-B507-B5377A47A8F2}" type="presOf" srcId="{9D94179C-60CB-44C9-8000-C638CC90FBCC}" destId="{085190A6-FE74-486B-99A6-C2C9C6FC2B6B}" srcOrd="0" destOrd="0" presId="urn:microsoft.com/office/officeart/2005/8/layout/hProcess4"/>
+    <dgm:cxn modelId="{AE3814E9-6976-4CC2-90CB-4D505E6271E7}" type="presOf" srcId="{11F904A3-BE7E-4610-85FF-791DB76C5662}" destId="{3B26D6A5-9D56-445C-B171-536ACA002E6A}" srcOrd="1" destOrd="0" presId="urn:microsoft.com/office/officeart/2005/8/layout/hProcess4"/>
     <dgm:cxn modelId="{C97277EB-6F23-4658-9BD4-F8C8D1CBABDB}" type="presOf" srcId="{7CFCEB31-C53B-4076-9E89-71BB7C5206BB}" destId="{F0C2F068-CF38-425A-B33E-3FD76DFE06E5}" srcOrd="0" destOrd="0" presId="urn:microsoft.com/office/officeart/2005/8/layout/hProcess4"/>
-    <dgm:cxn modelId="{002EAD7A-751D-4A0E-8B80-3ED2E8BF0317}" srcId="{C0BBB20E-A547-490C-BFC3-F69C30C2BB85}" destId="{C742B16C-6774-4654-A307-2517E5970ED9}" srcOrd="0" destOrd="0" parTransId="{3F79200C-09D6-4579-940A-9925FCF29974}" sibTransId="{DB0BD340-6AE9-43AB-8228-82AD980D89BF}"/>
-    <dgm:cxn modelId="{80D23CBD-CE2E-4319-87F9-C044F105CF34}" type="presOf" srcId="{75637A16-730E-4452-8190-67FB3226C504}" destId="{4D946BF7-5318-4B1E-AEBF-4A3CA2E290DB}" srcOrd="0" destOrd="0" presId="urn:microsoft.com/office/officeart/2005/8/layout/hProcess4"/>
-    <dgm:cxn modelId="{E260010D-46B0-46C2-93B1-54EE897A6300}" type="presOf" srcId="{FCF39507-87BB-42FC-936E-7CB9C907446D}" destId="{DC8BE73A-4F5A-421C-B33E-9320120B824C}" srcOrd="0" destOrd="0" presId="urn:microsoft.com/office/officeart/2005/8/layout/hProcess4"/>
-    <dgm:cxn modelId="{F1B6015C-A40C-4B07-ADFF-FCCBDEF8A703}" type="presOf" srcId="{0D4AF47E-FDAB-4C77-957D-7D203EA2A551}" destId="{BCC1B419-4A07-48CE-9943-567C3025AA4B}" srcOrd="1" destOrd="0" presId="urn:microsoft.com/office/officeart/2005/8/layout/hProcess4"/>
-    <dgm:cxn modelId="{745C2710-AEC2-4077-8999-F61D41E0B39E}" type="presOf" srcId="{C0BBB20E-A547-490C-BFC3-F69C30C2BB85}" destId="{AB2A0A4B-2E62-43F5-874D-A858B18AD7BD}" srcOrd="0" destOrd="0" presId="urn:microsoft.com/office/officeart/2005/8/layout/hProcess4"/>
-    <dgm:cxn modelId="{838DFA9C-65AB-4608-A291-FF7157BB4A5F}" type="presOf" srcId="{11F904A3-BE7E-4610-85FF-791DB76C5662}" destId="{9131C415-ABC8-494A-BB4C-4189E2623C96}" srcOrd="0" destOrd="0" presId="urn:microsoft.com/office/officeart/2005/8/layout/hProcess4"/>
-    <dgm:cxn modelId="{BE340D61-28A6-4E10-B4BD-309F83AE9FD8}" type="presOf" srcId="{DD1C8274-3095-435A-B7E9-C86DA96BDE64}" destId="{943CED33-B477-41B6-8333-C0E815B32CCD}" srcOrd="0" destOrd="0" presId="urn:microsoft.com/office/officeart/2005/8/layout/hProcess4"/>
-    <dgm:cxn modelId="{839B22B2-CAF0-4A50-BE07-9D40E91536D6}" srcId="{20F7D581-9EB2-498F-BE28-9D62195EAF83}" destId="{F9F5AE11-AF97-4245-99B1-53B38E0C3108}" srcOrd="1" destOrd="0" parTransId="{0DC9D828-A9AB-4F2A-83AE-CB35FC67EA91}" sibTransId="{9498F83F-2569-4E78-864A-AF5A10617D12}"/>
-    <dgm:cxn modelId="{A03A19A9-D08A-496E-94FC-7C1E2041B816}" type="presOf" srcId="{B690B119-AA95-4863-ACB5-0212ED679AB4}" destId="{E2AA8120-67F5-4F08-808C-C2FFDEEF3762}" srcOrd="0" destOrd="0" presId="urn:microsoft.com/office/officeart/2005/8/layout/hProcess4"/>
-    <dgm:cxn modelId="{ECFDC616-8CDF-4EA1-BB1D-FA2DF950B96F}" srcId="{4BBBBA37-00AE-490F-BA4E-E9A756C4A0D7}" destId="{9D94179C-60CB-44C9-8000-C638CC90FBCC}" srcOrd="3" destOrd="0" parTransId="{FA25C7AC-CD09-4865-B0C2-AE65C69B976D}" sibTransId="{B690B119-AA95-4863-ACB5-0212ED679AB4}"/>
-    <dgm:cxn modelId="{F43A3FC7-6C79-41B4-B507-B5377A47A8F2}" type="presOf" srcId="{9D94179C-60CB-44C9-8000-C638CC90FBCC}" destId="{085190A6-FE74-486B-99A6-C2C9C6FC2B6B}" srcOrd="0" destOrd="0" presId="urn:microsoft.com/office/officeart/2005/8/layout/hProcess4"/>
-    <dgm:cxn modelId="{F470FB77-2A68-4E93-A413-B72BC643C21C}" srcId="{9D94179C-60CB-44C9-8000-C638CC90FBCC}" destId="{7CFCEB31-C53B-4076-9E89-71BB7C5206BB}" srcOrd="0" destOrd="0" parTransId="{BCAA30FB-3036-4175-919A-7AC87A5DFA25}" sibTransId="{E2E05416-EBA5-4CD9-8AA3-29C25936A1EA}"/>
-    <dgm:cxn modelId="{1497608C-9EBF-4045-B5D2-B57D8503FD29}" srcId="{4BBBBA37-00AE-490F-BA4E-E9A756C4A0D7}" destId="{20F7D581-9EB2-498F-BE28-9D62195EAF83}" srcOrd="1" destOrd="0" parTransId="{E0FBE512-C1C4-4067-A1DE-34C9E33E9EB4}" sibTransId="{FCF39507-87BB-42FC-936E-7CB9C907446D}"/>
-    <dgm:cxn modelId="{7897605B-DE9F-4E05-9C51-68DB082DFD61}" srcId="{4BBBBA37-00AE-490F-BA4E-E9A756C4A0D7}" destId="{72D19D3A-74EA-46C0-A7EF-6D3CB88BB6E7}" srcOrd="4" destOrd="0" parTransId="{15EE5103-8F38-442F-9D49-C6051408C59D}" sibTransId="{16A5E339-9EC9-4A04-A091-62D697819434}"/>
-    <dgm:cxn modelId="{C5973D72-FB08-4B00-8516-F806514B4438}" srcId="{4BBBBA37-00AE-490F-BA4E-E9A756C4A0D7}" destId="{C0BBB20E-A547-490C-BFC3-F69C30C2BB85}" srcOrd="0" destOrd="0" parTransId="{830D836F-DF80-4E41-AF3F-21CC3E8E4EF2}" sibTransId="{DD1C8274-3095-435A-B7E9-C86DA96BDE64}"/>
-    <dgm:cxn modelId="{A743B165-EFB3-4A2B-9188-6DFA8B2E60AB}" srcId="{20F7D581-9EB2-498F-BE28-9D62195EAF83}" destId="{B5920376-0133-44CD-BB1B-6F53C130D637}" srcOrd="0" destOrd="0" parTransId="{E82A70DF-B649-4129-9355-DBF8312CF18F}" sibTransId="{73A56BD2-43C1-4062-A5A5-84091B9A63CC}"/>
-    <dgm:cxn modelId="{D17B6FC1-D9C2-4F35-8136-869ADDE06035}" srcId="{72D19D3A-74EA-46C0-A7EF-6D3CB88BB6E7}" destId="{0D4AF47E-FDAB-4C77-957D-7D203EA2A551}" srcOrd="0" destOrd="0" parTransId="{9CD69A6E-A2A3-461E-8653-B8D27DA8FB7C}" sibTransId="{0D727C4D-D6A3-41E4-AAA6-A4FD3C72ECE6}"/>
-    <dgm:cxn modelId="{FBF9C739-9412-4585-8F14-F4D92428BCA3}" type="presOf" srcId="{B5920376-0133-44CD-BB1B-6F53C130D637}" destId="{B8A19F94-18F6-4D00-B053-8BF08839189F}" srcOrd="0" destOrd="0" presId="urn:microsoft.com/office/officeart/2005/8/layout/hProcess4"/>
-    <dgm:cxn modelId="{AE3814E9-6976-4CC2-90CB-4D505E6271E7}" type="presOf" srcId="{11F904A3-BE7E-4610-85FF-791DB76C5662}" destId="{3B26D6A5-9D56-445C-B171-536ACA002E6A}" srcOrd="1" destOrd="0" presId="urn:microsoft.com/office/officeart/2005/8/layout/hProcess4"/>
-    <dgm:cxn modelId="{DCA5503C-9910-48D2-9A1B-1E06CC883971}" type="presOf" srcId="{F9F5AE11-AF97-4245-99B1-53B38E0C3108}" destId="{BCCD055F-C4D8-4E1B-AEB8-AC963578358F}" srcOrd="1" destOrd="1" presId="urn:microsoft.com/office/officeart/2005/8/layout/hProcess4"/>
     <dgm:cxn modelId="{CF123FA8-86E9-4509-A8B2-836C24730797}" type="presParOf" srcId="{7ABD661D-07C5-4739-AE45-6E1036C01B22}" destId="{75F32423-9911-408A-B8A9-5D1154B5D7BF}" srcOrd="0" destOrd="0" presId="urn:microsoft.com/office/officeart/2005/8/layout/hProcess4"/>
     <dgm:cxn modelId="{8850E79F-00B9-4C54-9215-3D15B08153DD}" type="presParOf" srcId="{7ABD661D-07C5-4739-AE45-6E1036C01B22}" destId="{D241EEF2-5E0C-4DE4-A18D-25619EBD7B6F}" srcOrd="1" destOrd="0" presId="urn:microsoft.com/office/officeart/2005/8/layout/hProcess4"/>
     <dgm:cxn modelId="{1226809C-B779-4841-B727-3E10E011B6CB}" type="presParOf" srcId="{7ABD661D-07C5-4739-AE45-6E1036C01B22}" destId="{FC4CC419-9620-4012-97C5-A28BFD476CA1}" srcOrd="2" destOrd="0" presId="urn:microsoft.com/office/officeart/2005/8/layout/hProcess4"/>
@@ -7591,6 +7895,448 @@
 </file>
 
 <file path=ppt/diagrams/data4.xml><?xml version="1.0" encoding="utf-8"?>
+<dgm:dataModel xmlns:dgm="http://schemas.openxmlformats.org/drawingml/2006/diagram" xmlns:a="http://schemas.openxmlformats.org/drawingml/2006/main">
+  <dgm:ptLst>
+    <dgm:pt modelId="{4BBBBA37-00AE-490F-BA4E-E9A756C4A0D7}" type="doc">
+      <dgm:prSet loTypeId="urn:microsoft.com/office/officeart/2005/8/layout/hProcess4" loCatId="process" qsTypeId="urn:microsoft.com/office/officeart/2005/8/quickstyle/simple1" qsCatId="simple" csTypeId="urn:microsoft.com/office/officeart/2005/8/colors/accent1_2" csCatId="accent1" phldr="1"/>
+      <dgm:spPr/>
+      <dgm:t>
+        <a:bodyPr/>
+        <a:lstStyle/>
+        <a:p>
+          <a:endParaRPr lang="fr-FR"/>
+        </a:p>
+      </dgm:t>
+    </dgm:pt>
+    <dgm:pt modelId="{C742B16C-6774-4654-A307-2517E5970ED9}">
+      <dgm:prSet phldrT="[Texte]" custT="1"/>
+      <dgm:spPr/>
+      <dgm:t>
+        <a:bodyPr/>
+        <a:lstStyle/>
+        <a:p>
+          <a:r>
+            <a:rPr lang="fr-FR" sz="1000" dirty="0">
+              <a:latin typeface="Arial Nova" panose="020B0504020202020204"/>
+            </a:rPr>
+            <a:t>Performances attendues et contexte d’utilisation</a:t>
+          </a:r>
+        </a:p>
+      </dgm:t>
+    </dgm:pt>
+    <dgm:pt modelId="{DB0BD340-6AE9-43AB-8228-82AD980D89BF}" type="sibTrans" cxnId="{002EAD7A-751D-4A0E-8B80-3ED2E8BF0317}">
+      <dgm:prSet/>
+      <dgm:spPr/>
+      <dgm:t>
+        <a:bodyPr/>
+        <a:lstStyle/>
+        <a:p>
+          <a:endParaRPr lang="fr-FR" sz="2000">
+            <a:latin typeface="Arial Nova" panose="020B0504020202020204"/>
+          </a:endParaRPr>
+        </a:p>
+      </dgm:t>
+    </dgm:pt>
+    <dgm:pt modelId="{3F79200C-09D6-4579-940A-9925FCF29974}" type="parTrans" cxnId="{002EAD7A-751D-4A0E-8B80-3ED2E8BF0317}">
+      <dgm:prSet/>
+      <dgm:spPr/>
+      <dgm:t>
+        <a:bodyPr/>
+        <a:lstStyle/>
+        <a:p>
+          <a:endParaRPr lang="fr-FR" sz="2000">
+            <a:latin typeface="Arial Nova" panose="020B0504020202020204"/>
+          </a:endParaRPr>
+        </a:p>
+      </dgm:t>
+    </dgm:pt>
+    <dgm:pt modelId="{41771FF1-D528-4B5B-B6DB-ABD7F8E8ACC0}">
+      <dgm:prSet phldrT="[Texte]" custT="1"/>
+      <dgm:spPr/>
+      <dgm:t>
+        <a:bodyPr/>
+        <a:lstStyle/>
+        <a:p>
+          <a:r>
+            <a:rPr lang="fr-FR" sz="1000" dirty="0">
+              <a:latin typeface="Arial Nova" panose="020B0504020202020204"/>
+            </a:rPr>
+            <a:t>Organisation structurelle</a:t>
+          </a:r>
+        </a:p>
+      </dgm:t>
+    </dgm:pt>
+    <dgm:pt modelId="{6394E09E-A1B3-48B9-AAD2-AE96C50294A2}" type="parTrans" cxnId="{FDA3BB21-9166-4F01-A8D8-5EB8298002A6}">
+      <dgm:prSet/>
+      <dgm:spPr/>
+      <dgm:t>
+        <a:bodyPr/>
+        <a:lstStyle/>
+        <a:p>
+          <a:endParaRPr lang="fr-FR"/>
+        </a:p>
+      </dgm:t>
+    </dgm:pt>
+    <dgm:pt modelId="{00F75CBC-010D-4E33-AFB0-EC82F902455B}" type="sibTrans" cxnId="{FDA3BB21-9166-4F01-A8D8-5EB8298002A6}">
+      <dgm:prSet/>
+      <dgm:spPr/>
+      <dgm:t>
+        <a:bodyPr/>
+        <a:lstStyle/>
+        <a:p>
+          <a:endParaRPr lang="fr-FR"/>
+        </a:p>
+      </dgm:t>
+    </dgm:pt>
+    <dgm:pt modelId="{80FA71B1-F81F-49BF-8327-A629CA56A3F7}">
+      <dgm:prSet phldrT="[Texte]" custT="1"/>
+      <dgm:spPr/>
+      <dgm:t>
+        <a:bodyPr/>
+        <a:lstStyle/>
+        <a:p>
+          <a:r>
+            <a:rPr lang="fr-FR" sz="1000" dirty="0">
+              <a:latin typeface="Arial Nova" panose="020B0504020202020204"/>
+            </a:rPr>
+            <a:t>Chaînes fonctionnelles</a:t>
+          </a:r>
+        </a:p>
+      </dgm:t>
+    </dgm:pt>
+    <dgm:pt modelId="{8DE92928-04A1-4D5E-B838-6FDD4EF46E4A}" type="parTrans" cxnId="{A78ADD46-9CC2-4394-9430-F33167AA89AD}">
+      <dgm:prSet/>
+      <dgm:spPr/>
+      <dgm:t>
+        <a:bodyPr/>
+        <a:lstStyle/>
+        <a:p>
+          <a:endParaRPr lang="fr-FR"/>
+        </a:p>
+      </dgm:t>
+    </dgm:pt>
+    <dgm:pt modelId="{EDA7FACE-CC0C-4EAA-BEAC-F10518EF3664}" type="sibTrans" cxnId="{A78ADD46-9CC2-4394-9430-F33167AA89AD}">
+      <dgm:prSet/>
+      <dgm:spPr/>
+      <dgm:t>
+        <a:bodyPr/>
+        <a:lstStyle/>
+        <a:p>
+          <a:endParaRPr lang="fr-FR"/>
+        </a:p>
+      </dgm:t>
+    </dgm:pt>
+    <dgm:pt modelId="{1864BE33-FBC3-4F6D-87A7-47CB7879E885}">
+      <dgm:prSet phldrT="[Texte]" custT="1"/>
+      <dgm:spPr/>
+      <dgm:t>
+        <a:bodyPr/>
+        <a:lstStyle/>
+        <a:p>
+          <a:r>
+            <a:rPr lang="fr-FR" sz="1000" dirty="0">
+              <a:latin typeface="Arial Nova" panose="020B0504020202020204"/>
+            </a:rPr>
+            <a:t>Expérimentations</a:t>
+          </a:r>
+        </a:p>
+      </dgm:t>
+    </dgm:pt>
+    <dgm:pt modelId="{2941FD7B-BB25-4295-809B-C5CAECCD6A8B}" type="parTrans" cxnId="{42C4A320-B8FD-478A-BE6B-58A3BD2C378A}">
+      <dgm:prSet/>
+      <dgm:spPr/>
+      <dgm:t>
+        <a:bodyPr/>
+        <a:lstStyle/>
+        <a:p>
+          <a:endParaRPr lang="fr-FR"/>
+        </a:p>
+      </dgm:t>
+    </dgm:pt>
+    <dgm:pt modelId="{C5AABC16-5B41-4C01-AF4A-E595D3A13A0C}" type="sibTrans" cxnId="{42C4A320-B8FD-478A-BE6B-58A3BD2C378A}">
+      <dgm:prSet/>
+      <dgm:spPr/>
+      <dgm:t>
+        <a:bodyPr/>
+        <a:lstStyle/>
+        <a:p>
+          <a:endParaRPr lang="fr-FR"/>
+        </a:p>
+      </dgm:t>
+    </dgm:pt>
+    <dgm:pt modelId="{7C82DA9C-EA2D-4229-922D-12B38858444E}">
+      <dgm:prSet phldrT="[Texte]" custT="1"/>
+      <dgm:spPr/>
+      <dgm:t>
+        <a:bodyPr/>
+        <a:lstStyle/>
+        <a:p>
+          <a:r>
+            <a:rPr lang="fr-FR" sz="1000" dirty="0">
+              <a:latin typeface="Arial Nova" panose="020B0504020202020204"/>
+            </a:rPr>
+            <a:t>Modèles analytiques</a:t>
+          </a:r>
+        </a:p>
+      </dgm:t>
+    </dgm:pt>
+    <dgm:pt modelId="{509AB4DE-33DF-4340-B564-8C94D021F00D}" type="parTrans" cxnId="{C161D75E-539F-4EC6-9FA9-162232784F39}">
+      <dgm:prSet/>
+      <dgm:spPr/>
+      <dgm:t>
+        <a:bodyPr/>
+        <a:lstStyle/>
+        <a:p>
+          <a:endParaRPr lang="fr-FR"/>
+        </a:p>
+      </dgm:t>
+    </dgm:pt>
+    <dgm:pt modelId="{B99C6FF0-FA24-42B8-9C89-4BEC6D559C4D}" type="sibTrans" cxnId="{C161D75E-539F-4EC6-9FA9-162232784F39}">
+      <dgm:prSet/>
+      <dgm:spPr/>
+      <dgm:t>
+        <a:bodyPr/>
+        <a:lstStyle/>
+        <a:p>
+          <a:endParaRPr lang="fr-FR"/>
+        </a:p>
+      </dgm:t>
+    </dgm:pt>
+    <dgm:pt modelId="{928451A7-076A-4725-BC57-E98970B55362}">
+      <dgm:prSet phldrT="[Texte]" custT="1"/>
+      <dgm:spPr/>
+      <dgm:t>
+        <a:bodyPr/>
+        <a:lstStyle/>
+        <a:p>
+          <a:r>
+            <a:rPr lang="fr-FR" sz="1000" dirty="0">
+              <a:latin typeface="Arial Nova" panose="020B0504020202020204"/>
+            </a:rPr>
+            <a:t>Évaluation de performances</a:t>
+          </a:r>
+        </a:p>
+      </dgm:t>
+    </dgm:pt>
+    <dgm:pt modelId="{75637A16-730E-4452-8190-67FB3226C504}" type="sibTrans" cxnId="{1A2CD6BD-4FB6-4C65-A31E-7C659272F5FF}">
+      <dgm:prSet/>
+      <dgm:spPr/>
+      <dgm:t>
+        <a:bodyPr/>
+        <a:lstStyle/>
+        <a:p>
+          <a:endParaRPr lang="fr-FR" sz="2000">
+            <a:latin typeface="Arial Nova" panose="020B0504020202020204"/>
+          </a:endParaRPr>
+        </a:p>
+      </dgm:t>
+    </dgm:pt>
+    <dgm:pt modelId="{605DBBC2-A198-4676-A0C6-4546B7A91B68}" type="parTrans" cxnId="{1A2CD6BD-4FB6-4C65-A31E-7C659272F5FF}">
+      <dgm:prSet/>
+      <dgm:spPr/>
+      <dgm:t>
+        <a:bodyPr/>
+        <a:lstStyle/>
+        <a:p>
+          <a:endParaRPr lang="fr-FR" sz="2000">
+            <a:latin typeface="Arial Nova" panose="020B0504020202020204"/>
+          </a:endParaRPr>
+        </a:p>
+      </dgm:t>
+    </dgm:pt>
+    <dgm:pt modelId="{C0BBB20E-A547-490C-BFC3-F69C30C2BB85}">
+      <dgm:prSet phldrT="[Texte]" custT="1"/>
+      <dgm:spPr/>
+      <dgm:t>
+        <a:bodyPr/>
+        <a:lstStyle/>
+        <a:p>
+          <a:r>
+            <a:rPr lang="fr-FR" sz="1000" dirty="0">
+              <a:latin typeface="Arial Nova" panose="020B0504020202020204"/>
+            </a:rPr>
+            <a:t>Premier temps : Analyse globale</a:t>
+          </a:r>
+        </a:p>
+      </dgm:t>
+    </dgm:pt>
+    <dgm:pt modelId="{DD1C8274-3095-435A-B7E9-C86DA96BDE64}" type="sibTrans" cxnId="{C5973D72-FB08-4B00-8516-F806514B4438}">
+      <dgm:prSet/>
+      <dgm:spPr/>
+      <dgm:t>
+        <a:bodyPr/>
+        <a:lstStyle/>
+        <a:p>
+          <a:endParaRPr lang="fr-FR" sz="1000">
+            <a:latin typeface="Arial Nova" panose="020B0504020202020204"/>
+          </a:endParaRPr>
+        </a:p>
+      </dgm:t>
+    </dgm:pt>
+    <dgm:pt modelId="{830D836F-DF80-4E41-AF3F-21CC3E8E4EF2}" type="parTrans" cxnId="{C5973D72-FB08-4B00-8516-F806514B4438}">
+      <dgm:prSet/>
+      <dgm:spPr/>
+      <dgm:t>
+        <a:bodyPr/>
+        <a:lstStyle/>
+        <a:p>
+          <a:endParaRPr lang="fr-FR" sz="2000">
+            <a:latin typeface="Arial Nova" panose="020B0504020202020204"/>
+          </a:endParaRPr>
+        </a:p>
+      </dgm:t>
+    </dgm:pt>
+    <dgm:pt modelId="{7ABD661D-07C5-4739-AE45-6E1036C01B22}" type="pres">
+      <dgm:prSet presAssocID="{4BBBBA37-00AE-490F-BA4E-E9A756C4A0D7}" presName="Name0" presStyleCnt="0">
+        <dgm:presLayoutVars>
+          <dgm:dir/>
+          <dgm:animLvl val="lvl"/>
+          <dgm:resizeHandles val="exact"/>
+        </dgm:presLayoutVars>
+      </dgm:prSet>
+      <dgm:spPr/>
+    </dgm:pt>
+    <dgm:pt modelId="{75F32423-9911-408A-B8A9-5D1154B5D7BF}" type="pres">
+      <dgm:prSet presAssocID="{4BBBBA37-00AE-490F-BA4E-E9A756C4A0D7}" presName="tSp" presStyleCnt="0"/>
+      <dgm:spPr/>
+    </dgm:pt>
+    <dgm:pt modelId="{D241EEF2-5E0C-4DE4-A18D-25619EBD7B6F}" type="pres">
+      <dgm:prSet presAssocID="{4BBBBA37-00AE-490F-BA4E-E9A756C4A0D7}" presName="bSp" presStyleCnt="0"/>
+      <dgm:spPr/>
+    </dgm:pt>
+    <dgm:pt modelId="{FC4CC419-9620-4012-97C5-A28BFD476CA1}" type="pres">
+      <dgm:prSet presAssocID="{4BBBBA37-00AE-490F-BA4E-E9A756C4A0D7}" presName="process" presStyleCnt="0"/>
+      <dgm:spPr/>
+    </dgm:pt>
+    <dgm:pt modelId="{7E698234-6681-4186-AE63-A7A941F59494}" type="pres">
+      <dgm:prSet presAssocID="{C0BBB20E-A547-490C-BFC3-F69C30C2BB85}" presName="composite1" presStyleCnt="0"/>
+      <dgm:spPr/>
+    </dgm:pt>
+    <dgm:pt modelId="{395996B4-199C-4092-AE43-1490EDAA85FB}" type="pres">
+      <dgm:prSet presAssocID="{C0BBB20E-A547-490C-BFC3-F69C30C2BB85}" presName="dummyNode1" presStyleLbl="node1" presStyleIdx="0" presStyleCnt="2"/>
+      <dgm:spPr/>
+    </dgm:pt>
+    <dgm:pt modelId="{8901E0F4-0A59-4693-BCC0-AD691D9FB870}" type="pres">
+      <dgm:prSet presAssocID="{C0BBB20E-A547-490C-BFC3-F69C30C2BB85}" presName="childNode1" presStyleLbl="bgAcc1" presStyleIdx="0" presStyleCnt="2" custScaleX="416535" custScaleY="157156" custLinFactX="-62441" custLinFactNeighborX="-100000" custLinFactNeighborY="-597">
+        <dgm:presLayoutVars>
+          <dgm:bulletEnabled val="1"/>
+        </dgm:presLayoutVars>
+      </dgm:prSet>
+      <dgm:spPr/>
+    </dgm:pt>
+    <dgm:pt modelId="{0CDE4C4E-2C62-4126-8CEE-77D153383F3B}" type="pres">
+      <dgm:prSet presAssocID="{C0BBB20E-A547-490C-BFC3-F69C30C2BB85}" presName="childNode1tx" presStyleLbl="bgAcc1" presStyleIdx="0" presStyleCnt="2">
+        <dgm:presLayoutVars>
+          <dgm:bulletEnabled val="1"/>
+        </dgm:presLayoutVars>
+      </dgm:prSet>
+      <dgm:spPr/>
+    </dgm:pt>
+    <dgm:pt modelId="{AB2A0A4B-2E62-43F5-874D-A858B18AD7BD}" type="pres">
+      <dgm:prSet presAssocID="{C0BBB20E-A547-490C-BFC3-F69C30C2BB85}" presName="parentNode1" presStyleLbl="node1" presStyleIdx="0" presStyleCnt="2" custScaleX="198244" custScaleY="153368" custLinFactX="30954" custLinFactNeighborX="100000" custLinFactNeighborY="44768">
+        <dgm:presLayoutVars>
+          <dgm:chMax val="1"/>
+          <dgm:bulletEnabled val="1"/>
+        </dgm:presLayoutVars>
+      </dgm:prSet>
+      <dgm:spPr/>
+    </dgm:pt>
+    <dgm:pt modelId="{36C63541-11CA-440A-96C0-F62A9C797175}" type="pres">
+      <dgm:prSet presAssocID="{C0BBB20E-A547-490C-BFC3-F69C30C2BB85}" presName="connSite1" presStyleCnt="0"/>
+      <dgm:spPr/>
+    </dgm:pt>
+    <dgm:pt modelId="{943CED33-B477-41B6-8333-C0E815B32CCD}" type="pres">
+      <dgm:prSet presAssocID="{DD1C8274-3095-435A-B7E9-C86DA96BDE64}" presName="Name9" presStyleLbl="sibTrans2D1" presStyleIdx="0" presStyleCnt="1" custAng="12034629" custFlipVert="1" custScaleX="21969" custScaleY="3228" custLinFactNeighborX="-13938" custLinFactNeighborY="7647"/>
+      <dgm:spPr/>
+    </dgm:pt>
+    <dgm:pt modelId="{92244FFD-6FE2-46F5-A64A-0A667976620F}" type="pres">
+      <dgm:prSet presAssocID="{928451A7-076A-4725-BC57-E98970B55362}" presName="composite2" presStyleCnt="0"/>
+      <dgm:spPr/>
+    </dgm:pt>
+    <dgm:pt modelId="{5B99022B-318A-4168-964E-A97A64D140BA}" type="pres">
+      <dgm:prSet presAssocID="{928451A7-076A-4725-BC57-E98970B55362}" presName="dummyNode2" presStyleLbl="node1" presStyleIdx="0" presStyleCnt="2"/>
+      <dgm:spPr/>
+    </dgm:pt>
+    <dgm:pt modelId="{4D6EE354-2623-4918-A4D0-F87DEF273621}" type="pres">
+      <dgm:prSet presAssocID="{928451A7-076A-4725-BC57-E98970B55362}" presName="childNode2" presStyleLbl="bgAcc1" presStyleIdx="1" presStyleCnt="2" custScaleX="391847" custScaleY="141148" custLinFactX="17417" custLinFactNeighborX="100000" custLinFactNeighborY="-3947">
+        <dgm:presLayoutVars>
+          <dgm:bulletEnabled val="1"/>
+        </dgm:presLayoutVars>
+      </dgm:prSet>
+      <dgm:spPr/>
+    </dgm:pt>
+    <dgm:pt modelId="{32921764-1EF8-4636-842C-F6B7A843EA86}" type="pres">
+      <dgm:prSet presAssocID="{928451A7-076A-4725-BC57-E98970B55362}" presName="childNode2tx" presStyleLbl="bgAcc1" presStyleIdx="1" presStyleCnt="2">
+        <dgm:presLayoutVars>
+          <dgm:bulletEnabled val="1"/>
+        </dgm:presLayoutVars>
+      </dgm:prSet>
+      <dgm:spPr/>
+    </dgm:pt>
+    <dgm:pt modelId="{201E8633-9DF9-4CAB-A8FD-37BD37CE77D1}" type="pres">
+      <dgm:prSet presAssocID="{928451A7-076A-4725-BC57-E98970B55362}" presName="parentNode2" presStyleLbl="node1" presStyleIdx="1" presStyleCnt="2" custScaleX="202083" custScaleY="138366" custLinFactX="-7064" custLinFactNeighborX="-100000" custLinFactNeighborY="-49157">
+        <dgm:presLayoutVars>
+          <dgm:chMax val="0"/>
+          <dgm:bulletEnabled val="1"/>
+        </dgm:presLayoutVars>
+      </dgm:prSet>
+      <dgm:spPr/>
+    </dgm:pt>
+    <dgm:pt modelId="{6C87FABC-F6E1-422F-AF4F-D52B0C8CAD9B}" type="pres">
+      <dgm:prSet presAssocID="{928451A7-076A-4725-BC57-E98970B55362}" presName="connSite2" presStyleCnt="0"/>
+      <dgm:spPr/>
+    </dgm:pt>
+  </dgm:ptLst>
+  <dgm:cxnLst>
+    <dgm:cxn modelId="{745C2710-AEC2-4077-8999-F61D41E0B39E}" type="presOf" srcId="{C0BBB20E-A547-490C-BFC3-F69C30C2BB85}" destId="{AB2A0A4B-2E62-43F5-874D-A858B18AD7BD}" srcOrd="0" destOrd="0" presId="urn:microsoft.com/office/officeart/2005/8/layout/hProcess4"/>
+    <dgm:cxn modelId="{42C4A320-B8FD-478A-BE6B-58A3BD2C378A}" srcId="{928451A7-076A-4725-BC57-E98970B55362}" destId="{1864BE33-FBC3-4F6D-87A7-47CB7879E885}" srcOrd="0" destOrd="0" parTransId="{2941FD7B-BB25-4295-809B-C5CAECCD6A8B}" sibTransId="{C5AABC16-5B41-4C01-AF4A-E595D3A13A0C}"/>
+    <dgm:cxn modelId="{FDA3BB21-9166-4F01-A8D8-5EB8298002A6}" srcId="{C0BBB20E-A547-490C-BFC3-F69C30C2BB85}" destId="{41771FF1-D528-4B5B-B6DB-ABD7F8E8ACC0}" srcOrd="1" destOrd="0" parTransId="{6394E09E-A1B3-48B9-AAD2-AE96C50294A2}" sibTransId="{00F75CBC-010D-4E33-AFB0-EC82F902455B}"/>
+    <dgm:cxn modelId="{70FCD421-2521-424F-B9BC-061AF450C2F8}" type="presOf" srcId="{C742B16C-6774-4654-A307-2517E5970ED9}" destId="{0CDE4C4E-2C62-4126-8CEE-77D153383F3B}" srcOrd="1" destOrd="0" presId="urn:microsoft.com/office/officeart/2005/8/layout/hProcess4"/>
+    <dgm:cxn modelId="{BB8D0A29-F0A7-4ED2-B29E-514394943B61}" type="presOf" srcId="{41771FF1-D528-4B5B-B6DB-ABD7F8E8ACC0}" destId="{8901E0F4-0A59-4693-BCC0-AD691D9FB870}" srcOrd="0" destOrd="1" presId="urn:microsoft.com/office/officeart/2005/8/layout/hProcess4"/>
+    <dgm:cxn modelId="{26A17A2C-5E03-45C6-8E0E-B5F435185A1C}" type="presOf" srcId="{80FA71B1-F81F-49BF-8327-A629CA56A3F7}" destId="{0CDE4C4E-2C62-4126-8CEE-77D153383F3B}" srcOrd="1" destOrd="2" presId="urn:microsoft.com/office/officeart/2005/8/layout/hProcess4"/>
+    <dgm:cxn modelId="{C161D75E-539F-4EC6-9FA9-162232784F39}" srcId="{928451A7-076A-4725-BC57-E98970B55362}" destId="{7C82DA9C-EA2D-4229-922D-12B38858444E}" srcOrd="1" destOrd="0" parTransId="{509AB4DE-33DF-4340-B564-8C94D021F00D}" sibTransId="{B99C6FF0-FA24-42B8-9C89-4BEC6D559C4D}"/>
+    <dgm:cxn modelId="{BE340D61-28A6-4E10-B4BD-309F83AE9FD8}" type="presOf" srcId="{DD1C8274-3095-435A-B7E9-C86DA96BDE64}" destId="{943CED33-B477-41B6-8333-C0E815B32CCD}" srcOrd="0" destOrd="0" presId="urn:microsoft.com/office/officeart/2005/8/layout/hProcess4"/>
+    <dgm:cxn modelId="{820F5445-A8A7-4347-BDC2-9261E516C70F}" type="presOf" srcId="{80FA71B1-F81F-49BF-8327-A629CA56A3F7}" destId="{8901E0F4-0A59-4693-BCC0-AD691D9FB870}" srcOrd="0" destOrd="2" presId="urn:microsoft.com/office/officeart/2005/8/layout/hProcess4"/>
+    <dgm:cxn modelId="{A78ADD46-9CC2-4394-9430-F33167AA89AD}" srcId="{C0BBB20E-A547-490C-BFC3-F69C30C2BB85}" destId="{80FA71B1-F81F-49BF-8327-A629CA56A3F7}" srcOrd="2" destOrd="0" parTransId="{8DE92928-04A1-4D5E-B838-6FDD4EF46E4A}" sibTransId="{EDA7FACE-CC0C-4EAA-BEAC-F10518EF3664}"/>
+    <dgm:cxn modelId="{C5973D72-FB08-4B00-8516-F806514B4438}" srcId="{4BBBBA37-00AE-490F-BA4E-E9A756C4A0D7}" destId="{C0BBB20E-A547-490C-BFC3-F69C30C2BB85}" srcOrd="0" destOrd="0" parTransId="{830D836F-DF80-4E41-AF3F-21CC3E8E4EF2}" sibTransId="{DD1C8274-3095-435A-B7E9-C86DA96BDE64}"/>
+    <dgm:cxn modelId="{AE7C765A-2400-49CF-930D-00D06554EA81}" type="presOf" srcId="{928451A7-076A-4725-BC57-E98970B55362}" destId="{201E8633-9DF9-4CAB-A8FD-37BD37CE77D1}" srcOrd="0" destOrd="0" presId="urn:microsoft.com/office/officeart/2005/8/layout/hProcess4"/>
+    <dgm:cxn modelId="{002EAD7A-751D-4A0E-8B80-3ED2E8BF0317}" srcId="{C0BBB20E-A547-490C-BFC3-F69C30C2BB85}" destId="{C742B16C-6774-4654-A307-2517E5970ED9}" srcOrd="0" destOrd="0" parTransId="{3F79200C-09D6-4579-940A-9925FCF29974}" sibTransId="{DB0BD340-6AE9-43AB-8228-82AD980D89BF}"/>
+    <dgm:cxn modelId="{555C2B7C-EBBB-4015-9A21-9AA3BA353080}" type="presOf" srcId="{4BBBBA37-00AE-490F-BA4E-E9A756C4A0D7}" destId="{7ABD661D-07C5-4739-AE45-6E1036C01B22}" srcOrd="0" destOrd="0" presId="urn:microsoft.com/office/officeart/2005/8/layout/hProcess4"/>
+    <dgm:cxn modelId="{839F8496-0EE2-45D7-9D81-178B045BF77B}" type="presOf" srcId="{41771FF1-D528-4B5B-B6DB-ABD7F8E8ACC0}" destId="{0CDE4C4E-2C62-4126-8CEE-77D153383F3B}" srcOrd="1" destOrd="1" presId="urn:microsoft.com/office/officeart/2005/8/layout/hProcess4"/>
+    <dgm:cxn modelId="{AFFF7C9B-0E77-4342-BDDF-B74DE7FEA928}" type="presOf" srcId="{C742B16C-6774-4654-A307-2517E5970ED9}" destId="{8901E0F4-0A59-4693-BCC0-AD691D9FB870}" srcOrd="0" destOrd="0" presId="urn:microsoft.com/office/officeart/2005/8/layout/hProcess4"/>
+    <dgm:cxn modelId="{1A2CD6BD-4FB6-4C65-A31E-7C659272F5FF}" srcId="{4BBBBA37-00AE-490F-BA4E-E9A756C4A0D7}" destId="{928451A7-076A-4725-BC57-E98970B55362}" srcOrd="1" destOrd="0" parTransId="{605DBBC2-A198-4676-A0C6-4546B7A91B68}" sibTransId="{75637A16-730E-4452-8190-67FB3226C504}"/>
+    <dgm:cxn modelId="{B39A78BF-9314-4B68-B564-8DA8959E274E}" type="presOf" srcId="{1864BE33-FBC3-4F6D-87A7-47CB7879E885}" destId="{32921764-1EF8-4636-842C-F6B7A843EA86}" srcOrd="1" destOrd="0" presId="urn:microsoft.com/office/officeart/2005/8/layout/hProcess4"/>
+    <dgm:cxn modelId="{1A73FBF2-2D84-44EB-8A94-47E9C79A32C8}" type="presOf" srcId="{7C82DA9C-EA2D-4229-922D-12B38858444E}" destId="{4D6EE354-2623-4918-A4D0-F87DEF273621}" srcOrd="0" destOrd="1" presId="urn:microsoft.com/office/officeart/2005/8/layout/hProcess4"/>
+    <dgm:cxn modelId="{9DE0CFF9-9FB4-4C16-B4C0-81DB787F9F66}" type="presOf" srcId="{1864BE33-FBC3-4F6D-87A7-47CB7879E885}" destId="{4D6EE354-2623-4918-A4D0-F87DEF273621}" srcOrd="0" destOrd="0" presId="urn:microsoft.com/office/officeart/2005/8/layout/hProcess4"/>
+    <dgm:cxn modelId="{2537FCFA-8117-474C-B7B7-5EAE0C7A4D4C}" type="presOf" srcId="{7C82DA9C-EA2D-4229-922D-12B38858444E}" destId="{32921764-1EF8-4636-842C-F6B7A843EA86}" srcOrd="1" destOrd="1" presId="urn:microsoft.com/office/officeart/2005/8/layout/hProcess4"/>
+    <dgm:cxn modelId="{CF123FA8-86E9-4509-A8B2-836C24730797}" type="presParOf" srcId="{7ABD661D-07C5-4739-AE45-6E1036C01B22}" destId="{75F32423-9911-408A-B8A9-5D1154B5D7BF}" srcOrd="0" destOrd="0" presId="urn:microsoft.com/office/officeart/2005/8/layout/hProcess4"/>
+    <dgm:cxn modelId="{8850E79F-00B9-4C54-9215-3D15B08153DD}" type="presParOf" srcId="{7ABD661D-07C5-4739-AE45-6E1036C01B22}" destId="{D241EEF2-5E0C-4DE4-A18D-25619EBD7B6F}" srcOrd="1" destOrd="0" presId="urn:microsoft.com/office/officeart/2005/8/layout/hProcess4"/>
+    <dgm:cxn modelId="{1226809C-B779-4841-B727-3E10E011B6CB}" type="presParOf" srcId="{7ABD661D-07C5-4739-AE45-6E1036C01B22}" destId="{FC4CC419-9620-4012-97C5-A28BFD476CA1}" srcOrd="2" destOrd="0" presId="urn:microsoft.com/office/officeart/2005/8/layout/hProcess4"/>
+    <dgm:cxn modelId="{35D286D9-13FF-4EE7-8142-7037A6311041}" type="presParOf" srcId="{FC4CC419-9620-4012-97C5-A28BFD476CA1}" destId="{7E698234-6681-4186-AE63-A7A941F59494}" srcOrd="0" destOrd="0" presId="urn:microsoft.com/office/officeart/2005/8/layout/hProcess4"/>
+    <dgm:cxn modelId="{4EABA230-41E5-4ADD-9711-1883FA55BB41}" type="presParOf" srcId="{7E698234-6681-4186-AE63-A7A941F59494}" destId="{395996B4-199C-4092-AE43-1490EDAA85FB}" srcOrd="0" destOrd="0" presId="urn:microsoft.com/office/officeart/2005/8/layout/hProcess4"/>
+    <dgm:cxn modelId="{51E49F9A-DC0D-4CAA-8E03-B0D1B12BB11B}" type="presParOf" srcId="{7E698234-6681-4186-AE63-A7A941F59494}" destId="{8901E0F4-0A59-4693-BCC0-AD691D9FB870}" srcOrd="1" destOrd="0" presId="urn:microsoft.com/office/officeart/2005/8/layout/hProcess4"/>
+    <dgm:cxn modelId="{192B2020-9929-4251-B6CF-2456C472304A}" type="presParOf" srcId="{7E698234-6681-4186-AE63-A7A941F59494}" destId="{0CDE4C4E-2C62-4126-8CEE-77D153383F3B}" srcOrd="2" destOrd="0" presId="urn:microsoft.com/office/officeart/2005/8/layout/hProcess4"/>
+    <dgm:cxn modelId="{CDF4961E-FABF-4AF6-9EB5-A90B8DD2717A}" type="presParOf" srcId="{7E698234-6681-4186-AE63-A7A941F59494}" destId="{AB2A0A4B-2E62-43F5-874D-A858B18AD7BD}" srcOrd="3" destOrd="0" presId="urn:microsoft.com/office/officeart/2005/8/layout/hProcess4"/>
+    <dgm:cxn modelId="{3381310D-F107-407E-9916-00306DD08FE6}" type="presParOf" srcId="{7E698234-6681-4186-AE63-A7A941F59494}" destId="{36C63541-11CA-440A-96C0-F62A9C797175}" srcOrd="4" destOrd="0" presId="urn:microsoft.com/office/officeart/2005/8/layout/hProcess4"/>
+    <dgm:cxn modelId="{AFBAF5BE-3BB0-4EE9-B583-C2F35EF0E6C0}" type="presParOf" srcId="{FC4CC419-9620-4012-97C5-A28BFD476CA1}" destId="{943CED33-B477-41B6-8333-C0E815B32CCD}" srcOrd="1" destOrd="0" presId="urn:microsoft.com/office/officeart/2005/8/layout/hProcess4"/>
+    <dgm:cxn modelId="{887ACAEE-F006-4D3E-9092-39B0196E83D4}" type="presParOf" srcId="{FC4CC419-9620-4012-97C5-A28BFD476CA1}" destId="{92244FFD-6FE2-46F5-A64A-0A667976620F}" srcOrd="2" destOrd="0" presId="urn:microsoft.com/office/officeart/2005/8/layout/hProcess4"/>
+    <dgm:cxn modelId="{B26548A8-B83D-4907-9B5E-0774C0612FCB}" type="presParOf" srcId="{92244FFD-6FE2-46F5-A64A-0A667976620F}" destId="{5B99022B-318A-4168-964E-A97A64D140BA}" srcOrd="0" destOrd="0" presId="urn:microsoft.com/office/officeart/2005/8/layout/hProcess4"/>
+    <dgm:cxn modelId="{388FDE5A-9D69-44E5-A93D-1B2A4B6EB0F1}" type="presParOf" srcId="{92244FFD-6FE2-46F5-A64A-0A667976620F}" destId="{4D6EE354-2623-4918-A4D0-F87DEF273621}" srcOrd="1" destOrd="0" presId="urn:microsoft.com/office/officeart/2005/8/layout/hProcess4"/>
+    <dgm:cxn modelId="{B6ABE323-A57F-4BF2-A1EE-DA3BDDE5FE2D}" type="presParOf" srcId="{92244FFD-6FE2-46F5-A64A-0A667976620F}" destId="{32921764-1EF8-4636-842C-F6B7A843EA86}" srcOrd="2" destOrd="0" presId="urn:microsoft.com/office/officeart/2005/8/layout/hProcess4"/>
+    <dgm:cxn modelId="{FEFA5617-57C4-4F95-90E9-DBF0F7AF4D2D}" type="presParOf" srcId="{92244FFD-6FE2-46F5-A64A-0A667976620F}" destId="{201E8633-9DF9-4CAB-A8FD-37BD37CE77D1}" srcOrd="3" destOrd="0" presId="urn:microsoft.com/office/officeart/2005/8/layout/hProcess4"/>
+    <dgm:cxn modelId="{CBDC2369-2192-4B6D-8F5E-B3F32B5D7C1B}" type="presParOf" srcId="{92244FFD-6FE2-46F5-A64A-0A667976620F}" destId="{6C87FABC-F6E1-422F-AF4F-D52B0C8CAD9B}" srcOrd="4" destOrd="0" presId="urn:microsoft.com/office/officeart/2005/8/layout/hProcess4"/>
+  </dgm:cxnLst>
+  <dgm:bg/>
+  <dgm:whole/>
+  <dgm:extLst>
+    <a:ext uri="http://schemas.microsoft.com/office/drawing/2008/diagram">
+      <dsp:dataModelExt xmlns:dsp="http://schemas.microsoft.com/office/drawing/2008/diagram" relId="rId10" minVer="http://schemas.openxmlformats.org/drawingml/2006/diagram"/>
+    </a:ext>
+  </dgm:extLst>
+</dgm:dataModel>
+</file>
+
+<file path=ppt/diagrams/data5.xml><?xml version="1.0" encoding="utf-8"?>
 <dgm:dataModel xmlns:dgm="http://schemas.openxmlformats.org/drawingml/2006/diagram" xmlns:a="http://schemas.openxmlformats.org/drawingml/2006/main">
   <dgm:ptLst>
     <dgm:pt modelId="{4BBBBA37-00AE-490F-BA4E-E9A756C4A0D7}" type="doc">
@@ -7751,13 +8497,6 @@
         </dgm:presLayoutVars>
       </dgm:prSet>
       <dgm:spPr/>
-      <dgm:t>
-        <a:bodyPr/>
-        <a:lstStyle/>
-        <a:p>
-          <a:endParaRPr lang="fr-FR"/>
-        </a:p>
-      </dgm:t>
     </dgm:pt>
     <dgm:pt modelId="{75F32423-9911-408A-B8A9-5D1154B5D7BF}" type="pres">
       <dgm:prSet presAssocID="{4BBBBA37-00AE-490F-BA4E-E9A756C4A0D7}" presName="tSp" presStyleCnt="0"/>
@@ -7786,13 +8525,6 @@
         </dgm:presLayoutVars>
       </dgm:prSet>
       <dgm:spPr/>
-      <dgm:t>
-        <a:bodyPr/>
-        <a:lstStyle/>
-        <a:p>
-          <a:endParaRPr lang="fr-FR"/>
-        </a:p>
-      </dgm:t>
     </dgm:pt>
     <dgm:pt modelId="{0CDE4C4E-2C62-4126-8CEE-77D153383F3B}" type="pres">
       <dgm:prSet presAssocID="{C0BBB20E-A547-490C-BFC3-F69C30C2BB85}" presName="childNode1tx" presStyleLbl="bgAcc1" presStyleIdx="0" presStyleCnt="2">
@@ -7801,13 +8533,6 @@
         </dgm:presLayoutVars>
       </dgm:prSet>
       <dgm:spPr/>
-      <dgm:t>
-        <a:bodyPr/>
-        <a:lstStyle/>
-        <a:p>
-          <a:endParaRPr lang="fr-FR"/>
-        </a:p>
-      </dgm:t>
     </dgm:pt>
     <dgm:pt modelId="{AB2A0A4B-2E62-43F5-874D-A858B18AD7BD}" type="pres">
       <dgm:prSet presAssocID="{C0BBB20E-A547-490C-BFC3-F69C30C2BB85}" presName="parentNode1" presStyleLbl="node1" presStyleIdx="0" presStyleCnt="2" custScaleX="76849" custScaleY="54238">
@@ -7817,13 +8542,6 @@
         </dgm:presLayoutVars>
       </dgm:prSet>
       <dgm:spPr/>
-      <dgm:t>
-        <a:bodyPr/>
-        <a:lstStyle/>
-        <a:p>
-          <a:endParaRPr lang="fr-FR"/>
-        </a:p>
-      </dgm:t>
     </dgm:pt>
     <dgm:pt modelId="{36C63541-11CA-440A-96C0-F62A9C797175}" type="pres">
       <dgm:prSet presAssocID="{C0BBB20E-A547-490C-BFC3-F69C30C2BB85}" presName="connSite1" presStyleCnt="0"/>
@@ -7832,13 +8550,6 @@
     <dgm:pt modelId="{943CED33-B477-41B6-8333-C0E815B32CCD}" type="pres">
       <dgm:prSet presAssocID="{DD1C8274-3095-435A-B7E9-C86DA96BDE64}" presName="Name9" presStyleLbl="sibTrans2D1" presStyleIdx="0" presStyleCnt="1"/>
       <dgm:spPr/>
-      <dgm:t>
-        <a:bodyPr/>
-        <a:lstStyle/>
-        <a:p>
-          <a:endParaRPr lang="fr-FR"/>
-        </a:p>
-      </dgm:t>
     </dgm:pt>
     <dgm:pt modelId="{DAE054FC-E8A5-4F66-B3DE-0F065A517B2B}" type="pres">
       <dgm:prSet presAssocID="{20F7D581-9EB2-498F-BE28-9D62195EAF83}" presName="composite2" presStyleCnt="0"/>
@@ -7855,13 +8566,6 @@
         </dgm:presLayoutVars>
       </dgm:prSet>
       <dgm:spPr/>
-      <dgm:t>
-        <a:bodyPr/>
-        <a:lstStyle/>
-        <a:p>
-          <a:endParaRPr lang="fr-FR"/>
-        </a:p>
-      </dgm:t>
     </dgm:pt>
     <dgm:pt modelId="{BCCD055F-C4D8-4E1B-AEB8-AC963578358F}" type="pres">
       <dgm:prSet presAssocID="{20F7D581-9EB2-498F-BE28-9D62195EAF83}" presName="childNode2tx" presStyleLbl="bgAcc1" presStyleIdx="1" presStyleCnt="2">
@@ -7870,13 +8574,6 @@
         </dgm:presLayoutVars>
       </dgm:prSet>
       <dgm:spPr/>
-      <dgm:t>
-        <a:bodyPr/>
-        <a:lstStyle/>
-        <a:p>
-          <a:endParaRPr lang="fr-FR"/>
-        </a:p>
-      </dgm:t>
     </dgm:pt>
     <dgm:pt modelId="{71BAD410-3299-44D0-A85A-DC3B57193168}" type="pres">
       <dgm:prSet presAssocID="{20F7D581-9EB2-498F-BE28-9D62195EAF83}" presName="parentNode2" presStyleLbl="node1" presStyleIdx="1" presStyleCnt="2" custScaleX="76849" custScaleY="54238">
@@ -7886,13 +8583,6 @@
         </dgm:presLayoutVars>
       </dgm:prSet>
       <dgm:spPr/>
-      <dgm:t>
-        <a:bodyPr/>
-        <a:lstStyle/>
-        <a:p>
-          <a:endParaRPr lang="fr-FR"/>
-        </a:p>
-      </dgm:t>
     </dgm:pt>
     <dgm:pt modelId="{89ADB8B3-B871-45E3-A9C2-130268780D69}" type="pres">
       <dgm:prSet presAssocID="{20F7D581-9EB2-498F-BE28-9D62195EAF83}" presName="connSite2" presStyleCnt="0"/>
@@ -7901,17 +8591,17 @@
   </dgm:ptLst>
   <dgm:cxnLst>
     <dgm:cxn modelId="{3228E000-8C8D-4FC1-BE09-2CB2D43274CF}" type="presOf" srcId="{20F7D581-9EB2-498F-BE28-9D62195EAF83}" destId="{71BAD410-3299-44D0-A85A-DC3B57193168}" srcOrd="0" destOrd="0" presId="urn:microsoft.com/office/officeart/2005/8/layout/hProcess4"/>
+    <dgm:cxn modelId="{745C2710-AEC2-4077-8999-F61D41E0B39E}" type="presOf" srcId="{C0BBB20E-A547-490C-BFC3-F69C30C2BB85}" destId="{AB2A0A4B-2E62-43F5-874D-A858B18AD7BD}" srcOrd="0" destOrd="0" presId="urn:microsoft.com/office/officeart/2005/8/layout/hProcess4"/>
+    <dgm:cxn modelId="{0BC19424-EC70-4439-B064-2AB2452E9A8A}" type="presOf" srcId="{AEB247FD-6D58-4408-8770-0452FCED6303}" destId="{8901E0F4-0A59-4693-BCC0-AD691D9FB870}" srcOrd="0" destOrd="0" presId="urn:microsoft.com/office/officeart/2005/8/layout/hProcess4"/>
+    <dgm:cxn modelId="{FBF9C739-9412-4585-8F14-F4D92428BCA3}" type="presOf" srcId="{B5920376-0133-44CD-BB1B-6F53C130D637}" destId="{B8A19F94-18F6-4D00-B053-8BF08839189F}" srcOrd="0" destOrd="0" presId="urn:microsoft.com/office/officeart/2005/8/layout/hProcess4"/>
+    <dgm:cxn modelId="{BE340D61-28A6-4E10-B4BD-309F83AE9FD8}" type="presOf" srcId="{DD1C8274-3095-435A-B7E9-C86DA96BDE64}" destId="{943CED33-B477-41B6-8333-C0E815B32CCD}" srcOrd="0" destOrd="0" presId="urn:microsoft.com/office/officeart/2005/8/layout/hProcess4"/>
+    <dgm:cxn modelId="{A743B165-EFB3-4A2B-9188-6DFA8B2E60AB}" srcId="{20F7D581-9EB2-498F-BE28-9D62195EAF83}" destId="{B5920376-0133-44CD-BB1B-6F53C130D637}" srcOrd="0" destOrd="0" parTransId="{E82A70DF-B649-4129-9355-DBF8312CF18F}" sibTransId="{73A56BD2-43C1-4062-A5A5-84091B9A63CC}"/>
+    <dgm:cxn modelId="{E683F570-DC2B-4326-9DA0-584336C8C6D6}" type="presOf" srcId="{B5920376-0133-44CD-BB1B-6F53C130D637}" destId="{BCCD055F-C4D8-4E1B-AEB8-AC963578358F}" srcOrd="1" destOrd="0" presId="urn:microsoft.com/office/officeart/2005/8/layout/hProcess4"/>
+    <dgm:cxn modelId="{C5973D72-FB08-4B00-8516-F806514B4438}" srcId="{4BBBBA37-00AE-490F-BA4E-E9A756C4A0D7}" destId="{C0BBB20E-A547-490C-BFC3-F69C30C2BB85}" srcOrd="0" destOrd="0" parTransId="{830D836F-DF80-4E41-AF3F-21CC3E8E4EF2}" sibTransId="{DD1C8274-3095-435A-B7E9-C86DA96BDE64}"/>
+    <dgm:cxn modelId="{555C2B7C-EBBB-4015-9A21-9AA3BA353080}" type="presOf" srcId="{4BBBBA37-00AE-490F-BA4E-E9A756C4A0D7}" destId="{7ABD661D-07C5-4739-AE45-6E1036C01B22}" srcOrd="0" destOrd="0" presId="urn:microsoft.com/office/officeart/2005/8/layout/hProcess4"/>
     <dgm:cxn modelId="{1497608C-9EBF-4045-B5D2-B57D8503FD29}" srcId="{4BBBBA37-00AE-490F-BA4E-E9A756C4A0D7}" destId="{20F7D581-9EB2-498F-BE28-9D62195EAF83}" srcOrd="1" destOrd="0" parTransId="{E0FBE512-C1C4-4067-A1DE-34C9E33E9EB4}" sibTransId="{FCF39507-87BB-42FC-936E-7CB9C907446D}"/>
-    <dgm:cxn modelId="{BE340D61-28A6-4E10-B4BD-309F83AE9FD8}" type="presOf" srcId="{DD1C8274-3095-435A-B7E9-C86DA96BDE64}" destId="{943CED33-B477-41B6-8333-C0E815B32CCD}" srcOrd="0" destOrd="0" presId="urn:microsoft.com/office/officeart/2005/8/layout/hProcess4"/>
-    <dgm:cxn modelId="{C5973D72-FB08-4B00-8516-F806514B4438}" srcId="{4BBBBA37-00AE-490F-BA4E-E9A756C4A0D7}" destId="{C0BBB20E-A547-490C-BFC3-F69C30C2BB85}" srcOrd="0" destOrd="0" parTransId="{830D836F-DF80-4E41-AF3F-21CC3E8E4EF2}" sibTransId="{DD1C8274-3095-435A-B7E9-C86DA96BDE64}"/>
-    <dgm:cxn modelId="{A743B165-EFB3-4A2B-9188-6DFA8B2E60AB}" srcId="{20F7D581-9EB2-498F-BE28-9D62195EAF83}" destId="{B5920376-0133-44CD-BB1B-6F53C130D637}" srcOrd="0" destOrd="0" parTransId="{E82A70DF-B649-4129-9355-DBF8312CF18F}" sibTransId="{73A56BD2-43C1-4062-A5A5-84091B9A63CC}"/>
     <dgm:cxn modelId="{DF3E27AC-9EC7-42C1-8261-77B5D8C07EFD}" srcId="{C0BBB20E-A547-490C-BFC3-F69C30C2BB85}" destId="{AEB247FD-6D58-4408-8770-0452FCED6303}" srcOrd="0" destOrd="0" parTransId="{89E3FD14-03B2-4832-8923-0DD87E75F033}" sibTransId="{13ECDF23-8262-4788-A630-8CE5ECF86CAB}"/>
-    <dgm:cxn modelId="{745C2710-AEC2-4077-8999-F61D41E0B39E}" type="presOf" srcId="{C0BBB20E-A547-490C-BFC3-F69C30C2BB85}" destId="{AB2A0A4B-2E62-43F5-874D-A858B18AD7BD}" srcOrd="0" destOrd="0" presId="urn:microsoft.com/office/officeart/2005/8/layout/hProcess4"/>
-    <dgm:cxn modelId="{FBF9C739-9412-4585-8F14-F4D92428BCA3}" type="presOf" srcId="{B5920376-0133-44CD-BB1B-6F53C130D637}" destId="{B8A19F94-18F6-4D00-B053-8BF08839189F}" srcOrd="0" destOrd="0" presId="urn:microsoft.com/office/officeart/2005/8/layout/hProcess4"/>
-    <dgm:cxn modelId="{E683F570-DC2B-4326-9DA0-584336C8C6D6}" type="presOf" srcId="{B5920376-0133-44CD-BB1B-6F53C130D637}" destId="{BCCD055F-C4D8-4E1B-AEB8-AC963578358F}" srcOrd="1" destOrd="0" presId="urn:microsoft.com/office/officeart/2005/8/layout/hProcess4"/>
-    <dgm:cxn modelId="{555C2B7C-EBBB-4015-9A21-9AA3BA353080}" type="presOf" srcId="{4BBBBA37-00AE-490F-BA4E-E9A756C4A0D7}" destId="{7ABD661D-07C5-4739-AE45-6E1036C01B22}" srcOrd="0" destOrd="0" presId="urn:microsoft.com/office/officeart/2005/8/layout/hProcess4"/>
     <dgm:cxn modelId="{74A79FE0-DCD0-43C0-915E-56C8A39D20C7}" type="presOf" srcId="{AEB247FD-6D58-4408-8770-0452FCED6303}" destId="{0CDE4C4E-2C62-4126-8CEE-77D153383F3B}" srcOrd="1" destOrd="0" presId="urn:microsoft.com/office/officeart/2005/8/layout/hProcess4"/>
-    <dgm:cxn modelId="{0BC19424-EC70-4439-B064-2AB2452E9A8A}" type="presOf" srcId="{AEB247FD-6D58-4408-8770-0452FCED6303}" destId="{8901E0F4-0A59-4693-BCC0-AD691D9FB870}" srcOrd="0" destOrd="0" presId="urn:microsoft.com/office/officeart/2005/8/layout/hProcess4"/>
     <dgm:cxn modelId="{CF123FA8-86E9-4509-A8B2-836C24730797}" type="presParOf" srcId="{7ABD661D-07C5-4739-AE45-6E1036C01B22}" destId="{75F32423-9911-408A-B8A9-5D1154B5D7BF}" srcOrd="0" destOrd="0" presId="urn:microsoft.com/office/officeart/2005/8/layout/hProcess4"/>
     <dgm:cxn modelId="{8850E79F-00B9-4C54-9215-3D15B08153DD}" type="presParOf" srcId="{7ABD661D-07C5-4739-AE45-6E1036C01B22}" destId="{D241EEF2-5E0C-4DE4-A18D-25619EBD7B6F}" srcOrd="1" destOrd="0" presId="urn:microsoft.com/office/officeart/2005/8/layout/hProcess4"/>
     <dgm:cxn modelId="{1226809C-B779-4841-B727-3E10E011B6CB}" type="presParOf" srcId="{7ABD661D-07C5-4739-AE45-6E1036C01B22}" destId="{FC4CC419-9620-4012-97C5-A28BFD476CA1}" srcOrd="2" destOrd="0" presId="urn:microsoft.com/office/officeart/2005/8/layout/hProcess4"/>
@@ -7939,7 +8629,7 @@
 </dgm:dataModel>
 </file>
 
-<file path=ppt/diagrams/data5.xml><?xml version="1.0" encoding="utf-8"?>
+<file path=ppt/diagrams/data6.xml><?xml version="1.0" encoding="utf-8"?>
 <dgm:dataModel xmlns:dgm="http://schemas.openxmlformats.org/drawingml/2006/diagram" xmlns:a="http://schemas.openxmlformats.org/drawingml/2006/main">
   <dgm:ptLst>
     <dgm:pt modelId="{4BBBBA37-00AE-490F-BA4E-E9A756C4A0D7}" type="doc">
@@ -8424,13 +9114,6 @@
         </dgm:presLayoutVars>
       </dgm:prSet>
       <dgm:spPr/>
-      <dgm:t>
-        <a:bodyPr/>
-        <a:lstStyle/>
-        <a:p>
-          <a:endParaRPr lang="fr-FR"/>
-        </a:p>
-      </dgm:t>
     </dgm:pt>
     <dgm:pt modelId="{75F32423-9911-408A-B8A9-5D1154B5D7BF}" type="pres">
       <dgm:prSet presAssocID="{4BBBBA37-00AE-490F-BA4E-E9A756C4A0D7}" presName="tSp" presStyleCnt="0"/>
@@ -8459,13 +9142,6 @@
         </dgm:presLayoutVars>
       </dgm:prSet>
       <dgm:spPr/>
-      <dgm:t>
-        <a:bodyPr/>
-        <a:lstStyle/>
-        <a:p>
-          <a:endParaRPr lang="fr-FR"/>
-        </a:p>
-      </dgm:t>
     </dgm:pt>
     <dgm:pt modelId="{0CDE4C4E-2C62-4126-8CEE-77D153383F3B}" type="pres">
       <dgm:prSet presAssocID="{C0BBB20E-A547-490C-BFC3-F69C30C2BB85}" presName="childNode1tx" presStyleLbl="bgAcc1" presStyleIdx="0" presStyleCnt="3">
@@ -8474,13 +9150,6 @@
         </dgm:presLayoutVars>
       </dgm:prSet>
       <dgm:spPr/>
-      <dgm:t>
-        <a:bodyPr/>
-        <a:lstStyle/>
-        <a:p>
-          <a:endParaRPr lang="fr-FR"/>
-        </a:p>
-      </dgm:t>
     </dgm:pt>
     <dgm:pt modelId="{AB2A0A4B-2E62-43F5-874D-A858B18AD7BD}" type="pres">
       <dgm:prSet presAssocID="{C0BBB20E-A547-490C-BFC3-F69C30C2BB85}" presName="parentNode1" presStyleLbl="node1" presStyleIdx="0" presStyleCnt="3" custScaleX="76849" custScaleY="54238">
@@ -8490,13 +9159,6 @@
         </dgm:presLayoutVars>
       </dgm:prSet>
       <dgm:spPr/>
-      <dgm:t>
-        <a:bodyPr/>
-        <a:lstStyle/>
-        <a:p>
-          <a:endParaRPr lang="fr-FR"/>
-        </a:p>
-      </dgm:t>
     </dgm:pt>
     <dgm:pt modelId="{36C63541-11CA-440A-96C0-F62A9C797175}" type="pres">
       <dgm:prSet presAssocID="{C0BBB20E-A547-490C-BFC3-F69C30C2BB85}" presName="connSite1" presStyleCnt="0"/>
@@ -8505,13 +9167,6 @@
     <dgm:pt modelId="{943CED33-B477-41B6-8333-C0E815B32CCD}" type="pres">
       <dgm:prSet presAssocID="{DD1C8274-3095-435A-B7E9-C86DA96BDE64}" presName="Name9" presStyleLbl="sibTrans2D1" presStyleIdx="0" presStyleCnt="2"/>
       <dgm:spPr/>
-      <dgm:t>
-        <a:bodyPr/>
-        <a:lstStyle/>
-        <a:p>
-          <a:endParaRPr lang="fr-FR"/>
-        </a:p>
-      </dgm:t>
     </dgm:pt>
     <dgm:pt modelId="{DAE054FC-E8A5-4F66-B3DE-0F065A517B2B}" type="pres">
       <dgm:prSet presAssocID="{20F7D581-9EB2-498F-BE28-9D62195EAF83}" presName="composite2" presStyleCnt="0"/>
@@ -8528,13 +9183,6 @@
         </dgm:presLayoutVars>
       </dgm:prSet>
       <dgm:spPr/>
-      <dgm:t>
-        <a:bodyPr/>
-        <a:lstStyle/>
-        <a:p>
-          <a:endParaRPr lang="fr-FR"/>
-        </a:p>
-      </dgm:t>
     </dgm:pt>
     <dgm:pt modelId="{BCCD055F-C4D8-4E1B-AEB8-AC963578358F}" type="pres">
       <dgm:prSet presAssocID="{20F7D581-9EB2-498F-BE28-9D62195EAF83}" presName="childNode2tx" presStyleLbl="bgAcc1" presStyleIdx="1" presStyleCnt="3">
@@ -8543,13 +9191,6 @@
         </dgm:presLayoutVars>
       </dgm:prSet>
       <dgm:spPr/>
-      <dgm:t>
-        <a:bodyPr/>
-        <a:lstStyle/>
-        <a:p>
-          <a:endParaRPr lang="fr-FR"/>
-        </a:p>
-      </dgm:t>
     </dgm:pt>
     <dgm:pt modelId="{71BAD410-3299-44D0-A85A-DC3B57193168}" type="pres">
       <dgm:prSet presAssocID="{20F7D581-9EB2-498F-BE28-9D62195EAF83}" presName="parentNode2" presStyleLbl="node1" presStyleIdx="1" presStyleCnt="3" custScaleX="76849" custScaleY="54238">
@@ -8559,13 +9200,6 @@
         </dgm:presLayoutVars>
       </dgm:prSet>
       <dgm:spPr/>
-      <dgm:t>
-        <a:bodyPr/>
-        <a:lstStyle/>
-        <a:p>
-          <a:endParaRPr lang="fr-FR"/>
-        </a:p>
-      </dgm:t>
     </dgm:pt>
     <dgm:pt modelId="{89ADB8B3-B871-45E3-A9C2-130268780D69}" type="pres">
       <dgm:prSet presAssocID="{20F7D581-9EB2-498F-BE28-9D62195EAF83}" presName="connSite2" presStyleCnt="0"/>
@@ -8574,13 +9208,6 @@
     <dgm:pt modelId="{DC8BE73A-4F5A-421C-B33E-9320120B824C}" type="pres">
       <dgm:prSet presAssocID="{FCF39507-87BB-42FC-936E-7CB9C907446D}" presName="Name18" presStyleLbl="sibTrans2D1" presStyleIdx="1" presStyleCnt="2"/>
       <dgm:spPr/>
-      <dgm:t>
-        <a:bodyPr/>
-        <a:lstStyle/>
-        <a:p>
-          <a:endParaRPr lang="fr-FR"/>
-        </a:p>
-      </dgm:t>
     </dgm:pt>
     <dgm:pt modelId="{0643EB6C-F47F-4843-A806-EFCE9852E787}" type="pres">
       <dgm:prSet presAssocID="{928451A7-076A-4725-BC57-E98970B55362}" presName="composite1" presStyleCnt="0"/>
@@ -8597,13 +9224,6 @@
         </dgm:presLayoutVars>
       </dgm:prSet>
       <dgm:spPr/>
-      <dgm:t>
-        <a:bodyPr/>
-        <a:lstStyle/>
-        <a:p>
-          <a:endParaRPr lang="fr-FR"/>
-        </a:p>
-      </dgm:t>
     </dgm:pt>
     <dgm:pt modelId="{3B26D6A5-9D56-445C-B171-536ACA002E6A}" type="pres">
       <dgm:prSet presAssocID="{928451A7-076A-4725-BC57-E98970B55362}" presName="childNode1tx" presStyleLbl="bgAcc1" presStyleIdx="2" presStyleCnt="3">
@@ -8612,13 +9232,6 @@
         </dgm:presLayoutVars>
       </dgm:prSet>
       <dgm:spPr/>
-      <dgm:t>
-        <a:bodyPr/>
-        <a:lstStyle/>
-        <a:p>
-          <a:endParaRPr lang="fr-FR"/>
-        </a:p>
-      </dgm:t>
     </dgm:pt>
     <dgm:pt modelId="{40A8A41C-CF7A-4E88-8EA7-EAA6AFD512F6}" type="pres">
       <dgm:prSet presAssocID="{928451A7-076A-4725-BC57-E98970B55362}" presName="parentNode1" presStyleLbl="node1" presStyleIdx="2" presStyleCnt="3" custScaleX="76849" custScaleY="54238">
@@ -8628,13 +9241,6 @@
         </dgm:presLayoutVars>
       </dgm:prSet>
       <dgm:spPr/>
-      <dgm:t>
-        <a:bodyPr/>
-        <a:lstStyle/>
-        <a:p>
-          <a:endParaRPr lang="fr-FR"/>
-        </a:p>
-      </dgm:t>
     </dgm:pt>
     <dgm:pt modelId="{B473B88E-BDED-4B84-8518-6F2718D65E59}" type="pres">
       <dgm:prSet presAssocID="{928451A7-076A-4725-BC57-E98970B55362}" presName="connSite1" presStyleCnt="0"/>
@@ -8642,39 +9248,39 @@
     </dgm:pt>
   </dgm:ptLst>
   <dgm:cxnLst>
-    <dgm:cxn modelId="{70FCD421-2521-424F-B9BC-061AF450C2F8}" type="presOf" srcId="{C742B16C-6774-4654-A307-2517E5970ED9}" destId="{0CDE4C4E-2C62-4126-8CEE-77D153383F3B}" srcOrd="1" destOrd="1" presId="urn:microsoft.com/office/officeart/2005/8/layout/hProcess4"/>
-    <dgm:cxn modelId="{AFFF7C9B-0E77-4342-BDDF-B74DE7FEA928}" type="presOf" srcId="{C742B16C-6774-4654-A307-2517E5970ED9}" destId="{8901E0F4-0A59-4693-BCC0-AD691D9FB870}" srcOrd="0" destOrd="1" presId="urn:microsoft.com/office/officeart/2005/8/layout/hProcess4"/>
-    <dgm:cxn modelId="{419C9C8A-B936-4CB0-8C14-ACFFFA0989FC}" type="presOf" srcId="{8B1CE8EB-7CA0-4313-B82B-C36A7BCFDBA5}" destId="{9131C415-ABC8-494A-BB4C-4189E2623C96}" srcOrd="0" destOrd="1" presId="urn:microsoft.com/office/officeart/2005/8/layout/hProcess4"/>
-    <dgm:cxn modelId="{A5BE503C-E8E6-47E1-B911-A7E285B72E93}" type="presOf" srcId="{148DC79C-4EEA-43CF-BADE-659389EC8CCC}" destId="{B8A19F94-18F6-4D00-B053-8BF08839189F}" srcOrd="0" destOrd="1" presId="urn:microsoft.com/office/officeart/2005/8/layout/hProcess4"/>
-    <dgm:cxn modelId="{555C2B7C-EBBB-4015-9A21-9AA3BA353080}" type="presOf" srcId="{4BBBBA37-00AE-490F-BA4E-E9A756C4A0D7}" destId="{7ABD661D-07C5-4739-AE45-6E1036C01B22}" srcOrd="0" destOrd="0" presId="urn:microsoft.com/office/officeart/2005/8/layout/hProcess4"/>
-    <dgm:cxn modelId="{28055EEB-0D05-4E1C-9C09-229002861ED9}" type="presOf" srcId="{148DC79C-4EEA-43CF-BADE-659389EC8CCC}" destId="{BCCD055F-C4D8-4E1B-AEB8-AC963578358F}" srcOrd="1" destOrd="1" presId="urn:microsoft.com/office/officeart/2005/8/layout/hProcess4"/>
-    <dgm:cxn modelId="{658C8A97-82E5-4674-8ED0-64BFCCDCBEC3}" type="presOf" srcId="{8DAB84D0-1232-4525-835D-427DF83AEF9C}" destId="{3B26D6A5-9D56-445C-B171-536ACA002E6A}" srcOrd="1" destOrd="2" presId="urn:microsoft.com/office/officeart/2005/8/layout/hProcess4"/>
     <dgm:cxn modelId="{3228E000-8C8D-4FC1-BE09-2CB2D43274CF}" type="presOf" srcId="{20F7D581-9EB2-498F-BE28-9D62195EAF83}" destId="{71BAD410-3299-44D0-A85A-DC3B57193168}" srcOrd="0" destOrd="0" presId="urn:microsoft.com/office/officeart/2005/8/layout/hProcess4"/>
-    <dgm:cxn modelId="{21EEA131-555A-4801-A607-FBD385939B0A}" srcId="{928451A7-076A-4725-BC57-E98970B55362}" destId="{11F904A3-BE7E-4610-85FF-791DB76C5662}" srcOrd="0" destOrd="0" parTransId="{03E9A0DC-5904-496A-AAF6-356D4EB9E2C7}" sibTransId="{AA783ABE-4698-4A43-ACFE-2F0CA6278420}"/>
-    <dgm:cxn modelId="{74A79FE0-DCD0-43C0-915E-56C8A39D20C7}" type="presOf" srcId="{AEB247FD-6D58-4408-8770-0452FCED6303}" destId="{0CDE4C4E-2C62-4126-8CEE-77D153383F3B}" srcOrd="1" destOrd="0" presId="urn:microsoft.com/office/officeart/2005/8/layout/hProcess4"/>
-    <dgm:cxn modelId="{0BC19424-EC70-4439-B064-2AB2452E9A8A}" type="presOf" srcId="{AEB247FD-6D58-4408-8770-0452FCED6303}" destId="{8901E0F4-0A59-4693-BCC0-AD691D9FB870}" srcOrd="0" destOrd="0" presId="urn:microsoft.com/office/officeart/2005/8/layout/hProcess4"/>
-    <dgm:cxn modelId="{864C703B-D3FC-4566-883E-42340E00BE6D}" type="presOf" srcId="{928451A7-076A-4725-BC57-E98970B55362}" destId="{40A8A41C-CF7A-4E88-8EA7-EAA6AFD512F6}" srcOrd="0" destOrd="0" presId="urn:microsoft.com/office/officeart/2005/8/layout/hProcess4"/>
-    <dgm:cxn modelId="{1A2CD6BD-4FB6-4C65-A31E-7C659272F5FF}" srcId="{4BBBBA37-00AE-490F-BA4E-E9A756C4A0D7}" destId="{928451A7-076A-4725-BC57-E98970B55362}" srcOrd="2" destOrd="0" parTransId="{605DBBC2-A198-4676-A0C6-4546B7A91B68}" sibTransId="{75637A16-730E-4452-8190-67FB3226C504}"/>
-    <dgm:cxn modelId="{E683F570-DC2B-4326-9DA0-584336C8C6D6}" type="presOf" srcId="{B5920376-0133-44CD-BB1B-6F53C130D637}" destId="{BCCD055F-C4D8-4E1B-AEB8-AC963578358F}" srcOrd="1" destOrd="0" presId="urn:microsoft.com/office/officeart/2005/8/layout/hProcess4"/>
-    <dgm:cxn modelId="{89E90838-B3EB-4AAA-8D15-4D187ADDBC24}" srcId="{20F7D581-9EB2-498F-BE28-9D62195EAF83}" destId="{148DC79C-4EEA-43CF-BADE-659389EC8CCC}" srcOrd="1" destOrd="0" parTransId="{93F49CA4-65A7-42FD-8AC9-5CBA10152A5A}" sibTransId="{987AB886-30FC-4929-AFA2-85A0536B5275}"/>
-    <dgm:cxn modelId="{002EAD7A-751D-4A0E-8B80-3ED2E8BF0317}" srcId="{C0BBB20E-A547-490C-BFC3-F69C30C2BB85}" destId="{C742B16C-6774-4654-A307-2517E5970ED9}" srcOrd="1" destOrd="0" parTransId="{3F79200C-09D6-4579-940A-9925FCF29974}" sibTransId="{DB0BD340-6AE9-43AB-8228-82AD980D89BF}"/>
-    <dgm:cxn modelId="{C9483CCC-F04E-41A4-BC9B-839EAF8C71E4}" type="presOf" srcId="{8DAB84D0-1232-4525-835D-427DF83AEF9C}" destId="{9131C415-ABC8-494A-BB4C-4189E2623C96}" srcOrd="0" destOrd="2" presId="urn:microsoft.com/office/officeart/2005/8/layout/hProcess4"/>
     <dgm:cxn modelId="{E260010D-46B0-46C2-93B1-54EE897A6300}" type="presOf" srcId="{FCF39507-87BB-42FC-936E-7CB9C907446D}" destId="{DC8BE73A-4F5A-421C-B33E-9320120B824C}" srcOrd="0" destOrd="0" presId="urn:microsoft.com/office/officeart/2005/8/layout/hProcess4"/>
     <dgm:cxn modelId="{745C2710-AEC2-4077-8999-F61D41E0B39E}" type="presOf" srcId="{C0BBB20E-A547-490C-BFC3-F69C30C2BB85}" destId="{AB2A0A4B-2E62-43F5-874D-A858B18AD7BD}" srcOrd="0" destOrd="0" presId="urn:microsoft.com/office/officeart/2005/8/layout/hProcess4"/>
-    <dgm:cxn modelId="{6CE95EFC-1785-4095-B46C-25755792008A}" srcId="{20F7D581-9EB2-498F-BE28-9D62195EAF83}" destId="{346F9207-926A-4CE5-BAF7-6C23B211C114}" srcOrd="2" destOrd="0" parTransId="{52F81A13-55B5-4418-BFA4-E20AA1BFBD56}" sibTransId="{83D741F7-7241-440A-A365-D29CEE2F3D5C}"/>
+    <dgm:cxn modelId="{70FCD421-2521-424F-B9BC-061AF450C2F8}" type="presOf" srcId="{C742B16C-6774-4654-A307-2517E5970ED9}" destId="{0CDE4C4E-2C62-4126-8CEE-77D153383F3B}" srcOrd="1" destOrd="1" presId="urn:microsoft.com/office/officeart/2005/8/layout/hProcess4"/>
+    <dgm:cxn modelId="{0BC19424-EC70-4439-B064-2AB2452E9A8A}" type="presOf" srcId="{AEB247FD-6D58-4408-8770-0452FCED6303}" destId="{8901E0F4-0A59-4693-BCC0-AD691D9FB870}" srcOrd="0" destOrd="0" presId="urn:microsoft.com/office/officeart/2005/8/layout/hProcess4"/>
+    <dgm:cxn modelId="{DB37CD2A-171A-4EDF-AE2B-5E79EBACFD5B}" srcId="{928451A7-076A-4725-BC57-E98970B55362}" destId="{8DAB84D0-1232-4525-835D-427DF83AEF9C}" srcOrd="2" destOrd="0" parTransId="{66223C22-9641-4203-8CF8-F17D221D4CC1}" sibTransId="{46C6073C-0DC6-4E2E-AF22-F533CD0D8D76}"/>
+    <dgm:cxn modelId="{21EEA131-555A-4801-A607-FBD385939B0A}" srcId="{928451A7-076A-4725-BC57-E98970B55362}" destId="{11F904A3-BE7E-4610-85FF-791DB76C5662}" srcOrd="0" destOrd="0" parTransId="{03E9A0DC-5904-496A-AAF6-356D4EB9E2C7}" sibTransId="{AA783ABE-4698-4A43-ACFE-2F0CA6278420}"/>
+    <dgm:cxn modelId="{89E90838-B3EB-4AAA-8D15-4D187ADDBC24}" srcId="{20F7D581-9EB2-498F-BE28-9D62195EAF83}" destId="{148DC79C-4EEA-43CF-BADE-659389EC8CCC}" srcOrd="1" destOrd="0" parTransId="{93F49CA4-65A7-42FD-8AC9-5CBA10152A5A}" sibTransId="{987AB886-30FC-4929-AFA2-85A0536B5275}"/>
+    <dgm:cxn modelId="{FBF9C739-9412-4585-8F14-F4D92428BCA3}" type="presOf" srcId="{B5920376-0133-44CD-BB1B-6F53C130D637}" destId="{B8A19F94-18F6-4D00-B053-8BF08839189F}" srcOrd="0" destOrd="0" presId="urn:microsoft.com/office/officeart/2005/8/layout/hProcess4"/>
+    <dgm:cxn modelId="{864C703B-D3FC-4566-883E-42340E00BE6D}" type="presOf" srcId="{928451A7-076A-4725-BC57-E98970B55362}" destId="{40A8A41C-CF7A-4E88-8EA7-EAA6AFD512F6}" srcOrd="0" destOrd="0" presId="urn:microsoft.com/office/officeart/2005/8/layout/hProcess4"/>
+    <dgm:cxn modelId="{A5BE503C-E8E6-47E1-B911-A7E285B72E93}" type="presOf" srcId="{148DC79C-4EEA-43CF-BADE-659389EC8CCC}" destId="{B8A19F94-18F6-4D00-B053-8BF08839189F}" srcOrd="0" destOrd="1" presId="urn:microsoft.com/office/officeart/2005/8/layout/hProcess4"/>
+    <dgm:cxn modelId="{54E2835E-295E-4457-8401-C47701F7A488}" type="presOf" srcId="{346F9207-926A-4CE5-BAF7-6C23B211C114}" destId="{B8A19F94-18F6-4D00-B053-8BF08839189F}" srcOrd="0" destOrd="2" presId="urn:microsoft.com/office/officeart/2005/8/layout/hProcess4"/>
+    <dgm:cxn modelId="{BE340D61-28A6-4E10-B4BD-309F83AE9FD8}" type="presOf" srcId="{DD1C8274-3095-435A-B7E9-C86DA96BDE64}" destId="{943CED33-B477-41B6-8333-C0E815B32CCD}" srcOrd="0" destOrd="0" presId="urn:microsoft.com/office/officeart/2005/8/layout/hProcess4"/>
+    <dgm:cxn modelId="{A743B165-EFB3-4A2B-9188-6DFA8B2E60AB}" srcId="{20F7D581-9EB2-498F-BE28-9D62195EAF83}" destId="{B5920376-0133-44CD-BB1B-6F53C130D637}" srcOrd="0" destOrd="0" parTransId="{E82A70DF-B649-4129-9355-DBF8312CF18F}" sibTransId="{73A56BD2-43C1-4062-A5A5-84091B9A63CC}"/>
+    <dgm:cxn modelId="{E683F570-DC2B-4326-9DA0-584336C8C6D6}" type="presOf" srcId="{B5920376-0133-44CD-BB1B-6F53C130D637}" destId="{BCCD055F-C4D8-4E1B-AEB8-AC963578358F}" srcOrd="1" destOrd="0" presId="urn:microsoft.com/office/officeart/2005/8/layout/hProcess4"/>
+    <dgm:cxn modelId="{C5973D72-FB08-4B00-8516-F806514B4438}" srcId="{4BBBBA37-00AE-490F-BA4E-E9A756C4A0D7}" destId="{C0BBB20E-A547-490C-BFC3-F69C30C2BB85}" srcOrd="0" destOrd="0" parTransId="{830D836F-DF80-4E41-AF3F-21CC3E8E4EF2}" sibTransId="{DD1C8274-3095-435A-B7E9-C86DA96BDE64}"/>
+    <dgm:cxn modelId="{002EAD7A-751D-4A0E-8B80-3ED2E8BF0317}" srcId="{C0BBB20E-A547-490C-BFC3-F69C30C2BB85}" destId="{C742B16C-6774-4654-A307-2517E5970ED9}" srcOrd="1" destOrd="0" parTransId="{3F79200C-09D6-4579-940A-9925FCF29974}" sibTransId="{DB0BD340-6AE9-43AB-8228-82AD980D89BF}"/>
+    <dgm:cxn modelId="{555C2B7C-EBBB-4015-9A21-9AA3BA353080}" type="presOf" srcId="{4BBBBA37-00AE-490F-BA4E-E9A756C4A0D7}" destId="{7ABD661D-07C5-4739-AE45-6E1036C01B22}" srcOrd="0" destOrd="0" presId="urn:microsoft.com/office/officeart/2005/8/layout/hProcess4"/>
+    <dgm:cxn modelId="{419C9C8A-B936-4CB0-8C14-ACFFFA0989FC}" type="presOf" srcId="{8B1CE8EB-7CA0-4313-B82B-C36A7BCFDBA5}" destId="{9131C415-ABC8-494A-BB4C-4189E2623C96}" srcOrd="0" destOrd="1" presId="urn:microsoft.com/office/officeart/2005/8/layout/hProcess4"/>
+    <dgm:cxn modelId="{1497608C-9EBF-4045-B5D2-B57D8503FD29}" srcId="{4BBBBA37-00AE-490F-BA4E-E9A756C4A0D7}" destId="{20F7D581-9EB2-498F-BE28-9D62195EAF83}" srcOrd="1" destOrd="0" parTransId="{E0FBE512-C1C4-4067-A1DE-34C9E33E9EB4}" sibTransId="{FCF39507-87BB-42FC-936E-7CB9C907446D}"/>
+    <dgm:cxn modelId="{6DF80592-36AC-4508-8724-FC002CDE077F}" type="presOf" srcId="{8B1CE8EB-7CA0-4313-B82B-C36A7BCFDBA5}" destId="{3B26D6A5-9D56-445C-B171-536ACA002E6A}" srcOrd="1" destOrd="1" presId="urn:microsoft.com/office/officeart/2005/8/layout/hProcess4"/>
+    <dgm:cxn modelId="{658C8A97-82E5-4674-8ED0-64BFCCDCBEC3}" type="presOf" srcId="{8DAB84D0-1232-4525-835D-427DF83AEF9C}" destId="{3B26D6A5-9D56-445C-B171-536ACA002E6A}" srcOrd="1" destOrd="2" presId="urn:microsoft.com/office/officeart/2005/8/layout/hProcess4"/>
+    <dgm:cxn modelId="{AFFF7C9B-0E77-4342-BDDF-B74DE7FEA928}" type="presOf" srcId="{C742B16C-6774-4654-A307-2517E5970ED9}" destId="{8901E0F4-0A59-4693-BCC0-AD691D9FB870}" srcOrd="0" destOrd="1" presId="urn:microsoft.com/office/officeart/2005/8/layout/hProcess4"/>
     <dgm:cxn modelId="{838DFA9C-65AB-4608-A291-FF7157BB4A5F}" type="presOf" srcId="{11F904A3-BE7E-4610-85FF-791DB76C5662}" destId="{9131C415-ABC8-494A-BB4C-4189E2623C96}" srcOrd="0" destOrd="0" presId="urn:microsoft.com/office/officeart/2005/8/layout/hProcess4"/>
-    <dgm:cxn modelId="{6DF80592-36AC-4508-8724-FC002CDE077F}" type="presOf" srcId="{8B1CE8EB-7CA0-4313-B82B-C36A7BCFDBA5}" destId="{3B26D6A5-9D56-445C-B171-536ACA002E6A}" srcOrd="1" destOrd="1" presId="urn:microsoft.com/office/officeart/2005/8/layout/hProcess4"/>
-    <dgm:cxn modelId="{BE340D61-28A6-4E10-B4BD-309F83AE9FD8}" type="presOf" srcId="{DD1C8274-3095-435A-B7E9-C86DA96BDE64}" destId="{943CED33-B477-41B6-8333-C0E815B32CCD}" srcOrd="0" destOrd="0" presId="urn:microsoft.com/office/officeart/2005/8/layout/hProcess4"/>
+    <dgm:cxn modelId="{DF3E27AC-9EC7-42C1-8261-77B5D8C07EFD}" srcId="{C0BBB20E-A547-490C-BFC3-F69C30C2BB85}" destId="{AEB247FD-6D58-4408-8770-0452FCED6303}" srcOrd="0" destOrd="0" parTransId="{89E3FD14-03B2-4832-8923-0DD87E75F033}" sibTransId="{13ECDF23-8262-4788-A630-8CE5ECF86CAB}"/>
+    <dgm:cxn modelId="{1A2CD6BD-4FB6-4C65-A31E-7C659272F5FF}" srcId="{4BBBBA37-00AE-490F-BA4E-E9A756C4A0D7}" destId="{928451A7-076A-4725-BC57-E98970B55362}" srcOrd="2" destOrd="0" parTransId="{605DBBC2-A198-4676-A0C6-4546B7A91B68}" sibTransId="{75637A16-730E-4452-8190-67FB3226C504}"/>
+    <dgm:cxn modelId="{C9483CCC-F04E-41A4-BC9B-839EAF8C71E4}" type="presOf" srcId="{8DAB84D0-1232-4525-835D-427DF83AEF9C}" destId="{9131C415-ABC8-494A-BB4C-4189E2623C96}" srcOrd="0" destOrd="2" presId="urn:microsoft.com/office/officeart/2005/8/layout/hProcess4"/>
     <dgm:cxn modelId="{EBC422D0-6B48-45C7-BA12-1D35FC881AA7}" srcId="{928451A7-076A-4725-BC57-E98970B55362}" destId="{8B1CE8EB-7CA0-4313-B82B-C36A7BCFDBA5}" srcOrd="1" destOrd="0" parTransId="{454A3619-D629-4946-ACA0-13CDA67EC3C8}" sibTransId="{E9BDABAC-C5CC-489A-B470-ECB5D9E4FFBA}"/>
-    <dgm:cxn modelId="{1497608C-9EBF-4045-B5D2-B57D8503FD29}" srcId="{4BBBBA37-00AE-490F-BA4E-E9A756C4A0D7}" destId="{20F7D581-9EB2-498F-BE28-9D62195EAF83}" srcOrd="1" destOrd="0" parTransId="{E0FBE512-C1C4-4067-A1DE-34C9E33E9EB4}" sibTransId="{FCF39507-87BB-42FC-936E-7CB9C907446D}"/>
-    <dgm:cxn modelId="{54E2835E-295E-4457-8401-C47701F7A488}" type="presOf" srcId="{346F9207-926A-4CE5-BAF7-6C23B211C114}" destId="{B8A19F94-18F6-4D00-B053-8BF08839189F}" srcOrd="0" destOrd="2" presId="urn:microsoft.com/office/officeart/2005/8/layout/hProcess4"/>
-    <dgm:cxn modelId="{DF3E27AC-9EC7-42C1-8261-77B5D8C07EFD}" srcId="{C0BBB20E-A547-490C-BFC3-F69C30C2BB85}" destId="{AEB247FD-6D58-4408-8770-0452FCED6303}" srcOrd="0" destOrd="0" parTransId="{89E3FD14-03B2-4832-8923-0DD87E75F033}" sibTransId="{13ECDF23-8262-4788-A630-8CE5ECF86CAB}"/>
-    <dgm:cxn modelId="{C5973D72-FB08-4B00-8516-F806514B4438}" srcId="{4BBBBA37-00AE-490F-BA4E-E9A756C4A0D7}" destId="{C0BBB20E-A547-490C-BFC3-F69C30C2BB85}" srcOrd="0" destOrd="0" parTransId="{830D836F-DF80-4E41-AF3F-21CC3E8E4EF2}" sibTransId="{DD1C8274-3095-435A-B7E9-C86DA96BDE64}"/>
-    <dgm:cxn modelId="{A743B165-EFB3-4A2B-9188-6DFA8B2E60AB}" srcId="{20F7D581-9EB2-498F-BE28-9D62195EAF83}" destId="{B5920376-0133-44CD-BB1B-6F53C130D637}" srcOrd="0" destOrd="0" parTransId="{E82A70DF-B649-4129-9355-DBF8312CF18F}" sibTransId="{73A56BD2-43C1-4062-A5A5-84091B9A63CC}"/>
-    <dgm:cxn modelId="{FBF9C739-9412-4585-8F14-F4D92428BCA3}" type="presOf" srcId="{B5920376-0133-44CD-BB1B-6F53C130D637}" destId="{B8A19F94-18F6-4D00-B053-8BF08839189F}" srcOrd="0" destOrd="0" presId="urn:microsoft.com/office/officeart/2005/8/layout/hProcess4"/>
+    <dgm:cxn modelId="{74A79FE0-DCD0-43C0-915E-56C8A39D20C7}" type="presOf" srcId="{AEB247FD-6D58-4408-8770-0452FCED6303}" destId="{0CDE4C4E-2C62-4126-8CEE-77D153383F3B}" srcOrd="1" destOrd="0" presId="urn:microsoft.com/office/officeart/2005/8/layout/hProcess4"/>
     <dgm:cxn modelId="{966C64E5-611A-47C4-905E-CC17AF588A1F}" type="presOf" srcId="{346F9207-926A-4CE5-BAF7-6C23B211C114}" destId="{BCCD055F-C4D8-4E1B-AEB8-AC963578358F}" srcOrd="1" destOrd="2" presId="urn:microsoft.com/office/officeart/2005/8/layout/hProcess4"/>
     <dgm:cxn modelId="{AE3814E9-6976-4CC2-90CB-4D505E6271E7}" type="presOf" srcId="{11F904A3-BE7E-4610-85FF-791DB76C5662}" destId="{3B26D6A5-9D56-445C-B171-536ACA002E6A}" srcOrd="1" destOrd="0" presId="urn:microsoft.com/office/officeart/2005/8/layout/hProcess4"/>
-    <dgm:cxn modelId="{DB37CD2A-171A-4EDF-AE2B-5E79EBACFD5B}" srcId="{928451A7-076A-4725-BC57-E98970B55362}" destId="{8DAB84D0-1232-4525-835D-427DF83AEF9C}" srcOrd="2" destOrd="0" parTransId="{66223C22-9641-4203-8CF8-F17D221D4CC1}" sibTransId="{46C6073C-0DC6-4E2E-AF22-F533CD0D8D76}"/>
+    <dgm:cxn modelId="{28055EEB-0D05-4E1C-9C09-229002861ED9}" type="presOf" srcId="{148DC79C-4EEA-43CF-BADE-659389EC8CCC}" destId="{BCCD055F-C4D8-4E1B-AEB8-AC963578358F}" srcOrd="1" destOrd="1" presId="urn:microsoft.com/office/officeart/2005/8/layout/hProcess4"/>
+    <dgm:cxn modelId="{6CE95EFC-1785-4095-B46C-25755792008A}" srcId="{20F7D581-9EB2-498F-BE28-9D62195EAF83}" destId="{346F9207-926A-4CE5-BAF7-6C23B211C114}" srcOrd="2" destOrd="0" parTransId="{52F81A13-55B5-4418-BFA4-E20AA1BFBD56}" sibTransId="{83D741F7-7241-440A-A365-D29CEE2F3D5C}"/>
     <dgm:cxn modelId="{CF123FA8-86E9-4509-A8B2-836C24730797}" type="presParOf" srcId="{7ABD661D-07C5-4739-AE45-6E1036C01B22}" destId="{75F32423-9911-408A-B8A9-5D1154B5D7BF}" srcOrd="0" destOrd="0" presId="urn:microsoft.com/office/officeart/2005/8/layout/hProcess4"/>
     <dgm:cxn modelId="{8850E79F-00B9-4C54-9215-3D15B08153DD}" type="presParOf" srcId="{7ABD661D-07C5-4739-AE45-6E1036C01B22}" destId="{D241EEF2-5E0C-4DE4-A18D-25619EBD7B6F}" srcOrd="1" destOrd="0" presId="urn:microsoft.com/office/officeart/2005/8/layout/hProcess4"/>
     <dgm:cxn modelId="{1226809C-B779-4841-B727-3E10E011B6CB}" type="presParOf" srcId="{7ABD661D-07C5-4739-AE45-6E1036C01B22}" destId="{FC4CC419-9620-4012-97C5-A28BFD476CA1}" srcOrd="2" destOrd="0" presId="urn:microsoft.com/office/officeart/2005/8/layout/hProcess4"/>
@@ -8709,7 +9315,7 @@
 </dgm:dataModel>
 </file>
 
-<file path=ppt/diagrams/data6.xml><?xml version="1.0" encoding="utf-8"?>
+<file path=ppt/diagrams/data7.xml><?xml version="1.0" encoding="utf-8"?>
 <dgm:dataModel xmlns:dgm="http://schemas.openxmlformats.org/drawingml/2006/diagram" xmlns:a="http://schemas.openxmlformats.org/drawingml/2006/main">
   <dgm:ptLst>
     <dgm:pt modelId="{4BBBBA37-00AE-490F-BA4E-E9A756C4A0D7}" type="doc">
@@ -9038,13 +9644,6 @@
         </dgm:presLayoutVars>
       </dgm:prSet>
       <dgm:spPr/>
-      <dgm:t>
-        <a:bodyPr/>
-        <a:lstStyle/>
-        <a:p>
-          <a:endParaRPr lang="fr-FR"/>
-        </a:p>
-      </dgm:t>
     </dgm:pt>
     <dgm:pt modelId="{75F32423-9911-408A-B8A9-5D1154B5D7BF}" type="pres">
       <dgm:prSet presAssocID="{4BBBBA37-00AE-490F-BA4E-E9A756C4A0D7}" presName="tSp" presStyleCnt="0"/>
@@ -9073,13 +9672,6 @@
         </dgm:presLayoutVars>
       </dgm:prSet>
       <dgm:spPr/>
-      <dgm:t>
-        <a:bodyPr/>
-        <a:lstStyle/>
-        <a:p>
-          <a:endParaRPr lang="fr-FR"/>
-        </a:p>
-      </dgm:t>
     </dgm:pt>
     <dgm:pt modelId="{0CDE4C4E-2C62-4126-8CEE-77D153383F3B}" type="pres">
       <dgm:prSet presAssocID="{C0BBB20E-A547-490C-BFC3-F69C30C2BB85}" presName="childNode1tx" presStyleLbl="bgAcc1" presStyleIdx="0" presStyleCnt="3">
@@ -9088,13 +9680,6 @@
         </dgm:presLayoutVars>
       </dgm:prSet>
       <dgm:spPr/>
-      <dgm:t>
-        <a:bodyPr/>
-        <a:lstStyle/>
-        <a:p>
-          <a:endParaRPr lang="fr-FR"/>
-        </a:p>
-      </dgm:t>
     </dgm:pt>
     <dgm:pt modelId="{AB2A0A4B-2E62-43F5-874D-A858B18AD7BD}" type="pres">
       <dgm:prSet presAssocID="{C0BBB20E-A547-490C-BFC3-F69C30C2BB85}" presName="parentNode1" presStyleLbl="node1" presStyleIdx="0" presStyleCnt="3">
@@ -9104,13 +9689,6 @@
         </dgm:presLayoutVars>
       </dgm:prSet>
       <dgm:spPr/>
-      <dgm:t>
-        <a:bodyPr/>
-        <a:lstStyle/>
-        <a:p>
-          <a:endParaRPr lang="fr-FR"/>
-        </a:p>
-      </dgm:t>
     </dgm:pt>
     <dgm:pt modelId="{36C63541-11CA-440A-96C0-F62A9C797175}" type="pres">
       <dgm:prSet presAssocID="{C0BBB20E-A547-490C-BFC3-F69C30C2BB85}" presName="connSite1" presStyleCnt="0"/>
@@ -9119,13 +9697,6 @@
     <dgm:pt modelId="{943CED33-B477-41B6-8333-C0E815B32CCD}" type="pres">
       <dgm:prSet presAssocID="{DD1C8274-3095-435A-B7E9-C86DA96BDE64}" presName="Name9" presStyleLbl="sibTrans2D1" presStyleIdx="0" presStyleCnt="2"/>
       <dgm:spPr/>
-      <dgm:t>
-        <a:bodyPr/>
-        <a:lstStyle/>
-        <a:p>
-          <a:endParaRPr lang="fr-FR"/>
-        </a:p>
-      </dgm:t>
     </dgm:pt>
     <dgm:pt modelId="{DAE054FC-E8A5-4F66-B3DE-0F065A517B2B}" type="pres">
       <dgm:prSet presAssocID="{20F7D581-9EB2-498F-BE28-9D62195EAF83}" presName="composite2" presStyleCnt="0"/>
@@ -9142,13 +9713,6 @@
         </dgm:presLayoutVars>
       </dgm:prSet>
       <dgm:spPr/>
-      <dgm:t>
-        <a:bodyPr/>
-        <a:lstStyle/>
-        <a:p>
-          <a:endParaRPr lang="fr-FR"/>
-        </a:p>
-      </dgm:t>
     </dgm:pt>
     <dgm:pt modelId="{BCCD055F-C4D8-4E1B-AEB8-AC963578358F}" type="pres">
       <dgm:prSet presAssocID="{20F7D581-9EB2-498F-BE28-9D62195EAF83}" presName="childNode2tx" presStyleLbl="bgAcc1" presStyleIdx="1" presStyleCnt="3">
@@ -9157,13 +9721,6 @@
         </dgm:presLayoutVars>
       </dgm:prSet>
       <dgm:spPr/>
-      <dgm:t>
-        <a:bodyPr/>
-        <a:lstStyle/>
-        <a:p>
-          <a:endParaRPr lang="fr-FR"/>
-        </a:p>
-      </dgm:t>
     </dgm:pt>
     <dgm:pt modelId="{71BAD410-3299-44D0-A85A-DC3B57193168}" type="pres">
       <dgm:prSet presAssocID="{20F7D581-9EB2-498F-BE28-9D62195EAF83}" presName="parentNode2" presStyleLbl="node1" presStyleIdx="1" presStyleCnt="3">
@@ -9173,13 +9730,6 @@
         </dgm:presLayoutVars>
       </dgm:prSet>
       <dgm:spPr/>
-      <dgm:t>
-        <a:bodyPr/>
-        <a:lstStyle/>
-        <a:p>
-          <a:endParaRPr lang="fr-FR"/>
-        </a:p>
-      </dgm:t>
     </dgm:pt>
     <dgm:pt modelId="{89ADB8B3-B871-45E3-A9C2-130268780D69}" type="pres">
       <dgm:prSet presAssocID="{20F7D581-9EB2-498F-BE28-9D62195EAF83}" presName="connSite2" presStyleCnt="0"/>
@@ -9188,13 +9738,6 @@
     <dgm:pt modelId="{DC8BE73A-4F5A-421C-B33E-9320120B824C}" type="pres">
       <dgm:prSet presAssocID="{FCF39507-87BB-42FC-936E-7CB9C907446D}" presName="Name18" presStyleLbl="sibTrans2D1" presStyleIdx="1" presStyleCnt="2"/>
       <dgm:spPr/>
-      <dgm:t>
-        <a:bodyPr/>
-        <a:lstStyle/>
-        <a:p>
-          <a:endParaRPr lang="fr-FR"/>
-        </a:p>
-      </dgm:t>
     </dgm:pt>
     <dgm:pt modelId="{0643EB6C-F47F-4843-A806-EFCE9852E787}" type="pres">
       <dgm:prSet presAssocID="{928451A7-076A-4725-BC57-E98970B55362}" presName="composite1" presStyleCnt="0"/>
@@ -9211,13 +9754,6 @@
         </dgm:presLayoutVars>
       </dgm:prSet>
       <dgm:spPr/>
-      <dgm:t>
-        <a:bodyPr/>
-        <a:lstStyle/>
-        <a:p>
-          <a:endParaRPr lang="fr-FR"/>
-        </a:p>
-      </dgm:t>
     </dgm:pt>
     <dgm:pt modelId="{3B26D6A5-9D56-445C-B171-536ACA002E6A}" type="pres">
       <dgm:prSet presAssocID="{928451A7-076A-4725-BC57-E98970B55362}" presName="childNode1tx" presStyleLbl="bgAcc1" presStyleIdx="2" presStyleCnt="3">
@@ -9226,13 +9762,6 @@
         </dgm:presLayoutVars>
       </dgm:prSet>
       <dgm:spPr/>
-      <dgm:t>
-        <a:bodyPr/>
-        <a:lstStyle/>
-        <a:p>
-          <a:endParaRPr lang="fr-FR"/>
-        </a:p>
-      </dgm:t>
     </dgm:pt>
     <dgm:pt modelId="{40A8A41C-CF7A-4E88-8EA7-EAA6AFD512F6}" type="pres">
       <dgm:prSet presAssocID="{928451A7-076A-4725-BC57-E98970B55362}" presName="parentNode1" presStyleLbl="node1" presStyleIdx="2" presStyleCnt="3">
@@ -9242,13 +9771,6 @@
         </dgm:presLayoutVars>
       </dgm:prSet>
       <dgm:spPr/>
-      <dgm:t>
-        <a:bodyPr/>
-        <a:lstStyle/>
-        <a:p>
-          <a:endParaRPr lang="fr-FR"/>
-        </a:p>
-      </dgm:t>
     </dgm:pt>
     <dgm:pt modelId="{B473B88E-BDED-4B84-8518-6F2718D65E59}" type="pres">
       <dgm:prSet presAssocID="{928451A7-076A-4725-BC57-E98970B55362}" presName="connSite1" presStyleCnt="0"/>
@@ -9256,33 +9778,33 @@
     </dgm:pt>
   </dgm:ptLst>
   <dgm:cxnLst>
-    <dgm:cxn modelId="{AFFF7C9B-0E77-4342-BDDF-B74DE7FEA928}" type="presOf" srcId="{C742B16C-6774-4654-A307-2517E5970ED9}" destId="{8901E0F4-0A59-4693-BCC0-AD691D9FB870}" srcOrd="0" destOrd="0" presId="urn:microsoft.com/office/officeart/2005/8/layout/hProcess4"/>
+    <dgm:cxn modelId="{3228E000-8C8D-4FC1-BE09-2CB2D43274CF}" type="presOf" srcId="{20F7D581-9EB2-498F-BE28-9D62195EAF83}" destId="{71BAD410-3299-44D0-A85A-DC3B57193168}" srcOrd="0" destOrd="0" presId="urn:microsoft.com/office/officeart/2005/8/layout/hProcess4"/>
     <dgm:cxn modelId="{E260010D-46B0-46C2-93B1-54EE897A6300}" type="presOf" srcId="{FCF39507-87BB-42FC-936E-7CB9C907446D}" destId="{DC8BE73A-4F5A-421C-B33E-9320120B824C}" srcOrd="0" destOrd="0" presId="urn:microsoft.com/office/officeart/2005/8/layout/hProcess4"/>
+    <dgm:cxn modelId="{745C2710-AEC2-4077-8999-F61D41E0B39E}" type="presOf" srcId="{C0BBB20E-A547-490C-BFC3-F69C30C2BB85}" destId="{AB2A0A4B-2E62-43F5-874D-A858B18AD7BD}" srcOrd="0" destOrd="0" presId="urn:microsoft.com/office/officeart/2005/8/layout/hProcess4"/>
+    <dgm:cxn modelId="{70FCD421-2521-424F-B9BC-061AF450C2F8}" type="presOf" srcId="{C742B16C-6774-4654-A307-2517E5970ED9}" destId="{0CDE4C4E-2C62-4126-8CEE-77D153383F3B}" srcOrd="1" destOrd="0" presId="urn:microsoft.com/office/officeart/2005/8/layout/hProcess4"/>
+    <dgm:cxn modelId="{DB37CD2A-171A-4EDF-AE2B-5E79EBACFD5B}" srcId="{928451A7-076A-4725-BC57-E98970B55362}" destId="{8DAB84D0-1232-4525-835D-427DF83AEF9C}" srcOrd="1" destOrd="0" parTransId="{66223C22-9641-4203-8CF8-F17D221D4CC1}" sibTransId="{46C6073C-0DC6-4E2E-AF22-F533CD0D8D76}"/>
     <dgm:cxn modelId="{21EEA131-555A-4801-A607-FBD385939B0A}" srcId="{928451A7-076A-4725-BC57-E98970B55362}" destId="{11F904A3-BE7E-4610-85FF-791DB76C5662}" srcOrd="0" destOrd="0" parTransId="{03E9A0DC-5904-496A-AAF6-356D4EB9E2C7}" sibTransId="{AA783ABE-4698-4A43-ACFE-2F0CA6278420}"/>
     <dgm:cxn modelId="{89E90838-B3EB-4AAA-8D15-4D187ADDBC24}" srcId="{20F7D581-9EB2-498F-BE28-9D62195EAF83}" destId="{148DC79C-4EEA-43CF-BADE-659389EC8CCC}" srcOrd="1" destOrd="0" parTransId="{93F49CA4-65A7-42FD-8AC9-5CBA10152A5A}" sibTransId="{987AB886-30FC-4929-AFA2-85A0536B5275}"/>
-    <dgm:cxn modelId="{70FCD421-2521-424F-B9BC-061AF450C2F8}" type="presOf" srcId="{C742B16C-6774-4654-A307-2517E5970ED9}" destId="{0CDE4C4E-2C62-4126-8CEE-77D153383F3B}" srcOrd="1" destOrd="0" presId="urn:microsoft.com/office/officeart/2005/8/layout/hProcess4"/>
+    <dgm:cxn modelId="{FBF9C739-9412-4585-8F14-F4D92428BCA3}" type="presOf" srcId="{B5920376-0133-44CD-BB1B-6F53C130D637}" destId="{B8A19F94-18F6-4D00-B053-8BF08839189F}" srcOrd="0" destOrd="0" presId="urn:microsoft.com/office/officeart/2005/8/layout/hProcess4"/>
+    <dgm:cxn modelId="{864C703B-D3FC-4566-883E-42340E00BE6D}" type="presOf" srcId="{928451A7-076A-4725-BC57-E98970B55362}" destId="{40A8A41C-CF7A-4E88-8EA7-EAA6AFD512F6}" srcOrd="0" destOrd="0" presId="urn:microsoft.com/office/officeart/2005/8/layout/hProcess4"/>
+    <dgm:cxn modelId="{A5BE503C-E8E6-47E1-B911-A7E285B72E93}" type="presOf" srcId="{148DC79C-4EEA-43CF-BADE-659389EC8CCC}" destId="{B8A19F94-18F6-4D00-B053-8BF08839189F}" srcOrd="0" destOrd="1" presId="urn:microsoft.com/office/officeart/2005/8/layout/hProcess4"/>
+    <dgm:cxn modelId="{BE340D61-28A6-4E10-B4BD-309F83AE9FD8}" type="presOf" srcId="{DD1C8274-3095-435A-B7E9-C86DA96BDE64}" destId="{943CED33-B477-41B6-8333-C0E815B32CCD}" srcOrd="0" destOrd="0" presId="urn:microsoft.com/office/officeart/2005/8/layout/hProcess4"/>
+    <dgm:cxn modelId="{0ACA2444-26E0-4640-8CC7-AB33AA1DAD47}" type="presOf" srcId="{F13B1487-2412-4E08-99C9-67C2BCBDEA4A}" destId="{0CDE4C4E-2C62-4126-8CEE-77D153383F3B}" srcOrd="1" destOrd="1" presId="urn:microsoft.com/office/officeart/2005/8/layout/hProcess4"/>
+    <dgm:cxn modelId="{A743B165-EFB3-4A2B-9188-6DFA8B2E60AB}" srcId="{20F7D581-9EB2-498F-BE28-9D62195EAF83}" destId="{B5920376-0133-44CD-BB1B-6F53C130D637}" srcOrd="0" destOrd="0" parTransId="{E82A70DF-B649-4129-9355-DBF8312CF18F}" sibTransId="{73A56BD2-43C1-4062-A5A5-84091B9A63CC}"/>
+    <dgm:cxn modelId="{C8B22B49-CC6C-4CC7-B1A3-9980D2423C47}" srcId="{C0BBB20E-A547-490C-BFC3-F69C30C2BB85}" destId="{F13B1487-2412-4E08-99C9-67C2BCBDEA4A}" srcOrd="1" destOrd="0" parTransId="{D2C1CF47-F1CF-41FD-863C-436CAB276BF5}" sibTransId="{0DA945F7-3BBA-45C9-BADE-9D9D10D8009B}"/>
     <dgm:cxn modelId="{A4A6564B-C371-4F9F-B066-1639325111C0}" type="presOf" srcId="{F13B1487-2412-4E08-99C9-67C2BCBDEA4A}" destId="{8901E0F4-0A59-4693-BCC0-AD691D9FB870}" srcOrd="0" destOrd="1" presId="urn:microsoft.com/office/officeart/2005/8/layout/hProcess4"/>
+    <dgm:cxn modelId="{E683F570-DC2B-4326-9DA0-584336C8C6D6}" type="presOf" srcId="{B5920376-0133-44CD-BB1B-6F53C130D637}" destId="{BCCD055F-C4D8-4E1B-AEB8-AC963578358F}" srcOrd="1" destOrd="0" presId="urn:microsoft.com/office/officeart/2005/8/layout/hProcess4"/>
+    <dgm:cxn modelId="{C5973D72-FB08-4B00-8516-F806514B4438}" srcId="{4BBBBA37-00AE-490F-BA4E-E9A756C4A0D7}" destId="{C0BBB20E-A547-490C-BFC3-F69C30C2BB85}" srcOrd="0" destOrd="0" parTransId="{830D836F-DF80-4E41-AF3F-21CC3E8E4EF2}" sibTransId="{DD1C8274-3095-435A-B7E9-C86DA96BDE64}"/>
+    <dgm:cxn modelId="{002EAD7A-751D-4A0E-8B80-3ED2E8BF0317}" srcId="{C0BBB20E-A547-490C-BFC3-F69C30C2BB85}" destId="{C742B16C-6774-4654-A307-2517E5970ED9}" srcOrd="0" destOrd="0" parTransId="{3F79200C-09D6-4579-940A-9925FCF29974}" sibTransId="{DB0BD340-6AE9-43AB-8228-82AD980D89BF}"/>
+    <dgm:cxn modelId="{555C2B7C-EBBB-4015-9A21-9AA3BA353080}" type="presOf" srcId="{4BBBBA37-00AE-490F-BA4E-E9A756C4A0D7}" destId="{7ABD661D-07C5-4739-AE45-6E1036C01B22}" srcOrd="0" destOrd="0" presId="urn:microsoft.com/office/officeart/2005/8/layout/hProcess4"/>
+    <dgm:cxn modelId="{1497608C-9EBF-4045-B5D2-B57D8503FD29}" srcId="{4BBBBA37-00AE-490F-BA4E-E9A756C4A0D7}" destId="{20F7D581-9EB2-498F-BE28-9D62195EAF83}" srcOrd="1" destOrd="0" parTransId="{E0FBE512-C1C4-4067-A1DE-34C9E33E9EB4}" sibTransId="{FCF39507-87BB-42FC-936E-7CB9C907446D}"/>
+    <dgm:cxn modelId="{658C8A97-82E5-4674-8ED0-64BFCCDCBEC3}" type="presOf" srcId="{8DAB84D0-1232-4525-835D-427DF83AEF9C}" destId="{3B26D6A5-9D56-445C-B171-536ACA002E6A}" srcOrd="1" destOrd="1" presId="urn:microsoft.com/office/officeart/2005/8/layout/hProcess4"/>
+    <dgm:cxn modelId="{AFFF7C9B-0E77-4342-BDDF-B74DE7FEA928}" type="presOf" srcId="{C742B16C-6774-4654-A307-2517E5970ED9}" destId="{8901E0F4-0A59-4693-BCC0-AD691D9FB870}" srcOrd="0" destOrd="0" presId="urn:microsoft.com/office/officeart/2005/8/layout/hProcess4"/>
     <dgm:cxn modelId="{838DFA9C-65AB-4608-A291-FF7157BB4A5F}" type="presOf" srcId="{11F904A3-BE7E-4610-85FF-791DB76C5662}" destId="{9131C415-ABC8-494A-BB4C-4189E2623C96}" srcOrd="0" destOrd="0" presId="urn:microsoft.com/office/officeart/2005/8/layout/hProcess4"/>
-    <dgm:cxn modelId="{E683F570-DC2B-4326-9DA0-584336C8C6D6}" type="presOf" srcId="{B5920376-0133-44CD-BB1B-6F53C130D637}" destId="{BCCD055F-C4D8-4E1B-AEB8-AC963578358F}" srcOrd="1" destOrd="0" presId="urn:microsoft.com/office/officeart/2005/8/layout/hProcess4"/>
-    <dgm:cxn modelId="{C8B22B49-CC6C-4CC7-B1A3-9980D2423C47}" srcId="{C0BBB20E-A547-490C-BFC3-F69C30C2BB85}" destId="{F13B1487-2412-4E08-99C9-67C2BCBDEA4A}" srcOrd="1" destOrd="0" parTransId="{D2C1CF47-F1CF-41FD-863C-436CAB276BF5}" sibTransId="{0DA945F7-3BBA-45C9-BADE-9D9D10D8009B}"/>
-    <dgm:cxn modelId="{C5973D72-FB08-4B00-8516-F806514B4438}" srcId="{4BBBBA37-00AE-490F-BA4E-E9A756C4A0D7}" destId="{C0BBB20E-A547-490C-BFC3-F69C30C2BB85}" srcOrd="0" destOrd="0" parTransId="{830D836F-DF80-4E41-AF3F-21CC3E8E4EF2}" sibTransId="{DD1C8274-3095-435A-B7E9-C86DA96BDE64}"/>
-    <dgm:cxn modelId="{864C703B-D3FC-4566-883E-42340E00BE6D}" type="presOf" srcId="{928451A7-076A-4725-BC57-E98970B55362}" destId="{40A8A41C-CF7A-4E88-8EA7-EAA6AFD512F6}" srcOrd="0" destOrd="0" presId="urn:microsoft.com/office/officeart/2005/8/layout/hProcess4"/>
-    <dgm:cxn modelId="{555C2B7C-EBBB-4015-9A21-9AA3BA353080}" type="presOf" srcId="{4BBBBA37-00AE-490F-BA4E-E9A756C4A0D7}" destId="{7ABD661D-07C5-4739-AE45-6E1036C01B22}" srcOrd="0" destOrd="0" presId="urn:microsoft.com/office/officeart/2005/8/layout/hProcess4"/>
-    <dgm:cxn modelId="{BE340D61-28A6-4E10-B4BD-309F83AE9FD8}" type="presOf" srcId="{DD1C8274-3095-435A-B7E9-C86DA96BDE64}" destId="{943CED33-B477-41B6-8333-C0E815B32CCD}" srcOrd="0" destOrd="0" presId="urn:microsoft.com/office/officeart/2005/8/layout/hProcess4"/>
     <dgm:cxn modelId="{1A2CD6BD-4FB6-4C65-A31E-7C659272F5FF}" srcId="{4BBBBA37-00AE-490F-BA4E-E9A756C4A0D7}" destId="{928451A7-076A-4725-BC57-E98970B55362}" srcOrd="2" destOrd="0" parTransId="{605DBBC2-A198-4676-A0C6-4546B7A91B68}" sibTransId="{75637A16-730E-4452-8190-67FB3226C504}"/>
-    <dgm:cxn modelId="{1497608C-9EBF-4045-B5D2-B57D8503FD29}" srcId="{4BBBBA37-00AE-490F-BA4E-E9A756C4A0D7}" destId="{20F7D581-9EB2-498F-BE28-9D62195EAF83}" srcOrd="1" destOrd="0" parTransId="{E0FBE512-C1C4-4067-A1DE-34C9E33E9EB4}" sibTransId="{FCF39507-87BB-42FC-936E-7CB9C907446D}"/>
+    <dgm:cxn modelId="{C9483CCC-F04E-41A4-BC9B-839EAF8C71E4}" type="presOf" srcId="{8DAB84D0-1232-4525-835D-427DF83AEF9C}" destId="{9131C415-ABC8-494A-BB4C-4189E2623C96}" srcOrd="0" destOrd="1" presId="urn:microsoft.com/office/officeart/2005/8/layout/hProcess4"/>
+    <dgm:cxn modelId="{AE3814E9-6976-4CC2-90CB-4D505E6271E7}" type="presOf" srcId="{11F904A3-BE7E-4610-85FF-791DB76C5662}" destId="{3B26D6A5-9D56-445C-B171-536ACA002E6A}" srcOrd="1" destOrd="0" presId="urn:microsoft.com/office/officeart/2005/8/layout/hProcess4"/>
     <dgm:cxn modelId="{28055EEB-0D05-4E1C-9C09-229002861ED9}" type="presOf" srcId="{148DC79C-4EEA-43CF-BADE-659389EC8CCC}" destId="{BCCD055F-C4D8-4E1B-AEB8-AC963578358F}" srcOrd="1" destOrd="1" presId="urn:microsoft.com/office/officeart/2005/8/layout/hProcess4"/>
-    <dgm:cxn modelId="{002EAD7A-751D-4A0E-8B80-3ED2E8BF0317}" srcId="{C0BBB20E-A547-490C-BFC3-F69C30C2BB85}" destId="{C742B16C-6774-4654-A307-2517E5970ED9}" srcOrd="0" destOrd="0" parTransId="{3F79200C-09D6-4579-940A-9925FCF29974}" sibTransId="{DB0BD340-6AE9-43AB-8228-82AD980D89BF}"/>
-    <dgm:cxn modelId="{DB37CD2A-171A-4EDF-AE2B-5E79EBACFD5B}" srcId="{928451A7-076A-4725-BC57-E98970B55362}" destId="{8DAB84D0-1232-4525-835D-427DF83AEF9C}" srcOrd="1" destOrd="0" parTransId="{66223C22-9641-4203-8CF8-F17D221D4CC1}" sibTransId="{46C6073C-0DC6-4E2E-AF22-F533CD0D8D76}"/>
-    <dgm:cxn modelId="{C9483CCC-F04E-41A4-BC9B-839EAF8C71E4}" type="presOf" srcId="{8DAB84D0-1232-4525-835D-427DF83AEF9C}" destId="{9131C415-ABC8-494A-BB4C-4189E2623C96}" srcOrd="0" destOrd="1" presId="urn:microsoft.com/office/officeart/2005/8/layout/hProcess4"/>
-    <dgm:cxn modelId="{A743B165-EFB3-4A2B-9188-6DFA8B2E60AB}" srcId="{20F7D581-9EB2-498F-BE28-9D62195EAF83}" destId="{B5920376-0133-44CD-BB1B-6F53C130D637}" srcOrd="0" destOrd="0" parTransId="{E82A70DF-B649-4129-9355-DBF8312CF18F}" sibTransId="{73A56BD2-43C1-4062-A5A5-84091B9A63CC}"/>
-    <dgm:cxn modelId="{745C2710-AEC2-4077-8999-F61D41E0B39E}" type="presOf" srcId="{C0BBB20E-A547-490C-BFC3-F69C30C2BB85}" destId="{AB2A0A4B-2E62-43F5-874D-A858B18AD7BD}" srcOrd="0" destOrd="0" presId="urn:microsoft.com/office/officeart/2005/8/layout/hProcess4"/>
-    <dgm:cxn modelId="{3228E000-8C8D-4FC1-BE09-2CB2D43274CF}" type="presOf" srcId="{20F7D581-9EB2-498F-BE28-9D62195EAF83}" destId="{71BAD410-3299-44D0-A85A-DC3B57193168}" srcOrd="0" destOrd="0" presId="urn:microsoft.com/office/officeart/2005/8/layout/hProcess4"/>
-    <dgm:cxn modelId="{0ACA2444-26E0-4640-8CC7-AB33AA1DAD47}" type="presOf" srcId="{F13B1487-2412-4E08-99C9-67C2BCBDEA4A}" destId="{0CDE4C4E-2C62-4126-8CEE-77D153383F3B}" srcOrd="1" destOrd="1" presId="urn:microsoft.com/office/officeart/2005/8/layout/hProcess4"/>
-    <dgm:cxn modelId="{AE3814E9-6976-4CC2-90CB-4D505E6271E7}" type="presOf" srcId="{11F904A3-BE7E-4610-85FF-791DB76C5662}" destId="{3B26D6A5-9D56-445C-B171-536ACA002E6A}" srcOrd="1" destOrd="0" presId="urn:microsoft.com/office/officeart/2005/8/layout/hProcess4"/>
-    <dgm:cxn modelId="{FBF9C739-9412-4585-8F14-F4D92428BCA3}" type="presOf" srcId="{B5920376-0133-44CD-BB1B-6F53C130D637}" destId="{B8A19F94-18F6-4D00-B053-8BF08839189F}" srcOrd="0" destOrd="0" presId="urn:microsoft.com/office/officeart/2005/8/layout/hProcess4"/>
-    <dgm:cxn modelId="{658C8A97-82E5-4674-8ED0-64BFCCDCBEC3}" type="presOf" srcId="{8DAB84D0-1232-4525-835D-427DF83AEF9C}" destId="{3B26D6A5-9D56-445C-B171-536ACA002E6A}" srcOrd="1" destOrd="1" presId="urn:microsoft.com/office/officeart/2005/8/layout/hProcess4"/>
-    <dgm:cxn modelId="{A5BE503C-E8E6-47E1-B911-A7E285B72E93}" type="presOf" srcId="{148DC79C-4EEA-43CF-BADE-659389EC8CCC}" destId="{B8A19F94-18F6-4D00-B053-8BF08839189F}" srcOrd="0" destOrd="1" presId="urn:microsoft.com/office/officeart/2005/8/layout/hProcess4"/>
     <dgm:cxn modelId="{CF123FA8-86E9-4509-A8B2-836C24730797}" type="presParOf" srcId="{7ABD661D-07C5-4739-AE45-6E1036C01B22}" destId="{75F32423-9911-408A-B8A9-5D1154B5D7BF}" srcOrd="0" destOrd="0" presId="urn:microsoft.com/office/officeart/2005/8/layout/hProcess4"/>
     <dgm:cxn modelId="{8850E79F-00B9-4C54-9215-3D15B08153DD}" type="presParOf" srcId="{7ABD661D-07C5-4739-AE45-6E1036C01B22}" destId="{D241EEF2-5E0C-4DE4-A18D-25619EBD7B6F}" srcOrd="1" destOrd="0" presId="urn:microsoft.com/office/officeart/2005/8/layout/hProcess4"/>
     <dgm:cxn modelId="{1226809C-B779-4841-B727-3E10E011B6CB}" type="presParOf" srcId="{7ABD661D-07C5-4739-AE45-6E1036C01B22}" destId="{FC4CC419-9620-4012-97C5-A28BFD476CA1}" srcOrd="2" destOrd="0" presId="urn:microsoft.com/office/officeart/2005/8/layout/hProcess4"/>
@@ -9391,7 +9913,7 @@
             <a:spcAft>
               <a:spcPct val="15000"/>
             </a:spcAft>
-            <a:buChar char="••"/>
+            <a:buChar char="•"/>
           </a:pPr>
           <a:r>
             <a:rPr lang="fr-FR" sz="700" kern="1200" dirty="0">
@@ -9511,7 +10033,7 @@
         </a:bodyPr>
         <a:lstStyle/>
         <a:p>
-          <a:pPr lvl="0" algn="ctr" defTabSz="311150">
+          <a:pPr marL="0" lvl="0" indent="0" algn="ctr" defTabSz="311150">
             <a:lnSpc>
               <a:spcPct val="90000"/>
             </a:lnSpc>
@@ -9521,16 +10043,14 @@
             <a:spcAft>
               <a:spcPct val="35000"/>
             </a:spcAft>
+            <a:buNone/>
           </a:pPr>
           <a:r>
-            <a:rPr lang="fr-FR" sz="700" kern="1200" dirty="0" smtClean="0">
+            <a:rPr lang="fr-FR" sz="700" kern="1200" dirty="0">
               <a:latin typeface="Arial Nova" panose="020B0504020202020204"/>
             </a:rPr>
             <a:t>Activité 1</a:t>
           </a:r>
-          <a:endParaRPr lang="fr-FR" sz="700" kern="1200" dirty="0">
-            <a:latin typeface="Arial Nova" panose="020B0504020202020204"/>
-          </a:endParaRPr>
         </a:p>
       </dsp:txBody>
       <dsp:txXfrm>
@@ -9604,7 +10124,7 @@
             <a:spcAft>
               <a:spcPct val="15000"/>
             </a:spcAft>
-            <a:buChar char="••"/>
+            <a:buChar char="•"/>
           </a:pPr>
           <a:endParaRPr lang="fr-FR" sz="2000" kern="1200" dirty="0">
             <a:latin typeface="Arial Nova" panose="020B0504020202020204"/>
@@ -9621,7 +10141,7 @@
             <a:spcAft>
               <a:spcPct val="15000"/>
             </a:spcAft>
-            <a:buChar char="••"/>
+            <a:buChar char="•"/>
           </a:pPr>
           <a:endParaRPr lang="fr-FR" sz="2000" kern="1200" dirty="0">
             <a:latin typeface="Arial Nova" panose="020B0504020202020204"/>
@@ -9738,7 +10258,7 @@
         </a:bodyPr>
         <a:lstStyle/>
         <a:p>
-          <a:pPr lvl="0" algn="ctr" defTabSz="311150">
+          <a:pPr marL="0" lvl="0" indent="0" algn="ctr" defTabSz="311150">
             <a:lnSpc>
               <a:spcPct val="90000"/>
             </a:lnSpc>
@@ -9748,18 +10268,13 @@
             <a:spcAft>
               <a:spcPct val="35000"/>
             </a:spcAft>
+            <a:buNone/>
           </a:pPr>
-          <a:r>
-            <a:rPr lang="fr-FR" sz="700" kern="1200" dirty="0" smtClean="0">
-              <a:latin typeface="Arial Nova" panose="020B0504020202020204"/>
-            </a:rPr>
-            <a:t>Activité </a:t>
-          </a:r>
           <a:r>
             <a:rPr lang="fr-FR" sz="700" kern="1200" dirty="0">
               <a:latin typeface="Arial Nova" panose="020B0504020202020204"/>
             </a:rPr>
-            <a:t>2</a:t>
+            <a:t>Activité 2</a:t>
           </a:r>
         </a:p>
       </dsp:txBody>
@@ -9834,7 +10349,7 @@
             <a:spcAft>
               <a:spcPct val="15000"/>
             </a:spcAft>
-            <a:buChar char="••"/>
+            <a:buChar char="•"/>
           </a:pPr>
           <a:endParaRPr lang="fr-FR" sz="2000" kern="1200" dirty="0">
             <a:latin typeface="Arial Nova" panose="020B0504020202020204"/>
@@ -9951,7 +10466,7 @@
         </a:bodyPr>
         <a:lstStyle/>
         <a:p>
-          <a:pPr lvl="0" algn="ctr" defTabSz="311150">
+          <a:pPr marL="0" lvl="0" indent="0" algn="ctr" defTabSz="311150">
             <a:lnSpc>
               <a:spcPct val="90000"/>
             </a:lnSpc>
@@ -9961,18 +10476,13 @@
             <a:spcAft>
               <a:spcPct val="35000"/>
             </a:spcAft>
+            <a:buNone/>
           </a:pPr>
-          <a:r>
-            <a:rPr lang="fr-FR" sz="700" kern="1200" dirty="0" smtClean="0">
-              <a:latin typeface="Arial Nova" panose="020B0504020202020204"/>
-            </a:rPr>
-            <a:t>Activité </a:t>
-          </a:r>
           <a:r>
             <a:rPr lang="fr-FR" sz="700" kern="1200" dirty="0">
               <a:latin typeface="Arial Nova" panose="020B0504020202020204"/>
             </a:rPr>
-            <a:t>3</a:t>
+            <a:t>Activité 3</a:t>
           </a:r>
         </a:p>
       </dsp:txBody>
@@ -10047,7 +10557,7 @@
             <a:spcAft>
               <a:spcPct val="15000"/>
             </a:spcAft>
-            <a:buChar char="••"/>
+            <a:buChar char="•"/>
           </a:pPr>
           <a:endParaRPr lang="fr-FR" sz="2000" kern="1200" dirty="0">
             <a:latin typeface="Arial Nova" panose="020B0504020202020204"/>
@@ -10164,7 +10674,7 @@
         </a:bodyPr>
         <a:lstStyle/>
         <a:p>
-          <a:pPr lvl="0" algn="ctr" defTabSz="311150">
+          <a:pPr marL="0" lvl="0" indent="0" algn="ctr" defTabSz="311150">
             <a:lnSpc>
               <a:spcPct val="90000"/>
             </a:lnSpc>
@@ -10174,16 +10684,14 @@
             <a:spcAft>
               <a:spcPct val="35000"/>
             </a:spcAft>
+            <a:buNone/>
           </a:pPr>
           <a:r>
-            <a:rPr lang="fr-FR" sz="700" kern="1200" dirty="0" smtClean="0">
+            <a:rPr lang="fr-FR" sz="700" kern="1200" dirty="0">
               <a:latin typeface="Arial Nova" panose="020B0504020202020204"/>
             </a:rPr>
             <a:t>Activité n</a:t>
           </a:r>
-          <a:endParaRPr lang="fr-FR" sz="700" kern="1200" dirty="0">
-            <a:latin typeface="Arial Nova" panose="020B0504020202020204"/>
-          </a:endParaRPr>
         </a:p>
       </dsp:txBody>
       <dsp:txXfrm>
@@ -10257,17 +10765,14 @@
             <a:spcAft>
               <a:spcPct val="15000"/>
             </a:spcAft>
-            <a:buChar char="••"/>
+            <a:buChar char="•"/>
           </a:pPr>
           <a:r>
-            <a:rPr lang="fr-FR" sz="1200" kern="1200" dirty="0" smtClean="0">
+            <a:rPr lang="fr-FR" sz="1200" kern="1200" dirty="0">
               <a:latin typeface="Arial Nova" panose="020B0504020202020204"/>
             </a:rPr>
             <a:t>POSTER</a:t>
           </a:r>
-          <a:endParaRPr lang="fr-FR" sz="1200" kern="1200" dirty="0">
-            <a:latin typeface="Arial Nova" panose="020B0504020202020204"/>
-          </a:endParaRPr>
         </a:p>
       </dsp:txBody>
       <dsp:txXfrm>
@@ -10332,7 +10837,7 @@
         </a:bodyPr>
         <a:lstStyle/>
         <a:p>
-          <a:pPr lvl="0" algn="ctr" defTabSz="311150">
+          <a:pPr marL="0" lvl="0" indent="0" algn="ctr" defTabSz="311150">
             <a:lnSpc>
               <a:spcPct val="90000"/>
             </a:lnSpc>
@@ -10342,16 +10847,14 @@
             <a:spcAft>
               <a:spcPct val="35000"/>
             </a:spcAft>
+            <a:buNone/>
           </a:pPr>
           <a:r>
-            <a:rPr lang="fr-FR" sz="700" kern="1200" dirty="0" smtClean="0">
+            <a:rPr lang="fr-FR" sz="700" kern="1200" dirty="0">
               <a:latin typeface="Arial Nova" panose="020B0504020202020204"/>
             </a:rPr>
             <a:t>Conclusion</a:t>
           </a:r>
-          <a:endParaRPr lang="fr-FR" sz="700" kern="1200" dirty="0">
-            <a:latin typeface="Arial Nova" panose="020B0504020202020204"/>
-          </a:endParaRPr>
         </a:p>
       </dsp:txBody>
       <dsp:txXfrm>
@@ -10437,7 +10940,7 @@
             <a:spcAft>
               <a:spcPct val="15000"/>
             </a:spcAft>
-            <a:buChar char="••"/>
+            <a:buChar char="•"/>
           </a:pPr>
           <a:r>
             <a:rPr lang="fr-FR" sz="600" kern="1200" dirty="0"/>
@@ -10455,7 +10958,7 @@
             <a:spcAft>
               <a:spcPct val="15000"/>
             </a:spcAft>
-            <a:buChar char="••"/>
+            <a:buChar char="•"/>
           </a:pPr>
           <a:r>
             <a:rPr lang="fr-FR" sz="600" kern="1200" dirty="0"/>
@@ -10473,7 +10976,7 @@
             <a:spcAft>
               <a:spcPct val="15000"/>
             </a:spcAft>
-            <a:buChar char="••"/>
+            <a:buChar char="•"/>
           </a:pPr>
           <a:r>
             <a:rPr lang="fr-FR" sz="600" kern="1200" dirty="0"/>
@@ -10591,7 +11094,7 @@
         </a:bodyPr>
         <a:lstStyle/>
         <a:p>
-          <a:pPr lvl="0" algn="ctr" defTabSz="311150">
+          <a:pPr marL="0" lvl="0" indent="0" algn="ctr" defTabSz="311150">
             <a:lnSpc>
               <a:spcPct val="90000"/>
             </a:lnSpc>
@@ -10601,6 +11104,7 @@
             <a:spcAft>
               <a:spcPct val="35000"/>
             </a:spcAft>
+            <a:buNone/>
           </a:pPr>
           <a:r>
             <a:rPr lang="fr-FR" sz="700" kern="1200" dirty="0"/>
@@ -10679,7 +11183,7 @@
             <a:spcAft>
               <a:spcPct val="15000"/>
             </a:spcAft>
-            <a:buChar char="••"/>
+            <a:buChar char="•"/>
           </a:pPr>
           <a:r>
             <a:rPr lang="fr-FR" sz="600" kern="1200" dirty="0"/>
@@ -10697,7 +11201,7 @@
             <a:spcAft>
               <a:spcPct val="15000"/>
             </a:spcAft>
-            <a:buChar char="••"/>
+            <a:buChar char="•"/>
           </a:pPr>
           <a:r>
             <a:rPr lang="fr-FR" sz="600" kern="1200" dirty="0"/>
@@ -10715,7 +11219,7 @@
             <a:spcAft>
               <a:spcPct val="15000"/>
             </a:spcAft>
-            <a:buChar char="••"/>
+            <a:buChar char="•"/>
           </a:pPr>
           <a:endParaRPr lang="fr-FR" sz="600" kern="1200" dirty="0"/>
         </a:p>
@@ -10830,7 +11334,7 @@
         </a:bodyPr>
         <a:lstStyle/>
         <a:p>
-          <a:pPr lvl="0" algn="ctr" defTabSz="311150">
+          <a:pPr marL="0" lvl="0" indent="0" algn="ctr" defTabSz="311150">
             <a:lnSpc>
               <a:spcPct val="90000"/>
             </a:lnSpc>
@@ -10840,6 +11344,7 @@
             <a:spcAft>
               <a:spcPct val="35000"/>
             </a:spcAft>
+            <a:buNone/>
           </a:pPr>
           <a:r>
             <a:rPr lang="fr-FR" sz="700" kern="1200" dirty="0"/>
@@ -10918,7 +11423,7 @@
             <a:spcAft>
               <a:spcPct val="15000"/>
             </a:spcAft>
-            <a:buChar char="••"/>
+            <a:buChar char="•"/>
           </a:pPr>
           <a:r>
             <a:rPr lang="fr-FR" sz="600" kern="1200" dirty="0"/>
@@ -10936,7 +11441,7 @@
             <a:spcAft>
               <a:spcPct val="15000"/>
             </a:spcAft>
-            <a:buChar char="••"/>
+            <a:buChar char="•"/>
           </a:pPr>
           <a:r>
             <a:rPr lang="fr-FR" sz="600" kern="1200" dirty="0"/>
@@ -10954,7 +11459,7 @@
             <a:spcAft>
               <a:spcPct val="15000"/>
             </a:spcAft>
-            <a:buChar char="••"/>
+            <a:buChar char="•"/>
           </a:pPr>
           <a:r>
             <a:rPr lang="fr-FR" sz="600" kern="1200" dirty="0"/>
@@ -11072,7 +11577,7 @@
         </a:bodyPr>
         <a:lstStyle/>
         <a:p>
-          <a:pPr lvl="0" algn="ctr" defTabSz="311150">
+          <a:pPr marL="0" lvl="0" indent="0" algn="ctr" defTabSz="311150">
             <a:lnSpc>
               <a:spcPct val="90000"/>
             </a:lnSpc>
@@ -11082,6 +11587,7 @@
             <a:spcAft>
               <a:spcPct val="35000"/>
             </a:spcAft>
+            <a:buNone/>
           </a:pPr>
           <a:r>
             <a:rPr lang="fr-FR" sz="700" kern="1200" dirty="0"/>
@@ -11160,7 +11666,7 @@
             <a:spcAft>
               <a:spcPct val="15000"/>
             </a:spcAft>
-            <a:buChar char="••"/>
+            <a:buChar char="•"/>
           </a:pPr>
           <a:r>
             <a:rPr lang="fr-FR" sz="600" kern="1200" dirty="0"/>
@@ -11178,7 +11684,7 @@
             <a:spcAft>
               <a:spcPct val="15000"/>
             </a:spcAft>
-            <a:buChar char="••"/>
+            <a:buChar char="•"/>
           </a:pPr>
           <a:r>
             <a:rPr lang="fr-FR" sz="600" kern="1200" dirty="0"/>
@@ -11296,7 +11802,7 @@
         </a:bodyPr>
         <a:lstStyle/>
         <a:p>
-          <a:pPr lvl="0" algn="ctr" defTabSz="311150">
+          <a:pPr marL="0" lvl="0" indent="0" algn="ctr" defTabSz="311150">
             <a:lnSpc>
               <a:spcPct val="90000"/>
             </a:lnSpc>
@@ -11306,6 +11812,7 @@
             <a:spcAft>
               <a:spcPct val="35000"/>
             </a:spcAft>
+            <a:buNone/>
           </a:pPr>
           <a:r>
             <a:rPr lang="fr-FR" sz="700" kern="1200" dirty="0"/>
@@ -11384,7 +11891,7 @@
             <a:spcAft>
               <a:spcPct val="15000"/>
             </a:spcAft>
-            <a:buChar char="••"/>
+            <a:buChar char="•"/>
           </a:pPr>
           <a:r>
             <a:rPr lang="fr-FR" sz="600" kern="1200" dirty="0"/>
@@ -11402,7 +11909,7 @@
             <a:spcAft>
               <a:spcPct val="15000"/>
             </a:spcAft>
-            <a:buChar char="••"/>
+            <a:buChar char="•"/>
           </a:pPr>
           <a:r>
             <a:rPr lang="fr-FR" sz="600" kern="1200" dirty="0"/>
@@ -11476,7 +11983,7 @@
         </a:bodyPr>
         <a:lstStyle/>
         <a:p>
-          <a:pPr lvl="0" algn="ctr" defTabSz="311150">
+          <a:pPr marL="0" lvl="0" indent="0" algn="ctr" defTabSz="311150">
             <a:lnSpc>
               <a:spcPct val="90000"/>
             </a:lnSpc>
@@ -11486,6 +11993,7 @@
             <a:spcAft>
               <a:spcPct val="35000"/>
             </a:spcAft>
+            <a:buNone/>
           </a:pPr>
           <a:r>
             <a:rPr lang="fr-FR" sz="700" kern="1200" dirty="0"/>
@@ -11576,7 +12084,7 @@
             <a:spcAft>
               <a:spcPct val="15000"/>
             </a:spcAft>
-            <a:buChar char="••"/>
+            <a:buChar char="•"/>
           </a:pPr>
           <a:r>
             <a:rPr lang="fr-FR" sz="700" kern="1200" dirty="0">
@@ -11696,7 +12204,7 @@
         </a:bodyPr>
         <a:lstStyle/>
         <a:p>
-          <a:pPr lvl="0" algn="ctr" defTabSz="311150">
+          <a:pPr marL="0" lvl="0" indent="0" algn="ctr" defTabSz="311150">
             <a:lnSpc>
               <a:spcPct val="90000"/>
             </a:lnSpc>
@@ -11706,6 +12214,7 @@
             <a:spcAft>
               <a:spcPct val="35000"/>
             </a:spcAft>
+            <a:buNone/>
           </a:pPr>
           <a:r>
             <a:rPr lang="fr-FR" sz="700" kern="1200" dirty="0">
@@ -11715,7 +12224,7 @@
           </a:r>
         </a:p>
         <a:p>
-          <a:pPr lvl="0" algn="ctr" defTabSz="311150">
+          <a:pPr marL="0" lvl="0" indent="0" algn="ctr" defTabSz="311150">
             <a:lnSpc>
               <a:spcPct val="90000"/>
             </a:lnSpc>
@@ -11725,6 +12234,7 @@
             <a:spcAft>
               <a:spcPct val="35000"/>
             </a:spcAft>
+            <a:buNone/>
           </a:pPr>
           <a:r>
             <a:rPr lang="fr-FR" sz="700" kern="1200" dirty="0">
@@ -11805,7 +12315,7 @@
             <a:spcAft>
               <a:spcPct val="15000"/>
             </a:spcAft>
-            <a:buChar char="••"/>
+            <a:buChar char="•"/>
           </a:pPr>
           <a:endParaRPr lang="fr-FR" sz="2000" kern="1200" dirty="0">
             <a:latin typeface="Arial Nova" panose="020B0504020202020204"/>
@@ -11822,7 +12332,7 @@
             <a:spcAft>
               <a:spcPct val="15000"/>
             </a:spcAft>
-            <a:buChar char="••"/>
+            <a:buChar char="•"/>
           </a:pPr>
           <a:endParaRPr lang="fr-FR" sz="2000" kern="1200" dirty="0">
             <a:latin typeface="Arial Nova" panose="020B0504020202020204"/>
@@ -11939,7 +12449,7 @@
         </a:bodyPr>
         <a:lstStyle/>
         <a:p>
-          <a:pPr lvl="0" algn="ctr" defTabSz="311150">
+          <a:pPr marL="0" lvl="0" indent="0" algn="ctr" defTabSz="311150">
             <a:lnSpc>
               <a:spcPct val="90000"/>
             </a:lnSpc>
@@ -11949,6 +12459,7 @@
             <a:spcAft>
               <a:spcPct val="35000"/>
             </a:spcAft>
+            <a:buNone/>
           </a:pPr>
           <a:r>
             <a:rPr lang="fr-FR" sz="700" kern="1200" dirty="0">
@@ -12029,7 +12540,7 @@
             <a:spcAft>
               <a:spcPct val="15000"/>
             </a:spcAft>
-            <a:buChar char="••"/>
+            <a:buChar char="•"/>
           </a:pPr>
           <a:endParaRPr lang="fr-FR" sz="2000" kern="1200" dirty="0">
             <a:latin typeface="Arial Nova" panose="020B0504020202020204"/>
@@ -12146,7 +12657,7 @@
         </a:bodyPr>
         <a:lstStyle/>
         <a:p>
-          <a:pPr lvl="0" algn="ctr" defTabSz="311150">
+          <a:pPr marL="0" lvl="0" indent="0" algn="ctr" defTabSz="311150">
             <a:lnSpc>
               <a:spcPct val="90000"/>
             </a:lnSpc>
@@ -12156,6 +12667,7 @@
             <a:spcAft>
               <a:spcPct val="35000"/>
             </a:spcAft>
+            <a:buNone/>
           </a:pPr>
           <a:r>
             <a:rPr lang="fr-FR" sz="700" kern="1200" dirty="0">
@@ -12236,7 +12748,7 @@
             <a:spcAft>
               <a:spcPct val="15000"/>
             </a:spcAft>
-            <a:buChar char="••"/>
+            <a:buChar char="•"/>
           </a:pPr>
           <a:endParaRPr lang="fr-FR" sz="2000" kern="1200" dirty="0">
             <a:latin typeface="Arial Nova" panose="020B0504020202020204"/>
@@ -12353,7 +12865,7 @@
         </a:bodyPr>
         <a:lstStyle/>
         <a:p>
-          <a:pPr lvl="0" algn="ctr" defTabSz="311150">
+          <a:pPr marL="0" lvl="0" indent="0" algn="ctr" defTabSz="311150">
             <a:lnSpc>
               <a:spcPct val="90000"/>
             </a:lnSpc>
@@ -12363,6 +12875,7 @@
             <a:spcAft>
               <a:spcPct val="35000"/>
             </a:spcAft>
+            <a:buNone/>
           </a:pPr>
           <a:r>
             <a:rPr lang="fr-FR" sz="700" kern="1200" dirty="0">
@@ -12443,7 +12956,7 @@
             <a:spcAft>
               <a:spcPct val="15000"/>
             </a:spcAft>
-            <a:buChar char="••"/>
+            <a:buChar char="•"/>
           </a:pPr>
           <a:endParaRPr lang="fr-FR" sz="2000" kern="1200" dirty="0">
             <a:latin typeface="Arial Nova" panose="020B0504020202020204"/>
@@ -12512,7 +13025,7 @@
         </a:bodyPr>
         <a:lstStyle/>
         <a:p>
-          <a:pPr lvl="0" algn="ctr" defTabSz="311150">
+          <a:pPr marL="0" lvl="0" indent="0" algn="ctr" defTabSz="311150">
             <a:lnSpc>
               <a:spcPct val="90000"/>
             </a:lnSpc>
@@ -12522,6 +13035,7 @@
             <a:spcAft>
               <a:spcPct val="35000"/>
             </a:spcAft>
+            <a:buNone/>
           </a:pPr>
           <a:r>
             <a:rPr lang="fr-FR" sz="700" kern="1200" dirty="0">
@@ -12541,6 +13055,452 @@
 </file>
 
 <file path=ppt/diagrams/drawing4.xml><?xml version="1.0" encoding="utf-8"?>
+<dsp:drawing xmlns:dgm="http://schemas.openxmlformats.org/drawingml/2006/diagram" xmlns:dsp="http://schemas.microsoft.com/office/drawing/2008/diagram" xmlns:a="http://schemas.openxmlformats.org/drawingml/2006/main">
+  <dsp:spTree>
+    <dsp:nvGrpSpPr>
+      <dsp:cNvPr id="0" name=""/>
+      <dsp:cNvGrpSpPr/>
+    </dsp:nvGrpSpPr>
+    <dsp:grpSpPr/>
+    <dsp:sp modelId="{8901E0F4-0A59-4693-BCC0-AD691D9FB870}">
+      <dsp:nvSpPr>
+        <dsp:cNvPr id="0" name=""/>
+        <dsp:cNvSpPr/>
+      </dsp:nvSpPr>
+      <dsp:spPr>
+        <a:xfrm>
+          <a:off x="0" y="114721"/>
+          <a:ext cx="2795832" cy="870030"/>
+        </a:xfrm>
+        <a:prstGeom prst="roundRect">
+          <a:avLst>
+            <a:gd name="adj" fmla="val 10000"/>
+          </a:avLst>
+        </a:prstGeom>
+        <a:solidFill>
+          <a:schemeClr val="lt1">
+            <a:alpha val="90000"/>
+            <a:hueOff val="0"/>
+            <a:satOff val="0"/>
+            <a:lumOff val="0"/>
+            <a:alphaOff val="0"/>
+          </a:schemeClr>
+        </a:solidFill>
+        <a:ln w="12700" cap="flat" cmpd="sng" algn="ctr">
+          <a:solidFill>
+            <a:schemeClr val="accent1">
+              <a:hueOff val="0"/>
+              <a:satOff val="0"/>
+              <a:lumOff val="0"/>
+              <a:alphaOff val="0"/>
+            </a:schemeClr>
+          </a:solidFill>
+          <a:prstDash val="solid"/>
+          <a:miter lim="800000"/>
+        </a:ln>
+        <a:effectLst/>
+      </dsp:spPr>
+      <dsp:style>
+        <a:lnRef idx="2">
+          <a:scrgbClr r="0" g="0" b="0"/>
+        </a:lnRef>
+        <a:fillRef idx="1">
+          <a:scrgbClr r="0" g="0" b="0"/>
+        </a:fillRef>
+        <a:effectRef idx="0">
+          <a:scrgbClr r="0" g="0" b="0"/>
+        </a:effectRef>
+        <a:fontRef idx="minor"/>
+      </dsp:style>
+      <dsp:txBody>
+        <a:bodyPr spcFirstLastPara="0" vert="horz" wrap="square" lIns="123825" tIns="123825" rIns="123825" bIns="123825" numCol="1" spcCol="1270" anchor="t" anchorCtr="0">
+          <a:noAutofit/>
+        </a:bodyPr>
+        <a:lstStyle/>
+        <a:p>
+          <a:pPr marL="57150" lvl="1" indent="-57150" algn="l" defTabSz="444500">
+            <a:lnSpc>
+              <a:spcPct val="90000"/>
+            </a:lnSpc>
+            <a:spcBef>
+              <a:spcPct val="0"/>
+            </a:spcBef>
+            <a:spcAft>
+              <a:spcPct val="15000"/>
+            </a:spcAft>
+            <a:buChar char="•"/>
+          </a:pPr>
+          <a:r>
+            <a:rPr lang="fr-FR" sz="1000" kern="1200" dirty="0">
+              <a:latin typeface="Arial Nova" panose="020B0504020202020204"/>
+            </a:rPr>
+            <a:t>Performances attendues et contexte d’utilisation</a:t>
+          </a:r>
+        </a:p>
+        <a:p>
+          <a:pPr marL="57150" lvl="1" indent="-57150" algn="l" defTabSz="444500">
+            <a:lnSpc>
+              <a:spcPct val="90000"/>
+            </a:lnSpc>
+            <a:spcBef>
+              <a:spcPct val="0"/>
+            </a:spcBef>
+            <a:spcAft>
+              <a:spcPct val="15000"/>
+            </a:spcAft>
+            <a:buChar char="•"/>
+          </a:pPr>
+          <a:r>
+            <a:rPr lang="fr-FR" sz="1000" kern="1200" dirty="0">
+              <a:latin typeface="Arial Nova" panose="020B0504020202020204"/>
+            </a:rPr>
+            <a:t>Organisation structurelle</a:t>
+          </a:r>
+        </a:p>
+        <a:p>
+          <a:pPr marL="57150" lvl="1" indent="-57150" algn="l" defTabSz="444500">
+            <a:lnSpc>
+              <a:spcPct val="90000"/>
+            </a:lnSpc>
+            <a:spcBef>
+              <a:spcPct val="0"/>
+            </a:spcBef>
+            <a:spcAft>
+              <a:spcPct val="15000"/>
+            </a:spcAft>
+            <a:buChar char="•"/>
+          </a:pPr>
+          <a:r>
+            <a:rPr lang="fr-FR" sz="1000" kern="1200" dirty="0">
+              <a:latin typeface="Arial Nova" panose="020B0504020202020204"/>
+            </a:rPr>
+            <a:t>Chaînes fonctionnelles</a:t>
+          </a:r>
+        </a:p>
+      </dsp:txBody>
+      <dsp:txXfrm>
+        <a:off x="20022" y="134743"/>
+        <a:ext cx="2755788" cy="643551"/>
+      </dsp:txXfrm>
+    </dsp:sp>
+    <dsp:sp modelId="{943CED33-B477-41B6-8333-C0E815B32CCD}">
+      <dsp:nvSpPr>
+        <dsp:cNvPr id="0" name=""/>
+        <dsp:cNvSpPr/>
+      </dsp:nvSpPr>
+      <dsp:spPr>
+        <a:xfrm rot="9565371" flipV="1">
+          <a:off x="3297822" y="500092"/>
+          <a:ext cx="682705" cy="100312"/>
+        </a:xfrm>
+        <a:prstGeom prst="circularArrow">
+          <a:avLst>
+            <a:gd name="adj1" fmla="val 2317"/>
+            <a:gd name="adj2" fmla="val 279645"/>
+            <a:gd name="adj3" fmla="val 1846153"/>
+            <a:gd name="adj4" fmla="val 8815486"/>
+            <a:gd name="adj5" fmla="val 2703"/>
+          </a:avLst>
+        </a:prstGeom>
+        <a:solidFill>
+          <a:schemeClr val="accent1">
+            <a:tint val="60000"/>
+            <a:hueOff val="0"/>
+            <a:satOff val="0"/>
+            <a:lumOff val="0"/>
+            <a:alphaOff val="0"/>
+          </a:schemeClr>
+        </a:solidFill>
+        <a:ln>
+          <a:noFill/>
+        </a:ln>
+        <a:effectLst/>
+      </dsp:spPr>
+      <dsp:style>
+        <a:lnRef idx="0">
+          <a:scrgbClr r="0" g="0" b="0"/>
+        </a:lnRef>
+        <a:fillRef idx="1">
+          <a:scrgbClr r="0" g="0" b="0"/>
+        </a:fillRef>
+        <a:effectRef idx="0">
+          <a:scrgbClr r="0" g="0" b="0"/>
+        </a:effectRef>
+        <a:fontRef idx="minor">
+          <a:schemeClr val="lt1"/>
+        </a:fontRef>
+      </dsp:style>
+    </dsp:sp>
+    <dsp:sp modelId="{AB2A0A4B-2E62-43F5-874D-A858B18AD7BD}">
+      <dsp:nvSpPr>
+        <dsp:cNvPr id="0" name=""/>
+        <dsp:cNvSpPr/>
+      </dsp:nvSpPr>
+      <dsp:spPr>
+        <a:xfrm>
+          <a:off x="2244277" y="754122"/>
+          <a:ext cx="1182788" cy="363882"/>
+        </a:xfrm>
+        <a:prstGeom prst="roundRect">
+          <a:avLst>
+            <a:gd name="adj" fmla="val 10000"/>
+          </a:avLst>
+        </a:prstGeom>
+        <a:solidFill>
+          <a:schemeClr val="accent1">
+            <a:hueOff val="0"/>
+            <a:satOff val="0"/>
+            <a:lumOff val="0"/>
+            <a:alphaOff val="0"/>
+          </a:schemeClr>
+        </a:solidFill>
+        <a:ln w="12700" cap="flat" cmpd="sng" algn="ctr">
+          <a:solidFill>
+            <a:schemeClr val="lt1">
+              <a:hueOff val="0"/>
+              <a:satOff val="0"/>
+              <a:lumOff val="0"/>
+              <a:alphaOff val="0"/>
+            </a:schemeClr>
+          </a:solidFill>
+          <a:prstDash val="solid"/>
+          <a:miter lim="800000"/>
+        </a:ln>
+        <a:effectLst/>
+      </dsp:spPr>
+      <dsp:style>
+        <a:lnRef idx="2">
+          <a:scrgbClr r="0" g="0" b="0"/>
+        </a:lnRef>
+        <a:fillRef idx="1">
+          <a:scrgbClr r="0" g="0" b="0"/>
+        </a:fillRef>
+        <a:effectRef idx="0">
+          <a:scrgbClr r="0" g="0" b="0"/>
+        </a:effectRef>
+        <a:fontRef idx="minor">
+          <a:schemeClr val="lt1"/>
+        </a:fontRef>
+      </dsp:style>
+      <dsp:txBody>
+        <a:bodyPr spcFirstLastPara="0" vert="horz" wrap="square" lIns="19050" tIns="12700" rIns="19050" bIns="12700" numCol="1" spcCol="1270" anchor="ctr" anchorCtr="0">
+          <a:noAutofit/>
+        </a:bodyPr>
+        <a:lstStyle/>
+        <a:p>
+          <a:pPr marL="0" lvl="0" indent="0" algn="ctr" defTabSz="444500">
+            <a:lnSpc>
+              <a:spcPct val="90000"/>
+            </a:lnSpc>
+            <a:spcBef>
+              <a:spcPct val="0"/>
+            </a:spcBef>
+            <a:spcAft>
+              <a:spcPct val="35000"/>
+            </a:spcAft>
+            <a:buNone/>
+          </a:pPr>
+          <a:r>
+            <a:rPr lang="fr-FR" sz="1000" kern="1200" dirty="0">
+              <a:latin typeface="Arial Nova" panose="020B0504020202020204"/>
+            </a:rPr>
+            <a:t>Premier temps : Analyse globale</a:t>
+          </a:r>
+        </a:p>
+      </dsp:txBody>
+      <dsp:txXfrm>
+        <a:off x="2254935" y="764780"/>
+        <a:ext cx="1161472" cy="342566"/>
+      </dsp:txXfrm>
+    </dsp:sp>
+    <dsp:sp modelId="{4D6EE354-2623-4918-A4D0-F87DEF273621}">
+      <dsp:nvSpPr>
+        <dsp:cNvPr id="0" name=""/>
+        <dsp:cNvSpPr/>
+      </dsp:nvSpPr>
+      <dsp:spPr>
+        <a:xfrm>
+          <a:off x="4227876" y="174295"/>
+          <a:ext cx="2630123" cy="781408"/>
+        </a:xfrm>
+        <a:prstGeom prst="roundRect">
+          <a:avLst>
+            <a:gd name="adj" fmla="val 10000"/>
+          </a:avLst>
+        </a:prstGeom>
+        <a:solidFill>
+          <a:schemeClr val="lt1">
+            <a:alpha val="90000"/>
+            <a:hueOff val="0"/>
+            <a:satOff val="0"/>
+            <a:lumOff val="0"/>
+            <a:alphaOff val="0"/>
+          </a:schemeClr>
+        </a:solidFill>
+        <a:ln w="12700" cap="flat" cmpd="sng" algn="ctr">
+          <a:solidFill>
+            <a:schemeClr val="accent1">
+              <a:hueOff val="0"/>
+              <a:satOff val="0"/>
+              <a:lumOff val="0"/>
+              <a:alphaOff val="0"/>
+            </a:schemeClr>
+          </a:solidFill>
+          <a:prstDash val="solid"/>
+          <a:miter lim="800000"/>
+        </a:ln>
+        <a:effectLst/>
+      </dsp:spPr>
+      <dsp:style>
+        <a:lnRef idx="2">
+          <a:scrgbClr r="0" g="0" b="0"/>
+        </a:lnRef>
+        <a:fillRef idx="1">
+          <a:scrgbClr r="0" g="0" b="0"/>
+        </a:fillRef>
+        <a:effectRef idx="0">
+          <a:scrgbClr r="0" g="0" b="0"/>
+        </a:effectRef>
+        <a:fontRef idx="minor"/>
+      </dsp:style>
+      <dsp:txBody>
+        <a:bodyPr spcFirstLastPara="0" vert="horz" wrap="square" lIns="123825" tIns="123825" rIns="123825" bIns="123825" numCol="1" spcCol="1270" anchor="t" anchorCtr="0">
+          <a:noAutofit/>
+        </a:bodyPr>
+        <a:lstStyle/>
+        <a:p>
+          <a:pPr marL="57150" lvl="1" indent="-57150" algn="l" defTabSz="444500">
+            <a:lnSpc>
+              <a:spcPct val="90000"/>
+            </a:lnSpc>
+            <a:spcBef>
+              <a:spcPct val="0"/>
+            </a:spcBef>
+            <a:spcAft>
+              <a:spcPct val="15000"/>
+            </a:spcAft>
+            <a:buChar char="•"/>
+          </a:pPr>
+          <a:r>
+            <a:rPr lang="fr-FR" sz="1000" kern="1200" dirty="0">
+              <a:latin typeface="Arial Nova" panose="020B0504020202020204"/>
+            </a:rPr>
+            <a:t>Expérimentations</a:t>
+          </a:r>
+        </a:p>
+        <a:p>
+          <a:pPr marL="57150" lvl="1" indent="-57150" algn="l" defTabSz="444500">
+            <a:lnSpc>
+              <a:spcPct val="90000"/>
+            </a:lnSpc>
+            <a:spcBef>
+              <a:spcPct val="0"/>
+            </a:spcBef>
+            <a:spcAft>
+              <a:spcPct val="15000"/>
+            </a:spcAft>
+            <a:buChar char="•"/>
+          </a:pPr>
+          <a:r>
+            <a:rPr lang="fr-FR" sz="1000" kern="1200" dirty="0">
+              <a:latin typeface="Arial Nova" panose="020B0504020202020204"/>
+            </a:rPr>
+            <a:t>Modèles analytiques</a:t>
+          </a:r>
+        </a:p>
+      </dsp:txBody>
+      <dsp:txXfrm>
+        <a:off x="4245858" y="359722"/>
+        <a:ext cx="2594159" cy="577999"/>
+      </dsp:txXfrm>
+    </dsp:sp>
+    <dsp:sp modelId="{201E8633-9DF9-4CAB-A8FD-37BD37CE77D1}">
+      <dsp:nvSpPr>
+        <dsp:cNvPr id="0" name=""/>
+        <dsp:cNvSpPr/>
+      </dsp:nvSpPr>
+      <dsp:spPr>
+        <a:xfrm>
+          <a:off x="3868609" y="29271"/>
+          <a:ext cx="1205693" cy="328288"/>
+        </a:xfrm>
+        <a:prstGeom prst="roundRect">
+          <a:avLst>
+            <a:gd name="adj" fmla="val 10000"/>
+          </a:avLst>
+        </a:prstGeom>
+        <a:solidFill>
+          <a:schemeClr val="accent1">
+            <a:hueOff val="0"/>
+            <a:satOff val="0"/>
+            <a:lumOff val="0"/>
+            <a:alphaOff val="0"/>
+          </a:schemeClr>
+        </a:solidFill>
+        <a:ln w="12700" cap="flat" cmpd="sng" algn="ctr">
+          <a:solidFill>
+            <a:schemeClr val="lt1">
+              <a:hueOff val="0"/>
+              <a:satOff val="0"/>
+              <a:lumOff val="0"/>
+              <a:alphaOff val="0"/>
+            </a:schemeClr>
+          </a:solidFill>
+          <a:prstDash val="solid"/>
+          <a:miter lim="800000"/>
+        </a:ln>
+        <a:effectLst/>
+      </dsp:spPr>
+      <dsp:style>
+        <a:lnRef idx="2">
+          <a:scrgbClr r="0" g="0" b="0"/>
+        </a:lnRef>
+        <a:fillRef idx="1">
+          <a:scrgbClr r="0" g="0" b="0"/>
+        </a:fillRef>
+        <a:effectRef idx="0">
+          <a:scrgbClr r="0" g="0" b="0"/>
+        </a:effectRef>
+        <a:fontRef idx="minor">
+          <a:schemeClr val="lt1"/>
+        </a:fontRef>
+      </dsp:style>
+      <dsp:txBody>
+        <a:bodyPr spcFirstLastPara="0" vert="horz" wrap="square" lIns="19050" tIns="12700" rIns="19050" bIns="12700" numCol="1" spcCol="1270" anchor="ctr" anchorCtr="0">
+          <a:noAutofit/>
+        </a:bodyPr>
+        <a:lstStyle/>
+        <a:p>
+          <a:pPr marL="0" lvl="0" indent="0" algn="ctr" defTabSz="444500">
+            <a:lnSpc>
+              <a:spcPct val="90000"/>
+            </a:lnSpc>
+            <a:spcBef>
+              <a:spcPct val="0"/>
+            </a:spcBef>
+            <a:spcAft>
+              <a:spcPct val="35000"/>
+            </a:spcAft>
+            <a:buNone/>
+          </a:pPr>
+          <a:r>
+            <a:rPr lang="fr-FR" sz="1000" kern="1200" dirty="0">
+              <a:latin typeface="Arial Nova" panose="020B0504020202020204"/>
+            </a:rPr>
+            <a:t>Évaluation de performances</a:t>
+          </a:r>
+        </a:p>
+      </dsp:txBody>
+      <dsp:txXfrm>
+        <a:off x="3878224" y="38886"/>
+        <a:ext cx="1186463" cy="309058"/>
+      </dsp:txXfrm>
+    </dsp:sp>
+  </dsp:spTree>
+</dsp:drawing>
+</file>
+
+<file path=ppt/diagrams/drawing5.xml><?xml version="1.0" encoding="utf-8"?>
 <dsp:drawing xmlns:dgm="http://schemas.openxmlformats.org/drawingml/2006/diagram" xmlns:dsp="http://schemas.microsoft.com/office/drawing/2008/diagram" xmlns:a="http://schemas.openxmlformats.org/drawingml/2006/main">
   <dsp:spTree>
     <dsp:nvGrpSpPr>
@@ -12614,7 +13574,7 @@
             <a:spcAft>
               <a:spcPct val="15000"/>
             </a:spcAft>
-            <a:buChar char="••"/>
+            <a:buChar char="•"/>
           </a:pPr>
           <a:endParaRPr lang="fr-FR" sz="5800" kern="1200" dirty="0"/>
         </a:p>
@@ -12729,7 +13689,7 @@
         </a:bodyPr>
         <a:lstStyle/>
         <a:p>
-          <a:pPr lvl="0" algn="ctr" defTabSz="622300">
+          <a:pPr marL="0" lvl="0" indent="0" algn="ctr" defTabSz="622300">
             <a:lnSpc>
               <a:spcPct val="90000"/>
             </a:lnSpc>
@@ -12739,6 +13699,7 @@
             <a:spcAft>
               <a:spcPct val="35000"/>
             </a:spcAft>
+            <a:buNone/>
           </a:pPr>
           <a:r>
             <a:rPr lang="fr-FR" sz="1400" kern="1200" dirty="0"/>
@@ -12817,7 +13778,7 @@
             <a:spcAft>
               <a:spcPct val="15000"/>
             </a:spcAft>
-            <a:buChar char="••"/>
+            <a:buChar char="•"/>
           </a:pPr>
           <a:endParaRPr lang="fr-FR" sz="5800" kern="1200" dirty="0"/>
         </a:p>
@@ -12884,7 +13845,7 @@
         </a:bodyPr>
         <a:lstStyle/>
         <a:p>
-          <a:pPr lvl="0" algn="ctr" defTabSz="622300">
+          <a:pPr marL="0" lvl="0" indent="0" algn="ctr" defTabSz="622300">
             <a:lnSpc>
               <a:spcPct val="90000"/>
             </a:lnSpc>
@@ -12894,6 +13855,7 @@
             <a:spcAft>
               <a:spcPct val="35000"/>
             </a:spcAft>
+            <a:buNone/>
           </a:pPr>
           <a:r>
             <a:rPr lang="fr-FR" sz="1400" kern="1200" dirty="0"/>
@@ -12910,7 +13872,7 @@
 </dsp:drawing>
 </file>
 
-<file path=ppt/diagrams/drawing5.xml><?xml version="1.0" encoding="utf-8"?>
+<file path=ppt/diagrams/drawing6.xml><?xml version="1.0" encoding="utf-8"?>
 <dsp:drawing xmlns:dgm="http://schemas.openxmlformats.org/drawingml/2006/diagram" xmlns:dsp="http://schemas.microsoft.com/office/drawing/2008/diagram" xmlns:a="http://schemas.openxmlformats.org/drawingml/2006/main">
   <dsp:spTree>
     <dsp:nvGrpSpPr>
@@ -12984,7 +13946,7 @@
             <a:spcAft>
               <a:spcPct val="15000"/>
             </a:spcAft>
-            <a:buChar char="••"/>
+            <a:buChar char="•"/>
           </a:pPr>
           <a:r>
             <a:rPr lang="fr-FR" sz="1000" kern="1200" dirty="0">
@@ -13004,7 +13966,7 @@
             <a:spcAft>
               <a:spcPct val="15000"/>
             </a:spcAft>
-            <a:buChar char="••"/>
+            <a:buChar char="•"/>
           </a:pPr>
           <a:r>
             <a:rPr lang="fr-FR" sz="1000" kern="1200" dirty="0">
@@ -13124,7 +14086,7 @@
         </a:bodyPr>
         <a:lstStyle/>
         <a:p>
-          <a:pPr lvl="0" algn="ctr" defTabSz="488950">
+          <a:pPr marL="0" lvl="0" indent="0" algn="ctr" defTabSz="488950">
             <a:lnSpc>
               <a:spcPct val="90000"/>
             </a:lnSpc>
@@ -13134,6 +14096,7 @@
             <a:spcAft>
               <a:spcPct val="35000"/>
             </a:spcAft>
+            <a:buNone/>
           </a:pPr>
           <a:r>
             <a:rPr lang="fr-FR" sz="1100" kern="1200" dirty="0">
@@ -13214,7 +14177,7 @@
             <a:spcAft>
               <a:spcPct val="15000"/>
             </a:spcAft>
-            <a:buChar char="••"/>
+            <a:buChar char="•"/>
           </a:pPr>
           <a:r>
             <a:rPr lang="fr-FR" sz="1000" kern="1200" dirty="0">
@@ -13234,7 +14197,7 @@
             <a:spcAft>
               <a:spcPct val="15000"/>
             </a:spcAft>
-            <a:buChar char="••"/>
+            <a:buChar char="•"/>
           </a:pPr>
           <a:r>
             <a:rPr lang="fr-FR" sz="1000" kern="1200" dirty="0">
@@ -13254,7 +14217,7 @@
             <a:spcAft>
               <a:spcPct val="15000"/>
             </a:spcAft>
-            <a:buChar char="••"/>
+            <a:buChar char="•"/>
           </a:pPr>
           <a:r>
             <a:rPr lang="fr-FR" sz="1000" kern="1200" dirty="0">
@@ -13374,7 +14337,7 @@
         </a:bodyPr>
         <a:lstStyle/>
         <a:p>
-          <a:pPr lvl="0" algn="ctr" defTabSz="488950">
+          <a:pPr marL="0" lvl="0" indent="0" algn="ctr" defTabSz="488950">
             <a:lnSpc>
               <a:spcPct val="90000"/>
             </a:lnSpc>
@@ -13384,6 +14347,7 @@
             <a:spcAft>
               <a:spcPct val="35000"/>
             </a:spcAft>
+            <a:buNone/>
           </a:pPr>
           <a:r>
             <a:rPr lang="fr-FR" sz="1100" kern="1200" dirty="0">
@@ -13464,7 +14428,7 @@
             <a:spcAft>
               <a:spcPct val="15000"/>
             </a:spcAft>
-            <a:buChar char="••"/>
+            <a:buChar char="•"/>
           </a:pPr>
           <a:r>
             <a:rPr lang="fr-FR" sz="1000" kern="1200" dirty="0">
@@ -13484,7 +14448,7 @@
             <a:spcAft>
               <a:spcPct val="15000"/>
             </a:spcAft>
-            <a:buChar char="••"/>
+            <a:buChar char="•"/>
           </a:pPr>
           <a:r>
             <a:rPr lang="fr-FR" sz="1000" kern="1200" dirty="0">
@@ -13504,7 +14468,7 @@
             <a:spcAft>
               <a:spcPct val="15000"/>
             </a:spcAft>
-            <a:buChar char="••"/>
+            <a:buChar char="•"/>
           </a:pPr>
           <a:r>
             <a:rPr lang="fr-FR" sz="1000" kern="1200" dirty="0">
@@ -13576,7 +14540,7 @@
         </a:bodyPr>
         <a:lstStyle/>
         <a:p>
-          <a:pPr lvl="0" algn="ctr" defTabSz="488950">
+          <a:pPr marL="0" lvl="0" indent="0" algn="ctr" defTabSz="488950">
             <a:lnSpc>
               <a:spcPct val="90000"/>
             </a:lnSpc>
@@ -13586,6 +14550,7 @@
             <a:spcAft>
               <a:spcPct val="35000"/>
             </a:spcAft>
+            <a:buNone/>
           </a:pPr>
           <a:r>
             <a:rPr lang="fr-FR" sz="1100" kern="1200">
@@ -13604,7 +14569,7 @@
 </dsp:drawing>
 </file>
 
-<file path=ppt/diagrams/drawing6.xml><?xml version="1.0" encoding="utf-8"?>
+<file path=ppt/diagrams/drawing7.xml><?xml version="1.0" encoding="utf-8"?>
 <dsp:drawing xmlns:dgm="http://schemas.openxmlformats.org/drawingml/2006/diagram" xmlns:dsp="http://schemas.microsoft.com/office/drawing/2008/diagram" xmlns:a="http://schemas.openxmlformats.org/drawingml/2006/main">
   <dsp:spTree>
     <dsp:nvGrpSpPr>
@@ -13678,7 +14643,7 @@
             <a:spcAft>
               <a:spcPct val="15000"/>
             </a:spcAft>
-            <a:buChar char="••"/>
+            <a:buChar char="•"/>
           </a:pPr>
           <a:endParaRPr lang="fr-FR" sz="2200" kern="1200"/>
         </a:p>
@@ -13693,7 +14658,7 @@
             <a:spcAft>
               <a:spcPct val="15000"/>
             </a:spcAft>
-            <a:buChar char="••"/>
+            <a:buChar char="•"/>
           </a:pPr>
           <a:endParaRPr lang="fr-FR" sz="2200" kern="1200"/>
         </a:p>
@@ -13808,7 +14773,7 @@
         </a:bodyPr>
         <a:lstStyle/>
         <a:p>
-          <a:pPr lvl="0" algn="ctr" defTabSz="666750">
+          <a:pPr marL="0" lvl="0" indent="0" algn="ctr" defTabSz="666750">
             <a:lnSpc>
               <a:spcPct val="90000"/>
             </a:lnSpc>
@@ -13818,6 +14783,7 @@
             <a:spcAft>
               <a:spcPct val="35000"/>
             </a:spcAft>
+            <a:buNone/>
           </a:pPr>
           <a:r>
             <a:rPr lang="fr-FR" sz="1500" kern="1200" dirty="0"/>
@@ -13896,7 +14862,7 @@
             <a:spcAft>
               <a:spcPct val="15000"/>
             </a:spcAft>
-            <a:buChar char="••"/>
+            <a:buChar char="•"/>
           </a:pPr>
           <a:endParaRPr lang="fr-FR" sz="2200" kern="1200"/>
         </a:p>
@@ -13911,7 +14877,7 @@
             <a:spcAft>
               <a:spcPct val="15000"/>
             </a:spcAft>
-            <a:buChar char="••"/>
+            <a:buChar char="•"/>
           </a:pPr>
           <a:endParaRPr lang="fr-FR" sz="2200" kern="1200"/>
         </a:p>
@@ -14026,7 +14992,7 @@
         </a:bodyPr>
         <a:lstStyle/>
         <a:p>
-          <a:pPr lvl="0" algn="ctr" defTabSz="666750">
+          <a:pPr marL="0" lvl="0" indent="0" algn="ctr" defTabSz="666750">
             <a:lnSpc>
               <a:spcPct val="90000"/>
             </a:lnSpc>
@@ -14036,6 +15002,7 @@
             <a:spcAft>
               <a:spcPct val="35000"/>
             </a:spcAft>
+            <a:buNone/>
           </a:pPr>
           <a:r>
             <a:rPr lang="fr-FR" sz="1500" kern="1200" dirty="0"/>
@@ -14114,7 +15081,7 @@
             <a:spcAft>
               <a:spcPct val="15000"/>
             </a:spcAft>
-            <a:buChar char="••"/>
+            <a:buChar char="•"/>
           </a:pPr>
           <a:endParaRPr lang="fr-FR" sz="2200" kern="1200"/>
         </a:p>
@@ -14129,7 +15096,7 @@
             <a:spcAft>
               <a:spcPct val="15000"/>
             </a:spcAft>
-            <a:buChar char="••"/>
+            <a:buChar char="•"/>
           </a:pPr>
           <a:endParaRPr lang="fr-FR" sz="2200" kern="1200"/>
         </a:p>
@@ -14196,7 +15163,7 @@
         </a:bodyPr>
         <a:lstStyle/>
         <a:p>
-          <a:pPr lvl="0" algn="ctr" defTabSz="666750">
+          <a:pPr marL="0" lvl="0" indent="0" algn="ctr" defTabSz="666750">
             <a:lnSpc>
               <a:spcPct val="90000"/>
             </a:lnSpc>
@@ -14206,6 +15173,7 @@
             <a:spcAft>
               <a:spcPct val="35000"/>
             </a:spcAft>
+            <a:buNone/>
           </a:pPr>
           <a:r>
             <a:rPr lang="fr-FR" sz="1500" kern="1200" dirty="0"/>
@@ -17486,6 +18454,550 @@
 </dgm:layoutDef>
 </file>
 
+<file path=ppt/diagrams/layout7.xml><?xml version="1.0" encoding="utf-8"?>
+<dgm:layoutDef xmlns:dgm="http://schemas.openxmlformats.org/drawingml/2006/diagram" xmlns:a="http://schemas.openxmlformats.org/drawingml/2006/main" uniqueId="urn:microsoft.com/office/officeart/2005/8/layout/hProcess4">
+  <dgm:title val=""/>
+  <dgm:desc val=""/>
+  <dgm:catLst>
+    <dgm:cat type="process" pri="4000"/>
+  </dgm:catLst>
+  <dgm:sampData>
+    <dgm:dataModel>
+      <dgm:ptLst>
+        <dgm:pt modelId="0" type="doc"/>
+        <dgm:pt modelId="1">
+          <dgm:prSet phldr="1"/>
+        </dgm:pt>
+        <dgm:pt modelId="11">
+          <dgm:prSet phldr="1"/>
+        </dgm:pt>
+        <dgm:pt modelId="12">
+          <dgm:prSet phldr="1"/>
+        </dgm:pt>
+        <dgm:pt modelId="2">
+          <dgm:prSet phldr="1"/>
+        </dgm:pt>
+        <dgm:pt modelId="21">
+          <dgm:prSet phldr="1"/>
+        </dgm:pt>
+        <dgm:pt modelId="22">
+          <dgm:prSet phldr="1"/>
+        </dgm:pt>
+        <dgm:pt modelId="3">
+          <dgm:prSet phldr="1"/>
+        </dgm:pt>
+        <dgm:pt modelId="31">
+          <dgm:prSet phldr="1"/>
+        </dgm:pt>
+        <dgm:pt modelId="32">
+          <dgm:prSet phldr="1"/>
+        </dgm:pt>
+      </dgm:ptLst>
+      <dgm:cxnLst>
+        <dgm:cxn modelId="4" srcId="0" destId="1" srcOrd="0" destOrd="0"/>
+        <dgm:cxn modelId="5" srcId="0" destId="2" srcOrd="1" destOrd="0"/>
+        <dgm:cxn modelId="6" srcId="0" destId="3" srcOrd="2" destOrd="0"/>
+        <dgm:cxn modelId="13" srcId="1" destId="11" srcOrd="0" destOrd="0"/>
+        <dgm:cxn modelId="14" srcId="1" destId="12" srcOrd="1" destOrd="0"/>
+        <dgm:cxn modelId="23" srcId="2" destId="21" srcOrd="0" destOrd="0"/>
+        <dgm:cxn modelId="24" srcId="2" destId="22" srcOrd="1" destOrd="0"/>
+        <dgm:cxn modelId="33" srcId="3" destId="31" srcOrd="0" destOrd="0"/>
+        <dgm:cxn modelId="34" srcId="3" destId="32" srcOrd="1" destOrd="0"/>
+      </dgm:cxnLst>
+      <dgm:bg/>
+      <dgm:whole/>
+    </dgm:dataModel>
+  </dgm:sampData>
+  <dgm:styleData>
+    <dgm:dataModel>
+      <dgm:ptLst>
+        <dgm:pt modelId="0" type="doc"/>
+        <dgm:pt modelId="1"/>
+        <dgm:pt modelId="11"/>
+        <dgm:pt modelId="2"/>
+        <dgm:pt modelId="21"/>
+      </dgm:ptLst>
+      <dgm:cxnLst>
+        <dgm:cxn modelId="4" srcId="0" destId="1" srcOrd="0" destOrd="0"/>
+        <dgm:cxn modelId="5" srcId="0" destId="2" srcOrd="1" destOrd="0"/>
+        <dgm:cxn modelId="13" srcId="1" destId="11" srcOrd="0" destOrd="0"/>
+        <dgm:cxn modelId="23" srcId="2" destId="21" srcOrd="0" destOrd="0"/>
+      </dgm:cxnLst>
+      <dgm:bg/>
+      <dgm:whole/>
+    </dgm:dataModel>
+  </dgm:styleData>
+  <dgm:clrData>
+    <dgm:dataModel>
+      <dgm:ptLst>
+        <dgm:pt modelId="0" type="doc"/>
+        <dgm:pt modelId="1"/>
+        <dgm:pt modelId="11"/>
+        <dgm:pt modelId="2"/>
+        <dgm:pt modelId="21"/>
+        <dgm:pt modelId="3"/>
+        <dgm:pt modelId="31"/>
+        <dgm:pt modelId="4"/>
+        <dgm:pt modelId="41"/>
+      </dgm:ptLst>
+      <dgm:cxnLst>
+        <dgm:cxn modelId="5" srcId="0" destId="1" srcOrd="0" destOrd="0"/>
+        <dgm:cxn modelId="6" srcId="0" destId="2" srcOrd="1" destOrd="0"/>
+        <dgm:cxn modelId="7" srcId="0" destId="3" srcOrd="2" destOrd="0"/>
+        <dgm:cxn modelId="8" srcId="0" destId="4" srcOrd="3" destOrd="0"/>
+        <dgm:cxn modelId="13" srcId="1" destId="11" srcOrd="0" destOrd="0"/>
+        <dgm:cxn modelId="23" srcId="2" destId="21" srcOrd="0" destOrd="0"/>
+        <dgm:cxn modelId="33" srcId="3" destId="31" srcOrd="0" destOrd="0"/>
+        <dgm:cxn modelId="43" srcId="4" destId="41" srcOrd="0" destOrd="0"/>
+      </dgm:cxnLst>
+      <dgm:bg/>
+      <dgm:whole/>
+    </dgm:dataModel>
+  </dgm:clrData>
+  <dgm:layoutNode name="Name0">
+    <dgm:varLst>
+      <dgm:dir/>
+      <dgm:animLvl val="lvl"/>
+      <dgm:resizeHandles val="exact"/>
+    </dgm:varLst>
+    <dgm:alg type="composite"/>
+    <dgm:shape xmlns:r="http://schemas.openxmlformats.org/officeDocument/2006/relationships" r:blip="">
+      <dgm:adjLst/>
+    </dgm:shape>
+    <dgm:presOf/>
+    <dgm:constrLst>
+      <dgm:constr type="w" for="ch" forName="tSp" refType="w"/>
+      <dgm:constr type="h" for="ch" forName="tSp" refType="h" fact="0.15"/>
+      <dgm:constr type="l" for="ch" forName="tSp"/>
+      <dgm:constr type="t" for="ch" forName="tSp"/>
+      <dgm:constr type="w" for="ch" forName="bSp" refType="w"/>
+      <dgm:constr type="h" for="ch" forName="bSp" refType="h" fact="0.15"/>
+      <dgm:constr type="l" for="ch" forName="bSp"/>
+      <dgm:constr type="t" for="ch" forName="bSp" refType="h" fact="0.85"/>
+      <dgm:constr type="w" for="ch" forName="process" refType="w"/>
+      <dgm:constr type="h" for="ch" forName="process" refType="h" fact="0.7"/>
+      <dgm:constr type="l" for="ch" forName="process"/>
+      <dgm:constr type="t" for="ch" forName="process" refType="h" fact="0.15"/>
+    </dgm:constrLst>
+    <dgm:ruleLst/>
+    <dgm:layoutNode name="tSp">
+      <dgm:alg type="sp"/>
+      <dgm:shape xmlns:r="http://schemas.openxmlformats.org/officeDocument/2006/relationships" r:blip="">
+        <dgm:adjLst/>
+      </dgm:shape>
+      <dgm:presOf/>
+      <dgm:constrLst/>
+      <dgm:ruleLst/>
+    </dgm:layoutNode>
+    <dgm:layoutNode name="bSp">
+      <dgm:alg type="sp"/>
+      <dgm:shape xmlns:r="http://schemas.openxmlformats.org/officeDocument/2006/relationships" r:blip="">
+        <dgm:adjLst/>
+      </dgm:shape>
+      <dgm:presOf/>
+      <dgm:constrLst/>
+      <dgm:ruleLst/>
+    </dgm:layoutNode>
+    <dgm:layoutNode name="process">
+      <dgm:choose name="Name1">
+        <dgm:if name="Name2" func="var" arg="dir" op="equ" val="norm">
+          <dgm:alg type="lin">
+            <dgm:param type="linDir" val="fromL"/>
+          </dgm:alg>
+        </dgm:if>
+        <dgm:else name="Name3">
+          <dgm:alg type="lin">
+            <dgm:param type="linDir" val="fromR"/>
+          </dgm:alg>
+        </dgm:else>
+      </dgm:choose>
+      <dgm:shape xmlns:r="http://schemas.openxmlformats.org/officeDocument/2006/relationships" r:blip="">
+        <dgm:adjLst/>
+      </dgm:shape>
+      <dgm:presOf/>
+      <dgm:constrLst>
+        <dgm:constr type="w" for="ch" forName="composite1" refType="w"/>
+        <dgm:constr type="w" for="ch" forName="composite2" refType="w" refFor="ch" refForName="composite1" op="equ"/>
+        <dgm:constr type="h" for="ch" forName="composite1" refType="h"/>
+        <dgm:constr type="h" for="ch" forName="composite2" refType="h" refFor="ch" refForName="composite1" op="equ"/>
+        <dgm:constr type="primFontSz" for="des" forName="parentNode1" val="65"/>
+        <dgm:constr type="primFontSz" for="des" forName="parentNode2" refType="primFontSz" refFor="des" refForName="parentNode1" op="equ"/>
+        <dgm:constr type="secFontSz" for="des" forName="childNode1tx" val="65"/>
+        <dgm:constr type="secFontSz" for="des" forName="childNode2tx" refType="secFontSz" refFor="des" refForName="childNode1tx" op="equ"/>
+        <dgm:constr type="w" for="des" ptType="sibTrans" refType="w" refFor="ch" refForName="composite1" op="equ" fact="0.05"/>
+      </dgm:constrLst>
+      <dgm:ruleLst/>
+      <dgm:forEach name="Name4" axis="ch" ptType="node" step="2">
+        <dgm:layoutNode name="composite1">
+          <dgm:alg type="composite">
+            <dgm:param type="ar" val="0.943"/>
+          </dgm:alg>
+          <dgm:shape xmlns:r="http://schemas.openxmlformats.org/officeDocument/2006/relationships" r:blip="">
+            <dgm:adjLst/>
+          </dgm:shape>
+          <dgm:presOf/>
+          <dgm:choose name="Name5">
+            <dgm:if name="Name6" func="var" arg="dir" op="equ" val="norm">
+              <dgm:constrLst>
+                <dgm:constr type="h" refType="w" fact="1.06"/>
+                <dgm:constr type="w" for="ch" forName="dummyNode1" refType="w"/>
+                <dgm:constr type="h" for="ch" forName="dummyNode1" refType="h"/>
+                <dgm:constr type="t" for="ch" forName="dummyNode1"/>
+                <dgm:constr type="l" for="ch" forName="dummyNode1"/>
+                <dgm:constr type="w" for="ch" forName="childNode1" refType="w" fact="0.9"/>
+                <dgm:constr type="h" for="ch" forName="childNode1" refType="h" fact="0.7"/>
+                <dgm:constr type="t" for="ch" forName="childNode1" refType="h" fact="0.15"/>
+                <dgm:constr type="l" for="ch" forName="childNode1"/>
+                <dgm:constr type="w" for="ch" forName="childNode1tx" refType="w" fact="0.9"/>
+                <dgm:constr type="h" for="ch" forName="childNode1tx" refType="h" fact="0.55"/>
+                <dgm:constr type="t" for="ch" forName="childNode1tx" refType="h" fact="0.15"/>
+                <dgm:constr type="l" for="ch" forName="childNode1tx"/>
+                <dgm:constr type="w" for="ch" forName="parentNode1" refType="w" fact="0.8"/>
+                <dgm:constr type="h" for="ch" forName="parentNode1" refType="h" fact="0.3"/>
+                <dgm:constr type="t" for="ch" forName="parentNode1" refType="h" fact="0.7"/>
+                <dgm:constr type="l" for="ch" forName="parentNode1" refType="w" fact="0.2"/>
+                <dgm:constr type="w" for="ch" forName="connSite1" refType="w" fact="0.01"/>
+                <dgm:constr type="h" for="ch" forName="connSite1" refType="h" fact="0.01"/>
+                <dgm:constr type="t" for="ch" forName="connSite1"/>
+                <dgm:constr type="l" for="ch" forName="connSite1" refType="w" fact="0.35"/>
+              </dgm:constrLst>
+            </dgm:if>
+            <dgm:else name="Name7">
+              <dgm:constrLst>
+                <dgm:constr type="h" refType="w" fact="1.06"/>
+                <dgm:constr type="w" for="ch" forName="dummyNode1" refType="w"/>
+                <dgm:constr type="h" for="ch" forName="dummyNode1" refType="h"/>
+                <dgm:constr type="t" for="ch" forName="dummyNode1"/>
+                <dgm:constr type="l" for="ch" forName="dummyNode1"/>
+                <dgm:constr type="w" for="ch" forName="childNode1" refType="w" fact="0.9"/>
+                <dgm:constr type="h" for="ch" forName="childNode1" refType="h" fact="0.7"/>
+                <dgm:constr type="t" for="ch" forName="childNode1" refType="h" fact="0.15"/>
+                <dgm:constr type="l" for="ch" forName="childNode1" refType="w" fact="0.1"/>
+                <dgm:constr type="w" for="ch" forName="childNode1tx" refType="w" fact="0.9"/>
+                <dgm:constr type="h" for="ch" forName="childNode1tx" refType="h" fact="0.55"/>
+                <dgm:constr type="t" for="ch" forName="childNode1tx" refType="h" fact="0.15"/>
+                <dgm:constr type="l" for="ch" forName="childNode1tx" refType="w" fact="0.1"/>
+                <dgm:constr type="w" for="ch" forName="parentNode1" refType="w" fact="0.8"/>
+                <dgm:constr type="h" for="ch" forName="parentNode1" refType="h" fact="0.3"/>
+                <dgm:constr type="t" for="ch" forName="parentNode1" refType="h" fact="0.7"/>
+                <dgm:constr type="l" for="ch" forName="parentNode1"/>
+                <dgm:constr type="w" for="ch" forName="connSite1" refType="w" fact="0.01"/>
+                <dgm:constr type="h" for="ch" forName="connSite1" refType="h" fact="0.01"/>
+                <dgm:constr type="t" for="ch" forName="connSite1"/>
+                <dgm:constr type="l" for="ch" forName="connSite1" refType="w" fact="0.65"/>
+              </dgm:constrLst>
+            </dgm:else>
+          </dgm:choose>
+          <dgm:ruleLst/>
+          <dgm:layoutNode name="dummyNode1">
+            <dgm:alg type="sp"/>
+            <dgm:shape xmlns:r="http://schemas.openxmlformats.org/officeDocument/2006/relationships" type="rect" r:blip="" hideGeom="1">
+              <dgm:adjLst/>
+            </dgm:shape>
+            <dgm:presOf/>
+            <dgm:constrLst/>
+            <dgm:ruleLst/>
+          </dgm:layoutNode>
+          <dgm:layoutNode name="childNode1" styleLbl="bgAcc1">
+            <dgm:varLst>
+              <dgm:bulletEnabled val="1"/>
+            </dgm:varLst>
+            <dgm:alg type="sp"/>
+            <dgm:shape xmlns:r="http://schemas.openxmlformats.org/officeDocument/2006/relationships" type="roundRect" r:blip="">
+              <dgm:adjLst>
+                <dgm:adj idx="1" val="0.1"/>
+              </dgm:adjLst>
+            </dgm:shape>
+            <dgm:presOf axis="des" ptType="node"/>
+            <dgm:constrLst/>
+            <dgm:ruleLst/>
+          </dgm:layoutNode>
+          <dgm:layoutNode name="childNode1tx" styleLbl="bgAcc1">
+            <dgm:varLst>
+              <dgm:bulletEnabled val="1"/>
+            </dgm:varLst>
+            <dgm:alg type="tx">
+              <dgm:param type="stBulletLvl" val="1"/>
+            </dgm:alg>
+            <dgm:shape xmlns:r="http://schemas.openxmlformats.org/officeDocument/2006/relationships" type="roundRect" r:blip="" hideGeom="1">
+              <dgm:adjLst>
+                <dgm:adj idx="1" val="0.1"/>
+              </dgm:adjLst>
+            </dgm:shape>
+            <dgm:presOf axis="des" ptType="node"/>
+            <dgm:constrLst>
+              <dgm:constr type="secFontSz" val="65"/>
+              <dgm:constr type="primFontSz" refType="secFontSz"/>
+              <dgm:constr type="tMarg" refType="secFontSz" fact="0.15"/>
+              <dgm:constr type="bMarg" refType="secFontSz" fact="0.15"/>
+              <dgm:constr type="lMarg" refType="secFontSz" fact="0.15"/>
+              <dgm:constr type="rMarg" refType="secFontSz" fact="0.15"/>
+            </dgm:constrLst>
+            <dgm:ruleLst>
+              <dgm:rule type="secFontSz" val="5" fact="NaN" max="NaN"/>
+            </dgm:ruleLst>
+          </dgm:layoutNode>
+          <dgm:layoutNode name="parentNode1" styleLbl="node1">
+            <dgm:varLst>
+              <dgm:chMax val="1"/>
+              <dgm:bulletEnabled val="1"/>
+            </dgm:varLst>
+            <dgm:alg type="tx"/>
+            <dgm:shape xmlns:r="http://schemas.openxmlformats.org/officeDocument/2006/relationships" type="roundRect" r:blip="">
+              <dgm:adjLst>
+                <dgm:adj idx="1" val="0.1"/>
+              </dgm:adjLst>
+            </dgm:shape>
+            <dgm:presOf axis="self"/>
+            <dgm:constrLst>
+              <dgm:constr type="tMarg" refType="primFontSz" fact="0.1"/>
+              <dgm:constr type="bMarg" refType="primFontSz" fact="0.1"/>
+              <dgm:constr type="lMarg" refType="primFontSz" fact="0.15"/>
+              <dgm:constr type="rMarg" refType="primFontSz" fact="0.15"/>
+            </dgm:constrLst>
+            <dgm:ruleLst>
+              <dgm:rule type="primFontSz" val="5" fact="NaN" max="NaN"/>
+            </dgm:ruleLst>
+          </dgm:layoutNode>
+          <dgm:layoutNode name="connSite1" moveWith="childNode1">
+            <dgm:alg type="sp"/>
+            <dgm:shape xmlns:r="http://schemas.openxmlformats.org/officeDocument/2006/relationships" r:blip="">
+              <dgm:adjLst/>
+            </dgm:shape>
+            <dgm:presOf/>
+            <dgm:constrLst/>
+            <dgm:ruleLst/>
+          </dgm:layoutNode>
+        </dgm:layoutNode>
+        <dgm:forEach name="Name8" axis="followSib" ptType="sibTrans" cnt="1">
+          <dgm:layoutNode name="Name9">
+            <dgm:alg type="conn">
+              <dgm:param type="connRout" val="curve"/>
+              <dgm:param type="srcNode" val="parentNode1"/>
+              <dgm:param type="dstNode" val="connSite2"/>
+              <dgm:param type="begPts" val="bCtr"/>
+              <dgm:param type="endPts" val="bCtr"/>
+            </dgm:alg>
+            <dgm:shape xmlns:r="http://schemas.openxmlformats.org/officeDocument/2006/relationships" type="conn" r:blip="" zOrderOff="-2">
+              <dgm:adjLst/>
+            </dgm:shape>
+            <dgm:presOf axis="self"/>
+            <dgm:choose name="Name10">
+              <dgm:if name="Name11" func="var" arg="dir" op="equ" val="norm">
+                <dgm:constrLst>
+                  <dgm:constr type="h" refType="w" fact="0.35"/>
+                  <dgm:constr type="wArH" refType="h"/>
+                  <dgm:constr type="hArH" refType="h"/>
+                  <dgm:constr type="connDist"/>
+                  <dgm:constr type="diam" refType="connDist" fact="-1.15"/>
+                  <dgm:constr type="begPad"/>
+                  <dgm:constr type="endPad"/>
+                </dgm:constrLst>
+              </dgm:if>
+              <dgm:else name="Name12">
+                <dgm:constrLst>
+                  <dgm:constr type="h" refType="w" fact="0.35"/>
+                  <dgm:constr type="wArH" refType="h"/>
+                  <dgm:constr type="hArH" refType="h"/>
+                  <dgm:constr type="connDist"/>
+                  <dgm:constr type="diam" refType="connDist" fact="1.15"/>
+                  <dgm:constr type="begPad"/>
+                  <dgm:constr type="endPad"/>
+                </dgm:constrLst>
+              </dgm:else>
+            </dgm:choose>
+            <dgm:ruleLst/>
+          </dgm:layoutNode>
+        </dgm:forEach>
+        <dgm:forEach name="Name13" axis="followSib" ptType="node" cnt="1">
+          <dgm:layoutNode name="composite2">
+            <dgm:alg type="composite">
+              <dgm:param type="ar" val="0.943"/>
+            </dgm:alg>
+            <dgm:shape xmlns:r="http://schemas.openxmlformats.org/officeDocument/2006/relationships" r:blip="">
+              <dgm:adjLst/>
+            </dgm:shape>
+            <dgm:presOf/>
+            <dgm:choose name="Name14">
+              <dgm:if name="Name15" func="var" arg="dir" op="equ" val="norm">
+                <dgm:constrLst>
+                  <dgm:constr type="h" refType="w" fact="1.06"/>
+                  <dgm:constr type="w" for="ch" forName="dummyNode2" refType="w"/>
+                  <dgm:constr type="h" for="ch" forName="dummyNode2" refType="h"/>
+                  <dgm:constr type="t" for="ch" forName="dummyNode2"/>
+                  <dgm:constr type="l" for="ch" forName="dummyNode2"/>
+                  <dgm:constr type="w" for="ch" forName="childNode2" refType="w" fact="0.9"/>
+                  <dgm:constr type="h" for="ch" forName="childNode2" refType="h" fact="0.7"/>
+                  <dgm:constr type="t" for="ch" forName="childNode2" refType="h" fact="0.15"/>
+                  <dgm:constr type="l" for="ch" forName="childNode2"/>
+                  <dgm:constr type="w" for="ch" forName="childNode2tx" refType="w" fact="0.9"/>
+                  <dgm:constr type="h" for="ch" forName="childNode2tx" refType="h" fact="0.55"/>
+                  <dgm:constr type="t" for="ch" forName="childNode2tx" refType="h" fact="0.3"/>
+                  <dgm:constr type="l" for="ch" forName="childNode2tx"/>
+                  <dgm:constr type="w" for="ch" forName="parentNode2" refType="w" fact="0.8"/>
+                  <dgm:constr type="h" for="ch" forName="parentNode2" refType="h" fact="0.3"/>
+                  <dgm:constr type="t" for="ch" forName="parentNode2"/>
+                  <dgm:constr type="l" for="ch" forName="parentNode2" refType="w" fact="0.2"/>
+                  <dgm:constr type="w" for="ch" forName="connSite2" refType="w" fact="0.01"/>
+                  <dgm:constr type="h" for="ch" forName="connSite2" refType="h" fact="0.01"/>
+                  <dgm:constr type="t" for="ch" forName="connSite2" refType="h" fact="0.99"/>
+                  <dgm:constr type="l" for="ch" forName="connSite2" refType="w" fact="0.25"/>
+                </dgm:constrLst>
+              </dgm:if>
+              <dgm:else name="Name16">
+                <dgm:constrLst>
+                  <dgm:constr type="h" refType="w" fact="1.06"/>
+                  <dgm:constr type="w" for="ch" forName="dummyNode2" refType="w"/>
+                  <dgm:constr type="h" for="ch" forName="dummyNode2" refType="h"/>
+                  <dgm:constr type="t" for="ch" forName="dummyNode2"/>
+                  <dgm:constr type="l" for="ch" forName="dummyNode2"/>
+                  <dgm:constr type="w" for="ch" forName="childNode2" refType="w" fact="0.9"/>
+                  <dgm:constr type="h" for="ch" forName="childNode2" refType="h" fact="0.7"/>
+                  <dgm:constr type="t" for="ch" forName="childNode2" refType="h" fact="0.15"/>
+                  <dgm:constr type="l" for="ch" forName="childNode2" refType="w" fact="0.1"/>
+                  <dgm:constr type="w" for="ch" forName="childNode2tx" refType="w" fact="0.9"/>
+                  <dgm:constr type="h" for="ch" forName="childNode2tx" refType="h" fact="0.55"/>
+                  <dgm:constr type="t" for="ch" forName="childNode2tx" refType="h" fact="0.3"/>
+                  <dgm:constr type="l" for="ch" forName="childNode2tx" refType="w" fact="0.1"/>
+                  <dgm:constr type="w" for="ch" forName="parentNode2" refType="w" fact="0.8"/>
+                  <dgm:constr type="h" for="ch" forName="parentNode2" refType="h" fact="0.3"/>
+                  <dgm:constr type="t" for="ch" forName="parentNode2"/>
+                  <dgm:constr type="l" for="ch" forName="parentNode2"/>
+                  <dgm:constr type="w" for="ch" forName="connSite2" refType="w" fact="0.01"/>
+                  <dgm:constr type="h" for="ch" forName="connSite2" refType="h" fact="0.01"/>
+                  <dgm:constr type="t" for="ch" forName="connSite2" refType="h" fact="0.99"/>
+                  <dgm:constr type="l" for="ch" forName="connSite2" refType="w" fact="0.85"/>
+                </dgm:constrLst>
+              </dgm:else>
+            </dgm:choose>
+            <dgm:ruleLst/>
+            <dgm:layoutNode name="dummyNode2">
+              <dgm:alg type="sp"/>
+              <dgm:shape xmlns:r="http://schemas.openxmlformats.org/officeDocument/2006/relationships" type="rect" r:blip="" hideGeom="1">
+                <dgm:adjLst/>
+              </dgm:shape>
+              <dgm:presOf/>
+              <dgm:constrLst/>
+              <dgm:ruleLst/>
+            </dgm:layoutNode>
+            <dgm:layoutNode name="childNode2" styleLbl="bgAcc1">
+              <dgm:varLst>
+                <dgm:bulletEnabled val="1"/>
+              </dgm:varLst>
+              <dgm:alg type="sp"/>
+              <dgm:shape xmlns:r="http://schemas.openxmlformats.org/officeDocument/2006/relationships" type="roundRect" r:blip="">
+                <dgm:adjLst>
+                  <dgm:adj idx="1" val="0.1"/>
+                </dgm:adjLst>
+              </dgm:shape>
+              <dgm:presOf axis="des" ptType="node"/>
+              <dgm:constrLst/>
+              <dgm:ruleLst/>
+            </dgm:layoutNode>
+            <dgm:layoutNode name="childNode2tx" styleLbl="bgAcc1">
+              <dgm:varLst>
+                <dgm:bulletEnabled val="1"/>
+              </dgm:varLst>
+              <dgm:alg type="tx">
+                <dgm:param type="stBulletLvl" val="1"/>
+              </dgm:alg>
+              <dgm:shape xmlns:r="http://schemas.openxmlformats.org/officeDocument/2006/relationships" type="roundRect" r:blip="" hideGeom="1">
+                <dgm:adjLst>
+                  <dgm:adj idx="1" val="0.1"/>
+                </dgm:adjLst>
+              </dgm:shape>
+              <dgm:presOf axis="des" ptType="node"/>
+              <dgm:constrLst>
+                <dgm:constr type="secFontSz" val="65"/>
+                <dgm:constr type="primFontSz" refType="secFontSz"/>
+                <dgm:constr type="tMarg" refType="secFontSz" fact="0.15"/>
+                <dgm:constr type="bMarg" refType="secFontSz" fact="0.15"/>
+                <dgm:constr type="lMarg" refType="secFontSz" fact="0.15"/>
+                <dgm:constr type="rMarg" refType="secFontSz" fact="0.15"/>
+              </dgm:constrLst>
+              <dgm:ruleLst>
+                <dgm:rule type="secFontSz" val="5" fact="NaN" max="NaN"/>
+              </dgm:ruleLst>
+            </dgm:layoutNode>
+            <dgm:layoutNode name="parentNode2" styleLbl="node1">
+              <dgm:varLst>
+                <dgm:chMax val="0"/>
+                <dgm:bulletEnabled val="1"/>
+              </dgm:varLst>
+              <dgm:alg type="tx"/>
+              <dgm:shape xmlns:r="http://schemas.openxmlformats.org/officeDocument/2006/relationships" type="roundRect" r:blip="">
+                <dgm:adjLst>
+                  <dgm:adj idx="1" val="0.1"/>
+                </dgm:adjLst>
+              </dgm:shape>
+              <dgm:presOf axis="self"/>
+              <dgm:constrLst>
+                <dgm:constr type="tMarg" refType="primFontSz" fact="0.1"/>
+                <dgm:constr type="bMarg" refType="primFontSz" fact="0.1"/>
+                <dgm:constr type="lMarg" refType="primFontSz" fact="0.15"/>
+                <dgm:constr type="rMarg" refType="primFontSz" fact="0.15"/>
+              </dgm:constrLst>
+              <dgm:ruleLst>
+                <dgm:rule type="primFontSz" val="5" fact="NaN" max="NaN"/>
+              </dgm:ruleLst>
+            </dgm:layoutNode>
+            <dgm:layoutNode name="connSite2" moveWith="childNode2">
+              <dgm:alg type="sp"/>
+              <dgm:shape xmlns:r="http://schemas.openxmlformats.org/officeDocument/2006/relationships" r:blip="">
+                <dgm:adjLst/>
+              </dgm:shape>
+              <dgm:presOf/>
+              <dgm:constrLst/>
+              <dgm:ruleLst/>
+            </dgm:layoutNode>
+          </dgm:layoutNode>
+          <dgm:forEach name="Name17" axis="followSib" ptType="sibTrans" cnt="1">
+            <dgm:layoutNode name="Name18">
+              <dgm:alg type="conn">
+                <dgm:param type="connRout" val="curve"/>
+                <dgm:param type="srcNode" val="parentNode2"/>
+                <dgm:param type="dstNode" val="connSite1"/>
+                <dgm:param type="begPts" val="tCtr"/>
+                <dgm:param type="endPts" val="tCtr"/>
+              </dgm:alg>
+              <dgm:shape xmlns:r="http://schemas.openxmlformats.org/officeDocument/2006/relationships" type="conn" r:blip="" zOrderOff="-2">
+                <dgm:adjLst/>
+              </dgm:shape>
+              <dgm:presOf axis="self"/>
+              <dgm:choose name="Name19">
+                <dgm:if name="Name20" func="var" arg="dir" op="equ" val="norm">
+                  <dgm:constrLst>
+                    <dgm:constr type="h" refType="w" fact="0.35"/>
+                    <dgm:constr type="wArH" refType="h"/>
+                    <dgm:constr type="hArH" refType="h"/>
+                    <dgm:constr type="connDist"/>
+                    <dgm:constr type="diam" refType="connDist" fact="1.15"/>
+                    <dgm:constr type="begPad"/>
+                    <dgm:constr type="endPad"/>
+                  </dgm:constrLst>
+                </dgm:if>
+                <dgm:else name="Name21">
+                  <dgm:constrLst>
+                    <dgm:constr type="h" refType="w" fact="0.35"/>
+                    <dgm:constr type="wArH" refType="h"/>
+                    <dgm:constr type="hArH" refType="h"/>
+                    <dgm:constr type="connDist"/>
+                    <dgm:constr type="diam" refType="connDist" fact="-1.15"/>
+                    <dgm:constr type="begPad"/>
+                    <dgm:constr type="endPad"/>
+                  </dgm:constrLst>
+                </dgm:else>
+              </dgm:choose>
+              <dgm:ruleLst/>
+            </dgm:layoutNode>
+          </dgm:forEach>
+        </dgm:forEach>
+      </dgm:forEach>
+    </dgm:layoutNode>
+  </dgm:layoutNode>
+</dgm:layoutDef>
+</file>
+
 <file path=ppt/diagrams/quickStyle1.xml><?xml version="1.0" encoding="utf-8"?>
 <dgm:styleDef xmlns:dgm="http://schemas.openxmlformats.org/drawingml/2006/diagram" xmlns:a="http://schemas.openxmlformats.org/drawingml/2006/main" uniqueId="urn:microsoft.com/office/officeart/2005/8/quickstyle/simple1">
   <dgm:title val=""/>
@@ -22657,6 +24169,1040 @@
 </file>
 
 <file path=ppt/diagrams/quickStyle6.xml><?xml version="1.0" encoding="utf-8"?>
+<dgm:styleDef xmlns:dgm="http://schemas.openxmlformats.org/drawingml/2006/diagram" xmlns:a="http://schemas.openxmlformats.org/drawingml/2006/main" uniqueId="urn:microsoft.com/office/officeart/2005/8/quickstyle/simple1">
+  <dgm:title val=""/>
+  <dgm:desc val=""/>
+  <dgm:catLst>
+    <dgm:cat type="simple" pri="10100"/>
+  </dgm:catLst>
+  <dgm:scene3d>
+    <a:camera prst="orthographicFront"/>
+    <a:lightRig rig="threePt" dir="t"/>
+  </dgm:scene3d>
+  <dgm:styleLbl name="node0">
+    <dgm:scene3d>
+      <a:camera prst="orthographicFront"/>
+      <a:lightRig rig="threePt" dir="t"/>
+    </dgm:scene3d>
+    <dgm:sp3d/>
+    <dgm:txPr/>
+    <dgm:style>
+      <a:lnRef idx="2">
+        <a:scrgbClr r="0" g="0" b="0"/>
+      </a:lnRef>
+      <a:fillRef idx="1">
+        <a:scrgbClr r="0" g="0" b="0"/>
+      </a:fillRef>
+      <a:effectRef idx="0">
+        <a:scrgbClr r="0" g="0" b="0"/>
+      </a:effectRef>
+      <a:fontRef idx="minor">
+        <a:schemeClr val="lt1"/>
+      </a:fontRef>
+    </dgm:style>
+  </dgm:styleLbl>
+  <dgm:styleLbl name="lnNode1">
+    <dgm:scene3d>
+      <a:camera prst="orthographicFront"/>
+      <a:lightRig rig="threePt" dir="t"/>
+    </dgm:scene3d>
+    <dgm:sp3d/>
+    <dgm:txPr/>
+    <dgm:style>
+      <a:lnRef idx="2">
+        <a:scrgbClr r="0" g="0" b="0"/>
+      </a:lnRef>
+      <a:fillRef idx="1">
+        <a:scrgbClr r="0" g="0" b="0"/>
+      </a:fillRef>
+      <a:effectRef idx="0">
+        <a:scrgbClr r="0" g="0" b="0"/>
+      </a:effectRef>
+      <a:fontRef idx="minor">
+        <a:schemeClr val="lt1"/>
+      </a:fontRef>
+    </dgm:style>
+  </dgm:styleLbl>
+  <dgm:styleLbl name="vennNode1">
+    <dgm:scene3d>
+      <a:camera prst="orthographicFront"/>
+      <a:lightRig rig="threePt" dir="t"/>
+    </dgm:scene3d>
+    <dgm:sp3d/>
+    <dgm:txPr/>
+    <dgm:style>
+      <a:lnRef idx="2">
+        <a:scrgbClr r="0" g="0" b="0"/>
+      </a:lnRef>
+      <a:fillRef idx="1">
+        <a:scrgbClr r="0" g="0" b="0"/>
+      </a:fillRef>
+      <a:effectRef idx="0">
+        <a:scrgbClr r="0" g="0" b="0"/>
+      </a:effectRef>
+      <a:fontRef idx="minor">
+        <a:schemeClr val="tx1"/>
+      </a:fontRef>
+    </dgm:style>
+  </dgm:styleLbl>
+  <dgm:styleLbl name="alignNode1">
+    <dgm:scene3d>
+      <a:camera prst="orthographicFront"/>
+      <a:lightRig rig="threePt" dir="t"/>
+    </dgm:scene3d>
+    <dgm:sp3d/>
+    <dgm:txPr/>
+    <dgm:style>
+      <a:lnRef idx="2">
+        <a:scrgbClr r="0" g="0" b="0"/>
+      </a:lnRef>
+      <a:fillRef idx="1">
+        <a:scrgbClr r="0" g="0" b="0"/>
+      </a:fillRef>
+      <a:effectRef idx="0">
+        <a:scrgbClr r="0" g="0" b="0"/>
+      </a:effectRef>
+      <a:fontRef idx="minor">
+        <a:schemeClr val="lt1"/>
+      </a:fontRef>
+    </dgm:style>
+  </dgm:styleLbl>
+  <dgm:styleLbl name="node1">
+    <dgm:scene3d>
+      <a:camera prst="orthographicFront"/>
+      <a:lightRig rig="threePt" dir="t"/>
+    </dgm:scene3d>
+    <dgm:sp3d/>
+    <dgm:txPr/>
+    <dgm:style>
+      <a:lnRef idx="2">
+        <a:scrgbClr r="0" g="0" b="0"/>
+      </a:lnRef>
+      <a:fillRef idx="1">
+        <a:scrgbClr r="0" g="0" b="0"/>
+      </a:fillRef>
+      <a:effectRef idx="0">
+        <a:scrgbClr r="0" g="0" b="0"/>
+      </a:effectRef>
+      <a:fontRef idx="minor">
+        <a:schemeClr val="lt1"/>
+      </a:fontRef>
+    </dgm:style>
+  </dgm:styleLbl>
+  <dgm:styleLbl name="node2">
+    <dgm:scene3d>
+      <a:camera prst="orthographicFront"/>
+      <a:lightRig rig="threePt" dir="t"/>
+    </dgm:scene3d>
+    <dgm:sp3d/>
+    <dgm:txPr/>
+    <dgm:style>
+      <a:lnRef idx="2">
+        <a:scrgbClr r="0" g="0" b="0"/>
+      </a:lnRef>
+      <a:fillRef idx="1">
+        <a:scrgbClr r="0" g="0" b="0"/>
+      </a:fillRef>
+      <a:effectRef idx="0">
+        <a:scrgbClr r="0" g="0" b="0"/>
+      </a:effectRef>
+      <a:fontRef idx="minor">
+        <a:schemeClr val="lt1"/>
+      </a:fontRef>
+    </dgm:style>
+  </dgm:styleLbl>
+  <dgm:styleLbl name="node3">
+    <dgm:scene3d>
+      <a:camera prst="orthographicFront"/>
+      <a:lightRig rig="threePt" dir="t"/>
+    </dgm:scene3d>
+    <dgm:sp3d/>
+    <dgm:txPr/>
+    <dgm:style>
+      <a:lnRef idx="2">
+        <a:scrgbClr r="0" g="0" b="0"/>
+      </a:lnRef>
+      <a:fillRef idx="1">
+        <a:scrgbClr r="0" g="0" b="0"/>
+      </a:fillRef>
+      <a:effectRef idx="0">
+        <a:scrgbClr r="0" g="0" b="0"/>
+      </a:effectRef>
+      <a:fontRef idx="minor">
+        <a:schemeClr val="lt1"/>
+      </a:fontRef>
+    </dgm:style>
+  </dgm:styleLbl>
+  <dgm:styleLbl name="node4">
+    <dgm:scene3d>
+      <a:camera prst="orthographicFront"/>
+      <a:lightRig rig="threePt" dir="t"/>
+    </dgm:scene3d>
+    <dgm:sp3d/>
+    <dgm:txPr/>
+    <dgm:style>
+      <a:lnRef idx="2">
+        <a:scrgbClr r="0" g="0" b="0"/>
+      </a:lnRef>
+      <a:fillRef idx="1">
+        <a:scrgbClr r="0" g="0" b="0"/>
+      </a:fillRef>
+      <a:effectRef idx="0">
+        <a:scrgbClr r="0" g="0" b="0"/>
+      </a:effectRef>
+      <a:fontRef idx="minor">
+        <a:schemeClr val="lt1"/>
+      </a:fontRef>
+    </dgm:style>
+  </dgm:styleLbl>
+  <dgm:styleLbl name="fgImgPlace1">
+    <dgm:scene3d>
+      <a:camera prst="orthographicFront"/>
+      <a:lightRig rig="threePt" dir="t"/>
+    </dgm:scene3d>
+    <dgm:sp3d/>
+    <dgm:txPr/>
+    <dgm:style>
+      <a:lnRef idx="2">
+        <a:scrgbClr r="0" g="0" b="0"/>
+      </a:lnRef>
+      <a:fillRef idx="1">
+        <a:scrgbClr r="0" g="0" b="0"/>
+      </a:fillRef>
+      <a:effectRef idx="0">
+        <a:scrgbClr r="0" g="0" b="0"/>
+      </a:effectRef>
+      <a:fontRef idx="minor"/>
+    </dgm:style>
+  </dgm:styleLbl>
+  <dgm:styleLbl name="alignImgPlace1">
+    <dgm:scene3d>
+      <a:camera prst="orthographicFront"/>
+      <a:lightRig rig="threePt" dir="t"/>
+    </dgm:scene3d>
+    <dgm:sp3d/>
+    <dgm:txPr/>
+    <dgm:style>
+      <a:lnRef idx="2">
+        <a:scrgbClr r="0" g="0" b="0"/>
+      </a:lnRef>
+      <a:fillRef idx="1">
+        <a:scrgbClr r="0" g="0" b="0"/>
+      </a:fillRef>
+      <a:effectRef idx="0">
+        <a:scrgbClr r="0" g="0" b="0"/>
+      </a:effectRef>
+      <a:fontRef idx="minor"/>
+    </dgm:style>
+  </dgm:styleLbl>
+  <dgm:styleLbl name="bgImgPlace1">
+    <dgm:scene3d>
+      <a:camera prst="orthographicFront"/>
+      <a:lightRig rig="threePt" dir="t"/>
+    </dgm:scene3d>
+    <dgm:sp3d/>
+    <dgm:txPr/>
+    <dgm:style>
+      <a:lnRef idx="2">
+        <a:scrgbClr r="0" g="0" b="0"/>
+      </a:lnRef>
+      <a:fillRef idx="1">
+        <a:scrgbClr r="0" g="0" b="0"/>
+      </a:fillRef>
+      <a:effectRef idx="0">
+        <a:scrgbClr r="0" g="0" b="0"/>
+      </a:effectRef>
+      <a:fontRef idx="minor"/>
+    </dgm:style>
+  </dgm:styleLbl>
+  <dgm:styleLbl name="sibTrans2D1">
+    <dgm:scene3d>
+      <a:camera prst="orthographicFront"/>
+      <a:lightRig rig="threePt" dir="t"/>
+    </dgm:scene3d>
+    <dgm:sp3d/>
+    <dgm:txPr/>
+    <dgm:style>
+      <a:lnRef idx="0">
+        <a:scrgbClr r="0" g="0" b="0"/>
+      </a:lnRef>
+      <a:fillRef idx="1">
+        <a:scrgbClr r="0" g="0" b="0"/>
+      </a:fillRef>
+      <a:effectRef idx="0">
+        <a:scrgbClr r="0" g="0" b="0"/>
+      </a:effectRef>
+      <a:fontRef idx="minor">
+        <a:schemeClr val="lt1"/>
+      </a:fontRef>
+    </dgm:style>
+  </dgm:styleLbl>
+  <dgm:styleLbl name="fgSibTrans2D1">
+    <dgm:scene3d>
+      <a:camera prst="orthographicFront"/>
+      <a:lightRig rig="threePt" dir="t"/>
+    </dgm:scene3d>
+    <dgm:sp3d/>
+    <dgm:txPr/>
+    <dgm:style>
+      <a:lnRef idx="0">
+        <a:scrgbClr r="0" g="0" b="0"/>
+      </a:lnRef>
+      <a:fillRef idx="1">
+        <a:scrgbClr r="0" g="0" b="0"/>
+      </a:fillRef>
+      <a:effectRef idx="0">
+        <a:scrgbClr r="0" g="0" b="0"/>
+      </a:effectRef>
+      <a:fontRef idx="minor">
+        <a:schemeClr val="lt1"/>
+      </a:fontRef>
+    </dgm:style>
+  </dgm:styleLbl>
+  <dgm:styleLbl name="bgSibTrans2D1">
+    <dgm:scene3d>
+      <a:camera prst="orthographicFront"/>
+      <a:lightRig rig="threePt" dir="t"/>
+    </dgm:scene3d>
+    <dgm:sp3d/>
+    <dgm:txPr/>
+    <dgm:style>
+      <a:lnRef idx="0">
+        <a:scrgbClr r="0" g="0" b="0"/>
+      </a:lnRef>
+      <a:fillRef idx="1">
+        <a:scrgbClr r="0" g="0" b="0"/>
+      </a:fillRef>
+      <a:effectRef idx="0">
+        <a:scrgbClr r="0" g="0" b="0"/>
+      </a:effectRef>
+      <a:fontRef idx="minor">
+        <a:schemeClr val="lt1"/>
+      </a:fontRef>
+    </dgm:style>
+  </dgm:styleLbl>
+  <dgm:styleLbl name="sibTrans1D1">
+    <dgm:scene3d>
+      <a:camera prst="orthographicFront"/>
+      <a:lightRig rig="threePt" dir="t"/>
+    </dgm:scene3d>
+    <dgm:sp3d/>
+    <dgm:txPr/>
+    <dgm:style>
+      <a:lnRef idx="1">
+        <a:scrgbClr r="0" g="0" b="0"/>
+      </a:lnRef>
+      <a:fillRef idx="0">
+        <a:scrgbClr r="0" g="0" b="0"/>
+      </a:fillRef>
+      <a:effectRef idx="0">
+        <a:scrgbClr r="0" g="0" b="0"/>
+      </a:effectRef>
+      <a:fontRef idx="minor"/>
+    </dgm:style>
+  </dgm:styleLbl>
+  <dgm:styleLbl name="callout">
+    <dgm:scene3d>
+      <a:camera prst="orthographicFront"/>
+      <a:lightRig rig="threePt" dir="t"/>
+    </dgm:scene3d>
+    <dgm:sp3d/>
+    <dgm:txPr/>
+    <dgm:style>
+      <a:lnRef idx="2">
+        <a:scrgbClr r="0" g="0" b="0"/>
+      </a:lnRef>
+      <a:fillRef idx="1">
+        <a:scrgbClr r="0" g="0" b="0"/>
+      </a:fillRef>
+      <a:effectRef idx="0">
+        <a:scrgbClr r="0" g="0" b="0"/>
+      </a:effectRef>
+      <a:fontRef idx="minor"/>
+    </dgm:style>
+  </dgm:styleLbl>
+  <dgm:styleLbl name="asst0">
+    <dgm:scene3d>
+      <a:camera prst="orthographicFront"/>
+      <a:lightRig rig="threePt" dir="t"/>
+    </dgm:scene3d>
+    <dgm:sp3d/>
+    <dgm:txPr/>
+    <dgm:style>
+      <a:lnRef idx="2">
+        <a:scrgbClr r="0" g="0" b="0"/>
+      </a:lnRef>
+      <a:fillRef idx="1">
+        <a:scrgbClr r="0" g="0" b="0"/>
+      </a:fillRef>
+      <a:effectRef idx="0">
+        <a:scrgbClr r="0" g="0" b="0"/>
+      </a:effectRef>
+      <a:fontRef idx="minor">
+        <a:schemeClr val="lt1"/>
+      </a:fontRef>
+    </dgm:style>
+  </dgm:styleLbl>
+  <dgm:styleLbl name="asst1">
+    <dgm:scene3d>
+      <a:camera prst="orthographicFront"/>
+      <a:lightRig rig="threePt" dir="t"/>
+    </dgm:scene3d>
+    <dgm:sp3d/>
+    <dgm:txPr/>
+    <dgm:style>
+      <a:lnRef idx="2">
+        <a:scrgbClr r="0" g="0" b="0"/>
+      </a:lnRef>
+      <a:fillRef idx="1">
+        <a:scrgbClr r="0" g="0" b="0"/>
+      </a:fillRef>
+      <a:effectRef idx="0">
+        <a:scrgbClr r="0" g="0" b="0"/>
+      </a:effectRef>
+      <a:fontRef idx="minor">
+        <a:schemeClr val="lt1"/>
+      </a:fontRef>
+    </dgm:style>
+  </dgm:styleLbl>
+  <dgm:styleLbl name="asst2">
+    <dgm:scene3d>
+      <a:camera prst="orthographicFront"/>
+      <a:lightRig rig="threePt" dir="t"/>
+    </dgm:scene3d>
+    <dgm:sp3d/>
+    <dgm:txPr/>
+    <dgm:style>
+      <a:lnRef idx="2">
+        <a:scrgbClr r="0" g="0" b="0"/>
+      </a:lnRef>
+      <a:fillRef idx="1">
+        <a:scrgbClr r="0" g="0" b="0"/>
+      </a:fillRef>
+      <a:effectRef idx="0">
+        <a:scrgbClr r="0" g="0" b="0"/>
+      </a:effectRef>
+      <a:fontRef idx="minor">
+        <a:schemeClr val="lt1"/>
+      </a:fontRef>
+    </dgm:style>
+  </dgm:styleLbl>
+  <dgm:styleLbl name="asst3">
+    <dgm:scene3d>
+      <a:camera prst="orthographicFront"/>
+      <a:lightRig rig="threePt" dir="t"/>
+    </dgm:scene3d>
+    <dgm:sp3d/>
+    <dgm:txPr/>
+    <dgm:style>
+      <a:lnRef idx="2">
+        <a:scrgbClr r="0" g="0" b="0"/>
+      </a:lnRef>
+      <a:fillRef idx="1">
+        <a:scrgbClr r="0" g="0" b="0"/>
+      </a:fillRef>
+      <a:effectRef idx="0">
+        <a:scrgbClr r="0" g="0" b="0"/>
+      </a:effectRef>
+      <a:fontRef idx="minor">
+        <a:schemeClr val="lt1"/>
+      </a:fontRef>
+    </dgm:style>
+  </dgm:styleLbl>
+  <dgm:styleLbl name="asst4">
+    <dgm:scene3d>
+      <a:camera prst="orthographicFront"/>
+      <a:lightRig rig="threePt" dir="t"/>
+    </dgm:scene3d>
+    <dgm:sp3d/>
+    <dgm:txPr/>
+    <dgm:style>
+      <a:lnRef idx="2">
+        <a:scrgbClr r="0" g="0" b="0"/>
+      </a:lnRef>
+      <a:fillRef idx="1">
+        <a:scrgbClr r="0" g="0" b="0"/>
+      </a:fillRef>
+      <a:effectRef idx="0">
+        <a:scrgbClr r="0" g="0" b="0"/>
+      </a:effectRef>
+      <a:fontRef idx="minor">
+        <a:schemeClr val="lt1"/>
+      </a:fontRef>
+    </dgm:style>
+  </dgm:styleLbl>
+  <dgm:styleLbl name="parChTrans2D1">
+    <dgm:scene3d>
+      <a:camera prst="orthographicFront"/>
+      <a:lightRig rig="threePt" dir="t"/>
+    </dgm:scene3d>
+    <dgm:sp3d/>
+    <dgm:txPr/>
+    <dgm:style>
+      <a:lnRef idx="2">
+        <a:scrgbClr r="0" g="0" b="0"/>
+      </a:lnRef>
+      <a:fillRef idx="1">
+        <a:scrgbClr r="0" g="0" b="0"/>
+      </a:fillRef>
+      <a:effectRef idx="0">
+        <a:scrgbClr r="0" g="0" b="0"/>
+      </a:effectRef>
+      <a:fontRef idx="minor">
+        <a:schemeClr val="lt1"/>
+      </a:fontRef>
+    </dgm:style>
+  </dgm:styleLbl>
+  <dgm:styleLbl name="parChTrans2D2">
+    <dgm:scene3d>
+      <a:camera prst="orthographicFront"/>
+      <a:lightRig rig="threePt" dir="t"/>
+    </dgm:scene3d>
+    <dgm:sp3d/>
+    <dgm:txPr/>
+    <dgm:style>
+      <a:lnRef idx="2">
+        <a:scrgbClr r="0" g="0" b="0"/>
+      </a:lnRef>
+      <a:fillRef idx="1">
+        <a:scrgbClr r="0" g="0" b="0"/>
+      </a:fillRef>
+      <a:effectRef idx="0">
+        <a:scrgbClr r="0" g="0" b="0"/>
+      </a:effectRef>
+      <a:fontRef idx="minor">
+        <a:schemeClr val="lt1"/>
+      </a:fontRef>
+    </dgm:style>
+  </dgm:styleLbl>
+  <dgm:styleLbl name="parChTrans2D3">
+    <dgm:scene3d>
+      <a:camera prst="orthographicFront"/>
+      <a:lightRig rig="threePt" dir="t"/>
+    </dgm:scene3d>
+    <dgm:sp3d/>
+    <dgm:txPr/>
+    <dgm:style>
+      <a:lnRef idx="2">
+        <a:scrgbClr r="0" g="0" b="0"/>
+      </a:lnRef>
+      <a:fillRef idx="1">
+        <a:scrgbClr r="0" g="0" b="0"/>
+      </a:fillRef>
+      <a:effectRef idx="0">
+        <a:scrgbClr r="0" g="0" b="0"/>
+      </a:effectRef>
+      <a:fontRef idx="minor">
+        <a:schemeClr val="lt1"/>
+      </a:fontRef>
+    </dgm:style>
+  </dgm:styleLbl>
+  <dgm:styleLbl name="parChTrans2D4">
+    <dgm:scene3d>
+      <a:camera prst="orthographicFront"/>
+      <a:lightRig rig="threePt" dir="t"/>
+    </dgm:scene3d>
+    <dgm:sp3d/>
+    <dgm:txPr/>
+    <dgm:style>
+      <a:lnRef idx="2">
+        <a:scrgbClr r="0" g="0" b="0"/>
+      </a:lnRef>
+      <a:fillRef idx="1">
+        <a:scrgbClr r="0" g="0" b="0"/>
+      </a:fillRef>
+      <a:effectRef idx="0">
+        <a:scrgbClr r="0" g="0" b="0"/>
+      </a:effectRef>
+      <a:fontRef idx="minor">
+        <a:schemeClr val="lt1"/>
+      </a:fontRef>
+    </dgm:style>
+  </dgm:styleLbl>
+  <dgm:styleLbl name="parChTrans1D1">
+    <dgm:scene3d>
+      <a:camera prst="orthographicFront"/>
+      <a:lightRig rig="threePt" dir="t"/>
+    </dgm:scene3d>
+    <dgm:sp3d/>
+    <dgm:txPr/>
+    <dgm:style>
+      <a:lnRef idx="2">
+        <a:scrgbClr r="0" g="0" b="0"/>
+      </a:lnRef>
+      <a:fillRef idx="0">
+        <a:scrgbClr r="0" g="0" b="0"/>
+      </a:fillRef>
+      <a:effectRef idx="0">
+        <a:scrgbClr r="0" g="0" b="0"/>
+      </a:effectRef>
+      <a:fontRef idx="minor"/>
+    </dgm:style>
+  </dgm:styleLbl>
+  <dgm:styleLbl name="parChTrans1D2">
+    <dgm:scene3d>
+      <a:camera prst="orthographicFront"/>
+      <a:lightRig rig="threePt" dir="t"/>
+    </dgm:scene3d>
+    <dgm:sp3d/>
+    <dgm:txPr/>
+    <dgm:style>
+      <a:lnRef idx="2">
+        <a:scrgbClr r="0" g="0" b="0"/>
+      </a:lnRef>
+      <a:fillRef idx="0">
+        <a:scrgbClr r="0" g="0" b="0"/>
+      </a:fillRef>
+      <a:effectRef idx="0">
+        <a:scrgbClr r="0" g="0" b="0"/>
+      </a:effectRef>
+      <a:fontRef idx="minor"/>
+    </dgm:style>
+  </dgm:styleLbl>
+  <dgm:styleLbl name="parChTrans1D3">
+    <dgm:scene3d>
+      <a:camera prst="orthographicFront"/>
+      <a:lightRig rig="threePt" dir="t"/>
+    </dgm:scene3d>
+    <dgm:sp3d/>
+    <dgm:txPr/>
+    <dgm:style>
+      <a:lnRef idx="2">
+        <a:scrgbClr r="0" g="0" b="0"/>
+      </a:lnRef>
+      <a:fillRef idx="0">
+        <a:scrgbClr r="0" g="0" b="0"/>
+      </a:fillRef>
+      <a:effectRef idx="0">
+        <a:scrgbClr r="0" g="0" b="0"/>
+      </a:effectRef>
+      <a:fontRef idx="minor"/>
+    </dgm:style>
+  </dgm:styleLbl>
+  <dgm:styleLbl name="parChTrans1D4">
+    <dgm:scene3d>
+      <a:camera prst="orthographicFront"/>
+      <a:lightRig rig="threePt" dir="t"/>
+    </dgm:scene3d>
+    <dgm:sp3d/>
+    <dgm:txPr/>
+    <dgm:style>
+      <a:lnRef idx="2">
+        <a:scrgbClr r="0" g="0" b="0"/>
+      </a:lnRef>
+      <a:fillRef idx="0">
+        <a:scrgbClr r="0" g="0" b="0"/>
+      </a:fillRef>
+      <a:effectRef idx="0">
+        <a:scrgbClr r="0" g="0" b="0"/>
+      </a:effectRef>
+      <a:fontRef idx="minor"/>
+    </dgm:style>
+  </dgm:styleLbl>
+  <dgm:styleLbl name="fgAcc1">
+    <dgm:scene3d>
+      <a:camera prst="orthographicFront"/>
+      <a:lightRig rig="threePt" dir="t"/>
+    </dgm:scene3d>
+    <dgm:sp3d/>
+    <dgm:txPr/>
+    <dgm:style>
+      <a:lnRef idx="2">
+        <a:scrgbClr r="0" g="0" b="0"/>
+      </a:lnRef>
+      <a:fillRef idx="1">
+        <a:scrgbClr r="0" g="0" b="0"/>
+      </a:fillRef>
+      <a:effectRef idx="0">
+        <a:scrgbClr r="0" g="0" b="0"/>
+      </a:effectRef>
+      <a:fontRef idx="minor"/>
+    </dgm:style>
+  </dgm:styleLbl>
+  <dgm:styleLbl name="conFgAcc1">
+    <dgm:scene3d>
+      <a:camera prst="orthographicFront"/>
+      <a:lightRig rig="threePt" dir="t"/>
+    </dgm:scene3d>
+    <dgm:sp3d/>
+    <dgm:txPr/>
+    <dgm:style>
+      <a:lnRef idx="2">
+        <a:scrgbClr r="0" g="0" b="0"/>
+      </a:lnRef>
+      <a:fillRef idx="1">
+        <a:scrgbClr r="0" g="0" b="0"/>
+      </a:fillRef>
+      <a:effectRef idx="0">
+        <a:scrgbClr r="0" g="0" b="0"/>
+      </a:effectRef>
+      <a:fontRef idx="minor"/>
+    </dgm:style>
+  </dgm:styleLbl>
+  <dgm:styleLbl name="alignAcc1">
+    <dgm:scene3d>
+      <a:camera prst="orthographicFront"/>
+      <a:lightRig rig="threePt" dir="t"/>
+    </dgm:scene3d>
+    <dgm:sp3d/>
+    <dgm:txPr/>
+    <dgm:style>
+      <a:lnRef idx="2">
+        <a:scrgbClr r="0" g="0" b="0"/>
+      </a:lnRef>
+      <a:fillRef idx="1">
+        <a:scrgbClr r="0" g="0" b="0"/>
+      </a:fillRef>
+      <a:effectRef idx="0">
+        <a:scrgbClr r="0" g="0" b="0"/>
+      </a:effectRef>
+      <a:fontRef idx="minor"/>
+    </dgm:style>
+  </dgm:styleLbl>
+  <dgm:styleLbl name="trAlignAcc1">
+    <dgm:scene3d>
+      <a:camera prst="orthographicFront"/>
+      <a:lightRig rig="threePt" dir="t"/>
+    </dgm:scene3d>
+    <dgm:sp3d/>
+    <dgm:txPr/>
+    <dgm:style>
+      <a:lnRef idx="1">
+        <a:scrgbClr r="0" g="0" b="0"/>
+      </a:lnRef>
+      <a:fillRef idx="1">
+        <a:scrgbClr r="0" g="0" b="0"/>
+      </a:fillRef>
+      <a:effectRef idx="0">
+        <a:scrgbClr r="0" g="0" b="0"/>
+      </a:effectRef>
+      <a:fontRef idx="minor"/>
+    </dgm:style>
+  </dgm:styleLbl>
+  <dgm:styleLbl name="bgAcc1">
+    <dgm:scene3d>
+      <a:camera prst="orthographicFront"/>
+      <a:lightRig rig="threePt" dir="t"/>
+    </dgm:scene3d>
+    <dgm:sp3d/>
+    <dgm:txPr/>
+    <dgm:style>
+      <a:lnRef idx="2">
+        <a:scrgbClr r="0" g="0" b="0"/>
+      </a:lnRef>
+      <a:fillRef idx="1">
+        <a:scrgbClr r="0" g="0" b="0"/>
+      </a:fillRef>
+      <a:effectRef idx="0">
+        <a:scrgbClr r="0" g="0" b="0"/>
+      </a:effectRef>
+      <a:fontRef idx="minor"/>
+    </dgm:style>
+  </dgm:styleLbl>
+  <dgm:styleLbl name="solidFgAcc1">
+    <dgm:scene3d>
+      <a:camera prst="orthographicFront"/>
+      <a:lightRig rig="threePt" dir="t"/>
+    </dgm:scene3d>
+    <dgm:sp3d/>
+    <dgm:txPr/>
+    <dgm:style>
+      <a:lnRef idx="2">
+        <a:scrgbClr r="0" g="0" b="0"/>
+      </a:lnRef>
+      <a:fillRef idx="1">
+        <a:scrgbClr r="0" g="0" b="0"/>
+      </a:fillRef>
+      <a:effectRef idx="0">
+        <a:scrgbClr r="0" g="0" b="0"/>
+      </a:effectRef>
+      <a:fontRef idx="minor"/>
+    </dgm:style>
+  </dgm:styleLbl>
+  <dgm:styleLbl name="solidAlignAcc1">
+    <dgm:scene3d>
+      <a:camera prst="orthographicFront"/>
+      <a:lightRig rig="threePt" dir="t"/>
+    </dgm:scene3d>
+    <dgm:sp3d/>
+    <dgm:txPr/>
+    <dgm:style>
+      <a:lnRef idx="2">
+        <a:scrgbClr r="0" g="0" b="0"/>
+      </a:lnRef>
+      <a:fillRef idx="1">
+        <a:scrgbClr r="0" g="0" b="0"/>
+      </a:fillRef>
+      <a:effectRef idx="0">
+        <a:scrgbClr r="0" g="0" b="0"/>
+      </a:effectRef>
+      <a:fontRef idx="minor"/>
+    </dgm:style>
+  </dgm:styleLbl>
+  <dgm:styleLbl name="solidBgAcc1">
+    <dgm:scene3d>
+      <a:camera prst="orthographicFront"/>
+      <a:lightRig rig="threePt" dir="t"/>
+    </dgm:scene3d>
+    <dgm:sp3d/>
+    <dgm:txPr/>
+    <dgm:style>
+      <a:lnRef idx="2">
+        <a:scrgbClr r="0" g="0" b="0"/>
+      </a:lnRef>
+      <a:fillRef idx="1">
+        <a:scrgbClr r="0" g="0" b="0"/>
+      </a:fillRef>
+      <a:effectRef idx="0">
+        <a:scrgbClr r="0" g="0" b="0"/>
+      </a:effectRef>
+      <a:fontRef idx="minor"/>
+    </dgm:style>
+  </dgm:styleLbl>
+  <dgm:styleLbl name="fgAccFollowNode1">
+    <dgm:scene3d>
+      <a:camera prst="orthographicFront"/>
+      <a:lightRig rig="threePt" dir="t"/>
+    </dgm:scene3d>
+    <dgm:sp3d/>
+    <dgm:txPr/>
+    <dgm:style>
+      <a:lnRef idx="2">
+        <a:scrgbClr r="0" g="0" b="0"/>
+      </a:lnRef>
+      <a:fillRef idx="1">
+        <a:scrgbClr r="0" g="0" b="0"/>
+      </a:fillRef>
+      <a:effectRef idx="0">
+        <a:scrgbClr r="0" g="0" b="0"/>
+      </a:effectRef>
+      <a:fontRef idx="minor"/>
+    </dgm:style>
+  </dgm:styleLbl>
+  <dgm:styleLbl name="alignAccFollowNode1">
+    <dgm:scene3d>
+      <a:camera prst="orthographicFront"/>
+      <a:lightRig rig="threePt" dir="t"/>
+    </dgm:scene3d>
+    <dgm:sp3d/>
+    <dgm:txPr/>
+    <dgm:style>
+      <a:lnRef idx="2">
+        <a:scrgbClr r="0" g="0" b="0"/>
+      </a:lnRef>
+      <a:fillRef idx="1">
+        <a:scrgbClr r="0" g="0" b="0"/>
+      </a:fillRef>
+      <a:effectRef idx="0">
+        <a:scrgbClr r="0" g="0" b="0"/>
+      </a:effectRef>
+      <a:fontRef idx="minor"/>
+    </dgm:style>
+  </dgm:styleLbl>
+  <dgm:styleLbl name="bgAccFollowNode1">
+    <dgm:scene3d>
+      <a:camera prst="orthographicFront"/>
+      <a:lightRig rig="threePt" dir="t"/>
+    </dgm:scene3d>
+    <dgm:sp3d/>
+    <dgm:txPr/>
+    <dgm:style>
+      <a:lnRef idx="2">
+        <a:scrgbClr r="0" g="0" b="0"/>
+      </a:lnRef>
+      <a:fillRef idx="1">
+        <a:scrgbClr r="0" g="0" b="0"/>
+      </a:fillRef>
+      <a:effectRef idx="0">
+        <a:scrgbClr r="0" g="0" b="0"/>
+      </a:effectRef>
+      <a:fontRef idx="minor"/>
+    </dgm:style>
+  </dgm:styleLbl>
+  <dgm:styleLbl name="fgAcc0">
+    <dgm:scene3d>
+      <a:camera prst="orthographicFront"/>
+      <a:lightRig rig="threePt" dir="t"/>
+    </dgm:scene3d>
+    <dgm:sp3d/>
+    <dgm:txPr/>
+    <dgm:style>
+      <a:lnRef idx="2">
+        <a:scrgbClr r="0" g="0" b="0"/>
+      </a:lnRef>
+      <a:fillRef idx="1">
+        <a:scrgbClr r="0" g="0" b="0"/>
+      </a:fillRef>
+      <a:effectRef idx="0">
+        <a:scrgbClr r="0" g="0" b="0"/>
+      </a:effectRef>
+      <a:fontRef idx="minor"/>
+    </dgm:style>
+  </dgm:styleLbl>
+  <dgm:styleLbl name="fgAcc2">
+    <dgm:scene3d>
+      <a:camera prst="orthographicFront"/>
+      <a:lightRig rig="threePt" dir="t"/>
+    </dgm:scene3d>
+    <dgm:sp3d/>
+    <dgm:txPr/>
+    <dgm:style>
+      <a:lnRef idx="2">
+        <a:scrgbClr r="0" g="0" b="0"/>
+      </a:lnRef>
+      <a:fillRef idx="1">
+        <a:scrgbClr r="0" g="0" b="0"/>
+      </a:fillRef>
+      <a:effectRef idx="0">
+        <a:scrgbClr r="0" g="0" b="0"/>
+      </a:effectRef>
+      <a:fontRef idx="minor"/>
+    </dgm:style>
+  </dgm:styleLbl>
+  <dgm:styleLbl name="fgAcc3">
+    <dgm:scene3d>
+      <a:camera prst="orthographicFront"/>
+      <a:lightRig rig="threePt" dir="t"/>
+    </dgm:scene3d>
+    <dgm:sp3d/>
+    <dgm:txPr/>
+    <dgm:style>
+      <a:lnRef idx="2">
+        <a:scrgbClr r="0" g="0" b="0"/>
+      </a:lnRef>
+      <a:fillRef idx="1">
+        <a:scrgbClr r="0" g="0" b="0"/>
+      </a:fillRef>
+      <a:effectRef idx="0">
+        <a:scrgbClr r="0" g="0" b="0"/>
+      </a:effectRef>
+      <a:fontRef idx="minor"/>
+    </dgm:style>
+  </dgm:styleLbl>
+  <dgm:styleLbl name="fgAcc4">
+    <dgm:scene3d>
+      <a:camera prst="orthographicFront"/>
+      <a:lightRig rig="threePt" dir="t"/>
+    </dgm:scene3d>
+    <dgm:sp3d/>
+    <dgm:txPr/>
+    <dgm:style>
+      <a:lnRef idx="2">
+        <a:scrgbClr r="0" g="0" b="0"/>
+      </a:lnRef>
+      <a:fillRef idx="1">
+        <a:scrgbClr r="0" g="0" b="0"/>
+      </a:fillRef>
+      <a:effectRef idx="0">
+        <a:scrgbClr r="0" g="0" b="0"/>
+      </a:effectRef>
+      <a:fontRef idx="minor"/>
+    </dgm:style>
+  </dgm:styleLbl>
+  <dgm:styleLbl name="bgShp">
+    <dgm:scene3d>
+      <a:camera prst="orthographicFront"/>
+      <a:lightRig rig="threePt" dir="t"/>
+    </dgm:scene3d>
+    <dgm:sp3d/>
+    <dgm:txPr/>
+    <dgm:style>
+      <a:lnRef idx="0">
+        <a:scrgbClr r="0" g="0" b="0"/>
+      </a:lnRef>
+      <a:fillRef idx="1">
+        <a:scrgbClr r="0" g="0" b="0"/>
+      </a:fillRef>
+      <a:effectRef idx="0">
+        <a:scrgbClr r="0" g="0" b="0"/>
+      </a:effectRef>
+      <a:fontRef idx="minor"/>
+    </dgm:style>
+  </dgm:styleLbl>
+  <dgm:styleLbl name="dkBgShp">
+    <dgm:scene3d>
+      <a:camera prst="orthographicFront"/>
+      <a:lightRig rig="threePt" dir="t"/>
+    </dgm:scene3d>
+    <dgm:sp3d/>
+    <dgm:txPr/>
+    <dgm:style>
+      <a:lnRef idx="0">
+        <a:scrgbClr r="0" g="0" b="0"/>
+      </a:lnRef>
+      <a:fillRef idx="1">
+        <a:scrgbClr r="0" g="0" b="0"/>
+      </a:fillRef>
+      <a:effectRef idx="0">
+        <a:scrgbClr r="0" g="0" b="0"/>
+      </a:effectRef>
+      <a:fontRef idx="minor"/>
+    </dgm:style>
+  </dgm:styleLbl>
+  <dgm:styleLbl name="trBgShp">
+    <dgm:scene3d>
+      <a:camera prst="orthographicFront"/>
+      <a:lightRig rig="threePt" dir="t"/>
+    </dgm:scene3d>
+    <dgm:sp3d/>
+    <dgm:txPr/>
+    <dgm:style>
+      <a:lnRef idx="0">
+        <a:scrgbClr r="0" g="0" b="0"/>
+      </a:lnRef>
+      <a:fillRef idx="1">
+        <a:scrgbClr r="0" g="0" b="0"/>
+      </a:fillRef>
+      <a:effectRef idx="0">
+        <a:scrgbClr r="0" g="0" b="0"/>
+      </a:effectRef>
+      <a:fontRef idx="minor"/>
+    </dgm:style>
+  </dgm:styleLbl>
+  <dgm:styleLbl name="fgShp">
+    <dgm:scene3d>
+      <a:camera prst="orthographicFront"/>
+      <a:lightRig rig="threePt" dir="t"/>
+    </dgm:scene3d>
+    <dgm:sp3d/>
+    <dgm:txPr/>
+    <dgm:style>
+      <a:lnRef idx="2">
+        <a:scrgbClr r="0" g="0" b="0"/>
+      </a:lnRef>
+      <a:fillRef idx="1">
+        <a:scrgbClr r="0" g="0" b="0"/>
+      </a:fillRef>
+      <a:effectRef idx="0">
+        <a:scrgbClr r="0" g="0" b="0"/>
+      </a:effectRef>
+      <a:fontRef idx="minor"/>
+    </dgm:style>
+  </dgm:styleLbl>
+  <dgm:styleLbl name="revTx">
+    <dgm:scene3d>
+      <a:camera prst="orthographicFront"/>
+      <a:lightRig rig="threePt" dir="t"/>
+    </dgm:scene3d>
+    <dgm:sp3d/>
+    <dgm:txPr/>
+    <dgm:style>
+      <a:lnRef idx="0">
+        <a:scrgbClr r="0" g="0" b="0"/>
+      </a:lnRef>
+      <a:fillRef idx="0">
+        <a:scrgbClr r="0" g="0" b="0"/>
+      </a:fillRef>
+      <a:effectRef idx="0">
+        <a:scrgbClr r="0" g="0" b="0"/>
+      </a:effectRef>
+      <a:fontRef idx="minor"/>
+    </dgm:style>
+  </dgm:styleLbl>
+</dgm:styleDef>
+</file>
+
+<file path=ppt/diagrams/quickStyle7.xml><?xml version="1.0" encoding="utf-8"?>
 <dgm:styleDef xmlns:dgm="http://schemas.openxmlformats.org/drawingml/2006/diagram" xmlns:a="http://schemas.openxmlformats.org/drawingml/2006/main" uniqueId="urn:microsoft.com/office/officeart/2005/8/quickstyle/simple1">
   <dgm:title val=""/>
   <dgm:desc val=""/>
@@ -23732,7 +26278,7 @@
           </a:lstStyle>
           <a:p>
             <a:r>
-              <a:rPr lang="fr-FR" smtClean="0"/>
+              <a:rPr lang="fr-FR"/>
               <a:t>Modifiez le style du titre</a:t>
             </a:r>
             <a:endParaRPr lang="en-US" dirty="0"/>
@@ -23797,7 +26343,7 @@
           </a:lstStyle>
           <a:p>
             <a:r>
-              <a:rPr lang="fr-FR" smtClean="0"/>
+              <a:rPr lang="fr-FR"/>
               <a:t>Modifier le style des sous-titres du masque</a:t>
             </a:r>
             <a:endParaRPr lang="en-US" dirty="0"/>
@@ -23915,7 +26461,7 @@
           <a:lstStyle/>
           <a:p>
             <a:r>
-              <a:rPr lang="fr-FR" smtClean="0"/>
+              <a:rPr lang="fr-FR"/>
               <a:t>Modifiez le style du titre</a:t>
             </a:r>
             <a:endParaRPr lang="en-US" dirty="0"/>
@@ -23939,35 +26485,35 @@
           <a:p>
             <a:pPr lvl="0"/>
             <a:r>
-              <a:rPr lang="fr-FR" smtClean="0"/>
+              <a:rPr lang="fr-FR"/>
               <a:t>Modifier les styles du texte du masque</a:t>
             </a:r>
           </a:p>
           <a:p>
             <a:pPr lvl="1"/>
             <a:r>
-              <a:rPr lang="fr-FR" smtClean="0"/>
+              <a:rPr lang="fr-FR"/>
               <a:t>Deuxième niveau</a:t>
             </a:r>
           </a:p>
           <a:p>
             <a:pPr lvl="2"/>
             <a:r>
-              <a:rPr lang="fr-FR" smtClean="0"/>
+              <a:rPr lang="fr-FR"/>
               <a:t>Troisième niveau</a:t>
             </a:r>
           </a:p>
           <a:p>
             <a:pPr lvl="3"/>
             <a:r>
-              <a:rPr lang="fr-FR" smtClean="0"/>
+              <a:rPr lang="fr-FR"/>
               <a:t>Quatrième niveau</a:t>
             </a:r>
           </a:p>
           <a:p>
             <a:pPr lvl="4"/>
             <a:r>
-              <a:rPr lang="fr-FR" smtClean="0"/>
+              <a:rPr lang="fr-FR"/>
               <a:t>Cinquième niveau</a:t>
             </a:r>
             <a:endParaRPr lang="en-US" dirty="0"/>
@@ -24090,7 +26636,7 @@
           <a:lstStyle/>
           <a:p>
             <a:r>
-              <a:rPr lang="fr-FR" smtClean="0"/>
+              <a:rPr lang="fr-FR"/>
               <a:t>Modifiez le style du titre</a:t>
             </a:r>
             <a:endParaRPr lang="en-US" dirty="0"/>
@@ -24119,35 +26665,35 @@
           <a:p>
             <a:pPr lvl="0"/>
             <a:r>
-              <a:rPr lang="fr-FR" smtClean="0"/>
+              <a:rPr lang="fr-FR"/>
               <a:t>Modifier les styles du texte du masque</a:t>
             </a:r>
           </a:p>
           <a:p>
             <a:pPr lvl="1"/>
             <a:r>
-              <a:rPr lang="fr-FR" smtClean="0"/>
+              <a:rPr lang="fr-FR"/>
               <a:t>Deuxième niveau</a:t>
             </a:r>
           </a:p>
           <a:p>
             <a:pPr lvl="2"/>
             <a:r>
-              <a:rPr lang="fr-FR" smtClean="0"/>
+              <a:rPr lang="fr-FR"/>
               <a:t>Troisième niveau</a:t>
             </a:r>
           </a:p>
           <a:p>
             <a:pPr lvl="3"/>
             <a:r>
-              <a:rPr lang="fr-FR" smtClean="0"/>
+              <a:rPr lang="fr-FR"/>
               <a:t>Quatrième niveau</a:t>
             </a:r>
           </a:p>
           <a:p>
             <a:pPr lvl="4"/>
             <a:r>
-              <a:rPr lang="fr-FR" smtClean="0"/>
+              <a:rPr lang="fr-FR"/>
               <a:t>Cinquième niveau</a:t>
             </a:r>
             <a:endParaRPr lang="en-US" dirty="0"/>
@@ -24265,7 +26811,7 @@
           <a:lstStyle/>
           <a:p>
             <a:r>
-              <a:rPr lang="fr-FR" smtClean="0"/>
+              <a:rPr lang="fr-FR"/>
               <a:t>Modifiez le style du titre</a:t>
             </a:r>
             <a:endParaRPr lang="en-US" dirty="0"/>
@@ -24289,35 +26835,35 @@
           <a:p>
             <a:pPr lvl="0"/>
             <a:r>
-              <a:rPr lang="fr-FR" smtClean="0"/>
+              <a:rPr lang="fr-FR"/>
               <a:t>Modifier les styles du texte du masque</a:t>
             </a:r>
           </a:p>
           <a:p>
             <a:pPr lvl="1"/>
             <a:r>
-              <a:rPr lang="fr-FR" smtClean="0"/>
+              <a:rPr lang="fr-FR"/>
               <a:t>Deuxième niveau</a:t>
             </a:r>
           </a:p>
           <a:p>
             <a:pPr lvl="2"/>
             <a:r>
-              <a:rPr lang="fr-FR" smtClean="0"/>
+              <a:rPr lang="fr-FR"/>
               <a:t>Troisième niveau</a:t>
             </a:r>
           </a:p>
           <a:p>
             <a:pPr lvl="3"/>
             <a:r>
-              <a:rPr lang="fr-FR" smtClean="0"/>
+              <a:rPr lang="fr-FR"/>
               <a:t>Quatrième niveau</a:t>
             </a:r>
           </a:p>
           <a:p>
             <a:pPr lvl="4"/>
             <a:r>
-              <a:rPr lang="fr-FR" smtClean="0"/>
+              <a:rPr lang="fr-FR"/>
               <a:t>Cinquième niveau</a:t>
             </a:r>
             <a:endParaRPr lang="en-US" dirty="0"/>
@@ -24444,7 +26990,7 @@
           </a:lstStyle>
           <a:p>
             <a:r>
-              <a:rPr lang="fr-FR" smtClean="0"/>
+              <a:rPr lang="fr-FR"/>
               <a:t>Modifiez le style du titre</a:t>
             </a:r>
             <a:endParaRPr lang="en-US" dirty="0"/>
@@ -24562,7 +27108,7 @@
           <a:p>
             <a:pPr lvl="0"/>
             <a:r>
-              <a:rPr lang="fr-FR" smtClean="0"/>
+              <a:rPr lang="fr-FR"/>
               <a:t>Modifier les styles du texte du masque</a:t>
             </a:r>
           </a:p>
@@ -24679,7 +27225,7 @@
           <a:lstStyle/>
           <a:p>
             <a:r>
-              <a:rPr lang="fr-FR" smtClean="0"/>
+              <a:rPr lang="fr-FR"/>
               <a:t>Modifiez le style du titre</a:t>
             </a:r>
             <a:endParaRPr lang="en-US" dirty="0"/>
@@ -24708,35 +27254,35 @@
           <a:p>
             <a:pPr lvl="0"/>
             <a:r>
-              <a:rPr lang="fr-FR" smtClean="0"/>
+              <a:rPr lang="fr-FR"/>
               <a:t>Modifier les styles du texte du masque</a:t>
             </a:r>
           </a:p>
           <a:p>
             <a:pPr lvl="1"/>
             <a:r>
-              <a:rPr lang="fr-FR" smtClean="0"/>
+              <a:rPr lang="fr-FR"/>
               <a:t>Deuxième niveau</a:t>
             </a:r>
           </a:p>
           <a:p>
             <a:pPr lvl="2"/>
             <a:r>
-              <a:rPr lang="fr-FR" smtClean="0"/>
+              <a:rPr lang="fr-FR"/>
               <a:t>Troisième niveau</a:t>
             </a:r>
           </a:p>
           <a:p>
             <a:pPr lvl="3"/>
             <a:r>
-              <a:rPr lang="fr-FR" smtClean="0"/>
+              <a:rPr lang="fr-FR"/>
               <a:t>Quatrième niveau</a:t>
             </a:r>
           </a:p>
           <a:p>
             <a:pPr lvl="4"/>
             <a:r>
-              <a:rPr lang="fr-FR" smtClean="0"/>
+              <a:rPr lang="fr-FR"/>
               <a:t>Cinquième niveau</a:t>
             </a:r>
             <a:endParaRPr lang="en-US" dirty="0"/>
@@ -24765,35 +27311,35 @@
           <a:p>
             <a:pPr lvl="0"/>
             <a:r>
-              <a:rPr lang="fr-FR" smtClean="0"/>
+              <a:rPr lang="fr-FR"/>
               <a:t>Modifier les styles du texte du masque</a:t>
             </a:r>
           </a:p>
           <a:p>
             <a:pPr lvl="1"/>
             <a:r>
-              <a:rPr lang="fr-FR" smtClean="0"/>
+              <a:rPr lang="fr-FR"/>
               <a:t>Deuxième niveau</a:t>
             </a:r>
           </a:p>
           <a:p>
             <a:pPr lvl="2"/>
             <a:r>
-              <a:rPr lang="fr-FR" smtClean="0"/>
+              <a:rPr lang="fr-FR"/>
               <a:t>Troisième niveau</a:t>
             </a:r>
           </a:p>
           <a:p>
             <a:pPr lvl="3"/>
             <a:r>
-              <a:rPr lang="fr-FR" smtClean="0"/>
+              <a:rPr lang="fr-FR"/>
               <a:t>Quatrième niveau</a:t>
             </a:r>
           </a:p>
           <a:p>
             <a:pPr lvl="4"/>
             <a:r>
-              <a:rPr lang="fr-FR" smtClean="0"/>
+              <a:rPr lang="fr-FR"/>
               <a:t>Cinquième niveau</a:t>
             </a:r>
             <a:endParaRPr lang="en-US" dirty="0"/>
@@ -24916,7 +27462,7 @@
           <a:lstStyle/>
           <a:p>
             <a:r>
-              <a:rPr lang="fr-FR" smtClean="0"/>
+              <a:rPr lang="fr-FR"/>
               <a:t>Modifiez le style du titre</a:t>
             </a:r>
             <a:endParaRPr lang="en-US" dirty="0"/>
@@ -24982,7 +27528,7 @@
           <a:p>
             <a:pPr lvl="0"/>
             <a:r>
-              <a:rPr lang="fr-FR" smtClean="0"/>
+              <a:rPr lang="fr-FR"/>
               <a:t>Modifier les styles du texte du masque</a:t>
             </a:r>
           </a:p>
@@ -25010,35 +27556,35 @@
           <a:p>
             <a:pPr lvl="0"/>
             <a:r>
-              <a:rPr lang="fr-FR" smtClean="0"/>
+              <a:rPr lang="fr-FR"/>
               <a:t>Modifier les styles du texte du masque</a:t>
             </a:r>
           </a:p>
           <a:p>
             <a:pPr lvl="1"/>
             <a:r>
-              <a:rPr lang="fr-FR" smtClean="0"/>
+              <a:rPr lang="fr-FR"/>
               <a:t>Deuxième niveau</a:t>
             </a:r>
           </a:p>
           <a:p>
             <a:pPr lvl="2"/>
             <a:r>
-              <a:rPr lang="fr-FR" smtClean="0"/>
+              <a:rPr lang="fr-FR"/>
               <a:t>Troisième niveau</a:t>
             </a:r>
           </a:p>
           <a:p>
             <a:pPr lvl="3"/>
             <a:r>
-              <a:rPr lang="fr-FR" smtClean="0"/>
+              <a:rPr lang="fr-FR"/>
               <a:t>Quatrième niveau</a:t>
             </a:r>
           </a:p>
           <a:p>
             <a:pPr lvl="4"/>
             <a:r>
-              <a:rPr lang="fr-FR" smtClean="0"/>
+              <a:rPr lang="fr-FR"/>
               <a:t>Cinquième niveau</a:t>
             </a:r>
             <a:endParaRPr lang="en-US" dirty="0"/>
@@ -25104,7 +27650,7 @@
           <a:p>
             <a:pPr lvl="0"/>
             <a:r>
-              <a:rPr lang="fr-FR" smtClean="0"/>
+              <a:rPr lang="fr-FR"/>
               <a:t>Modifier les styles du texte du masque</a:t>
             </a:r>
           </a:p>
@@ -25132,35 +27678,35 @@
           <a:p>
             <a:pPr lvl="0"/>
             <a:r>
-              <a:rPr lang="fr-FR" smtClean="0"/>
+              <a:rPr lang="fr-FR"/>
               <a:t>Modifier les styles du texte du masque</a:t>
             </a:r>
           </a:p>
           <a:p>
             <a:pPr lvl="1"/>
             <a:r>
-              <a:rPr lang="fr-FR" smtClean="0"/>
+              <a:rPr lang="fr-FR"/>
               <a:t>Deuxième niveau</a:t>
             </a:r>
           </a:p>
           <a:p>
             <a:pPr lvl="2"/>
             <a:r>
-              <a:rPr lang="fr-FR" smtClean="0"/>
+              <a:rPr lang="fr-FR"/>
               <a:t>Troisième niveau</a:t>
             </a:r>
           </a:p>
           <a:p>
             <a:pPr lvl="3"/>
             <a:r>
-              <a:rPr lang="fr-FR" smtClean="0"/>
+              <a:rPr lang="fr-FR"/>
               <a:t>Quatrième niveau</a:t>
             </a:r>
           </a:p>
           <a:p>
             <a:pPr lvl="4"/>
             <a:r>
-              <a:rPr lang="fr-FR" smtClean="0"/>
+              <a:rPr lang="fr-FR"/>
               <a:t>Cinquième niveau</a:t>
             </a:r>
             <a:endParaRPr lang="en-US" dirty="0"/>
@@ -25278,7 +27824,7 @@
           <a:lstStyle/>
           <a:p>
             <a:r>
-              <a:rPr lang="fr-FR" smtClean="0"/>
+              <a:rPr lang="fr-FR"/>
               <a:t>Modifiez le style du titre</a:t>
             </a:r>
             <a:endParaRPr lang="en-US" dirty="0"/>
@@ -25500,7 +28046,7 @@
           </a:lstStyle>
           <a:p>
             <a:r>
-              <a:rPr lang="fr-FR" smtClean="0"/>
+              <a:rPr lang="fr-FR"/>
               <a:t>Modifiez le style du titre</a:t>
             </a:r>
             <a:endParaRPr lang="en-US" dirty="0"/>
@@ -25557,35 +28103,35 @@
           <a:p>
             <a:pPr lvl="0"/>
             <a:r>
-              <a:rPr lang="fr-FR" smtClean="0"/>
+              <a:rPr lang="fr-FR"/>
               <a:t>Modifier les styles du texte du masque</a:t>
             </a:r>
           </a:p>
           <a:p>
             <a:pPr lvl="1"/>
             <a:r>
-              <a:rPr lang="fr-FR" smtClean="0"/>
+              <a:rPr lang="fr-FR"/>
               <a:t>Deuxième niveau</a:t>
             </a:r>
           </a:p>
           <a:p>
             <a:pPr lvl="2"/>
             <a:r>
-              <a:rPr lang="fr-FR" smtClean="0"/>
+              <a:rPr lang="fr-FR"/>
               <a:t>Troisième niveau</a:t>
             </a:r>
           </a:p>
           <a:p>
             <a:pPr lvl="3"/>
             <a:r>
-              <a:rPr lang="fr-FR" smtClean="0"/>
+              <a:rPr lang="fr-FR"/>
               <a:t>Quatrième niveau</a:t>
             </a:r>
           </a:p>
           <a:p>
             <a:pPr lvl="4"/>
             <a:r>
-              <a:rPr lang="fr-FR" smtClean="0"/>
+              <a:rPr lang="fr-FR"/>
               <a:t>Cinquième niveau</a:t>
             </a:r>
             <a:endParaRPr lang="en-US" dirty="0"/>
@@ -25651,7 +28197,7 @@
           <a:p>
             <a:pPr lvl="0"/>
             <a:r>
-              <a:rPr lang="fr-FR" smtClean="0"/>
+              <a:rPr lang="fr-FR"/>
               <a:t>Modifier les styles du texte du masque</a:t>
             </a:r>
           </a:p>
@@ -25777,7 +28323,7 @@
           </a:lstStyle>
           <a:p>
             <a:r>
-              <a:rPr lang="fr-FR" smtClean="0"/>
+              <a:rPr lang="fr-FR"/>
               <a:t>Modifiez le style du titre</a:t>
             </a:r>
             <a:endParaRPr lang="en-US" dirty="0"/>
@@ -25842,7 +28388,7 @@
           </a:lstStyle>
           <a:p>
             <a:r>
-              <a:rPr lang="fr-FR" smtClean="0"/>
+              <a:rPr lang="fr-FR"/>
               <a:t>Cliquez sur l'icône pour ajouter une image</a:t>
             </a:r>
             <a:endParaRPr lang="en-US" dirty="0"/>
@@ -25908,7 +28454,7 @@
           <a:p>
             <a:pPr lvl="0"/>
             <a:r>
-              <a:rPr lang="fr-FR" smtClean="0"/>
+              <a:rPr lang="fr-FR"/>
               <a:t>Modifier les styles du texte du masque</a:t>
             </a:r>
           </a:p>
@@ -26040,7 +28586,7 @@
           <a:lstStyle/>
           <a:p>
             <a:r>
-              <a:rPr lang="fr-FR" smtClean="0"/>
+              <a:rPr lang="fr-FR"/>
               <a:t>Modifiez le style du titre</a:t>
             </a:r>
             <a:endParaRPr lang="en-US" dirty="0"/>
@@ -26074,35 +28620,35 @@
           <a:p>
             <a:pPr lvl="0"/>
             <a:r>
-              <a:rPr lang="fr-FR" smtClean="0"/>
+              <a:rPr lang="fr-FR"/>
               <a:t>Modifier les styles du texte du masque</a:t>
             </a:r>
           </a:p>
           <a:p>
             <a:pPr lvl="1"/>
             <a:r>
-              <a:rPr lang="fr-FR" smtClean="0"/>
+              <a:rPr lang="fr-FR"/>
               <a:t>Deuxième niveau</a:t>
             </a:r>
           </a:p>
           <a:p>
             <a:pPr lvl="2"/>
             <a:r>
-              <a:rPr lang="fr-FR" smtClean="0"/>
+              <a:rPr lang="fr-FR"/>
               <a:t>Troisième niveau</a:t>
             </a:r>
           </a:p>
           <a:p>
             <a:pPr lvl="3"/>
             <a:r>
-              <a:rPr lang="fr-FR" smtClean="0"/>
+              <a:rPr lang="fr-FR"/>
               <a:t>Quatrième niveau</a:t>
             </a:r>
           </a:p>
           <a:p>
             <a:pPr lvl="4"/>
             <a:r>
-              <a:rPr lang="fr-FR" smtClean="0"/>
+              <a:rPr lang="fr-FR"/>
               <a:t>Cinquième niveau</a:t>
             </a:r>
             <a:endParaRPr lang="en-US" dirty="0"/>
@@ -26600,14 +29146,11 @@
               <a:buChar char="§"/>
             </a:pPr>
             <a:r>
-              <a:rPr lang="fr-FR" sz="1000" dirty="0" smtClean="0">
+              <a:rPr lang="fr-FR" sz="1000" dirty="0">
                 <a:latin typeface="Arial Nova" panose="020B0504020202020204" pitchFamily="34" charset="0"/>
               </a:rPr>
               <a:t>Attention au timing et à bien progresser dans le questionnaire. </a:t>
             </a:r>
-            <a:endParaRPr lang="fr-FR" sz="1000" dirty="0">
-              <a:latin typeface="Arial Nova" panose="020B0504020202020204" pitchFamily="34" charset="0"/>
-            </a:endParaRPr>
           </a:p>
           <a:p>
             <a:pPr marL="285750" indent="-285750">
@@ -26618,7 +29161,7 @@
               <a:buChar char="§"/>
             </a:pPr>
             <a:r>
-              <a:rPr lang="fr-FR" sz="1000" dirty="0" smtClean="0">
+              <a:rPr lang="fr-FR" sz="1000" dirty="0">
                 <a:latin typeface="Arial Nova" panose="020B0504020202020204" pitchFamily="34" charset="0"/>
               </a:rPr>
               <a:t>Lors des synthèses, bien exposé la totalité des questions traitées. </a:t>
@@ -26633,7 +29176,7 @@
               <a:buChar char="§"/>
             </a:pPr>
             <a:r>
-              <a:rPr lang="fr-FR" sz="1000" dirty="0" smtClean="0">
+              <a:rPr lang="fr-FR" sz="1000" dirty="0">
                 <a:latin typeface="Arial Nova" panose="020B0504020202020204" pitchFamily="34" charset="0"/>
               </a:rPr>
               <a:t>Attention au vocabulaire technique.</a:t>
@@ -26648,7 +29191,7 @@
               <a:buChar char="§"/>
             </a:pPr>
             <a:r>
-              <a:rPr lang="fr-FR" sz="1000" dirty="0" smtClean="0">
+              <a:rPr lang="fr-FR" sz="1000" dirty="0">
                 <a:latin typeface="Arial Nova" panose="020B0504020202020204" pitchFamily="34" charset="0"/>
               </a:rPr>
               <a:t>Attention à bien lire les questions posées (et à ne pas les inventer…) </a:t>
@@ -26663,31 +29206,31 @@
               <a:buChar char="§"/>
             </a:pPr>
             <a:r>
-              <a:rPr lang="fr-FR" sz="1000" dirty="0" smtClean="0">
+              <a:rPr lang="fr-FR" sz="1000" dirty="0">
                 <a:latin typeface="Arial Nova" panose="020B0504020202020204" pitchFamily="34" charset="0"/>
               </a:rPr>
               <a:t>Lors de la phase d’appropriation, il faut </a:t>
             </a:r>
             <a:r>
-              <a:rPr lang="fr-FR" sz="1000" b="1" dirty="0" smtClean="0">
+              <a:rPr lang="fr-FR" sz="1000" b="1" dirty="0">
                 <a:latin typeface="Arial Nova" panose="020B0504020202020204" pitchFamily="34" charset="0"/>
               </a:rPr>
               <a:t>utiliser le système</a:t>
             </a:r>
             <a:r>
-              <a:rPr lang="fr-FR" sz="1000" dirty="0" smtClean="0">
+              <a:rPr lang="fr-FR" sz="1000" dirty="0">
                 <a:latin typeface="Arial Nova" panose="020B0504020202020204" pitchFamily="34" charset="0"/>
               </a:rPr>
               <a:t> et </a:t>
             </a:r>
             <a:r>
-              <a:rPr lang="fr-FR" sz="1000" b="1" dirty="0" smtClean="0">
+              <a:rPr lang="fr-FR" sz="1000" b="1" dirty="0">
                 <a:latin typeface="Arial Nova" panose="020B0504020202020204" pitchFamily="34" charset="0"/>
               </a:rPr>
               <a:t>s’approprier </a:t>
             </a:r>
             <a:r>
-              <a:rPr lang="fr-FR" sz="1000" dirty="0" smtClean="0">
+              <a:rPr lang="fr-FR" sz="1000" dirty="0">
                 <a:latin typeface="Arial Nova" panose="020B0504020202020204" pitchFamily="34" charset="0"/>
               </a:rPr>
               <a:t>son fonctionnement.</a:t>
@@ -26702,7 +29245,7 @@
               <a:buChar char="§"/>
             </a:pPr>
             <a:r>
-              <a:rPr lang="fr-FR" sz="1000" dirty="0" smtClean="0">
+              <a:rPr lang="fr-FR" sz="1000" dirty="0">
                 <a:latin typeface="Arial Nova" panose="020B0504020202020204" pitchFamily="34" charset="0"/>
               </a:rPr>
               <a:t>Présenter aussi la problématique et les objectifs à atteindre pendant l’épreuve.</a:t>
@@ -26717,7 +29260,7 @@
               <a:buChar char="§"/>
             </a:pPr>
             <a:r>
-              <a:rPr lang="fr-FR" sz="1000" dirty="0" smtClean="0">
+              <a:rPr lang="fr-FR" sz="1000" dirty="0">
                 <a:latin typeface="Arial Nova" panose="020B0504020202020204" pitchFamily="34" charset="0"/>
               </a:rPr>
               <a:t>Connaissances technologiques de base à maîtriser. </a:t>
@@ -26732,7 +29275,7 @@
               <a:buChar char="§"/>
             </a:pPr>
             <a:r>
-              <a:rPr lang="fr-FR" sz="1000" dirty="0" smtClean="0">
+              <a:rPr lang="fr-FR" sz="1000" dirty="0">
                 <a:latin typeface="Arial Nova" panose="020B0504020202020204" pitchFamily="34" charset="0"/>
               </a:rPr>
               <a:t>Savoir évaluer les performances d’un système. </a:t>
@@ -26747,7 +29290,7 @@
               <a:buChar char="§"/>
             </a:pPr>
             <a:r>
-              <a:rPr lang="fr-FR" sz="1000" dirty="0" smtClean="0">
+              <a:rPr lang="fr-FR" sz="1000" dirty="0">
                 <a:latin typeface="Arial Nova" panose="020B0504020202020204" pitchFamily="34" charset="0"/>
               </a:rPr>
               <a:t>Valider les résultats des modèles ou des essais vis-à-vis du cahier des charges. </a:t>
@@ -26762,7 +29305,7 @@
               <a:buChar char="§"/>
             </a:pPr>
             <a:r>
-              <a:rPr lang="fr-FR" sz="1000" dirty="0" smtClean="0">
+              <a:rPr lang="fr-FR" sz="1000" dirty="0">
                 <a:latin typeface="Arial Nova" panose="020B0504020202020204" pitchFamily="34" charset="0"/>
               </a:rPr>
               <a:t>Savoir compléter un modèle multi physique avec des valeurs (obtenues expérimentalement, par exemple). </a:t>
@@ -26777,7 +29320,7 @@
               <a:buChar char="§"/>
             </a:pPr>
             <a:r>
-              <a:rPr lang="fr-FR" sz="1000" dirty="0" smtClean="0">
+              <a:rPr lang="fr-FR" sz="1000" dirty="0">
                 <a:latin typeface="Arial Nova" panose="020B0504020202020204" pitchFamily="34" charset="0"/>
               </a:rPr>
               <a:t>Connaître les ordres de grandeurs de différentes grandeurs physiques. </a:t>
@@ -26804,7 +29347,7 @@
               <a:buChar char="§"/>
             </a:pPr>
             <a:r>
-              <a:rPr lang="fr-FR" sz="1000" dirty="0" smtClean="0">
+              <a:rPr lang="fr-FR" sz="1000" dirty="0">
                 <a:latin typeface="Arial Nova" panose="020B0504020202020204" pitchFamily="34" charset="0"/>
               </a:rPr>
               <a:t>La synthèse finale peut être présentée sous forme de poster. Ne pas oublier de faire figurer la problématique, les résultats intermédiaires, les écarts. </a:t>
@@ -26819,14 +29362,11 @@
               <a:buChar char="§"/>
             </a:pPr>
             <a:r>
-              <a:rPr lang="fr-FR" sz="1000" dirty="0" smtClean="0">
+              <a:rPr lang="fr-FR" sz="1000" dirty="0">
                 <a:latin typeface="Arial Nova" panose="020B0504020202020204" pitchFamily="34" charset="0"/>
               </a:rPr>
               <a:t>Le poster doit être fait à la main sur une feuille A4. </a:t>
             </a:r>
-            <a:endParaRPr lang="fr-FR" sz="1000" dirty="0">
-              <a:latin typeface="Arial Nova" panose="020B0504020202020204" pitchFamily="34" charset="0"/>
-            </a:endParaRPr>
           </a:p>
         </p:txBody>
       </p:sp>
@@ -26863,19 +29403,7 @@
               <a:rPr lang="fr-FR" sz="1600" b="1" dirty="0">
                 <a:latin typeface="Arial Nova" panose="020B0504020202020204" pitchFamily="34" charset="0"/>
               </a:rPr>
-              <a:t>Concours </a:t>
-            </a:r>
-            <a:r>
-              <a:rPr lang="fr-FR" sz="1600" b="1" dirty="0" smtClean="0">
-                <a:latin typeface="Arial Nova" panose="020B0504020202020204" pitchFamily="34" charset="0"/>
-              </a:rPr>
-              <a:t>CCINP – </a:t>
-            </a:r>
-            <a:r>
-              <a:rPr lang="fr-FR" sz="1600" b="1" dirty="0">
-                <a:latin typeface="Arial Nova" panose="020B0504020202020204" pitchFamily="34" charset="0"/>
-              </a:rPr>
-              <a:t>TP SII </a:t>
+              <a:t>Concours CCINP – TP SII </a:t>
             </a:r>
           </a:p>
         </p:txBody>
@@ -27013,10 +29541,9 @@
           <a:p>
             <a:pPr algn="ctr"/>
             <a:r>
-              <a:rPr lang="fr-FR" sz="1100" b="1" dirty="0" smtClean="0"/>
+              <a:rPr lang="fr-FR" sz="1100" b="1" dirty="0"/>
               <a:t>25%</a:t>
             </a:r>
-            <a:endParaRPr lang="fr-FR" sz="1100" b="1" dirty="0"/>
           </a:p>
         </p:txBody>
       </p:sp>
@@ -27052,17 +29579,8 @@
               <a:rPr lang="fr-FR" sz="1100" dirty="0">
                 <a:latin typeface="Arial Nova" panose="020B0504020202020204" pitchFamily="34" charset="0"/>
               </a:rPr>
-              <a:t>Concours </a:t>
+              <a:t>Concours CCINP</a:t>
             </a:r>
-            <a:r>
-              <a:rPr lang="fr-FR" sz="1100" dirty="0" smtClean="0">
-                <a:latin typeface="Arial Nova" panose="020B0504020202020204" pitchFamily="34" charset="0"/>
-              </a:rPr>
-              <a:t>CCINP</a:t>
-            </a:r>
-            <a:endParaRPr lang="fr-FR" sz="1100" dirty="0">
-              <a:latin typeface="Arial Nova" panose="020B0504020202020204" pitchFamily="34" charset="0"/>
-            </a:endParaRPr>
           </a:p>
         </p:txBody>
       </p:sp>
@@ -27109,12 +29627,8 @@
           <a:p>
             <a:pPr algn="ctr"/>
             <a:r>
-              <a:rPr lang="fr-FR" sz="1200" b="1" dirty="0" smtClean="0"/>
-              <a:t>0</a:t>
-            </a:r>
-            <a:r>
               <a:rPr lang="fr-FR" sz="1200" b="1" dirty="0"/>
-              <a:t>%</a:t>
+              <a:t>0%</a:t>
             </a:r>
           </a:p>
         </p:txBody>
@@ -27149,14 +29663,11 @@
           <a:p>
             <a:pPr algn="r"/>
             <a:r>
-              <a:rPr lang="fr-FR" sz="1100" dirty="0" smtClean="0">
+              <a:rPr lang="fr-FR" sz="1100" dirty="0">
                 <a:latin typeface="Arial Nova" panose="020B0504020202020204" pitchFamily="34" charset="0"/>
               </a:rPr>
               <a:t>ENAC</a:t>
             </a:r>
-            <a:endParaRPr lang="fr-FR" sz="1100" dirty="0">
-              <a:latin typeface="Arial Nova" panose="020B0504020202020204" pitchFamily="34" charset="0"/>
-            </a:endParaRPr>
           </a:p>
         </p:txBody>
       </p:sp>
@@ -27239,14 +29750,11 @@
           <a:p>
             <a:pPr algn="r"/>
             <a:r>
-              <a:rPr lang="fr-FR" sz="1100" dirty="0" smtClean="0">
+              <a:rPr lang="fr-FR" sz="1100" dirty="0">
                 <a:latin typeface="Arial Nova" panose="020B0504020202020204" pitchFamily="34" charset="0"/>
               </a:rPr>
               <a:t>Ecole de l’air et de l’Espace</a:t>
             </a:r>
-            <a:endParaRPr lang="fr-FR" sz="1100" dirty="0">
-              <a:latin typeface="Arial Nova" panose="020B0504020202020204" pitchFamily="34" charset="0"/>
-            </a:endParaRPr>
           </a:p>
         </p:txBody>
       </p:sp>
@@ -27402,19 +29910,7 @@
               <a:rPr lang="fr-FR" sz="1000" dirty="0">
                 <a:latin typeface="Arial Nova" panose="020B0504020202020204" pitchFamily="34" charset="0"/>
               </a:rPr>
-              <a:t>2</a:t>
-            </a:r>
-            <a:r>
-              <a:rPr lang="fr-FR" sz="1000" dirty="0" smtClean="0">
-                <a:latin typeface="Arial Nova" panose="020B0504020202020204" pitchFamily="34" charset="0"/>
-              </a:rPr>
-              <a:t> </a:t>
-            </a:r>
-            <a:r>
-              <a:rPr lang="fr-FR" sz="1000" dirty="0">
-                <a:latin typeface="Arial Nova" panose="020B0504020202020204" pitchFamily="34" charset="0"/>
-              </a:rPr>
-              <a:t>heures</a:t>
+              <a:t>2 heures</a:t>
             </a:r>
           </a:p>
         </p:txBody>
@@ -27455,30 +29951,16 @@
                 </a:solidFill>
                 <a:hlinkClick r:id="rId2"/>
               </a:rPr>
-              <a:t>https://www.concours-commun-inp.fr/_</a:t>
+              <a:t>https://www.concours-commun-inp.fr/_resource/annales%20oraux/PSI/2022/Rapport_oral_TP_SII_PSI.pdf?download=true</a:t>
             </a:r>
             <a:r>
-              <a:rPr lang="fr-FR" sz="600" dirty="0" smtClean="0">
-                <a:solidFill>
-                  <a:schemeClr val="tx2"/>
-                </a:solidFill>
-                <a:hlinkClick r:id="rId2"/>
-              </a:rPr>
-              <a:t>resource/annales%20oraux/PSI/2022/Rapport_oral_TP_SII_PSI.pdf?download=true</a:t>
-            </a:r>
-            <a:r>
-              <a:rPr lang="fr-FR" sz="600" dirty="0" smtClean="0">
+              <a:rPr lang="fr-FR" sz="600" dirty="0">
                 <a:solidFill>
                   <a:schemeClr val="tx2"/>
                 </a:solidFill>
               </a:rPr>
               <a:t> </a:t>
             </a:r>
-            <a:endParaRPr lang="fr-FR" sz="600" dirty="0">
-              <a:solidFill>
-                <a:schemeClr val="tx2"/>
-              </a:solidFill>
-            </a:endParaRPr>
           </a:p>
         </p:txBody>
       </p:sp>
@@ -27575,37 +30057,10 @@
                 <a:buChar char="§"/>
               </a:pPr>
               <a:r>
-                <a:rPr lang="fr-FR" sz="1000" dirty="0" smtClean="0">
-                  <a:latin typeface="Arial Nova" panose="020B0504020202020204" pitchFamily="34" charset="0"/>
-                </a:rPr>
-                <a:t>Automate de prélèvement sanguin </a:t>
-              </a:r>
-              <a:r>
                 <a:rPr lang="fr-FR" sz="1000" dirty="0">
                   <a:latin typeface="Arial Nova" panose="020B0504020202020204" pitchFamily="34" charset="0"/>
                 </a:rPr>
-                <a:t>;</a:t>
-              </a:r>
-            </a:p>
-            <a:p>
-              <a:pPr marL="285750" indent="-285750">
-                <a:buClr>
-                  <a:schemeClr val="accent1"/>
-                </a:buClr>
-                <a:buFont typeface="Wingdings" panose="05000000000000000000" pitchFamily="2" charset="2"/>
-                <a:buChar char="§"/>
-              </a:pPr>
-              <a:r>
-                <a:rPr lang="fr-FR" sz="1000" dirty="0" smtClean="0">
-                  <a:latin typeface="Arial Nova" panose="020B0504020202020204" pitchFamily="34" charset="0"/>
-                </a:rPr>
-                <a:t>Cordeuse de raquette </a:t>
-              </a:r>
-              <a:r>
-                <a:rPr lang="fr-FR" sz="1000" dirty="0">
-                  <a:latin typeface="Arial Nova" panose="020B0504020202020204" pitchFamily="34" charset="0"/>
-                </a:rPr>
-                <a:t>;</a:t>
+                <a:t>Automate de prélèvement sanguin ;</a:t>
               </a:r>
             </a:p>
             <a:p>
@@ -27620,19 +30075,22 @@
                 <a:rPr lang="fr-FR" sz="1000" dirty="0">
                   <a:latin typeface="Arial Nova" panose="020B0504020202020204" pitchFamily="34" charset="0"/>
                 </a:rPr>
-                <a:t>B</a:t>
+                <a:t>Cordeuse de raquette ;</a:t>
               </a:r>
-              <a:r>
-                <a:rPr lang="fr-FR" sz="1000" dirty="0" smtClean="0">
-                  <a:latin typeface="Arial Nova" panose="020B0504020202020204" pitchFamily="34" charset="0"/>
-                </a:rPr>
-                <a:t>ras </a:t>
-              </a:r>
+            </a:p>
+            <a:p>
+              <a:pPr marL="285750" indent="-285750">
+                <a:buClr>
+                  <a:schemeClr val="accent1"/>
+                </a:buClr>
+                <a:buFont typeface="Wingdings" panose="05000000000000000000" pitchFamily="2" charset="2"/>
+                <a:buChar char="§"/>
+              </a:pPr>
               <a:r>
                 <a:rPr lang="fr-FR" sz="1000" dirty="0">
                   <a:latin typeface="Arial Nova" panose="020B0504020202020204" pitchFamily="34" charset="0"/>
                 </a:rPr>
-                <a:t>asservi pour le contrôle de tubes de générateur de vapeur ;</a:t>
+                <a:t>Bras asservi pour le contrôle de tubes de générateur de vapeur ;</a:t>
               </a:r>
             </a:p>
             <a:p>
@@ -27659,16 +30117,10 @@
                 <a:buChar char="§"/>
               </a:pPr>
               <a:r>
-                <a:rPr lang="fr-FR" sz="1000" dirty="0" smtClean="0">
-                  <a:latin typeface="Arial Nova" panose="020B0504020202020204" pitchFamily="34" charset="0"/>
-                </a:rPr>
-                <a:t>Berceur d’enfant </a:t>
-              </a:r>
-              <a:r>
                 <a:rPr lang="fr-FR" sz="1000" dirty="0">
                   <a:latin typeface="Arial Nova" panose="020B0504020202020204" pitchFamily="34" charset="0"/>
                 </a:rPr>
-                <a:t>;</a:t>
+                <a:t>Berceur d’enfant ;</a:t>
               </a:r>
             </a:p>
             <a:p>
@@ -27680,16 +30132,10 @@
                 <a:buChar char="§"/>
               </a:pPr>
               <a:r>
-                <a:rPr lang="fr-FR" sz="1000" dirty="0" smtClean="0">
-                  <a:latin typeface="Arial Nova" panose="020B0504020202020204" pitchFamily="34" charset="0"/>
-                </a:rPr>
-                <a:t>Cheville de robot humanoïde </a:t>
-              </a:r>
-              <a:r>
                 <a:rPr lang="fr-FR" sz="1000" dirty="0">
                   <a:latin typeface="Arial Nova" panose="020B0504020202020204" pitchFamily="34" charset="0"/>
                 </a:rPr>
-                <a:t>; </a:t>
+                <a:t>Cheville de robot humanoïde ; </a:t>
               </a:r>
             </a:p>
             <a:p>
@@ -27701,16 +30147,10 @@
                 <a:buChar char="§"/>
               </a:pPr>
               <a:r>
-                <a:rPr lang="fr-FR" sz="1000" dirty="0" smtClean="0">
-                  <a:latin typeface="Arial Nova" panose="020B0504020202020204" pitchFamily="34" charset="0"/>
-                </a:rPr>
-                <a:t>Barrière de péage automatisée </a:t>
-              </a:r>
-              <a:r>
                 <a:rPr lang="fr-FR" sz="1000" dirty="0">
                   <a:latin typeface="Arial Nova" panose="020B0504020202020204" pitchFamily="34" charset="0"/>
                 </a:rPr>
-                <a:t>; </a:t>
+                <a:t>Barrière de péage automatisée ; </a:t>
               </a:r>
             </a:p>
             <a:p>
@@ -27722,14 +30162,11 @@
                 <a:buChar char="§"/>
               </a:pPr>
               <a:r>
-                <a:rPr lang="fr-FR" sz="1000" dirty="0" smtClean="0">
+                <a:rPr lang="fr-FR" sz="1000" dirty="0">
                   <a:latin typeface="Arial Nova" panose="020B0504020202020204" pitchFamily="34" charset="0"/>
                 </a:rPr>
                 <a:t>Robot jockey; </a:t>
               </a:r>
-              <a:endParaRPr lang="fr-FR" sz="1000" dirty="0">
-                <a:latin typeface="Arial Nova" panose="020B0504020202020204" pitchFamily="34" charset="0"/>
-              </a:endParaRPr>
             </a:p>
           </p:txBody>
         </p:sp>
@@ -27769,14 +30206,11 @@
                 <a:buChar char="§"/>
               </a:pPr>
               <a:r>
-                <a:rPr lang="fr-FR" sz="1000" dirty="0" smtClean="0">
+                <a:rPr lang="fr-FR" sz="1000" dirty="0">
                   <a:latin typeface="Arial Nova" panose="020B0504020202020204" pitchFamily="34" charset="0"/>
                 </a:rPr>
                 <a:t>Axe linéaire horizontal asservi; </a:t>
               </a:r>
-              <a:endParaRPr lang="fr-FR" sz="1000" dirty="0">
-                <a:latin typeface="Arial Nova" panose="020B0504020202020204" pitchFamily="34" charset="0"/>
-              </a:endParaRPr>
             </a:p>
             <a:p>
               <a:pPr marL="285750" indent="-285750">
@@ -27787,14 +30221,11 @@
                 <a:buChar char="§"/>
               </a:pPr>
               <a:r>
-                <a:rPr lang="fr-FR" sz="1000" dirty="0" smtClean="0">
+                <a:rPr lang="fr-FR" sz="1000" dirty="0">
                   <a:latin typeface="Arial Nova" panose="020B0504020202020204" pitchFamily="34" charset="0"/>
                 </a:rPr>
                 <a:t>Trieuse de pièces; </a:t>
               </a:r>
-              <a:endParaRPr lang="fr-FR" sz="1000" dirty="0">
-                <a:latin typeface="Arial Nova" panose="020B0504020202020204" pitchFamily="34" charset="0"/>
-              </a:endParaRPr>
             </a:p>
             <a:p>
               <a:pPr marL="285750" indent="-285750">
@@ -27805,14 +30236,11 @@
                 <a:buChar char="§"/>
               </a:pPr>
               <a:r>
-                <a:rPr lang="fr-FR" sz="1000" dirty="0" smtClean="0">
+                <a:rPr lang="fr-FR" sz="1000" dirty="0">
                   <a:latin typeface="Arial Nova" panose="020B0504020202020204" pitchFamily="34" charset="0"/>
                 </a:rPr>
                 <a:t>Robot haptique</a:t>
               </a:r>
-              <a:endParaRPr lang="fr-FR" sz="1000" dirty="0">
-                <a:latin typeface="Arial Nova" panose="020B0504020202020204" pitchFamily="34" charset="0"/>
-              </a:endParaRPr>
             </a:p>
             <a:p>
               <a:pPr marL="285750" indent="-285750">
@@ -27823,16 +30251,10 @@
                 <a:buChar char="§"/>
               </a:pPr>
               <a:r>
-                <a:rPr lang="fr-FR" sz="1000" dirty="0" smtClean="0">
-                  <a:latin typeface="Arial Nova" panose="020B0504020202020204" pitchFamily="34" charset="0"/>
-                </a:rPr>
-                <a:t>Mini robot Darwin </a:t>
-              </a:r>
-              <a:r>
                 <a:rPr lang="fr-FR" sz="1000" dirty="0">
                   <a:latin typeface="Arial Nova" panose="020B0504020202020204" pitchFamily="34" charset="0"/>
                 </a:rPr>
-                <a:t>;</a:t>
+                <a:t>Mini robot Darwin ;</a:t>
               </a:r>
             </a:p>
             <a:p>
@@ -27847,25 +30269,13 @@
                 <a:rPr lang="fr-FR" sz="1000" dirty="0" err="1">
                   <a:latin typeface="Arial Nova" panose="020B0504020202020204" pitchFamily="34" charset="0"/>
                 </a:rPr>
-                <a:t>S</a:t>
-              </a:r>
-              <a:r>
-                <a:rPr lang="fr-FR" sz="1000" dirty="0" err="1" smtClean="0">
-                  <a:latin typeface="Arial Nova" panose="020B0504020202020204" pitchFamily="34" charset="0"/>
-                </a:rPr>
-                <a:t>lider</a:t>
-              </a:r>
-              <a:r>
-                <a:rPr lang="fr-FR" sz="1000" dirty="0" smtClean="0">
-                  <a:latin typeface="Arial Nova" panose="020B0504020202020204" pitchFamily="34" charset="0"/>
-                </a:rPr>
-                <a:t> </a:t>
+                <a:t>Slider</a:t>
               </a:r>
               <a:r>
                 <a:rPr lang="fr-FR" sz="1000" dirty="0">
                   <a:latin typeface="Arial Nova" panose="020B0504020202020204" pitchFamily="34" charset="0"/>
                 </a:rPr>
-                <a:t>de caméra ; </a:t>
+                <a:t> de caméra ; </a:t>
               </a:r>
             </a:p>
             <a:p>
@@ -27877,14 +30287,11 @@
                 <a:buChar char="§"/>
               </a:pPr>
               <a:r>
-                <a:rPr lang="fr-FR" sz="1000" dirty="0" smtClean="0">
+                <a:rPr lang="fr-FR" sz="1000" dirty="0">
                   <a:latin typeface="Arial Nova" panose="020B0504020202020204" pitchFamily="34" charset="0"/>
                 </a:rPr>
                 <a:t>Robot chirurgical; </a:t>
               </a:r>
-              <a:endParaRPr lang="fr-FR" sz="1000" dirty="0">
-                <a:latin typeface="Arial Nova" panose="020B0504020202020204" pitchFamily="34" charset="0"/>
-              </a:endParaRPr>
             </a:p>
           </p:txBody>
         </p:sp>
@@ -28003,7 +30410,7 @@
             </a:lstStyle>
             <a:p>
               <a:r>
-                <a:rPr lang="fr-FR" sz="900" b="0" dirty="0" err="1" smtClean="0">
+                <a:rPr lang="fr-FR" sz="900" b="0" dirty="0" err="1">
                   <a:latin typeface="Arial Nova" panose="020B0504020202020204" pitchFamily="34" charset="0"/>
                 </a:rPr>
                 <a:t>Hemomixer</a:t>
@@ -28129,14 +30536,11 @@
             </a:lstStyle>
             <a:p>
               <a:r>
-                <a:rPr lang="fr-FR" sz="900" b="0" dirty="0" smtClean="0">
+                <a:rPr lang="fr-FR" sz="900" b="0" dirty="0">
                   <a:latin typeface="Arial Nova" panose="020B0504020202020204" pitchFamily="34" charset="0"/>
                 </a:rPr>
                 <a:t>Cordeuse</a:t>
               </a:r>
-              <a:endParaRPr lang="fr-FR" sz="900" b="0" dirty="0">
-                <a:latin typeface="Arial Nova" panose="020B0504020202020204" pitchFamily="34" charset="0"/>
-              </a:endParaRPr>
             </a:p>
           </p:txBody>
         </p:sp>
@@ -28501,13 +30905,13 @@
             </a:lstStyle>
             <a:p>
               <a:r>
-                <a:rPr lang="fr-FR" sz="900" b="0" dirty="0" smtClean="0">
+                <a:rPr lang="fr-FR" sz="900" b="0" dirty="0">
                   <a:latin typeface="Arial Nova" panose="020B0504020202020204" pitchFamily="34" charset="0"/>
                 </a:rPr>
                 <a:t>Moby </a:t>
               </a:r>
               <a:r>
-                <a:rPr lang="fr-FR" sz="900" b="0" dirty="0" err="1" smtClean="0">
+                <a:rPr lang="fr-FR" sz="900" b="0" dirty="0" err="1">
                   <a:latin typeface="Arial Nova" panose="020B0504020202020204" pitchFamily="34" charset="0"/>
                 </a:rPr>
                 <a:t>Crea</a:t>
@@ -28633,14 +31037,11 @@
             </a:lstStyle>
             <a:p>
               <a:r>
-                <a:rPr lang="fr-FR" sz="800" b="0" dirty="0" smtClean="0">
+                <a:rPr lang="fr-FR" sz="800" b="0" dirty="0">
                   <a:latin typeface="Arial Nova" panose="020B0504020202020204" pitchFamily="34" charset="0"/>
                 </a:rPr>
                 <a:t>Cheville NAO</a:t>
               </a:r>
-              <a:endParaRPr lang="fr-FR" sz="800" b="0" dirty="0">
-                <a:latin typeface="Arial Nova" panose="020B0504020202020204" pitchFamily="34" charset="0"/>
-              </a:endParaRPr>
             </a:p>
           </p:txBody>
         </p:sp>
@@ -28759,7 +31160,7 @@
             </a:lstStyle>
             <a:p>
               <a:r>
-                <a:rPr lang="fr-FR" sz="700" b="0" dirty="0" err="1" smtClean="0">
+                <a:rPr lang="fr-FR" sz="700" b="0" dirty="0" err="1">
                   <a:latin typeface="Arial Nova" panose="020B0504020202020204" pitchFamily="34" charset="0"/>
                 </a:rPr>
                 <a:t>Sympact</a:t>
@@ -29005,14 +31406,11 @@
             </a:lstStyle>
             <a:p>
               <a:r>
-                <a:rPr lang="fr-FR" sz="900" b="0" dirty="0" smtClean="0">
+                <a:rPr lang="fr-FR" sz="900" b="0" dirty="0">
                   <a:latin typeface="Arial Nova" panose="020B0504020202020204" pitchFamily="34" charset="0"/>
                 </a:rPr>
                 <a:t>Darwin</a:t>
               </a:r>
-              <a:endParaRPr lang="fr-FR" sz="900" b="0" dirty="0">
-                <a:latin typeface="Arial Nova" panose="020B0504020202020204" pitchFamily="34" charset="0"/>
-              </a:endParaRPr>
             </a:p>
           </p:txBody>
         </p:sp>
@@ -29131,7 +31529,7 @@
             </a:lstStyle>
             <a:p>
               <a:r>
-                <a:rPr lang="fr-FR" sz="900" b="0" dirty="0" err="1" smtClean="0">
+                <a:rPr lang="fr-FR" sz="900" b="0" dirty="0" err="1">
                   <a:latin typeface="Arial Nova" panose="020B0504020202020204" pitchFamily="34" charset="0"/>
                 </a:rPr>
                 <a:t>Evolap</a:t>
@@ -29257,7 +31655,7 @@
             </a:lstStyle>
             <a:p>
               <a:r>
-                <a:rPr lang="fr-FR" sz="900" b="0" dirty="0" err="1" smtClean="0">
+                <a:rPr lang="fr-FR" sz="900" b="0" dirty="0" err="1">
                   <a:latin typeface="Arial Nova" panose="020B0504020202020204" pitchFamily="34" charset="0"/>
                 </a:rPr>
                 <a:t>Control’X</a:t>
@@ -29506,17 +31904,8 @@
                 <a:rPr lang="fr-FR" sz="900" b="0" dirty="0">
                   <a:latin typeface="Arial Nova" panose="020B0504020202020204" pitchFamily="34" charset="0"/>
                 </a:rPr>
-                <a:t>R. </a:t>
+                <a:t>R. Haptique</a:t>
               </a:r>
-              <a:r>
-                <a:rPr lang="fr-FR" sz="900" b="0" dirty="0" smtClean="0">
-                  <a:latin typeface="Arial Nova" panose="020B0504020202020204" pitchFamily="34" charset="0"/>
-                </a:rPr>
-                <a:t>Haptique</a:t>
-              </a:r>
-              <a:endParaRPr lang="fr-FR" sz="900" b="0" dirty="0">
-                <a:latin typeface="Arial Nova" panose="020B0504020202020204" pitchFamily="34" charset="0"/>
-              </a:endParaRPr>
             </a:p>
           </p:txBody>
         </p:sp>
@@ -29635,13 +32024,13 @@
             </a:lstStyle>
             <a:p>
               <a:r>
-                <a:rPr lang="fr-FR" sz="900" b="0" dirty="0" smtClean="0">
+                <a:rPr lang="fr-FR" sz="900" b="0" dirty="0">
                   <a:latin typeface="Arial Nova" panose="020B0504020202020204" pitchFamily="34" charset="0"/>
                 </a:rPr>
                 <a:t>Créa-</a:t>
               </a:r>
               <a:r>
-                <a:rPr lang="fr-FR" sz="900" b="0" dirty="0" err="1" smtClean="0">
+                <a:rPr lang="fr-FR" sz="900" b="0" dirty="0" err="1">
                   <a:latin typeface="Arial Nova" panose="020B0504020202020204" pitchFamily="34" charset="0"/>
                 </a:rPr>
                 <a:t>Slider</a:t>
@@ -29742,17 +32131,8 @@
               <a:rPr lang="fr-FR" sz="1100" dirty="0">
                 <a:latin typeface="Arial Nova" panose="020B0504020202020204" pitchFamily="34" charset="0"/>
               </a:rPr>
-              <a:t>Examinateur 1 – </a:t>
+              <a:t>Examinateur 1 – 2h</a:t>
             </a:r>
-            <a:r>
-              <a:rPr lang="fr-FR" sz="1100" dirty="0" smtClean="0">
-                <a:latin typeface="Arial Nova" panose="020B0504020202020204" pitchFamily="34" charset="0"/>
-              </a:rPr>
-              <a:t>2h</a:t>
-            </a:r>
-            <a:endParaRPr lang="fr-FR" sz="1100" dirty="0">
-              <a:latin typeface="Arial Nova" panose="020B0504020202020204" pitchFamily="34" charset="0"/>
-            </a:endParaRPr>
           </a:p>
         </p:txBody>
       </p:sp>
@@ -29970,14 +32350,11 @@
           </a:lstStyle>
           <a:p>
             <a:r>
-              <a:rPr lang="fr-FR" sz="900" b="0" dirty="0" smtClean="0">
+              <a:rPr lang="fr-FR" sz="900" b="0" dirty="0">
                 <a:latin typeface="Arial Nova" panose="020B0504020202020204" pitchFamily="34" charset="0"/>
               </a:rPr>
               <a:t>SolidWorks ?</a:t>
             </a:r>
-            <a:endParaRPr lang="fr-FR" sz="900" b="0" dirty="0">
-              <a:latin typeface="Arial Nova" panose="020B0504020202020204" pitchFamily="34" charset="0"/>
-            </a:endParaRPr>
           </a:p>
         </p:txBody>
       </p:sp>
@@ -30253,14 +32630,11 @@
           </a:lstStyle>
           <a:p>
             <a:r>
-              <a:rPr lang="fr-FR" sz="1000" dirty="0" smtClean="0">
+              <a:rPr lang="fr-FR" sz="1000" dirty="0">
                 <a:latin typeface="Arial Nova" panose="020B0504020202020204" pitchFamily="34" charset="0"/>
               </a:rPr>
               <a:t>Lycée CHAPTAL - Paris</a:t>
             </a:r>
-            <a:endParaRPr lang="fr-FR" sz="1000" dirty="0">
-              <a:latin typeface="Arial Nova" panose="020B0504020202020204" pitchFamily="34" charset="0"/>
-            </a:endParaRPr>
           </a:p>
         </p:txBody>
       </p:sp>
@@ -30597,14 +32971,11 @@
           </a:lstStyle>
           <a:p>
             <a:r>
-              <a:rPr lang="fr-FR" sz="900" b="0" dirty="0" smtClean="0">
+              <a:rPr lang="fr-FR" sz="900" b="0" dirty="0">
                 <a:latin typeface="Arial Nova" panose="020B0504020202020204" pitchFamily="34" charset="0"/>
               </a:rPr>
               <a:t>Matlab</a:t>
             </a:r>
-            <a:endParaRPr lang="fr-FR" sz="900" b="0" dirty="0">
-              <a:latin typeface="Arial Nova" panose="020B0504020202020204" pitchFamily="34" charset="0"/>
-            </a:endParaRPr>
           </a:p>
         </p:txBody>
       </p:sp>
@@ -30679,10 +33050,9 @@
           <a:p>
             <a:pPr algn="ctr"/>
             <a:r>
-              <a:rPr lang="fr-FR" sz="900" b="1" dirty="0" smtClean="0"/>
+              <a:rPr lang="fr-FR" sz="900" b="1" dirty="0"/>
               <a:t>25’</a:t>
             </a:r>
-            <a:endParaRPr lang="fr-FR" sz="900" b="1" dirty="0"/>
           </a:p>
         </p:txBody>
       </p:sp>
@@ -30757,16 +33127,15 @@
           <a:lstStyle/>
           <a:p>
             <a:r>
-              <a:rPr lang="fr-FR" sz="900" dirty="0" smtClean="0"/>
+              <a:rPr lang="fr-FR" sz="900" dirty="0"/>
               <a:t>Synthèses régulières</a:t>
             </a:r>
           </a:p>
           <a:p>
             <a:r>
-              <a:rPr lang="fr-FR" sz="900" dirty="0" smtClean="0"/>
+              <a:rPr lang="fr-FR" sz="900" dirty="0"/>
               <a:t>L’examinateur passe régulièrement</a:t>
             </a:r>
-            <a:endParaRPr lang="fr-FR" sz="900" dirty="0"/>
           </a:p>
         </p:txBody>
       </p:sp>
@@ -31089,13 +33458,7 @@
               <a:rPr lang="fr-FR" sz="1000" dirty="0">
                 <a:latin typeface="Arial Nova" panose="020B0504020202020204"/>
               </a:rPr>
-              <a:t>Ne pas oublier de resituer oralement les résultats (sans quoi il ne seront pas évalués</a:t>
-            </a:r>
-            <a:r>
-              <a:rPr lang="fr-FR" sz="1000" dirty="0" smtClean="0">
-                <a:latin typeface="Arial Nova" panose="020B0504020202020204"/>
-              </a:rPr>
-              <a:t>=)</a:t>
+              <a:t>Ne pas oublier de resituer oralement les résultats (sans quoi il ne seront pas évalués=)</a:t>
             </a:r>
           </a:p>
           <a:p>
@@ -31966,7 +34329,7 @@
                 <a:hlinkClick r:id="rId7">
                   <a:extLst>
                     <a:ext uri="{A12FA001-AC4F-418D-AE19-62706E023703}">
-                      <ahyp:hlinkClr xmlns:ahyp="http://schemas.microsoft.com/office/drawing/2018/hyperlinkcolor" xmlns="" val="tx"/>
+                      <ahyp:hlinkClr xmlns:ahyp="http://schemas.microsoft.com/office/drawing/2018/hyperlinkcolor" val="tx"/>
                     </a:ext>
                   </a:extLst>
                 </a:hlinkClick>
@@ -31989,7 +34352,7 @@
                 <a:hlinkClick r:id="rId8">
                   <a:extLst>
                     <a:ext uri="{A12FA001-AC4F-418D-AE19-62706E023703}">
-                      <ahyp:hlinkClr xmlns:ahyp="http://schemas.microsoft.com/office/drawing/2018/hyperlinkcolor" xmlns="" val="tx"/>
+                      <ahyp:hlinkClr xmlns:ahyp="http://schemas.microsoft.com/office/drawing/2018/hyperlinkcolor" val="tx"/>
                     </a:ext>
                   </a:extLst>
                 </a:hlinkClick>
@@ -37551,16 +39914,10 @@
                 <a:buChar char="§"/>
               </a:pPr>
               <a:r>
-                <a:rPr lang="fr-FR" sz="1000" dirty="0" smtClean="0">
-                  <a:latin typeface="Arial Nova" panose="020B0504020202020204"/>
-                </a:rPr>
-                <a:t>Pilote </a:t>
-              </a:r>
-              <a:r>
                 <a:rPr lang="fr-FR" sz="1000" dirty="0">
                   <a:latin typeface="Arial Nova" panose="020B0504020202020204"/>
                 </a:rPr>
-                <a:t>hydraulique de bateau</a:t>
+                <a:t>Pilote hydraulique de bateau</a:t>
               </a:r>
             </a:p>
             <a:p>
@@ -38366,6 +40723,1929 @@
 </file>
 
 <file path=ppt/slides/slide4.xml><?xml version="1.0" encoding="utf-8"?>
+<p:sld xmlns:a="http://schemas.openxmlformats.org/drawingml/2006/main" xmlns:r="http://schemas.openxmlformats.org/officeDocument/2006/relationships" xmlns:p="http://schemas.openxmlformats.org/presentationml/2006/main">
+  <p:cSld>
+    <p:spTree>
+      <p:nvGrpSpPr>
+        <p:cNvPr id="1" name=""/>
+        <p:cNvGrpSpPr/>
+        <p:nvPr/>
+      </p:nvGrpSpPr>
+      <p:grpSpPr>
+        <a:xfrm>
+          <a:off x="0" y="0"/>
+          <a:ext cx="0" cy="0"/>
+          <a:chOff x="0" y="0"/>
+          <a:chExt cx="0" cy="0"/>
+        </a:xfrm>
+      </p:grpSpPr>
+      <p:sp>
+        <p:nvSpPr>
+          <p:cNvPr id="69" name="Rectangle 68">
+            <a:extLst>
+              <a:ext uri="{FF2B5EF4-FFF2-40B4-BE49-F238E27FC236}">
+                <a16:creationId xmlns:a16="http://schemas.microsoft.com/office/drawing/2014/main" id="{6B728416-EDD8-959B-9C15-B4BBC21E82AB}"/>
+              </a:ext>
+            </a:extLst>
+          </p:cNvPr>
+          <p:cNvSpPr/>
+          <p:nvPr/>
+        </p:nvSpPr>
+        <p:spPr>
+          <a:xfrm>
+            <a:off x="118533" y="5440129"/>
+            <a:ext cx="3661305" cy="4191549"/>
+          </a:xfrm>
+          <a:prstGeom prst="rect">
+            <a:avLst/>
+          </a:prstGeom>
+          <a:noFill/>
+          <a:ln>
+            <a:noFill/>
+          </a:ln>
+        </p:spPr>
+        <p:style>
+          <a:lnRef idx="2">
+            <a:schemeClr val="accent1"/>
+          </a:lnRef>
+          <a:fillRef idx="1">
+            <a:schemeClr val="lt1"/>
+          </a:fillRef>
+          <a:effectRef idx="0">
+            <a:schemeClr val="accent1"/>
+          </a:effectRef>
+          <a:fontRef idx="minor">
+            <a:schemeClr val="dk1"/>
+          </a:fontRef>
+        </p:style>
+        <p:txBody>
+          <a:bodyPr lIns="90000" tIns="0" rIns="0" bIns="0" numCol="1" rtlCol="0" anchor="t" anchorCtr="0"/>
+          <a:lstStyle/>
+          <a:p>
+            <a:pPr>
+              <a:buClr>
+                <a:schemeClr val="accent1"/>
+              </a:buClr>
+            </a:pPr>
+            <a:r>
+              <a:rPr lang="fr-FR" sz="800" dirty="0">
+                <a:latin typeface="Arial Nova" panose="020B0504020202020204" pitchFamily="34" charset="0"/>
+              </a:rPr>
+              <a:t>Les examinateurs ont apprécié les candidats qui ont su : </a:t>
+            </a:r>
+          </a:p>
+          <a:p>
+            <a:pPr marL="285750" indent="-285750">
+              <a:buClr>
+                <a:schemeClr val="accent1"/>
+              </a:buClr>
+              <a:buFont typeface="Wingdings" panose="05000000000000000000" pitchFamily="2" charset="2"/>
+              <a:buChar char="§"/>
+            </a:pPr>
+            <a:r>
+              <a:rPr lang="fr-FR" sz="800" dirty="0">
+                <a:latin typeface="Arial Nova" panose="020B0504020202020204" pitchFamily="34" charset="0"/>
+              </a:rPr>
+              <a:t>analyser et s’approprier rapidement le support à l’aide des ressources fournies ; </a:t>
+            </a:r>
+          </a:p>
+          <a:p>
+            <a:pPr marL="285750" indent="-285750">
+              <a:buClr>
+                <a:schemeClr val="accent1"/>
+              </a:buClr>
+              <a:buFont typeface="Wingdings" panose="05000000000000000000" pitchFamily="2" charset="2"/>
+              <a:buChar char="§"/>
+            </a:pPr>
+            <a:r>
+              <a:rPr lang="fr-FR" sz="800" dirty="0">
+                <a:latin typeface="Arial Nova" panose="020B0504020202020204" pitchFamily="34" charset="0"/>
+              </a:rPr>
+              <a:t>particulariser la présentation de la chaîne fonctionnelle au système étudié, à l’aide des outils adaptés de la communication technique, en ne se contentant pas de réciter un schéma général préparé à l'avance ; </a:t>
+            </a:r>
+          </a:p>
+          <a:p>
+            <a:pPr marL="285750" indent="-285750">
+              <a:buClr>
+                <a:schemeClr val="accent1"/>
+              </a:buClr>
+              <a:buFont typeface="Wingdings" panose="05000000000000000000" pitchFamily="2" charset="2"/>
+              <a:buChar char="§"/>
+            </a:pPr>
+            <a:r>
+              <a:rPr lang="fr-FR" sz="800" dirty="0">
+                <a:latin typeface="Arial Nova" panose="020B0504020202020204" pitchFamily="34" charset="0"/>
+              </a:rPr>
+              <a:t>manipuler un système en respectant les règles de sécurité élémentaires, le solliciter avec pertinence, évaluer des comportements, faire preuve d’esprit d’initiative et de bon sens pratique, en vue d’évaluer un niveau de performance associé à une exigence ; </a:t>
+            </a:r>
+          </a:p>
+          <a:p>
+            <a:pPr marL="285750" indent="-285750">
+              <a:buClr>
+                <a:schemeClr val="accent1"/>
+              </a:buClr>
+              <a:buFont typeface="Wingdings" panose="05000000000000000000" pitchFamily="2" charset="2"/>
+              <a:buChar char="§"/>
+            </a:pPr>
+            <a:r>
+              <a:rPr lang="fr-FR" sz="800" dirty="0">
+                <a:latin typeface="Arial Nova" panose="020B0504020202020204" pitchFamily="34" charset="0"/>
+              </a:rPr>
+              <a:t>exposer spontanément le protocole d’essai, le choix des grandeurs imposées lors de l’essai, les dispositions prises pour mettre en évidence un phénomène tout en maîtrisant l’influence d’un autre ; </a:t>
+            </a:r>
+          </a:p>
+          <a:p>
+            <a:pPr marL="285750" indent="-285750">
+              <a:buClr>
+                <a:schemeClr val="accent1"/>
+              </a:buClr>
+              <a:buFont typeface="Wingdings" panose="05000000000000000000" pitchFamily="2" charset="2"/>
+              <a:buChar char="§"/>
+            </a:pPr>
+            <a:r>
+              <a:rPr lang="fr-FR" sz="800" dirty="0">
+                <a:latin typeface="Arial Nova" panose="020B0504020202020204" pitchFamily="34" charset="0"/>
+              </a:rPr>
+              <a:t>à partir d'observations, proposer et justifier une modélisation adaptée à une problématique posée ; </a:t>
+            </a:r>
+          </a:p>
+          <a:p>
+            <a:pPr marL="285750" indent="-285750">
+              <a:buClr>
+                <a:schemeClr val="accent1"/>
+              </a:buClr>
+              <a:buFont typeface="Wingdings" panose="05000000000000000000" pitchFamily="2" charset="2"/>
+              <a:buChar char="§"/>
+            </a:pPr>
+            <a:r>
+              <a:rPr lang="fr-FR" sz="800" dirty="0">
+                <a:latin typeface="Arial Nova" panose="020B0504020202020204" pitchFamily="34" charset="0"/>
+              </a:rPr>
+              <a:t>résoudre rigoureusement les problèmes mathématiques qui découlent des modélisations effectuées ou exploiter un modèle numérique fourni si besoin ;</a:t>
+            </a:r>
+          </a:p>
+          <a:p>
+            <a:pPr marL="285750" indent="-285750">
+              <a:buClr>
+                <a:schemeClr val="accent1"/>
+              </a:buClr>
+              <a:buFont typeface="Wingdings" panose="05000000000000000000" pitchFamily="2" charset="2"/>
+              <a:buChar char="§"/>
+            </a:pPr>
+            <a:r>
+              <a:rPr lang="fr-FR" sz="800" dirty="0">
+                <a:latin typeface="Arial Nova" panose="020B0504020202020204" pitchFamily="34" charset="0"/>
+              </a:rPr>
+              <a:t>utiliser avec rigueur leurs connaissances théoriques en vue d’analyser les écarts entre résultats expérimentaux, numériques et analytiques, puis éventuellement remettre en question la modélisation, les hypothèses associées et/ou la démarche de résolution retenues ; </a:t>
+            </a:r>
+          </a:p>
+          <a:p>
+            <a:pPr marL="285750" indent="-285750">
+              <a:buClr>
+                <a:schemeClr val="accent1"/>
+              </a:buClr>
+              <a:buFont typeface="Wingdings" panose="05000000000000000000" pitchFamily="2" charset="2"/>
+              <a:buChar char="§"/>
+            </a:pPr>
+            <a:r>
+              <a:rPr lang="fr-FR" sz="800" dirty="0">
+                <a:latin typeface="Arial Nova" panose="020B0504020202020204" pitchFamily="34" charset="0"/>
+              </a:rPr>
+              <a:t>choisir les outils adaptés à la mise en forme rapide des résultats issus d'expériences ou de modèles ; par exemple, utiliser un tableur se révèle plus efficace qu'une programmation Python mal maîtrisée. De même, stocker proprement des impressions d'écran représentatives des résultats numériques ou expérimentaux obtenus permet une restitution efficace et structurée devant les examinateurs ; </a:t>
+            </a:r>
+          </a:p>
+          <a:p>
+            <a:pPr marL="285750" indent="-285750">
+              <a:buClr>
+                <a:schemeClr val="accent1"/>
+              </a:buClr>
+              <a:buFont typeface="Wingdings" panose="05000000000000000000" pitchFamily="2" charset="2"/>
+              <a:buChar char="§"/>
+            </a:pPr>
+            <a:r>
+              <a:rPr lang="fr-FR" sz="800" dirty="0">
+                <a:latin typeface="Arial Nova" panose="020B0504020202020204" pitchFamily="34" charset="0"/>
+              </a:rPr>
+              <a:t>synthétiser et communiquer avec clarté les analyses réalisées, à l’aide notamment d’outils pertinents, de schémas simples, et d’un vocabulaire scientifique et technique adapté</a:t>
+            </a:r>
+          </a:p>
+        </p:txBody>
+      </p:sp>
+      <p:sp>
+        <p:nvSpPr>
+          <p:cNvPr id="4" name="ZoneTexte 3">
+            <a:extLst>
+              <a:ext uri="{FF2B5EF4-FFF2-40B4-BE49-F238E27FC236}">
+                <a16:creationId xmlns:a16="http://schemas.microsoft.com/office/drawing/2014/main" id="{FFBA4433-80DD-2F99-7BCD-60FCA346D293}"/>
+              </a:ext>
+            </a:extLst>
+          </p:cNvPr>
+          <p:cNvSpPr txBox="1"/>
+          <p:nvPr/>
+        </p:nvSpPr>
+        <p:spPr>
+          <a:xfrm>
+            <a:off x="350837" y="312011"/>
+            <a:ext cx="6858000" cy="338554"/>
+          </a:xfrm>
+          <a:prstGeom prst="rect">
+            <a:avLst/>
+          </a:prstGeom>
+          <a:noFill/>
+        </p:spPr>
+        <p:txBody>
+          <a:bodyPr wrap="square" rtlCol="0">
+            <a:spAutoFit/>
+          </a:bodyPr>
+          <a:lstStyle/>
+          <a:p>
+            <a:pPr algn="ctr"/>
+            <a:r>
+              <a:rPr lang="fr-FR" sz="1600" b="1" dirty="0">
+                <a:latin typeface="Arial Nova" panose="020B0504020202020204" pitchFamily="34" charset="0"/>
+              </a:rPr>
+              <a:t>Concours X – ENS (Paris Saclay, Rennes)</a:t>
+            </a:r>
+          </a:p>
+        </p:txBody>
+      </p:sp>
+      <p:cxnSp>
+        <p:nvCxnSpPr>
+          <p:cNvPr id="6" name="Connecteur droit 5">
+            <a:extLst>
+              <a:ext uri="{FF2B5EF4-FFF2-40B4-BE49-F238E27FC236}">
+                <a16:creationId xmlns:a16="http://schemas.microsoft.com/office/drawing/2014/main" id="{4AFA8A74-591C-0373-4B68-9B2052B574F7}"/>
+              </a:ext>
+            </a:extLst>
+          </p:cNvPr>
+          <p:cNvCxnSpPr>
+            <a:cxnSpLocks/>
+          </p:cNvCxnSpPr>
+          <p:nvPr/>
+        </p:nvCxnSpPr>
+        <p:spPr>
+          <a:xfrm>
+            <a:off x="224837" y="312011"/>
+            <a:ext cx="7126785" cy="0"/>
+          </a:xfrm>
+          <a:prstGeom prst="line">
+            <a:avLst/>
+          </a:prstGeom>
+          <a:ln w="19050">
+            <a:solidFill>
+              <a:schemeClr val="tx2">
+                <a:lumMod val="50000"/>
+              </a:schemeClr>
+            </a:solidFill>
+          </a:ln>
+        </p:spPr>
+        <p:style>
+          <a:lnRef idx="1">
+            <a:schemeClr val="accent1"/>
+          </a:lnRef>
+          <a:fillRef idx="0">
+            <a:schemeClr val="accent1"/>
+          </a:fillRef>
+          <a:effectRef idx="0">
+            <a:schemeClr val="accent1"/>
+          </a:effectRef>
+          <a:fontRef idx="minor">
+            <a:schemeClr val="tx1"/>
+          </a:fontRef>
+        </p:style>
+      </p:cxnSp>
+      <p:cxnSp>
+        <p:nvCxnSpPr>
+          <p:cNvPr id="7" name="Connecteur droit 6">
+            <a:extLst>
+              <a:ext uri="{FF2B5EF4-FFF2-40B4-BE49-F238E27FC236}">
+                <a16:creationId xmlns:a16="http://schemas.microsoft.com/office/drawing/2014/main" id="{E0244E97-E46A-E01A-32CF-295153AAA031}"/>
+              </a:ext>
+            </a:extLst>
+          </p:cNvPr>
+          <p:cNvCxnSpPr>
+            <a:cxnSpLocks/>
+          </p:cNvCxnSpPr>
+          <p:nvPr/>
+        </p:nvCxnSpPr>
+        <p:spPr>
+          <a:xfrm>
+            <a:off x="224837" y="669615"/>
+            <a:ext cx="7126785" cy="0"/>
+          </a:xfrm>
+          <a:prstGeom prst="line">
+            <a:avLst/>
+          </a:prstGeom>
+          <a:ln w="19050">
+            <a:solidFill>
+              <a:schemeClr val="tx2">
+                <a:lumMod val="50000"/>
+              </a:schemeClr>
+            </a:solidFill>
+          </a:ln>
+        </p:spPr>
+        <p:style>
+          <a:lnRef idx="1">
+            <a:schemeClr val="accent1"/>
+          </a:lnRef>
+          <a:fillRef idx="0">
+            <a:schemeClr val="accent1"/>
+          </a:fillRef>
+          <a:effectRef idx="0">
+            <a:schemeClr val="accent1"/>
+          </a:effectRef>
+          <a:fontRef idx="minor">
+            <a:schemeClr val="tx1"/>
+          </a:fontRef>
+        </p:style>
+      </p:cxnSp>
+      <p:sp>
+        <p:nvSpPr>
+          <p:cNvPr id="9" name="Ellipse 8">
+            <a:extLst>
+              <a:ext uri="{FF2B5EF4-FFF2-40B4-BE49-F238E27FC236}">
+                <a16:creationId xmlns:a16="http://schemas.microsoft.com/office/drawing/2014/main" id="{E260EFAE-DE3D-351B-25EC-D7A4EC4DE67E}"/>
+              </a:ext>
+            </a:extLst>
+          </p:cNvPr>
+          <p:cNvSpPr/>
+          <p:nvPr/>
+        </p:nvSpPr>
+        <p:spPr>
+          <a:xfrm>
+            <a:off x="1410372" y="726757"/>
+            <a:ext cx="393700" cy="393700"/>
+          </a:xfrm>
+          <a:prstGeom prst="ellipse">
+            <a:avLst/>
+          </a:prstGeom>
+        </p:spPr>
+        <p:style>
+          <a:lnRef idx="2">
+            <a:schemeClr val="accent6">
+              <a:shade val="50000"/>
+            </a:schemeClr>
+          </a:lnRef>
+          <a:fillRef idx="1">
+            <a:schemeClr val="accent6"/>
+          </a:fillRef>
+          <a:effectRef idx="0">
+            <a:schemeClr val="accent6"/>
+          </a:effectRef>
+          <a:fontRef idx="minor">
+            <a:schemeClr val="lt1"/>
+          </a:fontRef>
+        </p:style>
+        <p:txBody>
+          <a:bodyPr lIns="0" tIns="0" rIns="0" bIns="0" rtlCol="0" anchor="ctr"/>
+          <a:lstStyle/>
+          <a:p>
+            <a:pPr algn="ctr"/>
+            <a:r>
+              <a:rPr lang="fr-FR" sz="1100" b="1" dirty="0"/>
+              <a:t>10%</a:t>
+            </a:r>
+          </a:p>
+        </p:txBody>
+      </p:sp>
+      <p:sp>
+        <p:nvSpPr>
+          <p:cNvPr id="10" name="ZoneTexte 9">
+            <a:extLst>
+              <a:ext uri="{FF2B5EF4-FFF2-40B4-BE49-F238E27FC236}">
+                <a16:creationId xmlns:a16="http://schemas.microsoft.com/office/drawing/2014/main" id="{AA085217-9F9A-27B9-86EF-F6B61BE03A48}"/>
+              </a:ext>
+            </a:extLst>
+          </p:cNvPr>
+          <p:cNvSpPr txBox="1"/>
+          <p:nvPr/>
+        </p:nvSpPr>
+        <p:spPr>
+          <a:xfrm>
+            <a:off x="129540" y="792802"/>
+            <a:ext cx="1407297" cy="261610"/>
+          </a:xfrm>
+          <a:prstGeom prst="rect">
+            <a:avLst/>
+          </a:prstGeom>
+          <a:noFill/>
+        </p:spPr>
+        <p:txBody>
+          <a:bodyPr wrap="square" rtlCol="0">
+            <a:spAutoFit/>
+          </a:bodyPr>
+          <a:lstStyle/>
+          <a:p>
+            <a:r>
+              <a:rPr lang="fr-FR" sz="1100" dirty="0">
+                <a:latin typeface="Arial Nova" panose="020B0504020202020204" pitchFamily="34" charset="0"/>
+              </a:rPr>
+              <a:t>Polytechnique</a:t>
+            </a:r>
+          </a:p>
+        </p:txBody>
+      </p:sp>
+      <p:sp>
+        <p:nvSpPr>
+          <p:cNvPr id="13" name="Ellipse 12">
+            <a:extLst>
+              <a:ext uri="{FF2B5EF4-FFF2-40B4-BE49-F238E27FC236}">
+                <a16:creationId xmlns:a16="http://schemas.microsoft.com/office/drawing/2014/main" id="{369D039E-4EEE-ACED-322F-6630936845B5}"/>
+              </a:ext>
+            </a:extLst>
+          </p:cNvPr>
+          <p:cNvSpPr/>
+          <p:nvPr/>
+        </p:nvSpPr>
+        <p:spPr>
+          <a:xfrm>
+            <a:off x="3124202" y="726757"/>
+            <a:ext cx="393700" cy="393700"/>
+          </a:xfrm>
+          <a:prstGeom prst="ellipse">
+            <a:avLst/>
+          </a:prstGeom>
+        </p:spPr>
+        <p:style>
+          <a:lnRef idx="2">
+            <a:schemeClr val="accent6">
+              <a:shade val="50000"/>
+            </a:schemeClr>
+          </a:lnRef>
+          <a:fillRef idx="1">
+            <a:schemeClr val="accent6"/>
+          </a:fillRef>
+          <a:effectRef idx="0">
+            <a:schemeClr val="accent6"/>
+          </a:effectRef>
+          <a:fontRef idx="minor">
+            <a:schemeClr val="lt1"/>
+          </a:fontRef>
+        </p:style>
+        <p:txBody>
+          <a:bodyPr lIns="0" tIns="0" rIns="0" bIns="0" rtlCol="0" anchor="ctr"/>
+          <a:lstStyle/>
+          <a:p>
+            <a:pPr algn="ctr"/>
+            <a:r>
+              <a:rPr lang="fr-FR" sz="1200" b="1" dirty="0"/>
+              <a:t>25%</a:t>
+            </a:r>
+          </a:p>
+        </p:txBody>
+      </p:sp>
+      <p:sp>
+        <p:nvSpPr>
+          <p:cNvPr id="14" name="ZoneTexte 13">
+            <a:extLst>
+              <a:ext uri="{FF2B5EF4-FFF2-40B4-BE49-F238E27FC236}">
+                <a16:creationId xmlns:a16="http://schemas.microsoft.com/office/drawing/2014/main" id="{2578EF7B-8796-C5B8-B44D-FA06353C18F1}"/>
+              </a:ext>
+            </a:extLst>
+          </p:cNvPr>
+          <p:cNvSpPr txBox="1"/>
+          <p:nvPr/>
+        </p:nvSpPr>
+        <p:spPr>
+          <a:xfrm>
+            <a:off x="1833267" y="792802"/>
+            <a:ext cx="1231900" cy="261610"/>
+          </a:xfrm>
+          <a:prstGeom prst="rect">
+            <a:avLst/>
+          </a:prstGeom>
+          <a:noFill/>
+        </p:spPr>
+        <p:txBody>
+          <a:bodyPr wrap="square" rtlCol="0">
+            <a:spAutoFit/>
+          </a:bodyPr>
+          <a:lstStyle/>
+          <a:p>
+            <a:pPr algn="r"/>
+            <a:r>
+              <a:rPr lang="fr-FR" sz="1100" dirty="0">
+                <a:latin typeface="Arial Nova" panose="020B0504020202020204" pitchFamily="34" charset="0"/>
+              </a:rPr>
+              <a:t>ENS</a:t>
+            </a:r>
+          </a:p>
+        </p:txBody>
+      </p:sp>
+      <p:sp>
+        <p:nvSpPr>
+          <p:cNvPr id="19" name="ZoneTexte 18">
+            <a:extLst>
+              <a:ext uri="{FF2B5EF4-FFF2-40B4-BE49-F238E27FC236}">
+                <a16:creationId xmlns:a16="http://schemas.microsoft.com/office/drawing/2014/main" id="{048F28F2-5B63-B237-71CC-7CAF7B4BE852}"/>
+              </a:ext>
+            </a:extLst>
+          </p:cNvPr>
+          <p:cNvSpPr txBox="1"/>
+          <p:nvPr/>
+        </p:nvSpPr>
+        <p:spPr>
+          <a:xfrm>
+            <a:off x="129540" y="1313092"/>
+            <a:ext cx="1620520" cy="261610"/>
+          </a:xfrm>
+          <a:prstGeom prst="rect">
+            <a:avLst/>
+          </a:prstGeom>
+          <a:noFill/>
+        </p:spPr>
+        <p:txBody>
+          <a:bodyPr wrap="square" rtlCol="0">
+            <a:spAutoFit/>
+          </a:bodyPr>
+          <a:lstStyle/>
+          <a:p>
+            <a:r>
+              <a:rPr lang="fr-FR" sz="1100" dirty="0">
+                <a:latin typeface="Arial Nova" panose="020B0504020202020204" pitchFamily="34" charset="0"/>
+              </a:rPr>
+              <a:t>Durée de l’épreuve</a:t>
+            </a:r>
+          </a:p>
+        </p:txBody>
+      </p:sp>
+      <p:sp>
+        <p:nvSpPr>
+          <p:cNvPr id="20" name="ZoneTexte 19">
+            <a:extLst>
+              <a:ext uri="{FF2B5EF4-FFF2-40B4-BE49-F238E27FC236}">
+                <a16:creationId xmlns:a16="http://schemas.microsoft.com/office/drawing/2014/main" id="{A67E6B5C-47FE-4A5F-0108-EA68C824F03F}"/>
+              </a:ext>
+            </a:extLst>
+          </p:cNvPr>
+          <p:cNvSpPr txBox="1"/>
+          <p:nvPr/>
+        </p:nvSpPr>
+        <p:spPr>
+          <a:xfrm>
+            <a:off x="1548373" y="1342010"/>
+            <a:ext cx="657860" cy="187161"/>
+          </a:xfrm>
+          <a:prstGeom prst="rect">
+            <a:avLst/>
+          </a:prstGeom>
+          <a:ln>
+            <a:noFill/>
+          </a:ln>
+        </p:spPr>
+        <p:style>
+          <a:lnRef idx="2">
+            <a:schemeClr val="accent6">
+              <a:shade val="50000"/>
+            </a:schemeClr>
+          </a:lnRef>
+          <a:fillRef idx="1">
+            <a:schemeClr val="accent6"/>
+          </a:fillRef>
+          <a:effectRef idx="0">
+            <a:schemeClr val="accent6"/>
+          </a:effectRef>
+          <a:fontRef idx="minor">
+            <a:schemeClr val="lt1"/>
+          </a:fontRef>
+        </p:style>
+        <p:txBody>
+          <a:bodyPr lIns="0" tIns="0" rIns="0" bIns="0" rtlCol="0" anchor="ctr"/>
+          <a:lstStyle>
+            <a:defPPr>
+              <a:defRPr lang="en-US"/>
+            </a:defPPr>
+            <a:lvl1pPr algn="ctr">
+              <a:defRPr sz="1200" b="1">
+                <a:solidFill>
+                  <a:schemeClr val="lt1"/>
+                </a:solidFill>
+              </a:defRPr>
+            </a:lvl1pPr>
+            <a:lvl2pPr>
+              <a:defRPr>
+                <a:solidFill>
+                  <a:schemeClr val="lt1"/>
+                </a:solidFill>
+              </a:defRPr>
+            </a:lvl2pPr>
+            <a:lvl3pPr>
+              <a:defRPr>
+                <a:solidFill>
+                  <a:schemeClr val="lt1"/>
+                </a:solidFill>
+              </a:defRPr>
+            </a:lvl3pPr>
+            <a:lvl4pPr>
+              <a:defRPr>
+                <a:solidFill>
+                  <a:schemeClr val="lt1"/>
+                </a:solidFill>
+              </a:defRPr>
+            </a:lvl4pPr>
+            <a:lvl5pPr>
+              <a:defRPr>
+                <a:solidFill>
+                  <a:schemeClr val="lt1"/>
+                </a:solidFill>
+              </a:defRPr>
+            </a:lvl5pPr>
+            <a:lvl6pPr>
+              <a:defRPr>
+                <a:solidFill>
+                  <a:schemeClr val="lt1"/>
+                </a:solidFill>
+              </a:defRPr>
+            </a:lvl6pPr>
+            <a:lvl7pPr>
+              <a:defRPr>
+                <a:solidFill>
+                  <a:schemeClr val="lt1"/>
+                </a:solidFill>
+              </a:defRPr>
+            </a:lvl7pPr>
+            <a:lvl8pPr>
+              <a:defRPr>
+                <a:solidFill>
+                  <a:schemeClr val="lt1"/>
+                </a:solidFill>
+              </a:defRPr>
+            </a:lvl8pPr>
+            <a:lvl9pPr>
+              <a:defRPr>
+                <a:solidFill>
+                  <a:schemeClr val="lt1"/>
+                </a:solidFill>
+              </a:defRPr>
+            </a:lvl9pPr>
+          </a:lstStyle>
+          <a:p>
+            <a:r>
+              <a:rPr lang="fr-FR" sz="1000" dirty="0">
+                <a:latin typeface="Arial Nova" panose="020B0504020202020204" pitchFamily="34" charset="0"/>
+              </a:rPr>
+              <a:t>4 heures</a:t>
+            </a:r>
+          </a:p>
+        </p:txBody>
+      </p:sp>
+      <p:sp>
+        <p:nvSpPr>
+          <p:cNvPr id="22" name="ZoneTexte 21">
+            <a:extLst>
+              <a:ext uri="{FF2B5EF4-FFF2-40B4-BE49-F238E27FC236}">
+                <a16:creationId xmlns:a16="http://schemas.microsoft.com/office/drawing/2014/main" id="{CA43BA7E-3FCA-6043-33C1-D9795BF5B788}"/>
+              </a:ext>
+            </a:extLst>
+          </p:cNvPr>
+          <p:cNvSpPr txBox="1"/>
+          <p:nvPr/>
+        </p:nvSpPr>
+        <p:spPr>
+          <a:xfrm>
+            <a:off x="350837" y="10398423"/>
+            <a:ext cx="6858000" cy="276999"/>
+          </a:xfrm>
+          <a:prstGeom prst="rect">
+            <a:avLst/>
+          </a:prstGeom>
+          <a:noFill/>
+        </p:spPr>
+        <p:txBody>
+          <a:bodyPr wrap="square">
+            <a:spAutoFit/>
+          </a:bodyPr>
+          <a:lstStyle/>
+          <a:p>
+            <a:pPr algn="ctr"/>
+            <a:r>
+              <a:rPr lang="fr-FR" sz="600" dirty="0">
+                <a:solidFill>
+                  <a:schemeClr val="tx2"/>
+                </a:solidFill>
+                <a:hlinkClick r:id="rId2"/>
+              </a:rPr>
+              <a:t>https://ens-paris-saclay.fr/sites/default/files/CONCOURS/ANNALES_1C/1C_PSI/2022_Rapport_Oral_PSI_SII.pdf</a:t>
+            </a:r>
+            <a:endParaRPr lang="fr-FR" sz="600" dirty="0">
+              <a:solidFill>
+                <a:schemeClr val="tx2"/>
+              </a:solidFill>
+            </a:endParaRPr>
+          </a:p>
+          <a:p>
+            <a:pPr algn="ctr"/>
+            <a:r>
+              <a:rPr lang="fr-FR" sz="600" dirty="0">
+                <a:solidFill>
+                  <a:schemeClr val="tx2"/>
+                </a:solidFill>
+                <a:hlinkClick r:id="rId3"/>
+              </a:rPr>
+              <a:t>https://www.ens.psl.eu/sites/default/files/notice_interens_2023_-_version_finale.pdf</a:t>
+            </a:r>
+            <a:endParaRPr lang="fr-FR" sz="600" dirty="0">
+              <a:solidFill>
+                <a:schemeClr val="tx2"/>
+              </a:solidFill>
+            </a:endParaRPr>
+          </a:p>
+        </p:txBody>
+      </p:sp>
+      <p:sp>
+        <p:nvSpPr>
+          <p:cNvPr id="24" name="ZoneTexte 23">
+            <a:extLst>
+              <a:ext uri="{FF2B5EF4-FFF2-40B4-BE49-F238E27FC236}">
+                <a16:creationId xmlns:a16="http://schemas.microsoft.com/office/drawing/2014/main" id="{87BA1BFC-B964-946E-9ED3-B419DB170A34}"/>
+              </a:ext>
+            </a:extLst>
+          </p:cNvPr>
+          <p:cNvSpPr txBox="1"/>
+          <p:nvPr/>
+        </p:nvSpPr>
+        <p:spPr>
+          <a:xfrm>
+            <a:off x="250393" y="9729061"/>
+            <a:ext cx="2966944" cy="707886"/>
+          </a:xfrm>
+          <a:prstGeom prst="rect">
+            <a:avLst/>
+          </a:prstGeom>
+          <a:noFill/>
+        </p:spPr>
+        <p:txBody>
+          <a:bodyPr wrap="square" rtlCol="0">
+            <a:spAutoFit/>
+          </a:bodyPr>
+          <a:lstStyle/>
+          <a:p>
+            <a:pPr>
+              <a:buClr>
+                <a:schemeClr val="accent1"/>
+              </a:buClr>
+            </a:pPr>
+            <a:r>
+              <a:rPr lang="fr-FR" sz="1000" b="1" dirty="0">
+                <a:latin typeface="Arial Nova" panose="020B0504020202020204" pitchFamily="34" charset="0"/>
+              </a:rPr>
+              <a:t>Logiciels</a:t>
+            </a:r>
+          </a:p>
+          <a:p>
+            <a:pPr>
+              <a:buClr>
+                <a:schemeClr val="accent1"/>
+              </a:buClr>
+            </a:pPr>
+            <a:endParaRPr lang="fr-FR" sz="1000" b="1" dirty="0">
+              <a:latin typeface="Arial Nova" panose="020B0504020202020204" pitchFamily="34" charset="0"/>
+            </a:endParaRPr>
+          </a:p>
+          <a:p>
+            <a:pPr>
+              <a:buClr>
+                <a:schemeClr val="accent1"/>
+              </a:buClr>
+            </a:pPr>
+            <a:r>
+              <a:rPr lang="fr-FR" sz="1000" b="1" dirty="0">
+                <a:latin typeface="Arial Nova" panose="020B0504020202020204" pitchFamily="34" charset="0"/>
+              </a:rPr>
+              <a:t>Systèmes 2022</a:t>
+            </a:r>
+            <a:endParaRPr lang="fr-FR" sz="1000" dirty="0">
+              <a:latin typeface="Arial Nova" panose="020B0504020202020204" pitchFamily="34" charset="0"/>
+            </a:endParaRPr>
+          </a:p>
+          <a:p>
+            <a:pPr marL="285750" indent="-285750">
+              <a:buClr>
+                <a:schemeClr val="accent1"/>
+              </a:buClr>
+              <a:buFont typeface="Wingdings" panose="05000000000000000000" pitchFamily="2" charset="2"/>
+              <a:buChar char="§"/>
+            </a:pPr>
+            <a:r>
+              <a:rPr lang="fr-FR" sz="1000" dirty="0">
+                <a:latin typeface="Arial Nova" panose="020B0504020202020204" pitchFamily="34" charset="0"/>
+              </a:rPr>
+              <a:t>Tous les systèmes possibles et imaginables.</a:t>
+            </a:r>
+          </a:p>
+        </p:txBody>
+      </p:sp>
+      <p:cxnSp>
+        <p:nvCxnSpPr>
+          <p:cNvPr id="53" name="Connecteur droit 52">
+            <a:extLst>
+              <a:ext uri="{FF2B5EF4-FFF2-40B4-BE49-F238E27FC236}">
+                <a16:creationId xmlns:a16="http://schemas.microsoft.com/office/drawing/2014/main" id="{D050B700-8B72-C5A7-7077-2356A240D084}"/>
+              </a:ext>
+            </a:extLst>
+          </p:cNvPr>
+          <p:cNvCxnSpPr>
+            <a:cxnSpLocks/>
+          </p:cNvCxnSpPr>
+          <p:nvPr/>
+        </p:nvCxnSpPr>
+        <p:spPr>
+          <a:xfrm>
+            <a:off x="350837" y="10383182"/>
+            <a:ext cx="6858000" cy="0"/>
+          </a:xfrm>
+          <a:prstGeom prst="line">
+            <a:avLst/>
+          </a:prstGeom>
+          <a:ln w="9525">
+            <a:solidFill>
+              <a:schemeClr val="tx2">
+                <a:lumMod val="50000"/>
+              </a:schemeClr>
+            </a:solidFill>
+          </a:ln>
+        </p:spPr>
+        <p:style>
+          <a:lnRef idx="1">
+            <a:schemeClr val="accent1"/>
+          </a:lnRef>
+          <a:fillRef idx="0">
+            <a:schemeClr val="accent1"/>
+          </a:fillRef>
+          <a:effectRef idx="0">
+            <a:schemeClr val="accent1"/>
+          </a:effectRef>
+          <a:fontRef idx="minor">
+            <a:schemeClr val="tx1"/>
+          </a:fontRef>
+        </p:style>
+      </p:cxnSp>
+      <p:sp>
+        <p:nvSpPr>
+          <p:cNvPr id="2" name="Flèche : double flèche horizontale 1">
+            <a:extLst>
+              <a:ext uri="{FF2B5EF4-FFF2-40B4-BE49-F238E27FC236}">
+                <a16:creationId xmlns:a16="http://schemas.microsoft.com/office/drawing/2014/main" id="{2A65A527-B205-5B50-C8FF-087C10425C3B}"/>
+              </a:ext>
+            </a:extLst>
+          </p:cNvPr>
+          <p:cNvSpPr/>
+          <p:nvPr/>
+        </p:nvSpPr>
+        <p:spPr>
+          <a:xfrm>
+            <a:off x="350837" y="4239869"/>
+            <a:ext cx="6858000" cy="366731"/>
+          </a:xfrm>
+          <a:prstGeom prst="leftRightArrow">
+            <a:avLst/>
+          </a:prstGeom>
+        </p:spPr>
+        <p:style>
+          <a:lnRef idx="3">
+            <a:schemeClr val="lt1"/>
+          </a:lnRef>
+          <a:fillRef idx="1">
+            <a:schemeClr val="accent4"/>
+          </a:fillRef>
+          <a:effectRef idx="1">
+            <a:schemeClr val="accent4"/>
+          </a:effectRef>
+          <a:fontRef idx="minor">
+            <a:schemeClr val="lt1"/>
+          </a:fontRef>
+        </p:style>
+        <p:txBody>
+          <a:bodyPr rtlCol="0" anchor="ctr"/>
+          <a:lstStyle/>
+          <a:p>
+            <a:pPr lvl="1" algn="ctr"/>
+            <a:r>
+              <a:rPr lang="fr-FR" sz="1050" dirty="0">
+                <a:latin typeface="Arial Nova" panose="020B0504020202020204" pitchFamily="34" charset="0"/>
+              </a:rPr>
+              <a:t>2 examinateurs qui viennent chacun indépendamment à tour de rôle</a:t>
+            </a:r>
+          </a:p>
+        </p:txBody>
+      </p:sp>
+      <p:sp>
+        <p:nvSpPr>
+          <p:cNvPr id="5" name="Flèche : double flèche horizontale 4">
+            <a:extLst>
+              <a:ext uri="{FF2B5EF4-FFF2-40B4-BE49-F238E27FC236}">
+                <a16:creationId xmlns:a16="http://schemas.microsoft.com/office/drawing/2014/main" id="{0C0ED3DE-7958-CE58-F330-3269F1071FCB}"/>
+              </a:ext>
+            </a:extLst>
+          </p:cNvPr>
+          <p:cNvSpPr/>
+          <p:nvPr/>
+        </p:nvSpPr>
+        <p:spPr>
+          <a:xfrm>
+            <a:off x="350837" y="4624308"/>
+            <a:ext cx="6858000" cy="658461"/>
+          </a:xfrm>
+          <a:prstGeom prst="leftRightArrow">
+            <a:avLst>
+              <a:gd name="adj1" fmla="val 50000"/>
+              <a:gd name="adj2" fmla="val 28141"/>
+            </a:avLst>
+          </a:prstGeom>
+          <a:ln w="19050"/>
+        </p:spPr>
+        <p:style>
+          <a:lnRef idx="2">
+            <a:schemeClr val="accent4"/>
+          </a:lnRef>
+          <a:fillRef idx="1">
+            <a:schemeClr val="lt1"/>
+          </a:fillRef>
+          <a:effectRef idx="0">
+            <a:schemeClr val="accent4"/>
+          </a:effectRef>
+          <a:fontRef idx="minor">
+            <a:schemeClr val="dk1"/>
+          </a:fontRef>
+        </p:style>
+        <p:txBody>
+          <a:bodyPr rtlCol="0" anchor="ctr"/>
+          <a:lstStyle/>
+          <a:p>
+            <a:pPr algn="ctr"/>
+            <a:r>
+              <a:rPr lang="fr-FR" sz="1000" dirty="0">
+                <a:latin typeface="Arial Nova" panose="020B0504020202020204" pitchFamily="34" charset="0"/>
+              </a:rPr>
+              <a:t>Conservation sur Power Point ou Libre Office de courbes. </a:t>
+            </a:r>
+          </a:p>
+          <a:p>
+            <a:pPr algn="ctr"/>
+            <a:r>
+              <a:rPr lang="fr-FR" sz="1000" dirty="0">
+                <a:latin typeface="Arial Nova" panose="020B0504020202020204" pitchFamily="34" charset="0"/>
+              </a:rPr>
+              <a:t>Penser à stocker les conditions des essais conservés</a:t>
+            </a:r>
+          </a:p>
+        </p:txBody>
+      </p:sp>
+      <p:sp>
+        <p:nvSpPr>
+          <p:cNvPr id="27" name="ZoneTexte 26">
+            <a:extLst>
+              <a:ext uri="{FF2B5EF4-FFF2-40B4-BE49-F238E27FC236}">
+                <a16:creationId xmlns:a16="http://schemas.microsoft.com/office/drawing/2014/main" id="{AFCD28B7-DF0E-B77C-7FBB-91C1D1CA430D}"/>
+              </a:ext>
+            </a:extLst>
+          </p:cNvPr>
+          <p:cNvSpPr txBox="1"/>
+          <p:nvPr/>
+        </p:nvSpPr>
+        <p:spPr>
+          <a:xfrm>
+            <a:off x="1039542" y="9758945"/>
+            <a:ext cx="720726" cy="157324"/>
+          </a:xfrm>
+          <a:prstGeom prst="rect">
+            <a:avLst/>
+          </a:prstGeom>
+          <a:solidFill>
+            <a:schemeClr val="accent1"/>
+          </a:solidFill>
+          <a:ln>
+            <a:noFill/>
+          </a:ln>
+        </p:spPr>
+        <p:style>
+          <a:lnRef idx="2">
+            <a:schemeClr val="accent6">
+              <a:shade val="50000"/>
+            </a:schemeClr>
+          </a:lnRef>
+          <a:fillRef idx="1">
+            <a:schemeClr val="accent6"/>
+          </a:fillRef>
+          <a:effectRef idx="0">
+            <a:schemeClr val="accent6"/>
+          </a:effectRef>
+          <a:fontRef idx="minor">
+            <a:schemeClr val="lt1"/>
+          </a:fontRef>
+        </p:style>
+        <p:txBody>
+          <a:bodyPr lIns="0" tIns="0" rIns="0" bIns="0" rtlCol="0" anchor="ctr"/>
+          <a:lstStyle>
+            <a:defPPr>
+              <a:defRPr lang="en-US"/>
+            </a:defPPr>
+            <a:lvl1pPr algn="ctr">
+              <a:defRPr sz="1200" b="1">
+                <a:solidFill>
+                  <a:schemeClr val="lt1"/>
+                </a:solidFill>
+              </a:defRPr>
+            </a:lvl1pPr>
+            <a:lvl2pPr>
+              <a:defRPr>
+                <a:solidFill>
+                  <a:schemeClr val="lt1"/>
+                </a:solidFill>
+              </a:defRPr>
+            </a:lvl2pPr>
+            <a:lvl3pPr>
+              <a:defRPr>
+                <a:solidFill>
+                  <a:schemeClr val="lt1"/>
+                </a:solidFill>
+              </a:defRPr>
+            </a:lvl3pPr>
+            <a:lvl4pPr>
+              <a:defRPr>
+                <a:solidFill>
+                  <a:schemeClr val="lt1"/>
+                </a:solidFill>
+              </a:defRPr>
+            </a:lvl4pPr>
+            <a:lvl5pPr>
+              <a:defRPr>
+                <a:solidFill>
+                  <a:schemeClr val="lt1"/>
+                </a:solidFill>
+              </a:defRPr>
+            </a:lvl5pPr>
+            <a:lvl6pPr>
+              <a:defRPr>
+                <a:solidFill>
+                  <a:schemeClr val="lt1"/>
+                </a:solidFill>
+              </a:defRPr>
+            </a:lvl6pPr>
+            <a:lvl7pPr>
+              <a:defRPr>
+                <a:solidFill>
+                  <a:schemeClr val="lt1"/>
+                </a:solidFill>
+              </a:defRPr>
+            </a:lvl7pPr>
+            <a:lvl8pPr>
+              <a:defRPr>
+                <a:solidFill>
+                  <a:schemeClr val="lt1"/>
+                </a:solidFill>
+              </a:defRPr>
+            </a:lvl8pPr>
+            <a:lvl9pPr>
+              <a:defRPr>
+                <a:solidFill>
+                  <a:schemeClr val="lt1"/>
+                </a:solidFill>
+              </a:defRPr>
+            </a:lvl9pPr>
+          </a:lstStyle>
+          <a:p>
+            <a:r>
+              <a:rPr lang="fr-FR" sz="900" b="0" dirty="0">
+                <a:latin typeface="Arial Nova" panose="020B0504020202020204" pitchFamily="34" charset="0"/>
+              </a:rPr>
+              <a:t>SolidWorks ?</a:t>
+            </a:r>
+          </a:p>
+        </p:txBody>
+      </p:sp>
+      <p:sp>
+        <p:nvSpPr>
+          <p:cNvPr id="28" name="ZoneTexte 27">
+            <a:extLst>
+              <a:ext uri="{FF2B5EF4-FFF2-40B4-BE49-F238E27FC236}">
+                <a16:creationId xmlns:a16="http://schemas.microsoft.com/office/drawing/2014/main" id="{F76094D1-AAEF-B806-3981-9D0003D36251}"/>
+              </a:ext>
+            </a:extLst>
+          </p:cNvPr>
+          <p:cNvSpPr txBox="1"/>
+          <p:nvPr/>
+        </p:nvSpPr>
+        <p:spPr>
+          <a:xfrm>
+            <a:off x="1828691" y="9759806"/>
+            <a:ext cx="720726" cy="157324"/>
+          </a:xfrm>
+          <a:prstGeom prst="rect">
+            <a:avLst/>
+          </a:prstGeom>
+          <a:solidFill>
+            <a:schemeClr val="accent1"/>
+          </a:solidFill>
+          <a:ln>
+            <a:noFill/>
+          </a:ln>
+        </p:spPr>
+        <p:style>
+          <a:lnRef idx="2">
+            <a:schemeClr val="accent6">
+              <a:shade val="50000"/>
+            </a:schemeClr>
+          </a:lnRef>
+          <a:fillRef idx="1">
+            <a:schemeClr val="accent6"/>
+          </a:fillRef>
+          <a:effectRef idx="0">
+            <a:schemeClr val="accent6"/>
+          </a:effectRef>
+          <a:fontRef idx="minor">
+            <a:schemeClr val="lt1"/>
+          </a:fontRef>
+        </p:style>
+        <p:txBody>
+          <a:bodyPr lIns="0" tIns="0" rIns="0" bIns="0" rtlCol="0" anchor="ctr"/>
+          <a:lstStyle>
+            <a:defPPr>
+              <a:defRPr lang="en-US"/>
+            </a:defPPr>
+            <a:lvl1pPr algn="ctr">
+              <a:defRPr sz="1200" b="1">
+                <a:solidFill>
+                  <a:schemeClr val="lt1"/>
+                </a:solidFill>
+              </a:defRPr>
+            </a:lvl1pPr>
+            <a:lvl2pPr>
+              <a:defRPr>
+                <a:solidFill>
+                  <a:schemeClr val="lt1"/>
+                </a:solidFill>
+              </a:defRPr>
+            </a:lvl2pPr>
+            <a:lvl3pPr>
+              <a:defRPr>
+                <a:solidFill>
+                  <a:schemeClr val="lt1"/>
+                </a:solidFill>
+              </a:defRPr>
+            </a:lvl3pPr>
+            <a:lvl4pPr>
+              <a:defRPr>
+                <a:solidFill>
+                  <a:schemeClr val="lt1"/>
+                </a:solidFill>
+              </a:defRPr>
+            </a:lvl4pPr>
+            <a:lvl5pPr>
+              <a:defRPr>
+                <a:solidFill>
+                  <a:schemeClr val="lt1"/>
+                </a:solidFill>
+              </a:defRPr>
+            </a:lvl5pPr>
+            <a:lvl6pPr>
+              <a:defRPr>
+                <a:solidFill>
+                  <a:schemeClr val="lt1"/>
+                </a:solidFill>
+              </a:defRPr>
+            </a:lvl6pPr>
+            <a:lvl7pPr>
+              <a:defRPr>
+                <a:solidFill>
+                  <a:schemeClr val="lt1"/>
+                </a:solidFill>
+              </a:defRPr>
+            </a:lvl7pPr>
+            <a:lvl8pPr>
+              <a:defRPr>
+                <a:solidFill>
+                  <a:schemeClr val="lt1"/>
+                </a:solidFill>
+              </a:defRPr>
+            </a:lvl8pPr>
+            <a:lvl9pPr>
+              <a:defRPr>
+                <a:solidFill>
+                  <a:schemeClr val="lt1"/>
+                </a:solidFill>
+              </a:defRPr>
+            </a:lvl9pPr>
+          </a:lstStyle>
+          <a:p>
+            <a:r>
+              <a:rPr lang="fr-FR" sz="900" b="0" dirty="0">
+                <a:latin typeface="Arial Nova" panose="020B0504020202020204" pitchFamily="34" charset="0"/>
+              </a:rPr>
+              <a:t>Scilab ?</a:t>
+            </a:r>
+          </a:p>
+        </p:txBody>
+      </p:sp>
+      <p:sp>
+        <p:nvSpPr>
+          <p:cNvPr id="36" name="ZoneTexte 35">
+            <a:extLst>
+              <a:ext uri="{FF2B5EF4-FFF2-40B4-BE49-F238E27FC236}">
+                <a16:creationId xmlns:a16="http://schemas.microsoft.com/office/drawing/2014/main" id="{6F7DAB98-FB88-C06A-392C-7B6EDA45AB84}"/>
+              </a:ext>
+            </a:extLst>
+          </p:cNvPr>
+          <p:cNvSpPr txBox="1"/>
+          <p:nvPr/>
+        </p:nvSpPr>
+        <p:spPr>
+          <a:xfrm>
+            <a:off x="3804620" y="1305174"/>
+            <a:ext cx="1620520" cy="261610"/>
+          </a:xfrm>
+          <a:prstGeom prst="rect">
+            <a:avLst/>
+          </a:prstGeom>
+          <a:noFill/>
+        </p:spPr>
+        <p:txBody>
+          <a:bodyPr wrap="square" rtlCol="0">
+            <a:spAutoFit/>
+          </a:bodyPr>
+          <a:lstStyle/>
+          <a:p>
+            <a:r>
+              <a:rPr lang="fr-FR" sz="1100" dirty="0">
+                <a:latin typeface="Arial Nova" panose="020B0504020202020204" pitchFamily="34" charset="0"/>
+              </a:rPr>
+              <a:t>Lieu de passage </a:t>
+            </a:r>
+          </a:p>
+        </p:txBody>
+      </p:sp>
+      <p:sp>
+        <p:nvSpPr>
+          <p:cNvPr id="41" name="ZoneTexte 40">
+            <a:extLst>
+              <a:ext uri="{FF2B5EF4-FFF2-40B4-BE49-F238E27FC236}">
+                <a16:creationId xmlns:a16="http://schemas.microsoft.com/office/drawing/2014/main" id="{9208D06A-36D4-7961-D1DF-0B4A458A2AC5}"/>
+              </a:ext>
+            </a:extLst>
+          </p:cNvPr>
+          <p:cNvSpPr txBox="1"/>
+          <p:nvPr/>
+        </p:nvSpPr>
+        <p:spPr>
+          <a:xfrm>
+            <a:off x="5252599" y="1334134"/>
+            <a:ext cx="1576414" cy="187161"/>
+          </a:xfrm>
+          <a:prstGeom prst="rect">
+            <a:avLst/>
+          </a:prstGeom>
+          <a:ln>
+            <a:noFill/>
+          </a:ln>
+        </p:spPr>
+        <p:style>
+          <a:lnRef idx="2">
+            <a:schemeClr val="accent6">
+              <a:shade val="50000"/>
+            </a:schemeClr>
+          </a:lnRef>
+          <a:fillRef idx="1">
+            <a:schemeClr val="accent6"/>
+          </a:fillRef>
+          <a:effectRef idx="0">
+            <a:schemeClr val="accent6"/>
+          </a:effectRef>
+          <a:fontRef idx="minor">
+            <a:schemeClr val="lt1"/>
+          </a:fontRef>
+        </p:style>
+        <p:txBody>
+          <a:bodyPr lIns="0" tIns="0" rIns="0" bIns="0" rtlCol="0" anchor="ctr"/>
+          <a:lstStyle>
+            <a:defPPr>
+              <a:defRPr lang="en-US"/>
+            </a:defPPr>
+            <a:lvl1pPr algn="ctr">
+              <a:defRPr sz="1200" b="1">
+                <a:solidFill>
+                  <a:schemeClr val="lt1"/>
+                </a:solidFill>
+              </a:defRPr>
+            </a:lvl1pPr>
+            <a:lvl2pPr>
+              <a:defRPr>
+                <a:solidFill>
+                  <a:schemeClr val="lt1"/>
+                </a:solidFill>
+              </a:defRPr>
+            </a:lvl2pPr>
+            <a:lvl3pPr>
+              <a:defRPr>
+                <a:solidFill>
+                  <a:schemeClr val="lt1"/>
+                </a:solidFill>
+              </a:defRPr>
+            </a:lvl3pPr>
+            <a:lvl4pPr>
+              <a:defRPr>
+                <a:solidFill>
+                  <a:schemeClr val="lt1"/>
+                </a:solidFill>
+              </a:defRPr>
+            </a:lvl4pPr>
+            <a:lvl5pPr>
+              <a:defRPr>
+                <a:solidFill>
+                  <a:schemeClr val="lt1"/>
+                </a:solidFill>
+              </a:defRPr>
+            </a:lvl5pPr>
+            <a:lvl6pPr>
+              <a:defRPr>
+                <a:solidFill>
+                  <a:schemeClr val="lt1"/>
+                </a:solidFill>
+              </a:defRPr>
+            </a:lvl6pPr>
+            <a:lvl7pPr>
+              <a:defRPr>
+                <a:solidFill>
+                  <a:schemeClr val="lt1"/>
+                </a:solidFill>
+              </a:defRPr>
+            </a:lvl7pPr>
+            <a:lvl8pPr>
+              <a:defRPr>
+                <a:solidFill>
+                  <a:schemeClr val="lt1"/>
+                </a:solidFill>
+              </a:defRPr>
+            </a:lvl8pPr>
+            <a:lvl9pPr>
+              <a:defRPr>
+                <a:solidFill>
+                  <a:schemeClr val="lt1"/>
+                </a:solidFill>
+              </a:defRPr>
+            </a:lvl9pPr>
+          </a:lstStyle>
+          <a:p>
+            <a:r>
+              <a:rPr lang="fr-FR" sz="1000" dirty="0">
+                <a:latin typeface="Arial Nova" panose="020B0504020202020204" pitchFamily="34" charset="0"/>
+              </a:rPr>
+              <a:t>ENS Paris Saclay</a:t>
+            </a:r>
+          </a:p>
+        </p:txBody>
+      </p:sp>
+      <p:grpSp>
+        <p:nvGrpSpPr>
+          <p:cNvPr id="61" name="Groupe 60"/>
+          <p:cNvGrpSpPr/>
+          <p:nvPr/>
+        </p:nvGrpSpPr>
+        <p:grpSpPr>
+          <a:xfrm>
+            <a:off x="520896" y="1941201"/>
+            <a:ext cx="1831238" cy="721819"/>
+            <a:chOff x="462159" y="1510194"/>
+            <a:chExt cx="1831238" cy="721819"/>
+          </a:xfrm>
+        </p:grpSpPr>
+        <p:pic>
+          <p:nvPicPr>
+            <p:cNvPr id="62" name="Image 61"/>
+            <p:cNvPicPr>
+              <a:picLocks noChangeAspect="1"/>
+            </p:cNvPicPr>
+            <p:nvPr/>
+          </p:nvPicPr>
+          <p:blipFill>
+            <a:blip r:embed="rId4" cstate="hqprint">
+              <a:extLst>
+                <a:ext uri="{28A0092B-C50C-407E-A947-70E740481C1C}">
+                  <a14:useLocalDpi xmlns:a14="http://schemas.microsoft.com/office/drawing/2010/main" val="0"/>
+                </a:ext>
+              </a:extLst>
+            </a:blip>
+            <a:stretch>
+              <a:fillRect/>
+            </a:stretch>
+          </p:blipFill>
+          <p:spPr>
+            <a:xfrm>
+              <a:off x="462159" y="1510194"/>
+              <a:ext cx="720000" cy="720000"/>
+            </a:xfrm>
+            <a:prstGeom prst="rect">
+              <a:avLst/>
+            </a:prstGeom>
+          </p:spPr>
+        </p:pic>
+        <p:pic>
+          <p:nvPicPr>
+            <p:cNvPr id="63" name="Image 62"/>
+            <p:cNvPicPr>
+              <a:picLocks noChangeAspect="1"/>
+            </p:cNvPicPr>
+            <p:nvPr/>
+          </p:nvPicPr>
+          <p:blipFill>
+            <a:blip r:embed="rId5" cstate="hqprint">
+              <a:extLst>
+                <a:ext uri="{28A0092B-C50C-407E-A947-70E740481C1C}">
+                  <a14:useLocalDpi xmlns:a14="http://schemas.microsoft.com/office/drawing/2010/main" val="0"/>
+                </a:ext>
+              </a:extLst>
+            </a:blip>
+            <a:stretch>
+              <a:fillRect/>
+            </a:stretch>
+          </p:blipFill>
+          <p:spPr>
+            <a:xfrm>
+              <a:off x="1573397" y="1512013"/>
+              <a:ext cx="720000" cy="720000"/>
+            </a:xfrm>
+            <a:prstGeom prst="rect">
+              <a:avLst/>
+            </a:prstGeom>
+          </p:spPr>
+        </p:pic>
+      </p:grpSp>
+      <p:sp>
+        <p:nvSpPr>
+          <p:cNvPr id="71" name="ZoneTexte 70">
+            <a:extLst>
+              <a:ext uri="{FF2B5EF4-FFF2-40B4-BE49-F238E27FC236}">
+                <a16:creationId xmlns:a16="http://schemas.microsoft.com/office/drawing/2014/main" id="{F76094D1-AAEF-B806-3981-9D0003D36251}"/>
+              </a:ext>
+            </a:extLst>
+          </p:cNvPr>
+          <p:cNvSpPr txBox="1"/>
+          <p:nvPr/>
+        </p:nvSpPr>
+        <p:spPr>
+          <a:xfrm>
+            <a:off x="2617840" y="9758945"/>
+            <a:ext cx="720726" cy="157324"/>
+          </a:xfrm>
+          <a:prstGeom prst="rect">
+            <a:avLst/>
+          </a:prstGeom>
+          <a:solidFill>
+            <a:schemeClr val="accent1"/>
+          </a:solidFill>
+          <a:ln>
+            <a:noFill/>
+          </a:ln>
+        </p:spPr>
+        <p:style>
+          <a:lnRef idx="2">
+            <a:schemeClr val="accent6">
+              <a:shade val="50000"/>
+            </a:schemeClr>
+          </a:lnRef>
+          <a:fillRef idx="1">
+            <a:schemeClr val="accent6"/>
+          </a:fillRef>
+          <a:effectRef idx="0">
+            <a:schemeClr val="accent6"/>
+          </a:effectRef>
+          <a:fontRef idx="minor">
+            <a:schemeClr val="lt1"/>
+          </a:fontRef>
+        </p:style>
+        <p:txBody>
+          <a:bodyPr lIns="0" tIns="0" rIns="0" bIns="0" rtlCol="0" anchor="ctr"/>
+          <a:lstStyle>
+            <a:defPPr>
+              <a:defRPr lang="en-US"/>
+            </a:defPPr>
+            <a:lvl1pPr algn="ctr">
+              <a:defRPr sz="1200" b="1">
+                <a:solidFill>
+                  <a:schemeClr val="lt1"/>
+                </a:solidFill>
+              </a:defRPr>
+            </a:lvl1pPr>
+            <a:lvl2pPr>
+              <a:defRPr>
+                <a:solidFill>
+                  <a:schemeClr val="lt1"/>
+                </a:solidFill>
+              </a:defRPr>
+            </a:lvl2pPr>
+            <a:lvl3pPr>
+              <a:defRPr>
+                <a:solidFill>
+                  <a:schemeClr val="lt1"/>
+                </a:solidFill>
+              </a:defRPr>
+            </a:lvl3pPr>
+            <a:lvl4pPr>
+              <a:defRPr>
+                <a:solidFill>
+                  <a:schemeClr val="lt1"/>
+                </a:solidFill>
+              </a:defRPr>
+            </a:lvl4pPr>
+            <a:lvl5pPr>
+              <a:defRPr>
+                <a:solidFill>
+                  <a:schemeClr val="lt1"/>
+                </a:solidFill>
+              </a:defRPr>
+            </a:lvl5pPr>
+            <a:lvl6pPr>
+              <a:defRPr>
+                <a:solidFill>
+                  <a:schemeClr val="lt1"/>
+                </a:solidFill>
+              </a:defRPr>
+            </a:lvl6pPr>
+            <a:lvl7pPr>
+              <a:defRPr>
+                <a:solidFill>
+                  <a:schemeClr val="lt1"/>
+                </a:solidFill>
+              </a:defRPr>
+            </a:lvl7pPr>
+            <a:lvl8pPr>
+              <a:defRPr>
+                <a:solidFill>
+                  <a:schemeClr val="lt1"/>
+                </a:solidFill>
+              </a:defRPr>
+            </a:lvl8pPr>
+            <a:lvl9pPr>
+              <a:defRPr>
+                <a:solidFill>
+                  <a:schemeClr val="lt1"/>
+                </a:solidFill>
+              </a:defRPr>
+            </a:lvl9pPr>
+          </a:lstStyle>
+          <a:p>
+            <a:r>
+              <a:rPr lang="fr-FR" sz="900" b="0" dirty="0">
+                <a:latin typeface="Arial Nova" panose="020B0504020202020204" pitchFamily="34" charset="0"/>
+              </a:rPr>
+              <a:t>Matlab ?</a:t>
+            </a:r>
+          </a:p>
+        </p:txBody>
+      </p:sp>
+      <p:graphicFrame>
+        <p:nvGraphicFramePr>
+          <p:cNvPr id="72" name="Diagramme 71">
+            <a:extLst>
+              <a:ext uri="{FF2B5EF4-FFF2-40B4-BE49-F238E27FC236}">
+                <a16:creationId xmlns:a16="http://schemas.microsoft.com/office/drawing/2014/main" id="{BA8234FD-E8E8-A08C-7699-94337FE5B496}"/>
+              </a:ext>
+            </a:extLst>
+          </p:cNvPr>
+          <p:cNvGraphicFramePr/>
+          <p:nvPr>
+            <p:extLst>
+              <p:ext uri="{D42A27DB-BD31-4B8C-83A1-F6EECF244321}">
+                <p14:modId xmlns:p14="http://schemas.microsoft.com/office/powerpoint/2010/main" val="4176183310"/>
+              </p:ext>
+            </p:extLst>
+          </p:nvPr>
+        </p:nvGraphicFramePr>
+        <p:xfrm>
+          <a:off x="350837" y="2881173"/>
+          <a:ext cx="6858000" cy="1129815"/>
+        </p:xfrm>
+        <a:graphic>
+          <a:graphicData uri="http://schemas.openxmlformats.org/drawingml/2006/diagram">
+            <dgm:relIds xmlns:dgm="http://schemas.openxmlformats.org/drawingml/2006/diagram" xmlns:r="http://schemas.openxmlformats.org/officeDocument/2006/relationships" r:dm="rId6" r:lo="rId7" r:qs="rId8" r:cs="rId9"/>
+          </a:graphicData>
+        </a:graphic>
+      </p:graphicFrame>
+      <p:sp>
+        <p:nvSpPr>
+          <p:cNvPr id="15" name="Rectangle 14">
+            <a:extLst>
+              <a:ext uri="{FF2B5EF4-FFF2-40B4-BE49-F238E27FC236}">
+                <a16:creationId xmlns:a16="http://schemas.microsoft.com/office/drawing/2014/main" id="{4E984210-10A6-7F64-E47B-747EDBFDEFAE}"/>
+              </a:ext>
+            </a:extLst>
+          </p:cNvPr>
+          <p:cNvSpPr/>
+          <p:nvPr/>
+        </p:nvSpPr>
+        <p:spPr>
+          <a:xfrm>
+            <a:off x="3788229" y="5445571"/>
+            <a:ext cx="3661305" cy="4369850"/>
+          </a:xfrm>
+          <a:prstGeom prst="rect">
+            <a:avLst/>
+          </a:prstGeom>
+          <a:noFill/>
+          <a:ln>
+            <a:noFill/>
+          </a:ln>
+        </p:spPr>
+        <p:style>
+          <a:lnRef idx="2">
+            <a:schemeClr val="accent1"/>
+          </a:lnRef>
+          <a:fillRef idx="1">
+            <a:schemeClr val="lt1"/>
+          </a:fillRef>
+          <a:effectRef idx="0">
+            <a:schemeClr val="accent1"/>
+          </a:effectRef>
+          <a:fontRef idx="minor">
+            <a:schemeClr val="dk1"/>
+          </a:fontRef>
+        </p:style>
+        <p:txBody>
+          <a:bodyPr lIns="90000" tIns="0" rIns="0" bIns="0" numCol="1" rtlCol="0" anchor="t" anchorCtr="0"/>
+          <a:lstStyle/>
+          <a:p>
+            <a:pPr>
+              <a:buClr>
+                <a:schemeClr val="accent1"/>
+              </a:buClr>
+            </a:pPr>
+            <a:r>
+              <a:rPr lang="fr-FR" sz="800" dirty="0">
+                <a:latin typeface="Arial Nova" panose="020B0504020202020204" pitchFamily="34" charset="0"/>
+              </a:rPr>
+              <a:t>Les examinateurs ont aussi fait des remarques multiples et appuyées sur les points suivant :</a:t>
+            </a:r>
+          </a:p>
+          <a:p>
+            <a:pPr marL="171450" indent="-171450">
+              <a:buClr>
+                <a:schemeClr val="accent1"/>
+              </a:buClr>
+              <a:buFont typeface="Arial" panose="020B0604020202020204" pitchFamily="34" charset="0"/>
+              <a:buChar char="•"/>
+            </a:pPr>
+            <a:r>
+              <a:rPr lang="fr-FR" sz="800" dirty="0">
+                <a:latin typeface="Arial Nova" panose="020B0504020202020204" pitchFamily="34" charset="0"/>
+              </a:rPr>
+              <a:t>il est courant que les candidats fassent plusieurs essais et analysent plusieurs mesures afin de s’approprier le mécanisme et son fonctionnement. La différence entre les candidats se fait sur la capacité à argumenter une démarche expérimentale, à mener l’expérimentation avec méthode, et à analyser les mesures obtenues en les comparant avec des modèles théoriques ;</a:t>
+            </a:r>
+          </a:p>
+          <a:p>
+            <a:pPr marL="171450" indent="-171450">
+              <a:buClr>
+                <a:schemeClr val="accent1"/>
+              </a:buClr>
+              <a:buFont typeface="Arial" panose="020B0604020202020204" pitchFamily="34" charset="0"/>
+              <a:buChar char="•"/>
+            </a:pPr>
+            <a:r>
+              <a:rPr lang="fr-FR" sz="800" dirty="0">
+                <a:latin typeface="Arial Nova" panose="020B0504020202020204" pitchFamily="34" charset="0"/>
+              </a:rPr>
+              <a:t>les bases de la mécanique (cinématique, statique, dynamique) et des mathématiques (résolution d’équations différentielles, trigonométrie…) sont de moins en moins maîtrisées ce qui nuit fortement à l’aptitude des candidats à résoudre les situations rencontrées (exemple typique : isolement d’un système ou d’un sous-système utilisé pour l’identification des blocs et des flux entrants/sortants, ou pour les principes et théorèmes élémentaires de la mécanique; </a:t>
+            </a:r>
+          </a:p>
+          <a:p>
+            <a:pPr marL="171450" indent="-171450">
+              <a:buClr>
+                <a:schemeClr val="accent1"/>
+              </a:buClr>
+              <a:buFont typeface="Arial" panose="020B0604020202020204" pitchFamily="34" charset="0"/>
+              <a:buChar char="•"/>
+            </a:pPr>
+            <a:r>
+              <a:rPr lang="fr-FR" sz="800" dirty="0">
+                <a:latin typeface="Arial Nova" panose="020B0504020202020204" pitchFamily="34" charset="0"/>
+              </a:rPr>
+              <a:t>les comportements théoriques des systèmes asservis du 1er ou 2nd ordre sont connus (erreur statique, stabilité, classe…) d’une manière trop superficielle et scolaire. Les connaissances sur le fonctionnement réel d’un asservissement sont faibles ; </a:t>
+            </a:r>
+          </a:p>
+          <a:p>
+            <a:pPr marL="171450" indent="-171450">
+              <a:buClr>
+                <a:schemeClr val="accent1"/>
+              </a:buClr>
+              <a:buFont typeface="Arial" panose="020B0604020202020204" pitchFamily="34" charset="0"/>
+              <a:buChar char="•"/>
+            </a:pPr>
+            <a:r>
+              <a:rPr lang="fr-FR" sz="800" dirty="0">
+                <a:latin typeface="Arial Nova" panose="020B0504020202020204" pitchFamily="34" charset="0"/>
+              </a:rPr>
+              <a:t>il apparait aussi un manque de connaissance de plus en plus grand sur la culture technologique, notamment sur les technologies de capteurs (apprendre théoriquement comment un capteur fonctionne ne suffit pas, il faut pouvoir l’expliquer dans le cadre du support technologique proposé pendant l’épreuve).</a:t>
+            </a:r>
+          </a:p>
+          <a:p>
+            <a:pPr marL="171450" indent="-171450">
+              <a:buClr>
+                <a:schemeClr val="accent1"/>
+              </a:buClr>
+              <a:buFont typeface="Arial" panose="020B0604020202020204" pitchFamily="34" charset="0"/>
+              <a:buChar char="•"/>
+            </a:pPr>
+            <a:r>
+              <a:rPr lang="fr-FR" sz="800" dirty="0">
+                <a:latin typeface="Arial Nova" panose="020B0504020202020204" pitchFamily="34" charset="0"/>
+              </a:rPr>
+              <a:t>la connaissance des composants de technologie pneumatique (vérins, distributeurs…) est devenue également très insuffisante. En ce qui concerne les actionneurs, bien trop souvent le seul connu est le moteur à courant continu… ;</a:t>
+            </a:r>
+          </a:p>
+          <a:p>
+            <a:pPr marL="171450" indent="-171450">
+              <a:buClr>
+                <a:schemeClr val="accent1"/>
+              </a:buClr>
+              <a:buFont typeface="Arial" panose="020B0604020202020204" pitchFamily="34" charset="0"/>
+              <a:buChar char="•"/>
+            </a:pPr>
+            <a:r>
+              <a:rPr lang="fr-FR" sz="800" dirty="0">
+                <a:latin typeface="Arial Nova" panose="020B0504020202020204" pitchFamily="34" charset="0"/>
+              </a:rPr>
+              <a:t>aucun étudiant (ou presque) n’exploite les diagrammes et données SysML fournis pour étayer leur présentation et leur analyse des systèmes. Le jury rappelle que la mise à disposition des descriptions fonctionnelles SysML da</a:t>
+            </a:r>
+          </a:p>
+          <a:p>
+            <a:pPr marL="171450" indent="-171450">
+              <a:buClr>
+                <a:schemeClr val="accent1"/>
+              </a:buClr>
+              <a:buFont typeface="Arial" panose="020B0604020202020204" pitchFamily="34" charset="0"/>
+              <a:buChar char="•"/>
+            </a:pPr>
+            <a:r>
+              <a:rPr lang="fr-FR" sz="800" dirty="0">
+                <a:latin typeface="Arial Nova" panose="020B0504020202020204" pitchFamily="34" charset="0"/>
+              </a:rPr>
+              <a:t>les études de courbes sont trop souvent qualitatives et portées sur les formes des tracés en oubliant le caractère quantitatif </a:t>
+            </a:r>
+          </a:p>
+          <a:p>
+            <a:pPr marL="171450" indent="-171450">
+              <a:buClr>
+                <a:schemeClr val="accent1"/>
+              </a:buClr>
+              <a:buFont typeface="Arial" panose="020B0604020202020204" pitchFamily="34" charset="0"/>
+              <a:buChar char="•"/>
+            </a:pPr>
+            <a:r>
+              <a:rPr lang="fr-FR" sz="800" dirty="0">
+                <a:latin typeface="Arial Nova" panose="020B0504020202020204" pitchFamily="34" charset="0"/>
+              </a:rPr>
+              <a:t>les représentations graphiques (schéma cinématique notamment) sont généralement de qualité moyenne. </a:t>
+            </a:r>
+            <a:r>
+              <a:rPr lang="fr-FR" sz="800" b="1" dirty="0">
+                <a:latin typeface="Arial Nova" panose="020B0504020202020204" pitchFamily="34" charset="0"/>
+              </a:rPr>
+              <a:t>Elles manquent souvent de lisibilité (trop petites, sans couleur) </a:t>
+            </a:r>
+            <a:r>
+              <a:rPr lang="fr-FR" sz="800" dirty="0">
+                <a:latin typeface="Arial Nova" panose="020B0504020202020204" pitchFamily="34" charset="0"/>
+              </a:rPr>
+              <a:t>« un dessin vaut mieux qu’un long discours ».</a:t>
+            </a:r>
+          </a:p>
+        </p:txBody>
+      </p:sp>
+      <p:sp>
+        <p:nvSpPr>
+          <p:cNvPr id="39" name="ZoneTexte 38">
+            <a:extLst>
+              <a:ext uri="{FF2B5EF4-FFF2-40B4-BE49-F238E27FC236}">
+                <a16:creationId xmlns:a16="http://schemas.microsoft.com/office/drawing/2014/main" id="{092341BC-FCCA-AEF2-4BC6-91118C4B59C7}"/>
+              </a:ext>
+            </a:extLst>
+          </p:cNvPr>
+          <p:cNvSpPr txBox="1"/>
+          <p:nvPr/>
+        </p:nvSpPr>
+        <p:spPr>
+          <a:xfrm>
+            <a:off x="2617840" y="9964058"/>
+            <a:ext cx="720726" cy="157324"/>
+          </a:xfrm>
+          <a:prstGeom prst="rect">
+            <a:avLst/>
+          </a:prstGeom>
+          <a:solidFill>
+            <a:schemeClr val="accent1"/>
+          </a:solidFill>
+          <a:ln>
+            <a:noFill/>
+          </a:ln>
+        </p:spPr>
+        <p:style>
+          <a:lnRef idx="2">
+            <a:schemeClr val="accent6">
+              <a:shade val="50000"/>
+            </a:schemeClr>
+          </a:lnRef>
+          <a:fillRef idx="1">
+            <a:schemeClr val="accent6"/>
+          </a:fillRef>
+          <a:effectRef idx="0">
+            <a:schemeClr val="accent6"/>
+          </a:effectRef>
+          <a:fontRef idx="minor">
+            <a:schemeClr val="lt1"/>
+          </a:fontRef>
+        </p:style>
+        <p:txBody>
+          <a:bodyPr lIns="0" tIns="0" rIns="0" bIns="0" rtlCol="0" anchor="ctr"/>
+          <a:lstStyle>
+            <a:defPPr>
+              <a:defRPr lang="en-US"/>
+            </a:defPPr>
+            <a:lvl1pPr algn="ctr">
+              <a:defRPr sz="1200" b="1">
+                <a:solidFill>
+                  <a:schemeClr val="lt1"/>
+                </a:solidFill>
+              </a:defRPr>
+            </a:lvl1pPr>
+            <a:lvl2pPr>
+              <a:defRPr>
+                <a:solidFill>
+                  <a:schemeClr val="lt1"/>
+                </a:solidFill>
+              </a:defRPr>
+            </a:lvl2pPr>
+            <a:lvl3pPr>
+              <a:defRPr>
+                <a:solidFill>
+                  <a:schemeClr val="lt1"/>
+                </a:solidFill>
+              </a:defRPr>
+            </a:lvl3pPr>
+            <a:lvl4pPr>
+              <a:defRPr>
+                <a:solidFill>
+                  <a:schemeClr val="lt1"/>
+                </a:solidFill>
+              </a:defRPr>
+            </a:lvl4pPr>
+            <a:lvl5pPr>
+              <a:defRPr>
+                <a:solidFill>
+                  <a:schemeClr val="lt1"/>
+                </a:solidFill>
+              </a:defRPr>
+            </a:lvl5pPr>
+            <a:lvl6pPr>
+              <a:defRPr>
+                <a:solidFill>
+                  <a:schemeClr val="lt1"/>
+                </a:solidFill>
+              </a:defRPr>
+            </a:lvl6pPr>
+            <a:lvl7pPr>
+              <a:defRPr>
+                <a:solidFill>
+                  <a:schemeClr val="lt1"/>
+                </a:solidFill>
+              </a:defRPr>
+            </a:lvl7pPr>
+            <a:lvl8pPr>
+              <a:defRPr>
+                <a:solidFill>
+                  <a:schemeClr val="lt1"/>
+                </a:solidFill>
+              </a:defRPr>
+            </a:lvl8pPr>
+            <a:lvl9pPr>
+              <a:defRPr>
+                <a:solidFill>
+                  <a:schemeClr val="lt1"/>
+                </a:solidFill>
+              </a:defRPr>
+            </a:lvl9pPr>
+          </a:lstStyle>
+          <a:p>
+            <a:r>
+              <a:rPr lang="fr-FR" sz="900" b="0" dirty="0">
+                <a:latin typeface="Arial Nova" panose="020B0504020202020204" pitchFamily="34" charset="0"/>
+              </a:rPr>
+              <a:t>Tableur</a:t>
+            </a:r>
+          </a:p>
+        </p:txBody>
+      </p:sp>
+    </p:spTree>
+    <p:extLst>
+      <p:ext uri="{BB962C8B-B14F-4D97-AF65-F5344CB8AC3E}">
+        <p14:creationId xmlns:p14="http://schemas.microsoft.com/office/powerpoint/2010/main" val="136592792"/>
+      </p:ext>
+    </p:extLst>
+  </p:cSld>
+  <p:clrMapOvr>
+    <a:masterClrMapping/>
+  </p:clrMapOvr>
+</p:sld>
+</file>
+
+<file path=ppt/slides/slide5.xml><?xml version="1.0" encoding="utf-8"?>
 <p:sld xmlns:a="http://schemas.openxmlformats.org/drawingml/2006/main" xmlns:r="http://schemas.openxmlformats.org/officeDocument/2006/relationships" xmlns:p="http://schemas.openxmlformats.org/presentationml/2006/main">
   <p:cSld>
     <p:spTree>
@@ -39568,7 +43848,7 @@
 </p:sld>
 </file>
 
-<file path=ppt/slides/slide5.xml><?xml version="1.0" encoding="utf-8"?>
+<file path=ppt/slides/slide6.xml><?xml version="1.0" encoding="utf-8"?>
 <p:sld xmlns:a="http://schemas.openxmlformats.org/drawingml/2006/main" xmlns:r="http://schemas.openxmlformats.org/officeDocument/2006/relationships" xmlns:p="http://schemas.openxmlformats.org/presentationml/2006/main">
   <p:cSld>
     <p:spTree>
@@ -40172,7 +44452,7 @@
                 <a:hlinkClick r:id="rId2">
                   <a:extLst>
                     <a:ext uri="{A12FA001-AC4F-418D-AE19-62706E023703}">
-                      <ahyp:hlinkClr xmlns:ahyp="http://schemas.microsoft.com/office/drawing/2018/hyperlinkcolor" xmlns="" val="tx"/>
+                      <ahyp:hlinkClr xmlns:ahyp="http://schemas.microsoft.com/office/drawing/2018/hyperlinkcolor" val="tx"/>
                     </a:ext>
                   </a:extLst>
                 </a:hlinkClick>
@@ -40195,7 +44475,7 @@
                 <a:hlinkClick r:id="rId3">
                   <a:extLst>
                     <a:ext uri="{A12FA001-AC4F-418D-AE19-62706E023703}">
-                      <ahyp:hlinkClr xmlns:ahyp="http://schemas.microsoft.com/office/drawing/2018/hyperlinkcolor" xmlns="" val="tx"/>
+                      <ahyp:hlinkClr xmlns:ahyp="http://schemas.microsoft.com/office/drawing/2018/hyperlinkcolor" val="tx"/>
                     </a:ext>
                   </a:extLst>
                 </a:hlinkClick>
@@ -40759,13 +45039,13 @@
               </a:buClr>
             </a:pPr>
             <a:r>
-              <a:rPr lang="fr-FR" sz="1000" b="1" dirty="0" smtClean="0">
+              <a:rPr lang="fr-FR" sz="1000" b="1" dirty="0">
                 <a:latin typeface="Arial Nova" panose="020B0504020202020204" pitchFamily="34" charset="0"/>
               </a:rPr>
               <a:t>Analyser</a:t>
             </a:r>
             <a:r>
-              <a:rPr lang="fr-FR" sz="1000" dirty="0" smtClean="0">
+              <a:rPr lang="fr-FR" sz="1000" dirty="0">
                 <a:latin typeface="Arial Nova" panose="020B0504020202020204" pitchFamily="34" charset="0"/>
               </a:rPr>
               <a:t> : évaluer dans les 5 minutes d’introduction</a:t>
@@ -40778,13 +45058,13 @@
               </a:buClr>
             </a:pPr>
             <a:r>
-              <a:rPr lang="fr-FR" sz="1000" b="1" dirty="0" smtClean="0">
+              <a:rPr lang="fr-FR" sz="1000" b="1" dirty="0">
                 <a:latin typeface="Arial Nova" panose="020B0504020202020204" pitchFamily="34" charset="0"/>
               </a:rPr>
               <a:t>Modéliser</a:t>
             </a:r>
             <a:r>
-              <a:rPr lang="fr-FR" sz="1000" dirty="0" smtClean="0">
+              <a:rPr lang="fr-FR" sz="1000" dirty="0">
                 <a:latin typeface="Arial Nova" panose="020B0504020202020204" pitchFamily="34" charset="0"/>
               </a:rPr>
               <a:t> : appliquer des théorèmes généraux pour modéliser tout ou partie du système</a:t>
@@ -40797,14 +45077,14 @@
               </a:buClr>
             </a:pPr>
             <a:r>
-              <a:rPr lang="fr-FR" sz="1000" b="1" dirty="0" smtClean="0">
+              <a:rPr lang="fr-FR" sz="1000" b="1" dirty="0">
                 <a:latin typeface="Arial Nova" panose="020B0504020202020204" pitchFamily="34" charset="0"/>
                 <a:sym typeface="Wingdings" panose="05000000000000000000" pitchFamily="2" charset="2"/>
               </a:rPr>
               <a:t>Expérimenter</a:t>
             </a:r>
             <a:r>
-              <a:rPr lang="fr-FR" sz="1000" dirty="0" smtClean="0">
+              <a:rPr lang="fr-FR" sz="1000" dirty="0">
                 <a:latin typeface="Arial Nova" panose="020B0504020202020204" pitchFamily="34" charset="0"/>
                 <a:sym typeface="Wingdings" panose="05000000000000000000" pitchFamily="2" charset="2"/>
               </a:rPr>
@@ -40820,7 +45100,7 @@
               <a:buChar char="§"/>
             </a:pPr>
             <a:r>
-              <a:rPr lang="fr-FR" sz="1000" dirty="0" smtClean="0">
+              <a:rPr lang="fr-FR" sz="1000" dirty="0">
                 <a:latin typeface="Arial Nova" panose="020B0504020202020204" pitchFamily="34" charset="0"/>
                 <a:sym typeface="Wingdings" panose="05000000000000000000" pitchFamily="2" charset="2"/>
               </a:rPr>
@@ -40836,7 +45116,7 @@
               <a:buChar char="§"/>
             </a:pPr>
             <a:r>
-              <a:rPr lang="fr-FR" sz="1000" dirty="0" smtClean="0">
+              <a:rPr lang="fr-FR" sz="1000" dirty="0">
                 <a:latin typeface="Arial Nova" panose="020B0504020202020204" pitchFamily="34" charset="0"/>
                 <a:sym typeface="Wingdings" panose="05000000000000000000" pitchFamily="2" charset="2"/>
               </a:rPr>
@@ -40852,7 +45132,7 @@
               <a:buChar char="§"/>
             </a:pPr>
             <a:r>
-              <a:rPr lang="fr-FR" sz="1000" dirty="0" smtClean="0">
+              <a:rPr lang="fr-FR" sz="1000" dirty="0">
                 <a:latin typeface="Arial Nova" panose="020B0504020202020204" pitchFamily="34" charset="0"/>
                 <a:sym typeface="Wingdings" panose="05000000000000000000" pitchFamily="2" charset="2"/>
               </a:rPr>
@@ -40866,14 +45146,14 @@
               </a:buClr>
             </a:pPr>
             <a:r>
-              <a:rPr lang="fr-FR" sz="1000" b="1" dirty="0" smtClean="0">
+              <a:rPr lang="fr-FR" sz="1000" b="1" dirty="0">
                 <a:latin typeface="Arial Nova" panose="020B0504020202020204" pitchFamily="34" charset="0"/>
                 <a:sym typeface="Wingdings" panose="05000000000000000000" pitchFamily="2" charset="2"/>
               </a:rPr>
               <a:t>Résoudre</a:t>
             </a:r>
             <a:r>
-              <a:rPr lang="fr-FR" sz="1000" dirty="0" smtClean="0">
+              <a:rPr lang="fr-FR" sz="1000" dirty="0">
                 <a:latin typeface="Arial Nova" panose="020B0504020202020204" pitchFamily="34" charset="0"/>
                 <a:sym typeface="Wingdings" panose="05000000000000000000" pitchFamily="2" charset="2"/>
               </a:rPr>
@@ -40901,44 +45181,6 @@
               <a:buFont typeface="Wingdings" panose="05000000000000000000" pitchFamily="2" charset="2"/>
               <a:buChar char="§"/>
             </a:pPr>
-            <a:endParaRPr lang="fr-FR" sz="1000" dirty="0" smtClean="0">
-              <a:latin typeface="Arial Nova" panose="020B0504020202020204" pitchFamily="34" charset="0"/>
-              <a:sym typeface="Wingdings" panose="05000000000000000000" pitchFamily="2" charset="2"/>
-            </a:endParaRPr>
-          </a:p>
-          <a:p>
-            <a:pPr marL="285750" indent="-285750">
-              <a:buClr>
-                <a:schemeClr val="accent1"/>
-              </a:buClr>
-              <a:buFont typeface="Wingdings" panose="05000000000000000000" pitchFamily="2" charset="2"/>
-              <a:buChar char="§"/>
-            </a:pPr>
-            <a:endParaRPr lang="fr-FR" sz="1000" dirty="0" smtClean="0">
-              <a:latin typeface="Arial Nova" panose="020B0504020202020204" pitchFamily="34" charset="0"/>
-              <a:sym typeface="Wingdings" panose="05000000000000000000" pitchFamily="2" charset="2"/>
-            </a:endParaRPr>
-          </a:p>
-          <a:p>
-            <a:pPr>
-              <a:buClr>
-                <a:schemeClr val="accent1"/>
-              </a:buClr>
-            </a:pPr>
-            <a:r>
-              <a:rPr lang="fr-FR" sz="1000" b="1" dirty="0" smtClean="0">
-                <a:latin typeface="Arial Nova" panose="020B0504020202020204" pitchFamily="34" charset="0"/>
-                <a:sym typeface="Wingdings" panose="05000000000000000000" pitchFamily="2" charset="2"/>
-              </a:rPr>
-              <a:t>Conseils</a:t>
-            </a:r>
-            <a:r>
-              <a:rPr lang="fr-FR" sz="1000" dirty="0" smtClean="0">
-                <a:latin typeface="Arial Nova" panose="020B0504020202020204" pitchFamily="34" charset="0"/>
-                <a:sym typeface="Wingdings" panose="05000000000000000000" pitchFamily="2" charset="2"/>
-              </a:rPr>
-              <a:t> : </a:t>
-            </a:r>
             <a:endParaRPr lang="fr-FR" sz="1000" dirty="0">
               <a:latin typeface="Arial Nova" panose="020B0504020202020204" pitchFamily="34" charset="0"/>
               <a:sym typeface="Wingdings" panose="05000000000000000000" pitchFamily="2" charset="2"/>
@@ -40952,8 +45194,42 @@
               <a:buFont typeface="Wingdings" panose="05000000000000000000" pitchFamily="2" charset="2"/>
               <a:buChar char="§"/>
             </a:pPr>
+            <a:endParaRPr lang="fr-FR" sz="1000" dirty="0">
+              <a:latin typeface="Arial Nova" panose="020B0504020202020204" pitchFamily="34" charset="0"/>
+              <a:sym typeface="Wingdings" panose="05000000000000000000" pitchFamily="2" charset="2"/>
+            </a:endParaRPr>
+          </a:p>
+          <a:p>
+            <a:pPr>
+              <a:buClr>
+                <a:schemeClr val="accent1"/>
+              </a:buClr>
+            </a:pPr>
             <a:r>
-              <a:rPr lang="fr-FR" sz="1000" dirty="0" smtClean="0">
+              <a:rPr lang="fr-FR" sz="1000" b="1" dirty="0">
+                <a:latin typeface="Arial Nova" panose="020B0504020202020204" pitchFamily="34" charset="0"/>
+                <a:sym typeface="Wingdings" panose="05000000000000000000" pitchFamily="2" charset="2"/>
+              </a:rPr>
+              <a:t>Conseils</a:t>
+            </a:r>
+            <a:r>
+              <a:rPr lang="fr-FR" sz="1000" dirty="0">
+                <a:latin typeface="Arial Nova" panose="020B0504020202020204" pitchFamily="34" charset="0"/>
+                <a:sym typeface="Wingdings" panose="05000000000000000000" pitchFamily="2" charset="2"/>
+              </a:rPr>
+              <a:t> : </a:t>
+            </a:r>
+          </a:p>
+          <a:p>
+            <a:pPr marL="285750" indent="-285750">
+              <a:buClr>
+                <a:schemeClr val="accent1"/>
+              </a:buClr>
+              <a:buFont typeface="Wingdings" panose="05000000000000000000" pitchFamily="2" charset="2"/>
+              <a:buChar char="§"/>
+            </a:pPr>
+            <a:r>
+              <a:rPr lang="fr-FR" sz="1000" dirty="0">
                 <a:latin typeface="Arial Nova" panose="020B0504020202020204" pitchFamily="34" charset="0"/>
                 <a:sym typeface="Wingdings" panose="05000000000000000000" pitchFamily="2" charset="2"/>
               </a:rPr>
@@ -40969,7 +45245,7 @@
               <a:buChar char="§"/>
             </a:pPr>
             <a:r>
-              <a:rPr lang="fr-FR" sz="1000" dirty="0" smtClean="0">
+              <a:rPr lang="fr-FR" sz="1000" dirty="0">
                 <a:latin typeface="Arial Nova" panose="020B0504020202020204" pitchFamily="34" charset="0"/>
                 <a:sym typeface="Wingdings" panose="05000000000000000000" pitchFamily="2" charset="2"/>
               </a:rPr>
@@ -40985,7 +45261,7 @@
               <a:buChar char="§"/>
             </a:pPr>
             <a:r>
-              <a:rPr lang="fr-FR" sz="1000" dirty="0" smtClean="0">
+              <a:rPr lang="fr-FR" sz="1000" dirty="0">
                 <a:latin typeface="Arial Nova" panose="020B0504020202020204" pitchFamily="34" charset="0"/>
                 <a:sym typeface="Wingdings" panose="05000000000000000000" pitchFamily="2" charset="2"/>
               </a:rPr>
@@ -41001,7 +45277,7 @@
               <a:buChar char="§"/>
             </a:pPr>
             <a:r>
-              <a:rPr lang="fr-FR" sz="1000" dirty="0" smtClean="0">
+              <a:rPr lang="fr-FR" sz="1000" dirty="0">
                 <a:latin typeface="Arial Nova" panose="020B0504020202020204" pitchFamily="34" charset="0"/>
                 <a:sym typeface="Wingdings" panose="05000000000000000000" pitchFamily="2" charset="2"/>
               </a:rPr>
@@ -41017,7 +45293,7 @@
               <a:buChar char="§"/>
             </a:pPr>
             <a:r>
-              <a:rPr lang="fr-FR" sz="1000" dirty="0" smtClean="0">
+              <a:rPr lang="fr-FR" sz="1000" dirty="0">
                 <a:latin typeface="Arial Nova" panose="020B0504020202020204" pitchFamily="34" charset="0"/>
                 <a:sym typeface="Wingdings" panose="05000000000000000000" pitchFamily="2" charset="2"/>
               </a:rPr>
@@ -41033,18 +45309,11 @@
               <a:buChar char="§"/>
             </a:pPr>
             <a:r>
-              <a:rPr lang="fr-FR" sz="1000" dirty="0" smtClean="0">
-                <a:latin typeface="Arial Nova" panose="020B0504020202020204" pitchFamily="34" charset="0"/>
-                <a:sym typeface="Wingdings" panose="05000000000000000000" pitchFamily="2" charset="2"/>
-              </a:rPr>
-              <a:t>« Les </a:t>
-            </a:r>
-            <a:r>
               <a:rPr lang="fr-FR" sz="1000" dirty="0">
                 <a:latin typeface="Arial Nova" panose="020B0504020202020204" pitchFamily="34" charset="0"/>
                 <a:sym typeface="Wingdings" panose="05000000000000000000" pitchFamily="2" charset="2"/>
               </a:rPr>
-              <a:t>capteurs classiques (potentiomètre, codeur incrémental, génératrice </a:t>
+              <a:t>« Les capteurs classiques (potentiomètre, codeur incrémental, génératrice </a:t>
             </a:r>
             <a:r>
               <a:rPr lang="fr-FR" sz="1000" dirty="0" err="1">
@@ -41058,61 +45327,8 @@
                 <a:latin typeface="Arial Nova" panose="020B0504020202020204" pitchFamily="34" charset="0"/>
                 <a:sym typeface="Wingdings" panose="05000000000000000000" pitchFamily="2" charset="2"/>
               </a:rPr>
-              <a:t>, capteur d’effort</a:t>
+              <a:t>, capteur d’effort...) sont encore peu connus. Les candidats doivent être capables de proposer un capteur pour mesurer une grandeur particulière, expliquer le fonctionnement et proposer une fonction de transfert pour chacun de ces composants. »</a:t>
             </a:r>
-            <a:r>
-              <a:rPr lang="fr-FR" sz="1000" dirty="0" smtClean="0">
-                <a:latin typeface="Arial Nova" panose="020B0504020202020204" pitchFamily="34" charset="0"/>
-                <a:sym typeface="Wingdings" panose="05000000000000000000" pitchFamily="2" charset="2"/>
-              </a:rPr>
-              <a:t>...) sont </a:t>
-            </a:r>
-            <a:r>
-              <a:rPr lang="fr-FR" sz="1000" dirty="0">
-                <a:latin typeface="Arial Nova" panose="020B0504020202020204" pitchFamily="34" charset="0"/>
-                <a:sym typeface="Wingdings" panose="05000000000000000000" pitchFamily="2" charset="2"/>
-              </a:rPr>
-              <a:t>encore peu connus. Les candidats doivent être capables de proposer un capteur pour mesurer </a:t>
-            </a:r>
-            <a:r>
-              <a:rPr lang="fr-FR" sz="1000" dirty="0" smtClean="0">
-                <a:latin typeface="Arial Nova" panose="020B0504020202020204" pitchFamily="34" charset="0"/>
-                <a:sym typeface="Wingdings" panose="05000000000000000000" pitchFamily="2" charset="2"/>
-              </a:rPr>
-              <a:t>une grandeur </a:t>
-            </a:r>
-            <a:r>
-              <a:rPr lang="fr-FR" sz="1000" dirty="0">
-                <a:latin typeface="Arial Nova" panose="020B0504020202020204" pitchFamily="34" charset="0"/>
-                <a:sym typeface="Wingdings" panose="05000000000000000000" pitchFamily="2" charset="2"/>
-              </a:rPr>
-              <a:t>particulière, expliquer le fonctionnement et proposer une fonction de transfert pour chacun </a:t>
-            </a:r>
-            <a:r>
-              <a:rPr lang="fr-FR" sz="1000" dirty="0" smtClean="0">
-                <a:latin typeface="Arial Nova" panose="020B0504020202020204" pitchFamily="34" charset="0"/>
-                <a:sym typeface="Wingdings" panose="05000000000000000000" pitchFamily="2" charset="2"/>
-              </a:rPr>
-              <a:t>de ces </a:t>
-            </a:r>
-            <a:r>
-              <a:rPr lang="fr-FR" sz="1000" dirty="0">
-                <a:latin typeface="Arial Nova" panose="020B0504020202020204" pitchFamily="34" charset="0"/>
-                <a:sym typeface="Wingdings" panose="05000000000000000000" pitchFamily="2" charset="2"/>
-              </a:rPr>
-              <a:t>composants</a:t>
-            </a:r>
-            <a:r>
-              <a:rPr lang="fr-FR" sz="1000" dirty="0" smtClean="0">
-                <a:latin typeface="Arial Nova" panose="020B0504020202020204" pitchFamily="34" charset="0"/>
-                <a:sym typeface="Wingdings" panose="05000000000000000000" pitchFamily="2" charset="2"/>
-              </a:rPr>
-              <a:t>. »</a:t>
-            </a:r>
-            <a:endParaRPr lang="fr-FR" sz="1000" dirty="0">
-              <a:latin typeface="Arial Nova" panose="020B0504020202020204" pitchFamily="34" charset="0"/>
-              <a:sym typeface="Wingdings" panose="05000000000000000000" pitchFamily="2" charset="2"/>
-            </a:endParaRPr>
           </a:p>
           <a:p>
             <a:pPr marL="285750" indent="-285750">
@@ -41141,7 +45357,7 @@
 </p:sld>
 </file>
 
-<file path=ppt/slides/slide6.xml><?xml version="1.0" encoding="utf-8"?>
+<file path=ppt/slides/slide7.xml><?xml version="1.0" encoding="utf-8"?>
 <p:sld xmlns:a="http://schemas.openxmlformats.org/drawingml/2006/main" xmlns:r="http://schemas.openxmlformats.org/officeDocument/2006/relationships" xmlns:p="http://schemas.openxmlformats.org/presentationml/2006/main">
   <p:cSld>
     <p:spTree>
@@ -41620,7 +45836,7 @@
 </p:sld>
 </file>
 
-<file path=ppt/slides/slide7.xml><?xml version="1.0" encoding="utf-8"?>
+<file path=ppt/slides/slide8.xml><?xml version="1.0" encoding="utf-8"?>
 <p:sld xmlns:a="http://schemas.openxmlformats.org/drawingml/2006/main" xmlns:r="http://schemas.openxmlformats.org/officeDocument/2006/relationships" xmlns:p="http://schemas.openxmlformats.org/presentationml/2006/main" show="0">
   <p:cSld>
     <p:spTree>
@@ -42253,7 +46469,7 @@
                 <a:hlinkClick r:id="rId7">
                   <a:extLst>
                     <a:ext uri="{A12FA001-AC4F-418D-AE19-62706E023703}">
-                      <ahyp:hlinkClr xmlns:ahyp="http://schemas.microsoft.com/office/drawing/2018/hyperlinkcolor" xmlns="" val="tx"/>
+                      <ahyp:hlinkClr xmlns:ahyp="http://schemas.microsoft.com/office/drawing/2018/hyperlinkcolor" val="tx"/>
                     </a:ext>
                   </a:extLst>
                 </a:hlinkClick>
@@ -42276,7 +46492,7 @@
                 <a:hlinkClick r:id="rId8">
                   <a:extLst>
                     <a:ext uri="{A12FA001-AC4F-418D-AE19-62706E023703}">
-                      <ahyp:hlinkClr xmlns:ahyp="http://schemas.microsoft.com/office/drawing/2018/hyperlinkcolor" xmlns="" val="tx"/>
+                      <ahyp:hlinkClr xmlns:ahyp="http://schemas.microsoft.com/office/drawing/2018/hyperlinkcolor" val="tx"/>
                     </a:ext>
                   </a:extLst>
                 </a:hlinkClick>
@@ -42396,14 +46612,6 @@
   <p:clrMapOvr>
     <a:masterClrMapping/>
   </p:clrMapOvr>
-  <mc:AlternateContent xmlns:mc="http://schemas.openxmlformats.org/markup-compatibility/2006" xmlns:p14="http://schemas.microsoft.com/office/powerpoint/2010/main">
-    <mc:Choice Requires="p14">
-      <p:transition spd="slow" p14:dur="2000"/>
-    </mc:Choice>
-    <mc:Fallback xmlns="">
-      <p:transition spd="slow"/>
-    </mc:Fallback>
-  </mc:AlternateContent>
 </p:sld>
 </file>
 
